--- a/presentation.pptx
+++ b/presentation.pptx
@@ -11,6 +11,11 @@
     <p:sldId id="260" r:id="rId5"/>
     <p:sldId id="263" r:id="rId6"/>
     <p:sldId id="262" r:id="rId7"/>
+    <p:sldId id="267" r:id="rId8"/>
+    <p:sldId id="264" r:id="rId9"/>
+    <p:sldId id="265" r:id="rId10"/>
+    <p:sldId id="266" r:id="rId11"/>
+    <p:sldId id="268" r:id="rId12"/>
   </p:sldIdLst>
   <p:sldSz cx="12192000" cy="6858000"/>
   <p:notesSz cx="6858000" cy="9144000"/>
@@ -2101,7 +2106,7 @@
 <dgm:dataModel xmlns:dgm="http://schemas.openxmlformats.org/drawingml/2006/diagram" xmlns:a="http://schemas.openxmlformats.org/drawingml/2006/main">
   <dgm:ptLst>
     <dgm:pt modelId="{78CC0476-A9BF-4289-92DD-F46A0D677F5B}" type="doc">
-      <dgm:prSet loTypeId="urn:microsoft.com/office/officeart/2018/2/layout/IconCircleList" loCatId="icon" qsTypeId="urn:microsoft.com/office/officeart/2005/8/quickstyle/simple1" qsCatId="simple" csTypeId="urn:microsoft.com/office/officeart/2005/8/colors/accent1_2" csCatId="accent1" phldr="1"/>
+      <dgm:prSet loTypeId="urn:microsoft.com/office/officeart/2005/8/layout/hierarchy1" loCatId="hierarchy" qsTypeId="urn:microsoft.com/office/officeart/2005/8/quickstyle/simple1" qsCatId="simple" csTypeId="urn:microsoft.com/office/officeart/2005/8/colors/accent1_2" csCatId="accent1" phldr="1"/>
       <dgm:spPr/>
       <dgm:t>
         <a:bodyPr/>
@@ -2118,11 +2123,6 @@
         <a:bodyPr/>
         <a:lstStyle/>
         <a:p>
-          <a:pPr>
-            <a:lnSpc>
-              <a:spcPct val="100000"/>
-            </a:lnSpc>
-          </a:pPr>
           <a:r>
             <a:rPr lang="en-US" b="0" i="0" baseline="0"/>
             <a:t>Dataset features and types</a:t>
@@ -2149,58 +2149,6 @@
         <a:bodyPr/>
         <a:lstStyle/>
         <a:p>
-          <a:pPr>
-            <a:lnSpc>
-              <a:spcPct val="100000"/>
-            </a:lnSpc>
-          </a:pPr>
-          <a:endParaRPr lang="en-US"/>
-        </a:p>
-      </dgm:t>
-    </dgm:pt>
-    <dgm:pt modelId="{2A553BE6-19F1-4395-88C6-D70EDDD98D47}">
-      <dgm:prSet/>
-      <dgm:spPr/>
-      <dgm:t>
-        <a:bodyPr/>
-        <a:lstStyle/>
-        <a:p>
-          <a:pPr>
-            <a:lnSpc>
-              <a:spcPct val="100000"/>
-            </a:lnSpc>
-          </a:pPr>
-          <a:r>
-            <a:rPr lang="en-US" b="0" i="0" baseline="0"/>
-            <a:t>Missing values </a:t>
-          </a:r>
-          <a:endParaRPr lang="en-US"/>
-        </a:p>
-      </dgm:t>
-    </dgm:pt>
-    <dgm:pt modelId="{1740FE8B-B221-44BC-A595-3F2CAE136E31}" type="parTrans" cxnId="{421C2B07-7017-4B6E-BC88-77DF2A5A3B39}">
-      <dgm:prSet/>
-      <dgm:spPr/>
-      <dgm:t>
-        <a:bodyPr/>
-        <a:lstStyle/>
-        <a:p>
-          <a:endParaRPr lang="en-US"/>
-        </a:p>
-      </dgm:t>
-    </dgm:pt>
-    <dgm:pt modelId="{EF0EA37B-F6EE-4C1F-8DA0-ED79E3DAE945}" type="sibTrans" cxnId="{421C2B07-7017-4B6E-BC88-77DF2A5A3B39}">
-      <dgm:prSet/>
-      <dgm:spPr/>
-      <dgm:t>
-        <a:bodyPr/>
-        <a:lstStyle/>
-        <a:p>
-          <a:pPr>
-            <a:lnSpc>
-              <a:spcPct val="100000"/>
-            </a:lnSpc>
-          </a:pPr>
           <a:endParaRPr lang="en-US"/>
         </a:p>
       </dgm:t>
@@ -2212,11 +2160,6 @@
         <a:bodyPr/>
         <a:lstStyle/>
         <a:p>
-          <a:pPr>
-            <a:lnSpc>
-              <a:spcPct val="100000"/>
-            </a:lnSpc>
-          </a:pPr>
           <a:r>
             <a:rPr lang="en-US" b="0" i="0" baseline="0"/>
             <a:t>Feature distributions and correlations</a:t>
@@ -2243,11 +2186,6 @@
         <a:bodyPr/>
         <a:lstStyle/>
         <a:p>
-          <a:pPr>
-            <a:lnSpc>
-              <a:spcPct val="100000"/>
-            </a:lnSpc>
-          </a:pPr>
           <a:endParaRPr lang="en-US"/>
         </a:p>
       </dgm:t>
@@ -2259,11 +2197,6 @@
         <a:bodyPr/>
         <a:lstStyle/>
         <a:p>
-          <a:pPr>
-            <a:lnSpc>
-              <a:spcPct val="100000"/>
-            </a:lnSpc>
-          </a:pPr>
           <a:r>
             <a:rPr lang="en-US" b="0" i="0" baseline="0"/>
             <a:t>Key insights from visualizations</a:t>
@@ -2294,258 +2227,114 @@
         </a:p>
       </dgm:t>
     </dgm:pt>
-    <dgm:pt modelId="{5FD187DC-6D0A-4FF3-8229-6F0C29DC8F73}" type="pres">
-      <dgm:prSet presAssocID="{78CC0476-A9BF-4289-92DD-F46A0D677F5B}" presName="root" presStyleCnt="0">
+    <dgm:pt modelId="{77767F22-FD59-4649-8353-1B9A5951A6B4}" type="pres">
+      <dgm:prSet presAssocID="{78CC0476-A9BF-4289-92DD-F46A0D677F5B}" presName="hierChild1" presStyleCnt="0">
         <dgm:presLayoutVars>
+          <dgm:chPref val="1"/>
           <dgm:dir/>
-          <dgm:resizeHandles val="exact"/>
+          <dgm:animOne val="branch"/>
+          <dgm:animLvl val="lvl"/>
+          <dgm:resizeHandles/>
         </dgm:presLayoutVars>
       </dgm:prSet>
       <dgm:spPr/>
     </dgm:pt>
-    <dgm:pt modelId="{35B530BE-76F6-429C-8B24-9D026337F732}" type="pres">
-      <dgm:prSet presAssocID="{78CC0476-A9BF-4289-92DD-F46A0D677F5B}" presName="container" presStyleCnt="0">
+    <dgm:pt modelId="{CB53D338-300A-43CF-B808-7CD46867E5EF}" type="pres">
+      <dgm:prSet presAssocID="{F9705E7F-1AF6-4635-93D1-97BC014BAF9F}" presName="hierRoot1" presStyleCnt="0"/>
+      <dgm:spPr/>
+    </dgm:pt>
+    <dgm:pt modelId="{622BDB8A-9BF8-4458-AC6B-6D0CC7DAE264}" type="pres">
+      <dgm:prSet presAssocID="{F9705E7F-1AF6-4635-93D1-97BC014BAF9F}" presName="composite" presStyleCnt="0"/>
+      <dgm:spPr/>
+    </dgm:pt>
+    <dgm:pt modelId="{7AB73716-C783-4EDC-996C-C05FC0FEE5D2}" type="pres">
+      <dgm:prSet presAssocID="{F9705E7F-1AF6-4635-93D1-97BC014BAF9F}" presName="background" presStyleLbl="node0" presStyleIdx="0" presStyleCnt="3"/>
+      <dgm:spPr/>
+    </dgm:pt>
+    <dgm:pt modelId="{07DF7C55-5E65-4BED-AD51-D418525A10E5}" type="pres">
+      <dgm:prSet presAssocID="{F9705E7F-1AF6-4635-93D1-97BC014BAF9F}" presName="text" presStyleLbl="fgAcc0" presStyleIdx="0" presStyleCnt="3">
         <dgm:presLayoutVars>
-          <dgm:dir/>
-          <dgm:resizeHandles val="exact"/>
+          <dgm:chPref val="3"/>
         </dgm:presLayoutVars>
       </dgm:prSet>
       <dgm:spPr/>
     </dgm:pt>
-    <dgm:pt modelId="{9F94F3B8-10D7-45B2-8522-E3D77481E445}" type="pres">
-      <dgm:prSet presAssocID="{F9705E7F-1AF6-4635-93D1-97BC014BAF9F}" presName="compNode" presStyleCnt="0"/>
+    <dgm:pt modelId="{20922C93-8FBB-4AEB-ACE4-4AA15EE09299}" type="pres">
+      <dgm:prSet presAssocID="{F9705E7F-1AF6-4635-93D1-97BC014BAF9F}" presName="hierChild2" presStyleCnt="0"/>
       <dgm:spPr/>
     </dgm:pt>
-    <dgm:pt modelId="{ADA6D69C-F25B-47DF-89F3-86BF3BEFFF16}" type="pres">
-      <dgm:prSet presAssocID="{F9705E7F-1AF6-4635-93D1-97BC014BAF9F}" presName="iconBgRect" presStyleLbl="bgShp" presStyleIdx="0" presStyleCnt="4"/>
+    <dgm:pt modelId="{F7DCA427-8717-4D55-8623-1E2814F95AD3}" type="pres">
+      <dgm:prSet presAssocID="{04A3AD89-C2BB-4E44-A3FB-FE5519A3CC9C}" presName="hierRoot1" presStyleCnt="0"/>
       <dgm:spPr/>
     </dgm:pt>
-    <dgm:pt modelId="{E4C83EAD-B32A-4F2D-A7C2-3BEF92C2C57C}" type="pres">
-      <dgm:prSet presAssocID="{F9705E7F-1AF6-4635-93D1-97BC014BAF9F}" presName="iconRect" presStyleLbl="node1" presStyleIdx="0" presStyleCnt="4"/>
-      <dgm:spPr>
-        <a:blipFill>
-          <a:blip xmlns:r="http://schemas.openxmlformats.org/officeDocument/2006/relationships" r:embed="rId1">
-            <a:extLst>
-              <a:ext uri="{28A0092B-C50C-407E-A947-70E740481C1C}">
-                <a14:useLocalDpi xmlns:a14="http://schemas.microsoft.com/office/drawing/2010/main" val="0"/>
-              </a:ext>
-              <a:ext uri="{96DAC541-7B7A-43D3-8B79-37D633B846F1}">
-                <asvg:svgBlip xmlns:asvg="http://schemas.microsoft.com/office/drawing/2016/SVG/main" r:embed="rId2"/>
-              </a:ext>
-            </a:extLst>
-          </a:blip>
-          <a:stretch>
-            <a:fillRect/>
-          </a:stretch>
-        </a:blipFill>
-      </dgm:spPr>
-      <dgm:extLst>
-        <a:ext uri="{E40237B7-FDA0-4F09-8148-C483321AD2D9}">
-          <dgm14:cNvPr xmlns:dgm14="http://schemas.microsoft.com/office/drawing/2010/diagram" id="0" name="" descr="Database"/>
-        </a:ext>
-      </dgm:extLst>
-    </dgm:pt>
-    <dgm:pt modelId="{2BCF18C3-20FE-4C09-B534-473644E6B972}" type="pres">
-      <dgm:prSet presAssocID="{F9705E7F-1AF6-4635-93D1-97BC014BAF9F}" presName="spaceRect" presStyleCnt="0"/>
+    <dgm:pt modelId="{505FD1C4-F284-4AE6-A873-A0DFF2A8F4CD}" type="pres">
+      <dgm:prSet presAssocID="{04A3AD89-C2BB-4E44-A3FB-FE5519A3CC9C}" presName="composite" presStyleCnt="0"/>
       <dgm:spPr/>
     </dgm:pt>
-    <dgm:pt modelId="{844318C8-C1C6-4161-B60C-A70BAFB2DB4E}" type="pres">
-      <dgm:prSet presAssocID="{F9705E7F-1AF6-4635-93D1-97BC014BAF9F}" presName="textRect" presStyleLbl="revTx" presStyleIdx="0" presStyleCnt="4">
+    <dgm:pt modelId="{EBEFA9A9-C522-43DB-AEC4-37EDF228336F}" type="pres">
+      <dgm:prSet presAssocID="{04A3AD89-C2BB-4E44-A3FB-FE5519A3CC9C}" presName="background" presStyleLbl="node0" presStyleIdx="1" presStyleCnt="3"/>
+      <dgm:spPr/>
+    </dgm:pt>
+    <dgm:pt modelId="{D950EF78-F3C1-4C5E-B7F9-04910BC50F0B}" type="pres">
+      <dgm:prSet presAssocID="{04A3AD89-C2BB-4E44-A3FB-FE5519A3CC9C}" presName="text" presStyleLbl="fgAcc0" presStyleIdx="1" presStyleCnt="3">
         <dgm:presLayoutVars>
-          <dgm:chMax val="1"/>
-          <dgm:chPref val="1"/>
+          <dgm:chPref val="3"/>
         </dgm:presLayoutVars>
       </dgm:prSet>
       <dgm:spPr/>
     </dgm:pt>
-    <dgm:pt modelId="{5F516787-C4B8-424A-9041-5314FE39D2C3}" type="pres">
-      <dgm:prSet presAssocID="{5BE30F8E-8990-4C8C-8A7E-8D9CFB448A79}" presName="sibTrans" presStyleLbl="sibTrans2D1" presStyleIdx="0" presStyleCnt="0"/>
+    <dgm:pt modelId="{6016ABBA-776B-436D-867F-3A67BDB313EE}" type="pres">
+      <dgm:prSet presAssocID="{04A3AD89-C2BB-4E44-A3FB-FE5519A3CC9C}" presName="hierChild2" presStyleCnt="0"/>
       <dgm:spPr/>
     </dgm:pt>
-    <dgm:pt modelId="{144D98F4-9FAF-4472-9871-6472AFA29241}" type="pres">
-      <dgm:prSet presAssocID="{2A553BE6-19F1-4395-88C6-D70EDDD98D47}" presName="compNode" presStyleCnt="0"/>
+    <dgm:pt modelId="{F4442E46-0100-4437-967D-F365348DD395}" type="pres">
+      <dgm:prSet presAssocID="{D87994CA-C647-4FC1-AA82-DCD61524FCCE}" presName="hierRoot1" presStyleCnt="0"/>
       <dgm:spPr/>
     </dgm:pt>
-    <dgm:pt modelId="{79D3EF38-AD3E-4508-9E36-CAF0C4715285}" type="pres">
-      <dgm:prSet presAssocID="{2A553BE6-19F1-4395-88C6-D70EDDD98D47}" presName="iconBgRect" presStyleLbl="bgShp" presStyleIdx="1" presStyleCnt="4"/>
+    <dgm:pt modelId="{2BD2D900-238E-48FA-90EB-7AE53441A6DE}" type="pres">
+      <dgm:prSet presAssocID="{D87994CA-C647-4FC1-AA82-DCD61524FCCE}" presName="composite" presStyleCnt="0"/>
       <dgm:spPr/>
     </dgm:pt>
-    <dgm:pt modelId="{4076EEC5-E88F-45BF-B7F1-85DA9B1042E0}" type="pres">
-      <dgm:prSet presAssocID="{2A553BE6-19F1-4395-88C6-D70EDDD98D47}" presName="iconRect" presStyleLbl="node1" presStyleIdx="1" presStyleCnt="4"/>
-      <dgm:spPr>
-        <a:blipFill>
-          <a:blip xmlns:r="http://schemas.openxmlformats.org/officeDocument/2006/relationships" r:embed="rId3">
-            <a:extLst>
-              <a:ext uri="{28A0092B-C50C-407E-A947-70E740481C1C}">
-                <a14:useLocalDpi xmlns:a14="http://schemas.microsoft.com/office/drawing/2010/main" val="0"/>
-              </a:ext>
-              <a:ext uri="{96DAC541-7B7A-43D3-8B79-37D633B846F1}">
-                <asvg:svgBlip xmlns:asvg="http://schemas.microsoft.com/office/drawing/2016/SVG/main" r:embed="rId4"/>
-              </a:ext>
-            </a:extLst>
-          </a:blip>
-          <a:stretch>
-            <a:fillRect/>
-          </a:stretch>
-        </a:blipFill>
-      </dgm:spPr>
-      <dgm:extLst>
-        <a:ext uri="{E40237B7-FDA0-4F09-8148-C483321AD2D9}">
-          <dgm14:cNvPr xmlns:dgm14="http://schemas.microsoft.com/office/drawing/2010/diagram" id="0" name="" descr="Checkmark"/>
-        </a:ext>
-      </dgm:extLst>
-    </dgm:pt>
-    <dgm:pt modelId="{83EE6E38-0C4D-4CC0-9E98-543F5B17249D}" type="pres">
-      <dgm:prSet presAssocID="{2A553BE6-19F1-4395-88C6-D70EDDD98D47}" presName="spaceRect" presStyleCnt="0"/>
+    <dgm:pt modelId="{DF79DC51-CA3E-45EC-92E8-A5CD8B16648C}" type="pres">
+      <dgm:prSet presAssocID="{D87994CA-C647-4FC1-AA82-DCD61524FCCE}" presName="background" presStyleLbl="node0" presStyleIdx="2" presStyleCnt="3"/>
       <dgm:spPr/>
     </dgm:pt>
-    <dgm:pt modelId="{8AA3B357-2594-4E1E-B1A6-1DF6E7DBD2CD}" type="pres">
-      <dgm:prSet presAssocID="{2A553BE6-19F1-4395-88C6-D70EDDD98D47}" presName="textRect" presStyleLbl="revTx" presStyleIdx="1" presStyleCnt="4">
+    <dgm:pt modelId="{B712FEF9-7BB7-4C1C-87A3-196B54A3BFD0}" type="pres">
+      <dgm:prSet presAssocID="{D87994CA-C647-4FC1-AA82-DCD61524FCCE}" presName="text" presStyleLbl="fgAcc0" presStyleIdx="2" presStyleCnt="3">
         <dgm:presLayoutVars>
-          <dgm:chMax val="1"/>
-          <dgm:chPref val="1"/>
+          <dgm:chPref val="3"/>
         </dgm:presLayoutVars>
       </dgm:prSet>
       <dgm:spPr/>
     </dgm:pt>
-    <dgm:pt modelId="{6451899B-2A76-4357-A3B2-51F4C48687AA}" type="pres">
-      <dgm:prSet presAssocID="{EF0EA37B-F6EE-4C1F-8DA0-ED79E3DAE945}" presName="sibTrans" presStyleLbl="sibTrans2D1" presStyleIdx="0" presStyleCnt="0"/>
-      <dgm:spPr/>
-    </dgm:pt>
-    <dgm:pt modelId="{5E77D2C7-365A-43FF-A7CC-CCA3612AA90C}" type="pres">
-      <dgm:prSet presAssocID="{04A3AD89-C2BB-4E44-A3FB-FE5519A3CC9C}" presName="compNode" presStyleCnt="0"/>
-      <dgm:spPr/>
-    </dgm:pt>
-    <dgm:pt modelId="{5792B6CE-33A9-47FF-98E0-454704AB9D49}" type="pres">
-      <dgm:prSet presAssocID="{04A3AD89-C2BB-4E44-A3FB-FE5519A3CC9C}" presName="iconBgRect" presStyleLbl="bgShp" presStyleIdx="2" presStyleCnt="4"/>
-      <dgm:spPr/>
-    </dgm:pt>
-    <dgm:pt modelId="{574B0939-E653-499D-8687-C5A7A447777F}" type="pres">
-      <dgm:prSet presAssocID="{04A3AD89-C2BB-4E44-A3FB-FE5519A3CC9C}" presName="iconRect" presStyleLbl="node1" presStyleIdx="2" presStyleCnt="4"/>
-      <dgm:spPr>
-        <a:blipFill>
-          <a:blip xmlns:r="http://schemas.openxmlformats.org/officeDocument/2006/relationships" r:embed="rId5">
-            <a:extLst>
-              <a:ext uri="{28A0092B-C50C-407E-A947-70E740481C1C}">
-                <a14:useLocalDpi xmlns:a14="http://schemas.microsoft.com/office/drawing/2010/main" val="0"/>
-              </a:ext>
-              <a:ext uri="{96DAC541-7B7A-43D3-8B79-37D633B846F1}">
-                <asvg:svgBlip xmlns:asvg="http://schemas.microsoft.com/office/drawing/2016/SVG/main" r:embed="rId6"/>
-              </a:ext>
-            </a:extLst>
-          </a:blip>
-          <a:stretch>
-            <a:fillRect/>
-          </a:stretch>
-        </a:blipFill>
-      </dgm:spPr>
-      <dgm:extLst>
-        <a:ext uri="{E40237B7-FDA0-4F09-8148-C483321AD2D9}">
-          <dgm14:cNvPr xmlns:dgm14="http://schemas.microsoft.com/office/drawing/2010/diagram" id="0" name="" descr="Bar chart"/>
-        </a:ext>
-      </dgm:extLst>
-    </dgm:pt>
-    <dgm:pt modelId="{CE4B3C71-F969-4648-AAF8-EAD286377C85}" type="pres">
-      <dgm:prSet presAssocID="{04A3AD89-C2BB-4E44-A3FB-FE5519A3CC9C}" presName="spaceRect" presStyleCnt="0"/>
-      <dgm:spPr/>
-    </dgm:pt>
-    <dgm:pt modelId="{E34D17DE-09ED-4918-A3B7-4735F2AB223A}" type="pres">
-      <dgm:prSet presAssocID="{04A3AD89-C2BB-4E44-A3FB-FE5519A3CC9C}" presName="textRect" presStyleLbl="revTx" presStyleIdx="2" presStyleCnt="4">
-        <dgm:presLayoutVars>
-          <dgm:chMax val="1"/>
-          <dgm:chPref val="1"/>
-        </dgm:presLayoutVars>
-      </dgm:prSet>
-      <dgm:spPr/>
-    </dgm:pt>
-    <dgm:pt modelId="{7ACE7D6B-F723-4B40-AC7E-55D5995453E8}" type="pres">
-      <dgm:prSet presAssocID="{4A8056EF-9AFF-47C2-AF82-AE33B199529C}" presName="sibTrans" presStyleLbl="sibTrans2D1" presStyleIdx="0" presStyleCnt="0"/>
-      <dgm:spPr/>
-    </dgm:pt>
-    <dgm:pt modelId="{5B77DBF5-68E1-4F0B-9221-6CAE6F84B85E}" type="pres">
-      <dgm:prSet presAssocID="{D87994CA-C647-4FC1-AA82-DCD61524FCCE}" presName="compNode" presStyleCnt="0"/>
-      <dgm:spPr/>
-    </dgm:pt>
-    <dgm:pt modelId="{8699F7B8-DAD7-4BEA-A933-93B554393E25}" type="pres">
-      <dgm:prSet presAssocID="{D87994CA-C647-4FC1-AA82-DCD61524FCCE}" presName="iconBgRect" presStyleLbl="bgShp" presStyleIdx="3" presStyleCnt="4"/>
-      <dgm:spPr/>
-    </dgm:pt>
-    <dgm:pt modelId="{7A5EDA86-2FCF-455A-A303-8765E64CDBC8}" type="pres">
-      <dgm:prSet presAssocID="{D87994CA-C647-4FC1-AA82-DCD61524FCCE}" presName="iconRect" presStyleLbl="node1" presStyleIdx="3" presStyleCnt="4"/>
-      <dgm:spPr>
-        <a:blipFill>
-          <a:blip xmlns:r="http://schemas.openxmlformats.org/officeDocument/2006/relationships" r:embed="rId7">
-            <a:extLst>
-              <a:ext uri="{28A0092B-C50C-407E-A947-70E740481C1C}">
-                <a14:useLocalDpi xmlns:a14="http://schemas.microsoft.com/office/drawing/2010/main" val="0"/>
-              </a:ext>
-              <a:ext uri="{96DAC541-7B7A-43D3-8B79-37D633B846F1}">
-                <asvg:svgBlip xmlns:asvg="http://schemas.microsoft.com/office/drawing/2016/SVG/main" r:embed="rId8"/>
-              </a:ext>
-            </a:extLst>
-          </a:blip>
-          <a:stretch>
-            <a:fillRect/>
-          </a:stretch>
-        </a:blipFill>
-      </dgm:spPr>
-      <dgm:extLst>
-        <a:ext uri="{E40237B7-FDA0-4F09-8148-C483321AD2D9}">
-          <dgm14:cNvPr xmlns:dgm14="http://schemas.microsoft.com/office/drawing/2010/diagram" id="0" name="" descr="Upward trend"/>
-        </a:ext>
-      </dgm:extLst>
-    </dgm:pt>
-    <dgm:pt modelId="{E4BCFB2A-4D9E-4488-AB45-8BF7A6A795C1}" type="pres">
-      <dgm:prSet presAssocID="{D87994CA-C647-4FC1-AA82-DCD61524FCCE}" presName="spaceRect" presStyleCnt="0"/>
-      <dgm:spPr/>
-    </dgm:pt>
-    <dgm:pt modelId="{FBB0CF56-BE9F-4CA3-8A66-7C8EF41D2D6C}" type="pres">
-      <dgm:prSet presAssocID="{D87994CA-C647-4FC1-AA82-DCD61524FCCE}" presName="textRect" presStyleLbl="revTx" presStyleIdx="3" presStyleCnt="4">
-        <dgm:presLayoutVars>
-          <dgm:chMax val="1"/>
-          <dgm:chPref val="1"/>
-        </dgm:presLayoutVars>
-      </dgm:prSet>
+    <dgm:pt modelId="{87FD2A43-E498-4CC6-A733-36AB60D0525C}" type="pres">
+      <dgm:prSet presAssocID="{D87994CA-C647-4FC1-AA82-DCD61524FCCE}" presName="hierChild2" presStyleCnt="0"/>
       <dgm:spPr/>
     </dgm:pt>
   </dgm:ptLst>
   <dgm:cxnLst>
-    <dgm:cxn modelId="{421C2B07-7017-4B6E-BC88-77DF2A5A3B39}" srcId="{78CC0476-A9BF-4289-92DD-F46A0D677F5B}" destId="{2A553BE6-19F1-4395-88C6-D70EDDD98D47}" srcOrd="1" destOrd="0" parTransId="{1740FE8B-B221-44BC-A595-3F2CAE136E31}" sibTransId="{EF0EA37B-F6EE-4C1F-8DA0-ED79E3DAE945}"/>
-    <dgm:cxn modelId="{7E88C561-84AA-4BA5-B88F-386FD4F99C24}" type="presOf" srcId="{04A3AD89-C2BB-4E44-A3FB-FE5519A3CC9C}" destId="{E34D17DE-09ED-4918-A3B7-4735F2AB223A}" srcOrd="0" destOrd="0" presId="urn:microsoft.com/office/officeart/2018/2/layout/IconCircleList"/>
-    <dgm:cxn modelId="{96793D67-D043-4B9F-B37E-ABCEA6E1DEE7}" type="presOf" srcId="{EF0EA37B-F6EE-4C1F-8DA0-ED79E3DAE945}" destId="{6451899B-2A76-4357-A3B2-51F4C48687AA}" srcOrd="0" destOrd="0" presId="urn:microsoft.com/office/officeart/2018/2/layout/IconCircleList"/>
-    <dgm:cxn modelId="{B0765580-60C5-4509-A826-87E941058342}" type="presOf" srcId="{2A553BE6-19F1-4395-88C6-D70EDDD98D47}" destId="{8AA3B357-2594-4E1E-B1A6-1DF6E7DBD2CD}" srcOrd="0" destOrd="0" presId="urn:microsoft.com/office/officeart/2018/2/layout/IconCircleList"/>
-    <dgm:cxn modelId="{7943958B-BE42-462D-8DEF-6D109B6F0BAD}" type="presOf" srcId="{F9705E7F-1AF6-4635-93D1-97BC014BAF9F}" destId="{844318C8-C1C6-4161-B60C-A70BAFB2DB4E}" srcOrd="0" destOrd="0" presId="urn:microsoft.com/office/officeart/2018/2/layout/IconCircleList"/>
-    <dgm:cxn modelId="{30EDD3AF-28D5-4483-BD9F-120DF5673144}" type="presOf" srcId="{5BE30F8E-8990-4C8C-8A7E-8D9CFB448A79}" destId="{5F516787-C4B8-424A-9041-5314FE39D2C3}" srcOrd="0" destOrd="0" presId="urn:microsoft.com/office/officeart/2018/2/layout/IconCircleList"/>
-    <dgm:cxn modelId="{4AC6EFC0-E93A-4E8C-A5BC-86592B5CE0C5}" type="presOf" srcId="{78CC0476-A9BF-4289-92DD-F46A0D677F5B}" destId="{5FD187DC-6D0A-4FF3-8229-6F0C29DC8F73}" srcOrd="0" destOrd="0" presId="urn:microsoft.com/office/officeart/2018/2/layout/IconCircleList"/>
-    <dgm:cxn modelId="{79D1E6CA-F535-483D-8EB9-FFDFF2779AAB}" srcId="{78CC0476-A9BF-4289-92DD-F46A0D677F5B}" destId="{D87994CA-C647-4FC1-AA82-DCD61524FCCE}" srcOrd="3" destOrd="0" parTransId="{72D3FA47-E32E-471A-866F-1343E5328673}" sibTransId="{2BE0E38F-2278-440A-A673-C6F21780BB53}"/>
-    <dgm:cxn modelId="{B66FA2CB-B59C-4D3D-94AD-D848ACAB2DDF}" type="presOf" srcId="{D87994CA-C647-4FC1-AA82-DCD61524FCCE}" destId="{FBB0CF56-BE9F-4CA3-8A66-7C8EF41D2D6C}" srcOrd="0" destOrd="0" presId="urn:microsoft.com/office/officeart/2018/2/layout/IconCircleList"/>
-    <dgm:cxn modelId="{7BF238D5-A3FC-464E-AA2A-774B20EDF758}" type="presOf" srcId="{4A8056EF-9AFF-47C2-AF82-AE33B199529C}" destId="{7ACE7D6B-F723-4B40-AC7E-55D5995453E8}" srcOrd="0" destOrd="0" presId="urn:microsoft.com/office/officeart/2018/2/layout/IconCircleList"/>
-    <dgm:cxn modelId="{BF7BCFEF-F66D-410D-B44C-87DA795B900E}" srcId="{78CC0476-A9BF-4289-92DD-F46A0D677F5B}" destId="{04A3AD89-C2BB-4E44-A3FB-FE5519A3CC9C}" srcOrd="2" destOrd="0" parTransId="{B5777A9B-1CFF-4DEF-8F99-FE28787F56D5}" sibTransId="{4A8056EF-9AFF-47C2-AF82-AE33B199529C}"/>
+    <dgm:cxn modelId="{06970616-2B61-4015-B6D9-E1DAB2F34ACE}" type="presOf" srcId="{78CC0476-A9BF-4289-92DD-F46A0D677F5B}" destId="{77767F22-FD59-4649-8353-1B9A5951A6B4}" srcOrd="0" destOrd="0" presId="urn:microsoft.com/office/officeart/2005/8/layout/hierarchy1"/>
+    <dgm:cxn modelId="{6AA90018-AA5E-4350-A7E6-122733DEB542}" type="presOf" srcId="{F9705E7F-1AF6-4635-93D1-97BC014BAF9F}" destId="{07DF7C55-5E65-4BED-AD51-D418525A10E5}" srcOrd="0" destOrd="0" presId="urn:microsoft.com/office/officeart/2005/8/layout/hierarchy1"/>
+    <dgm:cxn modelId="{1AFC734E-B9F0-4C33-A92C-C8BA7D854F5B}" type="presOf" srcId="{D87994CA-C647-4FC1-AA82-DCD61524FCCE}" destId="{B712FEF9-7BB7-4C1C-87A3-196B54A3BFD0}" srcOrd="0" destOrd="0" presId="urn:microsoft.com/office/officeart/2005/8/layout/hierarchy1"/>
+    <dgm:cxn modelId="{4B8DBE83-63FC-4A64-90DC-AF0A9DE1AB49}" type="presOf" srcId="{04A3AD89-C2BB-4E44-A3FB-FE5519A3CC9C}" destId="{D950EF78-F3C1-4C5E-B7F9-04910BC50F0B}" srcOrd="0" destOrd="0" presId="urn:microsoft.com/office/officeart/2005/8/layout/hierarchy1"/>
+    <dgm:cxn modelId="{79D1E6CA-F535-483D-8EB9-FFDFF2779AAB}" srcId="{78CC0476-A9BF-4289-92DD-F46A0D677F5B}" destId="{D87994CA-C647-4FC1-AA82-DCD61524FCCE}" srcOrd="2" destOrd="0" parTransId="{72D3FA47-E32E-471A-866F-1343E5328673}" sibTransId="{2BE0E38F-2278-440A-A673-C6F21780BB53}"/>
+    <dgm:cxn modelId="{BF7BCFEF-F66D-410D-B44C-87DA795B900E}" srcId="{78CC0476-A9BF-4289-92DD-F46A0D677F5B}" destId="{04A3AD89-C2BB-4E44-A3FB-FE5519A3CC9C}" srcOrd="1" destOrd="0" parTransId="{B5777A9B-1CFF-4DEF-8F99-FE28787F56D5}" sibTransId="{4A8056EF-9AFF-47C2-AF82-AE33B199529C}"/>
     <dgm:cxn modelId="{F778EAF4-ED0C-4140-AC9E-4594AD5327E8}" srcId="{78CC0476-A9BF-4289-92DD-F46A0D677F5B}" destId="{F9705E7F-1AF6-4635-93D1-97BC014BAF9F}" srcOrd="0" destOrd="0" parTransId="{230D227C-16E6-4018-923D-65B94A84CD93}" sibTransId="{5BE30F8E-8990-4C8C-8A7E-8D9CFB448A79}"/>
-    <dgm:cxn modelId="{FF6B3AE8-E0A4-4BAB-B2EA-9982A6EB0CFE}" type="presParOf" srcId="{5FD187DC-6D0A-4FF3-8229-6F0C29DC8F73}" destId="{35B530BE-76F6-429C-8B24-9D026337F732}" srcOrd="0" destOrd="0" presId="urn:microsoft.com/office/officeart/2018/2/layout/IconCircleList"/>
-    <dgm:cxn modelId="{BFDC1E3E-4A69-40FC-8E83-0991FEE3ABCA}" type="presParOf" srcId="{35B530BE-76F6-429C-8B24-9D026337F732}" destId="{9F94F3B8-10D7-45B2-8522-E3D77481E445}" srcOrd="0" destOrd="0" presId="urn:microsoft.com/office/officeart/2018/2/layout/IconCircleList"/>
-    <dgm:cxn modelId="{B8A4850E-26AB-4E96-8968-3A4F0F099D5B}" type="presParOf" srcId="{9F94F3B8-10D7-45B2-8522-E3D77481E445}" destId="{ADA6D69C-F25B-47DF-89F3-86BF3BEFFF16}" srcOrd="0" destOrd="0" presId="urn:microsoft.com/office/officeart/2018/2/layout/IconCircleList"/>
-    <dgm:cxn modelId="{5010A125-87A6-4DFD-A62D-E9965A43A4CB}" type="presParOf" srcId="{9F94F3B8-10D7-45B2-8522-E3D77481E445}" destId="{E4C83EAD-B32A-4F2D-A7C2-3BEF92C2C57C}" srcOrd="1" destOrd="0" presId="urn:microsoft.com/office/officeart/2018/2/layout/IconCircleList"/>
-    <dgm:cxn modelId="{AF3A89E6-002B-41BB-BAF5-6A34096E406B}" type="presParOf" srcId="{9F94F3B8-10D7-45B2-8522-E3D77481E445}" destId="{2BCF18C3-20FE-4C09-B534-473644E6B972}" srcOrd="2" destOrd="0" presId="urn:microsoft.com/office/officeart/2018/2/layout/IconCircleList"/>
-    <dgm:cxn modelId="{A9DFB25E-662A-45A1-AEC0-C63FFD53595E}" type="presParOf" srcId="{9F94F3B8-10D7-45B2-8522-E3D77481E445}" destId="{844318C8-C1C6-4161-B60C-A70BAFB2DB4E}" srcOrd="3" destOrd="0" presId="urn:microsoft.com/office/officeart/2018/2/layout/IconCircleList"/>
-    <dgm:cxn modelId="{E024CF18-BABB-4CDF-A126-76FD28843C6C}" type="presParOf" srcId="{35B530BE-76F6-429C-8B24-9D026337F732}" destId="{5F516787-C4B8-424A-9041-5314FE39D2C3}" srcOrd="1" destOrd="0" presId="urn:microsoft.com/office/officeart/2018/2/layout/IconCircleList"/>
-    <dgm:cxn modelId="{2E22A3DE-0339-4A93-BB54-33763CDD04FC}" type="presParOf" srcId="{35B530BE-76F6-429C-8B24-9D026337F732}" destId="{144D98F4-9FAF-4472-9871-6472AFA29241}" srcOrd="2" destOrd="0" presId="urn:microsoft.com/office/officeart/2018/2/layout/IconCircleList"/>
-    <dgm:cxn modelId="{9A88B36F-7D35-462A-9A26-8252E4C68B7B}" type="presParOf" srcId="{144D98F4-9FAF-4472-9871-6472AFA29241}" destId="{79D3EF38-AD3E-4508-9E36-CAF0C4715285}" srcOrd="0" destOrd="0" presId="urn:microsoft.com/office/officeart/2018/2/layout/IconCircleList"/>
-    <dgm:cxn modelId="{13DBE0BC-DDA5-470A-A2F2-B1846F238EBB}" type="presParOf" srcId="{144D98F4-9FAF-4472-9871-6472AFA29241}" destId="{4076EEC5-E88F-45BF-B7F1-85DA9B1042E0}" srcOrd="1" destOrd="0" presId="urn:microsoft.com/office/officeart/2018/2/layout/IconCircleList"/>
-    <dgm:cxn modelId="{95D1CF5B-F132-4373-8F6C-B07C60919B4A}" type="presParOf" srcId="{144D98F4-9FAF-4472-9871-6472AFA29241}" destId="{83EE6E38-0C4D-4CC0-9E98-543F5B17249D}" srcOrd="2" destOrd="0" presId="urn:microsoft.com/office/officeart/2018/2/layout/IconCircleList"/>
-    <dgm:cxn modelId="{4B740EE2-6245-41A5-917E-F8481959FD5E}" type="presParOf" srcId="{144D98F4-9FAF-4472-9871-6472AFA29241}" destId="{8AA3B357-2594-4E1E-B1A6-1DF6E7DBD2CD}" srcOrd="3" destOrd="0" presId="urn:microsoft.com/office/officeart/2018/2/layout/IconCircleList"/>
-    <dgm:cxn modelId="{52549EB0-A734-4273-BF51-7E9D72D0E579}" type="presParOf" srcId="{35B530BE-76F6-429C-8B24-9D026337F732}" destId="{6451899B-2A76-4357-A3B2-51F4C48687AA}" srcOrd="3" destOrd="0" presId="urn:microsoft.com/office/officeart/2018/2/layout/IconCircleList"/>
-    <dgm:cxn modelId="{B4E26AAA-C46E-4156-B142-81B727B968D3}" type="presParOf" srcId="{35B530BE-76F6-429C-8B24-9D026337F732}" destId="{5E77D2C7-365A-43FF-A7CC-CCA3612AA90C}" srcOrd="4" destOrd="0" presId="urn:microsoft.com/office/officeart/2018/2/layout/IconCircleList"/>
-    <dgm:cxn modelId="{89361EBF-D684-4823-8DCE-E2A08C5ADA3D}" type="presParOf" srcId="{5E77D2C7-365A-43FF-A7CC-CCA3612AA90C}" destId="{5792B6CE-33A9-47FF-98E0-454704AB9D49}" srcOrd="0" destOrd="0" presId="urn:microsoft.com/office/officeart/2018/2/layout/IconCircleList"/>
-    <dgm:cxn modelId="{50C97149-C069-4A4C-A3B5-5CF071E67007}" type="presParOf" srcId="{5E77D2C7-365A-43FF-A7CC-CCA3612AA90C}" destId="{574B0939-E653-499D-8687-C5A7A447777F}" srcOrd="1" destOrd="0" presId="urn:microsoft.com/office/officeart/2018/2/layout/IconCircleList"/>
-    <dgm:cxn modelId="{A262D55A-09BA-4744-97DD-1FD5F36B61A0}" type="presParOf" srcId="{5E77D2C7-365A-43FF-A7CC-CCA3612AA90C}" destId="{CE4B3C71-F969-4648-AAF8-EAD286377C85}" srcOrd="2" destOrd="0" presId="urn:microsoft.com/office/officeart/2018/2/layout/IconCircleList"/>
-    <dgm:cxn modelId="{EB2C2A40-C6F7-420F-B310-03E51A1F57D9}" type="presParOf" srcId="{5E77D2C7-365A-43FF-A7CC-CCA3612AA90C}" destId="{E34D17DE-09ED-4918-A3B7-4735F2AB223A}" srcOrd="3" destOrd="0" presId="urn:microsoft.com/office/officeart/2018/2/layout/IconCircleList"/>
-    <dgm:cxn modelId="{B59FEC13-E703-4F05-9351-6AC98CFB194B}" type="presParOf" srcId="{35B530BE-76F6-429C-8B24-9D026337F732}" destId="{7ACE7D6B-F723-4B40-AC7E-55D5995453E8}" srcOrd="5" destOrd="0" presId="urn:microsoft.com/office/officeart/2018/2/layout/IconCircleList"/>
-    <dgm:cxn modelId="{F743B326-03AD-4A70-A58F-A874D9E6591B}" type="presParOf" srcId="{35B530BE-76F6-429C-8B24-9D026337F732}" destId="{5B77DBF5-68E1-4F0B-9221-6CAE6F84B85E}" srcOrd="6" destOrd="0" presId="urn:microsoft.com/office/officeart/2018/2/layout/IconCircleList"/>
-    <dgm:cxn modelId="{74553FF1-2E22-48BC-9056-C459E11EC9FF}" type="presParOf" srcId="{5B77DBF5-68E1-4F0B-9221-6CAE6F84B85E}" destId="{8699F7B8-DAD7-4BEA-A933-93B554393E25}" srcOrd="0" destOrd="0" presId="urn:microsoft.com/office/officeart/2018/2/layout/IconCircleList"/>
-    <dgm:cxn modelId="{5102A18E-4142-4492-92D7-8B19835D7944}" type="presParOf" srcId="{5B77DBF5-68E1-4F0B-9221-6CAE6F84B85E}" destId="{7A5EDA86-2FCF-455A-A303-8765E64CDBC8}" srcOrd="1" destOrd="0" presId="urn:microsoft.com/office/officeart/2018/2/layout/IconCircleList"/>
-    <dgm:cxn modelId="{A3CE00A9-AF1E-44E0-A3AF-F7BB0A361FC1}" type="presParOf" srcId="{5B77DBF5-68E1-4F0B-9221-6CAE6F84B85E}" destId="{E4BCFB2A-4D9E-4488-AB45-8BF7A6A795C1}" srcOrd="2" destOrd="0" presId="urn:microsoft.com/office/officeart/2018/2/layout/IconCircleList"/>
-    <dgm:cxn modelId="{AE75196F-2A5A-488D-A9E2-7311B3F4B785}" type="presParOf" srcId="{5B77DBF5-68E1-4F0B-9221-6CAE6F84B85E}" destId="{FBB0CF56-BE9F-4CA3-8A66-7C8EF41D2D6C}" srcOrd="3" destOrd="0" presId="urn:microsoft.com/office/officeart/2018/2/layout/IconCircleList"/>
+    <dgm:cxn modelId="{72228789-89D6-4082-BA3E-58E03C8C2C7A}" type="presParOf" srcId="{77767F22-FD59-4649-8353-1B9A5951A6B4}" destId="{CB53D338-300A-43CF-B808-7CD46867E5EF}" srcOrd="0" destOrd="0" presId="urn:microsoft.com/office/officeart/2005/8/layout/hierarchy1"/>
+    <dgm:cxn modelId="{CEFE25B0-64B6-4F80-95FD-884D3F2D7519}" type="presParOf" srcId="{CB53D338-300A-43CF-B808-7CD46867E5EF}" destId="{622BDB8A-9BF8-4458-AC6B-6D0CC7DAE264}" srcOrd="0" destOrd="0" presId="urn:microsoft.com/office/officeart/2005/8/layout/hierarchy1"/>
+    <dgm:cxn modelId="{AF209806-3A97-4D6B-9C0E-894F0C895CAD}" type="presParOf" srcId="{622BDB8A-9BF8-4458-AC6B-6D0CC7DAE264}" destId="{7AB73716-C783-4EDC-996C-C05FC0FEE5D2}" srcOrd="0" destOrd="0" presId="urn:microsoft.com/office/officeart/2005/8/layout/hierarchy1"/>
+    <dgm:cxn modelId="{F24B30E7-1645-4E36-80DF-3C89042D0411}" type="presParOf" srcId="{622BDB8A-9BF8-4458-AC6B-6D0CC7DAE264}" destId="{07DF7C55-5E65-4BED-AD51-D418525A10E5}" srcOrd="1" destOrd="0" presId="urn:microsoft.com/office/officeart/2005/8/layout/hierarchy1"/>
+    <dgm:cxn modelId="{E50D9374-01AC-4DF8-855D-96D648654929}" type="presParOf" srcId="{CB53D338-300A-43CF-B808-7CD46867E5EF}" destId="{20922C93-8FBB-4AEB-ACE4-4AA15EE09299}" srcOrd="1" destOrd="0" presId="urn:microsoft.com/office/officeart/2005/8/layout/hierarchy1"/>
+    <dgm:cxn modelId="{6B8EE0FC-625F-456B-B5AD-E3AD65F2C65E}" type="presParOf" srcId="{77767F22-FD59-4649-8353-1B9A5951A6B4}" destId="{F7DCA427-8717-4D55-8623-1E2814F95AD3}" srcOrd="1" destOrd="0" presId="urn:microsoft.com/office/officeart/2005/8/layout/hierarchy1"/>
+    <dgm:cxn modelId="{D2ED9A84-CA4D-42A4-B46E-164707B8B04E}" type="presParOf" srcId="{F7DCA427-8717-4D55-8623-1E2814F95AD3}" destId="{505FD1C4-F284-4AE6-A873-A0DFF2A8F4CD}" srcOrd="0" destOrd="0" presId="urn:microsoft.com/office/officeart/2005/8/layout/hierarchy1"/>
+    <dgm:cxn modelId="{B7F9C100-12AA-4392-938C-B4061BB29D77}" type="presParOf" srcId="{505FD1C4-F284-4AE6-A873-A0DFF2A8F4CD}" destId="{EBEFA9A9-C522-43DB-AEC4-37EDF228336F}" srcOrd="0" destOrd="0" presId="urn:microsoft.com/office/officeart/2005/8/layout/hierarchy1"/>
+    <dgm:cxn modelId="{FF136C89-C0C4-4EAD-8F58-1F15BD7E8056}" type="presParOf" srcId="{505FD1C4-F284-4AE6-A873-A0DFF2A8F4CD}" destId="{D950EF78-F3C1-4C5E-B7F9-04910BC50F0B}" srcOrd="1" destOrd="0" presId="urn:microsoft.com/office/officeart/2005/8/layout/hierarchy1"/>
+    <dgm:cxn modelId="{4E64F134-8D24-4AE7-98A5-7342974BE1EF}" type="presParOf" srcId="{F7DCA427-8717-4D55-8623-1E2814F95AD3}" destId="{6016ABBA-776B-436D-867F-3A67BDB313EE}" srcOrd="1" destOrd="0" presId="urn:microsoft.com/office/officeart/2005/8/layout/hierarchy1"/>
+    <dgm:cxn modelId="{4A784B2C-F1C9-4CB9-893F-7B21C8AB115D}" type="presParOf" srcId="{77767F22-FD59-4649-8353-1B9A5951A6B4}" destId="{F4442E46-0100-4437-967D-F365348DD395}" srcOrd="2" destOrd="0" presId="urn:microsoft.com/office/officeart/2005/8/layout/hierarchy1"/>
+    <dgm:cxn modelId="{5F48D461-F4B6-4441-AB08-19186BA3F054}" type="presParOf" srcId="{F4442E46-0100-4437-967D-F365348DD395}" destId="{2BD2D900-238E-48FA-90EB-7AE53441A6DE}" srcOrd="0" destOrd="0" presId="urn:microsoft.com/office/officeart/2005/8/layout/hierarchy1"/>
+    <dgm:cxn modelId="{49854176-73E7-4D29-B6B9-36F46CC983FE}" type="presParOf" srcId="{2BD2D900-238E-48FA-90EB-7AE53441A6DE}" destId="{DF79DC51-CA3E-45EC-92E8-A5CD8B16648C}" srcOrd="0" destOrd="0" presId="urn:microsoft.com/office/officeart/2005/8/layout/hierarchy1"/>
+    <dgm:cxn modelId="{D55E43CC-01F6-43A1-9CAD-74F26B0A690B}" type="presParOf" srcId="{2BD2D900-238E-48FA-90EB-7AE53441A6DE}" destId="{B712FEF9-7BB7-4C1C-87A3-196B54A3BFD0}" srcOrd="1" destOrd="0" presId="urn:microsoft.com/office/officeart/2005/8/layout/hierarchy1"/>
+    <dgm:cxn modelId="{6B2C632A-2292-4134-9EED-F686677EEDF4}" type="presParOf" srcId="{F4442E46-0100-4437-967D-F365348DD395}" destId="{87FD2A43-E498-4CC6-A733-36AB60D0525C}" srcOrd="1" destOrd="0" presId="urn:microsoft.com/office/officeart/2005/8/layout/hierarchy1"/>
   </dgm:cxnLst>
   <dgm:bg/>
   <dgm:whole/>
@@ -3193,74 +2982,29 @@
       <dsp:cNvGrpSpPr/>
     </dsp:nvGrpSpPr>
     <dsp:grpSpPr/>
-    <dsp:sp modelId="{ADA6D69C-F25B-47DF-89F3-86BF3BEFFF16}">
+    <dsp:sp modelId="{7AB73716-C783-4EDC-996C-C05FC0FEE5D2}">
       <dsp:nvSpPr>
         <dsp:cNvPr id="0" name=""/>
         <dsp:cNvSpPr/>
       </dsp:nvSpPr>
       <dsp:spPr>
         <a:xfrm>
-          <a:off x="189082" y="8195"/>
-          <a:ext cx="1323913" cy="1323913"/>
+          <a:off x="0" y="524133"/>
+          <a:ext cx="2918936" cy="1853524"/>
         </a:xfrm>
-        <a:prstGeom prst="ellipse">
-          <a:avLst/>
+        <a:prstGeom prst="roundRect">
+          <a:avLst>
+            <a:gd name="adj" fmla="val 10000"/>
+          </a:avLst>
         </a:prstGeom>
         <a:solidFill>
           <a:schemeClr val="accent1">
-            <a:tint val="40000"/>
             <a:hueOff val="0"/>
             <a:satOff val="0"/>
             <a:lumOff val="0"/>
             <a:alphaOff val="0"/>
           </a:schemeClr>
         </a:solidFill>
-        <a:ln>
-          <a:noFill/>
-        </a:ln>
-        <a:effectLst/>
-      </dsp:spPr>
-      <dsp:style>
-        <a:lnRef idx="0">
-          <a:scrgbClr r="0" g="0" b="0"/>
-        </a:lnRef>
-        <a:fillRef idx="1">
-          <a:scrgbClr r="0" g="0" b="0"/>
-        </a:fillRef>
-        <a:effectRef idx="0">
-          <a:scrgbClr r="0" g="0" b="0"/>
-        </a:effectRef>
-        <a:fontRef idx="minor"/>
-      </dsp:style>
-    </dsp:sp>
-    <dsp:sp modelId="{E4C83EAD-B32A-4F2D-A7C2-3BEF92C2C57C}">
-      <dsp:nvSpPr>
-        <dsp:cNvPr id="0" name=""/>
-        <dsp:cNvSpPr/>
-      </dsp:nvSpPr>
-      <dsp:spPr>
-        <a:xfrm>
-          <a:off x="467104" y="286217"/>
-          <a:ext cx="767869" cy="767869"/>
-        </a:xfrm>
-        <a:prstGeom prst="rect">
-          <a:avLst/>
-        </a:prstGeom>
-        <a:blipFill>
-          <a:blip xmlns:r="http://schemas.openxmlformats.org/officeDocument/2006/relationships" r:embed="rId1">
-            <a:extLst>
-              <a:ext uri="{28A0092B-C50C-407E-A947-70E740481C1C}">
-                <a14:useLocalDpi xmlns:a14="http://schemas.microsoft.com/office/drawing/2010/main" val="0"/>
-              </a:ext>
-              <a:ext uri="{96DAC541-7B7A-43D3-8B79-37D633B846F1}">
-                <asvg:svgBlip xmlns:asvg="http://schemas.microsoft.com/office/drawing/2016/SVG/main" r:embed="rId2"/>
-              </a:ext>
-            </a:extLst>
-          </a:blip>
-          <a:stretch>
-            <a:fillRect/>
-          </a:stretch>
-        </a:blipFill>
         <a:ln w="12700" cap="flat" cmpd="sng" algn="ctr">
           <a:solidFill>
             <a:schemeClr val="lt1">
@@ -3290,30 +3034,49 @@
         </a:fontRef>
       </dsp:style>
     </dsp:sp>
-    <dsp:sp modelId="{844318C8-C1C6-4161-B60C-A70BAFB2DB4E}">
+    <dsp:sp modelId="{07DF7C55-5E65-4BED-AD51-D418525A10E5}">
       <dsp:nvSpPr>
         <dsp:cNvPr id="0" name=""/>
         <dsp:cNvSpPr/>
       </dsp:nvSpPr>
       <dsp:spPr>
         <a:xfrm>
-          <a:off x="1796691" y="8195"/>
-          <a:ext cx="3120653" cy="1323913"/>
+          <a:off x="324326" y="832243"/>
+          <a:ext cx="2918936" cy="1853524"/>
         </a:xfrm>
-        <a:prstGeom prst="rect">
-          <a:avLst/>
+        <a:prstGeom prst="roundRect">
+          <a:avLst>
+            <a:gd name="adj" fmla="val 10000"/>
+          </a:avLst>
         </a:prstGeom>
-        <a:noFill/>
-        <a:ln>
-          <a:noFill/>
+        <a:solidFill>
+          <a:schemeClr val="lt1">
+            <a:alpha val="90000"/>
+            <a:hueOff val="0"/>
+            <a:satOff val="0"/>
+            <a:lumOff val="0"/>
+            <a:alphaOff val="0"/>
+          </a:schemeClr>
+        </a:solidFill>
+        <a:ln w="12700" cap="flat" cmpd="sng" algn="ctr">
+          <a:solidFill>
+            <a:schemeClr val="accent1">
+              <a:hueOff val="0"/>
+              <a:satOff val="0"/>
+              <a:lumOff val="0"/>
+              <a:alphaOff val="0"/>
+            </a:schemeClr>
+          </a:solidFill>
+          <a:prstDash val="solid"/>
+          <a:miter lim="800000"/>
         </a:ln>
         <a:effectLst/>
       </dsp:spPr>
       <dsp:style>
-        <a:lnRef idx="0">
+        <a:lnRef idx="2">
           <a:scrgbClr r="0" g="0" b="0"/>
         </a:lnRef>
-        <a:fillRef idx="0">
+        <a:fillRef idx="1">
           <a:scrgbClr r="0" g="0" b="0"/>
         </a:fillRef>
         <a:effectRef idx="0">
@@ -3322,14 +3085,14 @@
         <a:fontRef idx="minor"/>
       </dsp:style>
       <dsp:txBody>
-        <a:bodyPr spcFirstLastPara="0" vert="horz" wrap="square" lIns="0" tIns="0" rIns="0" bIns="0" numCol="1" spcCol="1270" anchor="ctr" anchorCtr="0">
+        <a:bodyPr spcFirstLastPara="0" vert="horz" wrap="square" lIns="114300" tIns="114300" rIns="114300" bIns="114300" numCol="1" spcCol="1270" anchor="ctr" anchorCtr="0">
           <a:noAutofit/>
         </a:bodyPr>
         <a:lstStyle/>
         <a:p>
-          <a:pPr marL="0" lvl="0" indent="0" algn="l" defTabSz="1066800">
+          <a:pPr marL="0" lvl="0" indent="0" algn="ctr" defTabSz="1333500">
             <a:lnSpc>
-              <a:spcPct val="100000"/>
+              <a:spcPct val="90000"/>
             </a:lnSpc>
             <a:spcBef>
               <a:spcPct val="0"/>
@@ -3340,85 +3103,40 @@
             <a:buNone/>
           </a:pPr>
           <a:r>
-            <a:rPr lang="en-US" sz="2400" b="0" i="0" kern="1200" baseline="0"/>
+            <a:rPr lang="en-US" sz="3000" b="0" i="0" kern="1200" baseline="0"/>
             <a:t>Dataset features and types</a:t>
           </a:r>
-          <a:endParaRPr lang="en-US" sz="2400" kern="1200"/>
+          <a:endParaRPr lang="en-US" sz="3000" kern="1200"/>
         </a:p>
       </dsp:txBody>
       <dsp:txXfrm>
-        <a:off x="1796691" y="8195"/>
-        <a:ext cx="3120653" cy="1323913"/>
+        <a:off x="378614" y="886531"/>
+        <a:ext cx="2810360" cy="1744948"/>
       </dsp:txXfrm>
     </dsp:sp>
-    <dsp:sp modelId="{79D3EF38-AD3E-4508-9E36-CAF0C4715285}">
+    <dsp:sp modelId="{EBEFA9A9-C522-43DB-AEC4-37EDF228336F}">
       <dsp:nvSpPr>
         <dsp:cNvPr id="0" name=""/>
         <dsp:cNvSpPr/>
       </dsp:nvSpPr>
       <dsp:spPr>
         <a:xfrm>
-          <a:off x="5461095" y="8195"/>
-          <a:ext cx="1323913" cy="1323913"/>
+          <a:off x="3567588" y="524133"/>
+          <a:ext cx="2918936" cy="1853524"/>
         </a:xfrm>
-        <a:prstGeom prst="ellipse">
-          <a:avLst/>
+        <a:prstGeom prst="roundRect">
+          <a:avLst>
+            <a:gd name="adj" fmla="val 10000"/>
+          </a:avLst>
         </a:prstGeom>
         <a:solidFill>
           <a:schemeClr val="accent1">
-            <a:tint val="40000"/>
             <a:hueOff val="0"/>
             <a:satOff val="0"/>
             <a:lumOff val="0"/>
             <a:alphaOff val="0"/>
           </a:schemeClr>
         </a:solidFill>
-        <a:ln>
-          <a:noFill/>
-        </a:ln>
-        <a:effectLst/>
-      </dsp:spPr>
-      <dsp:style>
-        <a:lnRef idx="0">
-          <a:scrgbClr r="0" g="0" b="0"/>
-        </a:lnRef>
-        <a:fillRef idx="1">
-          <a:scrgbClr r="0" g="0" b="0"/>
-        </a:fillRef>
-        <a:effectRef idx="0">
-          <a:scrgbClr r="0" g="0" b="0"/>
-        </a:effectRef>
-        <a:fontRef idx="minor"/>
-      </dsp:style>
-    </dsp:sp>
-    <dsp:sp modelId="{4076EEC5-E88F-45BF-B7F1-85DA9B1042E0}">
-      <dsp:nvSpPr>
-        <dsp:cNvPr id="0" name=""/>
-        <dsp:cNvSpPr/>
-      </dsp:nvSpPr>
-      <dsp:spPr>
-        <a:xfrm>
-          <a:off x="5739116" y="286217"/>
-          <a:ext cx="767869" cy="767869"/>
-        </a:xfrm>
-        <a:prstGeom prst="rect">
-          <a:avLst/>
-        </a:prstGeom>
-        <a:blipFill>
-          <a:blip xmlns:r="http://schemas.openxmlformats.org/officeDocument/2006/relationships" r:embed="rId3">
-            <a:extLst>
-              <a:ext uri="{28A0092B-C50C-407E-A947-70E740481C1C}">
-                <a14:useLocalDpi xmlns:a14="http://schemas.microsoft.com/office/drawing/2010/main" val="0"/>
-              </a:ext>
-              <a:ext uri="{96DAC541-7B7A-43D3-8B79-37D633B846F1}">
-                <asvg:svgBlip xmlns:asvg="http://schemas.microsoft.com/office/drawing/2016/SVG/main" r:embed="rId4"/>
-              </a:ext>
-            </a:extLst>
-          </a:blip>
-          <a:stretch>
-            <a:fillRect/>
-          </a:stretch>
-        </a:blipFill>
         <a:ln w="12700" cap="flat" cmpd="sng" algn="ctr">
           <a:solidFill>
             <a:schemeClr val="lt1">
@@ -3448,30 +3166,49 @@
         </a:fontRef>
       </dsp:style>
     </dsp:sp>
-    <dsp:sp modelId="{8AA3B357-2594-4E1E-B1A6-1DF6E7DBD2CD}">
+    <dsp:sp modelId="{D950EF78-F3C1-4C5E-B7F9-04910BC50F0B}">
       <dsp:nvSpPr>
         <dsp:cNvPr id="0" name=""/>
         <dsp:cNvSpPr/>
       </dsp:nvSpPr>
       <dsp:spPr>
         <a:xfrm>
-          <a:off x="7068704" y="8195"/>
-          <a:ext cx="3120653" cy="1323913"/>
+          <a:off x="3891915" y="832243"/>
+          <a:ext cx="2918936" cy="1853524"/>
         </a:xfrm>
-        <a:prstGeom prst="rect">
-          <a:avLst/>
+        <a:prstGeom prst="roundRect">
+          <a:avLst>
+            <a:gd name="adj" fmla="val 10000"/>
+          </a:avLst>
         </a:prstGeom>
-        <a:noFill/>
-        <a:ln>
-          <a:noFill/>
+        <a:solidFill>
+          <a:schemeClr val="lt1">
+            <a:alpha val="90000"/>
+            <a:hueOff val="0"/>
+            <a:satOff val="0"/>
+            <a:lumOff val="0"/>
+            <a:alphaOff val="0"/>
+          </a:schemeClr>
+        </a:solidFill>
+        <a:ln w="12700" cap="flat" cmpd="sng" algn="ctr">
+          <a:solidFill>
+            <a:schemeClr val="accent1">
+              <a:hueOff val="0"/>
+              <a:satOff val="0"/>
+              <a:lumOff val="0"/>
+              <a:alphaOff val="0"/>
+            </a:schemeClr>
+          </a:solidFill>
+          <a:prstDash val="solid"/>
+          <a:miter lim="800000"/>
         </a:ln>
         <a:effectLst/>
       </dsp:spPr>
       <dsp:style>
-        <a:lnRef idx="0">
+        <a:lnRef idx="2">
           <a:scrgbClr r="0" g="0" b="0"/>
         </a:lnRef>
-        <a:fillRef idx="0">
+        <a:fillRef idx="1">
           <a:scrgbClr r="0" g="0" b="0"/>
         </a:fillRef>
         <a:effectRef idx="0">
@@ -3480,14 +3217,14 @@
         <a:fontRef idx="minor"/>
       </dsp:style>
       <dsp:txBody>
-        <a:bodyPr spcFirstLastPara="0" vert="horz" wrap="square" lIns="0" tIns="0" rIns="0" bIns="0" numCol="1" spcCol="1270" anchor="ctr" anchorCtr="0">
+        <a:bodyPr spcFirstLastPara="0" vert="horz" wrap="square" lIns="114300" tIns="114300" rIns="114300" bIns="114300" numCol="1" spcCol="1270" anchor="ctr" anchorCtr="0">
           <a:noAutofit/>
         </a:bodyPr>
         <a:lstStyle/>
         <a:p>
-          <a:pPr marL="0" lvl="0" indent="0" algn="l" defTabSz="1066800">
+          <a:pPr marL="0" lvl="0" indent="0" algn="ctr" defTabSz="1333500">
             <a:lnSpc>
-              <a:spcPct val="100000"/>
+              <a:spcPct val="90000"/>
             </a:lnSpc>
             <a:spcBef>
               <a:spcPct val="0"/>
@@ -3498,85 +3235,40 @@
             <a:buNone/>
           </a:pPr>
           <a:r>
-            <a:rPr lang="en-US" sz="2400" b="0" i="0" kern="1200" baseline="0"/>
-            <a:t>Missing values </a:t>
+            <a:rPr lang="en-US" sz="3000" b="0" i="0" kern="1200" baseline="0"/>
+            <a:t>Feature distributions and correlations</a:t>
           </a:r>
-          <a:endParaRPr lang="en-US" sz="2400" kern="1200"/>
+          <a:endParaRPr lang="en-US" sz="3000" kern="1200"/>
         </a:p>
       </dsp:txBody>
       <dsp:txXfrm>
-        <a:off x="7068704" y="8195"/>
-        <a:ext cx="3120653" cy="1323913"/>
+        <a:off x="3946203" y="886531"/>
+        <a:ext cx="2810360" cy="1744948"/>
       </dsp:txXfrm>
     </dsp:sp>
-    <dsp:sp modelId="{5792B6CE-33A9-47FF-98E0-454704AB9D49}">
+    <dsp:sp modelId="{DF79DC51-CA3E-45EC-92E8-A5CD8B16648C}">
       <dsp:nvSpPr>
         <dsp:cNvPr id="0" name=""/>
         <dsp:cNvSpPr/>
       </dsp:nvSpPr>
       <dsp:spPr>
         <a:xfrm>
-          <a:off x="189082" y="1877792"/>
-          <a:ext cx="1323913" cy="1323913"/>
+          <a:off x="7135177" y="524133"/>
+          <a:ext cx="2918936" cy="1853524"/>
         </a:xfrm>
-        <a:prstGeom prst="ellipse">
-          <a:avLst/>
+        <a:prstGeom prst="roundRect">
+          <a:avLst>
+            <a:gd name="adj" fmla="val 10000"/>
+          </a:avLst>
         </a:prstGeom>
         <a:solidFill>
           <a:schemeClr val="accent1">
-            <a:tint val="40000"/>
             <a:hueOff val="0"/>
             <a:satOff val="0"/>
             <a:lumOff val="0"/>
             <a:alphaOff val="0"/>
           </a:schemeClr>
         </a:solidFill>
-        <a:ln>
-          <a:noFill/>
-        </a:ln>
-        <a:effectLst/>
-      </dsp:spPr>
-      <dsp:style>
-        <a:lnRef idx="0">
-          <a:scrgbClr r="0" g="0" b="0"/>
-        </a:lnRef>
-        <a:fillRef idx="1">
-          <a:scrgbClr r="0" g="0" b="0"/>
-        </a:fillRef>
-        <a:effectRef idx="0">
-          <a:scrgbClr r="0" g="0" b="0"/>
-        </a:effectRef>
-        <a:fontRef idx="minor"/>
-      </dsp:style>
-    </dsp:sp>
-    <dsp:sp modelId="{574B0939-E653-499D-8687-C5A7A447777F}">
-      <dsp:nvSpPr>
-        <dsp:cNvPr id="0" name=""/>
-        <dsp:cNvSpPr/>
-      </dsp:nvSpPr>
-      <dsp:spPr>
-        <a:xfrm>
-          <a:off x="467104" y="2155814"/>
-          <a:ext cx="767869" cy="767869"/>
-        </a:xfrm>
-        <a:prstGeom prst="rect">
-          <a:avLst/>
-        </a:prstGeom>
-        <a:blipFill>
-          <a:blip xmlns:r="http://schemas.openxmlformats.org/officeDocument/2006/relationships" r:embed="rId5">
-            <a:extLst>
-              <a:ext uri="{28A0092B-C50C-407E-A947-70E740481C1C}">
-                <a14:useLocalDpi xmlns:a14="http://schemas.microsoft.com/office/drawing/2010/main" val="0"/>
-              </a:ext>
-              <a:ext uri="{96DAC541-7B7A-43D3-8B79-37D633B846F1}">
-                <asvg:svgBlip xmlns:asvg="http://schemas.microsoft.com/office/drawing/2016/SVG/main" r:embed="rId6"/>
-              </a:ext>
-            </a:extLst>
-          </a:blip>
-          <a:stretch>
-            <a:fillRect/>
-          </a:stretch>
-        </a:blipFill>
         <a:ln w="12700" cap="flat" cmpd="sng" algn="ctr">
           <a:solidFill>
             <a:schemeClr val="lt1">
@@ -3606,138 +3298,33 @@
         </a:fontRef>
       </dsp:style>
     </dsp:sp>
-    <dsp:sp modelId="{E34D17DE-09ED-4918-A3B7-4735F2AB223A}">
+    <dsp:sp modelId="{B712FEF9-7BB7-4C1C-87A3-196B54A3BFD0}">
       <dsp:nvSpPr>
         <dsp:cNvPr id="0" name=""/>
         <dsp:cNvSpPr/>
       </dsp:nvSpPr>
       <dsp:spPr>
         <a:xfrm>
-          <a:off x="1796691" y="1877792"/>
-          <a:ext cx="3120653" cy="1323913"/>
+          <a:off x="7459503" y="832243"/>
+          <a:ext cx="2918936" cy="1853524"/>
         </a:xfrm>
-        <a:prstGeom prst="rect">
-          <a:avLst/>
-        </a:prstGeom>
-        <a:noFill/>
-        <a:ln>
-          <a:noFill/>
-        </a:ln>
-        <a:effectLst/>
-      </dsp:spPr>
-      <dsp:style>
-        <a:lnRef idx="0">
-          <a:scrgbClr r="0" g="0" b="0"/>
-        </a:lnRef>
-        <a:fillRef idx="0">
-          <a:scrgbClr r="0" g="0" b="0"/>
-        </a:fillRef>
-        <a:effectRef idx="0">
-          <a:scrgbClr r="0" g="0" b="0"/>
-        </a:effectRef>
-        <a:fontRef idx="minor"/>
-      </dsp:style>
-      <dsp:txBody>
-        <a:bodyPr spcFirstLastPara="0" vert="horz" wrap="square" lIns="0" tIns="0" rIns="0" bIns="0" numCol="1" spcCol="1270" anchor="ctr" anchorCtr="0">
-          <a:noAutofit/>
-        </a:bodyPr>
-        <a:lstStyle/>
-        <a:p>
-          <a:pPr marL="0" lvl="0" indent="0" algn="l" defTabSz="1066800">
-            <a:lnSpc>
-              <a:spcPct val="100000"/>
-            </a:lnSpc>
-            <a:spcBef>
-              <a:spcPct val="0"/>
-            </a:spcBef>
-            <a:spcAft>
-              <a:spcPct val="35000"/>
-            </a:spcAft>
-            <a:buNone/>
-          </a:pPr>
-          <a:r>
-            <a:rPr lang="en-US" sz="2400" b="0" i="0" kern="1200" baseline="0"/>
-            <a:t>Feature distributions and correlations</a:t>
-          </a:r>
-          <a:endParaRPr lang="en-US" sz="2400" kern="1200"/>
-        </a:p>
-      </dsp:txBody>
-      <dsp:txXfrm>
-        <a:off x="1796691" y="1877792"/>
-        <a:ext cx="3120653" cy="1323913"/>
-      </dsp:txXfrm>
-    </dsp:sp>
-    <dsp:sp modelId="{8699F7B8-DAD7-4BEA-A933-93B554393E25}">
-      <dsp:nvSpPr>
-        <dsp:cNvPr id="0" name=""/>
-        <dsp:cNvSpPr/>
-      </dsp:nvSpPr>
-      <dsp:spPr>
-        <a:xfrm>
-          <a:off x="5461095" y="1877792"/>
-          <a:ext cx="1323913" cy="1323913"/>
-        </a:xfrm>
-        <a:prstGeom prst="ellipse">
-          <a:avLst/>
+        <a:prstGeom prst="roundRect">
+          <a:avLst>
+            <a:gd name="adj" fmla="val 10000"/>
+          </a:avLst>
         </a:prstGeom>
         <a:solidFill>
-          <a:schemeClr val="accent1">
-            <a:tint val="40000"/>
+          <a:schemeClr val="lt1">
+            <a:alpha val="90000"/>
             <a:hueOff val="0"/>
             <a:satOff val="0"/>
             <a:lumOff val="0"/>
             <a:alphaOff val="0"/>
           </a:schemeClr>
         </a:solidFill>
-        <a:ln>
-          <a:noFill/>
-        </a:ln>
-        <a:effectLst/>
-      </dsp:spPr>
-      <dsp:style>
-        <a:lnRef idx="0">
-          <a:scrgbClr r="0" g="0" b="0"/>
-        </a:lnRef>
-        <a:fillRef idx="1">
-          <a:scrgbClr r="0" g="0" b="0"/>
-        </a:fillRef>
-        <a:effectRef idx="0">
-          <a:scrgbClr r="0" g="0" b="0"/>
-        </a:effectRef>
-        <a:fontRef idx="minor"/>
-      </dsp:style>
-    </dsp:sp>
-    <dsp:sp modelId="{7A5EDA86-2FCF-455A-A303-8765E64CDBC8}">
-      <dsp:nvSpPr>
-        <dsp:cNvPr id="0" name=""/>
-        <dsp:cNvSpPr/>
-      </dsp:nvSpPr>
-      <dsp:spPr>
-        <a:xfrm>
-          <a:off x="5739116" y="2155814"/>
-          <a:ext cx="767869" cy="767869"/>
-        </a:xfrm>
-        <a:prstGeom prst="rect">
-          <a:avLst/>
-        </a:prstGeom>
-        <a:blipFill>
-          <a:blip xmlns:r="http://schemas.openxmlformats.org/officeDocument/2006/relationships" r:embed="rId7">
-            <a:extLst>
-              <a:ext uri="{28A0092B-C50C-407E-A947-70E740481C1C}">
-                <a14:useLocalDpi xmlns:a14="http://schemas.microsoft.com/office/drawing/2010/main" val="0"/>
-              </a:ext>
-              <a:ext uri="{96DAC541-7B7A-43D3-8B79-37D633B846F1}">
-                <asvg:svgBlip xmlns:asvg="http://schemas.microsoft.com/office/drawing/2016/SVG/main" r:embed="rId8"/>
-              </a:ext>
-            </a:extLst>
-          </a:blip>
-          <a:stretch>
-            <a:fillRect/>
-          </a:stretch>
-        </a:blipFill>
         <a:ln w="12700" cap="flat" cmpd="sng" algn="ctr">
           <a:solidFill>
-            <a:schemeClr val="lt1">
+            <a:schemeClr val="accent1">
               <a:hueOff val="0"/>
               <a:satOff val="0"/>
               <a:lumOff val="0"/>
@@ -3759,51 +3346,17 @@
         <a:effectRef idx="0">
           <a:scrgbClr r="0" g="0" b="0"/>
         </a:effectRef>
-        <a:fontRef idx="minor">
-          <a:schemeClr val="lt1"/>
-        </a:fontRef>
-      </dsp:style>
-    </dsp:sp>
-    <dsp:sp modelId="{FBB0CF56-BE9F-4CA3-8A66-7C8EF41D2D6C}">
-      <dsp:nvSpPr>
-        <dsp:cNvPr id="0" name=""/>
-        <dsp:cNvSpPr/>
-      </dsp:nvSpPr>
-      <dsp:spPr>
-        <a:xfrm>
-          <a:off x="7068704" y="1877792"/>
-          <a:ext cx="3120653" cy="1323913"/>
-        </a:xfrm>
-        <a:prstGeom prst="rect">
-          <a:avLst/>
-        </a:prstGeom>
-        <a:noFill/>
-        <a:ln>
-          <a:noFill/>
-        </a:ln>
-        <a:effectLst/>
-      </dsp:spPr>
-      <dsp:style>
-        <a:lnRef idx="0">
-          <a:scrgbClr r="0" g="0" b="0"/>
-        </a:lnRef>
-        <a:fillRef idx="0">
-          <a:scrgbClr r="0" g="0" b="0"/>
-        </a:fillRef>
-        <a:effectRef idx="0">
-          <a:scrgbClr r="0" g="0" b="0"/>
-        </a:effectRef>
         <a:fontRef idx="minor"/>
       </dsp:style>
       <dsp:txBody>
-        <a:bodyPr spcFirstLastPara="0" vert="horz" wrap="square" lIns="0" tIns="0" rIns="0" bIns="0" numCol="1" spcCol="1270" anchor="ctr" anchorCtr="0">
+        <a:bodyPr spcFirstLastPara="0" vert="horz" wrap="square" lIns="114300" tIns="114300" rIns="114300" bIns="114300" numCol="1" spcCol="1270" anchor="ctr" anchorCtr="0">
           <a:noAutofit/>
         </a:bodyPr>
         <a:lstStyle/>
         <a:p>
-          <a:pPr marL="0" lvl="0" indent="0" algn="l" defTabSz="1066800">
+          <a:pPr marL="0" lvl="0" indent="0" algn="ctr" defTabSz="1333500">
             <a:lnSpc>
-              <a:spcPct val="100000"/>
+              <a:spcPct val="90000"/>
             </a:lnSpc>
             <a:spcBef>
               <a:spcPct val="0"/>
@@ -3814,15 +3367,15 @@
             <a:buNone/>
           </a:pPr>
           <a:r>
-            <a:rPr lang="en-US" sz="2400" b="0" i="0" kern="1200" baseline="0"/>
+            <a:rPr lang="en-US" sz="3000" b="0" i="0" kern="1200" baseline="0"/>
             <a:t>Key insights from visualizations</a:t>
           </a:r>
-          <a:endParaRPr lang="en-US" sz="2400" kern="1200"/>
+          <a:endParaRPr lang="en-US" sz="3000" kern="1200"/>
         </a:p>
       </dsp:txBody>
       <dsp:txXfrm>
-        <a:off x="7068704" y="1877792"/>
-        <a:ext cx="3120653" cy="1323913"/>
+        <a:off x="7513791" y="886531"/>
+        <a:ext cx="2810360" cy="1744948"/>
       </dsp:txXfrm>
     </dsp:sp>
   </dsp:spTree>
@@ -4042,214 +3595,565 @@
 </file>
 
 <file path=ppt/diagrams/layout2.xml><?xml version="1.0" encoding="utf-8"?>
-<dgm:layoutDef xmlns:dgm="http://schemas.openxmlformats.org/drawingml/2006/diagram" xmlns:a="http://schemas.openxmlformats.org/drawingml/2006/main" uniqueId="urn:microsoft.com/office/officeart/2018/2/layout/IconCircleList">
-  <dgm:title val="Icon Circle List"/>
-  <dgm:desc val="Use to show non-sequential or grouped chunks of information accompanied by related visuals. Circular shapes can hold an icon or small picture and corresponding text box shows Level 1 text. Works best for icons or small pictures with medium-length descriptions."/>
+<dgm:layoutDef xmlns:dgm="http://schemas.openxmlformats.org/drawingml/2006/diagram" xmlns:a="http://schemas.openxmlformats.org/drawingml/2006/main" uniqueId="urn:microsoft.com/office/officeart/2005/8/layout/hierarchy1">
+  <dgm:title val=""/>
+  <dgm:desc val=""/>
   <dgm:catLst>
-    <dgm:cat type="icon" pri="500"/>
+    <dgm:cat type="hierarchy" pri="2000"/>
   </dgm:catLst>
-  <dgm:sampData useDef="1">
+  <dgm:sampData>
     <dgm:dataModel>
-      <dgm:ptLst/>
+      <dgm:ptLst>
+        <dgm:pt modelId="0" type="doc"/>
+        <dgm:pt modelId="1">
+          <dgm:prSet phldr="1"/>
+        </dgm:pt>
+        <dgm:pt modelId="2">
+          <dgm:prSet phldr="1"/>
+        </dgm:pt>
+        <dgm:pt modelId="21">
+          <dgm:prSet phldr="1"/>
+        </dgm:pt>
+        <dgm:pt modelId="22">
+          <dgm:prSet phldr="1"/>
+        </dgm:pt>
+        <dgm:pt modelId="3">
+          <dgm:prSet phldr="1"/>
+        </dgm:pt>
+        <dgm:pt modelId="31">
+          <dgm:prSet phldr="1"/>
+        </dgm:pt>
+      </dgm:ptLst>
+      <dgm:cxnLst>
+        <dgm:cxn modelId="4" srcId="0" destId="1" srcOrd="0" destOrd="0"/>
+        <dgm:cxn modelId="5" srcId="1" destId="2" srcOrd="0" destOrd="0"/>
+        <dgm:cxn modelId="6" srcId="1" destId="3" srcOrd="1" destOrd="0"/>
+        <dgm:cxn modelId="23" srcId="2" destId="21" srcOrd="0" destOrd="0"/>
+        <dgm:cxn modelId="24" srcId="2" destId="22" srcOrd="1" destOrd="0"/>
+        <dgm:cxn modelId="33" srcId="3" destId="31" srcOrd="0" destOrd="0"/>
+      </dgm:cxnLst>
       <dgm:bg/>
       <dgm:whole/>
     </dgm:dataModel>
   </dgm:sampData>
-  <dgm:styleData useDef="1">
+  <dgm:styleData>
     <dgm:dataModel>
-      <dgm:ptLst/>
+      <dgm:ptLst>
+        <dgm:pt modelId="0" type="doc"/>
+        <dgm:pt modelId="1"/>
+        <dgm:pt modelId="11"/>
+        <dgm:pt modelId="12"/>
+      </dgm:ptLst>
+      <dgm:cxnLst>
+        <dgm:cxn modelId="2" srcId="0" destId="1" srcOrd="0" destOrd="0"/>
+        <dgm:cxn modelId="13" srcId="1" destId="11" srcOrd="0" destOrd="0"/>
+        <dgm:cxn modelId="14" srcId="1" destId="12" srcOrd="1" destOrd="0"/>
+      </dgm:cxnLst>
       <dgm:bg/>
       <dgm:whole/>
     </dgm:dataModel>
   </dgm:styleData>
-  <dgm:clrData useDef="1">
+  <dgm:clrData>
     <dgm:dataModel>
-      <dgm:ptLst/>
+      <dgm:ptLst>
+        <dgm:pt modelId="0" type="doc"/>
+        <dgm:pt modelId="1"/>
+        <dgm:pt modelId="2"/>
+        <dgm:pt modelId="21"/>
+        <dgm:pt modelId="211"/>
+        <dgm:pt modelId="3"/>
+        <dgm:pt modelId="31"/>
+        <dgm:pt modelId="311"/>
+      </dgm:ptLst>
+      <dgm:cxnLst>
+        <dgm:cxn modelId="4" srcId="0" destId="1" srcOrd="0" destOrd="0"/>
+        <dgm:cxn modelId="5" srcId="1" destId="2" srcOrd="0" destOrd="0"/>
+        <dgm:cxn modelId="6" srcId="1" destId="3" srcOrd="1" destOrd="0"/>
+        <dgm:cxn modelId="23" srcId="2" destId="21" srcOrd="0" destOrd="0"/>
+        <dgm:cxn modelId="24" srcId="21" destId="211" srcOrd="0" destOrd="0"/>
+        <dgm:cxn modelId="33" srcId="3" destId="31" srcOrd="0" destOrd="0"/>
+        <dgm:cxn modelId="34" srcId="31" destId="311" srcOrd="0" destOrd="0"/>
+      </dgm:cxnLst>
       <dgm:bg/>
       <dgm:whole/>
     </dgm:dataModel>
   </dgm:clrData>
-  <dgm:layoutNode name="root">
+  <dgm:layoutNode name="hierChild1">
     <dgm:varLst>
+      <dgm:chPref val="1"/>
       <dgm:dir/>
-      <dgm:resizeHandles val="exact"/>
+      <dgm:animOne val="branch"/>
+      <dgm:animLvl val="lvl"/>
+      <dgm:resizeHandles/>
     </dgm:varLst>
-    <dgm:alg type="sp"/>
+    <dgm:choose name="Name0">
+      <dgm:if name="Name1" func="var" arg="dir" op="equ" val="norm">
+        <dgm:alg type="hierChild">
+          <dgm:param type="linDir" val="fromL"/>
+        </dgm:alg>
+      </dgm:if>
+      <dgm:else name="Name2">
+        <dgm:alg type="hierChild">
+          <dgm:param type="linDir" val="fromR"/>
+        </dgm:alg>
+      </dgm:else>
+    </dgm:choose>
     <dgm:shape xmlns:r="http://schemas.openxmlformats.org/officeDocument/2006/relationships" r:blip="">
       <dgm:adjLst/>
     </dgm:shape>
     <dgm:presOf/>
-    <dgm:choose name="Name0">
-      <dgm:if name="Name1" axis="ch" ptType="node" func="cnt" op="lte" val="3">
-        <dgm:constrLst>
-          <dgm:constr type="w" for="ch" forName="container" refType="w"/>
-          <dgm:constr type="h" for="ch" forName="container" refType="h" fact="0.4"/>
-        </dgm:constrLst>
-      </dgm:if>
-      <dgm:else name="Name2">
-        <dgm:constrLst>
-          <dgm:constr type="w" for="ch" forName="container" refType="w"/>
-          <dgm:constr type="h" for="ch" forName="container" refType="h"/>
-        </dgm:constrLst>
-      </dgm:else>
-    </dgm:choose>
-    <dgm:ruleLst>
-      <dgm:rule type="h" for="ch" forName="container" val="INF" fact="NaN" max="NaN"/>
-    </dgm:ruleLst>
-    <dgm:layoutNode name="container">
-      <dgm:varLst>
-        <dgm:dir/>
-        <dgm:resizeHandles val="exact"/>
-      </dgm:varLst>
-      <dgm:choose name="Name3">
-        <dgm:if name="Name4" axis="self" func="var" arg="dir" op="equ" val="norm">
-          <dgm:alg type="snake">
-            <dgm:param type="grDir" val="tL"/>
-            <dgm:param type="flowDir" val="row"/>
-            <dgm:param type="contDir" val="sameDir"/>
-          </dgm:alg>
-        </dgm:if>
-        <dgm:else name="Name5">
-          <dgm:alg type="snake">
-            <dgm:param type="grDir" val="tR"/>
-            <dgm:param type="flowDir" val="row"/>
-            <dgm:param type="contDir" val="sameDir"/>
-          </dgm:alg>
-        </dgm:else>
-      </dgm:choose>
-      <dgm:shape xmlns:r="http://schemas.openxmlformats.org/officeDocument/2006/relationships" r:blip="">
-        <dgm:adjLst/>
-      </dgm:shape>
-      <dgm:presOf/>
-      <dgm:constrLst>
-        <dgm:constr type="w" for="ch" forName="compNode" refType="w"/>
-        <dgm:constr type="h" for="ch" forName="compNode" refType="w" fact="0.28"/>
-        <dgm:constr type="w" for="ch" forName="sibTrans" refType="w" refFor="ch" refForName="compNode" fact="0.115"/>
-        <dgm:constr type="sp" refType="h" op="equ" fact="0.17"/>
-        <dgm:constr type="primFontSz" for="des" ptType="node" op="equ" val="24"/>
-        <dgm:constr type="h" for="des" forName="compNode" op="equ"/>
-        <dgm:constr type="h" for="des" forName="iconBgRect" op="equ"/>
-      </dgm:constrLst>
-      <dgm:ruleLst>
-        <dgm:rule type="w" for="ch" forName="compNode" val="60" fact="NaN" max="NaN"/>
-      </dgm:ruleLst>
-      <dgm:forEach name="Name6" axis="ch" ptType="node">
-        <dgm:layoutNode name="compNode">
-          <dgm:alg type="composite"/>
+    <dgm:constrLst>
+      <dgm:constr type="primFontSz" for="des" ptType="node" op="equ" val="65"/>
+      <dgm:constr type="w" for="des" forName="composite" refType="w"/>
+      <dgm:constr type="h" for="des" forName="composite" refType="w" refFor="des" refForName="composite" fact="0.667"/>
+      <dgm:constr type="w" for="des" forName="composite2" refType="w" refFor="des" refForName="composite"/>
+      <dgm:constr type="h" for="des" forName="composite2" refType="h" refFor="des" refForName="composite"/>
+      <dgm:constr type="w" for="des" forName="composite3" refType="w" refFor="des" refForName="composite"/>
+      <dgm:constr type="h" for="des" forName="composite3" refType="h" refFor="des" refForName="composite"/>
+      <dgm:constr type="w" for="des" forName="composite4" refType="w" refFor="des" refForName="composite"/>
+      <dgm:constr type="h" for="des" forName="composite4" refType="h" refFor="des" refForName="composite"/>
+      <dgm:constr type="w" for="des" forName="composite5" refType="w" refFor="des" refForName="composite"/>
+      <dgm:constr type="h" for="des" forName="composite5" refType="h" refFor="des" refForName="composite"/>
+      <dgm:constr type="sibSp" refType="w" refFor="des" refForName="composite" fact="0.1"/>
+      <dgm:constr type="sibSp" for="des" forName="hierChild2" refType="sibSp"/>
+      <dgm:constr type="sibSp" for="des" forName="hierChild3" refType="sibSp"/>
+      <dgm:constr type="sibSp" for="des" forName="hierChild4" refType="sibSp"/>
+      <dgm:constr type="sibSp" for="des" forName="hierChild5" refType="sibSp"/>
+      <dgm:constr type="sibSp" for="des" forName="hierChild6" refType="sibSp"/>
+      <dgm:constr type="sp" for="des" forName="hierRoot1" refType="h" refFor="des" refForName="composite" fact="0.25"/>
+      <dgm:constr type="sp" for="des" forName="hierRoot2" refType="sp" refFor="des" refForName="hierRoot1"/>
+      <dgm:constr type="sp" for="des" forName="hierRoot3" refType="sp" refFor="des" refForName="hierRoot1"/>
+      <dgm:constr type="sp" for="des" forName="hierRoot4" refType="sp" refFor="des" refForName="hierRoot1"/>
+      <dgm:constr type="sp" for="des" forName="hierRoot5" refType="sp" refFor="des" refForName="hierRoot1"/>
+    </dgm:constrLst>
+    <dgm:ruleLst/>
+    <dgm:forEach name="Name3" axis="ch">
+      <dgm:forEach name="Name4" axis="self" ptType="node">
+        <dgm:layoutNode name="hierRoot1">
+          <dgm:alg type="hierRoot"/>
           <dgm:shape xmlns:r="http://schemas.openxmlformats.org/officeDocument/2006/relationships" r:blip="">
             <dgm:adjLst/>
           </dgm:shape>
-          <dgm:presOf axis="self"/>
+          <dgm:presOf/>
           <dgm:constrLst>
-            <dgm:constr type="w" for="ch" forName="iconBgRect" refType="w" fact="0.28"/>
-            <dgm:constr type="h" for="ch" forName="iconBgRect" refType="w" refFor="ch" refForName="iconBgRect"/>
-            <dgm:constr type="t" for="ch" forName="iconBgRect"/>
-            <dgm:constr type="l" for="ch" forName="iconBgRect"/>
-            <dgm:constr type="w" for="ch" forName="iconRect" refType="w" refFor="ch" refForName="iconBgRect" fact="0.58"/>
-            <dgm:constr type="h" for="ch" forName="iconRect" refType="w" refFor="ch" refForName="iconRect"/>
-            <dgm:constr type="ctrX" for="ch" forName="iconRect" refType="ctrX" refFor="ch" refForName="iconBgRect"/>
-            <dgm:constr type="ctrY" for="ch" forName="iconRect" refType="ctrY" refFor="ch" refForName="iconBgRect"/>
-            <dgm:constr type="w" for="ch" forName="spaceRect" refType="w" fact="0.06"/>
-            <dgm:constr type="h" for="ch" forName="spaceRect" refType="h" refFor="ch" refForName="iconBgRect"/>
-            <dgm:constr type="t" for="ch" forName="spaceRect" refType="t" refFor="ch" refForName="iconBgRect"/>
-            <dgm:constr type="l" for="ch" forName="spaceRect" refType="r" refFor="ch" refForName="iconBgRect"/>
-            <dgm:constr type="h" for="ch" forName="textRect" refType="h" refFor="ch" refForName="iconBgRect"/>
-            <dgm:constr type="t" for="ch" forName="textRect" refType="t" refFor="ch" refForName="iconBgRect"/>
-            <dgm:constr type="l" for="ch" forName="textRect" refType="r" refFor="ch" refForName="spaceRect"/>
+            <dgm:constr type="bendDist" for="des" ptType="parTrans" refType="sp" fact="0.5"/>
           </dgm:constrLst>
           <dgm:ruleLst/>
-          <dgm:layoutNode name="iconBgRect" styleLbl="bgShp">
-            <dgm:alg type="sp"/>
-            <dgm:shape xmlns:r="http://schemas.openxmlformats.org/officeDocument/2006/relationships" type="ellipse" r:blip="">
+          <dgm:layoutNode name="composite">
+            <dgm:alg type="composite"/>
+            <dgm:shape xmlns:r="http://schemas.openxmlformats.org/officeDocument/2006/relationships" r:blip="">
               <dgm:adjLst/>
             </dgm:shape>
             <dgm:presOf/>
-            <dgm:constrLst/>
+            <dgm:constrLst>
+              <dgm:constr type="w" for="ch" forName="background" refType="w" fact="0.9"/>
+              <dgm:constr type="h" for="ch" forName="background" refType="w" refFor="ch" refForName="background" fact="0.635"/>
+              <dgm:constr type="t" for="ch" forName="background"/>
+              <dgm:constr type="l" for="ch" forName="background"/>
+              <dgm:constr type="w" for="ch" forName="text" refType="w" fact="0.9"/>
+              <dgm:constr type="h" for="ch" forName="text" refType="w" refFor="ch" refForName="text" fact="0.635"/>
+              <dgm:constr type="t" for="ch" forName="text" refType="w" fact="0.095"/>
+              <dgm:constr type="l" for="ch" forName="text" refType="w" fact="0.1"/>
+            </dgm:constrLst>
             <dgm:ruleLst/>
+            <dgm:layoutNode name="background" styleLbl="node0" moveWith="text">
+              <dgm:alg type="sp"/>
+              <dgm:shape xmlns:r="http://schemas.openxmlformats.org/officeDocument/2006/relationships" type="roundRect" r:blip="">
+                <dgm:adjLst>
+                  <dgm:adj idx="1" val="0.1"/>
+                </dgm:adjLst>
+              </dgm:shape>
+              <dgm:presOf/>
+              <dgm:constrLst/>
+              <dgm:ruleLst/>
+            </dgm:layoutNode>
+            <dgm:layoutNode name="text" styleLbl="fgAcc0">
+              <dgm:varLst>
+                <dgm:chPref val="3"/>
+              </dgm:varLst>
+              <dgm:alg type="tx"/>
+              <dgm:shape xmlns:r="http://schemas.openxmlformats.org/officeDocument/2006/relationships" type="roundRect" r:blip="">
+                <dgm:adjLst>
+                  <dgm:adj idx="1" val="0.1"/>
+                </dgm:adjLst>
+              </dgm:shape>
+              <dgm:presOf axis="self"/>
+              <dgm:constrLst>
+                <dgm:constr type="tMarg" refType="primFontSz" fact="0.3"/>
+                <dgm:constr type="bMarg" refType="primFontSz" fact="0.3"/>
+                <dgm:constr type="lMarg" refType="primFontSz" fact="0.3"/>
+                <dgm:constr type="rMarg" refType="primFontSz" fact="0.3"/>
+              </dgm:constrLst>
+              <dgm:ruleLst>
+                <dgm:rule type="primFontSz" val="5" fact="NaN" max="NaN"/>
+              </dgm:ruleLst>
+            </dgm:layoutNode>
           </dgm:layoutNode>
-          <dgm:layoutNode name="iconRect" styleLbl="node1">
-            <dgm:alg type="sp"/>
-            <dgm:shape xmlns:r="http://schemas.openxmlformats.org/officeDocument/2006/relationships" type="rect" r:blip="" blipPhldr="1">
-              <dgm:adjLst/>
-            </dgm:shape>
-            <dgm:presOf/>
-            <dgm:constrLst/>
-            <dgm:ruleLst/>
-          </dgm:layoutNode>
-          <dgm:layoutNode name="spaceRect">
-            <dgm:alg type="sp"/>
+          <dgm:layoutNode name="hierChild2">
+            <dgm:choose name="Name5">
+              <dgm:if name="Name6" func="var" arg="dir" op="equ" val="norm">
+                <dgm:alg type="hierChild">
+                  <dgm:param type="linDir" val="fromL"/>
+                </dgm:alg>
+              </dgm:if>
+              <dgm:else name="Name7">
+                <dgm:alg type="hierChild">
+                  <dgm:param type="linDir" val="fromR"/>
+                </dgm:alg>
+              </dgm:else>
+            </dgm:choose>
             <dgm:shape xmlns:r="http://schemas.openxmlformats.org/officeDocument/2006/relationships" r:blip="">
               <dgm:adjLst/>
             </dgm:shape>
             <dgm:presOf/>
             <dgm:constrLst/>
             <dgm:ruleLst/>
-          </dgm:layoutNode>
-          <dgm:layoutNode name="textRect" styleLbl="revTx">
-            <dgm:varLst>
-              <dgm:chMax val="1"/>
-              <dgm:chPref val="1"/>
-            </dgm:varLst>
-            <dgm:choose name="Name7">
-              <dgm:if name="Name8" func="var" arg="dir" op="equ" val="norm">
-                <dgm:alg type="tx">
-                  <dgm:param type="txAnchorVert" val="mid"/>
-                  <dgm:param type="parTxLTRAlign" val="l"/>
-                  <dgm:param type="shpTxLTRAlignCh" val="l"/>
-                  <dgm:param type="parTxRTLAlign" val="l"/>
-                  <dgm:param type="shpTxRTLAlignCh" val="l"/>
-                </dgm:alg>
-              </dgm:if>
-              <dgm:else name="Name9">
-                <dgm:alg type="tx">
-                  <dgm:param type="txAnchorVert" val="mid"/>
-                  <dgm:param type="parTxLTRAlign" val="r"/>
-                  <dgm:param type="shpTxLTRAlignCh" val="r"/>
-                  <dgm:param type="parTxRTLAlign" val="r"/>
-                  <dgm:param type="shpTxRTLAlignCh" val="r"/>
-                </dgm:alg>
-              </dgm:else>
-            </dgm:choose>
-            <dgm:shape xmlns:r="http://schemas.openxmlformats.org/officeDocument/2006/relationships" type="rect" r:blip="">
-              <dgm:adjLst/>
-            </dgm:shape>
-            <dgm:presOf axis="self" ptType="node"/>
-            <dgm:constrLst>
-              <dgm:constr type="lMarg"/>
-              <dgm:constr type="rMarg"/>
-              <dgm:constr type="tMarg"/>
-              <dgm:constr type="bMarg"/>
-            </dgm:constrLst>
-            <dgm:ruleLst>
-              <dgm:rule type="primFontSz" val="11" fact="NaN" max="NaN"/>
-            </dgm:ruleLst>
+            <dgm:forEach name="Name8" axis="ch">
+              <dgm:forEach name="Name9" axis="self" ptType="parTrans" cnt="1">
+                <dgm:layoutNode name="Name10">
+                  <dgm:alg type="conn">
+                    <dgm:param type="dim" val="1D"/>
+                    <dgm:param type="endSty" val="noArr"/>
+                    <dgm:param type="connRout" val="bend"/>
+                    <dgm:param type="bendPt" val="end"/>
+                    <dgm:param type="begPts" val="bCtr"/>
+                    <dgm:param type="endPts" val="tCtr"/>
+                    <dgm:param type="srcNode" val="background"/>
+                    <dgm:param type="dstNode" val="background2"/>
+                  </dgm:alg>
+                  <dgm:shape xmlns:r="http://schemas.openxmlformats.org/officeDocument/2006/relationships" type="conn" r:blip="" zOrderOff="-999">
+                    <dgm:adjLst/>
+                  </dgm:shape>
+                  <dgm:presOf axis="self"/>
+                  <dgm:constrLst>
+                    <dgm:constr type="begPad"/>
+                    <dgm:constr type="endPad"/>
+                  </dgm:constrLst>
+                  <dgm:ruleLst/>
+                </dgm:layoutNode>
+              </dgm:forEach>
+              <dgm:forEach name="Name11" axis="self" ptType="node">
+                <dgm:layoutNode name="hierRoot2">
+                  <dgm:alg type="hierRoot"/>
+                  <dgm:shape xmlns:r="http://schemas.openxmlformats.org/officeDocument/2006/relationships" r:blip="">
+                    <dgm:adjLst/>
+                  </dgm:shape>
+                  <dgm:presOf/>
+                  <dgm:constrLst>
+                    <dgm:constr type="bendDist" for="des" ptType="parTrans" refType="sp" fact="0.5"/>
+                  </dgm:constrLst>
+                  <dgm:ruleLst/>
+                  <dgm:layoutNode name="composite2">
+                    <dgm:alg type="composite"/>
+                    <dgm:shape xmlns:r="http://schemas.openxmlformats.org/officeDocument/2006/relationships" r:blip="">
+                      <dgm:adjLst/>
+                    </dgm:shape>
+                    <dgm:presOf/>
+                    <dgm:constrLst>
+                      <dgm:constr type="w" for="ch" forName="background2" refType="w" fact="0.9"/>
+                      <dgm:constr type="h" for="ch" forName="background2" refType="w" refFor="ch" refForName="background2" fact="0.635"/>
+                      <dgm:constr type="t" for="ch" forName="background2"/>
+                      <dgm:constr type="l" for="ch" forName="background2"/>
+                      <dgm:constr type="w" for="ch" forName="text2" refType="w" fact="0.9"/>
+                      <dgm:constr type="h" for="ch" forName="text2" refType="w" refFor="ch" refForName="text2" fact="0.635"/>
+                      <dgm:constr type="t" for="ch" forName="text2" refType="w" fact="0.095"/>
+                      <dgm:constr type="l" for="ch" forName="text2" refType="w" fact="0.1"/>
+                    </dgm:constrLst>
+                    <dgm:ruleLst/>
+                    <dgm:layoutNode name="background2" moveWith="text2">
+                      <dgm:alg type="sp"/>
+                      <dgm:shape xmlns:r="http://schemas.openxmlformats.org/officeDocument/2006/relationships" type="roundRect" r:blip="">
+                        <dgm:adjLst>
+                          <dgm:adj idx="1" val="0.1"/>
+                        </dgm:adjLst>
+                      </dgm:shape>
+                      <dgm:presOf/>
+                      <dgm:constrLst/>
+                      <dgm:ruleLst/>
+                    </dgm:layoutNode>
+                    <dgm:layoutNode name="text2" styleLbl="fgAcc2">
+                      <dgm:varLst>
+                        <dgm:chPref val="3"/>
+                      </dgm:varLst>
+                      <dgm:alg type="tx"/>
+                      <dgm:shape xmlns:r="http://schemas.openxmlformats.org/officeDocument/2006/relationships" type="roundRect" r:blip="">
+                        <dgm:adjLst>
+                          <dgm:adj idx="1" val="0.1"/>
+                        </dgm:adjLst>
+                      </dgm:shape>
+                      <dgm:presOf axis="self"/>
+                      <dgm:constrLst>
+                        <dgm:constr type="tMarg" refType="primFontSz" fact="0.3"/>
+                        <dgm:constr type="bMarg" refType="primFontSz" fact="0.3"/>
+                        <dgm:constr type="lMarg" refType="primFontSz" fact="0.3"/>
+                        <dgm:constr type="rMarg" refType="primFontSz" fact="0.3"/>
+                      </dgm:constrLst>
+                      <dgm:ruleLst>
+                        <dgm:rule type="primFontSz" val="5" fact="NaN" max="NaN"/>
+                      </dgm:ruleLst>
+                    </dgm:layoutNode>
+                  </dgm:layoutNode>
+                  <dgm:layoutNode name="hierChild3">
+                    <dgm:choose name="Name12">
+                      <dgm:if name="Name13" func="var" arg="dir" op="equ" val="norm">
+                        <dgm:alg type="hierChild">
+                          <dgm:param type="linDir" val="fromL"/>
+                        </dgm:alg>
+                      </dgm:if>
+                      <dgm:else name="Name14">
+                        <dgm:alg type="hierChild">
+                          <dgm:param type="linDir" val="fromR"/>
+                        </dgm:alg>
+                      </dgm:else>
+                    </dgm:choose>
+                    <dgm:shape xmlns:r="http://schemas.openxmlformats.org/officeDocument/2006/relationships" r:blip="">
+                      <dgm:adjLst/>
+                    </dgm:shape>
+                    <dgm:presOf/>
+                    <dgm:constrLst/>
+                    <dgm:ruleLst/>
+                    <dgm:forEach name="Name15" axis="ch">
+                      <dgm:forEach name="Name16" axis="self" ptType="parTrans" cnt="1">
+                        <dgm:layoutNode name="Name17">
+                          <dgm:alg type="conn">
+                            <dgm:param type="dim" val="1D"/>
+                            <dgm:param type="endSty" val="noArr"/>
+                            <dgm:param type="connRout" val="bend"/>
+                            <dgm:param type="bendPt" val="end"/>
+                            <dgm:param type="begPts" val="bCtr"/>
+                            <dgm:param type="endPts" val="tCtr"/>
+                            <dgm:param type="srcNode" val="background2"/>
+                            <dgm:param type="dstNode" val="background3"/>
+                          </dgm:alg>
+                          <dgm:shape xmlns:r="http://schemas.openxmlformats.org/officeDocument/2006/relationships" type="conn" r:blip="" zOrderOff="-999">
+                            <dgm:adjLst/>
+                          </dgm:shape>
+                          <dgm:presOf axis="self"/>
+                          <dgm:constrLst>
+                            <dgm:constr type="begPad"/>
+                            <dgm:constr type="endPad"/>
+                          </dgm:constrLst>
+                          <dgm:ruleLst/>
+                        </dgm:layoutNode>
+                      </dgm:forEach>
+                      <dgm:forEach name="Name18" axis="self" ptType="node">
+                        <dgm:layoutNode name="hierRoot3">
+                          <dgm:alg type="hierRoot"/>
+                          <dgm:shape xmlns:r="http://schemas.openxmlformats.org/officeDocument/2006/relationships" r:blip="">
+                            <dgm:adjLst/>
+                          </dgm:shape>
+                          <dgm:presOf/>
+                          <dgm:constrLst>
+                            <dgm:constr type="bendDist" for="des" ptType="parTrans" refType="sp" fact="0.5"/>
+                          </dgm:constrLst>
+                          <dgm:ruleLst/>
+                          <dgm:layoutNode name="composite3">
+                            <dgm:alg type="composite"/>
+                            <dgm:shape xmlns:r="http://schemas.openxmlformats.org/officeDocument/2006/relationships" r:blip="">
+                              <dgm:adjLst/>
+                            </dgm:shape>
+                            <dgm:presOf/>
+                            <dgm:constrLst>
+                              <dgm:constr type="w" for="ch" forName="background3" refType="w" fact="0.9"/>
+                              <dgm:constr type="h" for="ch" forName="background3" refType="w" refFor="ch" refForName="background3" fact="0.635"/>
+                              <dgm:constr type="t" for="ch" forName="background3"/>
+                              <dgm:constr type="l" for="ch" forName="background3"/>
+                              <dgm:constr type="w" for="ch" forName="text3" refType="w" fact="0.9"/>
+                              <dgm:constr type="h" for="ch" forName="text3" refType="w" refFor="ch" refForName="text3" fact="0.635"/>
+                              <dgm:constr type="t" for="ch" forName="text3" refType="w" fact="0.095"/>
+                              <dgm:constr type="l" for="ch" forName="text3" refType="w" fact="0.1"/>
+                            </dgm:constrLst>
+                            <dgm:ruleLst/>
+                            <dgm:layoutNode name="background3" moveWith="text3">
+                              <dgm:alg type="sp"/>
+                              <dgm:shape xmlns:r="http://schemas.openxmlformats.org/officeDocument/2006/relationships" type="roundRect" r:blip="">
+                                <dgm:adjLst>
+                                  <dgm:adj idx="1" val="0.1"/>
+                                </dgm:adjLst>
+                              </dgm:shape>
+                              <dgm:presOf/>
+                              <dgm:constrLst/>
+                              <dgm:ruleLst/>
+                            </dgm:layoutNode>
+                            <dgm:layoutNode name="text3" styleLbl="fgAcc3">
+                              <dgm:varLst>
+                                <dgm:chPref val="3"/>
+                              </dgm:varLst>
+                              <dgm:alg type="tx"/>
+                              <dgm:shape xmlns:r="http://schemas.openxmlformats.org/officeDocument/2006/relationships" type="roundRect" r:blip="">
+                                <dgm:adjLst>
+                                  <dgm:adj idx="1" val="0.1"/>
+                                </dgm:adjLst>
+                              </dgm:shape>
+                              <dgm:presOf axis="self"/>
+                              <dgm:constrLst>
+                                <dgm:constr type="tMarg" refType="primFontSz" fact="0.3"/>
+                                <dgm:constr type="bMarg" refType="primFontSz" fact="0.3"/>
+                                <dgm:constr type="lMarg" refType="primFontSz" fact="0.3"/>
+                                <dgm:constr type="rMarg" refType="primFontSz" fact="0.3"/>
+                              </dgm:constrLst>
+                              <dgm:ruleLst>
+                                <dgm:rule type="primFontSz" val="5" fact="NaN" max="NaN"/>
+                              </dgm:ruleLst>
+                            </dgm:layoutNode>
+                          </dgm:layoutNode>
+                          <dgm:layoutNode name="hierChild4">
+                            <dgm:choose name="Name19">
+                              <dgm:if name="Name20" func="var" arg="dir" op="equ" val="norm">
+                                <dgm:alg type="hierChild">
+                                  <dgm:param type="linDir" val="fromL"/>
+                                </dgm:alg>
+                              </dgm:if>
+                              <dgm:else name="Name21">
+                                <dgm:alg type="hierChild">
+                                  <dgm:param type="linDir" val="fromR"/>
+                                </dgm:alg>
+                              </dgm:else>
+                            </dgm:choose>
+                            <dgm:shape xmlns:r="http://schemas.openxmlformats.org/officeDocument/2006/relationships" r:blip="">
+                              <dgm:adjLst/>
+                            </dgm:shape>
+                            <dgm:presOf/>
+                            <dgm:constrLst/>
+                            <dgm:ruleLst/>
+                            <dgm:forEach name="repeat" axis="ch">
+                              <dgm:forEach name="Name22" axis="self" ptType="parTrans" cnt="1">
+                                <dgm:layoutNode name="Name23">
+                                  <dgm:choose name="Name24">
+                                    <dgm:if name="Name25" axis="self" func="depth" op="lte" val="4">
+                                      <dgm:alg type="conn">
+                                        <dgm:param type="dim" val="1D"/>
+                                        <dgm:param type="endSty" val="noArr"/>
+                                        <dgm:param type="connRout" val="bend"/>
+                                        <dgm:param type="bendPt" val="end"/>
+                                        <dgm:param type="begPts" val="bCtr"/>
+                                        <dgm:param type="endPts" val="tCtr"/>
+                                        <dgm:param type="srcNode" val="background3"/>
+                                        <dgm:param type="dstNode" val="background4"/>
+                                      </dgm:alg>
+                                    </dgm:if>
+                                    <dgm:else name="Name26">
+                                      <dgm:alg type="conn">
+                                        <dgm:param type="dim" val="1D"/>
+                                        <dgm:param type="endSty" val="noArr"/>
+                                        <dgm:param type="connRout" val="bend"/>
+                                        <dgm:param type="bendPt" val="end"/>
+                                        <dgm:param type="begPts" val="bCtr"/>
+                                        <dgm:param type="endPts" val="tCtr"/>
+                                        <dgm:param type="srcNode" val="background4"/>
+                                        <dgm:param type="dstNode" val="background4"/>
+                                      </dgm:alg>
+                                    </dgm:else>
+                                  </dgm:choose>
+                                  <dgm:shape xmlns:r="http://schemas.openxmlformats.org/officeDocument/2006/relationships" type="conn" r:blip="" zOrderOff="-999">
+                                    <dgm:adjLst/>
+                                  </dgm:shape>
+                                  <dgm:presOf axis="self"/>
+                                  <dgm:constrLst>
+                                    <dgm:constr type="begPad"/>
+                                    <dgm:constr type="endPad"/>
+                                  </dgm:constrLst>
+                                  <dgm:ruleLst/>
+                                </dgm:layoutNode>
+                              </dgm:forEach>
+                              <dgm:forEach name="Name27" axis="self" ptType="node">
+                                <dgm:layoutNode name="hierRoot4">
+                                  <dgm:alg type="hierRoot"/>
+                                  <dgm:shape xmlns:r="http://schemas.openxmlformats.org/officeDocument/2006/relationships" r:blip="">
+                                    <dgm:adjLst/>
+                                  </dgm:shape>
+                                  <dgm:presOf/>
+                                  <dgm:constrLst>
+                                    <dgm:constr type="bendDist" for="des" ptType="parTrans" refType="sp" fact="0.5"/>
+                                  </dgm:constrLst>
+                                  <dgm:ruleLst/>
+                                  <dgm:layoutNode name="composite4">
+                                    <dgm:alg type="composite"/>
+                                    <dgm:shape xmlns:r="http://schemas.openxmlformats.org/officeDocument/2006/relationships" r:blip="">
+                                      <dgm:adjLst/>
+                                    </dgm:shape>
+                                    <dgm:presOf/>
+                                    <dgm:constrLst>
+                                      <dgm:constr type="w" for="ch" forName="background4" refType="w" fact="0.9"/>
+                                      <dgm:constr type="h" for="ch" forName="background4" refType="w" refFor="ch" refForName="background4" fact="0.635"/>
+                                      <dgm:constr type="t" for="ch" forName="background4"/>
+                                      <dgm:constr type="l" for="ch" forName="background4"/>
+                                      <dgm:constr type="w" for="ch" forName="text4" refType="w" fact="0.9"/>
+                                      <dgm:constr type="h" for="ch" forName="text4" refType="w" refFor="ch" refForName="text4" fact="0.635"/>
+                                      <dgm:constr type="t" for="ch" forName="text4" refType="w" fact="0.095"/>
+                                      <dgm:constr type="l" for="ch" forName="text4" refType="w" fact="0.1"/>
+                                    </dgm:constrLst>
+                                    <dgm:ruleLst/>
+                                    <dgm:layoutNode name="background4" moveWith="text4">
+                                      <dgm:alg type="sp"/>
+                                      <dgm:shape xmlns:r="http://schemas.openxmlformats.org/officeDocument/2006/relationships" type="roundRect" r:blip="">
+                                        <dgm:adjLst>
+                                          <dgm:adj idx="1" val="0.1"/>
+                                        </dgm:adjLst>
+                                      </dgm:shape>
+                                      <dgm:presOf/>
+                                      <dgm:constrLst/>
+                                      <dgm:ruleLst/>
+                                    </dgm:layoutNode>
+                                    <dgm:layoutNode name="text4" styleLbl="fgAcc4">
+                                      <dgm:varLst>
+                                        <dgm:chPref val="3"/>
+                                      </dgm:varLst>
+                                      <dgm:alg type="tx"/>
+                                      <dgm:shape xmlns:r="http://schemas.openxmlformats.org/officeDocument/2006/relationships" type="roundRect" r:blip="">
+                                        <dgm:adjLst>
+                                          <dgm:adj idx="1" val="0.1"/>
+                                        </dgm:adjLst>
+                                      </dgm:shape>
+                                      <dgm:presOf axis="self"/>
+                                      <dgm:constrLst>
+                                        <dgm:constr type="tMarg" refType="primFontSz" fact="0.3"/>
+                                        <dgm:constr type="bMarg" refType="primFontSz" fact="0.3"/>
+                                        <dgm:constr type="lMarg" refType="primFontSz" fact="0.3"/>
+                                        <dgm:constr type="rMarg" refType="primFontSz" fact="0.3"/>
+                                      </dgm:constrLst>
+                                      <dgm:ruleLst>
+                                        <dgm:rule type="primFontSz" val="5" fact="NaN" max="NaN"/>
+                                      </dgm:ruleLst>
+                                    </dgm:layoutNode>
+                                  </dgm:layoutNode>
+                                  <dgm:layoutNode name="hierChild5">
+                                    <dgm:choose name="Name28">
+                                      <dgm:if name="Name29" func="var" arg="dir" op="equ" val="norm">
+                                        <dgm:alg type="hierChild">
+                                          <dgm:param type="linDir" val="fromL"/>
+                                        </dgm:alg>
+                                      </dgm:if>
+                                      <dgm:else name="Name30">
+                                        <dgm:alg type="hierChild">
+                                          <dgm:param type="linDir" val="fromR"/>
+                                        </dgm:alg>
+                                      </dgm:else>
+                                    </dgm:choose>
+                                    <dgm:shape xmlns:r="http://schemas.openxmlformats.org/officeDocument/2006/relationships" r:blip="">
+                                      <dgm:adjLst/>
+                                    </dgm:shape>
+                                    <dgm:presOf/>
+                                    <dgm:constrLst/>
+                                    <dgm:ruleLst/>
+                                    <dgm:forEach name="Name31" ref="repeat"/>
+                                  </dgm:layoutNode>
+                                </dgm:layoutNode>
+                              </dgm:forEach>
+                            </dgm:forEach>
+                          </dgm:layoutNode>
+                        </dgm:layoutNode>
+                      </dgm:forEach>
+                    </dgm:forEach>
+                  </dgm:layoutNode>
+                </dgm:layoutNode>
+              </dgm:forEach>
+            </dgm:forEach>
           </dgm:layoutNode>
         </dgm:layoutNode>
-        <dgm:forEach name="Name10" axis="followSib" ptType="sibTrans" cnt="1">
-          <dgm:layoutNode name="sibTrans">
-            <dgm:alg type="sp"/>
-            <dgm:shape xmlns:r="http://schemas.openxmlformats.org/officeDocument/2006/relationships" type="rect" r:blip="" hideGeom="1">
-              <dgm:adjLst/>
-            </dgm:shape>
-            <dgm:presOf axis="self"/>
-            <dgm:constrLst/>
-            <dgm:ruleLst/>
-          </dgm:layoutNode>
-        </dgm:forEach>
       </dgm:forEach>
-    </dgm:layoutNode>
+    </dgm:forEach>
   </dgm:layoutNode>
-  <dgm:extLst>
-    <a:ext uri="{68A01E43-0DF5-4B5B-8FA6-DAF915123BFB}">
-      <dgm1612:lstStyle xmlns:dgm1612="http://schemas.microsoft.com/office/drawing/2016/12/diagram">
-        <a:lvl1pPr>
-          <a:lnSpc>
-            <a:spcPct val="100000"/>
-          </a:lnSpc>
-        </a:lvl1pPr>
-      </dgm1612:lstStyle>
-    </a:ext>
-  </dgm:extLst>
 </dgm:layoutDef>
 </file>
 
@@ -9734,6 +9638,1073 @@
 </p:sld>
 </file>
 
+<file path=ppt/slides/slide10.xml><?xml version="1.0" encoding="utf-8"?>
+<p:sld xmlns:a="http://schemas.openxmlformats.org/drawingml/2006/main" xmlns:r="http://schemas.openxmlformats.org/officeDocument/2006/relationships" xmlns:p="http://schemas.openxmlformats.org/presentationml/2006/main">
+  <p:cSld>
+    <p:bg>
+      <p:bgPr>
+        <a:solidFill>
+          <a:schemeClr val="bg1"/>
+        </a:solidFill>
+        <a:effectLst/>
+      </p:bgPr>
+    </p:bg>
+    <p:spTree>
+      <p:nvGrpSpPr>
+        <p:cNvPr id="1" name="">
+          <a:extLst>
+            <a:ext uri="{FF2B5EF4-FFF2-40B4-BE49-F238E27FC236}">
+              <a16:creationId xmlns:a16="http://schemas.microsoft.com/office/drawing/2014/main" id="{FBBAD7F4-35DB-38D6-1302-F8B7ED98CE0F}"/>
+            </a:ext>
+          </a:extLst>
+        </p:cNvPr>
+        <p:cNvGrpSpPr/>
+        <p:nvPr/>
+      </p:nvGrpSpPr>
+      <p:grpSpPr>
+        <a:xfrm>
+          <a:off x="0" y="0"/>
+          <a:ext cx="0" cy="0"/>
+          <a:chOff x="0" y="0"/>
+          <a:chExt cx="0" cy="0"/>
+        </a:xfrm>
+      </p:grpSpPr>
+      <p:sp useBgFill="1">
+        <p:nvSpPr>
+          <p:cNvPr id="140" name="Rectangle 139">
+            <a:extLst>
+              <a:ext uri="{FF2B5EF4-FFF2-40B4-BE49-F238E27FC236}">
+                <a16:creationId xmlns:a16="http://schemas.microsoft.com/office/drawing/2014/main" id="{058A14AF-9FB5-4CC7-BA35-E8E85D3EDF0E}"/>
+              </a:ext>
+              <a:ext uri="{C183D7F6-B498-43B3-948B-1728B52AA6E4}">
+                <adec:decorative xmlns:adec="http://schemas.microsoft.com/office/drawing/2017/decorative" val="1"/>
+              </a:ext>
+            </a:extLst>
+          </p:cNvPr>
+          <p:cNvSpPr>
+            <a:spLocks noGrp="1" noRot="1" noChangeAspect="1" noMove="1" noResize="1" noEditPoints="1" noAdjustHandles="1" noChangeArrowheads="1" noChangeShapeType="1" noTextEdit="1"/>
+          </p:cNvSpPr>
+          <p:nvPr>
+            <p:extLst>
+              <p:ext uri="{386F3935-93C4-4BCD-93E2-E3B085C9AB24}">
+                <p16:designElem xmlns:p16="http://schemas.microsoft.com/office/powerpoint/2015/main" val="1"/>
+              </p:ext>
+            </p:extLst>
+          </p:nvPr>
+        </p:nvSpPr>
+        <p:spPr>
+          <a:xfrm>
+            <a:off x="0" y="0"/>
+            <a:ext cx="12191999" cy="6857365"/>
+          </a:xfrm>
+          <a:prstGeom prst="rect">
+            <a:avLst/>
+          </a:prstGeom>
+          <a:ln>
+            <a:noFill/>
+          </a:ln>
+        </p:spPr>
+        <p:style>
+          <a:lnRef idx="2">
+            <a:schemeClr val="accent1">
+              <a:shade val="50000"/>
+            </a:schemeClr>
+          </a:lnRef>
+          <a:fillRef idx="1">
+            <a:schemeClr val="accent1"/>
+          </a:fillRef>
+          <a:effectRef idx="0">
+            <a:schemeClr val="accent1"/>
+          </a:effectRef>
+          <a:fontRef idx="minor">
+            <a:schemeClr val="lt1"/>
+          </a:fontRef>
+        </p:style>
+        <p:txBody>
+          <a:bodyPr rtlCol="0" anchor="ctr"/>
+          <a:lstStyle/>
+          <a:p>
+            <a:pPr algn="ctr"/>
+            <a:endParaRPr lang="en-US"/>
+          </a:p>
+        </p:txBody>
+      </p:sp>
+      <p:sp>
+        <p:nvSpPr>
+          <p:cNvPr id="2" name="Title 1">
+            <a:extLst>
+              <a:ext uri="{FF2B5EF4-FFF2-40B4-BE49-F238E27FC236}">
+                <a16:creationId xmlns:a16="http://schemas.microsoft.com/office/drawing/2014/main" id="{ADAED287-0867-B7BB-55D1-7723FB1E30F9}"/>
+              </a:ext>
+            </a:extLst>
+          </p:cNvPr>
+          <p:cNvSpPr>
+            <a:spLocks noGrp="1"/>
+          </p:cNvSpPr>
+          <p:nvPr>
+            <p:ph type="title"/>
+          </p:nvPr>
+        </p:nvSpPr>
+        <p:spPr>
+          <a:xfrm>
+            <a:off x="793662" y="386930"/>
+            <a:ext cx="10066122" cy="1298448"/>
+          </a:xfrm>
+        </p:spPr>
+        <p:txBody>
+          <a:bodyPr anchor="b">
+            <a:normAutofit/>
+          </a:bodyPr>
+          <a:lstStyle/>
+          <a:p>
+            <a:r>
+              <a:rPr lang="en-US" dirty="0"/>
+              <a:t>Key Feature Analysis: Genetic Risk Factor (APOE-ε4)</a:t>
+            </a:r>
+          </a:p>
+        </p:txBody>
+      </p:sp>
+      <p:sp>
+        <p:nvSpPr>
+          <p:cNvPr id="142" name="Rectangle 141">
+            <a:extLst>
+              <a:ext uri="{FF2B5EF4-FFF2-40B4-BE49-F238E27FC236}">
+                <a16:creationId xmlns:a16="http://schemas.microsoft.com/office/drawing/2014/main" id="{3A9A4357-BD1D-4622-A4FE-766E6AB8DE84}"/>
+              </a:ext>
+              <a:ext uri="{C183D7F6-B498-43B3-948B-1728B52AA6E4}">
+                <adec:decorative xmlns:adec="http://schemas.microsoft.com/office/drawing/2017/decorative" val="1"/>
+              </a:ext>
+            </a:extLst>
+          </p:cNvPr>
+          <p:cNvSpPr>
+            <a:spLocks noGrp="1" noRot="1" noChangeAspect="1" noMove="1" noResize="1" noEditPoints="1" noAdjustHandles="1" noChangeArrowheads="1" noChangeShapeType="1" noTextEdit="1"/>
+          </p:cNvSpPr>
+          <p:nvPr>
+            <p:extLst>
+              <p:ext uri="{386F3935-93C4-4BCD-93E2-E3B085C9AB24}">
+                <p16:designElem xmlns:p16="http://schemas.microsoft.com/office/powerpoint/2015/main" val="1"/>
+              </p:ext>
+            </p:extLst>
+          </p:nvPr>
+        </p:nvSpPr>
+        <p:spPr>
+          <a:xfrm flipH="1" flipV="1">
+            <a:off x="-2" y="1998845"/>
+            <a:ext cx="11454595" cy="781699"/>
+          </a:xfrm>
+          <a:prstGeom prst="rect">
+            <a:avLst/>
+          </a:prstGeom>
+          <a:solidFill>
+            <a:schemeClr val="accent4"/>
+          </a:solidFill>
+          <a:ln>
+            <a:noFill/>
+          </a:ln>
+        </p:spPr>
+        <p:style>
+          <a:lnRef idx="2">
+            <a:schemeClr val="accent1">
+              <a:shade val="50000"/>
+            </a:schemeClr>
+          </a:lnRef>
+          <a:fillRef idx="1">
+            <a:schemeClr val="accent1"/>
+          </a:fillRef>
+          <a:effectRef idx="0">
+            <a:schemeClr val="accent1"/>
+          </a:effectRef>
+          <a:fontRef idx="minor">
+            <a:schemeClr val="lt1"/>
+          </a:fontRef>
+        </p:style>
+        <p:txBody>
+          <a:bodyPr rtlCol="0" anchor="ctr"/>
+          <a:lstStyle/>
+          <a:p>
+            <a:pPr algn="ctr"/>
+            <a:endParaRPr lang="en-US"/>
+          </a:p>
+        </p:txBody>
+      </p:sp>
+      <p:sp>
+        <p:nvSpPr>
+          <p:cNvPr id="144" name="Rectangle 143">
+            <a:extLst>
+              <a:ext uri="{FF2B5EF4-FFF2-40B4-BE49-F238E27FC236}">
+                <a16:creationId xmlns:a16="http://schemas.microsoft.com/office/drawing/2014/main" id="{E659831F-0D9A-4C63-9EBB-8435B85A440F}"/>
+              </a:ext>
+              <a:ext uri="{C183D7F6-B498-43B3-948B-1728B52AA6E4}">
+                <adec:decorative xmlns:adec="http://schemas.microsoft.com/office/drawing/2017/decorative" val="1"/>
+              </a:ext>
+            </a:extLst>
+          </p:cNvPr>
+          <p:cNvSpPr>
+            <a:spLocks noGrp="1" noRot="1" noChangeAspect="1" noMove="1" noResize="1" noEditPoints="1" noAdjustHandles="1" noChangeArrowheads="1" noChangeShapeType="1" noTextEdit="1"/>
+          </p:cNvSpPr>
+          <p:nvPr>
+            <p:extLst>
+              <p:ext uri="{386F3935-93C4-4BCD-93E2-E3B085C9AB24}">
+                <p16:designElem xmlns:p16="http://schemas.microsoft.com/office/powerpoint/2015/main" val="1"/>
+              </p:ext>
+            </p:extLst>
+          </p:nvPr>
+        </p:nvSpPr>
+        <p:spPr>
+          <a:xfrm>
+            <a:off x="0" y="2203079"/>
+            <a:ext cx="11383362" cy="4267991"/>
+          </a:xfrm>
+          <a:prstGeom prst="rect">
+            <a:avLst/>
+          </a:prstGeom>
+          <a:solidFill>
+            <a:schemeClr val="bg1"/>
+          </a:solidFill>
+          <a:ln>
+            <a:noFill/>
+          </a:ln>
+          <a:effectLst>
+            <a:outerShdw blurRad="139700" dist="127000" dir="5400000" algn="t" rotWithShape="0">
+              <a:prstClr val="black">
+                <a:alpha val="15000"/>
+              </a:prstClr>
+            </a:outerShdw>
+          </a:effectLst>
+        </p:spPr>
+        <p:style>
+          <a:lnRef idx="2">
+            <a:schemeClr val="accent1">
+              <a:shade val="50000"/>
+            </a:schemeClr>
+          </a:lnRef>
+          <a:fillRef idx="1">
+            <a:schemeClr val="accent1"/>
+          </a:fillRef>
+          <a:effectRef idx="0">
+            <a:schemeClr val="accent1"/>
+          </a:effectRef>
+          <a:fontRef idx="minor">
+            <a:schemeClr val="lt1"/>
+          </a:fontRef>
+        </p:style>
+        <p:txBody>
+          <a:bodyPr rtlCol="0" anchor="ctr"/>
+          <a:lstStyle/>
+          <a:p>
+            <a:pPr algn="ctr"/>
+            <a:endParaRPr lang="en-US"/>
+          </a:p>
+        </p:txBody>
+      </p:sp>
+      <p:sp>
+        <p:nvSpPr>
+          <p:cNvPr id="23" name="Content Placeholder 2">
+            <a:extLst>
+              <a:ext uri="{FF2B5EF4-FFF2-40B4-BE49-F238E27FC236}">
+                <a16:creationId xmlns:a16="http://schemas.microsoft.com/office/drawing/2014/main" id="{C83A4ACD-CB0C-7653-9F44-A288A4D362DD}"/>
+              </a:ext>
+            </a:extLst>
+          </p:cNvPr>
+          <p:cNvSpPr>
+            <a:spLocks noGrp="1"/>
+          </p:cNvSpPr>
+          <p:nvPr>
+            <p:ph idx="1"/>
+          </p:nvPr>
+        </p:nvSpPr>
+        <p:spPr>
+          <a:xfrm>
+            <a:off x="793662" y="2517349"/>
+            <a:ext cx="4530898" cy="3639450"/>
+          </a:xfrm>
+        </p:spPr>
+        <p:txBody>
+          <a:bodyPr anchor="ctr">
+            <a:normAutofit/>
+          </a:bodyPr>
+          <a:lstStyle/>
+          <a:p>
+            <a:pPr>
+              <a:buNone/>
+            </a:pPr>
+            <a:r>
+              <a:rPr lang="en-US" b="1" dirty="0"/>
+              <a:t>Key Insights:</a:t>
+            </a:r>
+            <a:endParaRPr lang="en-US" dirty="0"/>
+          </a:p>
+          <a:p>
+            <a:pPr>
+              <a:buFont typeface="Arial" panose="020B0604020202020204" pitchFamily="34" charset="0"/>
+              <a:buChar char="•"/>
+            </a:pPr>
+            <a:r>
+              <a:rPr lang="en-US" dirty="0"/>
+              <a:t>The </a:t>
+            </a:r>
+            <a:r>
+              <a:rPr lang="en-US" b="1" dirty="0"/>
+              <a:t>APOE-ε4 allele</a:t>
+            </a:r>
+            <a:r>
+              <a:rPr lang="en-US" dirty="0"/>
+              <a:t> is a well-known genetic risk factor for Alzheimer's disease. Individuals carrying this allele have a higher risk of developing Alzheimer’s.</a:t>
+            </a:r>
+          </a:p>
+        </p:txBody>
+      </p:sp>
+      <p:pic>
+        <p:nvPicPr>
+          <p:cNvPr id="3" name="Picture 2">
+            <a:extLst>
+              <a:ext uri="{FF2B5EF4-FFF2-40B4-BE49-F238E27FC236}">
+                <a16:creationId xmlns:a16="http://schemas.microsoft.com/office/drawing/2014/main" id="{D21F95EF-2530-C2BE-B6EA-98C7E1A4751E}"/>
+              </a:ext>
+            </a:extLst>
+          </p:cNvPr>
+          <p:cNvPicPr>
+            <a:picLocks noChangeAspect="1"/>
+          </p:cNvPicPr>
+          <p:nvPr/>
+        </p:nvPicPr>
+        <p:blipFill>
+          <a:blip r:embed="rId2"/>
+          <a:stretch>
+            <a:fillRect/>
+          </a:stretch>
+        </p:blipFill>
+        <p:spPr>
+          <a:xfrm>
+            <a:off x="5911532" y="2641786"/>
+            <a:ext cx="5150277" cy="3399182"/>
+          </a:xfrm>
+          <a:prstGeom prst="rect">
+            <a:avLst/>
+          </a:prstGeom>
+        </p:spPr>
+      </p:pic>
+      <p:sp>
+        <p:nvSpPr>
+          <p:cNvPr id="146" name="Rectangle 145">
+            <a:extLst>
+              <a:ext uri="{FF2B5EF4-FFF2-40B4-BE49-F238E27FC236}">
+                <a16:creationId xmlns:a16="http://schemas.microsoft.com/office/drawing/2014/main" id="{E6995CE5-F890-4ABA-82A2-26507CE8D2A3}"/>
+              </a:ext>
+              <a:ext uri="{C183D7F6-B498-43B3-948B-1728B52AA6E4}">
+                <adec:decorative xmlns:adec="http://schemas.microsoft.com/office/drawing/2017/decorative" val="1"/>
+              </a:ext>
+            </a:extLst>
+          </p:cNvPr>
+          <p:cNvSpPr>
+            <a:spLocks noGrp="1" noRot="1" noChangeAspect="1" noMove="1" noResize="1" noEditPoints="1" noAdjustHandles="1" noChangeArrowheads="1" noChangeShapeType="1" noTextEdit="1"/>
+          </p:cNvSpPr>
+          <p:nvPr>
+            <p:extLst>
+              <p:ext uri="{386F3935-93C4-4BCD-93E2-E3B085C9AB24}">
+                <p16:designElem xmlns:p16="http://schemas.microsoft.com/office/powerpoint/2015/main" val="1"/>
+              </p:ext>
+            </p:extLst>
+          </p:nvPr>
+        </p:nvSpPr>
+        <p:spPr>
+          <a:xfrm rot="5400000">
+            <a:off x="11228040" y="2313027"/>
+            <a:ext cx="781700" cy="152382"/>
+          </a:xfrm>
+          <a:prstGeom prst="rect">
+            <a:avLst/>
+          </a:prstGeom>
+          <a:solidFill>
+            <a:schemeClr val="accent4"/>
+          </a:solidFill>
+          <a:ln>
+            <a:noFill/>
+          </a:ln>
+        </p:spPr>
+        <p:style>
+          <a:lnRef idx="2">
+            <a:schemeClr val="accent1">
+              <a:shade val="50000"/>
+            </a:schemeClr>
+          </a:lnRef>
+          <a:fillRef idx="1">
+            <a:schemeClr val="accent1"/>
+          </a:fillRef>
+          <a:effectRef idx="0">
+            <a:schemeClr val="accent1"/>
+          </a:effectRef>
+          <a:fontRef idx="minor">
+            <a:schemeClr val="lt1"/>
+          </a:fontRef>
+        </p:style>
+        <p:txBody>
+          <a:bodyPr rtlCol="0" anchor="ctr"/>
+          <a:lstStyle/>
+          <a:p>
+            <a:pPr algn="ctr"/>
+            <a:endParaRPr lang="en-US"/>
+          </a:p>
+        </p:txBody>
+      </p:sp>
+    </p:spTree>
+    <p:extLst>
+      <p:ext uri="{BB962C8B-B14F-4D97-AF65-F5344CB8AC3E}">
+        <p14:creationId xmlns:p14="http://schemas.microsoft.com/office/powerpoint/2010/main" val="531969503"/>
+      </p:ext>
+    </p:extLst>
+  </p:cSld>
+  <p:clrMapOvr>
+    <a:masterClrMapping/>
+  </p:clrMapOvr>
+</p:sld>
+</file>
+
+<file path=ppt/slides/slide11.xml><?xml version="1.0" encoding="utf-8"?>
+<p:sld xmlns:a="http://schemas.openxmlformats.org/drawingml/2006/main" xmlns:r="http://schemas.openxmlformats.org/officeDocument/2006/relationships" xmlns:p="http://schemas.openxmlformats.org/presentationml/2006/main">
+  <p:cSld>
+    <p:bg>
+      <p:bgPr>
+        <a:solidFill>
+          <a:schemeClr val="bg1"/>
+        </a:solidFill>
+        <a:effectLst/>
+      </p:bgPr>
+    </p:bg>
+    <p:spTree>
+      <p:nvGrpSpPr>
+        <p:cNvPr id="1" name="">
+          <a:extLst>
+            <a:ext uri="{FF2B5EF4-FFF2-40B4-BE49-F238E27FC236}">
+              <a16:creationId xmlns:a16="http://schemas.microsoft.com/office/drawing/2014/main" id="{665F1151-DF88-1D39-3D1B-DC69F5F5709A}"/>
+            </a:ext>
+          </a:extLst>
+        </p:cNvPr>
+        <p:cNvGrpSpPr/>
+        <p:nvPr/>
+      </p:nvGrpSpPr>
+      <p:grpSpPr>
+        <a:xfrm>
+          <a:off x="0" y="0"/>
+          <a:ext cx="0" cy="0"/>
+          <a:chOff x="0" y="0"/>
+          <a:chExt cx="0" cy="0"/>
+        </a:xfrm>
+      </p:grpSpPr>
+      <p:sp useBgFill="1">
+        <p:nvSpPr>
+          <p:cNvPr id="163" name="Rectangle 162">
+            <a:extLst>
+              <a:ext uri="{FF2B5EF4-FFF2-40B4-BE49-F238E27FC236}">
+                <a16:creationId xmlns:a16="http://schemas.microsoft.com/office/drawing/2014/main" id="{058A14AF-9FB5-4CC7-BA35-E8E85D3EDF0E}"/>
+              </a:ext>
+              <a:ext uri="{C183D7F6-B498-43B3-948B-1728B52AA6E4}">
+                <adec:decorative xmlns:adec="http://schemas.microsoft.com/office/drawing/2017/decorative" val="1"/>
+              </a:ext>
+            </a:extLst>
+          </p:cNvPr>
+          <p:cNvSpPr>
+            <a:spLocks noGrp="1" noRot="1" noChangeAspect="1" noMove="1" noResize="1" noEditPoints="1" noAdjustHandles="1" noChangeArrowheads="1" noChangeShapeType="1" noTextEdit="1"/>
+          </p:cNvSpPr>
+          <p:nvPr>
+            <p:extLst>
+              <p:ext uri="{386F3935-93C4-4BCD-93E2-E3B085C9AB24}">
+                <p16:designElem xmlns:p16="http://schemas.microsoft.com/office/powerpoint/2015/main" val="1"/>
+              </p:ext>
+            </p:extLst>
+          </p:nvPr>
+        </p:nvSpPr>
+        <p:spPr>
+          <a:xfrm>
+            <a:off x="0" y="0"/>
+            <a:ext cx="12191999" cy="6857365"/>
+          </a:xfrm>
+          <a:prstGeom prst="rect">
+            <a:avLst/>
+          </a:prstGeom>
+          <a:ln>
+            <a:noFill/>
+          </a:ln>
+        </p:spPr>
+        <p:style>
+          <a:lnRef idx="2">
+            <a:schemeClr val="accent1">
+              <a:shade val="50000"/>
+            </a:schemeClr>
+          </a:lnRef>
+          <a:fillRef idx="1">
+            <a:schemeClr val="accent1"/>
+          </a:fillRef>
+          <a:effectRef idx="0">
+            <a:schemeClr val="accent1"/>
+          </a:effectRef>
+          <a:fontRef idx="minor">
+            <a:schemeClr val="lt1"/>
+          </a:fontRef>
+        </p:style>
+        <p:txBody>
+          <a:bodyPr rtlCol="0" anchor="ctr"/>
+          <a:lstStyle/>
+          <a:p>
+            <a:pPr algn="ctr"/>
+            <a:endParaRPr lang="en-US"/>
+          </a:p>
+        </p:txBody>
+      </p:sp>
+      <p:sp>
+        <p:nvSpPr>
+          <p:cNvPr id="2" name="Title 1">
+            <a:extLst>
+              <a:ext uri="{FF2B5EF4-FFF2-40B4-BE49-F238E27FC236}">
+                <a16:creationId xmlns:a16="http://schemas.microsoft.com/office/drawing/2014/main" id="{21E5E50E-909A-BB13-F125-3D241F293AB2}"/>
+              </a:ext>
+            </a:extLst>
+          </p:cNvPr>
+          <p:cNvSpPr>
+            <a:spLocks noGrp="1"/>
+          </p:cNvSpPr>
+          <p:nvPr>
+            <p:ph type="title"/>
+          </p:nvPr>
+        </p:nvSpPr>
+        <p:spPr>
+          <a:xfrm>
+            <a:off x="793662" y="386930"/>
+            <a:ext cx="10066122" cy="1298448"/>
+          </a:xfrm>
+        </p:spPr>
+        <p:txBody>
+          <a:bodyPr anchor="b">
+            <a:normAutofit/>
+          </a:bodyPr>
+          <a:lstStyle/>
+          <a:p>
+            <a:r>
+              <a:rPr lang="en-US" sz="4800"/>
+              <a:t>Secondary Features Overview</a:t>
+            </a:r>
+          </a:p>
+        </p:txBody>
+      </p:sp>
+      <p:sp>
+        <p:nvSpPr>
+          <p:cNvPr id="165" name="Rectangle 164">
+            <a:extLst>
+              <a:ext uri="{FF2B5EF4-FFF2-40B4-BE49-F238E27FC236}">
+                <a16:creationId xmlns:a16="http://schemas.microsoft.com/office/drawing/2014/main" id="{3A9A4357-BD1D-4622-A4FE-766E6AB8DE84}"/>
+              </a:ext>
+              <a:ext uri="{C183D7F6-B498-43B3-948B-1728B52AA6E4}">
+                <adec:decorative xmlns:adec="http://schemas.microsoft.com/office/drawing/2017/decorative" val="1"/>
+              </a:ext>
+            </a:extLst>
+          </p:cNvPr>
+          <p:cNvSpPr>
+            <a:spLocks noGrp="1" noRot="1" noChangeAspect="1" noMove="1" noResize="1" noEditPoints="1" noAdjustHandles="1" noChangeArrowheads="1" noChangeShapeType="1" noTextEdit="1"/>
+          </p:cNvSpPr>
+          <p:nvPr>
+            <p:extLst>
+              <p:ext uri="{386F3935-93C4-4BCD-93E2-E3B085C9AB24}">
+                <p16:designElem xmlns:p16="http://schemas.microsoft.com/office/powerpoint/2015/main" val="1"/>
+              </p:ext>
+            </p:extLst>
+          </p:nvPr>
+        </p:nvSpPr>
+        <p:spPr>
+          <a:xfrm flipH="1" flipV="1">
+            <a:off x="-2" y="1998845"/>
+            <a:ext cx="11454595" cy="781699"/>
+          </a:xfrm>
+          <a:prstGeom prst="rect">
+            <a:avLst/>
+          </a:prstGeom>
+          <a:solidFill>
+            <a:schemeClr val="accent4"/>
+          </a:solidFill>
+          <a:ln>
+            <a:noFill/>
+          </a:ln>
+        </p:spPr>
+        <p:style>
+          <a:lnRef idx="2">
+            <a:schemeClr val="accent1">
+              <a:shade val="50000"/>
+            </a:schemeClr>
+          </a:lnRef>
+          <a:fillRef idx="1">
+            <a:schemeClr val="accent1"/>
+          </a:fillRef>
+          <a:effectRef idx="0">
+            <a:schemeClr val="accent1"/>
+          </a:effectRef>
+          <a:fontRef idx="minor">
+            <a:schemeClr val="lt1"/>
+          </a:fontRef>
+        </p:style>
+        <p:txBody>
+          <a:bodyPr rtlCol="0" anchor="ctr"/>
+          <a:lstStyle/>
+          <a:p>
+            <a:pPr algn="ctr"/>
+            <a:endParaRPr lang="en-US"/>
+          </a:p>
+        </p:txBody>
+      </p:sp>
+      <p:sp>
+        <p:nvSpPr>
+          <p:cNvPr id="167" name="Rectangle 166">
+            <a:extLst>
+              <a:ext uri="{FF2B5EF4-FFF2-40B4-BE49-F238E27FC236}">
+                <a16:creationId xmlns:a16="http://schemas.microsoft.com/office/drawing/2014/main" id="{E659831F-0D9A-4C63-9EBB-8435B85A440F}"/>
+              </a:ext>
+              <a:ext uri="{C183D7F6-B498-43B3-948B-1728B52AA6E4}">
+                <adec:decorative xmlns:adec="http://schemas.microsoft.com/office/drawing/2017/decorative" val="1"/>
+              </a:ext>
+            </a:extLst>
+          </p:cNvPr>
+          <p:cNvSpPr>
+            <a:spLocks noGrp="1" noRot="1" noChangeAspect="1" noMove="1" noResize="1" noEditPoints="1" noAdjustHandles="1" noChangeArrowheads="1" noChangeShapeType="1" noTextEdit="1"/>
+          </p:cNvSpPr>
+          <p:nvPr>
+            <p:extLst>
+              <p:ext uri="{386F3935-93C4-4BCD-93E2-E3B085C9AB24}">
+                <p16:designElem xmlns:p16="http://schemas.microsoft.com/office/powerpoint/2015/main" val="1"/>
+              </p:ext>
+            </p:extLst>
+          </p:nvPr>
+        </p:nvSpPr>
+        <p:spPr>
+          <a:xfrm>
+            <a:off x="0" y="2203079"/>
+            <a:ext cx="11383362" cy="4267991"/>
+          </a:xfrm>
+          <a:prstGeom prst="rect">
+            <a:avLst/>
+          </a:prstGeom>
+          <a:solidFill>
+            <a:schemeClr val="bg1"/>
+          </a:solidFill>
+          <a:ln>
+            <a:noFill/>
+          </a:ln>
+          <a:effectLst>
+            <a:outerShdw blurRad="139700" dist="127000" dir="5400000" algn="t" rotWithShape="0">
+              <a:prstClr val="black">
+                <a:alpha val="15000"/>
+              </a:prstClr>
+            </a:outerShdw>
+          </a:effectLst>
+        </p:spPr>
+        <p:style>
+          <a:lnRef idx="2">
+            <a:schemeClr val="accent1">
+              <a:shade val="50000"/>
+            </a:schemeClr>
+          </a:lnRef>
+          <a:fillRef idx="1">
+            <a:schemeClr val="accent1"/>
+          </a:fillRef>
+          <a:effectRef idx="0">
+            <a:schemeClr val="accent1"/>
+          </a:effectRef>
+          <a:fontRef idx="minor">
+            <a:schemeClr val="lt1"/>
+          </a:fontRef>
+        </p:style>
+        <p:txBody>
+          <a:bodyPr rtlCol="0" anchor="ctr"/>
+          <a:lstStyle/>
+          <a:p>
+            <a:pPr algn="ctr"/>
+            <a:endParaRPr lang="en-US"/>
+          </a:p>
+        </p:txBody>
+      </p:sp>
+      <p:sp>
+        <p:nvSpPr>
+          <p:cNvPr id="4" name="Rectangle 2">
+            <a:extLst>
+              <a:ext uri="{FF2B5EF4-FFF2-40B4-BE49-F238E27FC236}">
+                <a16:creationId xmlns:a16="http://schemas.microsoft.com/office/drawing/2014/main" id="{9F0FB099-2718-BC5B-E3D6-3DE9B85A4E9B}"/>
+              </a:ext>
+            </a:extLst>
+          </p:cNvPr>
+          <p:cNvSpPr>
+            <a:spLocks noGrp="1" noChangeArrowheads="1"/>
+          </p:cNvSpPr>
+          <p:nvPr>
+            <p:ph idx="1"/>
+          </p:nvPr>
+        </p:nvSpPr>
+        <p:spPr bwMode="auto">
+          <a:xfrm>
+            <a:off x="456080" y="2517349"/>
+            <a:ext cx="4958534" cy="3639450"/>
+          </a:xfrm>
+          <a:prstGeom prst="rect">
+            <a:avLst/>
+          </a:prstGeom>
+          <a:extLst>
+            <a:ext uri="{909E8E84-426E-40DD-AFC4-6F175D3DCCD1}">
+              <a14:hiddenFill xmlns:a14="http://schemas.microsoft.com/office/drawing/2010/main">
+                <a:solidFill>
+                  <a:schemeClr val="accent1"/>
+                </a:solidFill>
+              </a14:hiddenFill>
+            </a:ext>
+            <a:ext uri="{91240B29-F687-4F45-9708-019B960494DF}">
+              <a14:hiddenLine xmlns:a14="http://schemas.microsoft.com/office/drawing/2010/main" w="9525">
+                <a:solidFill>
+                  <a:schemeClr val="tx1"/>
+                </a:solidFill>
+                <a:miter lim="800000"/>
+                <a:headEnd/>
+                <a:tailEnd/>
+              </a14:hiddenLine>
+            </a:ext>
+            <a:ext uri="{AF507438-7753-43E0-B8FC-AC1667EBCBE1}">
+              <a14:hiddenEffects xmlns:a14="http://schemas.microsoft.com/office/drawing/2010/main">
+                <a:effectLst>
+                  <a:outerShdw dist="35921" dir="2700000" algn="ctr" rotWithShape="0">
+                    <a:schemeClr val="bg2"/>
+                  </a:outerShdw>
+                </a:effectLst>
+              </a14:hiddenEffects>
+            </a:ext>
+          </a:extLst>
+        </p:spPr>
+        <p:txBody>
+          <a:bodyPr vert="horz" lIns="91440" tIns="45720" rIns="91440" bIns="45720" numCol="1" anchor="ctr" anchorCtr="0" compatLnSpc="1">
+            <a:prstTxWarp prst="textNoShape">
+              <a:avLst/>
+            </a:prstTxWarp>
+            <a:normAutofit/>
+          </a:bodyPr>
+          <a:lstStyle/>
+          <a:p>
+            <a:pPr marL="0" marR="0" lvl="0" indent="0" defTabSz="914400" rtl="0" eaLnBrk="0" fontAlgn="base" latinLnBrk="0" hangingPunct="0">
+              <a:spcBef>
+                <a:spcPct val="0"/>
+              </a:spcBef>
+              <a:spcAft>
+                <a:spcPts val="600"/>
+              </a:spcAft>
+              <a:buClrTx/>
+              <a:buSzTx/>
+              <a:buNone/>
+              <a:tabLst/>
+            </a:pPr>
+            <a:r>
+              <a:rPr kumimoji="0" lang="en-US" altLang="en-US" sz="2000" b="0" i="0" u="none" strike="noStrike" cap="none" normalizeH="0" baseline="0" dirty="0">
+                <a:ln>
+                  <a:noFill/>
+                </a:ln>
+                <a:effectLst/>
+                <a:latin typeface="Arial" panose="020B0604020202020204" pitchFamily="34" charset="0"/>
+              </a:rPr>
+              <a:t>The remaining </a:t>
+            </a:r>
+            <a:r>
+              <a:rPr lang="en-US" altLang="en-US" sz="2000" dirty="0">
+                <a:latin typeface="Arial" panose="020B0604020202020204" pitchFamily="34" charset="0"/>
+              </a:rPr>
+              <a:t>21</a:t>
+            </a:r>
+            <a:r>
+              <a:rPr kumimoji="0" lang="en-US" altLang="en-US" sz="2000" b="0" i="0" u="none" strike="noStrike" cap="none" normalizeH="0" baseline="0" dirty="0">
+                <a:ln>
+                  <a:noFill/>
+                </a:ln>
+                <a:effectLst/>
+                <a:latin typeface="Arial" panose="020B0604020202020204" pitchFamily="34" charset="0"/>
+              </a:rPr>
+              <a:t> features show </a:t>
+            </a:r>
+            <a:r>
+              <a:rPr kumimoji="0" lang="en-US" altLang="en-US" sz="2000" b="1" i="0" u="none" strike="noStrike" cap="none" normalizeH="0" baseline="0" dirty="0">
+                <a:ln>
+                  <a:noFill/>
+                </a:ln>
+                <a:effectLst/>
+                <a:latin typeface="Arial" panose="020B0604020202020204" pitchFamily="34" charset="0"/>
+              </a:rPr>
+              <a:t>low correlation</a:t>
+            </a:r>
+            <a:r>
+              <a:rPr kumimoji="0" lang="en-US" altLang="en-US" sz="2000" b="0" i="0" u="none" strike="noStrike" cap="none" normalizeH="0" baseline="0" dirty="0">
+                <a:ln>
+                  <a:noFill/>
+                </a:ln>
+                <a:effectLst/>
+                <a:latin typeface="Arial" panose="020B0604020202020204" pitchFamily="34" charset="0"/>
+              </a:rPr>
+              <a:t> with the target variable.</a:t>
+            </a:r>
+          </a:p>
+          <a:p>
+            <a:pPr marL="0" marR="0" lvl="0" indent="0" defTabSz="914400" rtl="0" eaLnBrk="0" fontAlgn="base" latinLnBrk="0" hangingPunct="0">
+              <a:spcBef>
+                <a:spcPct val="0"/>
+              </a:spcBef>
+              <a:spcAft>
+                <a:spcPts val="600"/>
+              </a:spcAft>
+              <a:buClrTx/>
+              <a:buSzTx/>
+              <a:buNone/>
+              <a:tabLst/>
+            </a:pPr>
+            <a:r>
+              <a:rPr kumimoji="0" lang="en-US" altLang="en-US" sz="2000" b="0" i="0" u="none" strike="noStrike" cap="none" normalizeH="0" baseline="0" dirty="0">
+                <a:ln>
+                  <a:noFill/>
+                </a:ln>
+                <a:effectLst/>
+                <a:latin typeface="Arial" panose="020B0604020202020204" pitchFamily="34" charset="0"/>
+              </a:rPr>
+              <a:t>These features span across:</a:t>
+            </a:r>
+          </a:p>
+          <a:p>
+            <a:pPr marL="0" marR="0" lvl="0" indent="0" defTabSz="914400" rtl="0" eaLnBrk="0" fontAlgn="base" latinLnBrk="0" hangingPunct="0">
+              <a:spcBef>
+                <a:spcPct val="0"/>
+              </a:spcBef>
+              <a:spcAft>
+                <a:spcPts val="600"/>
+              </a:spcAft>
+              <a:buClrTx/>
+              <a:buSzTx/>
+              <a:buFontTx/>
+              <a:buChar char="•"/>
+              <a:tabLst/>
+            </a:pPr>
+            <a:r>
+              <a:rPr kumimoji="0" lang="en-US" altLang="en-US" sz="2000" b="1" i="0" u="none" strike="noStrike" cap="none" normalizeH="0" baseline="0" dirty="0">
+                <a:ln>
+                  <a:noFill/>
+                </a:ln>
+                <a:effectLst/>
+                <a:latin typeface="Arial" panose="020B0604020202020204" pitchFamily="34" charset="0"/>
+              </a:rPr>
+              <a:t> Lifestyle factors</a:t>
+            </a:r>
+            <a:r>
+              <a:rPr kumimoji="0" lang="en-US" altLang="en-US" sz="2000" b="0" i="0" u="none" strike="noStrike" cap="none" normalizeH="0" baseline="0" dirty="0">
+                <a:ln>
+                  <a:noFill/>
+                </a:ln>
+                <a:effectLst/>
+                <a:latin typeface="Arial" panose="020B0604020202020204" pitchFamily="34" charset="0"/>
+              </a:rPr>
+              <a:t> (e.g., Smoking, Alcohol Consumption, Physical Activity)</a:t>
+            </a:r>
+          </a:p>
+          <a:p>
+            <a:pPr marL="0" marR="0" lvl="0" indent="0" defTabSz="914400" rtl="0" eaLnBrk="0" fontAlgn="base" latinLnBrk="0" hangingPunct="0">
+              <a:spcBef>
+                <a:spcPct val="0"/>
+              </a:spcBef>
+              <a:spcAft>
+                <a:spcPts val="600"/>
+              </a:spcAft>
+              <a:buClrTx/>
+              <a:buSzTx/>
+              <a:buFontTx/>
+              <a:buChar char="•"/>
+              <a:tabLst/>
+            </a:pPr>
+            <a:r>
+              <a:rPr kumimoji="0" lang="en-US" altLang="en-US" sz="2000" b="1" i="0" u="none" strike="noStrike" cap="none" normalizeH="0" baseline="0" dirty="0">
+                <a:ln>
+                  <a:noFill/>
+                </a:ln>
+                <a:effectLst/>
+                <a:latin typeface="Arial" panose="020B0604020202020204" pitchFamily="34" charset="0"/>
+              </a:rPr>
+              <a:t> Medical conditions</a:t>
+            </a:r>
+            <a:r>
+              <a:rPr kumimoji="0" lang="en-US" altLang="en-US" sz="2000" b="0" i="0" u="none" strike="noStrike" cap="none" normalizeH="0" baseline="0" dirty="0">
+                <a:ln>
+                  <a:noFill/>
+                </a:ln>
+                <a:effectLst/>
+                <a:latin typeface="Arial" panose="020B0604020202020204" pitchFamily="34" charset="0"/>
+              </a:rPr>
+              <a:t> (e.g., Diabetes, Hypertension)</a:t>
+            </a:r>
+          </a:p>
+          <a:p>
+            <a:pPr marL="0" marR="0" lvl="0" indent="0" defTabSz="914400" rtl="0" eaLnBrk="0" fontAlgn="base" latinLnBrk="0" hangingPunct="0">
+              <a:spcBef>
+                <a:spcPct val="0"/>
+              </a:spcBef>
+              <a:spcAft>
+                <a:spcPts val="600"/>
+              </a:spcAft>
+              <a:buClrTx/>
+              <a:buSzTx/>
+              <a:buFontTx/>
+              <a:buChar char="•"/>
+              <a:tabLst/>
+            </a:pPr>
+            <a:r>
+              <a:rPr kumimoji="0" lang="en-US" altLang="en-US" sz="2000" b="1" i="0" u="none" strike="noStrike" cap="none" normalizeH="0" baseline="0" dirty="0">
+                <a:ln>
+                  <a:noFill/>
+                </a:ln>
+                <a:effectLst/>
+                <a:latin typeface="Arial" panose="020B0604020202020204" pitchFamily="34" charset="0"/>
+              </a:rPr>
+              <a:t> Environmental and social context</a:t>
+            </a:r>
+            <a:r>
+              <a:rPr kumimoji="0" lang="en-US" altLang="en-US" sz="2000" b="0" i="0" u="none" strike="noStrike" cap="none" normalizeH="0" baseline="0" dirty="0">
+                <a:ln>
+                  <a:noFill/>
+                </a:ln>
+                <a:effectLst/>
+                <a:latin typeface="Arial" panose="020B0604020202020204" pitchFamily="34" charset="0"/>
+              </a:rPr>
+              <a:t> (e.g., Air Pollution, Income, Marital Status)</a:t>
+            </a:r>
+          </a:p>
+          <a:p>
+            <a:pPr marL="0" marR="0" lvl="0" indent="0" defTabSz="914400" rtl="0" eaLnBrk="0" fontAlgn="base" latinLnBrk="0" hangingPunct="0">
+              <a:spcBef>
+                <a:spcPct val="0"/>
+              </a:spcBef>
+              <a:spcAft>
+                <a:spcPts val="600"/>
+              </a:spcAft>
+              <a:buClrTx/>
+              <a:buSzTx/>
+              <a:buFontTx/>
+              <a:buNone/>
+              <a:tabLst/>
+            </a:pPr>
+            <a:endParaRPr kumimoji="0" lang="en-US" altLang="en-US" sz="1700" b="0" i="0" u="none" strike="noStrike" cap="none" normalizeH="0" baseline="0" dirty="0">
+              <a:ln>
+                <a:noFill/>
+              </a:ln>
+              <a:effectLst/>
+              <a:latin typeface="Arial" panose="020B0604020202020204" pitchFamily="34" charset="0"/>
+            </a:endParaRPr>
+          </a:p>
+        </p:txBody>
+      </p:sp>
+      <p:pic>
+        <p:nvPicPr>
+          <p:cNvPr id="9" name="Picture 8">
+            <a:extLst>
+              <a:ext uri="{FF2B5EF4-FFF2-40B4-BE49-F238E27FC236}">
+                <a16:creationId xmlns:a16="http://schemas.microsoft.com/office/drawing/2014/main" id="{0540F6EB-B938-33E5-59AE-FE51E7DEF6F3}"/>
+              </a:ext>
+            </a:extLst>
+          </p:cNvPr>
+          <p:cNvPicPr>
+            <a:picLocks noChangeAspect="1"/>
+          </p:cNvPicPr>
+          <p:nvPr/>
+        </p:nvPicPr>
+        <p:blipFill>
+          <a:blip r:embed="rId2">
+            <a:extLst>
+              <a:ext uri="{28A0092B-C50C-407E-A947-70E740481C1C}">
+                <a14:useLocalDpi xmlns:a14="http://schemas.microsoft.com/office/drawing/2010/main" val="0"/>
+              </a:ext>
+            </a:extLst>
+          </a:blip>
+          <a:stretch>
+            <a:fillRect/>
+          </a:stretch>
+        </p:blipFill>
+        <p:spPr>
+          <a:xfrm>
+            <a:off x="5566731" y="2298088"/>
+            <a:ext cx="5664514" cy="3639450"/>
+          </a:xfrm>
+          <a:prstGeom prst="rect">
+            <a:avLst/>
+          </a:prstGeom>
+        </p:spPr>
+      </p:pic>
+      <p:sp>
+        <p:nvSpPr>
+          <p:cNvPr id="169" name="Rectangle 168">
+            <a:extLst>
+              <a:ext uri="{FF2B5EF4-FFF2-40B4-BE49-F238E27FC236}">
+                <a16:creationId xmlns:a16="http://schemas.microsoft.com/office/drawing/2014/main" id="{E6995CE5-F890-4ABA-82A2-26507CE8D2A3}"/>
+              </a:ext>
+              <a:ext uri="{C183D7F6-B498-43B3-948B-1728B52AA6E4}">
+                <adec:decorative xmlns:adec="http://schemas.microsoft.com/office/drawing/2017/decorative" val="1"/>
+              </a:ext>
+            </a:extLst>
+          </p:cNvPr>
+          <p:cNvSpPr>
+            <a:spLocks noGrp="1" noRot="1" noChangeAspect="1" noMove="1" noResize="1" noEditPoints="1" noAdjustHandles="1" noChangeArrowheads="1" noChangeShapeType="1" noTextEdit="1"/>
+          </p:cNvSpPr>
+          <p:nvPr>
+            <p:extLst>
+              <p:ext uri="{386F3935-93C4-4BCD-93E2-E3B085C9AB24}">
+                <p16:designElem xmlns:p16="http://schemas.microsoft.com/office/powerpoint/2015/main" val="1"/>
+              </p:ext>
+            </p:extLst>
+          </p:nvPr>
+        </p:nvSpPr>
+        <p:spPr>
+          <a:xfrm rot="5400000">
+            <a:off x="11228040" y="2313027"/>
+            <a:ext cx="781700" cy="152382"/>
+          </a:xfrm>
+          <a:prstGeom prst="rect">
+            <a:avLst/>
+          </a:prstGeom>
+          <a:solidFill>
+            <a:schemeClr val="accent4"/>
+          </a:solidFill>
+          <a:ln>
+            <a:noFill/>
+          </a:ln>
+        </p:spPr>
+        <p:style>
+          <a:lnRef idx="2">
+            <a:schemeClr val="accent1">
+              <a:shade val="50000"/>
+            </a:schemeClr>
+          </a:lnRef>
+          <a:fillRef idx="1">
+            <a:schemeClr val="accent1"/>
+          </a:fillRef>
+          <a:effectRef idx="0">
+            <a:schemeClr val="accent1"/>
+          </a:effectRef>
+          <a:fontRef idx="minor">
+            <a:schemeClr val="lt1"/>
+          </a:fontRef>
+        </p:style>
+        <p:txBody>
+          <a:bodyPr rtlCol="0" anchor="ctr"/>
+          <a:lstStyle/>
+          <a:p>
+            <a:pPr algn="ctr"/>
+            <a:endParaRPr lang="en-US"/>
+          </a:p>
+        </p:txBody>
+      </p:sp>
+    </p:spTree>
+    <p:extLst>
+      <p:ext uri="{BB962C8B-B14F-4D97-AF65-F5344CB8AC3E}">
+        <p14:creationId xmlns:p14="http://schemas.microsoft.com/office/powerpoint/2010/main" val="3723170335"/>
+      </p:ext>
+    </p:extLst>
+  </p:cSld>
+  <p:clrMapOvr>
+    <a:masterClrMapping/>
+  </p:clrMapOvr>
+</p:sld>
+</file>
+
 <file path=ppt/slides/slide2.xml><?xml version="1.0" encoding="utf-8"?>
 <p:sld xmlns:a="http://schemas.openxmlformats.org/drawingml/2006/main" xmlns:r="http://schemas.openxmlformats.org/officeDocument/2006/relationships" xmlns:p="http://schemas.openxmlformats.org/presentationml/2006/main">
   <p:cSld>
@@ -10873,7 +11844,7 @@
       </p:grpSpPr>
       <p:sp useBgFill="1">
         <p:nvSpPr>
-          <p:cNvPr id="37" name="Rectangle 36">
+          <p:cNvPr id="51" name="Rectangle 50">
             <a:extLst>
               <a:ext uri="{FF2B5EF4-FFF2-40B4-BE49-F238E27FC236}">
                 <a16:creationId xmlns:a16="http://schemas.microsoft.com/office/drawing/2014/main" id="{56E9B3E6-E277-4D68-BA48-9CB43FFBD6E2}"/>
@@ -10933,7 +11904,7 @@
       </p:sp>
       <p:grpSp>
         <p:nvGrpSpPr>
-          <p:cNvPr id="39" name="Group 38">
+          <p:cNvPr id="53" name="Group 52">
             <a:extLst>
               <a:ext uri="{FF2B5EF4-FFF2-40B4-BE49-F238E27FC236}">
                 <a16:creationId xmlns:a16="http://schemas.microsoft.com/office/drawing/2014/main" id="{AE1C45F0-260A-458C-96ED-C1F6D2151219}"/>
@@ -10967,7 +11938,7 @@
         </p:grpSpPr>
         <p:sp>
           <p:nvSpPr>
-            <p:cNvPr id="40" name="Rectangle 39">
+            <p:cNvPr id="54" name="Rectangle 53">
               <a:extLst>
                 <a:ext uri="{FF2B5EF4-FFF2-40B4-BE49-F238E27FC236}">
                   <a16:creationId xmlns:a16="http://schemas.microsoft.com/office/drawing/2014/main" id="{A6604B49-AD5C-4590-B051-06C8222ECD99}"/>
@@ -11026,7 +11997,7 @@
         </p:sp>
         <p:sp>
           <p:nvSpPr>
-            <p:cNvPr id="41" name="Rectangle 40">
+            <p:cNvPr id="55" name="Rectangle 54">
               <a:extLst>
                 <a:ext uri="{FF2B5EF4-FFF2-40B4-BE49-F238E27FC236}">
                   <a16:creationId xmlns:a16="http://schemas.microsoft.com/office/drawing/2014/main" id="{743ECCAF-29C5-4537-947C-7EA1292463DB}"/>
@@ -11085,7 +12056,7 @@
         </p:sp>
         <p:sp>
           <p:nvSpPr>
-            <p:cNvPr id="42" name="Rectangle 41">
+            <p:cNvPr id="56" name="Rectangle 55">
               <a:extLst>
                 <a:ext uri="{FF2B5EF4-FFF2-40B4-BE49-F238E27FC236}">
                   <a16:creationId xmlns:a16="http://schemas.microsoft.com/office/drawing/2014/main" id="{ED49787B-8DE6-4467-AD0A-8DECC6E0C2D6}"/>
@@ -11145,7 +12116,7 @@
       </p:grpSp>
       <p:sp>
         <p:nvSpPr>
-          <p:cNvPr id="44" name="Rectangle 43">
+          <p:cNvPr id="58" name="Rectangle 57">
             <a:extLst>
               <a:ext uri="{FF2B5EF4-FFF2-40B4-BE49-F238E27FC236}">
                 <a16:creationId xmlns:a16="http://schemas.microsoft.com/office/drawing/2014/main" id="{D5B0017B-2ECA-49AF-B397-DC140825DF8D}"/>
@@ -11250,7 +12221,7 @@
       </p:sp>
       <p:cxnSp>
         <p:nvCxnSpPr>
-          <p:cNvPr id="46" name="Straight Connector 45">
+          <p:cNvPr id="60" name="Straight Connector 59">
             <a:extLst>
               <a:ext uri="{FF2B5EF4-FFF2-40B4-BE49-F238E27FC236}">
                 <a16:creationId xmlns:a16="http://schemas.microsoft.com/office/drawing/2014/main" id="{6CF1BAF6-AD41-4082-B212-8A1F9A2E8779}"/>
@@ -11316,7 +12287,7 @@
             <p:ph idx="1"/>
             <p:extLst>
               <p:ext uri="{D42A27DB-BD31-4B8C-83A1-F6EECF244321}">
-                <p14:modId xmlns:p14="http://schemas.microsoft.com/office/powerpoint/2010/main" val="642951914"/>
+                <p14:modId xmlns:p14="http://schemas.microsoft.com/office/powerpoint/2010/main" val="3384803731"/>
               </p:ext>
             </p:extLst>
           </p:nvPr>
@@ -11377,10 +12348,10 @@
       </p:grpSpPr>
       <p:sp useBgFill="1">
         <p:nvSpPr>
-          <p:cNvPr id="51" name="Rectangle 50">
+          <p:cNvPr id="60" name="Rectangle 59">
             <a:extLst>
               <a:ext uri="{FF2B5EF4-FFF2-40B4-BE49-F238E27FC236}">
-                <a16:creationId xmlns:a16="http://schemas.microsoft.com/office/drawing/2014/main" id="{1BB867FF-FC45-48F7-8104-F89BE54909F1}"/>
+                <a16:creationId xmlns:a16="http://schemas.microsoft.com/office/drawing/2014/main" id="{B6CDA21F-E7AF-4C75-8395-33F58D5B0E45}"/>
               </a:ext>
               <a:ext uri="{C183D7F6-B498-43B3-948B-1728B52AA6E4}">
                 <adec:decorative xmlns:adec="http://schemas.microsoft.com/office/drawing/2017/decorative" val="1"/>
@@ -11400,8 +12371,8 @@
         </p:nvSpPr>
         <p:spPr>
           <a:xfrm>
-            <a:off x="3048" y="0"/>
-            <a:ext cx="12188952" cy="6858000"/>
+            <a:off x="0" y="0"/>
+            <a:ext cx="12191999" cy="6857365"/>
           </a:xfrm>
           <a:prstGeom prst="rect">
             <a:avLst/>
@@ -11435,12 +12406,224 @@
           </a:p>
         </p:txBody>
       </p:sp>
+      <p:grpSp>
+        <p:nvGrpSpPr>
+          <p:cNvPr id="62" name="Group 61">
+            <a:extLst>
+              <a:ext uri="{FF2B5EF4-FFF2-40B4-BE49-F238E27FC236}">
+                <a16:creationId xmlns:a16="http://schemas.microsoft.com/office/drawing/2014/main" id="{AE1C45F0-260A-458C-96ED-C1F6D2151219}"/>
+              </a:ext>
+              <a:ext uri="{C183D7F6-B498-43B3-948B-1728B52AA6E4}">
+                <adec:decorative xmlns:adec="http://schemas.microsoft.com/office/drawing/2017/decorative" val="1"/>
+              </a:ext>
+            </a:extLst>
+          </p:cNvPr>
+          <p:cNvGrpSpPr>
+            <a:grpSpLocks noGrp="1" noUngrp="1" noRot="1" noChangeAspect="1" noMove="1" noResize="1"/>
+          </p:cNvGrpSpPr>
+          <p:nvPr>
+            <p:extLst>
+              <p:ext uri="{386F3935-93C4-4BCD-93E2-E3B085C9AB24}">
+                <p16:designElem xmlns:p16="http://schemas.microsoft.com/office/powerpoint/2015/main" val="1"/>
+              </p:ext>
+            </p:extLst>
+          </p:nvPr>
+        </p:nvGrpSpPr>
+        <p:grpSpPr>
+          <a:xfrm>
+            <a:off x="4" y="1216597"/>
+            <a:ext cx="731521" cy="673460"/>
+            <a:chOff x="3940602" y="308034"/>
+            <a:chExt cx="2116791" cy="3428999"/>
+          </a:xfrm>
+          <a:solidFill>
+            <a:schemeClr val="accent4"/>
+          </a:solidFill>
+        </p:grpSpPr>
+        <p:sp>
+          <p:nvSpPr>
+            <p:cNvPr id="63" name="Rectangle 62">
+              <a:extLst>
+                <a:ext uri="{FF2B5EF4-FFF2-40B4-BE49-F238E27FC236}">
+                  <a16:creationId xmlns:a16="http://schemas.microsoft.com/office/drawing/2014/main" id="{A6604B49-AD5C-4590-B051-06C8222ECD99}"/>
+                </a:ext>
+                <a:ext uri="{C183D7F6-B498-43B3-948B-1728B52AA6E4}">
+                  <adec:decorative xmlns:adec="http://schemas.microsoft.com/office/drawing/2017/decorative" val="1"/>
+                </a:ext>
+              </a:extLst>
+            </p:cNvPr>
+            <p:cNvSpPr/>
+            <p:nvPr>
+              <p:extLst>
+                <p:ext uri="{386F3935-93C4-4BCD-93E2-E3B085C9AB24}">
+                  <p16:designElem xmlns:p16="http://schemas.microsoft.com/office/powerpoint/2015/main" val="1"/>
+                </p:ext>
+              </p:extLst>
+            </p:nvPr>
+          </p:nvSpPr>
+          <p:spPr>
+            <a:xfrm>
+              <a:off x="3940602" y="308034"/>
+              <a:ext cx="566743" cy="3428999"/>
+            </a:xfrm>
+            <a:prstGeom prst="rect">
+              <a:avLst/>
+            </a:prstGeom>
+            <a:grpFill/>
+            <a:ln>
+              <a:noFill/>
+            </a:ln>
+          </p:spPr>
+          <p:style>
+            <a:lnRef idx="2">
+              <a:schemeClr val="accent1">
+                <a:shade val="50000"/>
+              </a:schemeClr>
+            </a:lnRef>
+            <a:fillRef idx="1">
+              <a:schemeClr val="accent1"/>
+            </a:fillRef>
+            <a:effectRef idx="0">
+              <a:schemeClr val="accent1"/>
+            </a:effectRef>
+            <a:fontRef idx="minor">
+              <a:schemeClr val="lt1"/>
+            </a:fontRef>
+          </p:style>
+          <p:txBody>
+            <a:bodyPr rtlCol="0" anchor="ctr"/>
+            <a:lstStyle/>
+            <a:p>
+              <a:pPr algn="ctr"/>
+              <a:endParaRPr lang="en-US"/>
+            </a:p>
+          </p:txBody>
+        </p:sp>
+        <p:sp>
+          <p:nvSpPr>
+            <p:cNvPr id="64" name="Rectangle 63">
+              <a:extLst>
+                <a:ext uri="{FF2B5EF4-FFF2-40B4-BE49-F238E27FC236}">
+                  <a16:creationId xmlns:a16="http://schemas.microsoft.com/office/drawing/2014/main" id="{743ECCAF-29C5-4537-947C-7EA1292463DB}"/>
+                </a:ext>
+                <a:ext uri="{C183D7F6-B498-43B3-948B-1728B52AA6E4}">
+                  <adec:decorative xmlns:adec="http://schemas.microsoft.com/office/drawing/2017/decorative" val="1"/>
+                </a:ext>
+              </a:extLst>
+            </p:cNvPr>
+            <p:cNvSpPr/>
+            <p:nvPr>
+              <p:extLst>
+                <p:ext uri="{386F3935-93C4-4BCD-93E2-E3B085C9AB24}">
+                  <p16:designElem xmlns:p16="http://schemas.microsoft.com/office/powerpoint/2015/main" val="1"/>
+                </p:ext>
+              </p:extLst>
+            </p:nvPr>
+          </p:nvSpPr>
+          <p:spPr>
+            <a:xfrm>
+              <a:off x="4715626" y="308034"/>
+              <a:ext cx="566743" cy="3428999"/>
+            </a:xfrm>
+            <a:prstGeom prst="rect">
+              <a:avLst/>
+            </a:prstGeom>
+            <a:grpFill/>
+            <a:ln>
+              <a:noFill/>
+            </a:ln>
+          </p:spPr>
+          <p:style>
+            <a:lnRef idx="2">
+              <a:schemeClr val="accent1">
+                <a:shade val="50000"/>
+              </a:schemeClr>
+            </a:lnRef>
+            <a:fillRef idx="1">
+              <a:schemeClr val="accent1"/>
+            </a:fillRef>
+            <a:effectRef idx="0">
+              <a:schemeClr val="accent1"/>
+            </a:effectRef>
+            <a:fontRef idx="minor">
+              <a:schemeClr val="lt1"/>
+            </a:fontRef>
+          </p:style>
+          <p:txBody>
+            <a:bodyPr rtlCol="0" anchor="ctr"/>
+            <a:lstStyle/>
+            <a:p>
+              <a:pPr algn="ctr"/>
+              <a:endParaRPr lang="en-US"/>
+            </a:p>
+          </p:txBody>
+        </p:sp>
+        <p:sp>
+          <p:nvSpPr>
+            <p:cNvPr id="65" name="Rectangle 64">
+              <a:extLst>
+                <a:ext uri="{FF2B5EF4-FFF2-40B4-BE49-F238E27FC236}">
+                  <a16:creationId xmlns:a16="http://schemas.microsoft.com/office/drawing/2014/main" id="{ED49787B-8DE6-4467-AD0A-8DECC6E0C2D6}"/>
+                </a:ext>
+                <a:ext uri="{C183D7F6-B498-43B3-948B-1728B52AA6E4}">
+                  <adec:decorative xmlns:adec="http://schemas.microsoft.com/office/drawing/2017/decorative" val="1"/>
+                </a:ext>
+              </a:extLst>
+            </p:cNvPr>
+            <p:cNvSpPr/>
+            <p:nvPr>
+              <p:extLst>
+                <p:ext uri="{386F3935-93C4-4BCD-93E2-E3B085C9AB24}">
+                  <p16:designElem xmlns:p16="http://schemas.microsoft.com/office/powerpoint/2015/main" val="1"/>
+                </p:ext>
+              </p:extLst>
+            </p:nvPr>
+          </p:nvSpPr>
+          <p:spPr>
+            <a:xfrm>
+              <a:off x="5490650" y="308034"/>
+              <a:ext cx="566743" cy="3428999"/>
+            </a:xfrm>
+            <a:prstGeom prst="rect">
+              <a:avLst/>
+            </a:prstGeom>
+            <a:grpFill/>
+            <a:ln>
+              <a:noFill/>
+            </a:ln>
+          </p:spPr>
+          <p:style>
+            <a:lnRef idx="2">
+              <a:schemeClr val="accent1">
+                <a:shade val="50000"/>
+              </a:schemeClr>
+            </a:lnRef>
+            <a:fillRef idx="1">
+              <a:schemeClr val="accent1"/>
+            </a:fillRef>
+            <a:effectRef idx="0">
+              <a:schemeClr val="accent1"/>
+            </a:effectRef>
+            <a:fontRef idx="minor">
+              <a:schemeClr val="lt1"/>
+            </a:fontRef>
+          </p:style>
+          <p:txBody>
+            <a:bodyPr rtlCol="0" anchor="ctr"/>
+            <a:lstStyle/>
+            <a:p>
+              <a:pPr algn="ctr"/>
+              <a:endParaRPr lang="en-US"/>
+            </a:p>
+          </p:txBody>
+        </p:sp>
+      </p:grpSp>
       <p:sp>
         <p:nvSpPr>
-          <p:cNvPr id="53" name="Freeform: Shape 52">
+          <p:cNvPr id="67" name="Rectangle 66">
             <a:extLst>
               <a:ext uri="{FF2B5EF4-FFF2-40B4-BE49-F238E27FC236}">
-                <a16:creationId xmlns:a16="http://schemas.microsoft.com/office/drawing/2014/main" id="{8BB56887-D0D5-4F0C-9E19-7247EB83C8B7}"/>
+                <a16:creationId xmlns:a16="http://schemas.microsoft.com/office/drawing/2014/main" id="{D5B0017B-2ECA-49AF-B397-DC140825DF8D}"/>
               </a:ext>
               <a:ext uri="{C183D7F6-B498-43B3-948B-1728B52AA6E4}">
                 <adec:decorative xmlns:adec="http://schemas.microsoft.com/office/drawing/2017/decorative" val="1"/>
@@ -11460,73 +12643,25 @@
         </p:nvSpPr>
         <p:spPr>
           <a:xfrm>
-            <a:off x="10208695" y="1"/>
-            <a:ext cx="1135066" cy="477997"/>
+            <a:off x="640079" y="613954"/>
+            <a:ext cx="10907487" cy="1894116"/>
           </a:xfrm>
-          <a:custGeom>
+          <a:prstGeom prst="rect">
             <a:avLst/>
-            <a:gdLst>
-              <a:gd name="connsiteX0" fmla="*/ 0 w 1135066"/>
-              <a:gd name="connsiteY0" fmla="*/ 0 h 477997"/>
-              <a:gd name="connsiteX1" fmla="*/ 1135066 w 1135066"/>
-              <a:gd name="connsiteY1" fmla="*/ 0 h 477997"/>
-              <a:gd name="connsiteX2" fmla="*/ 1133370 w 1135066"/>
-              <a:gd name="connsiteY2" fmla="*/ 16827 h 477997"/>
-              <a:gd name="connsiteX3" fmla="*/ 567533 w 1135066"/>
-              <a:gd name="connsiteY3" fmla="*/ 477997 h 477997"/>
-              <a:gd name="connsiteX4" fmla="*/ 1696 w 1135066"/>
-              <a:gd name="connsiteY4" fmla="*/ 16827 h 477997"/>
-            </a:gdLst>
-            <a:ahLst/>
-            <a:cxnLst>
-              <a:cxn ang="0">
-                <a:pos x="connsiteX0" y="connsiteY0"/>
-              </a:cxn>
-              <a:cxn ang="0">
-                <a:pos x="connsiteX1" y="connsiteY1"/>
-              </a:cxn>
-              <a:cxn ang="0">
-                <a:pos x="connsiteX2" y="connsiteY2"/>
-              </a:cxn>
-              <a:cxn ang="0">
-                <a:pos x="connsiteX3" y="connsiteY3"/>
-              </a:cxn>
-              <a:cxn ang="0">
-                <a:pos x="connsiteX4" y="connsiteY4"/>
-              </a:cxn>
-            </a:cxnLst>
-            <a:rect l="l" t="t" r="r" b="b"/>
-            <a:pathLst>
-              <a:path w="1135066" h="477997">
-                <a:moveTo>
-                  <a:pt x="0" y="0"/>
-                </a:moveTo>
-                <a:lnTo>
-                  <a:pt x="1135066" y="0"/>
-                </a:lnTo>
-                <a:lnTo>
-                  <a:pt x="1133370" y="16827"/>
-                </a:lnTo>
-                <a:cubicBezTo>
-                  <a:pt x="1079514" y="280016"/>
-                  <a:pt x="846644" y="477997"/>
-                  <a:pt x="567533" y="477997"/>
-                </a:cubicBezTo>
-                <a:cubicBezTo>
-                  <a:pt x="288422" y="477997"/>
-                  <a:pt x="55552" y="280016"/>
-                  <a:pt x="1696" y="16827"/>
-                </a:cubicBezTo>
-                <a:close/>
-              </a:path>
-            </a:pathLst>
-          </a:custGeom>
+          </a:prstGeom>
           <a:solidFill>
-            <a:schemeClr val="accent4"/>
+            <a:schemeClr val="bg1"/>
           </a:solidFill>
           <a:ln>
             <a:noFill/>
           </a:ln>
+          <a:effectLst>
+            <a:outerShdw blurRad="139700" dist="127000" dir="5400000" algn="t" rotWithShape="0">
+              <a:prstClr val="black">
+                <a:alpha val="15000"/>
+              </a:prstClr>
+            </a:outerShdw>
+          </a:effectLst>
         </p:spPr>
         <p:style>
           <a:lnRef idx="2">
@@ -11545,9 +12680,7 @@
           </a:fontRef>
         </p:style>
         <p:txBody>
-          <a:bodyPr wrap="square" rtlCol="0" anchor="ctr">
-            <a:noAutofit/>
-          </a:bodyPr>
+          <a:bodyPr rtlCol="0" anchor="ctr"/>
           <a:lstStyle/>
           <a:p>
             <a:pPr algn="ctr"/>
@@ -11573,81 +12706,20 @@
         </p:nvSpPr>
         <p:spPr>
           <a:xfrm>
-            <a:off x="838200" y="365125"/>
-            <a:ext cx="10515600" cy="1325563"/>
+            <a:off x="1043631" y="809898"/>
+            <a:ext cx="9942716" cy="1554480"/>
           </a:xfrm>
         </p:spPr>
         <p:txBody>
-          <a:bodyPr>
+          <a:bodyPr anchor="ctr">
             <a:normAutofit/>
           </a:bodyPr>
           <a:lstStyle/>
           <a:p>
             <a:r>
-              <a:rPr lang="en-US"/>
+              <a:rPr lang="en-US" sz="4800"/>
               <a:t>Dataset Features and Types</a:t>
             </a:r>
-          </a:p>
-        </p:txBody>
-      </p:sp>
-      <p:sp>
-        <p:nvSpPr>
-          <p:cNvPr id="55" name="Arc 54">
-            <a:extLst>
-              <a:ext uri="{FF2B5EF4-FFF2-40B4-BE49-F238E27FC236}">
-                <a16:creationId xmlns:a16="http://schemas.microsoft.com/office/drawing/2014/main" id="{081E4A58-353D-44AE-B2FC-2A74E2E400F7}"/>
-              </a:ext>
-              <a:ext uri="{C183D7F6-B498-43B3-948B-1728B52AA6E4}">
-                <adec:decorative xmlns:adec="http://schemas.microsoft.com/office/drawing/2017/decorative" val="1"/>
-              </a:ext>
-            </a:extLst>
-          </p:cNvPr>
-          <p:cNvSpPr>
-            <a:spLocks noGrp="1" noRot="1" noChangeAspect="1" noMove="1" noResize="1" noEditPoints="1" noAdjustHandles="1" noChangeArrowheads="1" noChangeShapeType="1" noTextEdit="1"/>
-          </p:cNvSpPr>
-          <p:nvPr>
-            <p:extLst>
-              <p:ext uri="{386F3935-93C4-4BCD-93E2-E3B085C9AB24}">
-                <p16:designElem xmlns:p16="http://schemas.microsoft.com/office/powerpoint/2015/main" val="1"/>
-              </p:ext>
-            </p:extLst>
-          </p:nvPr>
-        </p:nvSpPr>
-        <p:spPr>
-          <a:xfrm rot="5400000" flipV="1">
-            <a:off x="555710" y="2183223"/>
-            <a:ext cx="4083433" cy="4083433"/>
-          </a:xfrm>
-          <a:prstGeom prst="arc">
-            <a:avLst/>
-          </a:prstGeom>
-          <a:ln w="127000" cap="rnd">
-            <a:solidFill>
-              <a:schemeClr val="accent4"/>
-            </a:solidFill>
-            <a:prstDash val="dash"/>
-          </a:ln>
-        </p:spPr>
-        <p:style>
-          <a:lnRef idx="1">
-            <a:schemeClr val="accent1"/>
-          </a:lnRef>
-          <a:fillRef idx="0">
-            <a:schemeClr val="accent1"/>
-          </a:fillRef>
-          <a:effectRef idx="0">
-            <a:schemeClr val="accent1"/>
-          </a:effectRef>
-          <a:fontRef idx="minor">
-            <a:schemeClr val="tx1"/>
-          </a:fontRef>
-        </p:style>
-        <p:txBody>
-          <a:bodyPr rtlCol="0" anchor="ctr"/>
-          <a:lstStyle/>
-          <a:p>
-            <a:pPr algn="ctr"/>
-            <a:endParaRPr lang="en-US" dirty="0"/>
           </a:p>
         </p:txBody>
       </p:sp>
@@ -11669,8 +12741,8 @@
         </p:nvSpPr>
         <p:spPr bwMode="auto">
           <a:xfrm>
-            <a:off x="838200" y="1825625"/>
-            <a:ext cx="10515600" cy="4351338"/>
+            <a:off x="1045028" y="3017522"/>
+            <a:ext cx="9941319" cy="3124658"/>
           </a:xfrm>
           <a:prstGeom prst="rect">
             <a:avLst/>
@@ -11705,11 +12777,11 @@
           </a:extLst>
         </p:spPr>
         <p:txBody>
-          <a:bodyPr vert="horz" lIns="91440" tIns="45720" rIns="91440" bIns="45720" numCol="1" anchorCtr="0" compatLnSpc="1">
+          <a:bodyPr vert="horz" lIns="91440" tIns="45720" rIns="91440" bIns="45720" numCol="1" anchor="ctr" anchorCtr="0" compatLnSpc="1">
             <a:prstTxWarp prst="textNoShape">
               <a:avLst/>
             </a:prstTxWarp>
-            <a:normAutofit/>
+            <a:normAutofit fontScale="92500" lnSpcReduction="10000"/>
           </a:bodyPr>
           <a:lstStyle/>
           <a:p>
@@ -11727,7 +12799,7 @@
               <a:tabLst/>
             </a:pPr>
             <a:r>
-              <a:rPr kumimoji="0" lang="en-US" altLang="en-US" b="0" i="0" u="none" strike="noStrike" cap="none" normalizeH="0" baseline="0" dirty="0">
+              <a:rPr kumimoji="0" lang="en-US" altLang="en-US" sz="2400" b="0" i="0" u="none" strike="noStrike" cap="none" normalizeH="0" baseline="0" dirty="0">
                 <a:ln>
                   <a:noFill/>
                 </a:ln>
@@ -11737,7 +12809,7 @@
               <a:t>The dataset contains </a:t>
             </a:r>
             <a:r>
-              <a:rPr kumimoji="0" lang="en-US" altLang="en-US" b="1" i="0" u="none" strike="noStrike" cap="none" normalizeH="0" baseline="0" dirty="0">
+              <a:rPr kumimoji="0" lang="en-US" altLang="en-US" sz="2400" b="1" i="0" u="none" strike="noStrike" cap="none" normalizeH="0" baseline="0" dirty="0">
                 <a:ln>
                   <a:noFill/>
                 </a:ln>
@@ -11747,7 +12819,7 @@
               <a:t>24 features</a:t>
             </a:r>
             <a:r>
-              <a:rPr kumimoji="0" lang="en-US" altLang="en-US" b="0" i="0" u="none" strike="noStrike" cap="none" normalizeH="0" baseline="0" dirty="0">
+              <a:rPr kumimoji="0" lang="en-US" altLang="en-US" sz="2400" b="0" i="0" u="none" strike="noStrike" cap="none" normalizeH="0" baseline="0" dirty="0">
                 <a:ln>
                   <a:noFill/>
                 </a:ln>
@@ -11772,7 +12844,7 @@
               <a:tabLst/>
             </a:pPr>
             <a:r>
-              <a:rPr kumimoji="0" lang="en-US" altLang="en-US" b="1" i="0" u="none" strike="noStrike" cap="none" normalizeH="0" baseline="0" dirty="0">
+              <a:rPr kumimoji="0" lang="en-US" altLang="en-US" sz="2400" b="1" i="0" u="none" strike="noStrike" cap="none" normalizeH="0" baseline="0" dirty="0">
                 <a:ln>
                   <a:noFill/>
                 </a:ln>
@@ -11781,7 +12853,7 @@
               </a:rPr>
               <a:t> 4 numerical</a:t>
             </a:r>
-            <a:endParaRPr kumimoji="0" lang="en-US" altLang="en-US" b="0" i="0" u="none" strike="noStrike" cap="none" normalizeH="0" baseline="0" dirty="0">
+            <a:endParaRPr kumimoji="0" lang="en-US" altLang="en-US" sz="2400" b="0" i="0" u="none" strike="noStrike" cap="none" normalizeH="0" baseline="0" dirty="0">
               <a:ln>
                 <a:noFill/>
               </a:ln>
@@ -11804,7 +12876,7 @@
               <a:tabLst/>
             </a:pPr>
             <a:r>
-              <a:rPr kumimoji="0" lang="en-US" altLang="en-US" b="1" i="0" u="none" strike="noStrike" cap="none" normalizeH="0" baseline="0" dirty="0">
+              <a:rPr kumimoji="0" lang="en-US" altLang="en-US" sz="2400" b="1" i="0" u="none" strike="noStrike" cap="none" normalizeH="0" baseline="0" dirty="0">
                 <a:ln>
                   <a:noFill/>
                 </a:ln>
@@ -11813,7 +12885,7 @@
               </a:rPr>
               <a:t> 20 categorical</a:t>
             </a:r>
-            <a:endParaRPr kumimoji="0" lang="en-US" altLang="en-US" b="0" i="0" u="none" strike="noStrike" cap="none" normalizeH="0" baseline="0" dirty="0">
+            <a:endParaRPr kumimoji="0" lang="en-US" altLang="en-US" sz="2400" b="0" i="0" u="none" strike="noStrike" cap="none" normalizeH="0" baseline="0" dirty="0">
               <a:ln>
                 <a:noFill/>
               </a:ln>
@@ -11836,7 +12908,7 @@
               <a:tabLst/>
             </a:pPr>
             <a:r>
-              <a:rPr kumimoji="0" lang="en-US" altLang="en-US" b="0" i="0" u="none" strike="noStrike" cap="none" normalizeH="0" baseline="0" dirty="0">
+              <a:rPr kumimoji="0" lang="en-US" altLang="en-US" sz="2400" b="0" i="0" u="none" strike="noStrike" cap="none" normalizeH="0" baseline="0" dirty="0">
                 <a:ln>
                   <a:noFill/>
                 </a:ln>
@@ -11846,7 +12918,7 @@
               <a:t>Grouped into </a:t>
             </a:r>
             <a:r>
-              <a:rPr kumimoji="0" lang="en-US" altLang="en-US" b="1" i="0" u="none" strike="noStrike" cap="none" normalizeH="0" baseline="0" dirty="0">
+              <a:rPr kumimoji="0" lang="en-US" altLang="en-US" sz="2400" b="1" i="0" u="none" strike="noStrike" cap="none" normalizeH="0" baseline="0" dirty="0">
                 <a:ln>
                   <a:noFill/>
                 </a:ln>
@@ -11856,7 +12928,7 @@
               <a:t>four key domains</a:t>
             </a:r>
             <a:r>
-              <a:rPr kumimoji="0" lang="en-US" altLang="en-US" b="0" i="0" u="none" strike="noStrike" cap="none" normalizeH="0" baseline="0" dirty="0">
+              <a:rPr kumimoji="0" lang="en-US" altLang="en-US" sz="2400" b="0" i="0" u="none" strike="noStrike" cap="none" normalizeH="0" baseline="0" dirty="0">
                 <a:ln>
                   <a:noFill/>
                 </a:ln>
@@ -11881,7 +12953,7 @@
               <a:tabLst/>
             </a:pPr>
             <a:r>
-              <a:rPr kumimoji="0" lang="en-US" altLang="en-US" b="1" i="0" u="none" strike="noStrike" cap="none" normalizeH="0" baseline="0" dirty="0">
+              <a:rPr kumimoji="0" lang="en-US" altLang="en-US" sz="2400" b="1" i="0" u="none" strike="noStrike" cap="none" normalizeH="0" baseline="0" dirty="0">
                 <a:ln>
                   <a:noFill/>
                 </a:ln>
@@ -11891,7 +12963,7 @@
               <a:t> Demographics</a:t>
             </a:r>
             <a:r>
-              <a:rPr kumimoji="0" lang="en-US" altLang="en-US" b="0" i="0" u="none" strike="noStrike" cap="none" normalizeH="0" baseline="0" dirty="0">
+              <a:rPr kumimoji="0" lang="en-US" altLang="en-US" sz="2400" b="0" i="0" u="none" strike="noStrike" cap="none" normalizeH="0" baseline="0" dirty="0">
                 <a:ln>
                   <a:noFill/>
                 </a:ln>
@@ -11901,7 +12973,7 @@
               <a:t> — </a:t>
             </a:r>
             <a:r>
-              <a:rPr kumimoji="0" lang="en-US" altLang="en-US" b="0" i="1" u="none" strike="noStrike" cap="none" normalizeH="0" baseline="0" dirty="0">
+              <a:rPr kumimoji="0" lang="en-US" altLang="en-US" sz="2400" b="0" i="1" u="none" strike="noStrike" cap="none" normalizeH="0" baseline="0" dirty="0">
                 <a:ln>
                   <a:noFill/>
                 </a:ln>
@@ -11910,7 +12982,7 @@
               </a:rPr>
               <a:t>e.g., Age</a:t>
             </a:r>
-            <a:endParaRPr kumimoji="0" lang="en-US" altLang="en-US" b="0" i="0" u="none" strike="noStrike" cap="none" normalizeH="0" baseline="0" dirty="0">
+            <a:endParaRPr kumimoji="0" lang="en-US" altLang="en-US" sz="2400" b="0" i="0" u="none" strike="noStrike" cap="none" normalizeH="0" baseline="0" dirty="0">
               <a:ln>
                 <a:noFill/>
               </a:ln>
@@ -11933,7 +13005,7 @@
               <a:tabLst/>
             </a:pPr>
             <a:r>
-              <a:rPr kumimoji="0" lang="en-US" altLang="en-US" b="1" i="0" u="none" strike="noStrike" cap="none" normalizeH="0" baseline="0" dirty="0">
+              <a:rPr kumimoji="0" lang="en-US" altLang="en-US" sz="2400" b="1" i="0" u="none" strike="noStrike" cap="none" normalizeH="0" baseline="0" dirty="0">
                 <a:ln>
                   <a:noFill/>
                 </a:ln>
@@ -11943,7 +13015,7 @@
               <a:t> Lifestyle</a:t>
             </a:r>
             <a:r>
-              <a:rPr kumimoji="0" lang="en-US" altLang="en-US" b="0" i="0" u="none" strike="noStrike" cap="none" normalizeH="0" baseline="0" dirty="0">
+              <a:rPr kumimoji="0" lang="en-US" altLang="en-US" sz="2400" b="0" i="0" u="none" strike="noStrike" cap="none" normalizeH="0" baseline="0" dirty="0">
                 <a:ln>
                   <a:noFill/>
                 </a:ln>
@@ -11953,7 +13025,7 @@
               <a:t> — </a:t>
             </a:r>
             <a:r>
-              <a:rPr kumimoji="0" lang="en-US" altLang="en-US" b="0" i="1" u="none" strike="noStrike" cap="none" normalizeH="0" baseline="0" dirty="0">
+              <a:rPr kumimoji="0" lang="en-US" altLang="en-US" sz="2400" b="0" i="1" u="none" strike="noStrike" cap="none" normalizeH="0" baseline="0" dirty="0">
                 <a:ln>
                   <a:noFill/>
                 </a:ln>
@@ -11962,7 +13034,7 @@
               </a:rPr>
               <a:t>e.g., Smoking Status</a:t>
             </a:r>
-            <a:endParaRPr kumimoji="0" lang="en-US" altLang="en-US" b="0" i="0" u="none" strike="noStrike" cap="none" normalizeH="0" baseline="0" dirty="0">
+            <a:endParaRPr kumimoji="0" lang="en-US" altLang="en-US" sz="2400" b="0" i="0" u="none" strike="noStrike" cap="none" normalizeH="0" baseline="0" dirty="0">
               <a:ln>
                 <a:noFill/>
               </a:ln>
@@ -11985,7 +13057,7 @@
               <a:tabLst/>
             </a:pPr>
             <a:r>
-              <a:rPr kumimoji="0" lang="en-US" altLang="en-US" b="1" i="0" u="none" strike="noStrike" cap="none" normalizeH="0" baseline="0" dirty="0">
+              <a:rPr kumimoji="0" lang="en-US" altLang="en-US" sz="2400" b="1" i="0" u="none" strike="noStrike" cap="none" normalizeH="0" baseline="0" dirty="0">
                 <a:ln>
                   <a:noFill/>
                 </a:ln>
@@ -11995,7 +13067,7 @@
               <a:t> Health &amp; Medical History</a:t>
             </a:r>
             <a:r>
-              <a:rPr kumimoji="0" lang="en-US" altLang="en-US" b="0" i="0" u="none" strike="noStrike" cap="none" normalizeH="0" baseline="0" dirty="0">
+              <a:rPr kumimoji="0" lang="en-US" altLang="en-US" sz="2400" b="0" i="0" u="none" strike="noStrike" cap="none" normalizeH="0" baseline="0" dirty="0">
                 <a:ln>
                   <a:noFill/>
                 </a:ln>
@@ -12005,7 +13077,7 @@
               <a:t> — </a:t>
             </a:r>
             <a:r>
-              <a:rPr kumimoji="0" lang="en-US" altLang="en-US" b="0" i="1" u="none" strike="noStrike" cap="none" normalizeH="0" baseline="0" dirty="0">
+              <a:rPr kumimoji="0" lang="en-US" altLang="en-US" sz="2400" b="0" i="1" u="none" strike="noStrike" cap="none" normalizeH="0" baseline="0" dirty="0">
                 <a:ln>
                   <a:noFill/>
                 </a:ln>
@@ -12014,7 +13086,7 @@
               </a:rPr>
               <a:t>e.g., Diabetes</a:t>
             </a:r>
-            <a:endParaRPr kumimoji="0" lang="en-US" altLang="en-US" b="0" i="0" u="none" strike="noStrike" cap="none" normalizeH="0" baseline="0" dirty="0">
+            <a:endParaRPr kumimoji="0" lang="en-US" altLang="en-US" sz="2400" b="0" i="0" u="none" strike="noStrike" cap="none" normalizeH="0" baseline="0" dirty="0">
               <a:ln>
                 <a:noFill/>
               </a:ln>
@@ -12037,7 +13109,7 @@
               <a:tabLst/>
             </a:pPr>
             <a:r>
-              <a:rPr kumimoji="0" lang="en-US" altLang="en-US" b="1" i="0" u="none" strike="noStrike" cap="none" normalizeH="0" baseline="0" dirty="0">
+              <a:rPr kumimoji="0" lang="en-US" altLang="en-US" sz="2400" b="1" i="0" u="none" strike="noStrike" cap="none" normalizeH="0" baseline="0" dirty="0">
                 <a:ln>
                   <a:noFill/>
                 </a:ln>
@@ -12047,7 +13119,7 @@
               <a:t> Environment &amp; Social Context</a:t>
             </a:r>
             <a:r>
-              <a:rPr kumimoji="0" lang="en-US" altLang="en-US" b="0" i="0" u="none" strike="noStrike" cap="none" normalizeH="0" baseline="0" dirty="0">
+              <a:rPr kumimoji="0" lang="en-US" altLang="en-US" sz="2400" b="0" i="0" u="none" strike="noStrike" cap="none" normalizeH="0" baseline="0" dirty="0">
                 <a:ln>
                   <a:noFill/>
                 </a:ln>
@@ -12057,7 +13129,7 @@
               <a:t> — </a:t>
             </a:r>
             <a:r>
-              <a:rPr kumimoji="0" lang="en-US" altLang="en-US" b="0" i="1" u="none" strike="noStrike" cap="none" normalizeH="0" baseline="0" dirty="0">
+              <a:rPr kumimoji="0" lang="en-US" altLang="en-US" sz="2400" b="0" i="1" u="none" strike="noStrike" cap="none" normalizeH="0" baseline="0" dirty="0">
                 <a:ln>
                   <a:noFill/>
                 </a:ln>
@@ -12066,7 +13138,7 @@
               </a:rPr>
               <a:t>e.g., Urban vs Rural Living</a:t>
             </a:r>
-            <a:endParaRPr kumimoji="0" lang="en-US" altLang="en-US" b="0" i="0" u="none" strike="noStrike" cap="none" normalizeH="0" baseline="0" dirty="0">
+            <a:endParaRPr kumimoji="0" lang="en-US" altLang="en-US" sz="2400" b="0" i="0" u="none" strike="noStrike" cap="none" normalizeH="0" baseline="0" dirty="0">
               <a:ln>
                 <a:noFill/>
               </a:ln>
@@ -12089,7 +13161,7 @@
               <a:tabLst/>
             </a:pPr>
             <a:r>
-              <a:rPr kumimoji="0" lang="en-US" altLang="en-US" b="0" i="0" u="none" strike="noStrike" cap="none" normalizeH="0" baseline="0" dirty="0">
+              <a:rPr kumimoji="0" lang="en-US" altLang="en-US" sz="2400" b="0" i="0" u="none" strike="noStrike" cap="none" normalizeH="0" baseline="0" dirty="0">
                 <a:ln>
                   <a:noFill/>
                 </a:ln>
@@ -12099,7 +13171,7 @@
               <a:t>✅ </a:t>
             </a:r>
             <a:r>
-              <a:rPr kumimoji="0" lang="en-US" altLang="en-US" b="1" i="0" u="none" strike="noStrike" cap="none" normalizeH="0" baseline="0" dirty="0">
+              <a:rPr kumimoji="0" lang="en-US" altLang="en-US" sz="2400" b="1" i="0" u="none" strike="noStrike" cap="none" normalizeH="0" baseline="0" dirty="0">
                 <a:ln>
                   <a:noFill/>
                 </a:ln>
@@ -12109,7 +13181,7 @@
               <a:t>No missing values</a:t>
             </a:r>
             <a:r>
-              <a:rPr kumimoji="0" lang="en-US" altLang="en-US" b="0" i="0" u="none" strike="noStrike" cap="none" normalizeH="0" baseline="0" dirty="0">
+              <a:rPr kumimoji="0" lang="en-US" altLang="en-US" sz="2400" b="0" i="0" u="none" strike="noStrike" cap="none" normalizeH="0" baseline="0" dirty="0">
                 <a:ln>
                   <a:noFill/>
                 </a:ln>
@@ -12121,6 +13193,58 @@
           </a:p>
         </p:txBody>
       </p:sp>
+      <p:cxnSp>
+        <p:nvCxnSpPr>
+          <p:cNvPr id="69" name="Straight Connector 68">
+            <a:extLst>
+              <a:ext uri="{FF2B5EF4-FFF2-40B4-BE49-F238E27FC236}">
+                <a16:creationId xmlns:a16="http://schemas.microsoft.com/office/drawing/2014/main" id="{6CF1BAF6-AD41-4082-B212-8A1F9A2E8779}"/>
+              </a:ext>
+              <a:ext uri="{C183D7F6-B498-43B3-948B-1728B52AA6E4}">
+                <adec:decorative xmlns:adec="http://schemas.microsoft.com/office/drawing/2017/decorative" val="1"/>
+              </a:ext>
+            </a:extLst>
+          </p:cNvPr>
+          <p:cNvCxnSpPr>
+            <a:cxnSpLocks noGrp="1" noRot="1" noChangeAspect="1" noMove="1" noResize="1" noEditPoints="1" noAdjustHandles="1" noChangeArrowheads="1" noChangeShapeType="1"/>
+          </p:cNvCxnSpPr>
+          <p:nvPr>
+            <p:extLst>
+              <p:ext uri="{386F3935-93C4-4BCD-93E2-E3B085C9AB24}">
+                <p16:designElem xmlns:p16="http://schemas.microsoft.com/office/powerpoint/2015/main" val="1"/>
+              </p:ext>
+            </p:extLst>
+          </p:nvPr>
+        </p:nvCxnSpPr>
+        <p:spPr>
+          <a:xfrm flipH="1">
+            <a:off x="838200" y="6485313"/>
+            <a:ext cx="10515600" cy="0"/>
+          </a:xfrm>
+          <a:prstGeom prst="line">
+            <a:avLst/>
+          </a:prstGeom>
+          <a:ln w="57150">
+            <a:solidFill>
+              <a:schemeClr val="accent4"/>
+            </a:solidFill>
+          </a:ln>
+        </p:spPr>
+        <p:style>
+          <a:lnRef idx="1">
+            <a:schemeClr val="accent1"/>
+          </a:lnRef>
+          <a:fillRef idx="0">
+            <a:schemeClr val="accent1"/>
+          </a:fillRef>
+          <a:effectRef idx="0">
+            <a:schemeClr val="accent1"/>
+          </a:effectRef>
+          <a:fontRef idx="minor">
+            <a:schemeClr val="tx1"/>
+          </a:fontRef>
+        </p:style>
+      </p:cxnSp>
     </p:spTree>
     <p:extLst>
       <p:ext uri="{BB962C8B-B14F-4D97-AF65-F5344CB8AC3E}">
@@ -12161,7 +13285,458 @@
       </p:grpSpPr>
       <p:sp useBgFill="1">
         <p:nvSpPr>
-          <p:cNvPr id="80" name="Rectangle 79">
+          <p:cNvPr id="119" name="Rectangle 118">
+            <a:extLst>
+              <a:ext uri="{FF2B5EF4-FFF2-40B4-BE49-F238E27FC236}">
+                <a16:creationId xmlns:a16="http://schemas.microsoft.com/office/drawing/2014/main" id="{058A14AF-9FB5-4CC7-BA35-E8E85D3EDF0E}"/>
+              </a:ext>
+              <a:ext uri="{C183D7F6-B498-43B3-948B-1728B52AA6E4}">
+                <adec:decorative xmlns:adec="http://schemas.microsoft.com/office/drawing/2017/decorative" val="1"/>
+              </a:ext>
+            </a:extLst>
+          </p:cNvPr>
+          <p:cNvSpPr>
+            <a:spLocks noGrp="1" noRot="1" noChangeAspect="1" noMove="1" noResize="1" noEditPoints="1" noAdjustHandles="1" noChangeArrowheads="1" noChangeShapeType="1" noTextEdit="1"/>
+          </p:cNvSpPr>
+          <p:nvPr>
+            <p:extLst>
+              <p:ext uri="{386F3935-93C4-4BCD-93E2-E3B085C9AB24}">
+                <p16:designElem xmlns:p16="http://schemas.microsoft.com/office/powerpoint/2015/main" val="1"/>
+              </p:ext>
+            </p:extLst>
+          </p:nvPr>
+        </p:nvSpPr>
+        <p:spPr>
+          <a:xfrm>
+            <a:off x="0" y="0"/>
+            <a:ext cx="12191999" cy="6857365"/>
+          </a:xfrm>
+          <a:prstGeom prst="rect">
+            <a:avLst/>
+          </a:prstGeom>
+          <a:ln>
+            <a:noFill/>
+          </a:ln>
+        </p:spPr>
+        <p:style>
+          <a:lnRef idx="2">
+            <a:schemeClr val="accent1">
+              <a:shade val="50000"/>
+            </a:schemeClr>
+          </a:lnRef>
+          <a:fillRef idx="1">
+            <a:schemeClr val="accent1"/>
+          </a:fillRef>
+          <a:effectRef idx="0">
+            <a:schemeClr val="accent1"/>
+          </a:effectRef>
+          <a:fontRef idx="minor">
+            <a:schemeClr val="lt1"/>
+          </a:fontRef>
+        </p:style>
+        <p:txBody>
+          <a:bodyPr rtlCol="0" anchor="ctr"/>
+          <a:lstStyle/>
+          <a:p>
+            <a:pPr algn="ctr"/>
+            <a:endParaRPr lang="en-US"/>
+          </a:p>
+        </p:txBody>
+      </p:sp>
+      <p:sp>
+        <p:nvSpPr>
+          <p:cNvPr id="2" name="Title 1">
+            <a:extLst>
+              <a:ext uri="{FF2B5EF4-FFF2-40B4-BE49-F238E27FC236}">
+                <a16:creationId xmlns:a16="http://schemas.microsoft.com/office/drawing/2014/main" id="{C24CC0E4-6FB9-550F-1D13-C7C6A7DE559D}"/>
+              </a:ext>
+            </a:extLst>
+          </p:cNvPr>
+          <p:cNvSpPr>
+            <a:spLocks noGrp="1"/>
+          </p:cNvSpPr>
+          <p:nvPr>
+            <p:ph type="title"/>
+          </p:nvPr>
+        </p:nvSpPr>
+        <p:spPr>
+          <a:xfrm>
+            <a:off x="793662" y="386930"/>
+            <a:ext cx="10066122" cy="1298448"/>
+          </a:xfrm>
+        </p:spPr>
+        <p:txBody>
+          <a:bodyPr anchor="b">
+            <a:normAutofit/>
+          </a:bodyPr>
+          <a:lstStyle/>
+          <a:p>
+            <a:r>
+              <a:rPr lang="en-US" sz="4800"/>
+              <a:t>Target Variable distribution</a:t>
+            </a:r>
+          </a:p>
+        </p:txBody>
+      </p:sp>
+      <p:sp>
+        <p:nvSpPr>
+          <p:cNvPr id="120" name="Rectangle 119">
+            <a:extLst>
+              <a:ext uri="{FF2B5EF4-FFF2-40B4-BE49-F238E27FC236}">
+                <a16:creationId xmlns:a16="http://schemas.microsoft.com/office/drawing/2014/main" id="{3A9A4357-BD1D-4622-A4FE-766E6AB8DE84}"/>
+              </a:ext>
+              <a:ext uri="{C183D7F6-B498-43B3-948B-1728B52AA6E4}">
+                <adec:decorative xmlns:adec="http://schemas.microsoft.com/office/drawing/2017/decorative" val="1"/>
+              </a:ext>
+            </a:extLst>
+          </p:cNvPr>
+          <p:cNvSpPr>
+            <a:spLocks noGrp="1" noRot="1" noChangeAspect="1" noMove="1" noResize="1" noEditPoints="1" noAdjustHandles="1" noChangeArrowheads="1" noChangeShapeType="1" noTextEdit="1"/>
+          </p:cNvSpPr>
+          <p:nvPr>
+            <p:extLst>
+              <p:ext uri="{386F3935-93C4-4BCD-93E2-E3B085C9AB24}">
+                <p16:designElem xmlns:p16="http://schemas.microsoft.com/office/powerpoint/2015/main" val="1"/>
+              </p:ext>
+            </p:extLst>
+          </p:nvPr>
+        </p:nvSpPr>
+        <p:spPr>
+          <a:xfrm flipH="1" flipV="1">
+            <a:off x="-2" y="1998845"/>
+            <a:ext cx="11454595" cy="781699"/>
+          </a:xfrm>
+          <a:prstGeom prst="rect">
+            <a:avLst/>
+          </a:prstGeom>
+          <a:solidFill>
+            <a:schemeClr val="accent4"/>
+          </a:solidFill>
+          <a:ln>
+            <a:noFill/>
+          </a:ln>
+        </p:spPr>
+        <p:style>
+          <a:lnRef idx="2">
+            <a:schemeClr val="accent1">
+              <a:shade val="50000"/>
+            </a:schemeClr>
+          </a:lnRef>
+          <a:fillRef idx="1">
+            <a:schemeClr val="accent1"/>
+          </a:fillRef>
+          <a:effectRef idx="0">
+            <a:schemeClr val="accent1"/>
+          </a:effectRef>
+          <a:fontRef idx="minor">
+            <a:schemeClr val="lt1"/>
+          </a:fontRef>
+        </p:style>
+        <p:txBody>
+          <a:bodyPr rtlCol="0" anchor="ctr"/>
+          <a:lstStyle/>
+          <a:p>
+            <a:pPr algn="ctr"/>
+            <a:endParaRPr lang="en-US"/>
+          </a:p>
+        </p:txBody>
+      </p:sp>
+      <p:sp>
+        <p:nvSpPr>
+          <p:cNvPr id="121" name="Rectangle 120">
+            <a:extLst>
+              <a:ext uri="{FF2B5EF4-FFF2-40B4-BE49-F238E27FC236}">
+                <a16:creationId xmlns:a16="http://schemas.microsoft.com/office/drawing/2014/main" id="{E659831F-0D9A-4C63-9EBB-8435B85A440F}"/>
+              </a:ext>
+              <a:ext uri="{C183D7F6-B498-43B3-948B-1728B52AA6E4}">
+                <adec:decorative xmlns:adec="http://schemas.microsoft.com/office/drawing/2017/decorative" val="1"/>
+              </a:ext>
+            </a:extLst>
+          </p:cNvPr>
+          <p:cNvSpPr>
+            <a:spLocks noGrp="1" noRot="1" noChangeAspect="1" noMove="1" noResize="1" noEditPoints="1" noAdjustHandles="1" noChangeArrowheads="1" noChangeShapeType="1" noTextEdit="1"/>
+          </p:cNvSpPr>
+          <p:nvPr>
+            <p:extLst>
+              <p:ext uri="{386F3935-93C4-4BCD-93E2-E3B085C9AB24}">
+                <p16:designElem xmlns:p16="http://schemas.microsoft.com/office/powerpoint/2015/main" val="1"/>
+              </p:ext>
+            </p:extLst>
+          </p:nvPr>
+        </p:nvSpPr>
+        <p:spPr>
+          <a:xfrm>
+            <a:off x="0" y="2203079"/>
+            <a:ext cx="11383362" cy="4267991"/>
+          </a:xfrm>
+          <a:prstGeom prst="rect">
+            <a:avLst/>
+          </a:prstGeom>
+          <a:solidFill>
+            <a:schemeClr val="bg1"/>
+          </a:solidFill>
+          <a:ln>
+            <a:noFill/>
+          </a:ln>
+          <a:effectLst>
+            <a:outerShdw blurRad="139700" dist="127000" dir="5400000" algn="t" rotWithShape="0">
+              <a:prstClr val="black">
+                <a:alpha val="15000"/>
+              </a:prstClr>
+            </a:outerShdw>
+          </a:effectLst>
+        </p:spPr>
+        <p:style>
+          <a:lnRef idx="2">
+            <a:schemeClr val="accent1">
+              <a:shade val="50000"/>
+            </a:schemeClr>
+          </a:lnRef>
+          <a:fillRef idx="1">
+            <a:schemeClr val="accent1"/>
+          </a:fillRef>
+          <a:effectRef idx="0">
+            <a:schemeClr val="accent1"/>
+          </a:effectRef>
+          <a:fontRef idx="minor">
+            <a:schemeClr val="lt1"/>
+          </a:fontRef>
+        </p:style>
+        <p:txBody>
+          <a:bodyPr rtlCol="0" anchor="ctr"/>
+          <a:lstStyle/>
+          <a:p>
+            <a:pPr algn="ctr"/>
+            <a:endParaRPr lang="en-US"/>
+          </a:p>
+        </p:txBody>
+      </p:sp>
+      <p:sp>
+        <p:nvSpPr>
+          <p:cNvPr id="3" name="Content Placeholder 2">
+            <a:extLst>
+              <a:ext uri="{FF2B5EF4-FFF2-40B4-BE49-F238E27FC236}">
+                <a16:creationId xmlns:a16="http://schemas.microsoft.com/office/drawing/2014/main" id="{2C3CC2C1-4DF1-9CD9-88D0-61E2554004F9}"/>
+              </a:ext>
+            </a:extLst>
+          </p:cNvPr>
+          <p:cNvSpPr>
+            <a:spLocks noGrp="1"/>
+          </p:cNvSpPr>
+          <p:nvPr>
+            <p:ph idx="1"/>
+          </p:nvPr>
+        </p:nvSpPr>
+        <p:spPr>
+          <a:xfrm>
+            <a:off x="793661" y="2599509"/>
+            <a:ext cx="4808082" cy="3639450"/>
+          </a:xfrm>
+        </p:spPr>
+        <p:txBody>
+          <a:bodyPr anchor="ctr">
+            <a:normAutofit/>
+          </a:bodyPr>
+          <a:lstStyle/>
+          <a:p>
+            <a:pPr>
+              <a:buNone/>
+            </a:pPr>
+            <a:r>
+              <a:rPr lang="en-US" b="1" dirty="0"/>
+              <a:t>Target Variable: Alzheimer’s Diagnosis</a:t>
+            </a:r>
+          </a:p>
+          <a:p>
+            <a:pPr>
+              <a:buFont typeface="Arial" panose="020B0604020202020204" pitchFamily="34" charset="0"/>
+              <a:buChar char="•"/>
+            </a:pPr>
+            <a:r>
+              <a:rPr lang="en-US" b="1" dirty="0"/>
+              <a:t>No</a:t>
+            </a:r>
+            <a:r>
+              <a:rPr lang="en-US" dirty="0"/>
+              <a:t>: 58.7%</a:t>
+            </a:r>
+          </a:p>
+          <a:p>
+            <a:pPr>
+              <a:buFont typeface="Arial" panose="020B0604020202020204" pitchFamily="34" charset="0"/>
+              <a:buChar char="•"/>
+            </a:pPr>
+            <a:r>
+              <a:rPr lang="en-US" b="1" dirty="0"/>
+              <a:t>Yes</a:t>
+            </a:r>
+            <a:r>
+              <a:rPr lang="en-US" dirty="0"/>
+              <a:t>: 41.3%</a:t>
+            </a:r>
+          </a:p>
+          <a:p>
+            <a:r>
+              <a:rPr lang="en-US" dirty="0"/>
+              <a:t>➡️ The classes are fairly balanced, so we </a:t>
+            </a:r>
+            <a:r>
+              <a:rPr lang="en-US" b="1" dirty="0"/>
+              <a:t>did not apply any resampling techniques</a:t>
+            </a:r>
+            <a:r>
+              <a:rPr lang="en-US" dirty="0"/>
+              <a:t>.</a:t>
+            </a:r>
+          </a:p>
+          <a:p>
+            <a:pPr marL="0" indent="0">
+              <a:buNone/>
+            </a:pPr>
+            <a:endParaRPr lang="en-US" sz="2000" dirty="0"/>
+          </a:p>
+        </p:txBody>
+      </p:sp>
+      <p:pic>
+        <p:nvPicPr>
+          <p:cNvPr id="7" name="Picture 6">
+            <a:extLst>
+              <a:ext uri="{FF2B5EF4-FFF2-40B4-BE49-F238E27FC236}">
+                <a16:creationId xmlns:a16="http://schemas.microsoft.com/office/drawing/2014/main" id="{BD862FE3-F25E-6DA1-3902-C7D35C391044}"/>
+              </a:ext>
+            </a:extLst>
+          </p:cNvPr>
+          <p:cNvPicPr>
+            <a:picLocks noChangeAspect="1"/>
+          </p:cNvPicPr>
+          <p:nvPr/>
+        </p:nvPicPr>
+        <p:blipFill>
+          <a:blip r:embed="rId2"/>
+          <a:stretch>
+            <a:fillRect/>
+          </a:stretch>
+        </p:blipFill>
+        <p:spPr>
+          <a:xfrm>
+            <a:off x="6082629" y="2484255"/>
+            <a:ext cx="4808082" cy="3714244"/>
+          </a:xfrm>
+          <a:prstGeom prst="rect">
+            <a:avLst/>
+          </a:prstGeom>
+        </p:spPr>
+      </p:pic>
+      <p:sp>
+        <p:nvSpPr>
+          <p:cNvPr id="112" name="Rectangle 111">
+            <a:extLst>
+              <a:ext uri="{FF2B5EF4-FFF2-40B4-BE49-F238E27FC236}">
+                <a16:creationId xmlns:a16="http://schemas.microsoft.com/office/drawing/2014/main" id="{E6995CE5-F890-4ABA-82A2-26507CE8D2A3}"/>
+              </a:ext>
+              <a:ext uri="{C183D7F6-B498-43B3-948B-1728B52AA6E4}">
+                <adec:decorative xmlns:adec="http://schemas.microsoft.com/office/drawing/2017/decorative" val="1"/>
+              </a:ext>
+            </a:extLst>
+          </p:cNvPr>
+          <p:cNvSpPr>
+            <a:spLocks noGrp="1" noRot="1" noChangeAspect="1" noMove="1" noResize="1" noEditPoints="1" noAdjustHandles="1" noChangeArrowheads="1" noChangeShapeType="1" noTextEdit="1"/>
+          </p:cNvSpPr>
+          <p:nvPr>
+            <p:extLst>
+              <p:ext uri="{386F3935-93C4-4BCD-93E2-E3B085C9AB24}">
+                <p16:designElem xmlns:p16="http://schemas.microsoft.com/office/powerpoint/2015/main" val="1"/>
+              </p:ext>
+            </p:extLst>
+          </p:nvPr>
+        </p:nvSpPr>
+        <p:spPr>
+          <a:xfrm rot="5400000">
+            <a:off x="11228040" y="2313027"/>
+            <a:ext cx="781700" cy="152382"/>
+          </a:xfrm>
+          <a:prstGeom prst="rect">
+            <a:avLst/>
+          </a:prstGeom>
+          <a:solidFill>
+            <a:schemeClr val="accent4"/>
+          </a:solidFill>
+          <a:ln>
+            <a:noFill/>
+          </a:ln>
+        </p:spPr>
+        <p:style>
+          <a:lnRef idx="2">
+            <a:schemeClr val="accent1">
+              <a:shade val="50000"/>
+            </a:schemeClr>
+          </a:lnRef>
+          <a:fillRef idx="1">
+            <a:schemeClr val="accent1"/>
+          </a:fillRef>
+          <a:effectRef idx="0">
+            <a:schemeClr val="accent1"/>
+          </a:effectRef>
+          <a:fontRef idx="minor">
+            <a:schemeClr val="lt1"/>
+          </a:fontRef>
+        </p:style>
+        <p:txBody>
+          <a:bodyPr rtlCol="0" anchor="ctr"/>
+          <a:lstStyle/>
+          <a:p>
+            <a:pPr algn="ctr"/>
+            <a:endParaRPr lang="en-US"/>
+          </a:p>
+        </p:txBody>
+      </p:sp>
+    </p:spTree>
+    <p:extLst>
+      <p:ext uri="{BB962C8B-B14F-4D97-AF65-F5344CB8AC3E}">
+        <p14:creationId xmlns:p14="http://schemas.microsoft.com/office/powerpoint/2010/main" val="2766362883"/>
+      </p:ext>
+    </p:extLst>
+  </p:cSld>
+  <p:clrMapOvr>
+    <a:masterClrMapping/>
+  </p:clrMapOvr>
+</p:sld>
+</file>
+
+<file path=ppt/slides/slide7.xml><?xml version="1.0" encoding="utf-8"?>
+<p:sld xmlns:a="http://schemas.openxmlformats.org/drawingml/2006/main" xmlns:r="http://schemas.openxmlformats.org/officeDocument/2006/relationships" xmlns:p="http://schemas.openxmlformats.org/presentationml/2006/main">
+  <p:cSld>
+    <p:bg>
+      <p:bgPr>
+        <a:solidFill>
+          <a:schemeClr val="bg1"/>
+        </a:solidFill>
+        <a:effectLst/>
+      </p:bgPr>
+    </p:bg>
+    <p:spTree>
+      <p:nvGrpSpPr>
+        <p:cNvPr id="1" name="">
+          <a:extLst>
+            <a:ext uri="{FF2B5EF4-FFF2-40B4-BE49-F238E27FC236}">
+              <a16:creationId xmlns:a16="http://schemas.microsoft.com/office/drawing/2014/main" id="{1A18B860-330E-CCD5-8807-BEFDFC9A1D71}"/>
+            </a:ext>
+          </a:extLst>
+        </p:cNvPr>
+        <p:cNvGrpSpPr/>
+        <p:nvPr/>
+      </p:nvGrpSpPr>
+      <p:grpSpPr>
+        <a:xfrm>
+          <a:off x="0" y="0"/>
+          <a:ext cx="0" cy="0"/>
+          <a:chOff x="0" y="0"/>
+          <a:chExt cx="0" cy="0"/>
+        </a:xfrm>
+      </p:grpSpPr>
+      <p:sp useBgFill="1">
+        <p:nvSpPr>
+          <p:cNvPr id="144" name="Rectangle 143">
             <a:extLst>
               <a:ext uri="{FF2B5EF4-FFF2-40B4-BE49-F238E27FC236}">
                 <a16:creationId xmlns:a16="http://schemas.microsoft.com/office/drawing/2014/main" id="{201CC55D-ED54-4C5C-95E6-10947BD1103B}"/>
@@ -12224,7 +13799,7 @@
           <p:cNvPr id="2" name="Title 1">
             <a:extLst>
               <a:ext uri="{FF2B5EF4-FFF2-40B4-BE49-F238E27FC236}">
-                <a16:creationId xmlns:a16="http://schemas.microsoft.com/office/drawing/2014/main" id="{C24CC0E4-6FB9-550F-1D13-C7C6A7DE559D}"/>
+                <a16:creationId xmlns:a16="http://schemas.microsoft.com/office/drawing/2014/main" id="{42E7C1AB-2AB0-46B0-7FBA-937B369FF920}"/>
               </a:ext>
             </a:extLst>
           </p:cNvPr>
@@ -12249,14 +13824,14 @@
           <a:p>
             <a:r>
               <a:rPr lang="en-US" sz="3700"/>
-              <a:t>Target Variable distribution</a:t>
+              <a:t>Feature Correlation Overview</a:t>
             </a:r>
           </a:p>
         </p:txBody>
       </p:sp>
       <p:grpSp>
         <p:nvGrpSpPr>
-          <p:cNvPr id="82" name="Group 81">
+          <p:cNvPr id="146" name="Group 145">
             <a:extLst>
               <a:ext uri="{FF2B5EF4-FFF2-40B4-BE49-F238E27FC236}">
                 <a16:creationId xmlns:a16="http://schemas.microsoft.com/office/drawing/2014/main" id="{1DE889C7-FAD6-4397-98E2-05D503484459}"/>
@@ -12287,7 +13862,7 @@
         </p:grpSpPr>
         <p:sp>
           <p:nvSpPr>
-            <p:cNvPr id="83" name="Rectangle 82">
+            <p:cNvPr id="147" name="Rectangle 146">
               <a:extLst>
                 <a:ext uri="{FF2B5EF4-FFF2-40B4-BE49-F238E27FC236}">
                   <a16:creationId xmlns:a16="http://schemas.microsoft.com/office/drawing/2014/main" id="{F399A70F-F8CD-4992-9EF5-6CF15472E73F}"/>
@@ -12348,7 +13923,7 @@
         </p:sp>
         <p:sp>
           <p:nvSpPr>
-            <p:cNvPr id="84" name="Rectangle 83">
+            <p:cNvPr id="151" name="Rectangle 150">
               <a:extLst>
                 <a:ext uri="{FF2B5EF4-FFF2-40B4-BE49-F238E27FC236}">
                   <a16:creationId xmlns:a16="http://schemas.microsoft.com/office/drawing/2014/main" id="{48F4FEDC-6D80-458C-A665-075D9B9500FD}"/>
@@ -12410,7 +13985,7 @@
       </p:grpSp>
       <p:sp>
         <p:nvSpPr>
-          <p:cNvPr id="86" name="Rectangle 85">
+          <p:cNvPr id="150" name="Rectangle 149">
             <a:extLst>
               <a:ext uri="{FF2B5EF4-FFF2-40B4-BE49-F238E27FC236}">
                 <a16:creationId xmlns:a16="http://schemas.microsoft.com/office/drawing/2014/main" id="{3873B707-463F-40B0-8227-E8CC6C67EB25}"/>
@@ -12473,90 +14048,251 @@
       </p:sp>
       <p:sp>
         <p:nvSpPr>
-          <p:cNvPr id="3" name="Content Placeholder 2">
+          <p:cNvPr id="8" name="Rectangle 2">
             <a:extLst>
               <a:ext uri="{FF2B5EF4-FFF2-40B4-BE49-F238E27FC236}">
-                <a16:creationId xmlns:a16="http://schemas.microsoft.com/office/drawing/2014/main" id="{2C3CC2C1-4DF1-9CD9-88D0-61E2554004F9}"/>
+                <a16:creationId xmlns:a16="http://schemas.microsoft.com/office/drawing/2014/main" id="{28B923D0-7768-563A-E431-4496B6103059}"/>
               </a:ext>
             </a:extLst>
           </p:cNvPr>
           <p:cNvSpPr>
-            <a:spLocks noGrp="1"/>
+            <a:spLocks noGrp="1" noChangeArrowheads="1"/>
           </p:cNvSpPr>
           <p:nvPr>
             <p:ph idx="1"/>
           </p:nvPr>
         </p:nvSpPr>
-        <p:spPr>
+        <p:spPr bwMode="auto">
           <a:xfrm>
             <a:off x="590719" y="2330505"/>
             <a:ext cx="4559425" cy="3979585"/>
           </a:xfrm>
+          <a:prstGeom prst="rect">
+            <a:avLst/>
+          </a:prstGeom>
+          <a:extLst>
+            <a:ext uri="{909E8E84-426E-40DD-AFC4-6F175D3DCCD1}">
+              <a14:hiddenFill xmlns:a14="http://schemas.microsoft.com/office/drawing/2010/main">
+                <a:solidFill>
+                  <a:schemeClr val="accent1"/>
+                </a:solidFill>
+              </a14:hiddenFill>
+            </a:ext>
+            <a:ext uri="{91240B29-F687-4F45-9708-019B960494DF}">
+              <a14:hiddenLine xmlns:a14="http://schemas.microsoft.com/office/drawing/2010/main" w="9525">
+                <a:solidFill>
+                  <a:schemeClr val="tx1"/>
+                </a:solidFill>
+                <a:miter lim="800000"/>
+                <a:headEnd/>
+                <a:tailEnd/>
+              </a14:hiddenLine>
+            </a:ext>
+            <a:ext uri="{AF507438-7753-43E0-B8FC-AC1667EBCBE1}">
+              <a14:hiddenEffects xmlns:a14="http://schemas.microsoft.com/office/drawing/2010/main">
+                <a:effectLst>
+                  <a:outerShdw dist="35921" dir="2700000" algn="ctr" rotWithShape="0">
+                    <a:schemeClr val="bg2"/>
+                  </a:outerShdw>
+                </a:effectLst>
+              </a14:hiddenEffects>
+            </a:ext>
+          </a:extLst>
         </p:spPr>
         <p:txBody>
-          <a:bodyPr anchor="ctr">
+          <a:bodyPr vert="horz" lIns="91440" tIns="45720" rIns="91440" bIns="45720" numCol="1" anchor="ctr" anchorCtr="0" compatLnSpc="1">
+            <a:prstTxWarp prst="textNoShape">
+              <a:avLst/>
+            </a:prstTxWarp>
             <a:normAutofit/>
           </a:bodyPr>
           <a:lstStyle/>
           <a:p>
-            <a:pPr>
+            <a:pPr marL="0" marR="0" lvl="0" indent="0" defTabSz="914400" rtl="0" eaLnBrk="0" fontAlgn="base" latinLnBrk="0" hangingPunct="0">
+              <a:spcBef>
+                <a:spcPct val="0"/>
+              </a:spcBef>
+              <a:spcAft>
+                <a:spcPts val="600"/>
+              </a:spcAft>
+              <a:buClrTx/>
+              <a:buSzTx/>
               <a:buNone/>
+              <a:tabLst/>
             </a:pPr>
             <a:r>
-              <a:rPr lang="en-US" sz="2000" b="1"/>
-              <a:t>Target Variable: Alzheimer’s Diagnosis</a:t>
+              <a:rPr kumimoji="0" lang="en-US" altLang="en-US" sz="2000" b="1" i="0" u="none" strike="noStrike" cap="none" normalizeH="0" baseline="0">
+                <a:ln>
+                  <a:noFill/>
+                </a:ln>
+                <a:effectLst/>
+                <a:latin typeface="Arial" panose="020B0604020202020204" pitchFamily="34" charset="0"/>
+              </a:rPr>
+              <a:t>Only three features show strong correlation</a:t>
             </a:r>
-          </a:p>
-          <a:p>
-            <a:pPr>
-              <a:buFont typeface="Arial" panose="020B0604020202020204" pitchFamily="34" charset="0"/>
+            <a:r>
+              <a:rPr kumimoji="0" lang="en-US" altLang="en-US" sz="2000" b="0" i="0" u="none" strike="noStrike" cap="none" normalizeH="0" baseline="0">
+                <a:ln>
+                  <a:noFill/>
+                </a:ln>
+                <a:effectLst/>
+                <a:latin typeface="Arial" panose="020B0604020202020204" pitchFamily="34" charset="0"/>
+              </a:rPr>
+              <a:t> with Alzheimer’s diagnosis:</a:t>
+            </a:r>
+          </a:p>
+          <a:p>
+            <a:pPr marL="0" marR="0" lvl="0" indent="0" defTabSz="914400" rtl="0" eaLnBrk="0" fontAlgn="base" latinLnBrk="0" hangingPunct="0">
+              <a:spcBef>
+                <a:spcPct val="0"/>
+              </a:spcBef>
+              <a:spcAft>
+                <a:spcPts val="600"/>
+              </a:spcAft>
+              <a:buClrTx/>
+              <a:buSzTx/>
+              <a:buFontTx/>
               <a:buChar char="•"/>
+              <a:tabLst/>
             </a:pPr>
             <a:r>
-              <a:rPr lang="en-US" sz="2000" b="1"/>
-              <a:t>No</a:t>
+              <a:rPr kumimoji="0" lang="en-US" altLang="en-US" sz="2000" b="1" i="0" u="none" strike="noStrike" cap="none" normalizeH="0" baseline="0">
+                <a:ln>
+                  <a:noFill/>
+                </a:ln>
+                <a:effectLst/>
+                <a:latin typeface="Arial" panose="020B0604020202020204" pitchFamily="34" charset="0"/>
+              </a:rPr>
+              <a:t> Age (0.42)</a:t>
+            </a:r>
+            <a:endParaRPr kumimoji="0" lang="en-US" altLang="en-US" sz="2000" b="0" i="0" u="none" strike="noStrike" cap="none" normalizeH="0" baseline="0">
+              <a:ln>
+                <a:noFill/>
+              </a:ln>
+              <a:effectLst/>
+              <a:latin typeface="Arial" panose="020B0604020202020204" pitchFamily="34" charset="0"/>
+            </a:endParaRPr>
+          </a:p>
+          <a:p>
+            <a:pPr marL="0" marR="0" lvl="0" indent="0" defTabSz="914400" rtl="0" eaLnBrk="0" fontAlgn="base" latinLnBrk="0" hangingPunct="0">
+              <a:spcBef>
+                <a:spcPct val="0"/>
+              </a:spcBef>
+              <a:spcAft>
+                <a:spcPts val="600"/>
+              </a:spcAft>
+              <a:buClrTx/>
+              <a:buSzTx/>
+              <a:buFontTx/>
+              <a:buChar char="•"/>
+              <a:tabLst/>
+            </a:pPr>
+            <a:r>
+              <a:rPr kumimoji="0" lang="en-US" altLang="en-US" sz="2000" b="1" i="0" u="none" strike="noStrike" cap="none" normalizeH="0" baseline="0">
+                <a:ln>
+                  <a:noFill/>
+                </a:ln>
+                <a:effectLst/>
+                <a:latin typeface="Arial" panose="020B0604020202020204" pitchFamily="34" charset="0"/>
+              </a:rPr>
+              <a:t> Family History of Alzheimer’s (0.18)</a:t>
+            </a:r>
+            <a:endParaRPr kumimoji="0" lang="en-US" altLang="en-US" sz="2000" b="0" i="0" u="none" strike="noStrike" cap="none" normalizeH="0" baseline="0">
+              <a:ln>
+                <a:noFill/>
+              </a:ln>
+              <a:effectLst/>
+              <a:latin typeface="Arial" panose="020B0604020202020204" pitchFamily="34" charset="0"/>
+            </a:endParaRPr>
+          </a:p>
+          <a:p>
+            <a:pPr marL="0" marR="0" lvl="0" indent="0" defTabSz="914400" rtl="0" eaLnBrk="0" fontAlgn="base" latinLnBrk="0" hangingPunct="0">
+              <a:spcBef>
+                <a:spcPct val="0"/>
+              </a:spcBef>
+              <a:spcAft>
+                <a:spcPts val="600"/>
+              </a:spcAft>
+              <a:buClrTx/>
+              <a:buSzTx/>
+              <a:buFontTx/>
+              <a:buChar char="•"/>
+              <a:tabLst/>
+            </a:pPr>
+            <a:r>
+              <a:rPr kumimoji="0" lang="en-US" altLang="en-US" sz="2000" b="1" i="0" u="none" strike="noStrike" cap="none" normalizeH="0" baseline="0">
+                <a:ln>
+                  <a:noFill/>
+                </a:ln>
+                <a:effectLst/>
+                <a:latin typeface="Arial" panose="020B0604020202020204" pitchFamily="34" charset="0"/>
+              </a:rPr>
+              <a:t> Genetic Risk Factor (APOE-ε4) (0.17)</a:t>
+            </a:r>
+            <a:endParaRPr kumimoji="0" lang="en-US" altLang="en-US" sz="2000" b="0" i="0" u="none" strike="noStrike" cap="none" normalizeH="0" baseline="0">
+              <a:ln>
+                <a:noFill/>
+              </a:ln>
+              <a:effectLst/>
+              <a:latin typeface="Arial" panose="020B0604020202020204" pitchFamily="34" charset="0"/>
+            </a:endParaRPr>
+          </a:p>
+          <a:p>
+            <a:pPr marL="0" marR="0" lvl="0" indent="0" defTabSz="914400" rtl="0" eaLnBrk="0" fontAlgn="base" latinLnBrk="0" hangingPunct="0">
+              <a:spcBef>
+                <a:spcPct val="0"/>
+              </a:spcBef>
+              <a:spcAft>
+                <a:spcPts val="600"/>
+              </a:spcAft>
+              <a:buClrTx/>
+              <a:buSzTx/>
+              <a:buNone/>
+              <a:tabLst/>
+            </a:pPr>
+            <a:r>
+              <a:rPr kumimoji="0" lang="en-US" altLang="en-US" sz="2000" b="0" i="0" u="none" strike="noStrike" cap="none" normalizeH="0" baseline="0">
+                <a:ln>
+                  <a:noFill/>
+                </a:ln>
+                <a:effectLst/>
+                <a:latin typeface="Arial" panose="020B0604020202020204" pitchFamily="34" charset="0"/>
+              </a:rPr>
+              <a:t>The rest of the features have </a:t>
             </a:r>
             <a:r>
-              <a:rPr lang="en-US" sz="2000"/>
-              <a:t>: 58.7%</a:t>
-            </a:r>
-          </a:p>
-          <a:p>
-            <a:pPr>
-              <a:buFont typeface="Arial" panose="020B0604020202020204" pitchFamily="34" charset="0"/>
-              <a:buChar char="•"/>
-            </a:pPr>
-            <a:r>
-              <a:rPr lang="en-US" sz="2000" b="1"/>
-              <a:t>Yes</a:t>
+              <a:rPr kumimoji="0" lang="en-US" altLang="en-US" sz="2000" b="1" i="0" u="none" strike="noStrike" cap="none" normalizeH="0" baseline="0">
+                <a:ln>
+                  <a:noFill/>
+                </a:ln>
+                <a:effectLst/>
+                <a:latin typeface="Arial" panose="020B0604020202020204" pitchFamily="34" charset="0"/>
+              </a:rPr>
+              <a:t>low or negligible correlation</a:t>
             </a:r>
             <a:r>
-              <a:rPr lang="en-US" sz="2000"/>
-              <a:t>: 41.3%</a:t>
+              <a:rPr kumimoji="0" lang="en-US" altLang="en-US" sz="2000" b="0" i="0" u="none" strike="noStrike" cap="none" normalizeH="0" baseline="0">
+                <a:ln>
+                  <a:noFill/>
+                </a:ln>
+                <a:effectLst/>
+                <a:latin typeface="Arial" panose="020B0604020202020204" pitchFamily="34" charset="0"/>
+              </a:rPr>
+              <a:t> with the target.</a:t>
             </a:r>
-          </a:p>
-          <a:p>
-            <a:r>
-              <a:rPr lang="en-US" sz="2000"/>
-              <a:t>➡️ The classes are fairly balanced, so we </a:t>
-            </a:r>
-            <a:r>
-              <a:rPr lang="en-US" sz="2000" b="1"/>
-              <a:t>did not apply any resampling techniques</a:t>
-            </a:r>
-            <a:r>
-              <a:rPr lang="en-US" sz="2000"/>
-              <a:t>.</a:t>
-            </a:r>
-          </a:p>
-          <a:p>
-            <a:endParaRPr lang="en-US" sz="2000"/>
+            <a:endParaRPr kumimoji="0" lang="en-US" altLang="en-US" sz="2000" b="0" i="0" u="none" strike="noStrike" cap="none" normalizeH="0" baseline="0" dirty="0">
+              <a:ln>
+                <a:noFill/>
+              </a:ln>
+              <a:effectLst/>
+              <a:latin typeface="Arial" panose="020B0604020202020204" pitchFamily="34" charset="0"/>
+            </a:endParaRPr>
           </a:p>
         </p:txBody>
       </p:sp>
       <p:sp>
         <p:nvSpPr>
-          <p:cNvPr id="88" name="Rectangle 87">
+          <p:cNvPr id="152" name="Rectangle 151">
             <a:extLst>
               <a:ext uri="{FF2B5EF4-FFF2-40B4-BE49-F238E27FC236}">
                 <a16:creationId xmlns:a16="http://schemas.microsoft.com/office/drawing/2014/main" id="{C13237C8-E62C-4F0D-A318-BD6FB6C2D138}"/>
@@ -12619,7 +14355,7 @@
       </p:sp>
       <p:sp>
         <p:nvSpPr>
-          <p:cNvPr id="90" name="Rectangle 89">
+          <p:cNvPr id="154" name="Rectangle 153">
             <a:extLst>
               <a:ext uri="{FF2B5EF4-FFF2-40B4-BE49-F238E27FC236}">
                 <a16:creationId xmlns:a16="http://schemas.microsoft.com/office/drawing/2014/main" id="{19C9EAEA-39D0-4B0E-A0EB-51E7B26740B1}"/>
@@ -12689,10 +14425,10 @@
       </p:sp>
       <p:pic>
         <p:nvPicPr>
-          <p:cNvPr id="10" name="Picture 9" descr="A graph of a number of people with different colored squares&#10;&#10;AI-generated content may be incorrect.">
+          <p:cNvPr id="5" name="Picture 4">
             <a:extLst>
               <a:ext uri="{FF2B5EF4-FFF2-40B4-BE49-F238E27FC236}">
-                <a16:creationId xmlns:a16="http://schemas.microsoft.com/office/drawing/2014/main" id="{D215183B-88E9-F996-980A-540D42393928}"/>
+                <a16:creationId xmlns:a16="http://schemas.microsoft.com/office/drawing/2014/main" id="{BAA6461C-E6FB-593A-E787-9BFABB5C28A7}"/>
               </a:ext>
             </a:extLst>
           </p:cNvPr>
@@ -12702,8 +14438,14 @@
           <p:nvPr/>
         </p:nvPicPr>
         <p:blipFill>
-          <a:blip r:embed="rId2"/>
-          <a:srcRect l="5442" r="13577" b="-2"/>
+          <a:blip r:embed="rId2">
+            <a:extLst>
+              <a:ext uri="{28A0092B-C50C-407E-A947-70E740481C1C}">
+                <a14:useLocalDpi xmlns:a14="http://schemas.microsoft.com/office/drawing/2010/main" val="0"/>
+              </a:ext>
+            </a:extLst>
+          </a:blip>
+          <a:srcRect l="6642" r="-3" b="-3"/>
           <a:stretch/>
         </p:blipFill>
         <p:spPr>
@@ -12719,7 +14461,1031 @@
     </p:spTree>
     <p:extLst>
       <p:ext uri="{BB962C8B-B14F-4D97-AF65-F5344CB8AC3E}">
-        <p14:creationId xmlns:p14="http://schemas.microsoft.com/office/powerpoint/2010/main" val="2766362883"/>
+        <p14:creationId xmlns:p14="http://schemas.microsoft.com/office/powerpoint/2010/main" val="4108451441"/>
+      </p:ext>
+    </p:extLst>
+  </p:cSld>
+  <p:clrMapOvr>
+    <a:masterClrMapping/>
+  </p:clrMapOvr>
+</p:sld>
+</file>
+
+<file path=ppt/slides/slide8.xml><?xml version="1.0" encoding="utf-8"?>
+<p:sld xmlns:a="http://schemas.openxmlformats.org/drawingml/2006/main" xmlns:r="http://schemas.openxmlformats.org/officeDocument/2006/relationships" xmlns:p="http://schemas.openxmlformats.org/presentationml/2006/main">
+  <p:cSld>
+    <p:bg>
+      <p:bgPr>
+        <a:solidFill>
+          <a:schemeClr val="bg1"/>
+        </a:solidFill>
+        <a:effectLst/>
+      </p:bgPr>
+    </p:bg>
+    <p:spTree>
+      <p:nvGrpSpPr>
+        <p:cNvPr id="1" name="">
+          <a:extLst>
+            <a:ext uri="{FF2B5EF4-FFF2-40B4-BE49-F238E27FC236}">
+              <a16:creationId xmlns:a16="http://schemas.microsoft.com/office/drawing/2014/main" id="{0EA6BE6E-203B-1DA5-2A92-EF62A9D344B4}"/>
+            </a:ext>
+          </a:extLst>
+        </p:cNvPr>
+        <p:cNvGrpSpPr/>
+        <p:nvPr/>
+      </p:nvGrpSpPr>
+      <p:grpSpPr>
+        <a:xfrm>
+          <a:off x="0" y="0"/>
+          <a:ext cx="0" cy="0"/>
+          <a:chOff x="0" y="0"/>
+          <a:chExt cx="0" cy="0"/>
+        </a:xfrm>
+      </p:grpSpPr>
+      <p:sp useBgFill="1">
+        <p:nvSpPr>
+          <p:cNvPr id="108" name="Rectangle 107">
+            <a:extLst>
+              <a:ext uri="{FF2B5EF4-FFF2-40B4-BE49-F238E27FC236}">
+                <a16:creationId xmlns:a16="http://schemas.microsoft.com/office/drawing/2014/main" id="{F5A5F1D7-F0D0-4687-9BD3-CA6A0714C634}"/>
+              </a:ext>
+              <a:ext uri="{C183D7F6-B498-43B3-948B-1728B52AA6E4}">
+                <adec:decorative xmlns:adec="http://schemas.microsoft.com/office/drawing/2017/decorative" val="1"/>
+              </a:ext>
+            </a:extLst>
+          </p:cNvPr>
+          <p:cNvSpPr>
+            <a:spLocks noGrp="1" noRot="1" noChangeAspect="1" noMove="1" noResize="1" noEditPoints="1" noAdjustHandles="1" noChangeArrowheads="1" noChangeShapeType="1" noTextEdit="1"/>
+          </p:cNvSpPr>
+          <p:nvPr>
+            <p:extLst>
+              <p:ext uri="{386F3935-93C4-4BCD-93E2-E3B085C9AB24}">
+                <p16:designElem xmlns:p16="http://schemas.microsoft.com/office/powerpoint/2015/main" val="1"/>
+              </p:ext>
+            </p:extLst>
+          </p:nvPr>
+        </p:nvSpPr>
+        <p:spPr>
+          <a:xfrm>
+            <a:off x="0" y="0"/>
+            <a:ext cx="12191999" cy="6857365"/>
+          </a:xfrm>
+          <a:prstGeom prst="rect">
+            <a:avLst/>
+          </a:prstGeom>
+          <a:ln>
+            <a:noFill/>
+          </a:ln>
+        </p:spPr>
+        <p:style>
+          <a:lnRef idx="2">
+            <a:schemeClr val="accent1">
+              <a:shade val="50000"/>
+            </a:schemeClr>
+          </a:lnRef>
+          <a:fillRef idx="1">
+            <a:schemeClr val="accent1"/>
+          </a:fillRef>
+          <a:effectRef idx="0">
+            <a:schemeClr val="accent1"/>
+          </a:effectRef>
+          <a:fontRef idx="minor">
+            <a:schemeClr val="lt1"/>
+          </a:fontRef>
+        </p:style>
+        <p:txBody>
+          <a:bodyPr rtlCol="0" anchor="ctr"/>
+          <a:lstStyle/>
+          <a:p>
+            <a:pPr algn="ctr"/>
+            <a:endParaRPr lang="en-US"/>
+          </a:p>
+        </p:txBody>
+      </p:sp>
+      <p:grpSp>
+        <p:nvGrpSpPr>
+          <p:cNvPr id="110" name="Group 109">
+            <a:extLst>
+              <a:ext uri="{FF2B5EF4-FFF2-40B4-BE49-F238E27FC236}">
+                <a16:creationId xmlns:a16="http://schemas.microsoft.com/office/drawing/2014/main" id="{AE1C45F0-260A-458C-96ED-C1F6D2151219}"/>
+              </a:ext>
+              <a:ext uri="{C183D7F6-B498-43B3-948B-1728B52AA6E4}">
+                <adec:decorative xmlns:adec="http://schemas.microsoft.com/office/drawing/2017/decorative" val="1"/>
+              </a:ext>
+            </a:extLst>
+          </p:cNvPr>
+          <p:cNvGrpSpPr>
+            <a:grpSpLocks noGrp="1" noUngrp="1" noRot="1" noChangeAspect="1" noMove="1" noResize="1"/>
+          </p:cNvGrpSpPr>
+          <p:nvPr>
+            <p:extLst>
+              <p:ext uri="{386F3935-93C4-4BCD-93E2-E3B085C9AB24}">
+                <p16:designElem xmlns:p16="http://schemas.microsoft.com/office/powerpoint/2015/main" val="1"/>
+              </p:ext>
+            </p:extLst>
+          </p:nvPr>
+        </p:nvGrpSpPr>
+        <p:grpSpPr>
+          <a:xfrm>
+            <a:off x="4" y="1062849"/>
+            <a:ext cx="731521" cy="673460"/>
+            <a:chOff x="3940602" y="308034"/>
+            <a:chExt cx="2116791" cy="3428999"/>
+          </a:xfrm>
+          <a:solidFill>
+            <a:schemeClr val="accent4"/>
+          </a:solidFill>
+        </p:grpSpPr>
+        <p:sp>
+          <p:nvSpPr>
+            <p:cNvPr id="111" name="Rectangle 110">
+              <a:extLst>
+                <a:ext uri="{FF2B5EF4-FFF2-40B4-BE49-F238E27FC236}">
+                  <a16:creationId xmlns:a16="http://schemas.microsoft.com/office/drawing/2014/main" id="{A6604B49-AD5C-4590-B051-06C8222ECD99}"/>
+                </a:ext>
+                <a:ext uri="{C183D7F6-B498-43B3-948B-1728B52AA6E4}">
+                  <adec:decorative xmlns:adec="http://schemas.microsoft.com/office/drawing/2017/decorative" val="1"/>
+                </a:ext>
+              </a:extLst>
+            </p:cNvPr>
+            <p:cNvSpPr/>
+            <p:nvPr>
+              <p:extLst>
+                <p:ext uri="{386F3935-93C4-4BCD-93E2-E3B085C9AB24}">
+                  <p16:designElem xmlns:p16="http://schemas.microsoft.com/office/powerpoint/2015/main" val="1"/>
+                </p:ext>
+              </p:extLst>
+            </p:nvPr>
+          </p:nvSpPr>
+          <p:spPr>
+            <a:xfrm>
+              <a:off x="3940602" y="308034"/>
+              <a:ext cx="566743" cy="3428999"/>
+            </a:xfrm>
+            <a:prstGeom prst="rect">
+              <a:avLst/>
+            </a:prstGeom>
+            <a:grpFill/>
+            <a:ln>
+              <a:noFill/>
+            </a:ln>
+          </p:spPr>
+          <p:style>
+            <a:lnRef idx="2">
+              <a:schemeClr val="accent1">
+                <a:shade val="50000"/>
+              </a:schemeClr>
+            </a:lnRef>
+            <a:fillRef idx="1">
+              <a:schemeClr val="accent1"/>
+            </a:fillRef>
+            <a:effectRef idx="0">
+              <a:schemeClr val="accent1"/>
+            </a:effectRef>
+            <a:fontRef idx="minor">
+              <a:schemeClr val="lt1"/>
+            </a:fontRef>
+          </p:style>
+          <p:txBody>
+            <a:bodyPr rtlCol="0" anchor="ctr"/>
+            <a:lstStyle/>
+            <a:p>
+              <a:pPr algn="ctr"/>
+              <a:endParaRPr lang="en-US"/>
+            </a:p>
+          </p:txBody>
+        </p:sp>
+        <p:sp>
+          <p:nvSpPr>
+            <p:cNvPr id="112" name="Rectangle 111">
+              <a:extLst>
+                <a:ext uri="{FF2B5EF4-FFF2-40B4-BE49-F238E27FC236}">
+                  <a16:creationId xmlns:a16="http://schemas.microsoft.com/office/drawing/2014/main" id="{743ECCAF-29C5-4537-947C-7EA1292463DB}"/>
+                </a:ext>
+                <a:ext uri="{C183D7F6-B498-43B3-948B-1728B52AA6E4}">
+                  <adec:decorative xmlns:adec="http://schemas.microsoft.com/office/drawing/2017/decorative" val="1"/>
+                </a:ext>
+              </a:extLst>
+            </p:cNvPr>
+            <p:cNvSpPr/>
+            <p:nvPr>
+              <p:extLst>
+                <p:ext uri="{386F3935-93C4-4BCD-93E2-E3B085C9AB24}">
+                  <p16:designElem xmlns:p16="http://schemas.microsoft.com/office/powerpoint/2015/main" val="1"/>
+                </p:ext>
+              </p:extLst>
+            </p:nvPr>
+          </p:nvSpPr>
+          <p:spPr>
+            <a:xfrm>
+              <a:off x="4715626" y="308034"/>
+              <a:ext cx="566743" cy="3428999"/>
+            </a:xfrm>
+            <a:prstGeom prst="rect">
+              <a:avLst/>
+            </a:prstGeom>
+            <a:grpFill/>
+            <a:ln>
+              <a:noFill/>
+            </a:ln>
+          </p:spPr>
+          <p:style>
+            <a:lnRef idx="2">
+              <a:schemeClr val="accent1">
+                <a:shade val="50000"/>
+              </a:schemeClr>
+            </a:lnRef>
+            <a:fillRef idx="1">
+              <a:schemeClr val="accent1"/>
+            </a:fillRef>
+            <a:effectRef idx="0">
+              <a:schemeClr val="accent1"/>
+            </a:effectRef>
+            <a:fontRef idx="minor">
+              <a:schemeClr val="lt1"/>
+            </a:fontRef>
+          </p:style>
+          <p:txBody>
+            <a:bodyPr rtlCol="0" anchor="ctr"/>
+            <a:lstStyle/>
+            <a:p>
+              <a:pPr algn="ctr"/>
+              <a:endParaRPr lang="en-US"/>
+            </a:p>
+          </p:txBody>
+        </p:sp>
+        <p:sp>
+          <p:nvSpPr>
+            <p:cNvPr id="125" name="Rectangle 124">
+              <a:extLst>
+                <a:ext uri="{FF2B5EF4-FFF2-40B4-BE49-F238E27FC236}">
+                  <a16:creationId xmlns:a16="http://schemas.microsoft.com/office/drawing/2014/main" id="{ED49787B-8DE6-4467-AD0A-8DECC6E0C2D6}"/>
+                </a:ext>
+                <a:ext uri="{C183D7F6-B498-43B3-948B-1728B52AA6E4}">
+                  <adec:decorative xmlns:adec="http://schemas.microsoft.com/office/drawing/2017/decorative" val="1"/>
+                </a:ext>
+              </a:extLst>
+            </p:cNvPr>
+            <p:cNvSpPr/>
+            <p:nvPr>
+              <p:extLst>
+                <p:ext uri="{386F3935-93C4-4BCD-93E2-E3B085C9AB24}">
+                  <p16:designElem xmlns:p16="http://schemas.microsoft.com/office/powerpoint/2015/main" val="1"/>
+                </p:ext>
+              </p:extLst>
+            </p:nvPr>
+          </p:nvSpPr>
+          <p:spPr>
+            <a:xfrm>
+              <a:off x="5490650" y="308034"/>
+              <a:ext cx="566743" cy="3428999"/>
+            </a:xfrm>
+            <a:prstGeom prst="rect">
+              <a:avLst/>
+            </a:prstGeom>
+            <a:grpFill/>
+            <a:ln>
+              <a:noFill/>
+            </a:ln>
+          </p:spPr>
+          <p:style>
+            <a:lnRef idx="2">
+              <a:schemeClr val="accent1">
+                <a:shade val="50000"/>
+              </a:schemeClr>
+            </a:lnRef>
+            <a:fillRef idx="1">
+              <a:schemeClr val="accent1"/>
+            </a:fillRef>
+            <a:effectRef idx="0">
+              <a:schemeClr val="accent1"/>
+            </a:effectRef>
+            <a:fontRef idx="minor">
+              <a:schemeClr val="lt1"/>
+            </a:fontRef>
+          </p:style>
+          <p:txBody>
+            <a:bodyPr rtlCol="0" anchor="ctr"/>
+            <a:lstStyle/>
+            <a:p>
+              <a:pPr algn="ctr"/>
+              <a:endParaRPr lang="en-US"/>
+            </a:p>
+          </p:txBody>
+        </p:sp>
+      </p:grpSp>
+      <p:sp>
+        <p:nvSpPr>
+          <p:cNvPr id="126" name="Rectangle 125">
+            <a:extLst>
+              <a:ext uri="{FF2B5EF4-FFF2-40B4-BE49-F238E27FC236}">
+                <a16:creationId xmlns:a16="http://schemas.microsoft.com/office/drawing/2014/main" id="{D5B0017B-2ECA-49AF-B397-DC140825DF8D}"/>
+              </a:ext>
+              <a:ext uri="{C183D7F6-B498-43B3-948B-1728B52AA6E4}">
+                <adec:decorative xmlns:adec="http://schemas.microsoft.com/office/drawing/2017/decorative" val="1"/>
+              </a:ext>
+            </a:extLst>
+          </p:cNvPr>
+          <p:cNvSpPr>
+            <a:spLocks noGrp="1" noRot="1" noChangeAspect="1" noMove="1" noResize="1" noEditPoints="1" noAdjustHandles="1" noChangeArrowheads="1" noChangeShapeType="1" noTextEdit="1"/>
+          </p:cNvSpPr>
+          <p:nvPr>
+            <p:extLst>
+              <p:ext uri="{386F3935-93C4-4BCD-93E2-E3B085C9AB24}">
+                <p16:designElem xmlns:p16="http://schemas.microsoft.com/office/powerpoint/2015/main" val="1"/>
+              </p:ext>
+            </p:extLst>
+          </p:nvPr>
+        </p:nvSpPr>
+        <p:spPr>
+          <a:xfrm>
+            <a:off x="640080" y="656150"/>
+            <a:ext cx="5590787" cy="1431591"/>
+          </a:xfrm>
+          <a:prstGeom prst="rect">
+            <a:avLst/>
+          </a:prstGeom>
+          <a:solidFill>
+            <a:schemeClr val="bg1"/>
+          </a:solidFill>
+          <a:ln>
+            <a:noFill/>
+          </a:ln>
+          <a:effectLst>
+            <a:outerShdw blurRad="139700" dist="127000" dir="5400000" algn="t" rotWithShape="0">
+              <a:prstClr val="black">
+                <a:alpha val="15000"/>
+              </a:prstClr>
+            </a:outerShdw>
+          </a:effectLst>
+        </p:spPr>
+        <p:style>
+          <a:lnRef idx="2">
+            <a:schemeClr val="accent1">
+              <a:shade val="50000"/>
+            </a:schemeClr>
+          </a:lnRef>
+          <a:fillRef idx="1">
+            <a:schemeClr val="accent1"/>
+          </a:fillRef>
+          <a:effectRef idx="0">
+            <a:schemeClr val="accent1"/>
+          </a:effectRef>
+          <a:fontRef idx="minor">
+            <a:schemeClr val="lt1"/>
+          </a:fontRef>
+        </p:style>
+        <p:txBody>
+          <a:bodyPr rtlCol="0" anchor="ctr"/>
+          <a:lstStyle/>
+          <a:p>
+            <a:pPr algn="ctr"/>
+            <a:endParaRPr lang="en-US"/>
+          </a:p>
+        </p:txBody>
+      </p:sp>
+      <p:sp>
+        <p:nvSpPr>
+          <p:cNvPr id="2" name="Title 1">
+            <a:extLst>
+              <a:ext uri="{FF2B5EF4-FFF2-40B4-BE49-F238E27FC236}">
+                <a16:creationId xmlns:a16="http://schemas.microsoft.com/office/drawing/2014/main" id="{98675633-FBDB-3C9C-AE61-3889170E6B43}"/>
+              </a:ext>
+            </a:extLst>
+          </p:cNvPr>
+          <p:cNvSpPr>
+            <a:spLocks noGrp="1"/>
+          </p:cNvSpPr>
+          <p:nvPr>
+            <p:ph type="title"/>
+          </p:nvPr>
+        </p:nvSpPr>
+        <p:spPr>
+          <a:xfrm>
+            <a:off x="1043631" y="873940"/>
+            <a:ext cx="4928291" cy="1035781"/>
+          </a:xfrm>
+        </p:spPr>
+        <p:txBody>
+          <a:bodyPr anchor="ctr">
+            <a:normAutofit/>
+          </a:bodyPr>
+          <a:lstStyle/>
+          <a:p>
+            <a:r>
+              <a:rPr lang="en-US" sz="3600"/>
+              <a:t>Key Feature Analysis: Age</a:t>
+            </a:r>
+          </a:p>
+        </p:txBody>
+      </p:sp>
+      <p:sp>
+        <p:nvSpPr>
+          <p:cNvPr id="23" name="Content Placeholder 2">
+            <a:extLst>
+              <a:ext uri="{FF2B5EF4-FFF2-40B4-BE49-F238E27FC236}">
+                <a16:creationId xmlns:a16="http://schemas.microsoft.com/office/drawing/2014/main" id="{4D4B1754-7907-1590-D0BB-8492FE2D269A}"/>
+              </a:ext>
+            </a:extLst>
+          </p:cNvPr>
+          <p:cNvSpPr>
+            <a:spLocks noGrp="1"/>
+          </p:cNvSpPr>
+          <p:nvPr>
+            <p:ph idx="1"/>
+          </p:nvPr>
+        </p:nvSpPr>
+        <p:spPr>
+          <a:xfrm>
+            <a:off x="1043631" y="2372036"/>
+            <a:ext cx="4991629" cy="3677123"/>
+          </a:xfrm>
+        </p:spPr>
+        <p:txBody>
+          <a:bodyPr anchor="ctr">
+            <a:normAutofit/>
+          </a:bodyPr>
+          <a:lstStyle/>
+          <a:p>
+            <a:pPr>
+              <a:buNone/>
+            </a:pPr>
+            <a:r>
+              <a:rPr lang="en-US" b="1" dirty="0"/>
+              <a:t>Key Insights:</a:t>
+            </a:r>
+            <a:endParaRPr lang="en-US" dirty="0"/>
+          </a:p>
+          <a:p>
+            <a:pPr>
+              <a:buFont typeface="Arial" panose="020B0604020202020204" pitchFamily="34" charset="0"/>
+              <a:buChar char="•"/>
+            </a:pPr>
+            <a:r>
+              <a:rPr lang="en-US" b="1" dirty="0"/>
+              <a:t>Age</a:t>
+            </a:r>
+            <a:r>
+              <a:rPr lang="en-US" dirty="0"/>
+              <a:t> has a strong correlation with Alzheimer’s diagnosis, suggesting that age is a significant factor in the risk of Alzheimer’s disease.</a:t>
+            </a:r>
+          </a:p>
+        </p:txBody>
+      </p:sp>
+      <p:pic>
+        <p:nvPicPr>
+          <p:cNvPr id="6" name="Picture 5">
+            <a:extLst>
+              <a:ext uri="{FF2B5EF4-FFF2-40B4-BE49-F238E27FC236}">
+                <a16:creationId xmlns:a16="http://schemas.microsoft.com/office/drawing/2014/main" id="{47C02374-70CE-ACA7-6FEB-4B6146001086}"/>
+              </a:ext>
+            </a:extLst>
+          </p:cNvPr>
+          <p:cNvPicPr>
+            <a:picLocks noChangeAspect="1"/>
+          </p:cNvPicPr>
+          <p:nvPr/>
+        </p:nvPicPr>
+        <p:blipFill>
+          <a:blip r:embed="rId2">
+            <a:extLst>
+              <a:ext uri="{28A0092B-C50C-407E-A947-70E740481C1C}">
+                <a14:useLocalDpi xmlns:a14="http://schemas.microsoft.com/office/drawing/2010/main" val="0"/>
+              </a:ext>
+            </a:extLst>
+          </a:blip>
+          <a:srcRect r="4" b="12415"/>
+          <a:stretch/>
+        </p:blipFill>
+        <p:spPr>
+          <a:xfrm>
+            <a:off x="6788383" y="613148"/>
+            <a:ext cx="4565417" cy="2679192"/>
+          </a:xfrm>
+          <a:prstGeom prst="rect">
+            <a:avLst/>
+          </a:prstGeom>
+        </p:spPr>
+      </p:pic>
+      <p:pic>
+        <p:nvPicPr>
+          <p:cNvPr id="4" name="Picture 3">
+            <a:extLst>
+              <a:ext uri="{FF2B5EF4-FFF2-40B4-BE49-F238E27FC236}">
+                <a16:creationId xmlns:a16="http://schemas.microsoft.com/office/drawing/2014/main" id="{FB52FC78-1914-7574-DA02-B7662997A276}"/>
+              </a:ext>
+            </a:extLst>
+          </p:cNvPr>
+          <p:cNvPicPr>
+            <a:picLocks noChangeAspect="1"/>
+          </p:cNvPicPr>
+          <p:nvPr/>
+        </p:nvPicPr>
+        <p:blipFill>
+          <a:blip r:embed="rId3">
+            <a:extLst>
+              <a:ext uri="{28A0092B-C50C-407E-A947-70E740481C1C}">
+                <a14:useLocalDpi xmlns:a14="http://schemas.microsoft.com/office/drawing/2010/main" val="0"/>
+              </a:ext>
+            </a:extLst>
+          </a:blip>
+          <a:srcRect r="4" b="12415"/>
+          <a:stretch/>
+        </p:blipFill>
+        <p:spPr>
+          <a:xfrm>
+            <a:off x="6788383" y="3528753"/>
+            <a:ext cx="4565417" cy="2679192"/>
+          </a:xfrm>
+          <a:prstGeom prst="rect">
+            <a:avLst/>
+          </a:prstGeom>
+        </p:spPr>
+      </p:pic>
+      <p:cxnSp>
+        <p:nvCxnSpPr>
+          <p:cNvPr id="127" name="Straight Connector 126">
+            <a:extLst>
+              <a:ext uri="{FF2B5EF4-FFF2-40B4-BE49-F238E27FC236}">
+                <a16:creationId xmlns:a16="http://schemas.microsoft.com/office/drawing/2014/main" id="{6CF1BAF6-AD41-4082-B212-8A1F9A2E8779}"/>
+              </a:ext>
+              <a:ext uri="{C183D7F6-B498-43B3-948B-1728B52AA6E4}">
+                <adec:decorative xmlns:adec="http://schemas.microsoft.com/office/drawing/2017/decorative" val="1"/>
+              </a:ext>
+            </a:extLst>
+          </p:cNvPr>
+          <p:cNvCxnSpPr>
+            <a:cxnSpLocks noGrp="1" noRot="1" noChangeAspect="1" noMove="1" noResize="1" noEditPoints="1" noAdjustHandles="1" noChangeArrowheads="1" noChangeShapeType="1"/>
+          </p:cNvCxnSpPr>
+          <p:nvPr>
+            <p:extLst>
+              <p:ext uri="{386F3935-93C4-4BCD-93E2-E3B085C9AB24}">
+                <p16:designElem xmlns:p16="http://schemas.microsoft.com/office/powerpoint/2015/main" val="1"/>
+              </p:ext>
+            </p:extLst>
+          </p:nvPr>
+        </p:nvCxnSpPr>
+        <p:spPr>
+          <a:xfrm flipH="1">
+            <a:off x="838200" y="6492240"/>
+            <a:ext cx="10515600" cy="0"/>
+          </a:xfrm>
+          <a:prstGeom prst="line">
+            <a:avLst/>
+          </a:prstGeom>
+          <a:ln w="57150">
+            <a:solidFill>
+              <a:schemeClr val="accent4"/>
+            </a:solidFill>
+          </a:ln>
+        </p:spPr>
+        <p:style>
+          <a:lnRef idx="1">
+            <a:schemeClr val="accent1"/>
+          </a:lnRef>
+          <a:fillRef idx="0">
+            <a:schemeClr val="accent1"/>
+          </a:fillRef>
+          <a:effectRef idx="0">
+            <a:schemeClr val="accent1"/>
+          </a:effectRef>
+          <a:fontRef idx="minor">
+            <a:schemeClr val="tx1"/>
+          </a:fontRef>
+        </p:style>
+      </p:cxnSp>
+    </p:spTree>
+    <p:extLst>
+      <p:ext uri="{BB962C8B-B14F-4D97-AF65-F5344CB8AC3E}">
+        <p14:creationId xmlns:p14="http://schemas.microsoft.com/office/powerpoint/2010/main" val="786102608"/>
+      </p:ext>
+    </p:extLst>
+  </p:cSld>
+  <p:clrMapOvr>
+    <a:masterClrMapping/>
+  </p:clrMapOvr>
+</p:sld>
+</file>
+
+<file path=ppt/slides/slide9.xml><?xml version="1.0" encoding="utf-8"?>
+<p:sld xmlns:a="http://schemas.openxmlformats.org/drawingml/2006/main" xmlns:r="http://schemas.openxmlformats.org/officeDocument/2006/relationships" xmlns:p="http://schemas.openxmlformats.org/presentationml/2006/main">
+  <p:cSld>
+    <p:bg>
+      <p:bgPr>
+        <a:solidFill>
+          <a:schemeClr val="bg1"/>
+        </a:solidFill>
+        <a:effectLst/>
+      </p:bgPr>
+    </p:bg>
+    <p:spTree>
+      <p:nvGrpSpPr>
+        <p:cNvPr id="1" name="">
+          <a:extLst>
+            <a:ext uri="{FF2B5EF4-FFF2-40B4-BE49-F238E27FC236}">
+              <a16:creationId xmlns:a16="http://schemas.microsoft.com/office/drawing/2014/main" id="{9ADEB354-449A-86B8-38F2-0AF99A79FF95}"/>
+            </a:ext>
+          </a:extLst>
+        </p:cNvPr>
+        <p:cNvGrpSpPr/>
+        <p:nvPr/>
+      </p:nvGrpSpPr>
+      <p:grpSpPr>
+        <a:xfrm>
+          <a:off x="0" y="0"/>
+          <a:ext cx="0" cy="0"/>
+          <a:chOff x="0" y="0"/>
+          <a:chExt cx="0" cy="0"/>
+        </a:xfrm>
+      </p:grpSpPr>
+      <p:sp useBgFill="1">
+        <p:nvSpPr>
+          <p:cNvPr id="118" name="Rectangle 117">
+            <a:extLst>
+              <a:ext uri="{FF2B5EF4-FFF2-40B4-BE49-F238E27FC236}">
+                <a16:creationId xmlns:a16="http://schemas.microsoft.com/office/drawing/2014/main" id="{058A14AF-9FB5-4CC7-BA35-E8E85D3EDF0E}"/>
+              </a:ext>
+              <a:ext uri="{C183D7F6-B498-43B3-948B-1728B52AA6E4}">
+                <adec:decorative xmlns:adec="http://schemas.microsoft.com/office/drawing/2017/decorative" val="1"/>
+              </a:ext>
+            </a:extLst>
+          </p:cNvPr>
+          <p:cNvSpPr>
+            <a:spLocks noGrp="1" noRot="1" noChangeAspect="1" noMove="1" noResize="1" noEditPoints="1" noAdjustHandles="1" noChangeArrowheads="1" noChangeShapeType="1" noTextEdit="1"/>
+          </p:cNvSpPr>
+          <p:nvPr>
+            <p:extLst>
+              <p:ext uri="{386F3935-93C4-4BCD-93E2-E3B085C9AB24}">
+                <p16:designElem xmlns:p16="http://schemas.microsoft.com/office/powerpoint/2015/main" val="1"/>
+              </p:ext>
+            </p:extLst>
+          </p:nvPr>
+        </p:nvSpPr>
+        <p:spPr>
+          <a:xfrm>
+            <a:off x="0" y="0"/>
+            <a:ext cx="12191999" cy="6857365"/>
+          </a:xfrm>
+          <a:prstGeom prst="rect">
+            <a:avLst/>
+          </a:prstGeom>
+          <a:ln>
+            <a:noFill/>
+          </a:ln>
+        </p:spPr>
+        <p:style>
+          <a:lnRef idx="2">
+            <a:schemeClr val="accent1">
+              <a:shade val="50000"/>
+            </a:schemeClr>
+          </a:lnRef>
+          <a:fillRef idx="1">
+            <a:schemeClr val="accent1"/>
+          </a:fillRef>
+          <a:effectRef idx="0">
+            <a:schemeClr val="accent1"/>
+          </a:effectRef>
+          <a:fontRef idx="minor">
+            <a:schemeClr val="lt1"/>
+          </a:fontRef>
+        </p:style>
+        <p:txBody>
+          <a:bodyPr rtlCol="0" anchor="ctr"/>
+          <a:lstStyle/>
+          <a:p>
+            <a:pPr algn="ctr"/>
+            <a:endParaRPr lang="en-US"/>
+          </a:p>
+        </p:txBody>
+      </p:sp>
+      <p:sp>
+        <p:nvSpPr>
+          <p:cNvPr id="2" name="Title 1">
+            <a:extLst>
+              <a:ext uri="{FF2B5EF4-FFF2-40B4-BE49-F238E27FC236}">
+                <a16:creationId xmlns:a16="http://schemas.microsoft.com/office/drawing/2014/main" id="{E095D9FC-F5B1-92DF-AC3F-5AD7D222C7F8}"/>
+              </a:ext>
+            </a:extLst>
+          </p:cNvPr>
+          <p:cNvSpPr>
+            <a:spLocks noGrp="1"/>
+          </p:cNvSpPr>
+          <p:nvPr>
+            <p:ph type="title"/>
+          </p:nvPr>
+        </p:nvSpPr>
+        <p:spPr>
+          <a:xfrm>
+            <a:off x="793662" y="386930"/>
+            <a:ext cx="10066122" cy="1298448"/>
+          </a:xfrm>
+        </p:spPr>
+        <p:txBody>
+          <a:bodyPr anchor="b">
+            <a:normAutofit/>
+          </a:bodyPr>
+          <a:lstStyle/>
+          <a:p>
+            <a:r>
+              <a:rPr lang="en-US"/>
+              <a:t>Key Feature Analysis: Family History of Alzheimer’s</a:t>
+            </a:r>
+          </a:p>
+        </p:txBody>
+      </p:sp>
+      <p:sp>
+        <p:nvSpPr>
+          <p:cNvPr id="120" name="Rectangle 119">
+            <a:extLst>
+              <a:ext uri="{FF2B5EF4-FFF2-40B4-BE49-F238E27FC236}">
+                <a16:creationId xmlns:a16="http://schemas.microsoft.com/office/drawing/2014/main" id="{3A9A4357-BD1D-4622-A4FE-766E6AB8DE84}"/>
+              </a:ext>
+              <a:ext uri="{C183D7F6-B498-43B3-948B-1728B52AA6E4}">
+                <adec:decorative xmlns:adec="http://schemas.microsoft.com/office/drawing/2017/decorative" val="1"/>
+              </a:ext>
+            </a:extLst>
+          </p:cNvPr>
+          <p:cNvSpPr>
+            <a:spLocks noGrp="1" noRot="1" noChangeAspect="1" noMove="1" noResize="1" noEditPoints="1" noAdjustHandles="1" noChangeArrowheads="1" noChangeShapeType="1" noTextEdit="1"/>
+          </p:cNvSpPr>
+          <p:nvPr>
+            <p:extLst>
+              <p:ext uri="{386F3935-93C4-4BCD-93E2-E3B085C9AB24}">
+                <p16:designElem xmlns:p16="http://schemas.microsoft.com/office/powerpoint/2015/main" val="1"/>
+              </p:ext>
+            </p:extLst>
+          </p:nvPr>
+        </p:nvSpPr>
+        <p:spPr>
+          <a:xfrm flipH="1" flipV="1">
+            <a:off x="-2" y="1998845"/>
+            <a:ext cx="11454595" cy="781699"/>
+          </a:xfrm>
+          <a:prstGeom prst="rect">
+            <a:avLst/>
+          </a:prstGeom>
+          <a:solidFill>
+            <a:schemeClr val="accent4"/>
+          </a:solidFill>
+          <a:ln>
+            <a:noFill/>
+          </a:ln>
+        </p:spPr>
+        <p:style>
+          <a:lnRef idx="2">
+            <a:schemeClr val="accent1">
+              <a:shade val="50000"/>
+            </a:schemeClr>
+          </a:lnRef>
+          <a:fillRef idx="1">
+            <a:schemeClr val="accent1"/>
+          </a:fillRef>
+          <a:effectRef idx="0">
+            <a:schemeClr val="accent1"/>
+          </a:effectRef>
+          <a:fontRef idx="minor">
+            <a:schemeClr val="lt1"/>
+          </a:fontRef>
+        </p:style>
+        <p:txBody>
+          <a:bodyPr rtlCol="0" anchor="ctr"/>
+          <a:lstStyle/>
+          <a:p>
+            <a:pPr algn="ctr"/>
+            <a:endParaRPr lang="en-US"/>
+          </a:p>
+        </p:txBody>
+      </p:sp>
+      <p:sp>
+        <p:nvSpPr>
+          <p:cNvPr id="122" name="Rectangle 121">
+            <a:extLst>
+              <a:ext uri="{FF2B5EF4-FFF2-40B4-BE49-F238E27FC236}">
+                <a16:creationId xmlns:a16="http://schemas.microsoft.com/office/drawing/2014/main" id="{E659831F-0D9A-4C63-9EBB-8435B85A440F}"/>
+              </a:ext>
+              <a:ext uri="{C183D7F6-B498-43B3-948B-1728B52AA6E4}">
+                <adec:decorative xmlns:adec="http://schemas.microsoft.com/office/drawing/2017/decorative" val="1"/>
+              </a:ext>
+            </a:extLst>
+          </p:cNvPr>
+          <p:cNvSpPr>
+            <a:spLocks noGrp="1" noRot="1" noChangeAspect="1" noMove="1" noResize="1" noEditPoints="1" noAdjustHandles="1" noChangeArrowheads="1" noChangeShapeType="1" noTextEdit="1"/>
+          </p:cNvSpPr>
+          <p:nvPr>
+            <p:extLst>
+              <p:ext uri="{386F3935-93C4-4BCD-93E2-E3B085C9AB24}">
+                <p16:designElem xmlns:p16="http://schemas.microsoft.com/office/powerpoint/2015/main" val="1"/>
+              </p:ext>
+            </p:extLst>
+          </p:nvPr>
+        </p:nvSpPr>
+        <p:spPr>
+          <a:xfrm>
+            <a:off x="0" y="2203079"/>
+            <a:ext cx="11383362" cy="4267991"/>
+          </a:xfrm>
+          <a:prstGeom prst="rect">
+            <a:avLst/>
+          </a:prstGeom>
+          <a:solidFill>
+            <a:schemeClr val="bg1"/>
+          </a:solidFill>
+          <a:ln>
+            <a:noFill/>
+          </a:ln>
+          <a:effectLst>
+            <a:outerShdw blurRad="139700" dist="127000" dir="5400000" algn="t" rotWithShape="0">
+              <a:prstClr val="black">
+                <a:alpha val="15000"/>
+              </a:prstClr>
+            </a:outerShdw>
+          </a:effectLst>
+        </p:spPr>
+        <p:style>
+          <a:lnRef idx="2">
+            <a:schemeClr val="accent1">
+              <a:shade val="50000"/>
+            </a:schemeClr>
+          </a:lnRef>
+          <a:fillRef idx="1">
+            <a:schemeClr val="accent1"/>
+          </a:fillRef>
+          <a:effectRef idx="0">
+            <a:schemeClr val="accent1"/>
+          </a:effectRef>
+          <a:fontRef idx="minor">
+            <a:schemeClr val="lt1"/>
+          </a:fontRef>
+        </p:style>
+        <p:txBody>
+          <a:bodyPr rtlCol="0" anchor="ctr"/>
+          <a:lstStyle/>
+          <a:p>
+            <a:pPr algn="ctr"/>
+            <a:endParaRPr lang="en-US"/>
+          </a:p>
+        </p:txBody>
+      </p:sp>
+      <p:sp>
+        <p:nvSpPr>
+          <p:cNvPr id="23" name="Content Placeholder 2">
+            <a:extLst>
+              <a:ext uri="{FF2B5EF4-FFF2-40B4-BE49-F238E27FC236}">
+                <a16:creationId xmlns:a16="http://schemas.microsoft.com/office/drawing/2014/main" id="{4B1BF822-078F-C54A-ECAC-56557437CE4F}"/>
+              </a:ext>
+            </a:extLst>
+          </p:cNvPr>
+          <p:cNvSpPr>
+            <a:spLocks noGrp="1"/>
+          </p:cNvSpPr>
+          <p:nvPr>
+            <p:ph idx="1"/>
+          </p:nvPr>
+        </p:nvSpPr>
+        <p:spPr>
+          <a:xfrm>
+            <a:off x="793662" y="2257732"/>
+            <a:ext cx="4530898" cy="3639450"/>
+          </a:xfrm>
+        </p:spPr>
+        <p:txBody>
+          <a:bodyPr anchor="ctr">
+            <a:normAutofit/>
+          </a:bodyPr>
+          <a:lstStyle/>
+          <a:p>
+            <a:pPr>
+              <a:buNone/>
+            </a:pPr>
+            <a:r>
+              <a:rPr lang="en-US" b="1" dirty="0"/>
+              <a:t>Key Insights:</a:t>
+            </a:r>
+            <a:endParaRPr lang="en-US" dirty="0"/>
+          </a:p>
+          <a:p>
+            <a:pPr>
+              <a:buFont typeface="Arial" panose="020B0604020202020204" pitchFamily="34" charset="0"/>
+              <a:buChar char="•"/>
+            </a:pPr>
+            <a:r>
+              <a:rPr lang="en-US" dirty="0"/>
+              <a:t>Having a </a:t>
+            </a:r>
+            <a:r>
+              <a:rPr lang="en-US" b="1" dirty="0"/>
+              <a:t>family history of Alzheimer’s</a:t>
+            </a:r>
+            <a:r>
+              <a:rPr lang="en-US" dirty="0"/>
+              <a:t> significantly increases the risk of developing the disease.</a:t>
+            </a:r>
+          </a:p>
+        </p:txBody>
+      </p:sp>
+      <p:pic>
+        <p:nvPicPr>
+          <p:cNvPr id="5" name="Picture 4">
+            <a:extLst>
+              <a:ext uri="{FF2B5EF4-FFF2-40B4-BE49-F238E27FC236}">
+                <a16:creationId xmlns:a16="http://schemas.microsoft.com/office/drawing/2014/main" id="{188390B1-F093-C7CE-E1C1-EE39AA487900}"/>
+              </a:ext>
+            </a:extLst>
+          </p:cNvPr>
+          <p:cNvPicPr>
+            <a:picLocks noChangeAspect="1"/>
+          </p:cNvPicPr>
+          <p:nvPr/>
+        </p:nvPicPr>
+        <p:blipFill>
+          <a:blip r:embed="rId2">
+            <a:extLst>
+              <a:ext uri="{28A0092B-C50C-407E-A947-70E740481C1C}">
+                <a14:useLocalDpi xmlns:a14="http://schemas.microsoft.com/office/drawing/2010/main" val="0"/>
+              </a:ext>
+            </a:extLst>
+          </a:blip>
+          <a:stretch>
+            <a:fillRect/>
+          </a:stretch>
+        </p:blipFill>
+        <p:spPr>
+          <a:xfrm>
+            <a:off x="5911532" y="2641785"/>
+            <a:ext cx="5150277" cy="3399183"/>
+          </a:xfrm>
+          <a:prstGeom prst="rect">
+            <a:avLst/>
+          </a:prstGeom>
+        </p:spPr>
+      </p:pic>
+      <p:sp>
+        <p:nvSpPr>
+          <p:cNvPr id="124" name="Rectangle 123">
+            <a:extLst>
+              <a:ext uri="{FF2B5EF4-FFF2-40B4-BE49-F238E27FC236}">
+                <a16:creationId xmlns:a16="http://schemas.microsoft.com/office/drawing/2014/main" id="{E6995CE5-F890-4ABA-82A2-26507CE8D2A3}"/>
+              </a:ext>
+              <a:ext uri="{C183D7F6-B498-43B3-948B-1728B52AA6E4}">
+                <adec:decorative xmlns:adec="http://schemas.microsoft.com/office/drawing/2017/decorative" val="1"/>
+              </a:ext>
+            </a:extLst>
+          </p:cNvPr>
+          <p:cNvSpPr>
+            <a:spLocks noGrp="1" noRot="1" noChangeAspect="1" noMove="1" noResize="1" noEditPoints="1" noAdjustHandles="1" noChangeArrowheads="1" noChangeShapeType="1" noTextEdit="1"/>
+          </p:cNvSpPr>
+          <p:nvPr>
+            <p:extLst>
+              <p:ext uri="{386F3935-93C4-4BCD-93E2-E3B085C9AB24}">
+                <p16:designElem xmlns:p16="http://schemas.microsoft.com/office/powerpoint/2015/main" val="1"/>
+              </p:ext>
+            </p:extLst>
+          </p:nvPr>
+        </p:nvSpPr>
+        <p:spPr>
+          <a:xfrm rot="5400000">
+            <a:off x="11228040" y="2313027"/>
+            <a:ext cx="781700" cy="152382"/>
+          </a:xfrm>
+          <a:prstGeom prst="rect">
+            <a:avLst/>
+          </a:prstGeom>
+          <a:solidFill>
+            <a:schemeClr val="accent4"/>
+          </a:solidFill>
+          <a:ln>
+            <a:noFill/>
+          </a:ln>
+        </p:spPr>
+        <p:style>
+          <a:lnRef idx="2">
+            <a:schemeClr val="accent1">
+              <a:shade val="50000"/>
+            </a:schemeClr>
+          </a:lnRef>
+          <a:fillRef idx="1">
+            <a:schemeClr val="accent1"/>
+          </a:fillRef>
+          <a:effectRef idx="0">
+            <a:schemeClr val="accent1"/>
+          </a:effectRef>
+          <a:fontRef idx="minor">
+            <a:schemeClr val="lt1"/>
+          </a:fontRef>
+        </p:style>
+        <p:txBody>
+          <a:bodyPr rtlCol="0" anchor="ctr"/>
+          <a:lstStyle/>
+          <a:p>
+            <a:pPr algn="ctr"/>
+            <a:endParaRPr lang="en-US"/>
+          </a:p>
+        </p:txBody>
+      </p:sp>
+    </p:spTree>
+    <p:extLst>
+      <p:ext uri="{BB962C8B-B14F-4D97-AF65-F5344CB8AC3E}">
+        <p14:creationId xmlns:p14="http://schemas.microsoft.com/office/powerpoint/2010/main" val="450189708"/>
       </p:ext>
     </p:extLst>
   </p:cSld>

--- a/presentation.pptx
+++ b/presentation.pptx
@@ -16,6 +16,8 @@
     <p:sldId id="265" r:id="rId10"/>
     <p:sldId id="266" r:id="rId11"/>
     <p:sldId id="268" r:id="rId12"/>
+    <p:sldId id="269" r:id="rId13"/>
+    <p:sldId id="270" r:id="rId14"/>
   </p:sldIdLst>
   <p:sldSz cx="12192000" cy="6858000"/>
   <p:notesSz cx="6858000" cy="9144000"/>
@@ -123,11 +125,11 @@
 </file>
 
 <file path=ppt/diagrams/colors1.xml><?xml version="1.0" encoding="utf-8"?>
-<dgm:colorsDef xmlns:dgm="http://schemas.openxmlformats.org/drawingml/2006/diagram" xmlns:a="http://schemas.openxmlformats.org/drawingml/2006/main" uniqueId="urn:microsoft.com/office/officeart/2018/5/colors/Iconchunking_neutralbg_accent1_2">
+<dgm:colorsDef xmlns:dgm="http://schemas.openxmlformats.org/drawingml/2006/diagram" xmlns:a="http://schemas.openxmlformats.org/drawingml/2006/main" uniqueId="urn:microsoft.com/office/officeart/2018/5/colors/Iconchunking_neutralbg_colorful1">
   <dgm:title val=""/>
   <dgm:desc val=""/>
   <dgm:catLst>
-    <dgm:cat type="accent1" pri="11200"/>
+    <dgm:cat type="colorful" pri="10100"/>
   </dgm:catLst>
   <dgm:styleLbl name="node0">
     <dgm:fillClrLst meth="repeat">
@@ -141,21 +143,13 @@
     <dgm:txFillClrLst/>
     <dgm:txEffectClrLst/>
   </dgm:styleLbl>
-  <dgm:styleLbl name="alignNode1">
-    <dgm:fillClrLst meth="repeat">
-      <a:schemeClr val="accent1"/>
-    </dgm:fillClrLst>
-    <dgm:linClrLst meth="repeat">
-      <a:schemeClr val="accent1"/>
-    </dgm:linClrLst>
-    <dgm:effectClrLst/>
-    <dgm:txLinClrLst/>
-    <dgm:txFillClrLst/>
-    <dgm:txEffectClrLst/>
-  </dgm:styleLbl>
   <dgm:styleLbl name="node1">
     <dgm:fillClrLst meth="repeat">
-      <a:schemeClr val="accent1"/>
+      <a:schemeClr val="accent2"/>
+      <a:schemeClr val="accent3"/>
+      <a:schemeClr val="accent4"/>
+      <a:schemeClr val="accent5"/>
+      <a:schemeClr val="accent6"/>
     </dgm:fillClrLst>
     <dgm:linClrLst meth="repeat">
       <a:schemeClr val="lt1">
@@ -167,9 +161,33 @@
     <dgm:txFillClrLst/>
     <dgm:txEffectClrLst/>
   </dgm:styleLbl>
+  <dgm:styleLbl name="alignNode1">
+    <dgm:fillClrLst meth="repeat">
+      <a:schemeClr val="accent2"/>
+      <a:schemeClr val="accent3"/>
+      <a:schemeClr val="accent4"/>
+      <a:schemeClr val="accent5"/>
+      <a:schemeClr val="accent6"/>
+    </dgm:fillClrLst>
+    <dgm:linClrLst meth="repeat">
+      <a:schemeClr val="accent2"/>
+      <a:schemeClr val="accent3"/>
+      <a:schemeClr val="accent4"/>
+      <a:schemeClr val="accent5"/>
+      <a:schemeClr val="accent6"/>
+    </dgm:linClrLst>
+    <dgm:effectClrLst/>
+    <dgm:txLinClrLst/>
+    <dgm:txFillClrLst/>
+    <dgm:txEffectClrLst/>
+  </dgm:styleLbl>
   <dgm:styleLbl name="lnNode1">
     <dgm:fillClrLst meth="repeat">
-      <a:schemeClr val="accent1"/>
+      <a:schemeClr val="accent2"/>
+      <a:schemeClr val="accent3"/>
+      <a:schemeClr val="accent4"/>
+      <a:schemeClr val="accent5"/>
+      <a:schemeClr val="accent6"/>
     </dgm:fillClrLst>
     <dgm:linClrLst meth="repeat">
       <a:schemeClr val="lt1"/>
@@ -181,7 +199,19 @@
   </dgm:styleLbl>
   <dgm:styleLbl name="vennNode1">
     <dgm:fillClrLst meth="repeat">
-      <a:schemeClr val="accent1">
+      <a:schemeClr val="accent2">
+        <a:alpha val="50000"/>
+      </a:schemeClr>
+      <a:schemeClr val="accent3">
+        <a:alpha val="50000"/>
+      </a:schemeClr>
+      <a:schemeClr val="accent4">
+        <a:alpha val="50000"/>
+      </a:schemeClr>
+      <a:schemeClr val="accent5">
+        <a:alpha val="50000"/>
+      </a:schemeClr>
+      <a:schemeClr val="accent6">
         <a:alpha val="50000"/>
       </a:schemeClr>
     </dgm:fillClrLst>
@@ -194,8 +224,8 @@
     <dgm:txEffectClrLst/>
   </dgm:styleLbl>
   <dgm:styleLbl name="node2">
-    <dgm:fillClrLst meth="repeat">
-      <a:schemeClr val="accent1"/>
+    <dgm:fillClrLst>
+      <a:schemeClr val="accent2"/>
     </dgm:fillClrLst>
     <dgm:linClrLst meth="repeat">
       <a:schemeClr val="lt1"/>
@@ -206,8 +236,8 @@
     <dgm:txEffectClrLst/>
   </dgm:styleLbl>
   <dgm:styleLbl name="node3">
-    <dgm:fillClrLst meth="repeat">
-      <a:schemeClr val="accent1"/>
+    <dgm:fillClrLst>
+      <a:schemeClr val="accent3"/>
     </dgm:fillClrLst>
     <dgm:linClrLst meth="repeat">
       <a:schemeClr val="lt1"/>
@@ -218,8 +248,8 @@
     <dgm:txEffectClrLst/>
   </dgm:styleLbl>
   <dgm:styleLbl name="node4">
-    <dgm:fillClrLst meth="repeat">
-      <a:schemeClr val="accent1"/>
+    <dgm:fillClrLst>
+      <a:schemeClr val="accent4"/>
     </dgm:fillClrLst>
     <dgm:linClrLst meth="repeat">
       <a:schemeClr val="lt1"/>
@@ -231,7 +261,19 @@
   </dgm:styleLbl>
   <dgm:styleLbl name="fgImgPlace1">
     <dgm:fillClrLst meth="repeat">
-      <a:schemeClr val="accent1">
+      <a:schemeClr val="accent2">
+        <a:tint val="50000"/>
+      </a:schemeClr>
+      <a:schemeClr val="accent3">
+        <a:tint val="50000"/>
+      </a:schemeClr>
+      <a:schemeClr val="accent4">
+        <a:tint val="50000"/>
+      </a:schemeClr>
+      <a:schemeClr val="accent5">
+        <a:tint val="50000"/>
+      </a:schemeClr>
+      <a:schemeClr val="accent6">
         <a:tint val="50000"/>
       </a:schemeClr>
     </dgm:fillClrLst>
@@ -246,9 +288,12 @@
     <dgm:txEffectClrLst/>
   </dgm:styleLbl>
   <dgm:styleLbl name="alignImgPlace1">
-    <dgm:fillClrLst meth="repeat">
+    <dgm:fillClrLst>
       <a:schemeClr val="accent1">
         <a:tint val="50000"/>
+      </a:schemeClr>
+      <a:schemeClr val="accent2">
+        <a:tint val="20000"/>
       </a:schemeClr>
     </dgm:fillClrLst>
     <dgm:linClrLst meth="repeat">
@@ -262,9 +307,12 @@
     <dgm:txEffectClrLst/>
   </dgm:styleLbl>
   <dgm:styleLbl name="bgImgPlace1">
-    <dgm:fillClrLst meth="repeat">
+    <dgm:fillClrLst>
       <a:schemeClr val="accent1">
         <a:tint val="50000"/>
+      </a:schemeClr>
+      <a:schemeClr val="accent2">
+        <a:tint val="20000"/>
       </a:schemeClr>
     </dgm:fillClrLst>
     <dgm:linClrLst meth="repeat">
@@ -279,14 +327,14 @@
   </dgm:styleLbl>
   <dgm:styleLbl name="sibTrans2D1">
     <dgm:fillClrLst meth="repeat">
-      <a:schemeClr val="accent1">
-        <a:tint val="60000"/>
-      </a:schemeClr>
+      <a:schemeClr val="accent2"/>
+      <a:schemeClr val="accent3"/>
+      <a:schemeClr val="accent4"/>
+      <a:schemeClr val="accent5"/>
+      <a:schemeClr val="accent6"/>
     </dgm:fillClrLst>
-    <dgm:linClrLst meth="repeat">
-      <a:schemeClr val="accent1">
-        <a:tint val="60000"/>
-      </a:schemeClr>
+    <dgm:linClrLst meth="cycle">
+      <a:schemeClr val="lt1"/>
     </dgm:linClrLst>
     <dgm:effectClrLst/>
     <dgm:txLinClrLst/>
@@ -295,42 +343,54 @@
   </dgm:styleLbl>
   <dgm:styleLbl name="fgSibTrans2D1">
     <dgm:fillClrLst meth="repeat">
-      <a:schemeClr val="accent1">
-        <a:tint val="60000"/>
-      </a:schemeClr>
+      <a:schemeClr val="accent2"/>
+      <a:schemeClr val="accent3"/>
+      <a:schemeClr val="accent4"/>
+      <a:schemeClr val="accent5"/>
+      <a:schemeClr val="accent6"/>
     </dgm:fillClrLst>
-    <dgm:linClrLst meth="repeat">
-      <a:schemeClr val="accent1">
-        <a:tint val="60000"/>
-      </a:schemeClr>
+    <dgm:linClrLst meth="cycle">
+      <a:schemeClr val="lt1"/>
     </dgm:linClrLst>
     <dgm:effectClrLst/>
     <dgm:txLinClrLst/>
-    <dgm:txFillClrLst/>
+    <dgm:txFillClrLst meth="repeat">
+      <a:schemeClr val="lt1"/>
+    </dgm:txFillClrLst>
     <dgm:txEffectClrLst/>
   </dgm:styleLbl>
   <dgm:styleLbl name="bgSibTrans2D1">
     <dgm:fillClrLst meth="repeat">
-      <a:schemeClr val="accent1">
-        <a:tint val="60000"/>
-      </a:schemeClr>
+      <a:schemeClr val="accent2"/>
+      <a:schemeClr val="accent3"/>
+      <a:schemeClr val="accent4"/>
+      <a:schemeClr val="accent5"/>
+      <a:schemeClr val="accent6"/>
     </dgm:fillClrLst>
-    <dgm:linClrLst meth="repeat">
-      <a:schemeClr val="accent1">
-        <a:tint val="60000"/>
-      </a:schemeClr>
+    <dgm:linClrLst meth="cycle">
+      <a:schemeClr val="lt1"/>
     </dgm:linClrLst>
     <dgm:effectClrLst/>
     <dgm:txLinClrLst/>
-    <dgm:txFillClrLst/>
+    <dgm:txFillClrLst meth="repeat">
+      <a:schemeClr val="lt1"/>
+    </dgm:txFillClrLst>
     <dgm:txEffectClrLst/>
   </dgm:styleLbl>
   <dgm:styleLbl name="sibTrans1D1">
     <dgm:fillClrLst meth="repeat">
-      <a:schemeClr val="accent1"/>
+      <a:schemeClr val="accent2"/>
+      <a:schemeClr val="accent3"/>
+      <a:schemeClr val="accent4"/>
+      <a:schemeClr val="accent5"/>
+      <a:schemeClr val="accent6"/>
     </dgm:fillClrLst>
     <dgm:linClrLst meth="repeat">
-      <a:schemeClr val="accent1"/>
+      <a:schemeClr val="accent2"/>
+      <a:schemeClr val="accent3"/>
+      <a:schemeClr val="accent4"/>
+      <a:schemeClr val="accent5"/>
+      <a:schemeClr val="accent6"/>
     </dgm:linClrLst>
     <dgm:effectClrLst/>
     <dgm:txLinClrLst/>
@@ -341,10 +401,10 @@
   </dgm:styleLbl>
   <dgm:styleLbl name="callout">
     <dgm:fillClrLst meth="repeat">
-      <a:schemeClr val="accent1"/>
+      <a:schemeClr val="accent2"/>
     </dgm:fillClrLst>
     <dgm:linClrLst meth="repeat">
-      <a:schemeClr val="accent1">
+      <a:schemeClr val="accent2">
         <a:tint val="50000"/>
       </a:schemeClr>
     </dgm:linClrLst>
@@ -369,7 +429,7 @@
   </dgm:styleLbl>
   <dgm:styleLbl name="asst1">
     <dgm:fillClrLst meth="repeat">
-      <a:schemeClr val="accent1"/>
+      <a:schemeClr val="accent2"/>
     </dgm:fillClrLst>
     <dgm:linClrLst meth="repeat">
       <a:schemeClr val="lt1"/>
@@ -380,8 +440,8 @@
     <dgm:txEffectClrLst/>
   </dgm:styleLbl>
   <dgm:styleLbl name="asst2">
-    <dgm:fillClrLst meth="repeat">
-      <a:schemeClr val="accent1"/>
+    <dgm:fillClrLst>
+      <a:schemeClr val="accent3"/>
     </dgm:fillClrLst>
     <dgm:linClrLst meth="repeat">
       <a:schemeClr val="lt1"/>
@@ -392,8 +452,8 @@
     <dgm:txEffectClrLst/>
   </dgm:styleLbl>
   <dgm:styleLbl name="asst3">
-    <dgm:fillClrLst meth="repeat">
-      <a:schemeClr val="accent1"/>
+    <dgm:fillClrLst>
+      <a:schemeClr val="accent4"/>
     </dgm:fillClrLst>
     <dgm:linClrLst meth="repeat">
       <a:schemeClr val="lt1"/>
@@ -404,8 +464,8 @@
     <dgm:txEffectClrLst/>
   </dgm:styleLbl>
   <dgm:styleLbl name="asst4">
-    <dgm:fillClrLst meth="repeat">
-      <a:schemeClr val="accent1"/>
+    <dgm:fillClrLst>
+      <a:schemeClr val="accent5"/>
     </dgm:fillClrLst>
     <dgm:linClrLst meth="repeat">
       <a:schemeClr val="lt1"/>
@@ -417,14 +477,10 @@
   </dgm:styleLbl>
   <dgm:styleLbl name="parChTrans2D1">
     <dgm:fillClrLst meth="repeat">
-      <a:schemeClr val="accent1">
-        <a:tint val="60000"/>
-      </a:schemeClr>
+      <a:schemeClr val="accent2"/>
     </dgm:fillClrLst>
     <dgm:linClrLst meth="repeat">
-      <a:schemeClr val="accent1">
-        <a:tint val="60000"/>
-      </a:schemeClr>
+      <a:schemeClr val="lt1"/>
     </dgm:linClrLst>
     <dgm:effectClrLst/>
     <dgm:txLinClrLst/>
@@ -435,7 +491,45 @@
   </dgm:styleLbl>
   <dgm:styleLbl name="parChTrans2D2">
     <dgm:fillClrLst meth="repeat">
-      <a:schemeClr val="accent1"/>
+      <a:schemeClr val="accent3"/>
+    </dgm:fillClrLst>
+    <dgm:linClrLst meth="repeat">
+      <a:schemeClr val="lt1"/>
+    </dgm:linClrLst>
+    <dgm:effectClrLst/>
+    <dgm:txLinClrLst/>
+    <dgm:txFillClrLst/>
+    <dgm:txEffectClrLst/>
+  </dgm:styleLbl>
+  <dgm:styleLbl name="parChTrans2D3">
+    <dgm:fillClrLst meth="repeat">
+      <a:schemeClr val="accent4"/>
+    </dgm:fillClrLst>
+    <dgm:linClrLst meth="repeat">
+      <a:schemeClr val="lt1"/>
+    </dgm:linClrLst>
+    <dgm:effectClrLst/>
+    <dgm:txLinClrLst/>
+    <dgm:txFillClrLst/>
+    <dgm:txEffectClrLst/>
+  </dgm:styleLbl>
+  <dgm:styleLbl name="parChTrans2D4">
+    <dgm:fillClrLst meth="repeat">
+      <a:schemeClr val="accent5"/>
+    </dgm:fillClrLst>
+    <dgm:linClrLst meth="repeat">
+      <a:schemeClr val="lt1"/>
+    </dgm:linClrLst>
+    <dgm:effectClrLst/>
+    <dgm:txLinClrLst/>
+    <dgm:txFillClrLst meth="repeat">
+      <a:schemeClr val="lt1"/>
+    </dgm:txFillClrLst>
+    <dgm:txEffectClrLst/>
+  </dgm:styleLbl>
+  <dgm:styleLbl name="parChTrans1D1">
+    <dgm:fillClrLst meth="repeat">
+      <a:schemeClr val="accent2"/>
     </dgm:fillClrLst>
     <dgm:linClrLst meth="repeat">
       <a:schemeClr val="accent1"/>
@@ -443,46 +537,18 @@
     <dgm:effectClrLst/>
     <dgm:txLinClrLst/>
     <dgm:txFillClrLst meth="repeat">
-      <a:schemeClr val="lt1"/>
+      <a:schemeClr val="tx1"/>
     </dgm:txFillClrLst>
     <dgm:txEffectClrLst/>
   </dgm:styleLbl>
-  <dgm:styleLbl name="parChTrans2D3">
+  <dgm:styleLbl name="parChTrans1D2">
     <dgm:fillClrLst meth="repeat">
-      <a:schemeClr val="accent1"/>
+      <a:schemeClr val="accent3">
+        <a:tint val="90000"/>
+      </a:schemeClr>
     </dgm:fillClrLst>
     <dgm:linClrLst meth="repeat">
-      <a:schemeClr val="accent1"/>
-    </dgm:linClrLst>
-    <dgm:effectClrLst/>
-    <dgm:txLinClrLst/>
-    <dgm:txFillClrLst meth="repeat">
-      <a:schemeClr val="lt1"/>
-    </dgm:txFillClrLst>
-    <dgm:txEffectClrLst/>
-  </dgm:styleLbl>
-  <dgm:styleLbl name="parChTrans2D4">
-    <dgm:fillClrLst meth="repeat">
-      <a:schemeClr val="accent1"/>
-    </dgm:fillClrLst>
-    <dgm:linClrLst meth="repeat">
-      <a:schemeClr val="accent1"/>
-    </dgm:linClrLst>
-    <dgm:effectClrLst/>
-    <dgm:txLinClrLst/>
-    <dgm:txFillClrLst meth="repeat">
-      <a:schemeClr val="lt1"/>
-    </dgm:txFillClrLst>
-    <dgm:txEffectClrLst/>
-  </dgm:styleLbl>
-  <dgm:styleLbl name="parChTrans1D1">
-    <dgm:fillClrLst meth="repeat">
-      <a:schemeClr val="accent1"/>
-    </dgm:fillClrLst>
-    <dgm:linClrLst meth="repeat">
-      <a:schemeClr val="accent1">
-        <a:shade val="60000"/>
-      </a:schemeClr>
+      <a:schemeClr val="accent2"/>
     </dgm:linClrLst>
     <dgm:effectClrLst/>
     <dgm:txLinClrLst/>
@@ -491,14 +557,14 @@
     </dgm:txFillClrLst>
     <dgm:txEffectClrLst/>
   </dgm:styleLbl>
-  <dgm:styleLbl name="parChTrans1D2">
+  <dgm:styleLbl name="parChTrans1D3">
     <dgm:fillClrLst meth="repeat">
-      <a:schemeClr val="accent1"/>
+      <a:schemeClr val="accent4">
+        <a:tint val="70000"/>
+      </a:schemeClr>
     </dgm:fillClrLst>
     <dgm:linClrLst meth="repeat">
-      <a:schemeClr val="accent1">
-        <a:shade val="60000"/>
-      </a:schemeClr>
+      <a:schemeClr val="accent3"/>
     </dgm:linClrLst>
     <dgm:effectClrLst/>
     <dgm:txLinClrLst/>
@@ -507,14 +573,14 @@
     </dgm:txFillClrLst>
     <dgm:txEffectClrLst/>
   </dgm:styleLbl>
-  <dgm:styleLbl name="parChTrans1D3">
+  <dgm:styleLbl name="parChTrans1D4">
     <dgm:fillClrLst meth="repeat">
-      <a:schemeClr val="accent1"/>
+      <a:schemeClr val="accent5">
+        <a:tint val="50000"/>
+      </a:schemeClr>
     </dgm:fillClrLst>
     <dgm:linClrLst meth="repeat">
-      <a:schemeClr val="accent1">
-        <a:shade val="80000"/>
-      </a:schemeClr>
+      <a:schemeClr val="accent4"/>
     </dgm:linClrLst>
     <dgm:effectClrLst/>
     <dgm:txLinClrLst/>
@@ -523,22 +589,6 @@
     </dgm:txFillClrLst>
     <dgm:txEffectClrLst/>
   </dgm:styleLbl>
-  <dgm:styleLbl name="parChTrans1D4">
-    <dgm:fillClrLst meth="repeat">
-      <a:schemeClr val="accent1"/>
-    </dgm:fillClrLst>
-    <dgm:linClrLst meth="repeat">
-      <a:schemeClr val="accent1">
-        <a:shade val="80000"/>
-      </a:schemeClr>
-    </dgm:linClrLst>
-    <dgm:effectClrLst/>
-    <dgm:txLinClrLst/>
-    <dgm:txFillClrLst meth="repeat">
-      <a:schemeClr val="tx1"/>
-    </dgm:txFillClrLst>
-    <dgm:txEffectClrLst/>
-  </dgm:styleLbl>
   <dgm:styleLbl name="fgAcc1">
     <dgm:fillClrLst meth="repeat">
       <a:schemeClr val="lt1">
@@ -546,7 +596,11 @@
       </a:schemeClr>
     </dgm:fillClrLst>
     <dgm:linClrLst meth="repeat">
-      <a:schemeClr val="accent1"/>
+      <a:schemeClr val="accent2"/>
+      <a:schemeClr val="accent3"/>
+      <a:schemeClr val="accent4"/>
+      <a:schemeClr val="accent5"/>
+      <a:schemeClr val="accent6"/>
     </dgm:linClrLst>
     <dgm:effectClrLst/>
     <dgm:txLinClrLst/>
@@ -562,7 +616,11 @@
       </a:schemeClr>
     </dgm:fillClrLst>
     <dgm:linClrLst meth="repeat">
-      <a:schemeClr val="accent1"/>
+      <a:schemeClr val="accent2"/>
+      <a:schemeClr val="accent3"/>
+      <a:schemeClr val="accent4"/>
+      <a:schemeClr val="accent5"/>
+      <a:schemeClr val="accent6"/>
     </dgm:linClrLst>
     <dgm:effectClrLst/>
     <dgm:txLinClrLst/>
@@ -578,7 +636,11 @@
       </a:schemeClr>
     </dgm:fillClrLst>
     <dgm:linClrLst meth="repeat">
-      <a:schemeClr val="accent1"/>
+      <a:schemeClr val="accent2"/>
+      <a:schemeClr val="accent3"/>
+      <a:schemeClr val="accent4"/>
+      <a:schemeClr val="accent5"/>
+      <a:schemeClr val="accent6"/>
     </dgm:linClrLst>
     <dgm:effectClrLst/>
     <dgm:txLinClrLst/>
@@ -610,6 +672,236 @@
       </a:schemeClr>
     </dgm:fillClrLst>
     <dgm:linClrLst meth="repeat">
+      <a:schemeClr val="accent2"/>
+      <a:schemeClr val="accent3"/>
+      <a:schemeClr val="accent4"/>
+      <a:schemeClr val="accent5"/>
+      <a:schemeClr val="accent6"/>
+    </dgm:linClrLst>
+    <dgm:effectClrLst/>
+    <dgm:txLinClrLst/>
+    <dgm:txFillClrLst meth="repeat">
+      <a:schemeClr val="dk1"/>
+    </dgm:txFillClrLst>
+    <dgm:txEffectClrLst/>
+  </dgm:styleLbl>
+  <dgm:styleLbl name="solidFgAcc1">
+    <dgm:fillClrLst meth="repeat">
+      <a:schemeClr val="lt1"/>
+    </dgm:fillClrLst>
+    <dgm:linClrLst meth="repeat">
+      <a:schemeClr val="accent2"/>
+      <a:schemeClr val="accent3"/>
+      <a:schemeClr val="accent4"/>
+      <a:schemeClr val="accent5"/>
+      <a:schemeClr val="accent6"/>
+    </dgm:linClrLst>
+    <dgm:effectClrLst/>
+    <dgm:txLinClrLst/>
+    <dgm:txFillClrLst meth="repeat">
+      <a:schemeClr val="dk1"/>
+    </dgm:txFillClrLst>
+    <dgm:txEffectClrLst/>
+  </dgm:styleLbl>
+  <dgm:styleLbl name="solidAlignAcc1">
+    <dgm:fillClrLst meth="repeat">
+      <a:schemeClr val="lt1"/>
+    </dgm:fillClrLst>
+    <dgm:linClrLst meth="repeat">
+      <a:schemeClr val="accent2"/>
+      <a:schemeClr val="accent3"/>
+      <a:schemeClr val="accent4"/>
+      <a:schemeClr val="accent5"/>
+      <a:schemeClr val="accent6"/>
+    </dgm:linClrLst>
+    <dgm:effectClrLst/>
+    <dgm:txLinClrLst/>
+    <dgm:txFillClrLst meth="repeat">
+      <a:schemeClr val="dk1"/>
+    </dgm:txFillClrLst>
+    <dgm:txEffectClrLst/>
+  </dgm:styleLbl>
+  <dgm:styleLbl name="solidBgAcc1">
+    <dgm:fillClrLst meth="repeat">
+      <a:schemeClr val="lt1"/>
+    </dgm:fillClrLst>
+    <dgm:linClrLst meth="repeat">
+      <a:schemeClr val="accent2"/>
+      <a:schemeClr val="accent3"/>
+      <a:schemeClr val="accent4"/>
+      <a:schemeClr val="accent5"/>
+      <a:schemeClr val="accent6"/>
+    </dgm:linClrLst>
+    <dgm:effectClrLst/>
+    <dgm:txLinClrLst/>
+    <dgm:txFillClrLst meth="repeat">
+      <a:schemeClr val="dk1"/>
+    </dgm:txFillClrLst>
+    <dgm:txEffectClrLst/>
+  </dgm:styleLbl>
+  <dgm:styleLbl name="fgAccFollowNode1">
+    <dgm:fillClrLst meth="repeat">
+      <a:schemeClr val="accent2">
+        <a:tint val="40000"/>
+        <a:alpha val="90000"/>
+      </a:schemeClr>
+      <a:schemeClr val="accent3">
+        <a:tint val="40000"/>
+        <a:alpha val="90000"/>
+      </a:schemeClr>
+      <a:schemeClr val="accent4">
+        <a:tint val="40000"/>
+        <a:alpha val="90000"/>
+      </a:schemeClr>
+      <a:schemeClr val="accent5">
+        <a:tint val="40000"/>
+        <a:alpha val="90000"/>
+      </a:schemeClr>
+      <a:schemeClr val="accent6">
+        <a:tint val="40000"/>
+        <a:alpha val="90000"/>
+      </a:schemeClr>
+    </dgm:fillClrLst>
+    <dgm:linClrLst meth="repeat">
+      <a:schemeClr val="accent2">
+        <a:tint val="40000"/>
+        <a:alpha val="90000"/>
+      </a:schemeClr>
+      <a:schemeClr val="accent3">
+        <a:tint val="40000"/>
+        <a:alpha val="90000"/>
+      </a:schemeClr>
+      <a:schemeClr val="accent4">
+        <a:tint val="40000"/>
+        <a:alpha val="90000"/>
+      </a:schemeClr>
+      <a:schemeClr val="accent5">
+        <a:tint val="40000"/>
+        <a:alpha val="90000"/>
+      </a:schemeClr>
+      <a:schemeClr val="accent6">
+        <a:tint val="40000"/>
+        <a:alpha val="90000"/>
+      </a:schemeClr>
+    </dgm:linClrLst>
+    <dgm:effectClrLst/>
+    <dgm:txLinClrLst/>
+    <dgm:txFillClrLst meth="repeat">
+      <a:schemeClr val="dk1"/>
+    </dgm:txFillClrLst>
+    <dgm:txEffectClrLst/>
+  </dgm:styleLbl>
+  <dgm:styleLbl name="alignAccFollowNode1">
+    <dgm:fillClrLst meth="repeat">
+      <a:schemeClr val="accent2">
+        <a:tint val="40000"/>
+        <a:alpha val="90000"/>
+      </a:schemeClr>
+      <a:schemeClr val="accent3">
+        <a:tint val="40000"/>
+        <a:alpha val="90000"/>
+      </a:schemeClr>
+      <a:schemeClr val="accent4">
+        <a:tint val="40000"/>
+        <a:alpha val="90000"/>
+      </a:schemeClr>
+      <a:schemeClr val="accent5">
+        <a:tint val="40000"/>
+        <a:alpha val="90000"/>
+      </a:schemeClr>
+      <a:schemeClr val="accent6">
+        <a:tint val="40000"/>
+        <a:alpha val="90000"/>
+      </a:schemeClr>
+    </dgm:fillClrLst>
+    <dgm:linClrLst meth="repeat">
+      <a:schemeClr val="accent2">
+        <a:tint val="40000"/>
+        <a:alpha val="90000"/>
+      </a:schemeClr>
+      <a:schemeClr val="accent3">
+        <a:tint val="40000"/>
+        <a:alpha val="90000"/>
+      </a:schemeClr>
+      <a:schemeClr val="accent4">
+        <a:tint val="40000"/>
+        <a:alpha val="90000"/>
+      </a:schemeClr>
+      <a:schemeClr val="accent5">
+        <a:tint val="40000"/>
+        <a:alpha val="90000"/>
+      </a:schemeClr>
+      <a:schemeClr val="accent6">
+        <a:tint val="40000"/>
+        <a:alpha val="90000"/>
+      </a:schemeClr>
+    </dgm:linClrLst>
+    <dgm:effectClrLst/>
+    <dgm:txLinClrLst/>
+    <dgm:txFillClrLst meth="repeat">
+      <a:schemeClr val="dk1"/>
+    </dgm:txFillClrLst>
+    <dgm:txEffectClrLst/>
+  </dgm:styleLbl>
+  <dgm:styleLbl name="bgAccFollowNode1">
+    <dgm:fillClrLst meth="repeat">
+      <a:schemeClr val="accent2">
+        <a:tint val="40000"/>
+        <a:alpha val="90000"/>
+      </a:schemeClr>
+      <a:schemeClr val="accent3">
+        <a:tint val="40000"/>
+        <a:alpha val="90000"/>
+      </a:schemeClr>
+      <a:schemeClr val="accent4">
+        <a:tint val="40000"/>
+        <a:alpha val="90000"/>
+      </a:schemeClr>
+      <a:schemeClr val="accent5">
+        <a:tint val="40000"/>
+        <a:alpha val="90000"/>
+      </a:schemeClr>
+      <a:schemeClr val="accent6">
+        <a:tint val="40000"/>
+        <a:alpha val="90000"/>
+      </a:schemeClr>
+    </dgm:fillClrLst>
+    <dgm:linClrLst meth="repeat">
+      <a:schemeClr val="accent2">
+        <a:tint val="40000"/>
+        <a:alpha val="90000"/>
+      </a:schemeClr>
+      <a:schemeClr val="accent3">
+        <a:tint val="40000"/>
+        <a:alpha val="90000"/>
+      </a:schemeClr>
+      <a:schemeClr val="accent4">
+        <a:tint val="40000"/>
+        <a:alpha val="90000"/>
+      </a:schemeClr>
+      <a:schemeClr val="accent5">
+        <a:tint val="40000"/>
+        <a:alpha val="90000"/>
+      </a:schemeClr>
+      <a:schemeClr val="accent6">
+        <a:tint val="40000"/>
+        <a:alpha val="90000"/>
+      </a:schemeClr>
+    </dgm:linClrLst>
+    <dgm:effectClrLst/>
+    <dgm:txLinClrLst/>
+    <dgm:txFillClrLst meth="repeat">
+      <a:schemeClr val="dk1"/>
+    </dgm:txFillClrLst>
+    <dgm:txEffectClrLst/>
+  </dgm:styleLbl>
+  <dgm:styleLbl name="fgAcc0">
+    <dgm:fillClrLst meth="repeat">
+      <a:schemeClr val="lt1">
+        <a:alpha val="90000"/>
+      </a:schemeClr>
+    </dgm:fillClrLst>
+    <dgm:linClrLst>
       <a:schemeClr val="accent1"/>
     </dgm:linClrLst>
     <dgm:effectClrLst/>
@@ -619,12 +911,14 @@
     </dgm:txFillClrLst>
     <dgm:txEffectClrLst/>
   </dgm:styleLbl>
-  <dgm:styleLbl name="solidFgAcc1">
+  <dgm:styleLbl name="fgAcc2">
     <dgm:fillClrLst meth="repeat">
-      <a:schemeClr val="lt1"/>
+      <a:schemeClr val="lt1">
+        <a:alpha val="90000"/>
+      </a:schemeClr>
     </dgm:fillClrLst>
-    <dgm:linClrLst meth="repeat">
-      <a:schemeClr val="accent1"/>
+    <dgm:linClrLst>
+      <a:schemeClr val="accent2"/>
     </dgm:linClrLst>
     <dgm:effectClrLst/>
     <dgm:txLinClrLst/>
@@ -633,12 +927,14 @@
     </dgm:txFillClrLst>
     <dgm:txEffectClrLst/>
   </dgm:styleLbl>
-  <dgm:styleLbl name="solidAlignAcc1">
+  <dgm:styleLbl name="fgAcc3">
     <dgm:fillClrLst meth="repeat">
-      <a:schemeClr val="lt1"/>
+      <a:schemeClr val="lt1">
+        <a:alpha val="90000"/>
+      </a:schemeClr>
     </dgm:fillClrLst>
-    <dgm:linClrLst meth="repeat">
-      <a:schemeClr val="accent1"/>
+    <dgm:linClrLst>
+      <a:schemeClr val="accent3"/>
     </dgm:linClrLst>
     <dgm:effectClrLst/>
     <dgm:txLinClrLst/>
@@ -647,12 +943,14 @@
     </dgm:txFillClrLst>
     <dgm:txEffectClrLst/>
   </dgm:styleLbl>
-  <dgm:styleLbl name="solidBgAcc1">
+  <dgm:styleLbl name="fgAcc4">
     <dgm:fillClrLst meth="repeat">
-      <a:schemeClr val="lt1"/>
+      <a:schemeClr val="lt1">
+        <a:alpha val="90000"/>
+      </a:schemeClr>
     </dgm:fillClrLst>
-    <dgm:linClrLst meth="repeat">
-      <a:schemeClr val="accent1"/>
+    <dgm:linClrLst>
+      <a:schemeClr val="accent4"/>
     </dgm:linClrLst>
     <dgm:effectClrLst/>
     <dgm:txLinClrLst/>
@@ -661,18 +959,14 @@
     </dgm:txFillClrLst>
     <dgm:txEffectClrLst/>
   </dgm:styleLbl>
-  <dgm:styleLbl name="fgAccFollowNode1">
+  <dgm:styleLbl name="bgShp">
     <dgm:fillClrLst meth="repeat">
-      <a:schemeClr val="accent1">
-        <a:alpha val="90000"/>
-        <a:tint val="40000"/>
+      <a:schemeClr val="bg1">
+        <a:lumMod val="95000"/>
       </a:schemeClr>
     </dgm:fillClrLst>
     <dgm:linClrLst meth="repeat">
-      <a:schemeClr val="accent1">
-        <a:alpha val="90000"/>
-        <a:tint val="40000"/>
-      </a:schemeClr>
+      <a:schemeClr val="dk1"/>
     </dgm:linClrLst>
     <dgm:effectClrLst/>
     <dgm:txLinClrLst/>
@@ -681,134 +975,14 @@
     </dgm:txFillClrLst>
     <dgm:txEffectClrLst/>
   </dgm:styleLbl>
-  <dgm:styleLbl name="alignAccFollowNode1">
+  <dgm:styleLbl name="dkBgShp">
     <dgm:fillClrLst meth="repeat">
-      <a:schemeClr val="accent1">
-        <a:alpha val="90000"/>
-        <a:tint val="40000"/>
+      <a:schemeClr val="accent2">
+        <a:shade val="90000"/>
       </a:schemeClr>
     </dgm:fillClrLst>
     <dgm:linClrLst meth="repeat">
-      <a:schemeClr val="accent1">
-        <a:alpha val="90000"/>
-        <a:tint val="40000"/>
-      </a:schemeClr>
-    </dgm:linClrLst>
-    <dgm:effectClrLst/>
-    <dgm:txLinClrLst/>
-    <dgm:txFillClrLst meth="repeat">
       <a:schemeClr val="dk1"/>
-    </dgm:txFillClrLst>
-    <dgm:txEffectClrLst/>
-  </dgm:styleLbl>
-  <dgm:styleLbl name="bgAccFollowNode1">
-    <dgm:fillClrLst meth="repeat">
-      <a:schemeClr val="accent1">
-        <a:alpha val="90000"/>
-        <a:tint val="40000"/>
-      </a:schemeClr>
-    </dgm:fillClrLst>
-    <dgm:linClrLst meth="repeat">
-      <a:schemeClr val="accent1">
-        <a:alpha val="90000"/>
-        <a:tint val="40000"/>
-      </a:schemeClr>
-    </dgm:linClrLst>
-    <dgm:effectClrLst/>
-    <dgm:txLinClrLst/>
-    <dgm:txFillClrLst meth="repeat">
-      <a:schemeClr val="dk1"/>
-    </dgm:txFillClrLst>
-    <dgm:txEffectClrLst/>
-  </dgm:styleLbl>
-  <dgm:styleLbl name="fgAcc0">
-    <dgm:fillClrLst meth="repeat">
-      <a:schemeClr val="lt1">
-        <a:alpha val="90000"/>
-      </a:schemeClr>
-    </dgm:fillClrLst>
-    <dgm:linClrLst meth="repeat">
-      <a:schemeClr val="accent1"/>
-    </dgm:linClrLst>
-    <dgm:effectClrLst/>
-    <dgm:txLinClrLst/>
-    <dgm:txFillClrLst meth="repeat">
-      <a:schemeClr val="dk1"/>
-    </dgm:txFillClrLst>
-    <dgm:txEffectClrLst/>
-  </dgm:styleLbl>
-  <dgm:styleLbl name="fgAcc2">
-    <dgm:fillClrLst meth="repeat">
-      <a:schemeClr val="lt1">
-        <a:alpha val="90000"/>
-      </a:schemeClr>
-    </dgm:fillClrLst>
-    <dgm:linClrLst meth="repeat">
-      <a:schemeClr val="accent1"/>
-    </dgm:linClrLst>
-    <dgm:effectClrLst/>
-    <dgm:txLinClrLst/>
-    <dgm:txFillClrLst meth="repeat">
-      <a:schemeClr val="dk1"/>
-    </dgm:txFillClrLst>
-    <dgm:txEffectClrLst/>
-  </dgm:styleLbl>
-  <dgm:styleLbl name="fgAcc3">
-    <dgm:fillClrLst meth="repeat">
-      <a:schemeClr val="lt1">
-        <a:alpha val="90000"/>
-      </a:schemeClr>
-    </dgm:fillClrLst>
-    <dgm:linClrLst meth="repeat">
-      <a:schemeClr val="accent1"/>
-    </dgm:linClrLst>
-    <dgm:effectClrLst/>
-    <dgm:txLinClrLst/>
-    <dgm:txFillClrLst meth="repeat">
-      <a:schemeClr val="dk1"/>
-    </dgm:txFillClrLst>
-    <dgm:txEffectClrLst/>
-  </dgm:styleLbl>
-  <dgm:styleLbl name="fgAcc4">
-    <dgm:fillClrLst meth="repeat">
-      <a:schemeClr val="lt1">
-        <a:alpha val="90000"/>
-      </a:schemeClr>
-    </dgm:fillClrLst>
-    <dgm:linClrLst meth="repeat">
-      <a:schemeClr val="accent1"/>
-    </dgm:linClrLst>
-    <dgm:effectClrLst/>
-    <dgm:txLinClrLst/>
-    <dgm:txFillClrLst meth="repeat">
-      <a:schemeClr val="dk1"/>
-    </dgm:txFillClrLst>
-    <dgm:txEffectClrLst/>
-  </dgm:styleLbl>
-  <dgm:styleLbl name="bgShp">
-    <dgm:fillClrLst meth="repeat">
-      <a:schemeClr val="bg1">
-        <a:lumMod val="95000"/>
-      </a:schemeClr>
-    </dgm:fillClrLst>
-    <dgm:linClrLst meth="repeat">
-      <a:schemeClr val="accent1"/>
-    </dgm:linClrLst>
-    <dgm:effectClrLst/>
-    <dgm:txLinClrLst/>
-    <dgm:txFillClrLst meth="repeat">
-      <a:schemeClr val="dk1"/>
-    </dgm:txFillClrLst>
-    <dgm:txEffectClrLst/>
-  </dgm:styleLbl>
-  <dgm:styleLbl name="dkBgShp">
-    <dgm:fillClrLst meth="repeat">
-      <a:schemeClr val="accent1">
-        <a:shade val="80000"/>
-      </a:schemeClr>
-    </dgm:fillClrLst>
-    <dgm:linClrLst meth="repeat">
-      <a:schemeClr val="accent1"/>
     </dgm:linClrLst>
     <dgm:effectClrLst/>
     <dgm:txLinClrLst/>
@@ -825,7 +999,7 @@
       </a:schemeClr>
     </dgm:fillClrLst>
     <dgm:linClrLst meth="repeat">
-      <a:schemeClr val="accent1"/>
+      <a:schemeClr val="accent2"/>
     </dgm:linClrLst>
     <dgm:effectClrLst/>
     <dgm:txLinClrLst/>
@@ -836,8 +1010,8 @@
   </dgm:styleLbl>
   <dgm:styleLbl name="fgShp">
     <dgm:fillClrLst meth="repeat">
-      <a:schemeClr val="accent1">
-        <a:tint val="60000"/>
+      <a:schemeClr val="accent2">
+        <a:tint val="40000"/>
       </a:schemeClr>
     </dgm:fillClrLst>
     <dgm:linClrLst meth="repeat">
@@ -1622,7 +1796,7 @@
 <dgm:dataModel xmlns:dgm="http://schemas.openxmlformats.org/drawingml/2006/diagram" xmlns:a="http://schemas.openxmlformats.org/drawingml/2006/main">
   <dgm:ptLst>
     <dgm:pt modelId="{F19B0240-C307-4E3D-809B-168EBA0FE329}" type="doc">
-      <dgm:prSet loTypeId="urn:microsoft.com/office/officeart/2018/2/layout/IconCircleList" loCatId="icon" qsTypeId="urn:microsoft.com/office/officeart/2005/8/quickstyle/simple1" qsCatId="simple" csTypeId="urn:microsoft.com/office/officeart/2018/5/colors/Iconchunking_neutralbg_accent1_2" csCatId="accent1" phldr="1"/>
+      <dgm:prSet loTypeId="urn:microsoft.com/office/officeart/2018/2/layout/IconLabelList" loCatId="icon" qsTypeId="urn:microsoft.com/office/officeart/2005/8/quickstyle/simple1" qsCatId="simple" csTypeId="urn:microsoft.com/office/officeart/2018/5/colors/Iconchunking_neutralbg_colorful1" csCatId="colorful" phldr="1"/>
       <dgm:spPr/>
       <dgm:t>
         <a:bodyPr/>
@@ -1645,13 +1819,10 @@
             </a:lnSpc>
           </a:pPr>
           <a:r>
-            <a:rPr lang="en-US" b="1"/>
-            <a:t>Exploratory Data Analysis (EDA): </a:t>
+            <a:rPr lang="en-US" b="1" dirty="0"/>
+            <a:t>Exploratory Data Analysis (EDA)</a:t>
           </a:r>
-          <a:r>
-            <a:rPr lang="en-US"/>
-            <a:t>Investigated feature distributions and correlations with the target variable.</a:t>
-          </a:r>
+          <a:endParaRPr lang="en-US" dirty="0"/>
         </a:p>
       </dgm:t>
     </dgm:pt>
@@ -1673,61 +1844,6 @@
         <a:bodyPr/>
         <a:lstStyle/>
         <a:p>
-          <a:pPr>
-            <a:lnSpc>
-              <a:spcPct val="100000"/>
-            </a:lnSpc>
-          </a:pPr>
-          <a:endParaRPr lang="en-US"/>
-        </a:p>
-      </dgm:t>
-    </dgm:pt>
-    <dgm:pt modelId="{732AD9E0-A4B6-464A-862C-0251D5635802}">
-      <dgm:prSet/>
-      <dgm:spPr/>
-      <dgm:t>
-        <a:bodyPr/>
-        <a:lstStyle/>
-        <a:p>
-          <a:pPr>
-            <a:lnSpc>
-              <a:spcPct val="100000"/>
-            </a:lnSpc>
-          </a:pPr>
-          <a:r>
-            <a:rPr lang="en-US" b="1"/>
-            <a:t>Feature Correlation: </a:t>
-          </a:r>
-          <a:r>
-            <a:rPr lang="en-US"/>
-            <a:t>Analyzed the correlation of features with Alzheimer’s Diagnosis to understand relationships.</a:t>
-          </a:r>
-        </a:p>
-      </dgm:t>
-    </dgm:pt>
-    <dgm:pt modelId="{4A11AECE-AC30-4B8F-B0D7-171BD19E8E6B}" type="parTrans" cxnId="{B1392082-2859-495B-A89A-CD105E9EB4A7}">
-      <dgm:prSet/>
-      <dgm:spPr/>
-      <dgm:t>
-        <a:bodyPr/>
-        <a:lstStyle/>
-        <a:p>
-          <a:endParaRPr lang="en-US"/>
-        </a:p>
-      </dgm:t>
-    </dgm:pt>
-    <dgm:pt modelId="{8000D57D-5B97-4EEC-83E7-F0D7EE6311B0}" type="sibTrans" cxnId="{B1392082-2859-495B-A89A-CD105E9EB4A7}">
-      <dgm:prSet/>
-      <dgm:spPr/>
-      <dgm:t>
-        <a:bodyPr/>
-        <a:lstStyle/>
-        <a:p>
-          <a:pPr>
-            <a:lnSpc>
-              <a:spcPct val="100000"/>
-            </a:lnSpc>
-          </a:pPr>
           <a:endParaRPr lang="en-US"/>
         </a:p>
       </dgm:t>
@@ -1745,13 +1861,10 @@
             </a:lnSpc>
           </a:pPr>
           <a:r>
-            <a:rPr lang="en-US" b="1"/>
-            <a:t>Data Splitting: </a:t>
+            <a:rPr lang="en-US" b="1" dirty="0"/>
+            <a:t>Data Splitting</a:t>
           </a:r>
-          <a:r>
-            <a:rPr lang="en-US"/>
-            <a:t>Split the dataset into training and test sets (80%/20%) using stratified sampling.</a:t>
-          </a:r>
+          <a:endParaRPr lang="en-US" dirty="0"/>
         </a:p>
       </dgm:t>
     </dgm:pt>
@@ -1773,11 +1886,6 @@
         <a:bodyPr/>
         <a:lstStyle/>
         <a:p>
-          <a:pPr>
-            <a:lnSpc>
-              <a:spcPct val="100000"/>
-            </a:lnSpc>
-          </a:pPr>
           <a:endParaRPr lang="en-US"/>
         </a:p>
       </dgm:t>
@@ -1795,13 +1903,10 @@
             </a:lnSpc>
           </a:pPr>
           <a:r>
-            <a:rPr lang="en-US" b="1"/>
-            <a:t>Modeling: </a:t>
+            <a:rPr lang="en-US" b="1" dirty="0"/>
+            <a:t>Modeling</a:t>
           </a:r>
-          <a:r>
-            <a:rPr lang="en-US"/>
-            <a:t>Used AdaBoostClassifier and CatBoostClassifier, with hyperparameter tuning through GridSearchCV</a:t>
-          </a:r>
+          <a:endParaRPr lang="en-US" dirty="0"/>
         </a:p>
       </dgm:t>
     </dgm:pt>
@@ -1827,7 +1932,7 @@
         </a:p>
       </dgm:t>
     </dgm:pt>
-    <dgm:pt modelId="{95820735-5AE9-4759-8204-8F1E4597D91E}" type="pres">
+    <dgm:pt modelId="{56D693AD-A2F5-4E9C-8669-194E4FD701EA}" type="pres">
       <dgm:prSet presAssocID="{F19B0240-C307-4E3D-809B-168EBA0FE329}" presName="root" presStyleCnt="0">
         <dgm:presLayoutVars>
           <dgm:dir/>
@@ -1836,25 +1941,12 @@
       </dgm:prSet>
       <dgm:spPr/>
     </dgm:pt>
-    <dgm:pt modelId="{38C4ABFF-38B7-44C7-98E2-594D870FE1AF}" type="pres">
-      <dgm:prSet presAssocID="{F19B0240-C307-4E3D-809B-168EBA0FE329}" presName="container" presStyleCnt="0">
-        <dgm:presLayoutVars>
-          <dgm:dir/>
-          <dgm:resizeHandles val="exact"/>
-        </dgm:presLayoutVars>
-      </dgm:prSet>
-      <dgm:spPr/>
-    </dgm:pt>
-    <dgm:pt modelId="{E4FFEE16-D82F-44DB-BFCB-337B21830511}" type="pres">
+    <dgm:pt modelId="{B8132821-812E-4558-B999-52B7F7388678}" type="pres">
       <dgm:prSet presAssocID="{47E1CE03-5213-4651-A8A0-1F24609BFB87}" presName="compNode" presStyleCnt="0"/>
       <dgm:spPr/>
     </dgm:pt>
-    <dgm:pt modelId="{50F3C462-851A-45D7-A628-E11A4763D674}" type="pres">
-      <dgm:prSet presAssocID="{47E1CE03-5213-4651-A8A0-1F24609BFB87}" presName="iconBgRect" presStyleLbl="bgShp" presStyleIdx="0" presStyleCnt="4"/>
-      <dgm:spPr/>
-    </dgm:pt>
-    <dgm:pt modelId="{F6E0C276-6AE2-4DB5-BB5B-A12E2B8B8157}" type="pres">
-      <dgm:prSet presAssocID="{47E1CE03-5213-4651-A8A0-1F24609BFB87}" presName="iconRect" presStyleLbl="node1" presStyleIdx="0" presStyleCnt="4"/>
+    <dgm:pt modelId="{DEDDFE07-C347-4B3A-A0E4-19039792541B}" type="pres">
+      <dgm:prSet presAssocID="{47E1CE03-5213-4651-A8A0-1F24609BFB87}" presName="iconRect" presStyleLbl="node1" presStyleIdx="0" presStyleCnt="3"/>
       <dgm:spPr>
         <a:blipFill>
           <a:blip xmlns:r="http://schemas.openxmlformats.org/officeDocument/2006/relationships" r:embed="rId1">
@@ -1877,16 +1969,16 @@
       </dgm:spPr>
       <dgm:extLst>
         <a:ext uri="{E40237B7-FDA0-4F09-8148-C483321AD2D9}">
-          <dgm14:cNvPr xmlns:dgm14="http://schemas.microsoft.com/office/drawing/2010/diagram" id="0" name="" descr="Research"/>
+          <dgm14:cNvPr xmlns:dgm14="http://schemas.microsoft.com/office/drawing/2010/diagram" id="0" name="" descr="Statistics"/>
         </a:ext>
       </dgm:extLst>
     </dgm:pt>
-    <dgm:pt modelId="{79ED55F1-1202-4874-A3E1-2B28278EC930}" type="pres">
+    <dgm:pt modelId="{514992E5-2D6B-42E2-9880-54FA516055D4}" type="pres">
       <dgm:prSet presAssocID="{47E1CE03-5213-4651-A8A0-1F24609BFB87}" presName="spaceRect" presStyleCnt="0"/>
       <dgm:spPr/>
     </dgm:pt>
-    <dgm:pt modelId="{88926926-1AE5-4C65-B646-8771329EAC56}" type="pres">
-      <dgm:prSet presAssocID="{47E1CE03-5213-4651-A8A0-1F24609BFB87}" presName="textRect" presStyleLbl="revTx" presStyleIdx="0" presStyleCnt="4">
+    <dgm:pt modelId="{9EB13C8F-588B-45B3-BBD3-D55A07124653}" type="pres">
+      <dgm:prSet presAssocID="{47E1CE03-5213-4651-A8A0-1F24609BFB87}" presName="textRect" presStyleLbl="revTx" presStyleIdx="0" presStyleCnt="3">
         <dgm:presLayoutVars>
           <dgm:chMax val="1"/>
           <dgm:chPref val="1"/>
@@ -1894,20 +1986,16 @@
       </dgm:prSet>
       <dgm:spPr/>
     </dgm:pt>
-    <dgm:pt modelId="{D7003143-890F-4AEB-A521-409CE632A41A}" type="pres">
-      <dgm:prSet presAssocID="{6D65315E-7241-4F7E-8F11-C5B366A416A2}" presName="sibTrans" presStyleLbl="sibTrans2D1" presStyleIdx="0" presStyleCnt="0"/>
+    <dgm:pt modelId="{89241288-D2C2-4C53-980B-7CC241B05A65}" type="pres">
+      <dgm:prSet presAssocID="{6D65315E-7241-4F7E-8F11-C5B366A416A2}" presName="sibTrans" presStyleCnt="0"/>
       <dgm:spPr/>
     </dgm:pt>
-    <dgm:pt modelId="{7DC9726B-7095-4326-8193-5C95B295B6AE}" type="pres">
-      <dgm:prSet presAssocID="{732AD9E0-A4B6-464A-862C-0251D5635802}" presName="compNode" presStyleCnt="0"/>
+    <dgm:pt modelId="{3188AF0F-5B19-4F8F-82B6-1D864E4D7F1E}" type="pres">
+      <dgm:prSet presAssocID="{C2F39EFB-31CD-4074-A18C-316F2FC7783D}" presName="compNode" presStyleCnt="0"/>
       <dgm:spPr/>
     </dgm:pt>
-    <dgm:pt modelId="{786CDB43-6C93-49A8-B8B7-BE1595228E8D}" type="pres">
-      <dgm:prSet presAssocID="{732AD9E0-A4B6-464A-862C-0251D5635802}" presName="iconBgRect" presStyleLbl="bgShp" presStyleIdx="1" presStyleCnt="4"/>
-      <dgm:spPr/>
-    </dgm:pt>
-    <dgm:pt modelId="{04627488-9B3D-4659-8971-7EE35EAB58A5}" type="pres">
-      <dgm:prSet presAssocID="{732AD9E0-A4B6-464A-862C-0251D5635802}" presName="iconRect" presStyleLbl="node1" presStyleIdx="1" presStyleCnt="4"/>
+    <dgm:pt modelId="{9068B72A-8302-4E57-820A-C56409D19918}" type="pres">
+      <dgm:prSet presAssocID="{C2F39EFB-31CD-4074-A18C-316F2FC7783D}" presName="iconRect" presStyleLbl="node1" presStyleIdx="1" presStyleCnt="3"/>
       <dgm:spPr>
         <a:blipFill>
           <a:blip xmlns:r="http://schemas.openxmlformats.org/officeDocument/2006/relationships" r:embed="rId3">
@@ -1930,16 +2018,16 @@
       </dgm:spPr>
       <dgm:extLst>
         <a:ext uri="{E40237B7-FDA0-4F09-8148-C483321AD2D9}">
-          <dgm14:cNvPr xmlns:dgm14="http://schemas.microsoft.com/office/drawing/2010/diagram" id="0" name="" descr="Brain"/>
+          <dgm14:cNvPr xmlns:dgm14="http://schemas.microsoft.com/office/drawing/2010/diagram" id="0" name="" descr="Database"/>
         </a:ext>
       </dgm:extLst>
     </dgm:pt>
-    <dgm:pt modelId="{DF9DD833-0108-4737-985F-C25B6D2A980C}" type="pres">
-      <dgm:prSet presAssocID="{732AD9E0-A4B6-464A-862C-0251D5635802}" presName="spaceRect" presStyleCnt="0"/>
+    <dgm:pt modelId="{E4358C19-7E88-4D6C-BB7E-7B379EA32300}" type="pres">
+      <dgm:prSet presAssocID="{C2F39EFB-31CD-4074-A18C-316F2FC7783D}" presName="spaceRect" presStyleCnt="0"/>
       <dgm:spPr/>
     </dgm:pt>
-    <dgm:pt modelId="{EA9C978A-BC8D-45D6-B486-E9E464D856F5}" type="pres">
-      <dgm:prSet presAssocID="{732AD9E0-A4B6-464A-862C-0251D5635802}" presName="textRect" presStyleLbl="revTx" presStyleIdx="1" presStyleCnt="4">
+    <dgm:pt modelId="{3F3C9AB4-1640-4B99-9E9A-062E8838D4DF}" type="pres">
+      <dgm:prSet presAssocID="{C2F39EFB-31CD-4074-A18C-316F2FC7783D}" presName="textRect" presStyleLbl="revTx" presStyleIdx="1" presStyleCnt="3">
         <dgm:presLayoutVars>
           <dgm:chMax val="1"/>
           <dgm:chPref val="1"/>
@@ -1947,20 +2035,16 @@
       </dgm:prSet>
       <dgm:spPr/>
     </dgm:pt>
-    <dgm:pt modelId="{580AC761-18F3-4839-AAF5-5B8548A1C1E0}" type="pres">
-      <dgm:prSet presAssocID="{8000D57D-5B97-4EEC-83E7-F0D7EE6311B0}" presName="sibTrans" presStyleLbl="sibTrans2D1" presStyleIdx="0" presStyleCnt="0"/>
+    <dgm:pt modelId="{5FD32DA4-6C17-411E-AA73-5519289A30E3}" type="pres">
+      <dgm:prSet presAssocID="{957AF8FC-C781-438F-B5B6-129B841A621A}" presName="sibTrans" presStyleCnt="0"/>
       <dgm:spPr/>
     </dgm:pt>
-    <dgm:pt modelId="{558C7C5B-686C-4D15-92D7-7100E0FFC4BD}" type="pres">
-      <dgm:prSet presAssocID="{C2F39EFB-31CD-4074-A18C-316F2FC7783D}" presName="compNode" presStyleCnt="0"/>
+    <dgm:pt modelId="{D6DEA20E-14F1-406F-8D98-B17EF63D0A82}" type="pres">
+      <dgm:prSet presAssocID="{AB8D15FA-8782-4E9A-A3F4-7E7F3E233AF7}" presName="compNode" presStyleCnt="0"/>
       <dgm:spPr/>
     </dgm:pt>
-    <dgm:pt modelId="{DEB66378-068B-4AA9-BB9A-BFF3F5A954B0}" type="pres">
-      <dgm:prSet presAssocID="{C2F39EFB-31CD-4074-A18C-316F2FC7783D}" presName="iconBgRect" presStyleLbl="bgShp" presStyleIdx="2" presStyleCnt="4"/>
-      <dgm:spPr/>
-    </dgm:pt>
-    <dgm:pt modelId="{C166CE3C-45B5-41BB-8EE2-DA3D2B9BD3D5}" type="pres">
-      <dgm:prSet presAssocID="{C2F39EFB-31CD-4074-A18C-316F2FC7783D}" presName="iconRect" presStyleLbl="node1" presStyleIdx="2" presStyleCnt="4"/>
+    <dgm:pt modelId="{36271881-A3AA-483B-979D-DAA8656C3FC5}" type="pres">
+      <dgm:prSet presAssocID="{AB8D15FA-8782-4E9A-A3F4-7E7F3E233AF7}" presName="iconRect" presStyleLbl="node1" presStyleIdx="2" presStyleCnt="3"/>
       <dgm:spPr>
         <a:blipFill>
           <a:blip xmlns:r="http://schemas.openxmlformats.org/officeDocument/2006/relationships" r:embed="rId5">
@@ -1983,69 +2067,16 @@
       </dgm:spPr>
       <dgm:extLst>
         <a:ext uri="{E40237B7-FDA0-4F09-8148-C483321AD2D9}">
-          <dgm14:cNvPr xmlns:dgm14="http://schemas.microsoft.com/office/drawing/2010/diagram" id="0" name="" descr="Server"/>
+          <dgm14:cNvPr xmlns:dgm14="http://schemas.microsoft.com/office/drawing/2010/diagram" id="0" name="" descr="Document"/>
         </a:ext>
       </dgm:extLst>
     </dgm:pt>
-    <dgm:pt modelId="{DF692902-3CCA-4099-8BB6-8441C9FF0447}" type="pres">
-      <dgm:prSet presAssocID="{C2F39EFB-31CD-4074-A18C-316F2FC7783D}" presName="spaceRect" presStyleCnt="0"/>
-      <dgm:spPr/>
-    </dgm:pt>
-    <dgm:pt modelId="{01767911-DEEC-4F52-9ED1-3E2249112603}" type="pres">
-      <dgm:prSet presAssocID="{C2F39EFB-31CD-4074-A18C-316F2FC7783D}" presName="textRect" presStyleLbl="revTx" presStyleIdx="2" presStyleCnt="4">
-        <dgm:presLayoutVars>
-          <dgm:chMax val="1"/>
-          <dgm:chPref val="1"/>
-        </dgm:presLayoutVars>
-      </dgm:prSet>
-      <dgm:spPr/>
-    </dgm:pt>
-    <dgm:pt modelId="{474C41A2-B5C8-4FF1-A95B-A526F95E20D2}" type="pres">
-      <dgm:prSet presAssocID="{957AF8FC-C781-438F-B5B6-129B841A621A}" presName="sibTrans" presStyleLbl="sibTrans2D1" presStyleIdx="0" presStyleCnt="0"/>
-      <dgm:spPr/>
-    </dgm:pt>
-    <dgm:pt modelId="{B7A90A7C-F86E-496F-A1DB-3E98177B6893}" type="pres">
-      <dgm:prSet presAssocID="{AB8D15FA-8782-4E9A-A3F4-7E7F3E233AF7}" presName="compNode" presStyleCnt="0"/>
-      <dgm:spPr/>
-    </dgm:pt>
-    <dgm:pt modelId="{103EE375-EB9B-4080-8ADD-AA4A4B488AEE}" type="pres">
-      <dgm:prSet presAssocID="{AB8D15FA-8782-4E9A-A3F4-7E7F3E233AF7}" presName="iconBgRect" presStyleLbl="bgShp" presStyleIdx="3" presStyleCnt="4"/>
-      <dgm:spPr/>
-    </dgm:pt>
-    <dgm:pt modelId="{FCB588A3-9C33-48F4-8906-B86F50D633EB}" type="pres">
-      <dgm:prSet presAssocID="{AB8D15FA-8782-4E9A-A3F4-7E7F3E233AF7}" presName="iconRect" presStyleLbl="node1" presStyleIdx="3" presStyleCnt="4"/>
-      <dgm:spPr>
-        <a:blipFill>
-          <a:blip xmlns:r="http://schemas.openxmlformats.org/officeDocument/2006/relationships" r:embed="rId7">
-            <a:extLst>
-              <a:ext uri="{28A0092B-C50C-407E-A947-70E740481C1C}">
-                <a14:useLocalDpi xmlns:a14="http://schemas.microsoft.com/office/drawing/2010/main" val="0"/>
-              </a:ext>
-              <a:ext uri="{96DAC541-7B7A-43D3-8B79-37D633B846F1}">
-                <asvg:svgBlip xmlns:asvg="http://schemas.microsoft.com/office/drawing/2016/SVG/main" r:embed="rId8"/>
-              </a:ext>
-            </a:extLst>
-          </a:blip>
-          <a:stretch>
-            <a:fillRect/>
-          </a:stretch>
-        </a:blipFill>
-        <a:ln>
-          <a:noFill/>
-        </a:ln>
-      </dgm:spPr>
-      <dgm:extLst>
-        <a:ext uri="{E40237B7-FDA0-4F09-8148-C483321AD2D9}">
-          <dgm14:cNvPr xmlns:dgm14="http://schemas.microsoft.com/office/drawing/2010/diagram" id="0" name="" descr="Maze"/>
-        </a:ext>
-      </dgm:extLst>
-    </dgm:pt>
-    <dgm:pt modelId="{262AACE9-C596-4798-BFF7-64F4F586A572}" type="pres">
+    <dgm:pt modelId="{3FB0B3B1-3D3A-464A-85E9-C2F5EC71578B}" type="pres">
       <dgm:prSet presAssocID="{AB8D15FA-8782-4E9A-A3F4-7E7F3E233AF7}" presName="spaceRect" presStyleCnt="0"/>
       <dgm:spPr/>
     </dgm:pt>
-    <dgm:pt modelId="{3CA79801-F2A0-4317-9242-023258CF5EC6}" type="pres">
-      <dgm:prSet presAssocID="{AB8D15FA-8782-4E9A-A3F4-7E7F3E233AF7}" presName="textRect" presStyleLbl="revTx" presStyleIdx="3" presStyleCnt="4">
+    <dgm:pt modelId="{4CCBA432-042B-4679-97C8-B080BF99870F}" type="pres">
+      <dgm:prSet presAssocID="{AB8D15FA-8782-4E9A-A3F4-7E7F3E233AF7}" presName="textRect" presStyleLbl="revTx" presStyleIdx="2" presStyleCnt="3">
         <dgm:presLayoutVars>
           <dgm:chMax val="1"/>
           <dgm:chPref val="1"/>
@@ -2055,42 +2086,27 @@
     </dgm:pt>
   </dgm:ptLst>
   <dgm:cxnLst>
-    <dgm:cxn modelId="{A5A14C00-D15F-41C3-B419-E4AF7B456DCC}" type="presOf" srcId="{47E1CE03-5213-4651-A8A0-1F24609BFB87}" destId="{88926926-1AE5-4C65-B646-8771329EAC56}" srcOrd="0" destOrd="0" presId="urn:microsoft.com/office/officeart/2018/2/layout/IconCircleList"/>
-    <dgm:cxn modelId="{920AE81A-71F7-48EC-92DC-F9440A46B27F}" type="presOf" srcId="{8000D57D-5B97-4EEC-83E7-F0D7EE6311B0}" destId="{580AC761-18F3-4839-AAF5-5B8548A1C1E0}" srcOrd="0" destOrd="0" presId="urn:microsoft.com/office/officeart/2018/2/layout/IconCircleList"/>
-    <dgm:cxn modelId="{75A7B32C-72D0-4C4B-AFB8-E64F09BA9E84}" type="presOf" srcId="{732AD9E0-A4B6-464A-862C-0251D5635802}" destId="{EA9C978A-BC8D-45D6-B486-E9E464D856F5}" srcOrd="0" destOrd="0" presId="urn:microsoft.com/office/officeart/2018/2/layout/IconCircleList"/>
+    <dgm:cxn modelId="{8B806F5F-1E55-4591-A292-F1D4A131698C}" type="presOf" srcId="{C2F39EFB-31CD-4074-A18C-316F2FC7783D}" destId="{3F3C9AB4-1640-4B99-9E9A-062E8838D4DF}" srcOrd="0" destOrd="0" presId="urn:microsoft.com/office/officeart/2018/2/layout/IconLabelList"/>
     <dgm:cxn modelId="{E13AA04F-7E70-43F8-AE98-9F5FAC2808EE}" srcId="{F19B0240-C307-4E3D-809B-168EBA0FE329}" destId="{47E1CE03-5213-4651-A8A0-1F24609BFB87}" srcOrd="0" destOrd="0" parTransId="{59306FFD-8B6A-43E4-9C68-692881F5F87D}" sibTransId="{6D65315E-7241-4F7E-8F11-C5B366A416A2}"/>
-    <dgm:cxn modelId="{60740356-A7AF-426E-9D32-071BB608AE99}" type="presOf" srcId="{957AF8FC-C781-438F-B5B6-129B841A621A}" destId="{474C41A2-B5C8-4FF1-A95B-A526F95E20D2}" srcOrd="0" destOrd="0" presId="urn:microsoft.com/office/officeart/2018/2/layout/IconCircleList"/>
-    <dgm:cxn modelId="{B1392082-2859-495B-A89A-CD105E9EB4A7}" srcId="{F19B0240-C307-4E3D-809B-168EBA0FE329}" destId="{732AD9E0-A4B6-464A-862C-0251D5635802}" srcOrd="1" destOrd="0" parTransId="{4A11AECE-AC30-4B8F-B0D7-171BD19E8E6B}" sibTransId="{8000D57D-5B97-4EEC-83E7-F0D7EE6311B0}"/>
-    <dgm:cxn modelId="{F748E984-EA6D-4A26-B640-C27B2850FC20}" srcId="{F19B0240-C307-4E3D-809B-168EBA0FE329}" destId="{AB8D15FA-8782-4E9A-A3F4-7E7F3E233AF7}" srcOrd="3" destOrd="0" parTransId="{3066DE77-73C1-44E0-8668-B5C388EBDA14}" sibTransId="{3F22D288-059A-4D75-8606-CD5592BDF4D0}"/>
-    <dgm:cxn modelId="{9A12E9A2-9F53-4F6F-A7BA-7718A5200D6C}" type="presOf" srcId="{F19B0240-C307-4E3D-809B-168EBA0FE329}" destId="{95820735-5AE9-4759-8204-8F1E4597D91E}" srcOrd="0" destOrd="0" presId="urn:microsoft.com/office/officeart/2018/2/layout/IconCircleList"/>
-    <dgm:cxn modelId="{2B790BB4-1400-4BFF-9A58-EEB0D3DE5932}" type="presOf" srcId="{AB8D15FA-8782-4E9A-A3F4-7E7F3E233AF7}" destId="{3CA79801-F2A0-4317-9242-023258CF5EC6}" srcOrd="0" destOrd="0" presId="urn:microsoft.com/office/officeart/2018/2/layout/IconCircleList"/>
-    <dgm:cxn modelId="{582BDBE2-3C8E-4443-8DE3-D334D73DA950}" srcId="{F19B0240-C307-4E3D-809B-168EBA0FE329}" destId="{C2F39EFB-31CD-4074-A18C-316F2FC7783D}" srcOrd="2" destOrd="0" parTransId="{F2388686-8F80-4A4E-B595-E9B7C5AFDAA4}" sibTransId="{957AF8FC-C781-438F-B5B6-129B841A621A}"/>
-    <dgm:cxn modelId="{524000E5-A466-438F-9AFF-593F378DE03B}" type="presOf" srcId="{6D65315E-7241-4F7E-8F11-C5B366A416A2}" destId="{D7003143-890F-4AEB-A521-409CE632A41A}" srcOrd="0" destOrd="0" presId="urn:microsoft.com/office/officeart/2018/2/layout/IconCircleList"/>
-    <dgm:cxn modelId="{42E58CED-7C3B-4CF6-9201-D205721798FF}" type="presOf" srcId="{C2F39EFB-31CD-4074-A18C-316F2FC7783D}" destId="{01767911-DEEC-4F52-9ED1-3E2249112603}" srcOrd="0" destOrd="0" presId="urn:microsoft.com/office/officeart/2018/2/layout/IconCircleList"/>
-    <dgm:cxn modelId="{F1BE3F9F-9040-4A1E-83EB-20FBBE2430C7}" type="presParOf" srcId="{95820735-5AE9-4759-8204-8F1E4597D91E}" destId="{38C4ABFF-38B7-44C7-98E2-594D870FE1AF}" srcOrd="0" destOrd="0" presId="urn:microsoft.com/office/officeart/2018/2/layout/IconCircleList"/>
-    <dgm:cxn modelId="{68486AEB-C5F1-4B16-9EAF-99F2DDDAB594}" type="presParOf" srcId="{38C4ABFF-38B7-44C7-98E2-594D870FE1AF}" destId="{E4FFEE16-D82F-44DB-BFCB-337B21830511}" srcOrd="0" destOrd="0" presId="urn:microsoft.com/office/officeart/2018/2/layout/IconCircleList"/>
-    <dgm:cxn modelId="{886327BA-0505-4E6A-92FA-41FA04738B5F}" type="presParOf" srcId="{E4FFEE16-D82F-44DB-BFCB-337B21830511}" destId="{50F3C462-851A-45D7-A628-E11A4763D674}" srcOrd="0" destOrd="0" presId="urn:microsoft.com/office/officeart/2018/2/layout/IconCircleList"/>
-    <dgm:cxn modelId="{D7798596-259F-4D95-9E6E-DB69C34FEAB2}" type="presParOf" srcId="{E4FFEE16-D82F-44DB-BFCB-337B21830511}" destId="{F6E0C276-6AE2-4DB5-BB5B-A12E2B8B8157}" srcOrd="1" destOrd="0" presId="urn:microsoft.com/office/officeart/2018/2/layout/IconCircleList"/>
-    <dgm:cxn modelId="{EFC9681E-9B0C-40AE-AB78-63D22F9598CE}" type="presParOf" srcId="{E4FFEE16-D82F-44DB-BFCB-337B21830511}" destId="{79ED55F1-1202-4874-A3E1-2B28278EC930}" srcOrd="2" destOrd="0" presId="urn:microsoft.com/office/officeart/2018/2/layout/IconCircleList"/>
-    <dgm:cxn modelId="{B8D3D2D3-F936-4FC4-99F9-63004E9E75AE}" type="presParOf" srcId="{E4FFEE16-D82F-44DB-BFCB-337B21830511}" destId="{88926926-1AE5-4C65-B646-8771329EAC56}" srcOrd="3" destOrd="0" presId="urn:microsoft.com/office/officeart/2018/2/layout/IconCircleList"/>
-    <dgm:cxn modelId="{AF6707F9-35ED-4B75-8AD0-41C7CDCF6B32}" type="presParOf" srcId="{38C4ABFF-38B7-44C7-98E2-594D870FE1AF}" destId="{D7003143-890F-4AEB-A521-409CE632A41A}" srcOrd="1" destOrd="0" presId="urn:microsoft.com/office/officeart/2018/2/layout/IconCircleList"/>
-    <dgm:cxn modelId="{B2CCEBCA-613B-41AB-AB6D-2BA09FA5C852}" type="presParOf" srcId="{38C4ABFF-38B7-44C7-98E2-594D870FE1AF}" destId="{7DC9726B-7095-4326-8193-5C95B295B6AE}" srcOrd="2" destOrd="0" presId="urn:microsoft.com/office/officeart/2018/2/layout/IconCircleList"/>
-    <dgm:cxn modelId="{3A58EF71-9A7A-4DBD-BC9C-EA649DBA9237}" type="presParOf" srcId="{7DC9726B-7095-4326-8193-5C95B295B6AE}" destId="{786CDB43-6C93-49A8-B8B7-BE1595228E8D}" srcOrd="0" destOrd="0" presId="urn:microsoft.com/office/officeart/2018/2/layout/IconCircleList"/>
-    <dgm:cxn modelId="{14033F8D-5194-40B3-AA08-4A1B2A083945}" type="presParOf" srcId="{7DC9726B-7095-4326-8193-5C95B295B6AE}" destId="{04627488-9B3D-4659-8971-7EE35EAB58A5}" srcOrd="1" destOrd="0" presId="urn:microsoft.com/office/officeart/2018/2/layout/IconCircleList"/>
-    <dgm:cxn modelId="{DC67CEA6-1A9A-4B7B-B72A-63AD19DA8BBC}" type="presParOf" srcId="{7DC9726B-7095-4326-8193-5C95B295B6AE}" destId="{DF9DD833-0108-4737-985F-C25B6D2A980C}" srcOrd="2" destOrd="0" presId="urn:microsoft.com/office/officeart/2018/2/layout/IconCircleList"/>
-    <dgm:cxn modelId="{A890E564-7FF6-4FEB-BE68-62BDE89F1652}" type="presParOf" srcId="{7DC9726B-7095-4326-8193-5C95B295B6AE}" destId="{EA9C978A-BC8D-45D6-B486-E9E464D856F5}" srcOrd="3" destOrd="0" presId="urn:microsoft.com/office/officeart/2018/2/layout/IconCircleList"/>
-    <dgm:cxn modelId="{0BBDCDFC-F3E1-4145-ABD8-16921CC58BA7}" type="presParOf" srcId="{38C4ABFF-38B7-44C7-98E2-594D870FE1AF}" destId="{580AC761-18F3-4839-AAF5-5B8548A1C1E0}" srcOrd="3" destOrd="0" presId="urn:microsoft.com/office/officeart/2018/2/layout/IconCircleList"/>
-    <dgm:cxn modelId="{9C7D4CCE-26E0-4B06-A578-CA8BAD2C6904}" type="presParOf" srcId="{38C4ABFF-38B7-44C7-98E2-594D870FE1AF}" destId="{558C7C5B-686C-4D15-92D7-7100E0FFC4BD}" srcOrd="4" destOrd="0" presId="urn:microsoft.com/office/officeart/2018/2/layout/IconCircleList"/>
-    <dgm:cxn modelId="{81FE64FD-FBC7-4296-B359-6FDFAE985AD1}" type="presParOf" srcId="{558C7C5B-686C-4D15-92D7-7100E0FFC4BD}" destId="{DEB66378-068B-4AA9-BB9A-BFF3F5A954B0}" srcOrd="0" destOrd="0" presId="urn:microsoft.com/office/officeart/2018/2/layout/IconCircleList"/>
-    <dgm:cxn modelId="{72EB8E37-D7C5-4769-9772-D1AB6EA181B6}" type="presParOf" srcId="{558C7C5B-686C-4D15-92D7-7100E0FFC4BD}" destId="{C166CE3C-45B5-41BB-8EE2-DA3D2B9BD3D5}" srcOrd="1" destOrd="0" presId="urn:microsoft.com/office/officeart/2018/2/layout/IconCircleList"/>
-    <dgm:cxn modelId="{7704A11F-8863-468D-9B76-72A43DC893C8}" type="presParOf" srcId="{558C7C5B-686C-4D15-92D7-7100E0FFC4BD}" destId="{DF692902-3CCA-4099-8BB6-8441C9FF0447}" srcOrd="2" destOrd="0" presId="urn:microsoft.com/office/officeart/2018/2/layout/IconCircleList"/>
-    <dgm:cxn modelId="{6053C3D5-E59B-4535-93C4-AEDE8954B7B6}" type="presParOf" srcId="{558C7C5B-686C-4D15-92D7-7100E0FFC4BD}" destId="{01767911-DEEC-4F52-9ED1-3E2249112603}" srcOrd="3" destOrd="0" presId="urn:microsoft.com/office/officeart/2018/2/layout/IconCircleList"/>
-    <dgm:cxn modelId="{8561CC67-71D7-4F33-ABD7-59AFCC1869F2}" type="presParOf" srcId="{38C4ABFF-38B7-44C7-98E2-594D870FE1AF}" destId="{474C41A2-B5C8-4FF1-A95B-A526F95E20D2}" srcOrd="5" destOrd="0" presId="urn:microsoft.com/office/officeart/2018/2/layout/IconCircleList"/>
-    <dgm:cxn modelId="{D68747BF-22DB-4DAB-89DF-41057232FA57}" type="presParOf" srcId="{38C4ABFF-38B7-44C7-98E2-594D870FE1AF}" destId="{B7A90A7C-F86E-496F-A1DB-3E98177B6893}" srcOrd="6" destOrd="0" presId="urn:microsoft.com/office/officeart/2018/2/layout/IconCircleList"/>
-    <dgm:cxn modelId="{62ED8E60-22BE-4845-84A8-63A116176C82}" type="presParOf" srcId="{B7A90A7C-F86E-496F-A1DB-3E98177B6893}" destId="{103EE375-EB9B-4080-8ADD-AA4A4B488AEE}" srcOrd="0" destOrd="0" presId="urn:microsoft.com/office/officeart/2018/2/layout/IconCircleList"/>
-    <dgm:cxn modelId="{4831507E-4E5A-4A64-8CE8-FB96AA1FC0FE}" type="presParOf" srcId="{B7A90A7C-F86E-496F-A1DB-3E98177B6893}" destId="{FCB588A3-9C33-48F4-8906-B86F50D633EB}" srcOrd="1" destOrd="0" presId="urn:microsoft.com/office/officeart/2018/2/layout/IconCircleList"/>
-    <dgm:cxn modelId="{0043E933-A3DE-4E4C-8E6B-866F147C1393}" type="presParOf" srcId="{B7A90A7C-F86E-496F-A1DB-3E98177B6893}" destId="{262AACE9-C596-4798-BFF7-64F4F586A572}" srcOrd="2" destOrd="0" presId="urn:microsoft.com/office/officeart/2018/2/layout/IconCircleList"/>
-    <dgm:cxn modelId="{5681B58E-9B73-424B-9E95-954D2C23CCB4}" type="presParOf" srcId="{B7A90A7C-F86E-496F-A1DB-3E98177B6893}" destId="{3CA79801-F2A0-4317-9242-023258CF5EC6}" srcOrd="3" destOrd="0" presId="urn:microsoft.com/office/officeart/2018/2/layout/IconCircleList"/>
+    <dgm:cxn modelId="{F748E984-EA6D-4A26-B640-C27B2850FC20}" srcId="{F19B0240-C307-4E3D-809B-168EBA0FE329}" destId="{AB8D15FA-8782-4E9A-A3F4-7E7F3E233AF7}" srcOrd="2" destOrd="0" parTransId="{3066DE77-73C1-44E0-8668-B5C388EBDA14}" sibTransId="{3F22D288-059A-4D75-8606-CD5592BDF4D0}"/>
+    <dgm:cxn modelId="{4A54F589-3816-47CB-9820-861CC7FF56B0}" type="presOf" srcId="{AB8D15FA-8782-4E9A-A3F4-7E7F3E233AF7}" destId="{4CCBA432-042B-4679-97C8-B080BF99870F}" srcOrd="0" destOrd="0" presId="urn:microsoft.com/office/officeart/2018/2/layout/IconLabelList"/>
+    <dgm:cxn modelId="{0E536AD2-6BC1-4F40-A904-D17A6AC02B5A}" type="presOf" srcId="{47E1CE03-5213-4651-A8A0-1F24609BFB87}" destId="{9EB13C8F-588B-45B3-BBD3-D55A07124653}" srcOrd="0" destOrd="0" presId="urn:microsoft.com/office/officeart/2018/2/layout/IconLabelList"/>
+    <dgm:cxn modelId="{6F5450DB-4086-4660-A740-3296578E4AFE}" type="presOf" srcId="{F19B0240-C307-4E3D-809B-168EBA0FE329}" destId="{56D693AD-A2F5-4E9C-8669-194E4FD701EA}" srcOrd="0" destOrd="0" presId="urn:microsoft.com/office/officeart/2018/2/layout/IconLabelList"/>
+    <dgm:cxn modelId="{582BDBE2-3C8E-4443-8DE3-D334D73DA950}" srcId="{F19B0240-C307-4E3D-809B-168EBA0FE329}" destId="{C2F39EFB-31CD-4074-A18C-316F2FC7783D}" srcOrd="1" destOrd="0" parTransId="{F2388686-8F80-4A4E-B595-E9B7C5AFDAA4}" sibTransId="{957AF8FC-C781-438F-B5B6-129B841A621A}"/>
+    <dgm:cxn modelId="{DB42C497-A34F-4151-80F0-686D3C639E40}" type="presParOf" srcId="{56D693AD-A2F5-4E9C-8669-194E4FD701EA}" destId="{B8132821-812E-4558-B999-52B7F7388678}" srcOrd="0" destOrd="0" presId="urn:microsoft.com/office/officeart/2018/2/layout/IconLabelList"/>
+    <dgm:cxn modelId="{856142A9-8E8B-4E41-A531-E5C4B6E016FE}" type="presParOf" srcId="{B8132821-812E-4558-B999-52B7F7388678}" destId="{DEDDFE07-C347-4B3A-A0E4-19039792541B}" srcOrd="0" destOrd="0" presId="urn:microsoft.com/office/officeart/2018/2/layout/IconLabelList"/>
+    <dgm:cxn modelId="{99DB5972-FCB2-4F1C-9DB1-2D72821A634D}" type="presParOf" srcId="{B8132821-812E-4558-B999-52B7F7388678}" destId="{514992E5-2D6B-42E2-9880-54FA516055D4}" srcOrd="1" destOrd="0" presId="urn:microsoft.com/office/officeart/2018/2/layout/IconLabelList"/>
+    <dgm:cxn modelId="{05A798A4-7696-4CE0-848C-A72E0E4DFAAF}" type="presParOf" srcId="{B8132821-812E-4558-B999-52B7F7388678}" destId="{9EB13C8F-588B-45B3-BBD3-D55A07124653}" srcOrd="2" destOrd="0" presId="urn:microsoft.com/office/officeart/2018/2/layout/IconLabelList"/>
+    <dgm:cxn modelId="{D773FEC4-95DC-44C7-9F0A-F23F8414A2A6}" type="presParOf" srcId="{56D693AD-A2F5-4E9C-8669-194E4FD701EA}" destId="{89241288-D2C2-4C53-980B-7CC241B05A65}" srcOrd="1" destOrd="0" presId="urn:microsoft.com/office/officeart/2018/2/layout/IconLabelList"/>
+    <dgm:cxn modelId="{80E1ACFD-10D5-486B-8F14-3D5C7B091634}" type="presParOf" srcId="{56D693AD-A2F5-4E9C-8669-194E4FD701EA}" destId="{3188AF0F-5B19-4F8F-82B6-1D864E4D7F1E}" srcOrd="2" destOrd="0" presId="urn:microsoft.com/office/officeart/2018/2/layout/IconLabelList"/>
+    <dgm:cxn modelId="{BF83AF11-093E-43A5-9B66-35D4F43C4B89}" type="presParOf" srcId="{3188AF0F-5B19-4F8F-82B6-1D864E4D7F1E}" destId="{9068B72A-8302-4E57-820A-C56409D19918}" srcOrd="0" destOrd="0" presId="urn:microsoft.com/office/officeart/2018/2/layout/IconLabelList"/>
+    <dgm:cxn modelId="{720D93FC-79A4-4EDF-854C-FE959176C9BB}" type="presParOf" srcId="{3188AF0F-5B19-4F8F-82B6-1D864E4D7F1E}" destId="{E4358C19-7E88-4D6C-BB7E-7B379EA32300}" srcOrd="1" destOrd="0" presId="urn:microsoft.com/office/officeart/2018/2/layout/IconLabelList"/>
+    <dgm:cxn modelId="{66D1F9EE-188C-4D7E-A74E-C93EA2271265}" type="presParOf" srcId="{3188AF0F-5B19-4F8F-82B6-1D864E4D7F1E}" destId="{3F3C9AB4-1640-4B99-9E9A-062E8838D4DF}" srcOrd="2" destOrd="0" presId="urn:microsoft.com/office/officeart/2018/2/layout/IconLabelList"/>
+    <dgm:cxn modelId="{6803A88C-8A6D-4856-9B9E-8103F714783C}" type="presParOf" srcId="{56D693AD-A2F5-4E9C-8669-194E4FD701EA}" destId="{5FD32DA4-6C17-411E-AA73-5519289A30E3}" srcOrd="3" destOrd="0" presId="urn:microsoft.com/office/officeart/2018/2/layout/IconLabelList"/>
+    <dgm:cxn modelId="{E0264C50-257F-43B5-B73F-A16568A70A31}" type="presParOf" srcId="{56D693AD-A2F5-4E9C-8669-194E4FD701EA}" destId="{D6DEA20E-14F1-406F-8D98-B17EF63D0A82}" srcOrd="4" destOrd="0" presId="urn:microsoft.com/office/officeart/2018/2/layout/IconLabelList"/>
+    <dgm:cxn modelId="{A73D47A0-ED42-4FC1-83DD-68476579B02B}" type="presParOf" srcId="{D6DEA20E-14F1-406F-8D98-B17EF63D0A82}" destId="{36271881-A3AA-483B-979D-DAA8656C3FC5}" srcOrd="0" destOrd="0" presId="urn:microsoft.com/office/officeart/2018/2/layout/IconLabelList"/>
+    <dgm:cxn modelId="{1F341F4F-6D35-4F8F-AB15-032F78368164}" type="presParOf" srcId="{D6DEA20E-14F1-406F-8D98-B17EF63D0A82}" destId="{3FB0B3B1-3D3A-464A-85E9-C2F5EC71578B}" srcOrd="1" destOrd="0" presId="urn:microsoft.com/office/officeart/2018/2/layout/IconLabelList"/>
+    <dgm:cxn modelId="{A7F10849-3F7D-4F1D-9C9F-3F8DC71FDDAC}" type="presParOf" srcId="{D6DEA20E-14F1-406F-8D98-B17EF63D0A82}" destId="{4CCBA432-042B-4679-97C8-B080BF99870F}" srcOrd="2" destOrd="0" presId="urn:microsoft.com/office/officeart/2018/2/layout/IconLabelList"/>
   </dgm:cxnLst>
   <dgm:bg/>
   <dgm:whole/>
@@ -2313,28 +2329,28 @@
     </dgm:pt>
   </dgm:ptLst>
   <dgm:cxnLst>
-    <dgm:cxn modelId="{06970616-2B61-4015-B6D9-E1DAB2F34ACE}" type="presOf" srcId="{78CC0476-A9BF-4289-92DD-F46A0D677F5B}" destId="{77767F22-FD59-4649-8353-1B9A5951A6B4}" srcOrd="0" destOrd="0" presId="urn:microsoft.com/office/officeart/2005/8/layout/hierarchy1"/>
-    <dgm:cxn modelId="{6AA90018-AA5E-4350-A7E6-122733DEB542}" type="presOf" srcId="{F9705E7F-1AF6-4635-93D1-97BC014BAF9F}" destId="{07DF7C55-5E65-4BED-AD51-D418525A10E5}" srcOrd="0" destOrd="0" presId="urn:microsoft.com/office/officeart/2005/8/layout/hierarchy1"/>
-    <dgm:cxn modelId="{1AFC734E-B9F0-4C33-A92C-C8BA7D854F5B}" type="presOf" srcId="{D87994CA-C647-4FC1-AA82-DCD61524FCCE}" destId="{B712FEF9-7BB7-4C1C-87A3-196B54A3BFD0}" srcOrd="0" destOrd="0" presId="urn:microsoft.com/office/officeart/2005/8/layout/hierarchy1"/>
-    <dgm:cxn modelId="{4B8DBE83-63FC-4A64-90DC-AF0A9DE1AB49}" type="presOf" srcId="{04A3AD89-C2BB-4E44-A3FB-FE5519A3CC9C}" destId="{D950EF78-F3C1-4C5E-B7F9-04910BC50F0B}" srcOrd="0" destOrd="0" presId="urn:microsoft.com/office/officeart/2005/8/layout/hierarchy1"/>
+    <dgm:cxn modelId="{4B670296-7535-4A98-9959-822BFE378C35}" type="presOf" srcId="{D87994CA-C647-4FC1-AA82-DCD61524FCCE}" destId="{B712FEF9-7BB7-4C1C-87A3-196B54A3BFD0}" srcOrd="0" destOrd="0" presId="urn:microsoft.com/office/officeart/2005/8/layout/hierarchy1"/>
+    <dgm:cxn modelId="{9BE3D6A1-6ACC-4021-A246-2D62C5F8CB46}" type="presOf" srcId="{04A3AD89-C2BB-4E44-A3FB-FE5519A3CC9C}" destId="{D950EF78-F3C1-4C5E-B7F9-04910BC50F0B}" srcOrd="0" destOrd="0" presId="urn:microsoft.com/office/officeart/2005/8/layout/hierarchy1"/>
+    <dgm:cxn modelId="{CCE8D1C7-758E-40D9-BE22-DFE6A6452927}" type="presOf" srcId="{78CC0476-A9BF-4289-92DD-F46A0D677F5B}" destId="{77767F22-FD59-4649-8353-1B9A5951A6B4}" srcOrd="0" destOrd="0" presId="urn:microsoft.com/office/officeart/2005/8/layout/hierarchy1"/>
     <dgm:cxn modelId="{79D1E6CA-F535-483D-8EB9-FFDFF2779AAB}" srcId="{78CC0476-A9BF-4289-92DD-F46A0D677F5B}" destId="{D87994CA-C647-4FC1-AA82-DCD61524FCCE}" srcOrd="2" destOrd="0" parTransId="{72D3FA47-E32E-471A-866F-1343E5328673}" sibTransId="{2BE0E38F-2278-440A-A673-C6F21780BB53}"/>
     <dgm:cxn modelId="{BF7BCFEF-F66D-410D-B44C-87DA795B900E}" srcId="{78CC0476-A9BF-4289-92DD-F46A0D677F5B}" destId="{04A3AD89-C2BB-4E44-A3FB-FE5519A3CC9C}" srcOrd="1" destOrd="0" parTransId="{B5777A9B-1CFF-4DEF-8F99-FE28787F56D5}" sibTransId="{4A8056EF-9AFF-47C2-AF82-AE33B199529C}"/>
+    <dgm:cxn modelId="{6E5A96F3-1658-40AA-9335-CEE7A092C207}" type="presOf" srcId="{F9705E7F-1AF6-4635-93D1-97BC014BAF9F}" destId="{07DF7C55-5E65-4BED-AD51-D418525A10E5}" srcOrd="0" destOrd="0" presId="urn:microsoft.com/office/officeart/2005/8/layout/hierarchy1"/>
     <dgm:cxn modelId="{F778EAF4-ED0C-4140-AC9E-4594AD5327E8}" srcId="{78CC0476-A9BF-4289-92DD-F46A0D677F5B}" destId="{F9705E7F-1AF6-4635-93D1-97BC014BAF9F}" srcOrd="0" destOrd="0" parTransId="{230D227C-16E6-4018-923D-65B94A84CD93}" sibTransId="{5BE30F8E-8990-4C8C-8A7E-8D9CFB448A79}"/>
-    <dgm:cxn modelId="{72228789-89D6-4082-BA3E-58E03C8C2C7A}" type="presParOf" srcId="{77767F22-FD59-4649-8353-1B9A5951A6B4}" destId="{CB53D338-300A-43CF-B808-7CD46867E5EF}" srcOrd="0" destOrd="0" presId="urn:microsoft.com/office/officeart/2005/8/layout/hierarchy1"/>
-    <dgm:cxn modelId="{CEFE25B0-64B6-4F80-95FD-884D3F2D7519}" type="presParOf" srcId="{CB53D338-300A-43CF-B808-7CD46867E5EF}" destId="{622BDB8A-9BF8-4458-AC6B-6D0CC7DAE264}" srcOrd="0" destOrd="0" presId="urn:microsoft.com/office/officeart/2005/8/layout/hierarchy1"/>
-    <dgm:cxn modelId="{AF209806-3A97-4D6B-9C0E-894F0C895CAD}" type="presParOf" srcId="{622BDB8A-9BF8-4458-AC6B-6D0CC7DAE264}" destId="{7AB73716-C783-4EDC-996C-C05FC0FEE5D2}" srcOrd="0" destOrd="0" presId="urn:microsoft.com/office/officeart/2005/8/layout/hierarchy1"/>
-    <dgm:cxn modelId="{F24B30E7-1645-4E36-80DF-3C89042D0411}" type="presParOf" srcId="{622BDB8A-9BF8-4458-AC6B-6D0CC7DAE264}" destId="{07DF7C55-5E65-4BED-AD51-D418525A10E5}" srcOrd="1" destOrd="0" presId="urn:microsoft.com/office/officeart/2005/8/layout/hierarchy1"/>
-    <dgm:cxn modelId="{E50D9374-01AC-4DF8-855D-96D648654929}" type="presParOf" srcId="{CB53D338-300A-43CF-B808-7CD46867E5EF}" destId="{20922C93-8FBB-4AEB-ACE4-4AA15EE09299}" srcOrd="1" destOrd="0" presId="urn:microsoft.com/office/officeart/2005/8/layout/hierarchy1"/>
-    <dgm:cxn modelId="{6B8EE0FC-625F-456B-B5AD-E3AD65F2C65E}" type="presParOf" srcId="{77767F22-FD59-4649-8353-1B9A5951A6B4}" destId="{F7DCA427-8717-4D55-8623-1E2814F95AD3}" srcOrd="1" destOrd="0" presId="urn:microsoft.com/office/officeart/2005/8/layout/hierarchy1"/>
-    <dgm:cxn modelId="{D2ED9A84-CA4D-42A4-B46E-164707B8B04E}" type="presParOf" srcId="{F7DCA427-8717-4D55-8623-1E2814F95AD3}" destId="{505FD1C4-F284-4AE6-A873-A0DFF2A8F4CD}" srcOrd="0" destOrd="0" presId="urn:microsoft.com/office/officeart/2005/8/layout/hierarchy1"/>
-    <dgm:cxn modelId="{B7F9C100-12AA-4392-938C-B4061BB29D77}" type="presParOf" srcId="{505FD1C4-F284-4AE6-A873-A0DFF2A8F4CD}" destId="{EBEFA9A9-C522-43DB-AEC4-37EDF228336F}" srcOrd="0" destOrd="0" presId="urn:microsoft.com/office/officeart/2005/8/layout/hierarchy1"/>
-    <dgm:cxn modelId="{FF136C89-C0C4-4EAD-8F58-1F15BD7E8056}" type="presParOf" srcId="{505FD1C4-F284-4AE6-A873-A0DFF2A8F4CD}" destId="{D950EF78-F3C1-4C5E-B7F9-04910BC50F0B}" srcOrd="1" destOrd="0" presId="urn:microsoft.com/office/officeart/2005/8/layout/hierarchy1"/>
-    <dgm:cxn modelId="{4E64F134-8D24-4AE7-98A5-7342974BE1EF}" type="presParOf" srcId="{F7DCA427-8717-4D55-8623-1E2814F95AD3}" destId="{6016ABBA-776B-436D-867F-3A67BDB313EE}" srcOrd="1" destOrd="0" presId="urn:microsoft.com/office/officeart/2005/8/layout/hierarchy1"/>
-    <dgm:cxn modelId="{4A784B2C-F1C9-4CB9-893F-7B21C8AB115D}" type="presParOf" srcId="{77767F22-FD59-4649-8353-1B9A5951A6B4}" destId="{F4442E46-0100-4437-967D-F365348DD395}" srcOrd="2" destOrd="0" presId="urn:microsoft.com/office/officeart/2005/8/layout/hierarchy1"/>
-    <dgm:cxn modelId="{5F48D461-F4B6-4441-AB08-19186BA3F054}" type="presParOf" srcId="{F4442E46-0100-4437-967D-F365348DD395}" destId="{2BD2D900-238E-48FA-90EB-7AE53441A6DE}" srcOrd="0" destOrd="0" presId="urn:microsoft.com/office/officeart/2005/8/layout/hierarchy1"/>
-    <dgm:cxn modelId="{49854176-73E7-4D29-B6B9-36F46CC983FE}" type="presParOf" srcId="{2BD2D900-238E-48FA-90EB-7AE53441A6DE}" destId="{DF79DC51-CA3E-45EC-92E8-A5CD8B16648C}" srcOrd="0" destOrd="0" presId="urn:microsoft.com/office/officeart/2005/8/layout/hierarchy1"/>
-    <dgm:cxn modelId="{D55E43CC-01F6-43A1-9CAD-74F26B0A690B}" type="presParOf" srcId="{2BD2D900-238E-48FA-90EB-7AE53441A6DE}" destId="{B712FEF9-7BB7-4C1C-87A3-196B54A3BFD0}" srcOrd="1" destOrd="0" presId="urn:microsoft.com/office/officeart/2005/8/layout/hierarchy1"/>
-    <dgm:cxn modelId="{6B2C632A-2292-4134-9EED-F686677EEDF4}" type="presParOf" srcId="{F4442E46-0100-4437-967D-F365348DD395}" destId="{87FD2A43-E498-4CC6-A733-36AB60D0525C}" srcOrd="1" destOrd="0" presId="urn:microsoft.com/office/officeart/2005/8/layout/hierarchy1"/>
+    <dgm:cxn modelId="{00089ECD-F3A1-49D5-86CB-DE08B7D0A318}" type="presParOf" srcId="{77767F22-FD59-4649-8353-1B9A5951A6B4}" destId="{CB53D338-300A-43CF-B808-7CD46867E5EF}" srcOrd="0" destOrd="0" presId="urn:microsoft.com/office/officeart/2005/8/layout/hierarchy1"/>
+    <dgm:cxn modelId="{AE0AFB4E-ABD1-4A30-973F-BC7E877ACAFF}" type="presParOf" srcId="{CB53D338-300A-43CF-B808-7CD46867E5EF}" destId="{622BDB8A-9BF8-4458-AC6B-6D0CC7DAE264}" srcOrd="0" destOrd="0" presId="urn:microsoft.com/office/officeart/2005/8/layout/hierarchy1"/>
+    <dgm:cxn modelId="{FCA4014A-FA95-4855-AD6D-01064CE81467}" type="presParOf" srcId="{622BDB8A-9BF8-4458-AC6B-6D0CC7DAE264}" destId="{7AB73716-C783-4EDC-996C-C05FC0FEE5D2}" srcOrd="0" destOrd="0" presId="urn:microsoft.com/office/officeart/2005/8/layout/hierarchy1"/>
+    <dgm:cxn modelId="{BB91EB1C-F382-4D69-B912-9D67549AE087}" type="presParOf" srcId="{622BDB8A-9BF8-4458-AC6B-6D0CC7DAE264}" destId="{07DF7C55-5E65-4BED-AD51-D418525A10E5}" srcOrd="1" destOrd="0" presId="urn:microsoft.com/office/officeart/2005/8/layout/hierarchy1"/>
+    <dgm:cxn modelId="{FA0B058B-7706-4E05-9555-C6B4F340E729}" type="presParOf" srcId="{CB53D338-300A-43CF-B808-7CD46867E5EF}" destId="{20922C93-8FBB-4AEB-ACE4-4AA15EE09299}" srcOrd="1" destOrd="0" presId="urn:microsoft.com/office/officeart/2005/8/layout/hierarchy1"/>
+    <dgm:cxn modelId="{035D91CE-8AA1-4247-A405-F5371DCE368F}" type="presParOf" srcId="{77767F22-FD59-4649-8353-1B9A5951A6B4}" destId="{F7DCA427-8717-4D55-8623-1E2814F95AD3}" srcOrd="1" destOrd="0" presId="urn:microsoft.com/office/officeart/2005/8/layout/hierarchy1"/>
+    <dgm:cxn modelId="{F29CB670-BB53-48FE-8469-417AA7CDC498}" type="presParOf" srcId="{F7DCA427-8717-4D55-8623-1E2814F95AD3}" destId="{505FD1C4-F284-4AE6-A873-A0DFF2A8F4CD}" srcOrd="0" destOrd="0" presId="urn:microsoft.com/office/officeart/2005/8/layout/hierarchy1"/>
+    <dgm:cxn modelId="{8B38F6D7-7B5C-4888-A209-144785EEC5CF}" type="presParOf" srcId="{505FD1C4-F284-4AE6-A873-A0DFF2A8F4CD}" destId="{EBEFA9A9-C522-43DB-AEC4-37EDF228336F}" srcOrd="0" destOrd="0" presId="urn:microsoft.com/office/officeart/2005/8/layout/hierarchy1"/>
+    <dgm:cxn modelId="{AAFC1AD5-FF45-4DF0-8169-59601730FB84}" type="presParOf" srcId="{505FD1C4-F284-4AE6-A873-A0DFF2A8F4CD}" destId="{D950EF78-F3C1-4C5E-B7F9-04910BC50F0B}" srcOrd="1" destOrd="0" presId="urn:microsoft.com/office/officeart/2005/8/layout/hierarchy1"/>
+    <dgm:cxn modelId="{D29187AE-5742-4C06-998C-6B7BD949E017}" type="presParOf" srcId="{F7DCA427-8717-4D55-8623-1E2814F95AD3}" destId="{6016ABBA-776B-436D-867F-3A67BDB313EE}" srcOrd="1" destOrd="0" presId="urn:microsoft.com/office/officeart/2005/8/layout/hierarchy1"/>
+    <dgm:cxn modelId="{EB02DB4D-5F28-464B-9C12-E14F178DAE61}" type="presParOf" srcId="{77767F22-FD59-4649-8353-1B9A5951A6B4}" destId="{F4442E46-0100-4437-967D-F365348DD395}" srcOrd="2" destOrd="0" presId="urn:microsoft.com/office/officeart/2005/8/layout/hierarchy1"/>
+    <dgm:cxn modelId="{CB13A377-DC5D-452B-B7C5-AAAEA5FF5182}" type="presParOf" srcId="{F4442E46-0100-4437-967D-F365348DD395}" destId="{2BD2D900-238E-48FA-90EB-7AE53441A6DE}" srcOrd="0" destOrd="0" presId="urn:microsoft.com/office/officeart/2005/8/layout/hierarchy1"/>
+    <dgm:cxn modelId="{C26A2452-8AEB-42FA-8BA2-D7A1C4697444}" type="presParOf" srcId="{2BD2D900-238E-48FA-90EB-7AE53441A6DE}" destId="{DF79DC51-CA3E-45EC-92E8-A5CD8B16648C}" srcOrd="0" destOrd="0" presId="urn:microsoft.com/office/officeart/2005/8/layout/hierarchy1"/>
+    <dgm:cxn modelId="{D7DD853C-A054-4957-8137-454AAAD7C637}" type="presParOf" srcId="{2BD2D900-238E-48FA-90EB-7AE53441A6DE}" destId="{B712FEF9-7BB7-4C1C-87A3-196B54A3BFD0}" srcOrd="1" destOrd="0" presId="urn:microsoft.com/office/officeart/2005/8/layout/hierarchy1"/>
+    <dgm:cxn modelId="{D2AB1E2F-98C4-4DCD-B097-F844185FE41C}" type="presParOf" srcId="{F4442E46-0100-4437-967D-F365348DD395}" destId="{87FD2A43-E498-4CC6-A733-36AB60D0525C}" srcOrd="1" destOrd="0" presId="urn:microsoft.com/office/officeart/2005/8/layout/hierarchy1"/>
   </dgm:cxnLst>
   <dgm:bg/>
   <dgm:whole/>
@@ -2354,55 +2370,15 @@
       <dsp:cNvGrpSpPr/>
     </dsp:nvGrpSpPr>
     <dsp:grpSpPr/>
-    <dsp:sp modelId="{50F3C462-851A-45D7-A628-E11A4763D674}">
+    <dsp:sp modelId="{DEDDFE07-C347-4B3A-A0E4-19039792541B}">
       <dsp:nvSpPr>
         <dsp:cNvPr id="0" name=""/>
         <dsp:cNvSpPr/>
       </dsp:nvSpPr>
       <dsp:spPr>
         <a:xfrm>
-          <a:off x="189082" y="8195"/>
-          <a:ext cx="1323913" cy="1323913"/>
-        </a:xfrm>
-        <a:prstGeom prst="ellipse">
-          <a:avLst/>
-        </a:prstGeom>
-        <a:solidFill>
-          <a:schemeClr val="bg1">
-            <a:lumMod val="95000"/>
-            <a:hueOff val="0"/>
-            <a:satOff val="0"/>
-            <a:lumOff val="0"/>
-            <a:alphaOff val="0"/>
-          </a:schemeClr>
-        </a:solidFill>
-        <a:ln>
-          <a:noFill/>
-        </a:ln>
-        <a:effectLst/>
-      </dsp:spPr>
-      <dsp:style>
-        <a:lnRef idx="0">
-          <a:scrgbClr r="0" g="0" b="0"/>
-        </a:lnRef>
-        <a:fillRef idx="1">
-          <a:scrgbClr r="0" g="0" b="0"/>
-        </a:fillRef>
-        <a:effectRef idx="0">
-          <a:scrgbClr r="0" g="0" b="0"/>
-        </a:effectRef>
-        <a:fontRef idx="minor"/>
-      </dsp:style>
-    </dsp:sp>
-    <dsp:sp modelId="{F6E0C276-6AE2-4DB5-BB5B-A12E2B8B8157}">
-      <dsp:nvSpPr>
-        <dsp:cNvPr id="0" name=""/>
-        <dsp:cNvSpPr/>
-      </dsp:nvSpPr>
-      <dsp:spPr>
-        <a:xfrm>
-          <a:off x="467104" y="286217"/>
-          <a:ext cx="767869" cy="767869"/>
+          <a:off x="1167993" y="421040"/>
+          <a:ext cx="1292537" cy="1292537"/>
         </a:xfrm>
         <a:prstGeom prst="rect">
           <a:avLst/>
@@ -2444,15 +2420,15 @@
         </a:fontRef>
       </dsp:style>
     </dsp:sp>
-    <dsp:sp modelId="{88926926-1AE5-4C65-B646-8771329EAC56}">
+    <dsp:sp modelId="{9EB13C8F-588B-45B3-BBD3-D55A07124653}">
       <dsp:nvSpPr>
         <dsp:cNvPr id="0" name=""/>
         <dsp:cNvSpPr/>
       </dsp:nvSpPr>
       <dsp:spPr>
         <a:xfrm>
-          <a:off x="1796691" y="8195"/>
-          <a:ext cx="3120653" cy="1323913"/>
+          <a:off x="378109" y="2068861"/>
+          <a:ext cx="2872305" cy="720000"/>
         </a:xfrm>
         <a:prstGeom prst="rect">
           <a:avLst/>
@@ -2476,12 +2452,12 @@
         <a:fontRef idx="minor"/>
       </dsp:style>
       <dsp:txBody>
-        <a:bodyPr spcFirstLastPara="0" vert="horz" wrap="square" lIns="0" tIns="0" rIns="0" bIns="0" numCol="1" spcCol="1270" anchor="ctr" anchorCtr="0">
+        <a:bodyPr spcFirstLastPara="0" vert="horz" wrap="square" lIns="0" tIns="0" rIns="0" bIns="0" numCol="1" spcCol="1270" anchor="t" anchorCtr="0">
           <a:noAutofit/>
         </a:bodyPr>
         <a:lstStyle/>
         <a:p>
-          <a:pPr marL="0" lvl="0" indent="0" algn="l" defTabSz="755650">
+          <a:pPr marL="0" lvl="0" indent="0" algn="ctr" defTabSz="1022350">
             <a:lnSpc>
               <a:spcPct val="100000"/>
             </a:lnSpc>
@@ -2494,69 +2470,26 @@
             <a:buNone/>
           </a:pPr>
           <a:r>
-            <a:rPr lang="en-US" sz="1700" b="1" kern="1200"/>
-            <a:t>Exploratory Data Analysis (EDA): </a:t>
+            <a:rPr lang="en-US" sz="2300" b="1" kern="1200" dirty="0"/>
+            <a:t>Exploratory Data Analysis (EDA)</a:t>
           </a:r>
-          <a:r>
-            <a:rPr lang="en-US" sz="1700" kern="1200"/>
-            <a:t>Investigated feature distributions and correlations with the target variable.</a:t>
-          </a:r>
+          <a:endParaRPr lang="en-US" sz="2300" kern="1200" dirty="0"/>
         </a:p>
       </dsp:txBody>
       <dsp:txXfrm>
-        <a:off x="1796691" y="8195"/>
-        <a:ext cx="3120653" cy="1323913"/>
+        <a:off x="378109" y="2068861"/>
+        <a:ext cx="2872305" cy="720000"/>
       </dsp:txXfrm>
     </dsp:sp>
-    <dsp:sp modelId="{786CDB43-6C93-49A8-B8B7-BE1595228E8D}">
+    <dsp:sp modelId="{9068B72A-8302-4E57-820A-C56409D19918}">
       <dsp:nvSpPr>
         <dsp:cNvPr id="0" name=""/>
         <dsp:cNvSpPr/>
       </dsp:nvSpPr>
       <dsp:spPr>
         <a:xfrm>
-          <a:off x="5461095" y="8195"/>
-          <a:ext cx="1323913" cy="1323913"/>
-        </a:xfrm>
-        <a:prstGeom prst="ellipse">
-          <a:avLst/>
-        </a:prstGeom>
-        <a:solidFill>
-          <a:schemeClr val="bg1">
-            <a:lumMod val="95000"/>
-            <a:hueOff val="0"/>
-            <a:satOff val="0"/>
-            <a:lumOff val="0"/>
-            <a:alphaOff val="0"/>
-          </a:schemeClr>
-        </a:solidFill>
-        <a:ln>
-          <a:noFill/>
-        </a:ln>
-        <a:effectLst/>
-      </dsp:spPr>
-      <dsp:style>
-        <a:lnRef idx="0">
-          <a:scrgbClr r="0" g="0" b="0"/>
-        </a:lnRef>
-        <a:fillRef idx="1">
-          <a:scrgbClr r="0" g="0" b="0"/>
-        </a:fillRef>
-        <a:effectRef idx="0">
-          <a:scrgbClr r="0" g="0" b="0"/>
-        </a:effectRef>
-        <a:fontRef idx="minor"/>
-      </dsp:style>
-    </dsp:sp>
-    <dsp:sp modelId="{04627488-9B3D-4659-8971-7EE35EAB58A5}">
-      <dsp:nvSpPr>
-        <dsp:cNvPr id="0" name=""/>
-        <dsp:cNvSpPr/>
-      </dsp:nvSpPr>
-      <dsp:spPr>
-        <a:xfrm>
-          <a:off x="5739116" y="286217"/>
-          <a:ext cx="767869" cy="767869"/>
+          <a:off x="4542951" y="421040"/>
+          <a:ext cx="1292537" cy="1292537"/>
         </a:xfrm>
         <a:prstGeom prst="rect">
           <a:avLst/>
@@ -2598,15 +2531,15 @@
         </a:fontRef>
       </dsp:style>
     </dsp:sp>
-    <dsp:sp modelId="{EA9C978A-BC8D-45D6-B486-E9E464D856F5}">
+    <dsp:sp modelId="{3F3C9AB4-1640-4B99-9E9A-062E8838D4DF}">
       <dsp:nvSpPr>
         <dsp:cNvPr id="0" name=""/>
         <dsp:cNvSpPr/>
       </dsp:nvSpPr>
       <dsp:spPr>
         <a:xfrm>
-          <a:off x="7068704" y="8195"/>
-          <a:ext cx="3120653" cy="1323913"/>
+          <a:off x="3753067" y="2068861"/>
+          <a:ext cx="2872305" cy="720000"/>
         </a:xfrm>
         <a:prstGeom prst="rect">
           <a:avLst/>
@@ -2630,12 +2563,12 @@
         <a:fontRef idx="minor"/>
       </dsp:style>
       <dsp:txBody>
-        <a:bodyPr spcFirstLastPara="0" vert="horz" wrap="square" lIns="0" tIns="0" rIns="0" bIns="0" numCol="1" spcCol="1270" anchor="ctr" anchorCtr="0">
+        <a:bodyPr spcFirstLastPara="0" vert="horz" wrap="square" lIns="0" tIns="0" rIns="0" bIns="0" numCol="1" spcCol="1270" anchor="t" anchorCtr="0">
           <a:noAutofit/>
         </a:bodyPr>
         <a:lstStyle/>
         <a:p>
-          <a:pPr marL="0" lvl="0" indent="0" algn="l" defTabSz="755650">
+          <a:pPr marL="0" lvl="0" indent="0" algn="ctr" defTabSz="1022350">
             <a:lnSpc>
               <a:spcPct val="100000"/>
             </a:lnSpc>
@@ -2648,69 +2581,26 @@
             <a:buNone/>
           </a:pPr>
           <a:r>
-            <a:rPr lang="en-US" sz="1700" b="1" kern="1200"/>
-            <a:t>Feature Correlation: </a:t>
+            <a:rPr lang="en-US" sz="2300" b="1" kern="1200" dirty="0"/>
+            <a:t>Data Splitting</a:t>
           </a:r>
-          <a:r>
-            <a:rPr lang="en-US" sz="1700" kern="1200"/>
-            <a:t>Analyzed the correlation of features with Alzheimer’s Diagnosis to understand relationships.</a:t>
-          </a:r>
+          <a:endParaRPr lang="en-US" sz="2300" kern="1200" dirty="0"/>
         </a:p>
       </dsp:txBody>
       <dsp:txXfrm>
-        <a:off x="7068704" y="8195"/>
-        <a:ext cx="3120653" cy="1323913"/>
+        <a:off x="3753067" y="2068861"/>
+        <a:ext cx="2872305" cy="720000"/>
       </dsp:txXfrm>
     </dsp:sp>
-    <dsp:sp modelId="{DEB66378-068B-4AA9-BB9A-BFF3F5A954B0}">
+    <dsp:sp modelId="{36271881-A3AA-483B-979D-DAA8656C3FC5}">
       <dsp:nvSpPr>
         <dsp:cNvPr id="0" name=""/>
         <dsp:cNvSpPr/>
       </dsp:nvSpPr>
       <dsp:spPr>
         <a:xfrm>
-          <a:off x="189082" y="1877792"/>
-          <a:ext cx="1323913" cy="1323913"/>
-        </a:xfrm>
-        <a:prstGeom prst="ellipse">
-          <a:avLst/>
-        </a:prstGeom>
-        <a:solidFill>
-          <a:schemeClr val="bg1">
-            <a:lumMod val="95000"/>
-            <a:hueOff val="0"/>
-            <a:satOff val="0"/>
-            <a:lumOff val="0"/>
-            <a:alphaOff val="0"/>
-          </a:schemeClr>
-        </a:solidFill>
-        <a:ln>
-          <a:noFill/>
-        </a:ln>
-        <a:effectLst/>
-      </dsp:spPr>
-      <dsp:style>
-        <a:lnRef idx="0">
-          <a:scrgbClr r="0" g="0" b="0"/>
-        </a:lnRef>
-        <a:fillRef idx="1">
-          <a:scrgbClr r="0" g="0" b="0"/>
-        </a:fillRef>
-        <a:effectRef idx="0">
-          <a:scrgbClr r="0" g="0" b="0"/>
-        </a:effectRef>
-        <a:fontRef idx="minor"/>
-      </dsp:style>
-    </dsp:sp>
-    <dsp:sp modelId="{C166CE3C-45B5-41BB-8EE2-DA3D2B9BD3D5}">
-      <dsp:nvSpPr>
-        <dsp:cNvPr id="0" name=""/>
-        <dsp:cNvSpPr/>
-      </dsp:nvSpPr>
-      <dsp:spPr>
-        <a:xfrm>
-          <a:off x="467104" y="2155814"/>
-          <a:ext cx="767869" cy="767869"/>
+          <a:off x="7917909" y="421040"/>
+          <a:ext cx="1292537" cy="1292537"/>
         </a:xfrm>
         <a:prstGeom prst="rect">
           <a:avLst/>
@@ -2752,15 +2642,15 @@
         </a:fontRef>
       </dsp:style>
     </dsp:sp>
-    <dsp:sp modelId="{01767911-DEEC-4F52-9ED1-3E2249112603}">
+    <dsp:sp modelId="{4CCBA432-042B-4679-97C8-B080BF99870F}">
       <dsp:nvSpPr>
         <dsp:cNvPr id="0" name=""/>
         <dsp:cNvSpPr/>
       </dsp:nvSpPr>
       <dsp:spPr>
         <a:xfrm>
-          <a:off x="1796691" y="1877792"/>
-          <a:ext cx="3120653" cy="1323913"/>
+          <a:off x="7128025" y="2068861"/>
+          <a:ext cx="2872305" cy="720000"/>
         </a:xfrm>
         <a:prstGeom prst="rect">
           <a:avLst/>
@@ -2784,12 +2674,12 @@
         <a:fontRef idx="minor"/>
       </dsp:style>
       <dsp:txBody>
-        <a:bodyPr spcFirstLastPara="0" vert="horz" wrap="square" lIns="0" tIns="0" rIns="0" bIns="0" numCol="1" spcCol="1270" anchor="ctr" anchorCtr="0">
+        <a:bodyPr spcFirstLastPara="0" vert="horz" wrap="square" lIns="0" tIns="0" rIns="0" bIns="0" numCol="1" spcCol="1270" anchor="t" anchorCtr="0">
           <a:noAutofit/>
         </a:bodyPr>
         <a:lstStyle/>
         <a:p>
-          <a:pPr marL="0" lvl="0" indent="0" algn="l" defTabSz="755650">
+          <a:pPr marL="0" lvl="0" indent="0" algn="ctr" defTabSz="1022350">
             <a:lnSpc>
               <a:spcPct val="100000"/>
             </a:lnSpc>
@@ -2802,172 +2692,15 @@
             <a:buNone/>
           </a:pPr>
           <a:r>
-            <a:rPr lang="en-US" sz="1700" b="1" kern="1200"/>
-            <a:t>Data Splitting: </a:t>
+            <a:rPr lang="en-US" sz="2300" b="1" kern="1200" dirty="0"/>
+            <a:t>Modeling</a:t>
           </a:r>
-          <a:r>
-            <a:rPr lang="en-US" sz="1700" kern="1200"/>
-            <a:t>Split the dataset into training and test sets (80%/20%) using stratified sampling.</a:t>
-          </a:r>
+          <a:endParaRPr lang="en-US" sz="2300" kern="1200" dirty="0"/>
         </a:p>
       </dsp:txBody>
       <dsp:txXfrm>
-        <a:off x="1796691" y="1877792"/>
-        <a:ext cx="3120653" cy="1323913"/>
-      </dsp:txXfrm>
-    </dsp:sp>
-    <dsp:sp modelId="{103EE375-EB9B-4080-8ADD-AA4A4B488AEE}">
-      <dsp:nvSpPr>
-        <dsp:cNvPr id="0" name=""/>
-        <dsp:cNvSpPr/>
-      </dsp:nvSpPr>
-      <dsp:spPr>
-        <a:xfrm>
-          <a:off x="5461095" y="1877792"/>
-          <a:ext cx="1323913" cy="1323913"/>
-        </a:xfrm>
-        <a:prstGeom prst="ellipse">
-          <a:avLst/>
-        </a:prstGeom>
-        <a:solidFill>
-          <a:schemeClr val="bg1">
-            <a:lumMod val="95000"/>
-            <a:hueOff val="0"/>
-            <a:satOff val="0"/>
-            <a:lumOff val="0"/>
-            <a:alphaOff val="0"/>
-          </a:schemeClr>
-        </a:solidFill>
-        <a:ln>
-          <a:noFill/>
-        </a:ln>
-        <a:effectLst/>
-      </dsp:spPr>
-      <dsp:style>
-        <a:lnRef idx="0">
-          <a:scrgbClr r="0" g="0" b="0"/>
-        </a:lnRef>
-        <a:fillRef idx="1">
-          <a:scrgbClr r="0" g="0" b="0"/>
-        </a:fillRef>
-        <a:effectRef idx="0">
-          <a:scrgbClr r="0" g="0" b="0"/>
-        </a:effectRef>
-        <a:fontRef idx="minor"/>
-      </dsp:style>
-    </dsp:sp>
-    <dsp:sp modelId="{FCB588A3-9C33-48F4-8906-B86F50D633EB}">
-      <dsp:nvSpPr>
-        <dsp:cNvPr id="0" name=""/>
-        <dsp:cNvSpPr/>
-      </dsp:nvSpPr>
-      <dsp:spPr>
-        <a:xfrm>
-          <a:off x="5739116" y="2155814"/>
-          <a:ext cx="767869" cy="767869"/>
-        </a:xfrm>
-        <a:prstGeom prst="rect">
-          <a:avLst/>
-        </a:prstGeom>
-        <a:blipFill>
-          <a:blip xmlns:r="http://schemas.openxmlformats.org/officeDocument/2006/relationships" r:embed="rId7">
-            <a:extLst>
-              <a:ext uri="{28A0092B-C50C-407E-A947-70E740481C1C}">
-                <a14:useLocalDpi xmlns:a14="http://schemas.microsoft.com/office/drawing/2010/main" val="0"/>
-              </a:ext>
-              <a:ext uri="{96DAC541-7B7A-43D3-8B79-37D633B846F1}">
-                <asvg:svgBlip xmlns:asvg="http://schemas.microsoft.com/office/drawing/2016/SVG/main" r:embed="rId8"/>
-              </a:ext>
-            </a:extLst>
-          </a:blip>
-          <a:stretch>
-            <a:fillRect/>
-          </a:stretch>
-        </a:blipFill>
-        <a:ln w="12700" cap="flat" cmpd="sng" algn="ctr">
-          <a:noFill/>
-          <a:prstDash val="solid"/>
-          <a:miter lim="800000"/>
-        </a:ln>
-        <a:effectLst/>
-      </dsp:spPr>
-      <dsp:style>
-        <a:lnRef idx="2">
-          <a:scrgbClr r="0" g="0" b="0"/>
-        </a:lnRef>
-        <a:fillRef idx="1">
-          <a:scrgbClr r="0" g="0" b="0"/>
-        </a:fillRef>
-        <a:effectRef idx="0">
-          <a:scrgbClr r="0" g="0" b="0"/>
-        </a:effectRef>
-        <a:fontRef idx="minor">
-          <a:schemeClr val="lt1"/>
-        </a:fontRef>
-      </dsp:style>
-    </dsp:sp>
-    <dsp:sp modelId="{3CA79801-F2A0-4317-9242-023258CF5EC6}">
-      <dsp:nvSpPr>
-        <dsp:cNvPr id="0" name=""/>
-        <dsp:cNvSpPr/>
-      </dsp:nvSpPr>
-      <dsp:spPr>
-        <a:xfrm>
-          <a:off x="7068704" y="1877792"/>
-          <a:ext cx="3120653" cy="1323913"/>
-        </a:xfrm>
-        <a:prstGeom prst="rect">
-          <a:avLst/>
-        </a:prstGeom>
-        <a:noFill/>
-        <a:ln>
-          <a:noFill/>
-        </a:ln>
-        <a:effectLst/>
-      </dsp:spPr>
-      <dsp:style>
-        <a:lnRef idx="0">
-          <a:scrgbClr r="0" g="0" b="0"/>
-        </a:lnRef>
-        <a:fillRef idx="0">
-          <a:scrgbClr r="0" g="0" b="0"/>
-        </a:fillRef>
-        <a:effectRef idx="0">
-          <a:scrgbClr r="0" g="0" b="0"/>
-        </a:effectRef>
-        <a:fontRef idx="minor"/>
-      </dsp:style>
-      <dsp:txBody>
-        <a:bodyPr spcFirstLastPara="0" vert="horz" wrap="square" lIns="0" tIns="0" rIns="0" bIns="0" numCol="1" spcCol="1270" anchor="ctr" anchorCtr="0">
-          <a:noAutofit/>
-        </a:bodyPr>
-        <a:lstStyle/>
-        <a:p>
-          <a:pPr marL="0" lvl="0" indent="0" algn="l" defTabSz="755650">
-            <a:lnSpc>
-              <a:spcPct val="100000"/>
-            </a:lnSpc>
-            <a:spcBef>
-              <a:spcPct val="0"/>
-            </a:spcBef>
-            <a:spcAft>
-              <a:spcPct val="35000"/>
-            </a:spcAft>
-            <a:buNone/>
-          </a:pPr>
-          <a:r>
-            <a:rPr lang="en-US" sz="1700" b="1" kern="1200"/>
-            <a:t>Modeling: </a:t>
-          </a:r>
-          <a:r>
-            <a:rPr lang="en-US" sz="1700" kern="1200"/>
-            <a:t>Used AdaBoostClassifier and CatBoostClassifier, with hyperparameter tuning through GridSearchCV</a:t>
-          </a:r>
-        </a:p>
-      </dsp:txBody>
-      <dsp:txXfrm>
-        <a:off x="7068704" y="1877792"/>
-        <a:ext cx="3120653" cy="1323913"/>
+        <a:off x="7128025" y="2068861"/>
+        <a:ext cx="2872305" cy="720000"/>
       </dsp:txXfrm>
     </dsp:sp>
   </dsp:spTree>
@@ -3383,9 +3116,9 @@
 </file>
 
 <file path=ppt/diagrams/layout1.xml><?xml version="1.0" encoding="utf-8"?>
-<dgm:layoutDef xmlns:dgm="http://schemas.openxmlformats.org/drawingml/2006/diagram" xmlns:a="http://schemas.openxmlformats.org/drawingml/2006/main" uniqueId="urn:microsoft.com/office/officeart/2018/2/layout/IconCircleList">
-  <dgm:title val="Icon Circle List"/>
-  <dgm:desc val="Use to show non-sequential or grouped chunks of information accompanied by related visuals. Circular shapes can hold an icon or small picture and corresponding text box shows Level 1 text. Works best for icons or small pictures with medium-length descriptions."/>
+<dgm:layoutDef xmlns:dgm="http://schemas.openxmlformats.org/drawingml/2006/diagram" xmlns:a="http://schemas.openxmlformats.org/drawingml/2006/main" uniqueId="urn:microsoft.com/office/officeart/2018/2/layout/IconLabelList">
+  <dgm:title val="Icon Label List"/>
+  <dgm:desc val="Use to show non-sequential or grouped chunks of information accompanied by a related visuals. Works best with icons or small pictures with short text captions."/>
   <dgm:catLst>
     <dgm:cat type="icon" pri="500"/>
   </dgm:catLst>
@@ -3415,170 +3148,148 @@
       <dgm:dir/>
       <dgm:resizeHandles val="exact"/>
     </dgm:varLst>
-    <dgm:alg type="sp"/>
+    <dgm:choose name="Name0">
+      <dgm:if name="Name1" axis="self" func="var" arg="dir" op="equ" val="norm">
+        <dgm:alg type="snake">
+          <dgm:param type="grDir" val="tL"/>
+          <dgm:param type="flowDir" val="row"/>
+          <dgm:param type="contDir" val="sameDir"/>
+          <dgm:param type="off" val="ctr"/>
+          <dgm:param type="vertAlign" val="mid"/>
+          <dgm:param type="horzAlign" val="ctr"/>
+        </dgm:alg>
+      </dgm:if>
+      <dgm:else name="Name2">
+        <dgm:alg type="snake">
+          <dgm:param type="grDir" val="tR"/>
+          <dgm:param type="flowDir" val="row"/>
+          <dgm:param type="contDir" val="sameDir"/>
+          <dgm:param type="off" val="ctr"/>
+          <dgm:param type="vertAlign" val="mid"/>
+          <dgm:param type="horzAlign" val="ctr"/>
+        </dgm:alg>
+      </dgm:else>
+    </dgm:choose>
     <dgm:shape xmlns:r="http://schemas.openxmlformats.org/officeDocument/2006/relationships" r:blip="">
       <dgm:adjLst/>
     </dgm:shape>
     <dgm:presOf/>
-    <dgm:choose name="Name0">
-      <dgm:if name="Name1" axis="ch" ptType="node" func="cnt" op="lte" val="3">
+    <dgm:choose name="Name3">
+      <dgm:if name="Name4" axis="ch" ptType="node" func="cnt" op="lte" val="2">
         <dgm:constrLst>
-          <dgm:constr type="w" for="ch" forName="container" refType="w"/>
-          <dgm:constr type="h" for="ch" forName="container" refType="h" fact="0.4"/>
+          <dgm:constr type="h" for="ch" forName="compNode" refType="h" fact="0.4"/>
+          <dgm:constr type="w" for="ch" forName="compNode" val="120"/>
+          <dgm:constr type="w" for="ch" forName="sibTrans" refType="w" refFor="ch" refForName="compNode" fact="0.175"/>
+          <dgm:constr type="sp" refType="w" refFor="ch" refForName="compNode" op="equ" fact="0.25"/>
+          <dgm:constr type="primFontSz" for="des" ptType="node" op="equ" val="50"/>
+          <dgm:constr type="h" for="des" forName="compNode" op="equ"/>
+          <dgm:constr type="h" for="des" forName="textRect" op="equ"/>
         </dgm:constrLst>
       </dgm:if>
-      <dgm:else name="Name2">
+      <dgm:if name="Name5" axis="ch" ptType="node" func="cnt" op="lte" val="4">
         <dgm:constrLst>
-          <dgm:constr type="w" for="ch" forName="container" refType="w"/>
-          <dgm:constr type="h" for="ch" forName="container" refType="h"/>
+          <dgm:constr type="h" for="ch" forName="compNode" refType="h" fact="0.4"/>
+          <dgm:constr type="w" for="ch" forName="compNode" refType="w"/>
+          <dgm:constr type="w" for="ch" forName="sibTrans" refType="w" refFor="ch" refForName="compNode" fact="0.175"/>
+          <dgm:constr type="sp" refType="w" refFor="ch" refForName="compNode" op="equ" fact="0.25"/>
+          <dgm:constr type="primFontSz" for="des" ptType="node" op="equ" val="36"/>
+          <dgm:constr type="h" for="des" forName="compNode" op="equ"/>
+          <dgm:constr type="h" for="des" forName="textRect" op="equ"/>
+        </dgm:constrLst>
+      </dgm:if>
+      <dgm:else name="Name6">
+        <dgm:constrLst>
+          <dgm:constr type="h" for="ch" forName="compNode" refType="h" fact="0.4"/>
+          <dgm:constr type="w" for="ch" forName="compNode" refType="w"/>
+          <dgm:constr type="w" for="ch" forName="sibTrans" refType="w" refFor="ch" refForName="compNode" fact="0.175"/>
+          <dgm:constr type="sp" refType="w" refFor="ch" refForName="compNode" op="equ" fact="0.25"/>
+          <dgm:constr type="primFontSz" for="des" ptType="node" op="equ" val="24"/>
+          <dgm:constr type="h" for="des" forName="compNode" op="equ"/>
+          <dgm:constr type="h" for="des" forName="textRect" op="equ"/>
         </dgm:constrLst>
       </dgm:else>
     </dgm:choose>
     <dgm:ruleLst>
-      <dgm:rule type="h" for="ch" forName="container" val="INF" fact="NaN" max="NaN"/>
+      <dgm:rule type="w" for="ch" forName="compNode" val="50" fact="NaN" max="NaN"/>
     </dgm:ruleLst>
-    <dgm:layoutNode name="container">
-      <dgm:varLst>
-        <dgm:dir/>
-        <dgm:resizeHandles val="exact"/>
-      </dgm:varLst>
-      <dgm:choose name="Name3">
-        <dgm:if name="Name4" axis="self" func="var" arg="dir" op="equ" val="norm">
-          <dgm:alg type="snake">
-            <dgm:param type="grDir" val="tL"/>
-            <dgm:param type="flowDir" val="row"/>
-            <dgm:param type="contDir" val="sameDir"/>
+    <dgm:forEach name="Name7" axis="ch" ptType="node">
+      <dgm:layoutNode name="compNode">
+        <dgm:alg type="composite"/>
+        <dgm:shape xmlns:r="http://schemas.openxmlformats.org/officeDocument/2006/relationships" r:blip="">
+          <dgm:adjLst/>
+        </dgm:shape>
+        <dgm:presOf axis="self"/>
+        <dgm:constrLst>
+          <dgm:constr type="w" for="ch" forName="iconRect" refType="w" fact="0.45"/>
+          <dgm:constr type="h" for="ch" forName="iconRect" refType="w" refFor="ch" refForName="iconRect"/>
+          <dgm:constr type="ctrX" for="ch" forName="iconRect" refType="w" fact="0.5"/>
+          <dgm:constr type="t" for="ch" forName="iconRect"/>
+          <dgm:constr type="h" for="ch" forName="spaceRect" refType="h" fact="0.15"/>
+          <dgm:constr type="w" for="ch" forName="spaceRect" refType="w"/>
+          <dgm:constr type="l" for="ch" forName="spaceRect"/>
+          <dgm:constr type="t" for="ch" forName="spaceRect" refType="b" refFor="ch" refForName="iconRect"/>
+          <dgm:constr type="h" for="ch" forName="textRect" val="20"/>
+          <dgm:constr type="w" for="ch" forName="textRect" refType="w"/>
+          <dgm:constr type="l" for="ch" forName="textRect"/>
+          <dgm:constr type="t" for="ch" forName="textRect" refType="b" refFor="ch" refForName="spaceRect"/>
+        </dgm:constrLst>
+        <dgm:ruleLst>
+          <dgm:rule type="h" val="INF" fact="NaN" max="NaN"/>
+        </dgm:ruleLst>
+        <dgm:layoutNode name="iconRect" styleLbl="node1">
+          <dgm:alg type="sp"/>
+          <dgm:shape xmlns:r="http://schemas.openxmlformats.org/officeDocument/2006/relationships" type="rect" r:blip="" blipPhldr="1">
+            <dgm:adjLst/>
+          </dgm:shape>
+          <dgm:presOf/>
+          <dgm:constrLst/>
+          <dgm:ruleLst/>
+        </dgm:layoutNode>
+        <dgm:layoutNode name="spaceRect">
+          <dgm:alg type="sp"/>
+          <dgm:shape xmlns:r="http://schemas.openxmlformats.org/officeDocument/2006/relationships" r:blip="">
+            <dgm:adjLst/>
+          </dgm:shape>
+          <dgm:presOf/>
+          <dgm:constrLst/>
+          <dgm:ruleLst/>
+        </dgm:layoutNode>
+        <dgm:layoutNode name="textRect" styleLbl="revTx">
+          <dgm:varLst>
+            <dgm:chMax val="1"/>
+            <dgm:chPref val="1"/>
+          </dgm:varLst>
+          <dgm:alg type="tx">
+            <dgm:param type="txAnchorVert" val="t"/>
           </dgm:alg>
-        </dgm:if>
-        <dgm:else name="Name5">
-          <dgm:alg type="snake">
-            <dgm:param type="grDir" val="tR"/>
-            <dgm:param type="flowDir" val="row"/>
-            <dgm:param type="contDir" val="sameDir"/>
-          </dgm:alg>
-        </dgm:else>
-      </dgm:choose>
-      <dgm:shape xmlns:r="http://schemas.openxmlformats.org/officeDocument/2006/relationships" r:blip="">
-        <dgm:adjLst/>
-      </dgm:shape>
-      <dgm:presOf/>
-      <dgm:constrLst>
-        <dgm:constr type="w" for="ch" forName="compNode" refType="w"/>
-        <dgm:constr type="h" for="ch" forName="compNode" refType="w" fact="0.28"/>
-        <dgm:constr type="w" for="ch" forName="sibTrans" refType="w" refFor="ch" refForName="compNode" fact="0.115"/>
-        <dgm:constr type="sp" refType="h" op="equ" fact="0.17"/>
-        <dgm:constr type="primFontSz" for="des" ptType="node" op="equ" val="24"/>
-        <dgm:constr type="h" for="des" forName="compNode" op="equ"/>
-        <dgm:constr type="h" for="des" forName="iconBgRect" op="equ"/>
-      </dgm:constrLst>
-      <dgm:ruleLst>
-        <dgm:rule type="w" for="ch" forName="compNode" val="60" fact="NaN" max="NaN"/>
-      </dgm:ruleLst>
-      <dgm:forEach name="Name6" axis="ch" ptType="node">
-        <dgm:layoutNode name="compNode">
-          <dgm:alg type="composite"/>
+          <dgm:shape xmlns:r="http://schemas.openxmlformats.org/officeDocument/2006/relationships" type="rect" r:blip="">
+            <dgm:adjLst/>
+          </dgm:shape>
+          <dgm:presOf axis="self" ptType="node"/>
+          <dgm:constrLst>
+            <dgm:constr type="lMarg"/>
+            <dgm:constr type="rMarg"/>
+            <dgm:constr type="tMarg"/>
+            <dgm:constr type="bMarg"/>
+          </dgm:constrLst>
+          <dgm:ruleLst>
+            <dgm:rule type="primFontSz" val="11" fact="NaN" max="NaN"/>
+            <dgm:rule type="h" val="INF" fact="NaN" max="NaN"/>
+          </dgm:ruleLst>
+        </dgm:layoutNode>
+      </dgm:layoutNode>
+      <dgm:forEach name="Name8" axis="followSib" ptType="sibTrans" cnt="1">
+        <dgm:layoutNode name="sibTrans">
+          <dgm:alg type="sp"/>
           <dgm:shape xmlns:r="http://schemas.openxmlformats.org/officeDocument/2006/relationships" r:blip="">
             <dgm:adjLst/>
           </dgm:shape>
           <dgm:presOf axis="self"/>
-          <dgm:constrLst>
-            <dgm:constr type="w" for="ch" forName="iconBgRect" refType="w" fact="0.28"/>
-            <dgm:constr type="h" for="ch" forName="iconBgRect" refType="w" refFor="ch" refForName="iconBgRect"/>
-            <dgm:constr type="t" for="ch" forName="iconBgRect"/>
-            <dgm:constr type="l" for="ch" forName="iconBgRect"/>
-            <dgm:constr type="w" for="ch" forName="iconRect" refType="w" refFor="ch" refForName="iconBgRect" fact="0.58"/>
-            <dgm:constr type="h" for="ch" forName="iconRect" refType="w" refFor="ch" refForName="iconRect"/>
-            <dgm:constr type="ctrX" for="ch" forName="iconRect" refType="ctrX" refFor="ch" refForName="iconBgRect"/>
-            <dgm:constr type="ctrY" for="ch" forName="iconRect" refType="ctrY" refFor="ch" refForName="iconBgRect"/>
-            <dgm:constr type="w" for="ch" forName="spaceRect" refType="w" fact="0.06"/>
-            <dgm:constr type="h" for="ch" forName="spaceRect" refType="h" refFor="ch" refForName="iconBgRect"/>
-            <dgm:constr type="t" for="ch" forName="spaceRect" refType="t" refFor="ch" refForName="iconBgRect"/>
-            <dgm:constr type="l" for="ch" forName="spaceRect" refType="r" refFor="ch" refForName="iconBgRect"/>
-            <dgm:constr type="h" for="ch" forName="textRect" refType="h" refFor="ch" refForName="iconBgRect"/>
-            <dgm:constr type="t" for="ch" forName="textRect" refType="t" refFor="ch" refForName="iconBgRect"/>
-            <dgm:constr type="l" for="ch" forName="textRect" refType="r" refFor="ch" refForName="spaceRect"/>
-          </dgm:constrLst>
+          <dgm:constrLst/>
           <dgm:ruleLst/>
-          <dgm:layoutNode name="iconBgRect" styleLbl="bgShp">
-            <dgm:alg type="sp"/>
-            <dgm:shape xmlns:r="http://schemas.openxmlformats.org/officeDocument/2006/relationships" type="ellipse" r:blip="">
-              <dgm:adjLst/>
-            </dgm:shape>
-            <dgm:presOf/>
-            <dgm:constrLst/>
-            <dgm:ruleLst/>
-          </dgm:layoutNode>
-          <dgm:layoutNode name="iconRect" styleLbl="node1">
-            <dgm:alg type="sp"/>
-            <dgm:shape xmlns:r="http://schemas.openxmlformats.org/officeDocument/2006/relationships" type="rect" r:blip="" blipPhldr="1">
-              <dgm:adjLst/>
-            </dgm:shape>
-            <dgm:presOf/>
-            <dgm:constrLst/>
-            <dgm:ruleLst/>
-          </dgm:layoutNode>
-          <dgm:layoutNode name="spaceRect">
-            <dgm:alg type="sp"/>
-            <dgm:shape xmlns:r="http://schemas.openxmlformats.org/officeDocument/2006/relationships" r:blip="">
-              <dgm:adjLst/>
-            </dgm:shape>
-            <dgm:presOf/>
-            <dgm:constrLst/>
-            <dgm:ruleLst/>
-          </dgm:layoutNode>
-          <dgm:layoutNode name="textRect" styleLbl="revTx">
-            <dgm:varLst>
-              <dgm:chMax val="1"/>
-              <dgm:chPref val="1"/>
-            </dgm:varLst>
-            <dgm:choose name="Name7">
-              <dgm:if name="Name8" func="var" arg="dir" op="equ" val="norm">
-                <dgm:alg type="tx">
-                  <dgm:param type="txAnchorVert" val="mid"/>
-                  <dgm:param type="parTxLTRAlign" val="l"/>
-                  <dgm:param type="shpTxLTRAlignCh" val="l"/>
-                  <dgm:param type="parTxRTLAlign" val="l"/>
-                  <dgm:param type="shpTxRTLAlignCh" val="l"/>
-                </dgm:alg>
-              </dgm:if>
-              <dgm:else name="Name9">
-                <dgm:alg type="tx">
-                  <dgm:param type="txAnchorVert" val="mid"/>
-                  <dgm:param type="parTxLTRAlign" val="r"/>
-                  <dgm:param type="shpTxLTRAlignCh" val="r"/>
-                  <dgm:param type="parTxRTLAlign" val="r"/>
-                  <dgm:param type="shpTxRTLAlignCh" val="r"/>
-                </dgm:alg>
-              </dgm:else>
-            </dgm:choose>
-            <dgm:shape xmlns:r="http://schemas.openxmlformats.org/officeDocument/2006/relationships" type="rect" r:blip="">
-              <dgm:adjLst/>
-            </dgm:shape>
-            <dgm:presOf axis="self" ptType="node"/>
-            <dgm:constrLst>
-              <dgm:constr type="lMarg"/>
-              <dgm:constr type="rMarg"/>
-              <dgm:constr type="tMarg"/>
-              <dgm:constr type="bMarg"/>
-            </dgm:constrLst>
-            <dgm:ruleLst>
-              <dgm:rule type="primFontSz" val="11" fact="NaN" max="NaN"/>
-            </dgm:ruleLst>
-          </dgm:layoutNode>
         </dgm:layoutNode>
-        <dgm:forEach name="Name10" axis="followSib" ptType="sibTrans" cnt="1">
-          <dgm:layoutNode name="sibTrans">
-            <dgm:alg type="sp"/>
-            <dgm:shape xmlns:r="http://schemas.openxmlformats.org/officeDocument/2006/relationships" type="rect" r:blip="" hideGeom="1">
-              <dgm:adjLst/>
-            </dgm:shape>
-            <dgm:presOf axis="self"/>
-            <dgm:constrLst/>
-            <dgm:ruleLst/>
-          </dgm:layoutNode>
-        </dgm:forEach>
       </dgm:forEach>
-    </dgm:layoutNode>
+    </dgm:forEach>
   </dgm:layoutNode>
   <dgm:extLst>
     <a:ext uri="{68A01E43-0DF5-4B5B-8FA6-DAF915123BFB}">
@@ -10093,10 +9804,732 @@
       </p:grpSpPr>
       <p:sp useBgFill="1">
         <p:nvSpPr>
-          <p:cNvPr id="163" name="Rectangle 162">
+          <p:cNvPr id="187" name="Rectangle 186">
             <a:extLst>
               <a:ext uri="{FF2B5EF4-FFF2-40B4-BE49-F238E27FC236}">
-                <a16:creationId xmlns:a16="http://schemas.microsoft.com/office/drawing/2014/main" id="{058A14AF-9FB5-4CC7-BA35-E8E85D3EDF0E}"/>
+                <a16:creationId xmlns:a16="http://schemas.microsoft.com/office/drawing/2014/main" id="{2B97F24A-32CE-4C1C-A50D-3016B394DCFB}"/>
+              </a:ext>
+              <a:ext uri="{C183D7F6-B498-43B3-948B-1728B52AA6E4}">
+                <adec:decorative xmlns:adec="http://schemas.microsoft.com/office/drawing/2017/decorative" val="1"/>
+              </a:ext>
+            </a:extLst>
+          </p:cNvPr>
+          <p:cNvSpPr>
+            <a:spLocks noGrp="1" noRot="1" noChangeAspect="1" noMove="1" noResize="1" noEditPoints="1" noAdjustHandles="1" noChangeArrowheads="1" noChangeShapeType="1" noTextEdit="1"/>
+          </p:cNvSpPr>
+          <p:nvPr>
+            <p:extLst>
+              <p:ext uri="{386F3935-93C4-4BCD-93E2-E3B085C9AB24}">
+                <p16:designElem xmlns:p16="http://schemas.microsoft.com/office/powerpoint/2015/main" val="1"/>
+              </p:ext>
+            </p:extLst>
+          </p:nvPr>
+        </p:nvSpPr>
+        <p:spPr>
+          <a:xfrm>
+            <a:off x="0" y="0"/>
+            <a:ext cx="12192000" cy="6858000"/>
+          </a:xfrm>
+          <a:prstGeom prst="rect">
+            <a:avLst/>
+          </a:prstGeom>
+          <a:ln>
+            <a:noFill/>
+          </a:ln>
+        </p:spPr>
+        <p:style>
+          <a:lnRef idx="2">
+            <a:schemeClr val="accent1">
+              <a:shade val="50000"/>
+            </a:schemeClr>
+          </a:lnRef>
+          <a:fillRef idx="1">
+            <a:schemeClr val="accent1"/>
+          </a:fillRef>
+          <a:effectRef idx="0">
+            <a:schemeClr val="accent1"/>
+          </a:effectRef>
+          <a:fontRef idx="minor">
+            <a:schemeClr val="lt1"/>
+          </a:fontRef>
+        </p:style>
+        <p:txBody>
+          <a:bodyPr rtlCol="0" anchor="ctr"/>
+          <a:lstStyle/>
+          <a:p>
+            <a:pPr algn="ctr"/>
+            <a:endParaRPr lang="en-US"/>
+          </a:p>
+        </p:txBody>
+      </p:sp>
+      <p:sp>
+        <p:nvSpPr>
+          <p:cNvPr id="2" name="Title 1">
+            <a:extLst>
+              <a:ext uri="{FF2B5EF4-FFF2-40B4-BE49-F238E27FC236}">
+                <a16:creationId xmlns:a16="http://schemas.microsoft.com/office/drawing/2014/main" id="{21E5E50E-909A-BB13-F125-3D241F293AB2}"/>
+              </a:ext>
+            </a:extLst>
+          </p:cNvPr>
+          <p:cNvSpPr>
+            <a:spLocks noGrp="1"/>
+          </p:cNvSpPr>
+          <p:nvPr>
+            <p:ph type="title"/>
+          </p:nvPr>
+        </p:nvSpPr>
+        <p:spPr>
+          <a:xfrm>
+            <a:off x="630936" y="639520"/>
+            <a:ext cx="3429000" cy="1719072"/>
+          </a:xfrm>
+        </p:spPr>
+        <p:txBody>
+          <a:bodyPr anchor="b">
+            <a:normAutofit/>
+          </a:bodyPr>
+          <a:lstStyle/>
+          <a:p>
+            <a:r>
+              <a:rPr lang="en-US" sz="3800"/>
+              <a:t>Secondary Features Overview</a:t>
+            </a:r>
+          </a:p>
+        </p:txBody>
+      </p:sp>
+      <p:sp>
+        <p:nvSpPr>
+          <p:cNvPr id="189" name="sketch line">
+            <a:extLst>
+              <a:ext uri="{FF2B5EF4-FFF2-40B4-BE49-F238E27FC236}">
+                <a16:creationId xmlns:a16="http://schemas.microsoft.com/office/drawing/2014/main" id="{CD8B4F24-440B-49E9-B85D-733523DC064B}"/>
+              </a:ext>
+              <a:ext uri="{C183D7F6-B498-43B3-948B-1728B52AA6E4}">
+                <adec:decorative xmlns:adec="http://schemas.microsoft.com/office/drawing/2017/decorative" val="1"/>
+              </a:ext>
+            </a:extLst>
+          </p:cNvPr>
+          <p:cNvSpPr>
+            <a:spLocks noGrp="1" noRot="1" noChangeAspect="1" noMove="1" noResize="1" noEditPoints="1" noAdjustHandles="1" noChangeArrowheads="1" noChangeShapeType="1" noTextEdit="1"/>
+          </p:cNvSpPr>
+          <p:nvPr>
+            <p:extLst>
+              <p:ext uri="{386F3935-93C4-4BCD-93E2-E3B085C9AB24}">
+                <p16:designElem xmlns:p16="http://schemas.microsoft.com/office/powerpoint/2015/main" val="1"/>
+              </p:ext>
+            </p:extLst>
+          </p:nvPr>
+        </p:nvSpPr>
+        <p:spPr>
+          <a:xfrm>
+            <a:off x="643278" y="2573756"/>
+            <a:ext cx="3255095" cy="18288"/>
+          </a:xfrm>
+          <a:custGeom>
+            <a:avLst/>
+            <a:gdLst>
+              <a:gd name="connsiteX0" fmla="*/ 0 w 3255095"/>
+              <a:gd name="connsiteY0" fmla="*/ 0 h 18288"/>
+              <a:gd name="connsiteX1" fmla="*/ 618468 w 3255095"/>
+              <a:gd name="connsiteY1" fmla="*/ 0 h 18288"/>
+              <a:gd name="connsiteX2" fmla="*/ 1269487 w 3255095"/>
+              <a:gd name="connsiteY2" fmla="*/ 0 h 18288"/>
+              <a:gd name="connsiteX3" fmla="*/ 1953057 w 3255095"/>
+              <a:gd name="connsiteY3" fmla="*/ 0 h 18288"/>
+              <a:gd name="connsiteX4" fmla="*/ 2636627 w 3255095"/>
+              <a:gd name="connsiteY4" fmla="*/ 0 h 18288"/>
+              <a:gd name="connsiteX5" fmla="*/ 3255095 w 3255095"/>
+              <a:gd name="connsiteY5" fmla="*/ 0 h 18288"/>
+              <a:gd name="connsiteX6" fmla="*/ 3255095 w 3255095"/>
+              <a:gd name="connsiteY6" fmla="*/ 18288 h 18288"/>
+              <a:gd name="connsiteX7" fmla="*/ 2538974 w 3255095"/>
+              <a:gd name="connsiteY7" fmla="*/ 18288 h 18288"/>
+              <a:gd name="connsiteX8" fmla="*/ 1822853 w 3255095"/>
+              <a:gd name="connsiteY8" fmla="*/ 18288 h 18288"/>
+              <a:gd name="connsiteX9" fmla="*/ 1171834 w 3255095"/>
+              <a:gd name="connsiteY9" fmla="*/ 18288 h 18288"/>
+              <a:gd name="connsiteX10" fmla="*/ 0 w 3255095"/>
+              <a:gd name="connsiteY10" fmla="*/ 18288 h 18288"/>
+              <a:gd name="connsiteX11" fmla="*/ 0 w 3255095"/>
+              <a:gd name="connsiteY11" fmla="*/ 0 h 18288"/>
+            </a:gdLst>
+            <a:ahLst/>
+            <a:cxnLst>
+              <a:cxn ang="0">
+                <a:pos x="connsiteX0" y="connsiteY0"/>
+              </a:cxn>
+              <a:cxn ang="0">
+                <a:pos x="connsiteX1" y="connsiteY1"/>
+              </a:cxn>
+              <a:cxn ang="0">
+                <a:pos x="connsiteX2" y="connsiteY2"/>
+              </a:cxn>
+              <a:cxn ang="0">
+                <a:pos x="connsiteX3" y="connsiteY3"/>
+              </a:cxn>
+              <a:cxn ang="0">
+                <a:pos x="connsiteX4" y="connsiteY4"/>
+              </a:cxn>
+              <a:cxn ang="0">
+                <a:pos x="connsiteX5" y="connsiteY5"/>
+              </a:cxn>
+              <a:cxn ang="0">
+                <a:pos x="connsiteX6" y="connsiteY6"/>
+              </a:cxn>
+              <a:cxn ang="0">
+                <a:pos x="connsiteX7" y="connsiteY7"/>
+              </a:cxn>
+              <a:cxn ang="0">
+                <a:pos x="connsiteX8" y="connsiteY8"/>
+              </a:cxn>
+              <a:cxn ang="0">
+                <a:pos x="connsiteX9" y="connsiteY9"/>
+              </a:cxn>
+              <a:cxn ang="0">
+                <a:pos x="connsiteX10" y="connsiteY10"/>
+              </a:cxn>
+              <a:cxn ang="0">
+                <a:pos x="connsiteX11" y="connsiteY11"/>
+              </a:cxn>
+            </a:cxnLst>
+            <a:rect l="l" t="t" r="r" b="b"/>
+            <a:pathLst>
+              <a:path w="3255095" h="18288" fill="none" extrusionOk="0">
+                <a:moveTo>
+                  <a:pt x="0" y="0"/>
+                </a:moveTo>
+                <a:cubicBezTo>
+                  <a:pt x="240201" y="-22123"/>
+                  <a:pt x="462021" y="-19623"/>
+                  <a:pt x="618468" y="0"/>
+                </a:cubicBezTo>
+                <a:cubicBezTo>
+                  <a:pt x="774915" y="19623"/>
+                  <a:pt x="974734" y="2035"/>
+                  <a:pt x="1269487" y="0"/>
+                </a:cubicBezTo>
+                <a:cubicBezTo>
+                  <a:pt x="1564240" y="-2035"/>
+                  <a:pt x="1733579" y="10639"/>
+                  <a:pt x="1953057" y="0"/>
+                </a:cubicBezTo>
+                <a:cubicBezTo>
+                  <a:pt x="2172535" y="-10639"/>
+                  <a:pt x="2453962" y="14018"/>
+                  <a:pt x="2636627" y="0"/>
+                </a:cubicBezTo>
+                <a:cubicBezTo>
+                  <a:pt x="2819292" y="-14018"/>
+                  <a:pt x="3121375" y="5399"/>
+                  <a:pt x="3255095" y="0"/>
+                </a:cubicBezTo>
+                <a:cubicBezTo>
+                  <a:pt x="3254386" y="8157"/>
+                  <a:pt x="3254682" y="12125"/>
+                  <a:pt x="3255095" y="18288"/>
+                </a:cubicBezTo>
+                <a:cubicBezTo>
+                  <a:pt x="3088545" y="23203"/>
+                  <a:pt x="2687475" y="7419"/>
+                  <a:pt x="2538974" y="18288"/>
+                </a:cubicBezTo>
+                <a:cubicBezTo>
+                  <a:pt x="2390473" y="29157"/>
+                  <a:pt x="2137381" y="-8959"/>
+                  <a:pt x="1822853" y="18288"/>
+                </a:cubicBezTo>
+                <a:cubicBezTo>
+                  <a:pt x="1508325" y="45535"/>
+                  <a:pt x="1466437" y="20385"/>
+                  <a:pt x="1171834" y="18288"/>
+                </a:cubicBezTo>
+                <a:cubicBezTo>
+                  <a:pt x="877231" y="16191"/>
+                  <a:pt x="561097" y="37643"/>
+                  <a:pt x="0" y="18288"/>
+                </a:cubicBezTo>
+                <a:cubicBezTo>
+                  <a:pt x="-46" y="12483"/>
+                  <a:pt x="-203" y="6491"/>
+                  <a:pt x="0" y="0"/>
+                </a:cubicBezTo>
+                <a:close/>
+              </a:path>
+              <a:path w="3255095" h="18288" stroke="0" extrusionOk="0">
+                <a:moveTo>
+                  <a:pt x="0" y="0"/>
+                </a:moveTo>
+                <a:cubicBezTo>
+                  <a:pt x="291965" y="19429"/>
+                  <a:pt x="363155" y="8568"/>
+                  <a:pt x="618468" y="0"/>
+                </a:cubicBezTo>
+                <a:cubicBezTo>
+                  <a:pt x="873781" y="-8568"/>
+                  <a:pt x="904459" y="-19505"/>
+                  <a:pt x="1171834" y="0"/>
+                </a:cubicBezTo>
+                <a:cubicBezTo>
+                  <a:pt x="1439209" y="19505"/>
+                  <a:pt x="1744369" y="9790"/>
+                  <a:pt x="1887955" y="0"/>
+                </a:cubicBezTo>
+                <a:cubicBezTo>
+                  <a:pt x="2031541" y="-9790"/>
+                  <a:pt x="2346378" y="21240"/>
+                  <a:pt x="2506423" y="0"/>
+                </a:cubicBezTo>
+                <a:cubicBezTo>
+                  <a:pt x="2666468" y="-21240"/>
+                  <a:pt x="2990257" y="30414"/>
+                  <a:pt x="3255095" y="0"/>
+                </a:cubicBezTo>
+                <a:cubicBezTo>
+                  <a:pt x="3254831" y="4493"/>
+                  <a:pt x="3255479" y="9472"/>
+                  <a:pt x="3255095" y="18288"/>
+                </a:cubicBezTo>
+                <a:cubicBezTo>
+                  <a:pt x="3120743" y="16690"/>
+                  <a:pt x="2759628" y="42462"/>
+                  <a:pt x="2604076" y="18288"/>
+                </a:cubicBezTo>
+                <a:cubicBezTo>
+                  <a:pt x="2448524" y="-5886"/>
+                  <a:pt x="2184336" y="19599"/>
+                  <a:pt x="1887955" y="18288"/>
+                </a:cubicBezTo>
+                <a:cubicBezTo>
+                  <a:pt x="1591574" y="16977"/>
+                  <a:pt x="1548845" y="6870"/>
+                  <a:pt x="1334589" y="18288"/>
+                </a:cubicBezTo>
+                <a:cubicBezTo>
+                  <a:pt x="1120333" y="29706"/>
+                  <a:pt x="996014" y="9662"/>
+                  <a:pt x="683570" y="18288"/>
+                </a:cubicBezTo>
+                <a:cubicBezTo>
+                  <a:pt x="371126" y="26914"/>
+                  <a:pt x="198687" y="16167"/>
+                  <a:pt x="0" y="18288"/>
+                </a:cubicBezTo>
+                <a:cubicBezTo>
+                  <a:pt x="843" y="9577"/>
+                  <a:pt x="371" y="6900"/>
+                  <a:pt x="0" y="0"/>
+                </a:cubicBezTo>
+                <a:close/>
+              </a:path>
+            </a:pathLst>
+          </a:custGeom>
+          <a:solidFill>
+            <a:schemeClr val="accent2"/>
+          </a:solidFill>
+          <a:ln w="38100" cap="rnd">
+            <a:solidFill>
+              <a:schemeClr val="accent2"/>
+            </a:solidFill>
+            <a:round/>
+            <a:extLst>
+              <a:ext uri="{C807C97D-BFC1-408E-A445-0C87EB9F89A2}">
+                <ask:lineSketchStyleProps xmlns:ask="http://schemas.microsoft.com/office/drawing/2018/sketchyshapes" sd="1219033472">
+                  <a:prstGeom prst="rect">
+                    <a:avLst/>
+                  </a:prstGeom>
+                  <ask:type>
+                    <ask:lineSketchFreehand/>
+                  </ask:type>
+                </ask:lineSketchStyleProps>
+              </a:ext>
+            </a:extLst>
+          </a:ln>
+        </p:spPr>
+        <p:style>
+          <a:lnRef idx="2">
+            <a:schemeClr val="accent1">
+              <a:shade val="50000"/>
+            </a:schemeClr>
+          </a:lnRef>
+          <a:fillRef idx="1">
+            <a:schemeClr val="accent1"/>
+          </a:fillRef>
+          <a:effectRef idx="0">
+            <a:schemeClr val="accent1"/>
+          </a:effectRef>
+          <a:fontRef idx="minor">
+            <a:schemeClr val="lt1"/>
+          </a:fontRef>
+        </p:style>
+        <p:txBody>
+          <a:bodyPr rtlCol="0" anchor="ctr"/>
+          <a:lstStyle/>
+          <a:p>
+            <a:pPr algn="ctr"/>
+            <a:endParaRPr lang="en-US"/>
+          </a:p>
+        </p:txBody>
+      </p:sp>
+      <p:sp>
+        <p:nvSpPr>
+          <p:cNvPr id="4" name="Rectangle 2">
+            <a:extLst>
+              <a:ext uri="{FF2B5EF4-FFF2-40B4-BE49-F238E27FC236}">
+                <a16:creationId xmlns:a16="http://schemas.microsoft.com/office/drawing/2014/main" id="{9F0FB099-2718-BC5B-E3D6-3DE9B85A4E9B}"/>
+              </a:ext>
+            </a:extLst>
+          </p:cNvPr>
+          <p:cNvSpPr>
+            <a:spLocks noGrp="1" noChangeArrowheads="1"/>
+          </p:cNvSpPr>
+          <p:nvPr>
+            <p:ph idx="1"/>
+          </p:nvPr>
+        </p:nvSpPr>
+        <p:spPr bwMode="auto">
+          <a:xfrm>
+            <a:off x="630936" y="2807208"/>
+            <a:ext cx="3429000" cy="3410712"/>
+          </a:xfrm>
+          <a:prstGeom prst="rect">
+            <a:avLst/>
+          </a:prstGeom>
+          <a:extLst>
+            <a:ext uri="{909E8E84-426E-40DD-AFC4-6F175D3DCCD1}">
+              <a14:hiddenFill xmlns:a14="http://schemas.microsoft.com/office/drawing/2010/main">
+                <a:solidFill>
+                  <a:schemeClr val="accent1"/>
+                </a:solidFill>
+              </a14:hiddenFill>
+            </a:ext>
+            <a:ext uri="{91240B29-F687-4F45-9708-019B960494DF}">
+              <a14:hiddenLine xmlns:a14="http://schemas.microsoft.com/office/drawing/2010/main" w="9525">
+                <a:solidFill>
+                  <a:schemeClr val="tx1"/>
+                </a:solidFill>
+                <a:miter lim="800000"/>
+                <a:headEnd/>
+                <a:tailEnd/>
+              </a14:hiddenLine>
+            </a:ext>
+            <a:ext uri="{AF507438-7753-43E0-B8FC-AC1667EBCBE1}">
+              <a14:hiddenEffects xmlns:a14="http://schemas.microsoft.com/office/drawing/2010/main">
+                <a:effectLst>
+                  <a:outerShdw dist="35921" dir="2700000" algn="ctr" rotWithShape="0">
+                    <a:schemeClr val="bg2"/>
+                  </a:outerShdw>
+                </a:effectLst>
+              </a14:hiddenEffects>
+            </a:ext>
+          </a:extLst>
+        </p:spPr>
+        <p:txBody>
+          <a:bodyPr vert="horz" lIns="91440" tIns="45720" rIns="91440" bIns="45720" numCol="1" anchor="t" anchorCtr="0" compatLnSpc="1">
+            <a:prstTxWarp prst="textNoShape">
+              <a:avLst/>
+            </a:prstTxWarp>
+            <a:normAutofit/>
+          </a:bodyPr>
+          <a:lstStyle/>
+          <a:p>
+            <a:pPr marL="0" marR="0" lvl="0" indent="0" defTabSz="914400" rtl="0" eaLnBrk="0" fontAlgn="base" latinLnBrk="0" hangingPunct="0">
+              <a:spcBef>
+                <a:spcPct val="0"/>
+              </a:spcBef>
+              <a:spcAft>
+                <a:spcPts val="600"/>
+              </a:spcAft>
+              <a:buClrTx/>
+              <a:buSzTx/>
+              <a:buNone/>
+              <a:tabLst/>
+            </a:pPr>
+            <a:r>
+              <a:rPr kumimoji="0" lang="en-US" altLang="en-US" sz="1700" b="0" i="0" u="none" strike="noStrike" cap="none" normalizeH="0" baseline="0">
+                <a:ln>
+                  <a:noFill/>
+                </a:ln>
+                <a:effectLst/>
+                <a:latin typeface="Arial" panose="020B0604020202020204" pitchFamily="34" charset="0"/>
+              </a:rPr>
+              <a:t>The remaining </a:t>
+            </a:r>
+            <a:r>
+              <a:rPr lang="en-US" altLang="en-US" sz="1700">
+                <a:latin typeface="Arial" panose="020B0604020202020204" pitchFamily="34" charset="0"/>
+              </a:rPr>
+              <a:t>21</a:t>
+            </a:r>
+            <a:r>
+              <a:rPr kumimoji="0" lang="en-US" altLang="en-US" sz="1700" b="0" i="0" u="none" strike="noStrike" cap="none" normalizeH="0" baseline="0">
+                <a:ln>
+                  <a:noFill/>
+                </a:ln>
+                <a:effectLst/>
+                <a:latin typeface="Arial" panose="020B0604020202020204" pitchFamily="34" charset="0"/>
+              </a:rPr>
+              <a:t> features show </a:t>
+            </a:r>
+            <a:r>
+              <a:rPr kumimoji="0" lang="en-US" altLang="en-US" sz="1700" b="1" i="0" u="none" strike="noStrike" cap="none" normalizeH="0" baseline="0">
+                <a:ln>
+                  <a:noFill/>
+                </a:ln>
+                <a:effectLst/>
+                <a:latin typeface="Arial" panose="020B0604020202020204" pitchFamily="34" charset="0"/>
+              </a:rPr>
+              <a:t>low correlation</a:t>
+            </a:r>
+            <a:r>
+              <a:rPr kumimoji="0" lang="en-US" altLang="en-US" sz="1700" b="0" i="0" u="none" strike="noStrike" cap="none" normalizeH="0" baseline="0">
+                <a:ln>
+                  <a:noFill/>
+                </a:ln>
+                <a:effectLst/>
+                <a:latin typeface="Arial" panose="020B0604020202020204" pitchFamily="34" charset="0"/>
+              </a:rPr>
+              <a:t> with the target variable.</a:t>
+            </a:r>
+          </a:p>
+          <a:p>
+            <a:pPr marL="0" marR="0" lvl="0" indent="0" defTabSz="914400" rtl="0" eaLnBrk="0" fontAlgn="base" latinLnBrk="0" hangingPunct="0">
+              <a:spcBef>
+                <a:spcPct val="0"/>
+              </a:spcBef>
+              <a:spcAft>
+                <a:spcPts val="600"/>
+              </a:spcAft>
+              <a:buClrTx/>
+              <a:buSzTx/>
+              <a:buNone/>
+              <a:tabLst/>
+            </a:pPr>
+            <a:r>
+              <a:rPr kumimoji="0" lang="en-US" altLang="en-US" sz="1700" b="0" i="0" u="none" strike="noStrike" cap="none" normalizeH="0" baseline="0">
+                <a:ln>
+                  <a:noFill/>
+                </a:ln>
+                <a:effectLst/>
+                <a:latin typeface="Arial" panose="020B0604020202020204" pitchFamily="34" charset="0"/>
+              </a:rPr>
+              <a:t>These features span across:</a:t>
+            </a:r>
+          </a:p>
+          <a:p>
+            <a:pPr marL="0" marR="0" lvl="0" indent="0" defTabSz="914400" rtl="0" eaLnBrk="0" fontAlgn="base" latinLnBrk="0" hangingPunct="0">
+              <a:spcBef>
+                <a:spcPct val="0"/>
+              </a:spcBef>
+              <a:spcAft>
+                <a:spcPts val="600"/>
+              </a:spcAft>
+              <a:buClrTx/>
+              <a:buSzTx/>
+              <a:buFontTx/>
+              <a:buChar char="•"/>
+              <a:tabLst/>
+            </a:pPr>
+            <a:r>
+              <a:rPr kumimoji="0" lang="en-US" altLang="en-US" sz="1700" b="1" i="0" u="none" strike="noStrike" cap="none" normalizeH="0" baseline="0">
+                <a:ln>
+                  <a:noFill/>
+                </a:ln>
+                <a:effectLst/>
+                <a:latin typeface="Arial" panose="020B0604020202020204" pitchFamily="34" charset="0"/>
+              </a:rPr>
+              <a:t> Lifestyle factors</a:t>
+            </a:r>
+            <a:r>
+              <a:rPr kumimoji="0" lang="en-US" altLang="en-US" sz="1700" b="0" i="0" u="none" strike="noStrike" cap="none" normalizeH="0" baseline="0">
+                <a:ln>
+                  <a:noFill/>
+                </a:ln>
+                <a:effectLst/>
+                <a:latin typeface="Arial" panose="020B0604020202020204" pitchFamily="34" charset="0"/>
+              </a:rPr>
+              <a:t> (e.g., Smoking, Alcohol Consumption, Physical Activity)</a:t>
+            </a:r>
+          </a:p>
+          <a:p>
+            <a:pPr marL="0" marR="0" lvl="0" indent="0" defTabSz="914400" rtl="0" eaLnBrk="0" fontAlgn="base" latinLnBrk="0" hangingPunct="0">
+              <a:spcBef>
+                <a:spcPct val="0"/>
+              </a:spcBef>
+              <a:spcAft>
+                <a:spcPts val="600"/>
+              </a:spcAft>
+              <a:buClrTx/>
+              <a:buSzTx/>
+              <a:buFontTx/>
+              <a:buChar char="•"/>
+              <a:tabLst/>
+            </a:pPr>
+            <a:r>
+              <a:rPr kumimoji="0" lang="en-US" altLang="en-US" sz="1700" b="1" i="0" u="none" strike="noStrike" cap="none" normalizeH="0" baseline="0">
+                <a:ln>
+                  <a:noFill/>
+                </a:ln>
+                <a:effectLst/>
+                <a:latin typeface="Arial" panose="020B0604020202020204" pitchFamily="34" charset="0"/>
+              </a:rPr>
+              <a:t> Medical conditions</a:t>
+            </a:r>
+            <a:r>
+              <a:rPr kumimoji="0" lang="en-US" altLang="en-US" sz="1700" b="0" i="0" u="none" strike="noStrike" cap="none" normalizeH="0" baseline="0">
+                <a:ln>
+                  <a:noFill/>
+                </a:ln>
+                <a:effectLst/>
+                <a:latin typeface="Arial" panose="020B0604020202020204" pitchFamily="34" charset="0"/>
+              </a:rPr>
+              <a:t> (e.g., Diabetes, Hypertension)</a:t>
+            </a:r>
+          </a:p>
+          <a:p>
+            <a:pPr marL="0" marR="0" lvl="0" indent="0" defTabSz="914400" rtl="0" eaLnBrk="0" fontAlgn="base" latinLnBrk="0" hangingPunct="0">
+              <a:spcBef>
+                <a:spcPct val="0"/>
+              </a:spcBef>
+              <a:spcAft>
+                <a:spcPts val="600"/>
+              </a:spcAft>
+              <a:buClrTx/>
+              <a:buSzTx/>
+              <a:buFontTx/>
+              <a:buChar char="•"/>
+              <a:tabLst/>
+            </a:pPr>
+            <a:r>
+              <a:rPr kumimoji="0" lang="en-US" altLang="en-US" sz="1700" b="1" i="0" u="none" strike="noStrike" cap="none" normalizeH="0" baseline="0">
+                <a:ln>
+                  <a:noFill/>
+                </a:ln>
+                <a:effectLst/>
+                <a:latin typeface="Arial" panose="020B0604020202020204" pitchFamily="34" charset="0"/>
+              </a:rPr>
+              <a:t> Environmental and social context</a:t>
+            </a:r>
+            <a:r>
+              <a:rPr kumimoji="0" lang="en-US" altLang="en-US" sz="1700" b="0" i="0" u="none" strike="noStrike" cap="none" normalizeH="0" baseline="0">
+                <a:ln>
+                  <a:noFill/>
+                </a:ln>
+                <a:effectLst/>
+                <a:latin typeface="Arial" panose="020B0604020202020204" pitchFamily="34" charset="0"/>
+              </a:rPr>
+              <a:t> (e.g., Air Pollution, Income, Marital Status)</a:t>
+            </a:r>
+          </a:p>
+          <a:p>
+            <a:pPr marL="0" marR="0" lvl="0" indent="0" defTabSz="914400" rtl="0" eaLnBrk="0" fontAlgn="base" latinLnBrk="0" hangingPunct="0">
+              <a:spcBef>
+                <a:spcPct val="0"/>
+              </a:spcBef>
+              <a:spcAft>
+                <a:spcPts val="600"/>
+              </a:spcAft>
+              <a:buClrTx/>
+              <a:buSzTx/>
+              <a:buFontTx/>
+              <a:buNone/>
+              <a:tabLst/>
+            </a:pPr>
+            <a:endParaRPr kumimoji="0" lang="en-US" altLang="en-US" sz="1700" b="0" i="0" u="none" strike="noStrike" cap="none" normalizeH="0" baseline="0">
+              <a:ln>
+                <a:noFill/>
+              </a:ln>
+              <a:effectLst/>
+              <a:latin typeface="Arial" panose="020B0604020202020204" pitchFamily="34" charset="0"/>
+            </a:endParaRPr>
+          </a:p>
+        </p:txBody>
+      </p:sp>
+      <p:pic>
+        <p:nvPicPr>
+          <p:cNvPr id="9" name="Picture 8">
+            <a:extLst>
+              <a:ext uri="{FF2B5EF4-FFF2-40B4-BE49-F238E27FC236}">
+                <a16:creationId xmlns:a16="http://schemas.microsoft.com/office/drawing/2014/main" id="{0540F6EB-B938-33E5-59AE-FE51E7DEF6F3}"/>
+              </a:ext>
+            </a:extLst>
+          </p:cNvPr>
+          <p:cNvPicPr>
+            <a:picLocks noChangeAspect="1"/>
+          </p:cNvPicPr>
+          <p:nvPr/>
+        </p:nvPicPr>
+        <p:blipFill>
+          <a:blip r:embed="rId2">
+            <a:extLst>
+              <a:ext uri="{28A0092B-C50C-407E-A947-70E740481C1C}">
+                <a14:useLocalDpi xmlns:a14="http://schemas.microsoft.com/office/drawing/2010/main" val="0"/>
+              </a:ext>
+            </a:extLst>
+          </a:blip>
+          <a:stretch>
+            <a:fillRect/>
+          </a:stretch>
+        </p:blipFill>
+        <p:spPr>
+          <a:xfrm>
+            <a:off x="4273538" y="1005715"/>
+            <a:ext cx="7543297" cy="4846569"/>
+          </a:xfrm>
+          <a:prstGeom prst="rect">
+            <a:avLst/>
+          </a:prstGeom>
+        </p:spPr>
+      </p:pic>
+    </p:spTree>
+    <p:extLst>
+      <p:ext uri="{BB962C8B-B14F-4D97-AF65-F5344CB8AC3E}">
+        <p14:creationId xmlns:p14="http://schemas.microsoft.com/office/powerpoint/2010/main" val="3723170335"/>
+      </p:ext>
+    </p:extLst>
+  </p:cSld>
+  <p:clrMapOvr>
+    <a:masterClrMapping/>
+  </p:clrMapOvr>
+</p:sld>
+</file>
+
+<file path=ppt/slides/slide12.xml><?xml version="1.0" encoding="utf-8"?>
+<p:sld xmlns:a="http://schemas.openxmlformats.org/drawingml/2006/main" xmlns:r="http://schemas.openxmlformats.org/officeDocument/2006/relationships" xmlns:p="http://schemas.openxmlformats.org/presentationml/2006/main">
+  <p:cSld>
+    <p:bg>
+      <p:bgPr>
+        <a:solidFill>
+          <a:schemeClr val="bg1"/>
+        </a:solidFill>
+        <a:effectLst/>
+      </p:bgPr>
+    </p:bg>
+    <p:spTree>
+      <p:nvGrpSpPr>
+        <p:cNvPr id="1" name="">
+          <a:extLst>
+            <a:ext uri="{FF2B5EF4-FFF2-40B4-BE49-F238E27FC236}">
+              <a16:creationId xmlns:a16="http://schemas.microsoft.com/office/drawing/2014/main" id="{12FC4250-E7C7-0FC2-D679-FEEB3A114EE1}"/>
+            </a:ext>
+          </a:extLst>
+        </p:cNvPr>
+        <p:cNvGrpSpPr/>
+        <p:nvPr/>
+      </p:nvGrpSpPr>
+      <p:grpSpPr>
+        <a:xfrm>
+          <a:off x="0" y="0"/>
+          <a:ext cx="0" cy="0"/>
+          <a:chOff x="0" y="0"/>
+          <a:chExt cx="0" cy="0"/>
+        </a:xfrm>
+      </p:grpSpPr>
+      <p:sp useBgFill="1">
+        <p:nvSpPr>
+          <p:cNvPr id="88" name="Rectangle 87">
+            <a:extLst>
+              <a:ext uri="{FF2B5EF4-FFF2-40B4-BE49-F238E27FC236}">
+                <a16:creationId xmlns:a16="http://schemas.microsoft.com/office/drawing/2014/main" id="{B6CDA21F-E7AF-4C75-8395-33F58D5B0E45}"/>
               </a:ext>
               <a:ext uri="{C183D7F6-B498-43B3-948B-1728B52AA6E4}">
                 <adec:decorative xmlns:adec="http://schemas.microsoft.com/office/drawing/2017/decorative" val="1"/>
@@ -10151,56 +10584,21 @@
           </a:p>
         </p:txBody>
       </p:sp>
-      <p:sp>
-        <p:nvSpPr>
-          <p:cNvPr id="2" name="Title 1">
+      <p:grpSp>
+        <p:nvGrpSpPr>
+          <p:cNvPr id="90" name="Group 89">
             <a:extLst>
               <a:ext uri="{FF2B5EF4-FFF2-40B4-BE49-F238E27FC236}">
-                <a16:creationId xmlns:a16="http://schemas.microsoft.com/office/drawing/2014/main" id="{21E5E50E-909A-BB13-F125-3D241F293AB2}"/>
-              </a:ext>
-            </a:extLst>
-          </p:cNvPr>
-          <p:cNvSpPr>
-            <a:spLocks noGrp="1"/>
-          </p:cNvSpPr>
-          <p:nvPr>
-            <p:ph type="title"/>
-          </p:nvPr>
-        </p:nvSpPr>
-        <p:spPr>
-          <a:xfrm>
-            <a:off x="793662" y="386930"/>
-            <a:ext cx="10066122" cy="1298448"/>
-          </a:xfrm>
-        </p:spPr>
-        <p:txBody>
-          <a:bodyPr anchor="b">
-            <a:normAutofit/>
-          </a:bodyPr>
-          <a:lstStyle/>
-          <a:p>
-            <a:r>
-              <a:rPr lang="en-US" sz="4800"/>
-              <a:t>Secondary Features Overview</a:t>
-            </a:r>
-          </a:p>
-        </p:txBody>
-      </p:sp>
-      <p:sp>
-        <p:nvSpPr>
-          <p:cNvPr id="165" name="Rectangle 164">
-            <a:extLst>
-              <a:ext uri="{FF2B5EF4-FFF2-40B4-BE49-F238E27FC236}">
-                <a16:creationId xmlns:a16="http://schemas.microsoft.com/office/drawing/2014/main" id="{3A9A4357-BD1D-4622-A4FE-766E6AB8DE84}"/>
+                <a16:creationId xmlns:a16="http://schemas.microsoft.com/office/drawing/2014/main" id="{AE1C45F0-260A-458C-96ED-C1F6D2151219}"/>
               </a:ext>
               <a:ext uri="{C183D7F6-B498-43B3-948B-1728B52AA6E4}">
                 <adec:decorative xmlns:adec="http://schemas.microsoft.com/office/drawing/2017/decorative" val="1"/>
               </a:ext>
             </a:extLst>
           </p:cNvPr>
-          <p:cNvSpPr>
-            <a:spLocks noGrp="1" noRot="1" noChangeAspect="1" noMove="1" noResize="1" noEditPoints="1" noAdjustHandles="1" noChangeArrowheads="1" noChangeShapeType="1" noTextEdit="1"/>
-          </p:cNvSpPr>
+          <p:cNvGrpSpPr>
+            <a:grpSpLocks noGrp="1" noUngrp="1" noRot="1" noChangeAspect="1" noMove="1" noResize="1"/>
+          </p:cNvGrpSpPr>
           <p:nvPr>
             <p:extLst>
               <p:ext uri="{386F3935-93C4-4BCD-93E2-E3B085C9AB24}">
@@ -10208,53 +10606,202 @@
               </p:ext>
             </p:extLst>
           </p:nvPr>
-        </p:nvSpPr>
-        <p:spPr>
-          <a:xfrm flipH="1" flipV="1">
-            <a:off x="-2" y="1998845"/>
-            <a:ext cx="11454595" cy="781699"/>
+        </p:nvGrpSpPr>
+        <p:grpSpPr>
+          <a:xfrm>
+            <a:off x="4" y="1216597"/>
+            <a:ext cx="731521" cy="673460"/>
+            <a:chOff x="3940602" y="308034"/>
+            <a:chExt cx="2116791" cy="3428999"/>
           </a:xfrm>
-          <a:prstGeom prst="rect">
-            <a:avLst/>
-          </a:prstGeom>
           <a:solidFill>
             <a:schemeClr val="accent4"/>
           </a:solidFill>
-          <a:ln>
-            <a:noFill/>
-          </a:ln>
-        </p:spPr>
-        <p:style>
-          <a:lnRef idx="2">
-            <a:schemeClr val="accent1">
-              <a:shade val="50000"/>
-            </a:schemeClr>
-          </a:lnRef>
-          <a:fillRef idx="1">
-            <a:schemeClr val="accent1"/>
-          </a:fillRef>
-          <a:effectRef idx="0">
-            <a:schemeClr val="accent1"/>
-          </a:effectRef>
-          <a:fontRef idx="minor">
-            <a:schemeClr val="lt1"/>
-          </a:fontRef>
-        </p:style>
-        <p:txBody>
-          <a:bodyPr rtlCol="0" anchor="ctr"/>
-          <a:lstStyle/>
-          <a:p>
-            <a:pPr algn="ctr"/>
-            <a:endParaRPr lang="en-US"/>
-          </a:p>
-        </p:txBody>
-      </p:sp>
+        </p:grpSpPr>
+        <p:sp>
+          <p:nvSpPr>
+            <p:cNvPr id="91" name="Rectangle 90">
+              <a:extLst>
+                <a:ext uri="{FF2B5EF4-FFF2-40B4-BE49-F238E27FC236}">
+                  <a16:creationId xmlns:a16="http://schemas.microsoft.com/office/drawing/2014/main" id="{A6604B49-AD5C-4590-B051-06C8222ECD99}"/>
+                </a:ext>
+                <a:ext uri="{C183D7F6-B498-43B3-948B-1728B52AA6E4}">
+                  <adec:decorative xmlns:adec="http://schemas.microsoft.com/office/drawing/2017/decorative" val="1"/>
+                </a:ext>
+              </a:extLst>
+            </p:cNvPr>
+            <p:cNvSpPr/>
+            <p:nvPr>
+              <p:extLst>
+                <p:ext uri="{386F3935-93C4-4BCD-93E2-E3B085C9AB24}">
+                  <p16:designElem xmlns:p16="http://schemas.microsoft.com/office/powerpoint/2015/main" val="1"/>
+                </p:ext>
+              </p:extLst>
+            </p:nvPr>
+          </p:nvSpPr>
+          <p:spPr>
+            <a:xfrm>
+              <a:off x="3940602" y="308034"/>
+              <a:ext cx="566743" cy="3428999"/>
+            </a:xfrm>
+            <a:prstGeom prst="rect">
+              <a:avLst/>
+            </a:prstGeom>
+            <a:grpFill/>
+            <a:ln>
+              <a:noFill/>
+            </a:ln>
+          </p:spPr>
+          <p:style>
+            <a:lnRef idx="2">
+              <a:schemeClr val="accent1">
+                <a:shade val="50000"/>
+              </a:schemeClr>
+            </a:lnRef>
+            <a:fillRef idx="1">
+              <a:schemeClr val="accent1"/>
+            </a:fillRef>
+            <a:effectRef idx="0">
+              <a:schemeClr val="accent1"/>
+            </a:effectRef>
+            <a:fontRef idx="minor">
+              <a:schemeClr val="lt1"/>
+            </a:fontRef>
+          </p:style>
+          <p:txBody>
+            <a:bodyPr rtlCol="0" anchor="ctr"/>
+            <a:lstStyle/>
+            <a:p>
+              <a:pPr algn="ctr"/>
+              <a:endParaRPr lang="en-US"/>
+            </a:p>
+          </p:txBody>
+        </p:sp>
+        <p:sp>
+          <p:nvSpPr>
+            <p:cNvPr id="92" name="Rectangle 91">
+              <a:extLst>
+                <a:ext uri="{FF2B5EF4-FFF2-40B4-BE49-F238E27FC236}">
+                  <a16:creationId xmlns:a16="http://schemas.microsoft.com/office/drawing/2014/main" id="{743ECCAF-29C5-4537-947C-7EA1292463DB}"/>
+                </a:ext>
+                <a:ext uri="{C183D7F6-B498-43B3-948B-1728B52AA6E4}">
+                  <adec:decorative xmlns:adec="http://schemas.microsoft.com/office/drawing/2017/decorative" val="1"/>
+                </a:ext>
+              </a:extLst>
+            </p:cNvPr>
+            <p:cNvSpPr/>
+            <p:nvPr>
+              <p:extLst>
+                <p:ext uri="{386F3935-93C4-4BCD-93E2-E3B085C9AB24}">
+                  <p16:designElem xmlns:p16="http://schemas.microsoft.com/office/powerpoint/2015/main" val="1"/>
+                </p:ext>
+              </p:extLst>
+            </p:nvPr>
+          </p:nvSpPr>
+          <p:spPr>
+            <a:xfrm>
+              <a:off x="4715626" y="308034"/>
+              <a:ext cx="566743" cy="3428999"/>
+            </a:xfrm>
+            <a:prstGeom prst="rect">
+              <a:avLst/>
+            </a:prstGeom>
+            <a:grpFill/>
+            <a:ln>
+              <a:noFill/>
+            </a:ln>
+          </p:spPr>
+          <p:style>
+            <a:lnRef idx="2">
+              <a:schemeClr val="accent1">
+                <a:shade val="50000"/>
+              </a:schemeClr>
+            </a:lnRef>
+            <a:fillRef idx="1">
+              <a:schemeClr val="accent1"/>
+            </a:fillRef>
+            <a:effectRef idx="0">
+              <a:schemeClr val="accent1"/>
+            </a:effectRef>
+            <a:fontRef idx="minor">
+              <a:schemeClr val="lt1"/>
+            </a:fontRef>
+          </p:style>
+          <p:txBody>
+            <a:bodyPr rtlCol="0" anchor="ctr"/>
+            <a:lstStyle/>
+            <a:p>
+              <a:pPr algn="ctr"/>
+              <a:endParaRPr lang="en-US"/>
+            </a:p>
+          </p:txBody>
+        </p:sp>
+        <p:sp>
+          <p:nvSpPr>
+            <p:cNvPr id="93" name="Rectangle 92">
+              <a:extLst>
+                <a:ext uri="{FF2B5EF4-FFF2-40B4-BE49-F238E27FC236}">
+                  <a16:creationId xmlns:a16="http://schemas.microsoft.com/office/drawing/2014/main" id="{ED49787B-8DE6-4467-AD0A-8DECC6E0C2D6}"/>
+                </a:ext>
+                <a:ext uri="{C183D7F6-B498-43B3-948B-1728B52AA6E4}">
+                  <adec:decorative xmlns:adec="http://schemas.microsoft.com/office/drawing/2017/decorative" val="1"/>
+                </a:ext>
+              </a:extLst>
+            </p:cNvPr>
+            <p:cNvSpPr/>
+            <p:nvPr>
+              <p:extLst>
+                <p:ext uri="{386F3935-93C4-4BCD-93E2-E3B085C9AB24}">
+                  <p16:designElem xmlns:p16="http://schemas.microsoft.com/office/powerpoint/2015/main" val="1"/>
+                </p:ext>
+              </p:extLst>
+            </p:nvPr>
+          </p:nvSpPr>
+          <p:spPr>
+            <a:xfrm>
+              <a:off x="5490650" y="308034"/>
+              <a:ext cx="566743" cy="3428999"/>
+            </a:xfrm>
+            <a:prstGeom prst="rect">
+              <a:avLst/>
+            </a:prstGeom>
+            <a:grpFill/>
+            <a:ln>
+              <a:noFill/>
+            </a:ln>
+          </p:spPr>
+          <p:style>
+            <a:lnRef idx="2">
+              <a:schemeClr val="accent1">
+                <a:shade val="50000"/>
+              </a:schemeClr>
+            </a:lnRef>
+            <a:fillRef idx="1">
+              <a:schemeClr val="accent1"/>
+            </a:fillRef>
+            <a:effectRef idx="0">
+              <a:schemeClr val="accent1"/>
+            </a:effectRef>
+            <a:fontRef idx="minor">
+              <a:schemeClr val="lt1"/>
+            </a:fontRef>
+          </p:style>
+          <p:txBody>
+            <a:bodyPr rtlCol="0" anchor="ctr"/>
+            <a:lstStyle/>
+            <a:p>
+              <a:pPr algn="ctr"/>
+              <a:endParaRPr lang="en-US"/>
+            </a:p>
+          </p:txBody>
+        </p:sp>
+      </p:grpSp>
       <p:sp>
         <p:nvSpPr>
-          <p:cNvPr id="167" name="Rectangle 166">
+          <p:cNvPr id="95" name="Rectangle 94">
             <a:extLst>
               <a:ext uri="{FF2B5EF4-FFF2-40B4-BE49-F238E27FC236}">
-                <a16:creationId xmlns:a16="http://schemas.microsoft.com/office/drawing/2014/main" id="{E659831F-0D9A-4C63-9EBB-8435B85A440F}"/>
+                <a16:creationId xmlns:a16="http://schemas.microsoft.com/office/drawing/2014/main" id="{D5B0017B-2ECA-49AF-B397-DC140825DF8D}"/>
               </a:ext>
               <a:ext uri="{C183D7F6-B498-43B3-948B-1728B52AA6E4}">
                 <adec:decorative xmlns:adec="http://schemas.microsoft.com/office/drawing/2017/decorative" val="1"/>
@@ -10274,8 +10821,8 @@
         </p:nvSpPr>
         <p:spPr>
           <a:xfrm>
-            <a:off x="0" y="2203079"/>
-            <a:ext cx="11383362" cy="4267991"/>
+            <a:off x="640079" y="613954"/>
+            <a:ext cx="10907487" cy="1894116"/>
           </a:xfrm>
           <a:prstGeom prst="rect">
             <a:avLst/>
@@ -10321,10 +10868,45 @@
       </p:sp>
       <p:sp>
         <p:nvSpPr>
+          <p:cNvPr id="2" name="Title 1">
+            <a:extLst>
+              <a:ext uri="{FF2B5EF4-FFF2-40B4-BE49-F238E27FC236}">
+                <a16:creationId xmlns:a16="http://schemas.microsoft.com/office/drawing/2014/main" id="{A4F1F8D1-3B89-65DC-A76D-FEE50B734A34}"/>
+              </a:ext>
+            </a:extLst>
+          </p:cNvPr>
+          <p:cNvSpPr>
+            <a:spLocks noGrp="1"/>
+          </p:cNvSpPr>
+          <p:nvPr>
+            <p:ph type="title"/>
+          </p:nvPr>
+        </p:nvSpPr>
+        <p:spPr>
+          <a:xfrm>
+            <a:off x="1043631" y="809898"/>
+            <a:ext cx="9942716" cy="1554480"/>
+          </a:xfrm>
+        </p:spPr>
+        <p:txBody>
+          <a:bodyPr anchor="ctr">
+            <a:normAutofit/>
+          </a:bodyPr>
+          <a:lstStyle/>
+          <a:p>
+            <a:r>
+              <a:rPr lang="en-US" sz="4800" dirty="0"/>
+              <a:t>Data Splitting</a:t>
+            </a:r>
+          </a:p>
+        </p:txBody>
+      </p:sp>
+      <p:sp>
+        <p:nvSpPr>
           <p:cNvPr id="4" name="Rectangle 2">
             <a:extLst>
               <a:ext uri="{FF2B5EF4-FFF2-40B4-BE49-F238E27FC236}">
-                <a16:creationId xmlns:a16="http://schemas.microsoft.com/office/drawing/2014/main" id="{9F0FB099-2718-BC5B-E3D6-3DE9B85A4E9B}"/>
+                <a16:creationId xmlns:a16="http://schemas.microsoft.com/office/drawing/2014/main" id="{B3A07203-4AEC-6E0F-1612-9DEB594FF38E}"/>
               </a:ext>
             </a:extLst>
           </p:cNvPr>
@@ -10337,8 +10919,8 @@
         </p:nvSpPr>
         <p:spPr bwMode="auto">
           <a:xfrm>
-            <a:off x="456080" y="2517349"/>
-            <a:ext cx="4958534" cy="3639450"/>
+            <a:off x="1045028" y="2704014"/>
+            <a:ext cx="9941319" cy="3438166"/>
           </a:xfrm>
           <a:prstGeom prst="rect">
             <a:avLst/>
@@ -10381,192 +10963,157 @@
           </a:bodyPr>
           <a:lstStyle/>
           <a:p>
-            <a:pPr marL="0" marR="0" lvl="0" indent="0" defTabSz="914400" rtl="0" eaLnBrk="0" fontAlgn="base" latinLnBrk="0" hangingPunct="0">
+            <a:pPr eaLnBrk="0" fontAlgn="base" hangingPunct="0">
               <a:spcBef>
                 <a:spcPct val="0"/>
               </a:spcBef>
               <a:spcAft>
                 <a:spcPts val="600"/>
               </a:spcAft>
-              <a:buClrTx/>
-              <a:buSzTx/>
-              <a:buNone/>
-              <a:tabLst/>
             </a:pPr>
             <a:r>
-              <a:rPr kumimoji="0" lang="en-US" altLang="en-US" sz="2000" b="0" i="0" u="none" strike="noStrike" cap="none" normalizeH="0" baseline="0" dirty="0">
+              <a:rPr kumimoji="0" lang="en-US" altLang="en-US" sz="2600" b="0" i="0" u="none" strike="noStrike" cap="none" normalizeH="0" baseline="0" dirty="0">
                 <a:ln>
                   <a:noFill/>
                 </a:ln>
                 <a:effectLst/>
                 <a:latin typeface="Arial" panose="020B0604020202020204" pitchFamily="34" charset="0"/>
               </a:rPr>
-              <a:t>The remaining </a:t>
+              <a:t>The dataset was split using an </a:t>
             </a:r>
             <a:r>
-              <a:rPr lang="en-US" altLang="en-US" sz="2000" dirty="0">
-                <a:latin typeface="Arial" panose="020B0604020202020204" pitchFamily="34" charset="0"/>
-              </a:rPr>
-              <a:t>21</a:t>
-            </a:r>
-            <a:r>
-              <a:rPr kumimoji="0" lang="en-US" altLang="en-US" sz="2000" b="0" i="0" u="none" strike="noStrike" cap="none" normalizeH="0" baseline="0" dirty="0">
+              <a:rPr kumimoji="0" lang="en-US" altLang="en-US" sz="2600" b="1" i="0" u="none" strike="noStrike" cap="none" normalizeH="0" baseline="0" dirty="0">
                 <a:ln>
                   <a:noFill/>
                 </a:ln>
                 <a:effectLst/>
                 <a:latin typeface="Arial" panose="020B0604020202020204" pitchFamily="34" charset="0"/>
               </a:rPr>
-              <a:t> features show </a:t>
+              <a:t>80/20 ratio</a:t>
             </a:r>
             <a:r>
-              <a:rPr kumimoji="0" lang="en-US" altLang="en-US" sz="2000" b="1" i="0" u="none" strike="noStrike" cap="none" normalizeH="0" baseline="0" dirty="0">
+              <a:rPr kumimoji="0" lang="en-US" altLang="en-US" sz="2600" b="0" i="0" u="none" strike="noStrike" cap="none" normalizeH="0" baseline="0" dirty="0">
                 <a:ln>
                   <a:noFill/>
                 </a:ln>
                 <a:effectLst/>
                 <a:latin typeface="Arial" panose="020B0604020202020204" pitchFamily="34" charset="0"/>
               </a:rPr>
-              <a:t>low correlation</a:t>
+              <a:t>.</a:t>
             </a:r>
+          </a:p>
+          <a:p>
+            <a:pPr eaLnBrk="0" fontAlgn="base" hangingPunct="0">
+              <a:spcBef>
+                <a:spcPct val="0"/>
+              </a:spcBef>
+              <a:spcAft>
+                <a:spcPts val="600"/>
+              </a:spcAft>
+            </a:pPr>
             <a:r>
-              <a:rPr kumimoji="0" lang="en-US" altLang="en-US" sz="2000" b="0" i="0" u="none" strike="noStrike" cap="none" normalizeH="0" baseline="0" dirty="0">
+              <a:rPr kumimoji="0" lang="en-US" altLang="en-US" sz="2600" b="0" i="0" u="none" strike="noStrike" cap="none" normalizeH="0" baseline="0" dirty="0">
                 <a:ln>
                   <a:noFill/>
                 </a:ln>
                 <a:effectLst/>
                 <a:latin typeface="Arial" panose="020B0604020202020204" pitchFamily="34" charset="0"/>
               </a:rPr>
-              <a:t> with the target variable.</a:t>
+              <a:t>Stratified splitting was applied to preserve the balance of Alzheimer’s cases across both sets.</a:t>
             </a:r>
           </a:p>
           <a:p>
-            <a:pPr marL="0" marR="0" lvl="0" indent="0" defTabSz="914400" rtl="0" eaLnBrk="0" fontAlgn="base" latinLnBrk="0" hangingPunct="0">
+            <a:pPr eaLnBrk="0" fontAlgn="base" hangingPunct="0">
               <a:spcBef>
                 <a:spcPct val="0"/>
               </a:spcBef>
               <a:spcAft>
                 <a:spcPts val="600"/>
               </a:spcAft>
-              <a:buClrTx/>
-              <a:buSzTx/>
-              <a:buNone/>
-              <a:tabLst/>
             </a:pPr>
             <a:r>
-              <a:rPr kumimoji="0" lang="en-US" altLang="en-US" sz="2000" b="0" i="0" u="none" strike="noStrike" cap="none" normalizeH="0" baseline="0" dirty="0">
+              <a:rPr kumimoji="0" lang="en-US" altLang="en-US" sz="2600" b="0" i="0" u="none" strike="noStrike" cap="none" normalizeH="0" baseline="0" dirty="0">
                 <a:ln>
                   <a:noFill/>
                 </a:ln>
                 <a:effectLst/>
                 <a:latin typeface="Arial" panose="020B0604020202020204" pitchFamily="34" charset="0"/>
               </a:rPr>
-              <a:t>These features span across:</a:t>
+              <a:t>Resulting in:</a:t>
             </a:r>
           </a:p>
           <a:p>
-            <a:pPr marL="0" marR="0" lvl="0" indent="0" defTabSz="914400" rtl="0" eaLnBrk="0" fontAlgn="base" latinLnBrk="0" hangingPunct="0">
+            <a:pPr marL="457200" lvl="1" indent="0" eaLnBrk="0" fontAlgn="base" hangingPunct="0">
               <a:spcBef>
                 <a:spcPct val="0"/>
               </a:spcBef>
               <a:spcAft>
                 <a:spcPts val="600"/>
               </a:spcAft>
-              <a:buClrTx/>
-              <a:buSzTx/>
               <a:buFontTx/>
               <a:buChar char="•"/>
-              <a:tabLst/>
             </a:pPr>
             <a:r>
-              <a:rPr kumimoji="0" lang="en-US" altLang="en-US" sz="2000" b="1" i="0" u="none" strike="noStrike" cap="none" normalizeH="0" baseline="0" dirty="0">
+              <a:rPr kumimoji="0" lang="en-US" altLang="en-US" sz="2600" b="0" i="0" u="none" strike="noStrike" cap="none" normalizeH="0" baseline="0" dirty="0">
                 <a:ln>
                   <a:noFill/>
                 </a:ln>
                 <a:effectLst/>
                 <a:latin typeface="Arial" panose="020B0604020202020204" pitchFamily="34" charset="0"/>
               </a:rPr>
-              <a:t> Lifestyle factors</a:t>
+              <a:t> </a:t>
             </a:r>
             <a:r>
-              <a:rPr kumimoji="0" lang="en-US" altLang="en-US" sz="2000" b="0" i="0" u="none" strike="noStrike" cap="none" normalizeH="0" baseline="0" dirty="0">
+              <a:rPr kumimoji="0" lang="en-US" altLang="en-US" sz="2600" b="1" i="0" u="none" strike="noStrike" cap="none" normalizeH="0" baseline="0" dirty="0">
                 <a:ln>
                   <a:noFill/>
                 </a:ln>
                 <a:effectLst/>
                 <a:latin typeface="Arial" panose="020B0604020202020204" pitchFamily="34" charset="0"/>
               </a:rPr>
-              <a:t> (e.g., Smoking, Alcohol Consumption, Physical Activity)</a:t>
+              <a:t>Training set</a:t>
             </a:r>
-          </a:p>
-          <a:p>
-            <a:pPr marL="0" marR="0" lvl="0" indent="0" defTabSz="914400" rtl="0" eaLnBrk="0" fontAlgn="base" latinLnBrk="0" hangingPunct="0">
+            <a:r>
+              <a:rPr kumimoji="0" lang="en-US" altLang="en-US" sz="2600" b="0" i="0" u="none" strike="noStrike" cap="none" normalizeH="0" baseline="0" dirty="0">
+                <a:ln>
+                  <a:noFill/>
+                </a:ln>
+                <a:effectLst/>
+                <a:latin typeface="Arial" panose="020B0604020202020204" pitchFamily="34" charset="0"/>
+              </a:rPr>
+              <a:t>: 80% of the data</a:t>
+            </a:r>
+          </a:p>
+          <a:p>
+            <a:pPr marL="457200" lvl="1" indent="0" eaLnBrk="0" fontAlgn="base" hangingPunct="0">
               <a:spcBef>
                 <a:spcPct val="0"/>
               </a:spcBef>
               <a:spcAft>
                 <a:spcPts val="600"/>
               </a:spcAft>
-              <a:buClrTx/>
-              <a:buSzTx/>
               <a:buFontTx/>
               <a:buChar char="•"/>
-              <a:tabLst/>
             </a:pPr>
             <a:r>
-              <a:rPr kumimoji="0" lang="en-US" altLang="en-US" sz="2000" b="1" i="0" u="none" strike="noStrike" cap="none" normalizeH="0" baseline="0" dirty="0">
+              <a:rPr kumimoji="0" lang="en-US" altLang="en-US" sz="2600" b="1" i="0" u="none" strike="noStrike" cap="none" normalizeH="0" baseline="0" dirty="0">
                 <a:ln>
                   <a:noFill/>
                 </a:ln>
                 <a:effectLst/>
                 <a:latin typeface="Arial" panose="020B0604020202020204" pitchFamily="34" charset="0"/>
               </a:rPr>
-              <a:t> Medical conditions</a:t>
+              <a:t> Test set</a:t>
             </a:r>
             <a:r>
-              <a:rPr kumimoji="0" lang="en-US" altLang="en-US" sz="2000" b="0" i="0" u="none" strike="noStrike" cap="none" normalizeH="0" baseline="0" dirty="0">
+              <a:rPr kumimoji="0" lang="en-US" altLang="en-US" sz="2600" b="0" i="0" u="none" strike="noStrike" cap="none" normalizeH="0" baseline="0" dirty="0">
                 <a:ln>
                   <a:noFill/>
                 </a:ln>
                 <a:effectLst/>
                 <a:latin typeface="Arial" panose="020B0604020202020204" pitchFamily="34" charset="0"/>
               </a:rPr>
-              <a:t> (e.g., Diabetes, Hypertension)</a:t>
-            </a:r>
-          </a:p>
-          <a:p>
-            <a:pPr marL="0" marR="0" lvl="0" indent="0" defTabSz="914400" rtl="0" eaLnBrk="0" fontAlgn="base" latinLnBrk="0" hangingPunct="0">
-              <a:spcBef>
-                <a:spcPct val="0"/>
-              </a:spcBef>
-              <a:spcAft>
-                <a:spcPts val="600"/>
-              </a:spcAft>
-              <a:buClrTx/>
-              <a:buSzTx/>
-              <a:buFontTx/>
-              <a:buChar char="•"/>
-              <a:tabLst/>
-            </a:pPr>
-            <a:r>
-              <a:rPr kumimoji="0" lang="en-US" altLang="en-US" sz="2000" b="1" i="0" u="none" strike="noStrike" cap="none" normalizeH="0" baseline="0" dirty="0">
-                <a:ln>
-                  <a:noFill/>
-                </a:ln>
-                <a:effectLst/>
-                <a:latin typeface="Arial" panose="020B0604020202020204" pitchFamily="34" charset="0"/>
-              </a:rPr>
-              <a:t> Environmental and social context</a:t>
-            </a:r>
-            <a:r>
-              <a:rPr kumimoji="0" lang="en-US" altLang="en-US" sz="2000" b="0" i="0" u="none" strike="noStrike" cap="none" normalizeH="0" baseline="0" dirty="0">
-                <a:ln>
-                  <a:noFill/>
-                </a:ln>
-                <a:effectLst/>
-                <a:latin typeface="Arial" panose="020B0604020202020204" pitchFamily="34" charset="0"/>
-              </a:rPr>
-              <a:t> (e.g., Air Pollution, Income, Marital Status)</a:t>
+              <a:t>: 20% of the data</a:t>
             </a:r>
           </a:p>
           <a:p>
@@ -10583,7 +11130,7 @@
               <a:buNone/>
               <a:tabLst/>
             </a:pPr>
-            <a:endParaRPr kumimoji="0" lang="en-US" altLang="en-US" sz="1700" b="0" i="0" u="none" strike="noStrike" cap="none" normalizeH="0" baseline="0" dirty="0">
+            <a:endParaRPr kumimoji="0" lang="en-US" altLang="en-US" sz="2400" b="0" i="0" u="none" strike="noStrike" cap="none" normalizeH="0" baseline="0" dirty="0">
               <a:ln>
                 <a:noFill/>
               </a:ln>
@@ -10593,48 +11140,162 @@
           </a:p>
         </p:txBody>
       </p:sp>
-      <p:pic>
-        <p:nvPicPr>
-          <p:cNvPr id="9" name="Picture 8">
+      <p:cxnSp>
+        <p:nvCxnSpPr>
+          <p:cNvPr id="97" name="Straight Connector 96">
             <a:extLst>
               <a:ext uri="{FF2B5EF4-FFF2-40B4-BE49-F238E27FC236}">
-                <a16:creationId xmlns:a16="http://schemas.microsoft.com/office/drawing/2014/main" id="{0540F6EB-B938-33E5-59AE-FE51E7DEF6F3}"/>
+                <a16:creationId xmlns:a16="http://schemas.microsoft.com/office/drawing/2014/main" id="{6CF1BAF6-AD41-4082-B212-8A1F9A2E8779}"/>
+              </a:ext>
+              <a:ext uri="{C183D7F6-B498-43B3-948B-1728B52AA6E4}">
+                <adec:decorative xmlns:adec="http://schemas.microsoft.com/office/drawing/2017/decorative" val="1"/>
               </a:ext>
             </a:extLst>
           </p:cNvPr>
-          <p:cNvPicPr>
-            <a:picLocks noChangeAspect="1"/>
-          </p:cNvPicPr>
-          <p:nvPr/>
-        </p:nvPicPr>
-        <p:blipFill>
-          <a:blip r:embed="rId2">
+          <p:cNvCxnSpPr>
+            <a:cxnSpLocks noGrp="1" noRot="1" noChangeAspect="1" noMove="1" noResize="1" noEditPoints="1" noAdjustHandles="1" noChangeArrowheads="1" noChangeShapeType="1"/>
+          </p:cNvCxnSpPr>
+          <p:nvPr>
+            <p:extLst>
+              <p:ext uri="{386F3935-93C4-4BCD-93E2-E3B085C9AB24}">
+                <p16:designElem xmlns:p16="http://schemas.microsoft.com/office/powerpoint/2015/main" val="1"/>
+              </p:ext>
+            </p:extLst>
+          </p:nvPr>
+        </p:nvCxnSpPr>
+        <p:spPr>
+          <a:xfrm flipH="1">
+            <a:off x="838200" y="6485313"/>
+            <a:ext cx="10515600" cy="0"/>
+          </a:xfrm>
+          <a:prstGeom prst="line">
+            <a:avLst/>
+          </a:prstGeom>
+          <a:ln w="57150">
+            <a:solidFill>
+              <a:schemeClr val="accent4"/>
+            </a:solidFill>
+          </a:ln>
+        </p:spPr>
+        <p:style>
+          <a:lnRef idx="1">
+            <a:schemeClr val="accent1"/>
+          </a:lnRef>
+          <a:fillRef idx="0">
+            <a:schemeClr val="accent1"/>
+          </a:fillRef>
+          <a:effectRef idx="0">
+            <a:schemeClr val="accent1"/>
+          </a:effectRef>
+          <a:fontRef idx="minor">
+            <a:schemeClr val="tx1"/>
+          </a:fontRef>
+        </p:style>
+      </p:cxnSp>
+    </p:spTree>
+    <p:extLst>
+      <p:ext uri="{BB962C8B-B14F-4D97-AF65-F5344CB8AC3E}">
+        <p14:creationId xmlns:p14="http://schemas.microsoft.com/office/powerpoint/2010/main" val="1532171916"/>
+      </p:ext>
+    </p:extLst>
+  </p:cSld>
+  <p:clrMapOvr>
+    <a:masterClrMapping/>
+  </p:clrMapOvr>
+</p:sld>
+</file>
+
+<file path=ppt/slides/slide13.xml><?xml version="1.0" encoding="utf-8"?>
+<p:sld xmlns:a="http://schemas.openxmlformats.org/drawingml/2006/main" xmlns:r="http://schemas.openxmlformats.org/officeDocument/2006/relationships" xmlns:p="http://schemas.openxmlformats.org/presentationml/2006/main">
+  <p:cSld>
+    <p:bg>
+      <p:bgPr>
+        <a:solidFill>
+          <a:schemeClr val="bg1"/>
+        </a:solidFill>
+        <a:effectLst/>
+      </p:bgPr>
+    </p:bg>
+    <p:spTree>
+      <p:nvGrpSpPr>
+        <p:cNvPr id="1" name=""/>
+        <p:cNvGrpSpPr/>
+        <p:nvPr/>
+      </p:nvGrpSpPr>
+      <p:grpSpPr>
+        <a:xfrm>
+          <a:off x="0" y="0"/>
+          <a:ext cx="0" cy="0"/>
+          <a:chOff x="0" y="0"/>
+          <a:chExt cx="0" cy="0"/>
+        </a:xfrm>
+      </p:grpSpPr>
+      <p:sp useBgFill="1">
+        <p:nvSpPr>
+          <p:cNvPr id="16" name="Rectangle 15">
             <a:extLst>
-              <a:ext uri="{28A0092B-C50C-407E-A947-70E740481C1C}">
-                <a14:useLocalDpi xmlns:a14="http://schemas.microsoft.com/office/drawing/2010/main" val="0"/>
+              <a:ext uri="{FF2B5EF4-FFF2-40B4-BE49-F238E27FC236}">
+                <a16:creationId xmlns:a16="http://schemas.microsoft.com/office/drawing/2014/main" id="{A7895A40-19A4-42D6-9D30-DBC1E8002635}"/>
+              </a:ext>
+              <a:ext uri="{C183D7F6-B498-43B3-948B-1728B52AA6E4}">
+                <adec:decorative xmlns:adec="http://schemas.microsoft.com/office/drawing/2017/decorative" val="1"/>
               </a:ext>
             </a:extLst>
-          </a:blip>
-          <a:stretch>
-            <a:fillRect/>
-          </a:stretch>
-        </p:blipFill>
+          </p:cNvPr>
+          <p:cNvSpPr>
+            <a:spLocks noGrp="1" noRot="1" noChangeAspect="1" noMove="1" noResize="1" noEditPoints="1" noAdjustHandles="1" noChangeArrowheads="1" noChangeShapeType="1" noTextEdit="1"/>
+          </p:cNvSpPr>
+          <p:nvPr>
+            <p:extLst>
+              <p:ext uri="{386F3935-93C4-4BCD-93E2-E3B085C9AB24}">
+                <p16:designElem xmlns:p16="http://schemas.microsoft.com/office/powerpoint/2015/main" val="1"/>
+              </p:ext>
+            </p:extLst>
+          </p:nvPr>
+        </p:nvSpPr>
         <p:spPr>
           <a:xfrm>
-            <a:off x="5566731" y="2298088"/>
-            <a:ext cx="5664514" cy="3639450"/>
+            <a:off x="0" y="0"/>
+            <a:ext cx="12191999" cy="6857365"/>
           </a:xfrm>
           <a:prstGeom prst="rect">
             <a:avLst/>
           </a:prstGeom>
+          <a:ln>
+            <a:noFill/>
+          </a:ln>
         </p:spPr>
-      </p:pic>
+        <p:style>
+          <a:lnRef idx="2">
+            <a:schemeClr val="accent1">
+              <a:shade val="50000"/>
+            </a:schemeClr>
+          </a:lnRef>
+          <a:fillRef idx="1">
+            <a:schemeClr val="accent1"/>
+          </a:fillRef>
+          <a:effectRef idx="0">
+            <a:schemeClr val="accent1"/>
+          </a:effectRef>
+          <a:fontRef idx="minor">
+            <a:schemeClr val="lt1"/>
+          </a:fontRef>
+        </p:style>
+        <p:txBody>
+          <a:bodyPr rtlCol="0" anchor="ctr"/>
+          <a:lstStyle/>
+          <a:p>
+            <a:pPr algn="ctr"/>
+            <a:endParaRPr lang="en-US"/>
+          </a:p>
+        </p:txBody>
+      </p:sp>
       <p:sp>
         <p:nvSpPr>
-          <p:cNvPr id="169" name="Rectangle 168">
+          <p:cNvPr id="17" name="Rectangle 16">
             <a:extLst>
               <a:ext uri="{FF2B5EF4-FFF2-40B4-BE49-F238E27FC236}">
-                <a16:creationId xmlns:a16="http://schemas.microsoft.com/office/drawing/2014/main" id="{E6995CE5-F890-4ABA-82A2-26507CE8D2A3}"/>
+                <a16:creationId xmlns:a16="http://schemas.microsoft.com/office/drawing/2014/main" id="{02F429C4-ABC9-46FC-818A-B5429CDE4A96}"/>
               </a:ext>
               <a:ext uri="{C183D7F6-B498-43B3-948B-1728B52AA6E4}">
                 <adec:decorative xmlns:adec="http://schemas.microsoft.com/office/drawing/2017/decorative" val="1"/>
@@ -10654,8 +11315,8 @@
         </p:nvSpPr>
         <p:spPr>
           <a:xfrm rot="5400000">
-            <a:off x="11228040" y="2313027"/>
-            <a:ext cx="781700" cy="152382"/>
+            <a:off x="-1270325" y="3369273"/>
+            <a:ext cx="3200400" cy="152382"/>
           </a:xfrm>
           <a:prstGeom prst="rect">
             <a:avLst/>
@@ -10692,10 +11353,248 @@
           </a:p>
         </p:txBody>
       </p:sp>
+      <p:sp>
+        <p:nvSpPr>
+          <p:cNvPr id="18" name="Rectangle 17">
+            <a:extLst>
+              <a:ext uri="{FF2B5EF4-FFF2-40B4-BE49-F238E27FC236}">
+                <a16:creationId xmlns:a16="http://schemas.microsoft.com/office/drawing/2014/main" id="{2CEF98E4-3709-4952-8F42-2305CCE34FA3}"/>
+              </a:ext>
+              <a:ext uri="{C183D7F6-B498-43B3-948B-1728B52AA6E4}">
+                <adec:decorative xmlns:adec="http://schemas.microsoft.com/office/drawing/2017/decorative" val="1"/>
+              </a:ext>
+            </a:extLst>
+          </p:cNvPr>
+          <p:cNvSpPr>
+            <a:spLocks noGrp="1" noRot="1" noChangeAspect="1" noMove="1" noResize="1" noEditPoints="1" noAdjustHandles="1" noChangeArrowheads="1" noChangeShapeType="1" noTextEdit="1"/>
+          </p:cNvSpPr>
+          <p:nvPr>
+            <p:extLst>
+              <p:ext uri="{386F3935-93C4-4BCD-93E2-E3B085C9AB24}">
+                <p16:designElem xmlns:p16="http://schemas.microsoft.com/office/powerpoint/2015/main" val="1"/>
+              </p:ext>
+            </p:extLst>
+          </p:nvPr>
+        </p:nvSpPr>
+        <p:spPr>
+          <a:xfrm rot="16200000">
+            <a:off x="6374475" y="1040470"/>
+            <a:ext cx="6858003" cy="4777047"/>
+          </a:xfrm>
+          <a:prstGeom prst="rect">
+            <a:avLst/>
+          </a:prstGeom>
+          <a:solidFill>
+            <a:schemeClr val="accent4"/>
+          </a:solidFill>
+          <a:ln>
+            <a:noFill/>
+          </a:ln>
+        </p:spPr>
+        <p:style>
+          <a:lnRef idx="2">
+            <a:schemeClr val="accent1">
+              <a:shade val="50000"/>
+            </a:schemeClr>
+          </a:lnRef>
+          <a:fillRef idx="1">
+            <a:schemeClr val="accent1"/>
+          </a:fillRef>
+          <a:effectRef idx="0">
+            <a:schemeClr val="accent1"/>
+          </a:effectRef>
+          <a:fontRef idx="minor">
+            <a:schemeClr val="lt1"/>
+          </a:fontRef>
+        </p:style>
+        <p:txBody>
+          <a:bodyPr rtlCol="0" anchor="ctr"/>
+          <a:lstStyle/>
+          <a:p>
+            <a:pPr algn="ctr"/>
+            <a:endParaRPr lang="en-US" dirty="0"/>
+          </a:p>
+        </p:txBody>
+      </p:sp>
+      <p:sp>
+        <p:nvSpPr>
+          <p:cNvPr id="19" name="Rectangle 18">
+            <a:extLst>
+              <a:ext uri="{FF2B5EF4-FFF2-40B4-BE49-F238E27FC236}">
+                <a16:creationId xmlns:a16="http://schemas.microsoft.com/office/drawing/2014/main" id="{F10BCCF5-D685-47FF-B675-647EAEB72C8E}"/>
+              </a:ext>
+              <a:ext uri="{C183D7F6-B498-43B3-948B-1728B52AA6E4}">
+                <adec:decorative xmlns:adec="http://schemas.microsoft.com/office/drawing/2017/decorative" val="1"/>
+              </a:ext>
+            </a:extLst>
+          </p:cNvPr>
+          <p:cNvSpPr>
+            <a:spLocks noGrp="1" noRot="1" noChangeAspect="1" noMove="1" noResize="1" noEditPoints="1" noAdjustHandles="1" noChangeArrowheads="1" noChangeShapeType="1" noTextEdit="1"/>
+          </p:cNvSpPr>
+          <p:nvPr>
+            <p:extLst>
+              <p:ext uri="{386F3935-93C4-4BCD-93E2-E3B085C9AB24}">
+                <p16:designElem xmlns:p16="http://schemas.microsoft.com/office/powerpoint/2015/main" val="1"/>
+              </p:ext>
+            </p:extLst>
+          </p:nvPr>
+        </p:nvSpPr>
+        <p:spPr>
+          <a:xfrm>
+            <a:off x="387914" y="857786"/>
+            <a:ext cx="11067024" cy="5208932"/>
+          </a:xfrm>
+          <a:prstGeom prst="rect">
+            <a:avLst/>
+          </a:prstGeom>
+          <a:solidFill>
+            <a:schemeClr val="bg1"/>
+          </a:solidFill>
+          <a:ln>
+            <a:noFill/>
+          </a:ln>
+          <a:effectLst>
+            <a:outerShdw blurRad="139700" dist="127000" dir="5400000" algn="t" rotWithShape="0">
+              <a:prstClr val="black">
+                <a:alpha val="15000"/>
+              </a:prstClr>
+            </a:outerShdw>
+          </a:effectLst>
+        </p:spPr>
+        <p:style>
+          <a:lnRef idx="2">
+            <a:schemeClr val="accent1">
+              <a:shade val="50000"/>
+            </a:schemeClr>
+          </a:lnRef>
+          <a:fillRef idx="1">
+            <a:schemeClr val="accent1"/>
+          </a:fillRef>
+          <a:effectRef idx="0">
+            <a:schemeClr val="accent1"/>
+          </a:effectRef>
+          <a:fontRef idx="minor">
+            <a:schemeClr val="lt1"/>
+          </a:fontRef>
+        </p:style>
+        <p:txBody>
+          <a:bodyPr rtlCol="0" anchor="ctr"/>
+          <a:lstStyle/>
+          <a:p>
+            <a:pPr algn="ctr"/>
+            <a:endParaRPr lang="en-US"/>
+          </a:p>
+        </p:txBody>
+      </p:sp>
+      <p:sp>
+        <p:nvSpPr>
+          <p:cNvPr id="2" name="Title 1">
+            <a:extLst>
+              <a:ext uri="{FF2B5EF4-FFF2-40B4-BE49-F238E27FC236}">
+                <a16:creationId xmlns:a16="http://schemas.microsoft.com/office/drawing/2014/main" id="{65FABD9C-B967-3FB9-EC5A-AFAF56BFE843}"/>
+              </a:ext>
+            </a:extLst>
+          </p:cNvPr>
+          <p:cNvSpPr>
+            <a:spLocks noGrp="1"/>
+          </p:cNvSpPr>
+          <p:nvPr>
+            <p:ph type="title"/>
+          </p:nvPr>
+        </p:nvSpPr>
+        <p:spPr>
+          <a:xfrm>
+            <a:off x="987689" y="3071183"/>
+            <a:ext cx="9910296" cy="2590027"/>
+          </a:xfrm>
+        </p:spPr>
+        <p:txBody>
+          <a:bodyPr vert="horz" lIns="91440" tIns="45720" rIns="91440" bIns="45720" rtlCol="0" anchor="t">
+            <a:normAutofit/>
+          </a:bodyPr>
+          <a:lstStyle/>
+          <a:p>
+            <a:r>
+              <a:rPr lang="en-US" sz="8000" kern="1200">
+                <a:solidFill>
+                  <a:schemeClr val="tx1"/>
+                </a:solidFill>
+                <a:latin typeface="+mj-lt"/>
+                <a:ea typeface="+mj-ea"/>
+                <a:cs typeface="+mj-cs"/>
+              </a:rPr>
+              <a:t>Modeling using ML techniques</a:t>
+            </a:r>
+          </a:p>
+        </p:txBody>
+      </p:sp>
+      <p:sp>
+        <p:nvSpPr>
+          <p:cNvPr id="15" name="Rectangle 14">
+            <a:extLst>
+              <a:ext uri="{FF2B5EF4-FFF2-40B4-BE49-F238E27FC236}">
+                <a16:creationId xmlns:a16="http://schemas.microsoft.com/office/drawing/2014/main" id="{B0EE8A42-107A-4D4C-8D56-BBAE95C7FC0D}"/>
+              </a:ext>
+              <a:ext uri="{C183D7F6-B498-43B3-948B-1728B52AA6E4}">
+                <adec:decorative xmlns:adec="http://schemas.microsoft.com/office/drawing/2017/decorative" val="1"/>
+              </a:ext>
+            </a:extLst>
+          </p:cNvPr>
+          <p:cNvSpPr>
+            <a:spLocks noGrp="1" noRot="1" noChangeAspect="1" noMove="1" noResize="1" noEditPoints="1" noAdjustHandles="1" noChangeArrowheads="1" noChangeShapeType="1" noTextEdit="1"/>
+          </p:cNvSpPr>
+          <p:nvPr>
+            <p:extLst>
+              <p:ext uri="{386F3935-93C4-4BCD-93E2-E3B085C9AB24}">
+                <p16:designElem xmlns:p16="http://schemas.microsoft.com/office/powerpoint/2015/main" val="1"/>
+              </p:ext>
+            </p:extLst>
+          </p:nvPr>
+        </p:nvSpPr>
+        <p:spPr>
+          <a:xfrm rot="5400000">
+            <a:off x="-1524009" y="3366125"/>
+            <a:ext cx="3200400" cy="152382"/>
+          </a:xfrm>
+          <a:prstGeom prst="rect">
+            <a:avLst/>
+          </a:prstGeom>
+          <a:solidFill>
+            <a:schemeClr val="accent4"/>
+          </a:solidFill>
+          <a:ln>
+            <a:noFill/>
+          </a:ln>
+        </p:spPr>
+        <p:style>
+          <a:lnRef idx="2">
+            <a:schemeClr val="accent1">
+              <a:shade val="50000"/>
+            </a:schemeClr>
+          </a:lnRef>
+          <a:fillRef idx="1">
+            <a:schemeClr val="accent1"/>
+          </a:fillRef>
+          <a:effectRef idx="0">
+            <a:schemeClr val="accent1"/>
+          </a:effectRef>
+          <a:fontRef idx="minor">
+            <a:schemeClr val="lt1"/>
+          </a:fontRef>
+        </p:style>
+        <p:txBody>
+          <a:bodyPr rtlCol="0" anchor="ctr"/>
+          <a:lstStyle/>
+          <a:p>
+            <a:pPr algn="ctr"/>
+            <a:endParaRPr lang="en-US"/>
+          </a:p>
+        </p:txBody>
+      </p:sp>
     </p:spTree>
     <p:extLst>
       <p:ext uri="{BB962C8B-B14F-4D97-AF65-F5344CB8AC3E}">
-        <p14:creationId xmlns:p14="http://schemas.microsoft.com/office/powerpoint/2010/main" val="3723170335"/>
+        <p14:creationId xmlns:p14="http://schemas.microsoft.com/office/powerpoint/2010/main" val="446526447"/>
       </p:ext>
     </p:extLst>
   </p:cSld>
@@ -11346,7 +12245,7 @@
       </p:grpSpPr>
       <p:sp useBgFill="1">
         <p:nvSpPr>
-          <p:cNvPr id="79" name="Rectangle 78">
+          <p:cNvPr id="107" name="Rectangle 106">
             <a:extLst>
               <a:ext uri="{FF2B5EF4-FFF2-40B4-BE49-F238E27FC236}">
                 <a16:creationId xmlns:a16="http://schemas.microsoft.com/office/drawing/2014/main" id="{56E9B3E6-E277-4D68-BA48-9CB43FFBD6E2}"/>
@@ -11406,7 +12305,7 @@
       </p:sp>
       <p:grpSp>
         <p:nvGrpSpPr>
-          <p:cNvPr id="81" name="Group 80">
+          <p:cNvPr id="109" name="Group 108">
             <a:extLst>
               <a:ext uri="{FF2B5EF4-FFF2-40B4-BE49-F238E27FC236}">
                 <a16:creationId xmlns:a16="http://schemas.microsoft.com/office/drawing/2014/main" id="{AE1C45F0-260A-458C-96ED-C1F6D2151219}"/>
@@ -11440,7 +12339,7 @@
         </p:grpSpPr>
         <p:sp>
           <p:nvSpPr>
-            <p:cNvPr id="82" name="Rectangle 81">
+            <p:cNvPr id="110" name="Rectangle 109">
               <a:extLst>
                 <a:ext uri="{FF2B5EF4-FFF2-40B4-BE49-F238E27FC236}">
                   <a16:creationId xmlns:a16="http://schemas.microsoft.com/office/drawing/2014/main" id="{A6604B49-AD5C-4590-B051-06C8222ECD99}"/>
@@ -11499,7 +12398,7 @@
         </p:sp>
         <p:sp>
           <p:nvSpPr>
-            <p:cNvPr id="83" name="Rectangle 82">
+            <p:cNvPr id="111" name="Rectangle 110">
               <a:extLst>
                 <a:ext uri="{FF2B5EF4-FFF2-40B4-BE49-F238E27FC236}">
                   <a16:creationId xmlns:a16="http://schemas.microsoft.com/office/drawing/2014/main" id="{743ECCAF-29C5-4537-947C-7EA1292463DB}"/>
@@ -11558,7 +12457,7 @@
         </p:sp>
         <p:sp>
           <p:nvSpPr>
-            <p:cNvPr id="84" name="Rectangle 83">
+            <p:cNvPr id="112" name="Rectangle 111">
               <a:extLst>
                 <a:ext uri="{FF2B5EF4-FFF2-40B4-BE49-F238E27FC236}">
                   <a16:creationId xmlns:a16="http://schemas.microsoft.com/office/drawing/2014/main" id="{ED49787B-8DE6-4467-AD0A-8DECC6E0C2D6}"/>
@@ -11618,7 +12517,7 @@
       </p:grpSp>
       <p:sp>
         <p:nvSpPr>
-          <p:cNvPr id="86" name="Rectangle 85">
+          <p:cNvPr id="114" name="Rectangle 113">
             <a:extLst>
               <a:ext uri="{FF2B5EF4-FFF2-40B4-BE49-F238E27FC236}">
                 <a16:creationId xmlns:a16="http://schemas.microsoft.com/office/drawing/2014/main" id="{D5B0017B-2ECA-49AF-B397-DC140825DF8D}"/>
@@ -11723,7 +12622,7 @@
       </p:sp>
       <p:cxnSp>
         <p:nvCxnSpPr>
-          <p:cNvPr id="88" name="Straight Connector 87">
+          <p:cNvPr id="116" name="Straight Connector 115">
             <a:extLst>
               <a:ext uri="{FF2B5EF4-FFF2-40B4-BE49-F238E27FC236}">
                 <a16:creationId xmlns:a16="http://schemas.microsoft.com/office/drawing/2014/main" id="{6CF1BAF6-AD41-4082-B212-8A1F9A2E8779}"/>
@@ -11789,7 +12688,7 @@
             <p:ph idx="1"/>
             <p:extLst>
               <p:ext uri="{D42A27DB-BD31-4B8C-83A1-F6EECF244321}">
-                <p14:modId xmlns:p14="http://schemas.microsoft.com/office/powerpoint/2010/main" val="3231076856"/>
+                <p14:modId xmlns:p14="http://schemas.microsoft.com/office/powerpoint/2010/main" val="3534106147"/>
               </p:ext>
             </p:extLst>
           </p:nvPr>
@@ -12213,9 +13112,10 @@
           <a:lstStyle/>
           <a:p>
             <a:r>
-              <a:rPr lang="en-US" sz="4800" dirty="0"/>
+              <a:rPr lang="en-US" sz="4800"/>
               <a:t>Exploratory Data Analysis (EDA)</a:t>
             </a:r>
+            <a:endParaRPr lang="en-US" sz="4800" dirty="0"/>
           </a:p>
         </p:txBody>
       </p:sp>
@@ -12287,7 +13187,7 @@
             <p:ph idx="1"/>
             <p:extLst>
               <p:ext uri="{D42A27DB-BD31-4B8C-83A1-F6EECF244321}">
-                <p14:modId xmlns:p14="http://schemas.microsoft.com/office/powerpoint/2010/main" val="3384803731"/>
+                <p14:modId xmlns:p14="http://schemas.microsoft.com/office/powerpoint/2010/main" val="3051779517"/>
               </p:ext>
             </p:extLst>
           </p:nvPr>
@@ -12741,8 +13641,8 @@
         </p:nvSpPr>
         <p:spPr bwMode="auto">
           <a:xfrm>
-            <a:off x="1045028" y="3017522"/>
-            <a:ext cx="9941319" cy="3124658"/>
+            <a:off x="1045028" y="2560322"/>
+            <a:ext cx="9941319" cy="3581858"/>
           </a:xfrm>
           <a:prstGeom prst="rect">
             <a:avLst/>
@@ -12781,7 +13681,7 @@
             <a:prstTxWarp prst="textNoShape">
               <a:avLst/>
             </a:prstTxWarp>
-            <a:normAutofit fontScale="92500" lnSpcReduction="10000"/>
+            <a:normAutofit lnSpcReduction="10000"/>
           </a:bodyPr>
           <a:lstStyle/>
           <a:p>
@@ -13372,7 +14272,7 @@
           <a:lstStyle/>
           <a:p>
             <a:r>
-              <a:rPr lang="en-US" sz="4800"/>
+              <a:rPr lang="en-US" sz="4800" dirty="0"/>
               <a:t>Target Variable distribution</a:t>
             </a:r>
           </a:p>
@@ -13578,7 +14478,7 @@
           <a:p>
             <a:r>
               <a:rPr lang="en-US" dirty="0"/>
-              <a:t>➡️ The classes are fairly balanced, so we </a:t>
+              <a:t>The classes are fairly balanced, so we </a:t>
             </a:r>
             <a:r>
               <a:rPr lang="en-US" b="1" dirty="0"/>
@@ -14121,7 +15021,7 @@
               <a:tabLst/>
             </a:pPr>
             <a:r>
-              <a:rPr kumimoji="0" lang="en-US" altLang="en-US" sz="2000" b="1" i="0" u="none" strike="noStrike" cap="none" normalizeH="0" baseline="0">
+              <a:rPr kumimoji="0" lang="en-US" altLang="en-US" sz="2000" b="1" i="0" u="none" strike="noStrike" cap="none" normalizeH="0" baseline="0" dirty="0">
                 <a:ln>
                   <a:noFill/>
                 </a:ln>
@@ -14131,7 +15031,7 @@
               <a:t>Only three features show strong correlation</a:t>
             </a:r>
             <a:r>
-              <a:rPr kumimoji="0" lang="en-US" altLang="en-US" sz="2000" b="0" i="0" u="none" strike="noStrike" cap="none" normalizeH="0" baseline="0">
+              <a:rPr kumimoji="0" lang="en-US" altLang="en-US" sz="2000" b="0" i="0" u="none" strike="noStrike" cap="none" normalizeH="0" baseline="0" dirty="0">
                 <a:ln>
                   <a:noFill/>
                 </a:ln>
@@ -14156,7 +15056,7 @@
               <a:tabLst/>
             </a:pPr>
             <a:r>
-              <a:rPr kumimoji="0" lang="en-US" altLang="en-US" sz="2000" b="1" i="0" u="none" strike="noStrike" cap="none" normalizeH="0" baseline="0">
+              <a:rPr kumimoji="0" lang="en-US" altLang="en-US" sz="2000" b="1" i="0" u="none" strike="noStrike" cap="none" normalizeH="0" baseline="0" dirty="0">
                 <a:ln>
                   <a:noFill/>
                 </a:ln>
@@ -14165,7 +15065,7 @@
               </a:rPr>
               <a:t> Age (0.42)</a:t>
             </a:r>
-            <a:endParaRPr kumimoji="0" lang="en-US" altLang="en-US" sz="2000" b="0" i="0" u="none" strike="noStrike" cap="none" normalizeH="0" baseline="0">
+            <a:endParaRPr kumimoji="0" lang="en-US" altLang="en-US" sz="2000" b="0" i="0" u="none" strike="noStrike" cap="none" normalizeH="0" baseline="0" dirty="0">
               <a:ln>
                 <a:noFill/>
               </a:ln>
@@ -14188,16 +15088,16 @@
               <a:tabLst/>
             </a:pPr>
             <a:r>
-              <a:rPr kumimoji="0" lang="en-US" altLang="en-US" sz="2000" b="1" i="0" u="none" strike="noStrike" cap="none" normalizeH="0" baseline="0">
+              <a:rPr kumimoji="0" lang="en-US" altLang="en-US" sz="2000" b="1" i="0" u="none" strike="noStrike" cap="none" normalizeH="0" baseline="0" dirty="0">
                 <a:ln>
                   <a:noFill/>
                 </a:ln>
                 <a:effectLst/>
                 <a:latin typeface="Arial" panose="020B0604020202020204" pitchFamily="34" charset="0"/>
               </a:rPr>
-              <a:t> Family History of Alzheimer’s (0.18)</a:t>
+              <a:t> Family History of Alzheimer’s (0.14)</a:t>
             </a:r>
-            <a:endParaRPr kumimoji="0" lang="en-US" altLang="en-US" sz="2000" b="0" i="0" u="none" strike="noStrike" cap="none" normalizeH="0" baseline="0">
+            <a:endParaRPr kumimoji="0" lang="en-US" altLang="en-US" sz="2000" b="0" i="0" u="none" strike="noStrike" cap="none" normalizeH="0" baseline="0" dirty="0">
               <a:ln>
                 <a:noFill/>
               </a:ln>
@@ -14220,16 +15120,16 @@
               <a:tabLst/>
             </a:pPr>
             <a:r>
-              <a:rPr kumimoji="0" lang="en-US" altLang="en-US" sz="2000" b="1" i="0" u="none" strike="noStrike" cap="none" normalizeH="0" baseline="0">
+              <a:rPr kumimoji="0" lang="en-US" altLang="en-US" sz="2000" b="1" i="0" u="none" strike="noStrike" cap="none" normalizeH="0" baseline="0" dirty="0">
                 <a:ln>
                   <a:noFill/>
                 </a:ln>
                 <a:effectLst/>
                 <a:latin typeface="Arial" panose="020B0604020202020204" pitchFamily="34" charset="0"/>
               </a:rPr>
-              <a:t> Genetic Risk Factor (APOE-ε4) (0.17)</a:t>
+              <a:t> Genetic Risk Factor (APOE-ε4) (0.19)</a:t>
             </a:r>
-            <a:endParaRPr kumimoji="0" lang="en-US" altLang="en-US" sz="2000" b="0" i="0" u="none" strike="noStrike" cap="none" normalizeH="0" baseline="0">
+            <a:endParaRPr kumimoji="0" lang="en-US" altLang="en-US" sz="2000" b="0" i="0" u="none" strike="noStrike" cap="none" normalizeH="0" baseline="0" dirty="0">
               <a:ln>
                 <a:noFill/>
               </a:ln>
@@ -14251,7 +15151,7 @@
               <a:tabLst/>
             </a:pPr>
             <a:r>
-              <a:rPr kumimoji="0" lang="en-US" altLang="en-US" sz="2000" b="0" i="0" u="none" strike="noStrike" cap="none" normalizeH="0" baseline="0">
+              <a:rPr kumimoji="0" lang="en-US" altLang="en-US" sz="2000" b="0" i="0" u="none" strike="noStrike" cap="none" normalizeH="0" baseline="0" dirty="0">
                 <a:ln>
                   <a:noFill/>
                 </a:ln>
@@ -14261,7 +15161,7 @@
               <a:t>The rest of the features have </a:t>
             </a:r>
             <a:r>
-              <a:rPr kumimoji="0" lang="en-US" altLang="en-US" sz="2000" b="1" i="0" u="none" strike="noStrike" cap="none" normalizeH="0" baseline="0">
+              <a:rPr kumimoji="0" lang="en-US" altLang="en-US" sz="2000" b="1" i="0" u="none" strike="noStrike" cap="none" normalizeH="0" baseline="0" dirty="0">
                 <a:ln>
                   <a:noFill/>
                 </a:ln>
@@ -14271,7 +15171,7 @@
               <a:t>low or negligible correlation</a:t>
             </a:r>
             <a:r>
-              <a:rPr kumimoji="0" lang="en-US" altLang="en-US" sz="2000" b="0" i="0" u="none" strike="noStrike" cap="none" normalizeH="0" baseline="0">
+              <a:rPr kumimoji="0" lang="en-US" altLang="en-US" sz="2000" b="0" i="0" u="none" strike="noStrike" cap="none" normalizeH="0" baseline="0" dirty="0">
                 <a:ln>
                   <a:noFill/>
                 </a:ln>
@@ -14280,13 +15180,6 @@
               </a:rPr>
               <a:t> with the target.</a:t>
             </a:r>
-            <a:endParaRPr kumimoji="0" lang="en-US" altLang="en-US" sz="2000" b="0" i="0" u="none" strike="noStrike" cap="none" normalizeH="0" baseline="0" dirty="0">
-              <a:ln>
-                <a:noFill/>
-              </a:ln>
-              <a:effectLst/>
-              <a:latin typeface="Arial" panose="020B0604020202020204" pitchFamily="34" charset="0"/>
-            </a:endParaRPr>
           </a:p>
         </p:txBody>
       </p:sp>

--- a/presentation.pptx
+++ b/presentation.pptx
@@ -18,6 +18,11 @@
     <p:sldId id="268" r:id="rId12"/>
     <p:sldId id="269" r:id="rId13"/>
     <p:sldId id="270" r:id="rId14"/>
+    <p:sldId id="271" r:id="rId15"/>
+    <p:sldId id="272" r:id="rId16"/>
+    <p:sldId id="273" r:id="rId17"/>
+    <p:sldId id="274" r:id="rId18"/>
+    <p:sldId id="275" r:id="rId19"/>
   </p:sldIdLst>
   <p:sldSz cx="12192000" cy="6858000"/>
   <p:notesSz cx="6858000" cy="9144000"/>
@@ -6067,7 +6072,7 @@
           <a:p>
             <a:fld id="{6444479B-705B-4489-957E-7E8A228BDFA0}" type="datetime1">
               <a:rPr lang="en-US" smtClean="0"/>
-              <a:t>4/24/2025</a:t>
+              <a:t>4/25/2025</a:t>
             </a:fld>
             <a:endParaRPr lang="en-US"/>
           </a:p>
@@ -6237,7 +6242,7 @@
           <a:p>
             <a:fld id="{7DA38F49-B3E2-4BF0-BEC7-C30D34ABBB8D}" type="datetime1">
               <a:rPr lang="en-US" smtClean="0"/>
-              <a:t>4/24/2025</a:t>
+              <a:t>4/25/2025</a:t>
             </a:fld>
             <a:endParaRPr lang="en-US"/>
           </a:p>
@@ -6418,7 +6423,7 @@
           <a:p>
             <a:fld id="{7DA38F49-B3E2-4BF0-BEC7-C30D34ABBB8D}" type="datetime1">
               <a:rPr lang="en-US" smtClean="0"/>
-              <a:t>4/24/2025</a:t>
+              <a:t>4/25/2025</a:t>
             </a:fld>
             <a:endParaRPr lang="en-US"/>
           </a:p>
@@ -6589,7 +6594,7 @@
           <a:p>
             <a:fld id="{7DA38F49-B3E2-4BF0-BEC7-C30D34ABBB8D}" type="datetime1">
               <a:rPr lang="en-US" smtClean="0"/>
-              <a:t>4/24/2025</a:t>
+              <a:t>4/25/2025</a:t>
             </a:fld>
             <a:endParaRPr lang="en-US"/>
           </a:p>
@@ -6836,7 +6841,7 @@
           <a:p>
             <a:fld id="{F9504452-5DCC-4FE2-A5C9-8A5EF6714D65}" type="datetime1">
               <a:rPr lang="en-US" smtClean="0"/>
-              <a:t>4/24/2025</a:t>
+              <a:t>4/25/2025</a:t>
             </a:fld>
             <a:endParaRPr lang="en-US"/>
           </a:p>
@@ -7068,7 +7073,7 @@
           <a:p>
             <a:fld id="{7DA38F49-B3E2-4BF0-BEC7-C30D34ABBB8D}" type="datetime1">
               <a:rPr lang="en-US" smtClean="0"/>
-              <a:t>4/24/2025</a:t>
+              <a:t>4/25/2025</a:t>
             </a:fld>
             <a:endParaRPr lang="en-US"/>
           </a:p>
@@ -7436,7 +7441,7 @@
           <a:p>
             <a:fld id="{7DA38F49-B3E2-4BF0-BEC7-C30D34ABBB8D}" type="datetime1">
               <a:rPr lang="en-US" smtClean="0"/>
-              <a:t>4/24/2025</a:t>
+              <a:t>4/25/2025</a:t>
             </a:fld>
             <a:endParaRPr lang="en-US"/>
           </a:p>
@@ -7555,7 +7560,7 @@
           <a:p>
             <a:fld id="{BE15BF18-0007-481C-AA29-413124BC3EE7}" type="datetime1">
               <a:rPr lang="en-US" smtClean="0"/>
-              <a:t>4/24/2025</a:t>
+              <a:t>4/25/2025</a:t>
             </a:fld>
             <a:endParaRPr lang="en-US"/>
           </a:p>
@@ -7650,7 +7655,7 @@
           <a:p>
             <a:fld id="{09BE9870-3748-43AD-B547-02A075CB4A1D}" type="datetime1">
               <a:rPr lang="en-US" smtClean="0"/>
-              <a:t>4/24/2025</a:t>
+              <a:t>4/25/2025</a:t>
             </a:fld>
             <a:endParaRPr lang="en-US"/>
           </a:p>
@@ -7927,7 +7932,7 @@
           <a:p>
             <a:fld id="{7DA38F49-B3E2-4BF0-BEC7-C30D34ABBB8D}" type="datetime1">
               <a:rPr lang="en-US" smtClean="0"/>
-              <a:t>4/24/2025</a:t>
+              <a:t>4/25/2025</a:t>
             </a:fld>
             <a:endParaRPr lang="en-US"/>
           </a:p>
@@ -8185,7 +8190,7 @@
           <a:p>
             <a:fld id="{82E171BA-CC09-47C8-A6DF-F5C5CB59CEEC}" type="datetime1">
               <a:rPr lang="en-US" smtClean="0"/>
-              <a:t>4/24/2025</a:t>
+              <a:t>4/25/2025</a:t>
             </a:fld>
             <a:endParaRPr lang="en-US"/>
           </a:p>
@@ -8398,7 +8403,7 @@
           <a:p>
             <a:fld id="{7DA38F49-B3E2-4BF0-BEC7-C30D34ABBB8D}" type="datetime1">
               <a:rPr lang="en-US" smtClean="0"/>
-              <a:t>4/24/2025</a:t>
+              <a:t>4/25/2025</a:t>
             </a:fld>
             <a:endParaRPr lang="en-US"/>
           </a:p>
@@ -11604,6 +11609,4453 @@
 </p:sld>
 </file>
 
+<file path=ppt/slides/slide14.xml><?xml version="1.0" encoding="utf-8"?>
+<p:sld xmlns:a="http://schemas.openxmlformats.org/drawingml/2006/main" xmlns:r="http://schemas.openxmlformats.org/officeDocument/2006/relationships" xmlns:p="http://schemas.openxmlformats.org/presentationml/2006/main">
+  <p:cSld>
+    <p:bg>
+      <p:bgPr>
+        <a:solidFill>
+          <a:schemeClr val="bg1"/>
+        </a:solidFill>
+        <a:effectLst/>
+      </p:bgPr>
+    </p:bg>
+    <p:spTree>
+      <p:nvGrpSpPr>
+        <p:cNvPr id="1" name="">
+          <a:extLst>
+            <a:ext uri="{FF2B5EF4-FFF2-40B4-BE49-F238E27FC236}">
+              <a16:creationId xmlns:a16="http://schemas.microsoft.com/office/drawing/2014/main" id="{F2A7FC98-04B2-5EB5-DE48-DA3B2669B5AB}"/>
+            </a:ext>
+          </a:extLst>
+        </p:cNvPr>
+        <p:cNvGrpSpPr/>
+        <p:nvPr/>
+      </p:nvGrpSpPr>
+      <p:grpSpPr>
+        <a:xfrm>
+          <a:off x="0" y="0"/>
+          <a:ext cx="0" cy="0"/>
+          <a:chOff x="0" y="0"/>
+          <a:chExt cx="0" cy="0"/>
+        </a:xfrm>
+      </p:grpSpPr>
+      <p:sp useBgFill="1">
+        <p:nvSpPr>
+          <p:cNvPr id="148" name="Rectangle 147">
+            <a:extLst>
+              <a:ext uri="{FF2B5EF4-FFF2-40B4-BE49-F238E27FC236}">
+                <a16:creationId xmlns:a16="http://schemas.microsoft.com/office/drawing/2014/main" id="{BA79A7CF-01AF-4178-9369-94E0C90EB046}"/>
+              </a:ext>
+              <a:ext uri="{C183D7F6-B498-43B3-948B-1728B52AA6E4}">
+                <adec:decorative xmlns:adec="http://schemas.microsoft.com/office/drawing/2017/decorative" val="1"/>
+              </a:ext>
+            </a:extLst>
+          </p:cNvPr>
+          <p:cNvSpPr>
+            <a:spLocks noGrp="1" noRot="1" noChangeAspect="1" noMove="1" noResize="1" noEditPoints="1" noAdjustHandles="1" noChangeArrowheads="1" noChangeShapeType="1" noTextEdit="1"/>
+          </p:cNvSpPr>
+          <p:nvPr>
+            <p:extLst>
+              <p:ext uri="{386F3935-93C4-4BCD-93E2-E3B085C9AB24}">
+                <p16:designElem xmlns:p16="http://schemas.microsoft.com/office/powerpoint/2015/main" val="1"/>
+              </p:ext>
+            </p:extLst>
+          </p:nvPr>
+        </p:nvSpPr>
+        <p:spPr>
+          <a:xfrm>
+            <a:off x="0" y="0"/>
+            <a:ext cx="12191999" cy="6857365"/>
+          </a:xfrm>
+          <a:prstGeom prst="rect">
+            <a:avLst/>
+          </a:prstGeom>
+          <a:ln>
+            <a:noFill/>
+          </a:ln>
+        </p:spPr>
+        <p:style>
+          <a:lnRef idx="2">
+            <a:schemeClr val="accent1">
+              <a:shade val="50000"/>
+            </a:schemeClr>
+          </a:lnRef>
+          <a:fillRef idx="1">
+            <a:schemeClr val="accent1"/>
+          </a:fillRef>
+          <a:effectRef idx="0">
+            <a:schemeClr val="accent1"/>
+          </a:effectRef>
+          <a:fontRef idx="minor">
+            <a:schemeClr val="lt1"/>
+          </a:fontRef>
+        </p:style>
+        <p:txBody>
+          <a:bodyPr rtlCol="0" anchor="ctr"/>
+          <a:lstStyle/>
+          <a:p>
+            <a:pPr algn="ctr"/>
+            <a:endParaRPr lang="en-US"/>
+          </a:p>
+        </p:txBody>
+      </p:sp>
+      <p:sp>
+        <p:nvSpPr>
+          <p:cNvPr id="2" name="Title 1">
+            <a:extLst>
+              <a:ext uri="{FF2B5EF4-FFF2-40B4-BE49-F238E27FC236}">
+                <a16:creationId xmlns:a16="http://schemas.microsoft.com/office/drawing/2014/main" id="{18A9FC0A-FBF1-3B88-EBCA-F35A517464A6}"/>
+              </a:ext>
+            </a:extLst>
+          </p:cNvPr>
+          <p:cNvSpPr>
+            <a:spLocks noGrp="1"/>
+          </p:cNvSpPr>
+          <p:nvPr>
+            <p:ph type="title"/>
+          </p:nvPr>
+        </p:nvSpPr>
+        <p:spPr>
+          <a:xfrm>
+            <a:off x="9267909" y="2023110"/>
+            <a:ext cx="2469624" cy="2846070"/>
+          </a:xfrm>
+        </p:spPr>
+        <p:txBody>
+          <a:bodyPr vert="horz" lIns="91440" tIns="45720" rIns="91440" bIns="45720" rtlCol="0" anchor="ctr">
+            <a:normAutofit/>
+          </a:bodyPr>
+          <a:lstStyle/>
+          <a:p>
+            <a:r>
+              <a:rPr lang="en-US" sz="3700" kern="1200">
+                <a:solidFill>
+                  <a:schemeClr val="tx1"/>
+                </a:solidFill>
+                <a:latin typeface="+mj-lt"/>
+                <a:ea typeface="+mj-ea"/>
+                <a:cs typeface="+mj-cs"/>
+              </a:rPr>
+              <a:t>Modeling Strategy Overview</a:t>
+            </a:r>
+          </a:p>
+        </p:txBody>
+      </p:sp>
+      <p:sp>
+        <p:nvSpPr>
+          <p:cNvPr id="150" name="Rectangle 149">
+            <a:extLst>
+              <a:ext uri="{FF2B5EF4-FFF2-40B4-BE49-F238E27FC236}">
+                <a16:creationId xmlns:a16="http://schemas.microsoft.com/office/drawing/2014/main" id="{99413ED5-9ED4-4772-BCE4-2BCAE6B12E35}"/>
+              </a:ext>
+              <a:ext uri="{C183D7F6-B498-43B3-948B-1728B52AA6E4}">
+                <adec:decorative xmlns:adec="http://schemas.microsoft.com/office/drawing/2017/decorative" val="1"/>
+              </a:ext>
+            </a:extLst>
+          </p:cNvPr>
+          <p:cNvSpPr>
+            <a:spLocks noGrp="1" noRot="1" noChangeAspect="1" noMove="1" noResize="1" noEditPoints="1" noAdjustHandles="1" noChangeArrowheads="1" noChangeShapeType="1" noTextEdit="1"/>
+          </p:cNvSpPr>
+          <p:nvPr>
+            <p:extLst>
+              <p:ext uri="{386F3935-93C4-4BCD-93E2-E3B085C9AB24}">
+                <p16:designElem xmlns:p16="http://schemas.microsoft.com/office/powerpoint/2015/main" val="1"/>
+              </p:ext>
+            </p:extLst>
+          </p:nvPr>
+        </p:nvSpPr>
+        <p:spPr>
+          <a:xfrm rot="16200000">
+            <a:off x="3433973" y="-827233"/>
+            <a:ext cx="1715478" cy="8583421"/>
+          </a:xfrm>
+          <a:prstGeom prst="rect">
+            <a:avLst/>
+          </a:prstGeom>
+          <a:solidFill>
+            <a:schemeClr val="accent4"/>
+          </a:solidFill>
+          <a:ln>
+            <a:noFill/>
+          </a:ln>
+        </p:spPr>
+        <p:style>
+          <a:lnRef idx="2">
+            <a:schemeClr val="accent1">
+              <a:shade val="50000"/>
+            </a:schemeClr>
+          </a:lnRef>
+          <a:fillRef idx="1">
+            <a:schemeClr val="accent1"/>
+          </a:fillRef>
+          <a:effectRef idx="0">
+            <a:schemeClr val="accent1"/>
+          </a:effectRef>
+          <a:fontRef idx="minor">
+            <a:schemeClr val="lt1"/>
+          </a:fontRef>
+        </p:style>
+        <p:txBody>
+          <a:bodyPr rtlCol="0" anchor="ctr"/>
+          <a:lstStyle/>
+          <a:p>
+            <a:pPr algn="ctr"/>
+            <a:endParaRPr lang="en-US" dirty="0"/>
+          </a:p>
+        </p:txBody>
+      </p:sp>
+      <p:sp>
+        <p:nvSpPr>
+          <p:cNvPr id="152" name="Rectangle 151">
+            <a:extLst>
+              <a:ext uri="{FF2B5EF4-FFF2-40B4-BE49-F238E27FC236}">
+                <a16:creationId xmlns:a16="http://schemas.microsoft.com/office/drawing/2014/main" id="{04357C93-F0CB-4A1C-8F77-4E9063789819}"/>
+              </a:ext>
+              <a:ext uri="{C183D7F6-B498-43B3-948B-1728B52AA6E4}">
+                <adec:decorative xmlns:adec="http://schemas.microsoft.com/office/drawing/2017/decorative" val="1"/>
+              </a:ext>
+            </a:extLst>
+          </p:cNvPr>
+          <p:cNvSpPr>
+            <a:spLocks noGrp="1" noRot="1" noChangeAspect="1" noMove="1" noResize="1" noEditPoints="1" noAdjustHandles="1" noChangeArrowheads="1" noChangeShapeType="1" noTextEdit="1"/>
+          </p:cNvSpPr>
+          <p:nvPr>
+            <p:extLst>
+              <p:ext uri="{386F3935-93C4-4BCD-93E2-E3B085C9AB24}">
+                <p16:designElem xmlns:p16="http://schemas.microsoft.com/office/powerpoint/2015/main" val="1"/>
+              </p:ext>
+            </p:extLst>
+          </p:nvPr>
+        </p:nvSpPr>
+        <p:spPr>
+          <a:xfrm>
+            <a:off x="302085" y="664308"/>
+            <a:ext cx="8082632" cy="5600340"/>
+          </a:xfrm>
+          <a:prstGeom prst="rect">
+            <a:avLst/>
+          </a:prstGeom>
+          <a:solidFill>
+            <a:schemeClr val="bg1"/>
+          </a:solidFill>
+          <a:ln>
+            <a:noFill/>
+          </a:ln>
+          <a:effectLst>
+            <a:outerShdw blurRad="139700" dist="127000" dir="5400000" algn="t" rotWithShape="0">
+              <a:prstClr val="black">
+                <a:alpha val="15000"/>
+              </a:prstClr>
+            </a:outerShdw>
+          </a:effectLst>
+        </p:spPr>
+        <p:style>
+          <a:lnRef idx="2">
+            <a:schemeClr val="accent1">
+              <a:shade val="50000"/>
+            </a:schemeClr>
+          </a:lnRef>
+          <a:fillRef idx="1">
+            <a:schemeClr val="accent1"/>
+          </a:fillRef>
+          <a:effectRef idx="0">
+            <a:schemeClr val="accent1"/>
+          </a:effectRef>
+          <a:fontRef idx="minor">
+            <a:schemeClr val="lt1"/>
+          </a:fontRef>
+        </p:style>
+        <p:txBody>
+          <a:bodyPr rtlCol="0" anchor="ctr"/>
+          <a:lstStyle/>
+          <a:p>
+            <a:pPr algn="ctr"/>
+            <a:endParaRPr lang="en-US"/>
+          </a:p>
+        </p:txBody>
+      </p:sp>
+      <p:sp>
+        <p:nvSpPr>
+          <p:cNvPr id="154" name="Rectangle 153">
+            <a:extLst>
+              <a:ext uri="{FF2B5EF4-FFF2-40B4-BE49-F238E27FC236}">
+                <a16:creationId xmlns:a16="http://schemas.microsoft.com/office/drawing/2014/main" id="{90F533E9-6690-41A8-A372-4C6C622D028D}"/>
+              </a:ext>
+              <a:ext uri="{C183D7F6-B498-43B3-948B-1728B52AA6E4}">
+                <adec:decorative xmlns:adec="http://schemas.microsoft.com/office/drawing/2017/decorative" val="1"/>
+              </a:ext>
+            </a:extLst>
+          </p:cNvPr>
+          <p:cNvSpPr>
+            <a:spLocks noGrp="1" noRot="1" noChangeAspect="1" noMove="1" noResize="1" noEditPoints="1" noAdjustHandles="1" noChangeArrowheads="1" noChangeShapeType="1" noTextEdit="1"/>
+          </p:cNvSpPr>
+          <p:nvPr>
+            <p:extLst>
+              <p:ext uri="{386F3935-93C4-4BCD-93E2-E3B085C9AB24}">
+                <p16:designElem xmlns:p16="http://schemas.microsoft.com/office/powerpoint/2015/main" val="1"/>
+              </p:ext>
+            </p:extLst>
+          </p:nvPr>
+        </p:nvSpPr>
+        <p:spPr>
+          <a:xfrm rot="5400000">
+            <a:off x="7950447" y="3392097"/>
+            <a:ext cx="1719072" cy="152382"/>
+          </a:xfrm>
+          <a:prstGeom prst="rect">
+            <a:avLst/>
+          </a:prstGeom>
+          <a:solidFill>
+            <a:schemeClr val="accent4"/>
+          </a:solidFill>
+          <a:ln>
+            <a:noFill/>
+          </a:ln>
+        </p:spPr>
+        <p:style>
+          <a:lnRef idx="2">
+            <a:schemeClr val="accent1">
+              <a:shade val="50000"/>
+            </a:schemeClr>
+          </a:lnRef>
+          <a:fillRef idx="1">
+            <a:schemeClr val="accent1"/>
+          </a:fillRef>
+          <a:effectRef idx="0">
+            <a:schemeClr val="accent1"/>
+          </a:effectRef>
+          <a:fontRef idx="minor">
+            <a:schemeClr val="lt1"/>
+          </a:fontRef>
+        </p:style>
+        <p:txBody>
+          <a:bodyPr rtlCol="0" anchor="ctr"/>
+          <a:lstStyle/>
+          <a:p>
+            <a:pPr algn="ctr"/>
+            <a:endParaRPr lang="en-US"/>
+          </a:p>
+        </p:txBody>
+      </p:sp>
+      <p:graphicFrame>
+        <p:nvGraphicFramePr>
+          <p:cNvPr id="14" name="Table 13">
+            <a:extLst>
+              <a:ext uri="{FF2B5EF4-FFF2-40B4-BE49-F238E27FC236}">
+                <a16:creationId xmlns:a16="http://schemas.microsoft.com/office/drawing/2014/main" id="{5E22EDD7-9C43-7E7A-6C96-36443535FCDC}"/>
+              </a:ext>
+            </a:extLst>
+          </p:cNvPr>
+          <p:cNvGraphicFramePr>
+            <a:graphicFrameLocks noGrp="1"/>
+          </p:cNvGraphicFramePr>
+          <p:nvPr>
+            <p:extLst>
+              <p:ext uri="{D42A27DB-BD31-4B8C-83A1-F6EECF244321}">
+                <p14:modId xmlns:p14="http://schemas.microsoft.com/office/powerpoint/2010/main" val="957884565"/>
+              </p:ext>
+            </p:extLst>
+          </p:nvPr>
+        </p:nvGraphicFramePr>
+        <p:xfrm>
+          <a:off x="545238" y="1165957"/>
+          <a:ext cx="7608305" cy="4597043"/>
+        </p:xfrm>
+        <a:graphic>
+          <a:graphicData uri="http://schemas.openxmlformats.org/drawingml/2006/table">
+            <a:tbl>
+              <a:tblPr>
+                <a:solidFill>
+                  <a:schemeClr val="bg1"/>
+                </a:solidFill>
+              </a:tblPr>
+              <a:tblGrid>
+                <a:gridCol w="3647358">
+                  <a:extLst>
+                    <a:ext uri="{9D8B030D-6E8A-4147-A177-3AD203B41FA5}">
+                      <a16:colId xmlns:a16="http://schemas.microsoft.com/office/drawing/2014/main" val="2273848923"/>
+                    </a:ext>
+                  </a:extLst>
+                </a:gridCol>
+                <a:gridCol w="3960947">
+                  <a:extLst>
+                    <a:ext uri="{9D8B030D-6E8A-4147-A177-3AD203B41FA5}">
+                      <a16:colId xmlns:a16="http://schemas.microsoft.com/office/drawing/2014/main" val="3871813977"/>
+                    </a:ext>
+                  </a:extLst>
+                </a:gridCol>
+              </a:tblGrid>
+              <a:tr h="862454">
+                <a:tc>
+                  <a:txBody>
+                    <a:bodyPr/>
+                    <a:lstStyle/>
+                    <a:p>
+                      <a:pPr algn="ctr"/>
+                      <a:r>
+                        <a:rPr lang="en-US" sz="1900" b="1" cap="none" spc="0">
+                          <a:solidFill>
+                            <a:schemeClr val="tx1"/>
+                          </a:solidFill>
+                          <a:effectLst/>
+                        </a:rPr>
+                        <a:t>Phase 1: Initial Experimentation</a:t>
+                      </a:r>
+                      <a:endParaRPr lang="en-US" sz="1900" cap="none" spc="0">
+                        <a:solidFill>
+                          <a:schemeClr val="tx1"/>
+                        </a:solidFill>
+                        <a:effectLst/>
+                      </a:endParaRPr>
+                    </a:p>
+                  </a:txBody>
+                  <a:tcPr marL="158659" marR="151097" marT="122045" marB="122045" anchor="ctr">
+                    <a:lnL w="19050" cap="flat" cmpd="sng" algn="ctr">
+                      <a:solidFill>
+                        <a:schemeClr val="tx1"/>
+                      </a:solidFill>
+                      <a:prstDash val="solid"/>
+                    </a:lnL>
+                    <a:lnR w="6350" cap="flat" cmpd="sng" algn="ctr">
+                      <a:solidFill>
+                        <a:schemeClr val="tx1">
+                          <a:lumMod val="50000"/>
+                          <a:lumOff val="50000"/>
+                        </a:schemeClr>
+                      </a:solidFill>
+                      <a:prstDash val="solid"/>
+                    </a:lnR>
+                    <a:lnT w="19050" cap="flat" cmpd="sng" algn="ctr">
+                      <a:solidFill>
+                        <a:schemeClr val="tx1"/>
+                      </a:solidFill>
+                      <a:prstDash val="solid"/>
+                    </a:lnT>
+                    <a:lnB w="6350" cap="flat" cmpd="sng" algn="ctr">
+                      <a:solidFill>
+                        <a:schemeClr val="tx1">
+                          <a:lumMod val="50000"/>
+                          <a:lumOff val="50000"/>
+                        </a:schemeClr>
+                      </a:solidFill>
+                      <a:prstDash val="solid"/>
+                    </a:lnB>
+                    <a:noFill/>
+                  </a:tcPr>
+                </a:tc>
+                <a:tc>
+                  <a:txBody>
+                    <a:bodyPr/>
+                    <a:lstStyle/>
+                    <a:p>
+                      <a:pPr algn="ctr"/>
+                      <a:r>
+                        <a:rPr lang="en-US" sz="1900" b="1" cap="none" spc="0">
+                          <a:solidFill>
+                            <a:schemeClr val="tx1"/>
+                          </a:solidFill>
+                          <a:effectLst/>
+                        </a:rPr>
+                        <a:t>Phase 2: Fine-Tuning</a:t>
+                      </a:r>
+                      <a:endParaRPr lang="en-US" sz="1900" cap="none" spc="0">
+                        <a:solidFill>
+                          <a:schemeClr val="tx1"/>
+                        </a:solidFill>
+                        <a:effectLst/>
+                      </a:endParaRPr>
+                    </a:p>
+                  </a:txBody>
+                  <a:tcPr marL="158659" marR="151097" marT="122045" marB="122045" anchor="ctr">
+                    <a:lnL w="6350" cap="flat" cmpd="sng" algn="ctr">
+                      <a:solidFill>
+                        <a:schemeClr val="tx1">
+                          <a:lumMod val="50000"/>
+                          <a:lumOff val="50000"/>
+                        </a:schemeClr>
+                      </a:solidFill>
+                      <a:prstDash val="solid"/>
+                    </a:lnL>
+                    <a:lnR w="19050" cap="flat" cmpd="sng" algn="ctr">
+                      <a:solidFill>
+                        <a:schemeClr val="tx1"/>
+                      </a:solidFill>
+                      <a:prstDash val="solid"/>
+                    </a:lnR>
+                    <a:lnT w="19050" cap="flat" cmpd="sng" algn="ctr">
+                      <a:solidFill>
+                        <a:schemeClr val="tx1"/>
+                      </a:solidFill>
+                      <a:prstDash val="solid"/>
+                    </a:lnT>
+                    <a:lnB w="6350" cap="flat" cmpd="sng" algn="ctr">
+                      <a:solidFill>
+                        <a:schemeClr val="tx1">
+                          <a:lumMod val="50000"/>
+                          <a:lumOff val="50000"/>
+                        </a:schemeClr>
+                      </a:solidFill>
+                      <a:prstDash val="solid"/>
+                    </a:lnB>
+                    <a:noFill/>
+                  </a:tcPr>
+                </a:tc>
+                <a:extLst>
+                  <a:ext uri="{0D108BD9-81ED-4DB2-BD59-A6C34878D82A}">
+                    <a16:rowId xmlns:a16="http://schemas.microsoft.com/office/drawing/2014/main" val="2943495966"/>
+                  </a:ext>
+                </a:extLst>
+              </a:tr>
+              <a:tr h="1147227">
+                <a:tc>
+                  <a:txBody>
+                    <a:bodyPr/>
+                    <a:lstStyle/>
+                    <a:p>
+                      <a:pPr algn="ctr"/>
+                      <a:r>
+                        <a:rPr lang="en-US" sz="1900" cap="none" spc="0">
+                          <a:solidFill>
+                            <a:schemeClr val="tx1"/>
+                          </a:solidFill>
+                          <a:effectLst/>
+                        </a:rPr>
+                        <a:t>🔹 Created multiple dataset versions </a:t>
+                      </a:r>
+                    </a:p>
+                  </a:txBody>
+                  <a:tcPr marL="158659" marR="151097" marT="122045" marB="122045" anchor="ctr">
+                    <a:lnL w="19050" cap="flat" cmpd="sng" algn="ctr">
+                      <a:solidFill>
+                        <a:schemeClr val="tx1"/>
+                      </a:solidFill>
+                      <a:prstDash val="solid"/>
+                    </a:lnL>
+                    <a:lnR w="6350" cap="flat" cmpd="sng" algn="ctr">
+                      <a:solidFill>
+                        <a:schemeClr val="tx1">
+                          <a:lumMod val="50000"/>
+                          <a:lumOff val="50000"/>
+                        </a:schemeClr>
+                      </a:solidFill>
+                      <a:prstDash val="solid"/>
+                    </a:lnR>
+                    <a:lnT w="6350" cap="flat" cmpd="sng" algn="ctr">
+                      <a:solidFill>
+                        <a:schemeClr val="tx1">
+                          <a:lumMod val="50000"/>
+                          <a:lumOff val="50000"/>
+                        </a:schemeClr>
+                      </a:solidFill>
+                      <a:prstDash val="solid"/>
+                    </a:lnT>
+                    <a:lnB w="6350" cap="flat" cmpd="sng" algn="ctr">
+                      <a:solidFill>
+                        <a:schemeClr val="tx1">
+                          <a:lumMod val="50000"/>
+                          <a:lumOff val="50000"/>
+                        </a:schemeClr>
+                      </a:solidFill>
+                      <a:prstDash val="solid"/>
+                    </a:lnB>
+                    <a:noFill/>
+                  </a:tcPr>
+                </a:tc>
+                <a:tc>
+                  <a:txBody>
+                    <a:bodyPr/>
+                    <a:lstStyle/>
+                    <a:p>
+                      <a:pPr algn="ctr"/>
+                      <a:r>
+                        <a:rPr lang="en-US" sz="1900" cap="none" spc="0">
+                          <a:solidFill>
+                            <a:schemeClr val="tx1"/>
+                          </a:solidFill>
+                          <a:effectLst/>
+                        </a:rPr>
+                        <a:t>🔹 Focused on best models + preprocessing methods from Phase 1</a:t>
+                      </a:r>
+                    </a:p>
+                  </a:txBody>
+                  <a:tcPr marL="158659" marR="151097" marT="122045" marB="122045" anchor="ctr">
+                    <a:lnL w="6350" cap="flat" cmpd="sng" algn="ctr">
+                      <a:solidFill>
+                        <a:schemeClr val="tx1">
+                          <a:lumMod val="50000"/>
+                          <a:lumOff val="50000"/>
+                        </a:schemeClr>
+                      </a:solidFill>
+                      <a:prstDash val="solid"/>
+                    </a:lnL>
+                    <a:lnR w="19050" cap="flat" cmpd="sng" algn="ctr">
+                      <a:solidFill>
+                        <a:schemeClr val="tx1"/>
+                      </a:solidFill>
+                      <a:prstDash val="solid"/>
+                    </a:lnR>
+                    <a:lnT w="6350" cap="flat" cmpd="sng" algn="ctr">
+                      <a:solidFill>
+                        <a:schemeClr val="tx1">
+                          <a:lumMod val="50000"/>
+                          <a:lumOff val="50000"/>
+                        </a:schemeClr>
+                      </a:solidFill>
+                      <a:prstDash val="solid"/>
+                    </a:lnT>
+                    <a:lnB w="6350" cap="flat" cmpd="sng" algn="ctr">
+                      <a:solidFill>
+                        <a:schemeClr val="tx1">
+                          <a:lumMod val="50000"/>
+                          <a:lumOff val="50000"/>
+                        </a:schemeClr>
+                      </a:solidFill>
+                      <a:prstDash val="solid"/>
+                    </a:lnB>
+                    <a:noFill/>
+                  </a:tcPr>
+                </a:tc>
+                <a:extLst>
+                  <a:ext uri="{0D108BD9-81ED-4DB2-BD59-A6C34878D82A}">
+                    <a16:rowId xmlns:a16="http://schemas.microsoft.com/office/drawing/2014/main" val="585068398"/>
+                  </a:ext>
+                </a:extLst>
+              </a:tr>
+              <a:tr h="862454">
+                <a:tc>
+                  <a:txBody>
+                    <a:bodyPr/>
+                    <a:lstStyle/>
+                    <a:p>
+                      <a:pPr algn="ctr"/>
+                      <a:r>
+                        <a:rPr lang="en-US" sz="1900" cap="none" spc="0">
+                          <a:solidFill>
+                            <a:schemeClr val="tx1"/>
+                          </a:solidFill>
+                          <a:effectLst/>
+                        </a:rPr>
+                        <a:t>🔹 Applied various classifiers with default settings</a:t>
+                      </a:r>
+                    </a:p>
+                  </a:txBody>
+                  <a:tcPr marL="158659" marR="151097" marT="122045" marB="122045" anchor="ctr">
+                    <a:lnL w="19050" cap="flat" cmpd="sng" algn="ctr">
+                      <a:solidFill>
+                        <a:schemeClr val="tx1"/>
+                      </a:solidFill>
+                      <a:prstDash val="solid"/>
+                    </a:lnL>
+                    <a:lnR w="6350" cap="flat" cmpd="sng" algn="ctr">
+                      <a:solidFill>
+                        <a:schemeClr val="tx1">
+                          <a:lumMod val="50000"/>
+                          <a:lumOff val="50000"/>
+                        </a:schemeClr>
+                      </a:solidFill>
+                      <a:prstDash val="solid"/>
+                    </a:lnR>
+                    <a:lnT w="6350" cap="flat" cmpd="sng" algn="ctr">
+                      <a:solidFill>
+                        <a:schemeClr val="tx1">
+                          <a:lumMod val="50000"/>
+                          <a:lumOff val="50000"/>
+                        </a:schemeClr>
+                      </a:solidFill>
+                      <a:prstDash val="solid"/>
+                    </a:lnT>
+                    <a:lnB w="6350" cap="flat" cmpd="sng" algn="ctr">
+                      <a:solidFill>
+                        <a:schemeClr val="tx1">
+                          <a:lumMod val="50000"/>
+                          <a:lumOff val="50000"/>
+                        </a:schemeClr>
+                      </a:solidFill>
+                      <a:prstDash val="solid"/>
+                    </a:lnB>
+                    <a:noFill/>
+                  </a:tcPr>
+                </a:tc>
+                <a:tc>
+                  <a:txBody>
+                    <a:bodyPr/>
+                    <a:lstStyle/>
+                    <a:p>
+                      <a:pPr algn="ctr"/>
+                      <a:r>
+                        <a:rPr lang="en-US" sz="1900" cap="none" spc="0">
+                          <a:solidFill>
+                            <a:schemeClr val="tx1"/>
+                          </a:solidFill>
+                          <a:effectLst/>
+                        </a:rPr>
+                        <a:t>🔹 Built pipelines combining preprocessing &amp; model</a:t>
+                      </a:r>
+                    </a:p>
+                  </a:txBody>
+                  <a:tcPr marL="158659" marR="151097" marT="122045" marB="122045" anchor="ctr">
+                    <a:lnL w="6350" cap="flat" cmpd="sng" algn="ctr">
+                      <a:solidFill>
+                        <a:schemeClr val="tx1">
+                          <a:lumMod val="50000"/>
+                          <a:lumOff val="50000"/>
+                        </a:schemeClr>
+                      </a:solidFill>
+                      <a:prstDash val="solid"/>
+                    </a:lnL>
+                    <a:lnR w="19050" cap="flat" cmpd="sng" algn="ctr">
+                      <a:solidFill>
+                        <a:schemeClr val="tx1"/>
+                      </a:solidFill>
+                      <a:prstDash val="solid"/>
+                    </a:lnR>
+                    <a:lnT w="6350" cap="flat" cmpd="sng" algn="ctr">
+                      <a:solidFill>
+                        <a:schemeClr val="tx1">
+                          <a:lumMod val="50000"/>
+                          <a:lumOff val="50000"/>
+                        </a:schemeClr>
+                      </a:solidFill>
+                      <a:prstDash val="solid"/>
+                    </a:lnT>
+                    <a:lnB w="6350" cap="flat" cmpd="sng" algn="ctr">
+                      <a:solidFill>
+                        <a:schemeClr val="tx1">
+                          <a:lumMod val="50000"/>
+                          <a:lumOff val="50000"/>
+                        </a:schemeClr>
+                      </a:solidFill>
+                      <a:prstDash val="solid"/>
+                    </a:lnB>
+                    <a:noFill/>
+                  </a:tcPr>
+                </a:tc>
+                <a:extLst>
+                  <a:ext uri="{0D108BD9-81ED-4DB2-BD59-A6C34878D82A}">
+                    <a16:rowId xmlns:a16="http://schemas.microsoft.com/office/drawing/2014/main" val="3391351173"/>
+                  </a:ext>
+                </a:extLst>
+              </a:tr>
+              <a:tr h="862454">
+                <a:tc>
+                  <a:txBody>
+                    <a:bodyPr/>
+                    <a:lstStyle/>
+                    <a:p>
+                      <a:pPr algn="ctr"/>
+                      <a:r>
+                        <a:rPr lang="en-US" sz="1900" cap="none" spc="0">
+                          <a:solidFill>
+                            <a:schemeClr val="tx1"/>
+                          </a:solidFill>
+                          <a:effectLst/>
+                        </a:rPr>
+                        <a:t>🔹 Used cross-validation for evaluation</a:t>
+                      </a:r>
+                    </a:p>
+                  </a:txBody>
+                  <a:tcPr marL="158659" marR="151097" marT="122045" marB="122045" anchor="ctr">
+                    <a:lnL w="19050" cap="flat" cmpd="sng" algn="ctr">
+                      <a:solidFill>
+                        <a:schemeClr val="tx1"/>
+                      </a:solidFill>
+                      <a:prstDash val="solid"/>
+                    </a:lnL>
+                    <a:lnR w="6350" cap="flat" cmpd="sng" algn="ctr">
+                      <a:solidFill>
+                        <a:schemeClr val="tx1">
+                          <a:lumMod val="50000"/>
+                          <a:lumOff val="50000"/>
+                        </a:schemeClr>
+                      </a:solidFill>
+                      <a:prstDash val="solid"/>
+                    </a:lnR>
+                    <a:lnT w="6350" cap="flat" cmpd="sng" algn="ctr">
+                      <a:solidFill>
+                        <a:schemeClr val="tx1">
+                          <a:lumMod val="50000"/>
+                          <a:lumOff val="50000"/>
+                        </a:schemeClr>
+                      </a:solidFill>
+                      <a:prstDash val="solid"/>
+                    </a:lnT>
+                    <a:lnB w="6350" cap="flat" cmpd="sng" algn="ctr">
+                      <a:solidFill>
+                        <a:schemeClr val="tx1">
+                          <a:lumMod val="50000"/>
+                          <a:lumOff val="50000"/>
+                        </a:schemeClr>
+                      </a:solidFill>
+                      <a:prstDash val="solid"/>
+                    </a:lnB>
+                    <a:noFill/>
+                  </a:tcPr>
+                </a:tc>
+                <a:tc>
+                  <a:txBody>
+                    <a:bodyPr/>
+                    <a:lstStyle/>
+                    <a:p>
+                      <a:pPr algn="ctr"/>
+                      <a:r>
+                        <a:rPr lang="en-US" sz="1900" cap="none" spc="0">
+                          <a:solidFill>
+                            <a:schemeClr val="tx1"/>
+                          </a:solidFill>
+                          <a:effectLst/>
+                        </a:rPr>
+                        <a:t>🔹 Tuned hyperparameters using GridSearchCV</a:t>
+                      </a:r>
+                    </a:p>
+                  </a:txBody>
+                  <a:tcPr marL="158659" marR="151097" marT="122045" marB="122045" anchor="ctr">
+                    <a:lnL w="6350" cap="flat" cmpd="sng" algn="ctr">
+                      <a:solidFill>
+                        <a:schemeClr val="tx1">
+                          <a:lumMod val="50000"/>
+                          <a:lumOff val="50000"/>
+                        </a:schemeClr>
+                      </a:solidFill>
+                      <a:prstDash val="solid"/>
+                    </a:lnL>
+                    <a:lnR w="19050" cap="flat" cmpd="sng" algn="ctr">
+                      <a:solidFill>
+                        <a:schemeClr val="tx1"/>
+                      </a:solidFill>
+                      <a:prstDash val="solid"/>
+                    </a:lnR>
+                    <a:lnT w="6350" cap="flat" cmpd="sng" algn="ctr">
+                      <a:solidFill>
+                        <a:schemeClr val="tx1">
+                          <a:lumMod val="50000"/>
+                          <a:lumOff val="50000"/>
+                        </a:schemeClr>
+                      </a:solidFill>
+                      <a:prstDash val="solid"/>
+                    </a:lnT>
+                    <a:lnB w="6350" cap="flat" cmpd="sng" algn="ctr">
+                      <a:solidFill>
+                        <a:schemeClr val="tx1">
+                          <a:lumMod val="50000"/>
+                          <a:lumOff val="50000"/>
+                        </a:schemeClr>
+                      </a:solidFill>
+                      <a:prstDash val="solid"/>
+                    </a:lnB>
+                    <a:noFill/>
+                  </a:tcPr>
+                </a:tc>
+                <a:extLst>
+                  <a:ext uri="{0D108BD9-81ED-4DB2-BD59-A6C34878D82A}">
+                    <a16:rowId xmlns:a16="http://schemas.microsoft.com/office/drawing/2014/main" val="2604818378"/>
+                  </a:ext>
+                </a:extLst>
+              </a:tr>
+              <a:tr h="862454">
+                <a:tc>
+                  <a:txBody>
+                    <a:bodyPr/>
+                    <a:lstStyle/>
+                    <a:p>
+                      <a:pPr algn="ctr"/>
+                      <a:r>
+                        <a:rPr lang="en-US" sz="1900" cap="none" spc="0">
+                          <a:solidFill>
+                            <a:schemeClr val="tx1"/>
+                          </a:solidFill>
+                          <a:effectLst/>
+                        </a:rPr>
+                        <a:t>🔹 Identified top 2 models and dataset versions</a:t>
+                      </a:r>
+                    </a:p>
+                  </a:txBody>
+                  <a:tcPr marL="158659" marR="151097" marT="122045" marB="122045" anchor="ctr">
+                    <a:lnL w="19050" cap="flat" cmpd="sng" algn="ctr">
+                      <a:solidFill>
+                        <a:schemeClr val="tx1"/>
+                      </a:solidFill>
+                      <a:prstDash val="solid"/>
+                    </a:lnL>
+                    <a:lnR w="6350" cap="flat" cmpd="sng" algn="ctr">
+                      <a:solidFill>
+                        <a:schemeClr val="tx1">
+                          <a:lumMod val="50000"/>
+                          <a:lumOff val="50000"/>
+                        </a:schemeClr>
+                      </a:solidFill>
+                      <a:prstDash val="solid"/>
+                    </a:lnR>
+                    <a:lnT w="6350" cap="flat" cmpd="sng" algn="ctr">
+                      <a:solidFill>
+                        <a:schemeClr val="tx1">
+                          <a:lumMod val="50000"/>
+                          <a:lumOff val="50000"/>
+                        </a:schemeClr>
+                      </a:solidFill>
+                      <a:prstDash val="solid"/>
+                    </a:lnT>
+                    <a:lnB w="19050" cap="flat" cmpd="sng" algn="ctr">
+                      <a:solidFill>
+                        <a:schemeClr val="tx1"/>
+                      </a:solidFill>
+                      <a:prstDash val="solid"/>
+                    </a:lnB>
+                    <a:noFill/>
+                  </a:tcPr>
+                </a:tc>
+                <a:tc>
+                  <a:txBody>
+                    <a:bodyPr/>
+                    <a:lstStyle/>
+                    <a:p>
+                      <a:pPr algn="ctr"/>
+                      <a:r>
+                        <a:rPr lang="en-US" sz="1900" cap="none" spc="0">
+                          <a:solidFill>
+                            <a:schemeClr val="tx1"/>
+                          </a:solidFill>
+                          <a:effectLst/>
+                        </a:rPr>
+                        <a:t>🔹 Evaluated using F1-score</a:t>
+                      </a:r>
+                    </a:p>
+                  </a:txBody>
+                  <a:tcPr marL="158659" marR="151097" marT="122045" marB="122045" anchor="ctr">
+                    <a:lnL w="6350" cap="flat" cmpd="sng" algn="ctr">
+                      <a:solidFill>
+                        <a:schemeClr val="tx1">
+                          <a:lumMod val="50000"/>
+                          <a:lumOff val="50000"/>
+                        </a:schemeClr>
+                      </a:solidFill>
+                      <a:prstDash val="solid"/>
+                    </a:lnL>
+                    <a:lnR w="19050" cap="flat" cmpd="sng" algn="ctr">
+                      <a:solidFill>
+                        <a:schemeClr val="tx1"/>
+                      </a:solidFill>
+                      <a:prstDash val="solid"/>
+                    </a:lnR>
+                    <a:lnT w="6350" cap="flat" cmpd="sng" algn="ctr">
+                      <a:solidFill>
+                        <a:schemeClr val="tx1">
+                          <a:lumMod val="50000"/>
+                          <a:lumOff val="50000"/>
+                        </a:schemeClr>
+                      </a:solidFill>
+                      <a:prstDash val="solid"/>
+                    </a:lnT>
+                    <a:lnB w="19050" cap="flat" cmpd="sng" algn="ctr">
+                      <a:solidFill>
+                        <a:schemeClr val="tx1"/>
+                      </a:solidFill>
+                      <a:prstDash val="solid"/>
+                    </a:lnB>
+                    <a:noFill/>
+                  </a:tcPr>
+                </a:tc>
+                <a:extLst>
+                  <a:ext uri="{0D108BD9-81ED-4DB2-BD59-A6C34878D82A}">
+                    <a16:rowId xmlns:a16="http://schemas.microsoft.com/office/drawing/2014/main" val="579324511"/>
+                  </a:ext>
+                </a:extLst>
+              </a:tr>
+            </a:tbl>
+          </a:graphicData>
+        </a:graphic>
+      </p:graphicFrame>
+    </p:spTree>
+    <p:extLst>
+      <p:ext uri="{BB962C8B-B14F-4D97-AF65-F5344CB8AC3E}">
+        <p14:creationId xmlns:p14="http://schemas.microsoft.com/office/powerpoint/2010/main" val="3672925498"/>
+      </p:ext>
+    </p:extLst>
+  </p:cSld>
+  <p:clrMapOvr>
+    <a:masterClrMapping/>
+  </p:clrMapOvr>
+</p:sld>
+</file>
+
+<file path=ppt/slides/slide15.xml><?xml version="1.0" encoding="utf-8"?>
+<p:sld xmlns:a="http://schemas.openxmlformats.org/drawingml/2006/main" xmlns:r="http://schemas.openxmlformats.org/officeDocument/2006/relationships" xmlns:p="http://schemas.openxmlformats.org/presentationml/2006/main">
+  <p:cSld>
+    <p:bg>
+      <p:bgPr>
+        <a:solidFill>
+          <a:schemeClr val="bg1"/>
+        </a:solidFill>
+        <a:effectLst/>
+      </p:bgPr>
+    </p:bg>
+    <p:spTree>
+      <p:nvGrpSpPr>
+        <p:cNvPr id="1" name="">
+          <a:extLst>
+            <a:ext uri="{FF2B5EF4-FFF2-40B4-BE49-F238E27FC236}">
+              <a16:creationId xmlns:a16="http://schemas.microsoft.com/office/drawing/2014/main" id="{4F7A1A3D-47DD-A2EE-55E3-D2A46BC7C213}"/>
+            </a:ext>
+          </a:extLst>
+        </p:cNvPr>
+        <p:cNvGrpSpPr/>
+        <p:nvPr/>
+      </p:nvGrpSpPr>
+      <p:grpSpPr>
+        <a:xfrm>
+          <a:off x="0" y="0"/>
+          <a:ext cx="0" cy="0"/>
+          <a:chOff x="0" y="0"/>
+          <a:chExt cx="0" cy="0"/>
+        </a:xfrm>
+      </p:grpSpPr>
+      <p:sp useBgFill="1">
+        <p:nvSpPr>
+          <p:cNvPr id="116" name="Rectangle 115">
+            <a:extLst>
+              <a:ext uri="{FF2B5EF4-FFF2-40B4-BE49-F238E27FC236}">
+                <a16:creationId xmlns:a16="http://schemas.microsoft.com/office/drawing/2014/main" id="{B6CDA21F-E7AF-4C75-8395-33F58D5B0E45}"/>
+              </a:ext>
+              <a:ext uri="{C183D7F6-B498-43B3-948B-1728B52AA6E4}">
+                <adec:decorative xmlns:adec="http://schemas.microsoft.com/office/drawing/2017/decorative" val="1"/>
+              </a:ext>
+            </a:extLst>
+          </p:cNvPr>
+          <p:cNvSpPr>
+            <a:spLocks noGrp="1" noRot="1" noChangeAspect="1" noMove="1" noResize="1" noEditPoints="1" noAdjustHandles="1" noChangeArrowheads="1" noChangeShapeType="1" noTextEdit="1"/>
+          </p:cNvSpPr>
+          <p:nvPr>
+            <p:extLst>
+              <p:ext uri="{386F3935-93C4-4BCD-93E2-E3B085C9AB24}">
+                <p16:designElem xmlns:p16="http://schemas.microsoft.com/office/powerpoint/2015/main" val="1"/>
+              </p:ext>
+            </p:extLst>
+          </p:nvPr>
+        </p:nvSpPr>
+        <p:spPr>
+          <a:xfrm>
+            <a:off x="0" y="0"/>
+            <a:ext cx="12191999" cy="6857365"/>
+          </a:xfrm>
+          <a:prstGeom prst="rect">
+            <a:avLst/>
+          </a:prstGeom>
+          <a:ln>
+            <a:noFill/>
+          </a:ln>
+        </p:spPr>
+        <p:style>
+          <a:lnRef idx="2">
+            <a:schemeClr val="accent1">
+              <a:shade val="50000"/>
+            </a:schemeClr>
+          </a:lnRef>
+          <a:fillRef idx="1">
+            <a:schemeClr val="accent1"/>
+          </a:fillRef>
+          <a:effectRef idx="0">
+            <a:schemeClr val="accent1"/>
+          </a:effectRef>
+          <a:fontRef idx="minor">
+            <a:schemeClr val="lt1"/>
+          </a:fontRef>
+        </p:style>
+        <p:txBody>
+          <a:bodyPr rtlCol="0" anchor="ctr"/>
+          <a:lstStyle/>
+          <a:p>
+            <a:pPr algn="ctr"/>
+            <a:endParaRPr lang="en-US"/>
+          </a:p>
+        </p:txBody>
+      </p:sp>
+      <p:grpSp>
+        <p:nvGrpSpPr>
+          <p:cNvPr id="118" name="Group 117">
+            <a:extLst>
+              <a:ext uri="{FF2B5EF4-FFF2-40B4-BE49-F238E27FC236}">
+                <a16:creationId xmlns:a16="http://schemas.microsoft.com/office/drawing/2014/main" id="{AE1C45F0-260A-458C-96ED-C1F6D2151219}"/>
+              </a:ext>
+              <a:ext uri="{C183D7F6-B498-43B3-948B-1728B52AA6E4}">
+                <adec:decorative xmlns:adec="http://schemas.microsoft.com/office/drawing/2017/decorative" val="1"/>
+              </a:ext>
+            </a:extLst>
+          </p:cNvPr>
+          <p:cNvGrpSpPr>
+            <a:grpSpLocks noGrp="1" noUngrp="1" noRot="1" noChangeAspect="1" noMove="1" noResize="1"/>
+          </p:cNvGrpSpPr>
+          <p:nvPr>
+            <p:extLst>
+              <p:ext uri="{386F3935-93C4-4BCD-93E2-E3B085C9AB24}">
+                <p16:designElem xmlns:p16="http://schemas.microsoft.com/office/powerpoint/2015/main" val="1"/>
+              </p:ext>
+            </p:extLst>
+          </p:nvPr>
+        </p:nvGrpSpPr>
+        <p:grpSpPr>
+          <a:xfrm>
+            <a:off x="4" y="1216597"/>
+            <a:ext cx="731521" cy="673460"/>
+            <a:chOff x="3940602" y="308034"/>
+            <a:chExt cx="2116791" cy="3428999"/>
+          </a:xfrm>
+          <a:solidFill>
+            <a:schemeClr val="accent4"/>
+          </a:solidFill>
+        </p:grpSpPr>
+        <p:sp>
+          <p:nvSpPr>
+            <p:cNvPr id="119" name="Rectangle 118">
+              <a:extLst>
+                <a:ext uri="{FF2B5EF4-FFF2-40B4-BE49-F238E27FC236}">
+                  <a16:creationId xmlns:a16="http://schemas.microsoft.com/office/drawing/2014/main" id="{A6604B49-AD5C-4590-B051-06C8222ECD99}"/>
+                </a:ext>
+                <a:ext uri="{C183D7F6-B498-43B3-948B-1728B52AA6E4}">
+                  <adec:decorative xmlns:adec="http://schemas.microsoft.com/office/drawing/2017/decorative" val="1"/>
+                </a:ext>
+              </a:extLst>
+            </p:cNvPr>
+            <p:cNvSpPr/>
+            <p:nvPr>
+              <p:extLst>
+                <p:ext uri="{386F3935-93C4-4BCD-93E2-E3B085C9AB24}">
+                  <p16:designElem xmlns:p16="http://schemas.microsoft.com/office/powerpoint/2015/main" val="1"/>
+                </p:ext>
+              </p:extLst>
+            </p:nvPr>
+          </p:nvSpPr>
+          <p:spPr>
+            <a:xfrm>
+              <a:off x="3940602" y="308034"/>
+              <a:ext cx="566743" cy="3428999"/>
+            </a:xfrm>
+            <a:prstGeom prst="rect">
+              <a:avLst/>
+            </a:prstGeom>
+            <a:grpFill/>
+            <a:ln>
+              <a:noFill/>
+            </a:ln>
+          </p:spPr>
+          <p:style>
+            <a:lnRef idx="2">
+              <a:schemeClr val="accent1">
+                <a:shade val="50000"/>
+              </a:schemeClr>
+            </a:lnRef>
+            <a:fillRef idx="1">
+              <a:schemeClr val="accent1"/>
+            </a:fillRef>
+            <a:effectRef idx="0">
+              <a:schemeClr val="accent1"/>
+            </a:effectRef>
+            <a:fontRef idx="minor">
+              <a:schemeClr val="lt1"/>
+            </a:fontRef>
+          </p:style>
+          <p:txBody>
+            <a:bodyPr rtlCol="0" anchor="ctr"/>
+            <a:lstStyle/>
+            <a:p>
+              <a:pPr algn="ctr"/>
+              <a:endParaRPr lang="en-US"/>
+            </a:p>
+          </p:txBody>
+        </p:sp>
+        <p:sp>
+          <p:nvSpPr>
+            <p:cNvPr id="120" name="Rectangle 119">
+              <a:extLst>
+                <a:ext uri="{FF2B5EF4-FFF2-40B4-BE49-F238E27FC236}">
+                  <a16:creationId xmlns:a16="http://schemas.microsoft.com/office/drawing/2014/main" id="{743ECCAF-29C5-4537-947C-7EA1292463DB}"/>
+                </a:ext>
+                <a:ext uri="{C183D7F6-B498-43B3-948B-1728B52AA6E4}">
+                  <adec:decorative xmlns:adec="http://schemas.microsoft.com/office/drawing/2017/decorative" val="1"/>
+                </a:ext>
+              </a:extLst>
+            </p:cNvPr>
+            <p:cNvSpPr/>
+            <p:nvPr>
+              <p:extLst>
+                <p:ext uri="{386F3935-93C4-4BCD-93E2-E3B085C9AB24}">
+                  <p16:designElem xmlns:p16="http://schemas.microsoft.com/office/powerpoint/2015/main" val="1"/>
+                </p:ext>
+              </p:extLst>
+            </p:nvPr>
+          </p:nvSpPr>
+          <p:spPr>
+            <a:xfrm>
+              <a:off x="4715626" y="308034"/>
+              <a:ext cx="566743" cy="3428999"/>
+            </a:xfrm>
+            <a:prstGeom prst="rect">
+              <a:avLst/>
+            </a:prstGeom>
+            <a:grpFill/>
+            <a:ln>
+              <a:noFill/>
+            </a:ln>
+          </p:spPr>
+          <p:style>
+            <a:lnRef idx="2">
+              <a:schemeClr val="accent1">
+                <a:shade val="50000"/>
+              </a:schemeClr>
+            </a:lnRef>
+            <a:fillRef idx="1">
+              <a:schemeClr val="accent1"/>
+            </a:fillRef>
+            <a:effectRef idx="0">
+              <a:schemeClr val="accent1"/>
+            </a:effectRef>
+            <a:fontRef idx="minor">
+              <a:schemeClr val="lt1"/>
+            </a:fontRef>
+          </p:style>
+          <p:txBody>
+            <a:bodyPr rtlCol="0" anchor="ctr"/>
+            <a:lstStyle/>
+            <a:p>
+              <a:pPr algn="ctr"/>
+              <a:endParaRPr lang="en-US"/>
+            </a:p>
+          </p:txBody>
+        </p:sp>
+        <p:sp>
+          <p:nvSpPr>
+            <p:cNvPr id="121" name="Rectangle 120">
+              <a:extLst>
+                <a:ext uri="{FF2B5EF4-FFF2-40B4-BE49-F238E27FC236}">
+                  <a16:creationId xmlns:a16="http://schemas.microsoft.com/office/drawing/2014/main" id="{ED49787B-8DE6-4467-AD0A-8DECC6E0C2D6}"/>
+                </a:ext>
+                <a:ext uri="{C183D7F6-B498-43B3-948B-1728B52AA6E4}">
+                  <adec:decorative xmlns:adec="http://schemas.microsoft.com/office/drawing/2017/decorative" val="1"/>
+                </a:ext>
+              </a:extLst>
+            </p:cNvPr>
+            <p:cNvSpPr/>
+            <p:nvPr>
+              <p:extLst>
+                <p:ext uri="{386F3935-93C4-4BCD-93E2-E3B085C9AB24}">
+                  <p16:designElem xmlns:p16="http://schemas.microsoft.com/office/powerpoint/2015/main" val="1"/>
+                </p:ext>
+              </p:extLst>
+            </p:nvPr>
+          </p:nvSpPr>
+          <p:spPr>
+            <a:xfrm>
+              <a:off x="5490650" y="308034"/>
+              <a:ext cx="566743" cy="3428999"/>
+            </a:xfrm>
+            <a:prstGeom prst="rect">
+              <a:avLst/>
+            </a:prstGeom>
+            <a:grpFill/>
+            <a:ln>
+              <a:noFill/>
+            </a:ln>
+          </p:spPr>
+          <p:style>
+            <a:lnRef idx="2">
+              <a:schemeClr val="accent1">
+                <a:shade val="50000"/>
+              </a:schemeClr>
+            </a:lnRef>
+            <a:fillRef idx="1">
+              <a:schemeClr val="accent1"/>
+            </a:fillRef>
+            <a:effectRef idx="0">
+              <a:schemeClr val="accent1"/>
+            </a:effectRef>
+            <a:fontRef idx="minor">
+              <a:schemeClr val="lt1"/>
+            </a:fontRef>
+          </p:style>
+          <p:txBody>
+            <a:bodyPr rtlCol="0" anchor="ctr"/>
+            <a:lstStyle/>
+            <a:p>
+              <a:pPr algn="ctr"/>
+              <a:endParaRPr lang="en-US"/>
+            </a:p>
+          </p:txBody>
+        </p:sp>
+      </p:grpSp>
+      <p:sp>
+        <p:nvSpPr>
+          <p:cNvPr id="123" name="Rectangle 122">
+            <a:extLst>
+              <a:ext uri="{FF2B5EF4-FFF2-40B4-BE49-F238E27FC236}">
+                <a16:creationId xmlns:a16="http://schemas.microsoft.com/office/drawing/2014/main" id="{D5B0017B-2ECA-49AF-B397-DC140825DF8D}"/>
+              </a:ext>
+              <a:ext uri="{C183D7F6-B498-43B3-948B-1728B52AA6E4}">
+                <adec:decorative xmlns:adec="http://schemas.microsoft.com/office/drawing/2017/decorative" val="1"/>
+              </a:ext>
+            </a:extLst>
+          </p:cNvPr>
+          <p:cNvSpPr>
+            <a:spLocks noGrp="1" noRot="1" noChangeAspect="1" noMove="1" noResize="1" noEditPoints="1" noAdjustHandles="1" noChangeArrowheads="1" noChangeShapeType="1" noTextEdit="1"/>
+          </p:cNvSpPr>
+          <p:nvPr>
+            <p:extLst>
+              <p:ext uri="{386F3935-93C4-4BCD-93E2-E3B085C9AB24}">
+                <p16:designElem xmlns:p16="http://schemas.microsoft.com/office/powerpoint/2015/main" val="1"/>
+              </p:ext>
+            </p:extLst>
+          </p:nvPr>
+        </p:nvSpPr>
+        <p:spPr>
+          <a:xfrm>
+            <a:off x="640079" y="613954"/>
+            <a:ext cx="10907487" cy="1894116"/>
+          </a:xfrm>
+          <a:prstGeom prst="rect">
+            <a:avLst/>
+          </a:prstGeom>
+          <a:solidFill>
+            <a:schemeClr val="bg1"/>
+          </a:solidFill>
+          <a:ln>
+            <a:noFill/>
+          </a:ln>
+          <a:effectLst>
+            <a:outerShdw blurRad="139700" dist="127000" dir="5400000" algn="t" rotWithShape="0">
+              <a:prstClr val="black">
+                <a:alpha val="15000"/>
+              </a:prstClr>
+            </a:outerShdw>
+          </a:effectLst>
+        </p:spPr>
+        <p:style>
+          <a:lnRef idx="2">
+            <a:schemeClr val="accent1">
+              <a:shade val="50000"/>
+            </a:schemeClr>
+          </a:lnRef>
+          <a:fillRef idx="1">
+            <a:schemeClr val="accent1"/>
+          </a:fillRef>
+          <a:effectRef idx="0">
+            <a:schemeClr val="accent1"/>
+          </a:effectRef>
+          <a:fontRef idx="minor">
+            <a:schemeClr val="lt1"/>
+          </a:fontRef>
+        </p:style>
+        <p:txBody>
+          <a:bodyPr rtlCol="0" anchor="ctr"/>
+          <a:lstStyle/>
+          <a:p>
+            <a:pPr algn="ctr"/>
+            <a:endParaRPr lang="en-US"/>
+          </a:p>
+        </p:txBody>
+      </p:sp>
+      <p:sp>
+        <p:nvSpPr>
+          <p:cNvPr id="2" name="Title 1">
+            <a:extLst>
+              <a:ext uri="{FF2B5EF4-FFF2-40B4-BE49-F238E27FC236}">
+                <a16:creationId xmlns:a16="http://schemas.microsoft.com/office/drawing/2014/main" id="{15F64834-F3F1-4FCA-DF76-D94E625C6B72}"/>
+              </a:ext>
+            </a:extLst>
+          </p:cNvPr>
+          <p:cNvSpPr>
+            <a:spLocks noGrp="1"/>
+          </p:cNvSpPr>
+          <p:nvPr>
+            <p:ph type="title"/>
+          </p:nvPr>
+        </p:nvSpPr>
+        <p:spPr>
+          <a:xfrm>
+            <a:off x="1043631" y="809898"/>
+            <a:ext cx="9942716" cy="1554480"/>
+          </a:xfrm>
+        </p:spPr>
+        <p:txBody>
+          <a:bodyPr anchor="ctr">
+            <a:normAutofit/>
+          </a:bodyPr>
+          <a:lstStyle/>
+          <a:p>
+            <a:r>
+              <a:rPr lang="en-US" sz="4800" dirty="0"/>
+              <a:t>Dataset versions – Part 1</a:t>
+            </a:r>
+          </a:p>
+        </p:txBody>
+      </p:sp>
+      <p:sp>
+        <p:nvSpPr>
+          <p:cNvPr id="4" name="Rectangle 2">
+            <a:extLst>
+              <a:ext uri="{FF2B5EF4-FFF2-40B4-BE49-F238E27FC236}">
+                <a16:creationId xmlns:a16="http://schemas.microsoft.com/office/drawing/2014/main" id="{543D51BA-DAD6-B02C-CE8A-03AF8B40DE33}"/>
+              </a:ext>
+            </a:extLst>
+          </p:cNvPr>
+          <p:cNvSpPr>
+            <a:spLocks noGrp="1" noChangeArrowheads="1"/>
+          </p:cNvSpPr>
+          <p:nvPr>
+            <p:ph idx="1"/>
+          </p:nvPr>
+        </p:nvSpPr>
+        <p:spPr bwMode="auto">
+          <a:xfrm>
+            <a:off x="1045028" y="3017522"/>
+            <a:ext cx="9941319" cy="3124658"/>
+          </a:xfrm>
+          <a:prstGeom prst="rect">
+            <a:avLst/>
+          </a:prstGeom>
+          <a:extLst>
+            <a:ext uri="{909E8E84-426E-40DD-AFC4-6F175D3DCCD1}">
+              <a14:hiddenFill xmlns:a14="http://schemas.microsoft.com/office/drawing/2010/main">
+                <a:solidFill>
+                  <a:schemeClr val="accent1"/>
+                </a:solidFill>
+              </a14:hiddenFill>
+            </a:ext>
+            <a:ext uri="{91240B29-F687-4F45-9708-019B960494DF}">
+              <a14:hiddenLine xmlns:a14="http://schemas.microsoft.com/office/drawing/2010/main" w="9525">
+                <a:solidFill>
+                  <a:schemeClr val="tx1"/>
+                </a:solidFill>
+                <a:miter lim="800000"/>
+                <a:headEnd/>
+                <a:tailEnd/>
+              </a14:hiddenLine>
+            </a:ext>
+            <a:ext uri="{AF507438-7753-43E0-B8FC-AC1667EBCBE1}">
+              <a14:hiddenEffects xmlns:a14="http://schemas.microsoft.com/office/drawing/2010/main">
+                <a:effectLst>
+                  <a:outerShdw dist="35921" dir="2700000" algn="ctr" rotWithShape="0">
+                    <a:schemeClr val="bg2"/>
+                  </a:outerShdw>
+                </a:effectLst>
+              </a14:hiddenEffects>
+            </a:ext>
+          </a:extLst>
+        </p:spPr>
+        <p:txBody>
+          <a:bodyPr vert="horz" lIns="91440" tIns="45720" rIns="91440" bIns="45720" numCol="1" anchor="ctr" anchorCtr="0" compatLnSpc="1">
+            <a:prstTxWarp prst="textNoShape">
+              <a:avLst/>
+            </a:prstTxWarp>
+            <a:normAutofit/>
+          </a:bodyPr>
+          <a:lstStyle/>
+          <a:p>
+            <a:pPr>
+              <a:buNone/>
+            </a:pPr>
+            <a:r>
+              <a:rPr lang="en-US" sz="2400" b="1" dirty="0"/>
+              <a:t>Version 1</a:t>
+            </a:r>
+          </a:p>
+          <a:p>
+            <a:pPr>
+              <a:buFont typeface="Arial" panose="020B0604020202020204" pitchFamily="34" charset="0"/>
+              <a:buChar char="•"/>
+            </a:pPr>
+            <a:r>
+              <a:rPr lang="en-US" sz="2400" dirty="0"/>
+              <a:t>Numeric features scaled using </a:t>
+            </a:r>
+            <a:r>
+              <a:rPr lang="en-US" sz="2400" b="1"/>
+              <a:t>RobustScaler</a:t>
+            </a:r>
+            <a:r>
+              <a:rPr lang="en-US" sz="2400" dirty="0"/>
+              <a:t> (to reduce outlier impact).</a:t>
+            </a:r>
+          </a:p>
+          <a:p>
+            <a:pPr>
+              <a:buFont typeface="Arial" panose="020B0604020202020204" pitchFamily="34" charset="0"/>
+              <a:buChar char="•"/>
+            </a:pPr>
+            <a:r>
+              <a:rPr lang="en-US" sz="2400" dirty="0"/>
+              <a:t>Categorical features encoded using </a:t>
+            </a:r>
+            <a:r>
+              <a:rPr lang="en-US" sz="2400" b="1"/>
+              <a:t>OrdinalEncoder</a:t>
+            </a:r>
+            <a:r>
+              <a:rPr lang="en-US" sz="2400" dirty="0"/>
+              <a:t>.</a:t>
+            </a:r>
+          </a:p>
+          <a:p>
+            <a:pPr>
+              <a:buNone/>
+            </a:pPr>
+            <a:r>
+              <a:rPr lang="en-US" sz="2400" b="1" dirty="0"/>
+              <a:t>Version 2</a:t>
+            </a:r>
+          </a:p>
+          <a:p>
+            <a:pPr>
+              <a:buFont typeface="Arial" panose="020B0604020202020204" pitchFamily="34" charset="0"/>
+              <a:buChar char="•"/>
+            </a:pPr>
+            <a:r>
+              <a:rPr lang="en-US" sz="2400" b="1" dirty="0"/>
+              <a:t>Yeo-Johnson transformation</a:t>
+            </a:r>
+            <a:r>
+              <a:rPr lang="en-US" sz="2400" dirty="0"/>
+              <a:t> applied to numeric features (to handle skewness).</a:t>
+            </a:r>
+          </a:p>
+          <a:p>
+            <a:pPr>
+              <a:buFont typeface="Arial" panose="020B0604020202020204" pitchFamily="34" charset="0"/>
+              <a:buChar char="•"/>
+            </a:pPr>
+            <a:r>
+              <a:rPr lang="en-US" sz="2400" dirty="0"/>
+              <a:t>Categorical features encoded using </a:t>
+            </a:r>
+            <a:r>
+              <a:rPr lang="en-US" sz="2400" b="1"/>
+              <a:t>OrdinalEncoder</a:t>
+            </a:r>
+            <a:r>
+              <a:rPr lang="en-US" sz="2400" dirty="0"/>
+              <a:t>.</a:t>
+            </a:r>
+          </a:p>
+          <a:p>
+            <a:pPr marL="0" marR="0" lvl="0" indent="0" defTabSz="914400" rtl="0" eaLnBrk="0" fontAlgn="base" latinLnBrk="0" hangingPunct="0">
+              <a:spcBef>
+                <a:spcPct val="0"/>
+              </a:spcBef>
+              <a:spcAft>
+                <a:spcPts val="600"/>
+              </a:spcAft>
+              <a:buClrTx/>
+              <a:buSzTx/>
+              <a:buFontTx/>
+              <a:buNone/>
+              <a:tabLst/>
+            </a:pPr>
+            <a:endParaRPr kumimoji="0" lang="en-US" altLang="en-US" sz="2400" b="0" i="0" u="none" strike="noStrike" cap="none" normalizeH="0" baseline="0" dirty="0">
+              <a:ln>
+                <a:noFill/>
+              </a:ln>
+              <a:effectLst/>
+              <a:latin typeface="Arial" panose="020B0604020202020204" pitchFamily="34" charset="0"/>
+            </a:endParaRPr>
+          </a:p>
+        </p:txBody>
+      </p:sp>
+      <p:cxnSp>
+        <p:nvCxnSpPr>
+          <p:cNvPr id="125" name="Straight Connector 124">
+            <a:extLst>
+              <a:ext uri="{FF2B5EF4-FFF2-40B4-BE49-F238E27FC236}">
+                <a16:creationId xmlns:a16="http://schemas.microsoft.com/office/drawing/2014/main" id="{6CF1BAF6-AD41-4082-B212-8A1F9A2E8779}"/>
+              </a:ext>
+              <a:ext uri="{C183D7F6-B498-43B3-948B-1728B52AA6E4}">
+                <adec:decorative xmlns:adec="http://schemas.microsoft.com/office/drawing/2017/decorative" val="1"/>
+              </a:ext>
+            </a:extLst>
+          </p:cNvPr>
+          <p:cNvCxnSpPr>
+            <a:cxnSpLocks noGrp="1" noRot="1" noChangeAspect="1" noMove="1" noResize="1" noEditPoints="1" noAdjustHandles="1" noChangeArrowheads="1" noChangeShapeType="1"/>
+          </p:cNvCxnSpPr>
+          <p:nvPr>
+            <p:extLst>
+              <p:ext uri="{386F3935-93C4-4BCD-93E2-E3B085C9AB24}">
+                <p16:designElem xmlns:p16="http://schemas.microsoft.com/office/powerpoint/2015/main" val="1"/>
+              </p:ext>
+            </p:extLst>
+          </p:nvPr>
+        </p:nvCxnSpPr>
+        <p:spPr>
+          <a:xfrm flipH="1">
+            <a:off x="838200" y="6485313"/>
+            <a:ext cx="10515600" cy="0"/>
+          </a:xfrm>
+          <a:prstGeom prst="line">
+            <a:avLst/>
+          </a:prstGeom>
+          <a:ln w="57150">
+            <a:solidFill>
+              <a:schemeClr val="accent4"/>
+            </a:solidFill>
+          </a:ln>
+        </p:spPr>
+        <p:style>
+          <a:lnRef idx="1">
+            <a:schemeClr val="accent1"/>
+          </a:lnRef>
+          <a:fillRef idx="0">
+            <a:schemeClr val="accent1"/>
+          </a:fillRef>
+          <a:effectRef idx="0">
+            <a:schemeClr val="accent1"/>
+          </a:effectRef>
+          <a:fontRef idx="minor">
+            <a:schemeClr val="tx1"/>
+          </a:fontRef>
+        </p:style>
+      </p:cxnSp>
+    </p:spTree>
+    <p:extLst>
+      <p:ext uri="{BB962C8B-B14F-4D97-AF65-F5344CB8AC3E}">
+        <p14:creationId xmlns:p14="http://schemas.microsoft.com/office/powerpoint/2010/main" val="79785548"/>
+      </p:ext>
+    </p:extLst>
+  </p:cSld>
+  <p:clrMapOvr>
+    <a:masterClrMapping/>
+  </p:clrMapOvr>
+</p:sld>
+</file>
+
+<file path=ppt/slides/slide16.xml><?xml version="1.0" encoding="utf-8"?>
+<p:sld xmlns:a="http://schemas.openxmlformats.org/drawingml/2006/main" xmlns:r="http://schemas.openxmlformats.org/officeDocument/2006/relationships" xmlns:p="http://schemas.openxmlformats.org/presentationml/2006/main">
+  <p:cSld>
+    <p:bg>
+      <p:bgPr>
+        <a:solidFill>
+          <a:schemeClr val="bg1"/>
+        </a:solidFill>
+        <a:effectLst/>
+      </p:bgPr>
+    </p:bg>
+    <p:spTree>
+      <p:nvGrpSpPr>
+        <p:cNvPr id="1" name="">
+          <a:extLst>
+            <a:ext uri="{FF2B5EF4-FFF2-40B4-BE49-F238E27FC236}">
+              <a16:creationId xmlns:a16="http://schemas.microsoft.com/office/drawing/2014/main" id="{326E483A-937E-91D9-9CD2-7AF437824DDB}"/>
+            </a:ext>
+          </a:extLst>
+        </p:cNvPr>
+        <p:cNvGrpSpPr/>
+        <p:nvPr/>
+      </p:nvGrpSpPr>
+      <p:grpSpPr>
+        <a:xfrm>
+          <a:off x="0" y="0"/>
+          <a:ext cx="0" cy="0"/>
+          <a:chOff x="0" y="0"/>
+          <a:chExt cx="0" cy="0"/>
+        </a:xfrm>
+      </p:grpSpPr>
+      <p:sp useBgFill="1">
+        <p:nvSpPr>
+          <p:cNvPr id="130" name="Rectangle 129">
+            <a:extLst>
+              <a:ext uri="{FF2B5EF4-FFF2-40B4-BE49-F238E27FC236}">
+                <a16:creationId xmlns:a16="http://schemas.microsoft.com/office/drawing/2014/main" id="{B6CDA21F-E7AF-4C75-8395-33F58D5B0E45}"/>
+              </a:ext>
+              <a:ext uri="{C183D7F6-B498-43B3-948B-1728B52AA6E4}">
+                <adec:decorative xmlns:adec="http://schemas.microsoft.com/office/drawing/2017/decorative" val="1"/>
+              </a:ext>
+            </a:extLst>
+          </p:cNvPr>
+          <p:cNvSpPr>
+            <a:spLocks noGrp="1" noRot="1" noChangeAspect="1" noMove="1" noResize="1" noEditPoints="1" noAdjustHandles="1" noChangeArrowheads="1" noChangeShapeType="1" noTextEdit="1"/>
+          </p:cNvSpPr>
+          <p:nvPr>
+            <p:extLst>
+              <p:ext uri="{386F3935-93C4-4BCD-93E2-E3B085C9AB24}">
+                <p16:designElem xmlns:p16="http://schemas.microsoft.com/office/powerpoint/2015/main" val="1"/>
+              </p:ext>
+            </p:extLst>
+          </p:nvPr>
+        </p:nvSpPr>
+        <p:spPr>
+          <a:xfrm>
+            <a:off x="0" y="0"/>
+            <a:ext cx="12191999" cy="6857365"/>
+          </a:xfrm>
+          <a:prstGeom prst="rect">
+            <a:avLst/>
+          </a:prstGeom>
+          <a:ln>
+            <a:noFill/>
+          </a:ln>
+        </p:spPr>
+        <p:style>
+          <a:lnRef idx="2">
+            <a:schemeClr val="accent1">
+              <a:shade val="50000"/>
+            </a:schemeClr>
+          </a:lnRef>
+          <a:fillRef idx="1">
+            <a:schemeClr val="accent1"/>
+          </a:fillRef>
+          <a:effectRef idx="0">
+            <a:schemeClr val="accent1"/>
+          </a:effectRef>
+          <a:fontRef idx="minor">
+            <a:schemeClr val="lt1"/>
+          </a:fontRef>
+        </p:style>
+        <p:txBody>
+          <a:bodyPr rtlCol="0" anchor="ctr"/>
+          <a:lstStyle/>
+          <a:p>
+            <a:pPr algn="ctr"/>
+            <a:endParaRPr lang="en-US"/>
+          </a:p>
+        </p:txBody>
+      </p:sp>
+      <p:grpSp>
+        <p:nvGrpSpPr>
+          <p:cNvPr id="132" name="Group 131">
+            <a:extLst>
+              <a:ext uri="{FF2B5EF4-FFF2-40B4-BE49-F238E27FC236}">
+                <a16:creationId xmlns:a16="http://schemas.microsoft.com/office/drawing/2014/main" id="{AE1C45F0-260A-458C-96ED-C1F6D2151219}"/>
+              </a:ext>
+              <a:ext uri="{C183D7F6-B498-43B3-948B-1728B52AA6E4}">
+                <adec:decorative xmlns:adec="http://schemas.microsoft.com/office/drawing/2017/decorative" val="1"/>
+              </a:ext>
+            </a:extLst>
+          </p:cNvPr>
+          <p:cNvGrpSpPr>
+            <a:grpSpLocks noGrp="1" noUngrp="1" noRot="1" noChangeAspect="1" noMove="1" noResize="1"/>
+          </p:cNvGrpSpPr>
+          <p:nvPr>
+            <p:extLst>
+              <p:ext uri="{386F3935-93C4-4BCD-93E2-E3B085C9AB24}">
+                <p16:designElem xmlns:p16="http://schemas.microsoft.com/office/powerpoint/2015/main" val="1"/>
+              </p:ext>
+            </p:extLst>
+          </p:nvPr>
+        </p:nvGrpSpPr>
+        <p:grpSpPr>
+          <a:xfrm>
+            <a:off x="4" y="1216597"/>
+            <a:ext cx="731521" cy="673460"/>
+            <a:chOff x="3940602" y="308034"/>
+            <a:chExt cx="2116791" cy="3428999"/>
+          </a:xfrm>
+          <a:solidFill>
+            <a:schemeClr val="accent4"/>
+          </a:solidFill>
+        </p:grpSpPr>
+        <p:sp>
+          <p:nvSpPr>
+            <p:cNvPr id="133" name="Rectangle 132">
+              <a:extLst>
+                <a:ext uri="{FF2B5EF4-FFF2-40B4-BE49-F238E27FC236}">
+                  <a16:creationId xmlns:a16="http://schemas.microsoft.com/office/drawing/2014/main" id="{A6604B49-AD5C-4590-B051-06C8222ECD99}"/>
+                </a:ext>
+                <a:ext uri="{C183D7F6-B498-43B3-948B-1728B52AA6E4}">
+                  <adec:decorative xmlns:adec="http://schemas.microsoft.com/office/drawing/2017/decorative" val="1"/>
+                </a:ext>
+              </a:extLst>
+            </p:cNvPr>
+            <p:cNvSpPr/>
+            <p:nvPr>
+              <p:extLst>
+                <p:ext uri="{386F3935-93C4-4BCD-93E2-E3B085C9AB24}">
+                  <p16:designElem xmlns:p16="http://schemas.microsoft.com/office/powerpoint/2015/main" val="1"/>
+                </p:ext>
+              </p:extLst>
+            </p:nvPr>
+          </p:nvSpPr>
+          <p:spPr>
+            <a:xfrm>
+              <a:off x="3940602" y="308034"/>
+              <a:ext cx="566743" cy="3428999"/>
+            </a:xfrm>
+            <a:prstGeom prst="rect">
+              <a:avLst/>
+            </a:prstGeom>
+            <a:grpFill/>
+            <a:ln>
+              <a:noFill/>
+            </a:ln>
+          </p:spPr>
+          <p:style>
+            <a:lnRef idx="2">
+              <a:schemeClr val="accent1">
+                <a:shade val="50000"/>
+              </a:schemeClr>
+            </a:lnRef>
+            <a:fillRef idx="1">
+              <a:schemeClr val="accent1"/>
+            </a:fillRef>
+            <a:effectRef idx="0">
+              <a:schemeClr val="accent1"/>
+            </a:effectRef>
+            <a:fontRef idx="minor">
+              <a:schemeClr val="lt1"/>
+            </a:fontRef>
+          </p:style>
+          <p:txBody>
+            <a:bodyPr rtlCol="0" anchor="ctr"/>
+            <a:lstStyle/>
+            <a:p>
+              <a:pPr algn="ctr"/>
+              <a:endParaRPr lang="en-US"/>
+            </a:p>
+          </p:txBody>
+        </p:sp>
+        <p:sp>
+          <p:nvSpPr>
+            <p:cNvPr id="134" name="Rectangle 133">
+              <a:extLst>
+                <a:ext uri="{FF2B5EF4-FFF2-40B4-BE49-F238E27FC236}">
+                  <a16:creationId xmlns:a16="http://schemas.microsoft.com/office/drawing/2014/main" id="{743ECCAF-29C5-4537-947C-7EA1292463DB}"/>
+                </a:ext>
+                <a:ext uri="{C183D7F6-B498-43B3-948B-1728B52AA6E4}">
+                  <adec:decorative xmlns:adec="http://schemas.microsoft.com/office/drawing/2017/decorative" val="1"/>
+                </a:ext>
+              </a:extLst>
+            </p:cNvPr>
+            <p:cNvSpPr/>
+            <p:nvPr>
+              <p:extLst>
+                <p:ext uri="{386F3935-93C4-4BCD-93E2-E3B085C9AB24}">
+                  <p16:designElem xmlns:p16="http://schemas.microsoft.com/office/powerpoint/2015/main" val="1"/>
+                </p:ext>
+              </p:extLst>
+            </p:nvPr>
+          </p:nvSpPr>
+          <p:spPr>
+            <a:xfrm>
+              <a:off x="4715626" y="308034"/>
+              <a:ext cx="566743" cy="3428999"/>
+            </a:xfrm>
+            <a:prstGeom prst="rect">
+              <a:avLst/>
+            </a:prstGeom>
+            <a:grpFill/>
+            <a:ln>
+              <a:noFill/>
+            </a:ln>
+          </p:spPr>
+          <p:style>
+            <a:lnRef idx="2">
+              <a:schemeClr val="accent1">
+                <a:shade val="50000"/>
+              </a:schemeClr>
+            </a:lnRef>
+            <a:fillRef idx="1">
+              <a:schemeClr val="accent1"/>
+            </a:fillRef>
+            <a:effectRef idx="0">
+              <a:schemeClr val="accent1"/>
+            </a:effectRef>
+            <a:fontRef idx="minor">
+              <a:schemeClr val="lt1"/>
+            </a:fontRef>
+          </p:style>
+          <p:txBody>
+            <a:bodyPr rtlCol="0" anchor="ctr"/>
+            <a:lstStyle/>
+            <a:p>
+              <a:pPr algn="ctr"/>
+              <a:endParaRPr lang="en-US"/>
+            </a:p>
+          </p:txBody>
+        </p:sp>
+        <p:sp>
+          <p:nvSpPr>
+            <p:cNvPr id="135" name="Rectangle 134">
+              <a:extLst>
+                <a:ext uri="{FF2B5EF4-FFF2-40B4-BE49-F238E27FC236}">
+                  <a16:creationId xmlns:a16="http://schemas.microsoft.com/office/drawing/2014/main" id="{ED49787B-8DE6-4467-AD0A-8DECC6E0C2D6}"/>
+                </a:ext>
+                <a:ext uri="{C183D7F6-B498-43B3-948B-1728B52AA6E4}">
+                  <adec:decorative xmlns:adec="http://schemas.microsoft.com/office/drawing/2017/decorative" val="1"/>
+                </a:ext>
+              </a:extLst>
+            </p:cNvPr>
+            <p:cNvSpPr/>
+            <p:nvPr>
+              <p:extLst>
+                <p:ext uri="{386F3935-93C4-4BCD-93E2-E3B085C9AB24}">
+                  <p16:designElem xmlns:p16="http://schemas.microsoft.com/office/powerpoint/2015/main" val="1"/>
+                </p:ext>
+              </p:extLst>
+            </p:nvPr>
+          </p:nvSpPr>
+          <p:spPr>
+            <a:xfrm>
+              <a:off x="5490650" y="308034"/>
+              <a:ext cx="566743" cy="3428999"/>
+            </a:xfrm>
+            <a:prstGeom prst="rect">
+              <a:avLst/>
+            </a:prstGeom>
+            <a:grpFill/>
+            <a:ln>
+              <a:noFill/>
+            </a:ln>
+          </p:spPr>
+          <p:style>
+            <a:lnRef idx="2">
+              <a:schemeClr val="accent1">
+                <a:shade val="50000"/>
+              </a:schemeClr>
+            </a:lnRef>
+            <a:fillRef idx="1">
+              <a:schemeClr val="accent1"/>
+            </a:fillRef>
+            <a:effectRef idx="0">
+              <a:schemeClr val="accent1"/>
+            </a:effectRef>
+            <a:fontRef idx="minor">
+              <a:schemeClr val="lt1"/>
+            </a:fontRef>
+          </p:style>
+          <p:txBody>
+            <a:bodyPr rtlCol="0" anchor="ctr"/>
+            <a:lstStyle/>
+            <a:p>
+              <a:pPr algn="ctr"/>
+              <a:endParaRPr lang="en-US"/>
+            </a:p>
+          </p:txBody>
+        </p:sp>
+      </p:grpSp>
+      <p:sp>
+        <p:nvSpPr>
+          <p:cNvPr id="137" name="Rectangle 136">
+            <a:extLst>
+              <a:ext uri="{FF2B5EF4-FFF2-40B4-BE49-F238E27FC236}">
+                <a16:creationId xmlns:a16="http://schemas.microsoft.com/office/drawing/2014/main" id="{D5B0017B-2ECA-49AF-B397-DC140825DF8D}"/>
+              </a:ext>
+              <a:ext uri="{C183D7F6-B498-43B3-948B-1728B52AA6E4}">
+                <adec:decorative xmlns:adec="http://schemas.microsoft.com/office/drawing/2017/decorative" val="1"/>
+              </a:ext>
+            </a:extLst>
+          </p:cNvPr>
+          <p:cNvSpPr>
+            <a:spLocks noGrp="1" noRot="1" noChangeAspect="1" noMove="1" noResize="1" noEditPoints="1" noAdjustHandles="1" noChangeArrowheads="1" noChangeShapeType="1" noTextEdit="1"/>
+          </p:cNvSpPr>
+          <p:nvPr>
+            <p:extLst>
+              <p:ext uri="{386F3935-93C4-4BCD-93E2-E3B085C9AB24}">
+                <p16:designElem xmlns:p16="http://schemas.microsoft.com/office/powerpoint/2015/main" val="1"/>
+              </p:ext>
+            </p:extLst>
+          </p:nvPr>
+        </p:nvSpPr>
+        <p:spPr>
+          <a:xfrm>
+            <a:off x="640079" y="613954"/>
+            <a:ext cx="10907487" cy="1894116"/>
+          </a:xfrm>
+          <a:prstGeom prst="rect">
+            <a:avLst/>
+          </a:prstGeom>
+          <a:solidFill>
+            <a:schemeClr val="bg1"/>
+          </a:solidFill>
+          <a:ln>
+            <a:noFill/>
+          </a:ln>
+          <a:effectLst>
+            <a:outerShdw blurRad="139700" dist="127000" dir="5400000" algn="t" rotWithShape="0">
+              <a:prstClr val="black">
+                <a:alpha val="15000"/>
+              </a:prstClr>
+            </a:outerShdw>
+          </a:effectLst>
+        </p:spPr>
+        <p:style>
+          <a:lnRef idx="2">
+            <a:schemeClr val="accent1">
+              <a:shade val="50000"/>
+            </a:schemeClr>
+          </a:lnRef>
+          <a:fillRef idx="1">
+            <a:schemeClr val="accent1"/>
+          </a:fillRef>
+          <a:effectRef idx="0">
+            <a:schemeClr val="accent1"/>
+          </a:effectRef>
+          <a:fontRef idx="minor">
+            <a:schemeClr val="lt1"/>
+          </a:fontRef>
+        </p:style>
+        <p:txBody>
+          <a:bodyPr rtlCol="0" anchor="ctr"/>
+          <a:lstStyle/>
+          <a:p>
+            <a:pPr algn="ctr"/>
+            <a:endParaRPr lang="en-US"/>
+          </a:p>
+        </p:txBody>
+      </p:sp>
+      <p:sp>
+        <p:nvSpPr>
+          <p:cNvPr id="2" name="Title 1">
+            <a:extLst>
+              <a:ext uri="{FF2B5EF4-FFF2-40B4-BE49-F238E27FC236}">
+                <a16:creationId xmlns:a16="http://schemas.microsoft.com/office/drawing/2014/main" id="{AAD4B43A-3040-272B-E744-D34DAE041EC5}"/>
+              </a:ext>
+            </a:extLst>
+          </p:cNvPr>
+          <p:cNvSpPr>
+            <a:spLocks noGrp="1"/>
+          </p:cNvSpPr>
+          <p:nvPr>
+            <p:ph type="title"/>
+          </p:nvPr>
+        </p:nvSpPr>
+        <p:spPr>
+          <a:xfrm>
+            <a:off x="1043631" y="809898"/>
+            <a:ext cx="9942716" cy="1554480"/>
+          </a:xfrm>
+        </p:spPr>
+        <p:txBody>
+          <a:bodyPr anchor="ctr">
+            <a:normAutofit/>
+          </a:bodyPr>
+          <a:lstStyle/>
+          <a:p>
+            <a:r>
+              <a:rPr lang="en-US" sz="4800" dirty="0"/>
+              <a:t>Dataset versions – Part 2</a:t>
+            </a:r>
+          </a:p>
+        </p:txBody>
+      </p:sp>
+      <p:sp>
+        <p:nvSpPr>
+          <p:cNvPr id="4" name="Rectangle 2">
+            <a:extLst>
+              <a:ext uri="{FF2B5EF4-FFF2-40B4-BE49-F238E27FC236}">
+                <a16:creationId xmlns:a16="http://schemas.microsoft.com/office/drawing/2014/main" id="{49C58E60-7ABB-8760-A1A7-054E7684FBAA}"/>
+              </a:ext>
+            </a:extLst>
+          </p:cNvPr>
+          <p:cNvSpPr>
+            <a:spLocks noGrp="1" noChangeArrowheads="1"/>
+          </p:cNvSpPr>
+          <p:nvPr>
+            <p:ph idx="1"/>
+          </p:nvPr>
+        </p:nvSpPr>
+        <p:spPr bwMode="auto">
+          <a:xfrm>
+            <a:off x="1045028" y="3017522"/>
+            <a:ext cx="9941319" cy="3124658"/>
+          </a:xfrm>
+          <a:prstGeom prst="rect">
+            <a:avLst/>
+          </a:prstGeom>
+          <a:extLst>
+            <a:ext uri="{909E8E84-426E-40DD-AFC4-6F175D3DCCD1}">
+              <a14:hiddenFill xmlns:a14="http://schemas.microsoft.com/office/drawing/2010/main">
+                <a:solidFill>
+                  <a:schemeClr val="accent1"/>
+                </a:solidFill>
+              </a14:hiddenFill>
+            </a:ext>
+            <a:ext uri="{91240B29-F687-4F45-9708-019B960494DF}">
+              <a14:hiddenLine xmlns:a14="http://schemas.microsoft.com/office/drawing/2010/main" w="9525">
+                <a:solidFill>
+                  <a:schemeClr val="tx1"/>
+                </a:solidFill>
+                <a:miter lim="800000"/>
+                <a:headEnd/>
+                <a:tailEnd/>
+              </a14:hiddenLine>
+            </a:ext>
+            <a:ext uri="{AF507438-7753-43E0-B8FC-AC1667EBCBE1}">
+              <a14:hiddenEffects xmlns:a14="http://schemas.microsoft.com/office/drawing/2010/main">
+                <a:effectLst>
+                  <a:outerShdw dist="35921" dir="2700000" algn="ctr" rotWithShape="0">
+                    <a:schemeClr val="bg2"/>
+                  </a:outerShdw>
+                </a:effectLst>
+              </a14:hiddenEffects>
+            </a:ext>
+          </a:extLst>
+        </p:spPr>
+        <p:txBody>
+          <a:bodyPr vert="horz" lIns="91440" tIns="45720" rIns="91440" bIns="45720" numCol="1" anchor="ctr" anchorCtr="0" compatLnSpc="1">
+            <a:prstTxWarp prst="textNoShape">
+              <a:avLst/>
+            </a:prstTxWarp>
+            <a:normAutofit/>
+          </a:bodyPr>
+          <a:lstStyle/>
+          <a:p>
+            <a:pPr>
+              <a:buNone/>
+            </a:pPr>
+            <a:r>
+              <a:rPr lang="en-US" sz="2400" b="1"/>
+              <a:t>Version 3</a:t>
+            </a:r>
+          </a:p>
+          <a:p>
+            <a:pPr>
+              <a:buFont typeface="Arial" panose="020B0604020202020204" pitchFamily="34" charset="0"/>
+              <a:buChar char="•"/>
+            </a:pPr>
+            <a:r>
+              <a:rPr lang="en-US" sz="2400" b="1"/>
+              <a:t>Yeo-Johnson transformation</a:t>
+            </a:r>
+            <a:r>
+              <a:rPr lang="en-US" sz="2400"/>
+              <a:t> on numeric features.</a:t>
+            </a:r>
+          </a:p>
+          <a:p>
+            <a:pPr>
+              <a:buFont typeface="Arial" panose="020B0604020202020204" pitchFamily="34" charset="0"/>
+              <a:buChar char="•"/>
+            </a:pPr>
+            <a:r>
+              <a:rPr lang="en-US" sz="2400"/>
+              <a:t>Categorical features encoded using </a:t>
+            </a:r>
+            <a:r>
+              <a:rPr lang="en-US" sz="2400" b="1"/>
+              <a:t>OneHotEncoder</a:t>
+            </a:r>
+            <a:r>
+              <a:rPr lang="en-US" sz="2400"/>
+              <a:t> (treat categories independently).</a:t>
+            </a:r>
+          </a:p>
+          <a:p>
+            <a:pPr>
+              <a:buNone/>
+            </a:pPr>
+            <a:r>
+              <a:rPr lang="en-US" sz="2400" b="1"/>
+              <a:t>Version 4</a:t>
+            </a:r>
+          </a:p>
+          <a:p>
+            <a:pPr>
+              <a:buFont typeface="Arial" panose="020B0604020202020204" pitchFamily="34" charset="0"/>
+              <a:buChar char="•"/>
+            </a:pPr>
+            <a:r>
+              <a:rPr lang="en-US" sz="2400"/>
+              <a:t>Same preprocessing as V3.</a:t>
+            </a:r>
+          </a:p>
+          <a:p>
+            <a:pPr>
+              <a:buFont typeface="Arial" panose="020B0604020202020204" pitchFamily="34" charset="0"/>
+              <a:buChar char="•"/>
+            </a:pPr>
+            <a:r>
+              <a:rPr lang="en-US" sz="2400" b="1"/>
+              <a:t>PCA applied</a:t>
+            </a:r>
+            <a:r>
+              <a:rPr lang="en-US" sz="2400"/>
+              <a:t> to reduce dimensionality (retain 95% variance).</a:t>
+            </a:r>
+          </a:p>
+          <a:p>
+            <a:pPr marL="0" marR="0" lvl="0" indent="0" defTabSz="914400" rtl="0" eaLnBrk="0" fontAlgn="base" latinLnBrk="0" hangingPunct="0">
+              <a:spcBef>
+                <a:spcPct val="0"/>
+              </a:spcBef>
+              <a:spcAft>
+                <a:spcPts val="600"/>
+              </a:spcAft>
+              <a:buClrTx/>
+              <a:buSzTx/>
+              <a:buFontTx/>
+              <a:buNone/>
+              <a:tabLst/>
+            </a:pPr>
+            <a:endParaRPr kumimoji="0" lang="en-US" altLang="en-US" sz="2400" b="0" i="0" u="none" strike="noStrike" cap="none" normalizeH="0" baseline="0" dirty="0">
+              <a:ln>
+                <a:noFill/>
+              </a:ln>
+              <a:effectLst/>
+              <a:latin typeface="Arial" panose="020B0604020202020204" pitchFamily="34" charset="0"/>
+            </a:endParaRPr>
+          </a:p>
+        </p:txBody>
+      </p:sp>
+      <p:cxnSp>
+        <p:nvCxnSpPr>
+          <p:cNvPr id="139" name="Straight Connector 138">
+            <a:extLst>
+              <a:ext uri="{FF2B5EF4-FFF2-40B4-BE49-F238E27FC236}">
+                <a16:creationId xmlns:a16="http://schemas.microsoft.com/office/drawing/2014/main" id="{6CF1BAF6-AD41-4082-B212-8A1F9A2E8779}"/>
+              </a:ext>
+              <a:ext uri="{C183D7F6-B498-43B3-948B-1728B52AA6E4}">
+                <adec:decorative xmlns:adec="http://schemas.microsoft.com/office/drawing/2017/decorative" val="1"/>
+              </a:ext>
+            </a:extLst>
+          </p:cNvPr>
+          <p:cNvCxnSpPr>
+            <a:cxnSpLocks noGrp="1" noRot="1" noChangeAspect="1" noMove="1" noResize="1" noEditPoints="1" noAdjustHandles="1" noChangeArrowheads="1" noChangeShapeType="1"/>
+          </p:cNvCxnSpPr>
+          <p:nvPr>
+            <p:extLst>
+              <p:ext uri="{386F3935-93C4-4BCD-93E2-E3B085C9AB24}">
+                <p16:designElem xmlns:p16="http://schemas.microsoft.com/office/powerpoint/2015/main" val="1"/>
+              </p:ext>
+            </p:extLst>
+          </p:nvPr>
+        </p:nvCxnSpPr>
+        <p:spPr>
+          <a:xfrm flipH="1">
+            <a:off x="838200" y="6485313"/>
+            <a:ext cx="10515600" cy="0"/>
+          </a:xfrm>
+          <a:prstGeom prst="line">
+            <a:avLst/>
+          </a:prstGeom>
+          <a:ln w="57150">
+            <a:solidFill>
+              <a:schemeClr val="accent4"/>
+            </a:solidFill>
+          </a:ln>
+        </p:spPr>
+        <p:style>
+          <a:lnRef idx="1">
+            <a:schemeClr val="accent1"/>
+          </a:lnRef>
+          <a:fillRef idx="0">
+            <a:schemeClr val="accent1"/>
+          </a:fillRef>
+          <a:effectRef idx="0">
+            <a:schemeClr val="accent1"/>
+          </a:effectRef>
+          <a:fontRef idx="minor">
+            <a:schemeClr val="tx1"/>
+          </a:fontRef>
+        </p:style>
+      </p:cxnSp>
+    </p:spTree>
+    <p:extLst>
+      <p:ext uri="{BB962C8B-B14F-4D97-AF65-F5344CB8AC3E}">
+        <p14:creationId xmlns:p14="http://schemas.microsoft.com/office/powerpoint/2010/main" val="3655377809"/>
+      </p:ext>
+    </p:extLst>
+  </p:cSld>
+  <p:clrMapOvr>
+    <a:masterClrMapping/>
+  </p:clrMapOvr>
+</p:sld>
+</file>
+
+<file path=ppt/slides/slide17.xml><?xml version="1.0" encoding="utf-8"?>
+<p:sld xmlns:a="http://schemas.openxmlformats.org/drawingml/2006/main" xmlns:r="http://schemas.openxmlformats.org/officeDocument/2006/relationships" xmlns:p="http://schemas.openxmlformats.org/presentationml/2006/main">
+  <p:cSld>
+    <p:bg>
+      <p:bgPr>
+        <a:solidFill>
+          <a:schemeClr val="bg1"/>
+        </a:solidFill>
+        <a:effectLst/>
+      </p:bgPr>
+    </p:bg>
+    <p:spTree>
+      <p:nvGrpSpPr>
+        <p:cNvPr id="1" name="">
+          <a:extLst>
+            <a:ext uri="{FF2B5EF4-FFF2-40B4-BE49-F238E27FC236}">
+              <a16:creationId xmlns:a16="http://schemas.microsoft.com/office/drawing/2014/main" id="{31AB9351-B3A5-AD3E-D184-B42FD4FE863C}"/>
+            </a:ext>
+          </a:extLst>
+        </p:cNvPr>
+        <p:cNvGrpSpPr/>
+        <p:nvPr/>
+      </p:nvGrpSpPr>
+      <p:grpSpPr>
+        <a:xfrm>
+          <a:off x="0" y="0"/>
+          <a:ext cx="0" cy="0"/>
+          <a:chOff x="0" y="0"/>
+          <a:chExt cx="0" cy="0"/>
+        </a:xfrm>
+      </p:grpSpPr>
+      <p:sp useBgFill="1">
+        <p:nvSpPr>
+          <p:cNvPr id="250" name="Rectangle 249">
+            <a:extLst>
+              <a:ext uri="{FF2B5EF4-FFF2-40B4-BE49-F238E27FC236}">
+                <a16:creationId xmlns:a16="http://schemas.microsoft.com/office/drawing/2014/main" id="{28D31E1B-0407-4223-9642-0B642CBF57D9}"/>
+              </a:ext>
+              <a:ext uri="{C183D7F6-B498-43B3-948B-1728B52AA6E4}">
+                <adec:decorative xmlns:adec="http://schemas.microsoft.com/office/drawing/2017/decorative" val="1"/>
+              </a:ext>
+            </a:extLst>
+          </p:cNvPr>
+          <p:cNvSpPr>
+            <a:spLocks noGrp="1" noRot="1" noChangeAspect="1" noMove="1" noResize="1" noEditPoints="1" noAdjustHandles="1" noChangeArrowheads="1" noChangeShapeType="1" noTextEdit="1"/>
+          </p:cNvSpPr>
+          <p:nvPr>
+            <p:extLst>
+              <p:ext uri="{386F3935-93C4-4BCD-93E2-E3B085C9AB24}">
+                <p16:designElem xmlns:p16="http://schemas.microsoft.com/office/powerpoint/2015/main" val="1"/>
+              </p:ext>
+            </p:extLst>
+          </p:nvPr>
+        </p:nvSpPr>
+        <p:spPr>
+          <a:xfrm>
+            <a:off x="0" y="0"/>
+            <a:ext cx="12191999" cy="6857365"/>
+          </a:xfrm>
+          <a:prstGeom prst="rect">
+            <a:avLst/>
+          </a:prstGeom>
+          <a:ln>
+            <a:noFill/>
+          </a:ln>
+        </p:spPr>
+        <p:style>
+          <a:lnRef idx="2">
+            <a:schemeClr val="accent1">
+              <a:shade val="50000"/>
+            </a:schemeClr>
+          </a:lnRef>
+          <a:fillRef idx="1">
+            <a:schemeClr val="accent1"/>
+          </a:fillRef>
+          <a:effectRef idx="0">
+            <a:schemeClr val="accent1"/>
+          </a:effectRef>
+          <a:fontRef idx="minor">
+            <a:schemeClr val="lt1"/>
+          </a:fontRef>
+        </p:style>
+        <p:txBody>
+          <a:bodyPr rtlCol="0" anchor="ctr"/>
+          <a:lstStyle/>
+          <a:p>
+            <a:pPr algn="ctr"/>
+            <a:endParaRPr lang="en-US"/>
+          </a:p>
+        </p:txBody>
+      </p:sp>
+      <p:grpSp>
+        <p:nvGrpSpPr>
+          <p:cNvPr id="252" name="Group 251">
+            <a:extLst>
+              <a:ext uri="{FF2B5EF4-FFF2-40B4-BE49-F238E27FC236}">
+                <a16:creationId xmlns:a16="http://schemas.microsoft.com/office/drawing/2014/main" id="{AE1C45F0-260A-458C-96ED-C1F6D2151219}"/>
+              </a:ext>
+              <a:ext uri="{C183D7F6-B498-43B3-948B-1728B52AA6E4}">
+                <adec:decorative xmlns:adec="http://schemas.microsoft.com/office/drawing/2017/decorative" val="1"/>
+              </a:ext>
+            </a:extLst>
+          </p:cNvPr>
+          <p:cNvGrpSpPr>
+            <a:grpSpLocks noGrp="1" noUngrp="1" noRot="1" noChangeAspect="1" noMove="1" noResize="1"/>
+          </p:cNvGrpSpPr>
+          <p:nvPr>
+            <p:extLst>
+              <p:ext uri="{386F3935-93C4-4BCD-93E2-E3B085C9AB24}">
+                <p16:designElem xmlns:p16="http://schemas.microsoft.com/office/powerpoint/2015/main" val="1"/>
+              </p:ext>
+            </p:extLst>
+          </p:nvPr>
+        </p:nvGrpSpPr>
+        <p:grpSpPr>
+          <a:xfrm>
+            <a:off x="4" y="1062849"/>
+            <a:ext cx="731521" cy="673460"/>
+            <a:chOff x="3940602" y="308034"/>
+            <a:chExt cx="2116791" cy="3428999"/>
+          </a:xfrm>
+          <a:solidFill>
+            <a:schemeClr val="accent4"/>
+          </a:solidFill>
+        </p:grpSpPr>
+        <p:sp>
+          <p:nvSpPr>
+            <p:cNvPr id="275" name="Rectangle 274">
+              <a:extLst>
+                <a:ext uri="{FF2B5EF4-FFF2-40B4-BE49-F238E27FC236}">
+                  <a16:creationId xmlns:a16="http://schemas.microsoft.com/office/drawing/2014/main" id="{A6604B49-AD5C-4590-B051-06C8222ECD99}"/>
+                </a:ext>
+                <a:ext uri="{C183D7F6-B498-43B3-948B-1728B52AA6E4}">
+                  <adec:decorative xmlns:adec="http://schemas.microsoft.com/office/drawing/2017/decorative" val="1"/>
+                </a:ext>
+              </a:extLst>
+            </p:cNvPr>
+            <p:cNvSpPr/>
+            <p:nvPr>
+              <p:extLst>
+                <p:ext uri="{386F3935-93C4-4BCD-93E2-E3B085C9AB24}">
+                  <p16:designElem xmlns:p16="http://schemas.microsoft.com/office/powerpoint/2015/main" val="1"/>
+                </p:ext>
+              </p:extLst>
+            </p:nvPr>
+          </p:nvSpPr>
+          <p:spPr>
+            <a:xfrm>
+              <a:off x="3940602" y="308034"/>
+              <a:ext cx="566743" cy="3428999"/>
+            </a:xfrm>
+            <a:prstGeom prst="rect">
+              <a:avLst/>
+            </a:prstGeom>
+            <a:grpFill/>
+            <a:ln>
+              <a:noFill/>
+            </a:ln>
+          </p:spPr>
+          <p:style>
+            <a:lnRef idx="2">
+              <a:schemeClr val="accent1">
+                <a:shade val="50000"/>
+              </a:schemeClr>
+            </a:lnRef>
+            <a:fillRef idx="1">
+              <a:schemeClr val="accent1"/>
+            </a:fillRef>
+            <a:effectRef idx="0">
+              <a:schemeClr val="accent1"/>
+            </a:effectRef>
+            <a:fontRef idx="minor">
+              <a:schemeClr val="lt1"/>
+            </a:fontRef>
+          </p:style>
+          <p:txBody>
+            <a:bodyPr rtlCol="0" anchor="ctr"/>
+            <a:lstStyle/>
+            <a:p>
+              <a:pPr algn="ctr"/>
+              <a:endParaRPr lang="en-US"/>
+            </a:p>
+          </p:txBody>
+        </p:sp>
+        <p:sp>
+          <p:nvSpPr>
+            <p:cNvPr id="254" name="Rectangle 253">
+              <a:extLst>
+                <a:ext uri="{FF2B5EF4-FFF2-40B4-BE49-F238E27FC236}">
+                  <a16:creationId xmlns:a16="http://schemas.microsoft.com/office/drawing/2014/main" id="{743ECCAF-29C5-4537-947C-7EA1292463DB}"/>
+                </a:ext>
+                <a:ext uri="{C183D7F6-B498-43B3-948B-1728B52AA6E4}">
+                  <adec:decorative xmlns:adec="http://schemas.microsoft.com/office/drawing/2017/decorative" val="1"/>
+                </a:ext>
+              </a:extLst>
+            </p:cNvPr>
+            <p:cNvSpPr/>
+            <p:nvPr>
+              <p:extLst>
+                <p:ext uri="{386F3935-93C4-4BCD-93E2-E3B085C9AB24}">
+                  <p16:designElem xmlns:p16="http://schemas.microsoft.com/office/powerpoint/2015/main" val="1"/>
+                </p:ext>
+              </p:extLst>
+            </p:nvPr>
+          </p:nvSpPr>
+          <p:spPr>
+            <a:xfrm>
+              <a:off x="4715626" y="308034"/>
+              <a:ext cx="566743" cy="3428999"/>
+            </a:xfrm>
+            <a:prstGeom prst="rect">
+              <a:avLst/>
+            </a:prstGeom>
+            <a:grpFill/>
+            <a:ln>
+              <a:noFill/>
+            </a:ln>
+          </p:spPr>
+          <p:style>
+            <a:lnRef idx="2">
+              <a:schemeClr val="accent1">
+                <a:shade val="50000"/>
+              </a:schemeClr>
+            </a:lnRef>
+            <a:fillRef idx="1">
+              <a:schemeClr val="accent1"/>
+            </a:fillRef>
+            <a:effectRef idx="0">
+              <a:schemeClr val="accent1"/>
+            </a:effectRef>
+            <a:fontRef idx="minor">
+              <a:schemeClr val="lt1"/>
+            </a:fontRef>
+          </p:style>
+          <p:txBody>
+            <a:bodyPr rtlCol="0" anchor="ctr"/>
+            <a:lstStyle/>
+            <a:p>
+              <a:pPr algn="ctr"/>
+              <a:endParaRPr lang="en-US"/>
+            </a:p>
+          </p:txBody>
+        </p:sp>
+        <p:sp>
+          <p:nvSpPr>
+            <p:cNvPr id="276" name="Rectangle 275">
+              <a:extLst>
+                <a:ext uri="{FF2B5EF4-FFF2-40B4-BE49-F238E27FC236}">
+                  <a16:creationId xmlns:a16="http://schemas.microsoft.com/office/drawing/2014/main" id="{ED49787B-8DE6-4467-AD0A-8DECC6E0C2D6}"/>
+                </a:ext>
+                <a:ext uri="{C183D7F6-B498-43B3-948B-1728B52AA6E4}">
+                  <adec:decorative xmlns:adec="http://schemas.microsoft.com/office/drawing/2017/decorative" val="1"/>
+                </a:ext>
+              </a:extLst>
+            </p:cNvPr>
+            <p:cNvSpPr/>
+            <p:nvPr>
+              <p:extLst>
+                <p:ext uri="{386F3935-93C4-4BCD-93E2-E3B085C9AB24}">
+                  <p16:designElem xmlns:p16="http://schemas.microsoft.com/office/powerpoint/2015/main" val="1"/>
+                </p:ext>
+              </p:extLst>
+            </p:nvPr>
+          </p:nvSpPr>
+          <p:spPr>
+            <a:xfrm>
+              <a:off x="5490650" y="308034"/>
+              <a:ext cx="566743" cy="3428999"/>
+            </a:xfrm>
+            <a:prstGeom prst="rect">
+              <a:avLst/>
+            </a:prstGeom>
+            <a:grpFill/>
+            <a:ln>
+              <a:noFill/>
+            </a:ln>
+          </p:spPr>
+          <p:style>
+            <a:lnRef idx="2">
+              <a:schemeClr val="accent1">
+                <a:shade val="50000"/>
+              </a:schemeClr>
+            </a:lnRef>
+            <a:fillRef idx="1">
+              <a:schemeClr val="accent1"/>
+            </a:fillRef>
+            <a:effectRef idx="0">
+              <a:schemeClr val="accent1"/>
+            </a:effectRef>
+            <a:fontRef idx="minor">
+              <a:schemeClr val="lt1"/>
+            </a:fontRef>
+          </p:style>
+          <p:txBody>
+            <a:bodyPr rtlCol="0" anchor="ctr"/>
+            <a:lstStyle/>
+            <a:p>
+              <a:pPr algn="ctr"/>
+              <a:endParaRPr lang="en-US"/>
+            </a:p>
+          </p:txBody>
+        </p:sp>
+      </p:grpSp>
+      <p:sp>
+        <p:nvSpPr>
+          <p:cNvPr id="277" name="Rectangle 276">
+            <a:extLst>
+              <a:ext uri="{FF2B5EF4-FFF2-40B4-BE49-F238E27FC236}">
+                <a16:creationId xmlns:a16="http://schemas.microsoft.com/office/drawing/2014/main" id="{D5B0017B-2ECA-49AF-B397-DC140825DF8D}"/>
+              </a:ext>
+              <a:ext uri="{C183D7F6-B498-43B3-948B-1728B52AA6E4}">
+                <adec:decorative xmlns:adec="http://schemas.microsoft.com/office/drawing/2017/decorative" val="1"/>
+              </a:ext>
+            </a:extLst>
+          </p:cNvPr>
+          <p:cNvSpPr>
+            <a:spLocks noGrp="1" noRot="1" noChangeAspect="1" noMove="1" noResize="1" noEditPoints="1" noAdjustHandles="1" noChangeArrowheads="1" noChangeShapeType="1" noTextEdit="1"/>
+          </p:cNvSpPr>
+          <p:nvPr>
+            <p:extLst>
+              <p:ext uri="{386F3935-93C4-4BCD-93E2-E3B085C9AB24}">
+                <p16:designElem xmlns:p16="http://schemas.microsoft.com/office/powerpoint/2015/main" val="1"/>
+              </p:ext>
+            </p:extLst>
+          </p:nvPr>
+        </p:nvSpPr>
+        <p:spPr>
+          <a:xfrm>
+            <a:off x="640080" y="656150"/>
+            <a:ext cx="5672667" cy="1431591"/>
+          </a:xfrm>
+          <a:prstGeom prst="rect">
+            <a:avLst/>
+          </a:prstGeom>
+          <a:solidFill>
+            <a:schemeClr val="bg1"/>
+          </a:solidFill>
+          <a:ln>
+            <a:noFill/>
+          </a:ln>
+          <a:effectLst>
+            <a:outerShdw blurRad="139700" dist="127000" dir="5400000" algn="t" rotWithShape="0">
+              <a:prstClr val="black">
+                <a:alpha val="15000"/>
+              </a:prstClr>
+            </a:outerShdw>
+          </a:effectLst>
+        </p:spPr>
+        <p:style>
+          <a:lnRef idx="2">
+            <a:schemeClr val="accent1">
+              <a:shade val="50000"/>
+            </a:schemeClr>
+          </a:lnRef>
+          <a:fillRef idx="1">
+            <a:schemeClr val="accent1"/>
+          </a:fillRef>
+          <a:effectRef idx="0">
+            <a:schemeClr val="accent1"/>
+          </a:effectRef>
+          <a:fontRef idx="minor">
+            <a:schemeClr val="lt1"/>
+          </a:fontRef>
+        </p:style>
+        <p:txBody>
+          <a:bodyPr rtlCol="0" anchor="ctr"/>
+          <a:lstStyle/>
+          <a:p>
+            <a:pPr algn="ctr"/>
+            <a:endParaRPr lang="en-US"/>
+          </a:p>
+        </p:txBody>
+      </p:sp>
+      <p:sp>
+        <p:nvSpPr>
+          <p:cNvPr id="2" name="Title 1">
+            <a:extLst>
+              <a:ext uri="{FF2B5EF4-FFF2-40B4-BE49-F238E27FC236}">
+                <a16:creationId xmlns:a16="http://schemas.microsoft.com/office/drawing/2014/main" id="{B57008C5-C26D-DBF5-867C-7FBADA77DD14}"/>
+              </a:ext>
+            </a:extLst>
+          </p:cNvPr>
+          <p:cNvSpPr>
+            <a:spLocks noGrp="1"/>
+          </p:cNvSpPr>
+          <p:nvPr>
+            <p:ph type="title"/>
+          </p:nvPr>
+        </p:nvSpPr>
+        <p:spPr>
+          <a:xfrm>
+            <a:off x="1043631" y="873940"/>
+            <a:ext cx="5052369" cy="1035781"/>
+          </a:xfrm>
+        </p:spPr>
+        <p:txBody>
+          <a:bodyPr vert="horz" lIns="91440" tIns="45720" rIns="91440" bIns="45720" rtlCol="0" anchor="ctr">
+            <a:normAutofit/>
+          </a:bodyPr>
+          <a:lstStyle/>
+          <a:p>
+            <a:r>
+              <a:rPr lang="en-US" sz="3600" kern="1200" dirty="0">
+                <a:solidFill>
+                  <a:schemeClr val="tx1"/>
+                </a:solidFill>
+                <a:latin typeface="+mj-lt"/>
+                <a:ea typeface="+mj-ea"/>
+                <a:cs typeface="+mj-cs"/>
+              </a:rPr>
+              <a:t>Evaluation Strategy</a:t>
+            </a:r>
+          </a:p>
+        </p:txBody>
+      </p:sp>
+      <p:sp>
+        <p:nvSpPr>
+          <p:cNvPr id="10" name="TextBox 9">
+            <a:extLst>
+              <a:ext uri="{FF2B5EF4-FFF2-40B4-BE49-F238E27FC236}">
+                <a16:creationId xmlns:a16="http://schemas.microsoft.com/office/drawing/2014/main" id="{1200EA7E-F69B-774B-60FF-1E942BED6C13}"/>
+              </a:ext>
+            </a:extLst>
+          </p:cNvPr>
+          <p:cNvSpPr txBox="1"/>
+          <p:nvPr/>
+        </p:nvSpPr>
+        <p:spPr>
+          <a:xfrm>
+            <a:off x="731525" y="2524721"/>
+            <a:ext cx="5305133" cy="3677123"/>
+          </a:xfrm>
+          <a:prstGeom prst="rect">
+            <a:avLst/>
+          </a:prstGeom>
+        </p:spPr>
+        <p:txBody>
+          <a:bodyPr vert="horz" lIns="91440" tIns="45720" rIns="91440" bIns="45720" rtlCol="0" anchor="ctr">
+            <a:normAutofit/>
+          </a:bodyPr>
+          <a:lstStyle/>
+          <a:p>
+            <a:pPr indent="-228600" defTabSz="914400">
+              <a:lnSpc>
+                <a:spcPct val="90000"/>
+              </a:lnSpc>
+              <a:buFont typeface="Arial" panose="020B0604020202020204" pitchFamily="34" charset="0"/>
+              <a:buChar char="•"/>
+            </a:pPr>
+            <a:r>
+              <a:rPr lang="en-US" sz="2400" b="0" i="0">
+                <a:effectLst/>
+              </a:rPr>
+              <a:t>Each classifier is trained on each version of the dataset.</a:t>
+            </a:r>
+          </a:p>
+          <a:p>
+            <a:pPr indent="-228600" defTabSz="914400">
+              <a:lnSpc>
+                <a:spcPct val="90000"/>
+              </a:lnSpc>
+              <a:buFont typeface="Arial" panose="020B0604020202020204" pitchFamily="34" charset="0"/>
+              <a:buChar char="•"/>
+            </a:pPr>
+            <a:endParaRPr lang="en-US" sz="2400" b="0" i="0">
+              <a:effectLst/>
+            </a:endParaRPr>
+          </a:p>
+          <a:p>
+            <a:pPr indent="-228600" defTabSz="914400">
+              <a:lnSpc>
+                <a:spcPct val="90000"/>
+              </a:lnSpc>
+              <a:buFont typeface="Arial" panose="020B0604020202020204" pitchFamily="34" charset="0"/>
+              <a:buChar char="•"/>
+            </a:pPr>
+            <a:r>
+              <a:rPr lang="en-US" sz="2400" i="0">
+                <a:effectLst/>
+              </a:rPr>
+              <a:t>Used </a:t>
+            </a:r>
+            <a:r>
+              <a:rPr lang="en-US" sz="2400" b="1" i="0">
+                <a:effectLst/>
+              </a:rPr>
+              <a:t>10-fold cross-validation</a:t>
+            </a:r>
+            <a:r>
+              <a:rPr lang="en-US" sz="2400" b="0" i="0">
+                <a:effectLst/>
+              </a:rPr>
+              <a:t> </a:t>
+            </a:r>
+          </a:p>
+          <a:p>
+            <a:pPr defTabSz="914400">
+              <a:lnSpc>
+                <a:spcPct val="90000"/>
+              </a:lnSpc>
+            </a:pPr>
+            <a:endParaRPr lang="en-US" sz="2400"/>
+          </a:p>
+          <a:p>
+            <a:pPr indent="-228600" defTabSz="914400">
+              <a:lnSpc>
+                <a:spcPct val="90000"/>
+              </a:lnSpc>
+              <a:buFont typeface="Arial" panose="020B0604020202020204" pitchFamily="34" charset="0"/>
+              <a:buChar char="•"/>
+            </a:pPr>
+            <a:r>
+              <a:rPr lang="en-US" sz="2400"/>
+              <a:t>Evaluation metric: </a:t>
+            </a:r>
+            <a:r>
+              <a:rPr lang="en-US" sz="2400" b="1"/>
+              <a:t>weighted F1-score</a:t>
+            </a:r>
+          </a:p>
+          <a:p>
+            <a:pPr defTabSz="914400">
+              <a:lnSpc>
+                <a:spcPct val="90000"/>
+              </a:lnSpc>
+            </a:pPr>
+            <a:endParaRPr lang="en-US" sz="2400" b="1" i="0">
+              <a:effectLst/>
+            </a:endParaRPr>
+          </a:p>
+          <a:p>
+            <a:pPr indent="-228600" defTabSz="914400">
+              <a:lnSpc>
+                <a:spcPct val="90000"/>
+              </a:lnSpc>
+              <a:buFont typeface="Arial" panose="020B0604020202020204" pitchFamily="34" charset="0"/>
+              <a:buChar char="•"/>
+            </a:pPr>
+            <a:r>
+              <a:rPr lang="en-US" sz="2400" b="1" i="0">
+                <a:effectLst/>
+                <a:latin typeface="system-ui"/>
+              </a:rPr>
+              <a:t>Goal</a:t>
+            </a:r>
+            <a:r>
+              <a:rPr lang="en-US" sz="2400" b="0" i="0">
+                <a:effectLst/>
+                <a:latin typeface="system-ui"/>
+              </a:rPr>
+              <a:t>: identify the top-performing models and dataset versions to carry forward into final testing</a:t>
+            </a:r>
+            <a:endParaRPr lang="en-US" dirty="0"/>
+          </a:p>
+        </p:txBody>
+      </p:sp>
+      <p:sp>
+        <p:nvSpPr>
+          <p:cNvPr id="278" name="Rectangle 277">
+            <a:extLst>
+              <a:ext uri="{FF2B5EF4-FFF2-40B4-BE49-F238E27FC236}">
+                <a16:creationId xmlns:a16="http://schemas.microsoft.com/office/drawing/2014/main" id="{70E96339-907C-46C3-99AC-31179B6F0EBD}"/>
+              </a:ext>
+              <a:ext uri="{C183D7F6-B498-43B3-948B-1728B52AA6E4}">
+                <adec:decorative xmlns:adec="http://schemas.microsoft.com/office/drawing/2017/decorative" val="1"/>
+              </a:ext>
+            </a:extLst>
+          </p:cNvPr>
+          <p:cNvSpPr>
+            <a:spLocks noGrp="1" noRot="1" noChangeAspect="1" noMove="1" noResize="1" noEditPoints="1" noAdjustHandles="1" noChangeArrowheads="1" noChangeShapeType="1" noTextEdit="1"/>
+          </p:cNvSpPr>
+          <p:nvPr>
+            <p:extLst>
+              <p:ext uri="{386F3935-93C4-4BCD-93E2-E3B085C9AB24}">
+                <p16:designElem xmlns:p16="http://schemas.microsoft.com/office/powerpoint/2015/main" val="1"/>
+              </p:ext>
+            </p:extLst>
+          </p:nvPr>
+        </p:nvSpPr>
+        <p:spPr>
+          <a:xfrm>
+            <a:off x="6716299" y="608401"/>
+            <a:ext cx="4637502" cy="5593443"/>
+          </a:xfrm>
+          <a:prstGeom prst="rect">
+            <a:avLst/>
+          </a:prstGeom>
+          <a:solidFill>
+            <a:schemeClr val="bg1"/>
+          </a:solidFill>
+          <a:ln>
+            <a:noFill/>
+          </a:ln>
+          <a:effectLst>
+            <a:outerShdw blurRad="139700" dist="127000" dir="5400000" algn="t" rotWithShape="0">
+              <a:prstClr val="black">
+                <a:alpha val="15000"/>
+              </a:prstClr>
+            </a:outerShdw>
+          </a:effectLst>
+        </p:spPr>
+        <p:style>
+          <a:lnRef idx="2">
+            <a:schemeClr val="accent1">
+              <a:shade val="50000"/>
+            </a:schemeClr>
+          </a:lnRef>
+          <a:fillRef idx="1">
+            <a:schemeClr val="accent1"/>
+          </a:fillRef>
+          <a:effectRef idx="0">
+            <a:schemeClr val="accent1"/>
+          </a:effectRef>
+          <a:fontRef idx="minor">
+            <a:schemeClr val="lt1"/>
+          </a:fontRef>
+        </p:style>
+        <p:txBody>
+          <a:bodyPr rtlCol="0" anchor="ctr"/>
+          <a:lstStyle/>
+          <a:p>
+            <a:pPr algn="ctr"/>
+            <a:endParaRPr lang="en-US"/>
+          </a:p>
+        </p:txBody>
+      </p:sp>
+      <p:cxnSp>
+        <p:nvCxnSpPr>
+          <p:cNvPr id="279" name="Straight Connector 278">
+            <a:extLst>
+              <a:ext uri="{FF2B5EF4-FFF2-40B4-BE49-F238E27FC236}">
+                <a16:creationId xmlns:a16="http://schemas.microsoft.com/office/drawing/2014/main" id="{6CF1BAF6-AD41-4082-B212-8A1F9A2E8779}"/>
+              </a:ext>
+              <a:ext uri="{C183D7F6-B498-43B3-948B-1728B52AA6E4}">
+                <adec:decorative xmlns:adec="http://schemas.microsoft.com/office/drawing/2017/decorative" val="1"/>
+              </a:ext>
+            </a:extLst>
+          </p:cNvPr>
+          <p:cNvCxnSpPr>
+            <a:cxnSpLocks noGrp="1" noRot="1" noChangeAspect="1" noMove="1" noResize="1" noEditPoints="1" noAdjustHandles="1" noChangeArrowheads="1" noChangeShapeType="1"/>
+          </p:cNvCxnSpPr>
+          <p:nvPr>
+            <p:extLst>
+              <p:ext uri="{386F3935-93C4-4BCD-93E2-E3B085C9AB24}">
+                <p16:designElem xmlns:p16="http://schemas.microsoft.com/office/powerpoint/2015/main" val="1"/>
+              </p:ext>
+            </p:extLst>
+          </p:nvPr>
+        </p:nvCxnSpPr>
+        <p:spPr>
+          <a:xfrm flipH="1">
+            <a:off x="838200" y="6492240"/>
+            <a:ext cx="10515600" cy="0"/>
+          </a:xfrm>
+          <a:prstGeom prst="line">
+            <a:avLst/>
+          </a:prstGeom>
+          <a:ln w="57150">
+            <a:solidFill>
+              <a:schemeClr val="accent4"/>
+            </a:solidFill>
+          </a:ln>
+        </p:spPr>
+        <p:style>
+          <a:lnRef idx="1">
+            <a:schemeClr val="accent1"/>
+          </a:lnRef>
+          <a:fillRef idx="0">
+            <a:schemeClr val="accent1"/>
+          </a:fillRef>
+          <a:effectRef idx="0">
+            <a:schemeClr val="accent1"/>
+          </a:effectRef>
+          <a:fontRef idx="minor">
+            <a:schemeClr val="tx1"/>
+          </a:fontRef>
+        </p:style>
+      </p:cxnSp>
+      <p:graphicFrame>
+        <p:nvGraphicFramePr>
+          <p:cNvPr id="9" name="Table 8">
+            <a:extLst>
+              <a:ext uri="{FF2B5EF4-FFF2-40B4-BE49-F238E27FC236}">
+                <a16:creationId xmlns:a16="http://schemas.microsoft.com/office/drawing/2014/main" id="{A6E6F6ED-7CA4-99F3-F107-AB46821287B4}"/>
+              </a:ext>
+            </a:extLst>
+          </p:cNvPr>
+          <p:cNvGraphicFramePr>
+            <a:graphicFrameLocks noGrp="1"/>
+          </p:cNvGraphicFramePr>
+          <p:nvPr>
+            <p:extLst>
+              <p:ext uri="{D42A27DB-BD31-4B8C-83A1-F6EECF244321}">
+                <p14:modId xmlns:p14="http://schemas.microsoft.com/office/powerpoint/2010/main" val="3357573322"/>
+              </p:ext>
+            </p:extLst>
+          </p:nvPr>
+        </p:nvGraphicFramePr>
+        <p:xfrm>
+          <a:off x="6965435" y="901032"/>
+          <a:ext cx="4153369" cy="5116223"/>
+        </p:xfrm>
+        <a:graphic>
+          <a:graphicData uri="http://schemas.openxmlformats.org/drawingml/2006/table">
+            <a:tbl>
+              <a:tblPr>
+                <a:solidFill>
+                  <a:schemeClr val="bg1"/>
+                </a:solidFill>
+              </a:tblPr>
+              <a:tblGrid>
+                <a:gridCol w="2378178">
+                  <a:extLst>
+                    <a:ext uri="{9D8B030D-6E8A-4147-A177-3AD203B41FA5}">
+                      <a16:colId xmlns:a16="http://schemas.microsoft.com/office/drawing/2014/main" val="2599090879"/>
+                    </a:ext>
+                  </a:extLst>
+                </a:gridCol>
+                <a:gridCol w="1775191">
+                  <a:extLst>
+                    <a:ext uri="{9D8B030D-6E8A-4147-A177-3AD203B41FA5}">
+                      <a16:colId xmlns:a16="http://schemas.microsoft.com/office/drawing/2014/main" val="3238311651"/>
+                    </a:ext>
+                  </a:extLst>
+                </a:gridCol>
+              </a:tblGrid>
+              <a:tr h="851377">
+                <a:tc>
+                  <a:txBody>
+                    <a:bodyPr/>
+                    <a:lstStyle/>
+                    <a:p>
+                      <a:pPr marL="342900" indent="-342900">
+                        <a:buFont typeface="Arial" panose="020B0604020202020204" pitchFamily="34" charset="0"/>
+                        <a:buChar char="•"/>
+                      </a:pPr>
+                      <a:r>
+                        <a:rPr lang="en-US" sz="1900" cap="none" spc="0">
+                          <a:solidFill>
+                            <a:schemeClr val="tx1"/>
+                          </a:solidFill>
+                        </a:rPr>
+                        <a:t>Random Forest Classifier</a:t>
+                      </a:r>
+                    </a:p>
+                  </a:txBody>
+                  <a:tcPr marL="157496" marR="94453" marT="121152" marB="121152" anchor="ctr">
+                    <a:lnL w="19050" cap="flat" cmpd="sng" algn="ctr">
+                      <a:solidFill>
+                        <a:schemeClr val="tx1"/>
+                      </a:solidFill>
+                      <a:prstDash val="solid"/>
+                    </a:lnL>
+                    <a:lnR w="6350" cap="flat" cmpd="sng" algn="ctr">
+                      <a:solidFill>
+                        <a:schemeClr val="tx1">
+                          <a:lumMod val="50000"/>
+                          <a:lumOff val="50000"/>
+                        </a:schemeClr>
+                      </a:solidFill>
+                      <a:prstDash val="solid"/>
+                    </a:lnR>
+                    <a:lnT w="19050" cap="flat" cmpd="sng" algn="ctr">
+                      <a:solidFill>
+                        <a:schemeClr val="tx1"/>
+                      </a:solidFill>
+                      <a:prstDash val="solid"/>
+                    </a:lnT>
+                    <a:lnB w="6350" cap="flat" cmpd="sng" algn="ctr">
+                      <a:solidFill>
+                        <a:schemeClr val="tx1">
+                          <a:lumMod val="50000"/>
+                          <a:lumOff val="50000"/>
+                        </a:schemeClr>
+                      </a:solidFill>
+                      <a:prstDash val="solid"/>
+                    </a:lnB>
+                    <a:noFill/>
+                  </a:tcPr>
+                </a:tc>
+                <a:tc>
+                  <a:txBody>
+                    <a:bodyPr/>
+                    <a:lstStyle/>
+                    <a:p>
+                      <a:pPr marL="342900" indent="-342900">
+                        <a:buFont typeface="Arial" panose="020B0604020202020204" pitchFamily="34" charset="0"/>
+                        <a:buChar char="•"/>
+                      </a:pPr>
+                      <a:r>
+                        <a:rPr lang="en-US" sz="1900" cap="none" spc="0">
+                          <a:solidFill>
+                            <a:schemeClr val="tx1"/>
+                          </a:solidFill>
+                        </a:rPr>
+                        <a:t>XGBoost Classifier</a:t>
+                      </a:r>
+                    </a:p>
+                  </a:txBody>
+                  <a:tcPr marL="157496" marR="94453" marT="121152" marB="121152" anchor="ctr">
+                    <a:lnL w="6350" cap="flat" cmpd="sng" algn="ctr">
+                      <a:solidFill>
+                        <a:schemeClr val="tx1">
+                          <a:lumMod val="50000"/>
+                          <a:lumOff val="50000"/>
+                        </a:schemeClr>
+                      </a:solidFill>
+                      <a:prstDash val="solid"/>
+                    </a:lnL>
+                    <a:lnR w="19050" cap="flat" cmpd="sng" algn="ctr">
+                      <a:solidFill>
+                        <a:schemeClr val="tx1"/>
+                      </a:solidFill>
+                      <a:prstDash val="solid"/>
+                    </a:lnR>
+                    <a:lnT w="19050" cap="flat" cmpd="sng" algn="ctr">
+                      <a:solidFill>
+                        <a:schemeClr val="tx1"/>
+                      </a:solidFill>
+                      <a:prstDash val="solid"/>
+                    </a:lnT>
+                    <a:lnB w="6350" cap="flat" cmpd="sng" algn="ctr">
+                      <a:solidFill>
+                        <a:schemeClr val="tx1">
+                          <a:lumMod val="50000"/>
+                          <a:lumOff val="50000"/>
+                        </a:schemeClr>
+                      </a:solidFill>
+                      <a:prstDash val="solid"/>
+                    </a:lnB>
+                    <a:noFill/>
+                  </a:tcPr>
+                </a:tc>
+                <a:extLst>
+                  <a:ext uri="{0D108BD9-81ED-4DB2-BD59-A6C34878D82A}">
+                    <a16:rowId xmlns:a16="http://schemas.microsoft.com/office/drawing/2014/main" val="797471118"/>
+                  </a:ext>
+                </a:extLst>
+              </a:tr>
+              <a:tr h="1137823">
+                <a:tc>
+                  <a:txBody>
+                    <a:bodyPr/>
+                    <a:lstStyle/>
+                    <a:p>
+                      <a:pPr marL="342900" indent="-342900">
+                        <a:buFont typeface="Arial" panose="020B0604020202020204" pitchFamily="34" charset="0"/>
+                        <a:buChar char="•"/>
+                      </a:pPr>
+                      <a:r>
+                        <a:rPr lang="en-US" sz="1900" cap="none" spc="0">
+                          <a:solidFill>
+                            <a:schemeClr val="tx1"/>
+                          </a:solidFill>
+                        </a:rPr>
+                        <a:t>AdaBoost Classifier (SAMME)</a:t>
+                      </a:r>
+                    </a:p>
+                  </a:txBody>
+                  <a:tcPr marL="157496" marR="94453" marT="121152" marB="121152" anchor="ctr">
+                    <a:lnL w="19050" cap="flat" cmpd="sng" algn="ctr">
+                      <a:solidFill>
+                        <a:schemeClr val="tx1"/>
+                      </a:solidFill>
+                      <a:prstDash val="solid"/>
+                    </a:lnL>
+                    <a:lnR w="6350" cap="flat" cmpd="sng" algn="ctr">
+                      <a:solidFill>
+                        <a:schemeClr val="tx1">
+                          <a:lumMod val="50000"/>
+                          <a:lumOff val="50000"/>
+                        </a:schemeClr>
+                      </a:solidFill>
+                      <a:prstDash val="solid"/>
+                    </a:lnR>
+                    <a:lnT w="6350" cap="flat" cmpd="sng" algn="ctr">
+                      <a:solidFill>
+                        <a:schemeClr val="tx1">
+                          <a:lumMod val="50000"/>
+                          <a:lumOff val="50000"/>
+                        </a:schemeClr>
+                      </a:solidFill>
+                      <a:prstDash val="solid"/>
+                    </a:lnT>
+                    <a:lnB w="6350" cap="flat" cmpd="sng" algn="ctr">
+                      <a:solidFill>
+                        <a:schemeClr val="tx1">
+                          <a:lumMod val="50000"/>
+                          <a:lumOff val="50000"/>
+                        </a:schemeClr>
+                      </a:solidFill>
+                      <a:prstDash val="solid"/>
+                    </a:lnB>
+                    <a:noFill/>
+                  </a:tcPr>
+                </a:tc>
+                <a:tc>
+                  <a:txBody>
+                    <a:bodyPr/>
+                    <a:lstStyle/>
+                    <a:p>
+                      <a:pPr marL="342900" indent="-342900">
+                        <a:buFont typeface="Arial" panose="020B0604020202020204" pitchFamily="34" charset="0"/>
+                        <a:buChar char="•"/>
+                      </a:pPr>
+                      <a:r>
+                        <a:rPr lang="en-US" sz="1900" cap="none" spc="0">
+                          <a:solidFill>
+                            <a:schemeClr val="tx1"/>
+                          </a:solidFill>
+                        </a:rPr>
+                        <a:t>CatBoost Classifier</a:t>
+                      </a:r>
+                    </a:p>
+                  </a:txBody>
+                  <a:tcPr marL="157496" marR="94453" marT="121152" marB="121152" anchor="ctr">
+                    <a:lnL w="6350" cap="flat" cmpd="sng" algn="ctr">
+                      <a:solidFill>
+                        <a:schemeClr val="tx1">
+                          <a:lumMod val="50000"/>
+                          <a:lumOff val="50000"/>
+                        </a:schemeClr>
+                      </a:solidFill>
+                      <a:prstDash val="solid"/>
+                    </a:lnL>
+                    <a:lnR w="19050" cap="flat" cmpd="sng" algn="ctr">
+                      <a:solidFill>
+                        <a:schemeClr val="tx1"/>
+                      </a:solidFill>
+                      <a:prstDash val="solid"/>
+                    </a:lnR>
+                    <a:lnT w="6350" cap="flat" cmpd="sng" algn="ctr">
+                      <a:solidFill>
+                        <a:schemeClr val="tx1">
+                          <a:lumMod val="50000"/>
+                          <a:lumOff val="50000"/>
+                        </a:schemeClr>
+                      </a:solidFill>
+                      <a:prstDash val="solid"/>
+                    </a:lnT>
+                    <a:lnB w="6350" cap="flat" cmpd="sng" algn="ctr">
+                      <a:solidFill>
+                        <a:schemeClr val="tx1">
+                          <a:lumMod val="50000"/>
+                          <a:lumOff val="50000"/>
+                        </a:schemeClr>
+                      </a:solidFill>
+                      <a:prstDash val="solid"/>
+                    </a:lnB>
+                    <a:noFill/>
+                  </a:tcPr>
+                </a:tc>
+                <a:extLst>
+                  <a:ext uri="{0D108BD9-81ED-4DB2-BD59-A6C34878D82A}">
+                    <a16:rowId xmlns:a16="http://schemas.microsoft.com/office/drawing/2014/main" val="1112447667"/>
+                  </a:ext>
+                </a:extLst>
+              </a:tr>
+              <a:tr h="1137823">
+                <a:tc>
+                  <a:txBody>
+                    <a:bodyPr/>
+                    <a:lstStyle/>
+                    <a:p>
+                      <a:pPr marL="342900" indent="-342900">
+                        <a:buFont typeface="Arial" panose="020B0604020202020204" pitchFamily="34" charset="0"/>
+                        <a:buChar char="•"/>
+                      </a:pPr>
+                      <a:r>
+                        <a:rPr lang="en-US" sz="1900" cap="none" spc="0">
+                          <a:solidFill>
+                            <a:schemeClr val="tx1"/>
+                          </a:solidFill>
+                        </a:rPr>
+                        <a:t>Support Vector Classifier (SVC)</a:t>
+                      </a:r>
+                    </a:p>
+                  </a:txBody>
+                  <a:tcPr marL="157496" marR="94453" marT="121152" marB="121152" anchor="ctr">
+                    <a:lnL w="19050" cap="flat" cmpd="sng" algn="ctr">
+                      <a:solidFill>
+                        <a:schemeClr val="tx1"/>
+                      </a:solidFill>
+                      <a:prstDash val="solid"/>
+                    </a:lnL>
+                    <a:lnR w="6350" cap="flat" cmpd="sng" algn="ctr">
+                      <a:solidFill>
+                        <a:schemeClr val="tx1">
+                          <a:lumMod val="50000"/>
+                          <a:lumOff val="50000"/>
+                        </a:schemeClr>
+                      </a:solidFill>
+                      <a:prstDash val="solid"/>
+                    </a:lnR>
+                    <a:lnT w="6350" cap="flat" cmpd="sng" algn="ctr">
+                      <a:solidFill>
+                        <a:schemeClr val="tx1">
+                          <a:lumMod val="50000"/>
+                          <a:lumOff val="50000"/>
+                        </a:schemeClr>
+                      </a:solidFill>
+                      <a:prstDash val="solid"/>
+                    </a:lnT>
+                    <a:lnB w="6350" cap="flat" cmpd="sng" algn="ctr">
+                      <a:solidFill>
+                        <a:schemeClr val="tx1">
+                          <a:lumMod val="50000"/>
+                          <a:lumOff val="50000"/>
+                        </a:schemeClr>
+                      </a:solidFill>
+                      <a:prstDash val="solid"/>
+                    </a:lnB>
+                    <a:noFill/>
+                  </a:tcPr>
+                </a:tc>
+                <a:tc>
+                  <a:txBody>
+                    <a:bodyPr/>
+                    <a:lstStyle/>
+                    <a:p>
+                      <a:pPr marL="342900" indent="-342900">
+                        <a:buFont typeface="Arial" panose="020B0604020202020204" pitchFamily="34" charset="0"/>
+                        <a:buChar char="•"/>
+                      </a:pPr>
+                      <a:r>
+                        <a:rPr lang="en-US" sz="1900" cap="none" spc="0">
+                          <a:solidFill>
+                            <a:schemeClr val="tx1"/>
+                          </a:solidFill>
+                        </a:rPr>
+                        <a:t>K-Nearest Neighbors (KNN)</a:t>
+                      </a:r>
+                    </a:p>
+                  </a:txBody>
+                  <a:tcPr marL="157496" marR="94453" marT="121152" marB="121152" anchor="ctr">
+                    <a:lnL w="6350" cap="flat" cmpd="sng" algn="ctr">
+                      <a:solidFill>
+                        <a:schemeClr val="tx1">
+                          <a:lumMod val="50000"/>
+                          <a:lumOff val="50000"/>
+                        </a:schemeClr>
+                      </a:solidFill>
+                      <a:prstDash val="solid"/>
+                    </a:lnL>
+                    <a:lnR w="19050" cap="flat" cmpd="sng" algn="ctr">
+                      <a:solidFill>
+                        <a:schemeClr val="tx1"/>
+                      </a:solidFill>
+                      <a:prstDash val="solid"/>
+                    </a:lnR>
+                    <a:lnT w="6350" cap="flat" cmpd="sng" algn="ctr">
+                      <a:solidFill>
+                        <a:schemeClr val="tx1">
+                          <a:lumMod val="50000"/>
+                          <a:lumOff val="50000"/>
+                        </a:schemeClr>
+                      </a:solidFill>
+                      <a:prstDash val="solid"/>
+                    </a:lnT>
+                    <a:lnB w="6350" cap="flat" cmpd="sng" algn="ctr">
+                      <a:solidFill>
+                        <a:schemeClr val="tx1">
+                          <a:lumMod val="50000"/>
+                          <a:lumOff val="50000"/>
+                        </a:schemeClr>
+                      </a:solidFill>
+                      <a:prstDash val="solid"/>
+                    </a:lnB>
+                    <a:noFill/>
+                  </a:tcPr>
+                </a:tc>
+                <a:extLst>
+                  <a:ext uri="{0D108BD9-81ED-4DB2-BD59-A6C34878D82A}">
+                    <a16:rowId xmlns:a16="http://schemas.microsoft.com/office/drawing/2014/main" val="3863691442"/>
+                  </a:ext>
+                </a:extLst>
+              </a:tr>
+              <a:tr h="1137823">
+                <a:tc>
+                  <a:txBody>
+                    <a:bodyPr/>
+                    <a:lstStyle/>
+                    <a:p>
+                      <a:pPr marL="342900" indent="-342900">
+                        <a:buFont typeface="Arial" panose="020B0604020202020204" pitchFamily="34" charset="0"/>
+                        <a:buChar char="•"/>
+                      </a:pPr>
+                      <a:r>
+                        <a:rPr lang="en-US" sz="1900" cap="none" spc="0">
+                          <a:solidFill>
+                            <a:schemeClr val="tx1"/>
+                          </a:solidFill>
+                        </a:rPr>
+                        <a:t>Logistic Regression</a:t>
+                      </a:r>
+                    </a:p>
+                  </a:txBody>
+                  <a:tcPr marL="157496" marR="94453" marT="121152" marB="121152" anchor="ctr">
+                    <a:lnL w="19050" cap="flat" cmpd="sng" algn="ctr">
+                      <a:solidFill>
+                        <a:schemeClr val="tx1"/>
+                      </a:solidFill>
+                      <a:prstDash val="solid"/>
+                    </a:lnL>
+                    <a:lnR w="6350" cap="flat" cmpd="sng" algn="ctr">
+                      <a:solidFill>
+                        <a:schemeClr val="tx1">
+                          <a:lumMod val="50000"/>
+                          <a:lumOff val="50000"/>
+                        </a:schemeClr>
+                      </a:solidFill>
+                      <a:prstDash val="solid"/>
+                    </a:lnR>
+                    <a:lnT w="6350" cap="flat" cmpd="sng" algn="ctr">
+                      <a:solidFill>
+                        <a:schemeClr val="tx1">
+                          <a:lumMod val="50000"/>
+                          <a:lumOff val="50000"/>
+                        </a:schemeClr>
+                      </a:solidFill>
+                      <a:prstDash val="solid"/>
+                    </a:lnT>
+                    <a:lnB w="6350" cap="flat" cmpd="sng" algn="ctr">
+                      <a:solidFill>
+                        <a:schemeClr val="tx1">
+                          <a:lumMod val="50000"/>
+                          <a:lumOff val="50000"/>
+                        </a:schemeClr>
+                      </a:solidFill>
+                      <a:prstDash val="solid"/>
+                    </a:lnB>
+                    <a:noFill/>
+                  </a:tcPr>
+                </a:tc>
+                <a:tc>
+                  <a:txBody>
+                    <a:bodyPr/>
+                    <a:lstStyle/>
+                    <a:p>
+                      <a:pPr marL="342900" indent="-342900">
+                        <a:buFont typeface="Arial" panose="020B0604020202020204" pitchFamily="34" charset="0"/>
+                        <a:buChar char="•"/>
+                      </a:pPr>
+                      <a:r>
+                        <a:rPr lang="en-US" sz="1900" cap="none" spc="0">
+                          <a:solidFill>
+                            <a:schemeClr val="tx1"/>
+                          </a:solidFill>
+                        </a:rPr>
+                        <a:t>Decision Tree Classifier</a:t>
+                      </a:r>
+                    </a:p>
+                  </a:txBody>
+                  <a:tcPr marL="157496" marR="94453" marT="121152" marB="121152" anchor="ctr">
+                    <a:lnL w="6350" cap="flat" cmpd="sng" algn="ctr">
+                      <a:solidFill>
+                        <a:schemeClr val="tx1">
+                          <a:lumMod val="50000"/>
+                          <a:lumOff val="50000"/>
+                        </a:schemeClr>
+                      </a:solidFill>
+                      <a:prstDash val="solid"/>
+                    </a:lnL>
+                    <a:lnR w="19050" cap="flat" cmpd="sng" algn="ctr">
+                      <a:solidFill>
+                        <a:schemeClr val="tx1"/>
+                      </a:solidFill>
+                      <a:prstDash val="solid"/>
+                    </a:lnR>
+                    <a:lnT w="6350" cap="flat" cmpd="sng" algn="ctr">
+                      <a:solidFill>
+                        <a:schemeClr val="tx1">
+                          <a:lumMod val="50000"/>
+                          <a:lumOff val="50000"/>
+                        </a:schemeClr>
+                      </a:solidFill>
+                      <a:prstDash val="solid"/>
+                    </a:lnT>
+                    <a:lnB w="6350" cap="flat" cmpd="sng" algn="ctr">
+                      <a:solidFill>
+                        <a:schemeClr val="tx1">
+                          <a:lumMod val="50000"/>
+                          <a:lumOff val="50000"/>
+                        </a:schemeClr>
+                      </a:solidFill>
+                      <a:prstDash val="solid"/>
+                    </a:lnB>
+                    <a:noFill/>
+                  </a:tcPr>
+                </a:tc>
+                <a:extLst>
+                  <a:ext uri="{0D108BD9-81ED-4DB2-BD59-A6C34878D82A}">
+                    <a16:rowId xmlns:a16="http://schemas.microsoft.com/office/drawing/2014/main" val="4210487724"/>
+                  </a:ext>
+                </a:extLst>
+              </a:tr>
+              <a:tr h="851377">
+                <a:tc>
+                  <a:txBody>
+                    <a:bodyPr/>
+                    <a:lstStyle/>
+                    <a:p>
+                      <a:pPr marL="342900" indent="-342900">
+                        <a:buFont typeface="Arial" panose="020B0604020202020204" pitchFamily="34" charset="0"/>
+                        <a:buChar char="•"/>
+                      </a:pPr>
+                      <a:r>
+                        <a:rPr lang="en-US" sz="1900" cap="none" spc="0">
+                          <a:solidFill>
+                            <a:schemeClr val="tx1"/>
+                          </a:solidFill>
+                        </a:rPr>
+                        <a:t>Gaussian Naive Bayes</a:t>
+                      </a:r>
+                    </a:p>
+                  </a:txBody>
+                  <a:tcPr marL="157496" marR="94453" marT="121152" marB="121152" anchor="ctr">
+                    <a:lnL w="19050" cap="flat" cmpd="sng" algn="ctr">
+                      <a:solidFill>
+                        <a:schemeClr val="tx1"/>
+                      </a:solidFill>
+                      <a:prstDash val="solid"/>
+                    </a:lnL>
+                    <a:lnR w="6350" cap="flat" cmpd="sng" algn="ctr">
+                      <a:solidFill>
+                        <a:schemeClr val="tx1">
+                          <a:lumMod val="50000"/>
+                          <a:lumOff val="50000"/>
+                        </a:schemeClr>
+                      </a:solidFill>
+                      <a:prstDash val="solid"/>
+                    </a:lnR>
+                    <a:lnT w="6350" cap="flat" cmpd="sng" algn="ctr">
+                      <a:solidFill>
+                        <a:schemeClr val="tx1">
+                          <a:lumMod val="50000"/>
+                          <a:lumOff val="50000"/>
+                        </a:schemeClr>
+                      </a:solidFill>
+                      <a:prstDash val="solid"/>
+                    </a:lnT>
+                    <a:lnB w="19050" cap="flat" cmpd="sng" algn="ctr">
+                      <a:solidFill>
+                        <a:schemeClr val="tx1"/>
+                      </a:solidFill>
+                      <a:prstDash val="solid"/>
+                    </a:lnB>
+                    <a:noFill/>
+                  </a:tcPr>
+                </a:tc>
+                <a:tc>
+                  <a:txBody>
+                    <a:bodyPr/>
+                    <a:lstStyle/>
+                    <a:p>
+                      <a:endParaRPr lang="en-US" sz="1900" cap="none" spc="0">
+                        <a:solidFill>
+                          <a:schemeClr val="tx1"/>
+                        </a:solidFill>
+                      </a:endParaRPr>
+                    </a:p>
+                  </a:txBody>
+                  <a:tcPr marL="157496" marR="94453" marT="121152" marB="121152" anchor="ctr">
+                    <a:lnL w="6350" cap="flat" cmpd="sng" algn="ctr">
+                      <a:solidFill>
+                        <a:schemeClr val="tx1">
+                          <a:lumMod val="50000"/>
+                          <a:lumOff val="50000"/>
+                        </a:schemeClr>
+                      </a:solidFill>
+                      <a:prstDash val="solid"/>
+                    </a:lnL>
+                    <a:lnR w="19050" cap="flat" cmpd="sng" algn="ctr">
+                      <a:solidFill>
+                        <a:schemeClr val="tx1"/>
+                      </a:solidFill>
+                      <a:prstDash val="solid"/>
+                    </a:lnR>
+                    <a:lnT w="6350" cap="flat" cmpd="sng" algn="ctr">
+                      <a:solidFill>
+                        <a:schemeClr val="tx1">
+                          <a:lumMod val="50000"/>
+                          <a:lumOff val="50000"/>
+                        </a:schemeClr>
+                      </a:solidFill>
+                      <a:prstDash val="solid"/>
+                    </a:lnT>
+                    <a:lnB w="19050" cap="flat" cmpd="sng" algn="ctr">
+                      <a:solidFill>
+                        <a:schemeClr val="tx1"/>
+                      </a:solidFill>
+                      <a:prstDash val="solid"/>
+                    </a:lnB>
+                    <a:noFill/>
+                  </a:tcPr>
+                </a:tc>
+                <a:extLst>
+                  <a:ext uri="{0D108BD9-81ED-4DB2-BD59-A6C34878D82A}">
+                    <a16:rowId xmlns:a16="http://schemas.microsoft.com/office/drawing/2014/main" val="445148622"/>
+                  </a:ext>
+                </a:extLst>
+              </a:tr>
+            </a:tbl>
+          </a:graphicData>
+        </a:graphic>
+      </p:graphicFrame>
+    </p:spTree>
+    <p:extLst>
+      <p:ext uri="{BB962C8B-B14F-4D97-AF65-F5344CB8AC3E}">
+        <p14:creationId xmlns:p14="http://schemas.microsoft.com/office/powerpoint/2010/main" val="2413337258"/>
+      </p:ext>
+    </p:extLst>
+  </p:cSld>
+  <p:clrMapOvr>
+    <a:masterClrMapping/>
+  </p:clrMapOvr>
+</p:sld>
+</file>
+
+<file path=ppt/slides/slide18.xml><?xml version="1.0" encoding="utf-8"?>
+<p:sld xmlns:a="http://schemas.openxmlformats.org/drawingml/2006/main" xmlns:r="http://schemas.openxmlformats.org/officeDocument/2006/relationships" xmlns:p="http://schemas.openxmlformats.org/presentationml/2006/main">
+  <p:cSld>
+    <p:bg>
+      <p:bgPr>
+        <a:solidFill>
+          <a:schemeClr val="bg1"/>
+        </a:solidFill>
+        <a:effectLst/>
+      </p:bgPr>
+    </p:bg>
+    <p:spTree>
+      <p:nvGrpSpPr>
+        <p:cNvPr id="1" name="">
+          <a:extLst>
+            <a:ext uri="{FF2B5EF4-FFF2-40B4-BE49-F238E27FC236}">
+              <a16:creationId xmlns:a16="http://schemas.microsoft.com/office/drawing/2014/main" id="{E62528DA-63DF-DB1D-4505-C7B5723ACACA}"/>
+            </a:ext>
+          </a:extLst>
+        </p:cNvPr>
+        <p:cNvGrpSpPr/>
+        <p:nvPr/>
+      </p:nvGrpSpPr>
+      <p:grpSpPr>
+        <a:xfrm>
+          <a:off x="0" y="0"/>
+          <a:ext cx="0" cy="0"/>
+          <a:chOff x="0" y="0"/>
+          <a:chExt cx="0" cy="0"/>
+        </a:xfrm>
+      </p:grpSpPr>
+      <p:sp useBgFill="1">
+        <p:nvSpPr>
+          <p:cNvPr id="183" name="Rectangle 182">
+            <a:extLst>
+              <a:ext uri="{FF2B5EF4-FFF2-40B4-BE49-F238E27FC236}">
+                <a16:creationId xmlns:a16="http://schemas.microsoft.com/office/drawing/2014/main" id="{AAAE94E3-A7DB-4868-B1E3-E49703488BBC}"/>
+              </a:ext>
+              <a:ext uri="{C183D7F6-B498-43B3-948B-1728B52AA6E4}">
+                <adec:decorative xmlns:adec="http://schemas.microsoft.com/office/drawing/2017/decorative" val="1"/>
+              </a:ext>
+            </a:extLst>
+          </p:cNvPr>
+          <p:cNvSpPr>
+            <a:spLocks noGrp="1" noRot="1" noChangeAspect="1" noMove="1" noResize="1" noEditPoints="1" noAdjustHandles="1" noChangeArrowheads="1" noChangeShapeType="1" noTextEdit="1"/>
+          </p:cNvSpPr>
+          <p:nvPr>
+            <p:extLst>
+              <p:ext uri="{386F3935-93C4-4BCD-93E2-E3B085C9AB24}">
+                <p16:designElem xmlns:p16="http://schemas.microsoft.com/office/powerpoint/2015/main" val="1"/>
+              </p:ext>
+            </p:extLst>
+          </p:nvPr>
+        </p:nvSpPr>
+        <p:spPr>
+          <a:xfrm>
+            <a:off x="0" y="0"/>
+            <a:ext cx="12191999" cy="6857365"/>
+          </a:xfrm>
+          <a:prstGeom prst="rect">
+            <a:avLst/>
+          </a:prstGeom>
+          <a:ln>
+            <a:noFill/>
+          </a:ln>
+        </p:spPr>
+        <p:style>
+          <a:lnRef idx="2">
+            <a:schemeClr val="accent1">
+              <a:shade val="50000"/>
+            </a:schemeClr>
+          </a:lnRef>
+          <a:fillRef idx="1">
+            <a:schemeClr val="accent1"/>
+          </a:fillRef>
+          <a:effectRef idx="0">
+            <a:schemeClr val="accent1"/>
+          </a:effectRef>
+          <a:fontRef idx="minor">
+            <a:schemeClr val="lt1"/>
+          </a:fontRef>
+        </p:style>
+        <p:txBody>
+          <a:bodyPr rtlCol="0" anchor="ctr"/>
+          <a:lstStyle/>
+          <a:p>
+            <a:pPr algn="ctr"/>
+            <a:endParaRPr lang="en-US"/>
+          </a:p>
+        </p:txBody>
+      </p:sp>
+      <p:sp>
+        <p:nvSpPr>
+          <p:cNvPr id="2" name="Title 1">
+            <a:extLst>
+              <a:ext uri="{FF2B5EF4-FFF2-40B4-BE49-F238E27FC236}">
+                <a16:creationId xmlns:a16="http://schemas.microsoft.com/office/drawing/2014/main" id="{5ACD2DC5-5035-7574-FDD2-CD55A20EFAE8}"/>
+              </a:ext>
+            </a:extLst>
+          </p:cNvPr>
+          <p:cNvSpPr>
+            <a:spLocks noGrp="1"/>
+          </p:cNvSpPr>
+          <p:nvPr>
+            <p:ph type="title"/>
+          </p:nvPr>
+        </p:nvSpPr>
+        <p:spPr>
+          <a:xfrm>
+            <a:off x="589560" y="856180"/>
+            <a:ext cx="5279408" cy="1128068"/>
+          </a:xfrm>
+        </p:spPr>
+        <p:txBody>
+          <a:bodyPr vert="horz" lIns="91440" tIns="45720" rIns="91440" bIns="45720" rtlCol="0" anchor="ctr">
+            <a:normAutofit/>
+          </a:bodyPr>
+          <a:lstStyle/>
+          <a:p>
+            <a:r>
+              <a:rPr lang="en-US" sz="4000"/>
+              <a:t>Phase 1 - Results</a:t>
+            </a:r>
+          </a:p>
+        </p:txBody>
+      </p:sp>
+      <p:grpSp>
+        <p:nvGrpSpPr>
+          <p:cNvPr id="185" name="Group 184">
+            <a:extLst>
+              <a:ext uri="{FF2B5EF4-FFF2-40B4-BE49-F238E27FC236}">
+                <a16:creationId xmlns:a16="http://schemas.microsoft.com/office/drawing/2014/main" id="{1DE889C7-FAD6-4397-98E2-05D503484459}"/>
+              </a:ext>
+              <a:ext uri="{C183D7F6-B498-43B3-948B-1728B52AA6E4}">
+                <adec:decorative xmlns:adec="http://schemas.microsoft.com/office/drawing/2017/decorative" val="1"/>
+              </a:ext>
+            </a:extLst>
+          </p:cNvPr>
+          <p:cNvGrpSpPr>
+            <a:grpSpLocks noGrp="1" noUngrp="1" noRot="1" noChangeAspect="1" noMove="1" noResize="1"/>
+          </p:cNvGrpSpPr>
+          <p:nvPr>
+            <p:extLst>
+              <p:ext uri="{386F3935-93C4-4BCD-93E2-E3B085C9AB24}">
+                <p16:designElem xmlns:p16="http://schemas.microsoft.com/office/powerpoint/2015/main" val="1"/>
+              </p:ext>
+            </p:extLst>
+          </p:nvPr>
+        </p:nvGrpSpPr>
+        <p:grpSpPr>
+          <a:xfrm>
+            <a:off x="0" y="1083484"/>
+            <a:ext cx="355196" cy="673460"/>
+            <a:chOff x="0" y="823811"/>
+            <a:chExt cx="355196" cy="673460"/>
+          </a:xfrm>
+        </p:grpSpPr>
+        <p:sp>
+          <p:nvSpPr>
+            <p:cNvPr id="186" name="Rectangle 185">
+              <a:extLst>
+                <a:ext uri="{FF2B5EF4-FFF2-40B4-BE49-F238E27FC236}">
+                  <a16:creationId xmlns:a16="http://schemas.microsoft.com/office/drawing/2014/main" id="{F399A70F-F8CD-4992-9EF5-6CF15472E73F}"/>
+                </a:ext>
+                <a:ext uri="{C183D7F6-B498-43B3-948B-1728B52AA6E4}">
+                  <adec:decorative xmlns:adec="http://schemas.microsoft.com/office/drawing/2017/decorative" val="1"/>
+                </a:ext>
+              </a:extLst>
+            </p:cNvPr>
+            <p:cNvSpPr/>
+            <p:nvPr>
+              <p:extLst>
+                <p:ext uri="{386F3935-93C4-4BCD-93E2-E3B085C9AB24}">
+                  <p16:designElem xmlns:p16="http://schemas.microsoft.com/office/powerpoint/2015/main" val="1"/>
+                </p:ext>
+              </p:extLst>
+            </p:nvPr>
+          </p:nvSpPr>
+          <p:spPr>
+            <a:xfrm>
+              <a:off x="0" y="823811"/>
+              <a:ext cx="87363" cy="673460"/>
+            </a:xfrm>
+            <a:prstGeom prst="rect">
+              <a:avLst/>
+            </a:prstGeom>
+            <a:solidFill>
+              <a:schemeClr val="accent4"/>
+            </a:solidFill>
+            <a:ln>
+              <a:noFill/>
+            </a:ln>
+          </p:spPr>
+          <p:style>
+            <a:lnRef idx="2">
+              <a:schemeClr val="accent1">
+                <a:shade val="50000"/>
+              </a:schemeClr>
+            </a:lnRef>
+            <a:fillRef idx="1">
+              <a:schemeClr val="accent1"/>
+            </a:fillRef>
+            <a:effectRef idx="0">
+              <a:schemeClr val="accent1"/>
+            </a:effectRef>
+            <a:fontRef idx="minor">
+              <a:schemeClr val="lt1"/>
+            </a:fontRef>
+          </p:style>
+          <p:txBody>
+            <a:bodyPr rtlCol="0" anchor="ctr"/>
+            <a:lstStyle/>
+            <a:p>
+              <a:pPr algn="ctr"/>
+              <a:endParaRPr lang="en-US"/>
+            </a:p>
+          </p:txBody>
+        </p:sp>
+        <p:sp>
+          <p:nvSpPr>
+            <p:cNvPr id="187" name="Rectangle 186">
+              <a:extLst>
+                <a:ext uri="{FF2B5EF4-FFF2-40B4-BE49-F238E27FC236}">
+                  <a16:creationId xmlns:a16="http://schemas.microsoft.com/office/drawing/2014/main" id="{48F4FEDC-6D80-458C-A665-075D9B9500FD}"/>
+                </a:ext>
+                <a:ext uri="{C183D7F6-B498-43B3-948B-1728B52AA6E4}">
+                  <adec:decorative xmlns:adec="http://schemas.microsoft.com/office/drawing/2017/decorative" val="1"/>
+                </a:ext>
+              </a:extLst>
+            </p:cNvPr>
+            <p:cNvSpPr/>
+            <p:nvPr>
+              <p:extLst>
+                <p:ext uri="{386F3935-93C4-4BCD-93E2-E3B085C9AB24}">
+                  <p16:designElem xmlns:p16="http://schemas.microsoft.com/office/powerpoint/2015/main" val="1"/>
+                </p:ext>
+              </p:extLst>
+            </p:nvPr>
+          </p:nvSpPr>
+          <p:spPr>
+            <a:xfrm>
+              <a:off x="159341" y="823811"/>
+              <a:ext cx="195855" cy="673460"/>
+            </a:xfrm>
+            <a:prstGeom prst="rect">
+              <a:avLst/>
+            </a:prstGeom>
+            <a:solidFill>
+              <a:schemeClr val="accent4"/>
+            </a:solidFill>
+            <a:ln>
+              <a:noFill/>
+            </a:ln>
+          </p:spPr>
+          <p:style>
+            <a:lnRef idx="2">
+              <a:schemeClr val="accent1">
+                <a:shade val="50000"/>
+              </a:schemeClr>
+            </a:lnRef>
+            <a:fillRef idx="1">
+              <a:schemeClr val="accent1"/>
+            </a:fillRef>
+            <a:effectRef idx="0">
+              <a:schemeClr val="accent1"/>
+            </a:effectRef>
+            <a:fontRef idx="minor">
+              <a:schemeClr val="lt1"/>
+            </a:fontRef>
+          </p:style>
+          <p:txBody>
+            <a:bodyPr rtlCol="0" anchor="ctr"/>
+            <a:lstStyle/>
+            <a:p>
+              <a:pPr algn="ctr"/>
+              <a:endParaRPr lang="en-US"/>
+            </a:p>
+          </p:txBody>
+        </p:sp>
+      </p:grpSp>
+      <p:sp>
+        <p:nvSpPr>
+          <p:cNvPr id="189" name="Rectangle 188">
+            <a:extLst>
+              <a:ext uri="{FF2B5EF4-FFF2-40B4-BE49-F238E27FC236}">
+                <a16:creationId xmlns:a16="http://schemas.microsoft.com/office/drawing/2014/main" id="{3873B707-463F-40B0-8227-E8CC6C67EB25}"/>
+              </a:ext>
+              <a:ext uri="{C183D7F6-B498-43B3-948B-1728B52AA6E4}">
+                <adec:decorative xmlns:adec="http://schemas.microsoft.com/office/drawing/2017/decorative" val="1"/>
+              </a:ext>
+            </a:extLst>
+          </p:cNvPr>
+          <p:cNvSpPr>
+            <a:spLocks noGrp="1" noRot="1" noChangeAspect="1" noMove="1" noResize="1" noEditPoints="1" noAdjustHandles="1" noChangeArrowheads="1" noChangeShapeType="1" noTextEdit="1"/>
+          </p:cNvSpPr>
+          <p:nvPr>
+            <p:extLst>
+              <p:ext uri="{386F3935-93C4-4BCD-93E2-E3B085C9AB24}">
+                <p16:designElem xmlns:p16="http://schemas.microsoft.com/office/powerpoint/2015/main" val="1"/>
+              </p:ext>
+            </p:extLst>
+          </p:nvPr>
+        </p:nvSpPr>
+        <p:spPr>
+          <a:xfrm flipH="1">
+            <a:off x="665085" y="2123821"/>
+            <a:ext cx="4975066" cy="27432"/>
+          </a:xfrm>
+          <a:prstGeom prst="rect">
+            <a:avLst/>
+          </a:prstGeom>
+          <a:solidFill>
+            <a:schemeClr val="accent4"/>
+          </a:solidFill>
+          <a:ln>
+            <a:noFill/>
+          </a:ln>
+        </p:spPr>
+        <p:style>
+          <a:lnRef idx="2">
+            <a:schemeClr val="accent1">
+              <a:shade val="50000"/>
+            </a:schemeClr>
+          </a:lnRef>
+          <a:fillRef idx="1">
+            <a:schemeClr val="accent1"/>
+          </a:fillRef>
+          <a:effectRef idx="0">
+            <a:schemeClr val="accent1"/>
+          </a:effectRef>
+          <a:fontRef idx="minor">
+            <a:schemeClr val="lt1"/>
+          </a:fontRef>
+        </p:style>
+        <p:txBody>
+          <a:bodyPr rtlCol="0" anchor="ctr"/>
+          <a:lstStyle/>
+          <a:p>
+            <a:pPr algn="ctr"/>
+            <a:endParaRPr lang="en-US"/>
+          </a:p>
+        </p:txBody>
+      </p:sp>
+      <p:sp>
+        <p:nvSpPr>
+          <p:cNvPr id="11" name="Rectangle 2">
+            <a:extLst>
+              <a:ext uri="{FF2B5EF4-FFF2-40B4-BE49-F238E27FC236}">
+                <a16:creationId xmlns:a16="http://schemas.microsoft.com/office/drawing/2014/main" id="{E985ADC9-E8F9-64B7-CE07-970FC70E60C8}"/>
+              </a:ext>
+            </a:extLst>
+          </p:cNvPr>
+          <p:cNvSpPr>
+            <a:spLocks noChangeArrowheads="1"/>
+          </p:cNvSpPr>
+          <p:nvPr/>
+        </p:nvSpPr>
+        <p:spPr bwMode="auto">
+          <a:xfrm>
+            <a:off x="590719" y="2330505"/>
+            <a:ext cx="5278066" cy="3979585"/>
+          </a:xfrm>
+          <a:prstGeom prst="rect">
+            <a:avLst/>
+          </a:prstGeom>
+          <a:extLst>
+            <a:ext uri="{909E8E84-426E-40DD-AFC4-6F175D3DCCD1}">
+              <a14:hiddenFill xmlns:a14="http://schemas.microsoft.com/office/drawing/2010/main">
+                <a:solidFill>
+                  <a:schemeClr val="accent1"/>
+                </a:solidFill>
+              </a14:hiddenFill>
+            </a:ext>
+            <a:ext uri="{91240B29-F687-4F45-9708-019B960494DF}">
+              <a14:hiddenLine xmlns:a14="http://schemas.microsoft.com/office/drawing/2010/main" w="9525">
+                <a:solidFill>
+                  <a:schemeClr val="tx1"/>
+                </a:solidFill>
+                <a:miter lim="800000"/>
+                <a:headEnd/>
+                <a:tailEnd/>
+              </a14:hiddenLine>
+            </a:ext>
+            <a:ext uri="{AF507438-7753-43E0-B8FC-AC1667EBCBE1}">
+              <a14:hiddenEffects xmlns:a14="http://schemas.microsoft.com/office/drawing/2010/main">
+                <a:effectLst>
+                  <a:outerShdw dist="35921" dir="2700000" algn="ctr" rotWithShape="0">
+                    <a:schemeClr val="bg2"/>
+                  </a:outerShdw>
+                </a:effectLst>
+              </a14:hiddenEffects>
+            </a:ext>
+          </a:extLst>
+        </p:spPr>
+        <p:txBody>
+          <a:bodyPr vert="horz" lIns="91440" tIns="45720" rIns="91440" bIns="45720" numCol="1" rtlCol="0" anchor="ctr" anchorCtr="0" compatLnSpc="1">
+            <a:prstTxWarp prst="textNoShape">
+              <a:avLst/>
+            </a:prstTxWarp>
+            <a:normAutofit/>
+          </a:bodyPr>
+          <a:lstStyle/>
+          <a:p>
+            <a:pPr marR="0" lvl="0" defTabSz="914400" fontAlgn="base">
+              <a:lnSpc>
+                <a:spcPct val="90000"/>
+              </a:lnSpc>
+              <a:spcBef>
+                <a:spcPct val="0"/>
+              </a:spcBef>
+              <a:spcAft>
+                <a:spcPts val="600"/>
+              </a:spcAft>
+              <a:buClrTx/>
+              <a:buSzTx/>
+              <a:tabLst/>
+            </a:pPr>
+            <a:r>
+              <a:rPr kumimoji="0" lang="en-US" altLang="en-US" sz="2800" b="1" i="0" u="none" strike="noStrike" cap="none" normalizeH="0" baseline="0" dirty="0">
+                <a:ln>
+                  <a:noFill/>
+                </a:ln>
+                <a:effectLst/>
+              </a:rPr>
+              <a:t>Top-performing classifiers</a:t>
+            </a:r>
+            <a:r>
+              <a:rPr kumimoji="0" lang="en-US" altLang="en-US" sz="2800" b="0" i="0" u="none" strike="noStrike" cap="none" normalizeH="0" baseline="0" dirty="0">
+                <a:ln>
+                  <a:noFill/>
+                </a:ln>
+                <a:effectLst/>
+              </a:rPr>
+              <a:t>: </a:t>
+            </a:r>
+          </a:p>
+          <a:p>
+            <a:pPr marL="342900" marR="0" lvl="0" indent="-228600" defTabSz="914400" fontAlgn="base">
+              <a:lnSpc>
+                <a:spcPct val="90000"/>
+              </a:lnSpc>
+              <a:spcBef>
+                <a:spcPct val="0"/>
+              </a:spcBef>
+              <a:spcAft>
+                <a:spcPts val="600"/>
+              </a:spcAft>
+              <a:buClrTx/>
+              <a:buSzTx/>
+              <a:buFont typeface="Arial" panose="020B0604020202020204" pitchFamily="34" charset="0"/>
+              <a:buChar char="•"/>
+              <a:tabLst/>
+            </a:pPr>
+            <a:r>
+              <a:rPr kumimoji="0" lang="en-US" altLang="en-US" sz="2800" b="1" i="0" u="none" strike="noStrike" cap="none" normalizeH="0" baseline="0" dirty="0">
+                <a:ln>
+                  <a:noFill/>
+                </a:ln>
+                <a:effectLst/>
+              </a:rPr>
+              <a:t>AdaBoost</a:t>
+            </a:r>
+          </a:p>
+          <a:p>
+            <a:pPr marL="342900" marR="0" lvl="0" indent="-228600" defTabSz="914400" fontAlgn="base">
+              <a:lnSpc>
+                <a:spcPct val="90000"/>
+              </a:lnSpc>
+              <a:spcBef>
+                <a:spcPct val="0"/>
+              </a:spcBef>
+              <a:spcAft>
+                <a:spcPts val="600"/>
+              </a:spcAft>
+              <a:buClrTx/>
+              <a:buSzTx/>
+              <a:buFont typeface="Arial" panose="020B0604020202020204" pitchFamily="34" charset="0"/>
+              <a:buChar char="•"/>
+              <a:tabLst/>
+            </a:pPr>
+            <a:r>
+              <a:rPr lang="en-US" altLang="en-US" sz="2800" b="1" dirty="0" err="1"/>
+              <a:t>CatBoost</a:t>
+            </a:r>
+            <a:r>
+              <a:rPr kumimoji="0" lang="en-US" altLang="en-US" sz="2800" b="0" i="0" u="none" strike="noStrike" cap="none" normalizeH="0" baseline="0" dirty="0">
+                <a:ln>
+                  <a:noFill/>
+                </a:ln>
+                <a:effectLst/>
+              </a:rPr>
+              <a:t> </a:t>
+            </a:r>
+          </a:p>
+          <a:p>
+            <a:pPr marR="0" lvl="0" indent="-228600" defTabSz="914400" fontAlgn="base">
+              <a:lnSpc>
+                <a:spcPct val="90000"/>
+              </a:lnSpc>
+              <a:spcBef>
+                <a:spcPct val="0"/>
+              </a:spcBef>
+              <a:spcAft>
+                <a:spcPts val="600"/>
+              </a:spcAft>
+              <a:buClrTx/>
+              <a:buSzTx/>
+              <a:buFont typeface="Arial" panose="020B0604020202020204" pitchFamily="34" charset="0"/>
+              <a:buChar char="•"/>
+              <a:tabLst/>
+            </a:pPr>
+            <a:endParaRPr kumimoji="0" lang="en-US" altLang="en-US" sz="2800" b="0" i="0" u="none" strike="noStrike" cap="none" normalizeH="0" baseline="0" dirty="0">
+              <a:ln>
+                <a:noFill/>
+              </a:ln>
+              <a:effectLst/>
+            </a:endParaRPr>
+          </a:p>
+          <a:p>
+            <a:pPr marR="0" lvl="0" defTabSz="914400" fontAlgn="base">
+              <a:lnSpc>
+                <a:spcPct val="90000"/>
+              </a:lnSpc>
+              <a:spcBef>
+                <a:spcPct val="0"/>
+              </a:spcBef>
+              <a:spcAft>
+                <a:spcPts val="600"/>
+              </a:spcAft>
+              <a:buClrTx/>
+              <a:buSzTx/>
+              <a:tabLst/>
+            </a:pPr>
+            <a:r>
+              <a:rPr kumimoji="0" lang="en-US" altLang="en-US" sz="2800" b="1" i="0" u="none" strike="noStrike" cap="none" normalizeH="0" baseline="0" dirty="0">
+                <a:ln>
+                  <a:noFill/>
+                </a:ln>
+                <a:effectLst/>
+              </a:rPr>
+              <a:t>Best dataset versions</a:t>
+            </a:r>
+            <a:r>
+              <a:rPr kumimoji="0" lang="en-US" altLang="en-US" sz="2800" b="0" i="0" u="none" strike="noStrike" cap="none" normalizeH="0" baseline="0" dirty="0">
+                <a:ln>
+                  <a:noFill/>
+                </a:ln>
+                <a:effectLst/>
+              </a:rPr>
+              <a:t>: </a:t>
+            </a:r>
+          </a:p>
+          <a:p>
+            <a:pPr marL="342900" marR="0" lvl="0" indent="-228600" defTabSz="914400" fontAlgn="base">
+              <a:lnSpc>
+                <a:spcPct val="90000"/>
+              </a:lnSpc>
+              <a:spcBef>
+                <a:spcPct val="0"/>
+              </a:spcBef>
+              <a:spcAft>
+                <a:spcPts val="600"/>
+              </a:spcAft>
+              <a:buClrTx/>
+              <a:buSzTx/>
+              <a:buFont typeface="Arial" panose="020B0604020202020204" pitchFamily="34" charset="0"/>
+              <a:buChar char="•"/>
+              <a:tabLst/>
+            </a:pPr>
+            <a:r>
+              <a:rPr kumimoji="0" lang="en-US" altLang="en-US" sz="2800" b="1" i="0" u="none" strike="noStrike" cap="none" normalizeH="0" baseline="0" dirty="0">
+                <a:ln>
+                  <a:noFill/>
+                </a:ln>
+                <a:effectLst/>
+              </a:rPr>
+              <a:t>V2</a:t>
+            </a:r>
+          </a:p>
+          <a:p>
+            <a:pPr marL="342900" marR="0" lvl="0" indent="-228600" defTabSz="914400" fontAlgn="base">
+              <a:lnSpc>
+                <a:spcPct val="90000"/>
+              </a:lnSpc>
+              <a:spcBef>
+                <a:spcPct val="0"/>
+              </a:spcBef>
+              <a:spcAft>
+                <a:spcPts val="600"/>
+              </a:spcAft>
+              <a:buClrTx/>
+              <a:buSzTx/>
+              <a:buFont typeface="Arial" panose="020B0604020202020204" pitchFamily="34" charset="0"/>
+              <a:buChar char="•"/>
+              <a:tabLst/>
+            </a:pPr>
+            <a:r>
+              <a:rPr lang="en-US" altLang="en-US" sz="2800" b="1" dirty="0"/>
+              <a:t>V1</a:t>
+            </a:r>
+            <a:endParaRPr kumimoji="0" lang="en-US" altLang="en-US" sz="2800" b="1" i="0" u="none" strike="noStrike" cap="none" normalizeH="0" baseline="0" dirty="0">
+              <a:ln>
+                <a:noFill/>
+              </a:ln>
+              <a:effectLst/>
+            </a:endParaRPr>
+          </a:p>
+        </p:txBody>
+      </p:sp>
+      <p:sp>
+        <p:nvSpPr>
+          <p:cNvPr id="191" name="Rectangle 190">
+            <a:extLst>
+              <a:ext uri="{FF2B5EF4-FFF2-40B4-BE49-F238E27FC236}">
+                <a16:creationId xmlns:a16="http://schemas.microsoft.com/office/drawing/2014/main" id="{C13237C8-E62C-4F0D-A318-BD6FB6C2D138}"/>
+              </a:ext>
+              <a:ext uri="{C183D7F6-B498-43B3-948B-1728B52AA6E4}">
+                <adec:decorative xmlns:adec="http://schemas.microsoft.com/office/drawing/2017/decorative" val="1"/>
+              </a:ext>
+            </a:extLst>
+          </p:cNvPr>
+          <p:cNvSpPr>
+            <a:spLocks noGrp="1" noRot="1" noChangeAspect="1" noMove="1" noResize="1" noEditPoints="1" noAdjustHandles="1" noChangeArrowheads="1" noChangeShapeType="1" noTextEdit="1"/>
+          </p:cNvSpPr>
+          <p:nvPr>
+            <p:extLst>
+              <p:ext uri="{386F3935-93C4-4BCD-93E2-E3B085C9AB24}">
+                <p16:designElem xmlns:p16="http://schemas.microsoft.com/office/powerpoint/2015/main" val="1"/>
+              </p:ext>
+            </p:extLst>
+          </p:nvPr>
+        </p:nvSpPr>
+        <p:spPr>
+          <a:xfrm flipH="1">
+            <a:off x="10697670" y="0"/>
+            <a:ext cx="1494330" cy="6858000"/>
+          </a:xfrm>
+          <a:prstGeom prst="rect">
+            <a:avLst/>
+          </a:prstGeom>
+          <a:solidFill>
+            <a:schemeClr val="accent4"/>
+          </a:solidFill>
+          <a:ln>
+            <a:noFill/>
+          </a:ln>
+        </p:spPr>
+        <p:style>
+          <a:lnRef idx="2">
+            <a:schemeClr val="accent1">
+              <a:shade val="50000"/>
+            </a:schemeClr>
+          </a:lnRef>
+          <a:fillRef idx="1">
+            <a:schemeClr val="accent1"/>
+          </a:fillRef>
+          <a:effectRef idx="0">
+            <a:schemeClr val="accent1"/>
+          </a:effectRef>
+          <a:fontRef idx="minor">
+            <a:schemeClr val="lt1"/>
+          </a:fontRef>
+        </p:style>
+        <p:txBody>
+          <a:bodyPr rtlCol="0" anchor="ctr"/>
+          <a:lstStyle/>
+          <a:p>
+            <a:pPr algn="ctr"/>
+            <a:endParaRPr lang="en-US"/>
+          </a:p>
+        </p:txBody>
+      </p:sp>
+      <p:sp>
+        <p:nvSpPr>
+          <p:cNvPr id="193" name="Rectangle 192">
+            <a:extLst>
+              <a:ext uri="{FF2B5EF4-FFF2-40B4-BE49-F238E27FC236}">
+                <a16:creationId xmlns:a16="http://schemas.microsoft.com/office/drawing/2014/main" id="{19C9EAEA-39D0-4B0E-A0EB-51E7B26740B1}"/>
+              </a:ext>
+              <a:ext uri="{C183D7F6-B498-43B3-948B-1728B52AA6E4}">
+                <adec:decorative xmlns:adec="http://schemas.microsoft.com/office/drawing/2017/decorative" val="1"/>
+              </a:ext>
+            </a:extLst>
+          </p:cNvPr>
+          <p:cNvSpPr>
+            <a:spLocks noGrp="1" noRot="1" noChangeAspect="1" noMove="1" noResize="1" noEditPoints="1" noAdjustHandles="1" noChangeArrowheads="1" noChangeShapeType="1" noTextEdit="1"/>
+          </p:cNvSpPr>
+          <p:nvPr>
+            <p:extLst>
+              <p:ext uri="{386F3935-93C4-4BCD-93E2-E3B085C9AB24}">
+                <p16:designElem xmlns:p16="http://schemas.microsoft.com/office/powerpoint/2015/main" val="1"/>
+              </p:ext>
+            </p:extLst>
+          </p:nvPr>
+        </p:nvSpPr>
+        <p:spPr>
+          <a:xfrm>
+            <a:off x="6849687" y="357447"/>
+            <a:ext cx="4845488" cy="2923587"/>
+          </a:xfrm>
+          <a:prstGeom prst="rect">
+            <a:avLst/>
+          </a:prstGeom>
+          <a:solidFill>
+            <a:schemeClr val="bg1"/>
+          </a:solidFill>
+          <a:ln>
+            <a:noFill/>
+          </a:ln>
+          <a:effectLst>
+            <a:outerShdw blurRad="139700" dist="127000" dir="5400000" algn="t" rotWithShape="0">
+              <a:prstClr val="black">
+                <a:alpha val="15000"/>
+              </a:prstClr>
+            </a:outerShdw>
+          </a:effectLst>
+        </p:spPr>
+        <p:style>
+          <a:lnRef idx="2">
+            <a:schemeClr val="accent1">
+              <a:shade val="50000"/>
+            </a:schemeClr>
+          </a:lnRef>
+          <a:fillRef idx="1">
+            <a:schemeClr val="accent1"/>
+          </a:fillRef>
+          <a:effectRef idx="0">
+            <a:schemeClr val="accent1"/>
+          </a:effectRef>
+          <a:fontRef idx="minor">
+            <a:schemeClr val="lt1"/>
+          </a:fontRef>
+        </p:style>
+        <p:txBody>
+          <a:bodyPr rtlCol="0" anchor="ctr"/>
+          <a:lstStyle/>
+          <a:p>
+            <a:pPr algn="ctr"/>
+            <a:endParaRPr lang="en-US"/>
+          </a:p>
+        </p:txBody>
+      </p:sp>
+      <p:pic>
+        <p:nvPicPr>
+          <p:cNvPr id="8" name="Picture 7">
+            <a:extLst>
+              <a:ext uri="{FF2B5EF4-FFF2-40B4-BE49-F238E27FC236}">
+                <a16:creationId xmlns:a16="http://schemas.microsoft.com/office/drawing/2014/main" id="{46538834-0D40-9316-3D05-97A82FC97215}"/>
+              </a:ext>
+            </a:extLst>
+          </p:cNvPr>
+          <p:cNvPicPr>
+            <a:picLocks noChangeAspect="1"/>
+          </p:cNvPicPr>
+          <p:nvPr/>
+        </p:nvPicPr>
+        <p:blipFill>
+          <a:blip r:embed="rId2"/>
+          <a:srcRect l="4638" r="-1" b="-1"/>
+          <a:stretch/>
+        </p:blipFill>
+        <p:spPr>
+          <a:xfrm>
+            <a:off x="8333374" y="581892"/>
+            <a:ext cx="1897530" cy="2518756"/>
+          </a:xfrm>
+          <a:prstGeom prst="rect">
+            <a:avLst/>
+          </a:prstGeom>
+        </p:spPr>
+      </p:pic>
+      <p:sp>
+        <p:nvSpPr>
+          <p:cNvPr id="195" name="Rectangle 194">
+            <a:extLst>
+              <a:ext uri="{FF2B5EF4-FFF2-40B4-BE49-F238E27FC236}">
+                <a16:creationId xmlns:a16="http://schemas.microsoft.com/office/drawing/2014/main" id="{8CB5D2D7-DF65-4E86-BFBA-FFB9B5ACEB64}"/>
+              </a:ext>
+              <a:ext uri="{C183D7F6-B498-43B3-948B-1728B52AA6E4}">
+                <adec:decorative xmlns:adec="http://schemas.microsoft.com/office/drawing/2017/decorative" val="1"/>
+              </a:ext>
+            </a:extLst>
+          </p:cNvPr>
+          <p:cNvSpPr>
+            <a:spLocks noGrp="1" noRot="1" noChangeAspect="1" noMove="1" noResize="1" noEditPoints="1" noAdjustHandles="1" noChangeArrowheads="1" noChangeShapeType="1" noTextEdit="1"/>
+          </p:cNvSpPr>
+          <p:nvPr>
+            <p:extLst>
+              <p:ext uri="{386F3935-93C4-4BCD-93E2-E3B085C9AB24}">
+                <p16:designElem xmlns:p16="http://schemas.microsoft.com/office/powerpoint/2015/main" val="1"/>
+              </p:ext>
+            </p:extLst>
+          </p:nvPr>
+        </p:nvSpPr>
+        <p:spPr>
+          <a:xfrm>
+            <a:off x="6849687" y="3505479"/>
+            <a:ext cx="4845488" cy="2923587"/>
+          </a:xfrm>
+          <a:prstGeom prst="rect">
+            <a:avLst/>
+          </a:prstGeom>
+          <a:solidFill>
+            <a:schemeClr val="bg1"/>
+          </a:solidFill>
+          <a:ln>
+            <a:noFill/>
+          </a:ln>
+          <a:effectLst>
+            <a:outerShdw blurRad="139700" dist="127000" dir="5400000" algn="t" rotWithShape="0">
+              <a:prstClr val="black">
+                <a:alpha val="15000"/>
+              </a:prstClr>
+            </a:outerShdw>
+          </a:effectLst>
+        </p:spPr>
+        <p:style>
+          <a:lnRef idx="2">
+            <a:schemeClr val="accent1">
+              <a:shade val="50000"/>
+            </a:schemeClr>
+          </a:lnRef>
+          <a:fillRef idx="1">
+            <a:schemeClr val="accent1"/>
+          </a:fillRef>
+          <a:effectRef idx="0">
+            <a:schemeClr val="accent1"/>
+          </a:effectRef>
+          <a:fontRef idx="minor">
+            <a:schemeClr val="lt1"/>
+          </a:fontRef>
+        </p:style>
+        <p:txBody>
+          <a:bodyPr rtlCol="0" anchor="ctr"/>
+          <a:lstStyle/>
+          <a:p>
+            <a:pPr algn="ctr"/>
+            <a:endParaRPr lang="en-US"/>
+          </a:p>
+        </p:txBody>
+      </p:sp>
+      <p:pic>
+        <p:nvPicPr>
+          <p:cNvPr id="6" name="Picture 5">
+            <a:extLst>
+              <a:ext uri="{FF2B5EF4-FFF2-40B4-BE49-F238E27FC236}">
+                <a16:creationId xmlns:a16="http://schemas.microsoft.com/office/drawing/2014/main" id="{906FFEDA-31C6-92DB-CA4C-69796B2F08E8}"/>
+              </a:ext>
+            </a:extLst>
+          </p:cNvPr>
+          <p:cNvPicPr>
+            <a:picLocks noChangeAspect="1"/>
+          </p:cNvPicPr>
+          <p:nvPr/>
+        </p:nvPicPr>
+        <p:blipFill>
+          <a:blip r:embed="rId3"/>
+          <a:srcRect t="15186" r="-3" b="7223"/>
+          <a:stretch/>
+        </p:blipFill>
+        <p:spPr>
+          <a:xfrm>
+            <a:off x="8331820" y="3707894"/>
+            <a:ext cx="1898774" cy="2518756"/>
+          </a:xfrm>
+          <a:prstGeom prst="rect">
+            <a:avLst/>
+          </a:prstGeom>
+        </p:spPr>
+      </p:pic>
+    </p:spTree>
+    <p:extLst>
+      <p:ext uri="{BB962C8B-B14F-4D97-AF65-F5344CB8AC3E}">
+        <p14:creationId xmlns:p14="http://schemas.microsoft.com/office/powerpoint/2010/main" val="1605547985"/>
+      </p:ext>
+    </p:extLst>
+  </p:cSld>
+  <p:clrMapOvr>
+    <a:masterClrMapping/>
+  </p:clrMapOvr>
+</p:sld>
+</file>
+
 <file path=ppt/slides/slide2.xml><?xml version="1.0" encoding="utf-8"?>
 <p:sld xmlns:a="http://schemas.openxmlformats.org/drawingml/2006/main" xmlns:r="http://schemas.openxmlformats.org/officeDocument/2006/relationships" xmlns:p="http://schemas.openxmlformats.org/presentationml/2006/main">
   <p:cSld>
@@ -15351,6 +19803,57 @@
           </a:prstGeom>
         </p:spPr>
       </p:pic>
+      <p:sp>
+        <p:nvSpPr>
+          <p:cNvPr id="3" name="Rectangle 2">
+            <a:extLst>
+              <a:ext uri="{FF2B5EF4-FFF2-40B4-BE49-F238E27FC236}">
+                <a16:creationId xmlns:a16="http://schemas.microsoft.com/office/drawing/2014/main" id="{F6041F6F-AA30-65B6-3F10-FC6EAB415092}"/>
+              </a:ext>
+            </a:extLst>
+          </p:cNvPr>
+          <p:cNvSpPr>
+            <a:spLocks noGrp="1" noRot="1" noMove="1" noResize="1" noEditPoints="1" noAdjustHandles="1" noChangeArrowheads="1" noChangeShapeType="1"/>
+          </p:cNvSpPr>
+          <p:nvPr/>
+        </p:nvSpPr>
+        <p:spPr>
+          <a:xfrm>
+            <a:off x="7516368" y="664464"/>
+            <a:ext cx="2462784" cy="262128"/>
+          </a:xfrm>
+          <a:prstGeom prst="rect">
+            <a:avLst/>
+          </a:prstGeom>
+          <a:ln>
+            <a:solidFill>
+              <a:schemeClr val="bg1"/>
+            </a:solidFill>
+          </a:ln>
+        </p:spPr>
+        <p:style>
+          <a:lnRef idx="2">
+            <a:schemeClr val="accent6"/>
+          </a:lnRef>
+          <a:fillRef idx="1">
+            <a:schemeClr val="lt1"/>
+          </a:fillRef>
+          <a:effectRef idx="0">
+            <a:schemeClr val="accent6"/>
+          </a:effectRef>
+          <a:fontRef idx="minor">
+            <a:schemeClr val="dk1"/>
+          </a:fontRef>
+        </p:style>
+        <p:txBody>
+          <a:bodyPr rtlCol="0" anchor="ctr"/>
+          <a:lstStyle/>
+          <a:p>
+            <a:pPr algn="ctr"/>
+            <a:endParaRPr lang="en-US"/>
+          </a:p>
+        </p:txBody>
+      </p:sp>
     </p:spTree>
     <p:extLst>
       <p:ext uri="{BB962C8B-B14F-4D97-AF65-F5344CB8AC3E}">

--- a/presentation.pptx
+++ b/presentation.pptx
@@ -23,6 +23,11 @@
     <p:sldId id="273" r:id="rId17"/>
     <p:sldId id="274" r:id="rId18"/>
     <p:sldId id="275" r:id="rId19"/>
+    <p:sldId id="276" r:id="rId20"/>
+    <p:sldId id="277" r:id="rId21"/>
+    <p:sldId id="278" r:id="rId22"/>
+    <p:sldId id="279" r:id="rId23"/>
+    <p:sldId id="280" r:id="rId24"/>
   </p:sldIdLst>
   <p:sldSz cx="12192000" cy="6858000"/>
   <p:notesSz cx="6858000" cy="9144000"/>
@@ -12399,7 +12404,7 @@
                     <a:p>
                       <a:pPr algn="ctr"/>
                       <a:r>
-                        <a:rPr lang="en-US" sz="1900" cap="none" spc="0">
+                        <a:rPr lang="en-US" sz="1900" cap="none" spc="0" dirty="0">
                           <a:solidFill>
                             <a:schemeClr val="tx1"/>
                           </a:solidFill>
@@ -13066,7 +13071,7 @@
               <a:t>Numeric features scaled using </a:t>
             </a:r>
             <a:r>
-              <a:rPr lang="en-US" sz="2400" b="1"/>
+              <a:rPr lang="en-US" sz="2400" b="1" dirty="0"/>
               <a:t>RobustScaler</a:t>
             </a:r>
             <a:r>
@@ -13084,7 +13089,7 @@
               <a:t>Categorical features encoded using </a:t>
             </a:r>
             <a:r>
-              <a:rPr lang="en-US" sz="2400" b="1"/>
+              <a:rPr lang="en-US" sz="2400" b="1" dirty="0"/>
               <a:t>OrdinalEncoder</a:t>
             </a:r>
             <a:r>
@@ -13125,7 +13130,7 @@
               <a:t>Categorical features encoded using </a:t>
             </a:r>
             <a:r>
-              <a:rPr lang="en-US" sz="2400" b="1"/>
+              <a:rPr lang="en-US" sz="2400" b="1" dirty="0"/>
               <a:t>OrdinalEncoder</a:t>
             </a:r>
             <a:r>
@@ -14760,7 +14765,7 @@
                         <a:buChar char="•"/>
                       </a:pPr>
                       <a:r>
-                        <a:rPr lang="en-US" sz="1900" cap="none" spc="0">
+                        <a:rPr lang="en-US" sz="1900" cap="none" spc="0" dirty="0">
                           <a:solidFill>
                             <a:schemeClr val="tx1"/>
                           </a:solidFill>
@@ -15654,7 +15659,7 @@
               <a:tabLst/>
             </a:pPr>
             <a:r>
-              <a:rPr lang="en-US" altLang="en-US" sz="2800" b="1" dirty="0" err="1"/>
+              <a:rPr lang="en-US" altLang="en-US" sz="2800" b="1" dirty="0"/>
               <a:t>CatBoost</a:t>
             </a:r>
             <a:r>
@@ -16047,6 +16052,691 @@
     <p:extLst>
       <p:ext uri="{BB962C8B-B14F-4D97-AF65-F5344CB8AC3E}">
         <p14:creationId xmlns:p14="http://schemas.microsoft.com/office/powerpoint/2010/main" val="1605547985"/>
+      </p:ext>
+    </p:extLst>
+  </p:cSld>
+  <p:clrMapOvr>
+    <a:masterClrMapping/>
+  </p:clrMapOvr>
+</p:sld>
+</file>
+
+<file path=ppt/slides/slide19.xml><?xml version="1.0" encoding="utf-8"?>
+<p:sld xmlns:a="http://schemas.openxmlformats.org/drawingml/2006/main" xmlns:r="http://schemas.openxmlformats.org/officeDocument/2006/relationships" xmlns:p="http://schemas.openxmlformats.org/presentationml/2006/main">
+  <p:cSld>
+    <p:bg>
+      <p:bgPr>
+        <a:solidFill>
+          <a:schemeClr val="bg1"/>
+        </a:solidFill>
+        <a:effectLst/>
+      </p:bgPr>
+    </p:bg>
+    <p:spTree>
+      <p:nvGrpSpPr>
+        <p:cNvPr id="1" name="">
+          <a:extLst>
+            <a:ext uri="{FF2B5EF4-FFF2-40B4-BE49-F238E27FC236}">
+              <a16:creationId xmlns:a16="http://schemas.microsoft.com/office/drawing/2014/main" id="{289F1DDE-246F-6ACA-C6BE-57F1018DE97D}"/>
+            </a:ext>
+          </a:extLst>
+        </p:cNvPr>
+        <p:cNvGrpSpPr/>
+        <p:nvPr/>
+      </p:nvGrpSpPr>
+      <p:grpSpPr>
+        <a:xfrm>
+          <a:off x="0" y="0"/>
+          <a:ext cx="0" cy="0"/>
+          <a:chOff x="0" y="0"/>
+          <a:chExt cx="0" cy="0"/>
+        </a:xfrm>
+      </p:grpSpPr>
+      <p:sp useBgFill="1">
+        <p:nvSpPr>
+          <p:cNvPr id="141" name="Rectangle 140">
+            <a:extLst>
+              <a:ext uri="{FF2B5EF4-FFF2-40B4-BE49-F238E27FC236}">
+                <a16:creationId xmlns:a16="http://schemas.microsoft.com/office/drawing/2014/main" id="{DBF61EA3-B236-439E-9C0B-340980D56BEE}"/>
+              </a:ext>
+              <a:ext uri="{C183D7F6-B498-43B3-948B-1728B52AA6E4}">
+                <adec:decorative xmlns:adec="http://schemas.microsoft.com/office/drawing/2017/decorative" val="1"/>
+              </a:ext>
+            </a:extLst>
+          </p:cNvPr>
+          <p:cNvSpPr>
+            <a:spLocks noGrp="1" noRot="1" noChangeAspect="1" noMove="1" noResize="1" noEditPoints="1" noAdjustHandles="1" noChangeArrowheads="1" noChangeShapeType="1" noTextEdit="1"/>
+          </p:cNvSpPr>
+          <p:nvPr>
+            <p:extLst>
+              <p:ext uri="{386F3935-93C4-4BCD-93E2-E3B085C9AB24}">
+                <p16:designElem xmlns:p16="http://schemas.microsoft.com/office/powerpoint/2015/main" val="1"/>
+              </p:ext>
+            </p:extLst>
+          </p:nvPr>
+        </p:nvSpPr>
+        <p:spPr>
+          <a:xfrm>
+            <a:off x="0" y="0"/>
+            <a:ext cx="12191999" cy="6857365"/>
+          </a:xfrm>
+          <a:prstGeom prst="rect">
+            <a:avLst/>
+          </a:prstGeom>
+          <a:ln>
+            <a:noFill/>
+          </a:ln>
+        </p:spPr>
+        <p:style>
+          <a:lnRef idx="2">
+            <a:schemeClr val="accent1">
+              <a:shade val="50000"/>
+            </a:schemeClr>
+          </a:lnRef>
+          <a:fillRef idx="1">
+            <a:schemeClr val="accent1"/>
+          </a:fillRef>
+          <a:effectRef idx="0">
+            <a:schemeClr val="accent1"/>
+          </a:effectRef>
+          <a:fontRef idx="minor">
+            <a:schemeClr val="lt1"/>
+          </a:fontRef>
+        </p:style>
+        <p:txBody>
+          <a:bodyPr rtlCol="0" anchor="ctr"/>
+          <a:lstStyle/>
+          <a:p>
+            <a:pPr algn="ctr"/>
+            <a:endParaRPr lang="en-US"/>
+          </a:p>
+        </p:txBody>
+      </p:sp>
+      <p:sp>
+        <p:nvSpPr>
+          <p:cNvPr id="2" name="Title 1">
+            <a:extLst>
+              <a:ext uri="{FF2B5EF4-FFF2-40B4-BE49-F238E27FC236}">
+                <a16:creationId xmlns:a16="http://schemas.microsoft.com/office/drawing/2014/main" id="{B1369FCB-E7B0-F509-AFA4-0645794BF93B}"/>
+              </a:ext>
+            </a:extLst>
+          </p:cNvPr>
+          <p:cNvSpPr>
+            <a:spLocks noGrp="1"/>
+          </p:cNvSpPr>
+          <p:nvPr>
+            <p:ph type="title"/>
+          </p:nvPr>
+        </p:nvSpPr>
+        <p:spPr>
+          <a:xfrm>
+            <a:off x="808638" y="386930"/>
+            <a:ext cx="9236700" cy="1188950"/>
+          </a:xfrm>
+        </p:spPr>
+        <p:txBody>
+          <a:bodyPr anchor="b">
+            <a:normAutofit/>
+          </a:bodyPr>
+          <a:lstStyle/>
+          <a:p>
+            <a:r>
+              <a:rPr lang="en-US" sz="5000"/>
+              <a:t>Phase 2 – Hyperparameter Tuning</a:t>
+            </a:r>
+          </a:p>
+        </p:txBody>
+      </p:sp>
+      <p:grpSp>
+        <p:nvGrpSpPr>
+          <p:cNvPr id="143" name="Group 142">
+            <a:extLst>
+              <a:ext uri="{FF2B5EF4-FFF2-40B4-BE49-F238E27FC236}">
+                <a16:creationId xmlns:a16="http://schemas.microsoft.com/office/drawing/2014/main" id="{28FAF094-D087-493F-8DF9-A486C2D6BBAA}"/>
+              </a:ext>
+              <a:ext uri="{C183D7F6-B498-43B3-948B-1728B52AA6E4}">
+                <adec:decorative xmlns:adec="http://schemas.microsoft.com/office/drawing/2017/decorative" val="1"/>
+              </a:ext>
+            </a:extLst>
+          </p:cNvPr>
+          <p:cNvGrpSpPr>
+            <a:grpSpLocks noGrp="1" noUngrp="1" noRot="1" noChangeAspect="1" noMove="1" noResize="1"/>
+          </p:cNvGrpSpPr>
+          <p:nvPr>
+            <p:extLst>
+              <p:ext uri="{386F3935-93C4-4BCD-93E2-E3B085C9AB24}">
+                <p16:designElem xmlns:p16="http://schemas.microsoft.com/office/powerpoint/2015/main" val="1"/>
+              </p:ext>
+            </p:extLst>
+          </p:nvPr>
+        </p:nvGrpSpPr>
+        <p:grpSpPr>
+          <a:xfrm>
+            <a:off x="-2" y="1998368"/>
+            <a:ext cx="11695083" cy="782176"/>
+            <a:chOff x="-2" y="1998368"/>
+            <a:chExt cx="11695083" cy="782176"/>
+          </a:xfrm>
+        </p:grpSpPr>
+        <p:sp>
+          <p:nvSpPr>
+            <p:cNvPr id="144" name="Rectangle 143">
+              <a:extLst>
+                <a:ext uri="{FF2B5EF4-FFF2-40B4-BE49-F238E27FC236}">
+                  <a16:creationId xmlns:a16="http://schemas.microsoft.com/office/drawing/2014/main" id="{8D7C88D8-5509-4514-925A-9CE148E5CBD6}"/>
+                </a:ext>
+                <a:ext uri="{C183D7F6-B498-43B3-948B-1728B52AA6E4}">
+                  <adec:decorative xmlns:adec="http://schemas.microsoft.com/office/drawing/2017/decorative" val="1"/>
+                </a:ext>
+              </a:extLst>
+            </p:cNvPr>
+            <p:cNvSpPr/>
+            <p:nvPr>
+              <p:extLst>
+                <p:ext uri="{386F3935-93C4-4BCD-93E2-E3B085C9AB24}">
+                  <p16:designElem xmlns:p16="http://schemas.microsoft.com/office/powerpoint/2015/main" val="1"/>
+                </p:ext>
+              </p:extLst>
+            </p:nvPr>
+          </p:nvSpPr>
+          <p:spPr>
+            <a:xfrm rot="5400000">
+              <a:off x="11228040" y="2313027"/>
+              <a:ext cx="781700" cy="152382"/>
+            </a:xfrm>
+            <a:prstGeom prst="rect">
+              <a:avLst/>
+            </a:prstGeom>
+            <a:solidFill>
+              <a:schemeClr val="accent4"/>
+            </a:solidFill>
+            <a:ln>
+              <a:noFill/>
+            </a:ln>
+          </p:spPr>
+          <p:style>
+            <a:lnRef idx="2">
+              <a:schemeClr val="accent1">
+                <a:shade val="50000"/>
+              </a:schemeClr>
+            </a:lnRef>
+            <a:fillRef idx="1">
+              <a:schemeClr val="accent1"/>
+            </a:fillRef>
+            <a:effectRef idx="0">
+              <a:schemeClr val="accent1"/>
+            </a:effectRef>
+            <a:fontRef idx="minor">
+              <a:schemeClr val="lt1"/>
+            </a:fontRef>
+          </p:style>
+          <p:txBody>
+            <a:bodyPr rtlCol="0" anchor="ctr"/>
+            <a:lstStyle/>
+            <a:p>
+              <a:pPr algn="ctr"/>
+              <a:endParaRPr lang="en-US"/>
+            </a:p>
+          </p:txBody>
+        </p:sp>
+        <p:sp>
+          <p:nvSpPr>
+            <p:cNvPr id="145" name="Rectangle 144">
+              <a:extLst>
+                <a:ext uri="{FF2B5EF4-FFF2-40B4-BE49-F238E27FC236}">
+                  <a16:creationId xmlns:a16="http://schemas.microsoft.com/office/drawing/2014/main" id="{7275593D-F75E-4426-AE3E-2CDEFD228D25}"/>
+                </a:ext>
+                <a:ext uri="{C183D7F6-B498-43B3-948B-1728B52AA6E4}">
+                  <adec:decorative xmlns:adec="http://schemas.microsoft.com/office/drawing/2017/decorative" val="1"/>
+                </a:ext>
+              </a:extLst>
+            </p:cNvPr>
+            <p:cNvSpPr/>
+            <p:nvPr>
+              <p:extLst>
+                <p:ext uri="{386F3935-93C4-4BCD-93E2-E3B085C9AB24}">
+                  <p16:designElem xmlns:p16="http://schemas.microsoft.com/office/powerpoint/2015/main" val="1"/>
+                </p:ext>
+              </p:extLst>
+            </p:nvPr>
+          </p:nvSpPr>
+          <p:spPr>
+            <a:xfrm flipH="1" flipV="1">
+              <a:off x="-2" y="1998845"/>
+              <a:ext cx="11454595" cy="781699"/>
+            </a:xfrm>
+            <a:prstGeom prst="rect">
+              <a:avLst/>
+            </a:prstGeom>
+            <a:solidFill>
+              <a:schemeClr val="accent4"/>
+            </a:solidFill>
+            <a:ln>
+              <a:noFill/>
+            </a:ln>
+          </p:spPr>
+          <p:style>
+            <a:lnRef idx="2">
+              <a:schemeClr val="accent1">
+                <a:shade val="50000"/>
+              </a:schemeClr>
+            </a:lnRef>
+            <a:fillRef idx="1">
+              <a:schemeClr val="accent1"/>
+            </a:fillRef>
+            <a:effectRef idx="0">
+              <a:schemeClr val="accent1"/>
+            </a:effectRef>
+            <a:fontRef idx="minor">
+              <a:schemeClr val="lt1"/>
+            </a:fontRef>
+          </p:style>
+          <p:txBody>
+            <a:bodyPr rtlCol="0" anchor="ctr"/>
+            <a:lstStyle/>
+            <a:p>
+              <a:pPr algn="ctr"/>
+              <a:endParaRPr lang="en-US"/>
+            </a:p>
+          </p:txBody>
+        </p:sp>
+      </p:grpSp>
+      <p:sp>
+        <p:nvSpPr>
+          <p:cNvPr id="147" name="Rectangle 146">
+            <a:extLst>
+              <a:ext uri="{FF2B5EF4-FFF2-40B4-BE49-F238E27FC236}">
+                <a16:creationId xmlns:a16="http://schemas.microsoft.com/office/drawing/2014/main" id="{E659831F-0D9A-4C63-9EBB-8435B85A440F}"/>
+              </a:ext>
+              <a:ext uri="{C183D7F6-B498-43B3-948B-1728B52AA6E4}">
+                <adec:decorative xmlns:adec="http://schemas.microsoft.com/office/drawing/2017/decorative" val="1"/>
+              </a:ext>
+            </a:extLst>
+          </p:cNvPr>
+          <p:cNvSpPr>
+            <a:spLocks noGrp="1" noRot="1" noChangeAspect="1" noMove="1" noResize="1" noEditPoints="1" noAdjustHandles="1" noChangeArrowheads="1" noChangeShapeType="1" noTextEdit="1"/>
+          </p:cNvSpPr>
+          <p:nvPr>
+            <p:extLst>
+              <p:ext uri="{386F3935-93C4-4BCD-93E2-E3B085C9AB24}">
+                <p16:designElem xmlns:p16="http://schemas.microsoft.com/office/powerpoint/2015/main" val="1"/>
+              </p:ext>
+            </p:extLst>
+          </p:nvPr>
+        </p:nvSpPr>
+        <p:spPr>
+          <a:xfrm>
+            <a:off x="0" y="2203079"/>
+            <a:ext cx="11383362" cy="4147845"/>
+          </a:xfrm>
+          <a:prstGeom prst="rect">
+            <a:avLst/>
+          </a:prstGeom>
+          <a:solidFill>
+            <a:schemeClr val="bg1"/>
+          </a:solidFill>
+          <a:ln>
+            <a:noFill/>
+          </a:ln>
+          <a:effectLst>
+            <a:outerShdw blurRad="139700" dist="127000" dir="5400000" algn="t" rotWithShape="0">
+              <a:prstClr val="black">
+                <a:alpha val="15000"/>
+              </a:prstClr>
+            </a:outerShdw>
+          </a:effectLst>
+        </p:spPr>
+        <p:style>
+          <a:lnRef idx="2">
+            <a:schemeClr val="accent1">
+              <a:shade val="50000"/>
+            </a:schemeClr>
+          </a:lnRef>
+          <a:fillRef idx="1">
+            <a:schemeClr val="accent1"/>
+          </a:fillRef>
+          <a:effectRef idx="0">
+            <a:schemeClr val="accent1"/>
+          </a:effectRef>
+          <a:fontRef idx="minor">
+            <a:schemeClr val="lt1"/>
+          </a:fontRef>
+        </p:style>
+        <p:txBody>
+          <a:bodyPr rtlCol="0" anchor="ctr"/>
+          <a:lstStyle/>
+          <a:p>
+            <a:pPr algn="ctr"/>
+            <a:endParaRPr lang="en-US"/>
+          </a:p>
+        </p:txBody>
+      </p:sp>
+      <p:sp>
+        <p:nvSpPr>
+          <p:cNvPr id="5" name="Rectangle 2">
+            <a:extLst>
+              <a:ext uri="{FF2B5EF4-FFF2-40B4-BE49-F238E27FC236}">
+                <a16:creationId xmlns:a16="http://schemas.microsoft.com/office/drawing/2014/main" id="{8820683A-74FC-A218-FC27-880DB6864771}"/>
+              </a:ext>
+            </a:extLst>
+          </p:cNvPr>
+          <p:cNvSpPr>
+            <a:spLocks noGrp="1" noChangeArrowheads="1"/>
+          </p:cNvSpPr>
+          <p:nvPr>
+            <p:ph idx="1"/>
+          </p:nvPr>
+        </p:nvSpPr>
+        <p:spPr bwMode="auto">
+          <a:xfrm>
+            <a:off x="793660" y="2599509"/>
+            <a:ext cx="10143668" cy="3435531"/>
+          </a:xfrm>
+          <a:prstGeom prst="rect">
+            <a:avLst/>
+          </a:prstGeom>
+          <a:extLst>
+            <a:ext uri="{909E8E84-426E-40DD-AFC4-6F175D3DCCD1}">
+              <a14:hiddenFill xmlns:a14="http://schemas.microsoft.com/office/drawing/2010/main">
+                <a:solidFill>
+                  <a:schemeClr val="accent1"/>
+                </a:solidFill>
+              </a14:hiddenFill>
+            </a:ext>
+            <a:ext uri="{91240B29-F687-4F45-9708-019B960494DF}">
+              <a14:hiddenLine xmlns:a14="http://schemas.microsoft.com/office/drawing/2010/main" w="9525">
+                <a:solidFill>
+                  <a:schemeClr val="tx1"/>
+                </a:solidFill>
+                <a:miter lim="800000"/>
+                <a:headEnd/>
+                <a:tailEnd/>
+              </a14:hiddenLine>
+            </a:ext>
+            <a:ext uri="{AF507438-7753-43E0-B8FC-AC1667EBCBE1}">
+              <a14:hiddenEffects xmlns:a14="http://schemas.microsoft.com/office/drawing/2010/main">
+                <a:effectLst>
+                  <a:outerShdw dist="35921" dir="2700000" algn="ctr" rotWithShape="0">
+                    <a:schemeClr val="bg2"/>
+                  </a:outerShdw>
+                </a:effectLst>
+              </a14:hiddenEffects>
+            </a:ext>
+          </a:extLst>
+        </p:spPr>
+        <p:txBody>
+          <a:bodyPr vert="horz" lIns="91440" tIns="45720" rIns="91440" bIns="45720" numCol="1" anchor="ctr" anchorCtr="0" compatLnSpc="1">
+            <a:prstTxWarp prst="textNoShape">
+              <a:avLst/>
+            </a:prstTxWarp>
+            <a:normAutofit/>
+          </a:bodyPr>
+          <a:lstStyle/>
+          <a:p>
+            <a:pPr marL="0" marR="0" lvl="0" indent="0" defTabSz="914400" rtl="0" eaLnBrk="0" fontAlgn="base" latinLnBrk="0" hangingPunct="0">
+              <a:spcBef>
+                <a:spcPct val="0"/>
+              </a:spcBef>
+              <a:spcAft>
+                <a:spcPts val="600"/>
+              </a:spcAft>
+              <a:buClrTx/>
+              <a:buSzTx/>
+              <a:buFontTx/>
+              <a:buChar char="•"/>
+              <a:tabLst/>
+            </a:pPr>
+            <a:r>
+              <a:rPr kumimoji="0" lang="en-US" altLang="en-US" sz="2200" b="1" i="0" u="none" strike="noStrike" cap="none" normalizeH="0" baseline="0" dirty="0">
+                <a:ln>
+                  <a:noFill/>
+                </a:ln>
+                <a:effectLst/>
+                <a:latin typeface="Arial" panose="020B0604020202020204" pitchFamily="34" charset="0"/>
+              </a:rPr>
+              <a:t> Feature Grouping</a:t>
+            </a:r>
+            <a:r>
+              <a:rPr kumimoji="0" lang="en-US" altLang="en-US" sz="2200" b="0" i="0" u="none" strike="noStrike" cap="none" normalizeH="0" baseline="0" dirty="0">
+                <a:ln>
+                  <a:noFill/>
+                </a:ln>
+                <a:effectLst/>
+                <a:latin typeface="Arial" panose="020B0604020202020204" pitchFamily="34" charset="0"/>
+              </a:rPr>
+              <a:t>: Numerical and categorical features</a:t>
+            </a:r>
+          </a:p>
+          <a:p>
+            <a:pPr marL="0" marR="0" lvl="0" indent="0" defTabSz="914400" rtl="0" eaLnBrk="0" fontAlgn="base" latinLnBrk="0" hangingPunct="0">
+              <a:spcBef>
+                <a:spcPct val="0"/>
+              </a:spcBef>
+              <a:spcAft>
+                <a:spcPts val="600"/>
+              </a:spcAft>
+              <a:buClrTx/>
+              <a:buSzTx/>
+              <a:buNone/>
+              <a:tabLst/>
+            </a:pPr>
+            <a:endParaRPr kumimoji="0" lang="en-US" altLang="en-US" sz="2200" b="0" i="0" u="none" strike="noStrike" cap="none" normalizeH="0" baseline="0" dirty="0">
+              <a:ln>
+                <a:noFill/>
+              </a:ln>
+              <a:effectLst/>
+              <a:latin typeface="Arial" panose="020B0604020202020204" pitchFamily="34" charset="0"/>
+            </a:endParaRPr>
+          </a:p>
+          <a:p>
+            <a:pPr marL="0" marR="0" lvl="0" indent="0" defTabSz="914400" rtl="0" eaLnBrk="0" fontAlgn="base" latinLnBrk="0" hangingPunct="0">
+              <a:spcBef>
+                <a:spcPct val="0"/>
+              </a:spcBef>
+              <a:spcAft>
+                <a:spcPts val="600"/>
+              </a:spcAft>
+              <a:buClrTx/>
+              <a:buSzTx/>
+              <a:buFontTx/>
+              <a:buChar char="•"/>
+              <a:tabLst/>
+            </a:pPr>
+            <a:r>
+              <a:rPr kumimoji="0" lang="en-US" altLang="en-US" sz="2200" b="1" i="0" u="none" strike="noStrike" cap="none" normalizeH="0" baseline="0" dirty="0">
+                <a:ln>
+                  <a:noFill/>
+                </a:ln>
+                <a:effectLst/>
+                <a:latin typeface="Arial" panose="020B0604020202020204" pitchFamily="34" charset="0"/>
+              </a:rPr>
+              <a:t> Preprocessing Pipelines</a:t>
+            </a:r>
+            <a:r>
+              <a:rPr kumimoji="0" lang="en-US" altLang="en-US" sz="2200" b="0" i="0" u="none" strike="noStrike" cap="none" normalizeH="0" baseline="0" dirty="0">
+                <a:ln>
+                  <a:noFill/>
+                </a:ln>
+                <a:effectLst/>
+                <a:latin typeface="Arial" panose="020B0604020202020204" pitchFamily="34" charset="0"/>
+              </a:rPr>
+              <a:t>: V1 (RobustScaler), V2 (PowerTransformer)</a:t>
+            </a:r>
+          </a:p>
+          <a:p>
+            <a:pPr marL="0" marR="0" lvl="0" indent="0" defTabSz="914400" rtl="0" eaLnBrk="0" fontAlgn="base" latinLnBrk="0" hangingPunct="0">
+              <a:spcBef>
+                <a:spcPct val="0"/>
+              </a:spcBef>
+              <a:spcAft>
+                <a:spcPts val="600"/>
+              </a:spcAft>
+              <a:buClrTx/>
+              <a:buSzTx/>
+              <a:buNone/>
+              <a:tabLst/>
+            </a:pPr>
+            <a:endParaRPr kumimoji="0" lang="en-US" altLang="en-US" sz="2200" b="0" i="0" u="none" strike="noStrike" cap="none" normalizeH="0" baseline="0" dirty="0">
+              <a:ln>
+                <a:noFill/>
+              </a:ln>
+              <a:effectLst/>
+              <a:latin typeface="Arial" panose="020B0604020202020204" pitchFamily="34" charset="0"/>
+            </a:endParaRPr>
+          </a:p>
+          <a:p>
+            <a:pPr marL="0" marR="0" lvl="0" indent="0" defTabSz="914400" rtl="0" eaLnBrk="0" fontAlgn="base" latinLnBrk="0" hangingPunct="0">
+              <a:spcBef>
+                <a:spcPct val="0"/>
+              </a:spcBef>
+              <a:spcAft>
+                <a:spcPts val="600"/>
+              </a:spcAft>
+              <a:buClrTx/>
+              <a:buSzTx/>
+              <a:buFontTx/>
+              <a:buChar char="•"/>
+              <a:tabLst/>
+            </a:pPr>
+            <a:r>
+              <a:rPr kumimoji="0" lang="en-US" altLang="en-US" sz="2200" b="1" i="0" u="none" strike="noStrike" cap="none" normalizeH="0" baseline="0" dirty="0">
+                <a:ln>
+                  <a:noFill/>
+                </a:ln>
+                <a:effectLst/>
+                <a:latin typeface="Arial" panose="020B0604020202020204" pitchFamily="34" charset="0"/>
+              </a:rPr>
+              <a:t> Classifiers</a:t>
+            </a:r>
+            <a:r>
+              <a:rPr kumimoji="0" lang="en-US" altLang="en-US" sz="2200" b="0" i="0" u="none" strike="noStrike" cap="none" normalizeH="0" baseline="0" dirty="0">
+                <a:ln>
+                  <a:noFill/>
+                </a:ln>
+                <a:effectLst/>
+                <a:latin typeface="Arial" panose="020B0604020202020204" pitchFamily="34" charset="0"/>
+              </a:rPr>
+              <a:t>: AdaBoost, CatBoost</a:t>
+            </a:r>
+          </a:p>
+          <a:p>
+            <a:pPr marL="0" marR="0" lvl="0" indent="0" defTabSz="914400" rtl="0" eaLnBrk="0" fontAlgn="base" latinLnBrk="0" hangingPunct="0">
+              <a:spcBef>
+                <a:spcPct val="0"/>
+              </a:spcBef>
+              <a:spcAft>
+                <a:spcPts val="600"/>
+              </a:spcAft>
+              <a:buClrTx/>
+              <a:buSzTx/>
+              <a:buNone/>
+              <a:tabLst/>
+            </a:pPr>
+            <a:endParaRPr kumimoji="0" lang="en-US" altLang="en-US" sz="2200" b="0" i="0" u="none" strike="noStrike" cap="none" normalizeH="0" baseline="0" dirty="0">
+              <a:ln>
+                <a:noFill/>
+              </a:ln>
+              <a:effectLst/>
+              <a:latin typeface="Arial" panose="020B0604020202020204" pitchFamily="34" charset="0"/>
+            </a:endParaRPr>
+          </a:p>
+          <a:p>
+            <a:pPr marL="0" marR="0" lvl="0" indent="0" defTabSz="914400" rtl="0" eaLnBrk="0" fontAlgn="base" latinLnBrk="0" hangingPunct="0">
+              <a:spcBef>
+                <a:spcPct val="0"/>
+              </a:spcBef>
+              <a:spcAft>
+                <a:spcPts val="600"/>
+              </a:spcAft>
+              <a:buClrTx/>
+              <a:buSzTx/>
+              <a:buFontTx/>
+              <a:buChar char="•"/>
+              <a:tabLst/>
+            </a:pPr>
+            <a:r>
+              <a:rPr kumimoji="0" lang="en-US" altLang="en-US" sz="2200" b="1" i="0" u="none" strike="noStrike" cap="none" normalizeH="0" baseline="0" dirty="0">
+                <a:ln>
+                  <a:noFill/>
+                </a:ln>
+                <a:effectLst/>
+                <a:latin typeface="Arial" panose="020B0604020202020204" pitchFamily="34" charset="0"/>
+              </a:rPr>
+              <a:t> Hyperparameter Tuning</a:t>
+            </a:r>
+            <a:r>
+              <a:rPr kumimoji="0" lang="en-US" altLang="en-US" sz="2200" b="0" i="0" u="none" strike="noStrike" cap="none" normalizeH="0" baseline="0" dirty="0">
+                <a:ln>
+                  <a:noFill/>
+                </a:ln>
+                <a:effectLst/>
+                <a:latin typeface="Arial" panose="020B0604020202020204" pitchFamily="34" charset="0"/>
+              </a:rPr>
+              <a:t>: GridSearchCV</a:t>
+            </a:r>
+          </a:p>
+          <a:p>
+            <a:pPr marL="0" marR="0" lvl="0" indent="0" defTabSz="914400" rtl="0" eaLnBrk="0" fontAlgn="base" latinLnBrk="0" hangingPunct="0">
+              <a:spcBef>
+                <a:spcPct val="0"/>
+              </a:spcBef>
+              <a:spcAft>
+                <a:spcPts val="600"/>
+              </a:spcAft>
+              <a:buClrTx/>
+              <a:buSzTx/>
+              <a:buNone/>
+              <a:tabLst/>
+            </a:pPr>
+            <a:endParaRPr kumimoji="0" lang="en-US" altLang="en-US" sz="2200" b="0" i="0" u="none" strike="noStrike" cap="none" normalizeH="0" baseline="0" dirty="0">
+              <a:ln>
+                <a:noFill/>
+              </a:ln>
+              <a:effectLst/>
+              <a:latin typeface="Arial" panose="020B0604020202020204" pitchFamily="34" charset="0"/>
+            </a:endParaRPr>
+          </a:p>
+          <a:p>
+            <a:pPr marL="0" marR="0" lvl="0" indent="0" defTabSz="914400" rtl="0" eaLnBrk="0" fontAlgn="base" latinLnBrk="0" hangingPunct="0">
+              <a:spcBef>
+                <a:spcPct val="0"/>
+              </a:spcBef>
+              <a:spcAft>
+                <a:spcPts val="600"/>
+              </a:spcAft>
+              <a:buClrTx/>
+              <a:buSzTx/>
+              <a:buFontTx/>
+              <a:buChar char="•"/>
+              <a:tabLst/>
+            </a:pPr>
+            <a:r>
+              <a:rPr kumimoji="0" lang="en-US" altLang="en-US" sz="2200" b="1" i="0" u="none" strike="noStrike" cap="none" normalizeH="0" baseline="0" dirty="0">
+                <a:ln>
+                  <a:noFill/>
+                </a:ln>
+                <a:effectLst/>
+                <a:latin typeface="Arial" panose="020B0604020202020204" pitchFamily="34" charset="0"/>
+              </a:rPr>
+              <a:t> Evaluation</a:t>
+            </a:r>
+            <a:r>
+              <a:rPr kumimoji="0" lang="en-US" altLang="en-US" sz="2200" b="0" i="0" u="none" strike="noStrike" cap="none" normalizeH="0" baseline="0" dirty="0">
+                <a:ln>
+                  <a:noFill/>
+                </a:ln>
+                <a:effectLst/>
+                <a:latin typeface="Arial" panose="020B0604020202020204" pitchFamily="34" charset="0"/>
+              </a:rPr>
+              <a:t>: Weighted F1 score, 5-fold cross-validation</a:t>
+            </a:r>
+          </a:p>
+        </p:txBody>
+      </p:sp>
+    </p:spTree>
+    <p:extLst>
+      <p:ext uri="{BB962C8B-B14F-4D97-AF65-F5344CB8AC3E}">
+        <p14:creationId xmlns:p14="http://schemas.microsoft.com/office/powerpoint/2010/main" val="217208614"/>
       </p:ext>
     </p:extLst>
   </p:cSld>
@@ -16655,6 +17345,3236 @@
     <p:extLst>
       <p:ext uri="{BB962C8B-B14F-4D97-AF65-F5344CB8AC3E}">
         <p14:creationId xmlns:p14="http://schemas.microsoft.com/office/powerpoint/2010/main" val="2453010902"/>
+      </p:ext>
+    </p:extLst>
+  </p:cSld>
+  <p:clrMapOvr>
+    <a:masterClrMapping/>
+  </p:clrMapOvr>
+</p:sld>
+</file>
+
+<file path=ppt/slides/slide20.xml><?xml version="1.0" encoding="utf-8"?>
+<p:sld xmlns:a="http://schemas.openxmlformats.org/drawingml/2006/main" xmlns:r="http://schemas.openxmlformats.org/officeDocument/2006/relationships" xmlns:p="http://schemas.openxmlformats.org/presentationml/2006/main">
+  <p:cSld>
+    <p:bg>
+      <p:bgPr>
+        <a:solidFill>
+          <a:schemeClr val="bg1"/>
+        </a:solidFill>
+        <a:effectLst/>
+      </p:bgPr>
+    </p:bg>
+    <p:spTree>
+      <p:nvGrpSpPr>
+        <p:cNvPr id="1" name="">
+          <a:extLst>
+            <a:ext uri="{FF2B5EF4-FFF2-40B4-BE49-F238E27FC236}">
+              <a16:creationId xmlns:a16="http://schemas.microsoft.com/office/drawing/2014/main" id="{5A5A45C0-011A-B895-932B-4DD921292358}"/>
+            </a:ext>
+          </a:extLst>
+        </p:cNvPr>
+        <p:cNvGrpSpPr/>
+        <p:nvPr/>
+      </p:nvGrpSpPr>
+      <p:grpSpPr>
+        <a:xfrm>
+          <a:off x="0" y="0"/>
+          <a:ext cx="0" cy="0"/>
+          <a:chOff x="0" y="0"/>
+          <a:chExt cx="0" cy="0"/>
+        </a:xfrm>
+      </p:grpSpPr>
+      <p:sp useBgFill="1">
+        <p:nvSpPr>
+          <p:cNvPr id="169" name="Rectangle 168">
+            <a:extLst>
+              <a:ext uri="{FF2B5EF4-FFF2-40B4-BE49-F238E27FC236}">
+                <a16:creationId xmlns:a16="http://schemas.microsoft.com/office/drawing/2014/main" id="{B6CDA21F-E7AF-4C75-8395-33F58D5B0E45}"/>
+              </a:ext>
+              <a:ext uri="{C183D7F6-B498-43B3-948B-1728B52AA6E4}">
+                <adec:decorative xmlns:adec="http://schemas.microsoft.com/office/drawing/2017/decorative" val="1"/>
+              </a:ext>
+            </a:extLst>
+          </p:cNvPr>
+          <p:cNvSpPr>
+            <a:spLocks noGrp="1" noRot="1" noChangeAspect="1" noMove="1" noResize="1" noEditPoints="1" noAdjustHandles="1" noChangeArrowheads="1" noChangeShapeType="1" noTextEdit="1"/>
+          </p:cNvSpPr>
+          <p:nvPr>
+            <p:extLst>
+              <p:ext uri="{386F3935-93C4-4BCD-93E2-E3B085C9AB24}">
+                <p16:designElem xmlns:p16="http://schemas.microsoft.com/office/powerpoint/2015/main" val="1"/>
+              </p:ext>
+            </p:extLst>
+          </p:nvPr>
+        </p:nvSpPr>
+        <p:spPr>
+          <a:xfrm>
+            <a:off x="0" y="0"/>
+            <a:ext cx="12191999" cy="6857365"/>
+          </a:xfrm>
+          <a:prstGeom prst="rect">
+            <a:avLst/>
+          </a:prstGeom>
+          <a:ln>
+            <a:noFill/>
+          </a:ln>
+        </p:spPr>
+        <p:style>
+          <a:lnRef idx="2">
+            <a:schemeClr val="accent1">
+              <a:shade val="50000"/>
+            </a:schemeClr>
+          </a:lnRef>
+          <a:fillRef idx="1">
+            <a:schemeClr val="accent1"/>
+          </a:fillRef>
+          <a:effectRef idx="0">
+            <a:schemeClr val="accent1"/>
+          </a:effectRef>
+          <a:fontRef idx="minor">
+            <a:schemeClr val="lt1"/>
+          </a:fontRef>
+        </p:style>
+        <p:txBody>
+          <a:bodyPr rtlCol="0" anchor="ctr"/>
+          <a:lstStyle/>
+          <a:p>
+            <a:pPr algn="ctr"/>
+            <a:endParaRPr lang="en-US"/>
+          </a:p>
+        </p:txBody>
+      </p:sp>
+      <p:grpSp>
+        <p:nvGrpSpPr>
+          <p:cNvPr id="171" name="Group 170">
+            <a:extLst>
+              <a:ext uri="{FF2B5EF4-FFF2-40B4-BE49-F238E27FC236}">
+                <a16:creationId xmlns:a16="http://schemas.microsoft.com/office/drawing/2014/main" id="{AE1C45F0-260A-458C-96ED-C1F6D2151219}"/>
+              </a:ext>
+              <a:ext uri="{C183D7F6-B498-43B3-948B-1728B52AA6E4}">
+                <adec:decorative xmlns:adec="http://schemas.microsoft.com/office/drawing/2017/decorative" val="1"/>
+              </a:ext>
+            </a:extLst>
+          </p:cNvPr>
+          <p:cNvGrpSpPr>
+            <a:grpSpLocks noGrp="1" noUngrp="1" noRot="1" noChangeAspect="1" noMove="1" noResize="1"/>
+          </p:cNvGrpSpPr>
+          <p:nvPr>
+            <p:extLst>
+              <p:ext uri="{386F3935-93C4-4BCD-93E2-E3B085C9AB24}">
+                <p16:designElem xmlns:p16="http://schemas.microsoft.com/office/powerpoint/2015/main" val="1"/>
+              </p:ext>
+            </p:extLst>
+          </p:nvPr>
+        </p:nvGrpSpPr>
+        <p:grpSpPr>
+          <a:xfrm>
+            <a:off x="4" y="1216597"/>
+            <a:ext cx="731521" cy="673460"/>
+            <a:chOff x="3940602" y="308034"/>
+            <a:chExt cx="2116791" cy="3428999"/>
+          </a:xfrm>
+          <a:solidFill>
+            <a:schemeClr val="accent4"/>
+          </a:solidFill>
+        </p:grpSpPr>
+        <p:sp>
+          <p:nvSpPr>
+            <p:cNvPr id="172" name="Rectangle 171">
+              <a:extLst>
+                <a:ext uri="{FF2B5EF4-FFF2-40B4-BE49-F238E27FC236}">
+                  <a16:creationId xmlns:a16="http://schemas.microsoft.com/office/drawing/2014/main" id="{A6604B49-AD5C-4590-B051-06C8222ECD99}"/>
+                </a:ext>
+                <a:ext uri="{C183D7F6-B498-43B3-948B-1728B52AA6E4}">
+                  <adec:decorative xmlns:adec="http://schemas.microsoft.com/office/drawing/2017/decorative" val="1"/>
+                </a:ext>
+              </a:extLst>
+            </p:cNvPr>
+            <p:cNvSpPr/>
+            <p:nvPr>
+              <p:extLst>
+                <p:ext uri="{386F3935-93C4-4BCD-93E2-E3B085C9AB24}">
+                  <p16:designElem xmlns:p16="http://schemas.microsoft.com/office/powerpoint/2015/main" val="1"/>
+                </p:ext>
+              </p:extLst>
+            </p:nvPr>
+          </p:nvSpPr>
+          <p:spPr>
+            <a:xfrm>
+              <a:off x="3940602" y="308034"/>
+              <a:ext cx="566743" cy="3428999"/>
+            </a:xfrm>
+            <a:prstGeom prst="rect">
+              <a:avLst/>
+            </a:prstGeom>
+            <a:grpFill/>
+            <a:ln>
+              <a:noFill/>
+            </a:ln>
+          </p:spPr>
+          <p:style>
+            <a:lnRef idx="2">
+              <a:schemeClr val="accent1">
+                <a:shade val="50000"/>
+              </a:schemeClr>
+            </a:lnRef>
+            <a:fillRef idx="1">
+              <a:schemeClr val="accent1"/>
+            </a:fillRef>
+            <a:effectRef idx="0">
+              <a:schemeClr val="accent1"/>
+            </a:effectRef>
+            <a:fontRef idx="minor">
+              <a:schemeClr val="lt1"/>
+            </a:fontRef>
+          </p:style>
+          <p:txBody>
+            <a:bodyPr rtlCol="0" anchor="ctr"/>
+            <a:lstStyle/>
+            <a:p>
+              <a:pPr algn="ctr"/>
+              <a:endParaRPr lang="en-US"/>
+            </a:p>
+          </p:txBody>
+        </p:sp>
+        <p:sp>
+          <p:nvSpPr>
+            <p:cNvPr id="173" name="Rectangle 172">
+              <a:extLst>
+                <a:ext uri="{FF2B5EF4-FFF2-40B4-BE49-F238E27FC236}">
+                  <a16:creationId xmlns:a16="http://schemas.microsoft.com/office/drawing/2014/main" id="{743ECCAF-29C5-4537-947C-7EA1292463DB}"/>
+                </a:ext>
+                <a:ext uri="{C183D7F6-B498-43B3-948B-1728B52AA6E4}">
+                  <adec:decorative xmlns:adec="http://schemas.microsoft.com/office/drawing/2017/decorative" val="1"/>
+                </a:ext>
+              </a:extLst>
+            </p:cNvPr>
+            <p:cNvSpPr/>
+            <p:nvPr>
+              <p:extLst>
+                <p:ext uri="{386F3935-93C4-4BCD-93E2-E3B085C9AB24}">
+                  <p16:designElem xmlns:p16="http://schemas.microsoft.com/office/powerpoint/2015/main" val="1"/>
+                </p:ext>
+              </p:extLst>
+            </p:nvPr>
+          </p:nvSpPr>
+          <p:spPr>
+            <a:xfrm>
+              <a:off x="4715626" y="308034"/>
+              <a:ext cx="566743" cy="3428999"/>
+            </a:xfrm>
+            <a:prstGeom prst="rect">
+              <a:avLst/>
+            </a:prstGeom>
+            <a:grpFill/>
+            <a:ln>
+              <a:noFill/>
+            </a:ln>
+          </p:spPr>
+          <p:style>
+            <a:lnRef idx="2">
+              <a:schemeClr val="accent1">
+                <a:shade val="50000"/>
+              </a:schemeClr>
+            </a:lnRef>
+            <a:fillRef idx="1">
+              <a:schemeClr val="accent1"/>
+            </a:fillRef>
+            <a:effectRef idx="0">
+              <a:schemeClr val="accent1"/>
+            </a:effectRef>
+            <a:fontRef idx="minor">
+              <a:schemeClr val="lt1"/>
+            </a:fontRef>
+          </p:style>
+          <p:txBody>
+            <a:bodyPr rtlCol="0" anchor="ctr"/>
+            <a:lstStyle/>
+            <a:p>
+              <a:pPr algn="ctr"/>
+              <a:endParaRPr lang="en-US"/>
+            </a:p>
+          </p:txBody>
+        </p:sp>
+        <p:sp>
+          <p:nvSpPr>
+            <p:cNvPr id="166" name="Rectangle 165">
+              <a:extLst>
+                <a:ext uri="{FF2B5EF4-FFF2-40B4-BE49-F238E27FC236}">
+                  <a16:creationId xmlns:a16="http://schemas.microsoft.com/office/drawing/2014/main" id="{ED49787B-8DE6-4467-AD0A-8DECC6E0C2D6}"/>
+                </a:ext>
+                <a:ext uri="{C183D7F6-B498-43B3-948B-1728B52AA6E4}">
+                  <adec:decorative xmlns:adec="http://schemas.microsoft.com/office/drawing/2017/decorative" val="1"/>
+                </a:ext>
+              </a:extLst>
+            </p:cNvPr>
+            <p:cNvSpPr/>
+            <p:nvPr>
+              <p:extLst>
+                <p:ext uri="{386F3935-93C4-4BCD-93E2-E3B085C9AB24}">
+                  <p16:designElem xmlns:p16="http://schemas.microsoft.com/office/powerpoint/2015/main" val="1"/>
+                </p:ext>
+              </p:extLst>
+            </p:nvPr>
+          </p:nvSpPr>
+          <p:spPr>
+            <a:xfrm>
+              <a:off x="5490650" y="308034"/>
+              <a:ext cx="566743" cy="3428999"/>
+            </a:xfrm>
+            <a:prstGeom prst="rect">
+              <a:avLst/>
+            </a:prstGeom>
+            <a:grpFill/>
+            <a:ln>
+              <a:noFill/>
+            </a:ln>
+          </p:spPr>
+          <p:style>
+            <a:lnRef idx="2">
+              <a:schemeClr val="accent1">
+                <a:shade val="50000"/>
+              </a:schemeClr>
+            </a:lnRef>
+            <a:fillRef idx="1">
+              <a:schemeClr val="accent1"/>
+            </a:fillRef>
+            <a:effectRef idx="0">
+              <a:schemeClr val="accent1"/>
+            </a:effectRef>
+            <a:fontRef idx="minor">
+              <a:schemeClr val="lt1"/>
+            </a:fontRef>
+          </p:style>
+          <p:txBody>
+            <a:bodyPr rtlCol="0" anchor="ctr"/>
+            <a:lstStyle/>
+            <a:p>
+              <a:pPr algn="ctr"/>
+              <a:endParaRPr lang="en-US"/>
+            </a:p>
+          </p:txBody>
+        </p:sp>
+      </p:grpSp>
+      <p:sp>
+        <p:nvSpPr>
+          <p:cNvPr id="168" name="Rectangle 167">
+            <a:extLst>
+              <a:ext uri="{FF2B5EF4-FFF2-40B4-BE49-F238E27FC236}">
+                <a16:creationId xmlns:a16="http://schemas.microsoft.com/office/drawing/2014/main" id="{D5B0017B-2ECA-49AF-B397-DC140825DF8D}"/>
+              </a:ext>
+              <a:ext uri="{C183D7F6-B498-43B3-948B-1728B52AA6E4}">
+                <adec:decorative xmlns:adec="http://schemas.microsoft.com/office/drawing/2017/decorative" val="1"/>
+              </a:ext>
+            </a:extLst>
+          </p:cNvPr>
+          <p:cNvSpPr>
+            <a:spLocks noGrp="1" noRot="1" noChangeAspect="1" noMove="1" noResize="1" noEditPoints="1" noAdjustHandles="1" noChangeArrowheads="1" noChangeShapeType="1" noTextEdit="1"/>
+          </p:cNvSpPr>
+          <p:nvPr>
+            <p:extLst>
+              <p:ext uri="{386F3935-93C4-4BCD-93E2-E3B085C9AB24}">
+                <p16:designElem xmlns:p16="http://schemas.microsoft.com/office/powerpoint/2015/main" val="1"/>
+              </p:ext>
+            </p:extLst>
+          </p:nvPr>
+        </p:nvSpPr>
+        <p:spPr>
+          <a:xfrm>
+            <a:off x="640079" y="613954"/>
+            <a:ext cx="10907487" cy="1894116"/>
+          </a:xfrm>
+          <a:prstGeom prst="rect">
+            <a:avLst/>
+          </a:prstGeom>
+          <a:solidFill>
+            <a:schemeClr val="bg1"/>
+          </a:solidFill>
+          <a:ln>
+            <a:noFill/>
+          </a:ln>
+          <a:effectLst>
+            <a:outerShdw blurRad="139700" dist="127000" dir="5400000" algn="t" rotWithShape="0">
+              <a:prstClr val="black">
+                <a:alpha val="15000"/>
+              </a:prstClr>
+            </a:outerShdw>
+          </a:effectLst>
+        </p:spPr>
+        <p:style>
+          <a:lnRef idx="2">
+            <a:schemeClr val="accent1">
+              <a:shade val="50000"/>
+            </a:schemeClr>
+          </a:lnRef>
+          <a:fillRef idx="1">
+            <a:schemeClr val="accent1"/>
+          </a:fillRef>
+          <a:effectRef idx="0">
+            <a:schemeClr val="accent1"/>
+          </a:effectRef>
+          <a:fontRef idx="minor">
+            <a:schemeClr val="lt1"/>
+          </a:fontRef>
+        </p:style>
+        <p:txBody>
+          <a:bodyPr rtlCol="0" anchor="ctr"/>
+          <a:lstStyle/>
+          <a:p>
+            <a:pPr algn="ctr"/>
+            <a:endParaRPr lang="en-US"/>
+          </a:p>
+        </p:txBody>
+      </p:sp>
+      <p:sp>
+        <p:nvSpPr>
+          <p:cNvPr id="2" name="Title 1">
+            <a:extLst>
+              <a:ext uri="{FF2B5EF4-FFF2-40B4-BE49-F238E27FC236}">
+                <a16:creationId xmlns:a16="http://schemas.microsoft.com/office/drawing/2014/main" id="{90D8A976-1EA7-0DA1-C388-813D6473EDB8}"/>
+              </a:ext>
+            </a:extLst>
+          </p:cNvPr>
+          <p:cNvSpPr>
+            <a:spLocks noGrp="1"/>
+          </p:cNvSpPr>
+          <p:nvPr>
+            <p:ph type="title"/>
+          </p:nvPr>
+        </p:nvSpPr>
+        <p:spPr>
+          <a:xfrm>
+            <a:off x="1043631" y="809898"/>
+            <a:ext cx="9942716" cy="1554480"/>
+          </a:xfrm>
+        </p:spPr>
+        <p:txBody>
+          <a:bodyPr anchor="ctr">
+            <a:normAutofit/>
+          </a:bodyPr>
+          <a:lstStyle/>
+          <a:p>
+            <a:r>
+              <a:rPr lang="en-US" sz="4800"/>
+              <a:t>Feature Grouping &amp; Preprocessing Pipelines</a:t>
+            </a:r>
+          </a:p>
+        </p:txBody>
+      </p:sp>
+      <p:sp>
+        <p:nvSpPr>
+          <p:cNvPr id="5" name="Rectangle 2">
+            <a:extLst>
+              <a:ext uri="{FF2B5EF4-FFF2-40B4-BE49-F238E27FC236}">
+                <a16:creationId xmlns:a16="http://schemas.microsoft.com/office/drawing/2014/main" id="{97781653-5481-5AC3-EB8A-158D383669DD}"/>
+              </a:ext>
+            </a:extLst>
+          </p:cNvPr>
+          <p:cNvSpPr>
+            <a:spLocks noGrp="1" noChangeArrowheads="1"/>
+          </p:cNvSpPr>
+          <p:nvPr>
+            <p:ph idx="1"/>
+          </p:nvPr>
+        </p:nvSpPr>
+        <p:spPr bwMode="auto">
+          <a:xfrm>
+            <a:off x="1045028" y="3017522"/>
+            <a:ext cx="9941319" cy="3124658"/>
+          </a:xfrm>
+          <a:prstGeom prst="rect">
+            <a:avLst/>
+          </a:prstGeom>
+          <a:extLst>
+            <a:ext uri="{909E8E84-426E-40DD-AFC4-6F175D3DCCD1}">
+              <a14:hiddenFill xmlns:a14="http://schemas.microsoft.com/office/drawing/2010/main">
+                <a:solidFill>
+                  <a:schemeClr val="accent1"/>
+                </a:solidFill>
+              </a14:hiddenFill>
+            </a:ext>
+            <a:ext uri="{91240B29-F687-4F45-9708-019B960494DF}">
+              <a14:hiddenLine xmlns:a14="http://schemas.microsoft.com/office/drawing/2010/main" w="9525">
+                <a:solidFill>
+                  <a:schemeClr val="tx1"/>
+                </a:solidFill>
+                <a:miter lim="800000"/>
+                <a:headEnd/>
+                <a:tailEnd/>
+              </a14:hiddenLine>
+            </a:ext>
+            <a:ext uri="{AF507438-7753-43E0-B8FC-AC1667EBCBE1}">
+              <a14:hiddenEffects xmlns:a14="http://schemas.microsoft.com/office/drawing/2010/main">
+                <a:effectLst>
+                  <a:outerShdw dist="35921" dir="2700000" algn="ctr" rotWithShape="0">
+                    <a:schemeClr val="bg2"/>
+                  </a:outerShdw>
+                </a:effectLst>
+              </a14:hiddenEffects>
+            </a:ext>
+          </a:extLst>
+        </p:spPr>
+        <p:txBody>
+          <a:bodyPr vert="horz" lIns="91440" tIns="45720" rIns="91440" bIns="45720" numCol="1" anchor="ctr" anchorCtr="0" compatLnSpc="1">
+            <a:prstTxWarp prst="textNoShape">
+              <a:avLst/>
+            </a:prstTxWarp>
+            <a:normAutofit lnSpcReduction="10000"/>
+          </a:bodyPr>
+          <a:lstStyle/>
+          <a:p>
+            <a:pPr marL="0" marR="0" lvl="0" indent="0" defTabSz="914400" rtl="0" eaLnBrk="0" fontAlgn="base" latinLnBrk="0" hangingPunct="0">
+              <a:spcBef>
+                <a:spcPct val="0"/>
+              </a:spcBef>
+              <a:spcAft>
+                <a:spcPts val="600"/>
+              </a:spcAft>
+              <a:buClrTx/>
+              <a:buSzTx/>
+              <a:buNone/>
+              <a:tabLst/>
+            </a:pPr>
+            <a:r>
+              <a:rPr kumimoji="0" lang="en-US" altLang="en-US" sz="2000" b="1" i="0" u="none" strike="noStrike" cap="none" normalizeH="0" baseline="0" dirty="0">
+                <a:ln>
+                  <a:noFill/>
+                </a:ln>
+                <a:effectLst/>
+                <a:latin typeface="Arial" panose="020B0604020202020204" pitchFamily="34" charset="0"/>
+              </a:rPr>
+              <a:t>Feature Grouping</a:t>
+            </a:r>
+            <a:r>
+              <a:rPr kumimoji="0" lang="en-US" altLang="en-US" sz="2000" b="0" i="0" u="none" strike="noStrike" cap="none" normalizeH="0" baseline="0" dirty="0">
+                <a:ln>
+                  <a:noFill/>
+                </a:ln>
+                <a:effectLst/>
+                <a:latin typeface="Arial" panose="020B0604020202020204" pitchFamily="34" charset="0"/>
+              </a:rPr>
+              <a:t>:</a:t>
+            </a:r>
+          </a:p>
+          <a:p>
+            <a:pPr marL="0" marR="0" lvl="0" indent="0" defTabSz="914400" rtl="0" eaLnBrk="0" fontAlgn="base" latinLnBrk="0" hangingPunct="0">
+              <a:spcBef>
+                <a:spcPct val="0"/>
+              </a:spcBef>
+              <a:spcAft>
+                <a:spcPts val="600"/>
+              </a:spcAft>
+              <a:buClrTx/>
+              <a:buSzTx/>
+              <a:buFontTx/>
+              <a:buChar char="•"/>
+              <a:tabLst/>
+            </a:pPr>
+            <a:r>
+              <a:rPr kumimoji="0" lang="en-US" altLang="en-US" sz="2000" b="1" i="0" u="none" strike="noStrike" cap="none" normalizeH="0" baseline="0" dirty="0">
+                <a:ln>
+                  <a:noFill/>
+                </a:ln>
+                <a:effectLst/>
+                <a:latin typeface="Arial" panose="020B0604020202020204" pitchFamily="34" charset="0"/>
+              </a:rPr>
+              <a:t> num_features</a:t>
+            </a:r>
+            <a:r>
+              <a:rPr kumimoji="0" lang="en-US" altLang="en-US" sz="2000" b="0" i="0" u="none" strike="noStrike" cap="none" normalizeH="0" baseline="0" dirty="0">
+                <a:ln>
+                  <a:noFill/>
+                </a:ln>
+                <a:effectLst/>
+                <a:latin typeface="Arial" panose="020B0604020202020204" pitchFamily="34" charset="0"/>
+              </a:rPr>
+              <a:t>: All numerical features</a:t>
+            </a:r>
+          </a:p>
+          <a:p>
+            <a:pPr marL="0" marR="0" lvl="0" indent="0" defTabSz="914400" rtl="0" eaLnBrk="0" fontAlgn="base" latinLnBrk="0" hangingPunct="0">
+              <a:spcBef>
+                <a:spcPct val="0"/>
+              </a:spcBef>
+              <a:spcAft>
+                <a:spcPts val="600"/>
+              </a:spcAft>
+              <a:buClrTx/>
+              <a:buSzTx/>
+              <a:buFontTx/>
+              <a:buChar char="•"/>
+              <a:tabLst/>
+            </a:pPr>
+            <a:r>
+              <a:rPr kumimoji="0" lang="en-US" altLang="en-US" sz="2000" b="1" i="0" u="none" strike="noStrike" cap="none" normalizeH="0" baseline="0" dirty="0">
+                <a:ln>
+                  <a:noFill/>
+                </a:ln>
+                <a:effectLst/>
+                <a:latin typeface="Arial" panose="020B0604020202020204" pitchFamily="34" charset="0"/>
+              </a:rPr>
+              <a:t> features_to_scale</a:t>
+            </a:r>
+            <a:r>
+              <a:rPr kumimoji="0" lang="en-US" altLang="en-US" sz="2000" b="0" i="0" u="none" strike="noStrike" cap="none" normalizeH="0" baseline="0" dirty="0">
+                <a:ln>
+                  <a:noFill/>
+                </a:ln>
+                <a:effectLst/>
+                <a:latin typeface="Arial" panose="020B0604020202020204" pitchFamily="34" charset="0"/>
+              </a:rPr>
+              <a:t>: Numerical features for scaling or </a:t>
+            </a:r>
+            <a:r>
+              <a:rPr kumimoji="0" lang="en-US" altLang="en-US" sz="2000" b="0" i="0" u="none" strike="noStrike" cap="none" normalizeH="0" baseline="0" dirty="0" err="1">
+                <a:ln>
+                  <a:noFill/>
+                </a:ln>
+                <a:effectLst/>
+                <a:latin typeface="Arial" panose="020B0604020202020204" pitchFamily="34" charset="0"/>
+              </a:rPr>
+              <a:t>unskewing</a:t>
+            </a:r>
+            <a:endParaRPr kumimoji="0" lang="en-US" altLang="en-US" sz="2000" b="0" i="0" u="none" strike="noStrike" cap="none" normalizeH="0" baseline="0" dirty="0">
+              <a:ln>
+                <a:noFill/>
+              </a:ln>
+              <a:effectLst/>
+              <a:latin typeface="Arial" panose="020B0604020202020204" pitchFamily="34" charset="0"/>
+            </a:endParaRPr>
+          </a:p>
+          <a:p>
+            <a:pPr marL="0" marR="0" lvl="0" indent="0" defTabSz="914400" rtl="0" eaLnBrk="0" fontAlgn="base" latinLnBrk="0" hangingPunct="0">
+              <a:spcBef>
+                <a:spcPct val="0"/>
+              </a:spcBef>
+              <a:spcAft>
+                <a:spcPts val="600"/>
+              </a:spcAft>
+              <a:buClrTx/>
+              <a:buSzTx/>
+              <a:buFontTx/>
+              <a:buChar char="•"/>
+              <a:tabLst/>
+            </a:pPr>
+            <a:r>
+              <a:rPr kumimoji="0" lang="en-US" altLang="en-US" sz="2000" b="1" i="0" u="none" strike="noStrike" cap="none" normalizeH="0" baseline="0" dirty="0">
+                <a:ln>
+                  <a:noFill/>
+                </a:ln>
+                <a:effectLst/>
+                <a:latin typeface="Arial" panose="020B0604020202020204" pitchFamily="34" charset="0"/>
+              </a:rPr>
+              <a:t> </a:t>
+            </a:r>
+            <a:r>
+              <a:rPr kumimoji="0" lang="en-US" altLang="en-US" sz="2000" b="1" i="0" u="none" strike="noStrike" cap="none" normalizeH="0" baseline="0" dirty="0" err="1">
+                <a:ln>
+                  <a:noFill/>
+                </a:ln>
+                <a:effectLst/>
+                <a:latin typeface="Arial" panose="020B0604020202020204" pitchFamily="34" charset="0"/>
+              </a:rPr>
+              <a:t>cat_features</a:t>
+            </a:r>
+            <a:r>
+              <a:rPr kumimoji="0" lang="en-US" altLang="en-US" sz="2000" b="0" i="0" u="none" strike="noStrike" cap="none" normalizeH="0" baseline="0" dirty="0">
+                <a:ln>
+                  <a:noFill/>
+                </a:ln>
+                <a:effectLst/>
+                <a:latin typeface="Arial" panose="020B0604020202020204" pitchFamily="34" charset="0"/>
+              </a:rPr>
+              <a:t>: All categorical features</a:t>
+            </a:r>
+          </a:p>
+          <a:p>
+            <a:pPr marL="0" marR="0" lvl="0" indent="0" defTabSz="914400" rtl="0" eaLnBrk="0" fontAlgn="base" latinLnBrk="0" hangingPunct="0">
+              <a:spcBef>
+                <a:spcPct val="0"/>
+              </a:spcBef>
+              <a:spcAft>
+                <a:spcPts val="600"/>
+              </a:spcAft>
+              <a:buClrTx/>
+              <a:buSzTx/>
+              <a:buNone/>
+              <a:tabLst/>
+            </a:pPr>
+            <a:endParaRPr kumimoji="0" lang="en-US" altLang="en-US" sz="2000" b="0" i="0" u="none" strike="noStrike" cap="none" normalizeH="0" baseline="0" dirty="0">
+              <a:ln>
+                <a:noFill/>
+              </a:ln>
+              <a:effectLst/>
+              <a:latin typeface="Arial" panose="020B0604020202020204" pitchFamily="34" charset="0"/>
+            </a:endParaRPr>
+          </a:p>
+          <a:p>
+            <a:pPr marL="0" marR="0" lvl="0" indent="0" defTabSz="914400" rtl="0" eaLnBrk="0" fontAlgn="base" latinLnBrk="0" hangingPunct="0">
+              <a:spcBef>
+                <a:spcPct val="0"/>
+              </a:spcBef>
+              <a:spcAft>
+                <a:spcPts val="600"/>
+              </a:spcAft>
+              <a:buClrTx/>
+              <a:buSzTx/>
+              <a:buNone/>
+              <a:tabLst/>
+            </a:pPr>
+            <a:r>
+              <a:rPr kumimoji="0" lang="en-US" altLang="en-US" sz="2000" b="1" i="0" u="none" strike="noStrike" cap="none" normalizeH="0" baseline="0" dirty="0">
+                <a:ln>
+                  <a:noFill/>
+                </a:ln>
+                <a:effectLst/>
+                <a:latin typeface="Arial" panose="020B0604020202020204" pitchFamily="34" charset="0"/>
+              </a:rPr>
+              <a:t>Preprocessing Pipelines</a:t>
+            </a:r>
+            <a:r>
+              <a:rPr kumimoji="0" lang="en-US" altLang="en-US" sz="2000" b="0" i="0" u="none" strike="noStrike" cap="none" normalizeH="0" baseline="0" dirty="0">
+                <a:ln>
+                  <a:noFill/>
+                </a:ln>
+                <a:effectLst/>
+                <a:latin typeface="Arial" panose="020B0604020202020204" pitchFamily="34" charset="0"/>
+              </a:rPr>
+              <a:t>:</a:t>
+            </a:r>
+          </a:p>
+          <a:p>
+            <a:pPr marL="0" marR="0" lvl="0" indent="0" defTabSz="914400" rtl="0" eaLnBrk="0" fontAlgn="base" latinLnBrk="0" hangingPunct="0">
+              <a:spcBef>
+                <a:spcPct val="0"/>
+              </a:spcBef>
+              <a:spcAft>
+                <a:spcPts val="600"/>
+              </a:spcAft>
+              <a:buClrTx/>
+              <a:buSzTx/>
+              <a:buFontTx/>
+              <a:buChar char="•"/>
+              <a:tabLst/>
+            </a:pPr>
+            <a:r>
+              <a:rPr kumimoji="0" lang="en-US" altLang="en-US" sz="2000" b="1" i="0" u="none" strike="noStrike" cap="none" normalizeH="0" baseline="0" dirty="0">
+                <a:ln>
+                  <a:noFill/>
+                </a:ln>
+                <a:effectLst/>
+                <a:latin typeface="Arial" panose="020B0604020202020204" pitchFamily="34" charset="0"/>
+              </a:rPr>
+              <a:t> V1 (RobustScaler)</a:t>
+            </a:r>
+            <a:r>
+              <a:rPr kumimoji="0" lang="en-US" altLang="en-US" sz="2000" b="0" i="0" u="none" strike="noStrike" cap="none" normalizeH="0" baseline="0" dirty="0">
+                <a:ln>
+                  <a:noFill/>
+                </a:ln>
+                <a:effectLst/>
+                <a:latin typeface="Arial" panose="020B0604020202020204" pitchFamily="34" charset="0"/>
+              </a:rPr>
+              <a:t>: Scaling of numerical features</a:t>
+            </a:r>
+          </a:p>
+          <a:p>
+            <a:pPr marL="0" marR="0" lvl="0" indent="0" defTabSz="914400" rtl="0" eaLnBrk="0" fontAlgn="base" latinLnBrk="0" hangingPunct="0">
+              <a:spcBef>
+                <a:spcPct val="0"/>
+              </a:spcBef>
+              <a:spcAft>
+                <a:spcPts val="600"/>
+              </a:spcAft>
+              <a:buClrTx/>
+              <a:buSzTx/>
+              <a:buFontTx/>
+              <a:buChar char="•"/>
+              <a:tabLst/>
+            </a:pPr>
+            <a:r>
+              <a:rPr kumimoji="0" lang="en-US" altLang="en-US" sz="2000" b="1" i="0" u="none" strike="noStrike" cap="none" normalizeH="0" baseline="0" dirty="0">
+                <a:ln>
+                  <a:noFill/>
+                </a:ln>
+                <a:effectLst/>
+                <a:latin typeface="Arial" panose="020B0604020202020204" pitchFamily="34" charset="0"/>
+              </a:rPr>
+              <a:t> V2 (PowerTransformer)</a:t>
+            </a:r>
+            <a:r>
+              <a:rPr kumimoji="0" lang="en-US" altLang="en-US" sz="2000" b="0" i="0" u="none" strike="noStrike" cap="none" normalizeH="0" baseline="0" dirty="0">
+                <a:ln>
+                  <a:noFill/>
+                </a:ln>
+                <a:effectLst/>
+                <a:latin typeface="Arial" panose="020B0604020202020204" pitchFamily="34" charset="0"/>
+              </a:rPr>
+              <a:t>: Unskewing of numerical features</a:t>
+            </a:r>
+          </a:p>
+          <a:p>
+            <a:pPr marL="0" marR="0" lvl="0" indent="0" defTabSz="914400" rtl="0" eaLnBrk="0" fontAlgn="base" latinLnBrk="0" hangingPunct="0">
+              <a:spcBef>
+                <a:spcPct val="0"/>
+              </a:spcBef>
+              <a:spcAft>
+                <a:spcPts val="600"/>
+              </a:spcAft>
+              <a:buClrTx/>
+              <a:buSzTx/>
+              <a:buFontTx/>
+              <a:buChar char="•"/>
+              <a:tabLst/>
+            </a:pPr>
+            <a:r>
+              <a:rPr kumimoji="0" lang="en-US" altLang="en-US" sz="2000" b="1" i="0" u="none" strike="noStrike" cap="none" normalizeH="0" baseline="0" dirty="0">
+                <a:ln>
+                  <a:noFill/>
+                </a:ln>
+                <a:effectLst/>
+                <a:latin typeface="Arial" panose="020B0604020202020204" pitchFamily="34" charset="0"/>
+              </a:rPr>
+              <a:t> Categorical Encoding</a:t>
+            </a:r>
+            <a:r>
+              <a:rPr kumimoji="0" lang="en-US" altLang="en-US" sz="2000" b="0" i="0" u="none" strike="noStrike" cap="none" normalizeH="0" baseline="0" dirty="0">
+                <a:ln>
+                  <a:noFill/>
+                </a:ln>
+                <a:effectLst/>
+                <a:latin typeface="Arial" panose="020B0604020202020204" pitchFamily="34" charset="0"/>
+              </a:rPr>
+              <a:t>: OrdinalEncoder for categorical features</a:t>
+            </a:r>
+          </a:p>
+          <a:p>
+            <a:pPr marL="0" marR="0" lvl="0" indent="0" defTabSz="914400" rtl="0" eaLnBrk="0" fontAlgn="base" latinLnBrk="0" hangingPunct="0">
+              <a:spcBef>
+                <a:spcPct val="0"/>
+              </a:spcBef>
+              <a:spcAft>
+                <a:spcPts val="600"/>
+              </a:spcAft>
+              <a:buClrTx/>
+              <a:buSzTx/>
+              <a:buFontTx/>
+              <a:buNone/>
+              <a:tabLst/>
+            </a:pPr>
+            <a:endParaRPr kumimoji="0" lang="en-US" altLang="en-US" sz="1900" b="0" i="0" u="none" strike="noStrike" cap="none" normalizeH="0" baseline="0" dirty="0">
+              <a:ln>
+                <a:noFill/>
+              </a:ln>
+              <a:effectLst/>
+              <a:latin typeface="Arial" panose="020B0604020202020204" pitchFamily="34" charset="0"/>
+            </a:endParaRPr>
+          </a:p>
+        </p:txBody>
+      </p:sp>
+      <p:cxnSp>
+        <p:nvCxnSpPr>
+          <p:cNvPr id="170" name="Straight Connector 169">
+            <a:extLst>
+              <a:ext uri="{FF2B5EF4-FFF2-40B4-BE49-F238E27FC236}">
+                <a16:creationId xmlns:a16="http://schemas.microsoft.com/office/drawing/2014/main" id="{6CF1BAF6-AD41-4082-B212-8A1F9A2E8779}"/>
+              </a:ext>
+              <a:ext uri="{C183D7F6-B498-43B3-948B-1728B52AA6E4}">
+                <adec:decorative xmlns:adec="http://schemas.microsoft.com/office/drawing/2017/decorative" val="1"/>
+              </a:ext>
+            </a:extLst>
+          </p:cNvPr>
+          <p:cNvCxnSpPr>
+            <a:cxnSpLocks noGrp="1" noRot="1" noChangeAspect="1" noMove="1" noResize="1" noEditPoints="1" noAdjustHandles="1" noChangeArrowheads="1" noChangeShapeType="1"/>
+          </p:cNvCxnSpPr>
+          <p:nvPr>
+            <p:extLst>
+              <p:ext uri="{386F3935-93C4-4BCD-93E2-E3B085C9AB24}">
+                <p16:designElem xmlns:p16="http://schemas.microsoft.com/office/powerpoint/2015/main" val="1"/>
+              </p:ext>
+            </p:extLst>
+          </p:nvPr>
+        </p:nvCxnSpPr>
+        <p:spPr>
+          <a:xfrm flipH="1">
+            <a:off x="838200" y="6485313"/>
+            <a:ext cx="10515600" cy="0"/>
+          </a:xfrm>
+          <a:prstGeom prst="line">
+            <a:avLst/>
+          </a:prstGeom>
+          <a:ln w="57150">
+            <a:solidFill>
+              <a:schemeClr val="accent4"/>
+            </a:solidFill>
+          </a:ln>
+        </p:spPr>
+        <p:style>
+          <a:lnRef idx="1">
+            <a:schemeClr val="accent1"/>
+          </a:lnRef>
+          <a:fillRef idx="0">
+            <a:schemeClr val="accent1"/>
+          </a:fillRef>
+          <a:effectRef idx="0">
+            <a:schemeClr val="accent1"/>
+          </a:effectRef>
+          <a:fontRef idx="minor">
+            <a:schemeClr val="tx1"/>
+          </a:fontRef>
+        </p:style>
+      </p:cxnSp>
+    </p:spTree>
+    <p:extLst>
+      <p:ext uri="{BB962C8B-B14F-4D97-AF65-F5344CB8AC3E}">
+        <p14:creationId xmlns:p14="http://schemas.microsoft.com/office/powerpoint/2010/main" val="353003609"/>
+      </p:ext>
+    </p:extLst>
+  </p:cSld>
+  <p:clrMapOvr>
+    <a:masterClrMapping/>
+  </p:clrMapOvr>
+</p:sld>
+</file>
+
+<file path=ppt/slides/slide21.xml><?xml version="1.0" encoding="utf-8"?>
+<p:sld xmlns:a="http://schemas.openxmlformats.org/drawingml/2006/main" xmlns:r="http://schemas.openxmlformats.org/officeDocument/2006/relationships" xmlns:p="http://schemas.openxmlformats.org/presentationml/2006/main">
+  <p:cSld>
+    <p:bg>
+      <p:bgPr>
+        <a:solidFill>
+          <a:schemeClr val="bg1"/>
+        </a:solidFill>
+        <a:effectLst/>
+      </p:bgPr>
+    </p:bg>
+    <p:spTree>
+      <p:nvGrpSpPr>
+        <p:cNvPr id="1" name="">
+          <a:extLst>
+            <a:ext uri="{FF2B5EF4-FFF2-40B4-BE49-F238E27FC236}">
+              <a16:creationId xmlns:a16="http://schemas.microsoft.com/office/drawing/2014/main" id="{666EBC00-4416-B20E-ACA8-AC4EACC8B59F}"/>
+            </a:ext>
+          </a:extLst>
+        </p:cNvPr>
+        <p:cNvGrpSpPr/>
+        <p:nvPr/>
+      </p:nvGrpSpPr>
+      <p:grpSpPr>
+        <a:xfrm>
+          <a:off x="0" y="0"/>
+          <a:ext cx="0" cy="0"/>
+          <a:chOff x="0" y="0"/>
+          <a:chExt cx="0" cy="0"/>
+        </a:xfrm>
+      </p:grpSpPr>
+      <p:sp useBgFill="1">
+        <p:nvSpPr>
+          <p:cNvPr id="178" name="Rectangle 177">
+            <a:extLst>
+              <a:ext uri="{FF2B5EF4-FFF2-40B4-BE49-F238E27FC236}">
+                <a16:creationId xmlns:a16="http://schemas.microsoft.com/office/drawing/2014/main" id="{B6CDA21F-E7AF-4C75-8395-33F58D5B0E45}"/>
+              </a:ext>
+              <a:ext uri="{C183D7F6-B498-43B3-948B-1728B52AA6E4}">
+                <adec:decorative xmlns:adec="http://schemas.microsoft.com/office/drawing/2017/decorative" val="1"/>
+              </a:ext>
+            </a:extLst>
+          </p:cNvPr>
+          <p:cNvSpPr>
+            <a:spLocks noGrp="1" noRot="1" noChangeAspect="1" noMove="1" noResize="1" noEditPoints="1" noAdjustHandles="1" noChangeArrowheads="1" noChangeShapeType="1" noTextEdit="1"/>
+          </p:cNvSpPr>
+          <p:nvPr>
+            <p:extLst>
+              <p:ext uri="{386F3935-93C4-4BCD-93E2-E3B085C9AB24}">
+                <p16:designElem xmlns:p16="http://schemas.microsoft.com/office/powerpoint/2015/main" val="1"/>
+              </p:ext>
+            </p:extLst>
+          </p:nvPr>
+        </p:nvSpPr>
+        <p:spPr>
+          <a:xfrm>
+            <a:off x="0" y="0"/>
+            <a:ext cx="12191999" cy="6857365"/>
+          </a:xfrm>
+          <a:prstGeom prst="rect">
+            <a:avLst/>
+          </a:prstGeom>
+          <a:ln>
+            <a:noFill/>
+          </a:ln>
+        </p:spPr>
+        <p:style>
+          <a:lnRef idx="2">
+            <a:schemeClr val="accent1">
+              <a:shade val="50000"/>
+            </a:schemeClr>
+          </a:lnRef>
+          <a:fillRef idx="1">
+            <a:schemeClr val="accent1"/>
+          </a:fillRef>
+          <a:effectRef idx="0">
+            <a:schemeClr val="accent1"/>
+          </a:effectRef>
+          <a:fontRef idx="minor">
+            <a:schemeClr val="lt1"/>
+          </a:fontRef>
+        </p:style>
+        <p:txBody>
+          <a:bodyPr rtlCol="0" anchor="ctr"/>
+          <a:lstStyle/>
+          <a:p>
+            <a:pPr algn="ctr"/>
+            <a:endParaRPr lang="en-US"/>
+          </a:p>
+        </p:txBody>
+      </p:sp>
+      <p:grpSp>
+        <p:nvGrpSpPr>
+          <p:cNvPr id="180" name="Group 179">
+            <a:extLst>
+              <a:ext uri="{FF2B5EF4-FFF2-40B4-BE49-F238E27FC236}">
+                <a16:creationId xmlns:a16="http://schemas.microsoft.com/office/drawing/2014/main" id="{AE1C45F0-260A-458C-96ED-C1F6D2151219}"/>
+              </a:ext>
+              <a:ext uri="{C183D7F6-B498-43B3-948B-1728B52AA6E4}">
+                <adec:decorative xmlns:adec="http://schemas.microsoft.com/office/drawing/2017/decorative" val="1"/>
+              </a:ext>
+            </a:extLst>
+          </p:cNvPr>
+          <p:cNvGrpSpPr>
+            <a:grpSpLocks noGrp="1" noUngrp="1" noRot="1" noChangeAspect="1" noMove="1" noResize="1"/>
+          </p:cNvGrpSpPr>
+          <p:nvPr>
+            <p:extLst>
+              <p:ext uri="{386F3935-93C4-4BCD-93E2-E3B085C9AB24}">
+                <p16:designElem xmlns:p16="http://schemas.microsoft.com/office/powerpoint/2015/main" val="1"/>
+              </p:ext>
+            </p:extLst>
+          </p:nvPr>
+        </p:nvGrpSpPr>
+        <p:grpSpPr>
+          <a:xfrm>
+            <a:off x="4" y="1216597"/>
+            <a:ext cx="731521" cy="673460"/>
+            <a:chOff x="3940602" y="308034"/>
+            <a:chExt cx="2116791" cy="3428999"/>
+          </a:xfrm>
+          <a:solidFill>
+            <a:schemeClr val="accent4"/>
+          </a:solidFill>
+        </p:grpSpPr>
+        <p:sp>
+          <p:nvSpPr>
+            <p:cNvPr id="181" name="Rectangle 180">
+              <a:extLst>
+                <a:ext uri="{FF2B5EF4-FFF2-40B4-BE49-F238E27FC236}">
+                  <a16:creationId xmlns:a16="http://schemas.microsoft.com/office/drawing/2014/main" id="{A6604B49-AD5C-4590-B051-06C8222ECD99}"/>
+                </a:ext>
+                <a:ext uri="{C183D7F6-B498-43B3-948B-1728B52AA6E4}">
+                  <adec:decorative xmlns:adec="http://schemas.microsoft.com/office/drawing/2017/decorative" val="1"/>
+                </a:ext>
+              </a:extLst>
+            </p:cNvPr>
+            <p:cNvSpPr/>
+            <p:nvPr>
+              <p:extLst>
+                <p:ext uri="{386F3935-93C4-4BCD-93E2-E3B085C9AB24}">
+                  <p16:designElem xmlns:p16="http://schemas.microsoft.com/office/powerpoint/2015/main" val="1"/>
+                </p:ext>
+              </p:extLst>
+            </p:nvPr>
+          </p:nvSpPr>
+          <p:spPr>
+            <a:xfrm>
+              <a:off x="3940602" y="308034"/>
+              <a:ext cx="566743" cy="3428999"/>
+            </a:xfrm>
+            <a:prstGeom prst="rect">
+              <a:avLst/>
+            </a:prstGeom>
+            <a:grpFill/>
+            <a:ln>
+              <a:noFill/>
+            </a:ln>
+          </p:spPr>
+          <p:style>
+            <a:lnRef idx="2">
+              <a:schemeClr val="accent1">
+                <a:shade val="50000"/>
+              </a:schemeClr>
+            </a:lnRef>
+            <a:fillRef idx="1">
+              <a:schemeClr val="accent1"/>
+            </a:fillRef>
+            <a:effectRef idx="0">
+              <a:schemeClr val="accent1"/>
+            </a:effectRef>
+            <a:fontRef idx="minor">
+              <a:schemeClr val="lt1"/>
+            </a:fontRef>
+          </p:style>
+          <p:txBody>
+            <a:bodyPr rtlCol="0" anchor="ctr"/>
+            <a:lstStyle/>
+            <a:p>
+              <a:pPr algn="ctr"/>
+              <a:endParaRPr lang="en-US"/>
+            </a:p>
+          </p:txBody>
+        </p:sp>
+        <p:sp>
+          <p:nvSpPr>
+            <p:cNvPr id="182" name="Rectangle 181">
+              <a:extLst>
+                <a:ext uri="{FF2B5EF4-FFF2-40B4-BE49-F238E27FC236}">
+                  <a16:creationId xmlns:a16="http://schemas.microsoft.com/office/drawing/2014/main" id="{743ECCAF-29C5-4537-947C-7EA1292463DB}"/>
+                </a:ext>
+                <a:ext uri="{C183D7F6-B498-43B3-948B-1728B52AA6E4}">
+                  <adec:decorative xmlns:adec="http://schemas.microsoft.com/office/drawing/2017/decorative" val="1"/>
+                </a:ext>
+              </a:extLst>
+            </p:cNvPr>
+            <p:cNvSpPr/>
+            <p:nvPr>
+              <p:extLst>
+                <p:ext uri="{386F3935-93C4-4BCD-93E2-E3B085C9AB24}">
+                  <p16:designElem xmlns:p16="http://schemas.microsoft.com/office/powerpoint/2015/main" val="1"/>
+                </p:ext>
+              </p:extLst>
+            </p:nvPr>
+          </p:nvSpPr>
+          <p:spPr>
+            <a:xfrm>
+              <a:off x="4715626" y="308034"/>
+              <a:ext cx="566743" cy="3428999"/>
+            </a:xfrm>
+            <a:prstGeom prst="rect">
+              <a:avLst/>
+            </a:prstGeom>
+            <a:grpFill/>
+            <a:ln>
+              <a:noFill/>
+            </a:ln>
+          </p:spPr>
+          <p:style>
+            <a:lnRef idx="2">
+              <a:schemeClr val="accent1">
+                <a:shade val="50000"/>
+              </a:schemeClr>
+            </a:lnRef>
+            <a:fillRef idx="1">
+              <a:schemeClr val="accent1"/>
+            </a:fillRef>
+            <a:effectRef idx="0">
+              <a:schemeClr val="accent1"/>
+            </a:effectRef>
+            <a:fontRef idx="minor">
+              <a:schemeClr val="lt1"/>
+            </a:fontRef>
+          </p:style>
+          <p:txBody>
+            <a:bodyPr rtlCol="0" anchor="ctr"/>
+            <a:lstStyle/>
+            <a:p>
+              <a:pPr algn="ctr"/>
+              <a:endParaRPr lang="en-US"/>
+            </a:p>
+          </p:txBody>
+        </p:sp>
+        <p:sp>
+          <p:nvSpPr>
+            <p:cNvPr id="183" name="Rectangle 182">
+              <a:extLst>
+                <a:ext uri="{FF2B5EF4-FFF2-40B4-BE49-F238E27FC236}">
+                  <a16:creationId xmlns:a16="http://schemas.microsoft.com/office/drawing/2014/main" id="{ED49787B-8DE6-4467-AD0A-8DECC6E0C2D6}"/>
+                </a:ext>
+                <a:ext uri="{C183D7F6-B498-43B3-948B-1728B52AA6E4}">
+                  <adec:decorative xmlns:adec="http://schemas.microsoft.com/office/drawing/2017/decorative" val="1"/>
+                </a:ext>
+              </a:extLst>
+            </p:cNvPr>
+            <p:cNvSpPr/>
+            <p:nvPr>
+              <p:extLst>
+                <p:ext uri="{386F3935-93C4-4BCD-93E2-E3B085C9AB24}">
+                  <p16:designElem xmlns:p16="http://schemas.microsoft.com/office/powerpoint/2015/main" val="1"/>
+                </p:ext>
+              </p:extLst>
+            </p:nvPr>
+          </p:nvSpPr>
+          <p:spPr>
+            <a:xfrm>
+              <a:off x="5490650" y="308034"/>
+              <a:ext cx="566743" cy="3428999"/>
+            </a:xfrm>
+            <a:prstGeom prst="rect">
+              <a:avLst/>
+            </a:prstGeom>
+            <a:grpFill/>
+            <a:ln>
+              <a:noFill/>
+            </a:ln>
+          </p:spPr>
+          <p:style>
+            <a:lnRef idx="2">
+              <a:schemeClr val="accent1">
+                <a:shade val="50000"/>
+              </a:schemeClr>
+            </a:lnRef>
+            <a:fillRef idx="1">
+              <a:schemeClr val="accent1"/>
+            </a:fillRef>
+            <a:effectRef idx="0">
+              <a:schemeClr val="accent1"/>
+            </a:effectRef>
+            <a:fontRef idx="minor">
+              <a:schemeClr val="lt1"/>
+            </a:fontRef>
+          </p:style>
+          <p:txBody>
+            <a:bodyPr rtlCol="0" anchor="ctr"/>
+            <a:lstStyle/>
+            <a:p>
+              <a:pPr algn="ctr"/>
+              <a:endParaRPr lang="en-US"/>
+            </a:p>
+          </p:txBody>
+        </p:sp>
+      </p:grpSp>
+      <p:sp>
+        <p:nvSpPr>
+          <p:cNvPr id="185" name="Rectangle 184">
+            <a:extLst>
+              <a:ext uri="{FF2B5EF4-FFF2-40B4-BE49-F238E27FC236}">
+                <a16:creationId xmlns:a16="http://schemas.microsoft.com/office/drawing/2014/main" id="{D5B0017B-2ECA-49AF-B397-DC140825DF8D}"/>
+              </a:ext>
+              <a:ext uri="{C183D7F6-B498-43B3-948B-1728B52AA6E4}">
+                <adec:decorative xmlns:adec="http://schemas.microsoft.com/office/drawing/2017/decorative" val="1"/>
+              </a:ext>
+            </a:extLst>
+          </p:cNvPr>
+          <p:cNvSpPr>
+            <a:spLocks noGrp="1" noRot="1" noChangeAspect="1" noMove="1" noResize="1" noEditPoints="1" noAdjustHandles="1" noChangeArrowheads="1" noChangeShapeType="1" noTextEdit="1"/>
+          </p:cNvSpPr>
+          <p:nvPr>
+            <p:extLst>
+              <p:ext uri="{386F3935-93C4-4BCD-93E2-E3B085C9AB24}">
+                <p16:designElem xmlns:p16="http://schemas.microsoft.com/office/powerpoint/2015/main" val="1"/>
+              </p:ext>
+            </p:extLst>
+          </p:nvPr>
+        </p:nvSpPr>
+        <p:spPr>
+          <a:xfrm>
+            <a:off x="640079" y="613954"/>
+            <a:ext cx="10907487" cy="1894116"/>
+          </a:xfrm>
+          <a:prstGeom prst="rect">
+            <a:avLst/>
+          </a:prstGeom>
+          <a:solidFill>
+            <a:schemeClr val="bg1"/>
+          </a:solidFill>
+          <a:ln>
+            <a:noFill/>
+          </a:ln>
+          <a:effectLst>
+            <a:outerShdw blurRad="139700" dist="127000" dir="5400000" algn="t" rotWithShape="0">
+              <a:prstClr val="black">
+                <a:alpha val="15000"/>
+              </a:prstClr>
+            </a:outerShdw>
+          </a:effectLst>
+        </p:spPr>
+        <p:style>
+          <a:lnRef idx="2">
+            <a:schemeClr val="accent1">
+              <a:shade val="50000"/>
+            </a:schemeClr>
+          </a:lnRef>
+          <a:fillRef idx="1">
+            <a:schemeClr val="accent1"/>
+          </a:fillRef>
+          <a:effectRef idx="0">
+            <a:schemeClr val="accent1"/>
+          </a:effectRef>
+          <a:fontRef idx="minor">
+            <a:schemeClr val="lt1"/>
+          </a:fontRef>
+        </p:style>
+        <p:txBody>
+          <a:bodyPr rtlCol="0" anchor="ctr"/>
+          <a:lstStyle/>
+          <a:p>
+            <a:pPr algn="ctr"/>
+            <a:endParaRPr lang="en-US"/>
+          </a:p>
+        </p:txBody>
+      </p:sp>
+      <p:sp>
+        <p:nvSpPr>
+          <p:cNvPr id="2" name="Title 1">
+            <a:extLst>
+              <a:ext uri="{FF2B5EF4-FFF2-40B4-BE49-F238E27FC236}">
+                <a16:creationId xmlns:a16="http://schemas.microsoft.com/office/drawing/2014/main" id="{20090C8E-6A14-8D0D-0007-EA10AD4A85E9}"/>
+              </a:ext>
+            </a:extLst>
+          </p:cNvPr>
+          <p:cNvSpPr>
+            <a:spLocks noGrp="1"/>
+          </p:cNvSpPr>
+          <p:nvPr>
+            <p:ph type="title"/>
+          </p:nvPr>
+        </p:nvSpPr>
+        <p:spPr>
+          <a:xfrm>
+            <a:off x="1043631" y="809898"/>
+            <a:ext cx="9942716" cy="1554480"/>
+          </a:xfrm>
+        </p:spPr>
+        <p:txBody>
+          <a:bodyPr anchor="ctr">
+            <a:normAutofit/>
+          </a:bodyPr>
+          <a:lstStyle/>
+          <a:p>
+            <a:r>
+              <a:rPr lang="en-US" sz="4800" dirty="0"/>
+              <a:t>Classification Pipelines</a:t>
+            </a:r>
+          </a:p>
+        </p:txBody>
+      </p:sp>
+      <p:sp>
+        <p:nvSpPr>
+          <p:cNvPr id="4" name="Rectangle 2">
+            <a:extLst>
+              <a:ext uri="{FF2B5EF4-FFF2-40B4-BE49-F238E27FC236}">
+                <a16:creationId xmlns:a16="http://schemas.microsoft.com/office/drawing/2014/main" id="{250B6E36-AA73-3707-913A-D72187090748}"/>
+              </a:ext>
+            </a:extLst>
+          </p:cNvPr>
+          <p:cNvSpPr>
+            <a:spLocks noGrp="1" noChangeArrowheads="1"/>
+          </p:cNvSpPr>
+          <p:nvPr>
+            <p:ph idx="1"/>
+          </p:nvPr>
+        </p:nvSpPr>
+        <p:spPr bwMode="auto">
+          <a:xfrm>
+            <a:off x="1045028" y="3017522"/>
+            <a:ext cx="9941319" cy="3124658"/>
+          </a:xfrm>
+          <a:prstGeom prst="rect">
+            <a:avLst/>
+          </a:prstGeom>
+          <a:extLst>
+            <a:ext uri="{909E8E84-426E-40DD-AFC4-6F175D3DCCD1}">
+              <a14:hiddenFill xmlns:a14="http://schemas.microsoft.com/office/drawing/2010/main">
+                <a:solidFill>
+                  <a:schemeClr val="accent1"/>
+                </a:solidFill>
+              </a14:hiddenFill>
+            </a:ext>
+            <a:ext uri="{91240B29-F687-4F45-9708-019B960494DF}">
+              <a14:hiddenLine xmlns:a14="http://schemas.microsoft.com/office/drawing/2010/main" w="9525">
+                <a:solidFill>
+                  <a:schemeClr val="tx1"/>
+                </a:solidFill>
+                <a:miter lim="800000"/>
+                <a:headEnd/>
+                <a:tailEnd/>
+              </a14:hiddenLine>
+            </a:ext>
+            <a:ext uri="{AF507438-7753-43E0-B8FC-AC1667EBCBE1}">
+              <a14:hiddenEffects xmlns:a14="http://schemas.microsoft.com/office/drawing/2010/main">
+                <a:effectLst>
+                  <a:outerShdw dist="35921" dir="2700000" algn="ctr" rotWithShape="0">
+                    <a:schemeClr val="bg2"/>
+                  </a:outerShdw>
+                </a:effectLst>
+              </a14:hiddenEffects>
+            </a:ext>
+          </a:extLst>
+        </p:spPr>
+        <p:txBody>
+          <a:bodyPr vert="horz" lIns="91440" tIns="45720" rIns="91440" bIns="45720" numCol="1" anchor="ctr" anchorCtr="0" compatLnSpc="1">
+            <a:prstTxWarp prst="textNoShape">
+              <a:avLst/>
+            </a:prstTxWarp>
+            <a:normAutofit/>
+          </a:bodyPr>
+          <a:lstStyle/>
+          <a:p>
+            <a:pPr marL="0" marR="0" lvl="0" indent="0" defTabSz="914400" rtl="0" eaLnBrk="0" fontAlgn="base" latinLnBrk="0" hangingPunct="0">
+              <a:spcBef>
+                <a:spcPct val="0"/>
+              </a:spcBef>
+              <a:spcAft>
+                <a:spcPts val="600"/>
+              </a:spcAft>
+              <a:buClrTx/>
+              <a:buSzTx/>
+              <a:buNone/>
+              <a:tabLst/>
+            </a:pPr>
+            <a:r>
+              <a:rPr kumimoji="0" lang="en-US" altLang="en-US" sz="2200" b="1" i="0" u="none" strike="noStrike" cap="none" normalizeH="0" baseline="0" dirty="0">
+                <a:ln>
+                  <a:noFill/>
+                </a:ln>
+                <a:effectLst/>
+                <a:latin typeface="Arial" panose="020B0604020202020204" pitchFamily="34" charset="0"/>
+              </a:rPr>
+              <a:t>AdaBoost Classifiers</a:t>
+            </a:r>
+            <a:r>
+              <a:rPr kumimoji="0" lang="en-US" altLang="en-US" sz="2200" b="0" i="0" u="none" strike="noStrike" cap="none" normalizeH="0" baseline="0" dirty="0">
+                <a:ln>
+                  <a:noFill/>
+                </a:ln>
+                <a:effectLst/>
+                <a:latin typeface="Arial" panose="020B0604020202020204" pitchFamily="34" charset="0"/>
+              </a:rPr>
+              <a:t>:</a:t>
+            </a:r>
+          </a:p>
+          <a:p>
+            <a:pPr marL="0" marR="0" lvl="0" indent="0" defTabSz="914400" rtl="0" eaLnBrk="0" fontAlgn="base" latinLnBrk="0" hangingPunct="0">
+              <a:spcBef>
+                <a:spcPct val="0"/>
+              </a:spcBef>
+              <a:spcAft>
+                <a:spcPts val="600"/>
+              </a:spcAft>
+              <a:buClrTx/>
+              <a:buSzTx/>
+              <a:buFontTx/>
+              <a:buChar char="•"/>
+              <a:tabLst/>
+            </a:pPr>
+            <a:r>
+              <a:rPr kumimoji="0" lang="en-US" altLang="en-US" sz="2200" b="1" i="0" u="none" strike="noStrike" cap="none" normalizeH="0" baseline="0" dirty="0">
+                <a:ln>
+                  <a:noFill/>
+                </a:ln>
+                <a:effectLst/>
+                <a:latin typeface="Arial" panose="020B0604020202020204" pitchFamily="34" charset="0"/>
+              </a:rPr>
+              <a:t> pipeline_ada_v1</a:t>
+            </a:r>
+            <a:r>
+              <a:rPr kumimoji="0" lang="en-US" altLang="en-US" sz="2200" b="0" i="0" u="none" strike="noStrike" cap="none" normalizeH="0" baseline="0" dirty="0">
+                <a:ln>
+                  <a:noFill/>
+                </a:ln>
+                <a:effectLst/>
+                <a:latin typeface="Arial" panose="020B0604020202020204" pitchFamily="34" charset="0"/>
+              </a:rPr>
+              <a:t>: Preprocessor1 (RobustScaler) + AdaBoostClassifier</a:t>
+            </a:r>
+          </a:p>
+          <a:p>
+            <a:pPr marL="0" marR="0" lvl="0" indent="0" defTabSz="914400" rtl="0" eaLnBrk="0" fontAlgn="base" latinLnBrk="0" hangingPunct="0">
+              <a:spcBef>
+                <a:spcPct val="0"/>
+              </a:spcBef>
+              <a:spcAft>
+                <a:spcPts val="600"/>
+              </a:spcAft>
+              <a:buClrTx/>
+              <a:buSzTx/>
+              <a:buFontTx/>
+              <a:buChar char="•"/>
+              <a:tabLst/>
+            </a:pPr>
+            <a:r>
+              <a:rPr kumimoji="0" lang="en-US" altLang="en-US" sz="2200" b="1" i="0" u="none" strike="noStrike" cap="none" normalizeH="0" baseline="0" dirty="0">
+                <a:ln>
+                  <a:noFill/>
+                </a:ln>
+                <a:effectLst/>
+                <a:latin typeface="Arial" panose="020B0604020202020204" pitchFamily="34" charset="0"/>
+              </a:rPr>
+              <a:t> pipeline_ada_v2</a:t>
+            </a:r>
+            <a:r>
+              <a:rPr kumimoji="0" lang="en-US" altLang="en-US" sz="2200" b="0" i="0" u="none" strike="noStrike" cap="none" normalizeH="0" baseline="0" dirty="0">
+                <a:ln>
+                  <a:noFill/>
+                </a:ln>
+                <a:effectLst/>
+                <a:latin typeface="Arial" panose="020B0604020202020204" pitchFamily="34" charset="0"/>
+              </a:rPr>
+              <a:t>: Preprocessor2 (PowerTransformer) + AdaBoostClassifier</a:t>
+            </a:r>
+          </a:p>
+          <a:p>
+            <a:pPr marL="0" marR="0" lvl="0" indent="0" defTabSz="914400" rtl="0" eaLnBrk="0" fontAlgn="base" latinLnBrk="0" hangingPunct="0">
+              <a:spcBef>
+                <a:spcPct val="0"/>
+              </a:spcBef>
+              <a:spcAft>
+                <a:spcPts val="600"/>
+              </a:spcAft>
+              <a:buClrTx/>
+              <a:buSzTx/>
+              <a:buNone/>
+              <a:tabLst/>
+            </a:pPr>
+            <a:endParaRPr kumimoji="0" lang="en-US" altLang="en-US" sz="2200" b="0" i="0" u="none" strike="noStrike" cap="none" normalizeH="0" baseline="0" dirty="0">
+              <a:ln>
+                <a:noFill/>
+              </a:ln>
+              <a:effectLst/>
+              <a:latin typeface="Arial" panose="020B0604020202020204" pitchFamily="34" charset="0"/>
+            </a:endParaRPr>
+          </a:p>
+          <a:p>
+            <a:pPr marL="0" marR="0" lvl="0" indent="0" defTabSz="914400" rtl="0" eaLnBrk="0" fontAlgn="base" latinLnBrk="0" hangingPunct="0">
+              <a:spcBef>
+                <a:spcPct val="0"/>
+              </a:spcBef>
+              <a:spcAft>
+                <a:spcPts val="600"/>
+              </a:spcAft>
+              <a:buClrTx/>
+              <a:buSzTx/>
+              <a:buNone/>
+              <a:tabLst/>
+            </a:pPr>
+            <a:r>
+              <a:rPr kumimoji="0" lang="en-US" altLang="en-US" sz="2200" b="1" i="0" u="none" strike="noStrike" cap="none" normalizeH="0" baseline="0" dirty="0">
+                <a:ln>
+                  <a:noFill/>
+                </a:ln>
+                <a:effectLst/>
+                <a:latin typeface="Arial" panose="020B0604020202020204" pitchFamily="34" charset="0"/>
+              </a:rPr>
+              <a:t>CatBoost Classifiers</a:t>
+            </a:r>
+            <a:r>
+              <a:rPr kumimoji="0" lang="en-US" altLang="en-US" sz="2200" b="0" i="0" u="none" strike="noStrike" cap="none" normalizeH="0" baseline="0" dirty="0">
+                <a:ln>
+                  <a:noFill/>
+                </a:ln>
+                <a:effectLst/>
+                <a:latin typeface="Arial" panose="020B0604020202020204" pitchFamily="34" charset="0"/>
+              </a:rPr>
+              <a:t>:</a:t>
+            </a:r>
+          </a:p>
+          <a:p>
+            <a:pPr marL="0" marR="0" lvl="0" indent="0" defTabSz="914400" rtl="0" eaLnBrk="0" fontAlgn="base" latinLnBrk="0" hangingPunct="0">
+              <a:spcBef>
+                <a:spcPct val="0"/>
+              </a:spcBef>
+              <a:spcAft>
+                <a:spcPts val="600"/>
+              </a:spcAft>
+              <a:buClrTx/>
+              <a:buSzTx/>
+              <a:buFontTx/>
+              <a:buChar char="•"/>
+              <a:tabLst/>
+            </a:pPr>
+            <a:r>
+              <a:rPr kumimoji="0" lang="en-US" altLang="en-US" sz="2200" b="1" i="0" u="none" strike="noStrike" cap="none" normalizeH="0" baseline="0" dirty="0">
+                <a:ln>
+                  <a:noFill/>
+                </a:ln>
+                <a:effectLst/>
+                <a:latin typeface="Arial" panose="020B0604020202020204" pitchFamily="34" charset="0"/>
+              </a:rPr>
+              <a:t> pipeline_cat_v1</a:t>
+            </a:r>
+            <a:r>
+              <a:rPr kumimoji="0" lang="en-US" altLang="en-US" sz="2200" b="0" i="0" u="none" strike="noStrike" cap="none" normalizeH="0" baseline="0" dirty="0">
+                <a:ln>
+                  <a:noFill/>
+                </a:ln>
+                <a:effectLst/>
+                <a:latin typeface="Arial" panose="020B0604020202020204" pitchFamily="34" charset="0"/>
+              </a:rPr>
+              <a:t>: Preprocessor1 (RobustScaler) + CatBoostClassifier</a:t>
+            </a:r>
+          </a:p>
+          <a:p>
+            <a:pPr marL="0" marR="0" lvl="0" indent="0" defTabSz="914400" rtl="0" eaLnBrk="0" fontAlgn="base" latinLnBrk="0" hangingPunct="0">
+              <a:spcBef>
+                <a:spcPct val="0"/>
+              </a:spcBef>
+              <a:spcAft>
+                <a:spcPts val="600"/>
+              </a:spcAft>
+              <a:buClrTx/>
+              <a:buSzTx/>
+              <a:buFontTx/>
+              <a:buChar char="•"/>
+              <a:tabLst/>
+            </a:pPr>
+            <a:r>
+              <a:rPr kumimoji="0" lang="en-US" altLang="en-US" sz="2200" b="1" i="0" u="none" strike="noStrike" cap="none" normalizeH="0" baseline="0" dirty="0">
+                <a:ln>
+                  <a:noFill/>
+                </a:ln>
+                <a:effectLst/>
+                <a:latin typeface="Arial" panose="020B0604020202020204" pitchFamily="34" charset="0"/>
+              </a:rPr>
+              <a:t> pipeline_cat_v2</a:t>
+            </a:r>
+            <a:r>
+              <a:rPr kumimoji="0" lang="en-US" altLang="en-US" sz="2200" b="0" i="0" u="none" strike="noStrike" cap="none" normalizeH="0" baseline="0" dirty="0">
+                <a:ln>
+                  <a:noFill/>
+                </a:ln>
+                <a:effectLst/>
+                <a:latin typeface="Arial" panose="020B0604020202020204" pitchFamily="34" charset="0"/>
+              </a:rPr>
+              <a:t>: Preprocessor2 (PowerTransformer) + CatBoostClassifier</a:t>
+            </a:r>
+          </a:p>
+          <a:p>
+            <a:pPr marL="0" marR="0" lvl="0" indent="0" defTabSz="914400" rtl="0" eaLnBrk="0" fontAlgn="base" latinLnBrk="0" hangingPunct="0">
+              <a:spcBef>
+                <a:spcPct val="0"/>
+              </a:spcBef>
+              <a:spcAft>
+                <a:spcPts val="600"/>
+              </a:spcAft>
+              <a:buClrTx/>
+              <a:buSzTx/>
+              <a:buFontTx/>
+              <a:buNone/>
+              <a:tabLst/>
+            </a:pPr>
+            <a:endParaRPr kumimoji="0" lang="en-US" altLang="en-US" sz="2200" b="0" i="0" u="none" strike="noStrike" cap="none" normalizeH="0" baseline="0" dirty="0">
+              <a:ln>
+                <a:noFill/>
+              </a:ln>
+              <a:effectLst/>
+              <a:latin typeface="Arial" panose="020B0604020202020204" pitchFamily="34" charset="0"/>
+            </a:endParaRPr>
+          </a:p>
+        </p:txBody>
+      </p:sp>
+      <p:cxnSp>
+        <p:nvCxnSpPr>
+          <p:cNvPr id="187" name="Straight Connector 186">
+            <a:extLst>
+              <a:ext uri="{FF2B5EF4-FFF2-40B4-BE49-F238E27FC236}">
+                <a16:creationId xmlns:a16="http://schemas.microsoft.com/office/drawing/2014/main" id="{6CF1BAF6-AD41-4082-B212-8A1F9A2E8779}"/>
+              </a:ext>
+              <a:ext uri="{C183D7F6-B498-43B3-948B-1728B52AA6E4}">
+                <adec:decorative xmlns:adec="http://schemas.microsoft.com/office/drawing/2017/decorative" val="1"/>
+              </a:ext>
+            </a:extLst>
+          </p:cNvPr>
+          <p:cNvCxnSpPr>
+            <a:cxnSpLocks noGrp="1" noRot="1" noChangeAspect="1" noMove="1" noResize="1" noEditPoints="1" noAdjustHandles="1" noChangeArrowheads="1" noChangeShapeType="1"/>
+          </p:cNvCxnSpPr>
+          <p:nvPr>
+            <p:extLst>
+              <p:ext uri="{386F3935-93C4-4BCD-93E2-E3B085C9AB24}">
+                <p16:designElem xmlns:p16="http://schemas.microsoft.com/office/powerpoint/2015/main" val="1"/>
+              </p:ext>
+            </p:extLst>
+          </p:nvPr>
+        </p:nvCxnSpPr>
+        <p:spPr>
+          <a:xfrm flipH="1">
+            <a:off x="838200" y="6485313"/>
+            <a:ext cx="10515600" cy="0"/>
+          </a:xfrm>
+          <a:prstGeom prst="line">
+            <a:avLst/>
+          </a:prstGeom>
+          <a:ln w="57150">
+            <a:solidFill>
+              <a:schemeClr val="accent4"/>
+            </a:solidFill>
+          </a:ln>
+        </p:spPr>
+        <p:style>
+          <a:lnRef idx="1">
+            <a:schemeClr val="accent1"/>
+          </a:lnRef>
+          <a:fillRef idx="0">
+            <a:schemeClr val="accent1"/>
+          </a:fillRef>
+          <a:effectRef idx="0">
+            <a:schemeClr val="accent1"/>
+          </a:effectRef>
+          <a:fontRef idx="minor">
+            <a:schemeClr val="tx1"/>
+          </a:fontRef>
+        </p:style>
+      </p:cxnSp>
+    </p:spTree>
+    <p:extLst>
+      <p:ext uri="{BB962C8B-B14F-4D97-AF65-F5344CB8AC3E}">
+        <p14:creationId xmlns:p14="http://schemas.microsoft.com/office/powerpoint/2010/main" val="1535303963"/>
+      </p:ext>
+    </p:extLst>
+  </p:cSld>
+  <p:clrMapOvr>
+    <a:masterClrMapping/>
+  </p:clrMapOvr>
+</p:sld>
+</file>
+
+<file path=ppt/slides/slide22.xml><?xml version="1.0" encoding="utf-8"?>
+<p:sld xmlns:a="http://schemas.openxmlformats.org/drawingml/2006/main" xmlns:r="http://schemas.openxmlformats.org/officeDocument/2006/relationships" xmlns:p="http://schemas.openxmlformats.org/presentationml/2006/main">
+  <p:cSld>
+    <p:bg>
+      <p:bgPr>
+        <a:solidFill>
+          <a:schemeClr val="bg1"/>
+        </a:solidFill>
+        <a:effectLst/>
+      </p:bgPr>
+    </p:bg>
+    <p:spTree>
+      <p:nvGrpSpPr>
+        <p:cNvPr id="1" name="">
+          <a:extLst>
+            <a:ext uri="{FF2B5EF4-FFF2-40B4-BE49-F238E27FC236}">
+              <a16:creationId xmlns:a16="http://schemas.microsoft.com/office/drawing/2014/main" id="{92DB97C4-8DF0-599B-9757-5773A862865F}"/>
+            </a:ext>
+          </a:extLst>
+        </p:cNvPr>
+        <p:cNvGrpSpPr/>
+        <p:nvPr/>
+      </p:nvGrpSpPr>
+      <p:grpSpPr>
+        <a:xfrm>
+          <a:off x="0" y="0"/>
+          <a:ext cx="0" cy="0"/>
+          <a:chOff x="0" y="0"/>
+          <a:chExt cx="0" cy="0"/>
+        </a:xfrm>
+      </p:grpSpPr>
+      <p:sp useBgFill="1">
+        <p:nvSpPr>
+          <p:cNvPr id="206" name="Rectangle 205">
+            <a:extLst>
+              <a:ext uri="{FF2B5EF4-FFF2-40B4-BE49-F238E27FC236}">
+                <a16:creationId xmlns:a16="http://schemas.microsoft.com/office/drawing/2014/main" id="{B6CDA21F-E7AF-4C75-8395-33F58D5B0E45}"/>
+              </a:ext>
+              <a:ext uri="{C183D7F6-B498-43B3-948B-1728B52AA6E4}">
+                <adec:decorative xmlns:adec="http://schemas.microsoft.com/office/drawing/2017/decorative" val="1"/>
+              </a:ext>
+            </a:extLst>
+          </p:cNvPr>
+          <p:cNvSpPr>
+            <a:spLocks noGrp="1" noRot="1" noChangeAspect="1" noMove="1" noResize="1" noEditPoints="1" noAdjustHandles="1" noChangeArrowheads="1" noChangeShapeType="1" noTextEdit="1"/>
+          </p:cNvSpPr>
+          <p:nvPr>
+            <p:extLst>
+              <p:ext uri="{386F3935-93C4-4BCD-93E2-E3B085C9AB24}">
+                <p16:designElem xmlns:p16="http://schemas.microsoft.com/office/powerpoint/2015/main" val="1"/>
+              </p:ext>
+            </p:extLst>
+          </p:nvPr>
+        </p:nvSpPr>
+        <p:spPr>
+          <a:xfrm>
+            <a:off x="0" y="0"/>
+            <a:ext cx="12191999" cy="6857365"/>
+          </a:xfrm>
+          <a:prstGeom prst="rect">
+            <a:avLst/>
+          </a:prstGeom>
+          <a:ln>
+            <a:noFill/>
+          </a:ln>
+        </p:spPr>
+        <p:style>
+          <a:lnRef idx="2">
+            <a:schemeClr val="accent1">
+              <a:shade val="50000"/>
+            </a:schemeClr>
+          </a:lnRef>
+          <a:fillRef idx="1">
+            <a:schemeClr val="accent1"/>
+          </a:fillRef>
+          <a:effectRef idx="0">
+            <a:schemeClr val="accent1"/>
+          </a:effectRef>
+          <a:fontRef idx="minor">
+            <a:schemeClr val="lt1"/>
+          </a:fontRef>
+        </p:style>
+        <p:txBody>
+          <a:bodyPr rtlCol="0" anchor="ctr"/>
+          <a:lstStyle/>
+          <a:p>
+            <a:pPr algn="ctr"/>
+            <a:endParaRPr lang="en-US"/>
+          </a:p>
+        </p:txBody>
+      </p:sp>
+      <p:grpSp>
+        <p:nvGrpSpPr>
+          <p:cNvPr id="208" name="Group 207">
+            <a:extLst>
+              <a:ext uri="{FF2B5EF4-FFF2-40B4-BE49-F238E27FC236}">
+                <a16:creationId xmlns:a16="http://schemas.microsoft.com/office/drawing/2014/main" id="{AE1C45F0-260A-458C-96ED-C1F6D2151219}"/>
+              </a:ext>
+              <a:ext uri="{C183D7F6-B498-43B3-948B-1728B52AA6E4}">
+                <adec:decorative xmlns:adec="http://schemas.microsoft.com/office/drawing/2017/decorative" val="1"/>
+              </a:ext>
+            </a:extLst>
+          </p:cNvPr>
+          <p:cNvGrpSpPr>
+            <a:grpSpLocks noGrp="1" noUngrp="1" noRot="1" noChangeAspect="1" noMove="1" noResize="1"/>
+          </p:cNvGrpSpPr>
+          <p:nvPr>
+            <p:extLst>
+              <p:ext uri="{386F3935-93C4-4BCD-93E2-E3B085C9AB24}">
+                <p16:designElem xmlns:p16="http://schemas.microsoft.com/office/powerpoint/2015/main" val="1"/>
+              </p:ext>
+            </p:extLst>
+          </p:nvPr>
+        </p:nvGrpSpPr>
+        <p:grpSpPr>
+          <a:xfrm>
+            <a:off x="4" y="1216597"/>
+            <a:ext cx="731521" cy="673460"/>
+            <a:chOff x="3940602" y="308034"/>
+            <a:chExt cx="2116791" cy="3428999"/>
+          </a:xfrm>
+          <a:solidFill>
+            <a:schemeClr val="accent4"/>
+          </a:solidFill>
+        </p:grpSpPr>
+        <p:sp>
+          <p:nvSpPr>
+            <p:cNvPr id="209" name="Rectangle 208">
+              <a:extLst>
+                <a:ext uri="{FF2B5EF4-FFF2-40B4-BE49-F238E27FC236}">
+                  <a16:creationId xmlns:a16="http://schemas.microsoft.com/office/drawing/2014/main" id="{A6604B49-AD5C-4590-B051-06C8222ECD99}"/>
+                </a:ext>
+                <a:ext uri="{C183D7F6-B498-43B3-948B-1728B52AA6E4}">
+                  <adec:decorative xmlns:adec="http://schemas.microsoft.com/office/drawing/2017/decorative" val="1"/>
+                </a:ext>
+              </a:extLst>
+            </p:cNvPr>
+            <p:cNvSpPr/>
+            <p:nvPr>
+              <p:extLst>
+                <p:ext uri="{386F3935-93C4-4BCD-93E2-E3B085C9AB24}">
+                  <p16:designElem xmlns:p16="http://schemas.microsoft.com/office/powerpoint/2015/main" val="1"/>
+                </p:ext>
+              </p:extLst>
+            </p:nvPr>
+          </p:nvSpPr>
+          <p:spPr>
+            <a:xfrm>
+              <a:off x="3940602" y="308034"/>
+              <a:ext cx="566743" cy="3428999"/>
+            </a:xfrm>
+            <a:prstGeom prst="rect">
+              <a:avLst/>
+            </a:prstGeom>
+            <a:grpFill/>
+            <a:ln>
+              <a:noFill/>
+            </a:ln>
+          </p:spPr>
+          <p:style>
+            <a:lnRef idx="2">
+              <a:schemeClr val="accent1">
+                <a:shade val="50000"/>
+              </a:schemeClr>
+            </a:lnRef>
+            <a:fillRef idx="1">
+              <a:schemeClr val="accent1"/>
+            </a:fillRef>
+            <a:effectRef idx="0">
+              <a:schemeClr val="accent1"/>
+            </a:effectRef>
+            <a:fontRef idx="minor">
+              <a:schemeClr val="lt1"/>
+            </a:fontRef>
+          </p:style>
+          <p:txBody>
+            <a:bodyPr rtlCol="0" anchor="ctr"/>
+            <a:lstStyle/>
+            <a:p>
+              <a:pPr algn="ctr"/>
+              <a:endParaRPr lang="en-US"/>
+            </a:p>
+          </p:txBody>
+        </p:sp>
+        <p:sp>
+          <p:nvSpPr>
+            <p:cNvPr id="210" name="Rectangle 209">
+              <a:extLst>
+                <a:ext uri="{FF2B5EF4-FFF2-40B4-BE49-F238E27FC236}">
+                  <a16:creationId xmlns:a16="http://schemas.microsoft.com/office/drawing/2014/main" id="{743ECCAF-29C5-4537-947C-7EA1292463DB}"/>
+                </a:ext>
+                <a:ext uri="{C183D7F6-B498-43B3-948B-1728B52AA6E4}">
+                  <adec:decorative xmlns:adec="http://schemas.microsoft.com/office/drawing/2017/decorative" val="1"/>
+                </a:ext>
+              </a:extLst>
+            </p:cNvPr>
+            <p:cNvSpPr/>
+            <p:nvPr>
+              <p:extLst>
+                <p:ext uri="{386F3935-93C4-4BCD-93E2-E3B085C9AB24}">
+                  <p16:designElem xmlns:p16="http://schemas.microsoft.com/office/powerpoint/2015/main" val="1"/>
+                </p:ext>
+              </p:extLst>
+            </p:nvPr>
+          </p:nvSpPr>
+          <p:spPr>
+            <a:xfrm>
+              <a:off x="4715626" y="308034"/>
+              <a:ext cx="566743" cy="3428999"/>
+            </a:xfrm>
+            <a:prstGeom prst="rect">
+              <a:avLst/>
+            </a:prstGeom>
+            <a:grpFill/>
+            <a:ln>
+              <a:noFill/>
+            </a:ln>
+          </p:spPr>
+          <p:style>
+            <a:lnRef idx="2">
+              <a:schemeClr val="accent1">
+                <a:shade val="50000"/>
+              </a:schemeClr>
+            </a:lnRef>
+            <a:fillRef idx="1">
+              <a:schemeClr val="accent1"/>
+            </a:fillRef>
+            <a:effectRef idx="0">
+              <a:schemeClr val="accent1"/>
+            </a:effectRef>
+            <a:fontRef idx="minor">
+              <a:schemeClr val="lt1"/>
+            </a:fontRef>
+          </p:style>
+          <p:txBody>
+            <a:bodyPr rtlCol="0" anchor="ctr"/>
+            <a:lstStyle/>
+            <a:p>
+              <a:pPr algn="ctr"/>
+              <a:endParaRPr lang="en-US"/>
+            </a:p>
+          </p:txBody>
+        </p:sp>
+        <p:sp>
+          <p:nvSpPr>
+            <p:cNvPr id="211" name="Rectangle 210">
+              <a:extLst>
+                <a:ext uri="{FF2B5EF4-FFF2-40B4-BE49-F238E27FC236}">
+                  <a16:creationId xmlns:a16="http://schemas.microsoft.com/office/drawing/2014/main" id="{ED49787B-8DE6-4467-AD0A-8DECC6E0C2D6}"/>
+                </a:ext>
+                <a:ext uri="{C183D7F6-B498-43B3-948B-1728B52AA6E4}">
+                  <adec:decorative xmlns:adec="http://schemas.microsoft.com/office/drawing/2017/decorative" val="1"/>
+                </a:ext>
+              </a:extLst>
+            </p:cNvPr>
+            <p:cNvSpPr/>
+            <p:nvPr>
+              <p:extLst>
+                <p:ext uri="{386F3935-93C4-4BCD-93E2-E3B085C9AB24}">
+                  <p16:designElem xmlns:p16="http://schemas.microsoft.com/office/powerpoint/2015/main" val="1"/>
+                </p:ext>
+              </p:extLst>
+            </p:nvPr>
+          </p:nvSpPr>
+          <p:spPr>
+            <a:xfrm>
+              <a:off x="5490650" y="308034"/>
+              <a:ext cx="566743" cy="3428999"/>
+            </a:xfrm>
+            <a:prstGeom prst="rect">
+              <a:avLst/>
+            </a:prstGeom>
+            <a:grpFill/>
+            <a:ln>
+              <a:noFill/>
+            </a:ln>
+          </p:spPr>
+          <p:style>
+            <a:lnRef idx="2">
+              <a:schemeClr val="accent1">
+                <a:shade val="50000"/>
+              </a:schemeClr>
+            </a:lnRef>
+            <a:fillRef idx="1">
+              <a:schemeClr val="accent1"/>
+            </a:fillRef>
+            <a:effectRef idx="0">
+              <a:schemeClr val="accent1"/>
+            </a:effectRef>
+            <a:fontRef idx="minor">
+              <a:schemeClr val="lt1"/>
+            </a:fontRef>
+          </p:style>
+          <p:txBody>
+            <a:bodyPr rtlCol="0" anchor="ctr"/>
+            <a:lstStyle/>
+            <a:p>
+              <a:pPr algn="ctr"/>
+              <a:endParaRPr lang="en-US"/>
+            </a:p>
+          </p:txBody>
+        </p:sp>
+      </p:grpSp>
+      <p:sp>
+        <p:nvSpPr>
+          <p:cNvPr id="213" name="Rectangle 212">
+            <a:extLst>
+              <a:ext uri="{FF2B5EF4-FFF2-40B4-BE49-F238E27FC236}">
+                <a16:creationId xmlns:a16="http://schemas.microsoft.com/office/drawing/2014/main" id="{D5B0017B-2ECA-49AF-B397-DC140825DF8D}"/>
+              </a:ext>
+              <a:ext uri="{C183D7F6-B498-43B3-948B-1728B52AA6E4}">
+                <adec:decorative xmlns:adec="http://schemas.microsoft.com/office/drawing/2017/decorative" val="1"/>
+              </a:ext>
+            </a:extLst>
+          </p:cNvPr>
+          <p:cNvSpPr>
+            <a:spLocks noGrp="1" noRot="1" noChangeAspect="1" noMove="1" noResize="1" noEditPoints="1" noAdjustHandles="1" noChangeArrowheads="1" noChangeShapeType="1" noTextEdit="1"/>
+          </p:cNvSpPr>
+          <p:nvPr>
+            <p:extLst>
+              <p:ext uri="{386F3935-93C4-4BCD-93E2-E3B085C9AB24}">
+                <p16:designElem xmlns:p16="http://schemas.microsoft.com/office/powerpoint/2015/main" val="1"/>
+              </p:ext>
+            </p:extLst>
+          </p:nvPr>
+        </p:nvSpPr>
+        <p:spPr>
+          <a:xfrm>
+            <a:off x="640079" y="613954"/>
+            <a:ext cx="10907487" cy="1894116"/>
+          </a:xfrm>
+          <a:prstGeom prst="rect">
+            <a:avLst/>
+          </a:prstGeom>
+          <a:solidFill>
+            <a:schemeClr val="bg1"/>
+          </a:solidFill>
+          <a:ln>
+            <a:noFill/>
+          </a:ln>
+          <a:effectLst>
+            <a:outerShdw blurRad="139700" dist="127000" dir="5400000" algn="t" rotWithShape="0">
+              <a:prstClr val="black">
+                <a:alpha val="15000"/>
+              </a:prstClr>
+            </a:outerShdw>
+          </a:effectLst>
+        </p:spPr>
+        <p:style>
+          <a:lnRef idx="2">
+            <a:schemeClr val="accent1">
+              <a:shade val="50000"/>
+            </a:schemeClr>
+          </a:lnRef>
+          <a:fillRef idx="1">
+            <a:schemeClr val="accent1"/>
+          </a:fillRef>
+          <a:effectRef idx="0">
+            <a:schemeClr val="accent1"/>
+          </a:effectRef>
+          <a:fontRef idx="minor">
+            <a:schemeClr val="lt1"/>
+          </a:fontRef>
+        </p:style>
+        <p:txBody>
+          <a:bodyPr rtlCol="0" anchor="ctr"/>
+          <a:lstStyle/>
+          <a:p>
+            <a:pPr algn="ctr"/>
+            <a:endParaRPr lang="en-US"/>
+          </a:p>
+        </p:txBody>
+      </p:sp>
+      <p:sp>
+        <p:nvSpPr>
+          <p:cNvPr id="2" name="Title 1">
+            <a:extLst>
+              <a:ext uri="{FF2B5EF4-FFF2-40B4-BE49-F238E27FC236}">
+                <a16:creationId xmlns:a16="http://schemas.microsoft.com/office/drawing/2014/main" id="{8B0E2676-9157-FC8B-B4FF-7A113D655D5A}"/>
+              </a:ext>
+            </a:extLst>
+          </p:cNvPr>
+          <p:cNvSpPr>
+            <a:spLocks noGrp="1"/>
+          </p:cNvSpPr>
+          <p:nvPr>
+            <p:ph type="title"/>
+          </p:nvPr>
+        </p:nvSpPr>
+        <p:spPr>
+          <a:xfrm>
+            <a:off x="1043631" y="809898"/>
+            <a:ext cx="9942716" cy="1554480"/>
+          </a:xfrm>
+        </p:spPr>
+        <p:txBody>
+          <a:bodyPr anchor="ctr">
+            <a:normAutofit/>
+          </a:bodyPr>
+          <a:lstStyle/>
+          <a:p>
+            <a:r>
+              <a:rPr lang="en-US" sz="4800" dirty="0"/>
+              <a:t>Hyperparameter Grids for GridSearchCV</a:t>
+            </a:r>
+          </a:p>
+        </p:txBody>
+      </p:sp>
+      <p:sp>
+        <p:nvSpPr>
+          <p:cNvPr id="5" name="Rectangle 2">
+            <a:extLst>
+              <a:ext uri="{FF2B5EF4-FFF2-40B4-BE49-F238E27FC236}">
+                <a16:creationId xmlns:a16="http://schemas.microsoft.com/office/drawing/2014/main" id="{FAEC52A0-AA10-B939-0D8C-ABBCEBD0A8B1}"/>
+              </a:ext>
+            </a:extLst>
+          </p:cNvPr>
+          <p:cNvSpPr>
+            <a:spLocks noGrp="1" noChangeArrowheads="1"/>
+          </p:cNvSpPr>
+          <p:nvPr>
+            <p:ph idx="1"/>
+          </p:nvPr>
+        </p:nvSpPr>
+        <p:spPr bwMode="auto">
+          <a:xfrm>
+            <a:off x="1045028" y="2704014"/>
+            <a:ext cx="9941319" cy="3438166"/>
+          </a:xfrm>
+          <a:prstGeom prst="rect">
+            <a:avLst/>
+          </a:prstGeom>
+          <a:extLst>
+            <a:ext uri="{909E8E84-426E-40DD-AFC4-6F175D3DCCD1}">
+              <a14:hiddenFill xmlns:a14="http://schemas.microsoft.com/office/drawing/2010/main">
+                <a:solidFill>
+                  <a:schemeClr val="accent1"/>
+                </a:solidFill>
+              </a14:hiddenFill>
+            </a:ext>
+            <a:ext uri="{91240B29-F687-4F45-9708-019B960494DF}">
+              <a14:hiddenLine xmlns:a14="http://schemas.microsoft.com/office/drawing/2010/main" w="9525">
+                <a:solidFill>
+                  <a:schemeClr val="tx1"/>
+                </a:solidFill>
+                <a:miter lim="800000"/>
+                <a:headEnd/>
+                <a:tailEnd/>
+              </a14:hiddenLine>
+            </a:ext>
+            <a:ext uri="{AF507438-7753-43E0-B8FC-AC1667EBCBE1}">
+              <a14:hiddenEffects xmlns:a14="http://schemas.microsoft.com/office/drawing/2010/main">
+                <a:effectLst>
+                  <a:outerShdw dist="35921" dir="2700000" algn="ctr" rotWithShape="0">
+                    <a:schemeClr val="bg2"/>
+                  </a:outerShdw>
+                </a:effectLst>
+              </a14:hiddenEffects>
+            </a:ext>
+          </a:extLst>
+        </p:spPr>
+        <p:txBody>
+          <a:bodyPr vert="horz" lIns="91440" tIns="45720" rIns="91440" bIns="45720" numCol="1" anchor="ctr" anchorCtr="0" compatLnSpc="1">
+            <a:prstTxWarp prst="textNoShape">
+              <a:avLst/>
+            </a:prstTxWarp>
+            <a:normAutofit fontScale="92500" lnSpcReduction="10000"/>
+          </a:bodyPr>
+          <a:lstStyle/>
+          <a:p>
+            <a:pPr marL="0" marR="0" lvl="0" indent="0" defTabSz="914400" rtl="0" eaLnBrk="0" fontAlgn="base" latinLnBrk="0" hangingPunct="0">
+              <a:spcBef>
+                <a:spcPct val="0"/>
+              </a:spcBef>
+              <a:spcAft>
+                <a:spcPts val="600"/>
+              </a:spcAft>
+              <a:buClrTx/>
+              <a:buSzTx/>
+              <a:buNone/>
+              <a:tabLst/>
+            </a:pPr>
+            <a:r>
+              <a:rPr kumimoji="0" lang="en-US" altLang="en-US" sz="2400" b="1" i="0" u="none" strike="noStrike" cap="none" normalizeH="0" baseline="0" dirty="0">
+                <a:ln>
+                  <a:noFill/>
+                </a:ln>
+                <a:effectLst/>
+                <a:latin typeface="Arial" panose="020B0604020202020204" pitchFamily="34" charset="0"/>
+              </a:rPr>
+              <a:t>AdaBoost Hyperparameters</a:t>
+            </a:r>
+            <a:r>
+              <a:rPr kumimoji="0" lang="en-US" altLang="en-US" sz="2400" b="0" i="0" u="none" strike="noStrike" cap="none" normalizeH="0" baseline="0" dirty="0">
+                <a:ln>
+                  <a:noFill/>
+                </a:ln>
+                <a:effectLst/>
+                <a:latin typeface="Arial" panose="020B0604020202020204" pitchFamily="34" charset="0"/>
+              </a:rPr>
+              <a:t>:</a:t>
+            </a:r>
+          </a:p>
+          <a:p>
+            <a:pPr marL="0" marR="0" lvl="0" indent="0" defTabSz="914400" rtl="0" eaLnBrk="0" fontAlgn="base" latinLnBrk="0" hangingPunct="0">
+              <a:spcBef>
+                <a:spcPct val="0"/>
+              </a:spcBef>
+              <a:spcAft>
+                <a:spcPts val="600"/>
+              </a:spcAft>
+              <a:buClrTx/>
+              <a:buSzTx/>
+              <a:buFontTx/>
+              <a:buChar char="•"/>
+              <a:tabLst/>
+            </a:pPr>
+            <a:r>
+              <a:rPr kumimoji="0" lang="en-US" altLang="en-US" sz="2400" b="1" i="0" u="none" strike="noStrike" cap="none" normalizeH="0" baseline="0" dirty="0">
+                <a:ln>
+                  <a:noFill/>
+                </a:ln>
+                <a:effectLst/>
+                <a:latin typeface="Arial" panose="020B0604020202020204" pitchFamily="34" charset="0"/>
+              </a:rPr>
+              <a:t> n_estimators</a:t>
+            </a:r>
+            <a:r>
+              <a:rPr kumimoji="0" lang="en-US" altLang="en-US" sz="2400" b="0" i="0" u="none" strike="noStrike" cap="none" normalizeH="0" baseline="0" dirty="0">
+                <a:ln>
+                  <a:noFill/>
+                </a:ln>
+                <a:effectLst/>
+                <a:latin typeface="Arial" panose="020B0604020202020204" pitchFamily="34" charset="0"/>
+              </a:rPr>
+              <a:t>: 50, 100, 200</a:t>
+            </a:r>
+          </a:p>
+          <a:p>
+            <a:pPr marL="0" marR="0" lvl="0" indent="0" defTabSz="914400" rtl="0" eaLnBrk="0" fontAlgn="base" latinLnBrk="0" hangingPunct="0">
+              <a:spcBef>
+                <a:spcPct val="0"/>
+              </a:spcBef>
+              <a:spcAft>
+                <a:spcPts val="600"/>
+              </a:spcAft>
+              <a:buClrTx/>
+              <a:buSzTx/>
+              <a:buFontTx/>
+              <a:buChar char="•"/>
+              <a:tabLst/>
+            </a:pPr>
+            <a:r>
+              <a:rPr kumimoji="0" lang="en-US" altLang="en-US" sz="2400" b="1" i="0" u="none" strike="noStrike" cap="none" normalizeH="0" baseline="0" dirty="0">
+                <a:ln>
+                  <a:noFill/>
+                </a:ln>
+                <a:effectLst/>
+                <a:latin typeface="Arial" panose="020B0604020202020204" pitchFamily="34" charset="0"/>
+              </a:rPr>
+              <a:t> learning_rate</a:t>
+            </a:r>
+            <a:r>
+              <a:rPr kumimoji="0" lang="en-US" altLang="en-US" sz="2400" b="0" i="0" u="none" strike="noStrike" cap="none" normalizeH="0" baseline="0" dirty="0">
+                <a:ln>
+                  <a:noFill/>
+                </a:ln>
+                <a:effectLst/>
+                <a:latin typeface="Arial" panose="020B0604020202020204" pitchFamily="34" charset="0"/>
+              </a:rPr>
+              <a:t>: 0.01, 0.1, 1.0</a:t>
+            </a:r>
+          </a:p>
+          <a:p>
+            <a:pPr marL="0" marR="0" lvl="0" indent="0" defTabSz="914400" rtl="0" eaLnBrk="0" fontAlgn="base" latinLnBrk="0" hangingPunct="0">
+              <a:spcBef>
+                <a:spcPct val="0"/>
+              </a:spcBef>
+              <a:spcAft>
+                <a:spcPts val="600"/>
+              </a:spcAft>
+              <a:buClrTx/>
+              <a:buSzTx/>
+              <a:buFontTx/>
+              <a:buChar char="•"/>
+              <a:tabLst/>
+            </a:pPr>
+            <a:r>
+              <a:rPr kumimoji="0" lang="en-US" altLang="en-US" sz="2400" b="1" i="0" u="none" strike="noStrike" cap="none" normalizeH="0" baseline="0" dirty="0">
+                <a:ln>
+                  <a:noFill/>
+                </a:ln>
+                <a:effectLst/>
+                <a:latin typeface="Arial" panose="020B0604020202020204" pitchFamily="34" charset="0"/>
+              </a:rPr>
+              <a:t> algorithm</a:t>
+            </a:r>
+            <a:r>
+              <a:rPr kumimoji="0" lang="en-US" altLang="en-US" sz="2400" b="0" i="0" u="none" strike="noStrike" cap="none" normalizeH="0" baseline="0" dirty="0">
+                <a:ln>
+                  <a:noFill/>
+                </a:ln>
+                <a:effectLst/>
+                <a:latin typeface="Arial" panose="020B0604020202020204" pitchFamily="34" charset="0"/>
+              </a:rPr>
+              <a:t>: 'SAMME’</a:t>
+            </a:r>
+          </a:p>
+          <a:p>
+            <a:pPr marL="0" marR="0" lvl="0" indent="0" defTabSz="914400" rtl="0" eaLnBrk="0" fontAlgn="base" latinLnBrk="0" hangingPunct="0">
+              <a:spcBef>
+                <a:spcPct val="0"/>
+              </a:spcBef>
+              <a:spcAft>
+                <a:spcPts val="600"/>
+              </a:spcAft>
+              <a:buClrTx/>
+              <a:buSzTx/>
+              <a:buNone/>
+              <a:tabLst/>
+            </a:pPr>
+            <a:endParaRPr kumimoji="0" lang="en-US" altLang="en-US" sz="2400" b="0" i="0" u="none" strike="noStrike" cap="none" normalizeH="0" baseline="0" dirty="0">
+              <a:ln>
+                <a:noFill/>
+              </a:ln>
+              <a:effectLst/>
+              <a:latin typeface="Arial" panose="020B0604020202020204" pitchFamily="34" charset="0"/>
+            </a:endParaRPr>
+          </a:p>
+          <a:p>
+            <a:pPr marL="0" marR="0" lvl="0" indent="0" defTabSz="914400" rtl="0" eaLnBrk="0" fontAlgn="base" latinLnBrk="0" hangingPunct="0">
+              <a:spcBef>
+                <a:spcPct val="0"/>
+              </a:spcBef>
+              <a:spcAft>
+                <a:spcPts val="600"/>
+              </a:spcAft>
+              <a:buClrTx/>
+              <a:buSzTx/>
+              <a:buNone/>
+              <a:tabLst/>
+            </a:pPr>
+            <a:r>
+              <a:rPr kumimoji="0" lang="en-US" altLang="en-US" sz="2400" b="1" i="0" u="none" strike="noStrike" cap="none" normalizeH="0" baseline="0" dirty="0">
+                <a:ln>
+                  <a:noFill/>
+                </a:ln>
+                <a:effectLst/>
+                <a:latin typeface="Arial" panose="020B0604020202020204" pitchFamily="34" charset="0"/>
+              </a:rPr>
+              <a:t>CatBoost Hyperparameters</a:t>
+            </a:r>
+            <a:r>
+              <a:rPr kumimoji="0" lang="en-US" altLang="en-US" sz="2400" b="0" i="0" u="none" strike="noStrike" cap="none" normalizeH="0" baseline="0" dirty="0">
+                <a:ln>
+                  <a:noFill/>
+                </a:ln>
+                <a:effectLst/>
+                <a:latin typeface="Arial" panose="020B0604020202020204" pitchFamily="34" charset="0"/>
+              </a:rPr>
+              <a:t>:</a:t>
+            </a:r>
+          </a:p>
+          <a:p>
+            <a:pPr marL="0" marR="0" lvl="0" indent="0" defTabSz="914400" rtl="0" eaLnBrk="0" fontAlgn="base" latinLnBrk="0" hangingPunct="0">
+              <a:spcBef>
+                <a:spcPct val="0"/>
+              </a:spcBef>
+              <a:spcAft>
+                <a:spcPts val="600"/>
+              </a:spcAft>
+              <a:buClrTx/>
+              <a:buSzTx/>
+              <a:buFontTx/>
+              <a:buChar char="•"/>
+              <a:tabLst/>
+            </a:pPr>
+            <a:r>
+              <a:rPr kumimoji="0" lang="en-US" altLang="en-US" sz="2400" b="1" i="0" u="none" strike="noStrike" cap="none" normalizeH="0" baseline="0" dirty="0">
+                <a:ln>
+                  <a:noFill/>
+                </a:ln>
+                <a:effectLst/>
+                <a:latin typeface="Arial" panose="020B0604020202020204" pitchFamily="34" charset="0"/>
+              </a:rPr>
+              <a:t> depth</a:t>
+            </a:r>
+            <a:r>
+              <a:rPr kumimoji="0" lang="en-US" altLang="en-US" sz="2400" b="0" i="0" u="none" strike="noStrike" cap="none" normalizeH="0" baseline="0" dirty="0">
+                <a:ln>
+                  <a:noFill/>
+                </a:ln>
+                <a:effectLst/>
+                <a:latin typeface="Arial" panose="020B0604020202020204" pitchFamily="34" charset="0"/>
+              </a:rPr>
+              <a:t>: 4, 6</a:t>
+            </a:r>
+          </a:p>
+          <a:p>
+            <a:pPr marL="0" marR="0" lvl="0" indent="0" defTabSz="914400" rtl="0" eaLnBrk="0" fontAlgn="base" latinLnBrk="0" hangingPunct="0">
+              <a:spcBef>
+                <a:spcPct val="0"/>
+              </a:spcBef>
+              <a:spcAft>
+                <a:spcPts val="600"/>
+              </a:spcAft>
+              <a:buClrTx/>
+              <a:buSzTx/>
+              <a:buFontTx/>
+              <a:buChar char="•"/>
+              <a:tabLst/>
+            </a:pPr>
+            <a:r>
+              <a:rPr kumimoji="0" lang="en-US" altLang="en-US" sz="2400" b="1" i="0" u="none" strike="noStrike" cap="none" normalizeH="0" baseline="0" dirty="0">
+                <a:ln>
+                  <a:noFill/>
+                </a:ln>
+                <a:effectLst/>
+                <a:latin typeface="Arial" panose="020B0604020202020204" pitchFamily="34" charset="0"/>
+              </a:rPr>
+              <a:t> iterations</a:t>
+            </a:r>
+            <a:r>
+              <a:rPr kumimoji="0" lang="en-US" altLang="en-US" sz="2400" b="0" i="0" u="none" strike="noStrike" cap="none" normalizeH="0" baseline="0" dirty="0">
+                <a:ln>
+                  <a:noFill/>
+                </a:ln>
+                <a:effectLst/>
+                <a:latin typeface="Arial" panose="020B0604020202020204" pitchFamily="34" charset="0"/>
+              </a:rPr>
+              <a:t>: 100, 200</a:t>
+            </a:r>
+          </a:p>
+          <a:p>
+            <a:pPr marL="0" marR="0" lvl="0" indent="0" defTabSz="914400" rtl="0" eaLnBrk="0" fontAlgn="base" latinLnBrk="0" hangingPunct="0">
+              <a:spcBef>
+                <a:spcPct val="0"/>
+              </a:spcBef>
+              <a:spcAft>
+                <a:spcPts val="600"/>
+              </a:spcAft>
+              <a:buClrTx/>
+              <a:buSzTx/>
+              <a:buFontTx/>
+              <a:buChar char="•"/>
+              <a:tabLst/>
+            </a:pPr>
+            <a:r>
+              <a:rPr kumimoji="0" lang="en-US" altLang="en-US" sz="2400" b="1" i="0" u="none" strike="noStrike" cap="none" normalizeH="0" baseline="0" dirty="0">
+                <a:ln>
+                  <a:noFill/>
+                </a:ln>
+                <a:effectLst/>
+                <a:latin typeface="Arial" panose="020B0604020202020204" pitchFamily="34" charset="0"/>
+              </a:rPr>
+              <a:t> learning_rate</a:t>
+            </a:r>
+            <a:r>
+              <a:rPr kumimoji="0" lang="en-US" altLang="en-US" sz="2400" b="0" i="0" u="none" strike="noStrike" cap="none" normalizeH="0" baseline="0" dirty="0">
+                <a:ln>
+                  <a:noFill/>
+                </a:ln>
+                <a:effectLst/>
+                <a:latin typeface="Arial" panose="020B0604020202020204" pitchFamily="34" charset="0"/>
+              </a:rPr>
+              <a:t>: 0.01, 0.1</a:t>
+            </a:r>
+          </a:p>
+          <a:p>
+            <a:pPr marL="0" marR="0" lvl="0" indent="0" defTabSz="914400" rtl="0" eaLnBrk="0" fontAlgn="base" latinLnBrk="0" hangingPunct="0">
+              <a:spcBef>
+                <a:spcPct val="0"/>
+              </a:spcBef>
+              <a:spcAft>
+                <a:spcPts val="600"/>
+              </a:spcAft>
+              <a:buClrTx/>
+              <a:buSzTx/>
+              <a:buFontTx/>
+              <a:buNone/>
+              <a:tabLst/>
+            </a:pPr>
+            <a:endParaRPr kumimoji="0" lang="en-US" altLang="en-US" sz="1900" b="0" i="0" u="none" strike="noStrike" cap="none" normalizeH="0" baseline="0" dirty="0">
+              <a:ln>
+                <a:noFill/>
+              </a:ln>
+              <a:effectLst/>
+              <a:latin typeface="Arial" panose="020B0604020202020204" pitchFamily="34" charset="0"/>
+            </a:endParaRPr>
+          </a:p>
+        </p:txBody>
+      </p:sp>
+      <p:cxnSp>
+        <p:nvCxnSpPr>
+          <p:cNvPr id="215" name="Straight Connector 214">
+            <a:extLst>
+              <a:ext uri="{FF2B5EF4-FFF2-40B4-BE49-F238E27FC236}">
+                <a16:creationId xmlns:a16="http://schemas.microsoft.com/office/drawing/2014/main" id="{6CF1BAF6-AD41-4082-B212-8A1F9A2E8779}"/>
+              </a:ext>
+              <a:ext uri="{C183D7F6-B498-43B3-948B-1728B52AA6E4}">
+                <adec:decorative xmlns:adec="http://schemas.microsoft.com/office/drawing/2017/decorative" val="1"/>
+              </a:ext>
+            </a:extLst>
+          </p:cNvPr>
+          <p:cNvCxnSpPr>
+            <a:cxnSpLocks noGrp="1" noRot="1" noChangeAspect="1" noMove="1" noResize="1" noEditPoints="1" noAdjustHandles="1" noChangeArrowheads="1" noChangeShapeType="1"/>
+          </p:cNvCxnSpPr>
+          <p:nvPr>
+            <p:extLst>
+              <p:ext uri="{386F3935-93C4-4BCD-93E2-E3B085C9AB24}">
+                <p16:designElem xmlns:p16="http://schemas.microsoft.com/office/powerpoint/2015/main" val="1"/>
+              </p:ext>
+            </p:extLst>
+          </p:nvPr>
+        </p:nvCxnSpPr>
+        <p:spPr>
+          <a:xfrm flipH="1">
+            <a:off x="838200" y="6485313"/>
+            <a:ext cx="10515600" cy="0"/>
+          </a:xfrm>
+          <a:prstGeom prst="line">
+            <a:avLst/>
+          </a:prstGeom>
+          <a:ln w="57150">
+            <a:solidFill>
+              <a:schemeClr val="accent4"/>
+            </a:solidFill>
+          </a:ln>
+        </p:spPr>
+        <p:style>
+          <a:lnRef idx="1">
+            <a:schemeClr val="accent1"/>
+          </a:lnRef>
+          <a:fillRef idx="0">
+            <a:schemeClr val="accent1"/>
+          </a:fillRef>
+          <a:effectRef idx="0">
+            <a:schemeClr val="accent1"/>
+          </a:effectRef>
+          <a:fontRef idx="minor">
+            <a:schemeClr val="tx1"/>
+          </a:fontRef>
+        </p:style>
+      </p:cxnSp>
+    </p:spTree>
+    <p:extLst>
+      <p:ext uri="{BB962C8B-B14F-4D97-AF65-F5344CB8AC3E}">
+        <p14:creationId xmlns:p14="http://schemas.microsoft.com/office/powerpoint/2010/main" val="4284985682"/>
+      </p:ext>
+    </p:extLst>
+  </p:cSld>
+  <p:clrMapOvr>
+    <a:masterClrMapping/>
+  </p:clrMapOvr>
+</p:sld>
+</file>
+
+<file path=ppt/slides/slide23.xml><?xml version="1.0" encoding="utf-8"?>
+<p:sld xmlns:a="http://schemas.openxmlformats.org/drawingml/2006/main" xmlns:r="http://schemas.openxmlformats.org/officeDocument/2006/relationships" xmlns:p="http://schemas.openxmlformats.org/presentationml/2006/main">
+  <p:cSld>
+    <p:bg>
+      <p:bgPr>
+        <a:solidFill>
+          <a:schemeClr val="bg1"/>
+        </a:solidFill>
+        <a:effectLst/>
+      </p:bgPr>
+    </p:bg>
+    <p:spTree>
+      <p:nvGrpSpPr>
+        <p:cNvPr id="1" name="">
+          <a:extLst>
+            <a:ext uri="{FF2B5EF4-FFF2-40B4-BE49-F238E27FC236}">
+              <a16:creationId xmlns:a16="http://schemas.microsoft.com/office/drawing/2014/main" id="{12C9A870-5A3F-6512-37CF-6C184D5808DD}"/>
+            </a:ext>
+          </a:extLst>
+        </p:cNvPr>
+        <p:cNvGrpSpPr/>
+        <p:nvPr/>
+      </p:nvGrpSpPr>
+      <p:grpSpPr>
+        <a:xfrm>
+          <a:off x="0" y="0"/>
+          <a:ext cx="0" cy="0"/>
+          <a:chOff x="0" y="0"/>
+          <a:chExt cx="0" cy="0"/>
+        </a:xfrm>
+      </p:grpSpPr>
+      <p:sp useBgFill="1">
+        <p:nvSpPr>
+          <p:cNvPr id="308" name="Rectangle 307">
+            <a:extLst>
+              <a:ext uri="{FF2B5EF4-FFF2-40B4-BE49-F238E27FC236}">
+                <a16:creationId xmlns:a16="http://schemas.microsoft.com/office/drawing/2014/main" id="{B6CDA21F-E7AF-4C75-8395-33F58D5B0E45}"/>
+              </a:ext>
+              <a:ext uri="{C183D7F6-B498-43B3-948B-1728B52AA6E4}">
+                <adec:decorative xmlns:adec="http://schemas.microsoft.com/office/drawing/2017/decorative" val="1"/>
+              </a:ext>
+            </a:extLst>
+          </p:cNvPr>
+          <p:cNvSpPr>
+            <a:spLocks noGrp="1" noRot="1" noChangeAspect="1" noMove="1" noResize="1" noEditPoints="1" noAdjustHandles="1" noChangeArrowheads="1" noChangeShapeType="1" noTextEdit="1"/>
+          </p:cNvSpPr>
+          <p:nvPr>
+            <p:extLst>
+              <p:ext uri="{386F3935-93C4-4BCD-93E2-E3B085C9AB24}">
+                <p16:designElem xmlns:p16="http://schemas.microsoft.com/office/powerpoint/2015/main" val="1"/>
+              </p:ext>
+            </p:extLst>
+          </p:nvPr>
+        </p:nvSpPr>
+        <p:spPr>
+          <a:xfrm>
+            <a:off x="0" y="0"/>
+            <a:ext cx="12191999" cy="6857365"/>
+          </a:xfrm>
+          <a:prstGeom prst="rect">
+            <a:avLst/>
+          </a:prstGeom>
+          <a:ln>
+            <a:noFill/>
+          </a:ln>
+        </p:spPr>
+        <p:style>
+          <a:lnRef idx="2">
+            <a:schemeClr val="accent1">
+              <a:shade val="50000"/>
+            </a:schemeClr>
+          </a:lnRef>
+          <a:fillRef idx="1">
+            <a:schemeClr val="accent1"/>
+          </a:fillRef>
+          <a:effectRef idx="0">
+            <a:schemeClr val="accent1"/>
+          </a:effectRef>
+          <a:fontRef idx="minor">
+            <a:schemeClr val="lt1"/>
+          </a:fontRef>
+        </p:style>
+        <p:txBody>
+          <a:bodyPr rtlCol="0" anchor="ctr"/>
+          <a:lstStyle/>
+          <a:p>
+            <a:pPr algn="ctr"/>
+            <a:endParaRPr lang="en-US"/>
+          </a:p>
+        </p:txBody>
+      </p:sp>
+      <p:grpSp>
+        <p:nvGrpSpPr>
+          <p:cNvPr id="310" name="Group 309">
+            <a:extLst>
+              <a:ext uri="{FF2B5EF4-FFF2-40B4-BE49-F238E27FC236}">
+                <a16:creationId xmlns:a16="http://schemas.microsoft.com/office/drawing/2014/main" id="{AE1C45F0-260A-458C-96ED-C1F6D2151219}"/>
+              </a:ext>
+              <a:ext uri="{C183D7F6-B498-43B3-948B-1728B52AA6E4}">
+                <adec:decorative xmlns:adec="http://schemas.microsoft.com/office/drawing/2017/decorative" val="1"/>
+              </a:ext>
+            </a:extLst>
+          </p:cNvPr>
+          <p:cNvGrpSpPr>
+            <a:grpSpLocks noGrp="1" noUngrp="1" noRot="1" noChangeAspect="1" noMove="1" noResize="1"/>
+          </p:cNvGrpSpPr>
+          <p:nvPr>
+            <p:extLst>
+              <p:ext uri="{386F3935-93C4-4BCD-93E2-E3B085C9AB24}">
+                <p16:designElem xmlns:p16="http://schemas.microsoft.com/office/powerpoint/2015/main" val="1"/>
+              </p:ext>
+            </p:extLst>
+          </p:nvPr>
+        </p:nvGrpSpPr>
+        <p:grpSpPr>
+          <a:xfrm>
+            <a:off x="4" y="1216597"/>
+            <a:ext cx="731521" cy="673460"/>
+            <a:chOff x="3940602" y="308034"/>
+            <a:chExt cx="2116791" cy="3428999"/>
+          </a:xfrm>
+          <a:solidFill>
+            <a:schemeClr val="accent4"/>
+          </a:solidFill>
+        </p:grpSpPr>
+        <p:sp>
+          <p:nvSpPr>
+            <p:cNvPr id="311" name="Rectangle 310">
+              <a:extLst>
+                <a:ext uri="{FF2B5EF4-FFF2-40B4-BE49-F238E27FC236}">
+                  <a16:creationId xmlns:a16="http://schemas.microsoft.com/office/drawing/2014/main" id="{A6604B49-AD5C-4590-B051-06C8222ECD99}"/>
+                </a:ext>
+                <a:ext uri="{C183D7F6-B498-43B3-948B-1728B52AA6E4}">
+                  <adec:decorative xmlns:adec="http://schemas.microsoft.com/office/drawing/2017/decorative" val="1"/>
+                </a:ext>
+              </a:extLst>
+            </p:cNvPr>
+            <p:cNvSpPr/>
+            <p:nvPr>
+              <p:extLst>
+                <p:ext uri="{386F3935-93C4-4BCD-93E2-E3B085C9AB24}">
+                  <p16:designElem xmlns:p16="http://schemas.microsoft.com/office/powerpoint/2015/main" val="1"/>
+                </p:ext>
+              </p:extLst>
+            </p:nvPr>
+          </p:nvSpPr>
+          <p:spPr>
+            <a:xfrm>
+              <a:off x="3940602" y="308034"/>
+              <a:ext cx="566743" cy="3428999"/>
+            </a:xfrm>
+            <a:prstGeom prst="rect">
+              <a:avLst/>
+            </a:prstGeom>
+            <a:grpFill/>
+            <a:ln>
+              <a:noFill/>
+            </a:ln>
+          </p:spPr>
+          <p:style>
+            <a:lnRef idx="2">
+              <a:schemeClr val="accent1">
+                <a:shade val="50000"/>
+              </a:schemeClr>
+            </a:lnRef>
+            <a:fillRef idx="1">
+              <a:schemeClr val="accent1"/>
+            </a:fillRef>
+            <a:effectRef idx="0">
+              <a:schemeClr val="accent1"/>
+            </a:effectRef>
+            <a:fontRef idx="minor">
+              <a:schemeClr val="lt1"/>
+            </a:fontRef>
+          </p:style>
+          <p:txBody>
+            <a:bodyPr rtlCol="0" anchor="ctr"/>
+            <a:lstStyle/>
+            <a:p>
+              <a:pPr algn="ctr"/>
+              <a:endParaRPr lang="en-US"/>
+            </a:p>
+          </p:txBody>
+        </p:sp>
+        <p:sp>
+          <p:nvSpPr>
+            <p:cNvPr id="312" name="Rectangle 311">
+              <a:extLst>
+                <a:ext uri="{FF2B5EF4-FFF2-40B4-BE49-F238E27FC236}">
+                  <a16:creationId xmlns:a16="http://schemas.microsoft.com/office/drawing/2014/main" id="{743ECCAF-29C5-4537-947C-7EA1292463DB}"/>
+                </a:ext>
+                <a:ext uri="{C183D7F6-B498-43B3-948B-1728B52AA6E4}">
+                  <adec:decorative xmlns:adec="http://schemas.microsoft.com/office/drawing/2017/decorative" val="1"/>
+                </a:ext>
+              </a:extLst>
+            </p:cNvPr>
+            <p:cNvSpPr/>
+            <p:nvPr>
+              <p:extLst>
+                <p:ext uri="{386F3935-93C4-4BCD-93E2-E3B085C9AB24}">
+                  <p16:designElem xmlns:p16="http://schemas.microsoft.com/office/powerpoint/2015/main" val="1"/>
+                </p:ext>
+              </p:extLst>
+            </p:nvPr>
+          </p:nvSpPr>
+          <p:spPr>
+            <a:xfrm>
+              <a:off x="4715626" y="308034"/>
+              <a:ext cx="566743" cy="3428999"/>
+            </a:xfrm>
+            <a:prstGeom prst="rect">
+              <a:avLst/>
+            </a:prstGeom>
+            <a:grpFill/>
+            <a:ln>
+              <a:noFill/>
+            </a:ln>
+          </p:spPr>
+          <p:style>
+            <a:lnRef idx="2">
+              <a:schemeClr val="accent1">
+                <a:shade val="50000"/>
+              </a:schemeClr>
+            </a:lnRef>
+            <a:fillRef idx="1">
+              <a:schemeClr val="accent1"/>
+            </a:fillRef>
+            <a:effectRef idx="0">
+              <a:schemeClr val="accent1"/>
+            </a:effectRef>
+            <a:fontRef idx="minor">
+              <a:schemeClr val="lt1"/>
+            </a:fontRef>
+          </p:style>
+          <p:txBody>
+            <a:bodyPr rtlCol="0" anchor="ctr"/>
+            <a:lstStyle/>
+            <a:p>
+              <a:pPr algn="ctr"/>
+              <a:endParaRPr lang="en-US"/>
+            </a:p>
+          </p:txBody>
+        </p:sp>
+        <p:sp>
+          <p:nvSpPr>
+            <p:cNvPr id="305" name="Rectangle 304">
+              <a:extLst>
+                <a:ext uri="{FF2B5EF4-FFF2-40B4-BE49-F238E27FC236}">
+                  <a16:creationId xmlns:a16="http://schemas.microsoft.com/office/drawing/2014/main" id="{ED49787B-8DE6-4467-AD0A-8DECC6E0C2D6}"/>
+                </a:ext>
+                <a:ext uri="{C183D7F6-B498-43B3-948B-1728B52AA6E4}">
+                  <adec:decorative xmlns:adec="http://schemas.microsoft.com/office/drawing/2017/decorative" val="1"/>
+                </a:ext>
+              </a:extLst>
+            </p:cNvPr>
+            <p:cNvSpPr/>
+            <p:nvPr>
+              <p:extLst>
+                <p:ext uri="{386F3935-93C4-4BCD-93E2-E3B085C9AB24}">
+                  <p16:designElem xmlns:p16="http://schemas.microsoft.com/office/powerpoint/2015/main" val="1"/>
+                </p:ext>
+              </p:extLst>
+            </p:nvPr>
+          </p:nvSpPr>
+          <p:spPr>
+            <a:xfrm>
+              <a:off x="5490650" y="308034"/>
+              <a:ext cx="566743" cy="3428999"/>
+            </a:xfrm>
+            <a:prstGeom prst="rect">
+              <a:avLst/>
+            </a:prstGeom>
+            <a:grpFill/>
+            <a:ln>
+              <a:noFill/>
+            </a:ln>
+          </p:spPr>
+          <p:style>
+            <a:lnRef idx="2">
+              <a:schemeClr val="accent1">
+                <a:shade val="50000"/>
+              </a:schemeClr>
+            </a:lnRef>
+            <a:fillRef idx="1">
+              <a:schemeClr val="accent1"/>
+            </a:fillRef>
+            <a:effectRef idx="0">
+              <a:schemeClr val="accent1"/>
+            </a:effectRef>
+            <a:fontRef idx="minor">
+              <a:schemeClr val="lt1"/>
+            </a:fontRef>
+          </p:style>
+          <p:txBody>
+            <a:bodyPr rtlCol="0" anchor="ctr"/>
+            <a:lstStyle/>
+            <a:p>
+              <a:pPr algn="ctr"/>
+              <a:endParaRPr lang="en-US"/>
+            </a:p>
+          </p:txBody>
+        </p:sp>
+      </p:grpSp>
+      <p:sp>
+        <p:nvSpPr>
+          <p:cNvPr id="307" name="Rectangle 306">
+            <a:extLst>
+              <a:ext uri="{FF2B5EF4-FFF2-40B4-BE49-F238E27FC236}">
+                <a16:creationId xmlns:a16="http://schemas.microsoft.com/office/drawing/2014/main" id="{D5B0017B-2ECA-49AF-B397-DC140825DF8D}"/>
+              </a:ext>
+              <a:ext uri="{C183D7F6-B498-43B3-948B-1728B52AA6E4}">
+                <adec:decorative xmlns:adec="http://schemas.microsoft.com/office/drawing/2017/decorative" val="1"/>
+              </a:ext>
+            </a:extLst>
+          </p:cNvPr>
+          <p:cNvSpPr>
+            <a:spLocks noGrp="1" noRot="1" noChangeAspect="1" noMove="1" noResize="1" noEditPoints="1" noAdjustHandles="1" noChangeArrowheads="1" noChangeShapeType="1" noTextEdit="1"/>
+          </p:cNvSpPr>
+          <p:nvPr>
+            <p:extLst>
+              <p:ext uri="{386F3935-93C4-4BCD-93E2-E3B085C9AB24}">
+                <p16:designElem xmlns:p16="http://schemas.microsoft.com/office/powerpoint/2015/main" val="1"/>
+              </p:ext>
+            </p:extLst>
+          </p:nvPr>
+        </p:nvSpPr>
+        <p:spPr>
+          <a:xfrm>
+            <a:off x="640079" y="613954"/>
+            <a:ext cx="10907487" cy="1894116"/>
+          </a:xfrm>
+          <a:prstGeom prst="rect">
+            <a:avLst/>
+          </a:prstGeom>
+          <a:solidFill>
+            <a:schemeClr val="bg1"/>
+          </a:solidFill>
+          <a:ln>
+            <a:noFill/>
+          </a:ln>
+          <a:effectLst>
+            <a:outerShdw blurRad="139700" dist="127000" dir="5400000" algn="t" rotWithShape="0">
+              <a:prstClr val="black">
+                <a:alpha val="15000"/>
+              </a:prstClr>
+            </a:outerShdw>
+          </a:effectLst>
+        </p:spPr>
+        <p:style>
+          <a:lnRef idx="2">
+            <a:schemeClr val="accent1">
+              <a:shade val="50000"/>
+            </a:schemeClr>
+          </a:lnRef>
+          <a:fillRef idx="1">
+            <a:schemeClr val="accent1"/>
+          </a:fillRef>
+          <a:effectRef idx="0">
+            <a:schemeClr val="accent1"/>
+          </a:effectRef>
+          <a:fontRef idx="minor">
+            <a:schemeClr val="lt1"/>
+          </a:fontRef>
+        </p:style>
+        <p:txBody>
+          <a:bodyPr rtlCol="0" anchor="ctr"/>
+          <a:lstStyle/>
+          <a:p>
+            <a:pPr algn="ctr"/>
+            <a:endParaRPr lang="en-US"/>
+          </a:p>
+        </p:txBody>
+      </p:sp>
+      <p:sp>
+        <p:nvSpPr>
+          <p:cNvPr id="2" name="Title 1">
+            <a:extLst>
+              <a:ext uri="{FF2B5EF4-FFF2-40B4-BE49-F238E27FC236}">
+                <a16:creationId xmlns:a16="http://schemas.microsoft.com/office/drawing/2014/main" id="{EB9FCEB1-D4DB-398C-01B5-A11CA167A2F0}"/>
+              </a:ext>
+            </a:extLst>
+          </p:cNvPr>
+          <p:cNvSpPr>
+            <a:spLocks noGrp="1"/>
+          </p:cNvSpPr>
+          <p:nvPr>
+            <p:ph type="title"/>
+          </p:nvPr>
+        </p:nvSpPr>
+        <p:spPr>
+          <a:xfrm>
+            <a:off x="1043631" y="809898"/>
+            <a:ext cx="9942716" cy="1554480"/>
+          </a:xfrm>
+        </p:spPr>
+        <p:txBody>
+          <a:bodyPr anchor="ctr">
+            <a:normAutofit/>
+          </a:bodyPr>
+          <a:lstStyle/>
+          <a:p>
+            <a:r>
+              <a:rPr lang="en-US" sz="4800"/>
+              <a:t>GridSearchCV for Hyperparameter Tuning</a:t>
+            </a:r>
+          </a:p>
+        </p:txBody>
+      </p:sp>
+      <p:sp>
+        <p:nvSpPr>
+          <p:cNvPr id="4" name="Rectangle 2">
+            <a:extLst>
+              <a:ext uri="{FF2B5EF4-FFF2-40B4-BE49-F238E27FC236}">
+                <a16:creationId xmlns:a16="http://schemas.microsoft.com/office/drawing/2014/main" id="{AE68ED36-3C3F-3695-F3AC-BFED9D2DFC35}"/>
+              </a:ext>
+            </a:extLst>
+          </p:cNvPr>
+          <p:cNvSpPr>
+            <a:spLocks noGrp="1" noChangeArrowheads="1"/>
+          </p:cNvSpPr>
+          <p:nvPr>
+            <p:ph idx="1"/>
+          </p:nvPr>
+        </p:nvSpPr>
+        <p:spPr bwMode="auto">
+          <a:xfrm>
+            <a:off x="1045028" y="3017522"/>
+            <a:ext cx="9941319" cy="3124658"/>
+          </a:xfrm>
+          <a:prstGeom prst="rect">
+            <a:avLst/>
+          </a:prstGeom>
+          <a:extLst>
+            <a:ext uri="{909E8E84-426E-40DD-AFC4-6F175D3DCCD1}">
+              <a14:hiddenFill xmlns:a14="http://schemas.microsoft.com/office/drawing/2010/main">
+                <a:solidFill>
+                  <a:schemeClr val="accent1"/>
+                </a:solidFill>
+              </a14:hiddenFill>
+            </a:ext>
+            <a:ext uri="{91240B29-F687-4F45-9708-019B960494DF}">
+              <a14:hiddenLine xmlns:a14="http://schemas.microsoft.com/office/drawing/2010/main" w="9525">
+                <a:solidFill>
+                  <a:schemeClr val="tx1"/>
+                </a:solidFill>
+                <a:miter lim="800000"/>
+                <a:headEnd/>
+                <a:tailEnd/>
+              </a14:hiddenLine>
+            </a:ext>
+            <a:ext uri="{AF507438-7753-43E0-B8FC-AC1667EBCBE1}">
+              <a14:hiddenEffects xmlns:a14="http://schemas.microsoft.com/office/drawing/2010/main">
+                <a:effectLst>
+                  <a:outerShdw dist="35921" dir="2700000" algn="ctr" rotWithShape="0">
+                    <a:schemeClr val="bg2"/>
+                  </a:outerShdw>
+                </a:effectLst>
+              </a14:hiddenEffects>
+            </a:ext>
+          </a:extLst>
+        </p:spPr>
+        <p:txBody>
+          <a:bodyPr vert="horz" lIns="91440" tIns="45720" rIns="91440" bIns="45720" numCol="1" anchor="ctr" anchorCtr="0" compatLnSpc="1">
+            <a:prstTxWarp prst="textNoShape">
+              <a:avLst/>
+            </a:prstTxWarp>
+            <a:normAutofit/>
+          </a:bodyPr>
+          <a:lstStyle/>
+          <a:p>
+            <a:pPr marL="0" marR="0" lvl="0" indent="0" defTabSz="914400" rtl="0" eaLnBrk="0" fontAlgn="base" latinLnBrk="0" hangingPunct="0">
+              <a:spcBef>
+                <a:spcPct val="0"/>
+              </a:spcBef>
+              <a:spcAft>
+                <a:spcPts val="600"/>
+              </a:spcAft>
+              <a:buClrTx/>
+              <a:buSzTx/>
+              <a:buNone/>
+              <a:tabLst/>
+            </a:pPr>
+            <a:r>
+              <a:rPr kumimoji="0" lang="en-US" altLang="en-US" sz="2400" b="1" i="0" u="none" strike="noStrike" cap="none" normalizeH="0" baseline="0">
+                <a:ln>
+                  <a:noFill/>
+                </a:ln>
+                <a:effectLst/>
+                <a:latin typeface="Arial" panose="020B0604020202020204" pitchFamily="34" charset="0"/>
+              </a:rPr>
+              <a:t>Steps</a:t>
+            </a:r>
+            <a:r>
+              <a:rPr kumimoji="0" lang="en-US" altLang="en-US" sz="2400" b="0" i="0" u="none" strike="noStrike" cap="none" normalizeH="0" baseline="0">
+                <a:ln>
+                  <a:noFill/>
+                </a:ln>
+                <a:effectLst/>
+                <a:latin typeface="Arial" panose="020B0604020202020204" pitchFamily="34" charset="0"/>
+              </a:rPr>
+              <a:t>:</a:t>
+            </a:r>
+          </a:p>
+          <a:p>
+            <a:pPr marL="0" indent="0" eaLnBrk="0" fontAlgn="base" hangingPunct="0">
+              <a:spcBef>
+                <a:spcPct val="0"/>
+              </a:spcBef>
+              <a:spcAft>
+                <a:spcPts val="600"/>
+              </a:spcAft>
+              <a:buFontTx/>
+              <a:buChar char="•"/>
+            </a:pPr>
+            <a:r>
+              <a:rPr kumimoji="0" lang="en-US" altLang="en-US" sz="2400" b="0" i="0" u="none" strike="noStrike" cap="none" normalizeH="0" baseline="0">
+                <a:ln>
+                  <a:noFill/>
+                </a:ln>
+                <a:effectLst/>
+                <a:latin typeface="Arial" panose="020B0604020202020204" pitchFamily="34" charset="0"/>
+              </a:rPr>
+              <a:t> 5-fold cross-validation for model evaluation</a:t>
+            </a:r>
+          </a:p>
+          <a:p>
+            <a:pPr marL="0" indent="0" eaLnBrk="0" fontAlgn="base" hangingPunct="0">
+              <a:spcBef>
+                <a:spcPct val="0"/>
+              </a:spcBef>
+              <a:spcAft>
+                <a:spcPts val="600"/>
+              </a:spcAft>
+              <a:buFontTx/>
+              <a:buChar char="•"/>
+            </a:pPr>
+            <a:r>
+              <a:rPr kumimoji="0" lang="en-US" altLang="en-US" sz="2400" b="0" i="0" u="none" strike="noStrike" cap="none" normalizeH="0" baseline="0">
+                <a:ln>
+                  <a:noFill/>
+                </a:ln>
+                <a:effectLst/>
+                <a:latin typeface="Arial" panose="020B0604020202020204" pitchFamily="34" charset="0"/>
+              </a:rPr>
+              <a:t> Weighted F1 score to account for class imbalance</a:t>
+            </a:r>
+          </a:p>
+          <a:p>
+            <a:pPr marL="0" indent="0" eaLnBrk="0" fontAlgn="base" hangingPunct="0">
+              <a:spcBef>
+                <a:spcPct val="0"/>
+              </a:spcBef>
+              <a:spcAft>
+                <a:spcPts val="600"/>
+              </a:spcAft>
+              <a:buFontTx/>
+              <a:buChar char="•"/>
+            </a:pPr>
+            <a:r>
+              <a:rPr kumimoji="0" lang="en-US" altLang="en-US" sz="2400" b="0" i="0" u="none" strike="noStrike" cap="none" normalizeH="0" baseline="0">
+                <a:ln>
+                  <a:noFill/>
+                </a:ln>
+                <a:effectLst/>
+                <a:latin typeface="Arial" panose="020B0604020202020204" pitchFamily="34" charset="0"/>
+              </a:rPr>
+              <a:t> Output includes:</a:t>
+            </a:r>
+          </a:p>
+          <a:p>
+            <a:pPr marL="457200" lvl="1" indent="0" eaLnBrk="0" fontAlgn="base" hangingPunct="0">
+              <a:spcBef>
+                <a:spcPct val="0"/>
+              </a:spcBef>
+              <a:spcAft>
+                <a:spcPts val="600"/>
+              </a:spcAft>
+              <a:buFontTx/>
+              <a:buChar char="•"/>
+            </a:pPr>
+            <a:r>
+              <a:rPr kumimoji="0" lang="en-US" altLang="en-US" b="0" i="0" u="none" strike="noStrike" cap="none" normalizeH="0" baseline="0">
+                <a:ln>
+                  <a:noFill/>
+                </a:ln>
+                <a:effectLst/>
+                <a:latin typeface="Arial" panose="020B0604020202020204" pitchFamily="34" charset="0"/>
+              </a:rPr>
+              <a:t> Best hyperparameters</a:t>
+            </a:r>
+          </a:p>
+          <a:p>
+            <a:pPr marL="457200" lvl="1" indent="0" eaLnBrk="0" fontAlgn="base" hangingPunct="0">
+              <a:spcBef>
+                <a:spcPct val="0"/>
+              </a:spcBef>
+              <a:spcAft>
+                <a:spcPts val="600"/>
+              </a:spcAft>
+              <a:buFontTx/>
+              <a:buChar char="•"/>
+            </a:pPr>
+            <a:r>
+              <a:rPr kumimoji="0" lang="en-US" altLang="en-US" b="0" i="0" u="none" strike="noStrike" cap="none" normalizeH="0" baseline="0">
+                <a:ln>
+                  <a:noFill/>
+                </a:ln>
+                <a:effectLst/>
+                <a:latin typeface="Arial" panose="020B0604020202020204" pitchFamily="34" charset="0"/>
+              </a:rPr>
+              <a:t> Best cross-validation score</a:t>
+            </a:r>
+          </a:p>
+          <a:p>
+            <a:pPr marL="457200" lvl="1" indent="0" eaLnBrk="0" fontAlgn="base" hangingPunct="0">
+              <a:spcBef>
+                <a:spcPct val="0"/>
+              </a:spcBef>
+              <a:spcAft>
+                <a:spcPts val="600"/>
+              </a:spcAft>
+              <a:buFontTx/>
+              <a:buChar char="•"/>
+            </a:pPr>
+            <a:r>
+              <a:rPr kumimoji="0" lang="en-US" altLang="en-US" b="0" i="0" u="none" strike="noStrike" cap="none" normalizeH="0" baseline="0">
+                <a:ln>
+                  <a:noFill/>
+                </a:ln>
+                <a:effectLst/>
+                <a:latin typeface="Arial" panose="020B0604020202020204" pitchFamily="34" charset="0"/>
+              </a:rPr>
+              <a:t> Test set performance</a:t>
+            </a:r>
+          </a:p>
+        </p:txBody>
+      </p:sp>
+      <p:cxnSp>
+        <p:nvCxnSpPr>
+          <p:cNvPr id="309" name="Straight Connector 308">
+            <a:extLst>
+              <a:ext uri="{FF2B5EF4-FFF2-40B4-BE49-F238E27FC236}">
+                <a16:creationId xmlns:a16="http://schemas.microsoft.com/office/drawing/2014/main" id="{6CF1BAF6-AD41-4082-B212-8A1F9A2E8779}"/>
+              </a:ext>
+              <a:ext uri="{C183D7F6-B498-43B3-948B-1728B52AA6E4}">
+                <adec:decorative xmlns:adec="http://schemas.microsoft.com/office/drawing/2017/decorative" val="1"/>
+              </a:ext>
+            </a:extLst>
+          </p:cNvPr>
+          <p:cNvCxnSpPr>
+            <a:cxnSpLocks noGrp="1" noRot="1" noChangeAspect="1" noMove="1" noResize="1" noEditPoints="1" noAdjustHandles="1" noChangeArrowheads="1" noChangeShapeType="1"/>
+          </p:cNvCxnSpPr>
+          <p:nvPr>
+            <p:extLst>
+              <p:ext uri="{386F3935-93C4-4BCD-93E2-E3B085C9AB24}">
+                <p16:designElem xmlns:p16="http://schemas.microsoft.com/office/powerpoint/2015/main" val="1"/>
+              </p:ext>
+            </p:extLst>
+          </p:nvPr>
+        </p:nvCxnSpPr>
+        <p:spPr>
+          <a:xfrm flipH="1">
+            <a:off x="838200" y="6485313"/>
+            <a:ext cx="10515600" cy="0"/>
+          </a:xfrm>
+          <a:prstGeom prst="line">
+            <a:avLst/>
+          </a:prstGeom>
+          <a:ln w="57150">
+            <a:solidFill>
+              <a:schemeClr val="accent4"/>
+            </a:solidFill>
+          </a:ln>
+        </p:spPr>
+        <p:style>
+          <a:lnRef idx="1">
+            <a:schemeClr val="accent1"/>
+          </a:lnRef>
+          <a:fillRef idx="0">
+            <a:schemeClr val="accent1"/>
+          </a:fillRef>
+          <a:effectRef idx="0">
+            <a:schemeClr val="accent1"/>
+          </a:effectRef>
+          <a:fontRef idx="minor">
+            <a:schemeClr val="tx1"/>
+          </a:fontRef>
+        </p:style>
+      </p:cxnSp>
+    </p:spTree>
+    <p:extLst>
+      <p:ext uri="{BB962C8B-B14F-4D97-AF65-F5344CB8AC3E}">
+        <p14:creationId xmlns:p14="http://schemas.microsoft.com/office/powerpoint/2010/main" val="474278517"/>
       </p:ext>
     </p:extLst>
   </p:cSld>

--- a/presentation.pptx
+++ b/presentation.pptx
@@ -28,6 +28,8 @@
     <p:sldId id="278" r:id="rId22"/>
     <p:sldId id="279" r:id="rId23"/>
     <p:sldId id="280" r:id="rId24"/>
+    <p:sldId id="281" r:id="rId25"/>
+    <p:sldId id="282" r:id="rId26"/>
   </p:sldIdLst>
   <p:sldSz cx="12192000" cy="6858000"/>
   <p:notesSz cx="6858000" cy="9144000"/>
@@ -20584,6 +20586,1581 @@
 </p:sld>
 </file>
 
+<file path=ppt/slides/slide24.xml><?xml version="1.0" encoding="utf-8"?>
+<p:sld xmlns:a="http://schemas.openxmlformats.org/drawingml/2006/main" xmlns:r="http://schemas.openxmlformats.org/officeDocument/2006/relationships" xmlns:p="http://schemas.openxmlformats.org/presentationml/2006/main">
+  <p:cSld>
+    <p:bg>
+      <p:bgPr>
+        <a:solidFill>
+          <a:schemeClr val="bg1"/>
+        </a:solidFill>
+        <a:effectLst/>
+      </p:bgPr>
+    </p:bg>
+    <p:spTree>
+      <p:nvGrpSpPr>
+        <p:cNvPr id="1" name="">
+          <a:extLst>
+            <a:ext uri="{FF2B5EF4-FFF2-40B4-BE49-F238E27FC236}">
+              <a16:creationId xmlns:a16="http://schemas.microsoft.com/office/drawing/2014/main" id="{7AEFBC18-38E4-9737-0141-1EF34EB8E58C}"/>
+            </a:ext>
+          </a:extLst>
+        </p:cNvPr>
+        <p:cNvGrpSpPr/>
+        <p:nvPr/>
+      </p:nvGrpSpPr>
+      <p:grpSpPr>
+        <a:xfrm>
+          <a:off x="0" y="0"/>
+          <a:ext cx="0" cy="0"/>
+          <a:chOff x="0" y="0"/>
+          <a:chExt cx="0" cy="0"/>
+        </a:xfrm>
+      </p:grpSpPr>
+      <p:sp useBgFill="1">
+        <p:nvSpPr>
+          <p:cNvPr id="337" name="Rectangle 336">
+            <a:extLst>
+              <a:ext uri="{FF2B5EF4-FFF2-40B4-BE49-F238E27FC236}">
+                <a16:creationId xmlns:a16="http://schemas.microsoft.com/office/drawing/2014/main" id="{3AD318CC-E2A8-4E27-9548-A047A78999B1}"/>
+              </a:ext>
+              <a:ext uri="{C183D7F6-B498-43B3-948B-1728B52AA6E4}">
+                <adec:decorative xmlns:adec="http://schemas.microsoft.com/office/drawing/2017/decorative" val="1"/>
+              </a:ext>
+            </a:extLst>
+          </p:cNvPr>
+          <p:cNvSpPr>
+            <a:spLocks noGrp="1" noRot="1" noChangeAspect="1" noMove="1" noResize="1" noEditPoints="1" noAdjustHandles="1" noChangeArrowheads="1" noChangeShapeType="1" noTextEdit="1"/>
+          </p:cNvSpPr>
+          <p:nvPr>
+            <p:extLst>
+              <p:ext uri="{386F3935-93C4-4BCD-93E2-E3B085C9AB24}">
+                <p16:designElem xmlns:p16="http://schemas.microsoft.com/office/powerpoint/2015/main" val="1"/>
+              </p:ext>
+            </p:extLst>
+          </p:nvPr>
+        </p:nvSpPr>
+        <p:spPr>
+          <a:xfrm>
+            <a:off x="0" y="0"/>
+            <a:ext cx="12191999" cy="6857365"/>
+          </a:xfrm>
+          <a:prstGeom prst="rect">
+            <a:avLst/>
+          </a:prstGeom>
+          <a:ln>
+            <a:noFill/>
+          </a:ln>
+        </p:spPr>
+        <p:style>
+          <a:lnRef idx="2">
+            <a:schemeClr val="accent1">
+              <a:shade val="50000"/>
+            </a:schemeClr>
+          </a:lnRef>
+          <a:fillRef idx="1">
+            <a:schemeClr val="accent1"/>
+          </a:fillRef>
+          <a:effectRef idx="0">
+            <a:schemeClr val="accent1"/>
+          </a:effectRef>
+          <a:fontRef idx="minor">
+            <a:schemeClr val="lt1"/>
+          </a:fontRef>
+        </p:style>
+        <p:txBody>
+          <a:bodyPr rtlCol="0" anchor="ctr"/>
+          <a:lstStyle/>
+          <a:p>
+            <a:pPr algn="ctr"/>
+            <a:endParaRPr lang="en-US"/>
+          </a:p>
+        </p:txBody>
+      </p:sp>
+      <p:sp>
+        <p:nvSpPr>
+          <p:cNvPr id="2" name="Title 1">
+            <a:extLst>
+              <a:ext uri="{FF2B5EF4-FFF2-40B4-BE49-F238E27FC236}">
+                <a16:creationId xmlns:a16="http://schemas.microsoft.com/office/drawing/2014/main" id="{FDA7D44C-5731-047C-60BA-F8A7FFED2645}"/>
+              </a:ext>
+            </a:extLst>
+          </p:cNvPr>
+          <p:cNvSpPr>
+            <a:spLocks noGrp="1"/>
+          </p:cNvSpPr>
+          <p:nvPr>
+            <p:ph type="title"/>
+          </p:nvPr>
+        </p:nvSpPr>
+        <p:spPr>
+          <a:xfrm>
+            <a:off x="645065" y="1463040"/>
+            <a:ext cx="3796306" cy="2690949"/>
+          </a:xfrm>
+        </p:spPr>
+        <p:txBody>
+          <a:bodyPr anchor="t">
+            <a:normAutofit/>
+          </a:bodyPr>
+          <a:lstStyle/>
+          <a:p>
+            <a:r>
+              <a:rPr lang="en-US" sz="4800"/>
+              <a:t>Results Discussion</a:t>
+            </a:r>
+          </a:p>
+        </p:txBody>
+      </p:sp>
+      <p:grpSp>
+        <p:nvGrpSpPr>
+          <p:cNvPr id="339" name="Group 338">
+            <a:extLst>
+              <a:ext uri="{FF2B5EF4-FFF2-40B4-BE49-F238E27FC236}">
+                <a16:creationId xmlns:a16="http://schemas.microsoft.com/office/drawing/2014/main" id="{B14B560F-9DD7-4302-A60B-EBD3EF59B073}"/>
+              </a:ext>
+              <a:ext uri="{C183D7F6-B498-43B3-948B-1728B52AA6E4}">
+                <adec:decorative xmlns:adec="http://schemas.microsoft.com/office/drawing/2017/decorative" val="1"/>
+              </a:ext>
+            </a:extLst>
+          </p:cNvPr>
+          <p:cNvGrpSpPr>
+            <a:grpSpLocks noGrp="1" noUngrp="1" noRot="1" noChangeAspect="1" noMove="1" noResize="1"/>
+          </p:cNvGrpSpPr>
+          <p:nvPr>
+            <p:extLst>
+              <p:ext uri="{386F3935-93C4-4BCD-93E2-E3B085C9AB24}">
+                <p16:designElem xmlns:p16="http://schemas.microsoft.com/office/powerpoint/2015/main" val="1"/>
+              </p:ext>
+            </p:extLst>
+          </p:nvPr>
+        </p:nvGrpSpPr>
+        <p:grpSpPr>
+          <a:xfrm>
+            <a:off x="209667" y="4415246"/>
+            <a:ext cx="11982332" cy="2087795"/>
+            <a:chOff x="143163" y="5763486"/>
+            <a:chExt cx="11982332" cy="739555"/>
+          </a:xfrm>
+        </p:grpSpPr>
+        <p:sp>
+          <p:nvSpPr>
+            <p:cNvPr id="340" name="Rectangle 339">
+              <a:extLst>
+                <a:ext uri="{FF2B5EF4-FFF2-40B4-BE49-F238E27FC236}">
+                  <a16:creationId xmlns:a16="http://schemas.microsoft.com/office/drawing/2014/main" id="{3A9A4357-BD1D-4622-A4FE-766E6AB8DE84}"/>
+                </a:ext>
+                <a:ext uri="{C183D7F6-B498-43B3-948B-1728B52AA6E4}">
+                  <adec:decorative xmlns:adec="http://schemas.microsoft.com/office/drawing/2017/decorative" val="1"/>
+                </a:ext>
+              </a:extLst>
+            </p:cNvPr>
+            <p:cNvSpPr/>
+            <p:nvPr>
+              <p:extLst>
+                <p:ext uri="{386F3935-93C4-4BCD-93E2-E3B085C9AB24}">
+                  <p16:designElem xmlns:p16="http://schemas.microsoft.com/office/powerpoint/2015/main" val="1"/>
+                </p:ext>
+              </p:extLst>
+            </p:nvPr>
+          </p:nvSpPr>
+          <p:spPr>
+            <a:xfrm flipH="1" flipV="1">
+              <a:off x="357444" y="5763486"/>
+              <a:ext cx="11768051" cy="739555"/>
+            </a:xfrm>
+            <a:prstGeom prst="rect">
+              <a:avLst/>
+            </a:prstGeom>
+            <a:solidFill>
+              <a:schemeClr val="accent4"/>
+            </a:solidFill>
+            <a:ln>
+              <a:noFill/>
+            </a:ln>
+          </p:spPr>
+          <p:style>
+            <a:lnRef idx="2">
+              <a:schemeClr val="accent1">
+                <a:shade val="50000"/>
+              </a:schemeClr>
+            </a:lnRef>
+            <a:fillRef idx="1">
+              <a:schemeClr val="accent1"/>
+            </a:fillRef>
+            <a:effectRef idx="0">
+              <a:schemeClr val="accent1"/>
+            </a:effectRef>
+            <a:fontRef idx="minor">
+              <a:schemeClr val="lt1"/>
+            </a:fontRef>
+          </p:style>
+          <p:txBody>
+            <a:bodyPr rtlCol="0" anchor="ctr"/>
+            <a:lstStyle/>
+            <a:p>
+              <a:pPr algn="ctr"/>
+              <a:endParaRPr lang="en-US"/>
+            </a:p>
+          </p:txBody>
+        </p:sp>
+        <p:cxnSp>
+          <p:nvCxnSpPr>
+            <p:cNvPr id="341" name="Straight Connector 340">
+              <a:extLst>
+                <a:ext uri="{FF2B5EF4-FFF2-40B4-BE49-F238E27FC236}">
+                  <a16:creationId xmlns:a16="http://schemas.microsoft.com/office/drawing/2014/main" id="{C21D6966-343E-49AC-A026-D2497E0C3CA1}"/>
+                </a:ext>
+                <a:ext uri="{C183D7F6-B498-43B3-948B-1728B52AA6E4}">
+                  <adec:decorative xmlns:adec="http://schemas.microsoft.com/office/drawing/2017/decorative" val="1"/>
+                </a:ext>
+              </a:extLst>
+            </p:cNvPr>
+            <p:cNvCxnSpPr>
+              <a:cxnSpLocks/>
+            </p:cNvCxnSpPr>
+            <p:nvPr>
+              <p:extLst>
+                <p:ext uri="{386F3935-93C4-4BCD-93E2-E3B085C9AB24}">
+                  <p16:designElem xmlns:p16="http://schemas.microsoft.com/office/powerpoint/2015/main" val="1"/>
+                </p:ext>
+              </p:extLst>
+            </p:nvPr>
+          </p:nvCxnSpPr>
+          <p:spPr>
+            <a:xfrm flipH="1">
+              <a:off x="143163" y="5763486"/>
+              <a:ext cx="1" cy="739555"/>
+            </a:xfrm>
+            <a:prstGeom prst="line">
+              <a:avLst/>
+            </a:prstGeom>
+            <a:ln w="177800">
+              <a:solidFill>
+                <a:schemeClr val="accent4"/>
+              </a:solidFill>
+            </a:ln>
+          </p:spPr>
+          <p:style>
+            <a:lnRef idx="1">
+              <a:schemeClr val="accent1"/>
+            </a:lnRef>
+            <a:fillRef idx="0">
+              <a:schemeClr val="accent1"/>
+            </a:fillRef>
+            <a:effectRef idx="0">
+              <a:schemeClr val="accent1"/>
+            </a:effectRef>
+            <a:fontRef idx="minor">
+              <a:schemeClr val="tx1"/>
+            </a:fontRef>
+          </p:style>
+        </p:cxnSp>
+      </p:grpSp>
+      <p:sp>
+        <p:nvSpPr>
+          <p:cNvPr id="343" name="Rectangle 342">
+            <a:extLst>
+              <a:ext uri="{FF2B5EF4-FFF2-40B4-BE49-F238E27FC236}">
+                <a16:creationId xmlns:a16="http://schemas.microsoft.com/office/drawing/2014/main" id="{2C1BBA94-3F40-40AA-8BB9-E69E25E537C1}"/>
+              </a:ext>
+              <a:ext uri="{C183D7F6-B498-43B3-948B-1728B52AA6E4}">
+                <adec:decorative xmlns:adec="http://schemas.microsoft.com/office/drawing/2017/decorative" val="1"/>
+              </a:ext>
+            </a:extLst>
+          </p:cNvPr>
+          <p:cNvSpPr>
+            <a:spLocks noGrp="1" noRot="1" noChangeAspect="1" noMove="1" noResize="1" noEditPoints="1" noAdjustHandles="1" noChangeArrowheads="1" noChangeShapeType="1" noTextEdit="1"/>
+          </p:cNvSpPr>
+          <p:nvPr>
+            <p:extLst>
+              <p:ext uri="{386F3935-93C4-4BCD-93E2-E3B085C9AB24}">
+                <p16:designElem xmlns:p16="http://schemas.microsoft.com/office/powerpoint/2015/main" val="1"/>
+              </p:ext>
+            </p:extLst>
+          </p:nvPr>
+        </p:nvSpPr>
+        <p:spPr>
+          <a:xfrm>
+            <a:off x="5133706" y="587829"/>
+            <a:ext cx="6505300" cy="5682342"/>
+          </a:xfrm>
+          <a:prstGeom prst="rect">
+            <a:avLst/>
+          </a:prstGeom>
+          <a:solidFill>
+            <a:schemeClr val="bg1"/>
+          </a:solidFill>
+          <a:ln>
+            <a:noFill/>
+          </a:ln>
+          <a:effectLst>
+            <a:outerShdw blurRad="139700" dist="127000" dir="5400000" algn="t" rotWithShape="0">
+              <a:prstClr val="black">
+                <a:alpha val="15000"/>
+              </a:prstClr>
+            </a:outerShdw>
+          </a:effectLst>
+        </p:spPr>
+        <p:style>
+          <a:lnRef idx="2">
+            <a:schemeClr val="accent1">
+              <a:shade val="50000"/>
+            </a:schemeClr>
+          </a:lnRef>
+          <a:fillRef idx="1">
+            <a:schemeClr val="accent1"/>
+          </a:fillRef>
+          <a:effectRef idx="0">
+            <a:schemeClr val="accent1"/>
+          </a:effectRef>
+          <a:fontRef idx="minor">
+            <a:schemeClr val="lt1"/>
+          </a:fontRef>
+        </p:style>
+        <p:txBody>
+          <a:bodyPr rtlCol="0" anchor="ctr"/>
+          <a:lstStyle/>
+          <a:p>
+            <a:pPr algn="ctr"/>
+            <a:endParaRPr lang="en-US"/>
+          </a:p>
+        </p:txBody>
+      </p:sp>
+      <p:sp>
+        <p:nvSpPr>
+          <p:cNvPr id="5" name="Rectangle 2">
+            <a:extLst>
+              <a:ext uri="{FF2B5EF4-FFF2-40B4-BE49-F238E27FC236}">
+                <a16:creationId xmlns:a16="http://schemas.microsoft.com/office/drawing/2014/main" id="{424D4257-6BE1-FA0C-E6E5-C6F97134A0AF}"/>
+              </a:ext>
+            </a:extLst>
+          </p:cNvPr>
+          <p:cNvSpPr>
+            <a:spLocks noGrp="1" noChangeArrowheads="1"/>
+          </p:cNvSpPr>
+          <p:nvPr>
+            <p:ph idx="1"/>
+          </p:nvPr>
+        </p:nvSpPr>
+        <p:spPr bwMode="auto">
+          <a:xfrm>
+            <a:off x="5615162" y="672922"/>
+            <a:ext cx="5542387" cy="5511520"/>
+          </a:xfrm>
+          <a:prstGeom prst="rect">
+            <a:avLst/>
+          </a:prstGeom>
+          <a:extLst>
+            <a:ext uri="{909E8E84-426E-40DD-AFC4-6F175D3DCCD1}">
+              <a14:hiddenFill xmlns:a14="http://schemas.microsoft.com/office/drawing/2010/main">
+                <a:solidFill>
+                  <a:schemeClr val="accent1"/>
+                </a:solidFill>
+              </a14:hiddenFill>
+            </a:ext>
+            <a:ext uri="{91240B29-F687-4F45-9708-019B960494DF}">
+              <a14:hiddenLine xmlns:a14="http://schemas.microsoft.com/office/drawing/2010/main" w="9525">
+                <a:solidFill>
+                  <a:schemeClr val="tx1"/>
+                </a:solidFill>
+                <a:miter lim="800000"/>
+                <a:headEnd/>
+                <a:tailEnd/>
+              </a14:hiddenLine>
+            </a:ext>
+            <a:ext uri="{AF507438-7753-43E0-B8FC-AC1667EBCBE1}">
+              <a14:hiddenEffects xmlns:a14="http://schemas.microsoft.com/office/drawing/2010/main">
+                <a:effectLst>
+                  <a:outerShdw dist="35921" dir="2700000" algn="ctr" rotWithShape="0">
+                    <a:schemeClr val="bg2"/>
+                  </a:outerShdw>
+                </a:effectLst>
+              </a14:hiddenEffects>
+            </a:ext>
+          </a:extLst>
+        </p:spPr>
+        <p:txBody>
+          <a:bodyPr vert="horz" lIns="91440" tIns="45720" rIns="91440" bIns="45720" numCol="1" anchor="t" anchorCtr="0" compatLnSpc="1">
+            <a:prstTxWarp prst="textNoShape">
+              <a:avLst/>
+            </a:prstTxWarp>
+            <a:normAutofit/>
+          </a:bodyPr>
+          <a:lstStyle/>
+          <a:p>
+            <a:pPr marL="0" marR="0" lvl="0" indent="0" defTabSz="914400" rtl="0" eaLnBrk="0" fontAlgn="base" latinLnBrk="0" hangingPunct="0">
+              <a:spcBef>
+                <a:spcPct val="0"/>
+              </a:spcBef>
+              <a:spcAft>
+                <a:spcPts val="600"/>
+              </a:spcAft>
+              <a:buClrTx/>
+              <a:buSzTx/>
+              <a:buNone/>
+              <a:tabLst/>
+            </a:pPr>
+            <a:r>
+              <a:rPr kumimoji="0" lang="en-US" altLang="en-US" sz="1600" b="1" i="0" u="none" strike="noStrike" cap="none" normalizeH="0" baseline="0" dirty="0">
+                <a:ln>
+                  <a:noFill/>
+                </a:ln>
+                <a:effectLst/>
+                <a:latin typeface="Arial" panose="020B0604020202020204" pitchFamily="34" charset="0"/>
+              </a:rPr>
+              <a:t>AdaBoost (V1 &amp; V2)</a:t>
+            </a:r>
+            <a:r>
+              <a:rPr kumimoji="0" lang="en-US" altLang="en-US" sz="1600" b="0" i="0" u="none" strike="noStrike" cap="none" normalizeH="0" baseline="0" dirty="0">
+                <a:ln>
+                  <a:noFill/>
+                </a:ln>
+                <a:effectLst/>
+                <a:latin typeface="Arial" panose="020B0604020202020204" pitchFamily="34" charset="0"/>
+              </a:rPr>
+              <a:t>:</a:t>
+            </a:r>
+          </a:p>
+          <a:p>
+            <a:pPr marL="0" marR="0" lvl="0" indent="0" defTabSz="914400" rtl="0" eaLnBrk="0" fontAlgn="base" latinLnBrk="0" hangingPunct="0">
+              <a:spcBef>
+                <a:spcPct val="0"/>
+              </a:spcBef>
+              <a:spcAft>
+                <a:spcPts val="600"/>
+              </a:spcAft>
+              <a:buClrTx/>
+              <a:buSzTx/>
+              <a:buNone/>
+              <a:tabLst/>
+            </a:pPr>
+            <a:r>
+              <a:rPr kumimoji="0" lang="en-US" altLang="en-US" sz="1600" b="1" i="0" u="none" strike="noStrike" cap="none" normalizeH="0" baseline="0" dirty="0">
+                <a:ln>
+                  <a:noFill/>
+                </a:ln>
+                <a:effectLst/>
+                <a:latin typeface="Arial" panose="020B0604020202020204" pitchFamily="34" charset="0"/>
+              </a:rPr>
+              <a:t>Best Parameters</a:t>
+            </a:r>
+            <a:r>
+              <a:rPr kumimoji="0" lang="en-US" altLang="en-US" sz="1600" b="0" i="0" u="none" strike="noStrike" cap="none" normalizeH="0" baseline="0" dirty="0">
+                <a:ln>
+                  <a:noFill/>
+                </a:ln>
+                <a:effectLst/>
+                <a:latin typeface="Arial" panose="020B0604020202020204" pitchFamily="34" charset="0"/>
+              </a:rPr>
+              <a:t>:</a:t>
+            </a:r>
+          </a:p>
+          <a:p>
+            <a:pPr marL="457200" marR="0" lvl="1" indent="0" defTabSz="914400" rtl="0" eaLnBrk="0" fontAlgn="base" latinLnBrk="0" hangingPunct="0">
+              <a:spcBef>
+                <a:spcPct val="0"/>
+              </a:spcBef>
+              <a:spcAft>
+                <a:spcPts val="600"/>
+              </a:spcAft>
+              <a:buClrTx/>
+              <a:buSzTx/>
+              <a:buFontTx/>
+              <a:buChar char="•"/>
+              <a:tabLst/>
+            </a:pPr>
+            <a:r>
+              <a:rPr kumimoji="0" lang="en-US" altLang="en-US" sz="1600" b="0" i="0" u="none" strike="noStrike" cap="none" normalizeH="0" baseline="0" dirty="0">
+                <a:ln>
+                  <a:noFill/>
+                </a:ln>
+                <a:effectLst/>
+                <a:latin typeface="Arial Unicode MS"/>
+              </a:rPr>
+              <a:t>algorithm</a:t>
+            </a:r>
+            <a:r>
+              <a:rPr kumimoji="0" lang="en-US" altLang="en-US" sz="1600" b="0" i="0" u="none" strike="noStrike" cap="none" normalizeH="0" baseline="0" dirty="0">
+                <a:ln>
+                  <a:noFill/>
+                </a:ln>
+                <a:effectLst/>
+              </a:rPr>
+              <a:t>: SAMME</a:t>
+            </a:r>
+            <a:endParaRPr kumimoji="0" lang="en-US" altLang="en-US" sz="1600" b="0" i="0" u="none" strike="noStrike" cap="none" normalizeH="0" baseline="0" dirty="0">
+              <a:ln>
+                <a:noFill/>
+              </a:ln>
+              <a:effectLst/>
+              <a:latin typeface="Arial" panose="020B0604020202020204" pitchFamily="34" charset="0"/>
+            </a:endParaRPr>
+          </a:p>
+          <a:p>
+            <a:pPr marL="457200" marR="0" lvl="1" indent="0" defTabSz="914400" rtl="0" eaLnBrk="0" fontAlgn="base" latinLnBrk="0" hangingPunct="0">
+              <a:spcBef>
+                <a:spcPct val="0"/>
+              </a:spcBef>
+              <a:spcAft>
+                <a:spcPts val="600"/>
+              </a:spcAft>
+              <a:buClrTx/>
+              <a:buSzTx/>
+              <a:buFontTx/>
+              <a:buChar char="•"/>
+              <a:tabLst/>
+            </a:pPr>
+            <a:r>
+              <a:rPr kumimoji="0" lang="en-US" altLang="en-US" sz="1600" b="0" i="0" u="none" strike="noStrike" cap="none" normalizeH="0" baseline="0" dirty="0">
+                <a:ln>
+                  <a:noFill/>
+                </a:ln>
+                <a:effectLst/>
+                <a:latin typeface="Arial Unicode MS"/>
+              </a:rPr>
+              <a:t>learning_rate</a:t>
+            </a:r>
+            <a:r>
+              <a:rPr kumimoji="0" lang="en-US" altLang="en-US" sz="1600" b="0" i="0" u="none" strike="noStrike" cap="none" normalizeH="0" baseline="0" dirty="0">
+                <a:ln>
+                  <a:noFill/>
+                </a:ln>
+                <a:effectLst/>
+              </a:rPr>
+              <a:t>: 1.0</a:t>
+            </a:r>
+            <a:endParaRPr kumimoji="0" lang="en-US" altLang="en-US" sz="1600" b="0" i="0" u="none" strike="noStrike" cap="none" normalizeH="0" baseline="0" dirty="0">
+              <a:ln>
+                <a:noFill/>
+              </a:ln>
+              <a:effectLst/>
+              <a:latin typeface="Arial" panose="020B0604020202020204" pitchFamily="34" charset="0"/>
+            </a:endParaRPr>
+          </a:p>
+          <a:p>
+            <a:pPr marL="457200" marR="0" lvl="1" indent="0" defTabSz="914400" rtl="0" eaLnBrk="0" fontAlgn="base" latinLnBrk="0" hangingPunct="0">
+              <a:spcBef>
+                <a:spcPct val="0"/>
+              </a:spcBef>
+              <a:spcAft>
+                <a:spcPts val="600"/>
+              </a:spcAft>
+              <a:buClrTx/>
+              <a:buSzTx/>
+              <a:buFontTx/>
+              <a:buChar char="•"/>
+              <a:tabLst/>
+            </a:pPr>
+            <a:r>
+              <a:rPr kumimoji="0" lang="en-US" altLang="en-US" sz="1600" b="0" i="0" u="none" strike="noStrike" cap="none" normalizeH="0" baseline="0" dirty="0">
+                <a:ln>
+                  <a:noFill/>
+                </a:ln>
+                <a:effectLst/>
+                <a:latin typeface="Arial Unicode MS"/>
+              </a:rPr>
+              <a:t>n_estimators</a:t>
+            </a:r>
+            <a:r>
+              <a:rPr kumimoji="0" lang="en-US" altLang="en-US" sz="1600" b="0" i="0" u="none" strike="noStrike" cap="none" normalizeH="0" baseline="0" dirty="0">
+                <a:ln>
+                  <a:noFill/>
+                </a:ln>
+                <a:effectLst/>
+              </a:rPr>
+              <a:t>: 100</a:t>
+            </a:r>
+            <a:endParaRPr kumimoji="0" lang="en-US" altLang="en-US" sz="1600" b="0" i="0" u="none" strike="noStrike" cap="none" normalizeH="0" baseline="0" dirty="0">
+              <a:ln>
+                <a:noFill/>
+              </a:ln>
+              <a:effectLst/>
+              <a:latin typeface="Arial" panose="020B0604020202020204" pitchFamily="34" charset="0"/>
+            </a:endParaRPr>
+          </a:p>
+          <a:p>
+            <a:pPr marL="0" marR="0" lvl="0" indent="0" defTabSz="914400" rtl="0" eaLnBrk="0" fontAlgn="base" latinLnBrk="0" hangingPunct="0">
+              <a:spcBef>
+                <a:spcPct val="0"/>
+              </a:spcBef>
+              <a:spcAft>
+                <a:spcPts val="600"/>
+              </a:spcAft>
+              <a:buClrTx/>
+              <a:buSzTx/>
+              <a:buNone/>
+              <a:tabLst/>
+            </a:pPr>
+            <a:r>
+              <a:rPr kumimoji="0" lang="en-US" altLang="en-US" sz="1600" b="1" i="0" u="none" strike="noStrike" cap="none" normalizeH="0" baseline="0" dirty="0">
+                <a:ln>
+                  <a:noFill/>
+                </a:ln>
+                <a:effectLst/>
+                <a:latin typeface="Arial" panose="020B0604020202020204" pitchFamily="34" charset="0"/>
+              </a:rPr>
+              <a:t>Cross-validation F1 score</a:t>
+            </a:r>
+            <a:r>
+              <a:rPr kumimoji="0" lang="en-US" altLang="en-US" sz="1600" b="0" i="0" u="none" strike="noStrike" cap="none" normalizeH="0" baseline="0" dirty="0">
+                <a:ln>
+                  <a:noFill/>
+                </a:ln>
+                <a:effectLst/>
+                <a:latin typeface="Arial" panose="020B0604020202020204" pitchFamily="34" charset="0"/>
+              </a:rPr>
+              <a:t>: 0.7291</a:t>
+            </a:r>
+          </a:p>
+          <a:p>
+            <a:pPr marL="0" marR="0" lvl="0" indent="0" defTabSz="914400" rtl="0" eaLnBrk="0" fontAlgn="base" latinLnBrk="0" hangingPunct="0">
+              <a:spcBef>
+                <a:spcPct val="0"/>
+              </a:spcBef>
+              <a:spcAft>
+                <a:spcPts val="600"/>
+              </a:spcAft>
+              <a:buClrTx/>
+              <a:buSzTx/>
+              <a:buNone/>
+              <a:tabLst/>
+            </a:pPr>
+            <a:r>
+              <a:rPr kumimoji="0" lang="en-US" altLang="en-US" sz="1600" b="1" i="0" u="none" strike="noStrike" cap="none" normalizeH="0" baseline="0" dirty="0">
+                <a:ln>
+                  <a:noFill/>
+                </a:ln>
+                <a:effectLst/>
+                <a:latin typeface="Arial" panose="020B0604020202020204" pitchFamily="34" charset="0"/>
+              </a:rPr>
+              <a:t>Test F1 score</a:t>
+            </a:r>
+            <a:r>
+              <a:rPr kumimoji="0" lang="en-US" altLang="en-US" sz="1600" b="0" i="0" u="none" strike="noStrike" cap="none" normalizeH="0" baseline="0" dirty="0">
+                <a:ln>
+                  <a:noFill/>
+                </a:ln>
+                <a:effectLst/>
+                <a:latin typeface="Arial" panose="020B0604020202020204" pitchFamily="34" charset="0"/>
+              </a:rPr>
+              <a:t>: 0.7337</a:t>
+            </a:r>
+          </a:p>
+          <a:p>
+            <a:pPr marL="0" marR="0" lvl="0" indent="0" defTabSz="914400" rtl="0" eaLnBrk="0" fontAlgn="base" latinLnBrk="0" hangingPunct="0">
+              <a:spcBef>
+                <a:spcPct val="0"/>
+              </a:spcBef>
+              <a:spcAft>
+                <a:spcPts val="600"/>
+              </a:spcAft>
+              <a:buClrTx/>
+              <a:buSzTx/>
+              <a:buNone/>
+              <a:tabLst/>
+            </a:pPr>
+            <a:endParaRPr kumimoji="0" lang="en-US" altLang="en-US" sz="1600" b="0" i="0" u="none" strike="noStrike" cap="none" normalizeH="0" baseline="0" dirty="0">
+              <a:ln>
+                <a:noFill/>
+              </a:ln>
+              <a:effectLst/>
+              <a:latin typeface="Arial" panose="020B0604020202020204" pitchFamily="34" charset="0"/>
+            </a:endParaRPr>
+          </a:p>
+          <a:p>
+            <a:pPr marL="0" marR="0" lvl="0" indent="0" defTabSz="914400" rtl="0" eaLnBrk="0" fontAlgn="base" latinLnBrk="0" hangingPunct="0">
+              <a:spcBef>
+                <a:spcPct val="0"/>
+              </a:spcBef>
+              <a:spcAft>
+                <a:spcPts val="600"/>
+              </a:spcAft>
+              <a:buClrTx/>
+              <a:buSzTx/>
+              <a:buNone/>
+              <a:tabLst/>
+            </a:pPr>
+            <a:r>
+              <a:rPr kumimoji="0" lang="en-US" altLang="en-US" sz="1600" b="1" i="0" u="none" strike="noStrike" cap="none" normalizeH="0" baseline="0" dirty="0">
+                <a:ln>
+                  <a:noFill/>
+                </a:ln>
+                <a:effectLst/>
+                <a:latin typeface="Arial" panose="020B0604020202020204" pitchFamily="34" charset="0"/>
+              </a:rPr>
+              <a:t>CatBoost (V1 &amp; V2)</a:t>
+            </a:r>
+            <a:r>
+              <a:rPr kumimoji="0" lang="en-US" altLang="en-US" sz="1600" b="0" i="0" u="none" strike="noStrike" cap="none" normalizeH="0" baseline="0" dirty="0">
+                <a:ln>
+                  <a:noFill/>
+                </a:ln>
+                <a:effectLst/>
+                <a:latin typeface="Arial" panose="020B0604020202020204" pitchFamily="34" charset="0"/>
+              </a:rPr>
+              <a:t>:</a:t>
+            </a:r>
+          </a:p>
+          <a:p>
+            <a:pPr marL="0" marR="0" lvl="0" indent="0" defTabSz="914400" rtl="0" eaLnBrk="0" fontAlgn="base" latinLnBrk="0" hangingPunct="0">
+              <a:spcBef>
+                <a:spcPct val="0"/>
+              </a:spcBef>
+              <a:spcAft>
+                <a:spcPts val="600"/>
+              </a:spcAft>
+              <a:buClrTx/>
+              <a:buSzTx/>
+              <a:buNone/>
+              <a:tabLst/>
+            </a:pPr>
+            <a:r>
+              <a:rPr kumimoji="0" lang="en-US" altLang="en-US" sz="1600" b="1" i="0" u="none" strike="noStrike" cap="none" normalizeH="0" baseline="0" dirty="0">
+                <a:ln>
+                  <a:noFill/>
+                </a:ln>
+                <a:effectLst/>
+                <a:latin typeface="Arial" panose="020B0604020202020204" pitchFamily="34" charset="0"/>
+              </a:rPr>
+              <a:t>Best Parameters</a:t>
+            </a:r>
+            <a:r>
+              <a:rPr kumimoji="0" lang="en-US" altLang="en-US" sz="1600" b="0" i="0" u="none" strike="noStrike" cap="none" normalizeH="0" baseline="0" dirty="0">
+                <a:ln>
+                  <a:noFill/>
+                </a:ln>
+                <a:effectLst/>
+                <a:latin typeface="Arial" panose="020B0604020202020204" pitchFamily="34" charset="0"/>
+              </a:rPr>
+              <a:t>:</a:t>
+            </a:r>
+          </a:p>
+          <a:p>
+            <a:pPr marL="457200" marR="0" lvl="1" indent="0" defTabSz="914400" rtl="0" eaLnBrk="0" fontAlgn="base" latinLnBrk="0" hangingPunct="0">
+              <a:spcBef>
+                <a:spcPct val="0"/>
+              </a:spcBef>
+              <a:spcAft>
+                <a:spcPts val="600"/>
+              </a:spcAft>
+              <a:buClrTx/>
+              <a:buSzTx/>
+              <a:buFontTx/>
+              <a:buChar char="•"/>
+              <a:tabLst/>
+            </a:pPr>
+            <a:r>
+              <a:rPr kumimoji="0" lang="en-US" altLang="en-US" sz="1600" b="0" i="0" u="none" strike="noStrike" cap="none" normalizeH="0" baseline="0" dirty="0">
+                <a:ln>
+                  <a:noFill/>
+                </a:ln>
+                <a:effectLst/>
+                <a:latin typeface="Arial Unicode MS"/>
+              </a:rPr>
+              <a:t>depth</a:t>
+            </a:r>
+            <a:r>
+              <a:rPr kumimoji="0" lang="en-US" altLang="en-US" sz="1600" b="0" i="0" u="none" strike="noStrike" cap="none" normalizeH="0" baseline="0" dirty="0">
+                <a:ln>
+                  <a:noFill/>
+                </a:ln>
+                <a:effectLst/>
+              </a:rPr>
+              <a:t>: 6</a:t>
+            </a:r>
+            <a:endParaRPr kumimoji="0" lang="en-US" altLang="en-US" sz="1600" b="0" i="0" u="none" strike="noStrike" cap="none" normalizeH="0" baseline="0" dirty="0">
+              <a:ln>
+                <a:noFill/>
+              </a:ln>
+              <a:effectLst/>
+              <a:latin typeface="Arial" panose="020B0604020202020204" pitchFamily="34" charset="0"/>
+            </a:endParaRPr>
+          </a:p>
+          <a:p>
+            <a:pPr marL="457200" marR="0" lvl="1" indent="0" defTabSz="914400" rtl="0" eaLnBrk="0" fontAlgn="base" latinLnBrk="0" hangingPunct="0">
+              <a:spcBef>
+                <a:spcPct val="0"/>
+              </a:spcBef>
+              <a:spcAft>
+                <a:spcPts val="600"/>
+              </a:spcAft>
+              <a:buClrTx/>
+              <a:buSzTx/>
+              <a:buFontTx/>
+              <a:buChar char="•"/>
+              <a:tabLst/>
+            </a:pPr>
+            <a:r>
+              <a:rPr kumimoji="0" lang="en-US" altLang="en-US" sz="1600" b="0" i="0" u="none" strike="noStrike" cap="none" normalizeH="0" baseline="0" dirty="0">
+                <a:ln>
+                  <a:noFill/>
+                </a:ln>
+                <a:effectLst/>
+                <a:latin typeface="Arial Unicode MS"/>
+              </a:rPr>
+              <a:t>iterations</a:t>
+            </a:r>
+            <a:r>
+              <a:rPr kumimoji="0" lang="en-US" altLang="en-US" sz="1600" b="0" i="0" u="none" strike="noStrike" cap="none" normalizeH="0" baseline="0" dirty="0">
+                <a:ln>
+                  <a:noFill/>
+                </a:ln>
+                <a:effectLst/>
+              </a:rPr>
+              <a:t>: 100</a:t>
+            </a:r>
+            <a:endParaRPr kumimoji="0" lang="en-US" altLang="en-US" sz="1600" b="0" i="0" u="none" strike="noStrike" cap="none" normalizeH="0" baseline="0" dirty="0">
+              <a:ln>
+                <a:noFill/>
+              </a:ln>
+              <a:effectLst/>
+              <a:latin typeface="Arial" panose="020B0604020202020204" pitchFamily="34" charset="0"/>
+            </a:endParaRPr>
+          </a:p>
+          <a:p>
+            <a:pPr marL="457200" marR="0" lvl="1" indent="0" defTabSz="914400" rtl="0" eaLnBrk="0" fontAlgn="base" latinLnBrk="0" hangingPunct="0">
+              <a:spcBef>
+                <a:spcPct val="0"/>
+              </a:spcBef>
+              <a:spcAft>
+                <a:spcPts val="600"/>
+              </a:spcAft>
+              <a:buClrTx/>
+              <a:buSzTx/>
+              <a:buFontTx/>
+              <a:buChar char="•"/>
+              <a:tabLst/>
+            </a:pPr>
+            <a:r>
+              <a:rPr kumimoji="0" lang="en-US" altLang="en-US" sz="1600" b="0" i="0" u="none" strike="noStrike" cap="none" normalizeH="0" baseline="0" dirty="0">
+                <a:ln>
+                  <a:noFill/>
+                </a:ln>
+                <a:effectLst/>
+                <a:latin typeface="Arial Unicode MS"/>
+              </a:rPr>
+              <a:t>learning_rate</a:t>
+            </a:r>
+            <a:r>
+              <a:rPr kumimoji="0" lang="en-US" altLang="en-US" sz="1600" b="0" i="0" u="none" strike="noStrike" cap="none" normalizeH="0" baseline="0" dirty="0">
+                <a:ln>
+                  <a:noFill/>
+                </a:ln>
+                <a:effectLst/>
+              </a:rPr>
+              <a:t>: 0.01</a:t>
+            </a:r>
+            <a:endParaRPr kumimoji="0" lang="en-US" altLang="en-US" sz="1600" b="0" i="0" u="none" strike="noStrike" cap="none" normalizeH="0" baseline="0" dirty="0">
+              <a:ln>
+                <a:noFill/>
+              </a:ln>
+              <a:effectLst/>
+              <a:latin typeface="Arial" panose="020B0604020202020204" pitchFamily="34" charset="0"/>
+            </a:endParaRPr>
+          </a:p>
+          <a:p>
+            <a:pPr marL="0" marR="0" lvl="0" indent="0" defTabSz="914400" rtl="0" eaLnBrk="0" fontAlgn="base" latinLnBrk="0" hangingPunct="0">
+              <a:spcBef>
+                <a:spcPct val="0"/>
+              </a:spcBef>
+              <a:spcAft>
+                <a:spcPts val="600"/>
+              </a:spcAft>
+              <a:buClrTx/>
+              <a:buSzTx/>
+              <a:buNone/>
+              <a:tabLst/>
+            </a:pPr>
+            <a:r>
+              <a:rPr kumimoji="0" lang="en-US" altLang="en-US" sz="1600" b="1" i="0" u="none" strike="noStrike" cap="none" normalizeH="0" baseline="0" dirty="0">
+                <a:ln>
+                  <a:noFill/>
+                </a:ln>
+                <a:effectLst/>
+                <a:latin typeface="Arial" panose="020B0604020202020204" pitchFamily="34" charset="0"/>
+              </a:rPr>
+              <a:t>Cross-validation F1 score</a:t>
+            </a:r>
+            <a:r>
+              <a:rPr kumimoji="0" lang="en-US" altLang="en-US" sz="1600" b="0" i="0" u="none" strike="noStrike" cap="none" normalizeH="0" baseline="0" dirty="0">
+                <a:ln>
+                  <a:noFill/>
+                </a:ln>
+                <a:effectLst/>
+                <a:latin typeface="Arial" panose="020B0604020202020204" pitchFamily="34" charset="0"/>
+              </a:rPr>
+              <a:t>: 0.7275</a:t>
+            </a:r>
+          </a:p>
+          <a:p>
+            <a:pPr marL="0" marR="0" lvl="0" indent="0" defTabSz="914400" rtl="0" eaLnBrk="0" fontAlgn="base" latinLnBrk="0" hangingPunct="0">
+              <a:spcBef>
+                <a:spcPct val="0"/>
+              </a:spcBef>
+              <a:spcAft>
+                <a:spcPts val="600"/>
+              </a:spcAft>
+              <a:buClrTx/>
+              <a:buSzTx/>
+              <a:buNone/>
+              <a:tabLst/>
+            </a:pPr>
+            <a:r>
+              <a:rPr kumimoji="0" lang="en-US" altLang="en-US" sz="1600" b="1" i="0" u="none" strike="noStrike" cap="none" normalizeH="0" baseline="0" dirty="0">
+                <a:ln>
+                  <a:noFill/>
+                </a:ln>
+                <a:effectLst/>
+                <a:latin typeface="Arial" panose="020B0604020202020204" pitchFamily="34" charset="0"/>
+              </a:rPr>
+              <a:t>Test F1 score</a:t>
+            </a:r>
+            <a:r>
+              <a:rPr kumimoji="0" lang="en-US" altLang="en-US" sz="1600" b="0" i="0" u="none" strike="noStrike" cap="none" normalizeH="0" baseline="0" dirty="0">
+                <a:ln>
+                  <a:noFill/>
+                </a:ln>
+                <a:effectLst/>
+                <a:latin typeface="Arial" panose="020B0604020202020204" pitchFamily="34" charset="0"/>
+              </a:rPr>
+              <a:t>: 0.7305</a:t>
+            </a:r>
+          </a:p>
+          <a:p>
+            <a:pPr marL="0" marR="0" lvl="0" indent="0" defTabSz="914400" rtl="0" eaLnBrk="0" fontAlgn="base" latinLnBrk="0" hangingPunct="0">
+              <a:spcBef>
+                <a:spcPct val="0"/>
+              </a:spcBef>
+              <a:spcAft>
+                <a:spcPts val="600"/>
+              </a:spcAft>
+              <a:buClrTx/>
+              <a:buSzTx/>
+              <a:buNone/>
+              <a:tabLst/>
+            </a:pPr>
+            <a:endParaRPr kumimoji="0" lang="en-US" altLang="en-US" sz="1600" b="0" i="0" u="none" strike="noStrike" cap="none" normalizeH="0" baseline="0" dirty="0">
+              <a:ln>
+                <a:noFill/>
+              </a:ln>
+              <a:effectLst/>
+              <a:latin typeface="Arial" panose="020B0604020202020204" pitchFamily="34" charset="0"/>
+            </a:endParaRPr>
+          </a:p>
+          <a:p>
+            <a:pPr marL="0" marR="0" lvl="0" indent="0" defTabSz="914400" rtl="0" eaLnBrk="0" fontAlgn="base" latinLnBrk="0" hangingPunct="0">
+              <a:spcBef>
+                <a:spcPct val="0"/>
+              </a:spcBef>
+              <a:spcAft>
+                <a:spcPts val="600"/>
+              </a:spcAft>
+              <a:buClrTx/>
+              <a:buSzTx/>
+              <a:buNone/>
+              <a:tabLst/>
+            </a:pPr>
+            <a:r>
+              <a:rPr kumimoji="0" lang="en-US" altLang="en-US" sz="1600" b="1" i="0" u="none" strike="noStrike" cap="none" normalizeH="0" baseline="0" dirty="0">
+                <a:ln>
+                  <a:noFill/>
+                </a:ln>
+                <a:effectLst/>
+                <a:latin typeface="Arial" panose="020B0604020202020204" pitchFamily="34" charset="0"/>
+              </a:rPr>
+              <a:t>Final Model Chosen</a:t>
+            </a:r>
+            <a:r>
+              <a:rPr kumimoji="0" lang="en-US" altLang="en-US" sz="1600" b="0" i="0" u="none" strike="noStrike" cap="none" normalizeH="0" baseline="0" dirty="0">
+                <a:ln>
+                  <a:noFill/>
+                </a:ln>
+                <a:effectLst/>
+                <a:latin typeface="Arial" panose="020B0604020202020204" pitchFamily="34" charset="0"/>
+              </a:rPr>
+              <a:t>: </a:t>
+            </a:r>
+            <a:r>
+              <a:rPr kumimoji="0" lang="en-US" altLang="en-US" sz="1600" b="1" i="0" u="none" strike="noStrike" cap="none" normalizeH="0" baseline="0" dirty="0">
+                <a:ln>
+                  <a:noFill/>
+                </a:ln>
+                <a:effectLst/>
+                <a:latin typeface="Arial" panose="020B0604020202020204" pitchFamily="34" charset="0"/>
+              </a:rPr>
+              <a:t>AdaBoost V2</a:t>
+            </a:r>
+            <a:r>
+              <a:rPr kumimoji="0" lang="en-US" altLang="en-US" sz="1600" b="0" i="0" u="none" strike="noStrike" cap="none" normalizeH="0" baseline="0" dirty="0">
+                <a:ln>
+                  <a:noFill/>
+                </a:ln>
+                <a:effectLst/>
+                <a:latin typeface="Arial" panose="020B0604020202020204" pitchFamily="34" charset="0"/>
+              </a:rPr>
+              <a:t> based on its superior performance.</a:t>
+            </a:r>
+          </a:p>
+        </p:txBody>
+      </p:sp>
+    </p:spTree>
+    <p:extLst>
+      <p:ext uri="{BB962C8B-B14F-4D97-AF65-F5344CB8AC3E}">
+        <p14:creationId xmlns:p14="http://schemas.microsoft.com/office/powerpoint/2010/main" val="3422641723"/>
+      </p:ext>
+    </p:extLst>
+  </p:cSld>
+  <p:clrMapOvr>
+    <a:masterClrMapping/>
+  </p:clrMapOvr>
+</p:sld>
+</file>
+
+<file path=ppt/slides/slide25.xml><?xml version="1.0" encoding="utf-8"?>
+<p:sld xmlns:a="http://schemas.openxmlformats.org/drawingml/2006/main" xmlns:r="http://schemas.openxmlformats.org/officeDocument/2006/relationships" xmlns:p="http://schemas.openxmlformats.org/presentationml/2006/main">
+  <p:cSld>
+    <p:bg>
+      <p:bgPr>
+        <a:solidFill>
+          <a:schemeClr val="bg1"/>
+        </a:solidFill>
+        <a:effectLst/>
+      </p:bgPr>
+    </p:bg>
+    <p:spTree>
+      <p:nvGrpSpPr>
+        <p:cNvPr id="1" name="">
+          <a:extLst>
+            <a:ext uri="{FF2B5EF4-FFF2-40B4-BE49-F238E27FC236}">
+              <a16:creationId xmlns:a16="http://schemas.microsoft.com/office/drawing/2014/main" id="{83025560-4A84-9E4D-B742-C2BD23928853}"/>
+            </a:ext>
+          </a:extLst>
+        </p:cNvPr>
+        <p:cNvGrpSpPr/>
+        <p:nvPr/>
+      </p:nvGrpSpPr>
+      <p:grpSpPr>
+        <a:xfrm>
+          <a:off x="0" y="0"/>
+          <a:ext cx="0" cy="0"/>
+          <a:chOff x="0" y="0"/>
+          <a:chExt cx="0" cy="0"/>
+        </a:xfrm>
+      </p:grpSpPr>
+      <p:sp useBgFill="1">
+        <p:nvSpPr>
+          <p:cNvPr id="333" name="Rectangle 332">
+            <a:extLst>
+              <a:ext uri="{FF2B5EF4-FFF2-40B4-BE49-F238E27FC236}">
+                <a16:creationId xmlns:a16="http://schemas.microsoft.com/office/drawing/2014/main" id="{058A14AF-9FB5-4CC7-BA35-E8E85D3EDF0E}"/>
+              </a:ext>
+              <a:ext uri="{C183D7F6-B498-43B3-948B-1728B52AA6E4}">
+                <adec:decorative xmlns:adec="http://schemas.microsoft.com/office/drawing/2017/decorative" val="1"/>
+              </a:ext>
+            </a:extLst>
+          </p:cNvPr>
+          <p:cNvSpPr>
+            <a:spLocks noGrp="1" noRot="1" noChangeAspect="1" noMove="1" noResize="1" noEditPoints="1" noAdjustHandles="1" noChangeArrowheads="1" noChangeShapeType="1" noTextEdit="1"/>
+          </p:cNvSpPr>
+          <p:nvPr>
+            <p:extLst>
+              <p:ext uri="{386F3935-93C4-4BCD-93E2-E3B085C9AB24}">
+                <p16:designElem xmlns:p16="http://schemas.microsoft.com/office/powerpoint/2015/main" val="1"/>
+              </p:ext>
+            </p:extLst>
+          </p:nvPr>
+        </p:nvSpPr>
+        <p:spPr>
+          <a:xfrm>
+            <a:off x="0" y="0"/>
+            <a:ext cx="12191999" cy="6857365"/>
+          </a:xfrm>
+          <a:prstGeom prst="rect">
+            <a:avLst/>
+          </a:prstGeom>
+          <a:ln>
+            <a:noFill/>
+          </a:ln>
+        </p:spPr>
+        <p:style>
+          <a:lnRef idx="2">
+            <a:schemeClr val="accent1">
+              <a:shade val="50000"/>
+            </a:schemeClr>
+          </a:lnRef>
+          <a:fillRef idx="1">
+            <a:schemeClr val="accent1"/>
+          </a:fillRef>
+          <a:effectRef idx="0">
+            <a:schemeClr val="accent1"/>
+          </a:effectRef>
+          <a:fontRef idx="minor">
+            <a:schemeClr val="lt1"/>
+          </a:fontRef>
+        </p:style>
+        <p:txBody>
+          <a:bodyPr rtlCol="0" anchor="ctr"/>
+          <a:lstStyle/>
+          <a:p>
+            <a:pPr algn="ctr"/>
+            <a:endParaRPr lang="en-US"/>
+          </a:p>
+        </p:txBody>
+      </p:sp>
+      <p:sp>
+        <p:nvSpPr>
+          <p:cNvPr id="2" name="Title 1">
+            <a:extLst>
+              <a:ext uri="{FF2B5EF4-FFF2-40B4-BE49-F238E27FC236}">
+                <a16:creationId xmlns:a16="http://schemas.microsoft.com/office/drawing/2014/main" id="{E703F3B3-3AFC-BF84-2DA3-FAD0B11EAC10}"/>
+              </a:ext>
+            </a:extLst>
+          </p:cNvPr>
+          <p:cNvSpPr>
+            <a:spLocks noGrp="1"/>
+          </p:cNvSpPr>
+          <p:nvPr>
+            <p:ph type="title"/>
+          </p:nvPr>
+        </p:nvSpPr>
+        <p:spPr>
+          <a:xfrm>
+            <a:off x="793662" y="386930"/>
+            <a:ext cx="10066122" cy="1298448"/>
+          </a:xfrm>
+        </p:spPr>
+        <p:txBody>
+          <a:bodyPr anchor="b">
+            <a:normAutofit/>
+          </a:bodyPr>
+          <a:lstStyle/>
+          <a:p>
+            <a:r>
+              <a:rPr lang="en-US"/>
+              <a:t>Final Model Evaluation: AdaBoost with Preprocessor V2</a:t>
+            </a:r>
+          </a:p>
+        </p:txBody>
+      </p:sp>
+      <p:sp>
+        <p:nvSpPr>
+          <p:cNvPr id="334" name="Rectangle 333">
+            <a:extLst>
+              <a:ext uri="{FF2B5EF4-FFF2-40B4-BE49-F238E27FC236}">
+                <a16:creationId xmlns:a16="http://schemas.microsoft.com/office/drawing/2014/main" id="{3A9A4357-BD1D-4622-A4FE-766E6AB8DE84}"/>
+              </a:ext>
+              <a:ext uri="{C183D7F6-B498-43B3-948B-1728B52AA6E4}">
+                <adec:decorative xmlns:adec="http://schemas.microsoft.com/office/drawing/2017/decorative" val="1"/>
+              </a:ext>
+            </a:extLst>
+          </p:cNvPr>
+          <p:cNvSpPr>
+            <a:spLocks noGrp="1" noRot="1" noChangeAspect="1" noMove="1" noResize="1" noEditPoints="1" noAdjustHandles="1" noChangeArrowheads="1" noChangeShapeType="1" noTextEdit="1"/>
+          </p:cNvSpPr>
+          <p:nvPr>
+            <p:extLst>
+              <p:ext uri="{386F3935-93C4-4BCD-93E2-E3B085C9AB24}">
+                <p16:designElem xmlns:p16="http://schemas.microsoft.com/office/powerpoint/2015/main" val="1"/>
+              </p:ext>
+            </p:extLst>
+          </p:nvPr>
+        </p:nvSpPr>
+        <p:spPr>
+          <a:xfrm flipH="1" flipV="1">
+            <a:off x="-2" y="1998845"/>
+            <a:ext cx="11454595" cy="781699"/>
+          </a:xfrm>
+          <a:prstGeom prst="rect">
+            <a:avLst/>
+          </a:prstGeom>
+          <a:solidFill>
+            <a:schemeClr val="accent4"/>
+          </a:solidFill>
+          <a:ln>
+            <a:noFill/>
+          </a:ln>
+        </p:spPr>
+        <p:style>
+          <a:lnRef idx="2">
+            <a:schemeClr val="accent1">
+              <a:shade val="50000"/>
+            </a:schemeClr>
+          </a:lnRef>
+          <a:fillRef idx="1">
+            <a:schemeClr val="accent1"/>
+          </a:fillRef>
+          <a:effectRef idx="0">
+            <a:schemeClr val="accent1"/>
+          </a:effectRef>
+          <a:fontRef idx="minor">
+            <a:schemeClr val="lt1"/>
+          </a:fontRef>
+        </p:style>
+        <p:txBody>
+          <a:bodyPr rtlCol="0" anchor="ctr"/>
+          <a:lstStyle/>
+          <a:p>
+            <a:pPr algn="ctr"/>
+            <a:endParaRPr lang="en-US"/>
+          </a:p>
+        </p:txBody>
+      </p:sp>
+      <p:sp>
+        <p:nvSpPr>
+          <p:cNvPr id="335" name="Rectangle 334">
+            <a:extLst>
+              <a:ext uri="{FF2B5EF4-FFF2-40B4-BE49-F238E27FC236}">
+                <a16:creationId xmlns:a16="http://schemas.microsoft.com/office/drawing/2014/main" id="{E659831F-0D9A-4C63-9EBB-8435B85A440F}"/>
+              </a:ext>
+              <a:ext uri="{C183D7F6-B498-43B3-948B-1728B52AA6E4}">
+                <adec:decorative xmlns:adec="http://schemas.microsoft.com/office/drawing/2017/decorative" val="1"/>
+              </a:ext>
+            </a:extLst>
+          </p:cNvPr>
+          <p:cNvSpPr>
+            <a:spLocks noGrp="1" noRot="1" noChangeAspect="1" noMove="1" noResize="1" noEditPoints="1" noAdjustHandles="1" noChangeArrowheads="1" noChangeShapeType="1" noTextEdit="1"/>
+          </p:cNvSpPr>
+          <p:nvPr>
+            <p:extLst>
+              <p:ext uri="{386F3935-93C4-4BCD-93E2-E3B085C9AB24}">
+                <p16:designElem xmlns:p16="http://schemas.microsoft.com/office/powerpoint/2015/main" val="1"/>
+              </p:ext>
+            </p:extLst>
+          </p:nvPr>
+        </p:nvSpPr>
+        <p:spPr>
+          <a:xfrm>
+            <a:off x="0" y="2203079"/>
+            <a:ext cx="11383362" cy="4267991"/>
+          </a:xfrm>
+          <a:prstGeom prst="rect">
+            <a:avLst/>
+          </a:prstGeom>
+          <a:solidFill>
+            <a:schemeClr val="bg1"/>
+          </a:solidFill>
+          <a:ln>
+            <a:noFill/>
+          </a:ln>
+          <a:effectLst>
+            <a:outerShdw blurRad="139700" dist="127000" dir="5400000" algn="t" rotWithShape="0">
+              <a:prstClr val="black">
+                <a:alpha val="15000"/>
+              </a:prstClr>
+            </a:outerShdw>
+          </a:effectLst>
+        </p:spPr>
+        <p:style>
+          <a:lnRef idx="2">
+            <a:schemeClr val="accent1">
+              <a:shade val="50000"/>
+            </a:schemeClr>
+          </a:lnRef>
+          <a:fillRef idx="1">
+            <a:schemeClr val="accent1"/>
+          </a:fillRef>
+          <a:effectRef idx="0">
+            <a:schemeClr val="accent1"/>
+          </a:effectRef>
+          <a:fontRef idx="minor">
+            <a:schemeClr val="lt1"/>
+          </a:fontRef>
+        </p:style>
+        <p:txBody>
+          <a:bodyPr rtlCol="0" anchor="ctr"/>
+          <a:lstStyle/>
+          <a:p>
+            <a:pPr algn="ctr"/>
+            <a:endParaRPr lang="en-US"/>
+          </a:p>
+        </p:txBody>
+      </p:sp>
+      <p:sp>
+        <p:nvSpPr>
+          <p:cNvPr id="5" name="Rectangle 2">
+            <a:extLst>
+              <a:ext uri="{FF2B5EF4-FFF2-40B4-BE49-F238E27FC236}">
+                <a16:creationId xmlns:a16="http://schemas.microsoft.com/office/drawing/2014/main" id="{5A010DEC-1D00-752D-BB26-389828CF6044}"/>
+              </a:ext>
+            </a:extLst>
+          </p:cNvPr>
+          <p:cNvSpPr>
+            <a:spLocks noGrp="1" noChangeArrowheads="1"/>
+          </p:cNvSpPr>
+          <p:nvPr>
+            <p:ph idx="1"/>
+          </p:nvPr>
+        </p:nvSpPr>
+        <p:spPr bwMode="auto">
+          <a:xfrm>
+            <a:off x="793661" y="2599509"/>
+            <a:ext cx="4530898" cy="3639450"/>
+          </a:xfrm>
+          <a:prstGeom prst="rect">
+            <a:avLst/>
+          </a:prstGeom>
+          <a:extLst>
+            <a:ext uri="{909E8E84-426E-40DD-AFC4-6F175D3DCCD1}">
+              <a14:hiddenFill xmlns:a14="http://schemas.microsoft.com/office/drawing/2010/main">
+                <a:solidFill>
+                  <a:schemeClr val="accent1"/>
+                </a:solidFill>
+              </a14:hiddenFill>
+            </a:ext>
+            <a:ext uri="{91240B29-F687-4F45-9708-019B960494DF}">
+              <a14:hiddenLine xmlns:a14="http://schemas.microsoft.com/office/drawing/2010/main" w="9525">
+                <a:solidFill>
+                  <a:schemeClr val="tx1"/>
+                </a:solidFill>
+                <a:miter lim="800000"/>
+                <a:headEnd/>
+                <a:tailEnd/>
+              </a14:hiddenLine>
+            </a:ext>
+            <a:ext uri="{AF507438-7753-43E0-B8FC-AC1667EBCBE1}">
+              <a14:hiddenEffects xmlns:a14="http://schemas.microsoft.com/office/drawing/2010/main">
+                <a:effectLst>
+                  <a:outerShdw dist="35921" dir="2700000" algn="ctr" rotWithShape="0">
+                    <a:schemeClr val="bg2"/>
+                  </a:outerShdw>
+                </a:effectLst>
+              </a14:hiddenEffects>
+            </a:ext>
+          </a:extLst>
+        </p:spPr>
+        <p:txBody>
+          <a:bodyPr vert="horz" lIns="91440" tIns="45720" rIns="91440" bIns="45720" numCol="1" anchor="ctr" anchorCtr="0" compatLnSpc="1">
+            <a:prstTxWarp prst="textNoShape">
+              <a:avLst/>
+            </a:prstTxWarp>
+            <a:normAutofit/>
+          </a:bodyPr>
+          <a:lstStyle/>
+          <a:p>
+            <a:pPr marL="0" marR="0" lvl="0" indent="0" defTabSz="914400" rtl="0" eaLnBrk="0" fontAlgn="base" latinLnBrk="0" hangingPunct="0">
+              <a:spcBef>
+                <a:spcPct val="0"/>
+              </a:spcBef>
+              <a:spcAft>
+                <a:spcPts val="600"/>
+              </a:spcAft>
+              <a:buClrTx/>
+              <a:buSzTx/>
+              <a:buFontTx/>
+              <a:buChar char="•"/>
+              <a:tabLst/>
+            </a:pPr>
+            <a:r>
+              <a:rPr kumimoji="0" lang="en-US" altLang="en-US" sz="2000" b="0" i="0" u="none" strike="noStrike" cap="none" normalizeH="0" baseline="0" dirty="0">
+                <a:ln>
+                  <a:noFill/>
+                </a:ln>
+                <a:effectLst/>
+                <a:latin typeface="Arial" panose="020B0604020202020204" pitchFamily="34" charset="0"/>
+              </a:rPr>
+              <a:t>Selected based on strong performance in cross-validation and the test set.</a:t>
+            </a:r>
+          </a:p>
+          <a:p>
+            <a:pPr marL="0" marR="0" lvl="0" indent="0" defTabSz="914400" rtl="0" eaLnBrk="0" fontAlgn="base" latinLnBrk="0" hangingPunct="0">
+              <a:spcBef>
+                <a:spcPct val="0"/>
+              </a:spcBef>
+              <a:spcAft>
+                <a:spcPts val="600"/>
+              </a:spcAft>
+              <a:buClrTx/>
+              <a:buSzTx/>
+              <a:buFontTx/>
+              <a:buChar char="•"/>
+              <a:tabLst/>
+            </a:pPr>
+            <a:r>
+              <a:rPr kumimoji="0" lang="en-US" altLang="en-US" sz="2000" b="0" i="0" u="none" strike="noStrike" cap="none" normalizeH="0" baseline="0" dirty="0">
+                <a:ln>
+                  <a:noFill/>
+                </a:ln>
+                <a:effectLst/>
+                <a:latin typeface="Arial" panose="020B0604020202020204" pitchFamily="34" charset="0"/>
+              </a:rPr>
+              <a:t>Evaluation:</a:t>
+            </a:r>
+          </a:p>
+          <a:p>
+            <a:pPr marL="457200" lvl="1" indent="0" eaLnBrk="0" fontAlgn="base" hangingPunct="0">
+              <a:spcBef>
+                <a:spcPct val="0"/>
+              </a:spcBef>
+              <a:spcAft>
+                <a:spcPts val="600"/>
+              </a:spcAft>
+              <a:buFontTx/>
+              <a:buChar char="•"/>
+            </a:pPr>
+            <a:r>
+              <a:rPr kumimoji="0" lang="en-US" altLang="en-US" sz="2000" b="0" i="0" u="none" strike="noStrike" cap="none" normalizeH="0" baseline="0" dirty="0">
+                <a:ln>
+                  <a:noFill/>
+                </a:ln>
+                <a:effectLst/>
+                <a:latin typeface="Arial" panose="020B0604020202020204" pitchFamily="34" charset="0"/>
+              </a:rPr>
+              <a:t>Weighted F1 Score on training and test sets.</a:t>
+            </a:r>
+          </a:p>
+          <a:p>
+            <a:pPr marL="457200" lvl="1" indent="0" eaLnBrk="0" fontAlgn="base" hangingPunct="0">
+              <a:spcBef>
+                <a:spcPct val="0"/>
+              </a:spcBef>
+              <a:spcAft>
+                <a:spcPts val="600"/>
+              </a:spcAft>
+              <a:buFontTx/>
+              <a:buChar char="•"/>
+            </a:pPr>
+            <a:r>
+              <a:rPr kumimoji="0" lang="en-US" altLang="en-US" sz="2000" b="0" i="0" u="none" strike="noStrike" cap="none" normalizeH="0" baseline="0" dirty="0">
+                <a:ln>
+                  <a:noFill/>
+                </a:ln>
+                <a:effectLst/>
+                <a:latin typeface="Arial" panose="020B0604020202020204" pitchFamily="34" charset="0"/>
+              </a:rPr>
+              <a:t>Classification report to assess per-class performance (precision, recall, F1 score).</a:t>
+            </a:r>
+          </a:p>
+          <a:p>
+            <a:pPr marL="0" marR="0" lvl="0" indent="0" defTabSz="914400" rtl="0" eaLnBrk="0" fontAlgn="base" latinLnBrk="0" hangingPunct="0">
+              <a:spcBef>
+                <a:spcPct val="0"/>
+              </a:spcBef>
+              <a:spcAft>
+                <a:spcPts val="600"/>
+              </a:spcAft>
+              <a:buClrTx/>
+              <a:buSzTx/>
+              <a:buFontTx/>
+              <a:buNone/>
+              <a:tabLst/>
+            </a:pPr>
+            <a:endParaRPr kumimoji="0" lang="en-US" altLang="en-US" sz="2000" b="0" i="0" u="none" strike="noStrike" cap="none" normalizeH="0" baseline="0" dirty="0">
+              <a:ln>
+                <a:noFill/>
+              </a:ln>
+              <a:effectLst/>
+              <a:latin typeface="Arial" panose="020B0604020202020204" pitchFamily="34" charset="0"/>
+            </a:endParaRPr>
+          </a:p>
+        </p:txBody>
+      </p:sp>
+      <p:pic>
+        <p:nvPicPr>
+          <p:cNvPr id="7" name="Picture 6">
+            <a:extLst>
+              <a:ext uri="{FF2B5EF4-FFF2-40B4-BE49-F238E27FC236}">
+                <a16:creationId xmlns:a16="http://schemas.microsoft.com/office/drawing/2014/main" id="{B771C703-B512-90F3-87A9-3E85683DE381}"/>
+              </a:ext>
+            </a:extLst>
+          </p:cNvPr>
+          <p:cNvPicPr>
+            <a:picLocks noChangeAspect="1"/>
+          </p:cNvPicPr>
+          <p:nvPr/>
+        </p:nvPicPr>
+        <p:blipFill>
+          <a:blip r:embed="rId2"/>
+          <a:stretch>
+            <a:fillRect/>
+          </a:stretch>
+        </p:blipFill>
+        <p:spPr>
+          <a:xfrm>
+            <a:off x="5911532" y="2937273"/>
+            <a:ext cx="5150277" cy="2808208"/>
+          </a:xfrm>
+          <a:prstGeom prst="rect">
+            <a:avLst/>
+          </a:prstGeom>
+        </p:spPr>
+      </p:pic>
+      <p:sp>
+        <p:nvSpPr>
+          <p:cNvPr id="336" name="Rectangle 335">
+            <a:extLst>
+              <a:ext uri="{FF2B5EF4-FFF2-40B4-BE49-F238E27FC236}">
+                <a16:creationId xmlns:a16="http://schemas.microsoft.com/office/drawing/2014/main" id="{E6995CE5-F890-4ABA-82A2-26507CE8D2A3}"/>
+              </a:ext>
+              <a:ext uri="{C183D7F6-B498-43B3-948B-1728B52AA6E4}">
+                <adec:decorative xmlns:adec="http://schemas.microsoft.com/office/drawing/2017/decorative" val="1"/>
+              </a:ext>
+            </a:extLst>
+          </p:cNvPr>
+          <p:cNvSpPr>
+            <a:spLocks noGrp="1" noRot="1" noChangeAspect="1" noMove="1" noResize="1" noEditPoints="1" noAdjustHandles="1" noChangeArrowheads="1" noChangeShapeType="1" noTextEdit="1"/>
+          </p:cNvSpPr>
+          <p:nvPr>
+            <p:extLst>
+              <p:ext uri="{386F3935-93C4-4BCD-93E2-E3B085C9AB24}">
+                <p16:designElem xmlns:p16="http://schemas.microsoft.com/office/powerpoint/2015/main" val="1"/>
+              </p:ext>
+            </p:extLst>
+          </p:nvPr>
+        </p:nvSpPr>
+        <p:spPr>
+          <a:xfrm rot="5400000">
+            <a:off x="11228040" y="2313027"/>
+            <a:ext cx="781700" cy="152382"/>
+          </a:xfrm>
+          <a:prstGeom prst="rect">
+            <a:avLst/>
+          </a:prstGeom>
+          <a:solidFill>
+            <a:schemeClr val="accent4"/>
+          </a:solidFill>
+          <a:ln>
+            <a:noFill/>
+          </a:ln>
+        </p:spPr>
+        <p:style>
+          <a:lnRef idx="2">
+            <a:schemeClr val="accent1">
+              <a:shade val="50000"/>
+            </a:schemeClr>
+          </a:lnRef>
+          <a:fillRef idx="1">
+            <a:schemeClr val="accent1"/>
+          </a:fillRef>
+          <a:effectRef idx="0">
+            <a:schemeClr val="accent1"/>
+          </a:effectRef>
+          <a:fontRef idx="minor">
+            <a:schemeClr val="lt1"/>
+          </a:fontRef>
+        </p:style>
+        <p:txBody>
+          <a:bodyPr rtlCol="0" anchor="ctr"/>
+          <a:lstStyle/>
+          <a:p>
+            <a:pPr algn="ctr"/>
+            <a:endParaRPr lang="en-US"/>
+          </a:p>
+        </p:txBody>
+      </p:sp>
+    </p:spTree>
+    <p:extLst>
+      <p:ext uri="{BB962C8B-B14F-4D97-AF65-F5344CB8AC3E}">
+        <p14:creationId xmlns:p14="http://schemas.microsoft.com/office/powerpoint/2010/main" val="3412411108"/>
+      </p:ext>
+    </p:extLst>
+  </p:cSld>
+  <p:clrMapOvr>
+    <a:masterClrMapping/>
+  </p:clrMapOvr>
+</p:sld>
+</file>
+
 <file path=ppt/slides/slide3.xml><?xml version="1.0" encoding="utf-8"?>
 <p:sld xmlns:a="http://schemas.openxmlformats.org/drawingml/2006/main" xmlns:r="http://schemas.openxmlformats.org/officeDocument/2006/relationships" xmlns:p="http://schemas.openxmlformats.org/presentationml/2006/main">
   <p:cSld>

--- a/presentation.pptx
+++ b/presentation.pptx
@@ -30,6 +30,10 @@
     <p:sldId id="280" r:id="rId24"/>
     <p:sldId id="281" r:id="rId25"/>
     <p:sldId id="282" r:id="rId26"/>
+    <p:sldId id="283" r:id="rId27"/>
+    <p:sldId id="285" r:id="rId28"/>
+    <p:sldId id="286" r:id="rId29"/>
+    <p:sldId id="288" r:id="rId30"/>
   </p:sldIdLst>
   <p:sldSz cx="12192000" cy="6858000"/>
   <p:notesSz cx="6858000" cy="9144000"/>
@@ -15213,10 +15217,10 @@
       </p:grpSpPr>
       <p:sp useBgFill="1">
         <p:nvSpPr>
-          <p:cNvPr id="183" name="Rectangle 182">
+          <p:cNvPr id="200" name="Rectangle 199">
             <a:extLst>
               <a:ext uri="{FF2B5EF4-FFF2-40B4-BE49-F238E27FC236}">
-                <a16:creationId xmlns:a16="http://schemas.microsoft.com/office/drawing/2014/main" id="{AAAE94E3-A7DB-4868-B1E3-E49703488BBC}"/>
+                <a16:creationId xmlns:a16="http://schemas.microsoft.com/office/drawing/2014/main" id="{149FB5C3-7336-4FE0-A30C-CC0A3646D499}"/>
               </a:ext>
               <a:ext uri="{C183D7F6-B498-43B3-948B-1728B52AA6E4}">
                 <adec:decorative xmlns:adec="http://schemas.microsoft.com/office/drawing/2017/decorative" val="1"/>
@@ -15271,47 +15275,12 @@
           </a:p>
         </p:txBody>
       </p:sp>
-      <p:sp>
-        <p:nvSpPr>
-          <p:cNvPr id="2" name="Title 1">
+      <p:grpSp>
+        <p:nvGrpSpPr>
+          <p:cNvPr id="202" name="Group 201">
             <a:extLst>
               <a:ext uri="{FF2B5EF4-FFF2-40B4-BE49-F238E27FC236}">
-                <a16:creationId xmlns:a16="http://schemas.microsoft.com/office/drawing/2014/main" id="{5ACD2DC5-5035-7574-FDD2-CD55A20EFAE8}"/>
-              </a:ext>
-            </a:extLst>
-          </p:cNvPr>
-          <p:cNvSpPr>
-            <a:spLocks noGrp="1"/>
-          </p:cNvSpPr>
-          <p:nvPr>
-            <p:ph type="title"/>
-          </p:nvPr>
-        </p:nvSpPr>
-        <p:spPr>
-          <a:xfrm>
-            <a:off x="589560" y="856180"/>
-            <a:ext cx="5279408" cy="1128068"/>
-          </a:xfrm>
-        </p:spPr>
-        <p:txBody>
-          <a:bodyPr vert="horz" lIns="91440" tIns="45720" rIns="91440" bIns="45720" rtlCol="0" anchor="ctr">
-            <a:normAutofit/>
-          </a:bodyPr>
-          <a:lstStyle/>
-          <a:p>
-            <a:r>
-              <a:rPr lang="en-US" sz="4000"/>
-              <a:t>Phase 1 - Results</a:t>
-            </a:r>
-          </a:p>
-        </p:txBody>
-      </p:sp>
-      <p:grpSp>
-        <p:nvGrpSpPr>
-          <p:cNvPr id="185" name="Group 184">
-            <a:extLst>
-              <a:ext uri="{FF2B5EF4-FFF2-40B4-BE49-F238E27FC236}">
-                <a16:creationId xmlns:a16="http://schemas.microsoft.com/office/drawing/2014/main" id="{1DE889C7-FAD6-4397-98E2-05D503484459}"/>
+                <a16:creationId xmlns:a16="http://schemas.microsoft.com/office/drawing/2014/main" id="{19A6B5CE-CB1D-48EE-8B43-E952235C8371}"/>
               </a:ext>
               <a:ext uri="{C183D7F6-B498-43B3-948B-1728B52AA6E4}">
                 <adec:decorative xmlns:adec="http://schemas.microsoft.com/office/drawing/2017/decorative" val="1"/>
@@ -15330,19 +15299,22 @@
           </p:nvPr>
         </p:nvGrpSpPr>
         <p:grpSpPr>
-          <a:xfrm>
-            <a:off x="0" y="1083484"/>
-            <a:ext cx="355196" cy="673460"/>
-            <a:chOff x="0" y="823811"/>
-            <a:chExt cx="355196" cy="673460"/>
+          <a:xfrm rot="5400000">
+            <a:off x="-2340441" y="2666183"/>
+            <a:ext cx="5860051" cy="527712"/>
+            <a:chOff x="6081624" y="1998368"/>
+            <a:chExt cx="5613457" cy="782175"/>
           </a:xfrm>
+          <a:solidFill>
+            <a:schemeClr val="accent4"/>
+          </a:solidFill>
         </p:grpSpPr>
         <p:sp>
           <p:nvSpPr>
-            <p:cNvPr id="186" name="Rectangle 185">
+            <p:cNvPr id="203" name="Rectangle 202">
               <a:extLst>
                 <a:ext uri="{FF2B5EF4-FFF2-40B4-BE49-F238E27FC236}">
-                  <a16:creationId xmlns:a16="http://schemas.microsoft.com/office/drawing/2014/main" id="{F399A70F-F8CD-4992-9EF5-6CF15472E73F}"/>
+                  <a16:creationId xmlns:a16="http://schemas.microsoft.com/office/drawing/2014/main" id="{E3F3EAA5-4E15-400B-BBA3-82B3F49A2178}"/>
                 </a:ext>
                 <a:ext uri="{C183D7F6-B498-43B3-948B-1728B52AA6E4}">
                   <adec:decorative xmlns:adec="http://schemas.microsoft.com/office/drawing/2017/decorative" val="1"/>
@@ -15359,16 +15331,14 @@
             </p:nvPr>
           </p:nvSpPr>
           <p:spPr>
-            <a:xfrm>
-              <a:off x="0" y="823811"/>
-              <a:ext cx="87363" cy="673460"/>
+            <a:xfrm rot="5400000">
+              <a:off x="11228040" y="2313027"/>
+              <a:ext cx="781700" cy="152382"/>
             </a:xfrm>
             <a:prstGeom prst="rect">
               <a:avLst/>
             </a:prstGeom>
-            <a:solidFill>
-              <a:schemeClr val="accent4"/>
-            </a:solidFill>
+            <a:grpFill/>
             <a:ln>
               <a:noFill/>
             </a:ln>
@@ -15400,10 +15370,10 @@
         </p:sp>
         <p:sp>
           <p:nvSpPr>
-            <p:cNvPr id="187" name="Rectangle 186">
+            <p:cNvPr id="204" name="Rectangle 203">
               <a:extLst>
                 <a:ext uri="{FF2B5EF4-FFF2-40B4-BE49-F238E27FC236}">
-                  <a16:creationId xmlns:a16="http://schemas.microsoft.com/office/drawing/2014/main" id="{48F4FEDC-6D80-458C-A665-075D9B9500FD}"/>
+                  <a16:creationId xmlns:a16="http://schemas.microsoft.com/office/drawing/2014/main" id="{72BA2E40-BE9B-4C54-9CDD-40EE804CCE64}"/>
                 </a:ext>
                 <a:ext uri="{C183D7F6-B498-43B3-948B-1728B52AA6E4}">
                   <adec:decorative xmlns:adec="http://schemas.microsoft.com/office/drawing/2017/decorative" val="1"/>
@@ -15420,16 +15390,14 @@
             </p:nvPr>
           </p:nvSpPr>
           <p:spPr>
-            <a:xfrm>
-              <a:off x="159341" y="823811"/>
-              <a:ext cx="195855" cy="673460"/>
+            <a:xfrm flipH="1" flipV="1">
+              <a:off x="6081624" y="1998844"/>
+              <a:ext cx="5372968" cy="781699"/>
             </a:xfrm>
             <a:prstGeom prst="rect">
               <a:avLst/>
             </a:prstGeom>
-            <a:solidFill>
-              <a:schemeClr val="accent4"/>
-            </a:solidFill>
+            <a:grpFill/>
             <a:ln>
               <a:noFill/>
             </a:ln>
@@ -15462,10 +15430,115 @@
       </p:grpSp>
       <p:sp>
         <p:nvSpPr>
-          <p:cNvPr id="189" name="Rectangle 188">
+          <p:cNvPr id="206" name="Rectangle 205">
             <a:extLst>
               <a:ext uri="{FF2B5EF4-FFF2-40B4-BE49-F238E27FC236}">
-                <a16:creationId xmlns:a16="http://schemas.microsoft.com/office/drawing/2014/main" id="{3873B707-463F-40B0-8227-E8CC6C67EB25}"/>
+                <a16:creationId xmlns:a16="http://schemas.microsoft.com/office/drawing/2014/main" id="{0DA909B4-15FF-46A6-8A7F-7AEF977FE9ED}"/>
+              </a:ext>
+              <a:ext uri="{C183D7F6-B498-43B3-948B-1728B52AA6E4}">
+                <adec:decorative xmlns:adec="http://schemas.microsoft.com/office/drawing/2017/decorative" val="1"/>
+              </a:ext>
+            </a:extLst>
+          </p:cNvPr>
+          <p:cNvSpPr>
+            <a:spLocks noGrp="1" noRot="1" noChangeAspect="1" noMove="1" noResize="1" noEditPoints="1" noAdjustHandles="1" noChangeArrowheads="1" noChangeShapeType="1" noTextEdit="1"/>
+          </p:cNvSpPr>
+          <p:nvPr>
+            <p:extLst>
+              <p:ext uri="{386F3935-93C4-4BCD-93E2-E3B085C9AB24}">
+                <p16:designElem xmlns:p16="http://schemas.microsoft.com/office/powerpoint/2015/main" val="1"/>
+              </p:ext>
+            </p:extLst>
+          </p:nvPr>
+        </p:nvSpPr>
+        <p:spPr>
+          <a:xfrm>
+            <a:off x="579528" y="517897"/>
+            <a:ext cx="11111729" cy="5857966"/>
+          </a:xfrm>
+          <a:prstGeom prst="rect">
+            <a:avLst/>
+          </a:prstGeom>
+          <a:solidFill>
+            <a:schemeClr val="bg1"/>
+          </a:solidFill>
+          <a:ln>
+            <a:noFill/>
+          </a:ln>
+          <a:effectLst>
+            <a:outerShdw blurRad="139700" dist="127000" dir="5400000" algn="t" rotWithShape="0">
+              <a:prstClr val="black">
+                <a:alpha val="15000"/>
+              </a:prstClr>
+            </a:outerShdw>
+          </a:effectLst>
+        </p:spPr>
+        <p:style>
+          <a:lnRef idx="2">
+            <a:schemeClr val="accent1">
+              <a:shade val="50000"/>
+            </a:schemeClr>
+          </a:lnRef>
+          <a:fillRef idx="1">
+            <a:schemeClr val="accent1"/>
+          </a:fillRef>
+          <a:effectRef idx="0">
+            <a:schemeClr val="accent1"/>
+          </a:effectRef>
+          <a:fontRef idx="minor">
+            <a:schemeClr val="lt1"/>
+          </a:fontRef>
+        </p:style>
+        <p:txBody>
+          <a:bodyPr rtlCol="0" anchor="ctr"/>
+          <a:lstStyle/>
+          <a:p>
+            <a:pPr algn="ctr"/>
+            <a:endParaRPr lang="en-US"/>
+          </a:p>
+        </p:txBody>
+      </p:sp>
+      <p:sp>
+        <p:nvSpPr>
+          <p:cNvPr id="2" name="Title 1">
+            <a:extLst>
+              <a:ext uri="{FF2B5EF4-FFF2-40B4-BE49-F238E27FC236}">
+                <a16:creationId xmlns:a16="http://schemas.microsoft.com/office/drawing/2014/main" id="{5ACD2DC5-5035-7574-FDD2-CD55A20EFAE8}"/>
+              </a:ext>
+            </a:extLst>
+          </p:cNvPr>
+          <p:cNvSpPr>
+            <a:spLocks noGrp="1"/>
+          </p:cNvSpPr>
+          <p:nvPr>
+            <p:ph type="title"/>
+          </p:nvPr>
+        </p:nvSpPr>
+        <p:spPr>
+          <a:xfrm>
+            <a:off x="1057025" y="922644"/>
+            <a:ext cx="5040285" cy="1169585"/>
+          </a:xfrm>
+        </p:spPr>
+        <p:txBody>
+          <a:bodyPr vert="horz" lIns="91440" tIns="45720" rIns="91440" bIns="45720" rtlCol="0" anchor="b">
+            <a:normAutofit/>
+          </a:bodyPr>
+          <a:lstStyle/>
+          <a:p>
+            <a:r>
+              <a:rPr lang="en-US" sz="4000"/>
+              <a:t>Phase 1 - Results</a:t>
+            </a:r>
+          </a:p>
+        </p:txBody>
+      </p:sp>
+      <p:sp>
+        <p:nvSpPr>
+          <p:cNvPr id="208" name="Rectangle 207">
+            <a:extLst>
+              <a:ext uri="{FF2B5EF4-FFF2-40B4-BE49-F238E27FC236}">
+                <a16:creationId xmlns:a16="http://schemas.microsoft.com/office/drawing/2014/main" id="{1382A32C-5B0C-4B1C-A074-76C6DBCC9F87}"/>
               </a:ext>
               <a:ext uri="{C183D7F6-B498-43B3-948B-1728B52AA6E4}">
                 <adec:decorative xmlns:adec="http://schemas.microsoft.com/office/drawing/2017/decorative" val="1"/>
@@ -15485,8 +15558,8 @@
         </p:nvSpPr>
         <p:spPr>
           <a:xfrm flipH="1">
-            <a:off x="665085" y="2123821"/>
-            <a:ext cx="4975066" cy="27432"/>
+            <a:off x="1055714" y="2263365"/>
+            <a:ext cx="4937760" cy="27432"/>
           </a:xfrm>
           <a:prstGeom prst="rect">
             <a:avLst/>
@@ -15539,8 +15612,8 @@
         </p:nvSpPr>
         <p:spPr bwMode="auto">
           <a:xfrm>
-            <a:off x="590719" y="2330505"/>
-            <a:ext cx="5278066" cy="3979585"/>
+            <a:off x="1055715" y="2508105"/>
+            <a:ext cx="5040285" cy="3632493"/>
           </a:xfrm>
           <a:prstGeom prst="rect">
             <a:avLst/>
@@ -15583,7 +15656,7 @@
           </a:bodyPr>
           <a:lstStyle/>
           <a:p>
-            <a:pPr marR="0" lvl="0" defTabSz="914400" fontAlgn="base">
+            <a:pPr marR="0" lvl="0" indent="-228600" defTabSz="914400" fontAlgn="base">
               <a:lnSpc>
                 <a:spcPct val="90000"/>
               </a:lnSpc>
@@ -15595,10 +15668,12 @@
               </a:spcAft>
               <a:buClrTx/>
               <a:buSzTx/>
+              <a:buFont typeface="Arial" panose="020B0604020202020204" pitchFamily="34" charset="0"/>
+              <a:buChar char="•"/>
               <a:tabLst/>
             </a:pPr>
             <a:r>
-              <a:rPr kumimoji="0" lang="en-US" altLang="en-US" sz="2800" b="1" i="0" u="none" strike="noStrike" cap="none" normalizeH="0" baseline="0" dirty="0">
+              <a:rPr kumimoji="0" lang="en-US" altLang="en-US" sz="2400" b="1" i="0" u="none" strike="noStrike" cap="none" normalizeH="0" baseline="0" dirty="0">
                 <a:ln>
                   <a:noFill/>
                 </a:ln>
@@ -15607,7 +15682,7 @@
               <a:t>Top-performing classifiers</a:t>
             </a:r>
             <a:r>
-              <a:rPr kumimoji="0" lang="en-US" altLang="en-US" sz="2800" b="0" i="0" u="none" strike="noStrike" cap="none" normalizeH="0" baseline="0" dirty="0">
+              <a:rPr kumimoji="0" lang="en-US" altLang="en-US" sz="2400" b="0" i="0" u="none" strike="noStrike" cap="none" normalizeH="0" baseline="0" dirty="0">
                 <a:ln>
                   <a:noFill/>
                 </a:ln>
@@ -15634,7 +15709,7 @@
               <a:tabLst/>
             </a:pPr>
             <a:r>
-              <a:rPr kumimoji="0" lang="en-US" altLang="en-US" sz="2800" b="1" i="0" u="none" strike="noStrike" cap="none" normalizeH="0" baseline="0" dirty="0">
+              <a:rPr kumimoji="0" lang="en-US" altLang="en-US" sz="2400" b="1" i="0" u="none" strike="noStrike" cap="none" normalizeH="0" baseline="0" dirty="0">
                 <a:ln>
                   <a:noFill/>
                 </a:ln>
@@ -15661,11 +15736,11 @@
               <a:tabLst/>
             </a:pPr>
             <a:r>
-              <a:rPr lang="en-US" altLang="en-US" sz="2800" b="1" dirty="0"/>
+              <a:rPr lang="en-US" altLang="en-US" sz="2400" b="1" dirty="0"/>
               <a:t>CatBoost</a:t>
             </a:r>
             <a:r>
-              <a:rPr kumimoji="0" lang="en-US" altLang="en-US" sz="2800" b="0" i="0" u="none" strike="noStrike" cap="none" normalizeH="0" baseline="0" dirty="0">
+              <a:rPr kumimoji="0" lang="en-US" altLang="en-US" sz="2400" b="0" i="0" u="none" strike="noStrike" cap="none" normalizeH="0" baseline="0" dirty="0">
                 <a:ln>
                   <a:noFill/>
                 </a:ln>
@@ -15691,7 +15766,7 @@
               <a:buChar char="•"/>
               <a:tabLst/>
             </a:pPr>
-            <a:endParaRPr kumimoji="0" lang="en-US" altLang="en-US" sz="2800" b="0" i="0" u="none" strike="noStrike" cap="none" normalizeH="0" baseline="0" dirty="0">
+            <a:endParaRPr kumimoji="0" lang="en-US" altLang="en-US" sz="2400" b="0" i="0" u="none" strike="noStrike" cap="none" normalizeH="0" baseline="0" dirty="0">
               <a:ln>
                 <a:noFill/>
               </a:ln>
@@ -15699,7 +15774,7 @@
             </a:endParaRPr>
           </a:p>
           <a:p>
-            <a:pPr marR="0" lvl="0" defTabSz="914400" fontAlgn="base">
+            <a:pPr marR="0" lvl="0" indent="-228600" defTabSz="914400" fontAlgn="base">
               <a:lnSpc>
                 <a:spcPct val="90000"/>
               </a:lnSpc>
@@ -15711,10 +15786,12 @@
               </a:spcAft>
               <a:buClrTx/>
               <a:buSzTx/>
+              <a:buFont typeface="Arial" panose="020B0604020202020204" pitchFamily="34" charset="0"/>
+              <a:buChar char="•"/>
               <a:tabLst/>
             </a:pPr>
             <a:r>
-              <a:rPr kumimoji="0" lang="en-US" altLang="en-US" sz="2800" b="1" i="0" u="none" strike="noStrike" cap="none" normalizeH="0" baseline="0" dirty="0">
+              <a:rPr kumimoji="0" lang="en-US" altLang="en-US" sz="2400" b="1" i="0" u="none" strike="noStrike" cap="none" normalizeH="0" baseline="0" dirty="0">
                 <a:ln>
                   <a:noFill/>
                 </a:ln>
@@ -15723,7 +15800,7 @@
               <a:t>Best dataset versions</a:t>
             </a:r>
             <a:r>
-              <a:rPr kumimoji="0" lang="en-US" altLang="en-US" sz="2800" b="0" i="0" u="none" strike="noStrike" cap="none" normalizeH="0" baseline="0" dirty="0">
+              <a:rPr kumimoji="0" lang="en-US" altLang="en-US" sz="2400" b="0" i="0" u="none" strike="noStrike" cap="none" normalizeH="0" baseline="0" dirty="0">
                 <a:ln>
                   <a:noFill/>
                 </a:ln>
@@ -15750,7 +15827,7 @@
               <a:tabLst/>
             </a:pPr>
             <a:r>
-              <a:rPr kumimoji="0" lang="en-US" altLang="en-US" sz="2800" b="1" i="0" u="none" strike="noStrike" cap="none" normalizeH="0" baseline="0" dirty="0">
+              <a:rPr kumimoji="0" lang="en-US" altLang="en-US" sz="2400" b="1" i="0" u="none" strike="noStrike" cap="none" normalizeH="0" baseline="0" dirty="0">
                 <a:ln>
                   <a:noFill/>
                 </a:ln>
@@ -15777,10 +15854,10 @@
               <a:tabLst/>
             </a:pPr>
             <a:r>
-              <a:rPr lang="en-US" altLang="en-US" sz="2800" b="1" dirty="0"/>
+              <a:rPr lang="en-US" altLang="en-US" sz="2400" b="1" dirty="0"/>
               <a:t>V1</a:t>
             </a:r>
-            <a:endParaRPr kumimoji="0" lang="en-US" altLang="en-US" sz="2800" b="1" i="0" u="none" strike="noStrike" cap="none" normalizeH="0" baseline="0" dirty="0">
+            <a:endParaRPr kumimoji="0" lang="en-US" altLang="en-US" sz="2400" b="1" i="0" u="none" strike="noStrike" cap="none" normalizeH="0" baseline="0" dirty="0">
               <a:ln>
                 <a:noFill/>
               </a:ln>
@@ -15789,145 +15866,12 @@
           </a:p>
         </p:txBody>
       </p:sp>
-      <p:sp>
-        <p:nvSpPr>
-          <p:cNvPr id="191" name="Rectangle 190">
+      <p:pic>
+        <p:nvPicPr>
+          <p:cNvPr id="6" name="Picture 5">
             <a:extLst>
               <a:ext uri="{FF2B5EF4-FFF2-40B4-BE49-F238E27FC236}">
-                <a16:creationId xmlns:a16="http://schemas.microsoft.com/office/drawing/2014/main" id="{C13237C8-E62C-4F0D-A318-BD6FB6C2D138}"/>
-              </a:ext>
-              <a:ext uri="{C183D7F6-B498-43B3-948B-1728B52AA6E4}">
-                <adec:decorative xmlns:adec="http://schemas.microsoft.com/office/drawing/2017/decorative" val="1"/>
-              </a:ext>
-            </a:extLst>
-          </p:cNvPr>
-          <p:cNvSpPr>
-            <a:spLocks noGrp="1" noRot="1" noChangeAspect="1" noMove="1" noResize="1" noEditPoints="1" noAdjustHandles="1" noChangeArrowheads="1" noChangeShapeType="1" noTextEdit="1"/>
-          </p:cNvSpPr>
-          <p:nvPr>
-            <p:extLst>
-              <p:ext uri="{386F3935-93C4-4BCD-93E2-E3B085C9AB24}">
-                <p16:designElem xmlns:p16="http://schemas.microsoft.com/office/powerpoint/2015/main" val="1"/>
-              </p:ext>
-            </p:extLst>
-          </p:nvPr>
-        </p:nvSpPr>
-        <p:spPr>
-          <a:xfrm flipH="1">
-            <a:off x="10697670" y="0"/>
-            <a:ext cx="1494330" cy="6858000"/>
-          </a:xfrm>
-          <a:prstGeom prst="rect">
-            <a:avLst/>
-          </a:prstGeom>
-          <a:solidFill>
-            <a:schemeClr val="accent4"/>
-          </a:solidFill>
-          <a:ln>
-            <a:noFill/>
-          </a:ln>
-        </p:spPr>
-        <p:style>
-          <a:lnRef idx="2">
-            <a:schemeClr val="accent1">
-              <a:shade val="50000"/>
-            </a:schemeClr>
-          </a:lnRef>
-          <a:fillRef idx="1">
-            <a:schemeClr val="accent1"/>
-          </a:fillRef>
-          <a:effectRef idx="0">
-            <a:schemeClr val="accent1"/>
-          </a:effectRef>
-          <a:fontRef idx="minor">
-            <a:schemeClr val="lt1"/>
-          </a:fontRef>
-        </p:style>
-        <p:txBody>
-          <a:bodyPr rtlCol="0" anchor="ctr"/>
-          <a:lstStyle/>
-          <a:p>
-            <a:pPr algn="ctr"/>
-            <a:endParaRPr lang="en-US"/>
-          </a:p>
-        </p:txBody>
-      </p:sp>
-      <p:sp>
-        <p:nvSpPr>
-          <p:cNvPr id="193" name="Rectangle 192">
-            <a:extLst>
-              <a:ext uri="{FF2B5EF4-FFF2-40B4-BE49-F238E27FC236}">
-                <a16:creationId xmlns:a16="http://schemas.microsoft.com/office/drawing/2014/main" id="{19C9EAEA-39D0-4B0E-A0EB-51E7B26740B1}"/>
-              </a:ext>
-              <a:ext uri="{C183D7F6-B498-43B3-948B-1728B52AA6E4}">
-                <adec:decorative xmlns:adec="http://schemas.microsoft.com/office/drawing/2017/decorative" val="1"/>
-              </a:ext>
-            </a:extLst>
-          </p:cNvPr>
-          <p:cNvSpPr>
-            <a:spLocks noGrp="1" noRot="1" noChangeAspect="1" noMove="1" noResize="1" noEditPoints="1" noAdjustHandles="1" noChangeArrowheads="1" noChangeShapeType="1" noTextEdit="1"/>
-          </p:cNvSpPr>
-          <p:nvPr>
-            <p:extLst>
-              <p:ext uri="{386F3935-93C4-4BCD-93E2-E3B085C9AB24}">
-                <p16:designElem xmlns:p16="http://schemas.microsoft.com/office/powerpoint/2015/main" val="1"/>
-              </p:ext>
-            </p:extLst>
-          </p:nvPr>
-        </p:nvSpPr>
-        <p:spPr>
-          <a:xfrm>
-            <a:off x="6849687" y="357447"/>
-            <a:ext cx="4845488" cy="2923587"/>
-          </a:xfrm>
-          <a:prstGeom prst="rect">
-            <a:avLst/>
-          </a:prstGeom>
-          <a:solidFill>
-            <a:schemeClr val="bg1"/>
-          </a:solidFill>
-          <a:ln>
-            <a:noFill/>
-          </a:ln>
-          <a:effectLst>
-            <a:outerShdw blurRad="139700" dist="127000" dir="5400000" algn="t" rotWithShape="0">
-              <a:prstClr val="black">
-                <a:alpha val="15000"/>
-              </a:prstClr>
-            </a:outerShdw>
-          </a:effectLst>
-        </p:spPr>
-        <p:style>
-          <a:lnRef idx="2">
-            <a:schemeClr val="accent1">
-              <a:shade val="50000"/>
-            </a:schemeClr>
-          </a:lnRef>
-          <a:fillRef idx="1">
-            <a:schemeClr val="accent1"/>
-          </a:fillRef>
-          <a:effectRef idx="0">
-            <a:schemeClr val="accent1"/>
-          </a:effectRef>
-          <a:fontRef idx="minor">
-            <a:schemeClr val="lt1"/>
-          </a:fontRef>
-        </p:style>
-        <p:txBody>
-          <a:bodyPr rtlCol="0" anchor="ctr"/>
-          <a:lstStyle/>
-          <a:p>
-            <a:pPr algn="ctr"/>
-            <a:endParaRPr lang="en-US"/>
-          </a:p>
-        </p:txBody>
-      </p:sp>
-      <p:pic>
-        <p:nvPicPr>
-          <p:cNvPr id="8" name="Picture 7">
-            <a:extLst>
-              <a:ext uri="{FF2B5EF4-FFF2-40B4-BE49-F238E27FC236}">
-                <a16:creationId xmlns:a16="http://schemas.microsoft.com/office/drawing/2014/main" id="{46538834-0D40-9316-3D05-97A82FC97215}"/>
+                <a16:creationId xmlns:a16="http://schemas.microsoft.com/office/drawing/2014/main" id="{906FFEDA-31C6-92DB-CA4C-69796B2F08E8}"/>
               </a:ext>
             </a:extLst>
           </p:cNvPr>
@@ -15938,95 +15882,25 @@
         </p:nvPicPr>
         <p:blipFill>
           <a:blip r:embed="rId2"/>
-          <a:srcRect l="4638" r="-1" b="-1"/>
+          <a:srcRect t="15186" r="-3" b="7223"/>
           <a:stretch/>
         </p:blipFill>
         <p:spPr>
           <a:xfrm>
-            <a:off x="8333374" y="581892"/>
-            <a:ext cx="1897530" cy="2518756"/>
+            <a:off x="8168313" y="774285"/>
+            <a:ext cx="1945828" cy="2581173"/>
           </a:xfrm>
           <a:prstGeom prst="rect">
             <a:avLst/>
           </a:prstGeom>
         </p:spPr>
       </p:pic>
-      <p:sp>
-        <p:nvSpPr>
-          <p:cNvPr id="195" name="Rectangle 194">
+      <p:pic>
+        <p:nvPicPr>
+          <p:cNvPr id="8" name="Picture 7">
             <a:extLst>
               <a:ext uri="{FF2B5EF4-FFF2-40B4-BE49-F238E27FC236}">
-                <a16:creationId xmlns:a16="http://schemas.microsoft.com/office/drawing/2014/main" id="{8CB5D2D7-DF65-4E86-BFBA-FFB9B5ACEB64}"/>
-              </a:ext>
-              <a:ext uri="{C183D7F6-B498-43B3-948B-1728B52AA6E4}">
-                <adec:decorative xmlns:adec="http://schemas.microsoft.com/office/drawing/2017/decorative" val="1"/>
-              </a:ext>
-            </a:extLst>
-          </p:cNvPr>
-          <p:cNvSpPr>
-            <a:spLocks noGrp="1" noRot="1" noChangeAspect="1" noMove="1" noResize="1" noEditPoints="1" noAdjustHandles="1" noChangeArrowheads="1" noChangeShapeType="1" noTextEdit="1"/>
-          </p:cNvSpPr>
-          <p:nvPr>
-            <p:extLst>
-              <p:ext uri="{386F3935-93C4-4BCD-93E2-E3B085C9AB24}">
-                <p16:designElem xmlns:p16="http://schemas.microsoft.com/office/powerpoint/2015/main" val="1"/>
-              </p:ext>
-            </p:extLst>
-          </p:nvPr>
-        </p:nvSpPr>
-        <p:spPr>
-          <a:xfrm>
-            <a:off x="6849687" y="3505479"/>
-            <a:ext cx="4845488" cy="2923587"/>
-          </a:xfrm>
-          <a:prstGeom prst="rect">
-            <a:avLst/>
-          </a:prstGeom>
-          <a:solidFill>
-            <a:schemeClr val="bg1"/>
-          </a:solidFill>
-          <a:ln>
-            <a:noFill/>
-          </a:ln>
-          <a:effectLst>
-            <a:outerShdw blurRad="139700" dist="127000" dir="5400000" algn="t" rotWithShape="0">
-              <a:prstClr val="black">
-                <a:alpha val="15000"/>
-              </a:prstClr>
-            </a:outerShdw>
-          </a:effectLst>
-        </p:spPr>
-        <p:style>
-          <a:lnRef idx="2">
-            <a:schemeClr val="accent1">
-              <a:shade val="50000"/>
-            </a:schemeClr>
-          </a:lnRef>
-          <a:fillRef idx="1">
-            <a:schemeClr val="accent1"/>
-          </a:fillRef>
-          <a:effectRef idx="0">
-            <a:schemeClr val="accent1"/>
-          </a:effectRef>
-          <a:fontRef idx="minor">
-            <a:schemeClr val="lt1"/>
-          </a:fontRef>
-        </p:style>
-        <p:txBody>
-          <a:bodyPr rtlCol="0" anchor="ctr"/>
-          <a:lstStyle/>
-          <a:p>
-            <a:pPr algn="ctr"/>
-            <a:endParaRPr lang="en-US"/>
-          </a:p>
-        </p:txBody>
-      </p:sp>
-      <p:pic>
-        <p:nvPicPr>
-          <p:cNvPr id="6" name="Picture 5">
-            <a:extLst>
-              <a:ext uri="{FF2B5EF4-FFF2-40B4-BE49-F238E27FC236}">
-                <a16:creationId xmlns:a16="http://schemas.microsoft.com/office/drawing/2014/main" id="{906FFEDA-31C6-92DB-CA4C-69796B2F08E8}"/>
+                <a16:creationId xmlns:a16="http://schemas.microsoft.com/office/drawing/2014/main" id="{46538834-0D40-9316-3D05-97A82FC97215}"/>
               </a:ext>
             </a:extLst>
           </p:cNvPr>
@@ -16037,13 +15911,13 @@
         </p:nvPicPr>
         <p:blipFill>
           <a:blip r:embed="rId3"/>
-          <a:srcRect t="15186" r="-3" b="7223"/>
+          <a:srcRect l="4638" r="-1" b="-1"/>
           <a:stretch/>
         </p:blipFill>
         <p:spPr>
           <a:xfrm>
-            <a:off x="8331820" y="3707894"/>
-            <a:ext cx="1898774" cy="2518756"/>
+            <a:off x="8168950" y="3575074"/>
+            <a:ext cx="1944553" cy="2581173"/>
           </a:xfrm>
           <a:prstGeom prst="rect">
             <a:avLst/>
@@ -21650,7 +21524,7 @@
       </p:grpSpPr>
       <p:sp useBgFill="1">
         <p:nvSpPr>
-          <p:cNvPr id="333" name="Rectangle 332">
+          <p:cNvPr id="341" name="Rectangle 340">
             <a:extLst>
               <a:ext uri="{FF2B5EF4-FFF2-40B4-BE49-F238E27FC236}">
                 <a16:creationId xmlns:a16="http://schemas.microsoft.com/office/drawing/2014/main" id="{058A14AF-9FB5-4CC7-BA35-E8E85D3EDF0E}"/>
@@ -21745,7 +21619,7 @@
       </p:sp>
       <p:sp>
         <p:nvSpPr>
-          <p:cNvPr id="334" name="Rectangle 333">
+          <p:cNvPr id="343" name="Rectangle 342">
             <a:extLst>
               <a:ext uri="{FF2B5EF4-FFF2-40B4-BE49-F238E27FC236}">
                 <a16:creationId xmlns:a16="http://schemas.microsoft.com/office/drawing/2014/main" id="{3A9A4357-BD1D-4622-A4FE-766E6AB8DE84}"/>
@@ -21808,7 +21682,7 @@
       </p:sp>
       <p:sp>
         <p:nvSpPr>
-          <p:cNvPr id="335" name="Rectangle 334">
+          <p:cNvPr id="345" name="Rectangle 344">
             <a:extLst>
               <a:ext uri="{FF2B5EF4-FFF2-40B4-BE49-F238E27FC236}">
                 <a16:creationId xmlns:a16="http://schemas.microsoft.com/office/drawing/2014/main" id="{E659831F-0D9A-4C63-9EBB-8435B85A440F}"/>
@@ -22057,10 +21931,10 @@
       </p:sp>
       <p:pic>
         <p:nvPicPr>
-          <p:cNvPr id="7" name="Picture 6">
+          <p:cNvPr id="9" name="Picture 8">
             <a:extLst>
               <a:ext uri="{FF2B5EF4-FFF2-40B4-BE49-F238E27FC236}">
-                <a16:creationId xmlns:a16="http://schemas.microsoft.com/office/drawing/2014/main" id="{B771C703-B512-90F3-87A9-3E85683DE381}"/>
+                <a16:creationId xmlns:a16="http://schemas.microsoft.com/office/drawing/2014/main" id="{52A3D200-1A62-E80E-0AB0-C06B6F340882}"/>
               </a:ext>
             </a:extLst>
           </p:cNvPr>
@@ -22077,8 +21951,8 @@
         </p:blipFill>
         <p:spPr>
           <a:xfrm>
-            <a:off x="5911532" y="2937273"/>
-            <a:ext cx="5150277" cy="2808208"/>
+            <a:off x="5911532" y="2962247"/>
+            <a:ext cx="5150277" cy="2758259"/>
           </a:xfrm>
           <a:prstGeom prst="rect">
             <a:avLst/>
@@ -22087,7 +21961,7 @@
       </p:pic>
       <p:sp>
         <p:nvSpPr>
-          <p:cNvPr id="336" name="Rectangle 335">
+          <p:cNvPr id="347" name="Rectangle 346">
             <a:extLst>
               <a:ext uri="{FF2B5EF4-FFF2-40B4-BE49-F238E27FC236}">
                 <a16:creationId xmlns:a16="http://schemas.microsoft.com/office/drawing/2014/main" id="{E6995CE5-F890-4ABA-82A2-26507CE8D2A3}"/>
@@ -22152,6 +22026,1873 @@
     <p:extLst>
       <p:ext uri="{BB962C8B-B14F-4D97-AF65-F5344CB8AC3E}">
         <p14:creationId xmlns:p14="http://schemas.microsoft.com/office/powerpoint/2010/main" val="3412411108"/>
+      </p:ext>
+    </p:extLst>
+  </p:cSld>
+  <p:clrMapOvr>
+    <a:masterClrMapping/>
+  </p:clrMapOvr>
+</p:sld>
+</file>
+
+<file path=ppt/slides/slide26.xml><?xml version="1.0" encoding="utf-8"?>
+<p:sld xmlns:a="http://schemas.openxmlformats.org/drawingml/2006/main" xmlns:r="http://schemas.openxmlformats.org/officeDocument/2006/relationships" xmlns:p="http://schemas.openxmlformats.org/presentationml/2006/main">
+  <p:cSld>
+    <p:bg>
+      <p:bgPr>
+        <a:solidFill>
+          <a:schemeClr val="bg1"/>
+        </a:solidFill>
+        <a:effectLst/>
+      </p:bgPr>
+    </p:bg>
+    <p:spTree>
+      <p:nvGrpSpPr>
+        <p:cNvPr id="1" name="">
+          <a:extLst>
+            <a:ext uri="{FF2B5EF4-FFF2-40B4-BE49-F238E27FC236}">
+              <a16:creationId xmlns:a16="http://schemas.microsoft.com/office/drawing/2014/main" id="{51F52A57-1310-FAC8-2336-491A6E28FB65}"/>
+            </a:ext>
+          </a:extLst>
+        </p:cNvPr>
+        <p:cNvGrpSpPr/>
+        <p:nvPr/>
+      </p:nvGrpSpPr>
+      <p:grpSpPr>
+        <a:xfrm>
+          <a:off x="0" y="0"/>
+          <a:ext cx="0" cy="0"/>
+          <a:chOff x="0" y="0"/>
+          <a:chExt cx="0" cy="0"/>
+        </a:xfrm>
+      </p:grpSpPr>
+      <p:sp useBgFill="1">
+        <p:nvSpPr>
+          <p:cNvPr id="328" name="Rectangle 327">
+            <a:extLst>
+              <a:ext uri="{FF2B5EF4-FFF2-40B4-BE49-F238E27FC236}">
+                <a16:creationId xmlns:a16="http://schemas.microsoft.com/office/drawing/2014/main" id="{058A14AF-9FB5-4CC7-BA35-E8E85D3EDF0E}"/>
+              </a:ext>
+              <a:ext uri="{C183D7F6-B498-43B3-948B-1728B52AA6E4}">
+                <adec:decorative xmlns:adec="http://schemas.microsoft.com/office/drawing/2017/decorative" val="1"/>
+              </a:ext>
+            </a:extLst>
+          </p:cNvPr>
+          <p:cNvSpPr>
+            <a:spLocks noGrp="1" noRot="1" noChangeAspect="1" noMove="1" noResize="1" noEditPoints="1" noAdjustHandles="1" noChangeArrowheads="1" noChangeShapeType="1" noTextEdit="1"/>
+          </p:cNvSpPr>
+          <p:nvPr>
+            <p:extLst>
+              <p:ext uri="{386F3935-93C4-4BCD-93E2-E3B085C9AB24}">
+                <p16:designElem xmlns:p16="http://schemas.microsoft.com/office/powerpoint/2015/main" val="1"/>
+              </p:ext>
+            </p:extLst>
+          </p:nvPr>
+        </p:nvSpPr>
+        <p:spPr>
+          <a:xfrm>
+            <a:off x="0" y="0"/>
+            <a:ext cx="12191999" cy="6857365"/>
+          </a:xfrm>
+          <a:prstGeom prst="rect">
+            <a:avLst/>
+          </a:prstGeom>
+          <a:ln>
+            <a:noFill/>
+          </a:ln>
+        </p:spPr>
+        <p:style>
+          <a:lnRef idx="2">
+            <a:schemeClr val="accent1">
+              <a:shade val="50000"/>
+            </a:schemeClr>
+          </a:lnRef>
+          <a:fillRef idx="1">
+            <a:schemeClr val="accent1"/>
+          </a:fillRef>
+          <a:effectRef idx="0">
+            <a:schemeClr val="accent1"/>
+          </a:effectRef>
+          <a:fontRef idx="minor">
+            <a:schemeClr val="lt1"/>
+          </a:fontRef>
+        </p:style>
+        <p:txBody>
+          <a:bodyPr rtlCol="0" anchor="ctr"/>
+          <a:lstStyle/>
+          <a:p>
+            <a:pPr algn="ctr"/>
+            <a:endParaRPr lang="en-US"/>
+          </a:p>
+        </p:txBody>
+      </p:sp>
+      <p:sp>
+        <p:nvSpPr>
+          <p:cNvPr id="2" name="Title 1">
+            <a:extLst>
+              <a:ext uri="{FF2B5EF4-FFF2-40B4-BE49-F238E27FC236}">
+                <a16:creationId xmlns:a16="http://schemas.microsoft.com/office/drawing/2014/main" id="{5F6455AC-CB96-1381-571F-8A0623357145}"/>
+              </a:ext>
+            </a:extLst>
+          </p:cNvPr>
+          <p:cNvSpPr>
+            <a:spLocks noGrp="1"/>
+          </p:cNvSpPr>
+          <p:nvPr>
+            <p:ph type="title"/>
+          </p:nvPr>
+        </p:nvSpPr>
+        <p:spPr>
+          <a:xfrm>
+            <a:off x="793662" y="386930"/>
+            <a:ext cx="10066122" cy="1298448"/>
+          </a:xfrm>
+        </p:spPr>
+        <p:txBody>
+          <a:bodyPr anchor="b">
+            <a:normAutofit/>
+          </a:bodyPr>
+          <a:lstStyle/>
+          <a:p>
+            <a:r>
+              <a:rPr lang="en-US"/>
+              <a:t>Confusion Matrix: Final Model (AdaBoost V2)</a:t>
+            </a:r>
+          </a:p>
+        </p:txBody>
+      </p:sp>
+      <p:sp>
+        <p:nvSpPr>
+          <p:cNvPr id="330" name="Rectangle 329">
+            <a:extLst>
+              <a:ext uri="{FF2B5EF4-FFF2-40B4-BE49-F238E27FC236}">
+                <a16:creationId xmlns:a16="http://schemas.microsoft.com/office/drawing/2014/main" id="{3A9A4357-BD1D-4622-A4FE-766E6AB8DE84}"/>
+              </a:ext>
+              <a:ext uri="{C183D7F6-B498-43B3-948B-1728B52AA6E4}">
+                <adec:decorative xmlns:adec="http://schemas.microsoft.com/office/drawing/2017/decorative" val="1"/>
+              </a:ext>
+            </a:extLst>
+          </p:cNvPr>
+          <p:cNvSpPr>
+            <a:spLocks noGrp="1" noRot="1" noChangeAspect="1" noMove="1" noResize="1" noEditPoints="1" noAdjustHandles="1" noChangeArrowheads="1" noChangeShapeType="1" noTextEdit="1"/>
+          </p:cNvSpPr>
+          <p:nvPr>
+            <p:extLst>
+              <p:ext uri="{386F3935-93C4-4BCD-93E2-E3B085C9AB24}">
+                <p16:designElem xmlns:p16="http://schemas.microsoft.com/office/powerpoint/2015/main" val="1"/>
+              </p:ext>
+            </p:extLst>
+          </p:nvPr>
+        </p:nvSpPr>
+        <p:spPr>
+          <a:xfrm flipH="1" flipV="1">
+            <a:off x="-2" y="1998845"/>
+            <a:ext cx="11454595" cy="781699"/>
+          </a:xfrm>
+          <a:prstGeom prst="rect">
+            <a:avLst/>
+          </a:prstGeom>
+          <a:solidFill>
+            <a:schemeClr val="accent4"/>
+          </a:solidFill>
+          <a:ln>
+            <a:noFill/>
+          </a:ln>
+        </p:spPr>
+        <p:style>
+          <a:lnRef idx="2">
+            <a:schemeClr val="accent1">
+              <a:shade val="50000"/>
+            </a:schemeClr>
+          </a:lnRef>
+          <a:fillRef idx="1">
+            <a:schemeClr val="accent1"/>
+          </a:fillRef>
+          <a:effectRef idx="0">
+            <a:schemeClr val="accent1"/>
+          </a:effectRef>
+          <a:fontRef idx="minor">
+            <a:schemeClr val="lt1"/>
+          </a:fontRef>
+        </p:style>
+        <p:txBody>
+          <a:bodyPr rtlCol="0" anchor="ctr"/>
+          <a:lstStyle/>
+          <a:p>
+            <a:pPr algn="ctr"/>
+            <a:endParaRPr lang="en-US"/>
+          </a:p>
+        </p:txBody>
+      </p:sp>
+      <p:sp>
+        <p:nvSpPr>
+          <p:cNvPr id="332" name="Rectangle 331">
+            <a:extLst>
+              <a:ext uri="{FF2B5EF4-FFF2-40B4-BE49-F238E27FC236}">
+                <a16:creationId xmlns:a16="http://schemas.microsoft.com/office/drawing/2014/main" id="{E659831F-0D9A-4C63-9EBB-8435B85A440F}"/>
+              </a:ext>
+              <a:ext uri="{C183D7F6-B498-43B3-948B-1728B52AA6E4}">
+                <adec:decorative xmlns:adec="http://schemas.microsoft.com/office/drawing/2017/decorative" val="1"/>
+              </a:ext>
+            </a:extLst>
+          </p:cNvPr>
+          <p:cNvSpPr>
+            <a:spLocks noGrp="1" noRot="1" noChangeAspect="1" noMove="1" noResize="1" noEditPoints="1" noAdjustHandles="1" noChangeArrowheads="1" noChangeShapeType="1" noTextEdit="1"/>
+          </p:cNvSpPr>
+          <p:nvPr>
+            <p:extLst>
+              <p:ext uri="{386F3935-93C4-4BCD-93E2-E3B085C9AB24}">
+                <p16:designElem xmlns:p16="http://schemas.microsoft.com/office/powerpoint/2015/main" val="1"/>
+              </p:ext>
+            </p:extLst>
+          </p:nvPr>
+        </p:nvSpPr>
+        <p:spPr>
+          <a:xfrm>
+            <a:off x="0" y="2203079"/>
+            <a:ext cx="11383362" cy="4267991"/>
+          </a:xfrm>
+          <a:prstGeom prst="rect">
+            <a:avLst/>
+          </a:prstGeom>
+          <a:solidFill>
+            <a:schemeClr val="bg1"/>
+          </a:solidFill>
+          <a:ln>
+            <a:noFill/>
+          </a:ln>
+          <a:effectLst>
+            <a:outerShdw blurRad="139700" dist="127000" dir="5400000" algn="t" rotWithShape="0">
+              <a:prstClr val="black">
+                <a:alpha val="15000"/>
+              </a:prstClr>
+            </a:outerShdw>
+          </a:effectLst>
+        </p:spPr>
+        <p:style>
+          <a:lnRef idx="2">
+            <a:schemeClr val="accent1">
+              <a:shade val="50000"/>
+            </a:schemeClr>
+          </a:lnRef>
+          <a:fillRef idx="1">
+            <a:schemeClr val="accent1"/>
+          </a:fillRef>
+          <a:effectRef idx="0">
+            <a:schemeClr val="accent1"/>
+          </a:effectRef>
+          <a:fontRef idx="minor">
+            <a:schemeClr val="lt1"/>
+          </a:fontRef>
+        </p:style>
+        <p:txBody>
+          <a:bodyPr rtlCol="0" anchor="ctr"/>
+          <a:lstStyle/>
+          <a:p>
+            <a:pPr algn="ctr"/>
+            <a:endParaRPr lang="en-US"/>
+          </a:p>
+        </p:txBody>
+      </p:sp>
+      <p:sp>
+        <p:nvSpPr>
+          <p:cNvPr id="4" name="Rectangle 2">
+            <a:extLst>
+              <a:ext uri="{FF2B5EF4-FFF2-40B4-BE49-F238E27FC236}">
+                <a16:creationId xmlns:a16="http://schemas.microsoft.com/office/drawing/2014/main" id="{47CA330E-5882-638C-E918-505E7FE3AF23}"/>
+              </a:ext>
+            </a:extLst>
+          </p:cNvPr>
+          <p:cNvSpPr>
+            <a:spLocks noGrp="1" noChangeArrowheads="1"/>
+          </p:cNvSpPr>
+          <p:nvPr>
+            <p:ph idx="1"/>
+          </p:nvPr>
+        </p:nvSpPr>
+        <p:spPr bwMode="auto">
+          <a:xfrm>
+            <a:off x="793660" y="2381459"/>
+            <a:ext cx="4980927" cy="3857500"/>
+          </a:xfrm>
+          <a:prstGeom prst="rect">
+            <a:avLst/>
+          </a:prstGeom>
+          <a:extLst>
+            <a:ext uri="{909E8E84-426E-40DD-AFC4-6F175D3DCCD1}">
+              <a14:hiddenFill xmlns:a14="http://schemas.microsoft.com/office/drawing/2010/main">
+                <a:solidFill>
+                  <a:schemeClr val="accent1"/>
+                </a:solidFill>
+              </a14:hiddenFill>
+            </a:ext>
+            <a:ext uri="{91240B29-F687-4F45-9708-019B960494DF}">
+              <a14:hiddenLine xmlns:a14="http://schemas.microsoft.com/office/drawing/2010/main" w="9525">
+                <a:solidFill>
+                  <a:schemeClr val="tx1"/>
+                </a:solidFill>
+                <a:miter lim="800000"/>
+                <a:headEnd/>
+                <a:tailEnd/>
+              </a14:hiddenLine>
+            </a:ext>
+            <a:ext uri="{AF507438-7753-43E0-B8FC-AC1667EBCBE1}">
+              <a14:hiddenEffects xmlns:a14="http://schemas.microsoft.com/office/drawing/2010/main">
+                <a:effectLst>
+                  <a:outerShdw dist="35921" dir="2700000" algn="ctr" rotWithShape="0">
+                    <a:schemeClr val="bg2"/>
+                  </a:outerShdw>
+                </a:effectLst>
+              </a14:hiddenEffects>
+            </a:ext>
+          </a:extLst>
+        </p:spPr>
+        <p:txBody>
+          <a:bodyPr vert="horz" lIns="91440" tIns="45720" rIns="91440" bIns="45720" numCol="1" anchor="ctr" anchorCtr="0" compatLnSpc="1">
+            <a:prstTxWarp prst="textNoShape">
+              <a:avLst/>
+            </a:prstTxWarp>
+            <a:normAutofit/>
+          </a:bodyPr>
+          <a:lstStyle/>
+          <a:p>
+            <a:pPr>
+              <a:buNone/>
+            </a:pPr>
+            <a:r>
+              <a:rPr lang="en-US" sz="2400" b="1" dirty="0"/>
+              <a:t>Key Insights:</a:t>
+            </a:r>
+            <a:endParaRPr lang="en-US" sz="2400" dirty="0"/>
+          </a:p>
+          <a:p>
+            <a:pPr>
+              <a:buFont typeface="Arial" panose="020B0604020202020204" pitchFamily="34" charset="0"/>
+              <a:buChar char="•"/>
+            </a:pPr>
+            <a:r>
+              <a:rPr lang="en-US" sz="2400" dirty="0"/>
+              <a:t>Balanced sensitivity and specificity with a recall of 71% for Alzheimer’s cases.</a:t>
+            </a:r>
+          </a:p>
+          <a:p>
+            <a:pPr>
+              <a:buFont typeface="Arial" panose="020B0604020202020204" pitchFamily="34" charset="0"/>
+              <a:buChar char="•"/>
+            </a:pPr>
+            <a:r>
+              <a:rPr lang="en-US" sz="2400" dirty="0"/>
+              <a:t>Acceptable false positives for prioritizing early detection.</a:t>
+            </a:r>
+          </a:p>
+          <a:p>
+            <a:pPr>
+              <a:buFont typeface="Arial" panose="020B0604020202020204" pitchFamily="34" charset="0"/>
+              <a:buChar char="•"/>
+            </a:pPr>
+            <a:r>
+              <a:rPr lang="en-US" sz="2400" dirty="0"/>
+              <a:t>Strong and reliable classification performance across both classes.</a:t>
+            </a:r>
+          </a:p>
+          <a:p>
+            <a:pPr marL="0" indent="0">
+              <a:buNone/>
+            </a:pPr>
+            <a:endParaRPr lang="en-US" sz="2000" dirty="0"/>
+          </a:p>
+        </p:txBody>
+      </p:sp>
+      <p:pic>
+        <p:nvPicPr>
+          <p:cNvPr id="8" name="Picture 7">
+            <a:extLst>
+              <a:ext uri="{FF2B5EF4-FFF2-40B4-BE49-F238E27FC236}">
+                <a16:creationId xmlns:a16="http://schemas.microsoft.com/office/drawing/2014/main" id="{8DC3EDDD-BB9A-265B-2C9A-82A229FDEF89}"/>
+              </a:ext>
+            </a:extLst>
+          </p:cNvPr>
+          <p:cNvPicPr>
+            <a:picLocks noChangeAspect="1"/>
+          </p:cNvPicPr>
+          <p:nvPr/>
+        </p:nvPicPr>
+        <p:blipFill>
+          <a:blip r:embed="rId2"/>
+          <a:stretch>
+            <a:fillRect/>
+          </a:stretch>
+        </p:blipFill>
+        <p:spPr>
+          <a:xfrm>
+            <a:off x="5933925" y="2484255"/>
+            <a:ext cx="5105490" cy="3714244"/>
+          </a:xfrm>
+          <a:prstGeom prst="rect">
+            <a:avLst/>
+          </a:prstGeom>
+        </p:spPr>
+      </p:pic>
+      <p:sp>
+        <p:nvSpPr>
+          <p:cNvPr id="334" name="Rectangle 333">
+            <a:extLst>
+              <a:ext uri="{FF2B5EF4-FFF2-40B4-BE49-F238E27FC236}">
+                <a16:creationId xmlns:a16="http://schemas.microsoft.com/office/drawing/2014/main" id="{E6995CE5-F890-4ABA-82A2-26507CE8D2A3}"/>
+              </a:ext>
+              <a:ext uri="{C183D7F6-B498-43B3-948B-1728B52AA6E4}">
+                <adec:decorative xmlns:adec="http://schemas.microsoft.com/office/drawing/2017/decorative" val="1"/>
+              </a:ext>
+            </a:extLst>
+          </p:cNvPr>
+          <p:cNvSpPr>
+            <a:spLocks noGrp="1" noRot="1" noChangeAspect="1" noMove="1" noResize="1" noEditPoints="1" noAdjustHandles="1" noChangeArrowheads="1" noChangeShapeType="1" noTextEdit="1"/>
+          </p:cNvSpPr>
+          <p:nvPr>
+            <p:extLst>
+              <p:ext uri="{386F3935-93C4-4BCD-93E2-E3B085C9AB24}">
+                <p16:designElem xmlns:p16="http://schemas.microsoft.com/office/powerpoint/2015/main" val="1"/>
+              </p:ext>
+            </p:extLst>
+          </p:nvPr>
+        </p:nvSpPr>
+        <p:spPr>
+          <a:xfrm rot="5400000">
+            <a:off x="11228040" y="2313027"/>
+            <a:ext cx="781700" cy="152382"/>
+          </a:xfrm>
+          <a:prstGeom prst="rect">
+            <a:avLst/>
+          </a:prstGeom>
+          <a:solidFill>
+            <a:schemeClr val="accent4"/>
+          </a:solidFill>
+          <a:ln>
+            <a:noFill/>
+          </a:ln>
+        </p:spPr>
+        <p:style>
+          <a:lnRef idx="2">
+            <a:schemeClr val="accent1">
+              <a:shade val="50000"/>
+            </a:schemeClr>
+          </a:lnRef>
+          <a:fillRef idx="1">
+            <a:schemeClr val="accent1"/>
+          </a:fillRef>
+          <a:effectRef idx="0">
+            <a:schemeClr val="accent1"/>
+          </a:effectRef>
+          <a:fontRef idx="minor">
+            <a:schemeClr val="lt1"/>
+          </a:fontRef>
+        </p:style>
+        <p:txBody>
+          <a:bodyPr rtlCol="0" anchor="ctr"/>
+          <a:lstStyle/>
+          <a:p>
+            <a:pPr algn="ctr"/>
+            <a:endParaRPr lang="en-US"/>
+          </a:p>
+        </p:txBody>
+      </p:sp>
+    </p:spTree>
+    <p:extLst>
+      <p:ext uri="{BB962C8B-B14F-4D97-AF65-F5344CB8AC3E}">
+        <p14:creationId xmlns:p14="http://schemas.microsoft.com/office/powerpoint/2010/main" val="158249222"/>
+      </p:ext>
+    </p:extLst>
+  </p:cSld>
+  <p:clrMapOvr>
+    <a:masterClrMapping/>
+  </p:clrMapOvr>
+</p:sld>
+</file>
+
+<file path=ppt/slides/slide27.xml><?xml version="1.0" encoding="utf-8"?>
+<p:sld xmlns:a="http://schemas.openxmlformats.org/drawingml/2006/main" xmlns:r="http://schemas.openxmlformats.org/officeDocument/2006/relationships" xmlns:p="http://schemas.openxmlformats.org/presentationml/2006/main">
+  <p:cSld>
+    <p:bg>
+      <p:bgPr>
+        <a:solidFill>
+          <a:schemeClr val="bg1"/>
+        </a:solidFill>
+        <a:effectLst/>
+      </p:bgPr>
+    </p:bg>
+    <p:spTree>
+      <p:nvGrpSpPr>
+        <p:cNvPr id="1" name="">
+          <a:extLst>
+            <a:ext uri="{FF2B5EF4-FFF2-40B4-BE49-F238E27FC236}">
+              <a16:creationId xmlns:a16="http://schemas.microsoft.com/office/drawing/2014/main" id="{505C5B19-3F17-917E-DE08-419DA2B7579D}"/>
+            </a:ext>
+          </a:extLst>
+        </p:cNvPr>
+        <p:cNvGrpSpPr/>
+        <p:nvPr/>
+      </p:nvGrpSpPr>
+      <p:grpSpPr>
+        <a:xfrm>
+          <a:off x="0" y="0"/>
+          <a:ext cx="0" cy="0"/>
+          <a:chOff x="0" y="0"/>
+          <a:chExt cx="0" cy="0"/>
+        </a:xfrm>
+      </p:grpSpPr>
+      <p:sp useBgFill="1">
+        <p:nvSpPr>
+          <p:cNvPr id="328" name="Rectangle 327">
+            <a:extLst>
+              <a:ext uri="{FF2B5EF4-FFF2-40B4-BE49-F238E27FC236}">
+                <a16:creationId xmlns:a16="http://schemas.microsoft.com/office/drawing/2014/main" id="{E120F70A-F7F9-0A2E-86A8-BA0388BDEB66}"/>
+              </a:ext>
+              <a:ext uri="{C183D7F6-B498-43B3-948B-1728B52AA6E4}">
+                <adec:decorative xmlns:adec="http://schemas.microsoft.com/office/drawing/2017/decorative" val="1"/>
+              </a:ext>
+            </a:extLst>
+          </p:cNvPr>
+          <p:cNvSpPr>
+            <a:spLocks noGrp="1" noRot="1" noChangeAspect="1" noMove="1" noResize="1" noEditPoints="1" noAdjustHandles="1" noChangeArrowheads="1" noChangeShapeType="1" noTextEdit="1"/>
+          </p:cNvSpPr>
+          <p:nvPr>
+            <p:extLst>
+              <p:ext uri="{386F3935-93C4-4BCD-93E2-E3B085C9AB24}">
+                <p16:designElem xmlns:p16="http://schemas.microsoft.com/office/powerpoint/2015/main" val="1"/>
+              </p:ext>
+            </p:extLst>
+          </p:nvPr>
+        </p:nvSpPr>
+        <p:spPr>
+          <a:xfrm>
+            <a:off x="0" y="0"/>
+            <a:ext cx="12191999" cy="6857365"/>
+          </a:xfrm>
+          <a:prstGeom prst="rect">
+            <a:avLst/>
+          </a:prstGeom>
+          <a:ln>
+            <a:noFill/>
+          </a:ln>
+        </p:spPr>
+        <p:style>
+          <a:lnRef idx="2">
+            <a:schemeClr val="accent1">
+              <a:shade val="50000"/>
+            </a:schemeClr>
+          </a:lnRef>
+          <a:fillRef idx="1">
+            <a:schemeClr val="accent1"/>
+          </a:fillRef>
+          <a:effectRef idx="0">
+            <a:schemeClr val="accent1"/>
+          </a:effectRef>
+          <a:fontRef idx="minor">
+            <a:schemeClr val="lt1"/>
+          </a:fontRef>
+        </p:style>
+        <p:txBody>
+          <a:bodyPr rtlCol="0" anchor="ctr"/>
+          <a:lstStyle/>
+          <a:p>
+            <a:pPr algn="ctr"/>
+            <a:endParaRPr lang="en-US"/>
+          </a:p>
+        </p:txBody>
+      </p:sp>
+      <p:sp>
+        <p:nvSpPr>
+          <p:cNvPr id="2" name="Title 1">
+            <a:extLst>
+              <a:ext uri="{FF2B5EF4-FFF2-40B4-BE49-F238E27FC236}">
+                <a16:creationId xmlns:a16="http://schemas.microsoft.com/office/drawing/2014/main" id="{C27A386C-5773-0E65-28C8-BD5E4BBC5F91}"/>
+              </a:ext>
+            </a:extLst>
+          </p:cNvPr>
+          <p:cNvSpPr>
+            <a:spLocks noGrp="1"/>
+          </p:cNvSpPr>
+          <p:nvPr>
+            <p:ph type="title"/>
+          </p:nvPr>
+        </p:nvSpPr>
+        <p:spPr>
+          <a:xfrm>
+            <a:off x="793662" y="386930"/>
+            <a:ext cx="10066122" cy="1298448"/>
+          </a:xfrm>
+        </p:spPr>
+        <p:txBody>
+          <a:bodyPr anchor="b">
+            <a:normAutofit/>
+          </a:bodyPr>
+          <a:lstStyle/>
+          <a:p>
+            <a:r>
+              <a:rPr lang="en-US"/>
+              <a:t>Confusion Matrix: Final Model (AdaBoost V2)</a:t>
+            </a:r>
+          </a:p>
+        </p:txBody>
+      </p:sp>
+      <p:sp>
+        <p:nvSpPr>
+          <p:cNvPr id="330" name="Rectangle 329">
+            <a:extLst>
+              <a:ext uri="{FF2B5EF4-FFF2-40B4-BE49-F238E27FC236}">
+                <a16:creationId xmlns:a16="http://schemas.microsoft.com/office/drawing/2014/main" id="{9785A6BB-0EEB-85A1-DF42-843AB8F308C9}"/>
+              </a:ext>
+              <a:ext uri="{C183D7F6-B498-43B3-948B-1728B52AA6E4}">
+                <adec:decorative xmlns:adec="http://schemas.microsoft.com/office/drawing/2017/decorative" val="1"/>
+              </a:ext>
+            </a:extLst>
+          </p:cNvPr>
+          <p:cNvSpPr>
+            <a:spLocks noGrp="1" noRot="1" noChangeAspect="1" noMove="1" noResize="1" noEditPoints="1" noAdjustHandles="1" noChangeArrowheads="1" noChangeShapeType="1" noTextEdit="1"/>
+          </p:cNvSpPr>
+          <p:nvPr>
+            <p:extLst>
+              <p:ext uri="{386F3935-93C4-4BCD-93E2-E3B085C9AB24}">
+                <p16:designElem xmlns:p16="http://schemas.microsoft.com/office/powerpoint/2015/main" val="1"/>
+              </p:ext>
+            </p:extLst>
+          </p:nvPr>
+        </p:nvSpPr>
+        <p:spPr>
+          <a:xfrm flipH="1" flipV="1">
+            <a:off x="-2" y="1998845"/>
+            <a:ext cx="11454595" cy="781699"/>
+          </a:xfrm>
+          <a:prstGeom prst="rect">
+            <a:avLst/>
+          </a:prstGeom>
+          <a:solidFill>
+            <a:schemeClr val="accent4"/>
+          </a:solidFill>
+          <a:ln>
+            <a:noFill/>
+          </a:ln>
+        </p:spPr>
+        <p:style>
+          <a:lnRef idx="2">
+            <a:schemeClr val="accent1">
+              <a:shade val="50000"/>
+            </a:schemeClr>
+          </a:lnRef>
+          <a:fillRef idx="1">
+            <a:schemeClr val="accent1"/>
+          </a:fillRef>
+          <a:effectRef idx="0">
+            <a:schemeClr val="accent1"/>
+          </a:effectRef>
+          <a:fontRef idx="minor">
+            <a:schemeClr val="lt1"/>
+          </a:fontRef>
+        </p:style>
+        <p:txBody>
+          <a:bodyPr rtlCol="0" anchor="ctr"/>
+          <a:lstStyle/>
+          <a:p>
+            <a:pPr algn="ctr"/>
+            <a:endParaRPr lang="en-US"/>
+          </a:p>
+        </p:txBody>
+      </p:sp>
+      <p:sp>
+        <p:nvSpPr>
+          <p:cNvPr id="332" name="Rectangle 331">
+            <a:extLst>
+              <a:ext uri="{FF2B5EF4-FFF2-40B4-BE49-F238E27FC236}">
+                <a16:creationId xmlns:a16="http://schemas.microsoft.com/office/drawing/2014/main" id="{3862AF8D-AD56-E832-C803-75B6B26339D9}"/>
+              </a:ext>
+              <a:ext uri="{C183D7F6-B498-43B3-948B-1728B52AA6E4}">
+                <adec:decorative xmlns:adec="http://schemas.microsoft.com/office/drawing/2017/decorative" val="1"/>
+              </a:ext>
+            </a:extLst>
+          </p:cNvPr>
+          <p:cNvSpPr>
+            <a:spLocks noGrp="1" noRot="1" noChangeAspect="1" noMove="1" noResize="1" noEditPoints="1" noAdjustHandles="1" noChangeArrowheads="1" noChangeShapeType="1" noTextEdit="1"/>
+          </p:cNvSpPr>
+          <p:nvPr>
+            <p:extLst>
+              <p:ext uri="{386F3935-93C4-4BCD-93E2-E3B085C9AB24}">
+                <p16:designElem xmlns:p16="http://schemas.microsoft.com/office/powerpoint/2015/main" val="1"/>
+              </p:ext>
+            </p:extLst>
+          </p:nvPr>
+        </p:nvSpPr>
+        <p:spPr>
+          <a:xfrm>
+            <a:off x="0" y="2203079"/>
+            <a:ext cx="11383362" cy="4267991"/>
+          </a:xfrm>
+          <a:prstGeom prst="rect">
+            <a:avLst/>
+          </a:prstGeom>
+          <a:solidFill>
+            <a:schemeClr val="bg1"/>
+          </a:solidFill>
+          <a:ln>
+            <a:noFill/>
+          </a:ln>
+          <a:effectLst>
+            <a:outerShdw blurRad="139700" dist="127000" dir="5400000" algn="t" rotWithShape="0">
+              <a:prstClr val="black">
+                <a:alpha val="15000"/>
+              </a:prstClr>
+            </a:outerShdw>
+          </a:effectLst>
+        </p:spPr>
+        <p:style>
+          <a:lnRef idx="2">
+            <a:schemeClr val="accent1">
+              <a:shade val="50000"/>
+            </a:schemeClr>
+          </a:lnRef>
+          <a:fillRef idx="1">
+            <a:schemeClr val="accent1"/>
+          </a:fillRef>
+          <a:effectRef idx="0">
+            <a:schemeClr val="accent1"/>
+          </a:effectRef>
+          <a:fontRef idx="minor">
+            <a:schemeClr val="lt1"/>
+          </a:fontRef>
+        </p:style>
+        <p:txBody>
+          <a:bodyPr rtlCol="0" anchor="ctr"/>
+          <a:lstStyle/>
+          <a:p>
+            <a:pPr algn="ctr"/>
+            <a:endParaRPr lang="en-US"/>
+          </a:p>
+        </p:txBody>
+      </p:sp>
+      <p:sp>
+        <p:nvSpPr>
+          <p:cNvPr id="4" name="Rectangle 2">
+            <a:extLst>
+              <a:ext uri="{FF2B5EF4-FFF2-40B4-BE49-F238E27FC236}">
+                <a16:creationId xmlns:a16="http://schemas.microsoft.com/office/drawing/2014/main" id="{A0CFD99E-53AF-64AF-D617-6CB3E9657178}"/>
+              </a:ext>
+            </a:extLst>
+          </p:cNvPr>
+          <p:cNvSpPr>
+            <a:spLocks noGrp="1" noChangeArrowheads="1"/>
+          </p:cNvSpPr>
+          <p:nvPr>
+            <p:ph idx="1"/>
+          </p:nvPr>
+        </p:nvSpPr>
+        <p:spPr bwMode="auto">
+          <a:xfrm>
+            <a:off x="793660" y="2381459"/>
+            <a:ext cx="4980927" cy="3857500"/>
+          </a:xfrm>
+          <a:prstGeom prst="rect">
+            <a:avLst/>
+          </a:prstGeom>
+          <a:extLst>
+            <a:ext uri="{909E8E84-426E-40DD-AFC4-6F175D3DCCD1}">
+              <a14:hiddenFill xmlns:a14="http://schemas.microsoft.com/office/drawing/2010/main">
+                <a:solidFill>
+                  <a:schemeClr val="accent1"/>
+                </a:solidFill>
+              </a14:hiddenFill>
+            </a:ext>
+            <a:ext uri="{91240B29-F687-4F45-9708-019B960494DF}">
+              <a14:hiddenLine xmlns:a14="http://schemas.microsoft.com/office/drawing/2010/main" w="9525">
+                <a:solidFill>
+                  <a:schemeClr val="tx1"/>
+                </a:solidFill>
+                <a:miter lim="800000"/>
+                <a:headEnd/>
+                <a:tailEnd/>
+              </a14:hiddenLine>
+            </a:ext>
+            <a:ext uri="{AF507438-7753-43E0-B8FC-AC1667EBCBE1}">
+              <a14:hiddenEffects xmlns:a14="http://schemas.microsoft.com/office/drawing/2010/main">
+                <a:effectLst>
+                  <a:outerShdw dist="35921" dir="2700000" algn="ctr" rotWithShape="0">
+                    <a:schemeClr val="bg2"/>
+                  </a:outerShdw>
+                </a:effectLst>
+              </a14:hiddenEffects>
+            </a:ext>
+          </a:extLst>
+        </p:spPr>
+        <p:txBody>
+          <a:bodyPr vert="horz" lIns="91440" tIns="45720" rIns="91440" bIns="45720" numCol="1" anchor="ctr" anchorCtr="0" compatLnSpc="1">
+            <a:prstTxWarp prst="textNoShape">
+              <a:avLst/>
+            </a:prstTxWarp>
+            <a:normAutofit/>
+          </a:bodyPr>
+          <a:lstStyle/>
+          <a:p>
+            <a:pPr>
+              <a:buNone/>
+            </a:pPr>
+            <a:r>
+              <a:rPr lang="en-US" sz="2400" b="1" dirty="0"/>
+              <a:t>Key Insights:</a:t>
+            </a:r>
+            <a:endParaRPr lang="en-US" sz="2400" dirty="0"/>
+          </a:p>
+          <a:p>
+            <a:pPr>
+              <a:buFont typeface="Arial" panose="020B0604020202020204" pitchFamily="34" charset="0"/>
+              <a:buChar char="•"/>
+            </a:pPr>
+            <a:r>
+              <a:rPr lang="en-US" sz="2400" dirty="0"/>
+              <a:t>Balanced sensitivity and specificity with a recall of 71% for Alzheimer’s cases.</a:t>
+            </a:r>
+          </a:p>
+          <a:p>
+            <a:pPr>
+              <a:buFont typeface="Arial" panose="020B0604020202020204" pitchFamily="34" charset="0"/>
+              <a:buChar char="•"/>
+            </a:pPr>
+            <a:r>
+              <a:rPr lang="en-US" sz="2400" dirty="0"/>
+              <a:t>Acceptable false positives for prioritizing early detection.</a:t>
+            </a:r>
+          </a:p>
+          <a:p>
+            <a:pPr>
+              <a:buFont typeface="Arial" panose="020B0604020202020204" pitchFamily="34" charset="0"/>
+              <a:buChar char="•"/>
+            </a:pPr>
+            <a:r>
+              <a:rPr lang="en-US" sz="2400" dirty="0"/>
+              <a:t>Strong and reliable classification performance across both classes.</a:t>
+            </a:r>
+          </a:p>
+          <a:p>
+            <a:pPr marL="0" indent="0">
+              <a:buNone/>
+            </a:pPr>
+            <a:endParaRPr lang="en-US" sz="2000" dirty="0"/>
+          </a:p>
+        </p:txBody>
+      </p:sp>
+      <p:pic>
+        <p:nvPicPr>
+          <p:cNvPr id="8" name="Picture 7">
+            <a:extLst>
+              <a:ext uri="{FF2B5EF4-FFF2-40B4-BE49-F238E27FC236}">
+                <a16:creationId xmlns:a16="http://schemas.microsoft.com/office/drawing/2014/main" id="{B7A9B6DE-5AA6-E0AE-D3C6-73F0D327E662}"/>
+              </a:ext>
+            </a:extLst>
+          </p:cNvPr>
+          <p:cNvPicPr>
+            <a:picLocks noChangeAspect="1"/>
+          </p:cNvPicPr>
+          <p:nvPr/>
+        </p:nvPicPr>
+        <p:blipFill>
+          <a:blip r:embed="rId2"/>
+          <a:stretch>
+            <a:fillRect/>
+          </a:stretch>
+        </p:blipFill>
+        <p:spPr>
+          <a:xfrm>
+            <a:off x="5933925" y="2484255"/>
+            <a:ext cx="5105490" cy="3714244"/>
+          </a:xfrm>
+          <a:prstGeom prst="rect">
+            <a:avLst/>
+          </a:prstGeom>
+        </p:spPr>
+      </p:pic>
+      <p:sp>
+        <p:nvSpPr>
+          <p:cNvPr id="334" name="Rectangle 333">
+            <a:extLst>
+              <a:ext uri="{FF2B5EF4-FFF2-40B4-BE49-F238E27FC236}">
+                <a16:creationId xmlns:a16="http://schemas.microsoft.com/office/drawing/2014/main" id="{7690F348-A606-B1D2-CFA6-3C87B418D0EA}"/>
+              </a:ext>
+              <a:ext uri="{C183D7F6-B498-43B3-948B-1728B52AA6E4}">
+                <adec:decorative xmlns:adec="http://schemas.microsoft.com/office/drawing/2017/decorative" val="1"/>
+              </a:ext>
+            </a:extLst>
+          </p:cNvPr>
+          <p:cNvSpPr>
+            <a:spLocks noGrp="1" noRot="1" noChangeAspect="1" noMove="1" noResize="1" noEditPoints="1" noAdjustHandles="1" noChangeArrowheads="1" noChangeShapeType="1" noTextEdit="1"/>
+          </p:cNvSpPr>
+          <p:nvPr>
+            <p:extLst>
+              <p:ext uri="{386F3935-93C4-4BCD-93E2-E3B085C9AB24}">
+                <p16:designElem xmlns:p16="http://schemas.microsoft.com/office/powerpoint/2015/main" val="1"/>
+              </p:ext>
+            </p:extLst>
+          </p:nvPr>
+        </p:nvSpPr>
+        <p:spPr>
+          <a:xfrm rot="5400000">
+            <a:off x="11228040" y="2313027"/>
+            <a:ext cx="781700" cy="152382"/>
+          </a:xfrm>
+          <a:prstGeom prst="rect">
+            <a:avLst/>
+          </a:prstGeom>
+          <a:solidFill>
+            <a:schemeClr val="accent4"/>
+          </a:solidFill>
+          <a:ln>
+            <a:noFill/>
+          </a:ln>
+        </p:spPr>
+        <p:style>
+          <a:lnRef idx="2">
+            <a:schemeClr val="accent1">
+              <a:shade val="50000"/>
+            </a:schemeClr>
+          </a:lnRef>
+          <a:fillRef idx="1">
+            <a:schemeClr val="accent1"/>
+          </a:fillRef>
+          <a:effectRef idx="0">
+            <a:schemeClr val="accent1"/>
+          </a:effectRef>
+          <a:fontRef idx="minor">
+            <a:schemeClr val="lt1"/>
+          </a:fontRef>
+        </p:style>
+        <p:txBody>
+          <a:bodyPr rtlCol="0" anchor="ctr"/>
+          <a:lstStyle/>
+          <a:p>
+            <a:pPr algn="ctr"/>
+            <a:endParaRPr lang="en-US"/>
+          </a:p>
+        </p:txBody>
+      </p:sp>
+    </p:spTree>
+    <p:extLst>
+      <p:ext uri="{BB962C8B-B14F-4D97-AF65-F5344CB8AC3E}">
+        <p14:creationId xmlns:p14="http://schemas.microsoft.com/office/powerpoint/2010/main" val="1928832761"/>
+      </p:ext>
+    </p:extLst>
+  </p:cSld>
+  <p:clrMapOvr>
+    <a:masterClrMapping/>
+  </p:clrMapOvr>
+</p:sld>
+</file>
+
+<file path=ppt/slides/slide28.xml><?xml version="1.0" encoding="utf-8"?>
+<p:sld xmlns:a="http://schemas.openxmlformats.org/drawingml/2006/main" xmlns:r="http://schemas.openxmlformats.org/officeDocument/2006/relationships" xmlns:p="http://schemas.openxmlformats.org/presentationml/2006/main">
+  <p:cSld>
+    <p:bg>
+      <p:bgPr>
+        <a:solidFill>
+          <a:schemeClr val="bg1"/>
+        </a:solidFill>
+        <a:effectLst/>
+      </p:bgPr>
+    </p:bg>
+    <p:spTree>
+      <p:nvGrpSpPr>
+        <p:cNvPr id="1" name="">
+          <a:extLst>
+            <a:ext uri="{FF2B5EF4-FFF2-40B4-BE49-F238E27FC236}">
+              <a16:creationId xmlns:a16="http://schemas.microsoft.com/office/drawing/2014/main" id="{FE40049B-0F04-72A8-C71B-1BE16CA78516}"/>
+            </a:ext>
+          </a:extLst>
+        </p:cNvPr>
+        <p:cNvGrpSpPr/>
+        <p:nvPr/>
+      </p:nvGrpSpPr>
+      <p:grpSpPr>
+        <a:xfrm>
+          <a:off x="0" y="0"/>
+          <a:ext cx="0" cy="0"/>
+          <a:chOff x="0" y="0"/>
+          <a:chExt cx="0" cy="0"/>
+        </a:xfrm>
+      </p:grpSpPr>
+      <p:sp useBgFill="1">
+        <p:nvSpPr>
+          <p:cNvPr id="339" name="Rectangle 338">
+            <a:extLst>
+              <a:ext uri="{FF2B5EF4-FFF2-40B4-BE49-F238E27FC236}">
+                <a16:creationId xmlns:a16="http://schemas.microsoft.com/office/drawing/2014/main" id="{3AD318CC-E2A8-4E27-9548-A047A78999B1}"/>
+              </a:ext>
+              <a:ext uri="{C183D7F6-B498-43B3-948B-1728B52AA6E4}">
+                <adec:decorative xmlns:adec="http://schemas.microsoft.com/office/drawing/2017/decorative" val="1"/>
+              </a:ext>
+            </a:extLst>
+          </p:cNvPr>
+          <p:cNvSpPr>
+            <a:spLocks noGrp="1" noRot="1" noChangeAspect="1" noMove="1" noResize="1" noEditPoints="1" noAdjustHandles="1" noChangeArrowheads="1" noChangeShapeType="1" noTextEdit="1"/>
+          </p:cNvSpPr>
+          <p:nvPr>
+            <p:extLst>
+              <p:ext uri="{386F3935-93C4-4BCD-93E2-E3B085C9AB24}">
+                <p16:designElem xmlns:p16="http://schemas.microsoft.com/office/powerpoint/2015/main" val="1"/>
+              </p:ext>
+            </p:extLst>
+          </p:nvPr>
+        </p:nvSpPr>
+        <p:spPr>
+          <a:xfrm>
+            <a:off x="0" y="0"/>
+            <a:ext cx="12191999" cy="6857365"/>
+          </a:xfrm>
+          <a:prstGeom prst="rect">
+            <a:avLst/>
+          </a:prstGeom>
+          <a:ln>
+            <a:noFill/>
+          </a:ln>
+        </p:spPr>
+        <p:style>
+          <a:lnRef idx="2">
+            <a:schemeClr val="accent1">
+              <a:shade val="50000"/>
+            </a:schemeClr>
+          </a:lnRef>
+          <a:fillRef idx="1">
+            <a:schemeClr val="accent1"/>
+          </a:fillRef>
+          <a:effectRef idx="0">
+            <a:schemeClr val="accent1"/>
+          </a:effectRef>
+          <a:fontRef idx="minor">
+            <a:schemeClr val="lt1"/>
+          </a:fontRef>
+        </p:style>
+        <p:txBody>
+          <a:bodyPr rtlCol="0" anchor="ctr"/>
+          <a:lstStyle/>
+          <a:p>
+            <a:pPr algn="ctr"/>
+            <a:endParaRPr lang="en-US"/>
+          </a:p>
+        </p:txBody>
+      </p:sp>
+      <p:sp>
+        <p:nvSpPr>
+          <p:cNvPr id="2" name="Title 1">
+            <a:extLst>
+              <a:ext uri="{FF2B5EF4-FFF2-40B4-BE49-F238E27FC236}">
+                <a16:creationId xmlns:a16="http://schemas.microsoft.com/office/drawing/2014/main" id="{2A06DE98-2052-9D34-0F20-CA069C36FF39}"/>
+              </a:ext>
+            </a:extLst>
+          </p:cNvPr>
+          <p:cNvSpPr>
+            <a:spLocks noGrp="1"/>
+          </p:cNvSpPr>
+          <p:nvPr>
+            <p:ph type="title"/>
+          </p:nvPr>
+        </p:nvSpPr>
+        <p:spPr>
+          <a:xfrm>
+            <a:off x="645065" y="1463040"/>
+            <a:ext cx="3796306" cy="2690949"/>
+          </a:xfrm>
+        </p:spPr>
+        <p:txBody>
+          <a:bodyPr anchor="t">
+            <a:normAutofit/>
+          </a:bodyPr>
+          <a:lstStyle/>
+          <a:p>
+            <a:r>
+              <a:rPr lang="en-US" sz="4800"/>
+              <a:t>Conclusion</a:t>
+            </a:r>
+          </a:p>
+        </p:txBody>
+      </p:sp>
+      <p:grpSp>
+        <p:nvGrpSpPr>
+          <p:cNvPr id="341" name="Group 340">
+            <a:extLst>
+              <a:ext uri="{FF2B5EF4-FFF2-40B4-BE49-F238E27FC236}">
+                <a16:creationId xmlns:a16="http://schemas.microsoft.com/office/drawing/2014/main" id="{B14B560F-9DD7-4302-A60B-EBD3EF59B073}"/>
+              </a:ext>
+              <a:ext uri="{C183D7F6-B498-43B3-948B-1728B52AA6E4}">
+                <adec:decorative xmlns:adec="http://schemas.microsoft.com/office/drawing/2017/decorative" val="1"/>
+              </a:ext>
+            </a:extLst>
+          </p:cNvPr>
+          <p:cNvGrpSpPr>
+            <a:grpSpLocks noGrp="1" noUngrp="1" noRot="1" noChangeAspect="1" noMove="1" noResize="1"/>
+          </p:cNvGrpSpPr>
+          <p:nvPr>
+            <p:extLst>
+              <p:ext uri="{386F3935-93C4-4BCD-93E2-E3B085C9AB24}">
+                <p16:designElem xmlns:p16="http://schemas.microsoft.com/office/powerpoint/2015/main" val="1"/>
+              </p:ext>
+            </p:extLst>
+          </p:nvPr>
+        </p:nvGrpSpPr>
+        <p:grpSpPr>
+          <a:xfrm>
+            <a:off x="209667" y="4415246"/>
+            <a:ext cx="11982332" cy="2087795"/>
+            <a:chOff x="143163" y="5763486"/>
+            <a:chExt cx="11982332" cy="739555"/>
+          </a:xfrm>
+        </p:grpSpPr>
+        <p:sp>
+          <p:nvSpPr>
+            <p:cNvPr id="342" name="Rectangle 341">
+              <a:extLst>
+                <a:ext uri="{FF2B5EF4-FFF2-40B4-BE49-F238E27FC236}">
+                  <a16:creationId xmlns:a16="http://schemas.microsoft.com/office/drawing/2014/main" id="{3A9A4357-BD1D-4622-A4FE-766E6AB8DE84}"/>
+                </a:ext>
+                <a:ext uri="{C183D7F6-B498-43B3-948B-1728B52AA6E4}">
+                  <adec:decorative xmlns:adec="http://schemas.microsoft.com/office/drawing/2017/decorative" val="1"/>
+                </a:ext>
+              </a:extLst>
+            </p:cNvPr>
+            <p:cNvSpPr/>
+            <p:nvPr>
+              <p:extLst>
+                <p:ext uri="{386F3935-93C4-4BCD-93E2-E3B085C9AB24}">
+                  <p16:designElem xmlns:p16="http://schemas.microsoft.com/office/powerpoint/2015/main" val="1"/>
+                </p:ext>
+              </p:extLst>
+            </p:nvPr>
+          </p:nvSpPr>
+          <p:spPr>
+            <a:xfrm flipH="1" flipV="1">
+              <a:off x="357444" y="5763486"/>
+              <a:ext cx="11768051" cy="739555"/>
+            </a:xfrm>
+            <a:prstGeom prst="rect">
+              <a:avLst/>
+            </a:prstGeom>
+            <a:solidFill>
+              <a:schemeClr val="accent4"/>
+            </a:solidFill>
+            <a:ln>
+              <a:noFill/>
+            </a:ln>
+          </p:spPr>
+          <p:style>
+            <a:lnRef idx="2">
+              <a:schemeClr val="accent1">
+                <a:shade val="50000"/>
+              </a:schemeClr>
+            </a:lnRef>
+            <a:fillRef idx="1">
+              <a:schemeClr val="accent1"/>
+            </a:fillRef>
+            <a:effectRef idx="0">
+              <a:schemeClr val="accent1"/>
+            </a:effectRef>
+            <a:fontRef idx="minor">
+              <a:schemeClr val="lt1"/>
+            </a:fontRef>
+          </p:style>
+          <p:txBody>
+            <a:bodyPr rtlCol="0" anchor="ctr"/>
+            <a:lstStyle/>
+            <a:p>
+              <a:pPr algn="ctr"/>
+              <a:endParaRPr lang="en-US"/>
+            </a:p>
+          </p:txBody>
+        </p:sp>
+        <p:cxnSp>
+          <p:nvCxnSpPr>
+            <p:cNvPr id="343" name="Straight Connector 342">
+              <a:extLst>
+                <a:ext uri="{FF2B5EF4-FFF2-40B4-BE49-F238E27FC236}">
+                  <a16:creationId xmlns:a16="http://schemas.microsoft.com/office/drawing/2014/main" id="{C21D6966-343E-49AC-A026-D2497E0C3CA1}"/>
+                </a:ext>
+                <a:ext uri="{C183D7F6-B498-43B3-948B-1728B52AA6E4}">
+                  <adec:decorative xmlns:adec="http://schemas.microsoft.com/office/drawing/2017/decorative" val="1"/>
+                </a:ext>
+              </a:extLst>
+            </p:cNvPr>
+            <p:cNvCxnSpPr>
+              <a:cxnSpLocks/>
+            </p:cNvCxnSpPr>
+            <p:nvPr>
+              <p:extLst>
+                <p:ext uri="{386F3935-93C4-4BCD-93E2-E3B085C9AB24}">
+                  <p16:designElem xmlns:p16="http://schemas.microsoft.com/office/powerpoint/2015/main" val="1"/>
+                </p:ext>
+              </p:extLst>
+            </p:nvPr>
+          </p:nvCxnSpPr>
+          <p:spPr>
+            <a:xfrm flipH="1">
+              <a:off x="143163" y="5763486"/>
+              <a:ext cx="1" cy="739555"/>
+            </a:xfrm>
+            <a:prstGeom prst="line">
+              <a:avLst/>
+            </a:prstGeom>
+            <a:ln w="177800">
+              <a:solidFill>
+                <a:schemeClr val="accent4"/>
+              </a:solidFill>
+            </a:ln>
+          </p:spPr>
+          <p:style>
+            <a:lnRef idx="1">
+              <a:schemeClr val="accent1"/>
+            </a:lnRef>
+            <a:fillRef idx="0">
+              <a:schemeClr val="accent1"/>
+            </a:fillRef>
+            <a:effectRef idx="0">
+              <a:schemeClr val="accent1"/>
+            </a:effectRef>
+            <a:fontRef idx="minor">
+              <a:schemeClr val="tx1"/>
+            </a:fontRef>
+          </p:style>
+        </p:cxnSp>
+      </p:grpSp>
+      <p:sp>
+        <p:nvSpPr>
+          <p:cNvPr id="355" name="Rectangle 354">
+            <a:extLst>
+              <a:ext uri="{FF2B5EF4-FFF2-40B4-BE49-F238E27FC236}">
+                <a16:creationId xmlns:a16="http://schemas.microsoft.com/office/drawing/2014/main" id="{2C1BBA94-3F40-40AA-8BB9-E69E25E537C1}"/>
+              </a:ext>
+              <a:ext uri="{C183D7F6-B498-43B3-948B-1728B52AA6E4}">
+                <adec:decorative xmlns:adec="http://schemas.microsoft.com/office/drawing/2017/decorative" val="1"/>
+              </a:ext>
+            </a:extLst>
+          </p:cNvPr>
+          <p:cNvSpPr>
+            <a:spLocks noGrp="1" noRot="1" noChangeAspect="1" noMove="1" noResize="1" noEditPoints="1" noAdjustHandles="1" noChangeArrowheads="1" noChangeShapeType="1" noTextEdit="1"/>
+          </p:cNvSpPr>
+          <p:nvPr>
+            <p:extLst>
+              <p:ext uri="{386F3935-93C4-4BCD-93E2-E3B085C9AB24}">
+                <p16:designElem xmlns:p16="http://schemas.microsoft.com/office/powerpoint/2015/main" val="1"/>
+              </p:ext>
+            </p:extLst>
+          </p:nvPr>
+        </p:nvSpPr>
+        <p:spPr>
+          <a:xfrm>
+            <a:off x="5133706" y="587829"/>
+            <a:ext cx="6505300" cy="5682342"/>
+          </a:xfrm>
+          <a:prstGeom prst="rect">
+            <a:avLst/>
+          </a:prstGeom>
+          <a:solidFill>
+            <a:schemeClr val="bg1"/>
+          </a:solidFill>
+          <a:ln>
+            <a:noFill/>
+          </a:ln>
+          <a:effectLst>
+            <a:outerShdw blurRad="139700" dist="127000" dir="5400000" algn="t" rotWithShape="0">
+              <a:prstClr val="black">
+                <a:alpha val="15000"/>
+              </a:prstClr>
+            </a:outerShdw>
+          </a:effectLst>
+        </p:spPr>
+        <p:style>
+          <a:lnRef idx="2">
+            <a:schemeClr val="accent1">
+              <a:shade val="50000"/>
+            </a:schemeClr>
+          </a:lnRef>
+          <a:fillRef idx="1">
+            <a:schemeClr val="accent1"/>
+          </a:fillRef>
+          <a:effectRef idx="0">
+            <a:schemeClr val="accent1"/>
+          </a:effectRef>
+          <a:fontRef idx="minor">
+            <a:schemeClr val="lt1"/>
+          </a:fontRef>
+        </p:style>
+        <p:txBody>
+          <a:bodyPr rtlCol="0" anchor="ctr"/>
+          <a:lstStyle/>
+          <a:p>
+            <a:pPr algn="ctr"/>
+            <a:endParaRPr lang="en-US"/>
+          </a:p>
+        </p:txBody>
+      </p:sp>
+      <p:sp>
+        <p:nvSpPr>
+          <p:cNvPr id="5" name="Rectangle 2">
+            <a:extLst>
+              <a:ext uri="{FF2B5EF4-FFF2-40B4-BE49-F238E27FC236}">
+                <a16:creationId xmlns:a16="http://schemas.microsoft.com/office/drawing/2014/main" id="{56ADF770-BA64-F5A2-C32A-2D987836C94C}"/>
+              </a:ext>
+            </a:extLst>
+          </p:cNvPr>
+          <p:cNvSpPr>
+            <a:spLocks noGrp="1" noChangeArrowheads="1"/>
+          </p:cNvSpPr>
+          <p:nvPr>
+            <p:ph idx="1"/>
+          </p:nvPr>
+        </p:nvSpPr>
+        <p:spPr bwMode="auto">
+          <a:xfrm>
+            <a:off x="5656218" y="1463039"/>
+            <a:ext cx="5542387" cy="4300447"/>
+          </a:xfrm>
+          <a:prstGeom prst="rect">
+            <a:avLst/>
+          </a:prstGeom>
+          <a:extLst>
+            <a:ext uri="{909E8E84-426E-40DD-AFC4-6F175D3DCCD1}">
+              <a14:hiddenFill xmlns:a14="http://schemas.microsoft.com/office/drawing/2010/main">
+                <a:solidFill>
+                  <a:schemeClr val="accent1"/>
+                </a:solidFill>
+              </a14:hiddenFill>
+            </a:ext>
+            <a:ext uri="{91240B29-F687-4F45-9708-019B960494DF}">
+              <a14:hiddenLine xmlns:a14="http://schemas.microsoft.com/office/drawing/2010/main" w="9525">
+                <a:solidFill>
+                  <a:schemeClr val="tx1"/>
+                </a:solidFill>
+                <a:miter lim="800000"/>
+                <a:headEnd/>
+                <a:tailEnd/>
+              </a14:hiddenLine>
+            </a:ext>
+            <a:ext uri="{AF507438-7753-43E0-B8FC-AC1667EBCBE1}">
+              <a14:hiddenEffects xmlns:a14="http://schemas.microsoft.com/office/drawing/2010/main">
+                <a:effectLst>
+                  <a:outerShdw dist="35921" dir="2700000" algn="ctr" rotWithShape="0">
+                    <a:schemeClr val="bg2"/>
+                  </a:outerShdw>
+                </a:effectLst>
+              </a14:hiddenEffects>
+            </a:ext>
+          </a:extLst>
+        </p:spPr>
+        <p:txBody>
+          <a:bodyPr vert="horz" lIns="91440" tIns="45720" rIns="91440" bIns="45720" numCol="1" anchor="t" anchorCtr="0" compatLnSpc="1">
+            <a:prstTxWarp prst="textNoShape">
+              <a:avLst/>
+            </a:prstTxWarp>
+            <a:normAutofit/>
+          </a:bodyPr>
+          <a:lstStyle/>
+          <a:p>
+            <a:pPr marL="0" marR="0" lvl="0" indent="0" defTabSz="914400" rtl="0" eaLnBrk="0" fontAlgn="base" latinLnBrk="0" hangingPunct="0">
+              <a:spcBef>
+                <a:spcPct val="0"/>
+              </a:spcBef>
+              <a:spcAft>
+                <a:spcPts val="600"/>
+              </a:spcAft>
+              <a:buClrTx/>
+              <a:buSzTx/>
+              <a:buFontTx/>
+              <a:buChar char="•"/>
+              <a:tabLst/>
+            </a:pPr>
+            <a:r>
+              <a:rPr kumimoji="0" lang="en-US" altLang="en-US" sz="2200" b="1" i="0" u="none" strike="noStrike" cap="none" normalizeH="0" baseline="0">
+                <a:ln>
+                  <a:noFill/>
+                </a:ln>
+                <a:effectLst/>
+                <a:latin typeface="Arial" panose="020B0604020202020204" pitchFamily="34" charset="0"/>
+              </a:rPr>
+              <a:t>Final Model</a:t>
+            </a:r>
+            <a:r>
+              <a:rPr kumimoji="0" lang="en-US" altLang="en-US" sz="2200" b="0" i="0" u="none" strike="noStrike" cap="none" normalizeH="0" baseline="0">
+                <a:ln>
+                  <a:noFill/>
+                </a:ln>
+                <a:effectLst/>
+                <a:latin typeface="Arial" panose="020B0604020202020204" pitchFamily="34" charset="0"/>
+              </a:rPr>
+              <a:t>: CatBoost with Preprocessor V2.</a:t>
+            </a:r>
+          </a:p>
+          <a:p>
+            <a:pPr marL="0" marR="0" lvl="0" indent="0" defTabSz="914400" rtl="0" eaLnBrk="0" fontAlgn="base" latinLnBrk="0" hangingPunct="0">
+              <a:spcBef>
+                <a:spcPct val="0"/>
+              </a:spcBef>
+              <a:spcAft>
+                <a:spcPts val="600"/>
+              </a:spcAft>
+              <a:buClrTx/>
+              <a:buSzTx/>
+              <a:buFontTx/>
+              <a:buChar char="•"/>
+              <a:tabLst/>
+            </a:pPr>
+            <a:r>
+              <a:rPr kumimoji="0" lang="en-US" altLang="en-US" sz="2200" b="1" i="0" u="none" strike="noStrike" cap="none" normalizeH="0" baseline="0">
+                <a:ln>
+                  <a:noFill/>
+                </a:ln>
+                <a:effectLst/>
+                <a:latin typeface="Arial" panose="020B0604020202020204" pitchFamily="34" charset="0"/>
+              </a:rPr>
+              <a:t>Performance</a:t>
+            </a:r>
+            <a:r>
+              <a:rPr kumimoji="0" lang="en-US" altLang="en-US" sz="2200" b="0" i="0" u="none" strike="noStrike" cap="none" normalizeH="0" baseline="0">
+                <a:ln>
+                  <a:noFill/>
+                </a:ln>
+                <a:effectLst/>
+                <a:latin typeface="Arial" panose="020B0604020202020204" pitchFamily="34" charset="0"/>
+              </a:rPr>
+              <a:t>: Strong results with a weighted F1 score of 0.7305 on the test set.</a:t>
+            </a:r>
+          </a:p>
+          <a:p>
+            <a:pPr marL="0" marR="0" lvl="0" indent="0" defTabSz="914400" rtl="0" eaLnBrk="0" fontAlgn="base" latinLnBrk="0" hangingPunct="0">
+              <a:spcBef>
+                <a:spcPct val="0"/>
+              </a:spcBef>
+              <a:spcAft>
+                <a:spcPts val="600"/>
+              </a:spcAft>
+              <a:buClrTx/>
+              <a:buSzTx/>
+              <a:buFontTx/>
+              <a:buChar char="•"/>
+              <a:tabLst/>
+            </a:pPr>
+            <a:r>
+              <a:rPr kumimoji="0" lang="en-US" altLang="en-US" sz="2200" b="1" i="0" u="none" strike="noStrike" cap="none" normalizeH="0" baseline="0">
+                <a:ln>
+                  <a:noFill/>
+                </a:ln>
+                <a:effectLst/>
+                <a:latin typeface="Arial" panose="020B0604020202020204" pitchFamily="34" charset="0"/>
+              </a:rPr>
+              <a:t>Model Choice</a:t>
+            </a:r>
+            <a:r>
+              <a:rPr kumimoji="0" lang="en-US" altLang="en-US" sz="2200" b="0" i="0" u="none" strike="noStrike" cap="none" normalizeH="0" baseline="0">
+                <a:ln>
+                  <a:noFill/>
+                </a:ln>
+                <a:effectLst/>
+                <a:latin typeface="Arial" panose="020B0604020202020204" pitchFamily="34" charset="0"/>
+              </a:rPr>
+              <a:t>: AdaBoost also performed well, but CatBoost offered better generalization.</a:t>
+            </a:r>
+          </a:p>
+          <a:p>
+            <a:pPr marL="0" marR="0" lvl="0" indent="0" defTabSz="914400" rtl="0" eaLnBrk="0" fontAlgn="base" latinLnBrk="0" hangingPunct="0">
+              <a:spcBef>
+                <a:spcPct val="0"/>
+              </a:spcBef>
+              <a:spcAft>
+                <a:spcPts val="600"/>
+              </a:spcAft>
+              <a:buClrTx/>
+              <a:buSzTx/>
+              <a:buFontTx/>
+              <a:buChar char="•"/>
+              <a:tabLst/>
+            </a:pPr>
+            <a:r>
+              <a:rPr kumimoji="0" lang="en-US" altLang="en-US" sz="2200" b="1" i="0" u="none" strike="noStrike" cap="none" normalizeH="0" baseline="0">
+                <a:ln>
+                  <a:noFill/>
+                </a:ln>
+                <a:effectLst/>
+                <a:latin typeface="Arial" panose="020B0604020202020204" pitchFamily="34" charset="0"/>
+              </a:rPr>
+              <a:t>Key Insight</a:t>
+            </a:r>
+            <a:r>
+              <a:rPr kumimoji="0" lang="en-US" altLang="en-US" sz="2200" b="0" i="0" u="none" strike="noStrike" cap="none" normalizeH="0" baseline="0">
+                <a:ln>
+                  <a:noFill/>
+                </a:ln>
+                <a:effectLst/>
+                <a:latin typeface="Arial" panose="020B0604020202020204" pitchFamily="34" charset="0"/>
+              </a:rPr>
+              <a:t>: Our model offers a good balance between sensitivity and specificity, which is crucial for early Alzheimer’s detection.</a:t>
+            </a:r>
+          </a:p>
+        </p:txBody>
+      </p:sp>
+    </p:spTree>
+    <p:extLst>
+      <p:ext uri="{BB962C8B-B14F-4D97-AF65-F5344CB8AC3E}">
+        <p14:creationId xmlns:p14="http://schemas.microsoft.com/office/powerpoint/2010/main" val="3266595848"/>
+      </p:ext>
+    </p:extLst>
+  </p:cSld>
+  <p:clrMapOvr>
+    <a:masterClrMapping/>
+  </p:clrMapOvr>
+</p:sld>
+</file>
+
+<file path=ppt/slides/slide29.xml><?xml version="1.0" encoding="utf-8"?>
+<p:sld xmlns:a="http://schemas.openxmlformats.org/drawingml/2006/main" xmlns:r="http://schemas.openxmlformats.org/officeDocument/2006/relationships" xmlns:p="http://schemas.openxmlformats.org/presentationml/2006/main">
+  <p:cSld>
+    <p:bg>
+      <p:bgPr>
+        <a:solidFill>
+          <a:schemeClr val="bg1"/>
+        </a:solidFill>
+        <a:effectLst/>
+      </p:bgPr>
+    </p:bg>
+    <p:spTree>
+      <p:nvGrpSpPr>
+        <p:cNvPr id="1" name="">
+          <a:extLst>
+            <a:ext uri="{FF2B5EF4-FFF2-40B4-BE49-F238E27FC236}">
+              <a16:creationId xmlns:a16="http://schemas.microsoft.com/office/drawing/2014/main" id="{017B30EF-998B-DB63-A064-51666B797B5F}"/>
+            </a:ext>
+          </a:extLst>
+        </p:cNvPr>
+        <p:cNvGrpSpPr/>
+        <p:nvPr/>
+      </p:nvGrpSpPr>
+      <p:grpSpPr>
+        <a:xfrm>
+          <a:off x="0" y="0"/>
+          <a:ext cx="0" cy="0"/>
+          <a:chOff x="0" y="0"/>
+          <a:chExt cx="0" cy="0"/>
+        </a:xfrm>
+      </p:grpSpPr>
+      <p:sp useBgFill="1">
+        <p:nvSpPr>
+          <p:cNvPr id="41" name="Rectangle 40">
+            <a:extLst>
+              <a:ext uri="{FF2B5EF4-FFF2-40B4-BE49-F238E27FC236}">
+                <a16:creationId xmlns:a16="http://schemas.microsoft.com/office/drawing/2014/main" id="{9C7E0A2C-7C0A-4AAC-B3B0-6C12B2EBAE05}"/>
+              </a:ext>
+              <a:ext uri="{C183D7F6-B498-43B3-948B-1728B52AA6E4}">
+                <adec:decorative xmlns:adec="http://schemas.microsoft.com/office/drawing/2017/decorative" val="1"/>
+              </a:ext>
+            </a:extLst>
+          </p:cNvPr>
+          <p:cNvSpPr>
+            <a:spLocks noGrp="1" noRot="1" noChangeAspect="1" noMove="1" noResize="1" noEditPoints="1" noAdjustHandles="1" noChangeArrowheads="1" noChangeShapeType="1" noTextEdit="1"/>
+          </p:cNvSpPr>
+          <p:nvPr>
+            <p:extLst>
+              <p:ext uri="{386F3935-93C4-4BCD-93E2-E3B085C9AB24}">
+                <p16:designElem xmlns:p16="http://schemas.microsoft.com/office/powerpoint/2015/main" val="1"/>
+              </p:ext>
+            </p:extLst>
+          </p:nvPr>
+        </p:nvSpPr>
+        <p:spPr>
+          <a:xfrm>
+            <a:off x="0" y="0"/>
+            <a:ext cx="12191999" cy="6857365"/>
+          </a:xfrm>
+          <a:prstGeom prst="rect">
+            <a:avLst/>
+          </a:prstGeom>
+          <a:ln>
+            <a:noFill/>
+          </a:ln>
+        </p:spPr>
+        <p:style>
+          <a:lnRef idx="2">
+            <a:schemeClr val="accent1">
+              <a:shade val="50000"/>
+            </a:schemeClr>
+          </a:lnRef>
+          <a:fillRef idx="1">
+            <a:schemeClr val="accent1"/>
+          </a:fillRef>
+          <a:effectRef idx="0">
+            <a:schemeClr val="accent1"/>
+          </a:effectRef>
+          <a:fontRef idx="minor">
+            <a:schemeClr val="lt1"/>
+          </a:fontRef>
+        </p:style>
+        <p:txBody>
+          <a:bodyPr rtlCol="0" anchor="ctr"/>
+          <a:lstStyle/>
+          <a:p>
+            <a:pPr algn="ctr"/>
+            <a:endParaRPr lang="en-US"/>
+          </a:p>
+        </p:txBody>
+      </p:sp>
+      <p:sp>
+        <p:nvSpPr>
+          <p:cNvPr id="43" name="Rectangle 42">
+            <a:extLst>
+              <a:ext uri="{FF2B5EF4-FFF2-40B4-BE49-F238E27FC236}">
+                <a16:creationId xmlns:a16="http://schemas.microsoft.com/office/drawing/2014/main" id="{5EB7D2A2-F448-44D4-938C-DC84CBCB3B1E}"/>
+              </a:ext>
+              <a:ext uri="{C183D7F6-B498-43B3-948B-1728B52AA6E4}">
+                <adec:decorative xmlns:adec="http://schemas.microsoft.com/office/drawing/2017/decorative" val="1"/>
+              </a:ext>
+            </a:extLst>
+          </p:cNvPr>
+          <p:cNvSpPr>
+            <a:spLocks noGrp="1" noRot="1" noChangeAspect="1" noMove="1" noResize="1" noEditPoints="1" noAdjustHandles="1" noChangeArrowheads="1" noChangeShapeType="1" noTextEdit="1"/>
+          </p:cNvSpPr>
+          <p:nvPr>
+            <p:extLst>
+              <p:ext uri="{386F3935-93C4-4BCD-93E2-E3B085C9AB24}">
+                <p16:designElem xmlns:p16="http://schemas.microsoft.com/office/powerpoint/2015/main" val="1"/>
+              </p:ext>
+            </p:extLst>
+          </p:nvPr>
+        </p:nvSpPr>
+        <p:spPr>
+          <a:xfrm>
+            <a:off x="0" y="1"/>
+            <a:ext cx="12192000" cy="5187142"/>
+          </a:xfrm>
+          <a:prstGeom prst="rect">
+            <a:avLst/>
+          </a:prstGeom>
+          <a:solidFill>
+            <a:schemeClr val="accent4"/>
+          </a:solidFill>
+          <a:ln>
+            <a:noFill/>
+          </a:ln>
+        </p:spPr>
+        <p:style>
+          <a:lnRef idx="2">
+            <a:schemeClr val="accent1">
+              <a:shade val="50000"/>
+            </a:schemeClr>
+          </a:lnRef>
+          <a:fillRef idx="1">
+            <a:schemeClr val="accent1"/>
+          </a:fillRef>
+          <a:effectRef idx="0">
+            <a:schemeClr val="accent1"/>
+          </a:effectRef>
+          <a:fontRef idx="minor">
+            <a:schemeClr val="lt1"/>
+          </a:fontRef>
+        </p:style>
+        <p:txBody>
+          <a:bodyPr rtlCol="0" anchor="ctr"/>
+          <a:lstStyle/>
+          <a:p>
+            <a:pPr algn="ctr"/>
+            <a:endParaRPr lang="en-US" dirty="0"/>
+          </a:p>
+        </p:txBody>
+      </p:sp>
+      <p:sp>
+        <p:nvSpPr>
+          <p:cNvPr id="45" name="Rectangle 44">
+            <a:extLst>
+              <a:ext uri="{FF2B5EF4-FFF2-40B4-BE49-F238E27FC236}">
+                <a16:creationId xmlns:a16="http://schemas.microsoft.com/office/drawing/2014/main" id="{871AEA07-1E14-44B4-8E55-64EF049CD66F}"/>
+              </a:ext>
+              <a:ext uri="{C183D7F6-B498-43B3-948B-1728B52AA6E4}">
+                <adec:decorative xmlns:adec="http://schemas.microsoft.com/office/drawing/2017/decorative" val="1"/>
+              </a:ext>
+            </a:extLst>
+          </p:cNvPr>
+          <p:cNvSpPr>
+            <a:spLocks noGrp="1" noRot="1" noChangeAspect="1" noMove="1" noResize="1" noEditPoints="1" noAdjustHandles="1" noChangeArrowheads="1" noChangeShapeType="1" noTextEdit="1"/>
+          </p:cNvSpPr>
+          <p:nvPr>
+            <p:extLst>
+              <p:ext uri="{386F3935-93C4-4BCD-93E2-E3B085C9AB24}">
+                <p16:designElem xmlns:p16="http://schemas.microsoft.com/office/powerpoint/2015/main" val="1"/>
+              </p:ext>
+            </p:extLst>
+          </p:nvPr>
+        </p:nvSpPr>
+        <p:spPr>
+          <a:xfrm>
+            <a:off x="596464" y="551961"/>
+            <a:ext cx="10999072" cy="5399950"/>
+          </a:xfrm>
+          <a:prstGeom prst="rect">
+            <a:avLst/>
+          </a:prstGeom>
+          <a:solidFill>
+            <a:schemeClr val="bg1"/>
+          </a:solidFill>
+          <a:ln>
+            <a:noFill/>
+          </a:ln>
+          <a:effectLst>
+            <a:outerShdw blurRad="139700" dist="127000" dir="5400000" algn="t" rotWithShape="0">
+              <a:prstClr val="black">
+                <a:alpha val="15000"/>
+              </a:prstClr>
+            </a:outerShdw>
+          </a:effectLst>
+        </p:spPr>
+        <p:style>
+          <a:lnRef idx="2">
+            <a:schemeClr val="accent1">
+              <a:shade val="50000"/>
+            </a:schemeClr>
+          </a:lnRef>
+          <a:fillRef idx="1">
+            <a:schemeClr val="accent1"/>
+          </a:fillRef>
+          <a:effectRef idx="0">
+            <a:schemeClr val="accent1"/>
+          </a:effectRef>
+          <a:fontRef idx="minor">
+            <a:schemeClr val="lt1"/>
+          </a:fontRef>
+        </p:style>
+        <p:txBody>
+          <a:bodyPr rtlCol="0" anchor="ctr"/>
+          <a:lstStyle/>
+          <a:p>
+            <a:pPr algn="ctr"/>
+            <a:endParaRPr lang="en-US"/>
+          </a:p>
+        </p:txBody>
+      </p:sp>
+      <p:sp>
+        <p:nvSpPr>
+          <p:cNvPr id="6" name="TextBox 5">
+            <a:extLst>
+              <a:ext uri="{FF2B5EF4-FFF2-40B4-BE49-F238E27FC236}">
+                <a16:creationId xmlns:a16="http://schemas.microsoft.com/office/drawing/2014/main" id="{6DB11DA6-202B-090A-558B-18FC262F4149}"/>
+              </a:ext>
+            </a:extLst>
+          </p:cNvPr>
+          <p:cNvSpPr txBox="1"/>
+          <p:nvPr/>
+        </p:nvSpPr>
+        <p:spPr>
+          <a:xfrm>
+            <a:off x="1524000" y="1248587"/>
+            <a:ext cx="9144000" cy="2387600"/>
+          </a:xfrm>
+          <a:prstGeom prst="rect">
+            <a:avLst/>
+          </a:prstGeom>
+        </p:spPr>
+        <p:txBody>
+          <a:bodyPr vert="horz" lIns="91440" tIns="45720" rIns="91440" bIns="45720" rtlCol="0" anchor="b">
+            <a:normAutofit/>
+          </a:bodyPr>
+          <a:lstStyle/>
+          <a:p>
+            <a:pPr algn="ctr" defTabSz="914400">
+              <a:lnSpc>
+                <a:spcPct val="90000"/>
+              </a:lnSpc>
+              <a:spcBef>
+                <a:spcPct val="0"/>
+              </a:spcBef>
+              <a:spcAft>
+                <a:spcPts val="600"/>
+              </a:spcAft>
+            </a:pPr>
+            <a:r>
+              <a:rPr lang="en-US" sz="5400" kern="1200">
+                <a:solidFill>
+                  <a:schemeClr val="tx1"/>
+                </a:solidFill>
+                <a:latin typeface="+mj-lt"/>
+                <a:ea typeface="+mj-ea"/>
+                <a:cs typeface="+mj-cs"/>
+              </a:rPr>
+              <a:t>Thank you for your attention!</a:t>
+            </a:r>
+            <a:br>
+              <a:rPr lang="en-US" sz="5400" kern="1200">
+                <a:solidFill>
+                  <a:schemeClr val="tx1"/>
+                </a:solidFill>
+                <a:latin typeface="+mj-lt"/>
+                <a:ea typeface="+mj-ea"/>
+                <a:cs typeface="+mj-cs"/>
+              </a:rPr>
+            </a:br>
+            <a:r>
+              <a:rPr lang="en-US" sz="5400" kern="1200">
+                <a:solidFill>
+                  <a:schemeClr val="tx1"/>
+                </a:solidFill>
+                <a:latin typeface="+mj-lt"/>
+                <a:ea typeface="+mj-ea"/>
+                <a:cs typeface="+mj-cs"/>
+              </a:rPr>
+              <a:t>We are open to any questions.</a:t>
+            </a:r>
+          </a:p>
+        </p:txBody>
+      </p:sp>
+      <p:cxnSp>
+        <p:nvCxnSpPr>
+          <p:cNvPr id="47" name="Straight Connector 46">
+            <a:extLst>
+              <a:ext uri="{FF2B5EF4-FFF2-40B4-BE49-F238E27FC236}">
+                <a16:creationId xmlns:a16="http://schemas.microsoft.com/office/drawing/2014/main" id="{F7C8EA93-3210-4C62-99E9-153C275E3A87}"/>
+              </a:ext>
+              <a:ext uri="{C183D7F6-B498-43B3-948B-1728B52AA6E4}">
+                <adec:decorative xmlns:adec="http://schemas.microsoft.com/office/drawing/2017/decorative" val="1"/>
+              </a:ext>
+            </a:extLst>
+          </p:cNvPr>
+          <p:cNvCxnSpPr>
+            <a:cxnSpLocks noGrp="1" noRot="1" noChangeAspect="1" noMove="1" noResize="1" noEditPoints="1" noAdjustHandles="1" noChangeArrowheads="1" noChangeShapeType="1"/>
+          </p:cNvCxnSpPr>
+          <p:nvPr>
+            <p:extLst>
+              <p:ext uri="{386F3935-93C4-4BCD-93E2-E3B085C9AB24}">
+                <p16:designElem xmlns:p16="http://schemas.microsoft.com/office/powerpoint/2015/main" val="1"/>
+              </p:ext>
+            </p:extLst>
+          </p:nvPr>
+        </p:nvCxnSpPr>
+        <p:spPr>
+          <a:xfrm flipH="1">
+            <a:off x="596464" y="6329769"/>
+            <a:ext cx="11000232" cy="0"/>
+          </a:xfrm>
+          <a:prstGeom prst="line">
+            <a:avLst/>
+          </a:prstGeom>
+          <a:ln w="152400">
+            <a:solidFill>
+              <a:schemeClr val="accent4"/>
+            </a:solidFill>
+          </a:ln>
+        </p:spPr>
+        <p:style>
+          <a:lnRef idx="1">
+            <a:schemeClr val="accent1"/>
+          </a:lnRef>
+          <a:fillRef idx="0">
+            <a:schemeClr val="accent1"/>
+          </a:fillRef>
+          <a:effectRef idx="0">
+            <a:schemeClr val="accent1"/>
+          </a:effectRef>
+          <a:fontRef idx="minor">
+            <a:schemeClr val="tx1"/>
+          </a:fontRef>
+        </p:style>
+      </p:cxnSp>
+    </p:spTree>
+    <p:extLst>
+      <p:ext uri="{BB962C8B-B14F-4D97-AF65-F5344CB8AC3E}">
+        <p14:creationId xmlns:p14="http://schemas.microsoft.com/office/powerpoint/2010/main" val="3690900683"/>
       </p:ext>
     </p:extLst>
   </p:cSld>

--- a/presentation.pptx
+++ b/presentation.pptx
@@ -21,19 +21,21 @@
     <p:sldId id="271" r:id="rId15"/>
     <p:sldId id="272" r:id="rId16"/>
     <p:sldId id="273" r:id="rId17"/>
-    <p:sldId id="274" r:id="rId18"/>
-    <p:sldId id="275" r:id="rId19"/>
-    <p:sldId id="276" r:id="rId20"/>
-    <p:sldId id="277" r:id="rId21"/>
-    <p:sldId id="278" r:id="rId22"/>
-    <p:sldId id="279" r:id="rId23"/>
-    <p:sldId id="280" r:id="rId24"/>
-    <p:sldId id="281" r:id="rId25"/>
-    <p:sldId id="282" r:id="rId26"/>
-    <p:sldId id="283" r:id="rId27"/>
-    <p:sldId id="285" r:id="rId28"/>
-    <p:sldId id="286" r:id="rId29"/>
-    <p:sldId id="288" r:id="rId30"/>
+    <p:sldId id="290" r:id="rId18"/>
+    <p:sldId id="274" r:id="rId19"/>
+    <p:sldId id="275" r:id="rId20"/>
+    <p:sldId id="289" r:id="rId21"/>
+    <p:sldId id="276" r:id="rId22"/>
+    <p:sldId id="277" r:id="rId23"/>
+    <p:sldId id="278" r:id="rId24"/>
+    <p:sldId id="279" r:id="rId25"/>
+    <p:sldId id="280" r:id="rId26"/>
+    <p:sldId id="281" r:id="rId27"/>
+    <p:sldId id="282" r:id="rId28"/>
+    <p:sldId id="283" r:id="rId29"/>
+    <p:sldId id="285" r:id="rId30"/>
+    <p:sldId id="286" r:id="rId31"/>
+    <p:sldId id="288" r:id="rId32"/>
   </p:sldIdLst>
   <p:sldSz cx="12192000" cy="6858000"/>
   <p:notesSz cx="6858000" cy="9144000"/>
@@ -138,6 +140,732 @@
     </p:ext>
   </p:extLst>
 </p:presentation>
+</file>
+
+<file path=ppt/revisionInfo.xml><?xml version="1.0" encoding="utf-8"?>
+<p1510:revInfo xmlns:a="http://schemas.openxmlformats.org/drawingml/2006/main" xmlns:r="http://schemas.openxmlformats.org/officeDocument/2006/relationships" xmlns:p1510="http://schemas.microsoft.com/office/powerpoint/2015/10/main">
+  <p1510:revLst>
+    <p1510:client id="{3E889210-75A3-4689-A177-88BFA7D18390}" v="32" dt="2025-04-27T15:06:48.113"/>
+  </p1510:revLst>
+</p1510:revInfo>
+</file>
+
+<file path=ppt/changesInfos/changesInfo1.xml><?xml version="1.0" encoding="utf-8"?>
+<pc:chgInfo xmlns:a="http://schemas.openxmlformats.org/drawingml/2006/main" xmlns:r="http://schemas.openxmlformats.org/officeDocument/2006/relationships" xmlns:ac="http://schemas.microsoft.com/office/drawing/2013/main/command" xmlns:pc="http://schemas.microsoft.com/office/powerpoint/2013/main/command">
+  <pc:docChgLst>
+    <pc:chgData name="Leontios Ioannou" userId="3862ae39ba703afe" providerId="LiveId" clId="{3E889210-75A3-4689-A177-88BFA7D18390}"/>
+    <pc:docChg chg="undo custSel addSld delSld modSld sldOrd">
+      <pc:chgData name="Leontios Ioannou" userId="3862ae39ba703afe" providerId="LiveId" clId="{3E889210-75A3-4689-A177-88BFA7D18390}" dt="2025-04-27T15:18:58.043" v="252" actId="20577"/>
+      <pc:docMkLst>
+        <pc:docMk/>
+      </pc:docMkLst>
+      <pc:sldChg chg="addSp delSp modSp mod">
+        <pc:chgData name="Leontios Ioannou" userId="3862ae39ba703afe" providerId="LiveId" clId="{3E889210-75A3-4689-A177-88BFA7D18390}" dt="2025-04-27T14:50:21.515" v="178" actId="403"/>
+        <pc:sldMkLst>
+          <pc:docMk/>
+          <pc:sldMk cId="786102608" sldId="264"/>
+        </pc:sldMkLst>
+        <pc:spChg chg="mod">
+          <ac:chgData name="Leontios Ioannou" userId="3862ae39ba703afe" providerId="LiveId" clId="{3E889210-75A3-4689-A177-88BFA7D18390}" dt="2025-04-27T14:50:12.431" v="176" actId="26606"/>
+          <ac:spMkLst>
+            <pc:docMk/>
+            <pc:sldMk cId="786102608" sldId="264"/>
+            <ac:spMk id="2" creationId="{98675633-FBDB-3C9C-AE61-3889170E6B43}"/>
+          </ac:spMkLst>
+        </pc:spChg>
+        <pc:spChg chg="mod">
+          <ac:chgData name="Leontios Ioannou" userId="3862ae39ba703afe" providerId="LiveId" clId="{3E889210-75A3-4689-A177-88BFA7D18390}" dt="2025-04-27T14:50:21.515" v="178" actId="403"/>
+          <ac:spMkLst>
+            <pc:docMk/>
+            <pc:sldMk cId="786102608" sldId="264"/>
+            <ac:spMk id="23" creationId="{4D4B1754-7907-1590-D0BB-8492FE2D269A}"/>
+          </ac:spMkLst>
+        </pc:spChg>
+        <pc:spChg chg="del">
+          <ac:chgData name="Leontios Ioannou" userId="3862ae39ba703afe" providerId="LiveId" clId="{3E889210-75A3-4689-A177-88BFA7D18390}" dt="2025-04-27T14:50:12.431" v="176" actId="26606"/>
+          <ac:spMkLst>
+            <pc:docMk/>
+            <pc:sldMk cId="786102608" sldId="264"/>
+            <ac:spMk id="108" creationId="{F5A5F1D7-F0D0-4687-9BD3-CA6A0714C634}"/>
+          </ac:spMkLst>
+        </pc:spChg>
+        <pc:spChg chg="del">
+          <ac:chgData name="Leontios Ioannou" userId="3862ae39ba703afe" providerId="LiveId" clId="{3E889210-75A3-4689-A177-88BFA7D18390}" dt="2025-04-27T14:50:12.431" v="176" actId="26606"/>
+          <ac:spMkLst>
+            <pc:docMk/>
+            <pc:sldMk cId="786102608" sldId="264"/>
+            <ac:spMk id="126" creationId="{D5B0017B-2ECA-49AF-B397-DC140825DF8D}"/>
+          </ac:spMkLst>
+        </pc:spChg>
+        <pc:spChg chg="add">
+          <ac:chgData name="Leontios Ioannou" userId="3862ae39ba703afe" providerId="LiveId" clId="{3E889210-75A3-4689-A177-88BFA7D18390}" dt="2025-04-27T14:50:12.431" v="176" actId="26606"/>
+          <ac:spMkLst>
+            <pc:docMk/>
+            <pc:sldMk cId="786102608" sldId="264"/>
+            <ac:spMk id="132" creationId="{AAAE94E3-A7DB-4868-B1E3-E49703488BBC}"/>
+          </ac:spMkLst>
+        </pc:spChg>
+        <pc:spChg chg="add">
+          <ac:chgData name="Leontios Ioannou" userId="3862ae39ba703afe" providerId="LiveId" clId="{3E889210-75A3-4689-A177-88BFA7D18390}" dt="2025-04-27T14:50:12.431" v="176" actId="26606"/>
+          <ac:spMkLst>
+            <pc:docMk/>
+            <pc:sldMk cId="786102608" sldId="264"/>
+            <ac:spMk id="138" creationId="{3873B707-463F-40B0-8227-E8CC6C67EB25}"/>
+          </ac:spMkLst>
+        </pc:spChg>
+        <pc:spChg chg="add">
+          <ac:chgData name="Leontios Ioannou" userId="3862ae39ba703afe" providerId="LiveId" clId="{3E889210-75A3-4689-A177-88BFA7D18390}" dt="2025-04-27T14:50:12.431" v="176" actId="26606"/>
+          <ac:spMkLst>
+            <pc:docMk/>
+            <pc:sldMk cId="786102608" sldId="264"/>
+            <ac:spMk id="140" creationId="{C13237C8-E62C-4F0D-A318-BD6FB6C2D138}"/>
+          </ac:spMkLst>
+        </pc:spChg>
+        <pc:spChg chg="add">
+          <ac:chgData name="Leontios Ioannou" userId="3862ae39ba703afe" providerId="LiveId" clId="{3E889210-75A3-4689-A177-88BFA7D18390}" dt="2025-04-27T14:50:12.431" v="176" actId="26606"/>
+          <ac:spMkLst>
+            <pc:docMk/>
+            <pc:sldMk cId="786102608" sldId="264"/>
+            <ac:spMk id="142" creationId="{19C9EAEA-39D0-4B0E-A0EB-51E7B26740B1}"/>
+          </ac:spMkLst>
+        </pc:spChg>
+        <pc:spChg chg="add">
+          <ac:chgData name="Leontios Ioannou" userId="3862ae39ba703afe" providerId="LiveId" clId="{3E889210-75A3-4689-A177-88BFA7D18390}" dt="2025-04-27T14:50:12.431" v="176" actId="26606"/>
+          <ac:spMkLst>
+            <pc:docMk/>
+            <pc:sldMk cId="786102608" sldId="264"/>
+            <ac:spMk id="144" creationId="{8CB5D2D7-DF65-4E86-BFBA-FFB9B5ACEB64}"/>
+          </ac:spMkLst>
+        </pc:spChg>
+        <pc:picChg chg="add mod ord">
+          <ac:chgData name="Leontios Ioannou" userId="3862ae39ba703afe" providerId="LiveId" clId="{3E889210-75A3-4689-A177-88BFA7D18390}" dt="2025-04-27T14:50:12.431" v="176" actId="26606"/>
+          <ac:picMkLst>
+            <pc:docMk/>
+            <pc:sldMk cId="786102608" sldId="264"/>
+            <ac:picMk id="3" creationId="{2484C67D-9931-3044-7F77-2E562B66905C}"/>
+          </ac:picMkLst>
+        </pc:picChg>
+        <pc:picChg chg="del">
+          <ac:chgData name="Leontios Ioannou" userId="3862ae39ba703afe" providerId="LiveId" clId="{3E889210-75A3-4689-A177-88BFA7D18390}" dt="2025-04-27T14:49:36.336" v="169" actId="478"/>
+          <ac:picMkLst>
+            <pc:docMk/>
+            <pc:sldMk cId="786102608" sldId="264"/>
+            <ac:picMk id="4" creationId="{FB52FC78-1914-7574-DA02-B7662997A276}"/>
+          </ac:picMkLst>
+        </pc:picChg>
+        <pc:picChg chg="add mod">
+          <ac:chgData name="Leontios Ioannou" userId="3862ae39ba703afe" providerId="LiveId" clId="{3E889210-75A3-4689-A177-88BFA7D18390}" dt="2025-04-27T14:50:08.717" v="175" actId="1076"/>
+          <ac:picMkLst>
+            <pc:docMk/>
+            <pc:sldMk cId="786102608" sldId="264"/>
+            <ac:picMk id="5" creationId="{E7C247A5-6A32-6D8B-796D-8A5691F134B1}"/>
+          </ac:picMkLst>
+        </pc:picChg>
+        <pc:picChg chg="del mod">
+          <ac:chgData name="Leontios Ioannou" userId="3862ae39ba703afe" providerId="LiveId" clId="{3E889210-75A3-4689-A177-88BFA7D18390}" dt="2025-04-27T14:49:35.310" v="168" actId="478"/>
+          <ac:picMkLst>
+            <pc:docMk/>
+            <pc:sldMk cId="786102608" sldId="264"/>
+            <ac:picMk id="6" creationId="{47C02374-70CE-ACA7-6FEB-4B6146001086}"/>
+          </ac:picMkLst>
+        </pc:picChg>
+      </pc:sldChg>
+      <pc:sldChg chg="addSp delSp modSp mod">
+        <pc:chgData name="Leontios Ioannou" userId="3862ae39ba703afe" providerId="LiveId" clId="{3E889210-75A3-4689-A177-88BFA7D18390}" dt="2025-04-27T14:40:50.662" v="165" actId="27614"/>
+        <pc:sldMkLst>
+          <pc:docMk/>
+          <pc:sldMk cId="3723170335" sldId="268"/>
+        </pc:sldMkLst>
+        <pc:spChg chg="mod">
+          <ac:chgData name="Leontios Ioannou" userId="3862ae39ba703afe" providerId="LiveId" clId="{3E889210-75A3-4689-A177-88BFA7D18390}" dt="2025-04-27T14:40:45.612" v="164" actId="26606"/>
+          <ac:spMkLst>
+            <pc:docMk/>
+            <pc:sldMk cId="3723170335" sldId="268"/>
+            <ac:spMk id="2" creationId="{21E5E50E-909A-BB13-F125-3D241F293AB2}"/>
+          </ac:spMkLst>
+        </pc:spChg>
+        <pc:spChg chg="mod">
+          <ac:chgData name="Leontios Ioannou" userId="3862ae39ba703afe" providerId="LiveId" clId="{3E889210-75A3-4689-A177-88BFA7D18390}" dt="2025-04-27T14:40:45.612" v="164" actId="26606"/>
+          <ac:spMkLst>
+            <pc:docMk/>
+            <pc:sldMk cId="3723170335" sldId="268"/>
+            <ac:spMk id="4" creationId="{9F0FB099-2718-BC5B-E3D6-3DE9B85A4E9B}"/>
+          </ac:spMkLst>
+        </pc:spChg>
+        <pc:spChg chg="add del">
+          <ac:chgData name="Leontios Ioannou" userId="3862ae39ba703afe" providerId="LiveId" clId="{3E889210-75A3-4689-A177-88BFA7D18390}" dt="2025-04-27T14:40:45.612" v="164" actId="26606"/>
+          <ac:spMkLst>
+            <pc:docMk/>
+            <pc:sldMk cId="3723170335" sldId="268"/>
+            <ac:spMk id="187" creationId="{2B97F24A-32CE-4C1C-A50D-3016B394DCFB}"/>
+          </ac:spMkLst>
+        </pc:spChg>
+        <pc:spChg chg="add del">
+          <ac:chgData name="Leontios Ioannou" userId="3862ae39ba703afe" providerId="LiveId" clId="{3E889210-75A3-4689-A177-88BFA7D18390}" dt="2025-04-27T14:40:45.612" v="164" actId="26606"/>
+          <ac:spMkLst>
+            <pc:docMk/>
+            <pc:sldMk cId="3723170335" sldId="268"/>
+            <ac:spMk id="189" creationId="{CD8B4F24-440B-49E9-B85D-733523DC064B}"/>
+          </ac:spMkLst>
+        </pc:spChg>
+        <pc:spChg chg="add del">
+          <ac:chgData name="Leontios Ioannou" userId="3862ae39ba703afe" providerId="LiveId" clId="{3E889210-75A3-4689-A177-88BFA7D18390}" dt="2025-04-27T14:40:45.580" v="163" actId="26606"/>
+          <ac:spMkLst>
+            <pc:docMk/>
+            <pc:sldMk cId="3723170335" sldId="268"/>
+            <ac:spMk id="194" creationId="{201CC55D-ED54-4C5C-95E6-10947BD1103B}"/>
+          </ac:spMkLst>
+        </pc:spChg>
+        <pc:spChg chg="add del">
+          <ac:chgData name="Leontios Ioannou" userId="3862ae39ba703afe" providerId="LiveId" clId="{3E889210-75A3-4689-A177-88BFA7D18390}" dt="2025-04-27T14:40:45.580" v="163" actId="26606"/>
+          <ac:spMkLst>
+            <pc:docMk/>
+            <pc:sldMk cId="3723170335" sldId="268"/>
+            <ac:spMk id="200" creationId="{3873B707-463F-40B0-8227-E8CC6C67EB25}"/>
+          </ac:spMkLst>
+        </pc:spChg>
+        <pc:spChg chg="add del">
+          <ac:chgData name="Leontios Ioannou" userId="3862ae39ba703afe" providerId="LiveId" clId="{3E889210-75A3-4689-A177-88BFA7D18390}" dt="2025-04-27T14:40:45.580" v="163" actId="26606"/>
+          <ac:spMkLst>
+            <pc:docMk/>
+            <pc:sldMk cId="3723170335" sldId="268"/>
+            <ac:spMk id="202" creationId="{C13237C8-E62C-4F0D-A318-BD6FB6C2D138}"/>
+          </ac:spMkLst>
+        </pc:spChg>
+        <pc:spChg chg="add del">
+          <ac:chgData name="Leontios Ioannou" userId="3862ae39ba703afe" providerId="LiveId" clId="{3E889210-75A3-4689-A177-88BFA7D18390}" dt="2025-04-27T14:40:45.580" v="163" actId="26606"/>
+          <ac:spMkLst>
+            <pc:docMk/>
+            <pc:sldMk cId="3723170335" sldId="268"/>
+            <ac:spMk id="204" creationId="{19C9EAEA-39D0-4B0E-A0EB-51E7B26740B1}"/>
+          </ac:spMkLst>
+        </pc:spChg>
+        <pc:spChg chg="add">
+          <ac:chgData name="Leontios Ioannou" userId="3862ae39ba703afe" providerId="LiveId" clId="{3E889210-75A3-4689-A177-88BFA7D18390}" dt="2025-04-27T14:40:45.612" v="164" actId="26606"/>
+          <ac:spMkLst>
+            <pc:docMk/>
+            <pc:sldMk cId="3723170335" sldId="268"/>
+            <ac:spMk id="206" creationId="{DBC6133C-0615-4CE4-9132-37E609A9BDFA}"/>
+          </ac:spMkLst>
+        </pc:spChg>
+        <pc:spChg chg="add">
+          <ac:chgData name="Leontios Ioannou" userId="3862ae39ba703afe" providerId="LiveId" clId="{3E889210-75A3-4689-A177-88BFA7D18390}" dt="2025-04-27T14:40:45.612" v="164" actId="26606"/>
+          <ac:spMkLst>
+            <pc:docMk/>
+            <pc:sldMk cId="3723170335" sldId="268"/>
+            <ac:spMk id="207" creationId="{169CC832-2974-4E8D-90ED-3E2941BA7336}"/>
+          </ac:spMkLst>
+        </pc:spChg>
+        <pc:spChg chg="add">
+          <ac:chgData name="Leontios Ioannou" userId="3862ae39ba703afe" providerId="LiveId" clId="{3E889210-75A3-4689-A177-88BFA7D18390}" dt="2025-04-27T14:40:45.612" v="164" actId="26606"/>
+          <ac:spMkLst>
+            <pc:docMk/>
+            <pc:sldMk cId="3723170335" sldId="268"/>
+            <ac:spMk id="208" creationId="{55222F96-971A-4F90-B841-6BAB416C7AC1}"/>
+          </ac:spMkLst>
+        </pc:spChg>
+        <pc:spChg chg="add">
+          <ac:chgData name="Leontios Ioannou" userId="3862ae39ba703afe" providerId="LiveId" clId="{3E889210-75A3-4689-A177-88BFA7D18390}" dt="2025-04-27T14:40:45.612" v="164" actId="26606"/>
+          <ac:spMkLst>
+            <pc:docMk/>
+            <pc:sldMk cId="3723170335" sldId="268"/>
+            <ac:spMk id="209" creationId="{08980754-6F4B-43C9-B9BE-127B6BED6586}"/>
+          </ac:spMkLst>
+        </pc:spChg>
+        <pc:spChg chg="add">
+          <ac:chgData name="Leontios Ioannou" userId="3862ae39ba703afe" providerId="LiveId" clId="{3E889210-75A3-4689-A177-88BFA7D18390}" dt="2025-04-27T14:40:45.612" v="164" actId="26606"/>
+          <ac:spMkLst>
+            <pc:docMk/>
+            <pc:sldMk cId="3723170335" sldId="268"/>
+            <ac:spMk id="210" creationId="{2C1BBA94-3F40-40AA-8BB9-E69E25E537C1}"/>
+          </ac:spMkLst>
+        </pc:spChg>
+        <pc:grpChg chg="add del">
+          <ac:chgData name="Leontios Ioannou" userId="3862ae39ba703afe" providerId="LiveId" clId="{3E889210-75A3-4689-A177-88BFA7D18390}" dt="2025-04-27T14:40:45.580" v="163" actId="26606"/>
+          <ac:grpSpMkLst>
+            <pc:docMk/>
+            <pc:sldMk cId="3723170335" sldId="268"/>
+            <ac:grpSpMk id="196" creationId="{1DE889C7-FAD6-4397-98E2-05D503484459}"/>
+          </ac:grpSpMkLst>
+        </pc:grpChg>
+        <pc:picChg chg="mod">
+          <ac:chgData name="Leontios Ioannou" userId="3862ae39ba703afe" providerId="LiveId" clId="{3E889210-75A3-4689-A177-88BFA7D18390}" dt="2025-04-27T14:40:50.662" v="165" actId="27614"/>
+          <ac:picMkLst>
+            <pc:docMk/>
+            <pc:sldMk cId="3723170335" sldId="268"/>
+            <ac:picMk id="9" creationId="{0540F6EB-B938-33E5-59AE-FE51E7DEF6F3}"/>
+          </ac:picMkLst>
+        </pc:picChg>
+      </pc:sldChg>
+      <pc:sldChg chg="modSp mod">
+        <pc:chgData name="Leontios Ioannou" userId="3862ae39ba703afe" providerId="LiveId" clId="{3E889210-75A3-4689-A177-88BFA7D18390}" dt="2025-04-27T15:16:43.702" v="248" actId="20577"/>
+        <pc:sldMkLst>
+          <pc:docMk/>
+          <pc:sldMk cId="3412411108" sldId="282"/>
+        </pc:sldMkLst>
+        <pc:spChg chg="mod">
+          <ac:chgData name="Leontios Ioannou" userId="3862ae39ba703afe" providerId="LiveId" clId="{3E889210-75A3-4689-A177-88BFA7D18390}" dt="2025-04-27T15:16:43.702" v="248" actId="20577"/>
+          <ac:spMkLst>
+            <pc:docMk/>
+            <pc:sldMk cId="3412411108" sldId="282"/>
+            <ac:spMk id="5" creationId="{5A010DEC-1D00-752D-BB26-389828CF6044}"/>
+          </ac:spMkLst>
+        </pc:spChg>
+      </pc:sldChg>
+      <pc:sldChg chg="modSp mod">
+        <pc:chgData name="Leontios Ioannou" userId="3862ae39ba703afe" providerId="LiveId" clId="{3E889210-75A3-4689-A177-88BFA7D18390}" dt="2025-04-27T15:18:58.043" v="252" actId="20577"/>
+        <pc:sldMkLst>
+          <pc:docMk/>
+          <pc:sldMk cId="3266595848" sldId="286"/>
+        </pc:sldMkLst>
+        <pc:spChg chg="mod">
+          <ac:chgData name="Leontios Ioannou" userId="3862ae39ba703afe" providerId="LiveId" clId="{3E889210-75A3-4689-A177-88BFA7D18390}" dt="2025-04-27T15:18:58.043" v="252" actId="20577"/>
+          <ac:spMkLst>
+            <pc:docMk/>
+            <pc:sldMk cId="3266595848" sldId="286"/>
+            <ac:spMk id="5" creationId="{56ADF770-BA64-F5A2-C32A-2D987836C94C}"/>
+          </ac:spMkLst>
+        </pc:spChg>
+      </pc:sldChg>
+      <pc:sldChg chg="addSp delSp modSp add del mod ord">
+        <pc:chgData name="Leontios Ioannou" userId="3862ae39ba703afe" providerId="LiveId" clId="{3E889210-75A3-4689-A177-88BFA7D18390}" dt="2025-04-27T14:32:54.569" v="66" actId="47"/>
+        <pc:sldMkLst>
+          <pc:docMk/>
+          <pc:sldMk cId="62285308" sldId="289"/>
+        </pc:sldMkLst>
+        <pc:spChg chg="mod">
+          <ac:chgData name="Leontios Ioannou" userId="3862ae39ba703afe" providerId="LiveId" clId="{3E889210-75A3-4689-A177-88BFA7D18390}" dt="2025-04-27T14:31:19.920" v="57" actId="20577"/>
+          <ac:spMkLst>
+            <pc:docMk/>
+            <pc:sldMk cId="62285308" sldId="289"/>
+            <ac:spMk id="2" creationId="{DB49EED8-4506-5136-07C2-ABAB1D56B40E}"/>
+          </ac:spMkLst>
+        </pc:spChg>
+        <pc:spChg chg="add">
+          <ac:chgData name="Leontios Ioannou" userId="3862ae39ba703afe" providerId="LiveId" clId="{3E889210-75A3-4689-A177-88BFA7D18390}" dt="2025-04-27T14:30:16.773" v="36"/>
+          <ac:spMkLst>
+            <pc:docMk/>
+            <pc:sldMk cId="62285308" sldId="289"/>
+            <ac:spMk id="3" creationId="{A13B0E63-92D4-9706-0E22-E4889B1DF5E3}"/>
+          </ac:spMkLst>
+        </pc:spChg>
+        <pc:spChg chg="add">
+          <ac:chgData name="Leontios Ioannou" userId="3862ae39ba703afe" providerId="LiveId" clId="{3E889210-75A3-4689-A177-88BFA7D18390}" dt="2025-04-27T14:30:19.920" v="38"/>
+          <ac:spMkLst>
+            <pc:docMk/>
+            <pc:sldMk cId="62285308" sldId="289"/>
+            <ac:spMk id="4" creationId="{A814F609-2A8D-442B-85C0-AD85366B55F1}"/>
+          </ac:spMkLst>
+        </pc:spChg>
+        <pc:spChg chg="add">
+          <ac:chgData name="Leontios Ioannou" userId="3862ae39ba703afe" providerId="LiveId" clId="{3E889210-75A3-4689-A177-88BFA7D18390}" dt="2025-04-27T14:30:25.225" v="41"/>
+          <ac:spMkLst>
+            <pc:docMk/>
+            <pc:sldMk cId="62285308" sldId="289"/>
+            <ac:spMk id="5" creationId="{577640E8-AD3C-F2D7-3B79-DF79207226F5}"/>
+          </ac:spMkLst>
+        </pc:spChg>
+        <pc:spChg chg="add del mod">
+          <ac:chgData name="Leontios Ioannou" userId="3862ae39ba703afe" providerId="LiveId" clId="{3E889210-75A3-4689-A177-88BFA7D18390}" dt="2025-04-27T14:32:52.982" v="65"/>
+          <ac:spMkLst>
+            <pc:docMk/>
+            <pc:sldMk cId="62285308" sldId="289"/>
+            <ac:spMk id="7" creationId="{6353B900-D8EF-3BDC-D8D8-0C14EE1383A6}"/>
+          </ac:spMkLst>
+        </pc:spChg>
+        <pc:spChg chg="del mod">
+          <ac:chgData name="Leontios Ioannou" userId="3862ae39ba703afe" providerId="LiveId" clId="{3E889210-75A3-4689-A177-88BFA7D18390}" dt="2025-04-27T14:30:36.414" v="46" actId="478"/>
+          <ac:spMkLst>
+            <pc:docMk/>
+            <pc:sldMk cId="62285308" sldId="289"/>
+            <ac:spMk id="10" creationId="{4229FD32-6046-0A2E-D06F-C125006D486F}"/>
+          </ac:spMkLst>
+        </pc:spChg>
+        <pc:graphicFrameChg chg="del">
+          <ac:chgData name="Leontios Ioannou" userId="3862ae39ba703afe" providerId="LiveId" clId="{3E889210-75A3-4689-A177-88BFA7D18390}" dt="2025-04-27T14:31:37.606" v="58" actId="478"/>
+          <ac:graphicFrameMkLst>
+            <pc:docMk/>
+            <pc:sldMk cId="62285308" sldId="289"/>
+            <ac:graphicFrameMk id="9" creationId="{1A9446E3-465F-226D-EABB-F009FC5D9AD5}"/>
+          </ac:graphicFrameMkLst>
+        </pc:graphicFrameChg>
+      </pc:sldChg>
+      <pc:sldChg chg="add del">
+        <pc:chgData name="Leontios Ioannou" userId="3862ae39ba703afe" providerId="LiveId" clId="{3E889210-75A3-4689-A177-88BFA7D18390}" dt="2025-04-27T14:27:35.131" v="1" actId="47"/>
+        <pc:sldMkLst>
+          <pc:docMk/>
+          <pc:sldMk cId="2001582873" sldId="289"/>
+        </pc:sldMkLst>
+      </pc:sldChg>
+      <pc:sldChg chg="addSp delSp modSp add mod ord">
+        <pc:chgData name="Leontios Ioannou" userId="3862ae39ba703afe" providerId="LiveId" clId="{3E889210-75A3-4689-A177-88BFA7D18390}" dt="2025-04-27T14:37:58.932" v="161" actId="113"/>
+        <pc:sldMkLst>
+          <pc:docMk/>
+          <pc:sldMk cId="2036693798" sldId="289"/>
+        </pc:sldMkLst>
+        <pc:spChg chg="mod">
+          <ac:chgData name="Leontios Ioannou" userId="3862ae39ba703afe" providerId="LiveId" clId="{3E889210-75A3-4689-A177-88BFA7D18390}" dt="2025-04-27T14:36:10.204" v="129" actId="26606"/>
+          <ac:spMkLst>
+            <pc:docMk/>
+            <pc:sldMk cId="2036693798" sldId="289"/>
+            <ac:spMk id="2" creationId="{82F114D2-5C42-18D6-025A-BE1B0A3F4B2F}"/>
+          </ac:spMkLst>
+        </pc:spChg>
+        <pc:spChg chg="mod">
+          <ac:chgData name="Leontios Ioannou" userId="3862ae39ba703afe" providerId="LiveId" clId="{3E889210-75A3-4689-A177-88BFA7D18390}" dt="2025-04-27T14:37:58.932" v="161" actId="113"/>
+          <ac:spMkLst>
+            <pc:docMk/>
+            <pc:sldMk cId="2036693798" sldId="289"/>
+            <ac:spMk id="4" creationId="{35E56C8B-92EA-60C8-1BFF-741263EE2A35}"/>
+          </ac:spMkLst>
+        </pc:spChg>
+        <pc:spChg chg="add del">
+          <ac:chgData name="Leontios Ioannou" userId="3862ae39ba703afe" providerId="LiveId" clId="{3E889210-75A3-4689-A177-88BFA7D18390}" dt="2025-04-27T14:35:12.517" v="120" actId="26606"/>
+          <ac:spMkLst>
+            <pc:docMk/>
+            <pc:sldMk cId="2036693798" sldId="289"/>
+            <ac:spMk id="130" creationId="{032D4E58-3B2B-DDF9-668A-804FBAAA3F6D}"/>
+          </ac:spMkLst>
+        </pc:spChg>
+        <pc:spChg chg="add del">
+          <ac:chgData name="Leontios Ioannou" userId="3862ae39ba703afe" providerId="LiveId" clId="{3E889210-75A3-4689-A177-88BFA7D18390}" dt="2025-04-27T14:35:12.517" v="120" actId="26606"/>
+          <ac:spMkLst>
+            <pc:docMk/>
+            <pc:sldMk cId="2036693798" sldId="289"/>
+            <ac:spMk id="137" creationId="{ABEAE098-8F32-4B86-71CF-EDD44E9CDAE9}"/>
+          </ac:spMkLst>
+        </pc:spChg>
+        <pc:spChg chg="add del">
+          <ac:chgData name="Leontios Ioannou" userId="3862ae39ba703afe" providerId="LiveId" clId="{3E889210-75A3-4689-A177-88BFA7D18390}" dt="2025-04-27T14:36:10.204" v="129" actId="26606"/>
+          <ac:spMkLst>
+            <pc:docMk/>
+            <pc:sldMk cId="2036693798" sldId="289"/>
+            <ac:spMk id="144" creationId="{081EA652-8C6A-4E69-BEB9-170809474553}"/>
+          </ac:spMkLst>
+        </pc:spChg>
+        <pc:spChg chg="add del">
+          <ac:chgData name="Leontios Ioannou" userId="3862ae39ba703afe" providerId="LiveId" clId="{3E889210-75A3-4689-A177-88BFA7D18390}" dt="2025-04-27T14:34:17.247" v="116" actId="26606"/>
+          <ac:spMkLst>
+            <pc:docMk/>
+            <pc:sldMk cId="2036693798" sldId="289"/>
+            <ac:spMk id="145" creationId="{9F7D5CDA-D291-4307-BF55-1381FED29634}"/>
+          </ac:spMkLst>
+        </pc:spChg>
+        <pc:spChg chg="add del">
+          <ac:chgData name="Leontios Ioannou" userId="3862ae39ba703afe" providerId="LiveId" clId="{3E889210-75A3-4689-A177-88BFA7D18390}" dt="2025-04-27T14:36:10.204" v="129" actId="26606"/>
+          <ac:spMkLst>
+            <pc:docMk/>
+            <pc:sldMk cId="2036693798" sldId="289"/>
+            <ac:spMk id="146" creationId="{5298780A-33B9-4EA2-8F67-DE68AD62841B}"/>
+          </ac:spMkLst>
+        </pc:spChg>
+        <pc:spChg chg="add del">
+          <ac:chgData name="Leontios Ioannou" userId="3862ae39ba703afe" providerId="LiveId" clId="{3E889210-75A3-4689-A177-88BFA7D18390}" dt="2025-04-27T14:34:17.247" v="116" actId="26606"/>
+          <ac:spMkLst>
+            <pc:docMk/>
+            <pc:sldMk cId="2036693798" sldId="289"/>
+            <ac:spMk id="147" creationId="{59B296B9-C5A5-4E4F-9B60-C907B5F1466C}"/>
+          </ac:spMkLst>
+        </pc:spChg>
+        <pc:spChg chg="add del">
+          <ac:chgData name="Leontios Ioannou" userId="3862ae39ba703afe" providerId="LiveId" clId="{3E889210-75A3-4689-A177-88BFA7D18390}" dt="2025-04-27T14:36:10.204" v="129" actId="26606"/>
+          <ac:spMkLst>
+            <pc:docMk/>
+            <pc:sldMk cId="2036693798" sldId="289"/>
+            <ac:spMk id="148" creationId="{7F488E8B-4E1E-4402-8935-D4E6C02615C7}"/>
+          </ac:spMkLst>
+        </pc:spChg>
+        <pc:spChg chg="add del">
+          <ac:chgData name="Leontios Ioannou" userId="3862ae39ba703afe" providerId="LiveId" clId="{3E889210-75A3-4689-A177-88BFA7D18390}" dt="2025-04-27T14:34:17.247" v="116" actId="26606"/>
+          <ac:spMkLst>
+            <pc:docMk/>
+            <pc:sldMk cId="2036693798" sldId="289"/>
+            <ac:spMk id="149" creationId="{D0300FD3-5AF1-6305-15FA-9078072672E2}"/>
+          </ac:spMkLst>
+        </pc:spChg>
+        <pc:spChg chg="add del">
+          <ac:chgData name="Leontios Ioannou" userId="3862ae39ba703afe" providerId="LiveId" clId="{3E889210-75A3-4689-A177-88BFA7D18390}" dt="2025-04-27T14:37:04.912" v="143" actId="26606"/>
+          <ac:spMkLst>
+            <pc:docMk/>
+            <pc:sldMk cId="2036693798" sldId="289"/>
+            <ac:spMk id="155" creationId="{081EA652-8C6A-4E69-BEB9-170809474553}"/>
+          </ac:spMkLst>
+        </pc:spChg>
+        <pc:spChg chg="add del">
+          <ac:chgData name="Leontios Ioannou" userId="3862ae39ba703afe" providerId="LiveId" clId="{3E889210-75A3-4689-A177-88BFA7D18390}" dt="2025-04-27T14:37:04.912" v="143" actId="26606"/>
+          <ac:spMkLst>
+            <pc:docMk/>
+            <pc:sldMk cId="2036693798" sldId="289"/>
+            <ac:spMk id="157" creationId="{5298780A-33B9-4EA2-8F67-DE68AD62841B}"/>
+          </ac:spMkLst>
+        </pc:spChg>
+        <pc:spChg chg="add del">
+          <ac:chgData name="Leontios Ioannou" userId="3862ae39ba703afe" providerId="LiveId" clId="{3E889210-75A3-4689-A177-88BFA7D18390}" dt="2025-04-27T14:37:04.912" v="143" actId="26606"/>
+          <ac:spMkLst>
+            <pc:docMk/>
+            <pc:sldMk cId="2036693798" sldId="289"/>
+            <ac:spMk id="159" creationId="{7F488E8B-4E1E-4402-8935-D4E6C02615C7}"/>
+          </ac:spMkLst>
+        </pc:spChg>
+        <pc:spChg chg="add">
+          <ac:chgData name="Leontios Ioannou" userId="3862ae39ba703afe" providerId="LiveId" clId="{3E889210-75A3-4689-A177-88BFA7D18390}" dt="2025-04-27T14:37:04.912" v="143" actId="26606"/>
+          <ac:spMkLst>
+            <pc:docMk/>
+            <pc:sldMk cId="2036693798" sldId="289"/>
+            <ac:spMk id="164" creationId="{081EA652-8C6A-4E69-BEB9-170809474553}"/>
+          </ac:spMkLst>
+        </pc:spChg>
+        <pc:spChg chg="add">
+          <ac:chgData name="Leontios Ioannou" userId="3862ae39ba703afe" providerId="LiveId" clId="{3E889210-75A3-4689-A177-88BFA7D18390}" dt="2025-04-27T14:37:04.912" v="143" actId="26606"/>
+          <ac:spMkLst>
+            <pc:docMk/>
+            <pc:sldMk cId="2036693798" sldId="289"/>
+            <ac:spMk id="166" creationId="{5298780A-33B9-4EA2-8F67-DE68AD62841B}"/>
+          </ac:spMkLst>
+        </pc:spChg>
+        <pc:spChg chg="add">
+          <ac:chgData name="Leontios Ioannou" userId="3862ae39ba703afe" providerId="LiveId" clId="{3E889210-75A3-4689-A177-88BFA7D18390}" dt="2025-04-27T14:37:04.912" v="143" actId="26606"/>
+          <ac:spMkLst>
+            <pc:docMk/>
+            <pc:sldMk cId="2036693798" sldId="289"/>
+            <ac:spMk id="168" creationId="{7F488E8B-4E1E-4402-8935-D4E6C02615C7}"/>
+          </ac:spMkLst>
+        </pc:spChg>
+        <pc:grpChg chg="add del">
+          <ac:chgData name="Leontios Ioannou" userId="3862ae39ba703afe" providerId="LiveId" clId="{3E889210-75A3-4689-A177-88BFA7D18390}" dt="2025-04-27T14:35:12.517" v="120" actId="26606"/>
+          <ac:grpSpMkLst>
+            <pc:docMk/>
+            <pc:sldMk cId="2036693798" sldId="289"/>
+            <ac:grpSpMk id="132" creationId="{ABDA8E0B-4CB0-818B-A2DC-2576E69A9857}"/>
+          </ac:grpSpMkLst>
+        </pc:grpChg>
+        <pc:picChg chg="add del">
+          <ac:chgData name="Leontios Ioannou" userId="3862ae39ba703afe" providerId="LiveId" clId="{3E889210-75A3-4689-A177-88BFA7D18390}" dt="2025-04-27T14:34:17.247" v="116" actId="26606"/>
+          <ac:picMkLst>
+            <pc:docMk/>
+            <pc:sldMk cId="2036693798" sldId="289"/>
+            <ac:picMk id="141" creationId="{2CD6ACDD-E15A-9AE1-711F-66C05F678F2E}"/>
+          </ac:picMkLst>
+        </pc:picChg>
+        <pc:cxnChg chg="add del">
+          <ac:chgData name="Leontios Ioannou" userId="3862ae39ba703afe" providerId="LiveId" clId="{3E889210-75A3-4689-A177-88BFA7D18390}" dt="2025-04-27T14:35:12.517" v="120" actId="26606"/>
+          <ac:cxnSpMkLst>
+            <pc:docMk/>
+            <pc:sldMk cId="2036693798" sldId="289"/>
+            <ac:cxnSpMk id="139" creationId="{C70E3581-B4BF-6E48-3ED2-BB9DB9F75EE8}"/>
+          </ac:cxnSpMkLst>
+        </pc:cxnChg>
+        <pc:cxnChg chg="add del">
+          <ac:chgData name="Leontios Ioannou" userId="3862ae39ba703afe" providerId="LiveId" clId="{3E889210-75A3-4689-A177-88BFA7D18390}" dt="2025-04-27T14:36:10.204" v="129" actId="26606"/>
+          <ac:cxnSpMkLst>
+            <pc:docMk/>
+            <pc:sldMk cId="2036693798" sldId="289"/>
+            <ac:cxnSpMk id="150" creationId="{23AAC9B5-8015-485C-ACF9-A750390E9A56}"/>
+          </ac:cxnSpMkLst>
+        </pc:cxnChg>
+      </pc:sldChg>
+      <pc:sldChg chg="addSp delSp modSp add mod ord">
+        <pc:chgData name="Leontios Ioannou" userId="3862ae39ba703afe" providerId="LiveId" clId="{3E889210-75A3-4689-A177-88BFA7D18390}" dt="2025-04-27T15:08:28.955" v="244" actId="403"/>
+        <pc:sldMkLst>
+          <pc:docMk/>
+          <pc:sldMk cId="414768739" sldId="290"/>
+        </pc:sldMkLst>
+        <pc:spChg chg="mod">
+          <ac:chgData name="Leontios Ioannou" userId="3862ae39ba703afe" providerId="LiveId" clId="{3E889210-75A3-4689-A177-88BFA7D18390}" dt="2025-04-27T15:07:23.255" v="233" actId="26606"/>
+          <ac:spMkLst>
+            <pc:docMk/>
+            <pc:sldMk cId="414768739" sldId="290"/>
+            <ac:spMk id="2" creationId="{9F12D576-D42B-010E-24EE-919CB5F8974D}"/>
+          </ac:spMkLst>
+        </pc:spChg>
+        <pc:spChg chg="add">
+          <ac:chgData name="Leontios Ioannou" userId="3862ae39ba703afe" providerId="LiveId" clId="{3E889210-75A3-4689-A177-88BFA7D18390}" dt="2025-04-27T15:06:28.167" v="220"/>
+          <ac:spMkLst>
+            <pc:docMk/>
+            <pc:sldMk cId="414768739" sldId="290"/>
+            <ac:spMk id="4" creationId="{B0FCCDFD-DDF6-629B-DB12-764EAB2544F8}"/>
+          </ac:spMkLst>
+        </pc:spChg>
+        <pc:spChg chg="add">
+          <ac:chgData name="Leontios Ioannou" userId="3862ae39ba703afe" providerId="LiveId" clId="{3E889210-75A3-4689-A177-88BFA7D18390}" dt="2025-04-27T15:06:30.881" v="222"/>
+          <ac:spMkLst>
+            <pc:docMk/>
+            <pc:sldMk cId="414768739" sldId="290"/>
+            <ac:spMk id="5" creationId="{763A4A64-F261-09FA-D431-031E46207AAA}"/>
+          </ac:spMkLst>
+        </pc:spChg>
+        <pc:spChg chg="add">
+          <ac:chgData name="Leontios Ioannou" userId="3862ae39ba703afe" providerId="LiveId" clId="{3E889210-75A3-4689-A177-88BFA7D18390}" dt="2025-04-27T15:06:35.002" v="223"/>
+          <ac:spMkLst>
+            <pc:docMk/>
+            <pc:sldMk cId="414768739" sldId="290"/>
+            <ac:spMk id="6" creationId="{AD4E57B1-B6EC-EB54-DF81-A558ACFD8C3B}"/>
+          </ac:spMkLst>
+        </pc:spChg>
+        <pc:spChg chg="add mod">
+          <ac:chgData name="Leontios Ioannou" userId="3862ae39ba703afe" providerId="LiveId" clId="{3E889210-75A3-4689-A177-88BFA7D18390}" dt="2025-04-27T15:06:36.774" v="225"/>
+          <ac:spMkLst>
+            <pc:docMk/>
+            <pc:sldMk cId="414768739" sldId="290"/>
+            <ac:spMk id="7" creationId="{F6CAE592-82E2-BF6B-3D24-82A9102DB2DE}"/>
+          </ac:spMkLst>
+        </pc:spChg>
+        <pc:spChg chg="add mod">
+          <ac:chgData name="Leontios Ioannou" userId="3862ae39ba703afe" providerId="LiveId" clId="{3E889210-75A3-4689-A177-88BFA7D18390}" dt="2025-04-27T15:08:28.955" v="244" actId="403"/>
+          <ac:spMkLst>
+            <pc:docMk/>
+            <pc:sldMk cId="414768739" sldId="290"/>
+            <ac:spMk id="8" creationId="{D55B018D-64A7-C4A9-5E5A-BB89BC88FC78}"/>
+          </ac:spMkLst>
+        </pc:spChg>
+        <pc:spChg chg="del mod">
+          <ac:chgData name="Leontios Ioannou" userId="3862ae39ba703afe" providerId="LiveId" clId="{3E889210-75A3-4689-A177-88BFA7D18390}" dt="2025-04-27T15:06:40.453" v="227"/>
+          <ac:spMkLst>
+            <pc:docMk/>
+            <pc:sldMk cId="414768739" sldId="290"/>
+            <ac:spMk id="23" creationId="{8823A221-A43C-C50E-F74F-1431FA6CE55C}"/>
+          </ac:spMkLst>
+        </pc:spChg>
+        <pc:spChg chg="del">
+          <ac:chgData name="Leontios Ioannou" userId="3862ae39ba703afe" providerId="LiveId" clId="{3E889210-75A3-4689-A177-88BFA7D18390}" dt="2025-04-27T15:07:23.255" v="233" actId="26606"/>
+          <ac:spMkLst>
+            <pc:docMk/>
+            <pc:sldMk cId="414768739" sldId="290"/>
+            <ac:spMk id="140" creationId="{68F6B9E9-F496-439A-1193-3E8CDD818D31}"/>
+          </ac:spMkLst>
+        </pc:spChg>
+        <pc:spChg chg="del">
+          <ac:chgData name="Leontios Ioannou" userId="3862ae39ba703afe" providerId="LiveId" clId="{3E889210-75A3-4689-A177-88BFA7D18390}" dt="2025-04-27T15:07:23.255" v="233" actId="26606"/>
+          <ac:spMkLst>
+            <pc:docMk/>
+            <pc:sldMk cId="414768739" sldId="290"/>
+            <ac:spMk id="142" creationId="{EF428250-312A-3149-9211-DA8DBF0E0169}"/>
+          </ac:spMkLst>
+        </pc:spChg>
+        <pc:spChg chg="del">
+          <ac:chgData name="Leontios Ioannou" userId="3862ae39ba703afe" providerId="LiveId" clId="{3E889210-75A3-4689-A177-88BFA7D18390}" dt="2025-04-27T15:07:23.255" v="233" actId="26606"/>
+          <ac:spMkLst>
+            <pc:docMk/>
+            <pc:sldMk cId="414768739" sldId="290"/>
+            <ac:spMk id="144" creationId="{40076CB2-3408-F381-AE6B-54322398A1E2}"/>
+          </ac:spMkLst>
+        </pc:spChg>
+        <pc:spChg chg="del">
+          <ac:chgData name="Leontios Ioannou" userId="3862ae39ba703afe" providerId="LiveId" clId="{3E889210-75A3-4689-A177-88BFA7D18390}" dt="2025-04-27T15:07:23.255" v="233" actId="26606"/>
+          <ac:spMkLst>
+            <pc:docMk/>
+            <pc:sldMk cId="414768739" sldId="290"/>
+            <ac:spMk id="146" creationId="{34E318ED-F99A-DE17-8CEF-17A26849FBE0}"/>
+          </ac:spMkLst>
+        </pc:spChg>
+        <pc:spChg chg="add del">
+          <ac:chgData name="Leontios Ioannou" userId="3862ae39ba703afe" providerId="LiveId" clId="{3E889210-75A3-4689-A177-88BFA7D18390}" dt="2025-04-27T15:08:23.527" v="243" actId="26606"/>
+          <ac:spMkLst>
+            <pc:docMk/>
+            <pc:sldMk cId="414768739" sldId="290"/>
+            <ac:spMk id="151" creationId="{DBC6133C-0615-4CE4-9132-37E609A9BDFA}"/>
+          </ac:spMkLst>
+        </pc:spChg>
+        <pc:spChg chg="del">
+          <ac:chgData name="Leontios Ioannou" userId="3862ae39ba703afe" providerId="LiveId" clId="{3E889210-75A3-4689-A177-88BFA7D18390}" dt="2025-04-27T15:08:23.527" v="243" actId="26606"/>
+          <ac:spMkLst>
+            <pc:docMk/>
+            <pc:sldMk cId="414768739" sldId="290"/>
+            <ac:spMk id="153" creationId="{169CC832-2974-4E8D-90ED-3E2941BA7336}"/>
+          </ac:spMkLst>
+        </pc:spChg>
+        <pc:spChg chg="add del">
+          <ac:chgData name="Leontios Ioannou" userId="3862ae39ba703afe" providerId="LiveId" clId="{3E889210-75A3-4689-A177-88BFA7D18390}" dt="2025-04-27T15:08:23.527" v="243" actId="26606"/>
+          <ac:spMkLst>
+            <pc:docMk/>
+            <pc:sldMk cId="414768739" sldId="290"/>
+            <ac:spMk id="155" creationId="{55222F96-971A-4F90-B841-6BAB416C7AC1}"/>
+          </ac:spMkLst>
+        </pc:spChg>
+        <pc:spChg chg="add del">
+          <ac:chgData name="Leontios Ioannou" userId="3862ae39ba703afe" providerId="LiveId" clId="{3E889210-75A3-4689-A177-88BFA7D18390}" dt="2025-04-27T15:08:23.527" v="243" actId="26606"/>
+          <ac:spMkLst>
+            <pc:docMk/>
+            <pc:sldMk cId="414768739" sldId="290"/>
+            <ac:spMk id="157" creationId="{08980754-6F4B-43C9-B9BE-127B6BED6586}"/>
+          </ac:spMkLst>
+        </pc:spChg>
+        <pc:spChg chg="add del">
+          <ac:chgData name="Leontios Ioannou" userId="3862ae39ba703afe" providerId="LiveId" clId="{3E889210-75A3-4689-A177-88BFA7D18390}" dt="2025-04-27T15:08:23.527" v="243" actId="26606"/>
+          <ac:spMkLst>
+            <pc:docMk/>
+            <pc:sldMk cId="414768739" sldId="290"/>
+            <ac:spMk id="159" creationId="{2C1BBA94-3F40-40AA-8BB9-E69E25E537C1}"/>
+          </ac:spMkLst>
+        </pc:spChg>
+        <pc:spChg chg="add">
+          <ac:chgData name="Leontios Ioannou" userId="3862ae39ba703afe" providerId="LiveId" clId="{3E889210-75A3-4689-A177-88BFA7D18390}" dt="2025-04-27T15:08:23.527" v="243" actId="26606"/>
+          <ac:spMkLst>
+            <pc:docMk/>
+            <pc:sldMk cId="414768739" sldId="290"/>
+            <ac:spMk id="164" creationId="{DBC6133C-0615-4CE4-9132-37E609A9BDFA}"/>
+          </ac:spMkLst>
+        </pc:spChg>
+        <pc:spChg chg="add">
+          <ac:chgData name="Leontios Ioannou" userId="3862ae39ba703afe" providerId="LiveId" clId="{3E889210-75A3-4689-A177-88BFA7D18390}" dt="2025-04-27T15:08:23.527" v="243" actId="26606"/>
+          <ac:spMkLst>
+            <pc:docMk/>
+            <pc:sldMk cId="414768739" sldId="290"/>
+            <ac:spMk id="166" creationId="{169CC832-2974-4E8D-90ED-3E2941BA7336}"/>
+          </ac:spMkLst>
+        </pc:spChg>
+        <pc:spChg chg="add">
+          <ac:chgData name="Leontios Ioannou" userId="3862ae39ba703afe" providerId="LiveId" clId="{3E889210-75A3-4689-A177-88BFA7D18390}" dt="2025-04-27T15:08:23.527" v="243" actId="26606"/>
+          <ac:spMkLst>
+            <pc:docMk/>
+            <pc:sldMk cId="414768739" sldId="290"/>
+            <ac:spMk id="168" creationId="{55222F96-971A-4F90-B841-6BAB416C7AC1}"/>
+          </ac:spMkLst>
+        </pc:spChg>
+        <pc:spChg chg="add">
+          <ac:chgData name="Leontios Ioannou" userId="3862ae39ba703afe" providerId="LiveId" clId="{3E889210-75A3-4689-A177-88BFA7D18390}" dt="2025-04-27T15:08:23.527" v="243" actId="26606"/>
+          <ac:spMkLst>
+            <pc:docMk/>
+            <pc:sldMk cId="414768739" sldId="290"/>
+            <ac:spMk id="170" creationId="{08980754-6F4B-43C9-B9BE-127B6BED6586}"/>
+          </ac:spMkLst>
+        </pc:spChg>
+        <pc:spChg chg="add">
+          <ac:chgData name="Leontios Ioannou" userId="3862ae39ba703afe" providerId="LiveId" clId="{3E889210-75A3-4689-A177-88BFA7D18390}" dt="2025-04-27T15:08:23.527" v="243" actId="26606"/>
+          <ac:spMkLst>
+            <pc:docMk/>
+            <pc:sldMk cId="414768739" sldId="290"/>
+            <ac:spMk id="172" creationId="{2C1BBA94-3F40-40AA-8BB9-E69E25E537C1}"/>
+          </ac:spMkLst>
+        </pc:spChg>
+        <pc:picChg chg="del">
+          <ac:chgData name="Leontios Ioannou" userId="3862ae39ba703afe" providerId="LiveId" clId="{3E889210-75A3-4689-A177-88BFA7D18390}" dt="2025-04-27T15:06:43.622" v="228" actId="478"/>
+          <ac:picMkLst>
+            <pc:docMk/>
+            <pc:sldMk cId="414768739" sldId="290"/>
+            <ac:picMk id="3" creationId="{3BF3C608-45A4-4599-1071-0FD4031DE24F}"/>
+          </ac:picMkLst>
+        </pc:picChg>
+        <pc:picChg chg="add del mod">
+          <ac:chgData name="Leontios Ioannou" userId="3862ae39ba703afe" providerId="LiveId" clId="{3E889210-75A3-4689-A177-88BFA7D18390}" dt="2025-04-27T15:08:05.825" v="241" actId="478"/>
+          <ac:picMkLst>
+            <pc:docMk/>
+            <pc:sldMk cId="414768739" sldId="290"/>
+            <ac:picMk id="10" creationId="{9069A0CE-AF14-88B0-2CC0-D2388F7B6565}"/>
+          </ac:picMkLst>
+        </pc:picChg>
+        <pc:picChg chg="add">
+          <ac:chgData name="Leontios Ioannou" userId="3862ae39ba703afe" providerId="LiveId" clId="{3E889210-75A3-4689-A177-88BFA7D18390}" dt="2025-04-27T15:08:20.559" v="242" actId="22"/>
+          <ac:picMkLst>
+            <pc:docMk/>
+            <pc:sldMk cId="414768739" sldId="290"/>
+            <ac:picMk id="12" creationId="{1507FAB0-EAD1-2D21-46D9-376DAEB3BBA8}"/>
+          </ac:picMkLst>
+        </pc:picChg>
+      </pc:sldChg>
+    </pc:docChg>
+  </pc:docChgLst>
+</pc:chgInfo>
 </file>
 
 <file path=ppt/diagrams/colors1.xml><?xml version="1.0" encoding="utf-8"?>
@@ -6083,7 +6811,7 @@
           <a:p>
             <a:fld id="{6444479B-705B-4489-957E-7E8A228BDFA0}" type="datetime1">
               <a:rPr lang="en-US" smtClean="0"/>
-              <a:t>4/25/2025</a:t>
+              <a:t>4/27/2025</a:t>
             </a:fld>
             <a:endParaRPr lang="en-US"/>
           </a:p>
@@ -6253,7 +6981,7 @@
           <a:p>
             <a:fld id="{7DA38F49-B3E2-4BF0-BEC7-C30D34ABBB8D}" type="datetime1">
               <a:rPr lang="en-US" smtClean="0"/>
-              <a:t>4/25/2025</a:t>
+              <a:t>4/27/2025</a:t>
             </a:fld>
             <a:endParaRPr lang="en-US"/>
           </a:p>
@@ -6434,7 +7162,7 @@
           <a:p>
             <a:fld id="{7DA38F49-B3E2-4BF0-BEC7-C30D34ABBB8D}" type="datetime1">
               <a:rPr lang="en-US" smtClean="0"/>
-              <a:t>4/25/2025</a:t>
+              <a:t>4/27/2025</a:t>
             </a:fld>
             <a:endParaRPr lang="en-US"/>
           </a:p>
@@ -6605,7 +7333,7 @@
           <a:p>
             <a:fld id="{7DA38F49-B3E2-4BF0-BEC7-C30D34ABBB8D}" type="datetime1">
               <a:rPr lang="en-US" smtClean="0"/>
-              <a:t>4/25/2025</a:t>
+              <a:t>4/27/2025</a:t>
             </a:fld>
             <a:endParaRPr lang="en-US"/>
           </a:p>
@@ -6852,7 +7580,7 @@
           <a:p>
             <a:fld id="{F9504452-5DCC-4FE2-A5C9-8A5EF6714D65}" type="datetime1">
               <a:rPr lang="en-US" smtClean="0"/>
-              <a:t>4/25/2025</a:t>
+              <a:t>4/27/2025</a:t>
             </a:fld>
             <a:endParaRPr lang="en-US"/>
           </a:p>
@@ -7084,7 +7812,7 @@
           <a:p>
             <a:fld id="{7DA38F49-B3E2-4BF0-BEC7-C30D34ABBB8D}" type="datetime1">
               <a:rPr lang="en-US" smtClean="0"/>
-              <a:t>4/25/2025</a:t>
+              <a:t>4/27/2025</a:t>
             </a:fld>
             <a:endParaRPr lang="en-US"/>
           </a:p>
@@ -7452,7 +8180,7 @@
           <a:p>
             <a:fld id="{7DA38F49-B3E2-4BF0-BEC7-C30D34ABBB8D}" type="datetime1">
               <a:rPr lang="en-US" smtClean="0"/>
-              <a:t>4/25/2025</a:t>
+              <a:t>4/27/2025</a:t>
             </a:fld>
             <a:endParaRPr lang="en-US"/>
           </a:p>
@@ -7571,7 +8299,7 @@
           <a:p>
             <a:fld id="{BE15BF18-0007-481C-AA29-413124BC3EE7}" type="datetime1">
               <a:rPr lang="en-US" smtClean="0"/>
-              <a:t>4/25/2025</a:t>
+              <a:t>4/27/2025</a:t>
             </a:fld>
             <a:endParaRPr lang="en-US"/>
           </a:p>
@@ -7666,7 +8394,7 @@
           <a:p>
             <a:fld id="{09BE9870-3748-43AD-B547-02A075CB4A1D}" type="datetime1">
               <a:rPr lang="en-US" smtClean="0"/>
-              <a:t>4/25/2025</a:t>
+              <a:t>4/27/2025</a:t>
             </a:fld>
             <a:endParaRPr lang="en-US"/>
           </a:p>
@@ -7943,7 +8671,7 @@
           <a:p>
             <a:fld id="{7DA38F49-B3E2-4BF0-BEC7-C30D34ABBB8D}" type="datetime1">
               <a:rPr lang="en-US" smtClean="0"/>
-              <a:t>4/25/2025</a:t>
+              <a:t>4/27/2025</a:t>
             </a:fld>
             <a:endParaRPr lang="en-US"/>
           </a:p>
@@ -8201,7 +8929,7 @@
           <a:p>
             <a:fld id="{82E171BA-CC09-47C8-A6DF-F5C5CB59CEEC}" type="datetime1">
               <a:rPr lang="en-US" smtClean="0"/>
-              <a:t>4/25/2025</a:t>
+              <a:t>4/27/2025</a:t>
             </a:fld>
             <a:endParaRPr lang="en-US"/>
           </a:p>
@@ -8414,7 +9142,7 @@
           <a:p>
             <a:fld id="{7DA38F49-B3E2-4BF0-BEC7-C30D34ABBB8D}" type="datetime1">
               <a:rPr lang="en-US" smtClean="0"/>
-              <a:t>4/25/2025</a:t>
+              <a:t>4/27/2025</a:t>
             </a:fld>
             <a:endParaRPr lang="en-US"/>
           </a:p>
@@ -9820,10 +10548,10 @@
       </p:grpSpPr>
       <p:sp useBgFill="1">
         <p:nvSpPr>
-          <p:cNvPr id="187" name="Rectangle 186">
+          <p:cNvPr id="206" name="Rectangle 205">
             <a:extLst>
               <a:ext uri="{FF2B5EF4-FFF2-40B4-BE49-F238E27FC236}">
-                <a16:creationId xmlns:a16="http://schemas.microsoft.com/office/drawing/2014/main" id="{2B97F24A-32CE-4C1C-A50D-3016B394DCFB}"/>
+                <a16:creationId xmlns:a16="http://schemas.microsoft.com/office/drawing/2014/main" id="{DBC6133C-0615-4CE4-9132-37E609A9BDFA}"/>
               </a:ext>
               <a:ext uri="{C183D7F6-B498-43B3-948B-1728B52AA6E4}">
                 <adec:decorative xmlns:adec="http://schemas.microsoft.com/office/drawing/2017/decorative" val="1"/>
@@ -9844,7 +10572,7 @@
         <p:spPr>
           <a:xfrm>
             <a:off x="0" y="0"/>
-            <a:ext cx="12192000" cy="6858000"/>
+            <a:ext cx="12191999" cy="6857365"/>
           </a:xfrm>
           <a:prstGeom prst="rect">
             <a:avLst/>
@@ -9896,8 +10624,8 @@
         </p:nvSpPr>
         <p:spPr>
           <a:xfrm>
-            <a:off x="630936" y="639520"/>
-            <a:ext cx="3429000" cy="1719072"/>
+            <a:off x="645064" y="525982"/>
+            <a:ext cx="4282983" cy="1200361"/>
           </a:xfrm>
         </p:spPr>
         <p:txBody>
@@ -9907,7 +10635,7 @@
           <a:lstStyle/>
           <a:p>
             <a:r>
-              <a:rPr lang="en-US" sz="3800"/>
+              <a:rPr lang="en-US" sz="3600"/>
               <a:t>Secondary Features Overview</a:t>
             </a:r>
           </a:p>
@@ -9915,10 +10643,10 @@
       </p:sp>
       <p:sp>
         <p:nvSpPr>
-          <p:cNvPr id="189" name="sketch line">
+          <p:cNvPr id="207" name="Rectangle 206">
             <a:extLst>
               <a:ext uri="{FF2B5EF4-FFF2-40B4-BE49-F238E27FC236}">
-                <a16:creationId xmlns:a16="http://schemas.microsoft.com/office/drawing/2014/main" id="{CD8B4F24-440B-49E9-B85D-733523DC064B}"/>
+                <a16:creationId xmlns:a16="http://schemas.microsoft.com/office/drawing/2014/main" id="{169CC832-2974-4E8D-90ED-3E2941BA7336}"/>
               </a:ext>
               <a:ext uri="{C183D7F6-B498-43B3-948B-1728B52AA6E4}">
                 <adec:decorative xmlns:adec="http://schemas.microsoft.com/office/drawing/2017/decorative" val="1"/>
@@ -9937,228 +10665,18 @@
           </p:nvPr>
         </p:nvSpPr>
         <p:spPr>
-          <a:xfrm>
-            <a:off x="643278" y="2573756"/>
-            <a:ext cx="3255095" cy="18288"/>
+          <a:xfrm flipH="1">
+            <a:off x="616533" y="1944913"/>
+            <a:ext cx="4023360" cy="27432"/>
           </a:xfrm>
-          <a:custGeom>
+          <a:prstGeom prst="rect">
             <a:avLst/>
-            <a:gdLst>
-              <a:gd name="connsiteX0" fmla="*/ 0 w 3255095"/>
-              <a:gd name="connsiteY0" fmla="*/ 0 h 18288"/>
-              <a:gd name="connsiteX1" fmla="*/ 618468 w 3255095"/>
-              <a:gd name="connsiteY1" fmla="*/ 0 h 18288"/>
-              <a:gd name="connsiteX2" fmla="*/ 1269487 w 3255095"/>
-              <a:gd name="connsiteY2" fmla="*/ 0 h 18288"/>
-              <a:gd name="connsiteX3" fmla="*/ 1953057 w 3255095"/>
-              <a:gd name="connsiteY3" fmla="*/ 0 h 18288"/>
-              <a:gd name="connsiteX4" fmla="*/ 2636627 w 3255095"/>
-              <a:gd name="connsiteY4" fmla="*/ 0 h 18288"/>
-              <a:gd name="connsiteX5" fmla="*/ 3255095 w 3255095"/>
-              <a:gd name="connsiteY5" fmla="*/ 0 h 18288"/>
-              <a:gd name="connsiteX6" fmla="*/ 3255095 w 3255095"/>
-              <a:gd name="connsiteY6" fmla="*/ 18288 h 18288"/>
-              <a:gd name="connsiteX7" fmla="*/ 2538974 w 3255095"/>
-              <a:gd name="connsiteY7" fmla="*/ 18288 h 18288"/>
-              <a:gd name="connsiteX8" fmla="*/ 1822853 w 3255095"/>
-              <a:gd name="connsiteY8" fmla="*/ 18288 h 18288"/>
-              <a:gd name="connsiteX9" fmla="*/ 1171834 w 3255095"/>
-              <a:gd name="connsiteY9" fmla="*/ 18288 h 18288"/>
-              <a:gd name="connsiteX10" fmla="*/ 0 w 3255095"/>
-              <a:gd name="connsiteY10" fmla="*/ 18288 h 18288"/>
-              <a:gd name="connsiteX11" fmla="*/ 0 w 3255095"/>
-              <a:gd name="connsiteY11" fmla="*/ 0 h 18288"/>
-            </a:gdLst>
-            <a:ahLst/>
-            <a:cxnLst>
-              <a:cxn ang="0">
-                <a:pos x="connsiteX0" y="connsiteY0"/>
-              </a:cxn>
-              <a:cxn ang="0">
-                <a:pos x="connsiteX1" y="connsiteY1"/>
-              </a:cxn>
-              <a:cxn ang="0">
-                <a:pos x="connsiteX2" y="connsiteY2"/>
-              </a:cxn>
-              <a:cxn ang="0">
-                <a:pos x="connsiteX3" y="connsiteY3"/>
-              </a:cxn>
-              <a:cxn ang="0">
-                <a:pos x="connsiteX4" y="connsiteY4"/>
-              </a:cxn>
-              <a:cxn ang="0">
-                <a:pos x="connsiteX5" y="connsiteY5"/>
-              </a:cxn>
-              <a:cxn ang="0">
-                <a:pos x="connsiteX6" y="connsiteY6"/>
-              </a:cxn>
-              <a:cxn ang="0">
-                <a:pos x="connsiteX7" y="connsiteY7"/>
-              </a:cxn>
-              <a:cxn ang="0">
-                <a:pos x="connsiteX8" y="connsiteY8"/>
-              </a:cxn>
-              <a:cxn ang="0">
-                <a:pos x="connsiteX9" y="connsiteY9"/>
-              </a:cxn>
-              <a:cxn ang="0">
-                <a:pos x="connsiteX10" y="connsiteY10"/>
-              </a:cxn>
-              <a:cxn ang="0">
-                <a:pos x="connsiteX11" y="connsiteY11"/>
-              </a:cxn>
-            </a:cxnLst>
-            <a:rect l="l" t="t" r="r" b="b"/>
-            <a:pathLst>
-              <a:path w="3255095" h="18288" fill="none" extrusionOk="0">
-                <a:moveTo>
-                  <a:pt x="0" y="0"/>
-                </a:moveTo>
-                <a:cubicBezTo>
-                  <a:pt x="240201" y="-22123"/>
-                  <a:pt x="462021" y="-19623"/>
-                  <a:pt x="618468" y="0"/>
-                </a:cubicBezTo>
-                <a:cubicBezTo>
-                  <a:pt x="774915" y="19623"/>
-                  <a:pt x="974734" y="2035"/>
-                  <a:pt x="1269487" y="0"/>
-                </a:cubicBezTo>
-                <a:cubicBezTo>
-                  <a:pt x="1564240" y="-2035"/>
-                  <a:pt x="1733579" y="10639"/>
-                  <a:pt x="1953057" y="0"/>
-                </a:cubicBezTo>
-                <a:cubicBezTo>
-                  <a:pt x="2172535" y="-10639"/>
-                  <a:pt x="2453962" y="14018"/>
-                  <a:pt x="2636627" y="0"/>
-                </a:cubicBezTo>
-                <a:cubicBezTo>
-                  <a:pt x="2819292" y="-14018"/>
-                  <a:pt x="3121375" y="5399"/>
-                  <a:pt x="3255095" y="0"/>
-                </a:cubicBezTo>
-                <a:cubicBezTo>
-                  <a:pt x="3254386" y="8157"/>
-                  <a:pt x="3254682" y="12125"/>
-                  <a:pt x="3255095" y="18288"/>
-                </a:cubicBezTo>
-                <a:cubicBezTo>
-                  <a:pt x="3088545" y="23203"/>
-                  <a:pt x="2687475" y="7419"/>
-                  <a:pt x="2538974" y="18288"/>
-                </a:cubicBezTo>
-                <a:cubicBezTo>
-                  <a:pt x="2390473" y="29157"/>
-                  <a:pt x="2137381" y="-8959"/>
-                  <a:pt x="1822853" y="18288"/>
-                </a:cubicBezTo>
-                <a:cubicBezTo>
-                  <a:pt x="1508325" y="45535"/>
-                  <a:pt x="1466437" y="20385"/>
-                  <a:pt x="1171834" y="18288"/>
-                </a:cubicBezTo>
-                <a:cubicBezTo>
-                  <a:pt x="877231" y="16191"/>
-                  <a:pt x="561097" y="37643"/>
-                  <a:pt x="0" y="18288"/>
-                </a:cubicBezTo>
-                <a:cubicBezTo>
-                  <a:pt x="-46" y="12483"/>
-                  <a:pt x="-203" y="6491"/>
-                  <a:pt x="0" y="0"/>
-                </a:cubicBezTo>
-                <a:close/>
-              </a:path>
-              <a:path w="3255095" h="18288" stroke="0" extrusionOk="0">
-                <a:moveTo>
-                  <a:pt x="0" y="0"/>
-                </a:moveTo>
-                <a:cubicBezTo>
-                  <a:pt x="291965" y="19429"/>
-                  <a:pt x="363155" y="8568"/>
-                  <a:pt x="618468" y="0"/>
-                </a:cubicBezTo>
-                <a:cubicBezTo>
-                  <a:pt x="873781" y="-8568"/>
-                  <a:pt x="904459" y="-19505"/>
-                  <a:pt x="1171834" y="0"/>
-                </a:cubicBezTo>
-                <a:cubicBezTo>
-                  <a:pt x="1439209" y="19505"/>
-                  <a:pt x="1744369" y="9790"/>
-                  <a:pt x="1887955" y="0"/>
-                </a:cubicBezTo>
-                <a:cubicBezTo>
-                  <a:pt x="2031541" y="-9790"/>
-                  <a:pt x="2346378" y="21240"/>
-                  <a:pt x="2506423" y="0"/>
-                </a:cubicBezTo>
-                <a:cubicBezTo>
-                  <a:pt x="2666468" y="-21240"/>
-                  <a:pt x="2990257" y="30414"/>
-                  <a:pt x="3255095" y="0"/>
-                </a:cubicBezTo>
-                <a:cubicBezTo>
-                  <a:pt x="3254831" y="4493"/>
-                  <a:pt x="3255479" y="9472"/>
-                  <a:pt x="3255095" y="18288"/>
-                </a:cubicBezTo>
-                <a:cubicBezTo>
-                  <a:pt x="3120743" y="16690"/>
-                  <a:pt x="2759628" y="42462"/>
-                  <a:pt x="2604076" y="18288"/>
-                </a:cubicBezTo>
-                <a:cubicBezTo>
-                  <a:pt x="2448524" y="-5886"/>
-                  <a:pt x="2184336" y="19599"/>
-                  <a:pt x="1887955" y="18288"/>
-                </a:cubicBezTo>
-                <a:cubicBezTo>
-                  <a:pt x="1591574" y="16977"/>
-                  <a:pt x="1548845" y="6870"/>
-                  <a:pt x="1334589" y="18288"/>
-                </a:cubicBezTo>
-                <a:cubicBezTo>
-                  <a:pt x="1120333" y="29706"/>
-                  <a:pt x="996014" y="9662"/>
-                  <a:pt x="683570" y="18288"/>
-                </a:cubicBezTo>
-                <a:cubicBezTo>
-                  <a:pt x="371126" y="26914"/>
-                  <a:pt x="198687" y="16167"/>
-                  <a:pt x="0" y="18288"/>
-                </a:cubicBezTo>
-                <a:cubicBezTo>
-                  <a:pt x="843" y="9577"/>
-                  <a:pt x="371" y="6900"/>
-                  <a:pt x="0" y="0"/>
-                </a:cubicBezTo>
-                <a:close/>
-              </a:path>
-            </a:pathLst>
-          </a:custGeom>
+          </a:prstGeom>
           <a:solidFill>
-            <a:schemeClr val="accent2"/>
+            <a:schemeClr val="accent4"/>
           </a:solidFill>
-          <a:ln w="38100" cap="rnd">
-            <a:solidFill>
-              <a:schemeClr val="accent2"/>
-            </a:solidFill>
-            <a:round/>
-            <a:extLst>
-              <a:ext uri="{C807C97D-BFC1-408E-A445-0C87EB9F89A2}">
-                <ask:lineSketchStyleProps xmlns:ask="http://schemas.microsoft.com/office/drawing/2018/sketchyshapes" sd="1219033472">
-                  <a:prstGeom prst="rect">
-                    <a:avLst/>
-                  </a:prstGeom>
-                  <ask:type>
-                    <ask:lineSketchFreehand/>
-                  </ask:type>
-                </ask:lineSketchStyleProps>
-              </a:ext>
-            </a:extLst>
+          <a:ln>
+            <a:noFill/>
           </a:ln>
         </p:spPr>
         <p:style>
@@ -10204,8 +10722,8 @@
         </p:nvSpPr>
         <p:spPr bwMode="auto">
           <a:xfrm>
-            <a:off x="630936" y="2807208"/>
-            <a:ext cx="3429000" cy="3410712"/>
+            <a:off x="645066" y="2031101"/>
+            <a:ext cx="4282984" cy="3511943"/>
           </a:xfrm>
           <a:prstGeom prst="rect">
             <a:avLst/>
@@ -10240,7 +10758,7 @@
           </a:extLst>
         </p:spPr>
         <p:txBody>
-          <a:bodyPr vert="horz" lIns="91440" tIns="45720" rIns="91440" bIns="45720" numCol="1" anchor="t" anchorCtr="0" compatLnSpc="1">
+          <a:bodyPr vert="horz" lIns="91440" tIns="45720" rIns="91440" bIns="45720" numCol="1" anchor="ctr" anchorCtr="0" compatLnSpc="1">
             <a:prstTxWarp prst="textNoShape">
               <a:avLst/>
             </a:prstTxWarp>
@@ -10261,7 +10779,7 @@
               <a:tabLst/>
             </a:pPr>
             <a:r>
-              <a:rPr kumimoji="0" lang="en-US" altLang="en-US" sz="1700" b="0" i="0" u="none" strike="noStrike" cap="none" normalizeH="0" baseline="0">
+              <a:rPr kumimoji="0" lang="en-US" altLang="en-US" sz="1800" b="0" i="0" u="none" strike="noStrike" cap="none" normalizeH="0" baseline="0">
                 <a:ln>
                   <a:noFill/>
                 </a:ln>
@@ -10271,13 +10789,13 @@
               <a:t>The remaining </a:t>
             </a:r>
             <a:r>
-              <a:rPr lang="en-US" altLang="en-US" sz="1700">
+              <a:rPr lang="en-US" altLang="en-US" sz="1800">
                 <a:latin typeface="Arial" panose="020B0604020202020204" pitchFamily="34" charset="0"/>
               </a:rPr>
               <a:t>21</a:t>
             </a:r>
             <a:r>
-              <a:rPr kumimoji="0" lang="en-US" altLang="en-US" sz="1700" b="0" i="0" u="none" strike="noStrike" cap="none" normalizeH="0" baseline="0">
+              <a:rPr kumimoji="0" lang="en-US" altLang="en-US" sz="1800" b="0" i="0" u="none" strike="noStrike" cap="none" normalizeH="0" baseline="0">
                 <a:ln>
                   <a:noFill/>
                 </a:ln>
@@ -10287,7 +10805,7 @@
               <a:t> features show </a:t>
             </a:r>
             <a:r>
-              <a:rPr kumimoji="0" lang="en-US" altLang="en-US" sz="1700" b="1" i="0" u="none" strike="noStrike" cap="none" normalizeH="0" baseline="0">
+              <a:rPr kumimoji="0" lang="en-US" altLang="en-US" sz="1800" b="1" i="0" u="none" strike="noStrike" cap="none" normalizeH="0" baseline="0">
                 <a:ln>
                   <a:noFill/>
                 </a:ln>
@@ -10297,7 +10815,7 @@
               <a:t>low correlation</a:t>
             </a:r>
             <a:r>
-              <a:rPr kumimoji="0" lang="en-US" altLang="en-US" sz="1700" b="0" i="0" u="none" strike="noStrike" cap="none" normalizeH="0" baseline="0">
+              <a:rPr kumimoji="0" lang="en-US" altLang="en-US" sz="1800" b="0" i="0" u="none" strike="noStrike" cap="none" normalizeH="0" baseline="0">
                 <a:ln>
                   <a:noFill/>
                 </a:ln>
@@ -10321,7 +10839,7 @@
               <a:tabLst/>
             </a:pPr>
             <a:r>
-              <a:rPr kumimoji="0" lang="en-US" altLang="en-US" sz="1700" b="0" i="0" u="none" strike="noStrike" cap="none" normalizeH="0" baseline="0">
+              <a:rPr kumimoji="0" lang="en-US" altLang="en-US" sz="1800" b="0" i="0" u="none" strike="noStrike" cap="none" normalizeH="0" baseline="0">
                 <a:ln>
                   <a:noFill/>
                 </a:ln>
@@ -10346,7 +10864,7 @@
               <a:tabLst/>
             </a:pPr>
             <a:r>
-              <a:rPr kumimoji="0" lang="en-US" altLang="en-US" sz="1700" b="1" i="0" u="none" strike="noStrike" cap="none" normalizeH="0" baseline="0">
+              <a:rPr kumimoji="0" lang="en-US" altLang="en-US" sz="1800" b="1" i="0" u="none" strike="noStrike" cap="none" normalizeH="0" baseline="0">
                 <a:ln>
                   <a:noFill/>
                 </a:ln>
@@ -10356,7 +10874,7 @@
               <a:t> Lifestyle factors</a:t>
             </a:r>
             <a:r>
-              <a:rPr kumimoji="0" lang="en-US" altLang="en-US" sz="1700" b="0" i="0" u="none" strike="noStrike" cap="none" normalizeH="0" baseline="0">
+              <a:rPr kumimoji="0" lang="en-US" altLang="en-US" sz="1800" b="0" i="0" u="none" strike="noStrike" cap="none" normalizeH="0" baseline="0">
                 <a:ln>
                   <a:noFill/>
                 </a:ln>
@@ -10381,7 +10899,7 @@
               <a:tabLst/>
             </a:pPr>
             <a:r>
-              <a:rPr kumimoji="0" lang="en-US" altLang="en-US" sz="1700" b="1" i="0" u="none" strike="noStrike" cap="none" normalizeH="0" baseline="0">
+              <a:rPr kumimoji="0" lang="en-US" altLang="en-US" sz="1800" b="1" i="0" u="none" strike="noStrike" cap="none" normalizeH="0" baseline="0">
                 <a:ln>
                   <a:noFill/>
                 </a:ln>
@@ -10391,7 +10909,7 @@
               <a:t> Medical conditions</a:t>
             </a:r>
             <a:r>
-              <a:rPr kumimoji="0" lang="en-US" altLang="en-US" sz="1700" b="0" i="0" u="none" strike="noStrike" cap="none" normalizeH="0" baseline="0">
+              <a:rPr kumimoji="0" lang="en-US" altLang="en-US" sz="1800" b="0" i="0" u="none" strike="noStrike" cap="none" normalizeH="0" baseline="0">
                 <a:ln>
                   <a:noFill/>
                 </a:ln>
@@ -10416,7 +10934,7 @@
               <a:tabLst/>
             </a:pPr>
             <a:r>
-              <a:rPr kumimoji="0" lang="en-US" altLang="en-US" sz="1700" b="1" i="0" u="none" strike="noStrike" cap="none" normalizeH="0" baseline="0">
+              <a:rPr kumimoji="0" lang="en-US" altLang="en-US" sz="1800" b="1" i="0" u="none" strike="noStrike" cap="none" normalizeH="0" baseline="0">
                 <a:ln>
                   <a:noFill/>
                 </a:ln>
@@ -10426,7 +10944,7 @@
               <a:t> Environmental and social context</a:t>
             </a:r>
             <a:r>
-              <a:rPr kumimoji="0" lang="en-US" altLang="en-US" sz="1700" b="0" i="0" u="none" strike="noStrike" cap="none" normalizeH="0" baseline="0">
+              <a:rPr kumimoji="0" lang="en-US" altLang="en-US" sz="1800" b="0" i="0" u="none" strike="noStrike" cap="none" normalizeH="0" baseline="0">
                 <a:ln>
                   <a:noFill/>
                 </a:ln>
@@ -10450,7 +10968,7 @@
               <a:buNone/>
               <a:tabLst/>
             </a:pPr>
-            <a:endParaRPr kumimoji="0" lang="en-US" altLang="en-US" sz="1700" b="0" i="0" u="none" strike="noStrike" cap="none" normalizeH="0" baseline="0">
+            <a:endParaRPr kumimoji="0" lang="en-US" altLang="en-US" sz="1800" b="0" i="0" u="none" strike="noStrike" cap="none" normalizeH="0" baseline="0">
               <a:ln>
                 <a:noFill/>
               </a:ln>
@@ -10460,9 +10978,205 @@
           </a:p>
         </p:txBody>
       </p:sp>
+      <p:sp>
+        <p:nvSpPr>
+          <p:cNvPr id="208" name="Rectangle 207">
+            <a:extLst>
+              <a:ext uri="{FF2B5EF4-FFF2-40B4-BE49-F238E27FC236}">
+                <a16:creationId xmlns:a16="http://schemas.microsoft.com/office/drawing/2014/main" id="{55222F96-971A-4F90-B841-6BAB416C7AC1}"/>
+              </a:ext>
+              <a:ext uri="{C183D7F6-B498-43B3-948B-1728B52AA6E4}">
+                <adec:decorative xmlns:adec="http://schemas.microsoft.com/office/drawing/2017/decorative" val="1"/>
+              </a:ext>
+            </a:extLst>
+          </p:cNvPr>
+          <p:cNvSpPr>
+            <a:spLocks noGrp="1" noRot="1" noChangeAspect="1" noMove="1" noResize="1" noEditPoints="1" noAdjustHandles="1" noChangeArrowheads="1" noChangeShapeType="1" noTextEdit="1"/>
+          </p:cNvSpPr>
+          <p:nvPr>
+            <p:extLst>
+              <p:ext uri="{386F3935-93C4-4BCD-93E2-E3B085C9AB24}">
+                <p16:designElem xmlns:p16="http://schemas.microsoft.com/office/powerpoint/2015/main" val="1"/>
+              </p:ext>
+            </p:extLst>
+          </p:nvPr>
+        </p:nvSpPr>
+        <p:spPr>
+          <a:xfrm rot="5400000">
+            <a:off x="-225843" y="6053360"/>
+            <a:ext cx="740664" cy="154124"/>
+          </a:xfrm>
+          <a:prstGeom prst="rect">
+            <a:avLst/>
+          </a:prstGeom>
+          <a:solidFill>
+            <a:schemeClr val="accent4"/>
+          </a:solidFill>
+          <a:ln>
+            <a:noFill/>
+          </a:ln>
+        </p:spPr>
+        <p:style>
+          <a:lnRef idx="2">
+            <a:schemeClr val="accent1">
+              <a:shade val="50000"/>
+            </a:schemeClr>
+          </a:lnRef>
+          <a:fillRef idx="1">
+            <a:schemeClr val="accent1"/>
+          </a:fillRef>
+          <a:effectRef idx="0">
+            <a:schemeClr val="accent1"/>
+          </a:effectRef>
+          <a:fontRef idx="minor">
+            <a:schemeClr val="lt1"/>
+          </a:fontRef>
+        </p:style>
+        <p:txBody>
+          <a:bodyPr rtlCol="0" anchor="ctr"/>
+          <a:lstStyle/>
+          <a:p>
+            <a:pPr algn="ctr"/>
+            <a:endParaRPr lang="en-US"/>
+          </a:p>
+        </p:txBody>
+      </p:sp>
+      <p:sp>
+        <p:nvSpPr>
+          <p:cNvPr id="209" name="Rectangle 208">
+            <a:extLst>
+              <a:ext uri="{FF2B5EF4-FFF2-40B4-BE49-F238E27FC236}">
+                <a16:creationId xmlns:a16="http://schemas.microsoft.com/office/drawing/2014/main" id="{08980754-6F4B-43C9-B9BE-127B6BED6586}"/>
+              </a:ext>
+              <a:ext uri="{C183D7F6-B498-43B3-948B-1728B52AA6E4}">
+                <adec:decorative xmlns:adec="http://schemas.microsoft.com/office/drawing/2017/decorative" val="1"/>
+              </a:ext>
+            </a:extLst>
+          </p:cNvPr>
+          <p:cNvSpPr>
+            <a:spLocks noGrp="1" noRot="1" noChangeAspect="1" noMove="1" noResize="1" noEditPoints="1" noAdjustHandles="1" noChangeArrowheads="1" noChangeShapeType="1" noTextEdit="1"/>
+          </p:cNvSpPr>
+          <p:nvPr>
+            <p:extLst>
+              <p:ext uri="{386F3935-93C4-4BCD-93E2-E3B085C9AB24}">
+                <p16:designElem xmlns:p16="http://schemas.microsoft.com/office/powerpoint/2015/main" val="1"/>
+              </p:ext>
+            </p:extLst>
+          </p:nvPr>
+        </p:nvSpPr>
+        <p:spPr>
+          <a:xfrm rot="5400000">
+            <a:off x="5904923" y="215201"/>
+            <a:ext cx="740664" cy="11833491"/>
+          </a:xfrm>
+          <a:prstGeom prst="rect">
+            <a:avLst/>
+          </a:prstGeom>
+          <a:solidFill>
+            <a:schemeClr val="accent4"/>
+          </a:solidFill>
+          <a:ln>
+            <a:noFill/>
+          </a:ln>
+        </p:spPr>
+        <p:style>
+          <a:lnRef idx="2">
+            <a:schemeClr val="accent1">
+              <a:shade val="50000"/>
+            </a:schemeClr>
+          </a:lnRef>
+          <a:fillRef idx="1">
+            <a:schemeClr val="accent1"/>
+          </a:fillRef>
+          <a:effectRef idx="0">
+            <a:schemeClr val="accent1"/>
+          </a:effectRef>
+          <a:fontRef idx="minor">
+            <a:schemeClr val="lt1"/>
+          </a:fontRef>
+        </p:style>
+        <p:txBody>
+          <a:bodyPr rtlCol="0" anchor="ctr"/>
+          <a:lstStyle/>
+          <a:p>
+            <a:pPr algn="ctr"/>
+            <a:endParaRPr lang="en-US"/>
+          </a:p>
+        </p:txBody>
+      </p:sp>
+      <p:sp>
+        <p:nvSpPr>
+          <p:cNvPr id="210" name="Rectangle 209">
+            <a:extLst>
+              <a:ext uri="{FF2B5EF4-FFF2-40B4-BE49-F238E27FC236}">
+                <a16:creationId xmlns:a16="http://schemas.microsoft.com/office/drawing/2014/main" id="{2C1BBA94-3F40-40AA-8BB9-E69E25E537C1}"/>
+              </a:ext>
+              <a:ext uri="{C183D7F6-B498-43B3-948B-1728B52AA6E4}">
+                <adec:decorative xmlns:adec="http://schemas.microsoft.com/office/drawing/2017/decorative" val="1"/>
+              </a:ext>
+            </a:extLst>
+          </p:cNvPr>
+          <p:cNvSpPr>
+            <a:spLocks noGrp="1" noRot="1" noChangeAspect="1" noMove="1" noResize="1" noEditPoints="1" noAdjustHandles="1" noChangeArrowheads="1" noChangeShapeType="1" noTextEdit="1"/>
+          </p:cNvSpPr>
+          <p:nvPr>
+            <p:extLst>
+              <p:ext uri="{386F3935-93C4-4BCD-93E2-E3B085C9AB24}">
+                <p16:designElem xmlns:p16="http://schemas.microsoft.com/office/powerpoint/2015/main" val="1"/>
+              </p:ext>
+            </p:extLst>
+          </p:nvPr>
+        </p:nvSpPr>
+        <p:spPr>
+          <a:xfrm>
+            <a:off x="5696793" y="354959"/>
+            <a:ext cx="6184973" cy="5915212"/>
+          </a:xfrm>
+          <a:prstGeom prst="rect">
+            <a:avLst/>
+          </a:prstGeom>
+          <a:solidFill>
+            <a:schemeClr val="bg1"/>
+          </a:solidFill>
+          <a:ln>
+            <a:noFill/>
+          </a:ln>
+          <a:effectLst>
+            <a:outerShdw blurRad="139700" dist="127000" dir="5400000" algn="t" rotWithShape="0">
+              <a:prstClr val="black">
+                <a:alpha val="15000"/>
+              </a:prstClr>
+            </a:outerShdw>
+          </a:effectLst>
+        </p:spPr>
+        <p:style>
+          <a:lnRef idx="2">
+            <a:schemeClr val="accent1">
+              <a:shade val="50000"/>
+            </a:schemeClr>
+          </a:lnRef>
+          <a:fillRef idx="1">
+            <a:schemeClr val="accent1"/>
+          </a:fillRef>
+          <a:effectRef idx="0">
+            <a:schemeClr val="accent1"/>
+          </a:effectRef>
+          <a:fontRef idx="minor">
+            <a:schemeClr val="lt1"/>
+          </a:fontRef>
+        </p:style>
+        <p:txBody>
+          <a:bodyPr rtlCol="0" anchor="ctr"/>
+          <a:lstStyle/>
+          <a:p>
+            <a:pPr algn="ctr"/>
+            <a:endParaRPr lang="en-US"/>
+          </a:p>
+        </p:txBody>
+      </p:sp>
       <p:pic>
         <p:nvPicPr>
-          <p:cNvPr id="9" name="Picture 8">
+          <p:cNvPr id="9" name="Picture 8" descr="A group of green and blue bars&#10;&#10;AI-generated content may be incorrect.">
             <a:extLst>
               <a:ext uri="{FF2B5EF4-FFF2-40B4-BE49-F238E27FC236}">
                 <a16:creationId xmlns:a16="http://schemas.microsoft.com/office/drawing/2014/main" id="{0540F6EB-B938-33E5-59AE-FE51E7DEF6F3}"/>
@@ -10488,8 +11202,8 @@
         </p:blipFill>
         <p:spPr>
           <a:xfrm>
-            <a:off x="4273538" y="1005715"/>
-            <a:ext cx="7543297" cy="4846569"/>
+            <a:off x="5987738" y="1504564"/>
+            <a:ext cx="5628018" cy="3616002"/>
           </a:xfrm>
           <a:prstGeom prst="rect">
             <a:avLst/>
@@ -13707,7 +14421,7 @@
               <a:buNone/>
             </a:pPr>
             <a:r>
-              <a:rPr lang="en-US" sz="2400" b="1"/>
+              <a:rPr lang="en-US" sz="2400" b="1" dirty="0"/>
               <a:t>Version 3</a:t>
             </a:r>
           </a:p>
@@ -13717,11 +14431,11 @@
               <a:buChar char="•"/>
             </a:pPr>
             <a:r>
-              <a:rPr lang="en-US" sz="2400" b="1"/>
+              <a:rPr lang="en-US" sz="2400" b="1" dirty="0"/>
               <a:t>Yeo-Johnson transformation</a:t>
             </a:r>
             <a:r>
-              <a:rPr lang="en-US" sz="2400"/>
+              <a:rPr lang="en-US" sz="2400" dirty="0"/>
               <a:t> on numeric features.</a:t>
             </a:r>
           </a:p>
@@ -13731,15 +14445,15 @@
               <a:buChar char="•"/>
             </a:pPr>
             <a:r>
-              <a:rPr lang="en-US" sz="2400"/>
+              <a:rPr lang="en-US" sz="2400" dirty="0"/>
               <a:t>Categorical features encoded using </a:t>
             </a:r>
             <a:r>
-              <a:rPr lang="en-US" sz="2400" b="1"/>
+              <a:rPr lang="en-US" sz="2400" b="1" dirty="0" err="1"/>
               <a:t>OneHotEncoder</a:t>
             </a:r>
             <a:r>
-              <a:rPr lang="en-US" sz="2400"/>
+              <a:rPr lang="en-US" sz="2400" dirty="0"/>
               <a:t> (treat categories independently).</a:t>
             </a:r>
           </a:p>
@@ -13748,7 +14462,7 @@
               <a:buNone/>
             </a:pPr>
             <a:r>
-              <a:rPr lang="en-US" sz="2400" b="1"/>
+              <a:rPr lang="en-US" sz="2400" b="1" dirty="0"/>
               <a:t>Version 4</a:t>
             </a:r>
           </a:p>
@@ -13758,7 +14472,7 @@
               <a:buChar char="•"/>
             </a:pPr>
             <a:r>
-              <a:rPr lang="en-US" sz="2400"/>
+              <a:rPr lang="en-US" sz="2400" dirty="0"/>
               <a:t>Same preprocessing as V3.</a:t>
             </a:r>
           </a:p>
@@ -13768,11 +14482,11 @@
               <a:buChar char="•"/>
             </a:pPr>
             <a:r>
-              <a:rPr lang="en-US" sz="2400" b="1"/>
+              <a:rPr lang="en-US" sz="2400" b="1" dirty="0"/>
               <a:t>PCA applied</a:t>
             </a:r>
             <a:r>
-              <a:rPr lang="en-US" sz="2400"/>
+              <a:rPr lang="en-US" sz="2400" dirty="0"/>
               <a:t> to reduce dimensionality (retain 95% variance).</a:t>
             </a:r>
           </a:p>
@@ -13866,6 +14580,682 @@
 </file>
 
 <file path=ppt/slides/slide17.xml><?xml version="1.0" encoding="utf-8"?>
+<p:sld xmlns:a="http://schemas.openxmlformats.org/drawingml/2006/main" xmlns:r="http://schemas.openxmlformats.org/officeDocument/2006/relationships" xmlns:p="http://schemas.openxmlformats.org/presentationml/2006/main">
+  <p:cSld>
+    <p:bg>
+      <p:bgPr>
+        <a:solidFill>
+          <a:schemeClr val="bg1"/>
+        </a:solidFill>
+        <a:effectLst/>
+      </p:bgPr>
+    </p:bg>
+    <p:spTree>
+      <p:nvGrpSpPr>
+        <p:cNvPr id="1" name="">
+          <a:extLst>
+            <a:ext uri="{FF2B5EF4-FFF2-40B4-BE49-F238E27FC236}">
+              <a16:creationId xmlns:a16="http://schemas.microsoft.com/office/drawing/2014/main" id="{4A98C567-4088-F8DD-15E6-42B867651BA8}"/>
+            </a:ext>
+          </a:extLst>
+        </p:cNvPr>
+        <p:cNvGrpSpPr/>
+        <p:nvPr/>
+      </p:nvGrpSpPr>
+      <p:grpSpPr>
+        <a:xfrm>
+          <a:off x="0" y="0"/>
+          <a:ext cx="0" cy="0"/>
+          <a:chOff x="0" y="0"/>
+          <a:chExt cx="0" cy="0"/>
+        </a:xfrm>
+      </p:grpSpPr>
+      <p:sp useBgFill="1">
+        <p:nvSpPr>
+          <p:cNvPr id="164" name="Rectangle 163">
+            <a:extLst>
+              <a:ext uri="{FF2B5EF4-FFF2-40B4-BE49-F238E27FC236}">
+                <a16:creationId xmlns:a16="http://schemas.microsoft.com/office/drawing/2014/main" id="{DBC6133C-0615-4CE4-9132-37E609A9BDFA}"/>
+              </a:ext>
+              <a:ext uri="{C183D7F6-B498-43B3-948B-1728B52AA6E4}">
+                <adec:decorative xmlns:adec="http://schemas.microsoft.com/office/drawing/2017/decorative" val="1"/>
+              </a:ext>
+            </a:extLst>
+          </p:cNvPr>
+          <p:cNvSpPr>
+            <a:spLocks noGrp="1" noRot="1" noChangeAspect="1" noMove="1" noResize="1" noEditPoints="1" noAdjustHandles="1" noChangeArrowheads="1" noChangeShapeType="1" noTextEdit="1"/>
+          </p:cNvSpPr>
+          <p:nvPr>
+            <p:extLst>
+              <p:ext uri="{386F3935-93C4-4BCD-93E2-E3B085C9AB24}">
+                <p16:designElem xmlns:p16="http://schemas.microsoft.com/office/powerpoint/2015/main" val="1"/>
+              </p:ext>
+            </p:extLst>
+          </p:nvPr>
+        </p:nvSpPr>
+        <p:spPr>
+          <a:xfrm>
+            <a:off x="0" y="0"/>
+            <a:ext cx="12191999" cy="6857365"/>
+          </a:xfrm>
+          <a:prstGeom prst="rect">
+            <a:avLst/>
+          </a:prstGeom>
+          <a:ln>
+            <a:noFill/>
+          </a:ln>
+        </p:spPr>
+        <p:style>
+          <a:lnRef idx="2">
+            <a:schemeClr val="accent1">
+              <a:shade val="50000"/>
+            </a:schemeClr>
+          </a:lnRef>
+          <a:fillRef idx="1">
+            <a:schemeClr val="accent1"/>
+          </a:fillRef>
+          <a:effectRef idx="0">
+            <a:schemeClr val="accent1"/>
+          </a:effectRef>
+          <a:fontRef idx="minor">
+            <a:schemeClr val="lt1"/>
+          </a:fontRef>
+        </p:style>
+        <p:txBody>
+          <a:bodyPr rtlCol="0" anchor="ctr"/>
+          <a:lstStyle/>
+          <a:p>
+            <a:pPr algn="ctr"/>
+            <a:endParaRPr lang="en-US"/>
+          </a:p>
+        </p:txBody>
+      </p:sp>
+      <p:sp>
+        <p:nvSpPr>
+          <p:cNvPr id="2" name="Title 1">
+            <a:extLst>
+              <a:ext uri="{FF2B5EF4-FFF2-40B4-BE49-F238E27FC236}">
+                <a16:creationId xmlns:a16="http://schemas.microsoft.com/office/drawing/2014/main" id="{9F12D576-D42B-010E-24EE-919CB5F8974D}"/>
+              </a:ext>
+            </a:extLst>
+          </p:cNvPr>
+          <p:cNvSpPr>
+            <a:spLocks noGrp="1"/>
+          </p:cNvSpPr>
+          <p:nvPr>
+            <p:ph type="title"/>
+          </p:nvPr>
+        </p:nvSpPr>
+        <p:spPr>
+          <a:xfrm>
+            <a:off x="645064" y="525982"/>
+            <a:ext cx="4282983" cy="1200361"/>
+          </a:xfrm>
+        </p:spPr>
+        <p:txBody>
+          <a:bodyPr anchor="b">
+            <a:normAutofit/>
+          </a:bodyPr>
+          <a:lstStyle/>
+          <a:p>
+            <a:r>
+              <a:rPr lang="en-US" sz="3600"/>
+              <a:t>Dataset V4: PCA Analysis</a:t>
+            </a:r>
+          </a:p>
+        </p:txBody>
+      </p:sp>
+      <p:sp>
+        <p:nvSpPr>
+          <p:cNvPr id="166" name="Rectangle 165">
+            <a:extLst>
+              <a:ext uri="{FF2B5EF4-FFF2-40B4-BE49-F238E27FC236}">
+                <a16:creationId xmlns:a16="http://schemas.microsoft.com/office/drawing/2014/main" id="{169CC832-2974-4E8D-90ED-3E2941BA7336}"/>
+              </a:ext>
+              <a:ext uri="{C183D7F6-B498-43B3-948B-1728B52AA6E4}">
+                <adec:decorative xmlns:adec="http://schemas.microsoft.com/office/drawing/2017/decorative" val="1"/>
+              </a:ext>
+            </a:extLst>
+          </p:cNvPr>
+          <p:cNvSpPr>
+            <a:spLocks noGrp="1" noRot="1" noChangeAspect="1" noMove="1" noResize="1" noEditPoints="1" noAdjustHandles="1" noChangeArrowheads="1" noChangeShapeType="1" noTextEdit="1"/>
+          </p:cNvSpPr>
+          <p:nvPr>
+            <p:extLst>
+              <p:ext uri="{386F3935-93C4-4BCD-93E2-E3B085C9AB24}">
+                <p16:designElem xmlns:p16="http://schemas.microsoft.com/office/powerpoint/2015/main" val="1"/>
+              </p:ext>
+            </p:extLst>
+          </p:nvPr>
+        </p:nvSpPr>
+        <p:spPr>
+          <a:xfrm flipH="1">
+            <a:off x="616533" y="1944913"/>
+            <a:ext cx="4023360" cy="27432"/>
+          </a:xfrm>
+          <a:prstGeom prst="rect">
+            <a:avLst/>
+          </a:prstGeom>
+          <a:solidFill>
+            <a:schemeClr val="accent4"/>
+          </a:solidFill>
+          <a:ln>
+            <a:noFill/>
+          </a:ln>
+        </p:spPr>
+        <p:style>
+          <a:lnRef idx="2">
+            <a:schemeClr val="accent1">
+              <a:shade val="50000"/>
+            </a:schemeClr>
+          </a:lnRef>
+          <a:fillRef idx="1">
+            <a:schemeClr val="accent1"/>
+          </a:fillRef>
+          <a:effectRef idx="0">
+            <a:schemeClr val="accent1"/>
+          </a:effectRef>
+          <a:fontRef idx="minor">
+            <a:schemeClr val="lt1"/>
+          </a:fontRef>
+        </p:style>
+        <p:txBody>
+          <a:bodyPr rtlCol="0" anchor="ctr"/>
+          <a:lstStyle/>
+          <a:p>
+            <a:pPr algn="ctr"/>
+            <a:endParaRPr lang="en-US"/>
+          </a:p>
+        </p:txBody>
+      </p:sp>
+      <p:sp>
+        <p:nvSpPr>
+          <p:cNvPr id="8" name="Rectangle 5">
+            <a:extLst>
+              <a:ext uri="{FF2B5EF4-FFF2-40B4-BE49-F238E27FC236}">
+                <a16:creationId xmlns:a16="http://schemas.microsoft.com/office/drawing/2014/main" id="{D55B018D-64A7-C4A9-5E5A-BB89BC88FC78}"/>
+              </a:ext>
+            </a:extLst>
+          </p:cNvPr>
+          <p:cNvSpPr>
+            <a:spLocks noGrp="1" noChangeArrowheads="1"/>
+          </p:cNvSpPr>
+          <p:nvPr>
+            <p:ph idx="1"/>
+          </p:nvPr>
+        </p:nvSpPr>
+        <p:spPr bwMode="auto">
+          <a:xfrm>
+            <a:off x="645066" y="2031101"/>
+            <a:ext cx="4282984" cy="3511943"/>
+          </a:xfrm>
+          <a:prstGeom prst="rect">
+            <a:avLst/>
+          </a:prstGeom>
+          <a:extLst>
+            <a:ext uri="{909E8E84-426E-40DD-AFC4-6F175D3DCCD1}">
+              <a14:hiddenFill xmlns:a14="http://schemas.microsoft.com/office/drawing/2010/main">
+                <a:solidFill>
+                  <a:schemeClr val="accent1"/>
+                </a:solidFill>
+              </a14:hiddenFill>
+            </a:ext>
+            <a:ext uri="{91240B29-F687-4F45-9708-019B960494DF}">
+              <a14:hiddenLine xmlns:a14="http://schemas.microsoft.com/office/drawing/2010/main" w="9525">
+                <a:solidFill>
+                  <a:schemeClr val="tx1"/>
+                </a:solidFill>
+                <a:miter lim="800000"/>
+                <a:headEnd/>
+                <a:tailEnd/>
+              </a14:hiddenLine>
+            </a:ext>
+            <a:ext uri="{AF507438-7753-43E0-B8FC-AC1667EBCBE1}">
+              <a14:hiddenEffects xmlns:a14="http://schemas.microsoft.com/office/drawing/2010/main">
+                <a:effectLst>
+                  <a:outerShdw dist="35921" dir="2700000" algn="ctr" rotWithShape="0">
+                    <a:schemeClr val="bg2"/>
+                  </a:outerShdw>
+                </a:effectLst>
+              </a14:hiddenEffects>
+            </a:ext>
+          </a:extLst>
+        </p:spPr>
+        <p:txBody>
+          <a:bodyPr vert="horz" lIns="91440" tIns="45720" rIns="91440" bIns="45720" numCol="1" anchor="ctr" anchorCtr="0" compatLnSpc="1">
+            <a:prstTxWarp prst="textNoShape">
+              <a:avLst/>
+            </a:prstTxWarp>
+            <a:normAutofit/>
+          </a:bodyPr>
+          <a:lstStyle/>
+          <a:p>
+            <a:pPr marL="0" marR="0" lvl="0" indent="0" defTabSz="914400" rtl="0" eaLnBrk="0" fontAlgn="base" latinLnBrk="0" hangingPunct="0">
+              <a:spcBef>
+                <a:spcPct val="0"/>
+              </a:spcBef>
+              <a:spcAft>
+                <a:spcPts val="600"/>
+              </a:spcAft>
+              <a:buClrTx/>
+              <a:buSzTx/>
+              <a:buFontTx/>
+              <a:buChar char="•"/>
+              <a:tabLst/>
+            </a:pPr>
+            <a:r>
+              <a:rPr kumimoji="0" lang="en-US" altLang="en-US" sz="2000" b="0" i="0" u="none" strike="noStrike" cap="none" normalizeH="0" baseline="0" dirty="0">
+                <a:ln>
+                  <a:noFill/>
+                </a:ln>
+                <a:effectLst/>
+                <a:latin typeface="Arial" panose="020B0604020202020204" pitchFamily="34" charset="0"/>
+              </a:rPr>
+              <a:t> Applied </a:t>
+            </a:r>
+            <a:r>
+              <a:rPr kumimoji="0" lang="en-US" altLang="en-US" sz="2000" b="1" i="0" u="none" strike="noStrike" cap="none" normalizeH="0" baseline="0" dirty="0">
+                <a:ln>
+                  <a:noFill/>
+                </a:ln>
+                <a:effectLst/>
+                <a:latin typeface="Arial" panose="020B0604020202020204" pitchFamily="34" charset="0"/>
+              </a:rPr>
+              <a:t>PCA</a:t>
+            </a:r>
+            <a:r>
+              <a:rPr kumimoji="0" lang="en-US" altLang="en-US" sz="2000" b="0" i="0" u="none" strike="noStrike" cap="none" normalizeH="0" baseline="0" dirty="0">
+                <a:ln>
+                  <a:noFill/>
+                </a:ln>
+                <a:effectLst/>
+                <a:latin typeface="Arial" panose="020B0604020202020204" pitchFamily="34" charset="0"/>
+              </a:rPr>
+              <a:t> to reduce dimensionality.</a:t>
+            </a:r>
+          </a:p>
+          <a:p>
+            <a:pPr marL="0" marR="0" lvl="0" indent="0" defTabSz="914400" rtl="0" eaLnBrk="0" fontAlgn="base" latinLnBrk="0" hangingPunct="0">
+              <a:spcBef>
+                <a:spcPct val="0"/>
+              </a:spcBef>
+              <a:spcAft>
+                <a:spcPts val="600"/>
+              </a:spcAft>
+              <a:buClrTx/>
+              <a:buSzTx/>
+              <a:buFontTx/>
+              <a:buChar char="•"/>
+              <a:tabLst/>
+            </a:pPr>
+            <a:r>
+              <a:rPr kumimoji="0" lang="en-US" altLang="en-US" sz="2000" b="0" i="0" u="none" strike="noStrike" cap="none" normalizeH="0" baseline="0" dirty="0">
+                <a:ln>
+                  <a:noFill/>
+                </a:ln>
+                <a:effectLst/>
+                <a:latin typeface="Arial" panose="020B0604020202020204" pitchFamily="34" charset="0"/>
+              </a:rPr>
+              <a:t> Retained </a:t>
+            </a:r>
+            <a:r>
+              <a:rPr kumimoji="0" lang="en-US" altLang="en-US" sz="2000" b="1" i="0" u="none" strike="noStrike" cap="none" normalizeH="0" baseline="0" dirty="0">
+                <a:ln>
+                  <a:noFill/>
+                </a:ln>
+                <a:effectLst/>
+                <a:latin typeface="Arial" panose="020B0604020202020204" pitchFamily="34" charset="0"/>
+              </a:rPr>
+              <a:t>~95%</a:t>
+            </a:r>
+            <a:r>
+              <a:rPr kumimoji="0" lang="en-US" altLang="en-US" sz="2000" b="0" i="0" u="none" strike="noStrike" cap="none" normalizeH="0" baseline="0" dirty="0">
+                <a:ln>
+                  <a:noFill/>
+                </a:ln>
+                <a:effectLst/>
+                <a:latin typeface="Arial" panose="020B0604020202020204" pitchFamily="34" charset="0"/>
+              </a:rPr>
+              <a:t> of original variance.</a:t>
+            </a:r>
+          </a:p>
+          <a:p>
+            <a:pPr marL="0" marR="0" lvl="0" indent="0" defTabSz="914400" rtl="0" eaLnBrk="0" fontAlgn="base" latinLnBrk="0" hangingPunct="0">
+              <a:spcBef>
+                <a:spcPct val="0"/>
+              </a:spcBef>
+              <a:spcAft>
+                <a:spcPts val="600"/>
+              </a:spcAft>
+              <a:buClrTx/>
+              <a:buSzTx/>
+              <a:buFontTx/>
+              <a:buChar char="•"/>
+              <a:tabLst/>
+            </a:pPr>
+            <a:r>
+              <a:rPr kumimoji="0" lang="en-US" altLang="en-US" sz="2000" b="0" i="0" u="none" strike="noStrike" cap="none" normalizeH="0" baseline="0" dirty="0">
+                <a:ln>
+                  <a:noFill/>
+                </a:ln>
+                <a:effectLst/>
+                <a:latin typeface="Arial" panose="020B0604020202020204" pitchFamily="34" charset="0"/>
+              </a:rPr>
+              <a:t> Around </a:t>
+            </a:r>
+            <a:r>
+              <a:rPr kumimoji="0" lang="en-US" altLang="en-US" sz="2000" b="1" i="0" u="none" strike="noStrike" cap="none" normalizeH="0" baseline="0" dirty="0">
+                <a:ln>
+                  <a:noFill/>
+                </a:ln>
+                <a:effectLst/>
+                <a:latin typeface="Arial" panose="020B0604020202020204" pitchFamily="34" charset="0"/>
+              </a:rPr>
+              <a:t>38 principal components</a:t>
+            </a:r>
+            <a:r>
+              <a:rPr kumimoji="0" lang="en-US" altLang="en-US" sz="2000" b="0" i="0" u="none" strike="noStrike" cap="none" normalizeH="0" baseline="0" dirty="0">
+                <a:ln>
+                  <a:noFill/>
+                </a:ln>
+                <a:effectLst/>
+                <a:latin typeface="Arial" panose="020B0604020202020204" pitchFamily="34" charset="0"/>
+              </a:rPr>
+              <a:t> selected.</a:t>
+            </a:r>
+          </a:p>
+          <a:p>
+            <a:pPr marL="0" marR="0" lvl="0" indent="0" defTabSz="914400" rtl="0" eaLnBrk="0" fontAlgn="base" latinLnBrk="0" hangingPunct="0">
+              <a:spcBef>
+                <a:spcPct val="0"/>
+              </a:spcBef>
+              <a:spcAft>
+                <a:spcPts val="600"/>
+              </a:spcAft>
+              <a:buClrTx/>
+              <a:buSzTx/>
+              <a:buFontTx/>
+              <a:buChar char="•"/>
+              <a:tabLst/>
+            </a:pPr>
+            <a:r>
+              <a:rPr kumimoji="0" lang="en-US" altLang="en-US" sz="2000" b="0" i="0" u="none" strike="noStrike" cap="none" normalizeH="0" baseline="0" dirty="0">
+                <a:ln>
+                  <a:noFill/>
+                </a:ln>
+                <a:effectLst/>
+                <a:latin typeface="Arial" panose="020B0604020202020204" pitchFamily="34" charset="0"/>
+              </a:rPr>
+              <a:t> Improved efficiency with minimal information loss.</a:t>
+            </a:r>
+          </a:p>
+          <a:p>
+            <a:pPr marL="0" marR="0" lvl="0" indent="0" defTabSz="914400" rtl="0" eaLnBrk="0" fontAlgn="base" latinLnBrk="0" hangingPunct="0">
+              <a:spcBef>
+                <a:spcPct val="0"/>
+              </a:spcBef>
+              <a:spcAft>
+                <a:spcPts val="600"/>
+              </a:spcAft>
+              <a:buClrTx/>
+              <a:buSzTx/>
+              <a:buFontTx/>
+              <a:buChar char="•"/>
+              <a:tabLst/>
+            </a:pPr>
+            <a:r>
+              <a:rPr kumimoji="0" lang="en-US" altLang="en-US" sz="2000" b="0" i="0" u="none" strike="noStrike" cap="none" normalizeH="0" baseline="0" dirty="0">
+                <a:ln>
+                  <a:noFill/>
+                </a:ln>
+                <a:effectLst/>
+                <a:latin typeface="Arial" panose="020B0604020202020204" pitchFamily="34" charset="0"/>
+              </a:rPr>
+              <a:t> PCA variance chart shows most variance captured early.</a:t>
+            </a:r>
+          </a:p>
+        </p:txBody>
+      </p:sp>
+      <p:sp>
+        <p:nvSpPr>
+          <p:cNvPr id="168" name="Rectangle 167">
+            <a:extLst>
+              <a:ext uri="{FF2B5EF4-FFF2-40B4-BE49-F238E27FC236}">
+                <a16:creationId xmlns:a16="http://schemas.microsoft.com/office/drawing/2014/main" id="{55222F96-971A-4F90-B841-6BAB416C7AC1}"/>
+              </a:ext>
+              <a:ext uri="{C183D7F6-B498-43B3-948B-1728B52AA6E4}">
+                <adec:decorative xmlns:adec="http://schemas.microsoft.com/office/drawing/2017/decorative" val="1"/>
+              </a:ext>
+            </a:extLst>
+          </p:cNvPr>
+          <p:cNvSpPr>
+            <a:spLocks noGrp="1" noRot="1" noChangeAspect="1" noMove="1" noResize="1" noEditPoints="1" noAdjustHandles="1" noChangeArrowheads="1" noChangeShapeType="1" noTextEdit="1"/>
+          </p:cNvSpPr>
+          <p:nvPr>
+            <p:extLst>
+              <p:ext uri="{386F3935-93C4-4BCD-93E2-E3B085C9AB24}">
+                <p16:designElem xmlns:p16="http://schemas.microsoft.com/office/powerpoint/2015/main" val="1"/>
+              </p:ext>
+            </p:extLst>
+          </p:nvPr>
+        </p:nvSpPr>
+        <p:spPr>
+          <a:xfrm rot="5400000">
+            <a:off x="-225843" y="6053360"/>
+            <a:ext cx="740664" cy="154124"/>
+          </a:xfrm>
+          <a:prstGeom prst="rect">
+            <a:avLst/>
+          </a:prstGeom>
+          <a:solidFill>
+            <a:schemeClr val="accent4"/>
+          </a:solidFill>
+          <a:ln>
+            <a:noFill/>
+          </a:ln>
+        </p:spPr>
+        <p:style>
+          <a:lnRef idx="2">
+            <a:schemeClr val="accent1">
+              <a:shade val="50000"/>
+            </a:schemeClr>
+          </a:lnRef>
+          <a:fillRef idx="1">
+            <a:schemeClr val="accent1"/>
+          </a:fillRef>
+          <a:effectRef idx="0">
+            <a:schemeClr val="accent1"/>
+          </a:effectRef>
+          <a:fontRef idx="minor">
+            <a:schemeClr val="lt1"/>
+          </a:fontRef>
+        </p:style>
+        <p:txBody>
+          <a:bodyPr rtlCol="0" anchor="ctr"/>
+          <a:lstStyle/>
+          <a:p>
+            <a:pPr algn="ctr"/>
+            <a:endParaRPr lang="en-US"/>
+          </a:p>
+        </p:txBody>
+      </p:sp>
+      <p:sp>
+        <p:nvSpPr>
+          <p:cNvPr id="170" name="Rectangle 169">
+            <a:extLst>
+              <a:ext uri="{FF2B5EF4-FFF2-40B4-BE49-F238E27FC236}">
+                <a16:creationId xmlns:a16="http://schemas.microsoft.com/office/drawing/2014/main" id="{08980754-6F4B-43C9-B9BE-127B6BED6586}"/>
+              </a:ext>
+              <a:ext uri="{C183D7F6-B498-43B3-948B-1728B52AA6E4}">
+                <adec:decorative xmlns:adec="http://schemas.microsoft.com/office/drawing/2017/decorative" val="1"/>
+              </a:ext>
+            </a:extLst>
+          </p:cNvPr>
+          <p:cNvSpPr>
+            <a:spLocks noGrp="1" noRot="1" noChangeAspect="1" noMove="1" noResize="1" noEditPoints="1" noAdjustHandles="1" noChangeArrowheads="1" noChangeShapeType="1" noTextEdit="1"/>
+          </p:cNvSpPr>
+          <p:nvPr>
+            <p:extLst>
+              <p:ext uri="{386F3935-93C4-4BCD-93E2-E3B085C9AB24}">
+                <p16:designElem xmlns:p16="http://schemas.microsoft.com/office/powerpoint/2015/main" val="1"/>
+              </p:ext>
+            </p:extLst>
+          </p:nvPr>
+        </p:nvSpPr>
+        <p:spPr>
+          <a:xfrm rot="5400000">
+            <a:off x="5904923" y="215201"/>
+            <a:ext cx="740664" cy="11833491"/>
+          </a:xfrm>
+          <a:prstGeom prst="rect">
+            <a:avLst/>
+          </a:prstGeom>
+          <a:solidFill>
+            <a:schemeClr val="accent4"/>
+          </a:solidFill>
+          <a:ln>
+            <a:noFill/>
+          </a:ln>
+        </p:spPr>
+        <p:style>
+          <a:lnRef idx="2">
+            <a:schemeClr val="accent1">
+              <a:shade val="50000"/>
+            </a:schemeClr>
+          </a:lnRef>
+          <a:fillRef idx="1">
+            <a:schemeClr val="accent1"/>
+          </a:fillRef>
+          <a:effectRef idx="0">
+            <a:schemeClr val="accent1"/>
+          </a:effectRef>
+          <a:fontRef idx="minor">
+            <a:schemeClr val="lt1"/>
+          </a:fontRef>
+        </p:style>
+        <p:txBody>
+          <a:bodyPr rtlCol="0" anchor="ctr"/>
+          <a:lstStyle/>
+          <a:p>
+            <a:pPr algn="ctr"/>
+            <a:endParaRPr lang="en-US"/>
+          </a:p>
+        </p:txBody>
+      </p:sp>
+      <p:sp>
+        <p:nvSpPr>
+          <p:cNvPr id="172" name="Rectangle 171">
+            <a:extLst>
+              <a:ext uri="{FF2B5EF4-FFF2-40B4-BE49-F238E27FC236}">
+                <a16:creationId xmlns:a16="http://schemas.microsoft.com/office/drawing/2014/main" id="{2C1BBA94-3F40-40AA-8BB9-E69E25E537C1}"/>
+              </a:ext>
+              <a:ext uri="{C183D7F6-B498-43B3-948B-1728B52AA6E4}">
+                <adec:decorative xmlns:adec="http://schemas.microsoft.com/office/drawing/2017/decorative" val="1"/>
+              </a:ext>
+            </a:extLst>
+          </p:cNvPr>
+          <p:cNvSpPr>
+            <a:spLocks noGrp="1" noRot="1" noChangeAspect="1" noMove="1" noResize="1" noEditPoints="1" noAdjustHandles="1" noChangeArrowheads="1" noChangeShapeType="1" noTextEdit="1"/>
+          </p:cNvSpPr>
+          <p:nvPr>
+            <p:extLst>
+              <p:ext uri="{386F3935-93C4-4BCD-93E2-E3B085C9AB24}">
+                <p16:designElem xmlns:p16="http://schemas.microsoft.com/office/powerpoint/2015/main" val="1"/>
+              </p:ext>
+            </p:extLst>
+          </p:nvPr>
+        </p:nvSpPr>
+        <p:spPr>
+          <a:xfrm>
+            <a:off x="5696793" y="354959"/>
+            <a:ext cx="6184973" cy="5915212"/>
+          </a:xfrm>
+          <a:prstGeom prst="rect">
+            <a:avLst/>
+          </a:prstGeom>
+          <a:solidFill>
+            <a:schemeClr val="bg1"/>
+          </a:solidFill>
+          <a:ln>
+            <a:noFill/>
+          </a:ln>
+          <a:effectLst>
+            <a:outerShdw blurRad="139700" dist="127000" dir="5400000" algn="t" rotWithShape="0">
+              <a:prstClr val="black">
+                <a:alpha val="15000"/>
+              </a:prstClr>
+            </a:outerShdw>
+          </a:effectLst>
+        </p:spPr>
+        <p:style>
+          <a:lnRef idx="2">
+            <a:schemeClr val="accent1">
+              <a:shade val="50000"/>
+            </a:schemeClr>
+          </a:lnRef>
+          <a:fillRef idx="1">
+            <a:schemeClr val="accent1"/>
+          </a:fillRef>
+          <a:effectRef idx="0">
+            <a:schemeClr val="accent1"/>
+          </a:effectRef>
+          <a:fontRef idx="minor">
+            <a:schemeClr val="lt1"/>
+          </a:fontRef>
+        </p:style>
+        <p:txBody>
+          <a:bodyPr rtlCol="0" anchor="ctr"/>
+          <a:lstStyle/>
+          <a:p>
+            <a:pPr algn="ctr"/>
+            <a:endParaRPr lang="en-US"/>
+          </a:p>
+        </p:txBody>
+      </p:sp>
+      <p:pic>
+        <p:nvPicPr>
+          <p:cNvPr id="12" name="Picture 11">
+            <a:extLst>
+              <a:ext uri="{FF2B5EF4-FFF2-40B4-BE49-F238E27FC236}">
+                <a16:creationId xmlns:a16="http://schemas.microsoft.com/office/drawing/2014/main" id="{1507FAB0-EAD1-2D21-46D9-376DAEB3BBA8}"/>
+              </a:ext>
+            </a:extLst>
+          </p:cNvPr>
+          <p:cNvPicPr>
+            <a:picLocks noChangeAspect="1"/>
+          </p:cNvPicPr>
+          <p:nvPr/>
+        </p:nvPicPr>
+        <p:blipFill>
+          <a:blip r:embed="rId2"/>
+          <a:stretch>
+            <a:fillRect/>
+          </a:stretch>
+        </p:blipFill>
+        <p:spPr>
+          <a:xfrm>
+            <a:off x="5987738" y="1413109"/>
+            <a:ext cx="5628018" cy="3798912"/>
+          </a:xfrm>
+          <a:prstGeom prst="rect">
+            <a:avLst/>
+          </a:prstGeom>
+        </p:spPr>
+      </p:pic>
+    </p:spTree>
+    <p:extLst>
+      <p:ext uri="{BB962C8B-B14F-4D97-AF65-F5344CB8AC3E}">
+        <p14:creationId xmlns:p14="http://schemas.microsoft.com/office/powerpoint/2010/main" val="414768739"/>
+      </p:ext>
+    </p:extLst>
+  </p:cSld>
+  <p:clrMapOvr>
+    <a:masterClrMapping/>
+  </p:clrMapOvr>
+</p:sld>
+</file>
+
+<file path=ppt/slides/slide18.xml><?xml version="1.0" encoding="utf-8"?>
 <p:sld xmlns:a="http://schemas.openxmlformats.org/drawingml/2006/main" xmlns:r="http://schemas.openxmlformats.org/officeDocument/2006/relationships" xmlns:p="http://schemas.openxmlformats.org/presentationml/2006/main">
   <p:cSld>
     <p:bg>
@@ -15184,7 +16574,7 @@
 </p:sld>
 </file>
 
-<file path=ppt/slides/slide18.xml><?xml version="1.0" encoding="utf-8"?>
+<file path=ppt/slides/slide19.xml><?xml version="1.0" encoding="utf-8"?>
 <p:sld xmlns:a="http://schemas.openxmlformats.org/drawingml/2006/main" xmlns:r="http://schemas.openxmlformats.org/officeDocument/2006/relationships" xmlns:p="http://schemas.openxmlformats.org/presentationml/2006/main">
   <p:cSld>
     <p:bg>
@@ -15527,7 +16917,7 @@
           <a:lstStyle/>
           <a:p>
             <a:r>
-              <a:rPr lang="en-US" sz="4000"/>
+              <a:rPr lang="en-US" sz="4000" dirty="0"/>
               <a:t>Phase 1 - Results</a:t>
             </a:r>
           </a:p>
@@ -15928,691 +17318,6 @@
     <p:extLst>
       <p:ext uri="{BB962C8B-B14F-4D97-AF65-F5344CB8AC3E}">
         <p14:creationId xmlns:p14="http://schemas.microsoft.com/office/powerpoint/2010/main" val="1605547985"/>
-      </p:ext>
-    </p:extLst>
-  </p:cSld>
-  <p:clrMapOvr>
-    <a:masterClrMapping/>
-  </p:clrMapOvr>
-</p:sld>
-</file>
-
-<file path=ppt/slides/slide19.xml><?xml version="1.0" encoding="utf-8"?>
-<p:sld xmlns:a="http://schemas.openxmlformats.org/drawingml/2006/main" xmlns:r="http://schemas.openxmlformats.org/officeDocument/2006/relationships" xmlns:p="http://schemas.openxmlformats.org/presentationml/2006/main">
-  <p:cSld>
-    <p:bg>
-      <p:bgPr>
-        <a:solidFill>
-          <a:schemeClr val="bg1"/>
-        </a:solidFill>
-        <a:effectLst/>
-      </p:bgPr>
-    </p:bg>
-    <p:spTree>
-      <p:nvGrpSpPr>
-        <p:cNvPr id="1" name="">
-          <a:extLst>
-            <a:ext uri="{FF2B5EF4-FFF2-40B4-BE49-F238E27FC236}">
-              <a16:creationId xmlns:a16="http://schemas.microsoft.com/office/drawing/2014/main" id="{289F1DDE-246F-6ACA-C6BE-57F1018DE97D}"/>
-            </a:ext>
-          </a:extLst>
-        </p:cNvPr>
-        <p:cNvGrpSpPr/>
-        <p:nvPr/>
-      </p:nvGrpSpPr>
-      <p:grpSpPr>
-        <a:xfrm>
-          <a:off x="0" y="0"/>
-          <a:ext cx="0" cy="0"/>
-          <a:chOff x="0" y="0"/>
-          <a:chExt cx="0" cy="0"/>
-        </a:xfrm>
-      </p:grpSpPr>
-      <p:sp useBgFill="1">
-        <p:nvSpPr>
-          <p:cNvPr id="141" name="Rectangle 140">
-            <a:extLst>
-              <a:ext uri="{FF2B5EF4-FFF2-40B4-BE49-F238E27FC236}">
-                <a16:creationId xmlns:a16="http://schemas.microsoft.com/office/drawing/2014/main" id="{DBF61EA3-B236-439E-9C0B-340980D56BEE}"/>
-              </a:ext>
-              <a:ext uri="{C183D7F6-B498-43B3-948B-1728B52AA6E4}">
-                <adec:decorative xmlns:adec="http://schemas.microsoft.com/office/drawing/2017/decorative" val="1"/>
-              </a:ext>
-            </a:extLst>
-          </p:cNvPr>
-          <p:cNvSpPr>
-            <a:spLocks noGrp="1" noRot="1" noChangeAspect="1" noMove="1" noResize="1" noEditPoints="1" noAdjustHandles="1" noChangeArrowheads="1" noChangeShapeType="1" noTextEdit="1"/>
-          </p:cNvSpPr>
-          <p:nvPr>
-            <p:extLst>
-              <p:ext uri="{386F3935-93C4-4BCD-93E2-E3B085C9AB24}">
-                <p16:designElem xmlns:p16="http://schemas.microsoft.com/office/powerpoint/2015/main" val="1"/>
-              </p:ext>
-            </p:extLst>
-          </p:nvPr>
-        </p:nvSpPr>
-        <p:spPr>
-          <a:xfrm>
-            <a:off x="0" y="0"/>
-            <a:ext cx="12191999" cy="6857365"/>
-          </a:xfrm>
-          <a:prstGeom prst="rect">
-            <a:avLst/>
-          </a:prstGeom>
-          <a:ln>
-            <a:noFill/>
-          </a:ln>
-        </p:spPr>
-        <p:style>
-          <a:lnRef idx="2">
-            <a:schemeClr val="accent1">
-              <a:shade val="50000"/>
-            </a:schemeClr>
-          </a:lnRef>
-          <a:fillRef idx="1">
-            <a:schemeClr val="accent1"/>
-          </a:fillRef>
-          <a:effectRef idx="0">
-            <a:schemeClr val="accent1"/>
-          </a:effectRef>
-          <a:fontRef idx="minor">
-            <a:schemeClr val="lt1"/>
-          </a:fontRef>
-        </p:style>
-        <p:txBody>
-          <a:bodyPr rtlCol="0" anchor="ctr"/>
-          <a:lstStyle/>
-          <a:p>
-            <a:pPr algn="ctr"/>
-            <a:endParaRPr lang="en-US"/>
-          </a:p>
-        </p:txBody>
-      </p:sp>
-      <p:sp>
-        <p:nvSpPr>
-          <p:cNvPr id="2" name="Title 1">
-            <a:extLst>
-              <a:ext uri="{FF2B5EF4-FFF2-40B4-BE49-F238E27FC236}">
-                <a16:creationId xmlns:a16="http://schemas.microsoft.com/office/drawing/2014/main" id="{B1369FCB-E7B0-F509-AFA4-0645794BF93B}"/>
-              </a:ext>
-            </a:extLst>
-          </p:cNvPr>
-          <p:cNvSpPr>
-            <a:spLocks noGrp="1"/>
-          </p:cNvSpPr>
-          <p:nvPr>
-            <p:ph type="title"/>
-          </p:nvPr>
-        </p:nvSpPr>
-        <p:spPr>
-          <a:xfrm>
-            <a:off x="808638" y="386930"/>
-            <a:ext cx="9236700" cy="1188950"/>
-          </a:xfrm>
-        </p:spPr>
-        <p:txBody>
-          <a:bodyPr anchor="b">
-            <a:normAutofit/>
-          </a:bodyPr>
-          <a:lstStyle/>
-          <a:p>
-            <a:r>
-              <a:rPr lang="en-US" sz="5000"/>
-              <a:t>Phase 2 – Hyperparameter Tuning</a:t>
-            </a:r>
-          </a:p>
-        </p:txBody>
-      </p:sp>
-      <p:grpSp>
-        <p:nvGrpSpPr>
-          <p:cNvPr id="143" name="Group 142">
-            <a:extLst>
-              <a:ext uri="{FF2B5EF4-FFF2-40B4-BE49-F238E27FC236}">
-                <a16:creationId xmlns:a16="http://schemas.microsoft.com/office/drawing/2014/main" id="{28FAF094-D087-493F-8DF9-A486C2D6BBAA}"/>
-              </a:ext>
-              <a:ext uri="{C183D7F6-B498-43B3-948B-1728B52AA6E4}">
-                <adec:decorative xmlns:adec="http://schemas.microsoft.com/office/drawing/2017/decorative" val="1"/>
-              </a:ext>
-            </a:extLst>
-          </p:cNvPr>
-          <p:cNvGrpSpPr>
-            <a:grpSpLocks noGrp="1" noUngrp="1" noRot="1" noChangeAspect="1" noMove="1" noResize="1"/>
-          </p:cNvGrpSpPr>
-          <p:nvPr>
-            <p:extLst>
-              <p:ext uri="{386F3935-93C4-4BCD-93E2-E3B085C9AB24}">
-                <p16:designElem xmlns:p16="http://schemas.microsoft.com/office/powerpoint/2015/main" val="1"/>
-              </p:ext>
-            </p:extLst>
-          </p:nvPr>
-        </p:nvGrpSpPr>
-        <p:grpSpPr>
-          <a:xfrm>
-            <a:off x="-2" y="1998368"/>
-            <a:ext cx="11695083" cy="782176"/>
-            <a:chOff x="-2" y="1998368"/>
-            <a:chExt cx="11695083" cy="782176"/>
-          </a:xfrm>
-        </p:grpSpPr>
-        <p:sp>
-          <p:nvSpPr>
-            <p:cNvPr id="144" name="Rectangle 143">
-              <a:extLst>
-                <a:ext uri="{FF2B5EF4-FFF2-40B4-BE49-F238E27FC236}">
-                  <a16:creationId xmlns:a16="http://schemas.microsoft.com/office/drawing/2014/main" id="{8D7C88D8-5509-4514-925A-9CE148E5CBD6}"/>
-                </a:ext>
-                <a:ext uri="{C183D7F6-B498-43B3-948B-1728B52AA6E4}">
-                  <adec:decorative xmlns:adec="http://schemas.microsoft.com/office/drawing/2017/decorative" val="1"/>
-                </a:ext>
-              </a:extLst>
-            </p:cNvPr>
-            <p:cNvSpPr/>
-            <p:nvPr>
-              <p:extLst>
-                <p:ext uri="{386F3935-93C4-4BCD-93E2-E3B085C9AB24}">
-                  <p16:designElem xmlns:p16="http://schemas.microsoft.com/office/powerpoint/2015/main" val="1"/>
-                </p:ext>
-              </p:extLst>
-            </p:nvPr>
-          </p:nvSpPr>
-          <p:spPr>
-            <a:xfrm rot="5400000">
-              <a:off x="11228040" y="2313027"/>
-              <a:ext cx="781700" cy="152382"/>
-            </a:xfrm>
-            <a:prstGeom prst="rect">
-              <a:avLst/>
-            </a:prstGeom>
-            <a:solidFill>
-              <a:schemeClr val="accent4"/>
-            </a:solidFill>
-            <a:ln>
-              <a:noFill/>
-            </a:ln>
-          </p:spPr>
-          <p:style>
-            <a:lnRef idx="2">
-              <a:schemeClr val="accent1">
-                <a:shade val="50000"/>
-              </a:schemeClr>
-            </a:lnRef>
-            <a:fillRef idx="1">
-              <a:schemeClr val="accent1"/>
-            </a:fillRef>
-            <a:effectRef idx="0">
-              <a:schemeClr val="accent1"/>
-            </a:effectRef>
-            <a:fontRef idx="minor">
-              <a:schemeClr val="lt1"/>
-            </a:fontRef>
-          </p:style>
-          <p:txBody>
-            <a:bodyPr rtlCol="0" anchor="ctr"/>
-            <a:lstStyle/>
-            <a:p>
-              <a:pPr algn="ctr"/>
-              <a:endParaRPr lang="en-US"/>
-            </a:p>
-          </p:txBody>
-        </p:sp>
-        <p:sp>
-          <p:nvSpPr>
-            <p:cNvPr id="145" name="Rectangle 144">
-              <a:extLst>
-                <a:ext uri="{FF2B5EF4-FFF2-40B4-BE49-F238E27FC236}">
-                  <a16:creationId xmlns:a16="http://schemas.microsoft.com/office/drawing/2014/main" id="{7275593D-F75E-4426-AE3E-2CDEFD228D25}"/>
-                </a:ext>
-                <a:ext uri="{C183D7F6-B498-43B3-948B-1728B52AA6E4}">
-                  <adec:decorative xmlns:adec="http://schemas.microsoft.com/office/drawing/2017/decorative" val="1"/>
-                </a:ext>
-              </a:extLst>
-            </p:cNvPr>
-            <p:cNvSpPr/>
-            <p:nvPr>
-              <p:extLst>
-                <p:ext uri="{386F3935-93C4-4BCD-93E2-E3B085C9AB24}">
-                  <p16:designElem xmlns:p16="http://schemas.microsoft.com/office/powerpoint/2015/main" val="1"/>
-                </p:ext>
-              </p:extLst>
-            </p:nvPr>
-          </p:nvSpPr>
-          <p:spPr>
-            <a:xfrm flipH="1" flipV="1">
-              <a:off x="-2" y="1998845"/>
-              <a:ext cx="11454595" cy="781699"/>
-            </a:xfrm>
-            <a:prstGeom prst="rect">
-              <a:avLst/>
-            </a:prstGeom>
-            <a:solidFill>
-              <a:schemeClr val="accent4"/>
-            </a:solidFill>
-            <a:ln>
-              <a:noFill/>
-            </a:ln>
-          </p:spPr>
-          <p:style>
-            <a:lnRef idx="2">
-              <a:schemeClr val="accent1">
-                <a:shade val="50000"/>
-              </a:schemeClr>
-            </a:lnRef>
-            <a:fillRef idx="1">
-              <a:schemeClr val="accent1"/>
-            </a:fillRef>
-            <a:effectRef idx="0">
-              <a:schemeClr val="accent1"/>
-            </a:effectRef>
-            <a:fontRef idx="minor">
-              <a:schemeClr val="lt1"/>
-            </a:fontRef>
-          </p:style>
-          <p:txBody>
-            <a:bodyPr rtlCol="0" anchor="ctr"/>
-            <a:lstStyle/>
-            <a:p>
-              <a:pPr algn="ctr"/>
-              <a:endParaRPr lang="en-US"/>
-            </a:p>
-          </p:txBody>
-        </p:sp>
-      </p:grpSp>
-      <p:sp>
-        <p:nvSpPr>
-          <p:cNvPr id="147" name="Rectangle 146">
-            <a:extLst>
-              <a:ext uri="{FF2B5EF4-FFF2-40B4-BE49-F238E27FC236}">
-                <a16:creationId xmlns:a16="http://schemas.microsoft.com/office/drawing/2014/main" id="{E659831F-0D9A-4C63-9EBB-8435B85A440F}"/>
-              </a:ext>
-              <a:ext uri="{C183D7F6-B498-43B3-948B-1728B52AA6E4}">
-                <adec:decorative xmlns:adec="http://schemas.microsoft.com/office/drawing/2017/decorative" val="1"/>
-              </a:ext>
-            </a:extLst>
-          </p:cNvPr>
-          <p:cNvSpPr>
-            <a:spLocks noGrp="1" noRot="1" noChangeAspect="1" noMove="1" noResize="1" noEditPoints="1" noAdjustHandles="1" noChangeArrowheads="1" noChangeShapeType="1" noTextEdit="1"/>
-          </p:cNvSpPr>
-          <p:nvPr>
-            <p:extLst>
-              <p:ext uri="{386F3935-93C4-4BCD-93E2-E3B085C9AB24}">
-                <p16:designElem xmlns:p16="http://schemas.microsoft.com/office/powerpoint/2015/main" val="1"/>
-              </p:ext>
-            </p:extLst>
-          </p:nvPr>
-        </p:nvSpPr>
-        <p:spPr>
-          <a:xfrm>
-            <a:off x="0" y="2203079"/>
-            <a:ext cx="11383362" cy="4147845"/>
-          </a:xfrm>
-          <a:prstGeom prst="rect">
-            <a:avLst/>
-          </a:prstGeom>
-          <a:solidFill>
-            <a:schemeClr val="bg1"/>
-          </a:solidFill>
-          <a:ln>
-            <a:noFill/>
-          </a:ln>
-          <a:effectLst>
-            <a:outerShdw blurRad="139700" dist="127000" dir="5400000" algn="t" rotWithShape="0">
-              <a:prstClr val="black">
-                <a:alpha val="15000"/>
-              </a:prstClr>
-            </a:outerShdw>
-          </a:effectLst>
-        </p:spPr>
-        <p:style>
-          <a:lnRef idx="2">
-            <a:schemeClr val="accent1">
-              <a:shade val="50000"/>
-            </a:schemeClr>
-          </a:lnRef>
-          <a:fillRef idx="1">
-            <a:schemeClr val="accent1"/>
-          </a:fillRef>
-          <a:effectRef idx="0">
-            <a:schemeClr val="accent1"/>
-          </a:effectRef>
-          <a:fontRef idx="minor">
-            <a:schemeClr val="lt1"/>
-          </a:fontRef>
-        </p:style>
-        <p:txBody>
-          <a:bodyPr rtlCol="0" anchor="ctr"/>
-          <a:lstStyle/>
-          <a:p>
-            <a:pPr algn="ctr"/>
-            <a:endParaRPr lang="en-US"/>
-          </a:p>
-        </p:txBody>
-      </p:sp>
-      <p:sp>
-        <p:nvSpPr>
-          <p:cNvPr id="5" name="Rectangle 2">
-            <a:extLst>
-              <a:ext uri="{FF2B5EF4-FFF2-40B4-BE49-F238E27FC236}">
-                <a16:creationId xmlns:a16="http://schemas.microsoft.com/office/drawing/2014/main" id="{8820683A-74FC-A218-FC27-880DB6864771}"/>
-              </a:ext>
-            </a:extLst>
-          </p:cNvPr>
-          <p:cNvSpPr>
-            <a:spLocks noGrp="1" noChangeArrowheads="1"/>
-          </p:cNvSpPr>
-          <p:nvPr>
-            <p:ph idx="1"/>
-          </p:nvPr>
-        </p:nvSpPr>
-        <p:spPr bwMode="auto">
-          <a:xfrm>
-            <a:off x="793660" y="2599509"/>
-            <a:ext cx="10143668" cy="3435531"/>
-          </a:xfrm>
-          <a:prstGeom prst="rect">
-            <a:avLst/>
-          </a:prstGeom>
-          <a:extLst>
-            <a:ext uri="{909E8E84-426E-40DD-AFC4-6F175D3DCCD1}">
-              <a14:hiddenFill xmlns:a14="http://schemas.microsoft.com/office/drawing/2010/main">
-                <a:solidFill>
-                  <a:schemeClr val="accent1"/>
-                </a:solidFill>
-              </a14:hiddenFill>
-            </a:ext>
-            <a:ext uri="{91240B29-F687-4F45-9708-019B960494DF}">
-              <a14:hiddenLine xmlns:a14="http://schemas.microsoft.com/office/drawing/2010/main" w="9525">
-                <a:solidFill>
-                  <a:schemeClr val="tx1"/>
-                </a:solidFill>
-                <a:miter lim="800000"/>
-                <a:headEnd/>
-                <a:tailEnd/>
-              </a14:hiddenLine>
-            </a:ext>
-            <a:ext uri="{AF507438-7753-43E0-B8FC-AC1667EBCBE1}">
-              <a14:hiddenEffects xmlns:a14="http://schemas.microsoft.com/office/drawing/2010/main">
-                <a:effectLst>
-                  <a:outerShdw dist="35921" dir="2700000" algn="ctr" rotWithShape="0">
-                    <a:schemeClr val="bg2"/>
-                  </a:outerShdw>
-                </a:effectLst>
-              </a14:hiddenEffects>
-            </a:ext>
-          </a:extLst>
-        </p:spPr>
-        <p:txBody>
-          <a:bodyPr vert="horz" lIns="91440" tIns="45720" rIns="91440" bIns="45720" numCol="1" anchor="ctr" anchorCtr="0" compatLnSpc="1">
-            <a:prstTxWarp prst="textNoShape">
-              <a:avLst/>
-            </a:prstTxWarp>
-            <a:normAutofit/>
-          </a:bodyPr>
-          <a:lstStyle/>
-          <a:p>
-            <a:pPr marL="0" marR="0" lvl="0" indent="0" defTabSz="914400" rtl="0" eaLnBrk="0" fontAlgn="base" latinLnBrk="0" hangingPunct="0">
-              <a:spcBef>
-                <a:spcPct val="0"/>
-              </a:spcBef>
-              <a:spcAft>
-                <a:spcPts val="600"/>
-              </a:spcAft>
-              <a:buClrTx/>
-              <a:buSzTx/>
-              <a:buFontTx/>
-              <a:buChar char="•"/>
-              <a:tabLst/>
-            </a:pPr>
-            <a:r>
-              <a:rPr kumimoji="0" lang="en-US" altLang="en-US" sz="2200" b="1" i="0" u="none" strike="noStrike" cap="none" normalizeH="0" baseline="0" dirty="0">
-                <a:ln>
-                  <a:noFill/>
-                </a:ln>
-                <a:effectLst/>
-                <a:latin typeface="Arial" panose="020B0604020202020204" pitchFamily="34" charset="0"/>
-              </a:rPr>
-              <a:t> Feature Grouping</a:t>
-            </a:r>
-            <a:r>
-              <a:rPr kumimoji="0" lang="en-US" altLang="en-US" sz="2200" b="0" i="0" u="none" strike="noStrike" cap="none" normalizeH="0" baseline="0" dirty="0">
-                <a:ln>
-                  <a:noFill/>
-                </a:ln>
-                <a:effectLst/>
-                <a:latin typeface="Arial" panose="020B0604020202020204" pitchFamily="34" charset="0"/>
-              </a:rPr>
-              <a:t>: Numerical and categorical features</a:t>
-            </a:r>
-          </a:p>
-          <a:p>
-            <a:pPr marL="0" marR="0" lvl="0" indent="0" defTabSz="914400" rtl="0" eaLnBrk="0" fontAlgn="base" latinLnBrk="0" hangingPunct="0">
-              <a:spcBef>
-                <a:spcPct val="0"/>
-              </a:spcBef>
-              <a:spcAft>
-                <a:spcPts val="600"/>
-              </a:spcAft>
-              <a:buClrTx/>
-              <a:buSzTx/>
-              <a:buNone/>
-              <a:tabLst/>
-            </a:pPr>
-            <a:endParaRPr kumimoji="0" lang="en-US" altLang="en-US" sz="2200" b="0" i="0" u="none" strike="noStrike" cap="none" normalizeH="0" baseline="0" dirty="0">
-              <a:ln>
-                <a:noFill/>
-              </a:ln>
-              <a:effectLst/>
-              <a:latin typeface="Arial" panose="020B0604020202020204" pitchFamily="34" charset="0"/>
-            </a:endParaRPr>
-          </a:p>
-          <a:p>
-            <a:pPr marL="0" marR="0" lvl="0" indent="0" defTabSz="914400" rtl="0" eaLnBrk="0" fontAlgn="base" latinLnBrk="0" hangingPunct="0">
-              <a:spcBef>
-                <a:spcPct val="0"/>
-              </a:spcBef>
-              <a:spcAft>
-                <a:spcPts val="600"/>
-              </a:spcAft>
-              <a:buClrTx/>
-              <a:buSzTx/>
-              <a:buFontTx/>
-              <a:buChar char="•"/>
-              <a:tabLst/>
-            </a:pPr>
-            <a:r>
-              <a:rPr kumimoji="0" lang="en-US" altLang="en-US" sz="2200" b="1" i="0" u="none" strike="noStrike" cap="none" normalizeH="0" baseline="0" dirty="0">
-                <a:ln>
-                  <a:noFill/>
-                </a:ln>
-                <a:effectLst/>
-                <a:latin typeface="Arial" panose="020B0604020202020204" pitchFamily="34" charset="0"/>
-              </a:rPr>
-              <a:t> Preprocessing Pipelines</a:t>
-            </a:r>
-            <a:r>
-              <a:rPr kumimoji="0" lang="en-US" altLang="en-US" sz="2200" b="0" i="0" u="none" strike="noStrike" cap="none" normalizeH="0" baseline="0" dirty="0">
-                <a:ln>
-                  <a:noFill/>
-                </a:ln>
-                <a:effectLst/>
-                <a:latin typeface="Arial" panose="020B0604020202020204" pitchFamily="34" charset="0"/>
-              </a:rPr>
-              <a:t>: V1 (RobustScaler), V2 (PowerTransformer)</a:t>
-            </a:r>
-          </a:p>
-          <a:p>
-            <a:pPr marL="0" marR="0" lvl="0" indent="0" defTabSz="914400" rtl="0" eaLnBrk="0" fontAlgn="base" latinLnBrk="0" hangingPunct="0">
-              <a:spcBef>
-                <a:spcPct val="0"/>
-              </a:spcBef>
-              <a:spcAft>
-                <a:spcPts val="600"/>
-              </a:spcAft>
-              <a:buClrTx/>
-              <a:buSzTx/>
-              <a:buNone/>
-              <a:tabLst/>
-            </a:pPr>
-            <a:endParaRPr kumimoji="0" lang="en-US" altLang="en-US" sz="2200" b="0" i="0" u="none" strike="noStrike" cap="none" normalizeH="0" baseline="0" dirty="0">
-              <a:ln>
-                <a:noFill/>
-              </a:ln>
-              <a:effectLst/>
-              <a:latin typeface="Arial" panose="020B0604020202020204" pitchFamily="34" charset="0"/>
-            </a:endParaRPr>
-          </a:p>
-          <a:p>
-            <a:pPr marL="0" marR="0" lvl="0" indent="0" defTabSz="914400" rtl="0" eaLnBrk="0" fontAlgn="base" latinLnBrk="0" hangingPunct="0">
-              <a:spcBef>
-                <a:spcPct val="0"/>
-              </a:spcBef>
-              <a:spcAft>
-                <a:spcPts val="600"/>
-              </a:spcAft>
-              <a:buClrTx/>
-              <a:buSzTx/>
-              <a:buFontTx/>
-              <a:buChar char="•"/>
-              <a:tabLst/>
-            </a:pPr>
-            <a:r>
-              <a:rPr kumimoji="0" lang="en-US" altLang="en-US" sz="2200" b="1" i="0" u="none" strike="noStrike" cap="none" normalizeH="0" baseline="0" dirty="0">
-                <a:ln>
-                  <a:noFill/>
-                </a:ln>
-                <a:effectLst/>
-                <a:latin typeface="Arial" panose="020B0604020202020204" pitchFamily="34" charset="0"/>
-              </a:rPr>
-              <a:t> Classifiers</a:t>
-            </a:r>
-            <a:r>
-              <a:rPr kumimoji="0" lang="en-US" altLang="en-US" sz="2200" b="0" i="0" u="none" strike="noStrike" cap="none" normalizeH="0" baseline="0" dirty="0">
-                <a:ln>
-                  <a:noFill/>
-                </a:ln>
-                <a:effectLst/>
-                <a:latin typeface="Arial" panose="020B0604020202020204" pitchFamily="34" charset="0"/>
-              </a:rPr>
-              <a:t>: AdaBoost, CatBoost</a:t>
-            </a:r>
-          </a:p>
-          <a:p>
-            <a:pPr marL="0" marR="0" lvl="0" indent="0" defTabSz="914400" rtl="0" eaLnBrk="0" fontAlgn="base" latinLnBrk="0" hangingPunct="0">
-              <a:spcBef>
-                <a:spcPct val="0"/>
-              </a:spcBef>
-              <a:spcAft>
-                <a:spcPts val="600"/>
-              </a:spcAft>
-              <a:buClrTx/>
-              <a:buSzTx/>
-              <a:buNone/>
-              <a:tabLst/>
-            </a:pPr>
-            <a:endParaRPr kumimoji="0" lang="en-US" altLang="en-US" sz="2200" b="0" i="0" u="none" strike="noStrike" cap="none" normalizeH="0" baseline="0" dirty="0">
-              <a:ln>
-                <a:noFill/>
-              </a:ln>
-              <a:effectLst/>
-              <a:latin typeface="Arial" panose="020B0604020202020204" pitchFamily="34" charset="0"/>
-            </a:endParaRPr>
-          </a:p>
-          <a:p>
-            <a:pPr marL="0" marR="0" lvl="0" indent="0" defTabSz="914400" rtl="0" eaLnBrk="0" fontAlgn="base" latinLnBrk="0" hangingPunct="0">
-              <a:spcBef>
-                <a:spcPct val="0"/>
-              </a:spcBef>
-              <a:spcAft>
-                <a:spcPts val="600"/>
-              </a:spcAft>
-              <a:buClrTx/>
-              <a:buSzTx/>
-              <a:buFontTx/>
-              <a:buChar char="•"/>
-              <a:tabLst/>
-            </a:pPr>
-            <a:r>
-              <a:rPr kumimoji="0" lang="en-US" altLang="en-US" sz="2200" b="1" i="0" u="none" strike="noStrike" cap="none" normalizeH="0" baseline="0" dirty="0">
-                <a:ln>
-                  <a:noFill/>
-                </a:ln>
-                <a:effectLst/>
-                <a:latin typeface="Arial" panose="020B0604020202020204" pitchFamily="34" charset="0"/>
-              </a:rPr>
-              <a:t> Hyperparameter Tuning</a:t>
-            </a:r>
-            <a:r>
-              <a:rPr kumimoji="0" lang="en-US" altLang="en-US" sz="2200" b="0" i="0" u="none" strike="noStrike" cap="none" normalizeH="0" baseline="0" dirty="0">
-                <a:ln>
-                  <a:noFill/>
-                </a:ln>
-                <a:effectLst/>
-                <a:latin typeface="Arial" panose="020B0604020202020204" pitchFamily="34" charset="0"/>
-              </a:rPr>
-              <a:t>: GridSearchCV</a:t>
-            </a:r>
-          </a:p>
-          <a:p>
-            <a:pPr marL="0" marR="0" lvl="0" indent="0" defTabSz="914400" rtl="0" eaLnBrk="0" fontAlgn="base" latinLnBrk="0" hangingPunct="0">
-              <a:spcBef>
-                <a:spcPct val="0"/>
-              </a:spcBef>
-              <a:spcAft>
-                <a:spcPts val="600"/>
-              </a:spcAft>
-              <a:buClrTx/>
-              <a:buSzTx/>
-              <a:buNone/>
-              <a:tabLst/>
-            </a:pPr>
-            <a:endParaRPr kumimoji="0" lang="en-US" altLang="en-US" sz="2200" b="0" i="0" u="none" strike="noStrike" cap="none" normalizeH="0" baseline="0" dirty="0">
-              <a:ln>
-                <a:noFill/>
-              </a:ln>
-              <a:effectLst/>
-              <a:latin typeface="Arial" panose="020B0604020202020204" pitchFamily="34" charset="0"/>
-            </a:endParaRPr>
-          </a:p>
-          <a:p>
-            <a:pPr marL="0" marR="0" lvl="0" indent="0" defTabSz="914400" rtl="0" eaLnBrk="0" fontAlgn="base" latinLnBrk="0" hangingPunct="0">
-              <a:spcBef>
-                <a:spcPct val="0"/>
-              </a:spcBef>
-              <a:spcAft>
-                <a:spcPts val="600"/>
-              </a:spcAft>
-              <a:buClrTx/>
-              <a:buSzTx/>
-              <a:buFontTx/>
-              <a:buChar char="•"/>
-              <a:tabLst/>
-            </a:pPr>
-            <a:r>
-              <a:rPr kumimoji="0" lang="en-US" altLang="en-US" sz="2200" b="1" i="0" u="none" strike="noStrike" cap="none" normalizeH="0" baseline="0" dirty="0">
-                <a:ln>
-                  <a:noFill/>
-                </a:ln>
-                <a:effectLst/>
-                <a:latin typeface="Arial" panose="020B0604020202020204" pitchFamily="34" charset="0"/>
-              </a:rPr>
-              <a:t> Evaluation</a:t>
-            </a:r>
-            <a:r>
-              <a:rPr kumimoji="0" lang="en-US" altLang="en-US" sz="2200" b="0" i="0" u="none" strike="noStrike" cap="none" normalizeH="0" baseline="0" dirty="0">
-                <a:ln>
-                  <a:noFill/>
-                </a:ln>
-                <a:effectLst/>
-                <a:latin typeface="Arial" panose="020B0604020202020204" pitchFamily="34" charset="0"/>
-              </a:rPr>
-              <a:t>: Weighted F1 score, 5-fold cross-validation</a:t>
-            </a:r>
-          </a:p>
-        </p:txBody>
-      </p:sp>
-    </p:spTree>
-    <p:extLst>
-      <p:ext uri="{BB962C8B-B14F-4D97-AF65-F5344CB8AC3E}">
-        <p14:creationId xmlns:p14="http://schemas.microsoft.com/office/powerpoint/2010/main" val="217208614"/>
       </p:ext>
     </p:extLst>
   </p:cSld>
@@ -17246,6 +17951,1131 @@
         <p:cNvPr id="1" name="">
           <a:extLst>
             <a:ext uri="{FF2B5EF4-FFF2-40B4-BE49-F238E27FC236}">
+              <a16:creationId xmlns:a16="http://schemas.microsoft.com/office/drawing/2014/main" id="{7D48EC94-52FD-171C-F715-61329BB0BC6B}"/>
+            </a:ext>
+          </a:extLst>
+        </p:cNvPr>
+        <p:cNvGrpSpPr/>
+        <p:nvPr/>
+      </p:nvGrpSpPr>
+      <p:grpSpPr>
+        <a:xfrm>
+          <a:off x="0" y="0"/>
+          <a:ext cx="0" cy="0"/>
+          <a:chOff x="0" y="0"/>
+          <a:chExt cx="0" cy="0"/>
+        </a:xfrm>
+      </p:grpSpPr>
+      <p:sp useBgFill="1">
+        <p:nvSpPr>
+          <p:cNvPr id="164" name="Rectangle 163">
+            <a:extLst>
+              <a:ext uri="{FF2B5EF4-FFF2-40B4-BE49-F238E27FC236}">
+                <a16:creationId xmlns:a16="http://schemas.microsoft.com/office/drawing/2014/main" id="{081EA652-8C6A-4E69-BEB9-170809474553}"/>
+              </a:ext>
+              <a:ext uri="{C183D7F6-B498-43B3-948B-1728B52AA6E4}">
+                <adec:decorative xmlns:adec="http://schemas.microsoft.com/office/drawing/2017/decorative" val="1"/>
+              </a:ext>
+            </a:extLst>
+          </p:cNvPr>
+          <p:cNvSpPr>
+            <a:spLocks noGrp="1" noRot="1" noChangeAspect="1" noMove="1" noResize="1" noEditPoints="1" noAdjustHandles="1" noChangeArrowheads="1" noChangeShapeType="1" noTextEdit="1"/>
+          </p:cNvSpPr>
+          <p:nvPr>
+            <p:extLst>
+              <p:ext uri="{386F3935-93C4-4BCD-93E2-E3B085C9AB24}">
+                <p16:designElem xmlns:p16="http://schemas.microsoft.com/office/powerpoint/2015/main" val="1"/>
+              </p:ext>
+            </p:extLst>
+          </p:nvPr>
+        </p:nvSpPr>
+        <p:spPr>
+          <a:xfrm>
+            <a:off x="0" y="0"/>
+            <a:ext cx="12192000" cy="6858000"/>
+          </a:xfrm>
+          <a:prstGeom prst="rect">
+            <a:avLst/>
+          </a:prstGeom>
+          <a:ln>
+            <a:noFill/>
+          </a:ln>
+        </p:spPr>
+        <p:style>
+          <a:lnRef idx="2">
+            <a:schemeClr val="accent1">
+              <a:shade val="50000"/>
+            </a:schemeClr>
+          </a:lnRef>
+          <a:fillRef idx="1">
+            <a:schemeClr val="accent1"/>
+          </a:fillRef>
+          <a:effectRef idx="0">
+            <a:schemeClr val="accent1"/>
+          </a:effectRef>
+          <a:fontRef idx="minor">
+            <a:schemeClr val="lt1"/>
+          </a:fontRef>
+        </p:style>
+        <p:txBody>
+          <a:bodyPr rtlCol="0" anchor="ctr"/>
+          <a:lstStyle/>
+          <a:p>
+            <a:pPr algn="ctr"/>
+            <a:endParaRPr lang="en-US"/>
+          </a:p>
+        </p:txBody>
+      </p:sp>
+      <p:sp>
+        <p:nvSpPr>
+          <p:cNvPr id="166" name="Right Triangle 165">
+            <a:extLst>
+              <a:ext uri="{FF2B5EF4-FFF2-40B4-BE49-F238E27FC236}">
+                <a16:creationId xmlns:a16="http://schemas.microsoft.com/office/drawing/2014/main" id="{5298780A-33B9-4EA2-8F67-DE68AD62841B}"/>
+              </a:ext>
+              <a:ext uri="{C183D7F6-B498-43B3-948B-1728B52AA6E4}">
+                <adec:decorative xmlns:adec="http://schemas.microsoft.com/office/drawing/2017/decorative" val="1"/>
+              </a:ext>
+            </a:extLst>
+          </p:cNvPr>
+          <p:cNvSpPr>
+            <a:spLocks noGrp="1" noRot="1" noChangeAspect="1" noMove="1" noResize="1" noEditPoints="1" noAdjustHandles="1" noChangeArrowheads="1" noChangeShapeType="1" noTextEdit="1"/>
+          </p:cNvSpPr>
+          <p:nvPr>
+            <p:extLst>
+              <p:ext uri="{386F3935-93C4-4BCD-93E2-E3B085C9AB24}">
+                <p16:designElem xmlns:p16="http://schemas.microsoft.com/office/powerpoint/2015/main" val="1"/>
+              </p:ext>
+            </p:extLst>
+          </p:nvPr>
+        </p:nvSpPr>
+        <p:spPr>
+          <a:xfrm flipH="1">
+            <a:off x="8576720" y="3335867"/>
+            <a:ext cx="3291840" cy="3200400"/>
+          </a:xfrm>
+          <a:prstGeom prst="rtTriangle">
+            <a:avLst/>
+          </a:prstGeom>
+          <a:solidFill>
+            <a:schemeClr val="accent4"/>
+          </a:solidFill>
+          <a:ln>
+            <a:noFill/>
+          </a:ln>
+        </p:spPr>
+        <p:style>
+          <a:lnRef idx="2">
+            <a:schemeClr val="accent1">
+              <a:shade val="50000"/>
+            </a:schemeClr>
+          </a:lnRef>
+          <a:fillRef idx="1">
+            <a:schemeClr val="accent1"/>
+          </a:fillRef>
+          <a:effectRef idx="0">
+            <a:schemeClr val="accent1"/>
+          </a:effectRef>
+          <a:fontRef idx="minor">
+            <a:schemeClr val="lt1"/>
+          </a:fontRef>
+        </p:style>
+        <p:txBody>
+          <a:bodyPr rtlCol="0" anchor="ctr"/>
+          <a:lstStyle/>
+          <a:p>
+            <a:pPr algn="ctr"/>
+            <a:endParaRPr lang="en-US" dirty="0"/>
+          </a:p>
+        </p:txBody>
+      </p:sp>
+      <p:sp>
+        <p:nvSpPr>
+          <p:cNvPr id="168" name="Rectangle 167">
+            <a:extLst>
+              <a:ext uri="{FF2B5EF4-FFF2-40B4-BE49-F238E27FC236}">
+                <a16:creationId xmlns:a16="http://schemas.microsoft.com/office/drawing/2014/main" id="{7F488E8B-4E1E-4402-8935-D4E6C02615C7}"/>
+              </a:ext>
+              <a:ext uri="{C183D7F6-B498-43B3-948B-1728B52AA6E4}">
+                <adec:decorative xmlns:adec="http://schemas.microsoft.com/office/drawing/2017/decorative" val="1"/>
+              </a:ext>
+            </a:extLst>
+          </p:cNvPr>
+          <p:cNvSpPr>
+            <a:spLocks noGrp="1" noRot="1" noChangeAspect="1" noMove="1" noResize="1" noEditPoints="1" noAdjustHandles="1" noChangeArrowheads="1" noChangeShapeType="1" noTextEdit="1"/>
+          </p:cNvSpPr>
+          <p:nvPr>
+            <p:extLst>
+              <p:ext uri="{386F3935-93C4-4BCD-93E2-E3B085C9AB24}">
+                <p16:designElem xmlns:p16="http://schemas.microsoft.com/office/powerpoint/2015/main" val="1"/>
+              </p:ext>
+            </p:extLst>
+          </p:nvPr>
+        </p:nvSpPr>
+        <p:spPr>
+          <a:xfrm>
+            <a:off x="641774" y="623275"/>
+            <a:ext cx="10905053" cy="5607882"/>
+          </a:xfrm>
+          <a:prstGeom prst="rect">
+            <a:avLst/>
+          </a:prstGeom>
+          <a:noFill/>
+          <a:ln w="19050">
+            <a:solidFill>
+              <a:schemeClr val="tx1">
+                <a:lumMod val="75000"/>
+                <a:lumOff val="25000"/>
+              </a:schemeClr>
+            </a:solidFill>
+          </a:ln>
+        </p:spPr>
+        <p:style>
+          <a:lnRef idx="2">
+            <a:schemeClr val="accent1">
+              <a:shade val="50000"/>
+            </a:schemeClr>
+          </a:lnRef>
+          <a:fillRef idx="1">
+            <a:schemeClr val="accent1"/>
+          </a:fillRef>
+          <a:effectRef idx="0">
+            <a:schemeClr val="accent1"/>
+          </a:effectRef>
+          <a:fontRef idx="minor">
+            <a:schemeClr val="lt1"/>
+          </a:fontRef>
+        </p:style>
+        <p:txBody>
+          <a:bodyPr rtlCol="0" anchor="ctr"/>
+          <a:lstStyle/>
+          <a:p>
+            <a:pPr algn="ctr"/>
+            <a:endParaRPr lang="en-US"/>
+          </a:p>
+        </p:txBody>
+      </p:sp>
+      <p:sp>
+        <p:nvSpPr>
+          <p:cNvPr id="2" name="Title 1">
+            <a:extLst>
+              <a:ext uri="{FF2B5EF4-FFF2-40B4-BE49-F238E27FC236}">
+                <a16:creationId xmlns:a16="http://schemas.microsoft.com/office/drawing/2014/main" id="{82F114D2-5C42-18D6-025A-BE1B0A3F4B2F}"/>
+              </a:ext>
+            </a:extLst>
+          </p:cNvPr>
+          <p:cNvSpPr>
+            <a:spLocks noGrp="1"/>
+          </p:cNvSpPr>
+          <p:nvPr>
+            <p:ph type="title"/>
+          </p:nvPr>
+        </p:nvSpPr>
+        <p:spPr>
+          <a:xfrm>
+            <a:off x="1285240" y="1050595"/>
+            <a:ext cx="8074815" cy="1618489"/>
+          </a:xfrm>
+        </p:spPr>
+        <p:txBody>
+          <a:bodyPr anchor="ctr">
+            <a:normAutofit/>
+          </a:bodyPr>
+          <a:lstStyle/>
+          <a:p>
+            <a:r>
+              <a:rPr lang="en-US" sz="5000" dirty="0"/>
+              <a:t>Alternative Approach: Feature Reduction</a:t>
+            </a:r>
+          </a:p>
+        </p:txBody>
+      </p:sp>
+      <p:sp>
+        <p:nvSpPr>
+          <p:cNvPr id="4" name="Rectangle 2">
+            <a:extLst>
+              <a:ext uri="{FF2B5EF4-FFF2-40B4-BE49-F238E27FC236}">
+                <a16:creationId xmlns:a16="http://schemas.microsoft.com/office/drawing/2014/main" id="{35E56C8B-92EA-60C8-1BFF-741263EE2A35}"/>
+              </a:ext>
+            </a:extLst>
+          </p:cNvPr>
+          <p:cNvSpPr>
+            <a:spLocks noGrp="1" noChangeArrowheads="1"/>
+          </p:cNvSpPr>
+          <p:nvPr>
+            <p:ph idx="1"/>
+          </p:nvPr>
+        </p:nvSpPr>
+        <p:spPr bwMode="auto">
+          <a:xfrm>
+            <a:off x="1285240" y="2669085"/>
+            <a:ext cx="8074815" cy="3335866"/>
+          </a:xfrm>
+          <a:prstGeom prst="rect">
+            <a:avLst/>
+          </a:prstGeom>
+          <a:extLst>
+            <a:ext uri="{909E8E84-426E-40DD-AFC4-6F175D3DCCD1}">
+              <a14:hiddenFill xmlns:a14="http://schemas.microsoft.com/office/drawing/2010/main">
+                <a:solidFill>
+                  <a:schemeClr val="accent1"/>
+                </a:solidFill>
+              </a14:hiddenFill>
+            </a:ext>
+            <a:ext uri="{91240B29-F687-4F45-9708-019B960494DF}">
+              <a14:hiddenLine xmlns:a14="http://schemas.microsoft.com/office/drawing/2010/main" w="9525">
+                <a:solidFill>
+                  <a:schemeClr val="tx1"/>
+                </a:solidFill>
+                <a:miter lim="800000"/>
+                <a:headEnd/>
+                <a:tailEnd/>
+              </a14:hiddenLine>
+            </a:ext>
+            <a:ext uri="{AF507438-7753-43E0-B8FC-AC1667EBCBE1}">
+              <a14:hiddenEffects xmlns:a14="http://schemas.microsoft.com/office/drawing/2010/main">
+                <a:effectLst>
+                  <a:outerShdw dist="35921" dir="2700000" algn="ctr" rotWithShape="0">
+                    <a:schemeClr val="bg2"/>
+                  </a:outerShdw>
+                </a:effectLst>
+              </a14:hiddenEffects>
+            </a:ext>
+          </a:extLst>
+        </p:spPr>
+        <p:txBody>
+          <a:bodyPr vert="horz" lIns="91440" tIns="45720" rIns="91440" bIns="45720" numCol="1" anchor="t" anchorCtr="0" compatLnSpc="1">
+            <a:prstTxWarp prst="textNoShape">
+              <a:avLst/>
+            </a:prstTxWarp>
+            <a:normAutofit fontScale="92500"/>
+          </a:bodyPr>
+          <a:lstStyle/>
+          <a:p>
+            <a:pPr marL="0" indent="0">
+              <a:buNone/>
+            </a:pPr>
+            <a:r>
+              <a:rPr lang="en-US" sz="2200" b="1" dirty="0"/>
+              <a:t>Dropped</a:t>
+            </a:r>
+            <a:r>
+              <a:rPr lang="en-US" sz="2200" dirty="0"/>
+              <a:t> all features except:</a:t>
+            </a:r>
+          </a:p>
+          <a:p>
+            <a:pPr marL="742950" lvl="1" indent="-285750"/>
+            <a:r>
+              <a:rPr lang="en-US" sz="2200" b="1" dirty="0"/>
+              <a:t>Age</a:t>
+            </a:r>
+          </a:p>
+          <a:p>
+            <a:pPr marL="742950" lvl="1" indent="-285750"/>
+            <a:r>
+              <a:rPr lang="en-US" sz="2200" b="1" dirty="0"/>
+              <a:t>Family History of Alzheimer’s</a:t>
+            </a:r>
+          </a:p>
+          <a:p>
+            <a:pPr marL="742950" lvl="1" indent="-285750"/>
+            <a:r>
+              <a:rPr lang="en-US" sz="2200" b="1" dirty="0"/>
+              <a:t>Genetic Risk Factor (APOE-ε4 allele)</a:t>
+            </a:r>
+          </a:p>
+          <a:p>
+            <a:pPr marL="0" indent="0">
+              <a:buNone/>
+            </a:pPr>
+            <a:r>
+              <a:rPr lang="en-US" sz="2200" dirty="0"/>
+              <a:t>Re-ran the </a:t>
+            </a:r>
+            <a:r>
+              <a:rPr lang="en-US" sz="2200" b="1" dirty="0"/>
+              <a:t>same modeling process </a:t>
+            </a:r>
+            <a:r>
+              <a:rPr lang="en-US" sz="2200" dirty="0"/>
+              <a:t>(pipelines + GridSearchCV)</a:t>
+            </a:r>
+          </a:p>
+          <a:p>
+            <a:pPr marL="0" indent="0">
+              <a:buNone/>
+            </a:pPr>
+            <a:r>
+              <a:rPr lang="en-US" sz="2200" dirty="0"/>
+              <a:t>Result:</a:t>
+            </a:r>
+          </a:p>
+          <a:p>
+            <a:pPr marL="742950" lvl="1" indent="-285750"/>
+            <a:r>
+              <a:rPr lang="en-US" sz="2200" dirty="0"/>
+              <a:t>Top 2 datasets and top 2 classifiers remained the same.</a:t>
+            </a:r>
+          </a:p>
+          <a:p>
+            <a:pPr marL="742950" lvl="1" indent="-285750"/>
+            <a:r>
+              <a:rPr lang="en-US" sz="2200" b="1" dirty="0"/>
+              <a:t>No change in F1-scores</a:t>
+            </a:r>
+            <a:r>
+              <a:rPr lang="en-US" sz="2200" dirty="0"/>
+              <a:t>.</a:t>
+            </a:r>
+          </a:p>
+          <a:p>
+            <a:pPr marL="0" indent="0">
+              <a:buNone/>
+            </a:pPr>
+            <a:r>
+              <a:rPr lang="en-US" sz="2200" dirty="0"/>
+              <a:t>Conclusion: Other features had limited impact on final model performance.</a:t>
+            </a:r>
+          </a:p>
+          <a:p>
+            <a:pPr marL="0" marR="0" lvl="0" indent="0" defTabSz="914400" rtl="0" eaLnBrk="0" fontAlgn="base" latinLnBrk="0" hangingPunct="0">
+              <a:spcBef>
+                <a:spcPct val="0"/>
+              </a:spcBef>
+              <a:spcAft>
+                <a:spcPts val="600"/>
+              </a:spcAft>
+              <a:buClrTx/>
+              <a:buSzTx/>
+              <a:buFontTx/>
+              <a:buNone/>
+              <a:tabLst/>
+            </a:pPr>
+            <a:endParaRPr kumimoji="0" lang="en-US" altLang="en-US" sz="1500" b="0" i="0" u="none" strike="noStrike" cap="none" normalizeH="0" baseline="0" dirty="0">
+              <a:ln>
+                <a:noFill/>
+              </a:ln>
+              <a:effectLst/>
+              <a:latin typeface="Arial" panose="020B0604020202020204" pitchFamily="34" charset="0"/>
+            </a:endParaRPr>
+          </a:p>
+        </p:txBody>
+      </p:sp>
+    </p:spTree>
+    <p:extLst>
+      <p:ext uri="{BB962C8B-B14F-4D97-AF65-F5344CB8AC3E}">
+        <p14:creationId xmlns:p14="http://schemas.microsoft.com/office/powerpoint/2010/main" val="2036693798"/>
+      </p:ext>
+    </p:extLst>
+  </p:cSld>
+  <p:clrMapOvr>
+    <a:masterClrMapping/>
+  </p:clrMapOvr>
+</p:sld>
+</file>
+
+<file path=ppt/slides/slide21.xml><?xml version="1.0" encoding="utf-8"?>
+<p:sld xmlns:a="http://schemas.openxmlformats.org/drawingml/2006/main" xmlns:r="http://schemas.openxmlformats.org/officeDocument/2006/relationships" xmlns:p="http://schemas.openxmlformats.org/presentationml/2006/main">
+  <p:cSld>
+    <p:bg>
+      <p:bgPr>
+        <a:solidFill>
+          <a:schemeClr val="bg1"/>
+        </a:solidFill>
+        <a:effectLst/>
+      </p:bgPr>
+    </p:bg>
+    <p:spTree>
+      <p:nvGrpSpPr>
+        <p:cNvPr id="1" name="">
+          <a:extLst>
+            <a:ext uri="{FF2B5EF4-FFF2-40B4-BE49-F238E27FC236}">
+              <a16:creationId xmlns:a16="http://schemas.microsoft.com/office/drawing/2014/main" id="{289F1DDE-246F-6ACA-C6BE-57F1018DE97D}"/>
+            </a:ext>
+          </a:extLst>
+        </p:cNvPr>
+        <p:cNvGrpSpPr/>
+        <p:nvPr/>
+      </p:nvGrpSpPr>
+      <p:grpSpPr>
+        <a:xfrm>
+          <a:off x="0" y="0"/>
+          <a:ext cx="0" cy="0"/>
+          <a:chOff x="0" y="0"/>
+          <a:chExt cx="0" cy="0"/>
+        </a:xfrm>
+      </p:grpSpPr>
+      <p:sp useBgFill="1">
+        <p:nvSpPr>
+          <p:cNvPr id="141" name="Rectangle 140">
+            <a:extLst>
+              <a:ext uri="{FF2B5EF4-FFF2-40B4-BE49-F238E27FC236}">
+                <a16:creationId xmlns:a16="http://schemas.microsoft.com/office/drawing/2014/main" id="{DBF61EA3-B236-439E-9C0B-340980D56BEE}"/>
+              </a:ext>
+              <a:ext uri="{C183D7F6-B498-43B3-948B-1728B52AA6E4}">
+                <adec:decorative xmlns:adec="http://schemas.microsoft.com/office/drawing/2017/decorative" val="1"/>
+              </a:ext>
+            </a:extLst>
+          </p:cNvPr>
+          <p:cNvSpPr>
+            <a:spLocks noGrp="1" noRot="1" noChangeAspect="1" noMove="1" noResize="1" noEditPoints="1" noAdjustHandles="1" noChangeArrowheads="1" noChangeShapeType="1" noTextEdit="1"/>
+          </p:cNvSpPr>
+          <p:nvPr>
+            <p:extLst>
+              <p:ext uri="{386F3935-93C4-4BCD-93E2-E3B085C9AB24}">
+                <p16:designElem xmlns:p16="http://schemas.microsoft.com/office/powerpoint/2015/main" val="1"/>
+              </p:ext>
+            </p:extLst>
+          </p:nvPr>
+        </p:nvSpPr>
+        <p:spPr>
+          <a:xfrm>
+            <a:off x="0" y="0"/>
+            <a:ext cx="12191999" cy="6857365"/>
+          </a:xfrm>
+          <a:prstGeom prst="rect">
+            <a:avLst/>
+          </a:prstGeom>
+          <a:ln>
+            <a:noFill/>
+          </a:ln>
+        </p:spPr>
+        <p:style>
+          <a:lnRef idx="2">
+            <a:schemeClr val="accent1">
+              <a:shade val="50000"/>
+            </a:schemeClr>
+          </a:lnRef>
+          <a:fillRef idx="1">
+            <a:schemeClr val="accent1"/>
+          </a:fillRef>
+          <a:effectRef idx="0">
+            <a:schemeClr val="accent1"/>
+          </a:effectRef>
+          <a:fontRef idx="minor">
+            <a:schemeClr val="lt1"/>
+          </a:fontRef>
+        </p:style>
+        <p:txBody>
+          <a:bodyPr rtlCol="0" anchor="ctr"/>
+          <a:lstStyle/>
+          <a:p>
+            <a:pPr algn="ctr"/>
+            <a:endParaRPr lang="en-US"/>
+          </a:p>
+        </p:txBody>
+      </p:sp>
+      <p:sp>
+        <p:nvSpPr>
+          <p:cNvPr id="2" name="Title 1">
+            <a:extLst>
+              <a:ext uri="{FF2B5EF4-FFF2-40B4-BE49-F238E27FC236}">
+                <a16:creationId xmlns:a16="http://schemas.microsoft.com/office/drawing/2014/main" id="{B1369FCB-E7B0-F509-AFA4-0645794BF93B}"/>
+              </a:ext>
+            </a:extLst>
+          </p:cNvPr>
+          <p:cNvSpPr>
+            <a:spLocks noGrp="1"/>
+          </p:cNvSpPr>
+          <p:nvPr>
+            <p:ph type="title"/>
+          </p:nvPr>
+        </p:nvSpPr>
+        <p:spPr>
+          <a:xfrm>
+            <a:off x="808638" y="386930"/>
+            <a:ext cx="9236700" cy="1188950"/>
+          </a:xfrm>
+        </p:spPr>
+        <p:txBody>
+          <a:bodyPr anchor="b">
+            <a:normAutofit/>
+          </a:bodyPr>
+          <a:lstStyle/>
+          <a:p>
+            <a:r>
+              <a:rPr lang="en-US" sz="5000"/>
+              <a:t>Phase 2 – Hyperparameter Tuning</a:t>
+            </a:r>
+          </a:p>
+        </p:txBody>
+      </p:sp>
+      <p:grpSp>
+        <p:nvGrpSpPr>
+          <p:cNvPr id="143" name="Group 142">
+            <a:extLst>
+              <a:ext uri="{FF2B5EF4-FFF2-40B4-BE49-F238E27FC236}">
+                <a16:creationId xmlns:a16="http://schemas.microsoft.com/office/drawing/2014/main" id="{28FAF094-D087-493F-8DF9-A486C2D6BBAA}"/>
+              </a:ext>
+              <a:ext uri="{C183D7F6-B498-43B3-948B-1728B52AA6E4}">
+                <adec:decorative xmlns:adec="http://schemas.microsoft.com/office/drawing/2017/decorative" val="1"/>
+              </a:ext>
+            </a:extLst>
+          </p:cNvPr>
+          <p:cNvGrpSpPr>
+            <a:grpSpLocks noGrp="1" noUngrp="1" noRot="1" noChangeAspect="1" noMove="1" noResize="1"/>
+          </p:cNvGrpSpPr>
+          <p:nvPr>
+            <p:extLst>
+              <p:ext uri="{386F3935-93C4-4BCD-93E2-E3B085C9AB24}">
+                <p16:designElem xmlns:p16="http://schemas.microsoft.com/office/powerpoint/2015/main" val="1"/>
+              </p:ext>
+            </p:extLst>
+          </p:nvPr>
+        </p:nvGrpSpPr>
+        <p:grpSpPr>
+          <a:xfrm>
+            <a:off x="-2" y="1998368"/>
+            <a:ext cx="11695083" cy="782176"/>
+            <a:chOff x="-2" y="1998368"/>
+            <a:chExt cx="11695083" cy="782176"/>
+          </a:xfrm>
+        </p:grpSpPr>
+        <p:sp>
+          <p:nvSpPr>
+            <p:cNvPr id="144" name="Rectangle 143">
+              <a:extLst>
+                <a:ext uri="{FF2B5EF4-FFF2-40B4-BE49-F238E27FC236}">
+                  <a16:creationId xmlns:a16="http://schemas.microsoft.com/office/drawing/2014/main" id="{8D7C88D8-5509-4514-925A-9CE148E5CBD6}"/>
+                </a:ext>
+                <a:ext uri="{C183D7F6-B498-43B3-948B-1728B52AA6E4}">
+                  <adec:decorative xmlns:adec="http://schemas.microsoft.com/office/drawing/2017/decorative" val="1"/>
+                </a:ext>
+              </a:extLst>
+            </p:cNvPr>
+            <p:cNvSpPr/>
+            <p:nvPr>
+              <p:extLst>
+                <p:ext uri="{386F3935-93C4-4BCD-93E2-E3B085C9AB24}">
+                  <p16:designElem xmlns:p16="http://schemas.microsoft.com/office/powerpoint/2015/main" val="1"/>
+                </p:ext>
+              </p:extLst>
+            </p:nvPr>
+          </p:nvSpPr>
+          <p:spPr>
+            <a:xfrm rot="5400000">
+              <a:off x="11228040" y="2313027"/>
+              <a:ext cx="781700" cy="152382"/>
+            </a:xfrm>
+            <a:prstGeom prst="rect">
+              <a:avLst/>
+            </a:prstGeom>
+            <a:solidFill>
+              <a:schemeClr val="accent4"/>
+            </a:solidFill>
+            <a:ln>
+              <a:noFill/>
+            </a:ln>
+          </p:spPr>
+          <p:style>
+            <a:lnRef idx="2">
+              <a:schemeClr val="accent1">
+                <a:shade val="50000"/>
+              </a:schemeClr>
+            </a:lnRef>
+            <a:fillRef idx="1">
+              <a:schemeClr val="accent1"/>
+            </a:fillRef>
+            <a:effectRef idx="0">
+              <a:schemeClr val="accent1"/>
+            </a:effectRef>
+            <a:fontRef idx="minor">
+              <a:schemeClr val="lt1"/>
+            </a:fontRef>
+          </p:style>
+          <p:txBody>
+            <a:bodyPr rtlCol="0" anchor="ctr"/>
+            <a:lstStyle/>
+            <a:p>
+              <a:pPr algn="ctr"/>
+              <a:endParaRPr lang="en-US"/>
+            </a:p>
+          </p:txBody>
+        </p:sp>
+        <p:sp>
+          <p:nvSpPr>
+            <p:cNvPr id="145" name="Rectangle 144">
+              <a:extLst>
+                <a:ext uri="{FF2B5EF4-FFF2-40B4-BE49-F238E27FC236}">
+                  <a16:creationId xmlns:a16="http://schemas.microsoft.com/office/drawing/2014/main" id="{7275593D-F75E-4426-AE3E-2CDEFD228D25}"/>
+                </a:ext>
+                <a:ext uri="{C183D7F6-B498-43B3-948B-1728B52AA6E4}">
+                  <adec:decorative xmlns:adec="http://schemas.microsoft.com/office/drawing/2017/decorative" val="1"/>
+                </a:ext>
+              </a:extLst>
+            </p:cNvPr>
+            <p:cNvSpPr/>
+            <p:nvPr>
+              <p:extLst>
+                <p:ext uri="{386F3935-93C4-4BCD-93E2-E3B085C9AB24}">
+                  <p16:designElem xmlns:p16="http://schemas.microsoft.com/office/powerpoint/2015/main" val="1"/>
+                </p:ext>
+              </p:extLst>
+            </p:nvPr>
+          </p:nvSpPr>
+          <p:spPr>
+            <a:xfrm flipH="1" flipV="1">
+              <a:off x="-2" y="1998845"/>
+              <a:ext cx="11454595" cy="781699"/>
+            </a:xfrm>
+            <a:prstGeom prst="rect">
+              <a:avLst/>
+            </a:prstGeom>
+            <a:solidFill>
+              <a:schemeClr val="accent4"/>
+            </a:solidFill>
+            <a:ln>
+              <a:noFill/>
+            </a:ln>
+          </p:spPr>
+          <p:style>
+            <a:lnRef idx="2">
+              <a:schemeClr val="accent1">
+                <a:shade val="50000"/>
+              </a:schemeClr>
+            </a:lnRef>
+            <a:fillRef idx="1">
+              <a:schemeClr val="accent1"/>
+            </a:fillRef>
+            <a:effectRef idx="0">
+              <a:schemeClr val="accent1"/>
+            </a:effectRef>
+            <a:fontRef idx="minor">
+              <a:schemeClr val="lt1"/>
+            </a:fontRef>
+          </p:style>
+          <p:txBody>
+            <a:bodyPr rtlCol="0" anchor="ctr"/>
+            <a:lstStyle/>
+            <a:p>
+              <a:pPr algn="ctr"/>
+              <a:endParaRPr lang="en-US"/>
+            </a:p>
+          </p:txBody>
+        </p:sp>
+      </p:grpSp>
+      <p:sp>
+        <p:nvSpPr>
+          <p:cNvPr id="147" name="Rectangle 146">
+            <a:extLst>
+              <a:ext uri="{FF2B5EF4-FFF2-40B4-BE49-F238E27FC236}">
+                <a16:creationId xmlns:a16="http://schemas.microsoft.com/office/drawing/2014/main" id="{E659831F-0D9A-4C63-9EBB-8435B85A440F}"/>
+              </a:ext>
+              <a:ext uri="{C183D7F6-B498-43B3-948B-1728B52AA6E4}">
+                <adec:decorative xmlns:adec="http://schemas.microsoft.com/office/drawing/2017/decorative" val="1"/>
+              </a:ext>
+            </a:extLst>
+          </p:cNvPr>
+          <p:cNvSpPr>
+            <a:spLocks noGrp="1" noRot="1" noChangeAspect="1" noMove="1" noResize="1" noEditPoints="1" noAdjustHandles="1" noChangeArrowheads="1" noChangeShapeType="1" noTextEdit="1"/>
+          </p:cNvSpPr>
+          <p:nvPr>
+            <p:extLst>
+              <p:ext uri="{386F3935-93C4-4BCD-93E2-E3B085C9AB24}">
+                <p16:designElem xmlns:p16="http://schemas.microsoft.com/office/powerpoint/2015/main" val="1"/>
+              </p:ext>
+            </p:extLst>
+          </p:nvPr>
+        </p:nvSpPr>
+        <p:spPr>
+          <a:xfrm>
+            <a:off x="0" y="2203079"/>
+            <a:ext cx="11383362" cy="4147845"/>
+          </a:xfrm>
+          <a:prstGeom prst="rect">
+            <a:avLst/>
+          </a:prstGeom>
+          <a:solidFill>
+            <a:schemeClr val="bg1"/>
+          </a:solidFill>
+          <a:ln>
+            <a:noFill/>
+          </a:ln>
+          <a:effectLst>
+            <a:outerShdw blurRad="139700" dist="127000" dir="5400000" algn="t" rotWithShape="0">
+              <a:prstClr val="black">
+                <a:alpha val="15000"/>
+              </a:prstClr>
+            </a:outerShdw>
+          </a:effectLst>
+        </p:spPr>
+        <p:style>
+          <a:lnRef idx="2">
+            <a:schemeClr val="accent1">
+              <a:shade val="50000"/>
+            </a:schemeClr>
+          </a:lnRef>
+          <a:fillRef idx="1">
+            <a:schemeClr val="accent1"/>
+          </a:fillRef>
+          <a:effectRef idx="0">
+            <a:schemeClr val="accent1"/>
+          </a:effectRef>
+          <a:fontRef idx="minor">
+            <a:schemeClr val="lt1"/>
+          </a:fontRef>
+        </p:style>
+        <p:txBody>
+          <a:bodyPr rtlCol="0" anchor="ctr"/>
+          <a:lstStyle/>
+          <a:p>
+            <a:pPr algn="ctr"/>
+            <a:endParaRPr lang="en-US"/>
+          </a:p>
+        </p:txBody>
+      </p:sp>
+      <p:sp>
+        <p:nvSpPr>
+          <p:cNvPr id="5" name="Rectangle 2">
+            <a:extLst>
+              <a:ext uri="{FF2B5EF4-FFF2-40B4-BE49-F238E27FC236}">
+                <a16:creationId xmlns:a16="http://schemas.microsoft.com/office/drawing/2014/main" id="{8820683A-74FC-A218-FC27-880DB6864771}"/>
+              </a:ext>
+            </a:extLst>
+          </p:cNvPr>
+          <p:cNvSpPr>
+            <a:spLocks noGrp="1" noChangeArrowheads="1"/>
+          </p:cNvSpPr>
+          <p:nvPr>
+            <p:ph idx="1"/>
+          </p:nvPr>
+        </p:nvSpPr>
+        <p:spPr bwMode="auto">
+          <a:xfrm>
+            <a:off x="793660" y="2599509"/>
+            <a:ext cx="10143668" cy="3435531"/>
+          </a:xfrm>
+          <a:prstGeom prst="rect">
+            <a:avLst/>
+          </a:prstGeom>
+          <a:extLst>
+            <a:ext uri="{909E8E84-426E-40DD-AFC4-6F175D3DCCD1}">
+              <a14:hiddenFill xmlns:a14="http://schemas.microsoft.com/office/drawing/2010/main">
+                <a:solidFill>
+                  <a:schemeClr val="accent1"/>
+                </a:solidFill>
+              </a14:hiddenFill>
+            </a:ext>
+            <a:ext uri="{91240B29-F687-4F45-9708-019B960494DF}">
+              <a14:hiddenLine xmlns:a14="http://schemas.microsoft.com/office/drawing/2010/main" w="9525">
+                <a:solidFill>
+                  <a:schemeClr val="tx1"/>
+                </a:solidFill>
+                <a:miter lim="800000"/>
+                <a:headEnd/>
+                <a:tailEnd/>
+              </a14:hiddenLine>
+            </a:ext>
+            <a:ext uri="{AF507438-7753-43E0-B8FC-AC1667EBCBE1}">
+              <a14:hiddenEffects xmlns:a14="http://schemas.microsoft.com/office/drawing/2010/main">
+                <a:effectLst>
+                  <a:outerShdw dist="35921" dir="2700000" algn="ctr" rotWithShape="0">
+                    <a:schemeClr val="bg2"/>
+                  </a:outerShdw>
+                </a:effectLst>
+              </a14:hiddenEffects>
+            </a:ext>
+          </a:extLst>
+        </p:spPr>
+        <p:txBody>
+          <a:bodyPr vert="horz" lIns="91440" tIns="45720" rIns="91440" bIns="45720" numCol="1" anchor="ctr" anchorCtr="0" compatLnSpc="1">
+            <a:prstTxWarp prst="textNoShape">
+              <a:avLst/>
+            </a:prstTxWarp>
+            <a:normAutofit/>
+          </a:bodyPr>
+          <a:lstStyle/>
+          <a:p>
+            <a:pPr marL="0" marR="0" lvl="0" indent="0" defTabSz="914400" rtl="0" eaLnBrk="0" fontAlgn="base" latinLnBrk="0" hangingPunct="0">
+              <a:spcBef>
+                <a:spcPct val="0"/>
+              </a:spcBef>
+              <a:spcAft>
+                <a:spcPts val="600"/>
+              </a:spcAft>
+              <a:buClrTx/>
+              <a:buSzTx/>
+              <a:buFontTx/>
+              <a:buChar char="•"/>
+              <a:tabLst/>
+            </a:pPr>
+            <a:r>
+              <a:rPr kumimoji="0" lang="en-US" altLang="en-US" sz="2200" b="1" i="0" u="none" strike="noStrike" cap="none" normalizeH="0" baseline="0" dirty="0">
+                <a:ln>
+                  <a:noFill/>
+                </a:ln>
+                <a:effectLst/>
+                <a:latin typeface="Arial" panose="020B0604020202020204" pitchFamily="34" charset="0"/>
+              </a:rPr>
+              <a:t> Feature Grouping</a:t>
+            </a:r>
+            <a:r>
+              <a:rPr kumimoji="0" lang="en-US" altLang="en-US" sz="2200" b="0" i="0" u="none" strike="noStrike" cap="none" normalizeH="0" baseline="0" dirty="0">
+                <a:ln>
+                  <a:noFill/>
+                </a:ln>
+                <a:effectLst/>
+                <a:latin typeface="Arial" panose="020B0604020202020204" pitchFamily="34" charset="0"/>
+              </a:rPr>
+              <a:t>: Numerical and categorical features</a:t>
+            </a:r>
+          </a:p>
+          <a:p>
+            <a:pPr marL="0" marR="0" lvl="0" indent="0" defTabSz="914400" rtl="0" eaLnBrk="0" fontAlgn="base" latinLnBrk="0" hangingPunct="0">
+              <a:spcBef>
+                <a:spcPct val="0"/>
+              </a:spcBef>
+              <a:spcAft>
+                <a:spcPts val="600"/>
+              </a:spcAft>
+              <a:buClrTx/>
+              <a:buSzTx/>
+              <a:buNone/>
+              <a:tabLst/>
+            </a:pPr>
+            <a:endParaRPr kumimoji="0" lang="en-US" altLang="en-US" sz="2200" b="0" i="0" u="none" strike="noStrike" cap="none" normalizeH="0" baseline="0" dirty="0">
+              <a:ln>
+                <a:noFill/>
+              </a:ln>
+              <a:effectLst/>
+              <a:latin typeface="Arial" panose="020B0604020202020204" pitchFamily="34" charset="0"/>
+            </a:endParaRPr>
+          </a:p>
+          <a:p>
+            <a:pPr marL="0" marR="0" lvl="0" indent="0" defTabSz="914400" rtl="0" eaLnBrk="0" fontAlgn="base" latinLnBrk="0" hangingPunct="0">
+              <a:spcBef>
+                <a:spcPct val="0"/>
+              </a:spcBef>
+              <a:spcAft>
+                <a:spcPts val="600"/>
+              </a:spcAft>
+              <a:buClrTx/>
+              <a:buSzTx/>
+              <a:buFontTx/>
+              <a:buChar char="•"/>
+              <a:tabLst/>
+            </a:pPr>
+            <a:r>
+              <a:rPr kumimoji="0" lang="en-US" altLang="en-US" sz="2200" b="1" i="0" u="none" strike="noStrike" cap="none" normalizeH="0" baseline="0" dirty="0">
+                <a:ln>
+                  <a:noFill/>
+                </a:ln>
+                <a:effectLst/>
+                <a:latin typeface="Arial" panose="020B0604020202020204" pitchFamily="34" charset="0"/>
+              </a:rPr>
+              <a:t> Preprocessing Pipelines</a:t>
+            </a:r>
+            <a:r>
+              <a:rPr kumimoji="0" lang="en-US" altLang="en-US" sz="2200" b="0" i="0" u="none" strike="noStrike" cap="none" normalizeH="0" baseline="0" dirty="0">
+                <a:ln>
+                  <a:noFill/>
+                </a:ln>
+                <a:effectLst/>
+                <a:latin typeface="Arial" panose="020B0604020202020204" pitchFamily="34" charset="0"/>
+              </a:rPr>
+              <a:t>: V1 (RobustScaler), V2 (PowerTransformer)</a:t>
+            </a:r>
+          </a:p>
+          <a:p>
+            <a:pPr marL="0" marR="0" lvl="0" indent="0" defTabSz="914400" rtl="0" eaLnBrk="0" fontAlgn="base" latinLnBrk="0" hangingPunct="0">
+              <a:spcBef>
+                <a:spcPct val="0"/>
+              </a:spcBef>
+              <a:spcAft>
+                <a:spcPts val="600"/>
+              </a:spcAft>
+              <a:buClrTx/>
+              <a:buSzTx/>
+              <a:buNone/>
+              <a:tabLst/>
+            </a:pPr>
+            <a:endParaRPr kumimoji="0" lang="en-US" altLang="en-US" sz="2200" b="0" i="0" u="none" strike="noStrike" cap="none" normalizeH="0" baseline="0" dirty="0">
+              <a:ln>
+                <a:noFill/>
+              </a:ln>
+              <a:effectLst/>
+              <a:latin typeface="Arial" panose="020B0604020202020204" pitchFamily="34" charset="0"/>
+            </a:endParaRPr>
+          </a:p>
+          <a:p>
+            <a:pPr marL="0" marR="0" lvl="0" indent="0" defTabSz="914400" rtl="0" eaLnBrk="0" fontAlgn="base" latinLnBrk="0" hangingPunct="0">
+              <a:spcBef>
+                <a:spcPct val="0"/>
+              </a:spcBef>
+              <a:spcAft>
+                <a:spcPts val="600"/>
+              </a:spcAft>
+              <a:buClrTx/>
+              <a:buSzTx/>
+              <a:buFontTx/>
+              <a:buChar char="•"/>
+              <a:tabLst/>
+            </a:pPr>
+            <a:r>
+              <a:rPr kumimoji="0" lang="en-US" altLang="en-US" sz="2200" b="1" i="0" u="none" strike="noStrike" cap="none" normalizeH="0" baseline="0" dirty="0">
+                <a:ln>
+                  <a:noFill/>
+                </a:ln>
+                <a:effectLst/>
+                <a:latin typeface="Arial" panose="020B0604020202020204" pitchFamily="34" charset="0"/>
+              </a:rPr>
+              <a:t> Classifiers</a:t>
+            </a:r>
+            <a:r>
+              <a:rPr kumimoji="0" lang="en-US" altLang="en-US" sz="2200" b="0" i="0" u="none" strike="noStrike" cap="none" normalizeH="0" baseline="0" dirty="0">
+                <a:ln>
+                  <a:noFill/>
+                </a:ln>
+                <a:effectLst/>
+                <a:latin typeface="Arial" panose="020B0604020202020204" pitchFamily="34" charset="0"/>
+              </a:rPr>
+              <a:t>: AdaBoost, CatBoost</a:t>
+            </a:r>
+          </a:p>
+          <a:p>
+            <a:pPr marL="0" marR="0" lvl="0" indent="0" defTabSz="914400" rtl="0" eaLnBrk="0" fontAlgn="base" latinLnBrk="0" hangingPunct="0">
+              <a:spcBef>
+                <a:spcPct val="0"/>
+              </a:spcBef>
+              <a:spcAft>
+                <a:spcPts val="600"/>
+              </a:spcAft>
+              <a:buClrTx/>
+              <a:buSzTx/>
+              <a:buNone/>
+              <a:tabLst/>
+            </a:pPr>
+            <a:endParaRPr kumimoji="0" lang="en-US" altLang="en-US" sz="2200" b="0" i="0" u="none" strike="noStrike" cap="none" normalizeH="0" baseline="0" dirty="0">
+              <a:ln>
+                <a:noFill/>
+              </a:ln>
+              <a:effectLst/>
+              <a:latin typeface="Arial" panose="020B0604020202020204" pitchFamily="34" charset="0"/>
+            </a:endParaRPr>
+          </a:p>
+          <a:p>
+            <a:pPr marL="0" marR="0" lvl="0" indent="0" defTabSz="914400" rtl="0" eaLnBrk="0" fontAlgn="base" latinLnBrk="0" hangingPunct="0">
+              <a:spcBef>
+                <a:spcPct val="0"/>
+              </a:spcBef>
+              <a:spcAft>
+                <a:spcPts val="600"/>
+              </a:spcAft>
+              <a:buClrTx/>
+              <a:buSzTx/>
+              <a:buFontTx/>
+              <a:buChar char="•"/>
+              <a:tabLst/>
+            </a:pPr>
+            <a:r>
+              <a:rPr kumimoji="0" lang="en-US" altLang="en-US" sz="2200" b="1" i="0" u="none" strike="noStrike" cap="none" normalizeH="0" baseline="0" dirty="0">
+                <a:ln>
+                  <a:noFill/>
+                </a:ln>
+                <a:effectLst/>
+                <a:latin typeface="Arial" panose="020B0604020202020204" pitchFamily="34" charset="0"/>
+              </a:rPr>
+              <a:t> Hyperparameter Tuning</a:t>
+            </a:r>
+            <a:r>
+              <a:rPr kumimoji="0" lang="en-US" altLang="en-US" sz="2200" b="0" i="0" u="none" strike="noStrike" cap="none" normalizeH="0" baseline="0" dirty="0">
+                <a:ln>
+                  <a:noFill/>
+                </a:ln>
+                <a:effectLst/>
+                <a:latin typeface="Arial" panose="020B0604020202020204" pitchFamily="34" charset="0"/>
+              </a:rPr>
+              <a:t>: GridSearchCV</a:t>
+            </a:r>
+          </a:p>
+          <a:p>
+            <a:pPr marL="0" marR="0" lvl="0" indent="0" defTabSz="914400" rtl="0" eaLnBrk="0" fontAlgn="base" latinLnBrk="0" hangingPunct="0">
+              <a:spcBef>
+                <a:spcPct val="0"/>
+              </a:spcBef>
+              <a:spcAft>
+                <a:spcPts val="600"/>
+              </a:spcAft>
+              <a:buClrTx/>
+              <a:buSzTx/>
+              <a:buNone/>
+              <a:tabLst/>
+            </a:pPr>
+            <a:endParaRPr kumimoji="0" lang="en-US" altLang="en-US" sz="2200" b="0" i="0" u="none" strike="noStrike" cap="none" normalizeH="0" baseline="0" dirty="0">
+              <a:ln>
+                <a:noFill/>
+              </a:ln>
+              <a:effectLst/>
+              <a:latin typeface="Arial" panose="020B0604020202020204" pitchFamily="34" charset="0"/>
+            </a:endParaRPr>
+          </a:p>
+          <a:p>
+            <a:pPr marL="0" marR="0" lvl="0" indent="0" defTabSz="914400" rtl="0" eaLnBrk="0" fontAlgn="base" latinLnBrk="0" hangingPunct="0">
+              <a:spcBef>
+                <a:spcPct val="0"/>
+              </a:spcBef>
+              <a:spcAft>
+                <a:spcPts val="600"/>
+              </a:spcAft>
+              <a:buClrTx/>
+              <a:buSzTx/>
+              <a:buFontTx/>
+              <a:buChar char="•"/>
+              <a:tabLst/>
+            </a:pPr>
+            <a:r>
+              <a:rPr kumimoji="0" lang="en-US" altLang="en-US" sz="2200" b="1" i="0" u="none" strike="noStrike" cap="none" normalizeH="0" baseline="0" dirty="0">
+                <a:ln>
+                  <a:noFill/>
+                </a:ln>
+                <a:effectLst/>
+                <a:latin typeface="Arial" panose="020B0604020202020204" pitchFamily="34" charset="0"/>
+              </a:rPr>
+              <a:t> Evaluation</a:t>
+            </a:r>
+            <a:r>
+              <a:rPr kumimoji="0" lang="en-US" altLang="en-US" sz="2200" b="0" i="0" u="none" strike="noStrike" cap="none" normalizeH="0" baseline="0" dirty="0">
+                <a:ln>
+                  <a:noFill/>
+                </a:ln>
+                <a:effectLst/>
+                <a:latin typeface="Arial" panose="020B0604020202020204" pitchFamily="34" charset="0"/>
+              </a:rPr>
+              <a:t>: Weighted F1 score, 5-fold cross-validation</a:t>
+            </a:r>
+          </a:p>
+        </p:txBody>
+      </p:sp>
+    </p:spTree>
+    <p:extLst>
+      <p:ext uri="{BB962C8B-B14F-4D97-AF65-F5344CB8AC3E}">
+        <p14:creationId xmlns:p14="http://schemas.microsoft.com/office/powerpoint/2010/main" val="217208614"/>
+      </p:ext>
+    </p:extLst>
+  </p:cSld>
+  <p:clrMapOvr>
+    <a:masterClrMapping/>
+  </p:clrMapOvr>
+</p:sld>
+</file>
+
+<file path=ppt/slides/slide22.xml><?xml version="1.0" encoding="utf-8"?>
+<p:sld xmlns:a="http://schemas.openxmlformats.org/drawingml/2006/main" xmlns:r="http://schemas.openxmlformats.org/officeDocument/2006/relationships" xmlns:p="http://schemas.openxmlformats.org/presentationml/2006/main">
+  <p:cSld>
+    <p:bg>
+      <p:bgPr>
+        <a:solidFill>
+          <a:schemeClr val="bg1"/>
+        </a:solidFill>
+        <a:effectLst/>
+      </p:bgPr>
+    </p:bg>
+    <p:spTree>
+      <p:nvGrpSpPr>
+        <p:cNvPr id="1" name="">
+          <a:extLst>
+            <a:ext uri="{FF2B5EF4-FFF2-40B4-BE49-F238E27FC236}">
               <a16:creationId xmlns:a16="http://schemas.microsoft.com/office/drawing/2014/main" id="{5A5A45C0-011A-B895-932B-4DD921292358}"/>
             </a:ext>
           </a:extLst>
@@ -18114,7 +19944,7 @@
 </p:sld>
 </file>
 
-<file path=ppt/slides/slide21.xml><?xml version="1.0" encoding="utf-8"?>
+<file path=ppt/slides/slide23.xml><?xml version="1.0" encoding="utf-8"?>
 <p:sld xmlns:a="http://schemas.openxmlformats.org/drawingml/2006/main" xmlns:r="http://schemas.openxmlformats.org/officeDocument/2006/relationships" xmlns:p="http://schemas.openxmlformats.org/presentationml/2006/main">
   <p:cSld>
     <p:bg>
@@ -18901,7 +20731,7 @@
 </p:sld>
 </file>
 
-<file path=ppt/slides/slide22.xml><?xml version="1.0" encoding="utf-8"?>
+<file path=ppt/slides/slide24.xml><?xml version="1.0" encoding="utf-8"?>
 <p:sld xmlns:a="http://schemas.openxmlformats.org/drawingml/2006/main" xmlns:r="http://schemas.openxmlformats.org/officeDocument/2006/relationships" xmlns:p="http://schemas.openxmlformats.org/presentationml/2006/main">
   <p:cSld>
     <p:bg>
@@ -19758,7 +21588,7 @@
 </p:sld>
 </file>
 
-<file path=ppt/slides/slide23.xml><?xml version="1.0" encoding="utf-8"?>
+<file path=ppt/slides/slide25.xml><?xml version="1.0" encoding="utf-8"?>
 <p:sld xmlns:a="http://schemas.openxmlformats.org/drawingml/2006/main" xmlns:r="http://schemas.openxmlformats.org/officeDocument/2006/relationships" xmlns:p="http://schemas.openxmlformats.org/presentationml/2006/main">
   <p:cSld>
     <p:bg>
@@ -20160,7 +21990,7 @@
           <a:lstStyle/>
           <a:p>
             <a:r>
-              <a:rPr lang="en-US" sz="4800"/>
+              <a:rPr lang="en-US" sz="4800" dirty="0"/>
               <a:t>GridSearchCV for Hyperparameter Tuning</a:t>
             </a:r>
           </a:p>
@@ -20460,7 +22290,7 @@
 </p:sld>
 </file>
 
-<file path=ppt/slides/slide24.xml><?xml version="1.0" encoding="utf-8"?>
+<file path=ppt/slides/slide26.xml><?xml version="1.0" encoding="utf-8"?>
 <p:sld xmlns:a="http://schemas.openxmlformats.org/drawingml/2006/main" xmlns:r="http://schemas.openxmlformats.org/officeDocument/2006/relationships" xmlns:p="http://schemas.openxmlformats.org/presentationml/2006/main">
   <p:cSld>
     <p:bg>
@@ -21491,7 +23321,7 @@
 </p:sld>
 </file>
 
-<file path=ppt/slides/slide25.xml><?xml version="1.0" encoding="utf-8"?>
+<file path=ppt/slides/slide27.xml><?xml version="1.0" encoding="utf-8"?>
 <p:sld xmlns:a="http://schemas.openxmlformats.org/drawingml/2006/main" xmlns:r="http://schemas.openxmlformats.org/officeDocument/2006/relationships" xmlns:p="http://schemas.openxmlformats.org/presentationml/2006/main">
   <p:cSld>
     <p:bg>
@@ -21833,7 +23663,7 @@
                 <a:effectLst/>
                 <a:latin typeface="Arial" panose="020B0604020202020204" pitchFamily="34" charset="0"/>
               </a:rPr>
-              <a:t>Selected based on strong performance in cross-validation and the test set.</a:t>
+              <a:t> Selected based on strong performance in cross-validation and the test set.</a:t>
             </a:r>
           </a:p>
           <a:p>
@@ -21858,7 +23688,7 @@
                 <a:effectLst/>
                 <a:latin typeface="Arial" panose="020B0604020202020204" pitchFamily="34" charset="0"/>
               </a:rPr>
-              <a:t>Evaluation:</a:t>
+              <a:t> Evaluation:</a:t>
             </a:r>
           </a:p>
           <a:p>
@@ -21880,7 +23710,7 @@
                 <a:effectLst/>
                 <a:latin typeface="Arial" panose="020B0604020202020204" pitchFamily="34" charset="0"/>
               </a:rPr>
-              <a:t>Weighted F1 Score on training and test sets.</a:t>
+              <a:t> Weighted F1 Score on training and test sets.</a:t>
             </a:r>
           </a:p>
           <a:p>
@@ -21902,7 +23732,7 @@
                 <a:effectLst/>
                 <a:latin typeface="Arial" panose="020B0604020202020204" pitchFamily="34" charset="0"/>
               </a:rPr>
-              <a:t>Classification report to assess per-class performance (precision, recall, F1 score).</a:t>
+              <a:t> Classification report to assess per-class performance (precision, recall, F1 score).</a:t>
             </a:r>
           </a:p>
           <a:p>
@@ -22035,7 +23865,7 @@
 </p:sld>
 </file>
 
-<file path=ppt/slides/slide26.xml><?xml version="1.0" encoding="utf-8"?>
+<file path=ppt/slides/slide28.xml><?xml version="1.0" encoding="utf-8"?>
 <p:sld xmlns:a="http://schemas.openxmlformats.org/drawingml/2006/main" xmlns:r="http://schemas.openxmlformats.org/officeDocument/2006/relationships" xmlns:p="http://schemas.openxmlformats.org/presentationml/2006/main">
   <p:cSld>
     <p:bg>
@@ -22509,7 +24339,7 @@
 </p:sld>
 </file>
 
-<file path=ppt/slides/slide27.xml><?xml version="1.0" encoding="utf-8"?>
+<file path=ppt/slides/slide29.xml><?xml version="1.0" encoding="utf-8"?>
 <p:sld xmlns:a="http://schemas.openxmlformats.org/drawingml/2006/main" xmlns:r="http://schemas.openxmlformats.org/officeDocument/2006/relationships" xmlns:p="http://schemas.openxmlformats.org/presentationml/2006/main">
   <p:cSld>
     <p:bg>
@@ -22974,925 +24804,6 @@
     <p:extLst>
       <p:ext uri="{BB962C8B-B14F-4D97-AF65-F5344CB8AC3E}">
         <p14:creationId xmlns:p14="http://schemas.microsoft.com/office/powerpoint/2010/main" val="1928832761"/>
-      </p:ext>
-    </p:extLst>
-  </p:cSld>
-  <p:clrMapOvr>
-    <a:masterClrMapping/>
-  </p:clrMapOvr>
-</p:sld>
-</file>
-
-<file path=ppt/slides/slide28.xml><?xml version="1.0" encoding="utf-8"?>
-<p:sld xmlns:a="http://schemas.openxmlformats.org/drawingml/2006/main" xmlns:r="http://schemas.openxmlformats.org/officeDocument/2006/relationships" xmlns:p="http://schemas.openxmlformats.org/presentationml/2006/main">
-  <p:cSld>
-    <p:bg>
-      <p:bgPr>
-        <a:solidFill>
-          <a:schemeClr val="bg1"/>
-        </a:solidFill>
-        <a:effectLst/>
-      </p:bgPr>
-    </p:bg>
-    <p:spTree>
-      <p:nvGrpSpPr>
-        <p:cNvPr id="1" name="">
-          <a:extLst>
-            <a:ext uri="{FF2B5EF4-FFF2-40B4-BE49-F238E27FC236}">
-              <a16:creationId xmlns:a16="http://schemas.microsoft.com/office/drawing/2014/main" id="{FE40049B-0F04-72A8-C71B-1BE16CA78516}"/>
-            </a:ext>
-          </a:extLst>
-        </p:cNvPr>
-        <p:cNvGrpSpPr/>
-        <p:nvPr/>
-      </p:nvGrpSpPr>
-      <p:grpSpPr>
-        <a:xfrm>
-          <a:off x="0" y="0"/>
-          <a:ext cx="0" cy="0"/>
-          <a:chOff x="0" y="0"/>
-          <a:chExt cx="0" cy="0"/>
-        </a:xfrm>
-      </p:grpSpPr>
-      <p:sp useBgFill="1">
-        <p:nvSpPr>
-          <p:cNvPr id="339" name="Rectangle 338">
-            <a:extLst>
-              <a:ext uri="{FF2B5EF4-FFF2-40B4-BE49-F238E27FC236}">
-                <a16:creationId xmlns:a16="http://schemas.microsoft.com/office/drawing/2014/main" id="{3AD318CC-E2A8-4E27-9548-A047A78999B1}"/>
-              </a:ext>
-              <a:ext uri="{C183D7F6-B498-43B3-948B-1728B52AA6E4}">
-                <adec:decorative xmlns:adec="http://schemas.microsoft.com/office/drawing/2017/decorative" val="1"/>
-              </a:ext>
-            </a:extLst>
-          </p:cNvPr>
-          <p:cNvSpPr>
-            <a:spLocks noGrp="1" noRot="1" noChangeAspect="1" noMove="1" noResize="1" noEditPoints="1" noAdjustHandles="1" noChangeArrowheads="1" noChangeShapeType="1" noTextEdit="1"/>
-          </p:cNvSpPr>
-          <p:nvPr>
-            <p:extLst>
-              <p:ext uri="{386F3935-93C4-4BCD-93E2-E3B085C9AB24}">
-                <p16:designElem xmlns:p16="http://schemas.microsoft.com/office/powerpoint/2015/main" val="1"/>
-              </p:ext>
-            </p:extLst>
-          </p:nvPr>
-        </p:nvSpPr>
-        <p:spPr>
-          <a:xfrm>
-            <a:off x="0" y="0"/>
-            <a:ext cx="12191999" cy="6857365"/>
-          </a:xfrm>
-          <a:prstGeom prst="rect">
-            <a:avLst/>
-          </a:prstGeom>
-          <a:ln>
-            <a:noFill/>
-          </a:ln>
-        </p:spPr>
-        <p:style>
-          <a:lnRef idx="2">
-            <a:schemeClr val="accent1">
-              <a:shade val="50000"/>
-            </a:schemeClr>
-          </a:lnRef>
-          <a:fillRef idx="1">
-            <a:schemeClr val="accent1"/>
-          </a:fillRef>
-          <a:effectRef idx="0">
-            <a:schemeClr val="accent1"/>
-          </a:effectRef>
-          <a:fontRef idx="minor">
-            <a:schemeClr val="lt1"/>
-          </a:fontRef>
-        </p:style>
-        <p:txBody>
-          <a:bodyPr rtlCol="0" anchor="ctr"/>
-          <a:lstStyle/>
-          <a:p>
-            <a:pPr algn="ctr"/>
-            <a:endParaRPr lang="en-US"/>
-          </a:p>
-        </p:txBody>
-      </p:sp>
-      <p:sp>
-        <p:nvSpPr>
-          <p:cNvPr id="2" name="Title 1">
-            <a:extLst>
-              <a:ext uri="{FF2B5EF4-FFF2-40B4-BE49-F238E27FC236}">
-                <a16:creationId xmlns:a16="http://schemas.microsoft.com/office/drawing/2014/main" id="{2A06DE98-2052-9D34-0F20-CA069C36FF39}"/>
-              </a:ext>
-            </a:extLst>
-          </p:cNvPr>
-          <p:cNvSpPr>
-            <a:spLocks noGrp="1"/>
-          </p:cNvSpPr>
-          <p:nvPr>
-            <p:ph type="title"/>
-          </p:nvPr>
-        </p:nvSpPr>
-        <p:spPr>
-          <a:xfrm>
-            <a:off x="645065" y="1463040"/>
-            <a:ext cx="3796306" cy="2690949"/>
-          </a:xfrm>
-        </p:spPr>
-        <p:txBody>
-          <a:bodyPr anchor="t">
-            <a:normAutofit/>
-          </a:bodyPr>
-          <a:lstStyle/>
-          <a:p>
-            <a:r>
-              <a:rPr lang="en-US" sz="4800"/>
-              <a:t>Conclusion</a:t>
-            </a:r>
-          </a:p>
-        </p:txBody>
-      </p:sp>
-      <p:grpSp>
-        <p:nvGrpSpPr>
-          <p:cNvPr id="341" name="Group 340">
-            <a:extLst>
-              <a:ext uri="{FF2B5EF4-FFF2-40B4-BE49-F238E27FC236}">
-                <a16:creationId xmlns:a16="http://schemas.microsoft.com/office/drawing/2014/main" id="{B14B560F-9DD7-4302-A60B-EBD3EF59B073}"/>
-              </a:ext>
-              <a:ext uri="{C183D7F6-B498-43B3-948B-1728B52AA6E4}">
-                <adec:decorative xmlns:adec="http://schemas.microsoft.com/office/drawing/2017/decorative" val="1"/>
-              </a:ext>
-            </a:extLst>
-          </p:cNvPr>
-          <p:cNvGrpSpPr>
-            <a:grpSpLocks noGrp="1" noUngrp="1" noRot="1" noChangeAspect="1" noMove="1" noResize="1"/>
-          </p:cNvGrpSpPr>
-          <p:nvPr>
-            <p:extLst>
-              <p:ext uri="{386F3935-93C4-4BCD-93E2-E3B085C9AB24}">
-                <p16:designElem xmlns:p16="http://schemas.microsoft.com/office/powerpoint/2015/main" val="1"/>
-              </p:ext>
-            </p:extLst>
-          </p:nvPr>
-        </p:nvGrpSpPr>
-        <p:grpSpPr>
-          <a:xfrm>
-            <a:off x="209667" y="4415246"/>
-            <a:ext cx="11982332" cy="2087795"/>
-            <a:chOff x="143163" y="5763486"/>
-            <a:chExt cx="11982332" cy="739555"/>
-          </a:xfrm>
-        </p:grpSpPr>
-        <p:sp>
-          <p:nvSpPr>
-            <p:cNvPr id="342" name="Rectangle 341">
-              <a:extLst>
-                <a:ext uri="{FF2B5EF4-FFF2-40B4-BE49-F238E27FC236}">
-                  <a16:creationId xmlns:a16="http://schemas.microsoft.com/office/drawing/2014/main" id="{3A9A4357-BD1D-4622-A4FE-766E6AB8DE84}"/>
-                </a:ext>
-                <a:ext uri="{C183D7F6-B498-43B3-948B-1728B52AA6E4}">
-                  <adec:decorative xmlns:adec="http://schemas.microsoft.com/office/drawing/2017/decorative" val="1"/>
-                </a:ext>
-              </a:extLst>
-            </p:cNvPr>
-            <p:cNvSpPr/>
-            <p:nvPr>
-              <p:extLst>
-                <p:ext uri="{386F3935-93C4-4BCD-93E2-E3B085C9AB24}">
-                  <p16:designElem xmlns:p16="http://schemas.microsoft.com/office/powerpoint/2015/main" val="1"/>
-                </p:ext>
-              </p:extLst>
-            </p:nvPr>
-          </p:nvSpPr>
-          <p:spPr>
-            <a:xfrm flipH="1" flipV="1">
-              <a:off x="357444" y="5763486"/>
-              <a:ext cx="11768051" cy="739555"/>
-            </a:xfrm>
-            <a:prstGeom prst="rect">
-              <a:avLst/>
-            </a:prstGeom>
-            <a:solidFill>
-              <a:schemeClr val="accent4"/>
-            </a:solidFill>
-            <a:ln>
-              <a:noFill/>
-            </a:ln>
-          </p:spPr>
-          <p:style>
-            <a:lnRef idx="2">
-              <a:schemeClr val="accent1">
-                <a:shade val="50000"/>
-              </a:schemeClr>
-            </a:lnRef>
-            <a:fillRef idx="1">
-              <a:schemeClr val="accent1"/>
-            </a:fillRef>
-            <a:effectRef idx="0">
-              <a:schemeClr val="accent1"/>
-            </a:effectRef>
-            <a:fontRef idx="minor">
-              <a:schemeClr val="lt1"/>
-            </a:fontRef>
-          </p:style>
-          <p:txBody>
-            <a:bodyPr rtlCol="0" anchor="ctr"/>
-            <a:lstStyle/>
-            <a:p>
-              <a:pPr algn="ctr"/>
-              <a:endParaRPr lang="en-US"/>
-            </a:p>
-          </p:txBody>
-        </p:sp>
-        <p:cxnSp>
-          <p:nvCxnSpPr>
-            <p:cNvPr id="343" name="Straight Connector 342">
-              <a:extLst>
-                <a:ext uri="{FF2B5EF4-FFF2-40B4-BE49-F238E27FC236}">
-                  <a16:creationId xmlns:a16="http://schemas.microsoft.com/office/drawing/2014/main" id="{C21D6966-343E-49AC-A026-D2497E0C3CA1}"/>
-                </a:ext>
-                <a:ext uri="{C183D7F6-B498-43B3-948B-1728B52AA6E4}">
-                  <adec:decorative xmlns:adec="http://schemas.microsoft.com/office/drawing/2017/decorative" val="1"/>
-                </a:ext>
-              </a:extLst>
-            </p:cNvPr>
-            <p:cNvCxnSpPr>
-              <a:cxnSpLocks/>
-            </p:cNvCxnSpPr>
-            <p:nvPr>
-              <p:extLst>
-                <p:ext uri="{386F3935-93C4-4BCD-93E2-E3B085C9AB24}">
-                  <p16:designElem xmlns:p16="http://schemas.microsoft.com/office/powerpoint/2015/main" val="1"/>
-                </p:ext>
-              </p:extLst>
-            </p:nvPr>
-          </p:nvCxnSpPr>
-          <p:spPr>
-            <a:xfrm flipH="1">
-              <a:off x="143163" y="5763486"/>
-              <a:ext cx="1" cy="739555"/>
-            </a:xfrm>
-            <a:prstGeom prst="line">
-              <a:avLst/>
-            </a:prstGeom>
-            <a:ln w="177800">
-              <a:solidFill>
-                <a:schemeClr val="accent4"/>
-              </a:solidFill>
-            </a:ln>
-          </p:spPr>
-          <p:style>
-            <a:lnRef idx="1">
-              <a:schemeClr val="accent1"/>
-            </a:lnRef>
-            <a:fillRef idx="0">
-              <a:schemeClr val="accent1"/>
-            </a:fillRef>
-            <a:effectRef idx="0">
-              <a:schemeClr val="accent1"/>
-            </a:effectRef>
-            <a:fontRef idx="minor">
-              <a:schemeClr val="tx1"/>
-            </a:fontRef>
-          </p:style>
-        </p:cxnSp>
-      </p:grpSp>
-      <p:sp>
-        <p:nvSpPr>
-          <p:cNvPr id="355" name="Rectangle 354">
-            <a:extLst>
-              <a:ext uri="{FF2B5EF4-FFF2-40B4-BE49-F238E27FC236}">
-                <a16:creationId xmlns:a16="http://schemas.microsoft.com/office/drawing/2014/main" id="{2C1BBA94-3F40-40AA-8BB9-E69E25E537C1}"/>
-              </a:ext>
-              <a:ext uri="{C183D7F6-B498-43B3-948B-1728B52AA6E4}">
-                <adec:decorative xmlns:adec="http://schemas.microsoft.com/office/drawing/2017/decorative" val="1"/>
-              </a:ext>
-            </a:extLst>
-          </p:cNvPr>
-          <p:cNvSpPr>
-            <a:spLocks noGrp="1" noRot="1" noChangeAspect="1" noMove="1" noResize="1" noEditPoints="1" noAdjustHandles="1" noChangeArrowheads="1" noChangeShapeType="1" noTextEdit="1"/>
-          </p:cNvSpPr>
-          <p:nvPr>
-            <p:extLst>
-              <p:ext uri="{386F3935-93C4-4BCD-93E2-E3B085C9AB24}">
-                <p16:designElem xmlns:p16="http://schemas.microsoft.com/office/powerpoint/2015/main" val="1"/>
-              </p:ext>
-            </p:extLst>
-          </p:nvPr>
-        </p:nvSpPr>
-        <p:spPr>
-          <a:xfrm>
-            <a:off x="5133706" y="587829"/>
-            <a:ext cx="6505300" cy="5682342"/>
-          </a:xfrm>
-          <a:prstGeom prst="rect">
-            <a:avLst/>
-          </a:prstGeom>
-          <a:solidFill>
-            <a:schemeClr val="bg1"/>
-          </a:solidFill>
-          <a:ln>
-            <a:noFill/>
-          </a:ln>
-          <a:effectLst>
-            <a:outerShdw blurRad="139700" dist="127000" dir="5400000" algn="t" rotWithShape="0">
-              <a:prstClr val="black">
-                <a:alpha val="15000"/>
-              </a:prstClr>
-            </a:outerShdw>
-          </a:effectLst>
-        </p:spPr>
-        <p:style>
-          <a:lnRef idx="2">
-            <a:schemeClr val="accent1">
-              <a:shade val="50000"/>
-            </a:schemeClr>
-          </a:lnRef>
-          <a:fillRef idx="1">
-            <a:schemeClr val="accent1"/>
-          </a:fillRef>
-          <a:effectRef idx="0">
-            <a:schemeClr val="accent1"/>
-          </a:effectRef>
-          <a:fontRef idx="minor">
-            <a:schemeClr val="lt1"/>
-          </a:fontRef>
-        </p:style>
-        <p:txBody>
-          <a:bodyPr rtlCol="0" anchor="ctr"/>
-          <a:lstStyle/>
-          <a:p>
-            <a:pPr algn="ctr"/>
-            <a:endParaRPr lang="en-US"/>
-          </a:p>
-        </p:txBody>
-      </p:sp>
-      <p:sp>
-        <p:nvSpPr>
-          <p:cNvPr id="5" name="Rectangle 2">
-            <a:extLst>
-              <a:ext uri="{FF2B5EF4-FFF2-40B4-BE49-F238E27FC236}">
-                <a16:creationId xmlns:a16="http://schemas.microsoft.com/office/drawing/2014/main" id="{56ADF770-BA64-F5A2-C32A-2D987836C94C}"/>
-              </a:ext>
-            </a:extLst>
-          </p:cNvPr>
-          <p:cNvSpPr>
-            <a:spLocks noGrp="1" noChangeArrowheads="1"/>
-          </p:cNvSpPr>
-          <p:nvPr>
-            <p:ph idx="1"/>
-          </p:nvPr>
-        </p:nvSpPr>
-        <p:spPr bwMode="auto">
-          <a:xfrm>
-            <a:off x="5656218" y="1463039"/>
-            <a:ext cx="5542387" cy="4300447"/>
-          </a:xfrm>
-          <a:prstGeom prst="rect">
-            <a:avLst/>
-          </a:prstGeom>
-          <a:extLst>
-            <a:ext uri="{909E8E84-426E-40DD-AFC4-6F175D3DCCD1}">
-              <a14:hiddenFill xmlns:a14="http://schemas.microsoft.com/office/drawing/2010/main">
-                <a:solidFill>
-                  <a:schemeClr val="accent1"/>
-                </a:solidFill>
-              </a14:hiddenFill>
-            </a:ext>
-            <a:ext uri="{91240B29-F687-4F45-9708-019B960494DF}">
-              <a14:hiddenLine xmlns:a14="http://schemas.microsoft.com/office/drawing/2010/main" w="9525">
-                <a:solidFill>
-                  <a:schemeClr val="tx1"/>
-                </a:solidFill>
-                <a:miter lim="800000"/>
-                <a:headEnd/>
-                <a:tailEnd/>
-              </a14:hiddenLine>
-            </a:ext>
-            <a:ext uri="{AF507438-7753-43E0-B8FC-AC1667EBCBE1}">
-              <a14:hiddenEffects xmlns:a14="http://schemas.microsoft.com/office/drawing/2010/main">
-                <a:effectLst>
-                  <a:outerShdw dist="35921" dir="2700000" algn="ctr" rotWithShape="0">
-                    <a:schemeClr val="bg2"/>
-                  </a:outerShdw>
-                </a:effectLst>
-              </a14:hiddenEffects>
-            </a:ext>
-          </a:extLst>
-        </p:spPr>
-        <p:txBody>
-          <a:bodyPr vert="horz" lIns="91440" tIns="45720" rIns="91440" bIns="45720" numCol="1" anchor="t" anchorCtr="0" compatLnSpc="1">
-            <a:prstTxWarp prst="textNoShape">
-              <a:avLst/>
-            </a:prstTxWarp>
-            <a:normAutofit/>
-          </a:bodyPr>
-          <a:lstStyle/>
-          <a:p>
-            <a:pPr marL="0" marR="0" lvl="0" indent="0" defTabSz="914400" rtl="0" eaLnBrk="0" fontAlgn="base" latinLnBrk="0" hangingPunct="0">
-              <a:spcBef>
-                <a:spcPct val="0"/>
-              </a:spcBef>
-              <a:spcAft>
-                <a:spcPts val="600"/>
-              </a:spcAft>
-              <a:buClrTx/>
-              <a:buSzTx/>
-              <a:buFontTx/>
-              <a:buChar char="•"/>
-              <a:tabLst/>
-            </a:pPr>
-            <a:r>
-              <a:rPr kumimoji="0" lang="en-US" altLang="en-US" sz="2200" b="1" i="0" u="none" strike="noStrike" cap="none" normalizeH="0" baseline="0">
-                <a:ln>
-                  <a:noFill/>
-                </a:ln>
-                <a:effectLst/>
-                <a:latin typeface="Arial" panose="020B0604020202020204" pitchFamily="34" charset="0"/>
-              </a:rPr>
-              <a:t>Final Model</a:t>
-            </a:r>
-            <a:r>
-              <a:rPr kumimoji="0" lang="en-US" altLang="en-US" sz="2200" b="0" i="0" u="none" strike="noStrike" cap="none" normalizeH="0" baseline="0">
-                <a:ln>
-                  <a:noFill/>
-                </a:ln>
-                <a:effectLst/>
-                <a:latin typeface="Arial" panose="020B0604020202020204" pitchFamily="34" charset="0"/>
-              </a:rPr>
-              <a:t>: CatBoost with Preprocessor V2.</a:t>
-            </a:r>
-          </a:p>
-          <a:p>
-            <a:pPr marL="0" marR="0" lvl="0" indent="0" defTabSz="914400" rtl="0" eaLnBrk="0" fontAlgn="base" latinLnBrk="0" hangingPunct="0">
-              <a:spcBef>
-                <a:spcPct val="0"/>
-              </a:spcBef>
-              <a:spcAft>
-                <a:spcPts val="600"/>
-              </a:spcAft>
-              <a:buClrTx/>
-              <a:buSzTx/>
-              <a:buFontTx/>
-              <a:buChar char="•"/>
-              <a:tabLst/>
-            </a:pPr>
-            <a:r>
-              <a:rPr kumimoji="0" lang="en-US" altLang="en-US" sz="2200" b="1" i="0" u="none" strike="noStrike" cap="none" normalizeH="0" baseline="0">
-                <a:ln>
-                  <a:noFill/>
-                </a:ln>
-                <a:effectLst/>
-                <a:latin typeface="Arial" panose="020B0604020202020204" pitchFamily="34" charset="0"/>
-              </a:rPr>
-              <a:t>Performance</a:t>
-            </a:r>
-            <a:r>
-              <a:rPr kumimoji="0" lang="en-US" altLang="en-US" sz="2200" b="0" i="0" u="none" strike="noStrike" cap="none" normalizeH="0" baseline="0">
-                <a:ln>
-                  <a:noFill/>
-                </a:ln>
-                <a:effectLst/>
-                <a:latin typeface="Arial" panose="020B0604020202020204" pitchFamily="34" charset="0"/>
-              </a:rPr>
-              <a:t>: Strong results with a weighted F1 score of 0.7305 on the test set.</a:t>
-            </a:r>
-          </a:p>
-          <a:p>
-            <a:pPr marL="0" marR="0" lvl="0" indent="0" defTabSz="914400" rtl="0" eaLnBrk="0" fontAlgn="base" latinLnBrk="0" hangingPunct="0">
-              <a:spcBef>
-                <a:spcPct val="0"/>
-              </a:spcBef>
-              <a:spcAft>
-                <a:spcPts val="600"/>
-              </a:spcAft>
-              <a:buClrTx/>
-              <a:buSzTx/>
-              <a:buFontTx/>
-              <a:buChar char="•"/>
-              <a:tabLst/>
-            </a:pPr>
-            <a:r>
-              <a:rPr kumimoji="0" lang="en-US" altLang="en-US" sz="2200" b="1" i="0" u="none" strike="noStrike" cap="none" normalizeH="0" baseline="0">
-                <a:ln>
-                  <a:noFill/>
-                </a:ln>
-                <a:effectLst/>
-                <a:latin typeface="Arial" panose="020B0604020202020204" pitchFamily="34" charset="0"/>
-              </a:rPr>
-              <a:t>Model Choice</a:t>
-            </a:r>
-            <a:r>
-              <a:rPr kumimoji="0" lang="en-US" altLang="en-US" sz="2200" b="0" i="0" u="none" strike="noStrike" cap="none" normalizeH="0" baseline="0">
-                <a:ln>
-                  <a:noFill/>
-                </a:ln>
-                <a:effectLst/>
-                <a:latin typeface="Arial" panose="020B0604020202020204" pitchFamily="34" charset="0"/>
-              </a:rPr>
-              <a:t>: AdaBoost also performed well, but CatBoost offered better generalization.</a:t>
-            </a:r>
-          </a:p>
-          <a:p>
-            <a:pPr marL="0" marR="0" lvl="0" indent="0" defTabSz="914400" rtl="0" eaLnBrk="0" fontAlgn="base" latinLnBrk="0" hangingPunct="0">
-              <a:spcBef>
-                <a:spcPct val="0"/>
-              </a:spcBef>
-              <a:spcAft>
-                <a:spcPts val="600"/>
-              </a:spcAft>
-              <a:buClrTx/>
-              <a:buSzTx/>
-              <a:buFontTx/>
-              <a:buChar char="•"/>
-              <a:tabLst/>
-            </a:pPr>
-            <a:r>
-              <a:rPr kumimoji="0" lang="en-US" altLang="en-US" sz="2200" b="1" i="0" u="none" strike="noStrike" cap="none" normalizeH="0" baseline="0">
-                <a:ln>
-                  <a:noFill/>
-                </a:ln>
-                <a:effectLst/>
-                <a:latin typeface="Arial" panose="020B0604020202020204" pitchFamily="34" charset="0"/>
-              </a:rPr>
-              <a:t>Key Insight</a:t>
-            </a:r>
-            <a:r>
-              <a:rPr kumimoji="0" lang="en-US" altLang="en-US" sz="2200" b="0" i="0" u="none" strike="noStrike" cap="none" normalizeH="0" baseline="0">
-                <a:ln>
-                  <a:noFill/>
-                </a:ln>
-                <a:effectLst/>
-                <a:latin typeface="Arial" panose="020B0604020202020204" pitchFamily="34" charset="0"/>
-              </a:rPr>
-              <a:t>: Our model offers a good balance between sensitivity and specificity, which is crucial for early Alzheimer’s detection.</a:t>
-            </a:r>
-          </a:p>
-        </p:txBody>
-      </p:sp>
-    </p:spTree>
-    <p:extLst>
-      <p:ext uri="{BB962C8B-B14F-4D97-AF65-F5344CB8AC3E}">
-        <p14:creationId xmlns:p14="http://schemas.microsoft.com/office/powerpoint/2010/main" val="3266595848"/>
-      </p:ext>
-    </p:extLst>
-  </p:cSld>
-  <p:clrMapOvr>
-    <a:masterClrMapping/>
-  </p:clrMapOvr>
-</p:sld>
-</file>
-
-<file path=ppt/slides/slide29.xml><?xml version="1.0" encoding="utf-8"?>
-<p:sld xmlns:a="http://schemas.openxmlformats.org/drawingml/2006/main" xmlns:r="http://schemas.openxmlformats.org/officeDocument/2006/relationships" xmlns:p="http://schemas.openxmlformats.org/presentationml/2006/main">
-  <p:cSld>
-    <p:bg>
-      <p:bgPr>
-        <a:solidFill>
-          <a:schemeClr val="bg1"/>
-        </a:solidFill>
-        <a:effectLst/>
-      </p:bgPr>
-    </p:bg>
-    <p:spTree>
-      <p:nvGrpSpPr>
-        <p:cNvPr id="1" name="">
-          <a:extLst>
-            <a:ext uri="{FF2B5EF4-FFF2-40B4-BE49-F238E27FC236}">
-              <a16:creationId xmlns:a16="http://schemas.microsoft.com/office/drawing/2014/main" id="{017B30EF-998B-DB63-A064-51666B797B5F}"/>
-            </a:ext>
-          </a:extLst>
-        </p:cNvPr>
-        <p:cNvGrpSpPr/>
-        <p:nvPr/>
-      </p:nvGrpSpPr>
-      <p:grpSpPr>
-        <a:xfrm>
-          <a:off x="0" y="0"/>
-          <a:ext cx="0" cy="0"/>
-          <a:chOff x="0" y="0"/>
-          <a:chExt cx="0" cy="0"/>
-        </a:xfrm>
-      </p:grpSpPr>
-      <p:sp useBgFill="1">
-        <p:nvSpPr>
-          <p:cNvPr id="41" name="Rectangle 40">
-            <a:extLst>
-              <a:ext uri="{FF2B5EF4-FFF2-40B4-BE49-F238E27FC236}">
-                <a16:creationId xmlns:a16="http://schemas.microsoft.com/office/drawing/2014/main" id="{9C7E0A2C-7C0A-4AAC-B3B0-6C12B2EBAE05}"/>
-              </a:ext>
-              <a:ext uri="{C183D7F6-B498-43B3-948B-1728B52AA6E4}">
-                <adec:decorative xmlns:adec="http://schemas.microsoft.com/office/drawing/2017/decorative" val="1"/>
-              </a:ext>
-            </a:extLst>
-          </p:cNvPr>
-          <p:cNvSpPr>
-            <a:spLocks noGrp="1" noRot="1" noChangeAspect="1" noMove="1" noResize="1" noEditPoints="1" noAdjustHandles="1" noChangeArrowheads="1" noChangeShapeType="1" noTextEdit="1"/>
-          </p:cNvSpPr>
-          <p:nvPr>
-            <p:extLst>
-              <p:ext uri="{386F3935-93C4-4BCD-93E2-E3B085C9AB24}">
-                <p16:designElem xmlns:p16="http://schemas.microsoft.com/office/powerpoint/2015/main" val="1"/>
-              </p:ext>
-            </p:extLst>
-          </p:nvPr>
-        </p:nvSpPr>
-        <p:spPr>
-          <a:xfrm>
-            <a:off x="0" y="0"/>
-            <a:ext cx="12191999" cy="6857365"/>
-          </a:xfrm>
-          <a:prstGeom prst="rect">
-            <a:avLst/>
-          </a:prstGeom>
-          <a:ln>
-            <a:noFill/>
-          </a:ln>
-        </p:spPr>
-        <p:style>
-          <a:lnRef idx="2">
-            <a:schemeClr val="accent1">
-              <a:shade val="50000"/>
-            </a:schemeClr>
-          </a:lnRef>
-          <a:fillRef idx="1">
-            <a:schemeClr val="accent1"/>
-          </a:fillRef>
-          <a:effectRef idx="0">
-            <a:schemeClr val="accent1"/>
-          </a:effectRef>
-          <a:fontRef idx="minor">
-            <a:schemeClr val="lt1"/>
-          </a:fontRef>
-        </p:style>
-        <p:txBody>
-          <a:bodyPr rtlCol="0" anchor="ctr"/>
-          <a:lstStyle/>
-          <a:p>
-            <a:pPr algn="ctr"/>
-            <a:endParaRPr lang="en-US"/>
-          </a:p>
-        </p:txBody>
-      </p:sp>
-      <p:sp>
-        <p:nvSpPr>
-          <p:cNvPr id="43" name="Rectangle 42">
-            <a:extLst>
-              <a:ext uri="{FF2B5EF4-FFF2-40B4-BE49-F238E27FC236}">
-                <a16:creationId xmlns:a16="http://schemas.microsoft.com/office/drawing/2014/main" id="{5EB7D2A2-F448-44D4-938C-DC84CBCB3B1E}"/>
-              </a:ext>
-              <a:ext uri="{C183D7F6-B498-43B3-948B-1728B52AA6E4}">
-                <adec:decorative xmlns:adec="http://schemas.microsoft.com/office/drawing/2017/decorative" val="1"/>
-              </a:ext>
-            </a:extLst>
-          </p:cNvPr>
-          <p:cNvSpPr>
-            <a:spLocks noGrp="1" noRot="1" noChangeAspect="1" noMove="1" noResize="1" noEditPoints="1" noAdjustHandles="1" noChangeArrowheads="1" noChangeShapeType="1" noTextEdit="1"/>
-          </p:cNvSpPr>
-          <p:nvPr>
-            <p:extLst>
-              <p:ext uri="{386F3935-93C4-4BCD-93E2-E3B085C9AB24}">
-                <p16:designElem xmlns:p16="http://schemas.microsoft.com/office/powerpoint/2015/main" val="1"/>
-              </p:ext>
-            </p:extLst>
-          </p:nvPr>
-        </p:nvSpPr>
-        <p:spPr>
-          <a:xfrm>
-            <a:off x="0" y="1"/>
-            <a:ext cx="12192000" cy="5187142"/>
-          </a:xfrm>
-          <a:prstGeom prst="rect">
-            <a:avLst/>
-          </a:prstGeom>
-          <a:solidFill>
-            <a:schemeClr val="accent4"/>
-          </a:solidFill>
-          <a:ln>
-            <a:noFill/>
-          </a:ln>
-        </p:spPr>
-        <p:style>
-          <a:lnRef idx="2">
-            <a:schemeClr val="accent1">
-              <a:shade val="50000"/>
-            </a:schemeClr>
-          </a:lnRef>
-          <a:fillRef idx="1">
-            <a:schemeClr val="accent1"/>
-          </a:fillRef>
-          <a:effectRef idx="0">
-            <a:schemeClr val="accent1"/>
-          </a:effectRef>
-          <a:fontRef idx="minor">
-            <a:schemeClr val="lt1"/>
-          </a:fontRef>
-        </p:style>
-        <p:txBody>
-          <a:bodyPr rtlCol="0" anchor="ctr"/>
-          <a:lstStyle/>
-          <a:p>
-            <a:pPr algn="ctr"/>
-            <a:endParaRPr lang="en-US" dirty="0"/>
-          </a:p>
-        </p:txBody>
-      </p:sp>
-      <p:sp>
-        <p:nvSpPr>
-          <p:cNvPr id="45" name="Rectangle 44">
-            <a:extLst>
-              <a:ext uri="{FF2B5EF4-FFF2-40B4-BE49-F238E27FC236}">
-                <a16:creationId xmlns:a16="http://schemas.microsoft.com/office/drawing/2014/main" id="{871AEA07-1E14-44B4-8E55-64EF049CD66F}"/>
-              </a:ext>
-              <a:ext uri="{C183D7F6-B498-43B3-948B-1728B52AA6E4}">
-                <adec:decorative xmlns:adec="http://schemas.microsoft.com/office/drawing/2017/decorative" val="1"/>
-              </a:ext>
-            </a:extLst>
-          </p:cNvPr>
-          <p:cNvSpPr>
-            <a:spLocks noGrp="1" noRot="1" noChangeAspect="1" noMove="1" noResize="1" noEditPoints="1" noAdjustHandles="1" noChangeArrowheads="1" noChangeShapeType="1" noTextEdit="1"/>
-          </p:cNvSpPr>
-          <p:nvPr>
-            <p:extLst>
-              <p:ext uri="{386F3935-93C4-4BCD-93E2-E3B085C9AB24}">
-                <p16:designElem xmlns:p16="http://schemas.microsoft.com/office/powerpoint/2015/main" val="1"/>
-              </p:ext>
-            </p:extLst>
-          </p:nvPr>
-        </p:nvSpPr>
-        <p:spPr>
-          <a:xfrm>
-            <a:off x="596464" y="551961"/>
-            <a:ext cx="10999072" cy="5399950"/>
-          </a:xfrm>
-          <a:prstGeom prst="rect">
-            <a:avLst/>
-          </a:prstGeom>
-          <a:solidFill>
-            <a:schemeClr val="bg1"/>
-          </a:solidFill>
-          <a:ln>
-            <a:noFill/>
-          </a:ln>
-          <a:effectLst>
-            <a:outerShdw blurRad="139700" dist="127000" dir="5400000" algn="t" rotWithShape="0">
-              <a:prstClr val="black">
-                <a:alpha val="15000"/>
-              </a:prstClr>
-            </a:outerShdw>
-          </a:effectLst>
-        </p:spPr>
-        <p:style>
-          <a:lnRef idx="2">
-            <a:schemeClr val="accent1">
-              <a:shade val="50000"/>
-            </a:schemeClr>
-          </a:lnRef>
-          <a:fillRef idx="1">
-            <a:schemeClr val="accent1"/>
-          </a:fillRef>
-          <a:effectRef idx="0">
-            <a:schemeClr val="accent1"/>
-          </a:effectRef>
-          <a:fontRef idx="minor">
-            <a:schemeClr val="lt1"/>
-          </a:fontRef>
-        </p:style>
-        <p:txBody>
-          <a:bodyPr rtlCol="0" anchor="ctr"/>
-          <a:lstStyle/>
-          <a:p>
-            <a:pPr algn="ctr"/>
-            <a:endParaRPr lang="en-US"/>
-          </a:p>
-        </p:txBody>
-      </p:sp>
-      <p:sp>
-        <p:nvSpPr>
-          <p:cNvPr id="6" name="TextBox 5">
-            <a:extLst>
-              <a:ext uri="{FF2B5EF4-FFF2-40B4-BE49-F238E27FC236}">
-                <a16:creationId xmlns:a16="http://schemas.microsoft.com/office/drawing/2014/main" id="{6DB11DA6-202B-090A-558B-18FC262F4149}"/>
-              </a:ext>
-            </a:extLst>
-          </p:cNvPr>
-          <p:cNvSpPr txBox="1"/>
-          <p:nvPr/>
-        </p:nvSpPr>
-        <p:spPr>
-          <a:xfrm>
-            <a:off x="1524000" y="1248587"/>
-            <a:ext cx="9144000" cy="2387600"/>
-          </a:xfrm>
-          <a:prstGeom prst="rect">
-            <a:avLst/>
-          </a:prstGeom>
-        </p:spPr>
-        <p:txBody>
-          <a:bodyPr vert="horz" lIns="91440" tIns="45720" rIns="91440" bIns="45720" rtlCol="0" anchor="b">
-            <a:normAutofit/>
-          </a:bodyPr>
-          <a:lstStyle/>
-          <a:p>
-            <a:pPr algn="ctr" defTabSz="914400">
-              <a:lnSpc>
-                <a:spcPct val="90000"/>
-              </a:lnSpc>
-              <a:spcBef>
-                <a:spcPct val="0"/>
-              </a:spcBef>
-              <a:spcAft>
-                <a:spcPts val="600"/>
-              </a:spcAft>
-            </a:pPr>
-            <a:r>
-              <a:rPr lang="en-US" sz="5400" kern="1200">
-                <a:solidFill>
-                  <a:schemeClr val="tx1"/>
-                </a:solidFill>
-                <a:latin typeface="+mj-lt"/>
-                <a:ea typeface="+mj-ea"/>
-                <a:cs typeface="+mj-cs"/>
-              </a:rPr>
-              <a:t>Thank you for your attention!</a:t>
-            </a:r>
-            <a:br>
-              <a:rPr lang="en-US" sz="5400" kern="1200">
-                <a:solidFill>
-                  <a:schemeClr val="tx1"/>
-                </a:solidFill>
-                <a:latin typeface="+mj-lt"/>
-                <a:ea typeface="+mj-ea"/>
-                <a:cs typeface="+mj-cs"/>
-              </a:rPr>
-            </a:br>
-            <a:r>
-              <a:rPr lang="en-US" sz="5400" kern="1200">
-                <a:solidFill>
-                  <a:schemeClr val="tx1"/>
-                </a:solidFill>
-                <a:latin typeface="+mj-lt"/>
-                <a:ea typeface="+mj-ea"/>
-                <a:cs typeface="+mj-cs"/>
-              </a:rPr>
-              <a:t>We are open to any questions.</a:t>
-            </a:r>
-          </a:p>
-        </p:txBody>
-      </p:sp>
-      <p:cxnSp>
-        <p:nvCxnSpPr>
-          <p:cNvPr id="47" name="Straight Connector 46">
-            <a:extLst>
-              <a:ext uri="{FF2B5EF4-FFF2-40B4-BE49-F238E27FC236}">
-                <a16:creationId xmlns:a16="http://schemas.microsoft.com/office/drawing/2014/main" id="{F7C8EA93-3210-4C62-99E9-153C275E3A87}"/>
-              </a:ext>
-              <a:ext uri="{C183D7F6-B498-43B3-948B-1728B52AA6E4}">
-                <adec:decorative xmlns:adec="http://schemas.microsoft.com/office/drawing/2017/decorative" val="1"/>
-              </a:ext>
-            </a:extLst>
-          </p:cNvPr>
-          <p:cNvCxnSpPr>
-            <a:cxnSpLocks noGrp="1" noRot="1" noChangeAspect="1" noMove="1" noResize="1" noEditPoints="1" noAdjustHandles="1" noChangeArrowheads="1" noChangeShapeType="1"/>
-          </p:cNvCxnSpPr>
-          <p:nvPr>
-            <p:extLst>
-              <p:ext uri="{386F3935-93C4-4BCD-93E2-E3B085C9AB24}">
-                <p16:designElem xmlns:p16="http://schemas.microsoft.com/office/powerpoint/2015/main" val="1"/>
-              </p:ext>
-            </p:extLst>
-          </p:nvPr>
-        </p:nvCxnSpPr>
-        <p:spPr>
-          <a:xfrm flipH="1">
-            <a:off x="596464" y="6329769"/>
-            <a:ext cx="11000232" cy="0"/>
-          </a:xfrm>
-          <a:prstGeom prst="line">
-            <a:avLst/>
-          </a:prstGeom>
-          <a:ln w="152400">
-            <a:solidFill>
-              <a:schemeClr val="accent4"/>
-            </a:solidFill>
-          </a:ln>
-        </p:spPr>
-        <p:style>
-          <a:lnRef idx="1">
-            <a:schemeClr val="accent1"/>
-          </a:lnRef>
-          <a:fillRef idx="0">
-            <a:schemeClr val="accent1"/>
-          </a:fillRef>
-          <a:effectRef idx="0">
-            <a:schemeClr val="accent1"/>
-          </a:effectRef>
-          <a:fontRef idx="minor">
-            <a:schemeClr val="tx1"/>
-          </a:fontRef>
-        </p:style>
-      </p:cxnSp>
-    </p:spTree>
-    <p:extLst>
-      <p:ext uri="{BB962C8B-B14F-4D97-AF65-F5344CB8AC3E}">
-        <p14:creationId xmlns:p14="http://schemas.microsoft.com/office/powerpoint/2010/main" val="3690900683"/>
       </p:ext>
     </p:extLst>
   </p:cSld>
@@ -24406,6 +25317,975 @@
 </p:sld>
 </file>
 
+<file path=ppt/slides/slide30.xml><?xml version="1.0" encoding="utf-8"?>
+<p:sld xmlns:a="http://schemas.openxmlformats.org/drawingml/2006/main" xmlns:r="http://schemas.openxmlformats.org/officeDocument/2006/relationships" xmlns:p="http://schemas.openxmlformats.org/presentationml/2006/main">
+  <p:cSld>
+    <p:bg>
+      <p:bgPr>
+        <a:solidFill>
+          <a:schemeClr val="bg1"/>
+        </a:solidFill>
+        <a:effectLst/>
+      </p:bgPr>
+    </p:bg>
+    <p:spTree>
+      <p:nvGrpSpPr>
+        <p:cNvPr id="1" name="">
+          <a:extLst>
+            <a:ext uri="{FF2B5EF4-FFF2-40B4-BE49-F238E27FC236}">
+              <a16:creationId xmlns:a16="http://schemas.microsoft.com/office/drawing/2014/main" id="{FE40049B-0F04-72A8-C71B-1BE16CA78516}"/>
+            </a:ext>
+          </a:extLst>
+        </p:cNvPr>
+        <p:cNvGrpSpPr/>
+        <p:nvPr/>
+      </p:nvGrpSpPr>
+      <p:grpSpPr>
+        <a:xfrm>
+          <a:off x="0" y="0"/>
+          <a:ext cx="0" cy="0"/>
+          <a:chOff x="0" y="0"/>
+          <a:chExt cx="0" cy="0"/>
+        </a:xfrm>
+      </p:grpSpPr>
+      <p:sp useBgFill="1">
+        <p:nvSpPr>
+          <p:cNvPr id="339" name="Rectangle 338">
+            <a:extLst>
+              <a:ext uri="{FF2B5EF4-FFF2-40B4-BE49-F238E27FC236}">
+                <a16:creationId xmlns:a16="http://schemas.microsoft.com/office/drawing/2014/main" id="{3AD318CC-E2A8-4E27-9548-A047A78999B1}"/>
+              </a:ext>
+              <a:ext uri="{C183D7F6-B498-43B3-948B-1728B52AA6E4}">
+                <adec:decorative xmlns:adec="http://schemas.microsoft.com/office/drawing/2017/decorative" val="1"/>
+              </a:ext>
+            </a:extLst>
+          </p:cNvPr>
+          <p:cNvSpPr>
+            <a:spLocks noGrp="1" noRot="1" noChangeAspect="1" noMove="1" noResize="1" noEditPoints="1" noAdjustHandles="1" noChangeArrowheads="1" noChangeShapeType="1" noTextEdit="1"/>
+          </p:cNvSpPr>
+          <p:nvPr>
+            <p:extLst>
+              <p:ext uri="{386F3935-93C4-4BCD-93E2-E3B085C9AB24}">
+                <p16:designElem xmlns:p16="http://schemas.microsoft.com/office/powerpoint/2015/main" val="1"/>
+              </p:ext>
+            </p:extLst>
+          </p:nvPr>
+        </p:nvSpPr>
+        <p:spPr>
+          <a:xfrm>
+            <a:off x="0" y="0"/>
+            <a:ext cx="12191999" cy="6857365"/>
+          </a:xfrm>
+          <a:prstGeom prst="rect">
+            <a:avLst/>
+          </a:prstGeom>
+          <a:ln>
+            <a:noFill/>
+          </a:ln>
+        </p:spPr>
+        <p:style>
+          <a:lnRef idx="2">
+            <a:schemeClr val="accent1">
+              <a:shade val="50000"/>
+            </a:schemeClr>
+          </a:lnRef>
+          <a:fillRef idx="1">
+            <a:schemeClr val="accent1"/>
+          </a:fillRef>
+          <a:effectRef idx="0">
+            <a:schemeClr val="accent1"/>
+          </a:effectRef>
+          <a:fontRef idx="minor">
+            <a:schemeClr val="lt1"/>
+          </a:fontRef>
+        </p:style>
+        <p:txBody>
+          <a:bodyPr rtlCol="0" anchor="ctr"/>
+          <a:lstStyle/>
+          <a:p>
+            <a:pPr algn="ctr"/>
+            <a:endParaRPr lang="en-US"/>
+          </a:p>
+        </p:txBody>
+      </p:sp>
+      <p:sp>
+        <p:nvSpPr>
+          <p:cNvPr id="2" name="Title 1">
+            <a:extLst>
+              <a:ext uri="{FF2B5EF4-FFF2-40B4-BE49-F238E27FC236}">
+                <a16:creationId xmlns:a16="http://schemas.microsoft.com/office/drawing/2014/main" id="{2A06DE98-2052-9D34-0F20-CA069C36FF39}"/>
+              </a:ext>
+            </a:extLst>
+          </p:cNvPr>
+          <p:cNvSpPr>
+            <a:spLocks noGrp="1"/>
+          </p:cNvSpPr>
+          <p:nvPr>
+            <p:ph type="title"/>
+          </p:nvPr>
+        </p:nvSpPr>
+        <p:spPr>
+          <a:xfrm>
+            <a:off x="645065" y="1463040"/>
+            <a:ext cx="3796306" cy="2690949"/>
+          </a:xfrm>
+        </p:spPr>
+        <p:txBody>
+          <a:bodyPr anchor="t">
+            <a:normAutofit/>
+          </a:bodyPr>
+          <a:lstStyle/>
+          <a:p>
+            <a:r>
+              <a:rPr lang="en-US" sz="4800"/>
+              <a:t>Conclusion</a:t>
+            </a:r>
+          </a:p>
+        </p:txBody>
+      </p:sp>
+      <p:grpSp>
+        <p:nvGrpSpPr>
+          <p:cNvPr id="341" name="Group 340">
+            <a:extLst>
+              <a:ext uri="{FF2B5EF4-FFF2-40B4-BE49-F238E27FC236}">
+                <a16:creationId xmlns:a16="http://schemas.microsoft.com/office/drawing/2014/main" id="{B14B560F-9DD7-4302-A60B-EBD3EF59B073}"/>
+              </a:ext>
+              <a:ext uri="{C183D7F6-B498-43B3-948B-1728B52AA6E4}">
+                <adec:decorative xmlns:adec="http://schemas.microsoft.com/office/drawing/2017/decorative" val="1"/>
+              </a:ext>
+            </a:extLst>
+          </p:cNvPr>
+          <p:cNvGrpSpPr>
+            <a:grpSpLocks noGrp="1" noUngrp="1" noRot="1" noChangeAspect="1" noMove="1" noResize="1"/>
+          </p:cNvGrpSpPr>
+          <p:nvPr>
+            <p:extLst>
+              <p:ext uri="{386F3935-93C4-4BCD-93E2-E3B085C9AB24}">
+                <p16:designElem xmlns:p16="http://schemas.microsoft.com/office/powerpoint/2015/main" val="1"/>
+              </p:ext>
+            </p:extLst>
+          </p:nvPr>
+        </p:nvGrpSpPr>
+        <p:grpSpPr>
+          <a:xfrm>
+            <a:off x="209667" y="4415246"/>
+            <a:ext cx="11982332" cy="2087795"/>
+            <a:chOff x="143163" y="5763486"/>
+            <a:chExt cx="11982332" cy="739555"/>
+          </a:xfrm>
+        </p:grpSpPr>
+        <p:sp>
+          <p:nvSpPr>
+            <p:cNvPr id="342" name="Rectangle 341">
+              <a:extLst>
+                <a:ext uri="{FF2B5EF4-FFF2-40B4-BE49-F238E27FC236}">
+                  <a16:creationId xmlns:a16="http://schemas.microsoft.com/office/drawing/2014/main" id="{3A9A4357-BD1D-4622-A4FE-766E6AB8DE84}"/>
+                </a:ext>
+                <a:ext uri="{C183D7F6-B498-43B3-948B-1728B52AA6E4}">
+                  <adec:decorative xmlns:adec="http://schemas.microsoft.com/office/drawing/2017/decorative" val="1"/>
+                </a:ext>
+              </a:extLst>
+            </p:cNvPr>
+            <p:cNvSpPr/>
+            <p:nvPr>
+              <p:extLst>
+                <p:ext uri="{386F3935-93C4-4BCD-93E2-E3B085C9AB24}">
+                  <p16:designElem xmlns:p16="http://schemas.microsoft.com/office/powerpoint/2015/main" val="1"/>
+                </p:ext>
+              </p:extLst>
+            </p:nvPr>
+          </p:nvSpPr>
+          <p:spPr>
+            <a:xfrm flipH="1" flipV="1">
+              <a:off x="357444" y="5763486"/>
+              <a:ext cx="11768051" cy="739555"/>
+            </a:xfrm>
+            <a:prstGeom prst="rect">
+              <a:avLst/>
+            </a:prstGeom>
+            <a:solidFill>
+              <a:schemeClr val="accent4"/>
+            </a:solidFill>
+            <a:ln>
+              <a:noFill/>
+            </a:ln>
+          </p:spPr>
+          <p:style>
+            <a:lnRef idx="2">
+              <a:schemeClr val="accent1">
+                <a:shade val="50000"/>
+              </a:schemeClr>
+            </a:lnRef>
+            <a:fillRef idx="1">
+              <a:schemeClr val="accent1"/>
+            </a:fillRef>
+            <a:effectRef idx="0">
+              <a:schemeClr val="accent1"/>
+            </a:effectRef>
+            <a:fontRef idx="minor">
+              <a:schemeClr val="lt1"/>
+            </a:fontRef>
+          </p:style>
+          <p:txBody>
+            <a:bodyPr rtlCol="0" anchor="ctr"/>
+            <a:lstStyle/>
+            <a:p>
+              <a:pPr algn="ctr"/>
+              <a:endParaRPr lang="en-US"/>
+            </a:p>
+          </p:txBody>
+        </p:sp>
+        <p:cxnSp>
+          <p:nvCxnSpPr>
+            <p:cNvPr id="343" name="Straight Connector 342">
+              <a:extLst>
+                <a:ext uri="{FF2B5EF4-FFF2-40B4-BE49-F238E27FC236}">
+                  <a16:creationId xmlns:a16="http://schemas.microsoft.com/office/drawing/2014/main" id="{C21D6966-343E-49AC-A026-D2497E0C3CA1}"/>
+                </a:ext>
+                <a:ext uri="{C183D7F6-B498-43B3-948B-1728B52AA6E4}">
+                  <adec:decorative xmlns:adec="http://schemas.microsoft.com/office/drawing/2017/decorative" val="1"/>
+                </a:ext>
+              </a:extLst>
+            </p:cNvPr>
+            <p:cNvCxnSpPr>
+              <a:cxnSpLocks/>
+            </p:cNvCxnSpPr>
+            <p:nvPr>
+              <p:extLst>
+                <p:ext uri="{386F3935-93C4-4BCD-93E2-E3B085C9AB24}">
+                  <p16:designElem xmlns:p16="http://schemas.microsoft.com/office/powerpoint/2015/main" val="1"/>
+                </p:ext>
+              </p:extLst>
+            </p:nvPr>
+          </p:nvCxnSpPr>
+          <p:spPr>
+            <a:xfrm flipH="1">
+              <a:off x="143163" y="5763486"/>
+              <a:ext cx="1" cy="739555"/>
+            </a:xfrm>
+            <a:prstGeom prst="line">
+              <a:avLst/>
+            </a:prstGeom>
+            <a:ln w="177800">
+              <a:solidFill>
+                <a:schemeClr val="accent4"/>
+              </a:solidFill>
+            </a:ln>
+          </p:spPr>
+          <p:style>
+            <a:lnRef idx="1">
+              <a:schemeClr val="accent1"/>
+            </a:lnRef>
+            <a:fillRef idx="0">
+              <a:schemeClr val="accent1"/>
+            </a:fillRef>
+            <a:effectRef idx="0">
+              <a:schemeClr val="accent1"/>
+            </a:effectRef>
+            <a:fontRef idx="minor">
+              <a:schemeClr val="tx1"/>
+            </a:fontRef>
+          </p:style>
+        </p:cxnSp>
+      </p:grpSp>
+      <p:sp>
+        <p:nvSpPr>
+          <p:cNvPr id="355" name="Rectangle 354">
+            <a:extLst>
+              <a:ext uri="{FF2B5EF4-FFF2-40B4-BE49-F238E27FC236}">
+                <a16:creationId xmlns:a16="http://schemas.microsoft.com/office/drawing/2014/main" id="{2C1BBA94-3F40-40AA-8BB9-E69E25E537C1}"/>
+              </a:ext>
+              <a:ext uri="{C183D7F6-B498-43B3-948B-1728B52AA6E4}">
+                <adec:decorative xmlns:adec="http://schemas.microsoft.com/office/drawing/2017/decorative" val="1"/>
+              </a:ext>
+            </a:extLst>
+          </p:cNvPr>
+          <p:cNvSpPr>
+            <a:spLocks noGrp="1" noRot="1" noChangeAspect="1" noMove="1" noResize="1" noEditPoints="1" noAdjustHandles="1" noChangeArrowheads="1" noChangeShapeType="1" noTextEdit="1"/>
+          </p:cNvSpPr>
+          <p:nvPr>
+            <p:extLst>
+              <p:ext uri="{386F3935-93C4-4BCD-93E2-E3B085C9AB24}">
+                <p16:designElem xmlns:p16="http://schemas.microsoft.com/office/powerpoint/2015/main" val="1"/>
+              </p:ext>
+            </p:extLst>
+          </p:nvPr>
+        </p:nvSpPr>
+        <p:spPr>
+          <a:xfrm>
+            <a:off x="5133706" y="587829"/>
+            <a:ext cx="6505300" cy="5682342"/>
+          </a:xfrm>
+          <a:prstGeom prst="rect">
+            <a:avLst/>
+          </a:prstGeom>
+          <a:solidFill>
+            <a:schemeClr val="bg1"/>
+          </a:solidFill>
+          <a:ln>
+            <a:noFill/>
+          </a:ln>
+          <a:effectLst>
+            <a:outerShdw blurRad="139700" dist="127000" dir="5400000" algn="t" rotWithShape="0">
+              <a:prstClr val="black">
+                <a:alpha val="15000"/>
+              </a:prstClr>
+            </a:outerShdw>
+          </a:effectLst>
+        </p:spPr>
+        <p:style>
+          <a:lnRef idx="2">
+            <a:schemeClr val="accent1">
+              <a:shade val="50000"/>
+            </a:schemeClr>
+          </a:lnRef>
+          <a:fillRef idx="1">
+            <a:schemeClr val="accent1"/>
+          </a:fillRef>
+          <a:effectRef idx="0">
+            <a:schemeClr val="accent1"/>
+          </a:effectRef>
+          <a:fontRef idx="minor">
+            <a:schemeClr val="lt1"/>
+          </a:fontRef>
+        </p:style>
+        <p:txBody>
+          <a:bodyPr rtlCol="0" anchor="ctr"/>
+          <a:lstStyle/>
+          <a:p>
+            <a:pPr algn="ctr"/>
+            <a:endParaRPr lang="en-US"/>
+          </a:p>
+        </p:txBody>
+      </p:sp>
+      <p:sp>
+        <p:nvSpPr>
+          <p:cNvPr id="5" name="Rectangle 2">
+            <a:extLst>
+              <a:ext uri="{FF2B5EF4-FFF2-40B4-BE49-F238E27FC236}">
+                <a16:creationId xmlns:a16="http://schemas.microsoft.com/office/drawing/2014/main" id="{56ADF770-BA64-F5A2-C32A-2D987836C94C}"/>
+              </a:ext>
+            </a:extLst>
+          </p:cNvPr>
+          <p:cNvSpPr>
+            <a:spLocks noGrp="1" noChangeArrowheads="1"/>
+          </p:cNvSpPr>
+          <p:nvPr>
+            <p:ph idx="1"/>
+          </p:nvPr>
+        </p:nvSpPr>
+        <p:spPr bwMode="auto">
+          <a:xfrm>
+            <a:off x="5656218" y="1463039"/>
+            <a:ext cx="5542387" cy="4300447"/>
+          </a:xfrm>
+          <a:prstGeom prst="rect">
+            <a:avLst/>
+          </a:prstGeom>
+          <a:extLst>
+            <a:ext uri="{909E8E84-426E-40DD-AFC4-6F175D3DCCD1}">
+              <a14:hiddenFill xmlns:a14="http://schemas.microsoft.com/office/drawing/2010/main">
+                <a:solidFill>
+                  <a:schemeClr val="accent1"/>
+                </a:solidFill>
+              </a14:hiddenFill>
+            </a:ext>
+            <a:ext uri="{91240B29-F687-4F45-9708-019B960494DF}">
+              <a14:hiddenLine xmlns:a14="http://schemas.microsoft.com/office/drawing/2010/main" w="9525">
+                <a:solidFill>
+                  <a:schemeClr val="tx1"/>
+                </a:solidFill>
+                <a:miter lim="800000"/>
+                <a:headEnd/>
+                <a:tailEnd/>
+              </a14:hiddenLine>
+            </a:ext>
+            <a:ext uri="{AF507438-7753-43E0-B8FC-AC1667EBCBE1}">
+              <a14:hiddenEffects xmlns:a14="http://schemas.microsoft.com/office/drawing/2010/main">
+                <a:effectLst>
+                  <a:outerShdw dist="35921" dir="2700000" algn="ctr" rotWithShape="0">
+                    <a:schemeClr val="bg2"/>
+                  </a:outerShdw>
+                </a:effectLst>
+              </a14:hiddenEffects>
+            </a:ext>
+          </a:extLst>
+        </p:spPr>
+        <p:txBody>
+          <a:bodyPr vert="horz" lIns="91440" tIns="45720" rIns="91440" bIns="45720" numCol="1" anchor="t" anchorCtr="0" compatLnSpc="1">
+            <a:prstTxWarp prst="textNoShape">
+              <a:avLst/>
+            </a:prstTxWarp>
+            <a:normAutofit/>
+          </a:bodyPr>
+          <a:lstStyle/>
+          <a:p>
+            <a:pPr marL="0" marR="0" lvl="0" indent="0" defTabSz="914400" rtl="0" eaLnBrk="0" fontAlgn="base" latinLnBrk="0" hangingPunct="0">
+              <a:spcBef>
+                <a:spcPct val="0"/>
+              </a:spcBef>
+              <a:spcAft>
+                <a:spcPts val="600"/>
+              </a:spcAft>
+              <a:buClrTx/>
+              <a:buSzTx/>
+              <a:buFontTx/>
+              <a:buChar char="•"/>
+              <a:tabLst/>
+            </a:pPr>
+            <a:r>
+              <a:rPr kumimoji="0" lang="en-US" altLang="en-US" sz="2200" b="1" i="0" u="none" strike="noStrike" cap="none" normalizeH="0" baseline="0" dirty="0">
+                <a:ln>
+                  <a:noFill/>
+                </a:ln>
+                <a:effectLst/>
+                <a:latin typeface="Arial" panose="020B0604020202020204" pitchFamily="34" charset="0"/>
+              </a:rPr>
+              <a:t> Final Model</a:t>
+            </a:r>
+            <a:r>
+              <a:rPr kumimoji="0" lang="en-US" altLang="en-US" sz="2200" b="0" i="0" u="none" strike="noStrike" cap="none" normalizeH="0" baseline="0" dirty="0">
+                <a:ln>
+                  <a:noFill/>
+                </a:ln>
+                <a:effectLst/>
+                <a:latin typeface="Arial" panose="020B0604020202020204" pitchFamily="34" charset="0"/>
+              </a:rPr>
+              <a:t>: </a:t>
+            </a:r>
+            <a:r>
+              <a:rPr kumimoji="0" lang="en-US" altLang="en-US" sz="2200" b="0" i="0" u="none" strike="noStrike" cap="none" normalizeH="0" baseline="0" dirty="0" err="1">
+                <a:ln>
+                  <a:noFill/>
+                </a:ln>
+                <a:effectLst/>
+                <a:latin typeface="Arial" panose="020B0604020202020204" pitchFamily="34" charset="0"/>
+              </a:rPr>
+              <a:t>CatBoost</a:t>
+            </a:r>
+            <a:r>
+              <a:rPr kumimoji="0" lang="en-US" altLang="en-US" sz="2200" b="0" i="0" u="none" strike="noStrike" cap="none" normalizeH="0" baseline="0" dirty="0">
+                <a:ln>
+                  <a:noFill/>
+                </a:ln>
+                <a:effectLst/>
+                <a:latin typeface="Arial" panose="020B0604020202020204" pitchFamily="34" charset="0"/>
+              </a:rPr>
+              <a:t> with Preprocessor V2.</a:t>
+            </a:r>
+          </a:p>
+          <a:p>
+            <a:pPr marL="0" marR="0" lvl="0" indent="0" defTabSz="914400" rtl="0" eaLnBrk="0" fontAlgn="base" latinLnBrk="0" hangingPunct="0">
+              <a:spcBef>
+                <a:spcPct val="0"/>
+              </a:spcBef>
+              <a:spcAft>
+                <a:spcPts val="600"/>
+              </a:spcAft>
+              <a:buClrTx/>
+              <a:buSzTx/>
+              <a:buFontTx/>
+              <a:buChar char="•"/>
+              <a:tabLst/>
+            </a:pPr>
+            <a:r>
+              <a:rPr kumimoji="0" lang="en-US" altLang="en-US" sz="2200" b="1" i="0" u="none" strike="noStrike" cap="none" normalizeH="0" baseline="0" dirty="0">
+                <a:ln>
+                  <a:noFill/>
+                </a:ln>
+                <a:effectLst/>
+                <a:latin typeface="Arial" panose="020B0604020202020204" pitchFamily="34" charset="0"/>
+              </a:rPr>
+              <a:t> Performance</a:t>
+            </a:r>
+            <a:r>
+              <a:rPr kumimoji="0" lang="en-US" altLang="en-US" sz="2200" b="0" i="0" u="none" strike="noStrike" cap="none" normalizeH="0" baseline="0" dirty="0">
+                <a:ln>
+                  <a:noFill/>
+                </a:ln>
+                <a:effectLst/>
+                <a:latin typeface="Arial" panose="020B0604020202020204" pitchFamily="34" charset="0"/>
+              </a:rPr>
+              <a:t>: Strong results with a weighted F1 score of 0.7305 on the test set.</a:t>
+            </a:r>
+          </a:p>
+          <a:p>
+            <a:pPr marL="0" marR="0" lvl="0" indent="0" defTabSz="914400" rtl="0" eaLnBrk="0" fontAlgn="base" latinLnBrk="0" hangingPunct="0">
+              <a:spcBef>
+                <a:spcPct val="0"/>
+              </a:spcBef>
+              <a:spcAft>
+                <a:spcPts val="600"/>
+              </a:spcAft>
+              <a:buClrTx/>
+              <a:buSzTx/>
+              <a:buFontTx/>
+              <a:buChar char="•"/>
+              <a:tabLst/>
+            </a:pPr>
+            <a:r>
+              <a:rPr kumimoji="0" lang="en-US" altLang="en-US" sz="2200" b="1" i="0" u="none" strike="noStrike" cap="none" normalizeH="0" baseline="0" dirty="0">
+                <a:ln>
+                  <a:noFill/>
+                </a:ln>
+                <a:effectLst/>
+                <a:latin typeface="Arial" panose="020B0604020202020204" pitchFamily="34" charset="0"/>
+              </a:rPr>
+              <a:t> Model Choice</a:t>
+            </a:r>
+            <a:r>
+              <a:rPr kumimoji="0" lang="en-US" altLang="en-US" sz="2200" b="0" i="0" u="none" strike="noStrike" cap="none" normalizeH="0" baseline="0" dirty="0">
+                <a:ln>
+                  <a:noFill/>
+                </a:ln>
+                <a:effectLst/>
+                <a:latin typeface="Arial" panose="020B0604020202020204" pitchFamily="34" charset="0"/>
+              </a:rPr>
+              <a:t>: AdaBoost also performed well, but </a:t>
+            </a:r>
+            <a:r>
+              <a:rPr kumimoji="0" lang="en-US" altLang="en-US" sz="2200" b="0" i="0" u="none" strike="noStrike" cap="none" normalizeH="0" baseline="0" dirty="0" err="1">
+                <a:ln>
+                  <a:noFill/>
+                </a:ln>
+                <a:effectLst/>
+                <a:latin typeface="Arial" panose="020B0604020202020204" pitchFamily="34" charset="0"/>
+              </a:rPr>
+              <a:t>CatBoost</a:t>
+            </a:r>
+            <a:r>
+              <a:rPr kumimoji="0" lang="en-US" altLang="en-US" sz="2200" b="0" i="0" u="none" strike="noStrike" cap="none" normalizeH="0" baseline="0" dirty="0">
+                <a:ln>
+                  <a:noFill/>
+                </a:ln>
+                <a:effectLst/>
+                <a:latin typeface="Arial" panose="020B0604020202020204" pitchFamily="34" charset="0"/>
+              </a:rPr>
+              <a:t> offered better generalization.</a:t>
+            </a:r>
+          </a:p>
+          <a:p>
+            <a:pPr marL="0" marR="0" lvl="0" indent="0" defTabSz="914400" rtl="0" eaLnBrk="0" fontAlgn="base" latinLnBrk="0" hangingPunct="0">
+              <a:spcBef>
+                <a:spcPct val="0"/>
+              </a:spcBef>
+              <a:spcAft>
+                <a:spcPts val="600"/>
+              </a:spcAft>
+              <a:buClrTx/>
+              <a:buSzTx/>
+              <a:buFontTx/>
+              <a:buChar char="•"/>
+              <a:tabLst/>
+            </a:pPr>
+            <a:r>
+              <a:rPr kumimoji="0" lang="en-US" altLang="en-US" sz="2200" b="1" i="0" u="none" strike="noStrike" cap="none" normalizeH="0" baseline="0">
+                <a:ln>
+                  <a:noFill/>
+                </a:ln>
+                <a:effectLst/>
+                <a:latin typeface="Arial" panose="020B0604020202020204" pitchFamily="34" charset="0"/>
+              </a:rPr>
+              <a:t> Key </a:t>
+            </a:r>
+            <a:r>
+              <a:rPr kumimoji="0" lang="en-US" altLang="en-US" sz="2200" b="1" i="0" u="none" strike="noStrike" cap="none" normalizeH="0" baseline="0" dirty="0">
+                <a:ln>
+                  <a:noFill/>
+                </a:ln>
+                <a:effectLst/>
+                <a:latin typeface="Arial" panose="020B0604020202020204" pitchFamily="34" charset="0"/>
+              </a:rPr>
+              <a:t>Insight</a:t>
+            </a:r>
+            <a:r>
+              <a:rPr kumimoji="0" lang="en-US" altLang="en-US" sz="2200" b="0" i="0" u="none" strike="noStrike" cap="none" normalizeH="0" baseline="0" dirty="0">
+                <a:ln>
+                  <a:noFill/>
+                </a:ln>
+                <a:effectLst/>
+                <a:latin typeface="Arial" panose="020B0604020202020204" pitchFamily="34" charset="0"/>
+              </a:rPr>
+              <a:t>: Our model offers a good balance between sensitivity and specificity, which is crucial for early Alzheimer’s detection.</a:t>
+            </a:r>
+          </a:p>
+        </p:txBody>
+      </p:sp>
+    </p:spTree>
+    <p:extLst>
+      <p:ext uri="{BB962C8B-B14F-4D97-AF65-F5344CB8AC3E}">
+        <p14:creationId xmlns:p14="http://schemas.microsoft.com/office/powerpoint/2010/main" val="3266595848"/>
+      </p:ext>
+    </p:extLst>
+  </p:cSld>
+  <p:clrMapOvr>
+    <a:masterClrMapping/>
+  </p:clrMapOvr>
+</p:sld>
+</file>
+
+<file path=ppt/slides/slide31.xml><?xml version="1.0" encoding="utf-8"?>
+<p:sld xmlns:a="http://schemas.openxmlformats.org/drawingml/2006/main" xmlns:r="http://schemas.openxmlformats.org/officeDocument/2006/relationships" xmlns:p="http://schemas.openxmlformats.org/presentationml/2006/main">
+  <p:cSld>
+    <p:bg>
+      <p:bgPr>
+        <a:solidFill>
+          <a:schemeClr val="bg1"/>
+        </a:solidFill>
+        <a:effectLst/>
+      </p:bgPr>
+    </p:bg>
+    <p:spTree>
+      <p:nvGrpSpPr>
+        <p:cNvPr id="1" name="">
+          <a:extLst>
+            <a:ext uri="{FF2B5EF4-FFF2-40B4-BE49-F238E27FC236}">
+              <a16:creationId xmlns:a16="http://schemas.microsoft.com/office/drawing/2014/main" id="{017B30EF-998B-DB63-A064-51666B797B5F}"/>
+            </a:ext>
+          </a:extLst>
+        </p:cNvPr>
+        <p:cNvGrpSpPr/>
+        <p:nvPr/>
+      </p:nvGrpSpPr>
+      <p:grpSpPr>
+        <a:xfrm>
+          <a:off x="0" y="0"/>
+          <a:ext cx="0" cy="0"/>
+          <a:chOff x="0" y="0"/>
+          <a:chExt cx="0" cy="0"/>
+        </a:xfrm>
+      </p:grpSpPr>
+      <p:sp useBgFill="1">
+        <p:nvSpPr>
+          <p:cNvPr id="41" name="Rectangle 40">
+            <a:extLst>
+              <a:ext uri="{FF2B5EF4-FFF2-40B4-BE49-F238E27FC236}">
+                <a16:creationId xmlns:a16="http://schemas.microsoft.com/office/drawing/2014/main" id="{9C7E0A2C-7C0A-4AAC-B3B0-6C12B2EBAE05}"/>
+              </a:ext>
+              <a:ext uri="{C183D7F6-B498-43B3-948B-1728B52AA6E4}">
+                <adec:decorative xmlns:adec="http://schemas.microsoft.com/office/drawing/2017/decorative" val="1"/>
+              </a:ext>
+            </a:extLst>
+          </p:cNvPr>
+          <p:cNvSpPr>
+            <a:spLocks noGrp="1" noRot="1" noChangeAspect="1" noMove="1" noResize="1" noEditPoints="1" noAdjustHandles="1" noChangeArrowheads="1" noChangeShapeType="1" noTextEdit="1"/>
+          </p:cNvSpPr>
+          <p:nvPr>
+            <p:extLst>
+              <p:ext uri="{386F3935-93C4-4BCD-93E2-E3B085C9AB24}">
+                <p16:designElem xmlns:p16="http://schemas.microsoft.com/office/powerpoint/2015/main" val="1"/>
+              </p:ext>
+            </p:extLst>
+          </p:nvPr>
+        </p:nvSpPr>
+        <p:spPr>
+          <a:xfrm>
+            <a:off x="0" y="0"/>
+            <a:ext cx="12191999" cy="6857365"/>
+          </a:xfrm>
+          <a:prstGeom prst="rect">
+            <a:avLst/>
+          </a:prstGeom>
+          <a:ln>
+            <a:noFill/>
+          </a:ln>
+        </p:spPr>
+        <p:style>
+          <a:lnRef idx="2">
+            <a:schemeClr val="accent1">
+              <a:shade val="50000"/>
+            </a:schemeClr>
+          </a:lnRef>
+          <a:fillRef idx="1">
+            <a:schemeClr val="accent1"/>
+          </a:fillRef>
+          <a:effectRef idx="0">
+            <a:schemeClr val="accent1"/>
+          </a:effectRef>
+          <a:fontRef idx="minor">
+            <a:schemeClr val="lt1"/>
+          </a:fontRef>
+        </p:style>
+        <p:txBody>
+          <a:bodyPr rtlCol="0" anchor="ctr"/>
+          <a:lstStyle/>
+          <a:p>
+            <a:pPr algn="ctr"/>
+            <a:endParaRPr lang="en-US"/>
+          </a:p>
+        </p:txBody>
+      </p:sp>
+      <p:sp>
+        <p:nvSpPr>
+          <p:cNvPr id="43" name="Rectangle 42">
+            <a:extLst>
+              <a:ext uri="{FF2B5EF4-FFF2-40B4-BE49-F238E27FC236}">
+                <a16:creationId xmlns:a16="http://schemas.microsoft.com/office/drawing/2014/main" id="{5EB7D2A2-F448-44D4-938C-DC84CBCB3B1E}"/>
+              </a:ext>
+              <a:ext uri="{C183D7F6-B498-43B3-948B-1728B52AA6E4}">
+                <adec:decorative xmlns:adec="http://schemas.microsoft.com/office/drawing/2017/decorative" val="1"/>
+              </a:ext>
+            </a:extLst>
+          </p:cNvPr>
+          <p:cNvSpPr>
+            <a:spLocks noGrp="1" noRot="1" noChangeAspect="1" noMove="1" noResize="1" noEditPoints="1" noAdjustHandles="1" noChangeArrowheads="1" noChangeShapeType="1" noTextEdit="1"/>
+          </p:cNvSpPr>
+          <p:nvPr>
+            <p:extLst>
+              <p:ext uri="{386F3935-93C4-4BCD-93E2-E3B085C9AB24}">
+                <p16:designElem xmlns:p16="http://schemas.microsoft.com/office/powerpoint/2015/main" val="1"/>
+              </p:ext>
+            </p:extLst>
+          </p:nvPr>
+        </p:nvSpPr>
+        <p:spPr>
+          <a:xfrm>
+            <a:off x="0" y="1"/>
+            <a:ext cx="12192000" cy="5187142"/>
+          </a:xfrm>
+          <a:prstGeom prst="rect">
+            <a:avLst/>
+          </a:prstGeom>
+          <a:solidFill>
+            <a:schemeClr val="accent4"/>
+          </a:solidFill>
+          <a:ln>
+            <a:noFill/>
+          </a:ln>
+        </p:spPr>
+        <p:style>
+          <a:lnRef idx="2">
+            <a:schemeClr val="accent1">
+              <a:shade val="50000"/>
+            </a:schemeClr>
+          </a:lnRef>
+          <a:fillRef idx="1">
+            <a:schemeClr val="accent1"/>
+          </a:fillRef>
+          <a:effectRef idx="0">
+            <a:schemeClr val="accent1"/>
+          </a:effectRef>
+          <a:fontRef idx="minor">
+            <a:schemeClr val="lt1"/>
+          </a:fontRef>
+        </p:style>
+        <p:txBody>
+          <a:bodyPr rtlCol="0" anchor="ctr"/>
+          <a:lstStyle/>
+          <a:p>
+            <a:pPr algn="ctr"/>
+            <a:endParaRPr lang="en-US" dirty="0"/>
+          </a:p>
+        </p:txBody>
+      </p:sp>
+      <p:sp>
+        <p:nvSpPr>
+          <p:cNvPr id="45" name="Rectangle 44">
+            <a:extLst>
+              <a:ext uri="{FF2B5EF4-FFF2-40B4-BE49-F238E27FC236}">
+                <a16:creationId xmlns:a16="http://schemas.microsoft.com/office/drawing/2014/main" id="{871AEA07-1E14-44B4-8E55-64EF049CD66F}"/>
+              </a:ext>
+              <a:ext uri="{C183D7F6-B498-43B3-948B-1728B52AA6E4}">
+                <adec:decorative xmlns:adec="http://schemas.microsoft.com/office/drawing/2017/decorative" val="1"/>
+              </a:ext>
+            </a:extLst>
+          </p:cNvPr>
+          <p:cNvSpPr>
+            <a:spLocks noGrp="1" noRot="1" noChangeAspect="1" noMove="1" noResize="1" noEditPoints="1" noAdjustHandles="1" noChangeArrowheads="1" noChangeShapeType="1" noTextEdit="1"/>
+          </p:cNvSpPr>
+          <p:nvPr>
+            <p:extLst>
+              <p:ext uri="{386F3935-93C4-4BCD-93E2-E3B085C9AB24}">
+                <p16:designElem xmlns:p16="http://schemas.microsoft.com/office/powerpoint/2015/main" val="1"/>
+              </p:ext>
+            </p:extLst>
+          </p:nvPr>
+        </p:nvSpPr>
+        <p:spPr>
+          <a:xfrm>
+            <a:off x="596464" y="551961"/>
+            <a:ext cx="10999072" cy="5399950"/>
+          </a:xfrm>
+          <a:prstGeom prst="rect">
+            <a:avLst/>
+          </a:prstGeom>
+          <a:solidFill>
+            <a:schemeClr val="bg1"/>
+          </a:solidFill>
+          <a:ln>
+            <a:noFill/>
+          </a:ln>
+          <a:effectLst>
+            <a:outerShdw blurRad="139700" dist="127000" dir="5400000" algn="t" rotWithShape="0">
+              <a:prstClr val="black">
+                <a:alpha val="15000"/>
+              </a:prstClr>
+            </a:outerShdw>
+          </a:effectLst>
+        </p:spPr>
+        <p:style>
+          <a:lnRef idx="2">
+            <a:schemeClr val="accent1">
+              <a:shade val="50000"/>
+            </a:schemeClr>
+          </a:lnRef>
+          <a:fillRef idx="1">
+            <a:schemeClr val="accent1"/>
+          </a:fillRef>
+          <a:effectRef idx="0">
+            <a:schemeClr val="accent1"/>
+          </a:effectRef>
+          <a:fontRef idx="minor">
+            <a:schemeClr val="lt1"/>
+          </a:fontRef>
+        </p:style>
+        <p:txBody>
+          <a:bodyPr rtlCol="0" anchor="ctr"/>
+          <a:lstStyle/>
+          <a:p>
+            <a:pPr algn="ctr"/>
+            <a:endParaRPr lang="en-US"/>
+          </a:p>
+        </p:txBody>
+      </p:sp>
+      <p:sp>
+        <p:nvSpPr>
+          <p:cNvPr id="6" name="TextBox 5">
+            <a:extLst>
+              <a:ext uri="{FF2B5EF4-FFF2-40B4-BE49-F238E27FC236}">
+                <a16:creationId xmlns:a16="http://schemas.microsoft.com/office/drawing/2014/main" id="{6DB11DA6-202B-090A-558B-18FC262F4149}"/>
+              </a:ext>
+            </a:extLst>
+          </p:cNvPr>
+          <p:cNvSpPr txBox="1"/>
+          <p:nvPr/>
+        </p:nvSpPr>
+        <p:spPr>
+          <a:xfrm>
+            <a:off x="1524000" y="1248587"/>
+            <a:ext cx="9144000" cy="2387600"/>
+          </a:xfrm>
+          <a:prstGeom prst="rect">
+            <a:avLst/>
+          </a:prstGeom>
+        </p:spPr>
+        <p:txBody>
+          <a:bodyPr vert="horz" lIns="91440" tIns="45720" rIns="91440" bIns="45720" rtlCol="0" anchor="b">
+            <a:normAutofit/>
+          </a:bodyPr>
+          <a:lstStyle/>
+          <a:p>
+            <a:pPr algn="ctr" defTabSz="914400">
+              <a:lnSpc>
+                <a:spcPct val="90000"/>
+              </a:lnSpc>
+              <a:spcBef>
+                <a:spcPct val="0"/>
+              </a:spcBef>
+              <a:spcAft>
+                <a:spcPts val="600"/>
+              </a:spcAft>
+            </a:pPr>
+            <a:r>
+              <a:rPr lang="en-US" sz="5400" kern="1200">
+                <a:solidFill>
+                  <a:schemeClr val="tx1"/>
+                </a:solidFill>
+                <a:latin typeface="+mj-lt"/>
+                <a:ea typeface="+mj-ea"/>
+                <a:cs typeface="+mj-cs"/>
+              </a:rPr>
+              <a:t>Thank you for your attention!</a:t>
+            </a:r>
+            <a:br>
+              <a:rPr lang="en-US" sz="5400" kern="1200">
+                <a:solidFill>
+                  <a:schemeClr val="tx1"/>
+                </a:solidFill>
+                <a:latin typeface="+mj-lt"/>
+                <a:ea typeface="+mj-ea"/>
+                <a:cs typeface="+mj-cs"/>
+              </a:rPr>
+            </a:br>
+            <a:r>
+              <a:rPr lang="en-US" sz="5400" kern="1200">
+                <a:solidFill>
+                  <a:schemeClr val="tx1"/>
+                </a:solidFill>
+                <a:latin typeface="+mj-lt"/>
+                <a:ea typeface="+mj-ea"/>
+                <a:cs typeface="+mj-cs"/>
+              </a:rPr>
+              <a:t>We are open to any questions.</a:t>
+            </a:r>
+          </a:p>
+        </p:txBody>
+      </p:sp>
+      <p:cxnSp>
+        <p:nvCxnSpPr>
+          <p:cNvPr id="47" name="Straight Connector 46">
+            <a:extLst>
+              <a:ext uri="{FF2B5EF4-FFF2-40B4-BE49-F238E27FC236}">
+                <a16:creationId xmlns:a16="http://schemas.microsoft.com/office/drawing/2014/main" id="{F7C8EA93-3210-4C62-99E9-153C275E3A87}"/>
+              </a:ext>
+              <a:ext uri="{C183D7F6-B498-43B3-948B-1728B52AA6E4}">
+                <adec:decorative xmlns:adec="http://schemas.microsoft.com/office/drawing/2017/decorative" val="1"/>
+              </a:ext>
+            </a:extLst>
+          </p:cNvPr>
+          <p:cNvCxnSpPr>
+            <a:cxnSpLocks noGrp="1" noRot="1" noChangeAspect="1" noMove="1" noResize="1" noEditPoints="1" noAdjustHandles="1" noChangeArrowheads="1" noChangeShapeType="1"/>
+          </p:cNvCxnSpPr>
+          <p:nvPr>
+            <p:extLst>
+              <p:ext uri="{386F3935-93C4-4BCD-93E2-E3B085C9AB24}">
+                <p16:designElem xmlns:p16="http://schemas.microsoft.com/office/powerpoint/2015/main" val="1"/>
+              </p:ext>
+            </p:extLst>
+          </p:nvPr>
+        </p:nvCxnSpPr>
+        <p:spPr>
+          <a:xfrm flipH="1">
+            <a:off x="596464" y="6329769"/>
+            <a:ext cx="11000232" cy="0"/>
+          </a:xfrm>
+          <a:prstGeom prst="line">
+            <a:avLst/>
+          </a:prstGeom>
+          <a:ln w="152400">
+            <a:solidFill>
+              <a:schemeClr val="accent4"/>
+            </a:solidFill>
+          </a:ln>
+        </p:spPr>
+        <p:style>
+          <a:lnRef idx="1">
+            <a:schemeClr val="accent1"/>
+          </a:lnRef>
+          <a:fillRef idx="0">
+            <a:schemeClr val="accent1"/>
+          </a:fillRef>
+          <a:effectRef idx="0">
+            <a:schemeClr val="accent1"/>
+          </a:effectRef>
+          <a:fontRef idx="minor">
+            <a:schemeClr val="tx1"/>
+          </a:fontRef>
+        </p:style>
+      </p:cxnSp>
+    </p:spTree>
+    <p:extLst>
+      <p:ext uri="{BB962C8B-B14F-4D97-AF65-F5344CB8AC3E}">
+        <p14:creationId xmlns:p14="http://schemas.microsoft.com/office/powerpoint/2010/main" val="3690900683"/>
+      </p:ext>
+    </p:extLst>
+  </p:cSld>
+  <p:clrMapOvr>
+    <a:masterClrMapping/>
+  </p:clrMapOvr>
+</p:sld>
+</file>
+
 <file path=ppt/slides/slide4.xml><?xml version="1.0" encoding="utf-8"?>
 <p:sld xmlns:a="http://schemas.openxmlformats.org/drawingml/2006/main" xmlns:r="http://schemas.openxmlformats.org/officeDocument/2006/relationships" xmlns:p="http://schemas.openxmlformats.org/presentationml/2006/main">
   <p:cSld>
@@ -27138,10 +29018,10 @@
       </p:grpSpPr>
       <p:sp useBgFill="1">
         <p:nvSpPr>
-          <p:cNvPr id="108" name="Rectangle 107">
+          <p:cNvPr id="132" name="Rectangle 131">
             <a:extLst>
               <a:ext uri="{FF2B5EF4-FFF2-40B4-BE49-F238E27FC236}">
-                <a16:creationId xmlns:a16="http://schemas.microsoft.com/office/drawing/2014/main" id="{F5A5F1D7-F0D0-4687-9BD3-CA6A0714C634}"/>
+                <a16:creationId xmlns:a16="http://schemas.microsoft.com/office/drawing/2014/main" id="{AAAE94E3-A7DB-4868-B1E3-E49703488BBC}"/>
               </a:ext>
               <a:ext uri="{C183D7F6-B498-43B3-948B-1728B52AA6E4}">
                 <adec:decorative xmlns:adec="http://schemas.microsoft.com/office/drawing/2017/decorative" val="1"/>
@@ -27196,12 +29076,47 @@
           </a:p>
         </p:txBody>
       </p:sp>
+      <p:sp>
+        <p:nvSpPr>
+          <p:cNvPr id="2" name="Title 1">
+            <a:extLst>
+              <a:ext uri="{FF2B5EF4-FFF2-40B4-BE49-F238E27FC236}">
+                <a16:creationId xmlns:a16="http://schemas.microsoft.com/office/drawing/2014/main" id="{98675633-FBDB-3C9C-AE61-3889170E6B43}"/>
+              </a:ext>
+            </a:extLst>
+          </p:cNvPr>
+          <p:cNvSpPr>
+            <a:spLocks noGrp="1"/>
+          </p:cNvSpPr>
+          <p:nvPr>
+            <p:ph type="title"/>
+          </p:nvPr>
+        </p:nvSpPr>
+        <p:spPr>
+          <a:xfrm>
+            <a:off x="589560" y="856180"/>
+            <a:ext cx="5279408" cy="1128068"/>
+          </a:xfrm>
+        </p:spPr>
+        <p:txBody>
+          <a:bodyPr anchor="ctr">
+            <a:normAutofit/>
+          </a:bodyPr>
+          <a:lstStyle/>
+          <a:p>
+            <a:r>
+              <a:rPr lang="en-US" sz="3700"/>
+              <a:t>Key Feature Analysis: Age</a:t>
+            </a:r>
+          </a:p>
+        </p:txBody>
+      </p:sp>
       <p:grpSp>
         <p:nvGrpSpPr>
-          <p:cNvPr id="110" name="Group 109">
+          <p:cNvPr id="134" name="Group 133">
             <a:extLst>
               <a:ext uri="{FF2B5EF4-FFF2-40B4-BE49-F238E27FC236}">
-                <a16:creationId xmlns:a16="http://schemas.microsoft.com/office/drawing/2014/main" id="{AE1C45F0-260A-458C-96ED-C1F6D2151219}"/>
+                <a16:creationId xmlns:a16="http://schemas.microsoft.com/office/drawing/2014/main" id="{1DE889C7-FAD6-4397-98E2-05D503484459}"/>
               </a:ext>
               <a:ext uri="{C183D7F6-B498-43B3-948B-1728B52AA6E4}">
                 <adec:decorative xmlns:adec="http://schemas.microsoft.com/office/drawing/2017/decorative" val="1"/>
@@ -27221,21 +29136,18 @@
         </p:nvGrpSpPr>
         <p:grpSpPr>
           <a:xfrm>
-            <a:off x="4" y="1062849"/>
-            <a:ext cx="731521" cy="673460"/>
-            <a:chOff x="3940602" y="308034"/>
-            <a:chExt cx="2116791" cy="3428999"/>
+            <a:off x="0" y="1083484"/>
+            <a:ext cx="355196" cy="673460"/>
+            <a:chOff x="0" y="823811"/>
+            <a:chExt cx="355196" cy="673460"/>
           </a:xfrm>
-          <a:solidFill>
-            <a:schemeClr val="accent4"/>
-          </a:solidFill>
         </p:grpSpPr>
         <p:sp>
           <p:nvSpPr>
-            <p:cNvPr id="111" name="Rectangle 110">
+            <p:cNvPr id="135" name="Rectangle 134">
               <a:extLst>
                 <a:ext uri="{FF2B5EF4-FFF2-40B4-BE49-F238E27FC236}">
-                  <a16:creationId xmlns:a16="http://schemas.microsoft.com/office/drawing/2014/main" id="{A6604B49-AD5C-4590-B051-06C8222ECD99}"/>
+                  <a16:creationId xmlns:a16="http://schemas.microsoft.com/office/drawing/2014/main" id="{F399A70F-F8CD-4992-9EF5-6CF15472E73F}"/>
                 </a:ext>
                 <a:ext uri="{C183D7F6-B498-43B3-948B-1728B52AA6E4}">
                   <adec:decorative xmlns:adec="http://schemas.microsoft.com/office/drawing/2017/decorative" val="1"/>
@@ -27253,13 +29165,15 @@
           </p:nvSpPr>
           <p:spPr>
             <a:xfrm>
-              <a:off x="3940602" y="308034"/>
-              <a:ext cx="566743" cy="3428999"/>
+              <a:off x="0" y="823811"/>
+              <a:ext cx="87363" cy="673460"/>
             </a:xfrm>
             <a:prstGeom prst="rect">
               <a:avLst/>
             </a:prstGeom>
-            <a:grpFill/>
+            <a:solidFill>
+              <a:schemeClr val="accent4"/>
+            </a:solidFill>
             <a:ln>
               <a:noFill/>
             </a:ln>
@@ -27291,10 +29205,10 @@
         </p:sp>
         <p:sp>
           <p:nvSpPr>
-            <p:cNvPr id="112" name="Rectangle 111">
+            <p:cNvPr id="136" name="Rectangle 135">
               <a:extLst>
                 <a:ext uri="{FF2B5EF4-FFF2-40B4-BE49-F238E27FC236}">
-                  <a16:creationId xmlns:a16="http://schemas.microsoft.com/office/drawing/2014/main" id="{743ECCAF-29C5-4537-947C-7EA1292463DB}"/>
+                  <a16:creationId xmlns:a16="http://schemas.microsoft.com/office/drawing/2014/main" id="{48F4FEDC-6D80-458C-A665-075D9B9500FD}"/>
                 </a:ext>
                 <a:ext uri="{C183D7F6-B498-43B3-948B-1728B52AA6E4}">
                   <adec:decorative xmlns:adec="http://schemas.microsoft.com/office/drawing/2017/decorative" val="1"/>
@@ -27312,72 +29226,15 @@
           </p:nvSpPr>
           <p:spPr>
             <a:xfrm>
-              <a:off x="4715626" y="308034"/>
-              <a:ext cx="566743" cy="3428999"/>
+              <a:off x="159341" y="823811"/>
+              <a:ext cx="195855" cy="673460"/>
             </a:xfrm>
             <a:prstGeom prst="rect">
               <a:avLst/>
             </a:prstGeom>
-            <a:grpFill/>
-            <a:ln>
-              <a:noFill/>
-            </a:ln>
-          </p:spPr>
-          <p:style>
-            <a:lnRef idx="2">
-              <a:schemeClr val="accent1">
-                <a:shade val="50000"/>
-              </a:schemeClr>
-            </a:lnRef>
-            <a:fillRef idx="1">
-              <a:schemeClr val="accent1"/>
-            </a:fillRef>
-            <a:effectRef idx="0">
-              <a:schemeClr val="accent1"/>
-            </a:effectRef>
-            <a:fontRef idx="minor">
-              <a:schemeClr val="lt1"/>
-            </a:fontRef>
-          </p:style>
-          <p:txBody>
-            <a:bodyPr rtlCol="0" anchor="ctr"/>
-            <a:lstStyle/>
-            <a:p>
-              <a:pPr algn="ctr"/>
-              <a:endParaRPr lang="en-US"/>
-            </a:p>
-          </p:txBody>
-        </p:sp>
-        <p:sp>
-          <p:nvSpPr>
-            <p:cNvPr id="125" name="Rectangle 124">
-              <a:extLst>
-                <a:ext uri="{FF2B5EF4-FFF2-40B4-BE49-F238E27FC236}">
-                  <a16:creationId xmlns:a16="http://schemas.microsoft.com/office/drawing/2014/main" id="{ED49787B-8DE6-4467-AD0A-8DECC6E0C2D6}"/>
-                </a:ext>
-                <a:ext uri="{C183D7F6-B498-43B3-948B-1728B52AA6E4}">
-                  <adec:decorative xmlns:adec="http://schemas.microsoft.com/office/drawing/2017/decorative" val="1"/>
-                </a:ext>
-              </a:extLst>
-            </p:cNvPr>
-            <p:cNvSpPr/>
-            <p:nvPr>
-              <p:extLst>
-                <p:ext uri="{386F3935-93C4-4BCD-93E2-E3B085C9AB24}">
-                  <p16:designElem xmlns:p16="http://schemas.microsoft.com/office/powerpoint/2015/main" val="1"/>
-                </p:ext>
-              </p:extLst>
-            </p:nvPr>
-          </p:nvSpPr>
-          <p:spPr>
-            <a:xfrm>
-              <a:off x="5490650" y="308034"/>
-              <a:ext cx="566743" cy="3428999"/>
-            </a:xfrm>
-            <a:prstGeom prst="rect">
-              <a:avLst/>
-            </a:prstGeom>
-            <a:grpFill/>
+            <a:solidFill>
+              <a:schemeClr val="accent4"/>
+            </a:solidFill>
             <a:ln>
               <a:noFill/>
             </a:ln>
@@ -27410,10 +29267,189 @@
       </p:grpSp>
       <p:sp>
         <p:nvSpPr>
-          <p:cNvPr id="126" name="Rectangle 125">
+          <p:cNvPr id="138" name="Rectangle 137">
             <a:extLst>
               <a:ext uri="{FF2B5EF4-FFF2-40B4-BE49-F238E27FC236}">
-                <a16:creationId xmlns:a16="http://schemas.microsoft.com/office/drawing/2014/main" id="{D5B0017B-2ECA-49AF-B397-DC140825DF8D}"/>
+                <a16:creationId xmlns:a16="http://schemas.microsoft.com/office/drawing/2014/main" id="{3873B707-463F-40B0-8227-E8CC6C67EB25}"/>
+              </a:ext>
+              <a:ext uri="{C183D7F6-B498-43B3-948B-1728B52AA6E4}">
+                <adec:decorative xmlns:adec="http://schemas.microsoft.com/office/drawing/2017/decorative" val="1"/>
+              </a:ext>
+            </a:extLst>
+          </p:cNvPr>
+          <p:cNvSpPr>
+            <a:spLocks noGrp="1" noRot="1" noChangeAspect="1" noMove="1" noResize="1" noEditPoints="1" noAdjustHandles="1" noChangeArrowheads="1" noChangeShapeType="1" noTextEdit="1"/>
+          </p:cNvSpPr>
+          <p:nvPr>
+            <p:extLst>
+              <p:ext uri="{386F3935-93C4-4BCD-93E2-E3B085C9AB24}">
+                <p16:designElem xmlns:p16="http://schemas.microsoft.com/office/powerpoint/2015/main" val="1"/>
+              </p:ext>
+            </p:extLst>
+          </p:nvPr>
+        </p:nvSpPr>
+        <p:spPr>
+          <a:xfrm flipH="1">
+            <a:off x="665085" y="2123821"/>
+            <a:ext cx="4975066" cy="27432"/>
+          </a:xfrm>
+          <a:prstGeom prst="rect">
+            <a:avLst/>
+          </a:prstGeom>
+          <a:solidFill>
+            <a:schemeClr val="accent4"/>
+          </a:solidFill>
+          <a:ln>
+            <a:noFill/>
+          </a:ln>
+        </p:spPr>
+        <p:style>
+          <a:lnRef idx="2">
+            <a:schemeClr val="accent1">
+              <a:shade val="50000"/>
+            </a:schemeClr>
+          </a:lnRef>
+          <a:fillRef idx="1">
+            <a:schemeClr val="accent1"/>
+          </a:fillRef>
+          <a:effectRef idx="0">
+            <a:schemeClr val="accent1"/>
+          </a:effectRef>
+          <a:fontRef idx="minor">
+            <a:schemeClr val="lt1"/>
+          </a:fontRef>
+        </p:style>
+        <p:txBody>
+          <a:bodyPr rtlCol="0" anchor="ctr"/>
+          <a:lstStyle/>
+          <a:p>
+            <a:pPr algn="ctr"/>
+            <a:endParaRPr lang="en-US"/>
+          </a:p>
+        </p:txBody>
+      </p:sp>
+      <p:sp>
+        <p:nvSpPr>
+          <p:cNvPr id="23" name="Content Placeholder 2">
+            <a:extLst>
+              <a:ext uri="{FF2B5EF4-FFF2-40B4-BE49-F238E27FC236}">
+                <a16:creationId xmlns:a16="http://schemas.microsoft.com/office/drawing/2014/main" id="{4D4B1754-7907-1590-D0BB-8492FE2D269A}"/>
+              </a:ext>
+            </a:extLst>
+          </p:cNvPr>
+          <p:cNvSpPr>
+            <a:spLocks noGrp="1"/>
+          </p:cNvSpPr>
+          <p:nvPr>
+            <p:ph idx="1"/>
+          </p:nvPr>
+        </p:nvSpPr>
+        <p:spPr>
+          <a:xfrm>
+            <a:off x="590719" y="2330505"/>
+            <a:ext cx="5278066" cy="3979585"/>
+          </a:xfrm>
+        </p:spPr>
+        <p:txBody>
+          <a:bodyPr anchor="ctr">
+            <a:normAutofit/>
+          </a:bodyPr>
+          <a:lstStyle/>
+          <a:p>
+            <a:pPr>
+              <a:buNone/>
+            </a:pPr>
+            <a:r>
+              <a:rPr lang="en-US" b="1" dirty="0"/>
+              <a:t>Key Insights:</a:t>
+            </a:r>
+            <a:endParaRPr lang="en-US" dirty="0"/>
+          </a:p>
+          <a:p>
+            <a:pPr>
+              <a:buFont typeface="Arial" panose="020B0604020202020204" pitchFamily="34" charset="0"/>
+              <a:buChar char="•"/>
+            </a:pPr>
+            <a:r>
+              <a:rPr lang="en-US" b="1" dirty="0"/>
+              <a:t>Age</a:t>
+            </a:r>
+            <a:r>
+              <a:rPr lang="en-US" dirty="0"/>
+              <a:t> has a strong correlation with Alzheimer’s diagnosis, suggesting that age is a significant factor in the risk of Alzheimer’s disease.</a:t>
+            </a:r>
+          </a:p>
+        </p:txBody>
+      </p:sp>
+      <p:sp>
+        <p:nvSpPr>
+          <p:cNvPr id="140" name="Rectangle 139">
+            <a:extLst>
+              <a:ext uri="{FF2B5EF4-FFF2-40B4-BE49-F238E27FC236}">
+                <a16:creationId xmlns:a16="http://schemas.microsoft.com/office/drawing/2014/main" id="{C13237C8-E62C-4F0D-A318-BD6FB6C2D138}"/>
+              </a:ext>
+              <a:ext uri="{C183D7F6-B498-43B3-948B-1728B52AA6E4}">
+                <adec:decorative xmlns:adec="http://schemas.microsoft.com/office/drawing/2017/decorative" val="1"/>
+              </a:ext>
+            </a:extLst>
+          </p:cNvPr>
+          <p:cNvSpPr>
+            <a:spLocks noGrp="1" noRot="1" noChangeAspect="1" noMove="1" noResize="1" noEditPoints="1" noAdjustHandles="1" noChangeArrowheads="1" noChangeShapeType="1" noTextEdit="1"/>
+          </p:cNvSpPr>
+          <p:nvPr>
+            <p:extLst>
+              <p:ext uri="{386F3935-93C4-4BCD-93E2-E3B085C9AB24}">
+                <p16:designElem xmlns:p16="http://schemas.microsoft.com/office/powerpoint/2015/main" val="1"/>
+              </p:ext>
+            </p:extLst>
+          </p:nvPr>
+        </p:nvSpPr>
+        <p:spPr>
+          <a:xfrm flipH="1">
+            <a:off x="10697670" y="0"/>
+            <a:ext cx="1494330" cy="6858000"/>
+          </a:xfrm>
+          <a:prstGeom prst="rect">
+            <a:avLst/>
+          </a:prstGeom>
+          <a:solidFill>
+            <a:schemeClr val="accent4"/>
+          </a:solidFill>
+          <a:ln>
+            <a:noFill/>
+          </a:ln>
+        </p:spPr>
+        <p:style>
+          <a:lnRef idx="2">
+            <a:schemeClr val="accent1">
+              <a:shade val="50000"/>
+            </a:schemeClr>
+          </a:lnRef>
+          <a:fillRef idx="1">
+            <a:schemeClr val="accent1"/>
+          </a:fillRef>
+          <a:effectRef idx="0">
+            <a:schemeClr val="accent1"/>
+          </a:effectRef>
+          <a:fontRef idx="minor">
+            <a:schemeClr val="lt1"/>
+          </a:fontRef>
+        </p:style>
+        <p:txBody>
+          <a:bodyPr rtlCol="0" anchor="ctr"/>
+          <a:lstStyle/>
+          <a:p>
+            <a:pPr algn="ctr"/>
+            <a:endParaRPr lang="en-US"/>
+          </a:p>
+        </p:txBody>
+      </p:sp>
+      <p:sp>
+        <p:nvSpPr>
+          <p:cNvPr id="142" name="Rectangle 141">
+            <a:extLst>
+              <a:ext uri="{FF2B5EF4-FFF2-40B4-BE49-F238E27FC236}">
+                <a16:creationId xmlns:a16="http://schemas.microsoft.com/office/drawing/2014/main" id="{19C9EAEA-39D0-4B0E-A0EB-51E7B26740B1}"/>
               </a:ext>
               <a:ext uri="{C183D7F6-B498-43B3-948B-1728B52AA6E4}">
                 <adec:decorative xmlns:adec="http://schemas.microsoft.com/office/drawing/2017/decorative" val="1"/>
@@ -27433,8 +29469,8 @@
         </p:nvSpPr>
         <p:spPr>
           <a:xfrm>
-            <a:off x="640080" y="656150"/>
-            <a:ext cx="5590787" cy="1431591"/>
+            <a:off x="6849687" y="357447"/>
+            <a:ext cx="4845488" cy="2923587"/>
           </a:xfrm>
           <a:prstGeom prst="rect">
             <a:avLst/>
@@ -27478,100 +29514,12 @@
           </a:p>
         </p:txBody>
       </p:sp>
-      <p:sp>
-        <p:nvSpPr>
-          <p:cNvPr id="2" name="Title 1">
+      <p:pic>
+        <p:nvPicPr>
+          <p:cNvPr id="5" name="Picture 4">
             <a:extLst>
               <a:ext uri="{FF2B5EF4-FFF2-40B4-BE49-F238E27FC236}">
-                <a16:creationId xmlns:a16="http://schemas.microsoft.com/office/drawing/2014/main" id="{98675633-FBDB-3C9C-AE61-3889170E6B43}"/>
-              </a:ext>
-            </a:extLst>
-          </p:cNvPr>
-          <p:cNvSpPr>
-            <a:spLocks noGrp="1"/>
-          </p:cNvSpPr>
-          <p:nvPr>
-            <p:ph type="title"/>
-          </p:nvPr>
-        </p:nvSpPr>
-        <p:spPr>
-          <a:xfrm>
-            <a:off x="1043631" y="873940"/>
-            <a:ext cx="4928291" cy="1035781"/>
-          </a:xfrm>
-        </p:spPr>
-        <p:txBody>
-          <a:bodyPr anchor="ctr">
-            <a:normAutofit/>
-          </a:bodyPr>
-          <a:lstStyle/>
-          <a:p>
-            <a:r>
-              <a:rPr lang="en-US" sz="3600"/>
-              <a:t>Key Feature Analysis: Age</a:t>
-            </a:r>
-          </a:p>
-        </p:txBody>
-      </p:sp>
-      <p:sp>
-        <p:nvSpPr>
-          <p:cNvPr id="23" name="Content Placeholder 2">
-            <a:extLst>
-              <a:ext uri="{FF2B5EF4-FFF2-40B4-BE49-F238E27FC236}">
-                <a16:creationId xmlns:a16="http://schemas.microsoft.com/office/drawing/2014/main" id="{4D4B1754-7907-1590-D0BB-8492FE2D269A}"/>
-              </a:ext>
-            </a:extLst>
-          </p:cNvPr>
-          <p:cNvSpPr>
-            <a:spLocks noGrp="1"/>
-          </p:cNvSpPr>
-          <p:nvPr>
-            <p:ph idx="1"/>
-          </p:nvPr>
-        </p:nvSpPr>
-        <p:spPr>
-          <a:xfrm>
-            <a:off x="1043631" y="2372036"/>
-            <a:ext cx="4991629" cy="3677123"/>
-          </a:xfrm>
-        </p:spPr>
-        <p:txBody>
-          <a:bodyPr anchor="ctr">
-            <a:normAutofit/>
-          </a:bodyPr>
-          <a:lstStyle/>
-          <a:p>
-            <a:pPr>
-              <a:buNone/>
-            </a:pPr>
-            <a:r>
-              <a:rPr lang="en-US" b="1" dirty="0"/>
-              <a:t>Key Insights:</a:t>
-            </a:r>
-            <a:endParaRPr lang="en-US" dirty="0"/>
-          </a:p>
-          <a:p>
-            <a:pPr>
-              <a:buFont typeface="Arial" panose="020B0604020202020204" pitchFamily="34" charset="0"/>
-              <a:buChar char="•"/>
-            </a:pPr>
-            <a:r>
-              <a:rPr lang="en-US" b="1" dirty="0"/>
-              <a:t>Age</a:t>
-            </a:r>
-            <a:r>
-              <a:rPr lang="en-US" dirty="0"/>
-              <a:t> has a strong correlation with Alzheimer’s diagnosis, suggesting that age is a significant factor in the risk of Alzheimer’s disease.</a:t>
-            </a:r>
-          </a:p>
-        </p:txBody>
-      </p:sp>
-      <p:pic>
-        <p:nvPicPr>
-          <p:cNvPr id="6" name="Picture 5">
-            <a:extLst>
-              <a:ext uri="{FF2B5EF4-FFF2-40B4-BE49-F238E27FC236}">
-                <a16:creationId xmlns:a16="http://schemas.microsoft.com/office/drawing/2014/main" id="{47C02374-70CE-ACA7-6FEB-4B6146001086}"/>
+                <a16:creationId xmlns:a16="http://schemas.microsoft.com/office/drawing/2014/main" id="{E7C247A5-6A32-6D8B-796D-8A5691F134B1}"/>
               </a:ext>
             </a:extLst>
           </p:cNvPr>
@@ -27581,32 +29529,97 @@
           <p:nvPr/>
         </p:nvPicPr>
         <p:blipFill>
-          <a:blip r:embed="rId2">
-            <a:extLst>
-              <a:ext uri="{28A0092B-C50C-407E-A947-70E740481C1C}">
-                <a14:useLocalDpi xmlns:a14="http://schemas.microsoft.com/office/drawing/2010/main" val="0"/>
-              </a:ext>
-            </a:extLst>
-          </a:blip>
-          <a:srcRect r="4" b="12415"/>
-          <a:stretch/>
+          <a:blip r:embed="rId2"/>
+          <a:stretch>
+            <a:fillRect/>
+          </a:stretch>
         </p:blipFill>
         <p:spPr>
           <a:xfrm>
-            <a:off x="6788383" y="613148"/>
-            <a:ext cx="4565417" cy="2679192"/>
+            <a:off x="7402471" y="581892"/>
+            <a:ext cx="3759337" cy="2518756"/>
           </a:xfrm>
           <a:prstGeom prst="rect">
             <a:avLst/>
           </a:prstGeom>
         </p:spPr>
       </p:pic>
+      <p:sp>
+        <p:nvSpPr>
+          <p:cNvPr id="144" name="Rectangle 143">
+            <a:extLst>
+              <a:ext uri="{FF2B5EF4-FFF2-40B4-BE49-F238E27FC236}">
+                <a16:creationId xmlns:a16="http://schemas.microsoft.com/office/drawing/2014/main" id="{8CB5D2D7-DF65-4E86-BFBA-FFB9B5ACEB64}"/>
+              </a:ext>
+              <a:ext uri="{C183D7F6-B498-43B3-948B-1728B52AA6E4}">
+                <adec:decorative xmlns:adec="http://schemas.microsoft.com/office/drawing/2017/decorative" val="1"/>
+              </a:ext>
+            </a:extLst>
+          </p:cNvPr>
+          <p:cNvSpPr>
+            <a:spLocks noGrp="1" noRot="1" noChangeAspect="1" noMove="1" noResize="1" noEditPoints="1" noAdjustHandles="1" noChangeArrowheads="1" noChangeShapeType="1" noTextEdit="1"/>
+          </p:cNvSpPr>
+          <p:nvPr>
+            <p:extLst>
+              <p:ext uri="{386F3935-93C4-4BCD-93E2-E3B085C9AB24}">
+                <p16:designElem xmlns:p16="http://schemas.microsoft.com/office/powerpoint/2015/main" val="1"/>
+              </p:ext>
+            </p:extLst>
+          </p:nvPr>
+        </p:nvSpPr>
+        <p:spPr>
+          <a:xfrm>
+            <a:off x="6849687" y="3505479"/>
+            <a:ext cx="4845488" cy="2923587"/>
+          </a:xfrm>
+          <a:prstGeom prst="rect">
+            <a:avLst/>
+          </a:prstGeom>
+          <a:solidFill>
+            <a:schemeClr val="bg1"/>
+          </a:solidFill>
+          <a:ln>
+            <a:noFill/>
+          </a:ln>
+          <a:effectLst>
+            <a:outerShdw blurRad="139700" dist="127000" dir="5400000" algn="t" rotWithShape="0">
+              <a:prstClr val="black">
+                <a:alpha val="15000"/>
+              </a:prstClr>
+            </a:outerShdw>
+          </a:effectLst>
+        </p:spPr>
+        <p:style>
+          <a:lnRef idx="2">
+            <a:schemeClr val="accent1">
+              <a:shade val="50000"/>
+            </a:schemeClr>
+          </a:lnRef>
+          <a:fillRef idx="1">
+            <a:schemeClr val="accent1"/>
+          </a:fillRef>
+          <a:effectRef idx="0">
+            <a:schemeClr val="accent1"/>
+          </a:effectRef>
+          <a:fontRef idx="minor">
+            <a:schemeClr val="lt1"/>
+          </a:fontRef>
+        </p:style>
+        <p:txBody>
+          <a:bodyPr rtlCol="0" anchor="ctr"/>
+          <a:lstStyle/>
+          <a:p>
+            <a:pPr algn="ctr"/>
+            <a:endParaRPr lang="en-US"/>
+          </a:p>
+        </p:txBody>
+      </p:sp>
       <p:pic>
         <p:nvPicPr>
-          <p:cNvPr id="4" name="Picture 3">
+          <p:cNvPr id="3" name="Picture 2">
             <a:extLst>
               <a:ext uri="{FF2B5EF4-FFF2-40B4-BE49-F238E27FC236}">
-                <a16:creationId xmlns:a16="http://schemas.microsoft.com/office/drawing/2014/main" id="{FB52FC78-1914-7574-DA02-B7662997A276}"/>
+                <a16:creationId xmlns:a16="http://schemas.microsoft.com/office/drawing/2014/main" id="{2484C67D-9931-3044-7F77-2E562B66905C}"/>
               </a:ext>
             </a:extLst>
           </p:cNvPr>
@@ -27616,78 +29629,21 @@
           <p:nvPr/>
         </p:nvPicPr>
         <p:blipFill>
-          <a:blip r:embed="rId3">
-            <a:extLst>
-              <a:ext uri="{28A0092B-C50C-407E-A947-70E740481C1C}">
-                <a14:useLocalDpi xmlns:a14="http://schemas.microsoft.com/office/drawing/2010/main" val="0"/>
-              </a:ext>
-            </a:extLst>
-          </a:blip>
-          <a:srcRect r="4" b="12415"/>
-          <a:stretch/>
+          <a:blip r:embed="rId3"/>
+          <a:stretch>
+            <a:fillRect/>
+          </a:stretch>
         </p:blipFill>
         <p:spPr>
           <a:xfrm>
-            <a:off x="6788383" y="3528753"/>
-            <a:ext cx="4565417" cy="2679192"/>
+            <a:off x="7401539" y="3707894"/>
+            <a:ext cx="3759337" cy="2518756"/>
           </a:xfrm>
           <a:prstGeom prst="rect">
             <a:avLst/>
           </a:prstGeom>
         </p:spPr>
       </p:pic>
-      <p:cxnSp>
-        <p:nvCxnSpPr>
-          <p:cNvPr id="127" name="Straight Connector 126">
-            <a:extLst>
-              <a:ext uri="{FF2B5EF4-FFF2-40B4-BE49-F238E27FC236}">
-                <a16:creationId xmlns:a16="http://schemas.microsoft.com/office/drawing/2014/main" id="{6CF1BAF6-AD41-4082-B212-8A1F9A2E8779}"/>
-              </a:ext>
-              <a:ext uri="{C183D7F6-B498-43B3-948B-1728B52AA6E4}">
-                <adec:decorative xmlns:adec="http://schemas.microsoft.com/office/drawing/2017/decorative" val="1"/>
-              </a:ext>
-            </a:extLst>
-          </p:cNvPr>
-          <p:cNvCxnSpPr>
-            <a:cxnSpLocks noGrp="1" noRot="1" noChangeAspect="1" noMove="1" noResize="1" noEditPoints="1" noAdjustHandles="1" noChangeArrowheads="1" noChangeShapeType="1"/>
-          </p:cNvCxnSpPr>
-          <p:nvPr>
-            <p:extLst>
-              <p:ext uri="{386F3935-93C4-4BCD-93E2-E3B085C9AB24}">
-                <p16:designElem xmlns:p16="http://schemas.microsoft.com/office/powerpoint/2015/main" val="1"/>
-              </p:ext>
-            </p:extLst>
-          </p:nvPr>
-        </p:nvCxnSpPr>
-        <p:spPr>
-          <a:xfrm flipH="1">
-            <a:off x="838200" y="6492240"/>
-            <a:ext cx="10515600" cy="0"/>
-          </a:xfrm>
-          <a:prstGeom prst="line">
-            <a:avLst/>
-          </a:prstGeom>
-          <a:ln w="57150">
-            <a:solidFill>
-              <a:schemeClr val="accent4"/>
-            </a:solidFill>
-          </a:ln>
-        </p:spPr>
-        <p:style>
-          <a:lnRef idx="1">
-            <a:schemeClr val="accent1"/>
-          </a:lnRef>
-          <a:fillRef idx="0">
-            <a:schemeClr val="accent1"/>
-          </a:fillRef>
-          <a:effectRef idx="0">
-            <a:schemeClr val="accent1"/>
-          </a:effectRef>
-          <a:fontRef idx="minor">
-            <a:schemeClr val="tx1"/>
-          </a:fontRef>
-        </p:style>
-      </p:cxnSp>
     </p:spTree>
     <p:extLst>
       <p:ext uri="{BB962C8B-B14F-4D97-AF65-F5344CB8AC3E}">

--- a/presentation.pptx
+++ b/presentation.pptx
@@ -155,10 +155,89 @@
   <pc:docChgLst>
     <pc:chgData name="Leontios Ioannou" userId="3862ae39ba703afe" providerId="LiveId" clId="{3E889210-75A3-4689-A177-88BFA7D18390}"/>
     <pc:docChg chg="undo custSel addSld delSld modSld sldOrd">
-      <pc:chgData name="Leontios Ioannou" userId="3862ae39ba703afe" providerId="LiveId" clId="{3E889210-75A3-4689-A177-88BFA7D18390}" dt="2025-04-27T15:18:58.043" v="252" actId="20577"/>
+      <pc:chgData name="Leontios Ioannou" userId="3862ae39ba703afe" providerId="LiveId" clId="{3E889210-75A3-4689-A177-88BFA7D18390}" dt="2025-04-27T15:43:48.242" v="260" actId="14100"/>
       <pc:docMkLst>
         <pc:docMk/>
       </pc:docMkLst>
+      <pc:sldChg chg="addSp delSp modSp mod">
+        <pc:chgData name="Leontios Ioannou" userId="3862ae39ba703afe" providerId="LiveId" clId="{3E889210-75A3-4689-A177-88BFA7D18390}" dt="2025-04-27T15:43:48.242" v="260" actId="14100"/>
+        <pc:sldMkLst>
+          <pc:docMk/>
+          <pc:sldMk cId="2832989012" sldId="257"/>
+        </pc:sldMkLst>
+        <pc:spChg chg="add mod">
+          <ac:chgData name="Leontios Ioannou" userId="3862ae39ba703afe" providerId="LiveId" clId="{3E889210-75A3-4689-A177-88BFA7D18390}" dt="2025-04-27T15:43:48.242" v="260" actId="14100"/>
+          <ac:spMkLst>
+            <pc:docMk/>
+            <pc:sldMk cId="2832989012" sldId="257"/>
+            <ac:spMk id="5" creationId="{8DEDB0CB-3C68-2062-14EC-C79E8D68E01B}"/>
+          </ac:spMkLst>
+        </pc:spChg>
+        <pc:spChg chg="del">
+          <ac:chgData name="Leontios Ioannou" userId="3862ae39ba703afe" providerId="LiveId" clId="{3E889210-75A3-4689-A177-88BFA7D18390}" dt="2025-04-27T15:43:25.399" v="257" actId="26606"/>
+          <ac:spMkLst>
+            <pc:docMk/>
+            <pc:sldMk cId="2832989012" sldId="257"/>
+            <ac:spMk id="38" creationId="{47942995-B07F-4636-9A06-C6A104B260A8}"/>
+          </ac:spMkLst>
+        </pc:spChg>
+        <pc:spChg chg="del">
+          <ac:chgData name="Leontios Ioannou" userId="3862ae39ba703afe" providerId="LiveId" clId="{3E889210-75A3-4689-A177-88BFA7D18390}" dt="2025-04-27T15:43:25.399" v="257" actId="26606"/>
+          <ac:spMkLst>
+            <pc:docMk/>
+            <pc:sldMk cId="2832989012" sldId="257"/>
+            <ac:spMk id="45" creationId="{B81933D1-5615-42C7-9C0B-4EB7105CCE2D}"/>
+          </ac:spMkLst>
+        </pc:spChg>
+        <pc:spChg chg="del">
+          <ac:chgData name="Leontios Ioannou" userId="3862ae39ba703afe" providerId="LiveId" clId="{3E889210-75A3-4689-A177-88BFA7D18390}" dt="2025-04-27T15:43:25.399" v="257" actId="26606"/>
+          <ac:spMkLst>
+            <pc:docMk/>
+            <pc:sldMk cId="2832989012" sldId="257"/>
+            <ac:spMk id="47" creationId="{19C9EAEA-39D0-4B0E-A0EB-51E7B26740B1}"/>
+          </ac:spMkLst>
+        </pc:spChg>
+        <pc:spChg chg="add">
+          <ac:chgData name="Leontios Ioannou" userId="3862ae39ba703afe" providerId="LiveId" clId="{3E889210-75A3-4689-A177-88BFA7D18390}" dt="2025-04-27T15:43:25.399" v="257" actId="26606"/>
+          <ac:spMkLst>
+            <pc:docMk/>
+            <pc:sldMk cId="2832989012" sldId="257"/>
+            <ac:spMk id="52" creationId="{47942995-B07F-4636-9A06-C6A104B260A8}"/>
+          </ac:spMkLst>
+        </pc:spChg>
+        <pc:spChg chg="add">
+          <ac:chgData name="Leontios Ioannou" userId="3862ae39ba703afe" providerId="LiveId" clId="{3E889210-75A3-4689-A177-88BFA7D18390}" dt="2025-04-27T15:43:25.399" v="257" actId="26606"/>
+          <ac:spMkLst>
+            <pc:docMk/>
+            <pc:sldMk cId="2832989012" sldId="257"/>
+            <ac:spMk id="59" creationId="{B81933D1-5615-42C7-9C0B-4EB7105CCE2D}"/>
+          </ac:spMkLst>
+        </pc:spChg>
+        <pc:spChg chg="add">
+          <ac:chgData name="Leontios Ioannou" userId="3862ae39ba703afe" providerId="LiveId" clId="{3E889210-75A3-4689-A177-88BFA7D18390}" dt="2025-04-27T15:43:25.399" v="257" actId="26606"/>
+          <ac:spMkLst>
+            <pc:docMk/>
+            <pc:sldMk cId="2832989012" sldId="257"/>
+            <ac:spMk id="61" creationId="{19C9EAEA-39D0-4B0E-A0EB-51E7B26740B1}"/>
+          </ac:spMkLst>
+        </pc:spChg>
+        <pc:grpChg chg="del">
+          <ac:chgData name="Leontios Ioannou" userId="3862ae39ba703afe" providerId="LiveId" clId="{3E889210-75A3-4689-A177-88BFA7D18390}" dt="2025-04-27T15:43:25.399" v="257" actId="26606"/>
+          <ac:grpSpMkLst>
+            <pc:docMk/>
+            <pc:sldMk cId="2832989012" sldId="257"/>
+            <ac:grpSpMk id="40" creationId="{032D8612-31EB-44CF-A1D0-14FD4C705424}"/>
+          </ac:grpSpMkLst>
+        </pc:grpChg>
+        <pc:grpChg chg="add">
+          <ac:chgData name="Leontios Ioannou" userId="3862ae39ba703afe" providerId="LiveId" clId="{3E889210-75A3-4689-A177-88BFA7D18390}" dt="2025-04-27T15:43:25.399" v="257" actId="26606"/>
+          <ac:grpSpMkLst>
+            <pc:docMk/>
+            <pc:sldMk cId="2832989012" sldId="257"/>
+            <ac:grpSpMk id="54" creationId="{032D8612-31EB-44CF-A1D0-14FD4C705424}"/>
+          </ac:grpSpMkLst>
+        </pc:grpChg>
+      </pc:sldChg>
       <pc:sldChg chg="addSp delSp modSp mod">
         <pc:chgData name="Leontios Ioannou" userId="3862ae39ba703afe" providerId="LiveId" clId="{3E889210-75A3-4689-A177-88BFA7D18390}" dt="2025-04-27T14:50:21.515" v="178" actId="403"/>
         <pc:sldMkLst>
@@ -9558,7 +9637,7 @@
       </p:grpSpPr>
       <p:sp useBgFill="1">
         <p:nvSpPr>
-          <p:cNvPr id="38" name="Rectangle 37">
+          <p:cNvPr id="52" name="Rectangle 51">
             <a:extLst>
               <a:ext uri="{FF2B5EF4-FFF2-40B4-BE49-F238E27FC236}">
                 <a16:creationId xmlns:a16="http://schemas.microsoft.com/office/drawing/2014/main" id="{47942995-B07F-4636-9A06-C6A104B260A8}"/>
@@ -9646,7 +9725,7 @@
           <a:p>
             <a:pPr algn="l"/>
             <a:r>
-              <a:rPr lang="en-US" sz="3400"/>
+              <a:rPr lang="en-US" sz="3400" dirty="0"/>
               <a:t>Predicting Alzheimer’s Diagnosis Using Lifestyle and Health Data</a:t>
             </a:r>
           </a:p>
@@ -9698,7 +9777,7 @@
       </p:sp>
       <p:grpSp>
         <p:nvGrpSpPr>
-          <p:cNvPr id="40" name="Group 39">
+          <p:cNvPr id="54" name="Group 53">
             <a:extLst>
               <a:ext uri="{FF2B5EF4-FFF2-40B4-BE49-F238E27FC236}">
                 <a16:creationId xmlns:a16="http://schemas.microsoft.com/office/drawing/2014/main" id="{032D8612-31EB-44CF-A1D0-14FD4C705424}"/>
@@ -9732,7 +9811,7 @@
         </p:grpSpPr>
         <p:sp>
           <p:nvSpPr>
-            <p:cNvPr id="41" name="Rectangle 40">
+            <p:cNvPr id="55" name="Rectangle 54">
               <a:extLst>
                 <a:ext uri="{FF2B5EF4-FFF2-40B4-BE49-F238E27FC236}">
                   <a16:creationId xmlns:a16="http://schemas.microsoft.com/office/drawing/2014/main" id="{F19A4A0F-1B59-4DB0-9764-D10936E98770}"/>
@@ -9791,7 +9870,7 @@
         </p:sp>
         <p:sp>
           <p:nvSpPr>
-            <p:cNvPr id="42" name="Rectangle 41">
+            <p:cNvPr id="56" name="Rectangle 55">
               <a:extLst>
                 <a:ext uri="{FF2B5EF4-FFF2-40B4-BE49-F238E27FC236}">
                   <a16:creationId xmlns:a16="http://schemas.microsoft.com/office/drawing/2014/main" id="{F399A70F-F8CD-4992-9EF5-6CF15472E73F}"/>
@@ -9850,7 +9929,7 @@
         </p:sp>
         <p:sp>
           <p:nvSpPr>
-            <p:cNvPr id="43" name="Rectangle 42">
+            <p:cNvPr id="57" name="Rectangle 56">
               <a:extLst>
                 <a:ext uri="{FF2B5EF4-FFF2-40B4-BE49-F238E27FC236}">
                   <a16:creationId xmlns:a16="http://schemas.microsoft.com/office/drawing/2014/main" id="{48F4FEDC-6D80-458C-A665-075D9B9500FD}"/>
@@ -9910,7 +9989,7 @@
       </p:grpSp>
       <p:sp>
         <p:nvSpPr>
-          <p:cNvPr id="45" name="Rectangle 44">
+          <p:cNvPr id="59" name="Rectangle 58">
             <a:extLst>
               <a:ext uri="{FF2B5EF4-FFF2-40B4-BE49-F238E27FC236}">
                 <a16:creationId xmlns:a16="http://schemas.microsoft.com/office/drawing/2014/main" id="{B81933D1-5615-42C7-9C0B-4EB7105CCE2D}"/>
@@ -9973,7 +10052,7 @@
       </p:sp>
       <p:sp>
         <p:nvSpPr>
-          <p:cNvPr id="47" name="Rectangle 46">
+          <p:cNvPr id="61" name="Rectangle 60">
             <a:extLst>
               <a:ext uri="{FF2B5EF4-FFF2-40B4-BE49-F238E27FC236}">
                 <a16:creationId xmlns:a16="http://schemas.microsoft.com/office/drawing/2014/main" id="{19C9EAEA-39D0-4B0E-A0EB-51E7B26740B1}"/>
@@ -10080,6 +10159,46 @@
           </a:prstGeom>
         </p:spPr>
       </p:pic>
+      <p:sp>
+        <p:nvSpPr>
+          <p:cNvPr id="5" name="TextBox 4">
+            <a:extLst>
+              <a:ext uri="{FF2B5EF4-FFF2-40B4-BE49-F238E27FC236}">
+                <a16:creationId xmlns:a16="http://schemas.microsoft.com/office/drawing/2014/main" id="{8DEDB0CB-3C68-2062-14EC-C79E8D68E01B}"/>
+              </a:ext>
+            </a:extLst>
+          </p:cNvPr>
+          <p:cNvSpPr txBox="1"/>
+          <p:nvPr/>
+        </p:nvSpPr>
+        <p:spPr>
+          <a:xfrm>
+            <a:off x="6189371" y="5890688"/>
+            <a:ext cx="5234017" cy="369332"/>
+          </a:xfrm>
+          <a:prstGeom prst="rect">
+            <a:avLst/>
+          </a:prstGeom>
+          <a:noFill/>
+        </p:spPr>
+        <p:txBody>
+          <a:bodyPr wrap="square">
+            <a:spAutoFit/>
+          </a:bodyPr>
+          <a:lstStyle/>
+          <a:p>
+            <a:pPr>
+              <a:spcAft>
+                <a:spcPts val="600"/>
+              </a:spcAft>
+            </a:pPr>
+            <a:r>
+              <a:rPr lang="en-US" dirty="0"/>
+              <a:t>https://github.com/ileontios03/EPL448_Project.git</a:t>
+            </a:r>
+          </a:p>
+        </p:txBody>
+      </p:sp>
     </p:spTree>
     <p:extLst>
       <p:ext uri="{BB962C8B-B14F-4D97-AF65-F5344CB8AC3E}">

--- a/presentation.pptx
+++ b/presentation.pptx
@@ -33,9 +33,8 @@
     <p:sldId id="281" r:id="rId27"/>
     <p:sldId id="282" r:id="rId28"/>
     <p:sldId id="283" r:id="rId29"/>
-    <p:sldId id="285" r:id="rId30"/>
-    <p:sldId id="286" r:id="rId31"/>
-    <p:sldId id="288" r:id="rId32"/>
+    <p:sldId id="286" r:id="rId30"/>
+    <p:sldId id="288" r:id="rId31"/>
   </p:sldIdLst>
   <p:sldSz cx="12192000" cy="6858000"/>
   <p:notesSz cx="6858000" cy="9144000"/>
@@ -142,16 +141,39 @@
 </p:presentation>
 </file>
 
-<file path=ppt/revisionInfo.xml><?xml version="1.0" encoding="utf-8"?>
-<p1510:revInfo xmlns:a="http://schemas.openxmlformats.org/drawingml/2006/main" xmlns:r="http://schemas.openxmlformats.org/officeDocument/2006/relationships" xmlns:p1510="http://schemas.microsoft.com/office/powerpoint/2015/10/main">
-  <p1510:revLst>
-    <p1510:client id="{3E889210-75A3-4689-A177-88BFA7D18390}" v="32" dt="2025-04-27T15:06:48.113"/>
-  </p1510:revLst>
-</p1510:revInfo>
-</file>
-
 <file path=ppt/changesInfos/changesInfo1.xml><?xml version="1.0" encoding="utf-8"?>
 <pc:chgInfo xmlns:a="http://schemas.openxmlformats.org/drawingml/2006/main" xmlns:r="http://schemas.openxmlformats.org/officeDocument/2006/relationships" xmlns:ac="http://schemas.microsoft.com/office/drawing/2013/main/command" xmlns:pc="http://schemas.microsoft.com/office/powerpoint/2013/main/command">
+  <pc:docChgLst>
+    <pc:chgData name="Christos Symeou" userId="dfa9c904-6305-4095-9e28-d440e46115c9" providerId="ADAL" clId="{FDCF93C8-4702-4CA4-BCCA-0DDAEA563494}"/>
+    <pc:docChg chg="delSld modSld">
+      <pc:chgData name="Christos Symeou" userId="dfa9c904-6305-4095-9e28-d440e46115c9" providerId="ADAL" clId="{FDCF93C8-4702-4CA4-BCCA-0DDAEA563494}" dt="2025-04-28T15:12:08.989" v="1" actId="47"/>
+      <pc:docMkLst>
+        <pc:docMk/>
+      </pc:docMkLst>
+      <pc:sldChg chg="del">
+        <pc:chgData name="Christos Symeou" userId="dfa9c904-6305-4095-9e28-d440e46115c9" providerId="ADAL" clId="{FDCF93C8-4702-4CA4-BCCA-0DDAEA563494}" dt="2025-04-28T15:12:08.989" v="1" actId="47"/>
+        <pc:sldMkLst>
+          <pc:docMk/>
+          <pc:sldMk cId="1928832761" sldId="285"/>
+        </pc:sldMkLst>
+      </pc:sldChg>
+      <pc:sldChg chg="modSp mod">
+        <pc:chgData name="Christos Symeou" userId="dfa9c904-6305-4095-9e28-d440e46115c9" providerId="ADAL" clId="{FDCF93C8-4702-4CA4-BCCA-0DDAEA563494}" dt="2025-04-28T15:11:51.199" v="0" actId="20577"/>
+        <pc:sldMkLst>
+          <pc:docMk/>
+          <pc:sldMk cId="414768739" sldId="290"/>
+        </pc:sldMkLst>
+        <pc:spChg chg="mod">
+          <ac:chgData name="Christos Symeou" userId="dfa9c904-6305-4095-9e28-d440e46115c9" providerId="ADAL" clId="{FDCF93C8-4702-4CA4-BCCA-0DDAEA563494}" dt="2025-04-28T15:11:51.199" v="0" actId="20577"/>
+          <ac:spMkLst>
+            <pc:docMk/>
+            <pc:sldMk cId="414768739" sldId="290"/>
+            <ac:spMk id="8" creationId="{D55B018D-64A7-C4A9-5E5A-BB89BC88FC78}"/>
+          </ac:spMkLst>
+        </pc:spChg>
+      </pc:sldChg>
+    </pc:docChg>
+  </pc:docChgLst>
   <pc:docChgLst>
     <pc:chgData name="Leontios Ioannou" userId="3862ae39ba703afe" providerId="LiveId" clId="{3E889210-75A3-4689-A177-88BFA7D18390}"/>
     <pc:docChg chg="undo custSel addSld delSld modSld sldOrd">
@@ -6890,7 +6912,7 @@
           <a:p>
             <a:fld id="{6444479B-705B-4489-957E-7E8A228BDFA0}" type="datetime1">
               <a:rPr lang="en-US" smtClean="0"/>
-              <a:t>4/27/2025</a:t>
+              <a:t>4/28/2025</a:t>
             </a:fld>
             <a:endParaRPr lang="en-US"/>
           </a:p>
@@ -7060,7 +7082,7 @@
           <a:p>
             <a:fld id="{7DA38F49-B3E2-4BF0-BEC7-C30D34ABBB8D}" type="datetime1">
               <a:rPr lang="en-US" smtClean="0"/>
-              <a:t>4/27/2025</a:t>
+              <a:t>4/28/2025</a:t>
             </a:fld>
             <a:endParaRPr lang="en-US"/>
           </a:p>
@@ -7241,7 +7263,7 @@
           <a:p>
             <a:fld id="{7DA38F49-B3E2-4BF0-BEC7-C30D34ABBB8D}" type="datetime1">
               <a:rPr lang="en-US" smtClean="0"/>
-              <a:t>4/27/2025</a:t>
+              <a:t>4/28/2025</a:t>
             </a:fld>
             <a:endParaRPr lang="en-US"/>
           </a:p>
@@ -7412,7 +7434,7 @@
           <a:p>
             <a:fld id="{7DA38F49-B3E2-4BF0-BEC7-C30D34ABBB8D}" type="datetime1">
               <a:rPr lang="en-US" smtClean="0"/>
-              <a:t>4/27/2025</a:t>
+              <a:t>4/28/2025</a:t>
             </a:fld>
             <a:endParaRPr lang="en-US"/>
           </a:p>
@@ -7659,7 +7681,7 @@
           <a:p>
             <a:fld id="{F9504452-5DCC-4FE2-A5C9-8A5EF6714D65}" type="datetime1">
               <a:rPr lang="en-US" smtClean="0"/>
-              <a:t>4/27/2025</a:t>
+              <a:t>4/28/2025</a:t>
             </a:fld>
             <a:endParaRPr lang="en-US"/>
           </a:p>
@@ -7891,7 +7913,7 @@
           <a:p>
             <a:fld id="{7DA38F49-B3E2-4BF0-BEC7-C30D34ABBB8D}" type="datetime1">
               <a:rPr lang="en-US" smtClean="0"/>
-              <a:t>4/27/2025</a:t>
+              <a:t>4/28/2025</a:t>
             </a:fld>
             <a:endParaRPr lang="en-US"/>
           </a:p>
@@ -8259,7 +8281,7 @@
           <a:p>
             <a:fld id="{7DA38F49-B3E2-4BF0-BEC7-C30D34ABBB8D}" type="datetime1">
               <a:rPr lang="en-US" smtClean="0"/>
-              <a:t>4/27/2025</a:t>
+              <a:t>4/28/2025</a:t>
             </a:fld>
             <a:endParaRPr lang="en-US"/>
           </a:p>
@@ -8378,7 +8400,7 @@
           <a:p>
             <a:fld id="{BE15BF18-0007-481C-AA29-413124BC3EE7}" type="datetime1">
               <a:rPr lang="en-US" smtClean="0"/>
-              <a:t>4/27/2025</a:t>
+              <a:t>4/28/2025</a:t>
             </a:fld>
             <a:endParaRPr lang="en-US"/>
           </a:p>
@@ -8473,7 +8495,7 @@
           <a:p>
             <a:fld id="{09BE9870-3748-43AD-B547-02A075CB4A1D}" type="datetime1">
               <a:rPr lang="en-US" smtClean="0"/>
-              <a:t>4/27/2025</a:t>
+              <a:t>4/28/2025</a:t>
             </a:fld>
             <a:endParaRPr lang="en-US"/>
           </a:p>
@@ -8750,7 +8772,7 @@
           <a:p>
             <a:fld id="{7DA38F49-B3E2-4BF0-BEC7-C30D34ABBB8D}" type="datetime1">
               <a:rPr lang="en-US" smtClean="0"/>
-              <a:t>4/27/2025</a:t>
+              <a:t>4/28/2025</a:t>
             </a:fld>
             <a:endParaRPr lang="en-US"/>
           </a:p>
@@ -9008,7 +9030,7 @@
           <a:p>
             <a:fld id="{82E171BA-CC09-47C8-A6DF-F5C5CB59CEEC}" type="datetime1">
               <a:rPr lang="en-US" smtClean="0"/>
-              <a:t>4/27/2025</a:t>
+              <a:t>4/28/2025</a:t>
             </a:fld>
             <a:endParaRPr lang="en-US"/>
           </a:p>
@@ -9221,7 +9243,7 @@
           <a:p>
             <a:fld id="{7DA38F49-B3E2-4BF0-BEC7-C30D34ABBB8D}" type="datetime1">
               <a:rPr lang="en-US" smtClean="0"/>
-              <a:t>4/27/2025</a:t>
+              <a:t>4/28/2025</a:t>
             </a:fld>
             <a:endParaRPr lang="en-US"/>
           </a:p>
@@ -15106,31 +15128,6 @@
                 <a:latin typeface="Arial" panose="020B0604020202020204" pitchFamily="34" charset="0"/>
               </a:rPr>
               <a:t> Improved efficiency with minimal information loss.</a:t>
-            </a:r>
-          </a:p>
-          <a:p>
-            <a:pPr marL="0" marR="0" lvl="0" indent="0" defTabSz="914400" rtl="0" eaLnBrk="0" fontAlgn="base" latinLnBrk="0" hangingPunct="0">
-              <a:spcBef>
-                <a:spcPct val="0"/>
-              </a:spcBef>
-              <a:spcAft>
-                <a:spcPts val="600"/>
-              </a:spcAft>
-              <a:buClrTx/>
-              <a:buSzTx/>
-              <a:buFontTx/>
-              <a:buChar char="•"/>
-              <a:tabLst/>
-            </a:pPr>
-            <a:r>
-              <a:rPr kumimoji="0" lang="en-US" altLang="en-US" sz="2000" b="0" i="0" u="none" strike="noStrike" cap="none" normalizeH="0" baseline="0" dirty="0">
-                <a:ln>
-                  <a:noFill/>
-                </a:ln>
-                <a:effectLst/>
-                <a:latin typeface="Arial" panose="020B0604020202020204" pitchFamily="34" charset="0"/>
-              </a:rPr>
-              <a:t> PCA variance chart shows most variance captured early.</a:t>
             </a:r>
           </a:p>
         </p:txBody>
@@ -24474,7 +24471,7 @@
         <p:cNvPr id="1" name="">
           <a:extLst>
             <a:ext uri="{FF2B5EF4-FFF2-40B4-BE49-F238E27FC236}">
-              <a16:creationId xmlns:a16="http://schemas.microsoft.com/office/drawing/2014/main" id="{505C5B19-3F17-917E-DE08-419DA2B7579D}"/>
+              <a16:creationId xmlns:a16="http://schemas.microsoft.com/office/drawing/2014/main" id="{FE40049B-0F04-72A8-C71B-1BE16CA78516}"/>
             </a:ext>
           </a:extLst>
         </p:cNvPr>
@@ -24491,10 +24488,10 @@
       </p:grpSpPr>
       <p:sp useBgFill="1">
         <p:nvSpPr>
-          <p:cNvPr id="328" name="Rectangle 327">
+          <p:cNvPr id="339" name="Rectangle 338">
             <a:extLst>
               <a:ext uri="{FF2B5EF4-FFF2-40B4-BE49-F238E27FC236}">
-                <a16:creationId xmlns:a16="http://schemas.microsoft.com/office/drawing/2014/main" id="{E120F70A-F7F9-0A2E-86A8-BA0388BDEB66}"/>
+                <a16:creationId xmlns:a16="http://schemas.microsoft.com/office/drawing/2014/main" id="{3AD318CC-E2A8-4E27-9548-A047A78999B1}"/>
               </a:ext>
               <a:ext uri="{C183D7F6-B498-43B3-948B-1728B52AA6E4}">
                 <adec:decorative xmlns:adec="http://schemas.microsoft.com/office/drawing/2017/decorative" val="1"/>
@@ -24554,7 +24551,7 @@
           <p:cNvPr id="2" name="Title 1">
             <a:extLst>
               <a:ext uri="{FF2B5EF4-FFF2-40B4-BE49-F238E27FC236}">
-                <a16:creationId xmlns:a16="http://schemas.microsoft.com/office/drawing/2014/main" id="{C27A386C-5773-0E65-28C8-BD5E4BBC5F91}"/>
+                <a16:creationId xmlns:a16="http://schemas.microsoft.com/office/drawing/2014/main" id="{2A06DE98-2052-9D34-0F20-CA069C36FF39}"/>
               </a:ext>
             </a:extLst>
           </p:cNvPr>
@@ -24567,38 +24564,38 @@
         </p:nvSpPr>
         <p:spPr>
           <a:xfrm>
-            <a:off x="793662" y="386930"/>
-            <a:ext cx="10066122" cy="1298448"/>
+            <a:off x="645065" y="1463040"/>
+            <a:ext cx="3796306" cy="2690949"/>
           </a:xfrm>
         </p:spPr>
         <p:txBody>
-          <a:bodyPr anchor="b">
+          <a:bodyPr anchor="t">
             <a:normAutofit/>
           </a:bodyPr>
           <a:lstStyle/>
           <a:p>
             <a:r>
-              <a:rPr lang="en-US"/>
-              <a:t>Confusion Matrix: Final Model (AdaBoost V2)</a:t>
+              <a:rPr lang="en-US" sz="4800"/>
+              <a:t>Conclusion</a:t>
             </a:r>
           </a:p>
         </p:txBody>
       </p:sp>
-      <p:sp>
-        <p:nvSpPr>
-          <p:cNvPr id="330" name="Rectangle 329">
+      <p:grpSp>
+        <p:nvGrpSpPr>
+          <p:cNvPr id="341" name="Group 340">
             <a:extLst>
               <a:ext uri="{FF2B5EF4-FFF2-40B4-BE49-F238E27FC236}">
-                <a16:creationId xmlns:a16="http://schemas.microsoft.com/office/drawing/2014/main" id="{9785A6BB-0EEB-85A1-DF42-843AB8F308C9}"/>
+                <a16:creationId xmlns:a16="http://schemas.microsoft.com/office/drawing/2014/main" id="{B14B560F-9DD7-4302-A60B-EBD3EF59B073}"/>
               </a:ext>
               <a:ext uri="{C183D7F6-B498-43B3-948B-1728B52AA6E4}">
                 <adec:decorative xmlns:adec="http://schemas.microsoft.com/office/drawing/2017/decorative" val="1"/>
               </a:ext>
             </a:extLst>
           </p:cNvPr>
-          <p:cNvSpPr>
-            <a:spLocks noGrp="1" noRot="1" noChangeAspect="1" noMove="1" noResize="1" noEditPoints="1" noAdjustHandles="1" noChangeArrowheads="1" noChangeShapeType="1" noTextEdit="1"/>
-          </p:cNvSpPr>
+          <p:cNvGrpSpPr>
+            <a:grpSpLocks noGrp="1" noUngrp="1" noRot="1" noChangeAspect="1" noMove="1" noResize="1"/>
+          </p:cNvGrpSpPr>
           <p:nvPr>
             <p:extLst>
               <p:ext uri="{386F3935-93C4-4BCD-93E2-E3B085C9AB24}">
@@ -24606,53 +24603,135 @@
               </p:ext>
             </p:extLst>
           </p:nvPr>
-        </p:nvSpPr>
-        <p:spPr>
-          <a:xfrm flipH="1" flipV="1">
-            <a:off x="-2" y="1998845"/>
-            <a:ext cx="11454595" cy="781699"/>
+        </p:nvGrpSpPr>
+        <p:grpSpPr>
+          <a:xfrm>
+            <a:off x="209667" y="4415246"/>
+            <a:ext cx="11982332" cy="2087795"/>
+            <a:chOff x="143163" y="5763486"/>
+            <a:chExt cx="11982332" cy="739555"/>
           </a:xfrm>
-          <a:prstGeom prst="rect">
-            <a:avLst/>
-          </a:prstGeom>
-          <a:solidFill>
-            <a:schemeClr val="accent4"/>
-          </a:solidFill>
-          <a:ln>
-            <a:noFill/>
-          </a:ln>
-        </p:spPr>
-        <p:style>
-          <a:lnRef idx="2">
-            <a:schemeClr val="accent1">
-              <a:shade val="50000"/>
-            </a:schemeClr>
-          </a:lnRef>
-          <a:fillRef idx="1">
-            <a:schemeClr val="accent1"/>
-          </a:fillRef>
-          <a:effectRef idx="0">
-            <a:schemeClr val="accent1"/>
-          </a:effectRef>
-          <a:fontRef idx="minor">
-            <a:schemeClr val="lt1"/>
-          </a:fontRef>
-        </p:style>
-        <p:txBody>
-          <a:bodyPr rtlCol="0" anchor="ctr"/>
-          <a:lstStyle/>
-          <a:p>
-            <a:pPr algn="ctr"/>
-            <a:endParaRPr lang="en-US"/>
-          </a:p>
-        </p:txBody>
-      </p:sp>
+        </p:grpSpPr>
+        <p:sp>
+          <p:nvSpPr>
+            <p:cNvPr id="342" name="Rectangle 341">
+              <a:extLst>
+                <a:ext uri="{FF2B5EF4-FFF2-40B4-BE49-F238E27FC236}">
+                  <a16:creationId xmlns:a16="http://schemas.microsoft.com/office/drawing/2014/main" id="{3A9A4357-BD1D-4622-A4FE-766E6AB8DE84}"/>
+                </a:ext>
+                <a:ext uri="{C183D7F6-B498-43B3-948B-1728B52AA6E4}">
+                  <adec:decorative xmlns:adec="http://schemas.microsoft.com/office/drawing/2017/decorative" val="1"/>
+                </a:ext>
+              </a:extLst>
+            </p:cNvPr>
+            <p:cNvSpPr/>
+            <p:nvPr>
+              <p:extLst>
+                <p:ext uri="{386F3935-93C4-4BCD-93E2-E3B085C9AB24}">
+                  <p16:designElem xmlns:p16="http://schemas.microsoft.com/office/powerpoint/2015/main" val="1"/>
+                </p:ext>
+              </p:extLst>
+            </p:nvPr>
+          </p:nvSpPr>
+          <p:spPr>
+            <a:xfrm flipH="1" flipV="1">
+              <a:off x="357444" y="5763486"/>
+              <a:ext cx="11768051" cy="739555"/>
+            </a:xfrm>
+            <a:prstGeom prst="rect">
+              <a:avLst/>
+            </a:prstGeom>
+            <a:solidFill>
+              <a:schemeClr val="accent4"/>
+            </a:solidFill>
+            <a:ln>
+              <a:noFill/>
+            </a:ln>
+          </p:spPr>
+          <p:style>
+            <a:lnRef idx="2">
+              <a:schemeClr val="accent1">
+                <a:shade val="50000"/>
+              </a:schemeClr>
+            </a:lnRef>
+            <a:fillRef idx="1">
+              <a:schemeClr val="accent1"/>
+            </a:fillRef>
+            <a:effectRef idx="0">
+              <a:schemeClr val="accent1"/>
+            </a:effectRef>
+            <a:fontRef idx="minor">
+              <a:schemeClr val="lt1"/>
+            </a:fontRef>
+          </p:style>
+          <p:txBody>
+            <a:bodyPr rtlCol="0" anchor="ctr"/>
+            <a:lstStyle/>
+            <a:p>
+              <a:pPr algn="ctr"/>
+              <a:endParaRPr lang="en-US"/>
+            </a:p>
+          </p:txBody>
+        </p:sp>
+        <p:cxnSp>
+          <p:nvCxnSpPr>
+            <p:cNvPr id="343" name="Straight Connector 342">
+              <a:extLst>
+                <a:ext uri="{FF2B5EF4-FFF2-40B4-BE49-F238E27FC236}">
+                  <a16:creationId xmlns:a16="http://schemas.microsoft.com/office/drawing/2014/main" id="{C21D6966-343E-49AC-A026-D2497E0C3CA1}"/>
+                </a:ext>
+                <a:ext uri="{C183D7F6-B498-43B3-948B-1728B52AA6E4}">
+                  <adec:decorative xmlns:adec="http://schemas.microsoft.com/office/drawing/2017/decorative" val="1"/>
+                </a:ext>
+              </a:extLst>
+            </p:cNvPr>
+            <p:cNvCxnSpPr>
+              <a:cxnSpLocks/>
+            </p:cNvCxnSpPr>
+            <p:nvPr>
+              <p:extLst>
+                <p:ext uri="{386F3935-93C4-4BCD-93E2-E3B085C9AB24}">
+                  <p16:designElem xmlns:p16="http://schemas.microsoft.com/office/powerpoint/2015/main" val="1"/>
+                </p:ext>
+              </p:extLst>
+            </p:nvPr>
+          </p:nvCxnSpPr>
+          <p:spPr>
+            <a:xfrm flipH="1">
+              <a:off x="143163" y="5763486"/>
+              <a:ext cx="1" cy="739555"/>
+            </a:xfrm>
+            <a:prstGeom prst="line">
+              <a:avLst/>
+            </a:prstGeom>
+            <a:ln w="177800">
+              <a:solidFill>
+                <a:schemeClr val="accent4"/>
+              </a:solidFill>
+            </a:ln>
+          </p:spPr>
+          <p:style>
+            <a:lnRef idx="1">
+              <a:schemeClr val="accent1"/>
+            </a:lnRef>
+            <a:fillRef idx="0">
+              <a:schemeClr val="accent1"/>
+            </a:fillRef>
+            <a:effectRef idx="0">
+              <a:schemeClr val="accent1"/>
+            </a:effectRef>
+            <a:fontRef idx="minor">
+              <a:schemeClr val="tx1"/>
+            </a:fontRef>
+          </p:style>
+        </p:cxnSp>
+      </p:grpSp>
       <p:sp>
         <p:nvSpPr>
-          <p:cNvPr id="332" name="Rectangle 331">
+          <p:cNvPr id="355" name="Rectangle 354">
             <a:extLst>
               <a:ext uri="{FF2B5EF4-FFF2-40B4-BE49-F238E27FC236}">
-                <a16:creationId xmlns:a16="http://schemas.microsoft.com/office/drawing/2014/main" id="{3862AF8D-AD56-E832-C803-75B6B26339D9}"/>
+                <a16:creationId xmlns:a16="http://schemas.microsoft.com/office/drawing/2014/main" id="{2C1BBA94-3F40-40AA-8BB9-E69E25E537C1}"/>
               </a:ext>
               <a:ext uri="{C183D7F6-B498-43B3-948B-1728B52AA6E4}">
                 <adec:decorative xmlns:adec="http://schemas.microsoft.com/office/drawing/2017/decorative" val="1"/>
@@ -24672,8 +24751,8 @@
         </p:nvSpPr>
         <p:spPr>
           <a:xfrm>
-            <a:off x="0" y="2203079"/>
-            <a:ext cx="11383362" cy="4267991"/>
+            <a:off x="5133706" y="587829"/>
+            <a:ext cx="6505300" cy="5682342"/>
           </a:xfrm>
           <a:prstGeom prst="rect">
             <a:avLst/>
@@ -24719,10 +24798,10 @@
       </p:sp>
       <p:sp>
         <p:nvSpPr>
-          <p:cNvPr id="4" name="Rectangle 2">
+          <p:cNvPr id="5" name="Rectangle 2">
             <a:extLst>
               <a:ext uri="{FF2B5EF4-FFF2-40B4-BE49-F238E27FC236}">
-                <a16:creationId xmlns:a16="http://schemas.microsoft.com/office/drawing/2014/main" id="{A0CFD99E-53AF-64AF-D617-6CB3E9657178}"/>
+                <a16:creationId xmlns:a16="http://schemas.microsoft.com/office/drawing/2014/main" id="{56ADF770-BA64-F5A2-C32A-2D987836C94C}"/>
               </a:ext>
             </a:extLst>
           </p:cNvPr>
@@ -24735,8 +24814,8 @@
         </p:nvSpPr>
         <p:spPr bwMode="auto">
           <a:xfrm>
-            <a:off x="793660" y="2381459"/>
-            <a:ext cx="4980927" cy="3857500"/>
+            <a:off x="5656218" y="1463039"/>
+            <a:ext cx="5542387" cy="4300447"/>
           </a:xfrm>
           <a:prstGeom prst="rect">
             <a:avLst/>
@@ -24771,7 +24850,7 @@
           </a:extLst>
         </p:spPr>
         <p:txBody>
-          <a:bodyPr vert="horz" lIns="91440" tIns="45720" rIns="91440" bIns="45720" numCol="1" anchor="ctr" anchorCtr="0" compatLnSpc="1">
+          <a:bodyPr vert="horz" lIns="91440" tIns="45720" rIns="91440" bIns="45720" numCol="1" anchor="t" anchorCtr="0" compatLnSpc="1">
             <a:prstTxWarp prst="textNoShape">
               <a:avLst/>
             </a:prstTxWarp>
@@ -24779,150 +24858,201 @@
           </a:bodyPr>
           <a:lstStyle/>
           <a:p>
-            <a:pPr>
-              <a:buNone/>
+            <a:pPr marL="0" marR="0" lvl="0" indent="0" defTabSz="914400" rtl="0" eaLnBrk="0" fontAlgn="base" latinLnBrk="0" hangingPunct="0">
+              <a:spcBef>
+                <a:spcPct val="0"/>
+              </a:spcBef>
+              <a:spcAft>
+                <a:spcPts val="600"/>
+              </a:spcAft>
+              <a:buClrTx/>
+              <a:buSzTx/>
+              <a:buFontTx/>
+              <a:buChar char="•"/>
+              <a:tabLst/>
             </a:pPr>
             <a:r>
-              <a:rPr lang="en-US" sz="2400" b="1" dirty="0"/>
-              <a:t>Key Insights:</a:t>
-            </a:r>
-            <a:endParaRPr lang="en-US" sz="2400" dirty="0"/>
-          </a:p>
-          <a:p>
-            <a:pPr>
-              <a:buFont typeface="Arial" panose="020B0604020202020204" pitchFamily="34" charset="0"/>
+              <a:rPr kumimoji="0" lang="en-US" altLang="en-US" sz="2200" b="1" i="0" u="none" strike="noStrike" cap="none" normalizeH="0" baseline="0" dirty="0">
+                <a:ln>
+                  <a:noFill/>
+                </a:ln>
+                <a:effectLst/>
+                <a:latin typeface="Arial" panose="020B0604020202020204" pitchFamily="34" charset="0"/>
+              </a:rPr>
+              <a:t> Final Model</a:t>
+            </a:r>
+            <a:r>
+              <a:rPr kumimoji="0" lang="en-US" altLang="en-US" sz="2200" b="0" i="0" u="none" strike="noStrike" cap="none" normalizeH="0" baseline="0" dirty="0">
+                <a:ln>
+                  <a:noFill/>
+                </a:ln>
+                <a:effectLst/>
+                <a:latin typeface="Arial" panose="020B0604020202020204" pitchFamily="34" charset="0"/>
+              </a:rPr>
+              <a:t>: </a:t>
+            </a:r>
+            <a:r>
+              <a:rPr kumimoji="0" lang="en-US" altLang="en-US" sz="2200" b="0" i="0" u="none" strike="noStrike" cap="none" normalizeH="0" baseline="0" dirty="0" err="1">
+                <a:ln>
+                  <a:noFill/>
+                </a:ln>
+                <a:effectLst/>
+                <a:latin typeface="Arial" panose="020B0604020202020204" pitchFamily="34" charset="0"/>
+              </a:rPr>
+              <a:t>CatBoost</a:t>
+            </a:r>
+            <a:r>
+              <a:rPr kumimoji="0" lang="en-US" altLang="en-US" sz="2200" b="0" i="0" u="none" strike="noStrike" cap="none" normalizeH="0" baseline="0" dirty="0">
+                <a:ln>
+                  <a:noFill/>
+                </a:ln>
+                <a:effectLst/>
+                <a:latin typeface="Arial" panose="020B0604020202020204" pitchFamily="34" charset="0"/>
+              </a:rPr>
+              <a:t> with Preprocessor V2.</a:t>
+            </a:r>
+          </a:p>
+          <a:p>
+            <a:pPr marL="0" marR="0" lvl="0" indent="0" defTabSz="914400" rtl="0" eaLnBrk="0" fontAlgn="base" latinLnBrk="0" hangingPunct="0">
+              <a:spcBef>
+                <a:spcPct val="0"/>
+              </a:spcBef>
+              <a:spcAft>
+                <a:spcPts val="600"/>
+              </a:spcAft>
+              <a:buClrTx/>
+              <a:buSzTx/>
+              <a:buFontTx/>
               <a:buChar char="•"/>
+              <a:tabLst/>
             </a:pPr>
             <a:r>
-              <a:rPr lang="en-US" sz="2400" dirty="0"/>
-              <a:t>Balanced sensitivity and specificity with a recall of 71% for Alzheimer’s cases.</a:t>
-            </a:r>
-          </a:p>
-          <a:p>
-            <a:pPr>
-              <a:buFont typeface="Arial" panose="020B0604020202020204" pitchFamily="34" charset="0"/>
+              <a:rPr kumimoji="0" lang="en-US" altLang="en-US" sz="2200" b="1" i="0" u="none" strike="noStrike" cap="none" normalizeH="0" baseline="0" dirty="0">
+                <a:ln>
+                  <a:noFill/>
+                </a:ln>
+                <a:effectLst/>
+                <a:latin typeface="Arial" panose="020B0604020202020204" pitchFamily="34" charset="0"/>
+              </a:rPr>
+              <a:t> Performance</a:t>
+            </a:r>
+            <a:r>
+              <a:rPr kumimoji="0" lang="en-US" altLang="en-US" sz="2200" b="0" i="0" u="none" strike="noStrike" cap="none" normalizeH="0" baseline="0" dirty="0">
+                <a:ln>
+                  <a:noFill/>
+                </a:ln>
+                <a:effectLst/>
+                <a:latin typeface="Arial" panose="020B0604020202020204" pitchFamily="34" charset="0"/>
+              </a:rPr>
+              <a:t>: Strong results with a weighted F1 score of 0.7305 on the test set.</a:t>
+            </a:r>
+          </a:p>
+          <a:p>
+            <a:pPr marL="0" marR="0" lvl="0" indent="0" defTabSz="914400" rtl="0" eaLnBrk="0" fontAlgn="base" latinLnBrk="0" hangingPunct="0">
+              <a:spcBef>
+                <a:spcPct val="0"/>
+              </a:spcBef>
+              <a:spcAft>
+                <a:spcPts val="600"/>
+              </a:spcAft>
+              <a:buClrTx/>
+              <a:buSzTx/>
+              <a:buFontTx/>
               <a:buChar char="•"/>
+              <a:tabLst/>
             </a:pPr>
             <a:r>
-              <a:rPr lang="en-US" sz="2400" dirty="0"/>
-              <a:t>Acceptable false positives for prioritizing early detection.</a:t>
-            </a:r>
-          </a:p>
-          <a:p>
-            <a:pPr>
-              <a:buFont typeface="Arial" panose="020B0604020202020204" pitchFamily="34" charset="0"/>
+              <a:rPr kumimoji="0" lang="en-US" altLang="en-US" sz="2200" b="1" i="0" u="none" strike="noStrike" cap="none" normalizeH="0" baseline="0" dirty="0">
+                <a:ln>
+                  <a:noFill/>
+                </a:ln>
+                <a:effectLst/>
+                <a:latin typeface="Arial" panose="020B0604020202020204" pitchFamily="34" charset="0"/>
+              </a:rPr>
+              <a:t> Model Choice</a:t>
+            </a:r>
+            <a:r>
+              <a:rPr kumimoji="0" lang="en-US" altLang="en-US" sz="2200" b="0" i="0" u="none" strike="noStrike" cap="none" normalizeH="0" baseline="0" dirty="0">
+                <a:ln>
+                  <a:noFill/>
+                </a:ln>
+                <a:effectLst/>
+                <a:latin typeface="Arial" panose="020B0604020202020204" pitchFamily="34" charset="0"/>
+              </a:rPr>
+              <a:t>: AdaBoost also performed well, but </a:t>
+            </a:r>
+            <a:r>
+              <a:rPr kumimoji="0" lang="en-US" altLang="en-US" sz="2200" b="0" i="0" u="none" strike="noStrike" cap="none" normalizeH="0" baseline="0" dirty="0" err="1">
+                <a:ln>
+                  <a:noFill/>
+                </a:ln>
+                <a:effectLst/>
+                <a:latin typeface="Arial" panose="020B0604020202020204" pitchFamily="34" charset="0"/>
+              </a:rPr>
+              <a:t>CatBoost</a:t>
+            </a:r>
+            <a:r>
+              <a:rPr kumimoji="0" lang="en-US" altLang="en-US" sz="2200" b="0" i="0" u="none" strike="noStrike" cap="none" normalizeH="0" baseline="0" dirty="0">
+                <a:ln>
+                  <a:noFill/>
+                </a:ln>
+                <a:effectLst/>
+                <a:latin typeface="Arial" panose="020B0604020202020204" pitchFamily="34" charset="0"/>
+              </a:rPr>
+              <a:t> offered better generalization.</a:t>
+            </a:r>
+          </a:p>
+          <a:p>
+            <a:pPr marL="0" marR="0" lvl="0" indent="0" defTabSz="914400" rtl="0" eaLnBrk="0" fontAlgn="base" latinLnBrk="0" hangingPunct="0">
+              <a:spcBef>
+                <a:spcPct val="0"/>
+              </a:spcBef>
+              <a:spcAft>
+                <a:spcPts val="600"/>
+              </a:spcAft>
+              <a:buClrTx/>
+              <a:buSzTx/>
+              <a:buFontTx/>
               <a:buChar char="•"/>
+              <a:tabLst/>
             </a:pPr>
             <a:r>
-              <a:rPr lang="en-US" sz="2400" dirty="0"/>
-              <a:t>Strong and reliable classification performance across both classes.</a:t>
-            </a:r>
-          </a:p>
-          <a:p>
-            <a:pPr marL="0" indent="0">
-              <a:buNone/>
-            </a:pPr>
-            <a:endParaRPr lang="en-US" sz="2000" dirty="0"/>
-          </a:p>
-        </p:txBody>
-      </p:sp>
-      <p:pic>
-        <p:nvPicPr>
-          <p:cNvPr id="8" name="Picture 7">
-            <a:extLst>
-              <a:ext uri="{FF2B5EF4-FFF2-40B4-BE49-F238E27FC236}">
-                <a16:creationId xmlns:a16="http://schemas.microsoft.com/office/drawing/2014/main" id="{B7A9B6DE-5AA6-E0AE-D3C6-73F0D327E662}"/>
-              </a:ext>
-            </a:extLst>
-          </p:cNvPr>
-          <p:cNvPicPr>
-            <a:picLocks noChangeAspect="1"/>
-          </p:cNvPicPr>
-          <p:nvPr/>
-        </p:nvPicPr>
-        <p:blipFill>
-          <a:blip r:embed="rId2"/>
-          <a:stretch>
-            <a:fillRect/>
-          </a:stretch>
-        </p:blipFill>
-        <p:spPr>
-          <a:xfrm>
-            <a:off x="5933925" y="2484255"/>
-            <a:ext cx="5105490" cy="3714244"/>
-          </a:xfrm>
-          <a:prstGeom prst="rect">
-            <a:avLst/>
-          </a:prstGeom>
-        </p:spPr>
-      </p:pic>
-      <p:sp>
-        <p:nvSpPr>
-          <p:cNvPr id="334" name="Rectangle 333">
-            <a:extLst>
-              <a:ext uri="{FF2B5EF4-FFF2-40B4-BE49-F238E27FC236}">
-                <a16:creationId xmlns:a16="http://schemas.microsoft.com/office/drawing/2014/main" id="{7690F348-A606-B1D2-CFA6-3C87B418D0EA}"/>
-              </a:ext>
-              <a:ext uri="{C183D7F6-B498-43B3-948B-1728B52AA6E4}">
-                <adec:decorative xmlns:adec="http://schemas.microsoft.com/office/drawing/2017/decorative" val="1"/>
-              </a:ext>
-            </a:extLst>
-          </p:cNvPr>
-          <p:cNvSpPr>
-            <a:spLocks noGrp="1" noRot="1" noChangeAspect="1" noMove="1" noResize="1" noEditPoints="1" noAdjustHandles="1" noChangeArrowheads="1" noChangeShapeType="1" noTextEdit="1"/>
-          </p:cNvSpPr>
-          <p:nvPr>
-            <p:extLst>
-              <p:ext uri="{386F3935-93C4-4BCD-93E2-E3B085C9AB24}">
-                <p16:designElem xmlns:p16="http://schemas.microsoft.com/office/powerpoint/2015/main" val="1"/>
-              </p:ext>
-            </p:extLst>
-          </p:nvPr>
-        </p:nvSpPr>
-        <p:spPr>
-          <a:xfrm rot="5400000">
-            <a:off x="11228040" y="2313027"/>
-            <a:ext cx="781700" cy="152382"/>
-          </a:xfrm>
-          <a:prstGeom prst="rect">
-            <a:avLst/>
-          </a:prstGeom>
-          <a:solidFill>
-            <a:schemeClr val="accent4"/>
-          </a:solidFill>
-          <a:ln>
-            <a:noFill/>
-          </a:ln>
-        </p:spPr>
-        <p:style>
-          <a:lnRef idx="2">
-            <a:schemeClr val="accent1">
-              <a:shade val="50000"/>
-            </a:schemeClr>
-          </a:lnRef>
-          <a:fillRef idx="1">
-            <a:schemeClr val="accent1"/>
-          </a:fillRef>
-          <a:effectRef idx="0">
-            <a:schemeClr val="accent1"/>
-          </a:effectRef>
-          <a:fontRef idx="minor">
-            <a:schemeClr val="lt1"/>
-          </a:fontRef>
-        </p:style>
-        <p:txBody>
-          <a:bodyPr rtlCol="0" anchor="ctr"/>
-          <a:lstStyle/>
-          <a:p>
-            <a:pPr algn="ctr"/>
-            <a:endParaRPr lang="en-US"/>
+              <a:rPr kumimoji="0" lang="en-US" altLang="en-US" sz="2200" b="1" i="0" u="none" strike="noStrike" cap="none" normalizeH="0" baseline="0">
+                <a:ln>
+                  <a:noFill/>
+                </a:ln>
+                <a:effectLst/>
+                <a:latin typeface="Arial" panose="020B0604020202020204" pitchFamily="34" charset="0"/>
+              </a:rPr>
+              <a:t> Key </a:t>
+            </a:r>
+            <a:r>
+              <a:rPr kumimoji="0" lang="en-US" altLang="en-US" sz="2200" b="1" i="0" u="none" strike="noStrike" cap="none" normalizeH="0" baseline="0" dirty="0">
+                <a:ln>
+                  <a:noFill/>
+                </a:ln>
+                <a:effectLst/>
+                <a:latin typeface="Arial" panose="020B0604020202020204" pitchFamily="34" charset="0"/>
+              </a:rPr>
+              <a:t>Insight</a:t>
+            </a:r>
+            <a:r>
+              <a:rPr kumimoji="0" lang="en-US" altLang="en-US" sz="2200" b="0" i="0" u="none" strike="noStrike" cap="none" normalizeH="0" baseline="0" dirty="0">
+                <a:ln>
+                  <a:noFill/>
+                </a:ln>
+                <a:effectLst/>
+                <a:latin typeface="Arial" panose="020B0604020202020204" pitchFamily="34" charset="0"/>
+              </a:rPr>
+              <a:t>: Our model offers a good balance between sensitivity and specificity, which is crucial for early Alzheimer’s detection.</a:t>
+            </a:r>
           </a:p>
         </p:txBody>
       </p:sp>
     </p:spTree>
     <p:extLst>
       <p:ext uri="{BB962C8B-B14F-4D97-AF65-F5344CB8AC3E}">
-        <p14:creationId xmlns:p14="http://schemas.microsoft.com/office/powerpoint/2010/main" val="1928832761"/>
+        <p14:creationId xmlns:p14="http://schemas.microsoft.com/office/powerpoint/2010/main" val="3266595848"/>
       </p:ext>
     </p:extLst>
   </p:cSld>
@@ -25437,613 +25567,6 @@
 </file>
 
 <file path=ppt/slides/slide30.xml><?xml version="1.0" encoding="utf-8"?>
-<p:sld xmlns:a="http://schemas.openxmlformats.org/drawingml/2006/main" xmlns:r="http://schemas.openxmlformats.org/officeDocument/2006/relationships" xmlns:p="http://schemas.openxmlformats.org/presentationml/2006/main">
-  <p:cSld>
-    <p:bg>
-      <p:bgPr>
-        <a:solidFill>
-          <a:schemeClr val="bg1"/>
-        </a:solidFill>
-        <a:effectLst/>
-      </p:bgPr>
-    </p:bg>
-    <p:spTree>
-      <p:nvGrpSpPr>
-        <p:cNvPr id="1" name="">
-          <a:extLst>
-            <a:ext uri="{FF2B5EF4-FFF2-40B4-BE49-F238E27FC236}">
-              <a16:creationId xmlns:a16="http://schemas.microsoft.com/office/drawing/2014/main" id="{FE40049B-0F04-72A8-C71B-1BE16CA78516}"/>
-            </a:ext>
-          </a:extLst>
-        </p:cNvPr>
-        <p:cNvGrpSpPr/>
-        <p:nvPr/>
-      </p:nvGrpSpPr>
-      <p:grpSpPr>
-        <a:xfrm>
-          <a:off x="0" y="0"/>
-          <a:ext cx="0" cy="0"/>
-          <a:chOff x="0" y="0"/>
-          <a:chExt cx="0" cy="0"/>
-        </a:xfrm>
-      </p:grpSpPr>
-      <p:sp useBgFill="1">
-        <p:nvSpPr>
-          <p:cNvPr id="339" name="Rectangle 338">
-            <a:extLst>
-              <a:ext uri="{FF2B5EF4-FFF2-40B4-BE49-F238E27FC236}">
-                <a16:creationId xmlns:a16="http://schemas.microsoft.com/office/drawing/2014/main" id="{3AD318CC-E2A8-4E27-9548-A047A78999B1}"/>
-              </a:ext>
-              <a:ext uri="{C183D7F6-B498-43B3-948B-1728B52AA6E4}">
-                <adec:decorative xmlns:adec="http://schemas.microsoft.com/office/drawing/2017/decorative" val="1"/>
-              </a:ext>
-            </a:extLst>
-          </p:cNvPr>
-          <p:cNvSpPr>
-            <a:spLocks noGrp="1" noRot="1" noChangeAspect="1" noMove="1" noResize="1" noEditPoints="1" noAdjustHandles="1" noChangeArrowheads="1" noChangeShapeType="1" noTextEdit="1"/>
-          </p:cNvSpPr>
-          <p:nvPr>
-            <p:extLst>
-              <p:ext uri="{386F3935-93C4-4BCD-93E2-E3B085C9AB24}">
-                <p16:designElem xmlns:p16="http://schemas.microsoft.com/office/powerpoint/2015/main" val="1"/>
-              </p:ext>
-            </p:extLst>
-          </p:nvPr>
-        </p:nvSpPr>
-        <p:spPr>
-          <a:xfrm>
-            <a:off x="0" y="0"/>
-            <a:ext cx="12191999" cy="6857365"/>
-          </a:xfrm>
-          <a:prstGeom prst="rect">
-            <a:avLst/>
-          </a:prstGeom>
-          <a:ln>
-            <a:noFill/>
-          </a:ln>
-        </p:spPr>
-        <p:style>
-          <a:lnRef idx="2">
-            <a:schemeClr val="accent1">
-              <a:shade val="50000"/>
-            </a:schemeClr>
-          </a:lnRef>
-          <a:fillRef idx="1">
-            <a:schemeClr val="accent1"/>
-          </a:fillRef>
-          <a:effectRef idx="0">
-            <a:schemeClr val="accent1"/>
-          </a:effectRef>
-          <a:fontRef idx="minor">
-            <a:schemeClr val="lt1"/>
-          </a:fontRef>
-        </p:style>
-        <p:txBody>
-          <a:bodyPr rtlCol="0" anchor="ctr"/>
-          <a:lstStyle/>
-          <a:p>
-            <a:pPr algn="ctr"/>
-            <a:endParaRPr lang="en-US"/>
-          </a:p>
-        </p:txBody>
-      </p:sp>
-      <p:sp>
-        <p:nvSpPr>
-          <p:cNvPr id="2" name="Title 1">
-            <a:extLst>
-              <a:ext uri="{FF2B5EF4-FFF2-40B4-BE49-F238E27FC236}">
-                <a16:creationId xmlns:a16="http://schemas.microsoft.com/office/drawing/2014/main" id="{2A06DE98-2052-9D34-0F20-CA069C36FF39}"/>
-              </a:ext>
-            </a:extLst>
-          </p:cNvPr>
-          <p:cNvSpPr>
-            <a:spLocks noGrp="1"/>
-          </p:cNvSpPr>
-          <p:nvPr>
-            <p:ph type="title"/>
-          </p:nvPr>
-        </p:nvSpPr>
-        <p:spPr>
-          <a:xfrm>
-            <a:off x="645065" y="1463040"/>
-            <a:ext cx="3796306" cy="2690949"/>
-          </a:xfrm>
-        </p:spPr>
-        <p:txBody>
-          <a:bodyPr anchor="t">
-            <a:normAutofit/>
-          </a:bodyPr>
-          <a:lstStyle/>
-          <a:p>
-            <a:r>
-              <a:rPr lang="en-US" sz="4800"/>
-              <a:t>Conclusion</a:t>
-            </a:r>
-          </a:p>
-        </p:txBody>
-      </p:sp>
-      <p:grpSp>
-        <p:nvGrpSpPr>
-          <p:cNvPr id="341" name="Group 340">
-            <a:extLst>
-              <a:ext uri="{FF2B5EF4-FFF2-40B4-BE49-F238E27FC236}">
-                <a16:creationId xmlns:a16="http://schemas.microsoft.com/office/drawing/2014/main" id="{B14B560F-9DD7-4302-A60B-EBD3EF59B073}"/>
-              </a:ext>
-              <a:ext uri="{C183D7F6-B498-43B3-948B-1728B52AA6E4}">
-                <adec:decorative xmlns:adec="http://schemas.microsoft.com/office/drawing/2017/decorative" val="1"/>
-              </a:ext>
-            </a:extLst>
-          </p:cNvPr>
-          <p:cNvGrpSpPr>
-            <a:grpSpLocks noGrp="1" noUngrp="1" noRot="1" noChangeAspect="1" noMove="1" noResize="1"/>
-          </p:cNvGrpSpPr>
-          <p:nvPr>
-            <p:extLst>
-              <p:ext uri="{386F3935-93C4-4BCD-93E2-E3B085C9AB24}">
-                <p16:designElem xmlns:p16="http://schemas.microsoft.com/office/powerpoint/2015/main" val="1"/>
-              </p:ext>
-            </p:extLst>
-          </p:nvPr>
-        </p:nvGrpSpPr>
-        <p:grpSpPr>
-          <a:xfrm>
-            <a:off x="209667" y="4415246"/>
-            <a:ext cx="11982332" cy="2087795"/>
-            <a:chOff x="143163" y="5763486"/>
-            <a:chExt cx="11982332" cy="739555"/>
-          </a:xfrm>
-        </p:grpSpPr>
-        <p:sp>
-          <p:nvSpPr>
-            <p:cNvPr id="342" name="Rectangle 341">
-              <a:extLst>
-                <a:ext uri="{FF2B5EF4-FFF2-40B4-BE49-F238E27FC236}">
-                  <a16:creationId xmlns:a16="http://schemas.microsoft.com/office/drawing/2014/main" id="{3A9A4357-BD1D-4622-A4FE-766E6AB8DE84}"/>
-                </a:ext>
-                <a:ext uri="{C183D7F6-B498-43B3-948B-1728B52AA6E4}">
-                  <adec:decorative xmlns:adec="http://schemas.microsoft.com/office/drawing/2017/decorative" val="1"/>
-                </a:ext>
-              </a:extLst>
-            </p:cNvPr>
-            <p:cNvSpPr/>
-            <p:nvPr>
-              <p:extLst>
-                <p:ext uri="{386F3935-93C4-4BCD-93E2-E3B085C9AB24}">
-                  <p16:designElem xmlns:p16="http://schemas.microsoft.com/office/powerpoint/2015/main" val="1"/>
-                </p:ext>
-              </p:extLst>
-            </p:nvPr>
-          </p:nvSpPr>
-          <p:spPr>
-            <a:xfrm flipH="1" flipV="1">
-              <a:off x="357444" y="5763486"/>
-              <a:ext cx="11768051" cy="739555"/>
-            </a:xfrm>
-            <a:prstGeom prst="rect">
-              <a:avLst/>
-            </a:prstGeom>
-            <a:solidFill>
-              <a:schemeClr val="accent4"/>
-            </a:solidFill>
-            <a:ln>
-              <a:noFill/>
-            </a:ln>
-          </p:spPr>
-          <p:style>
-            <a:lnRef idx="2">
-              <a:schemeClr val="accent1">
-                <a:shade val="50000"/>
-              </a:schemeClr>
-            </a:lnRef>
-            <a:fillRef idx="1">
-              <a:schemeClr val="accent1"/>
-            </a:fillRef>
-            <a:effectRef idx="0">
-              <a:schemeClr val="accent1"/>
-            </a:effectRef>
-            <a:fontRef idx="minor">
-              <a:schemeClr val="lt1"/>
-            </a:fontRef>
-          </p:style>
-          <p:txBody>
-            <a:bodyPr rtlCol="0" anchor="ctr"/>
-            <a:lstStyle/>
-            <a:p>
-              <a:pPr algn="ctr"/>
-              <a:endParaRPr lang="en-US"/>
-            </a:p>
-          </p:txBody>
-        </p:sp>
-        <p:cxnSp>
-          <p:nvCxnSpPr>
-            <p:cNvPr id="343" name="Straight Connector 342">
-              <a:extLst>
-                <a:ext uri="{FF2B5EF4-FFF2-40B4-BE49-F238E27FC236}">
-                  <a16:creationId xmlns:a16="http://schemas.microsoft.com/office/drawing/2014/main" id="{C21D6966-343E-49AC-A026-D2497E0C3CA1}"/>
-                </a:ext>
-                <a:ext uri="{C183D7F6-B498-43B3-948B-1728B52AA6E4}">
-                  <adec:decorative xmlns:adec="http://schemas.microsoft.com/office/drawing/2017/decorative" val="1"/>
-                </a:ext>
-              </a:extLst>
-            </p:cNvPr>
-            <p:cNvCxnSpPr>
-              <a:cxnSpLocks/>
-            </p:cNvCxnSpPr>
-            <p:nvPr>
-              <p:extLst>
-                <p:ext uri="{386F3935-93C4-4BCD-93E2-E3B085C9AB24}">
-                  <p16:designElem xmlns:p16="http://schemas.microsoft.com/office/powerpoint/2015/main" val="1"/>
-                </p:ext>
-              </p:extLst>
-            </p:nvPr>
-          </p:nvCxnSpPr>
-          <p:spPr>
-            <a:xfrm flipH="1">
-              <a:off x="143163" y="5763486"/>
-              <a:ext cx="1" cy="739555"/>
-            </a:xfrm>
-            <a:prstGeom prst="line">
-              <a:avLst/>
-            </a:prstGeom>
-            <a:ln w="177800">
-              <a:solidFill>
-                <a:schemeClr val="accent4"/>
-              </a:solidFill>
-            </a:ln>
-          </p:spPr>
-          <p:style>
-            <a:lnRef idx="1">
-              <a:schemeClr val="accent1"/>
-            </a:lnRef>
-            <a:fillRef idx="0">
-              <a:schemeClr val="accent1"/>
-            </a:fillRef>
-            <a:effectRef idx="0">
-              <a:schemeClr val="accent1"/>
-            </a:effectRef>
-            <a:fontRef idx="minor">
-              <a:schemeClr val="tx1"/>
-            </a:fontRef>
-          </p:style>
-        </p:cxnSp>
-      </p:grpSp>
-      <p:sp>
-        <p:nvSpPr>
-          <p:cNvPr id="355" name="Rectangle 354">
-            <a:extLst>
-              <a:ext uri="{FF2B5EF4-FFF2-40B4-BE49-F238E27FC236}">
-                <a16:creationId xmlns:a16="http://schemas.microsoft.com/office/drawing/2014/main" id="{2C1BBA94-3F40-40AA-8BB9-E69E25E537C1}"/>
-              </a:ext>
-              <a:ext uri="{C183D7F6-B498-43B3-948B-1728B52AA6E4}">
-                <adec:decorative xmlns:adec="http://schemas.microsoft.com/office/drawing/2017/decorative" val="1"/>
-              </a:ext>
-            </a:extLst>
-          </p:cNvPr>
-          <p:cNvSpPr>
-            <a:spLocks noGrp="1" noRot="1" noChangeAspect="1" noMove="1" noResize="1" noEditPoints="1" noAdjustHandles="1" noChangeArrowheads="1" noChangeShapeType="1" noTextEdit="1"/>
-          </p:cNvSpPr>
-          <p:nvPr>
-            <p:extLst>
-              <p:ext uri="{386F3935-93C4-4BCD-93E2-E3B085C9AB24}">
-                <p16:designElem xmlns:p16="http://schemas.microsoft.com/office/powerpoint/2015/main" val="1"/>
-              </p:ext>
-            </p:extLst>
-          </p:nvPr>
-        </p:nvSpPr>
-        <p:spPr>
-          <a:xfrm>
-            <a:off x="5133706" y="587829"/>
-            <a:ext cx="6505300" cy="5682342"/>
-          </a:xfrm>
-          <a:prstGeom prst="rect">
-            <a:avLst/>
-          </a:prstGeom>
-          <a:solidFill>
-            <a:schemeClr val="bg1"/>
-          </a:solidFill>
-          <a:ln>
-            <a:noFill/>
-          </a:ln>
-          <a:effectLst>
-            <a:outerShdw blurRad="139700" dist="127000" dir="5400000" algn="t" rotWithShape="0">
-              <a:prstClr val="black">
-                <a:alpha val="15000"/>
-              </a:prstClr>
-            </a:outerShdw>
-          </a:effectLst>
-        </p:spPr>
-        <p:style>
-          <a:lnRef idx="2">
-            <a:schemeClr val="accent1">
-              <a:shade val="50000"/>
-            </a:schemeClr>
-          </a:lnRef>
-          <a:fillRef idx="1">
-            <a:schemeClr val="accent1"/>
-          </a:fillRef>
-          <a:effectRef idx="0">
-            <a:schemeClr val="accent1"/>
-          </a:effectRef>
-          <a:fontRef idx="minor">
-            <a:schemeClr val="lt1"/>
-          </a:fontRef>
-        </p:style>
-        <p:txBody>
-          <a:bodyPr rtlCol="0" anchor="ctr"/>
-          <a:lstStyle/>
-          <a:p>
-            <a:pPr algn="ctr"/>
-            <a:endParaRPr lang="en-US"/>
-          </a:p>
-        </p:txBody>
-      </p:sp>
-      <p:sp>
-        <p:nvSpPr>
-          <p:cNvPr id="5" name="Rectangle 2">
-            <a:extLst>
-              <a:ext uri="{FF2B5EF4-FFF2-40B4-BE49-F238E27FC236}">
-                <a16:creationId xmlns:a16="http://schemas.microsoft.com/office/drawing/2014/main" id="{56ADF770-BA64-F5A2-C32A-2D987836C94C}"/>
-              </a:ext>
-            </a:extLst>
-          </p:cNvPr>
-          <p:cNvSpPr>
-            <a:spLocks noGrp="1" noChangeArrowheads="1"/>
-          </p:cNvSpPr>
-          <p:nvPr>
-            <p:ph idx="1"/>
-          </p:nvPr>
-        </p:nvSpPr>
-        <p:spPr bwMode="auto">
-          <a:xfrm>
-            <a:off x="5656218" y="1463039"/>
-            <a:ext cx="5542387" cy="4300447"/>
-          </a:xfrm>
-          <a:prstGeom prst="rect">
-            <a:avLst/>
-          </a:prstGeom>
-          <a:extLst>
-            <a:ext uri="{909E8E84-426E-40DD-AFC4-6F175D3DCCD1}">
-              <a14:hiddenFill xmlns:a14="http://schemas.microsoft.com/office/drawing/2010/main">
-                <a:solidFill>
-                  <a:schemeClr val="accent1"/>
-                </a:solidFill>
-              </a14:hiddenFill>
-            </a:ext>
-            <a:ext uri="{91240B29-F687-4F45-9708-019B960494DF}">
-              <a14:hiddenLine xmlns:a14="http://schemas.microsoft.com/office/drawing/2010/main" w="9525">
-                <a:solidFill>
-                  <a:schemeClr val="tx1"/>
-                </a:solidFill>
-                <a:miter lim="800000"/>
-                <a:headEnd/>
-                <a:tailEnd/>
-              </a14:hiddenLine>
-            </a:ext>
-            <a:ext uri="{AF507438-7753-43E0-B8FC-AC1667EBCBE1}">
-              <a14:hiddenEffects xmlns:a14="http://schemas.microsoft.com/office/drawing/2010/main">
-                <a:effectLst>
-                  <a:outerShdw dist="35921" dir="2700000" algn="ctr" rotWithShape="0">
-                    <a:schemeClr val="bg2"/>
-                  </a:outerShdw>
-                </a:effectLst>
-              </a14:hiddenEffects>
-            </a:ext>
-          </a:extLst>
-        </p:spPr>
-        <p:txBody>
-          <a:bodyPr vert="horz" lIns="91440" tIns="45720" rIns="91440" bIns="45720" numCol="1" anchor="t" anchorCtr="0" compatLnSpc="1">
-            <a:prstTxWarp prst="textNoShape">
-              <a:avLst/>
-            </a:prstTxWarp>
-            <a:normAutofit/>
-          </a:bodyPr>
-          <a:lstStyle/>
-          <a:p>
-            <a:pPr marL="0" marR="0" lvl="0" indent="0" defTabSz="914400" rtl="0" eaLnBrk="0" fontAlgn="base" latinLnBrk="0" hangingPunct="0">
-              <a:spcBef>
-                <a:spcPct val="0"/>
-              </a:spcBef>
-              <a:spcAft>
-                <a:spcPts val="600"/>
-              </a:spcAft>
-              <a:buClrTx/>
-              <a:buSzTx/>
-              <a:buFontTx/>
-              <a:buChar char="•"/>
-              <a:tabLst/>
-            </a:pPr>
-            <a:r>
-              <a:rPr kumimoji="0" lang="en-US" altLang="en-US" sz="2200" b="1" i="0" u="none" strike="noStrike" cap="none" normalizeH="0" baseline="0" dirty="0">
-                <a:ln>
-                  <a:noFill/>
-                </a:ln>
-                <a:effectLst/>
-                <a:latin typeface="Arial" panose="020B0604020202020204" pitchFamily="34" charset="0"/>
-              </a:rPr>
-              <a:t> Final Model</a:t>
-            </a:r>
-            <a:r>
-              <a:rPr kumimoji="0" lang="en-US" altLang="en-US" sz="2200" b="0" i="0" u="none" strike="noStrike" cap="none" normalizeH="0" baseline="0" dirty="0">
-                <a:ln>
-                  <a:noFill/>
-                </a:ln>
-                <a:effectLst/>
-                <a:latin typeface="Arial" panose="020B0604020202020204" pitchFamily="34" charset="0"/>
-              </a:rPr>
-              <a:t>: </a:t>
-            </a:r>
-            <a:r>
-              <a:rPr kumimoji="0" lang="en-US" altLang="en-US" sz="2200" b="0" i="0" u="none" strike="noStrike" cap="none" normalizeH="0" baseline="0" dirty="0" err="1">
-                <a:ln>
-                  <a:noFill/>
-                </a:ln>
-                <a:effectLst/>
-                <a:latin typeface="Arial" panose="020B0604020202020204" pitchFamily="34" charset="0"/>
-              </a:rPr>
-              <a:t>CatBoost</a:t>
-            </a:r>
-            <a:r>
-              <a:rPr kumimoji="0" lang="en-US" altLang="en-US" sz="2200" b="0" i="0" u="none" strike="noStrike" cap="none" normalizeH="0" baseline="0" dirty="0">
-                <a:ln>
-                  <a:noFill/>
-                </a:ln>
-                <a:effectLst/>
-                <a:latin typeface="Arial" panose="020B0604020202020204" pitchFamily="34" charset="0"/>
-              </a:rPr>
-              <a:t> with Preprocessor V2.</a:t>
-            </a:r>
-          </a:p>
-          <a:p>
-            <a:pPr marL="0" marR="0" lvl="0" indent="0" defTabSz="914400" rtl="0" eaLnBrk="0" fontAlgn="base" latinLnBrk="0" hangingPunct="0">
-              <a:spcBef>
-                <a:spcPct val="0"/>
-              </a:spcBef>
-              <a:spcAft>
-                <a:spcPts val="600"/>
-              </a:spcAft>
-              <a:buClrTx/>
-              <a:buSzTx/>
-              <a:buFontTx/>
-              <a:buChar char="•"/>
-              <a:tabLst/>
-            </a:pPr>
-            <a:r>
-              <a:rPr kumimoji="0" lang="en-US" altLang="en-US" sz="2200" b="1" i="0" u="none" strike="noStrike" cap="none" normalizeH="0" baseline="0" dirty="0">
-                <a:ln>
-                  <a:noFill/>
-                </a:ln>
-                <a:effectLst/>
-                <a:latin typeface="Arial" panose="020B0604020202020204" pitchFamily="34" charset="0"/>
-              </a:rPr>
-              <a:t> Performance</a:t>
-            </a:r>
-            <a:r>
-              <a:rPr kumimoji="0" lang="en-US" altLang="en-US" sz="2200" b="0" i="0" u="none" strike="noStrike" cap="none" normalizeH="0" baseline="0" dirty="0">
-                <a:ln>
-                  <a:noFill/>
-                </a:ln>
-                <a:effectLst/>
-                <a:latin typeface="Arial" panose="020B0604020202020204" pitchFamily="34" charset="0"/>
-              </a:rPr>
-              <a:t>: Strong results with a weighted F1 score of 0.7305 on the test set.</a:t>
-            </a:r>
-          </a:p>
-          <a:p>
-            <a:pPr marL="0" marR="0" lvl="0" indent="0" defTabSz="914400" rtl="0" eaLnBrk="0" fontAlgn="base" latinLnBrk="0" hangingPunct="0">
-              <a:spcBef>
-                <a:spcPct val="0"/>
-              </a:spcBef>
-              <a:spcAft>
-                <a:spcPts val="600"/>
-              </a:spcAft>
-              <a:buClrTx/>
-              <a:buSzTx/>
-              <a:buFontTx/>
-              <a:buChar char="•"/>
-              <a:tabLst/>
-            </a:pPr>
-            <a:r>
-              <a:rPr kumimoji="0" lang="en-US" altLang="en-US" sz="2200" b="1" i="0" u="none" strike="noStrike" cap="none" normalizeH="0" baseline="0" dirty="0">
-                <a:ln>
-                  <a:noFill/>
-                </a:ln>
-                <a:effectLst/>
-                <a:latin typeface="Arial" panose="020B0604020202020204" pitchFamily="34" charset="0"/>
-              </a:rPr>
-              <a:t> Model Choice</a:t>
-            </a:r>
-            <a:r>
-              <a:rPr kumimoji="0" lang="en-US" altLang="en-US" sz="2200" b="0" i="0" u="none" strike="noStrike" cap="none" normalizeH="0" baseline="0" dirty="0">
-                <a:ln>
-                  <a:noFill/>
-                </a:ln>
-                <a:effectLst/>
-                <a:latin typeface="Arial" panose="020B0604020202020204" pitchFamily="34" charset="0"/>
-              </a:rPr>
-              <a:t>: AdaBoost also performed well, but </a:t>
-            </a:r>
-            <a:r>
-              <a:rPr kumimoji="0" lang="en-US" altLang="en-US" sz="2200" b="0" i="0" u="none" strike="noStrike" cap="none" normalizeH="0" baseline="0" dirty="0" err="1">
-                <a:ln>
-                  <a:noFill/>
-                </a:ln>
-                <a:effectLst/>
-                <a:latin typeface="Arial" panose="020B0604020202020204" pitchFamily="34" charset="0"/>
-              </a:rPr>
-              <a:t>CatBoost</a:t>
-            </a:r>
-            <a:r>
-              <a:rPr kumimoji="0" lang="en-US" altLang="en-US" sz="2200" b="0" i="0" u="none" strike="noStrike" cap="none" normalizeH="0" baseline="0" dirty="0">
-                <a:ln>
-                  <a:noFill/>
-                </a:ln>
-                <a:effectLst/>
-                <a:latin typeface="Arial" panose="020B0604020202020204" pitchFamily="34" charset="0"/>
-              </a:rPr>
-              <a:t> offered better generalization.</a:t>
-            </a:r>
-          </a:p>
-          <a:p>
-            <a:pPr marL="0" marR="0" lvl="0" indent="0" defTabSz="914400" rtl="0" eaLnBrk="0" fontAlgn="base" latinLnBrk="0" hangingPunct="0">
-              <a:spcBef>
-                <a:spcPct val="0"/>
-              </a:spcBef>
-              <a:spcAft>
-                <a:spcPts val="600"/>
-              </a:spcAft>
-              <a:buClrTx/>
-              <a:buSzTx/>
-              <a:buFontTx/>
-              <a:buChar char="•"/>
-              <a:tabLst/>
-            </a:pPr>
-            <a:r>
-              <a:rPr kumimoji="0" lang="en-US" altLang="en-US" sz="2200" b="1" i="0" u="none" strike="noStrike" cap="none" normalizeH="0" baseline="0">
-                <a:ln>
-                  <a:noFill/>
-                </a:ln>
-                <a:effectLst/>
-                <a:latin typeface="Arial" panose="020B0604020202020204" pitchFamily="34" charset="0"/>
-              </a:rPr>
-              <a:t> Key </a:t>
-            </a:r>
-            <a:r>
-              <a:rPr kumimoji="0" lang="en-US" altLang="en-US" sz="2200" b="1" i="0" u="none" strike="noStrike" cap="none" normalizeH="0" baseline="0" dirty="0">
-                <a:ln>
-                  <a:noFill/>
-                </a:ln>
-                <a:effectLst/>
-                <a:latin typeface="Arial" panose="020B0604020202020204" pitchFamily="34" charset="0"/>
-              </a:rPr>
-              <a:t>Insight</a:t>
-            </a:r>
-            <a:r>
-              <a:rPr kumimoji="0" lang="en-US" altLang="en-US" sz="2200" b="0" i="0" u="none" strike="noStrike" cap="none" normalizeH="0" baseline="0" dirty="0">
-                <a:ln>
-                  <a:noFill/>
-                </a:ln>
-                <a:effectLst/>
-                <a:latin typeface="Arial" panose="020B0604020202020204" pitchFamily="34" charset="0"/>
-              </a:rPr>
-              <a:t>: Our model offers a good balance between sensitivity and specificity, which is crucial for early Alzheimer’s detection.</a:t>
-            </a:r>
-          </a:p>
-        </p:txBody>
-      </p:sp>
-    </p:spTree>
-    <p:extLst>
-      <p:ext uri="{BB962C8B-B14F-4D97-AF65-F5344CB8AC3E}">
-        <p14:creationId xmlns:p14="http://schemas.microsoft.com/office/powerpoint/2010/main" val="3266595848"/>
-      </p:ext>
-    </p:extLst>
-  </p:cSld>
-  <p:clrMapOvr>
-    <a:masterClrMapping/>
-  </p:clrMapOvr>
-</p:sld>
-</file>
-
-<file path=ppt/slides/slide31.xml><?xml version="1.0" encoding="utf-8"?>
 <p:sld xmlns:a="http://schemas.openxmlformats.org/drawingml/2006/main" xmlns:r="http://schemas.openxmlformats.org/officeDocument/2006/relationships" xmlns:p="http://schemas.openxmlformats.org/presentationml/2006/main">
   <p:cSld>
     <p:bg>

--- a/presentation.pptx
+++ b/presentation.pptx
@@ -141,6 +141,14 @@
 </p:presentation>
 </file>
 
+<file path=ppt/revisionInfo.xml><?xml version="1.0" encoding="utf-8"?>
+<p1510:revInfo xmlns:a="http://schemas.openxmlformats.org/drawingml/2006/main" xmlns:r="http://schemas.openxmlformats.org/officeDocument/2006/relationships" xmlns:p1510="http://schemas.microsoft.com/office/powerpoint/2015/10/main">
+  <p1510:revLst>
+    <p1510:client id="{3E889210-75A3-4689-A177-88BFA7D18390}" v="4" dt="2025-04-28T17:34:41.420"/>
+  </p1510:revLst>
+</p1510:revInfo>
+</file>
+
 <file path=ppt/changesInfos/changesInfo1.xml><?xml version="1.0" encoding="utf-8"?>
 <pc:chgInfo xmlns:a="http://schemas.openxmlformats.org/drawingml/2006/main" xmlns:r="http://schemas.openxmlformats.org/officeDocument/2006/relationships" xmlns:ac="http://schemas.microsoft.com/office/drawing/2013/main/command" xmlns:pc="http://schemas.microsoft.com/office/powerpoint/2013/main/command">
   <pc:docChgLst>
@@ -177,18 +185,18 @@
   <pc:docChgLst>
     <pc:chgData name="Leontios Ioannou" userId="3862ae39ba703afe" providerId="LiveId" clId="{3E889210-75A3-4689-A177-88BFA7D18390}"/>
     <pc:docChg chg="undo custSel addSld delSld modSld sldOrd">
-      <pc:chgData name="Leontios Ioannou" userId="3862ae39ba703afe" providerId="LiveId" clId="{3E889210-75A3-4689-A177-88BFA7D18390}" dt="2025-04-27T15:43:48.242" v="260" actId="14100"/>
+      <pc:chgData name="Leontios Ioannou" userId="3862ae39ba703afe" providerId="LiveId" clId="{3E889210-75A3-4689-A177-88BFA7D18390}" dt="2025-04-28T17:36:13.332" v="290" actId="26606"/>
       <pc:docMkLst>
         <pc:docMk/>
       </pc:docMkLst>
       <pc:sldChg chg="addSp delSp modSp mod">
-        <pc:chgData name="Leontios Ioannou" userId="3862ae39ba703afe" providerId="LiveId" clId="{3E889210-75A3-4689-A177-88BFA7D18390}" dt="2025-04-27T15:43:48.242" v="260" actId="14100"/>
+        <pc:chgData name="Leontios Ioannou" userId="3862ae39ba703afe" providerId="LiveId" clId="{3E889210-75A3-4689-A177-88BFA7D18390}" dt="2025-04-28T17:09:08.050" v="266" actId="1076"/>
         <pc:sldMkLst>
           <pc:docMk/>
           <pc:sldMk cId="2832989012" sldId="257"/>
         </pc:sldMkLst>
         <pc:spChg chg="add mod">
-          <ac:chgData name="Leontios Ioannou" userId="3862ae39ba703afe" providerId="LiveId" clId="{3E889210-75A3-4689-A177-88BFA7D18390}" dt="2025-04-27T15:43:48.242" v="260" actId="14100"/>
+          <ac:chgData name="Leontios Ioannou" userId="3862ae39ba703afe" providerId="LiveId" clId="{3E889210-75A3-4689-A177-88BFA7D18390}" dt="2025-04-28T17:09:08.050" v="266" actId="1076"/>
           <ac:spMkLst>
             <pc:docMk/>
             <pc:sldMk cId="2832989012" sldId="257"/>
@@ -498,6 +506,35 @@
           </ac:picMkLst>
         </pc:picChg>
       </pc:sldChg>
+      <pc:sldChg chg="add del">
+        <pc:chgData name="Leontios Ioannou" userId="3862ae39ba703afe" providerId="LiveId" clId="{3E889210-75A3-4689-A177-88BFA7D18390}" dt="2025-04-28T17:09:54.836" v="268" actId="2696"/>
+        <pc:sldMkLst>
+          <pc:docMk/>
+          <pc:sldMk cId="217208614" sldId="276"/>
+        </pc:sldMkLst>
+      </pc:sldChg>
+      <pc:sldChg chg="add del">
+        <pc:chgData name="Leontios Ioannou" userId="3862ae39ba703afe" providerId="LiveId" clId="{3E889210-75A3-4689-A177-88BFA7D18390}" dt="2025-04-28T17:11:18.191" v="270" actId="47"/>
+        <pc:sldMkLst>
+          <pc:docMk/>
+          <pc:sldMk cId="353003609" sldId="277"/>
+        </pc:sldMkLst>
+      </pc:sldChg>
+      <pc:sldChg chg="modSp">
+        <pc:chgData name="Leontios Ioannou" userId="3862ae39ba703afe" providerId="LiveId" clId="{3E889210-75A3-4689-A177-88BFA7D18390}" dt="2025-04-28T17:26:11.134" v="271" actId="1076"/>
+        <pc:sldMkLst>
+          <pc:docMk/>
+          <pc:sldMk cId="474278517" sldId="280"/>
+        </pc:sldMkLst>
+        <pc:spChg chg="mod">
+          <ac:chgData name="Leontios Ioannou" userId="3862ae39ba703afe" providerId="LiveId" clId="{3E889210-75A3-4689-A177-88BFA7D18390}" dt="2025-04-28T17:26:11.134" v="271" actId="1076"/>
+          <ac:spMkLst>
+            <pc:docMk/>
+            <pc:sldMk cId="474278517" sldId="280"/>
+            <ac:spMk id="4" creationId="{AE68ED36-3C3F-3695-F3AC-BFED9D2DFC35}"/>
+          </ac:spMkLst>
+        </pc:spChg>
+      </pc:sldChg>
       <pc:sldChg chg="modSp mod">
         <pc:chgData name="Leontios Ioannou" userId="3862ae39ba703afe" providerId="LiveId" clId="{3E889210-75A3-4689-A177-88BFA7D18390}" dt="2025-04-27T15:16:43.702" v="248" actId="20577"/>
         <pc:sldMkLst>
@@ -513,20 +550,132 @@
           </ac:spMkLst>
         </pc:spChg>
       </pc:sldChg>
-      <pc:sldChg chg="modSp mod">
-        <pc:chgData name="Leontios Ioannou" userId="3862ae39ba703afe" providerId="LiveId" clId="{3E889210-75A3-4689-A177-88BFA7D18390}" dt="2025-04-27T15:18:58.043" v="252" actId="20577"/>
+      <pc:sldChg chg="addSp delSp modSp mod">
+        <pc:chgData name="Leontios Ioannou" userId="3862ae39ba703afe" providerId="LiveId" clId="{3E889210-75A3-4689-A177-88BFA7D18390}" dt="2025-04-28T17:36:13.332" v="290" actId="26606"/>
         <pc:sldMkLst>
           <pc:docMk/>
           <pc:sldMk cId="3266595848" sldId="286"/>
         </pc:sldMkLst>
         <pc:spChg chg="mod">
-          <ac:chgData name="Leontios Ioannou" userId="3862ae39ba703afe" providerId="LiveId" clId="{3E889210-75A3-4689-A177-88BFA7D18390}" dt="2025-04-27T15:18:58.043" v="252" actId="20577"/>
+          <ac:chgData name="Leontios Ioannou" userId="3862ae39ba703afe" providerId="LiveId" clId="{3E889210-75A3-4689-A177-88BFA7D18390}" dt="2025-04-28T17:36:13.332" v="290" actId="26606"/>
+          <ac:spMkLst>
+            <pc:docMk/>
+            <pc:sldMk cId="3266595848" sldId="286"/>
+            <ac:spMk id="2" creationId="{2A06DE98-2052-9D34-0F20-CA069C36FF39}"/>
+          </ac:spMkLst>
+        </pc:spChg>
+        <pc:spChg chg="mod">
+          <ac:chgData name="Leontios Ioannou" userId="3862ae39ba703afe" providerId="LiveId" clId="{3E889210-75A3-4689-A177-88BFA7D18390}" dt="2025-04-28T17:36:13.332" v="290" actId="26606"/>
           <ac:spMkLst>
             <pc:docMk/>
             <pc:sldMk cId="3266595848" sldId="286"/>
             <ac:spMk id="5" creationId="{56ADF770-BA64-F5A2-C32A-2D987836C94C}"/>
           </ac:spMkLst>
         </pc:spChg>
+        <pc:spChg chg="del">
+          <ac:chgData name="Leontios Ioannou" userId="3862ae39ba703afe" providerId="LiveId" clId="{3E889210-75A3-4689-A177-88BFA7D18390}" dt="2025-04-28T17:35:35.777" v="288" actId="26606"/>
+          <ac:spMkLst>
+            <pc:docMk/>
+            <pc:sldMk cId="3266595848" sldId="286"/>
+            <ac:spMk id="339" creationId="{3AD318CC-E2A8-4E27-9548-A047A78999B1}"/>
+          </ac:spMkLst>
+        </pc:spChg>
+        <pc:spChg chg="del">
+          <ac:chgData name="Leontios Ioannou" userId="3862ae39ba703afe" providerId="LiveId" clId="{3E889210-75A3-4689-A177-88BFA7D18390}" dt="2025-04-28T17:35:35.777" v="288" actId="26606"/>
+          <ac:spMkLst>
+            <pc:docMk/>
+            <pc:sldMk cId="3266595848" sldId="286"/>
+            <ac:spMk id="355" creationId="{2C1BBA94-3F40-40AA-8BB9-E69E25E537C1}"/>
+          </ac:spMkLst>
+        </pc:spChg>
+        <pc:spChg chg="add del">
+          <ac:chgData name="Leontios Ioannou" userId="3862ae39ba703afe" providerId="LiveId" clId="{3E889210-75A3-4689-A177-88BFA7D18390}" dt="2025-04-28T17:36:03.287" v="289" actId="26606"/>
+          <ac:spMkLst>
+            <pc:docMk/>
+            <pc:sldMk cId="3266595848" sldId="286"/>
+            <ac:spMk id="360" creationId="{DBF61EA3-B236-439E-9C0B-340980D56BEE}"/>
+          </ac:spMkLst>
+        </pc:spChg>
+        <pc:spChg chg="add del">
+          <ac:chgData name="Leontios Ioannou" userId="3862ae39ba703afe" providerId="LiveId" clId="{3E889210-75A3-4689-A177-88BFA7D18390}" dt="2025-04-28T17:36:03.287" v="289" actId="26606"/>
+          <ac:spMkLst>
+            <pc:docMk/>
+            <pc:sldMk cId="3266595848" sldId="286"/>
+            <ac:spMk id="366" creationId="{E659831F-0D9A-4C63-9EBB-8435B85A440F}"/>
+          </ac:spMkLst>
+        </pc:spChg>
+        <pc:spChg chg="add del">
+          <ac:chgData name="Leontios Ioannou" userId="3862ae39ba703afe" providerId="LiveId" clId="{3E889210-75A3-4689-A177-88BFA7D18390}" dt="2025-04-28T17:36:13.332" v="290" actId="26606"/>
+          <ac:spMkLst>
+            <pc:docMk/>
+            <pc:sldMk cId="3266595848" sldId="286"/>
+            <ac:spMk id="371" creationId="{8B9AA7C6-5E5A-498E-A6DF-A943376E09BC}"/>
+          </ac:spMkLst>
+        </pc:spChg>
+        <pc:spChg chg="add del">
+          <ac:chgData name="Leontios Ioannou" userId="3862ae39ba703afe" providerId="LiveId" clId="{3E889210-75A3-4689-A177-88BFA7D18390}" dt="2025-04-28T17:36:13.332" v="290" actId="26606"/>
+          <ac:spMkLst>
+            <pc:docMk/>
+            <pc:sldMk cId="3266595848" sldId="286"/>
+            <ac:spMk id="377" creationId="{81E140AE-0ABF-47C8-BF32-7D2F0CF2BA44}"/>
+          </ac:spMkLst>
+        </pc:spChg>
+        <pc:spChg chg="add del">
+          <ac:chgData name="Leontios Ioannou" userId="3862ae39ba703afe" providerId="LiveId" clId="{3E889210-75A3-4689-A177-88BFA7D18390}" dt="2025-04-28T17:36:13.332" v="290" actId="26606"/>
+          <ac:spMkLst>
+            <pc:docMk/>
+            <pc:sldMk cId="3266595848" sldId="286"/>
+            <ac:spMk id="379" creationId="{CBC4F608-B4B8-48C3-9572-C0F061B1CD99}"/>
+          </ac:spMkLst>
+        </pc:spChg>
+        <pc:spChg chg="add">
+          <ac:chgData name="Leontios Ioannou" userId="3862ae39ba703afe" providerId="LiveId" clId="{3E889210-75A3-4689-A177-88BFA7D18390}" dt="2025-04-28T17:36:13.332" v="290" actId="26606"/>
+          <ac:spMkLst>
+            <pc:docMk/>
+            <pc:sldMk cId="3266595848" sldId="286"/>
+            <ac:spMk id="384" creationId="{3AD318CC-E2A8-4E27-9548-A047A78999B1}"/>
+          </ac:spMkLst>
+        </pc:spChg>
+        <pc:spChg chg="add">
+          <ac:chgData name="Leontios Ioannou" userId="3862ae39ba703afe" providerId="LiveId" clId="{3E889210-75A3-4689-A177-88BFA7D18390}" dt="2025-04-28T17:36:13.332" v="290" actId="26606"/>
+          <ac:spMkLst>
+            <pc:docMk/>
+            <pc:sldMk cId="3266595848" sldId="286"/>
+            <ac:spMk id="390" creationId="{2C1BBA94-3F40-40AA-8BB9-E69E25E537C1}"/>
+          </ac:spMkLst>
+        </pc:spChg>
+        <pc:grpChg chg="del">
+          <ac:chgData name="Leontios Ioannou" userId="3862ae39ba703afe" providerId="LiveId" clId="{3E889210-75A3-4689-A177-88BFA7D18390}" dt="2025-04-28T17:35:35.777" v="288" actId="26606"/>
+          <ac:grpSpMkLst>
+            <pc:docMk/>
+            <pc:sldMk cId="3266595848" sldId="286"/>
+            <ac:grpSpMk id="341" creationId="{B14B560F-9DD7-4302-A60B-EBD3EF59B073}"/>
+          </ac:grpSpMkLst>
+        </pc:grpChg>
+        <pc:grpChg chg="add del">
+          <ac:chgData name="Leontios Ioannou" userId="3862ae39ba703afe" providerId="LiveId" clId="{3E889210-75A3-4689-A177-88BFA7D18390}" dt="2025-04-28T17:36:03.287" v="289" actId="26606"/>
+          <ac:grpSpMkLst>
+            <pc:docMk/>
+            <pc:sldMk cId="3266595848" sldId="286"/>
+            <ac:grpSpMk id="362" creationId="{28FAF094-D087-493F-8DF9-A486C2D6BBAA}"/>
+          </ac:grpSpMkLst>
+        </pc:grpChg>
+        <pc:grpChg chg="add del">
+          <ac:chgData name="Leontios Ioannou" userId="3862ae39ba703afe" providerId="LiveId" clId="{3E889210-75A3-4689-A177-88BFA7D18390}" dt="2025-04-28T17:36:13.332" v="290" actId="26606"/>
+          <ac:grpSpMkLst>
+            <pc:docMk/>
+            <pc:sldMk cId="3266595848" sldId="286"/>
+            <ac:grpSpMk id="373" creationId="{83EAB11A-76F7-48F4-9B4F-5BFDF4BF9670}"/>
+          </ac:grpSpMkLst>
+        </pc:grpChg>
+        <pc:grpChg chg="add">
+          <ac:chgData name="Leontios Ioannou" userId="3862ae39ba703afe" providerId="LiveId" clId="{3E889210-75A3-4689-A177-88BFA7D18390}" dt="2025-04-28T17:36:13.332" v="290" actId="26606"/>
+          <ac:grpSpMkLst>
+            <pc:docMk/>
+            <pc:sldMk cId="3266595848" sldId="286"/>
+            <ac:grpSpMk id="386" creationId="{B14B560F-9DD7-4302-A60B-EBD3EF59B073}"/>
+          </ac:grpSpMkLst>
+        </pc:grpChg>
       </pc:sldChg>
       <pc:sldChg chg="addSp delSp modSp add del mod ord">
         <pc:chgData name="Leontios Ioannou" userId="3862ae39ba703afe" providerId="LiveId" clId="{3E889210-75A3-4689-A177-88BFA7D18390}" dt="2025-04-27T14:32:54.569" v="66" actId="47"/>
@@ -10195,8 +10344,8 @@
         </p:nvSpPr>
         <p:spPr>
           <a:xfrm>
-            <a:off x="6189371" y="5890688"/>
-            <a:ext cx="5234017" cy="369332"/>
+            <a:off x="6733344" y="5883495"/>
+            <a:ext cx="3914296" cy="307777"/>
           </a:xfrm>
           <a:prstGeom prst="rect">
             <a:avLst/>
@@ -10215,7 +10364,7 @@
               </a:spcAft>
             </a:pPr>
             <a:r>
-              <a:rPr lang="en-US" dirty="0"/>
+              <a:rPr lang="en-US" sz="1400" dirty="0"/>
               <a:t>https://github.com/ileontios03/EPL448_Project.git</a:t>
             </a:r>
           </a:p>
@@ -12917,7 +13066,7 @@
                     <a:p>
                       <a:pPr algn="ctr"/>
                       <a:r>
-                        <a:rPr lang="en-US" sz="1900" b="1" cap="none" spc="0">
+                        <a:rPr lang="en-US" sz="1900" b="1" cap="none" spc="0" dirty="0">
                           <a:solidFill>
                             <a:schemeClr val="tx1"/>
                           </a:solidFill>
@@ -12925,7 +13074,7 @@
                         </a:rPr>
                         <a:t>Phase 2: Fine-Tuning</a:t>
                       </a:r>
-                      <a:endParaRPr lang="en-US" sz="1900" cap="none" spc="0">
+                      <a:endParaRPr lang="en-US" sz="1900" cap="none" spc="0" dirty="0">
                         <a:solidFill>
                           <a:schemeClr val="tx1"/>
                         </a:solidFill>
@@ -12981,7 +13130,7 @@
                     <a:p>
                       <a:pPr algn="ctr"/>
                       <a:r>
-                        <a:rPr lang="en-US" sz="1900" cap="none" spc="0">
+                        <a:rPr lang="en-US" sz="1900" cap="none" spc="0" dirty="0">
                           <a:solidFill>
                             <a:schemeClr val="tx1"/>
                           </a:solidFill>
@@ -13035,7 +13184,7 @@
                     <a:p>
                       <a:pPr algn="ctr"/>
                       <a:r>
-                        <a:rPr lang="en-US" sz="1900" cap="none" spc="0">
+                        <a:rPr lang="en-US" sz="1900" cap="none" spc="0" dirty="0">
                           <a:solidFill>
                             <a:schemeClr val="tx1"/>
                           </a:solidFill>
@@ -13096,7 +13245,7 @@
                     <a:p>
                       <a:pPr algn="ctr"/>
                       <a:r>
-                        <a:rPr lang="en-US" sz="1900" cap="none" spc="0">
+                        <a:rPr lang="en-US" sz="1900" cap="none" spc="0" dirty="0">
                           <a:solidFill>
                             <a:schemeClr val="tx1"/>
                           </a:solidFill>
@@ -13150,7 +13299,7 @@
                     <a:p>
                       <a:pPr algn="ctr"/>
                       <a:r>
-                        <a:rPr lang="en-US" sz="1900" cap="none" spc="0">
+                        <a:rPr lang="en-US" sz="1900" cap="none" spc="0" dirty="0">
                           <a:solidFill>
                             <a:schemeClr val="tx1"/>
                           </a:solidFill>
@@ -13211,7 +13360,7 @@
                     <a:p>
                       <a:pPr algn="ctr"/>
                       <a:r>
-                        <a:rPr lang="en-US" sz="1900" cap="none" spc="0">
+                        <a:rPr lang="en-US" sz="1900" cap="none" spc="0" dirty="0">
                           <a:solidFill>
                             <a:schemeClr val="tx1"/>
                           </a:solidFill>
@@ -13326,7 +13475,7 @@
                     <a:p>
                       <a:pPr algn="ctr"/>
                       <a:r>
-                        <a:rPr lang="en-US" sz="1900" cap="none" spc="0">
+                        <a:rPr lang="en-US" sz="1900" cap="none" spc="0" dirty="0">
                           <a:solidFill>
                             <a:schemeClr val="tx1"/>
                           </a:solidFill>
@@ -13377,7 +13526,7 @@
                     <a:p>
                       <a:pPr algn="ctr"/>
                       <a:r>
-                        <a:rPr lang="en-US" sz="1900" cap="none" spc="0">
+                        <a:rPr lang="en-US" sz="1900" cap="none" spc="0" dirty="0">
                           <a:solidFill>
                             <a:schemeClr val="tx1"/>
                           </a:solidFill>
@@ -22130,7 +22279,7 @@
         </p:nvSpPr>
         <p:spPr bwMode="auto">
           <a:xfrm>
-            <a:off x="1045028" y="3017522"/>
+            <a:off x="1043631" y="2787602"/>
             <a:ext cx="9941319" cy="3124658"/>
           </a:xfrm>
           <a:prstGeom prst="rect">
@@ -22187,7 +22336,7 @@
               <a:tabLst/>
             </a:pPr>
             <a:r>
-              <a:rPr kumimoji="0" lang="en-US" altLang="en-US" sz="2400" b="1" i="0" u="none" strike="noStrike" cap="none" normalizeH="0" baseline="0">
+              <a:rPr kumimoji="0" lang="en-US" altLang="en-US" sz="2400" b="1" i="0" u="none" strike="noStrike" cap="none" normalizeH="0" baseline="0" dirty="0">
                 <a:ln>
                   <a:noFill/>
                 </a:ln>
@@ -22197,7 +22346,7 @@
               <a:t>Steps</a:t>
             </a:r>
             <a:r>
-              <a:rPr kumimoji="0" lang="en-US" altLang="en-US" sz="2400" b="0" i="0" u="none" strike="noStrike" cap="none" normalizeH="0" baseline="0">
+              <a:rPr kumimoji="0" lang="en-US" altLang="en-US" sz="2400" b="0" i="0" u="none" strike="noStrike" cap="none" normalizeH="0" baseline="0" dirty="0">
                 <a:ln>
                   <a:noFill/>
                 </a:ln>
@@ -22219,7 +22368,7 @@
               <a:buChar char="•"/>
             </a:pPr>
             <a:r>
-              <a:rPr kumimoji="0" lang="en-US" altLang="en-US" sz="2400" b="0" i="0" u="none" strike="noStrike" cap="none" normalizeH="0" baseline="0">
+              <a:rPr kumimoji="0" lang="en-US" altLang="en-US" sz="2400" b="0" i="0" u="none" strike="noStrike" cap="none" normalizeH="0" baseline="0" dirty="0">
                 <a:ln>
                   <a:noFill/>
                 </a:ln>
@@ -22241,7 +22390,7 @@
               <a:buChar char="•"/>
             </a:pPr>
             <a:r>
-              <a:rPr kumimoji="0" lang="en-US" altLang="en-US" sz="2400" b="0" i="0" u="none" strike="noStrike" cap="none" normalizeH="0" baseline="0">
+              <a:rPr kumimoji="0" lang="en-US" altLang="en-US" sz="2400" b="0" i="0" u="none" strike="noStrike" cap="none" normalizeH="0" baseline="0" dirty="0">
                 <a:ln>
                   <a:noFill/>
                 </a:ln>
@@ -22263,7 +22412,7 @@
               <a:buChar char="•"/>
             </a:pPr>
             <a:r>
-              <a:rPr kumimoji="0" lang="en-US" altLang="en-US" sz="2400" b="0" i="0" u="none" strike="noStrike" cap="none" normalizeH="0" baseline="0">
+              <a:rPr kumimoji="0" lang="en-US" altLang="en-US" sz="2400" b="0" i="0" u="none" strike="noStrike" cap="none" normalizeH="0" baseline="0" dirty="0">
                 <a:ln>
                   <a:noFill/>
                 </a:ln>
@@ -22285,7 +22434,7 @@
               <a:buChar char="•"/>
             </a:pPr>
             <a:r>
-              <a:rPr kumimoji="0" lang="en-US" altLang="en-US" b="0" i="0" u="none" strike="noStrike" cap="none" normalizeH="0" baseline="0">
+              <a:rPr kumimoji="0" lang="en-US" altLang="en-US" b="0" i="0" u="none" strike="noStrike" cap="none" normalizeH="0" baseline="0" dirty="0">
                 <a:ln>
                   <a:noFill/>
                 </a:ln>
@@ -22307,7 +22456,7 @@
               <a:buChar char="•"/>
             </a:pPr>
             <a:r>
-              <a:rPr kumimoji="0" lang="en-US" altLang="en-US" b="0" i="0" u="none" strike="noStrike" cap="none" normalizeH="0" baseline="0">
+              <a:rPr kumimoji="0" lang="en-US" altLang="en-US" b="0" i="0" u="none" strike="noStrike" cap="none" normalizeH="0" baseline="0" dirty="0">
                 <a:ln>
                   <a:noFill/>
                 </a:ln>
@@ -22329,7 +22478,7 @@
               <a:buChar char="•"/>
             </a:pPr>
             <a:r>
-              <a:rPr kumimoji="0" lang="en-US" altLang="en-US" b="0" i="0" u="none" strike="noStrike" cap="none" normalizeH="0" baseline="0">
+              <a:rPr kumimoji="0" lang="en-US" altLang="en-US" b="0" i="0" u="none" strike="noStrike" cap="none" normalizeH="0" baseline="0" dirty="0">
                 <a:ln>
                   <a:noFill/>
                 </a:ln>
@@ -24488,7 +24637,7 @@
       </p:grpSpPr>
       <p:sp useBgFill="1">
         <p:nvSpPr>
-          <p:cNvPr id="339" name="Rectangle 338">
+          <p:cNvPr id="384" name="Rectangle 383">
             <a:extLst>
               <a:ext uri="{FF2B5EF4-FFF2-40B4-BE49-F238E27FC236}">
                 <a16:creationId xmlns:a16="http://schemas.microsoft.com/office/drawing/2014/main" id="{3AD318CC-E2A8-4E27-9548-A047A78999B1}"/>
@@ -24583,7 +24732,7 @@
       </p:sp>
       <p:grpSp>
         <p:nvGrpSpPr>
-          <p:cNvPr id="341" name="Group 340">
+          <p:cNvPr id="386" name="Group 385">
             <a:extLst>
               <a:ext uri="{FF2B5EF4-FFF2-40B4-BE49-F238E27FC236}">
                 <a16:creationId xmlns:a16="http://schemas.microsoft.com/office/drawing/2014/main" id="{B14B560F-9DD7-4302-A60B-EBD3EF59B073}"/>
@@ -24614,7 +24763,7 @@
         </p:grpSpPr>
         <p:sp>
           <p:nvSpPr>
-            <p:cNvPr id="342" name="Rectangle 341">
+            <p:cNvPr id="387" name="Rectangle 386">
               <a:extLst>
                 <a:ext uri="{FF2B5EF4-FFF2-40B4-BE49-F238E27FC236}">
                   <a16:creationId xmlns:a16="http://schemas.microsoft.com/office/drawing/2014/main" id="{3A9A4357-BD1D-4622-A4FE-766E6AB8DE84}"/>
@@ -24675,7 +24824,7 @@
         </p:sp>
         <p:cxnSp>
           <p:nvCxnSpPr>
-            <p:cNvPr id="343" name="Straight Connector 342">
+            <p:cNvPr id="388" name="Straight Connector 387">
               <a:extLst>
                 <a:ext uri="{FF2B5EF4-FFF2-40B4-BE49-F238E27FC236}">
                   <a16:creationId xmlns:a16="http://schemas.microsoft.com/office/drawing/2014/main" id="{C21D6966-343E-49AC-A026-D2497E0C3CA1}"/>
@@ -24728,7 +24877,7 @@
       </p:grpSp>
       <p:sp>
         <p:nvSpPr>
-          <p:cNvPr id="355" name="Rectangle 354">
+          <p:cNvPr id="390" name="Rectangle 389">
             <a:extLst>
               <a:ext uri="{FF2B5EF4-FFF2-40B4-BE49-F238E27FC236}">
                 <a16:creationId xmlns:a16="http://schemas.microsoft.com/office/drawing/2014/main" id="{2C1BBA94-3F40-40AA-8BB9-E69E25E537C1}"/>
@@ -24872,7 +25021,7 @@
               <a:tabLst/>
             </a:pPr>
             <a:r>
-              <a:rPr kumimoji="0" lang="en-US" altLang="en-US" sz="2200" b="1" i="0" u="none" strike="noStrike" cap="none" normalizeH="0" baseline="0" dirty="0">
+              <a:rPr kumimoji="0" lang="en-US" altLang="en-US" sz="2200" b="1" i="0" u="none" strike="noStrike" cap="none" normalizeH="0" baseline="0">
                 <a:ln>
                   <a:noFill/>
                 </a:ln>
@@ -24882,7 +25031,7 @@
               <a:t> Final Model</a:t>
             </a:r>
             <a:r>
-              <a:rPr kumimoji="0" lang="en-US" altLang="en-US" sz="2200" b="0" i="0" u="none" strike="noStrike" cap="none" normalizeH="0" baseline="0" dirty="0">
+              <a:rPr kumimoji="0" lang="en-US" altLang="en-US" sz="2200" b="0" i="0" u="none" strike="noStrike" cap="none" normalizeH="0" baseline="0">
                 <a:ln>
                   <a:noFill/>
                 </a:ln>
@@ -24892,24 +25041,20 @@
               <a:t>: </a:t>
             </a:r>
             <a:r>
-              <a:rPr kumimoji="0" lang="en-US" altLang="en-US" sz="2200" b="0" i="0" u="none" strike="noStrike" cap="none" normalizeH="0" baseline="0" dirty="0" err="1">
+              <a:rPr lang="en-US" altLang="en-US" sz="2200">
+                <a:latin typeface="Arial" panose="020B0604020202020204" pitchFamily="34" charset="0"/>
+              </a:rPr>
+              <a:t>Ada</a:t>
+            </a:r>
+            <a:r>
+              <a:rPr kumimoji="0" lang="en-US" altLang="en-US" sz="2200" b="0" i="0" u="none" strike="noStrike" cap="none" normalizeH="0" baseline="0">
                 <a:ln>
                   <a:noFill/>
                 </a:ln>
                 <a:effectLst/>
                 <a:latin typeface="Arial" panose="020B0604020202020204" pitchFamily="34" charset="0"/>
               </a:rPr>
-              <a:t>CatBoost</a:t>
-            </a:r>
-            <a:r>
-              <a:rPr kumimoji="0" lang="en-US" altLang="en-US" sz="2200" b="0" i="0" u="none" strike="noStrike" cap="none" normalizeH="0" baseline="0" dirty="0">
-                <a:ln>
-                  <a:noFill/>
-                </a:ln>
-                <a:effectLst/>
-                <a:latin typeface="Arial" panose="020B0604020202020204" pitchFamily="34" charset="0"/>
-              </a:rPr>
-              <a:t> with Preprocessor V2.</a:t>
+              <a:t>Boost with Preprocessor V2.</a:t>
             </a:r>
           </a:p>
           <a:p>
@@ -24927,7 +25072,7 @@
               <a:tabLst/>
             </a:pPr>
             <a:r>
-              <a:rPr kumimoji="0" lang="en-US" altLang="en-US" sz="2200" b="1" i="0" u="none" strike="noStrike" cap="none" normalizeH="0" baseline="0" dirty="0">
+              <a:rPr kumimoji="0" lang="en-US" altLang="en-US" sz="2200" b="1" i="0" u="none" strike="noStrike" cap="none" normalizeH="0" baseline="0">
                 <a:ln>
                   <a:noFill/>
                 </a:ln>
@@ -24937,7 +25082,7 @@
               <a:t> Performance</a:t>
             </a:r>
             <a:r>
-              <a:rPr kumimoji="0" lang="en-US" altLang="en-US" sz="2200" b="0" i="0" u="none" strike="noStrike" cap="none" normalizeH="0" baseline="0" dirty="0">
+              <a:rPr kumimoji="0" lang="en-US" altLang="en-US" sz="2200" b="0" i="0" u="none" strike="noStrike" cap="none" normalizeH="0" baseline="0">
                 <a:ln>
                   <a:noFill/>
                 </a:ln>
@@ -24962,61 +25107,6 @@
               <a:tabLst/>
             </a:pPr>
             <a:r>
-              <a:rPr kumimoji="0" lang="en-US" altLang="en-US" sz="2200" b="1" i="0" u="none" strike="noStrike" cap="none" normalizeH="0" baseline="0" dirty="0">
-                <a:ln>
-                  <a:noFill/>
-                </a:ln>
-                <a:effectLst/>
-                <a:latin typeface="Arial" panose="020B0604020202020204" pitchFamily="34" charset="0"/>
-              </a:rPr>
-              <a:t> Model Choice</a:t>
-            </a:r>
-            <a:r>
-              <a:rPr kumimoji="0" lang="en-US" altLang="en-US" sz="2200" b="0" i="0" u="none" strike="noStrike" cap="none" normalizeH="0" baseline="0" dirty="0">
-                <a:ln>
-                  <a:noFill/>
-                </a:ln>
-                <a:effectLst/>
-                <a:latin typeface="Arial" panose="020B0604020202020204" pitchFamily="34" charset="0"/>
-              </a:rPr>
-              <a:t>: AdaBoost also performed well, but </a:t>
-            </a:r>
-            <a:r>
-              <a:rPr kumimoji="0" lang="en-US" altLang="en-US" sz="2200" b="0" i="0" u="none" strike="noStrike" cap="none" normalizeH="0" baseline="0" dirty="0" err="1">
-                <a:ln>
-                  <a:noFill/>
-                </a:ln>
-                <a:effectLst/>
-                <a:latin typeface="Arial" panose="020B0604020202020204" pitchFamily="34" charset="0"/>
-              </a:rPr>
-              <a:t>CatBoost</a:t>
-            </a:r>
-            <a:r>
-              <a:rPr kumimoji="0" lang="en-US" altLang="en-US" sz="2200" b="0" i="0" u="none" strike="noStrike" cap="none" normalizeH="0" baseline="0" dirty="0">
-                <a:ln>
-                  <a:noFill/>
-                </a:ln>
-                <a:effectLst/>
-                <a:latin typeface="Arial" panose="020B0604020202020204" pitchFamily="34" charset="0"/>
-              </a:rPr>
-              <a:t> offered better generalization.</a:t>
-            </a:r>
-          </a:p>
-          <a:p>
-            <a:pPr marL="0" marR="0" lvl="0" indent="0" defTabSz="914400" rtl="0" eaLnBrk="0" fontAlgn="base" latinLnBrk="0" hangingPunct="0">
-              <a:spcBef>
-                <a:spcPct val="0"/>
-              </a:spcBef>
-              <a:spcAft>
-                <a:spcPts val="600"/>
-              </a:spcAft>
-              <a:buClrTx/>
-              <a:buSzTx/>
-              <a:buFontTx/>
-              <a:buChar char="•"/>
-              <a:tabLst/>
-            </a:pPr>
-            <a:r>
               <a:rPr kumimoji="0" lang="en-US" altLang="en-US" sz="2200" b="1" i="0" u="none" strike="noStrike" cap="none" normalizeH="0" baseline="0">
                 <a:ln>
                   <a:noFill/>
@@ -25024,20 +25114,10 @@
                 <a:effectLst/>
                 <a:latin typeface="Arial" panose="020B0604020202020204" pitchFamily="34" charset="0"/>
               </a:rPr>
-              <a:t> Key </a:t>
-            </a:r>
-            <a:r>
-              <a:rPr kumimoji="0" lang="en-US" altLang="en-US" sz="2200" b="1" i="0" u="none" strike="noStrike" cap="none" normalizeH="0" baseline="0" dirty="0">
-                <a:ln>
-                  <a:noFill/>
-                </a:ln>
-                <a:effectLst/>
-                <a:latin typeface="Arial" panose="020B0604020202020204" pitchFamily="34" charset="0"/>
-              </a:rPr>
-              <a:t>Insight</a:t>
-            </a:r>
-            <a:r>
-              <a:rPr kumimoji="0" lang="en-US" altLang="en-US" sz="2200" b="0" i="0" u="none" strike="noStrike" cap="none" normalizeH="0" baseline="0" dirty="0">
+              <a:t>Key Insight</a:t>
+            </a:r>
+            <a:r>
+              <a:rPr kumimoji="0" lang="en-US" altLang="en-US" sz="2200" b="0" i="0" u="none" strike="noStrike" cap="none" normalizeH="0" baseline="0">
                 <a:ln>
                   <a:noFill/>
                 </a:ln>

--- a/presentation.pptx
+++ b/presentation.pptx
@@ -144,7 +144,7 @@
 <file path=ppt/revisionInfo.xml><?xml version="1.0" encoding="utf-8"?>
 <p1510:revInfo xmlns:a="http://schemas.openxmlformats.org/drawingml/2006/main" xmlns:r="http://schemas.openxmlformats.org/officeDocument/2006/relationships" xmlns:p1510="http://schemas.microsoft.com/office/powerpoint/2015/10/main">
   <p1510:revLst>
-    <p1510:client id="{3E889210-75A3-4689-A177-88BFA7D18390}" v="4" dt="2025-04-28T17:34:41.420"/>
+    <p1510:client id="{3E889210-75A3-4689-A177-88BFA7D18390}" v="10" dt="2025-04-29T08:55:13.148"/>
   </p1510:revLst>
 </p1510:revInfo>
 </file>
@@ -185,7 +185,7 @@
   <pc:docChgLst>
     <pc:chgData name="Leontios Ioannou" userId="3862ae39ba703afe" providerId="LiveId" clId="{3E889210-75A3-4689-A177-88BFA7D18390}"/>
     <pc:docChg chg="undo custSel addSld delSld modSld sldOrd">
-      <pc:chgData name="Leontios Ioannou" userId="3862ae39ba703afe" providerId="LiveId" clId="{3E889210-75A3-4689-A177-88BFA7D18390}" dt="2025-04-28T17:36:13.332" v="290" actId="26606"/>
+      <pc:chgData name="Leontios Ioannou" userId="3862ae39ba703afe" providerId="LiveId" clId="{3E889210-75A3-4689-A177-88BFA7D18390}" dt="2025-04-29T08:55:13.148" v="312" actId="14100"/>
       <pc:docMkLst>
         <pc:docMk/>
       </pc:docMkLst>
@@ -201,30 +201,6 @@
             <pc:docMk/>
             <pc:sldMk cId="2832989012" sldId="257"/>
             <ac:spMk id="5" creationId="{8DEDB0CB-3C68-2062-14EC-C79E8D68E01B}"/>
-          </ac:spMkLst>
-        </pc:spChg>
-        <pc:spChg chg="del">
-          <ac:chgData name="Leontios Ioannou" userId="3862ae39ba703afe" providerId="LiveId" clId="{3E889210-75A3-4689-A177-88BFA7D18390}" dt="2025-04-27T15:43:25.399" v="257" actId="26606"/>
-          <ac:spMkLst>
-            <pc:docMk/>
-            <pc:sldMk cId="2832989012" sldId="257"/>
-            <ac:spMk id="38" creationId="{47942995-B07F-4636-9A06-C6A104B260A8}"/>
-          </ac:spMkLst>
-        </pc:spChg>
-        <pc:spChg chg="del">
-          <ac:chgData name="Leontios Ioannou" userId="3862ae39ba703afe" providerId="LiveId" clId="{3E889210-75A3-4689-A177-88BFA7D18390}" dt="2025-04-27T15:43:25.399" v="257" actId="26606"/>
-          <ac:spMkLst>
-            <pc:docMk/>
-            <pc:sldMk cId="2832989012" sldId="257"/>
-            <ac:spMk id="45" creationId="{B81933D1-5615-42C7-9C0B-4EB7105CCE2D}"/>
-          </ac:spMkLst>
-        </pc:spChg>
-        <pc:spChg chg="del">
-          <ac:chgData name="Leontios Ioannou" userId="3862ae39ba703afe" providerId="LiveId" clId="{3E889210-75A3-4689-A177-88BFA7D18390}" dt="2025-04-27T15:43:25.399" v="257" actId="26606"/>
-          <ac:spMkLst>
-            <pc:docMk/>
-            <pc:sldMk cId="2832989012" sldId="257"/>
-            <ac:spMk id="47" creationId="{19C9EAEA-39D0-4B0E-A0EB-51E7B26740B1}"/>
           </ac:spMkLst>
         </pc:spChg>
         <pc:spChg chg="add">
@@ -251,14 +227,6 @@
             <ac:spMk id="61" creationId="{19C9EAEA-39D0-4B0E-A0EB-51E7B26740B1}"/>
           </ac:spMkLst>
         </pc:spChg>
-        <pc:grpChg chg="del">
-          <ac:chgData name="Leontios Ioannou" userId="3862ae39ba703afe" providerId="LiveId" clId="{3E889210-75A3-4689-A177-88BFA7D18390}" dt="2025-04-27T15:43:25.399" v="257" actId="26606"/>
-          <ac:grpSpMkLst>
-            <pc:docMk/>
-            <pc:sldMk cId="2832989012" sldId="257"/>
-            <ac:grpSpMk id="40" creationId="{032D8612-31EB-44CF-A1D0-14FD4C705424}"/>
-          </ac:grpSpMkLst>
-        </pc:grpChg>
         <pc:grpChg chg="add">
           <ac:chgData name="Leontios Ioannou" userId="3862ae39ba703afe" providerId="LiveId" clId="{3E889210-75A3-4689-A177-88BFA7D18390}" dt="2025-04-27T15:43:25.399" v="257" actId="26606"/>
           <ac:grpSpMkLst>
@@ -288,22 +256,6 @@
             <pc:docMk/>
             <pc:sldMk cId="786102608" sldId="264"/>
             <ac:spMk id="23" creationId="{4D4B1754-7907-1590-D0BB-8492FE2D269A}"/>
-          </ac:spMkLst>
-        </pc:spChg>
-        <pc:spChg chg="del">
-          <ac:chgData name="Leontios Ioannou" userId="3862ae39ba703afe" providerId="LiveId" clId="{3E889210-75A3-4689-A177-88BFA7D18390}" dt="2025-04-27T14:50:12.431" v="176" actId="26606"/>
-          <ac:spMkLst>
-            <pc:docMk/>
-            <pc:sldMk cId="786102608" sldId="264"/>
-            <ac:spMk id="108" creationId="{F5A5F1D7-F0D0-4687-9BD3-CA6A0714C634}"/>
-          </ac:spMkLst>
-        </pc:spChg>
-        <pc:spChg chg="del">
-          <ac:chgData name="Leontios Ioannou" userId="3862ae39ba703afe" providerId="LiveId" clId="{3E889210-75A3-4689-A177-88BFA7D18390}" dt="2025-04-27T14:50:12.431" v="176" actId="26606"/>
-          <ac:spMkLst>
-            <pc:docMk/>
-            <pc:sldMk cId="786102608" sldId="264"/>
-            <ac:spMk id="126" creationId="{D5B0017B-2ECA-49AF-B397-DC140825DF8D}"/>
           </ac:spMkLst>
         </pc:spChg>
         <pc:spChg chg="add">
@@ -354,28 +306,12 @@
             <ac:picMk id="3" creationId="{2484C67D-9931-3044-7F77-2E562B66905C}"/>
           </ac:picMkLst>
         </pc:picChg>
-        <pc:picChg chg="del">
-          <ac:chgData name="Leontios Ioannou" userId="3862ae39ba703afe" providerId="LiveId" clId="{3E889210-75A3-4689-A177-88BFA7D18390}" dt="2025-04-27T14:49:36.336" v="169" actId="478"/>
-          <ac:picMkLst>
-            <pc:docMk/>
-            <pc:sldMk cId="786102608" sldId="264"/>
-            <ac:picMk id="4" creationId="{FB52FC78-1914-7574-DA02-B7662997A276}"/>
-          </ac:picMkLst>
-        </pc:picChg>
         <pc:picChg chg="add mod">
           <ac:chgData name="Leontios Ioannou" userId="3862ae39ba703afe" providerId="LiveId" clId="{3E889210-75A3-4689-A177-88BFA7D18390}" dt="2025-04-27T14:50:08.717" v="175" actId="1076"/>
           <ac:picMkLst>
             <pc:docMk/>
             <pc:sldMk cId="786102608" sldId="264"/>
             <ac:picMk id="5" creationId="{E7C247A5-6A32-6D8B-796D-8A5691F134B1}"/>
-          </ac:picMkLst>
-        </pc:picChg>
-        <pc:picChg chg="del mod">
-          <ac:chgData name="Leontios Ioannou" userId="3862ae39ba703afe" providerId="LiveId" clId="{3E889210-75A3-4689-A177-88BFA7D18390}" dt="2025-04-27T14:49:35.310" v="168" actId="478"/>
-          <ac:picMkLst>
-            <pc:docMk/>
-            <pc:sldMk cId="786102608" sldId="264"/>
-            <ac:picMk id="6" creationId="{47C02374-70CE-ACA7-6FEB-4B6146001086}"/>
           </ac:picMkLst>
         </pc:picChg>
       </pc:sldChg>
@@ -399,54 +335,6 @@
             <pc:docMk/>
             <pc:sldMk cId="3723170335" sldId="268"/>
             <ac:spMk id="4" creationId="{9F0FB099-2718-BC5B-E3D6-3DE9B85A4E9B}"/>
-          </ac:spMkLst>
-        </pc:spChg>
-        <pc:spChg chg="add del">
-          <ac:chgData name="Leontios Ioannou" userId="3862ae39ba703afe" providerId="LiveId" clId="{3E889210-75A3-4689-A177-88BFA7D18390}" dt="2025-04-27T14:40:45.612" v="164" actId="26606"/>
-          <ac:spMkLst>
-            <pc:docMk/>
-            <pc:sldMk cId="3723170335" sldId="268"/>
-            <ac:spMk id="187" creationId="{2B97F24A-32CE-4C1C-A50D-3016B394DCFB}"/>
-          </ac:spMkLst>
-        </pc:spChg>
-        <pc:spChg chg="add del">
-          <ac:chgData name="Leontios Ioannou" userId="3862ae39ba703afe" providerId="LiveId" clId="{3E889210-75A3-4689-A177-88BFA7D18390}" dt="2025-04-27T14:40:45.612" v="164" actId="26606"/>
-          <ac:spMkLst>
-            <pc:docMk/>
-            <pc:sldMk cId="3723170335" sldId="268"/>
-            <ac:spMk id="189" creationId="{CD8B4F24-440B-49E9-B85D-733523DC064B}"/>
-          </ac:spMkLst>
-        </pc:spChg>
-        <pc:spChg chg="add del">
-          <ac:chgData name="Leontios Ioannou" userId="3862ae39ba703afe" providerId="LiveId" clId="{3E889210-75A3-4689-A177-88BFA7D18390}" dt="2025-04-27T14:40:45.580" v="163" actId="26606"/>
-          <ac:spMkLst>
-            <pc:docMk/>
-            <pc:sldMk cId="3723170335" sldId="268"/>
-            <ac:spMk id="194" creationId="{201CC55D-ED54-4C5C-95E6-10947BD1103B}"/>
-          </ac:spMkLst>
-        </pc:spChg>
-        <pc:spChg chg="add del">
-          <ac:chgData name="Leontios Ioannou" userId="3862ae39ba703afe" providerId="LiveId" clId="{3E889210-75A3-4689-A177-88BFA7D18390}" dt="2025-04-27T14:40:45.580" v="163" actId="26606"/>
-          <ac:spMkLst>
-            <pc:docMk/>
-            <pc:sldMk cId="3723170335" sldId="268"/>
-            <ac:spMk id="200" creationId="{3873B707-463F-40B0-8227-E8CC6C67EB25}"/>
-          </ac:spMkLst>
-        </pc:spChg>
-        <pc:spChg chg="add del">
-          <ac:chgData name="Leontios Ioannou" userId="3862ae39ba703afe" providerId="LiveId" clId="{3E889210-75A3-4689-A177-88BFA7D18390}" dt="2025-04-27T14:40:45.580" v="163" actId="26606"/>
-          <ac:spMkLst>
-            <pc:docMk/>
-            <pc:sldMk cId="3723170335" sldId="268"/>
-            <ac:spMk id="202" creationId="{C13237C8-E62C-4F0D-A318-BD6FB6C2D138}"/>
-          </ac:spMkLst>
-        </pc:spChg>
-        <pc:spChg chg="add del">
-          <ac:chgData name="Leontios Ioannou" userId="3862ae39ba703afe" providerId="LiveId" clId="{3E889210-75A3-4689-A177-88BFA7D18390}" dt="2025-04-27T14:40:45.580" v="163" actId="26606"/>
-          <ac:spMkLst>
-            <pc:docMk/>
-            <pc:sldMk cId="3723170335" sldId="268"/>
-            <ac:spMk id="204" creationId="{19C9EAEA-39D0-4B0E-A0EB-51E7B26740B1}"/>
           </ac:spMkLst>
         </pc:spChg>
         <pc:spChg chg="add">
@@ -489,14 +377,6 @@
             <ac:spMk id="210" creationId="{2C1BBA94-3F40-40AA-8BB9-E69E25E537C1}"/>
           </ac:spMkLst>
         </pc:spChg>
-        <pc:grpChg chg="add del">
-          <ac:chgData name="Leontios Ioannou" userId="3862ae39ba703afe" providerId="LiveId" clId="{3E889210-75A3-4689-A177-88BFA7D18390}" dt="2025-04-27T14:40:45.580" v="163" actId="26606"/>
-          <ac:grpSpMkLst>
-            <pc:docMk/>
-            <pc:sldMk cId="3723170335" sldId="268"/>
-            <ac:grpSpMk id="196" creationId="{1DE889C7-FAD6-4397-98E2-05D503484459}"/>
-          </ac:grpSpMkLst>
-        </pc:grpChg>
         <pc:picChg chg="mod">
           <ac:chgData name="Leontios Ioannou" userId="3862ae39ba703afe" providerId="LiveId" clId="{3E889210-75A3-4689-A177-88BFA7D18390}" dt="2025-04-27T14:40:50.662" v="165" actId="27614"/>
           <ac:picMkLst>
@@ -506,19 +386,58 @@
           </ac:picMkLst>
         </pc:picChg>
       </pc:sldChg>
-      <pc:sldChg chg="add del">
-        <pc:chgData name="Leontios Ioannou" userId="3862ae39ba703afe" providerId="LiveId" clId="{3E889210-75A3-4689-A177-88BFA7D18390}" dt="2025-04-28T17:09:54.836" v="268" actId="2696"/>
+      <pc:sldChg chg="modSp add del mod">
+        <pc:chgData name="Leontios Ioannou" userId="3862ae39ba703afe" providerId="LiveId" clId="{3E889210-75A3-4689-A177-88BFA7D18390}" dt="2025-04-29T08:54:08.031" v="298" actId="403"/>
         <pc:sldMkLst>
           <pc:docMk/>
           <pc:sldMk cId="217208614" sldId="276"/>
         </pc:sldMkLst>
+        <pc:spChg chg="mod">
+          <ac:chgData name="Leontios Ioannou" userId="3862ae39ba703afe" providerId="LiveId" clId="{3E889210-75A3-4689-A177-88BFA7D18390}" dt="2025-04-29T08:54:08.031" v="298" actId="403"/>
+          <ac:spMkLst>
+            <pc:docMk/>
+            <pc:sldMk cId="217208614" sldId="276"/>
+            <ac:spMk id="5" creationId="{8820683A-74FC-A218-FC27-880DB6864771}"/>
+          </ac:spMkLst>
+        </pc:spChg>
       </pc:sldChg>
-      <pc:sldChg chg="add del">
-        <pc:chgData name="Leontios Ioannou" userId="3862ae39ba703afe" providerId="LiveId" clId="{3E889210-75A3-4689-A177-88BFA7D18390}" dt="2025-04-28T17:11:18.191" v="270" actId="47"/>
+      <pc:sldChg chg="modSp add del mod">
+        <pc:chgData name="Leontios Ioannou" userId="3862ae39ba703afe" providerId="LiveId" clId="{3E889210-75A3-4689-A177-88BFA7D18390}" dt="2025-04-29T08:55:05.355" v="311" actId="14100"/>
         <pc:sldMkLst>
           <pc:docMk/>
           <pc:sldMk cId="353003609" sldId="277"/>
         </pc:sldMkLst>
+        <pc:spChg chg="mod">
+          <ac:chgData name="Leontios Ioannou" userId="3862ae39ba703afe" providerId="LiveId" clId="{3E889210-75A3-4689-A177-88BFA7D18390}" dt="2025-04-29T08:54:35.031" v="304" actId="20577"/>
+          <ac:spMkLst>
+            <pc:docMk/>
+            <pc:sldMk cId="353003609" sldId="277"/>
+            <ac:spMk id="2" creationId="{90D8A976-1EA7-0DA1-C388-813D6473EDB8}"/>
+          </ac:spMkLst>
+        </pc:spChg>
+        <pc:spChg chg="mod">
+          <ac:chgData name="Leontios Ioannou" userId="3862ae39ba703afe" providerId="LiveId" clId="{3E889210-75A3-4689-A177-88BFA7D18390}" dt="2025-04-29T08:55:05.355" v="311" actId="14100"/>
+          <ac:spMkLst>
+            <pc:docMk/>
+            <pc:sldMk cId="353003609" sldId="277"/>
+            <ac:spMk id="5" creationId="{97781653-5481-5AC3-EB8A-158D383669DD}"/>
+          </ac:spMkLst>
+        </pc:spChg>
+      </pc:sldChg>
+      <pc:sldChg chg="modSp">
+        <pc:chgData name="Leontios Ioannou" userId="3862ae39ba703afe" providerId="LiveId" clId="{3E889210-75A3-4689-A177-88BFA7D18390}" dt="2025-04-29T08:55:13.148" v="312" actId="14100"/>
+        <pc:sldMkLst>
+          <pc:docMk/>
+          <pc:sldMk cId="1535303963" sldId="278"/>
+        </pc:sldMkLst>
+        <pc:spChg chg="mod">
+          <ac:chgData name="Leontios Ioannou" userId="3862ae39ba703afe" providerId="LiveId" clId="{3E889210-75A3-4689-A177-88BFA7D18390}" dt="2025-04-29T08:55:13.148" v="312" actId="14100"/>
+          <ac:spMkLst>
+            <pc:docMk/>
+            <pc:sldMk cId="1535303963" sldId="278"/>
+            <ac:spMk id="4" creationId="{250B6E36-AA73-3707-913A-D72187090748}"/>
+          </ac:spMkLst>
+        </pc:spChg>
       </pc:sldChg>
       <pc:sldChg chg="modSp">
         <pc:chgData name="Leontios Ioannou" userId="3862ae39ba703afe" providerId="LiveId" clId="{3E889210-75A3-4689-A177-88BFA7D18390}" dt="2025-04-28T17:26:11.134" v="271" actId="1076"/>
@@ -547,6 +466,21 @@
             <pc:docMk/>
             <pc:sldMk cId="3412411108" sldId="282"/>
             <ac:spMk id="5" creationId="{5A010DEC-1D00-752D-BB26-389828CF6044}"/>
+          </ac:spMkLst>
+        </pc:spChg>
+      </pc:sldChg>
+      <pc:sldChg chg="modSp mod">
+        <pc:chgData name="Leontios Ioannou" userId="3862ae39ba703afe" providerId="LiveId" clId="{3E889210-75A3-4689-A177-88BFA7D18390}" dt="2025-04-29T07:49:15.775" v="292" actId="1076"/>
+        <pc:sldMkLst>
+          <pc:docMk/>
+          <pc:sldMk cId="158249222" sldId="283"/>
+        </pc:sldMkLst>
+        <pc:spChg chg="mod">
+          <ac:chgData name="Leontios Ioannou" userId="3862ae39ba703afe" providerId="LiveId" clId="{3E889210-75A3-4689-A177-88BFA7D18390}" dt="2025-04-29T07:49:15.775" v="292" actId="1076"/>
+          <ac:spMkLst>
+            <pc:docMk/>
+            <pc:sldMk cId="158249222" sldId="283"/>
+            <ac:spMk id="2" creationId="{5F6455AC-CB96-1381-571F-8A0623357145}"/>
           </ac:spMkLst>
         </pc:spChg>
       </pc:sldChg>
@@ -683,62 +617,6 @@
           <pc:docMk/>
           <pc:sldMk cId="62285308" sldId="289"/>
         </pc:sldMkLst>
-        <pc:spChg chg="mod">
-          <ac:chgData name="Leontios Ioannou" userId="3862ae39ba703afe" providerId="LiveId" clId="{3E889210-75A3-4689-A177-88BFA7D18390}" dt="2025-04-27T14:31:19.920" v="57" actId="20577"/>
-          <ac:spMkLst>
-            <pc:docMk/>
-            <pc:sldMk cId="62285308" sldId="289"/>
-            <ac:spMk id="2" creationId="{DB49EED8-4506-5136-07C2-ABAB1D56B40E}"/>
-          </ac:spMkLst>
-        </pc:spChg>
-        <pc:spChg chg="add">
-          <ac:chgData name="Leontios Ioannou" userId="3862ae39ba703afe" providerId="LiveId" clId="{3E889210-75A3-4689-A177-88BFA7D18390}" dt="2025-04-27T14:30:16.773" v="36"/>
-          <ac:spMkLst>
-            <pc:docMk/>
-            <pc:sldMk cId="62285308" sldId="289"/>
-            <ac:spMk id="3" creationId="{A13B0E63-92D4-9706-0E22-E4889B1DF5E3}"/>
-          </ac:spMkLst>
-        </pc:spChg>
-        <pc:spChg chg="add">
-          <ac:chgData name="Leontios Ioannou" userId="3862ae39ba703afe" providerId="LiveId" clId="{3E889210-75A3-4689-A177-88BFA7D18390}" dt="2025-04-27T14:30:19.920" v="38"/>
-          <ac:spMkLst>
-            <pc:docMk/>
-            <pc:sldMk cId="62285308" sldId="289"/>
-            <ac:spMk id="4" creationId="{A814F609-2A8D-442B-85C0-AD85366B55F1}"/>
-          </ac:spMkLst>
-        </pc:spChg>
-        <pc:spChg chg="add">
-          <ac:chgData name="Leontios Ioannou" userId="3862ae39ba703afe" providerId="LiveId" clId="{3E889210-75A3-4689-A177-88BFA7D18390}" dt="2025-04-27T14:30:25.225" v="41"/>
-          <ac:spMkLst>
-            <pc:docMk/>
-            <pc:sldMk cId="62285308" sldId="289"/>
-            <ac:spMk id="5" creationId="{577640E8-AD3C-F2D7-3B79-DF79207226F5}"/>
-          </ac:spMkLst>
-        </pc:spChg>
-        <pc:spChg chg="add del mod">
-          <ac:chgData name="Leontios Ioannou" userId="3862ae39ba703afe" providerId="LiveId" clId="{3E889210-75A3-4689-A177-88BFA7D18390}" dt="2025-04-27T14:32:52.982" v="65"/>
-          <ac:spMkLst>
-            <pc:docMk/>
-            <pc:sldMk cId="62285308" sldId="289"/>
-            <ac:spMk id="7" creationId="{6353B900-D8EF-3BDC-D8D8-0C14EE1383A6}"/>
-          </ac:spMkLst>
-        </pc:spChg>
-        <pc:spChg chg="del mod">
-          <ac:chgData name="Leontios Ioannou" userId="3862ae39ba703afe" providerId="LiveId" clId="{3E889210-75A3-4689-A177-88BFA7D18390}" dt="2025-04-27T14:30:36.414" v="46" actId="478"/>
-          <ac:spMkLst>
-            <pc:docMk/>
-            <pc:sldMk cId="62285308" sldId="289"/>
-            <ac:spMk id="10" creationId="{4229FD32-6046-0A2E-D06F-C125006D486F}"/>
-          </ac:spMkLst>
-        </pc:spChg>
-        <pc:graphicFrameChg chg="del">
-          <ac:chgData name="Leontios Ioannou" userId="3862ae39ba703afe" providerId="LiveId" clId="{3E889210-75A3-4689-A177-88BFA7D18390}" dt="2025-04-27T14:31:37.606" v="58" actId="478"/>
-          <ac:graphicFrameMkLst>
-            <pc:docMk/>
-            <pc:sldMk cId="62285308" sldId="289"/>
-            <ac:graphicFrameMk id="9" creationId="{1A9446E3-465F-226D-EABB-F009FC5D9AD5}"/>
-          </ac:graphicFrameMkLst>
-        </pc:graphicFrameChg>
       </pc:sldChg>
       <pc:sldChg chg="add del">
         <pc:chgData name="Leontios Ioannou" userId="3862ae39ba703afe" providerId="LiveId" clId="{3E889210-75A3-4689-A177-88BFA7D18390}" dt="2025-04-27T14:27:35.131" v="1" actId="47"/>
@@ -769,94 +647,6 @@
             <ac:spMk id="4" creationId="{35E56C8B-92EA-60C8-1BFF-741263EE2A35}"/>
           </ac:spMkLst>
         </pc:spChg>
-        <pc:spChg chg="add del">
-          <ac:chgData name="Leontios Ioannou" userId="3862ae39ba703afe" providerId="LiveId" clId="{3E889210-75A3-4689-A177-88BFA7D18390}" dt="2025-04-27T14:35:12.517" v="120" actId="26606"/>
-          <ac:spMkLst>
-            <pc:docMk/>
-            <pc:sldMk cId="2036693798" sldId="289"/>
-            <ac:spMk id="130" creationId="{032D4E58-3B2B-DDF9-668A-804FBAAA3F6D}"/>
-          </ac:spMkLst>
-        </pc:spChg>
-        <pc:spChg chg="add del">
-          <ac:chgData name="Leontios Ioannou" userId="3862ae39ba703afe" providerId="LiveId" clId="{3E889210-75A3-4689-A177-88BFA7D18390}" dt="2025-04-27T14:35:12.517" v="120" actId="26606"/>
-          <ac:spMkLst>
-            <pc:docMk/>
-            <pc:sldMk cId="2036693798" sldId="289"/>
-            <ac:spMk id="137" creationId="{ABEAE098-8F32-4B86-71CF-EDD44E9CDAE9}"/>
-          </ac:spMkLst>
-        </pc:spChg>
-        <pc:spChg chg="add del">
-          <ac:chgData name="Leontios Ioannou" userId="3862ae39ba703afe" providerId="LiveId" clId="{3E889210-75A3-4689-A177-88BFA7D18390}" dt="2025-04-27T14:36:10.204" v="129" actId="26606"/>
-          <ac:spMkLst>
-            <pc:docMk/>
-            <pc:sldMk cId="2036693798" sldId="289"/>
-            <ac:spMk id="144" creationId="{081EA652-8C6A-4E69-BEB9-170809474553}"/>
-          </ac:spMkLst>
-        </pc:spChg>
-        <pc:spChg chg="add del">
-          <ac:chgData name="Leontios Ioannou" userId="3862ae39ba703afe" providerId="LiveId" clId="{3E889210-75A3-4689-A177-88BFA7D18390}" dt="2025-04-27T14:34:17.247" v="116" actId="26606"/>
-          <ac:spMkLst>
-            <pc:docMk/>
-            <pc:sldMk cId="2036693798" sldId="289"/>
-            <ac:spMk id="145" creationId="{9F7D5CDA-D291-4307-BF55-1381FED29634}"/>
-          </ac:spMkLst>
-        </pc:spChg>
-        <pc:spChg chg="add del">
-          <ac:chgData name="Leontios Ioannou" userId="3862ae39ba703afe" providerId="LiveId" clId="{3E889210-75A3-4689-A177-88BFA7D18390}" dt="2025-04-27T14:36:10.204" v="129" actId="26606"/>
-          <ac:spMkLst>
-            <pc:docMk/>
-            <pc:sldMk cId="2036693798" sldId="289"/>
-            <ac:spMk id="146" creationId="{5298780A-33B9-4EA2-8F67-DE68AD62841B}"/>
-          </ac:spMkLst>
-        </pc:spChg>
-        <pc:spChg chg="add del">
-          <ac:chgData name="Leontios Ioannou" userId="3862ae39ba703afe" providerId="LiveId" clId="{3E889210-75A3-4689-A177-88BFA7D18390}" dt="2025-04-27T14:34:17.247" v="116" actId="26606"/>
-          <ac:spMkLst>
-            <pc:docMk/>
-            <pc:sldMk cId="2036693798" sldId="289"/>
-            <ac:spMk id="147" creationId="{59B296B9-C5A5-4E4F-9B60-C907B5F1466C}"/>
-          </ac:spMkLst>
-        </pc:spChg>
-        <pc:spChg chg="add del">
-          <ac:chgData name="Leontios Ioannou" userId="3862ae39ba703afe" providerId="LiveId" clId="{3E889210-75A3-4689-A177-88BFA7D18390}" dt="2025-04-27T14:36:10.204" v="129" actId="26606"/>
-          <ac:spMkLst>
-            <pc:docMk/>
-            <pc:sldMk cId="2036693798" sldId="289"/>
-            <ac:spMk id="148" creationId="{7F488E8B-4E1E-4402-8935-D4E6C02615C7}"/>
-          </ac:spMkLst>
-        </pc:spChg>
-        <pc:spChg chg="add del">
-          <ac:chgData name="Leontios Ioannou" userId="3862ae39ba703afe" providerId="LiveId" clId="{3E889210-75A3-4689-A177-88BFA7D18390}" dt="2025-04-27T14:34:17.247" v="116" actId="26606"/>
-          <ac:spMkLst>
-            <pc:docMk/>
-            <pc:sldMk cId="2036693798" sldId="289"/>
-            <ac:spMk id="149" creationId="{D0300FD3-5AF1-6305-15FA-9078072672E2}"/>
-          </ac:spMkLst>
-        </pc:spChg>
-        <pc:spChg chg="add del">
-          <ac:chgData name="Leontios Ioannou" userId="3862ae39ba703afe" providerId="LiveId" clId="{3E889210-75A3-4689-A177-88BFA7D18390}" dt="2025-04-27T14:37:04.912" v="143" actId="26606"/>
-          <ac:spMkLst>
-            <pc:docMk/>
-            <pc:sldMk cId="2036693798" sldId="289"/>
-            <ac:spMk id="155" creationId="{081EA652-8C6A-4E69-BEB9-170809474553}"/>
-          </ac:spMkLst>
-        </pc:spChg>
-        <pc:spChg chg="add del">
-          <ac:chgData name="Leontios Ioannou" userId="3862ae39ba703afe" providerId="LiveId" clId="{3E889210-75A3-4689-A177-88BFA7D18390}" dt="2025-04-27T14:37:04.912" v="143" actId="26606"/>
-          <ac:spMkLst>
-            <pc:docMk/>
-            <pc:sldMk cId="2036693798" sldId="289"/>
-            <ac:spMk id="157" creationId="{5298780A-33B9-4EA2-8F67-DE68AD62841B}"/>
-          </ac:spMkLst>
-        </pc:spChg>
-        <pc:spChg chg="add del">
-          <ac:chgData name="Leontios Ioannou" userId="3862ae39ba703afe" providerId="LiveId" clId="{3E889210-75A3-4689-A177-88BFA7D18390}" dt="2025-04-27T14:37:04.912" v="143" actId="26606"/>
-          <ac:spMkLst>
-            <pc:docMk/>
-            <pc:sldMk cId="2036693798" sldId="289"/>
-            <ac:spMk id="159" creationId="{7F488E8B-4E1E-4402-8935-D4E6C02615C7}"/>
-          </ac:spMkLst>
-        </pc:spChg>
         <pc:spChg chg="add">
           <ac:chgData name="Leontios Ioannou" userId="3862ae39ba703afe" providerId="LiveId" clId="{3E889210-75A3-4689-A177-88BFA7D18390}" dt="2025-04-27T14:37:04.912" v="143" actId="26606"/>
           <ac:spMkLst>
@@ -881,38 +671,6 @@
             <ac:spMk id="168" creationId="{7F488E8B-4E1E-4402-8935-D4E6C02615C7}"/>
           </ac:spMkLst>
         </pc:spChg>
-        <pc:grpChg chg="add del">
-          <ac:chgData name="Leontios Ioannou" userId="3862ae39ba703afe" providerId="LiveId" clId="{3E889210-75A3-4689-A177-88BFA7D18390}" dt="2025-04-27T14:35:12.517" v="120" actId="26606"/>
-          <ac:grpSpMkLst>
-            <pc:docMk/>
-            <pc:sldMk cId="2036693798" sldId="289"/>
-            <ac:grpSpMk id="132" creationId="{ABDA8E0B-4CB0-818B-A2DC-2576E69A9857}"/>
-          </ac:grpSpMkLst>
-        </pc:grpChg>
-        <pc:picChg chg="add del">
-          <ac:chgData name="Leontios Ioannou" userId="3862ae39ba703afe" providerId="LiveId" clId="{3E889210-75A3-4689-A177-88BFA7D18390}" dt="2025-04-27T14:34:17.247" v="116" actId="26606"/>
-          <ac:picMkLst>
-            <pc:docMk/>
-            <pc:sldMk cId="2036693798" sldId="289"/>
-            <ac:picMk id="141" creationId="{2CD6ACDD-E15A-9AE1-711F-66C05F678F2E}"/>
-          </ac:picMkLst>
-        </pc:picChg>
-        <pc:cxnChg chg="add del">
-          <ac:chgData name="Leontios Ioannou" userId="3862ae39ba703afe" providerId="LiveId" clId="{3E889210-75A3-4689-A177-88BFA7D18390}" dt="2025-04-27T14:35:12.517" v="120" actId="26606"/>
-          <ac:cxnSpMkLst>
-            <pc:docMk/>
-            <pc:sldMk cId="2036693798" sldId="289"/>
-            <ac:cxnSpMk id="139" creationId="{C70E3581-B4BF-6E48-3ED2-BB9DB9F75EE8}"/>
-          </ac:cxnSpMkLst>
-        </pc:cxnChg>
-        <pc:cxnChg chg="add del">
-          <ac:chgData name="Leontios Ioannou" userId="3862ae39ba703afe" providerId="LiveId" clId="{3E889210-75A3-4689-A177-88BFA7D18390}" dt="2025-04-27T14:36:10.204" v="129" actId="26606"/>
-          <ac:cxnSpMkLst>
-            <pc:docMk/>
-            <pc:sldMk cId="2036693798" sldId="289"/>
-            <ac:cxnSpMk id="150" creationId="{23AAC9B5-8015-485C-ACF9-A750390E9A56}"/>
-          </ac:cxnSpMkLst>
-        </pc:cxnChg>
       </pc:sldChg>
       <pc:sldChg chg="addSp delSp modSp add mod ord">
         <pc:chgData name="Leontios Ioannou" userId="3862ae39ba703afe" providerId="LiveId" clId="{3E889210-75A3-4689-A177-88BFA7D18390}" dt="2025-04-27T15:08:28.955" v="244" actId="403"/>
@@ -928,124 +686,12 @@
             <ac:spMk id="2" creationId="{9F12D576-D42B-010E-24EE-919CB5F8974D}"/>
           </ac:spMkLst>
         </pc:spChg>
-        <pc:spChg chg="add">
-          <ac:chgData name="Leontios Ioannou" userId="3862ae39ba703afe" providerId="LiveId" clId="{3E889210-75A3-4689-A177-88BFA7D18390}" dt="2025-04-27T15:06:28.167" v="220"/>
-          <ac:spMkLst>
-            <pc:docMk/>
-            <pc:sldMk cId="414768739" sldId="290"/>
-            <ac:spMk id="4" creationId="{B0FCCDFD-DDF6-629B-DB12-764EAB2544F8}"/>
-          </ac:spMkLst>
-        </pc:spChg>
-        <pc:spChg chg="add">
-          <ac:chgData name="Leontios Ioannou" userId="3862ae39ba703afe" providerId="LiveId" clId="{3E889210-75A3-4689-A177-88BFA7D18390}" dt="2025-04-27T15:06:30.881" v="222"/>
-          <ac:spMkLst>
-            <pc:docMk/>
-            <pc:sldMk cId="414768739" sldId="290"/>
-            <ac:spMk id="5" creationId="{763A4A64-F261-09FA-D431-031E46207AAA}"/>
-          </ac:spMkLst>
-        </pc:spChg>
-        <pc:spChg chg="add">
-          <ac:chgData name="Leontios Ioannou" userId="3862ae39ba703afe" providerId="LiveId" clId="{3E889210-75A3-4689-A177-88BFA7D18390}" dt="2025-04-27T15:06:35.002" v="223"/>
-          <ac:spMkLst>
-            <pc:docMk/>
-            <pc:sldMk cId="414768739" sldId="290"/>
-            <ac:spMk id="6" creationId="{AD4E57B1-B6EC-EB54-DF81-A558ACFD8C3B}"/>
-          </ac:spMkLst>
-        </pc:spChg>
-        <pc:spChg chg="add mod">
-          <ac:chgData name="Leontios Ioannou" userId="3862ae39ba703afe" providerId="LiveId" clId="{3E889210-75A3-4689-A177-88BFA7D18390}" dt="2025-04-27T15:06:36.774" v="225"/>
-          <ac:spMkLst>
-            <pc:docMk/>
-            <pc:sldMk cId="414768739" sldId="290"/>
-            <ac:spMk id="7" creationId="{F6CAE592-82E2-BF6B-3D24-82A9102DB2DE}"/>
-          </ac:spMkLst>
-        </pc:spChg>
         <pc:spChg chg="add mod">
           <ac:chgData name="Leontios Ioannou" userId="3862ae39ba703afe" providerId="LiveId" clId="{3E889210-75A3-4689-A177-88BFA7D18390}" dt="2025-04-27T15:08:28.955" v="244" actId="403"/>
           <ac:spMkLst>
             <pc:docMk/>
             <pc:sldMk cId="414768739" sldId="290"/>
             <ac:spMk id="8" creationId="{D55B018D-64A7-C4A9-5E5A-BB89BC88FC78}"/>
-          </ac:spMkLst>
-        </pc:spChg>
-        <pc:spChg chg="del mod">
-          <ac:chgData name="Leontios Ioannou" userId="3862ae39ba703afe" providerId="LiveId" clId="{3E889210-75A3-4689-A177-88BFA7D18390}" dt="2025-04-27T15:06:40.453" v="227"/>
-          <ac:spMkLst>
-            <pc:docMk/>
-            <pc:sldMk cId="414768739" sldId="290"/>
-            <ac:spMk id="23" creationId="{8823A221-A43C-C50E-F74F-1431FA6CE55C}"/>
-          </ac:spMkLst>
-        </pc:spChg>
-        <pc:spChg chg="del">
-          <ac:chgData name="Leontios Ioannou" userId="3862ae39ba703afe" providerId="LiveId" clId="{3E889210-75A3-4689-A177-88BFA7D18390}" dt="2025-04-27T15:07:23.255" v="233" actId="26606"/>
-          <ac:spMkLst>
-            <pc:docMk/>
-            <pc:sldMk cId="414768739" sldId="290"/>
-            <ac:spMk id="140" creationId="{68F6B9E9-F496-439A-1193-3E8CDD818D31}"/>
-          </ac:spMkLst>
-        </pc:spChg>
-        <pc:spChg chg="del">
-          <ac:chgData name="Leontios Ioannou" userId="3862ae39ba703afe" providerId="LiveId" clId="{3E889210-75A3-4689-A177-88BFA7D18390}" dt="2025-04-27T15:07:23.255" v="233" actId="26606"/>
-          <ac:spMkLst>
-            <pc:docMk/>
-            <pc:sldMk cId="414768739" sldId="290"/>
-            <ac:spMk id="142" creationId="{EF428250-312A-3149-9211-DA8DBF0E0169}"/>
-          </ac:spMkLst>
-        </pc:spChg>
-        <pc:spChg chg="del">
-          <ac:chgData name="Leontios Ioannou" userId="3862ae39ba703afe" providerId="LiveId" clId="{3E889210-75A3-4689-A177-88BFA7D18390}" dt="2025-04-27T15:07:23.255" v="233" actId="26606"/>
-          <ac:spMkLst>
-            <pc:docMk/>
-            <pc:sldMk cId="414768739" sldId="290"/>
-            <ac:spMk id="144" creationId="{40076CB2-3408-F381-AE6B-54322398A1E2}"/>
-          </ac:spMkLst>
-        </pc:spChg>
-        <pc:spChg chg="del">
-          <ac:chgData name="Leontios Ioannou" userId="3862ae39ba703afe" providerId="LiveId" clId="{3E889210-75A3-4689-A177-88BFA7D18390}" dt="2025-04-27T15:07:23.255" v="233" actId="26606"/>
-          <ac:spMkLst>
-            <pc:docMk/>
-            <pc:sldMk cId="414768739" sldId="290"/>
-            <ac:spMk id="146" creationId="{34E318ED-F99A-DE17-8CEF-17A26849FBE0}"/>
-          </ac:spMkLst>
-        </pc:spChg>
-        <pc:spChg chg="add del">
-          <ac:chgData name="Leontios Ioannou" userId="3862ae39ba703afe" providerId="LiveId" clId="{3E889210-75A3-4689-A177-88BFA7D18390}" dt="2025-04-27T15:08:23.527" v="243" actId="26606"/>
-          <ac:spMkLst>
-            <pc:docMk/>
-            <pc:sldMk cId="414768739" sldId="290"/>
-            <ac:spMk id="151" creationId="{DBC6133C-0615-4CE4-9132-37E609A9BDFA}"/>
-          </ac:spMkLst>
-        </pc:spChg>
-        <pc:spChg chg="del">
-          <ac:chgData name="Leontios Ioannou" userId="3862ae39ba703afe" providerId="LiveId" clId="{3E889210-75A3-4689-A177-88BFA7D18390}" dt="2025-04-27T15:08:23.527" v="243" actId="26606"/>
-          <ac:spMkLst>
-            <pc:docMk/>
-            <pc:sldMk cId="414768739" sldId="290"/>
-            <ac:spMk id="153" creationId="{169CC832-2974-4E8D-90ED-3E2941BA7336}"/>
-          </ac:spMkLst>
-        </pc:spChg>
-        <pc:spChg chg="add del">
-          <ac:chgData name="Leontios Ioannou" userId="3862ae39ba703afe" providerId="LiveId" clId="{3E889210-75A3-4689-A177-88BFA7D18390}" dt="2025-04-27T15:08:23.527" v="243" actId="26606"/>
-          <ac:spMkLst>
-            <pc:docMk/>
-            <pc:sldMk cId="414768739" sldId="290"/>
-            <ac:spMk id="155" creationId="{55222F96-971A-4F90-B841-6BAB416C7AC1}"/>
-          </ac:spMkLst>
-        </pc:spChg>
-        <pc:spChg chg="add del">
-          <ac:chgData name="Leontios Ioannou" userId="3862ae39ba703afe" providerId="LiveId" clId="{3E889210-75A3-4689-A177-88BFA7D18390}" dt="2025-04-27T15:08:23.527" v="243" actId="26606"/>
-          <ac:spMkLst>
-            <pc:docMk/>
-            <pc:sldMk cId="414768739" sldId="290"/>
-            <ac:spMk id="157" creationId="{08980754-6F4B-43C9-B9BE-127B6BED6586}"/>
-          </ac:spMkLst>
-        </pc:spChg>
-        <pc:spChg chg="add del">
-          <ac:chgData name="Leontios Ioannou" userId="3862ae39ba703afe" providerId="LiveId" clId="{3E889210-75A3-4689-A177-88BFA7D18390}" dt="2025-04-27T15:08:23.527" v="243" actId="26606"/>
-          <ac:spMkLst>
-            <pc:docMk/>
-            <pc:sldMk cId="414768739" sldId="290"/>
-            <ac:spMk id="159" creationId="{2C1BBA94-3F40-40AA-8BB9-E69E25E537C1}"/>
           </ac:spMkLst>
         </pc:spChg>
         <pc:spChg chg="add">
@@ -1088,22 +734,6 @@
             <ac:spMk id="172" creationId="{2C1BBA94-3F40-40AA-8BB9-E69E25E537C1}"/>
           </ac:spMkLst>
         </pc:spChg>
-        <pc:picChg chg="del">
-          <ac:chgData name="Leontios Ioannou" userId="3862ae39ba703afe" providerId="LiveId" clId="{3E889210-75A3-4689-A177-88BFA7D18390}" dt="2025-04-27T15:06:43.622" v="228" actId="478"/>
-          <ac:picMkLst>
-            <pc:docMk/>
-            <pc:sldMk cId="414768739" sldId="290"/>
-            <ac:picMk id="3" creationId="{3BF3C608-45A4-4599-1071-0FD4031DE24F}"/>
-          </ac:picMkLst>
-        </pc:picChg>
-        <pc:picChg chg="add del mod">
-          <ac:chgData name="Leontios Ioannou" userId="3862ae39ba703afe" providerId="LiveId" clId="{3E889210-75A3-4689-A177-88BFA7D18390}" dt="2025-04-27T15:08:05.825" v="241" actId="478"/>
-          <ac:picMkLst>
-            <pc:docMk/>
-            <pc:sldMk cId="414768739" sldId="290"/>
-            <ac:picMk id="10" creationId="{9069A0CE-AF14-88B0-2CC0-D2388F7B6565}"/>
-          </ac:picMkLst>
-        </pc:picChg>
         <pc:picChg chg="add">
           <ac:chgData name="Leontios Ioannou" userId="3862ae39ba703afe" providerId="LiveId" clId="{3E889210-75A3-4689-A177-88BFA7D18390}" dt="2025-04-27T15:08:20.559" v="242" actId="22"/>
           <ac:picMkLst>
@@ -7061,7 +6691,7 @@
           <a:p>
             <a:fld id="{6444479B-705B-4489-957E-7E8A228BDFA0}" type="datetime1">
               <a:rPr lang="en-US" smtClean="0"/>
-              <a:t>4/28/2025</a:t>
+              <a:t>4/29/2025</a:t>
             </a:fld>
             <a:endParaRPr lang="en-US"/>
           </a:p>
@@ -7231,7 +6861,7 @@
           <a:p>
             <a:fld id="{7DA38F49-B3E2-4BF0-BEC7-C30D34ABBB8D}" type="datetime1">
               <a:rPr lang="en-US" smtClean="0"/>
-              <a:t>4/28/2025</a:t>
+              <a:t>4/29/2025</a:t>
             </a:fld>
             <a:endParaRPr lang="en-US"/>
           </a:p>
@@ -7412,7 +7042,7 @@
           <a:p>
             <a:fld id="{7DA38F49-B3E2-4BF0-BEC7-C30D34ABBB8D}" type="datetime1">
               <a:rPr lang="en-US" smtClean="0"/>
-              <a:t>4/28/2025</a:t>
+              <a:t>4/29/2025</a:t>
             </a:fld>
             <a:endParaRPr lang="en-US"/>
           </a:p>
@@ -7583,7 +7213,7 @@
           <a:p>
             <a:fld id="{7DA38F49-B3E2-4BF0-BEC7-C30D34ABBB8D}" type="datetime1">
               <a:rPr lang="en-US" smtClean="0"/>
-              <a:t>4/28/2025</a:t>
+              <a:t>4/29/2025</a:t>
             </a:fld>
             <a:endParaRPr lang="en-US"/>
           </a:p>
@@ -7830,7 +7460,7 @@
           <a:p>
             <a:fld id="{F9504452-5DCC-4FE2-A5C9-8A5EF6714D65}" type="datetime1">
               <a:rPr lang="en-US" smtClean="0"/>
-              <a:t>4/28/2025</a:t>
+              <a:t>4/29/2025</a:t>
             </a:fld>
             <a:endParaRPr lang="en-US"/>
           </a:p>
@@ -8062,7 +7692,7 @@
           <a:p>
             <a:fld id="{7DA38F49-B3E2-4BF0-BEC7-C30D34ABBB8D}" type="datetime1">
               <a:rPr lang="en-US" smtClean="0"/>
-              <a:t>4/28/2025</a:t>
+              <a:t>4/29/2025</a:t>
             </a:fld>
             <a:endParaRPr lang="en-US"/>
           </a:p>
@@ -8430,7 +8060,7 @@
           <a:p>
             <a:fld id="{7DA38F49-B3E2-4BF0-BEC7-C30D34ABBB8D}" type="datetime1">
               <a:rPr lang="en-US" smtClean="0"/>
-              <a:t>4/28/2025</a:t>
+              <a:t>4/29/2025</a:t>
             </a:fld>
             <a:endParaRPr lang="en-US"/>
           </a:p>
@@ -8549,7 +8179,7 @@
           <a:p>
             <a:fld id="{BE15BF18-0007-481C-AA29-413124BC3EE7}" type="datetime1">
               <a:rPr lang="en-US" smtClean="0"/>
-              <a:t>4/28/2025</a:t>
+              <a:t>4/29/2025</a:t>
             </a:fld>
             <a:endParaRPr lang="en-US"/>
           </a:p>
@@ -8644,7 +8274,7 @@
           <a:p>
             <a:fld id="{09BE9870-3748-43AD-B547-02A075CB4A1D}" type="datetime1">
               <a:rPr lang="en-US" smtClean="0"/>
-              <a:t>4/28/2025</a:t>
+              <a:t>4/29/2025</a:t>
             </a:fld>
             <a:endParaRPr lang="en-US"/>
           </a:p>
@@ -8921,7 +8551,7 @@
           <a:p>
             <a:fld id="{7DA38F49-B3E2-4BF0-BEC7-C30D34ABBB8D}" type="datetime1">
               <a:rPr lang="en-US" smtClean="0"/>
-              <a:t>4/28/2025</a:t>
+              <a:t>4/29/2025</a:t>
             </a:fld>
             <a:endParaRPr lang="en-US"/>
           </a:p>
@@ -9179,7 +8809,7 @@
           <a:p>
             <a:fld id="{82E171BA-CC09-47C8-A6DF-F5C5CB59CEEC}" type="datetime1">
               <a:rPr lang="en-US" smtClean="0"/>
-              <a:t>4/28/2025</a:t>
+              <a:t>4/29/2025</a:t>
             </a:fld>
             <a:endParaRPr lang="en-US"/>
           </a:p>
@@ -9392,7 +9022,7 @@
           <a:p>
             <a:fld id="{7DA38F49-B3E2-4BF0-BEC7-C30D34ABBB8D}" type="datetime1">
               <a:rPr lang="en-US" smtClean="0"/>
-              <a:t>4/28/2025</a:t>
+              <a:t>4/29/2025</a:t>
             </a:fld>
             <a:endParaRPr lang="en-US"/>
           </a:p>
@@ -19008,8 +18638,8 @@
         </p:nvSpPr>
         <p:spPr bwMode="auto">
           <a:xfrm>
-            <a:off x="793660" y="2599509"/>
-            <a:ext cx="10143668" cy="3435531"/>
+            <a:off x="793660" y="2390115"/>
+            <a:ext cx="10143668" cy="3644925"/>
           </a:xfrm>
           <a:prstGeom prst="rect">
             <a:avLst/>
@@ -19073,17 +18703,27 @@
                 <a:effectLst/>
                 <a:latin typeface="Arial" panose="020B0604020202020204" pitchFamily="34" charset="0"/>
               </a:rPr>
-              <a:t> Feature Grouping</a:t>
-            </a:r>
-            <a:r>
-              <a:rPr kumimoji="0" lang="en-US" altLang="en-US" sz="2200" b="0" i="0" u="none" strike="noStrike" cap="none" normalizeH="0" baseline="0" dirty="0">
+              <a:t> </a:t>
+            </a:r>
+            <a:r>
+              <a:rPr kumimoji="0" lang="en-US" altLang="en-US" sz="2400" b="1" i="0" u="none" strike="noStrike" cap="none" normalizeH="0" baseline="0" dirty="0">
                 <a:ln>
                   <a:noFill/>
                 </a:ln>
                 <a:effectLst/>
                 <a:latin typeface="Arial" panose="020B0604020202020204" pitchFamily="34" charset="0"/>
               </a:rPr>
-              <a:t>: Numerical and categorical features</a:t>
+              <a:t>Preprocessing Pipelines</a:t>
+            </a:r>
+            <a:r>
+              <a:rPr kumimoji="0" lang="en-US" altLang="en-US" sz="2400" b="0" i="0" u="none" strike="noStrike" cap="none" normalizeH="0" baseline="0" dirty="0">
+                <a:ln>
+                  <a:noFill/>
+                </a:ln>
+                <a:effectLst/>
+                <a:latin typeface="Arial" panose="020B0604020202020204" pitchFamily="34" charset="0"/>
+              </a:rPr>
+              <a:t>: V1 (RobustScaler), V2 (PowerTransformer)</a:t>
             </a:r>
           </a:p>
           <a:p>
@@ -19099,7 +18739,7 @@
               <a:buNone/>
               <a:tabLst/>
             </a:pPr>
-            <a:endParaRPr kumimoji="0" lang="en-US" altLang="en-US" sz="2200" b="0" i="0" u="none" strike="noStrike" cap="none" normalizeH="0" baseline="0" dirty="0">
+            <a:endParaRPr kumimoji="0" lang="en-US" altLang="en-US" sz="2400" b="0" i="0" u="none" strike="noStrike" cap="none" normalizeH="0" baseline="0" dirty="0">
               <a:ln>
                 <a:noFill/>
               </a:ln>
@@ -19122,24 +18762,24 @@
               <a:tabLst/>
             </a:pPr>
             <a:r>
-              <a:rPr kumimoji="0" lang="en-US" altLang="en-US" sz="2200" b="1" i="0" u="none" strike="noStrike" cap="none" normalizeH="0" baseline="0" dirty="0">
+              <a:rPr kumimoji="0" lang="en-US" altLang="en-US" sz="2400" b="1" i="0" u="none" strike="noStrike" cap="none" normalizeH="0" baseline="0" dirty="0">
                 <a:ln>
                   <a:noFill/>
                 </a:ln>
                 <a:effectLst/>
                 <a:latin typeface="Arial" panose="020B0604020202020204" pitchFamily="34" charset="0"/>
               </a:rPr>
-              <a:t> Preprocessing Pipelines</a:t>
-            </a:r>
-            <a:r>
-              <a:rPr kumimoji="0" lang="en-US" altLang="en-US" sz="2200" b="0" i="0" u="none" strike="noStrike" cap="none" normalizeH="0" baseline="0" dirty="0">
+              <a:t> Classifiers</a:t>
+            </a:r>
+            <a:r>
+              <a:rPr kumimoji="0" lang="en-US" altLang="en-US" sz="2400" b="0" i="0" u="none" strike="noStrike" cap="none" normalizeH="0" baseline="0" dirty="0">
                 <a:ln>
                   <a:noFill/>
                 </a:ln>
                 <a:effectLst/>
                 <a:latin typeface="Arial" panose="020B0604020202020204" pitchFamily="34" charset="0"/>
               </a:rPr>
-              <a:t>: V1 (RobustScaler), V2 (PowerTransformer)</a:t>
+              <a:t>: AdaBoost, CatBoost</a:t>
             </a:r>
           </a:p>
           <a:p>
@@ -19155,7 +18795,7 @@
               <a:buNone/>
               <a:tabLst/>
             </a:pPr>
-            <a:endParaRPr kumimoji="0" lang="en-US" altLang="en-US" sz="2200" b="0" i="0" u="none" strike="noStrike" cap="none" normalizeH="0" baseline="0" dirty="0">
+            <a:endParaRPr kumimoji="0" lang="en-US" altLang="en-US" sz="2400" b="0" i="0" u="none" strike="noStrike" cap="none" normalizeH="0" baseline="0" dirty="0">
               <a:ln>
                 <a:noFill/>
               </a:ln>
@@ -19178,24 +18818,24 @@
               <a:tabLst/>
             </a:pPr>
             <a:r>
-              <a:rPr kumimoji="0" lang="en-US" altLang="en-US" sz="2200" b="1" i="0" u="none" strike="noStrike" cap="none" normalizeH="0" baseline="0" dirty="0">
+              <a:rPr kumimoji="0" lang="en-US" altLang="en-US" sz="2400" b="1" i="0" u="none" strike="noStrike" cap="none" normalizeH="0" baseline="0" dirty="0">
                 <a:ln>
                   <a:noFill/>
                 </a:ln>
                 <a:effectLst/>
                 <a:latin typeface="Arial" panose="020B0604020202020204" pitchFamily="34" charset="0"/>
               </a:rPr>
-              <a:t> Classifiers</a:t>
-            </a:r>
-            <a:r>
-              <a:rPr kumimoji="0" lang="en-US" altLang="en-US" sz="2200" b="0" i="0" u="none" strike="noStrike" cap="none" normalizeH="0" baseline="0" dirty="0">
+              <a:t> Hyperparameter Tuning</a:t>
+            </a:r>
+            <a:r>
+              <a:rPr kumimoji="0" lang="en-US" altLang="en-US" sz="2400" b="0" i="0" u="none" strike="noStrike" cap="none" normalizeH="0" baseline="0" dirty="0">
                 <a:ln>
                   <a:noFill/>
                 </a:ln>
                 <a:effectLst/>
                 <a:latin typeface="Arial" panose="020B0604020202020204" pitchFamily="34" charset="0"/>
               </a:rPr>
-              <a:t>: AdaBoost, CatBoost</a:t>
+              <a:t>: GridSearchCV</a:t>
             </a:r>
           </a:p>
           <a:p>
@@ -19211,7 +18851,7 @@
               <a:buNone/>
               <a:tabLst/>
             </a:pPr>
-            <a:endParaRPr kumimoji="0" lang="en-US" altLang="en-US" sz="2200" b="0" i="0" u="none" strike="noStrike" cap="none" normalizeH="0" baseline="0" dirty="0">
+            <a:endParaRPr kumimoji="0" lang="en-US" altLang="en-US" sz="2400" b="0" i="0" u="none" strike="noStrike" cap="none" normalizeH="0" baseline="0" dirty="0">
               <a:ln>
                 <a:noFill/>
               </a:ln>
@@ -19234,63 +18874,7 @@
               <a:tabLst/>
             </a:pPr>
             <a:r>
-              <a:rPr kumimoji="0" lang="en-US" altLang="en-US" sz="2200" b="1" i="0" u="none" strike="noStrike" cap="none" normalizeH="0" baseline="0" dirty="0">
-                <a:ln>
-                  <a:noFill/>
-                </a:ln>
-                <a:effectLst/>
-                <a:latin typeface="Arial" panose="020B0604020202020204" pitchFamily="34" charset="0"/>
-              </a:rPr>
-              <a:t> Hyperparameter Tuning</a:t>
-            </a:r>
-            <a:r>
-              <a:rPr kumimoji="0" lang="en-US" altLang="en-US" sz="2200" b="0" i="0" u="none" strike="noStrike" cap="none" normalizeH="0" baseline="0" dirty="0">
-                <a:ln>
-                  <a:noFill/>
-                </a:ln>
-                <a:effectLst/>
-                <a:latin typeface="Arial" panose="020B0604020202020204" pitchFamily="34" charset="0"/>
-              </a:rPr>
-              <a:t>: GridSearchCV</a:t>
-            </a:r>
-          </a:p>
-          <a:p>
-            <a:pPr marL="0" marR="0" lvl="0" indent="0" defTabSz="914400" rtl="0" eaLnBrk="0" fontAlgn="base" latinLnBrk="0" hangingPunct="0">
-              <a:spcBef>
-                <a:spcPct val="0"/>
-              </a:spcBef>
-              <a:spcAft>
-                <a:spcPts val="600"/>
-              </a:spcAft>
-              <a:buClrTx/>
-              <a:buSzTx/>
-              <a:buNone/>
-              <a:tabLst/>
-            </a:pPr>
-            <a:endParaRPr kumimoji="0" lang="en-US" altLang="en-US" sz="2200" b="0" i="0" u="none" strike="noStrike" cap="none" normalizeH="0" baseline="0" dirty="0">
-              <a:ln>
-                <a:noFill/>
-              </a:ln>
-              <a:effectLst/>
-              <a:latin typeface="Arial" panose="020B0604020202020204" pitchFamily="34" charset="0"/>
-            </a:endParaRPr>
-          </a:p>
-          <a:p>
-            <a:pPr marL="0" marR="0" lvl="0" indent="0" defTabSz="914400" rtl="0" eaLnBrk="0" fontAlgn="base" latinLnBrk="0" hangingPunct="0">
-              <a:spcBef>
-                <a:spcPct val="0"/>
-              </a:spcBef>
-              <a:spcAft>
-                <a:spcPts val="600"/>
-              </a:spcAft>
-              <a:buClrTx/>
-              <a:buSzTx/>
-              <a:buFontTx/>
-              <a:buChar char="•"/>
-              <a:tabLst/>
-            </a:pPr>
-            <a:r>
-              <a:rPr kumimoji="0" lang="en-US" altLang="en-US" sz="2200" b="1" i="0" u="none" strike="noStrike" cap="none" normalizeH="0" baseline="0" dirty="0">
+              <a:rPr kumimoji="0" lang="en-US" altLang="en-US" sz="2400" b="1" i="0" u="none" strike="noStrike" cap="none" normalizeH="0" baseline="0" dirty="0">
                 <a:ln>
                   <a:noFill/>
                 </a:ln>
@@ -19300,7 +18884,7 @@
               <a:t> Evaluation</a:t>
             </a:r>
             <a:r>
-              <a:rPr kumimoji="0" lang="en-US" altLang="en-US" sz="2200" b="0" i="0" u="none" strike="noStrike" cap="none" normalizeH="0" baseline="0" dirty="0">
+              <a:rPr kumimoji="0" lang="en-US" altLang="en-US" sz="2400" b="0" i="0" u="none" strike="noStrike" cap="none" normalizeH="0" baseline="0" dirty="0">
                 <a:ln>
                   <a:noFill/>
                 </a:ln>
@@ -19727,8 +19311,8 @@
           <a:lstStyle/>
           <a:p>
             <a:r>
-              <a:rPr lang="en-US" sz="4800"/>
-              <a:t>Feature Grouping &amp; Preprocessing Pipelines</a:t>
+              <a:rPr lang="en-US" sz="4800" dirty="0"/>
+              <a:t>Preprocessing Pipelines</a:t>
             </a:r>
           </a:p>
         </p:txBody>
@@ -19751,8 +19335,8 @@
         </p:nvSpPr>
         <p:spPr bwMode="auto">
           <a:xfrm>
-            <a:off x="1045028" y="3017522"/>
-            <a:ext cx="9941319" cy="3124658"/>
+            <a:off x="1045028" y="2560322"/>
+            <a:ext cx="9941319" cy="3552940"/>
           </a:xfrm>
           <a:prstGeom prst="rect">
             <a:avLst/>
@@ -19791,7 +19375,7 @@
             <a:prstTxWarp prst="textNoShape">
               <a:avLst/>
             </a:prstTxWarp>
-            <a:normAutofit lnSpcReduction="10000"/>
+            <a:normAutofit/>
           </a:bodyPr>
           <a:lstStyle/>
           <a:p>
@@ -19808,17 +19392,17 @@
               <a:tabLst/>
             </a:pPr>
             <a:r>
-              <a:rPr kumimoji="0" lang="en-US" altLang="en-US" sz="2000" b="1" i="0" u="none" strike="noStrike" cap="none" normalizeH="0" baseline="0" dirty="0">
+              <a:rPr kumimoji="0" lang="en-US" altLang="en-US" sz="2400" b="1" i="0" u="none" strike="noStrike" cap="none" normalizeH="0" baseline="0" dirty="0">
                 <a:ln>
                   <a:noFill/>
                 </a:ln>
                 <a:effectLst/>
                 <a:latin typeface="Arial" panose="020B0604020202020204" pitchFamily="34" charset="0"/>
               </a:rPr>
-              <a:t>Feature Grouping</a:t>
-            </a:r>
-            <a:r>
-              <a:rPr kumimoji="0" lang="en-US" altLang="en-US" sz="2000" b="0" i="0" u="none" strike="noStrike" cap="none" normalizeH="0" baseline="0" dirty="0">
+              <a:t>Preprocessing Pipelines</a:t>
+            </a:r>
+            <a:r>
+              <a:rPr kumimoji="0" lang="en-US" altLang="en-US" sz="2400" b="0" i="0" u="none" strike="noStrike" cap="none" normalizeH="0" baseline="0" dirty="0">
                 <a:ln>
                   <a:noFill/>
                 </a:ln>
@@ -19827,6 +19411,27 @@
               </a:rPr>
               <a:t>:</a:t>
             </a:r>
+          </a:p>
+          <a:p>
+            <a:pPr marL="0" marR="0" lvl="0" indent="0" defTabSz="914400" rtl="0" eaLnBrk="0" fontAlgn="base" latinLnBrk="0" hangingPunct="0">
+              <a:spcBef>
+                <a:spcPct val="0"/>
+              </a:spcBef>
+              <a:spcAft>
+                <a:spcPts val="600"/>
+              </a:spcAft>
+              <a:buClrTx/>
+              <a:buSzTx/>
+              <a:buNone/>
+              <a:tabLst/>
+            </a:pPr>
+            <a:endParaRPr kumimoji="0" lang="en-US" altLang="en-US" sz="2400" b="0" i="0" u="none" strike="noStrike" cap="none" normalizeH="0" baseline="0" dirty="0">
+              <a:ln>
+                <a:noFill/>
+              </a:ln>
+              <a:effectLst/>
+              <a:latin typeface="Arial" panose="020B0604020202020204" pitchFamily="34" charset="0"/>
+            </a:endParaRPr>
           </a:p>
           <a:p>
             <a:pPr marL="0" marR="0" lvl="0" indent="0" defTabSz="914400" rtl="0" eaLnBrk="0" fontAlgn="base" latinLnBrk="0" hangingPunct="0">
@@ -19843,24 +19448,24 @@
               <a:tabLst/>
             </a:pPr>
             <a:r>
-              <a:rPr kumimoji="0" lang="en-US" altLang="en-US" sz="2000" b="1" i="0" u="none" strike="noStrike" cap="none" normalizeH="0" baseline="0" dirty="0">
+              <a:rPr kumimoji="0" lang="en-US" altLang="en-US" sz="2400" b="1" i="0" u="none" strike="noStrike" cap="none" normalizeH="0" baseline="0" dirty="0">
                 <a:ln>
                   <a:noFill/>
                 </a:ln>
                 <a:effectLst/>
                 <a:latin typeface="Arial" panose="020B0604020202020204" pitchFamily="34" charset="0"/>
               </a:rPr>
-              <a:t> num_features</a:t>
-            </a:r>
-            <a:r>
-              <a:rPr kumimoji="0" lang="en-US" altLang="en-US" sz="2000" b="0" i="0" u="none" strike="noStrike" cap="none" normalizeH="0" baseline="0" dirty="0">
+              <a:t> V1 (RobustScaler)</a:t>
+            </a:r>
+            <a:r>
+              <a:rPr kumimoji="0" lang="en-US" altLang="en-US" sz="2400" b="0" i="0" u="none" strike="noStrike" cap="none" normalizeH="0" baseline="0" dirty="0">
                 <a:ln>
                   <a:noFill/>
                 </a:ln>
                 <a:effectLst/>
                 <a:latin typeface="Arial" panose="020B0604020202020204" pitchFamily="34" charset="0"/>
               </a:rPr>
-              <a:t>: All numerical features</a:t>
+              <a:t>: Scaling of numerical features</a:t>
             </a:r>
           </a:p>
           <a:p>
@@ -19877,37 +19482,7 @@
               <a:buChar char="•"/>
               <a:tabLst/>
             </a:pPr>
-            <a:r>
-              <a:rPr kumimoji="0" lang="en-US" altLang="en-US" sz="2000" b="1" i="0" u="none" strike="noStrike" cap="none" normalizeH="0" baseline="0" dirty="0">
-                <a:ln>
-                  <a:noFill/>
-                </a:ln>
-                <a:effectLst/>
-                <a:latin typeface="Arial" panose="020B0604020202020204" pitchFamily="34" charset="0"/>
-              </a:rPr>
-              <a:t> features_to_scale</a:t>
-            </a:r>
-            <a:r>
-              <a:rPr kumimoji="0" lang="en-US" altLang="en-US" sz="2000" b="0" i="0" u="none" strike="noStrike" cap="none" normalizeH="0" baseline="0" dirty="0">
-                <a:ln>
-                  <a:noFill/>
-                </a:ln>
-                <a:effectLst/>
-                <a:latin typeface="Arial" panose="020B0604020202020204" pitchFamily="34" charset="0"/>
-              </a:rPr>
-              <a:t>: Numerical features for scaling or </a:t>
-            </a:r>
-            <a:r>
-              <a:rPr kumimoji="0" lang="en-US" altLang="en-US" sz="2000" b="0" i="0" u="none" strike="noStrike" cap="none" normalizeH="0" baseline="0" dirty="0" err="1">
-                <a:ln>
-                  <a:noFill/>
-                </a:ln>
-                <a:effectLst/>
-                <a:latin typeface="Arial" panose="020B0604020202020204" pitchFamily="34" charset="0"/>
-              </a:rPr>
-              <a:t>unskewing</a:t>
-            </a:r>
-            <a:endParaRPr kumimoji="0" lang="en-US" altLang="en-US" sz="2000" b="0" i="0" u="none" strike="noStrike" cap="none" normalizeH="0" baseline="0" dirty="0">
+            <a:endParaRPr kumimoji="0" lang="en-US" altLang="en-US" sz="2400" b="0" i="0" u="none" strike="noStrike" cap="none" normalizeH="0" baseline="0" dirty="0">
               <a:ln>
                 <a:noFill/>
               </a:ln>
@@ -19930,89 +19505,24 @@
               <a:tabLst/>
             </a:pPr>
             <a:r>
-              <a:rPr kumimoji="0" lang="en-US" altLang="en-US" sz="2000" b="1" i="0" u="none" strike="noStrike" cap="none" normalizeH="0" baseline="0" dirty="0">
+              <a:rPr kumimoji="0" lang="en-US" altLang="en-US" sz="2400" b="1" i="0" u="none" strike="noStrike" cap="none" normalizeH="0" baseline="0" dirty="0">
                 <a:ln>
                   <a:noFill/>
                 </a:ln>
                 <a:effectLst/>
                 <a:latin typeface="Arial" panose="020B0604020202020204" pitchFamily="34" charset="0"/>
               </a:rPr>
-              <a:t> </a:t>
-            </a:r>
-            <a:r>
-              <a:rPr kumimoji="0" lang="en-US" altLang="en-US" sz="2000" b="1" i="0" u="none" strike="noStrike" cap="none" normalizeH="0" baseline="0" dirty="0" err="1">
+              <a:t> V2 (PowerTransformer)</a:t>
+            </a:r>
+            <a:r>
+              <a:rPr kumimoji="0" lang="en-US" altLang="en-US" sz="2400" b="0" i="0" u="none" strike="noStrike" cap="none" normalizeH="0" baseline="0" dirty="0">
                 <a:ln>
                   <a:noFill/>
                 </a:ln>
                 <a:effectLst/>
                 <a:latin typeface="Arial" panose="020B0604020202020204" pitchFamily="34" charset="0"/>
               </a:rPr>
-              <a:t>cat_features</a:t>
-            </a:r>
-            <a:r>
-              <a:rPr kumimoji="0" lang="en-US" altLang="en-US" sz="2000" b="0" i="0" u="none" strike="noStrike" cap="none" normalizeH="0" baseline="0" dirty="0">
-                <a:ln>
-                  <a:noFill/>
-                </a:ln>
-                <a:effectLst/>
-                <a:latin typeface="Arial" panose="020B0604020202020204" pitchFamily="34" charset="0"/>
-              </a:rPr>
-              <a:t>: All categorical features</a:t>
-            </a:r>
-          </a:p>
-          <a:p>
-            <a:pPr marL="0" marR="0" lvl="0" indent="0" defTabSz="914400" rtl="0" eaLnBrk="0" fontAlgn="base" latinLnBrk="0" hangingPunct="0">
-              <a:spcBef>
-                <a:spcPct val="0"/>
-              </a:spcBef>
-              <a:spcAft>
-                <a:spcPts val="600"/>
-              </a:spcAft>
-              <a:buClrTx/>
-              <a:buSzTx/>
-              <a:buNone/>
-              <a:tabLst/>
-            </a:pPr>
-            <a:endParaRPr kumimoji="0" lang="en-US" altLang="en-US" sz="2000" b="0" i="0" u="none" strike="noStrike" cap="none" normalizeH="0" baseline="0" dirty="0">
-              <a:ln>
-                <a:noFill/>
-              </a:ln>
-              <a:effectLst/>
-              <a:latin typeface="Arial" panose="020B0604020202020204" pitchFamily="34" charset="0"/>
-            </a:endParaRPr>
-          </a:p>
-          <a:p>
-            <a:pPr marL="0" marR="0" lvl="0" indent="0" defTabSz="914400" rtl="0" eaLnBrk="0" fontAlgn="base" latinLnBrk="0" hangingPunct="0">
-              <a:spcBef>
-                <a:spcPct val="0"/>
-              </a:spcBef>
-              <a:spcAft>
-                <a:spcPts val="600"/>
-              </a:spcAft>
-              <a:buClrTx/>
-              <a:buSzTx/>
-              <a:buNone/>
-              <a:tabLst/>
-            </a:pPr>
-            <a:r>
-              <a:rPr kumimoji="0" lang="en-US" altLang="en-US" sz="2000" b="1" i="0" u="none" strike="noStrike" cap="none" normalizeH="0" baseline="0" dirty="0">
-                <a:ln>
-                  <a:noFill/>
-                </a:ln>
-                <a:effectLst/>
-                <a:latin typeface="Arial" panose="020B0604020202020204" pitchFamily="34" charset="0"/>
-              </a:rPr>
-              <a:t>Preprocessing Pipelines</a:t>
-            </a:r>
-            <a:r>
-              <a:rPr kumimoji="0" lang="en-US" altLang="en-US" sz="2000" b="0" i="0" u="none" strike="noStrike" cap="none" normalizeH="0" baseline="0" dirty="0">
-                <a:ln>
-                  <a:noFill/>
-                </a:ln>
-                <a:effectLst/>
-                <a:latin typeface="Arial" panose="020B0604020202020204" pitchFamily="34" charset="0"/>
-              </a:rPr>
-              <a:t>:</a:t>
+              <a:t>: Unskewing of numerical features</a:t>
             </a:r>
           </a:p>
           <a:p>
@@ -20029,26 +19539,13 @@
               <a:buChar char="•"/>
               <a:tabLst/>
             </a:pPr>
-            <a:r>
-              <a:rPr kumimoji="0" lang="en-US" altLang="en-US" sz="2000" b="1" i="0" u="none" strike="noStrike" cap="none" normalizeH="0" baseline="0" dirty="0">
-                <a:ln>
-                  <a:noFill/>
-                </a:ln>
-                <a:effectLst/>
-                <a:latin typeface="Arial" panose="020B0604020202020204" pitchFamily="34" charset="0"/>
-              </a:rPr>
-              <a:t> V1 (RobustScaler)</a:t>
-            </a:r>
-            <a:r>
-              <a:rPr kumimoji="0" lang="en-US" altLang="en-US" sz="2000" b="0" i="0" u="none" strike="noStrike" cap="none" normalizeH="0" baseline="0" dirty="0">
-                <a:ln>
-                  <a:noFill/>
-                </a:ln>
-                <a:effectLst/>
-                <a:latin typeface="Arial" panose="020B0604020202020204" pitchFamily="34" charset="0"/>
-              </a:rPr>
-              <a:t>: Scaling of numerical features</a:t>
-            </a:r>
+            <a:endParaRPr kumimoji="0" lang="en-US" altLang="en-US" sz="2400" b="0" i="0" u="none" strike="noStrike" cap="none" normalizeH="0" baseline="0" dirty="0">
+              <a:ln>
+                <a:noFill/>
+              </a:ln>
+              <a:effectLst/>
+              <a:latin typeface="Arial" panose="020B0604020202020204" pitchFamily="34" charset="0"/>
+            </a:endParaRPr>
           </a:p>
           <a:p>
             <a:pPr marL="0" marR="0" lvl="0" indent="0" defTabSz="914400" rtl="0" eaLnBrk="0" fontAlgn="base" latinLnBrk="0" hangingPunct="0">
@@ -20065,42 +19562,7 @@
               <a:tabLst/>
             </a:pPr>
             <a:r>
-              <a:rPr kumimoji="0" lang="en-US" altLang="en-US" sz="2000" b="1" i="0" u="none" strike="noStrike" cap="none" normalizeH="0" baseline="0" dirty="0">
-                <a:ln>
-                  <a:noFill/>
-                </a:ln>
-                <a:effectLst/>
-                <a:latin typeface="Arial" panose="020B0604020202020204" pitchFamily="34" charset="0"/>
-              </a:rPr>
-              <a:t> V2 (PowerTransformer)</a:t>
-            </a:r>
-            <a:r>
-              <a:rPr kumimoji="0" lang="en-US" altLang="en-US" sz="2000" b="0" i="0" u="none" strike="noStrike" cap="none" normalizeH="0" baseline="0" dirty="0">
-                <a:ln>
-                  <a:noFill/>
-                </a:ln>
-                <a:effectLst/>
-                <a:latin typeface="Arial" panose="020B0604020202020204" pitchFamily="34" charset="0"/>
-              </a:rPr>
-              <a:t>: Unskewing of numerical features</a:t>
-            </a:r>
-          </a:p>
-          <a:p>
-            <a:pPr marL="0" marR="0" lvl="0" indent="0" defTabSz="914400" rtl="0" eaLnBrk="0" fontAlgn="base" latinLnBrk="0" hangingPunct="0">
-              <a:spcBef>
-                <a:spcPct val="0"/>
-              </a:spcBef>
-              <a:spcAft>
-                <a:spcPts val="600"/>
-              </a:spcAft>
-              <a:buClrTx/>
-              <a:buSzTx/>
-              <a:buFontTx/>
-              <a:buChar char="•"/>
-              <a:tabLst/>
-            </a:pPr>
-            <a:r>
-              <a:rPr kumimoji="0" lang="en-US" altLang="en-US" sz="2000" b="1" i="0" u="none" strike="noStrike" cap="none" normalizeH="0" baseline="0" dirty="0">
+              <a:rPr kumimoji="0" lang="en-US" altLang="en-US" sz="2400" b="1" i="0" u="none" strike="noStrike" cap="none" normalizeH="0" baseline="0" dirty="0">
                 <a:ln>
                   <a:noFill/>
                 </a:ln>
@@ -20110,7 +19572,7 @@
               <a:t> Categorical Encoding</a:t>
             </a:r>
             <a:r>
-              <a:rPr kumimoji="0" lang="en-US" altLang="en-US" sz="2000" b="0" i="0" u="none" strike="noStrike" cap="none" normalizeH="0" baseline="0" dirty="0">
+              <a:rPr kumimoji="0" lang="en-US" altLang="en-US" sz="2400" b="0" i="0" u="none" strike="noStrike" cap="none" normalizeH="0" baseline="0" dirty="0">
                 <a:ln>
                   <a:noFill/>
                 </a:ln>
@@ -20635,8 +20097,8 @@
         </p:nvSpPr>
         <p:spPr bwMode="auto">
           <a:xfrm>
-            <a:off x="1045028" y="3017522"/>
-            <a:ext cx="9941319" cy="3124658"/>
+            <a:off x="1045028" y="2560322"/>
+            <a:ext cx="9941319" cy="3581858"/>
           </a:xfrm>
           <a:prstGeom prst="rect">
             <a:avLst/>
@@ -23706,7 +23168,7 @@
           <a:lstStyle/>
           <a:p>
             <a:r>
-              <a:rPr lang="en-US"/>
+              <a:rPr lang="en-US" dirty="0"/>
               <a:t>Final Model Evaluation: AdaBoost with Preprocessor V2</a:t>
             </a:r>
           </a:p>
@@ -24250,7 +23712,7 @@
           <a:lstStyle/>
           <a:p>
             <a:r>
-              <a:rPr lang="en-US"/>
+              <a:rPr lang="en-US" dirty="0"/>
               <a:t>Confusion Matrix: Final Model (AdaBoost V2)</a:t>
             </a:r>
           </a:p>
